--- a/Diagrammes Communs/Presentation_Revue0.pptx
+++ b/Diagrammes Communs/Presentation_Revue0.pptx
@@ -26,6 +26,11 @@
     <p:sldId id="274" r:id="rId20"/>
     <p:sldId id="275" r:id="rId21"/>
     <p:sldId id="276" r:id="rId22"/>
+    <p:sldId id="278" r:id="rId23"/>
+    <p:sldId id="280" r:id="rId24"/>
+    <p:sldId id="283" r:id="rId25"/>
+    <p:sldId id="281" r:id="rId26"/>
+    <p:sldId id="284" r:id="rId27"/>
   </p:sldIdLst>
   <p:sldSz cx="12192000" cy="6858000"/>
   <p:notesSz cx="6858000" cy="9144000"/>
@@ -124,6 +129,11 @@
       </a:defRPr>
     </a:lvl9pPr>
   </p:defaultTextStyle>
+  <p:extLst>
+    <p:ext uri="{EFAFB233-063F-42B5-8137-9DF3F51BA10A}">
+      <p15:sldGuideLst xmlns:p15="http://schemas.microsoft.com/office/powerpoint/2012/main"/>
+    </p:ext>
+  </p:extLst>
 </p:presentation>
 </file>
 
@@ -3701,14 +3711,14 @@
             <a:r>
               <a:rPr lang="fr-FR" dirty="0" smtClean="0">
                 <a:solidFill>
-                  <a:srgbClr val="00B0F0"/>
+                  <a:srgbClr val="FF0000"/>
                 </a:solidFill>
               </a:rPr>
               <a:t>Etudiant 2 : Jouen Matthias</a:t>
             </a:r>
             <a:endParaRPr lang="fr-FR" dirty="0">
               <a:solidFill>
-                <a:srgbClr val="00B0F0"/>
+                <a:srgbClr val="FF0000"/>
               </a:solidFill>
             </a:endParaRPr>
           </a:p>
@@ -3785,13 +3795,8 @@
             <a:pPr lvl="1"/>
             <a:r>
               <a:rPr lang="fr-FR" dirty="0" smtClean="0"/>
-              <a:t>3)</a:t>
-            </a:r>
-            <a:r>
-              <a:rPr lang="fr-FR" dirty="0" smtClean="0"/>
-              <a:t> Scénario</a:t>
-            </a:r>
-            <a:endParaRPr lang="fr-FR" dirty="0" smtClean="0"/>
+              <a:t>3) Scénario</a:t>
+            </a:r>
           </a:p>
           <a:p>
             <a:r>
@@ -4533,7 +4538,7 @@
           <a:p>
             <a:r>
               <a:rPr lang="fr-FR" dirty="0" smtClean="0"/>
-              <a:t>IV) Gant Prévisionnel</a:t>
+              <a:t>IV) Gantt Actuel</a:t>
             </a:r>
             <a:endParaRPr lang="fr-FR" dirty="0"/>
           </a:p>
@@ -4790,6 +4795,719 @@
 </p:sld>
 </file>
 
+<file path=ppt/slides/slide22.xml><?xml version="1.0" encoding="utf-8"?>
+<p:sld xmlns:a="http://schemas.openxmlformats.org/drawingml/2006/main" xmlns:r="http://schemas.openxmlformats.org/officeDocument/2006/relationships" xmlns:p="http://schemas.openxmlformats.org/presentationml/2006/main">
+  <p:cSld>
+    <p:spTree>
+      <p:nvGrpSpPr>
+        <p:cNvPr id="1" name=""/>
+        <p:cNvGrpSpPr/>
+        <p:nvPr/>
+      </p:nvGrpSpPr>
+      <p:grpSpPr>
+        <a:xfrm>
+          <a:off x="0" y="0"/>
+          <a:ext cx="0" cy="0"/>
+          <a:chOff x="0" y="0"/>
+          <a:chExt cx="0" cy="0"/>
+        </a:xfrm>
+      </p:grpSpPr>
+      <p:sp>
+        <p:nvSpPr>
+          <p:cNvPr id="2" name="Titre 1"/>
+          <p:cNvSpPr>
+            <a:spLocks noGrp="1"/>
+          </p:cNvSpPr>
+          <p:nvPr>
+            <p:ph type="title"/>
+          </p:nvPr>
+        </p:nvSpPr>
+        <p:spPr/>
+        <p:txBody>
+          <a:bodyPr/>
+          <a:lstStyle/>
+          <a:p>
+            <a:r>
+              <a:rPr lang="fr-FR" dirty="0">
+                <a:solidFill>
+                  <a:schemeClr val="accent6">
+                    <a:lumMod val="75000"/>
+                  </a:schemeClr>
+                </a:solidFill>
+              </a:rPr>
+              <a:t>Etudiant </a:t>
+            </a:r>
+            <a:r>
+              <a:rPr lang="fr-FR" dirty="0" smtClean="0">
+                <a:solidFill>
+                  <a:schemeClr val="accent6">
+                    <a:lumMod val="75000"/>
+                  </a:schemeClr>
+                </a:solidFill>
+              </a:rPr>
+              <a:t>3 </a:t>
+            </a:r>
+            <a:r>
+              <a:rPr lang="fr-FR" dirty="0">
+                <a:solidFill>
+                  <a:schemeClr val="accent6">
+                    <a:lumMod val="75000"/>
+                  </a:schemeClr>
+                </a:solidFill>
+              </a:rPr>
+              <a:t>: </a:t>
+            </a:r>
+            <a:r>
+              <a:rPr lang="fr-FR" dirty="0" err="1" smtClean="0">
+                <a:solidFill>
+                  <a:schemeClr val="accent6">
+                    <a:lumMod val="75000"/>
+                  </a:schemeClr>
+                </a:solidFill>
+              </a:rPr>
+              <a:t>Lapraye</a:t>
+            </a:r>
+            <a:r>
+              <a:rPr lang="fr-FR" dirty="0" smtClean="0">
+                <a:solidFill>
+                  <a:schemeClr val="accent6">
+                    <a:lumMod val="75000"/>
+                  </a:schemeClr>
+                </a:solidFill>
+              </a:rPr>
+              <a:t> Serge</a:t>
+            </a:r>
+            <a:endParaRPr lang="fr-FR" dirty="0">
+              <a:solidFill>
+                <a:schemeClr val="accent6">
+                  <a:lumMod val="75000"/>
+                </a:schemeClr>
+              </a:solidFill>
+            </a:endParaRPr>
+          </a:p>
+        </p:txBody>
+      </p:sp>
+      <p:sp>
+        <p:nvSpPr>
+          <p:cNvPr id="3" name="Espace réservé du contenu 2"/>
+          <p:cNvSpPr>
+            <a:spLocks noGrp="1"/>
+          </p:cNvSpPr>
+          <p:nvPr>
+            <p:ph idx="1"/>
+          </p:nvPr>
+        </p:nvSpPr>
+        <p:spPr/>
+        <p:txBody>
+          <a:bodyPr>
+            <a:normAutofit fontScale="92500" lnSpcReduction="20000"/>
+          </a:bodyPr>
+          <a:lstStyle/>
+          <a:p>
+            <a:r>
+              <a:rPr lang="fr-FR" dirty="0" smtClean="0"/>
+              <a:t>I) Analyse complète du système</a:t>
+            </a:r>
+          </a:p>
+          <a:p>
+            <a:pPr lvl="1"/>
+            <a:r>
+              <a:rPr lang="fr-FR" dirty="0" smtClean="0"/>
+              <a:t>1) Diagramme de cas d’utilisation</a:t>
+            </a:r>
+          </a:p>
+          <a:p>
+            <a:pPr lvl="1"/>
+            <a:r>
+              <a:rPr lang="fr-FR" dirty="0" smtClean="0"/>
+              <a:t>2) Scénario</a:t>
+            </a:r>
+          </a:p>
+          <a:p>
+            <a:pPr lvl="1"/>
+            <a:r>
+              <a:rPr lang="fr-FR" dirty="0" smtClean="0"/>
+              <a:t>3) Diagramme de séquence</a:t>
+            </a:r>
+          </a:p>
+          <a:p>
+            <a:pPr lvl="2"/>
+            <a:r>
+              <a:rPr lang="fr-FR" dirty="0" smtClean="0"/>
+              <a:t>a) Affichage des infos en temps réels</a:t>
+            </a:r>
+          </a:p>
+          <a:p>
+            <a:pPr lvl="2"/>
+            <a:r>
+              <a:rPr lang="fr-FR" dirty="0" smtClean="0"/>
+              <a:t>b) Switch de page de par le C++</a:t>
+            </a:r>
+          </a:p>
+          <a:p>
+            <a:r>
+              <a:rPr lang="fr-FR" dirty="0" smtClean="0"/>
+              <a:t>II) Etude physique du WI-FI</a:t>
+            </a:r>
+          </a:p>
+          <a:p>
+            <a:pPr lvl="1"/>
+            <a:r>
+              <a:rPr lang="fr-FR" dirty="0" smtClean="0"/>
+              <a:t>1) Fonctionnement</a:t>
+            </a:r>
+          </a:p>
+          <a:p>
+            <a:pPr lvl="2"/>
+            <a:r>
+              <a:rPr lang="fr-FR" dirty="0" smtClean="0"/>
+              <a:t>a) Introduction du wifi</a:t>
+            </a:r>
+          </a:p>
+          <a:p>
+            <a:pPr lvl="2"/>
+            <a:r>
+              <a:rPr lang="fr-FR" dirty="0" smtClean="0"/>
+              <a:t>b) Principe du wifi</a:t>
+            </a:r>
+          </a:p>
+          <a:p>
+            <a:pPr lvl="2"/>
+            <a:r>
+              <a:rPr lang="fr-FR" dirty="0" smtClean="0"/>
+              <a:t>c) Principes de fonctionnements</a:t>
+            </a:r>
+          </a:p>
+          <a:p>
+            <a:pPr lvl="1"/>
+            <a:r>
+              <a:rPr lang="fr-FR" dirty="0" smtClean="0"/>
+              <a:t>2) Utilisation et choix du WI-FI</a:t>
+            </a:r>
+          </a:p>
+          <a:p>
+            <a:pPr lvl="2"/>
+            <a:r>
+              <a:rPr lang="fr-FR" dirty="0" smtClean="0"/>
+              <a:t>a) Utilisation précise du wifi</a:t>
+            </a:r>
+          </a:p>
+          <a:p>
+            <a:pPr lvl="2"/>
+            <a:r>
+              <a:rPr lang="fr-FR" dirty="0" smtClean="0"/>
+              <a:t>b) Le choix du wifi</a:t>
+            </a:r>
+            <a:endParaRPr lang="fr-FR" dirty="0"/>
+          </a:p>
+        </p:txBody>
+      </p:sp>
+    </p:spTree>
+    <p:extLst>
+      <p:ext uri="{BB962C8B-B14F-4D97-AF65-F5344CB8AC3E}">
+        <p14:creationId xmlns:p14="http://schemas.microsoft.com/office/powerpoint/2010/main" val="1010092771"/>
+      </p:ext>
+    </p:extLst>
+  </p:cSld>
+  <p:clrMapOvr>
+    <a:masterClrMapping/>
+  </p:clrMapOvr>
+</p:sld>
+</file>
+
+<file path=ppt/slides/slide23.xml><?xml version="1.0" encoding="utf-8"?>
+<p:sld xmlns:a="http://schemas.openxmlformats.org/drawingml/2006/main" xmlns:r="http://schemas.openxmlformats.org/officeDocument/2006/relationships" xmlns:p="http://schemas.openxmlformats.org/presentationml/2006/main">
+  <p:cSld>
+    <p:spTree>
+      <p:nvGrpSpPr>
+        <p:cNvPr id="1" name=""/>
+        <p:cNvGrpSpPr/>
+        <p:nvPr/>
+      </p:nvGrpSpPr>
+      <p:grpSpPr>
+        <a:xfrm>
+          <a:off x="0" y="0"/>
+          <a:ext cx="0" cy="0"/>
+          <a:chOff x="0" y="0"/>
+          <a:chExt cx="0" cy="0"/>
+        </a:xfrm>
+      </p:grpSpPr>
+      <p:sp>
+        <p:nvSpPr>
+          <p:cNvPr id="2" name="Titre 1"/>
+          <p:cNvSpPr>
+            <a:spLocks noGrp="1"/>
+          </p:cNvSpPr>
+          <p:nvPr>
+            <p:ph type="title"/>
+          </p:nvPr>
+        </p:nvSpPr>
+        <p:spPr>
+          <a:xfrm>
+            <a:off x="838199" y="1"/>
+            <a:ext cx="10515600" cy="923192"/>
+          </a:xfrm>
+        </p:spPr>
+        <p:txBody>
+          <a:bodyPr>
+            <a:noAutofit/>
+          </a:bodyPr>
+          <a:lstStyle/>
+          <a:p>
+            <a:pPr algn="ctr"/>
+            <a:r>
+              <a:rPr lang="fr-FR" sz="3200" dirty="0" smtClean="0"/>
+              <a:t>I) Analyse complète du système</a:t>
+            </a:r>
+            <a:r>
+              <a:rPr lang="fr-FR" sz="4000" dirty="0" smtClean="0"/>
+              <a:t/>
+            </a:r>
+            <a:br>
+              <a:rPr lang="fr-FR" sz="4000" dirty="0" smtClean="0"/>
+            </a:br>
+            <a:r>
+              <a:rPr lang="fr-FR" sz="3600" dirty="0" smtClean="0"/>
+              <a:t>	</a:t>
+            </a:r>
+            <a:r>
+              <a:rPr lang="fr-FR" sz="2400" dirty="0"/>
+              <a:t>1) Diagramme de cas d’utilisation</a:t>
+            </a:r>
+            <a:endParaRPr lang="fr-FR" sz="2800" dirty="0"/>
+          </a:p>
+        </p:txBody>
+      </p:sp>
+      <p:pic>
+        <p:nvPicPr>
+          <p:cNvPr id="5" name="Picture 33"/>
+          <p:cNvPicPr/>
+          <p:nvPr/>
+        </p:nvPicPr>
+        <p:blipFill rotWithShape="1">
+          <a:blip r:embed="rId2">
+            <a:extLst>
+              <a:ext uri="{28A0092B-C50C-407E-A947-70E740481C1C}">
+                <a14:useLocalDpi xmlns:a14="http://schemas.microsoft.com/office/drawing/2010/main" val="0"/>
+              </a:ext>
+            </a:extLst>
+          </a:blip>
+          <a:srcRect t="5957" b="3991"/>
+          <a:stretch/>
+        </p:blipFill>
+        <p:spPr bwMode="auto">
+          <a:xfrm>
+            <a:off x="1699845" y="861647"/>
+            <a:ext cx="8792307" cy="5996353"/>
+          </a:xfrm>
+          <a:prstGeom prst="rect">
+            <a:avLst/>
+          </a:prstGeom>
+          <a:noFill/>
+          <a:ln>
+            <a:noFill/>
+          </a:ln>
+        </p:spPr>
+      </p:pic>
+    </p:spTree>
+    <p:extLst>
+      <p:ext uri="{BB962C8B-B14F-4D97-AF65-F5344CB8AC3E}">
+        <p14:creationId xmlns:p14="http://schemas.microsoft.com/office/powerpoint/2010/main" val="2859212620"/>
+      </p:ext>
+    </p:extLst>
+  </p:cSld>
+  <p:clrMapOvr>
+    <a:masterClrMapping/>
+  </p:clrMapOvr>
+  <p:timing>
+    <p:tnLst>
+      <p:par>
+        <p:cTn id="1" dur="indefinite" restart="never" nodeType="tmRoot"/>
+      </p:par>
+    </p:tnLst>
+  </p:timing>
+</p:sld>
+</file>
+
+<file path=ppt/slides/slide24.xml><?xml version="1.0" encoding="utf-8"?>
+<p:sld xmlns:a="http://schemas.openxmlformats.org/drawingml/2006/main" xmlns:r="http://schemas.openxmlformats.org/officeDocument/2006/relationships" xmlns:p="http://schemas.openxmlformats.org/presentationml/2006/main">
+  <p:cSld>
+    <p:spTree>
+      <p:nvGrpSpPr>
+        <p:cNvPr id="1" name=""/>
+        <p:cNvGrpSpPr/>
+        <p:nvPr/>
+      </p:nvGrpSpPr>
+      <p:grpSpPr>
+        <a:xfrm>
+          <a:off x="0" y="0"/>
+          <a:ext cx="0" cy="0"/>
+          <a:chOff x="0" y="0"/>
+          <a:chExt cx="0" cy="0"/>
+        </a:xfrm>
+      </p:grpSpPr>
+      <p:sp>
+        <p:nvSpPr>
+          <p:cNvPr id="2" name="Titre 1"/>
+          <p:cNvSpPr>
+            <a:spLocks noGrp="1"/>
+          </p:cNvSpPr>
+          <p:nvPr>
+            <p:ph type="title"/>
+          </p:nvPr>
+        </p:nvSpPr>
+        <p:spPr>
+          <a:xfrm>
+            <a:off x="838200" y="0"/>
+            <a:ext cx="10515600" cy="487729"/>
+          </a:xfrm>
+        </p:spPr>
+        <p:txBody>
+          <a:bodyPr>
+            <a:normAutofit/>
+          </a:bodyPr>
+          <a:lstStyle/>
+          <a:p>
+            <a:pPr algn="ctr"/>
+            <a:r>
+              <a:rPr lang="fr-FR" sz="2800" dirty="0"/>
+              <a:t>2</a:t>
+            </a:r>
+            <a:r>
+              <a:rPr lang="fr-FR" sz="2800" dirty="0" smtClean="0"/>
+              <a:t>) </a:t>
+            </a:r>
+            <a:r>
+              <a:rPr lang="fr-FR" sz="2800" dirty="0" smtClean="0"/>
+              <a:t>Scénario</a:t>
+            </a:r>
+            <a:endParaRPr lang="fr-FR" sz="2800" dirty="0"/>
+          </a:p>
+        </p:txBody>
+      </p:sp>
+      <p:sp>
+        <p:nvSpPr>
+          <p:cNvPr id="3" name="Espace réservé du contenu 2"/>
+          <p:cNvSpPr>
+            <a:spLocks noGrp="1"/>
+          </p:cNvSpPr>
+          <p:nvPr>
+            <p:ph idx="1"/>
+          </p:nvPr>
+        </p:nvSpPr>
+        <p:spPr>
+          <a:xfrm>
+            <a:off x="360485" y="805716"/>
+            <a:ext cx="10993315" cy="5647837"/>
+          </a:xfrm>
+        </p:spPr>
+        <p:txBody>
+          <a:bodyPr>
+            <a:normAutofit fontScale="92500" lnSpcReduction="10000"/>
+          </a:bodyPr>
+          <a:lstStyle/>
+          <a:p>
+            <a:r>
+              <a:rPr lang="fr-FR" sz="2600" dirty="0"/>
+              <a:t>1 . L’utilisateur à fini sa course et veut connaître son classement donc il se rend sur le site et  renseigne ses identifiants . Une fois connecté il appuie sur le bouton « afficher le classement » et son classement s’affiche  .</a:t>
+            </a:r>
+          </a:p>
+          <a:p>
+            <a:r>
+              <a:rPr lang="fr-FR" sz="2600" dirty="0"/>
+              <a:t>2 . L’utilisateur veut connaître son classement par rapport à sa classe donc il se rend sur le site et  appuie sur l’onglet « afficher le classement par classe » . Le classement se trie par rapport aux participants de la classe de l’utilisateur et affiche un nouveau classement.</a:t>
+            </a:r>
+          </a:p>
+          <a:p>
+            <a:r>
+              <a:rPr lang="fr-FR" sz="2600" dirty="0"/>
+              <a:t>3 . L’utilisateur veut afficher son temps de course donc il se rend sur le site et appuie sur l’onglet « afficher le temps de course » et le temps de course de l’utilisateur s’affiche .</a:t>
+            </a:r>
+          </a:p>
+          <a:p>
+            <a:r>
+              <a:rPr lang="fr-FR" sz="2600" dirty="0"/>
+              <a:t>4 . L’utilisateur veut connaître la moyenne du temps de course donc il appuie sur l’onglet « Afficher la moyenne du temps de course » et la moyenne du temps de course s’affiche et l’utilisateur peut comparer son temps avec celui de la course. </a:t>
+            </a:r>
+          </a:p>
+          <a:p>
+            <a:r>
+              <a:rPr lang="fr-FR" sz="2600" dirty="0"/>
+              <a:t>5. L’utilisateur veut se renseigner sur la prochaine course programmé et se rend sur le site , si une course est programmé il apprend la date de celle – ci autrement , il aperçoit le message « aucune course est programmé prochainement » . </a:t>
+            </a:r>
+          </a:p>
+          <a:p>
+            <a:pPr marL="0" indent="0">
+              <a:buNone/>
+            </a:pPr>
+            <a:endParaRPr lang="fr-FR" dirty="0"/>
+          </a:p>
+        </p:txBody>
+      </p:sp>
+    </p:spTree>
+    <p:extLst>
+      <p:ext uri="{BB962C8B-B14F-4D97-AF65-F5344CB8AC3E}">
+        <p14:creationId xmlns:p14="http://schemas.microsoft.com/office/powerpoint/2010/main" val="266929531"/>
+      </p:ext>
+    </p:extLst>
+  </p:cSld>
+  <p:clrMapOvr>
+    <a:masterClrMapping/>
+  </p:clrMapOvr>
+  <p:timing>
+    <p:tnLst>
+      <p:par>
+        <p:cTn id="1" dur="indefinite" restart="never" nodeType="tmRoot"/>
+      </p:par>
+    </p:tnLst>
+  </p:timing>
+</p:sld>
+</file>
+
+<file path=ppt/slides/slide25.xml><?xml version="1.0" encoding="utf-8"?>
+<p:sld xmlns:a="http://schemas.openxmlformats.org/drawingml/2006/main" xmlns:r="http://schemas.openxmlformats.org/officeDocument/2006/relationships" xmlns:p="http://schemas.openxmlformats.org/presentationml/2006/main">
+  <p:cSld>
+    <p:spTree>
+      <p:nvGrpSpPr>
+        <p:cNvPr id="1" name=""/>
+        <p:cNvGrpSpPr/>
+        <p:nvPr/>
+      </p:nvGrpSpPr>
+      <p:grpSpPr>
+        <a:xfrm>
+          <a:off x="0" y="0"/>
+          <a:ext cx="0" cy="0"/>
+          <a:chOff x="0" y="0"/>
+          <a:chExt cx="0" cy="0"/>
+        </a:xfrm>
+      </p:grpSpPr>
+      <p:sp>
+        <p:nvSpPr>
+          <p:cNvPr id="2" name="Titre 1"/>
+          <p:cNvSpPr>
+            <a:spLocks noGrp="1"/>
+          </p:cNvSpPr>
+          <p:nvPr>
+            <p:ph type="title"/>
+          </p:nvPr>
+        </p:nvSpPr>
+        <p:spPr>
+          <a:xfrm>
+            <a:off x="759068" y="0"/>
+            <a:ext cx="10515600" cy="1169377"/>
+          </a:xfrm>
+        </p:spPr>
+        <p:txBody>
+          <a:bodyPr>
+            <a:normAutofit fontScale="90000"/>
+          </a:bodyPr>
+          <a:lstStyle/>
+          <a:p>
+            <a:pPr lvl="2" algn="ctr" rtl="0">
+              <a:lnSpc>
+                <a:spcPct val="90000"/>
+              </a:lnSpc>
+              <a:spcBef>
+                <a:spcPct val="0"/>
+              </a:spcBef>
+            </a:pPr>
+            <a:r>
+              <a:rPr lang="fr-FR" sz="3100" dirty="0">
+                <a:latin typeface="+mj-lt"/>
+              </a:rPr>
+              <a:t>3</a:t>
+            </a:r>
+            <a:r>
+              <a:rPr lang="fr-FR" sz="3100" dirty="0" smtClean="0">
+                <a:latin typeface="+mj-lt"/>
+              </a:rPr>
+              <a:t>) Diagramme </a:t>
+            </a:r>
+            <a:r>
+              <a:rPr lang="fr-FR" sz="3100" dirty="0">
+                <a:latin typeface="+mj-lt"/>
+              </a:rPr>
+              <a:t>de séquence</a:t>
+            </a:r>
+            <a:r>
+              <a:rPr lang="fr-FR" sz="3200" dirty="0">
+                <a:latin typeface="+mj-lt"/>
+              </a:rPr>
+              <a:t/>
+            </a:r>
+            <a:br>
+              <a:rPr lang="fr-FR" sz="3200" dirty="0">
+                <a:latin typeface="+mj-lt"/>
+              </a:rPr>
+            </a:br>
+            <a:r>
+              <a:rPr lang="fr-FR" sz="3200" dirty="0">
+                <a:latin typeface="+mj-lt"/>
+              </a:rPr>
+              <a:t>	</a:t>
+            </a:r>
+            <a:r>
+              <a:rPr lang="fr-FR" sz="2400" dirty="0" smtClean="0">
+                <a:latin typeface="+mj-lt"/>
+              </a:rPr>
+              <a:t>a) </a:t>
+            </a:r>
+            <a:r>
+              <a:rPr lang="fr-FR" sz="2400" dirty="0" smtClean="0">
+                <a:latin typeface="+mj-lt"/>
+              </a:rPr>
+              <a:t>Affichage des infos en temps réels</a:t>
+            </a:r>
+            <a:r>
+              <a:rPr lang="fr-FR" dirty="0" smtClean="0"/>
+              <a:t/>
+            </a:r>
+            <a:br>
+              <a:rPr lang="fr-FR" dirty="0" smtClean="0"/>
+            </a:br>
+            <a:endParaRPr lang="fr-FR" sz="3200" dirty="0"/>
+          </a:p>
+        </p:txBody>
+      </p:sp>
+      <p:pic>
+        <p:nvPicPr>
+          <p:cNvPr id="3" name="Image 2"/>
+          <p:cNvPicPr>
+            <a:picLocks noChangeAspect="1"/>
+          </p:cNvPicPr>
+          <p:nvPr/>
+        </p:nvPicPr>
+        <p:blipFill rotWithShape="1">
+          <a:blip r:embed="rId2">
+            <a:extLst>
+              <a:ext uri="{28A0092B-C50C-407E-A947-70E740481C1C}">
+                <a14:useLocalDpi xmlns:a14="http://schemas.microsoft.com/office/drawing/2010/main" val="0"/>
+              </a:ext>
+            </a:extLst>
+          </a:blip>
+          <a:srcRect l="13824" t="8239" r="14077" b="9066"/>
+          <a:stretch/>
+        </p:blipFill>
+        <p:spPr>
+          <a:xfrm>
+            <a:off x="1564331" y="800101"/>
+            <a:ext cx="8905073" cy="5846884"/>
+          </a:xfrm>
+          <a:prstGeom prst="rect">
+            <a:avLst/>
+          </a:prstGeom>
+        </p:spPr>
+      </p:pic>
+    </p:spTree>
+    <p:extLst>
+      <p:ext uri="{BB962C8B-B14F-4D97-AF65-F5344CB8AC3E}">
+        <p14:creationId xmlns:p14="http://schemas.microsoft.com/office/powerpoint/2010/main" val="2445017002"/>
+      </p:ext>
+    </p:extLst>
+  </p:cSld>
+  <p:clrMapOvr>
+    <a:masterClrMapping/>
+  </p:clrMapOvr>
+  <p:timing>
+    <p:tnLst>
+      <p:par>
+        <p:cTn id="1" dur="indefinite" restart="never" nodeType="tmRoot"/>
+      </p:par>
+    </p:tnLst>
+  </p:timing>
+</p:sld>
+</file>
+
+<file path=ppt/slides/slide26.xml><?xml version="1.0" encoding="utf-8"?>
+<p:sld xmlns:a="http://schemas.openxmlformats.org/drawingml/2006/main" xmlns:r="http://schemas.openxmlformats.org/officeDocument/2006/relationships" xmlns:p="http://schemas.openxmlformats.org/presentationml/2006/main">
+  <p:cSld>
+    <p:spTree>
+      <p:nvGrpSpPr>
+        <p:cNvPr id="1" name=""/>
+        <p:cNvGrpSpPr/>
+        <p:nvPr/>
+      </p:nvGrpSpPr>
+      <p:grpSpPr>
+        <a:xfrm>
+          <a:off x="0" y="0"/>
+          <a:ext cx="0" cy="0"/>
+          <a:chOff x="0" y="0"/>
+          <a:chExt cx="0" cy="0"/>
+        </a:xfrm>
+      </p:grpSpPr>
+      <p:sp>
+        <p:nvSpPr>
+          <p:cNvPr id="2" name="Titre 1"/>
+          <p:cNvSpPr>
+            <a:spLocks noGrp="1"/>
+          </p:cNvSpPr>
+          <p:nvPr>
+            <p:ph type="title"/>
+          </p:nvPr>
+        </p:nvSpPr>
+        <p:spPr>
+          <a:xfrm>
+            <a:off x="838200" y="365125"/>
+            <a:ext cx="10515600" cy="496521"/>
+          </a:xfrm>
+        </p:spPr>
+        <p:txBody>
+          <a:bodyPr>
+            <a:normAutofit/>
+          </a:bodyPr>
+          <a:lstStyle/>
+          <a:p>
+            <a:pPr algn="ctr"/>
+            <a:r>
+              <a:rPr lang="fr-FR" sz="2400" dirty="0" smtClean="0"/>
+              <a:t>b) Switch de page de par le C++</a:t>
+            </a:r>
+            <a:endParaRPr lang="fr-FR" sz="2400" dirty="0"/>
+          </a:p>
+        </p:txBody>
+      </p:sp>
+      <p:pic>
+        <p:nvPicPr>
+          <p:cNvPr id="4" name="Espace réservé du contenu 3"/>
+          <p:cNvPicPr>
+            <a:picLocks noGrp="1" noChangeAspect="1"/>
+          </p:cNvPicPr>
+          <p:nvPr>
+            <p:ph idx="1"/>
+          </p:nvPr>
+        </p:nvPicPr>
+        <p:blipFill>
+          <a:blip r:embed="rId2">
+            <a:extLst>
+              <a:ext uri="{28A0092B-C50C-407E-A947-70E740481C1C}">
+                <a14:useLocalDpi xmlns:a14="http://schemas.microsoft.com/office/drawing/2010/main" val="0"/>
+              </a:ext>
+            </a:extLst>
+          </a:blip>
+          <a:stretch>
+            <a:fillRect/>
+          </a:stretch>
+        </p:blipFill>
+        <p:spPr>
+          <a:xfrm>
+            <a:off x="595551" y="1195754"/>
+            <a:ext cx="11000897" cy="5077338"/>
+          </a:xfrm>
+        </p:spPr>
+      </p:pic>
+    </p:spTree>
+    <p:extLst>
+      <p:ext uri="{BB962C8B-B14F-4D97-AF65-F5344CB8AC3E}">
+        <p14:creationId xmlns:p14="http://schemas.microsoft.com/office/powerpoint/2010/main" val="1431005910"/>
+      </p:ext>
+    </p:extLst>
+  </p:cSld>
+  <p:clrMapOvr>
+    <a:masterClrMapping/>
+  </p:clrMapOvr>
+</p:sld>
+</file>
+
 <file path=ppt/slides/slide3.xml><?xml version="1.0" encoding="utf-8"?>
 <p:sld xmlns:a="http://schemas.openxmlformats.org/drawingml/2006/main" xmlns:r="http://schemas.openxmlformats.org/officeDocument/2006/relationships" xmlns:p="http://schemas.openxmlformats.org/presentationml/2006/main">
   <p:cSld>
@@ -4829,11 +5547,7 @@
           <a:p>
             <a:r>
               <a:rPr lang="fr-FR" dirty="0" smtClean="0"/>
-              <a:t>I) </a:t>
-            </a:r>
-            <a:r>
-              <a:rPr lang="fr-FR" dirty="0" smtClean="0"/>
-              <a:t>Diagramme de cas d’utilisation commun</a:t>
+              <a:t>I) Diagramme de cas d’utilisation commun</a:t>
             </a:r>
             <a:endParaRPr lang="fr-FR" dirty="0"/>
           </a:p>
@@ -4938,15 +5652,7 @@
           <a:p>
             <a:r>
               <a:rPr lang="fr-FR" dirty="0" smtClean="0"/>
-              <a:t>II) </a:t>
-            </a:r>
-            <a:r>
-              <a:rPr lang="fr-FR" dirty="0" smtClean="0"/>
-              <a:t>Modèle Conceptuel de Données</a:t>
-            </a:r>
-            <a:r>
-              <a:rPr lang="fr-FR" dirty="0" smtClean="0"/>
-              <a:t> </a:t>
+              <a:t>II) Modèle Conceptuel de Données </a:t>
             </a:r>
             <a:endParaRPr lang="fr-FR" dirty="0"/>
           </a:p>
@@ -5130,31 +5836,41 @@
           <a:p>
             <a:r>
               <a:rPr lang="fr-FR" dirty="0" smtClean="0"/>
-              <a:t>IV) Gant prévisionnel</a:t>
+              <a:t>IV) Gantt actuel</a:t>
             </a:r>
             <a:endParaRPr lang="fr-FR" dirty="0"/>
           </a:p>
         </p:txBody>
       </p:sp>
-      <p:sp>
-        <p:nvSpPr>
-          <p:cNvPr id="3" name="Espace réservé du contenu 2"/>
-          <p:cNvSpPr>
-            <a:spLocks noGrp="1"/>
-          </p:cNvSpPr>
+      <p:pic>
+        <p:nvPicPr>
+          <p:cNvPr id="4" name="Espace réservé du contenu 3"/>
+          <p:cNvPicPr>
+            <a:picLocks noGrp="1" noChangeAspect="1"/>
+          </p:cNvPicPr>
           <p:nvPr>
             <p:ph idx="1"/>
           </p:nvPr>
-        </p:nvSpPr>
-        <p:spPr/>
-        <p:txBody>
-          <a:bodyPr/>
-          <a:lstStyle/>
-          <a:p>
-            <a:endParaRPr lang="fr-FR"/>
-          </a:p>
-        </p:txBody>
-      </p:sp>
+        </p:nvPicPr>
+        <p:blipFill>
+          <a:blip r:embed="rId2">
+            <a:extLst>
+              <a:ext uri="{28A0092B-C50C-407E-A947-70E740481C1C}">
+                <a14:useLocalDpi xmlns:a14="http://schemas.microsoft.com/office/drawing/2010/main" val="0"/>
+              </a:ext>
+            </a:extLst>
+          </a:blip>
+          <a:stretch>
+            <a:fillRect/>
+          </a:stretch>
+        </p:blipFill>
+        <p:spPr>
+          <a:xfrm>
+            <a:off x="63992" y="1433146"/>
+            <a:ext cx="12128008" cy="3447085"/>
+          </a:xfrm>
+        </p:spPr>
+      </p:pic>
     </p:spTree>
     <p:extLst>
       <p:ext uri="{BB962C8B-B14F-4D97-AF65-F5344CB8AC3E}">
@@ -5365,11 +6081,7 @@
             <a:pPr lvl="2"/>
             <a:r>
               <a:rPr lang="fr-FR" dirty="0" smtClean="0"/>
-              <a:t>c) </a:t>
-            </a:r>
-            <a:r>
-              <a:rPr lang="fr-FR" dirty="0" smtClean="0"/>
-              <a:t>Les capacités de la puce RFID</a:t>
+              <a:t>c) Les capacités de la puce RFID</a:t>
             </a:r>
           </a:p>
           <a:p>

--- a/Diagrammes Communs/Presentation_Revue0.pptx
+++ b/Diagrammes Communs/Presentation_Revue0.pptx
@@ -179,10 +179,9 @@
           </a:lstStyle>
           <a:p>
             <a:r>
-              <a:rPr lang="fr-FR" smtClean="0"/>
+              <a:rPr lang="fr-FR"/>
               <a:t>Modifiez le style du titre</a:t>
             </a:r>
-            <a:endParaRPr lang="fr-FR"/>
           </a:p>
         </p:txBody>
       </p:sp>
@@ -244,10 +243,9 @@
           </a:lstStyle>
           <a:p>
             <a:r>
-              <a:rPr lang="fr-FR" smtClean="0"/>
+              <a:rPr lang="fr-FR"/>
               <a:t>Modifier le style des sous-titres du masque</a:t>
             </a:r>
-            <a:endParaRPr lang="fr-FR"/>
           </a:p>
         </p:txBody>
       </p:sp>
@@ -310,7 +308,7 @@
           <a:p>
             <a:fld id="{8B503305-53DE-4F42-A03A-844B2BF6A04D}" type="slidenum">
               <a:rPr lang="fr-FR" smtClean="0"/>
-              <a:t>‹N°›</a:t>
+              <a:t>‹#›</a:t>
             </a:fld>
             <a:endParaRPr lang="fr-FR"/>
           </a:p>
@@ -362,10 +360,9 @@
           <a:lstStyle/>
           <a:p>
             <a:r>
-              <a:rPr lang="fr-FR" smtClean="0"/>
+              <a:rPr lang="fr-FR"/>
               <a:t>Modifiez le style du titre</a:t>
             </a:r>
-            <a:endParaRPr lang="fr-FR"/>
           </a:p>
         </p:txBody>
       </p:sp>
@@ -386,38 +383,37 @@
           <a:p>
             <a:pPr lvl="0"/>
             <a:r>
-              <a:rPr lang="fr-FR" smtClean="0"/>
+              <a:rPr lang="fr-FR"/>
               <a:t>Modifier les styles du texte du masque</a:t>
             </a:r>
           </a:p>
           <a:p>
             <a:pPr lvl="1"/>
             <a:r>
-              <a:rPr lang="fr-FR" smtClean="0"/>
+              <a:rPr lang="fr-FR"/>
               <a:t>Deuxième niveau</a:t>
             </a:r>
           </a:p>
           <a:p>
             <a:pPr lvl="2"/>
             <a:r>
-              <a:rPr lang="fr-FR" smtClean="0"/>
+              <a:rPr lang="fr-FR"/>
               <a:t>Troisième niveau</a:t>
             </a:r>
           </a:p>
           <a:p>
             <a:pPr lvl="3"/>
             <a:r>
-              <a:rPr lang="fr-FR" smtClean="0"/>
+              <a:rPr lang="fr-FR"/>
               <a:t>Quatrième niveau</a:t>
             </a:r>
           </a:p>
           <a:p>
             <a:pPr lvl="4"/>
             <a:r>
-              <a:rPr lang="fr-FR" smtClean="0"/>
+              <a:rPr lang="fr-FR"/>
               <a:t>Cinquième niveau</a:t>
             </a:r>
-            <a:endParaRPr lang="fr-FR"/>
           </a:p>
         </p:txBody>
       </p:sp>
@@ -480,7 +476,7 @@
           <a:p>
             <a:fld id="{8B503305-53DE-4F42-A03A-844B2BF6A04D}" type="slidenum">
               <a:rPr lang="fr-FR" smtClean="0"/>
-              <a:t>‹N°›</a:t>
+              <a:t>‹#›</a:t>
             </a:fld>
             <a:endParaRPr lang="fr-FR"/>
           </a:p>
@@ -537,10 +533,9 @@
           <a:lstStyle/>
           <a:p>
             <a:r>
-              <a:rPr lang="fr-FR" smtClean="0"/>
+              <a:rPr lang="fr-FR"/>
               <a:t>Modifiez le style du titre</a:t>
             </a:r>
-            <a:endParaRPr lang="fr-FR"/>
           </a:p>
         </p:txBody>
       </p:sp>
@@ -566,38 +561,37 @@
           <a:p>
             <a:pPr lvl="0"/>
             <a:r>
-              <a:rPr lang="fr-FR" smtClean="0"/>
+              <a:rPr lang="fr-FR"/>
               <a:t>Modifier les styles du texte du masque</a:t>
             </a:r>
           </a:p>
           <a:p>
             <a:pPr lvl="1"/>
             <a:r>
-              <a:rPr lang="fr-FR" smtClean="0"/>
+              <a:rPr lang="fr-FR"/>
               <a:t>Deuxième niveau</a:t>
             </a:r>
           </a:p>
           <a:p>
             <a:pPr lvl="2"/>
             <a:r>
-              <a:rPr lang="fr-FR" smtClean="0"/>
+              <a:rPr lang="fr-FR"/>
               <a:t>Troisième niveau</a:t>
             </a:r>
           </a:p>
           <a:p>
             <a:pPr lvl="3"/>
             <a:r>
-              <a:rPr lang="fr-FR" smtClean="0"/>
+              <a:rPr lang="fr-FR"/>
               <a:t>Quatrième niveau</a:t>
             </a:r>
           </a:p>
           <a:p>
             <a:pPr lvl="4"/>
             <a:r>
-              <a:rPr lang="fr-FR" smtClean="0"/>
+              <a:rPr lang="fr-FR"/>
               <a:t>Cinquième niveau</a:t>
             </a:r>
-            <a:endParaRPr lang="fr-FR"/>
           </a:p>
         </p:txBody>
       </p:sp>
@@ -660,7 +654,7 @@
           <a:p>
             <a:fld id="{8B503305-53DE-4F42-A03A-844B2BF6A04D}" type="slidenum">
               <a:rPr lang="fr-FR" smtClean="0"/>
-              <a:t>‹N°›</a:t>
+              <a:t>‹#›</a:t>
             </a:fld>
             <a:endParaRPr lang="fr-FR"/>
           </a:p>
@@ -712,10 +706,9 @@
           <a:lstStyle/>
           <a:p>
             <a:r>
-              <a:rPr lang="fr-FR" smtClean="0"/>
+              <a:rPr lang="fr-FR"/>
               <a:t>Modifiez le style du titre</a:t>
             </a:r>
-            <a:endParaRPr lang="fr-FR"/>
           </a:p>
         </p:txBody>
       </p:sp>
@@ -736,38 +729,37 @@
           <a:p>
             <a:pPr lvl="0"/>
             <a:r>
-              <a:rPr lang="fr-FR" smtClean="0"/>
+              <a:rPr lang="fr-FR"/>
               <a:t>Modifier les styles du texte du masque</a:t>
             </a:r>
           </a:p>
           <a:p>
             <a:pPr lvl="1"/>
             <a:r>
-              <a:rPr lang="fr-FR" smtClean="0"/>
+              <a:rPr lang="fr-FR"/>
               <a:t>Deuxième niveau</a:t>
             </a:r>
           </a:p>
           <a:p>
             <a:pPr lvl="2"/>
             <a:r>
-              <a:rPr lang="fr-FR" smtClean="0"/>
+              <a:rPr lang="fr-FR"/>
               <a:t>Troisième niveau</a:t>
             </a:r>
           </a:p>
           <a:p>
             <a:pPr lvl="3"/>
             <a:r>
-              <a:rPr lang="fr-FR" smtClean="0"/>
+              <a:rPr lang="fr-FR"/>
               <a:t>Quatrième niveau</a:t>
             </a:r>
           </a:p>
           <a:p>
             <a:pPr lvl="4"/>
             <a:r>
-              <a:rPr lang="fr-FR" smtClean="0"/>
+              <a:rPr lang="fr-FR"/>
               <a:t>Cinquième niveau</a:t>
             </a:r>
-            <a:endParaRPr lang="fr-FR"/>
           </a:p>
         </p:txBody>
       </p:sp>
@@ -830,7 +822,7 @@
           <a:p>
             <a:fld id="{8B503305-53DE-4F42-A03A-844B2BF6A04D}" type="slidenum">
               <a:rPr lang="fr-FR" smtClean="0"/>
-              <a:t>‹N°›</a:t>
+              <a:t>‹#›</a:t>
             </a:fld>
             <a:endParaRPr lang="fr-FR"/>
           </a:p>
@@ -891,10 +883,9 @@
           </a:lstStyle>
           <a:p>
             <a:r>
-              <a:rPr lang="fr-FR" smtClean="0"/>
+              <a:rPr lang="fr-FR"/>
               <a:t>Modifiez le style du titre</a:t>
             </a:r>
-            <a:endParaRPr lang="fr-FR"/>
           </a:p>
         </p:txBody>
       </p:sp>
@@ -1011,7 +1002,7 @@
           <a:p>
             <a:pPr lvl="0"/>
             <a:r>
-              <a:rPr lang="fr-FR" smtClean="0"/>
+              <a:rPr lang="fr-FR"/>
               <a:t>Modifier les styles du texte du masque</a:t>
             </a:r>
           </a:p>
@@ -1076,7 +1067,7 @@
           <a:p>
             <a:fld id="{8B503305-53DE-4F42-A03A-844B2BF6A04D}" type="slidenum">
               <a:rPr lang="fr-FR" smtClean="0"/>
-              <a:t>‹N°›</a:t>
+              <a:t>‹#›</a:t>
             </a:fld>
             <a:endParaRPr lang="fr-FR"/>
           </a:p>
@@ -1128,10 +1119,9 @@
           <a:lstStyle/>
           <a:p>
             <a:r>
-              <a:rPr lang="fr-FR" smtClean="0"/>
+              <a:rPr lang="fr-FR"/>
               <a:t>Modifiez le style du titre</a:t>
             </a:r>
-            <a:endParaRPr lang="fr-FR"/>
           </a:p>
         </p:txBody>
       </p:sp>
@@ -1157,38 +1147,37 @@
           <a:p>
             <a:pPr lvl="0"/>
             <a:r>
-              <a:rPr lang="fr-FR" smtClean="0"/>
+              <a:rPr lang="fr-FR"/>
               <a:t>Modifier les styles du texte du masque</a:t>
             </a:r>
           </a:p>
           <a:p>
             <a:pPr lvl="1"/>
             <a:r>
-              <a:rPr lang="fr-FR" smtClean="0"/>
+              <a:rPr lang="fr-FR"/>
               <a:t>Deuxième niveau</a:t>
             </a:r>
           </a:p>
           <a:p>
             <a:pPr lvl="2"/>
             <a:r>
-              <a:rPr lang="fr-FR" smtClean="0"/>
+              <a:rPr lang="fr-FR"/>
               <a:t>Troisième niveau</a:t>
             </a:r>
           </a:p>
           <a:p>
             <a:pPr lvl="3"/>
             <a:r>
-              <a:rPr lang="fr-FR" smtClean="0"/>
+              <a:rPr lang="fr-FR"/>
               <a:t>Quatrième niveau</a:t>
             </a:r>
           </a:p>
           <a:p>
             <a:pPr lvl="4"/>
             <a:r>
-              <a:rPr lang="fr-FR" smtClean="0"/>
+              <a:rPr lang="fr-FR"/>
               <a:t>Cinquième niveau</a:t>
             </a:r>
-            <a:endParaRPr lang="fr-FR"/>
           </a:p>
         </p:txBody>
       </p:sp>
@@ -1214,38 +1203,37 @@
           <a:p>
             <a:pPr lvl="0"/>
             <a:r>
-              <a:rPr lang="fr-FR" smtClean="0"/>
+              <a:rPr lang="fr-FR"/>
               <a:t>Modifier les styles du texte du masque</a:t>
             </a:r>
           </a:p>
           <a:p>
             <a:pPr lvl="1"/>
             <a:r>
-              <a:rPr lang="fr-FR" smtClean="0"/>
+              <a:rPr lang="fr-FR"/>
               <a:t>Deuxième niveau</a:t>
             </a:r>
           </a:p>
           <a:p>
             <a:pPr lvl="2"/>
             <a:r>
-              <a:rPr lang="fr-FR" smtClean="0"/>
+              <a:rPr lang="fr-FR"/>
               <a:t>Troisième niveau</a:t>
             </a:r>
           </a:p>
           <a:p>
             <a:pPr lvl="3"/>
             <a:r>
-              <a:rPr lang="fr-FR" smtClean="0"/>
+              <a:rPr lang="fr-FR"/>
               <a:t>Quatrième niveau</a:t>
             </a:r>
           </a:p>
           <a:p>
             <a:pPr lvl="4"/>
             <a:r>
-              <a:rPr lang="fr-FR" smtClean="0"/>
+              <a:rPr lang="fr-FR"/>
               <a:t>Cinquième niveau</a:t>
             </a:r>
-            <a:endParaRPr lang="fr-FR"/>
           </a:p>
         </p:txBody>
       </p:sp>
@@ -1308,7 +1296,7 @@
           <a:p>
             <a:fld id="{8B503305-53DE-4F42-A03A-844B2BF6A04D}" type="slidenum">
               <a:rPr lang="fr-FR" smtClean="0"/>
-              <a:t>‹N°›</a:t>
+              <a:t>‹#›</a:t>
             </a:fld>
             <a:endParaRPr lang="fr-FR"/>
           </a:p>
@@ -1365,10 +1353,9 @@
           <a:lstStyle/>
           <a:p>
             <a:r>
-              <a:rPr lang="fr-FR" smtClean="0"/>
+              <a:rPr lang="fr-FR"/>
               <a:t>Modifiez le style du titre</a:t>
             </a:r>
-            <a:endParaRPr lang="fr-FR"/>
           </a:p>
         </p:txBody>
       </p:sp>
@@ -1431,7 +1418,7 @@
           <a:p>
             <a:pPr lvl="0"/>
             <a:r>
-              <a:rPr lang="fr-FR" smtClean="0"/>
+              <a:rPr lang="fr-FR"/>
               <a:t>Modifier les styles du texte du masque</a:t>
             </a:r>
           </a:p>
@@ -1459,38 +1446,37 @@
           <a:p>
             <a:pPr lvl="0"/>
             <a:r>
-              <a:rPr lang="fr-FR" smtClean="0"/>
+              <a:rPr lang="fr-FR"/>
               <a:t>Modifier les styles du texte du masque</a:t>
             </a:r>
           </a:p>
           <a:p>
             <a:pPr lvl="1"/>
             <a:r>
-              <a:rPr lang="fr-FR" smtClean="0"/>
+              <a:rPr lang="fr-FR"/>
               <a:t>Deuxième niveau</a:t>
             </a:r>
           </a:p>
           <a:p>
             <a:pPr lvl="2"/>
             <a:r>
-              <a:rPr lang="fr-FR" smtClean="0"/>
+              <a:rPr lang="fr-FR"/>
               <a:t>Troisième niveau</a:t>
             </a:r>
           </a:p>
           <a:p>
             <a:pPr lvl="3"/>
             <a:r>
-              <a:rPr lang="fr-FR" smtClean="0"/>
+              <a:rPr lang="fr-FR"/>
               <a:t>Quatrième niveau</a:t>
             </a:r>
           </a:p>
           <a:p>
             <a:pPr lvl="4"/>
             <a:r>
-              <a:rPr lang="fr-FR" smtClean="0"/>
+              <a:rPr lang="fr-FR"/>
               <a:t>Cinquième niveau</a:t>
             </a:r>
-            <a:endParaRPr lang="fr-FR"/>
           </a:p>
         </p:txBody>
       </p:sp>
@@ -1553,7 +1539,7 @@
           <a:p>
             <a:pPr lvl="0"/>
             <a:r>
-              <a:rPr lang="fr-FR" smtClean="0"/>
+              <a:rPr lang="fr-FR"/>
               <a:t>Modifier les styles du texte du masque</a:t>
             </a:r>
           </a:p>
@@ -1581,38 +1567,37 @@
           <a:p>
             <a:pPr lvl="0"/>
             <a:r>
-              <a:rPr lang="fr-FR" smtClean="0"/>
+              <a:rPr lang="fr-FR"/>
               <a:t>Modifier les styles du texte du masque</a:t>
             </a:r>
           </a:p>
           <a:p>
             <a:pPr lvl="1"/>
             <a:r>
-              <a:rPr lang="fr-FR" smtClean="0"/>
+              <a:rPr lang="fr-FR"/>
               <a:t>Deuxième niveau</a:t>
             </a:r>
           </a:p>
           <a:p>
             <a:pPr lvl="2"/>
             <a:r>
-              <a:rPr lang="fr-FR" smtClean="0"/>
+              <a:rPr lang="fr-FR"/>
               <a:t>Troisième niveau</a:t>
             </a:r>
           </a:p>
           <a:p>
             <a:pPr lvl="3"/>
             <a:r>
-              <a:rPr lang="fr-FR" smtClean="0"/>
+              <a:rPr lang="fr-FR"/>
               <a:t>Quatrième niveau</a:t>
             </a:r>
           </a:p>
           <a:p>
             <a:pPr lvl="4"/>
             <a:r>
-              <a:rPr lang="fr-FR" smtClean="0"/>
+              <a:rPr lang="fr-FR"/>
               <a:t>Cinquième niveau</a:t>
             </a:r>
-            <a:endParaRPr lang="fr-FR"/>
           </a:p>
         </p:txBody>
       </p:sp>
@@ -1675,7 +1660,7 @@
           <a:p>
             <a:fld id="{8B503305-53DE-4F42-A03A-844B2BF6A04D}" type="slidenum">
               <a:rPr lang="fr-FR" smtClean="0"/>
-              <a:t>‹N°›</a:t>
+              <a:t>‹#›</a:t>
             </a:fld>
             <a:endParaRPr lang="fr-FR"/>
           </a:p>
@@ -1727,10 +1712,9 @@
           <a:lstStyle/>
           <a:p>
             <a:r>
-              <a:rPr lang="fr-FR" smtClean="0"/>
+              <a:rPr lang="fr-FR"/>
               <a:t>Modifiez le style du titre</a:t>
             </a:r>
-            <a:endParaRPr lang="fr-FR"/>
           </a:p>
         </p:txBody>
       </p:sp>
@@ -1793,7 +1777,7 @@
           <a:p>
             <a:fld id="{8B503305-53DE-4F42-A03A-844B2BF6A04D}" type="slidenum">
               <a:rPr lang="fr-FR" smtClean="0"/>
-              <a:t>‹N°›</a:t>
+              <a:t>‹#›</a:t>
             </a:fld>
             <a:endParaRPr lang="fr-FR"/>
           </a:p>
@@ -1888,7 +1872,7 @@
           <a:p>
             <a:fld id="{8B503305-53DE-4F42-A03A-844B2BF6A04D}" type="slidenum">
               <a:rPr lang="fr-FR" smtClean="0"/>
-              <a:t>‹N°›</a:t>
+              <a:t>‹#›</a:t>
             </a:fld>
             <a:endParaRPr lang="fr-FR"/>
           </a:p>
@@ -1949,10 +1933,9 @@
           </a:lstStyle>
           <a:p>
             <a:r>
-              <a:rPr lang="fr-FR" smtClean="0"/>
+              <a:rPr lang="fr-FR"/>
               <a:t>Modifiez le style du titre</a:t>
             </a:r>
-            <a:endParaRPr lang="fr-FR"/>
           </a:p>
         </p:txBody>
       </p:sp>
@@ -2006,38 +1989,37 @@
           <a:p>
             <a:pPr lvl="0"/>
             <a:r>
-              <a:rPr lang="fr-FR" smtClean="0"/>
+              <a:rPr lang="fr-FR"/>
               <a:t>Modifier les styles du texte du masque</a:t>
             </a:r>
           </a:p>
           <a:p>
             <a:pPr lvl="1"/>
             <a:r>
-              <a:rPr lang="fr-FR" smtClean="0"/>
+              <a:rPr lang="fr-FR"/>
               <a:t>Deuxième niveau</a:t>
             </a:r>
           </a:p>
           <a:p>
             <a:pPr lvl="2"/>
             <a:r>
-              <a:rPr lang="fr-FR" smtClean="0"/>
+              <a:rPr lang="fr-FR"/>
               <a:t>Troisième niveau</a:t>
             </a:r>
           </a:p>
           <a:p>
             <a:pPr lvl="3"/>
             <a:r>
-              <a:rPr lang="fr-FR" smtClean="0"/>
+              <a:rPr lang="fr-FR"/>
               <a:t>Quatrième niveau</a:t>
             </a:r>
           </a:p>
           <a:p>
             <a:pPr lvl="4"/>
             <a:r>
-              <a:rPr lang="fr-FR" smtClean="0"/>
+              <a:rPr lang="fr-FR"/>
               <a:t>Cinquième niveau</a:t>
             </a:r>
-            <a:endParaRPr lang="fr-FR"/>
           </a:p>
         </p:txBody>
       </p:sp>
@@ -2100,7 +2082,7 @@
           <a:p>
             <a:pPr lvl="0"/>
             <a:r>
-              <a:rPr lang="fr-FR" smtClean="0"/>
+              <a:rPr lang="fr-FR"/>
               <a:t>Modifier les styles du texte du masque</a:t>
             </a:r>
           </a:p>
@@ -2165,7 +2147,7 @@
           <a:p>
             <a:fld id="{8B503305-53DE-4F42-A03A-844B2BF6A04D}" type="slidenum">
               <a:rPr lang="fr-FR" smtClean="0"/>
-              <a:t>‹N°›</a:t>
+              <a:t>‹#›</a:t>
             </a:fld>
             <a:endParaRPr lang="fr-FR"/>
           </a:p>
@@ -2226,10 +2208,9 @@
           </a:lstStyle>
           <a:p>
             <a:r>
-              <a:rPr lang="fr-FR" smtClean="0"/>
+              <a:rPr lang="fr-FR"/>
               <a:t>Modifiez le style du titre</a:t>
             </a:r>
-            <a:endParaRPr lang="fr-FR"/>
           </a:p>
         </p:txBody>
       </p:sp>
@@ -2353,7 +2334,7 @@
           <a:p>
             <a:pPr lvl="0"/>
             <a:r>
-              <a:rPr lang="fr-FR" smtClean="0"/>
+              <a:rPr lang="fr-FR"/>
               <a:t>Modifier les styles du texte du masque</a:t>
             </a:r>
           </a:p>
@@ -2418,7 +2399,7 @@
           <a:p>
             <a:fld id="{8B503305-53DE-4F42-A03A-844B2BF6A04D}" type="slidenum">
               <a:rPr lang="fr-FR" smtClean="0"/>
-              <a:t>‹N°›</a:t>
+              <a:t>‹#›</a:t>
             </a:fld>
             <a:endParaRPr lang="fr-FR"/>
           </a:p>
@@ -2485,10 +2466,9 @@
           <a:lstStyle/>
           <a:p>
             <a:r>
-              <a:rPr lang="fr-FR" smtClean="0"/>
+              <a:rPr lang="fr-FR"/>
               <a:t>Modifiez le style du titre</a:t>
             </a:r>
-            <a:endParaRPr lang="fr-FR"/>
           </a:p>
         </p:txBody>
       </p:sp>
@@ -2519,38 +2499,37 @@
           <a:p>
             <a:pPr lvl="0"/>
             <a:r>
-              <a:rPr lang="fr-FR" smtClean="0"/>
+              <a:rPr lang="fr-FR"/>
               <a:t>Modifier les styles du texte du masque</a:t>
             </a:r>
           </a:p>
           <a:p>
             <a:pPr lvl="1"/>
             <a:r>
-              <a:rPr lang="fr-FR" smtClean="0"/>
+              <a:rPr lang="fr-FR"/>
               <a:t>Deuxième niveau</a:t>
             </a:r>
           </a:p>
           <a:p>
             <a:pPr lvl="2"/>
             <a:r>
-              <a:rPr lang="fr-FR" smtClean="0"/>
+              <a:rPr lang="fr-FR"/>
               <a:t>Troisième niveau</a:t>
             </a:r>
           </a:p>
           <a:p>
             <a:pPr lvl="3"/>
             <a:r>
-              <a:rPr lang="fr-FR" smtClean="0"/>
+              <a:rPr lang="fr-FR"/>
               <a:t>Quatrième niveau</a:t>
             </a:r>
           </a:p>
           <a:p>
             <a:pPr lvl="4"/>
             <a:r>
-              <a:rPr lang="fr-FR" smtClean="0"/>
+              <a:rPr lang="fr-FR"/>
               <a:t>Cinquième niveau</a:t>
             </a:r>
-            <a:endParaRPr lang="fr-FR"/>
           </a:p>
         </p:txBody>
       </p:sp>
@@ -2667,7 +2646,7 @@
           <a:p>
             <a:fld id="{8B503305-53DE-4F42-A03A-844B2BF6A04D}" type="slidenum">
               <a:rPr lang="fr-FR" smtClean="0"/>
-              <a:t>‹N°›</a:t>
+              <a:t>‹#›</a:t>
             </a:fld>
             <a:endParaRPr lang="fr-FR"/>
           </a:p>
@@ -3017,10 +2996,9 @@
           <a:lstStyle/>
           <a:p>
             <a:r>
-              <a:rPr lang="fr-FR" sz="7200" dirty="0" smtClean="0"/>
+              <a:rPr lang="fr-FR" sz="7200" dirty="0"/>
               <a:t>Projet Cross</a:t>
             </a:r>
-            <a:endParaRPr lang="fr-FR" sz="7200" dirty="0"/>
           </a:p>
         </p:txBody>
       </p:sp>
@@ -3045,24 +3023,23 @@
           <a:lstStyle/>
           <a:p>
             <a:r>
-              <a:rPr lang="fr-FR" sz="4000" dirty="0" smtClean="0"/>
+              <a:rPr lang="fr-FR" sz="4000" dirty="0"/>
               <a:t>Revue 0</a:t>
             </a:r>
           </a:p>
           <a:p>
             <a:r>
-              <a:rPr lang="fr-FR" sz="2000" i="1" dirty="0" smtClean="0"/>
+              <a:rPr lang="fr-FR" sz="2000" i="1" dirty="0"/>
               <a:t>Gosselin Victor, Jouen Matthias, </a:t>
             </a:r>
             <a:r>
-              <a:rPr lang="fr-FR" sz="2000" i="1" dirty="0" err="1" smtClean="0"/>
+              <a:rPr lang="fr-FR" sz="2000" i="1" dirty="0" err="1"/>
               <a:t>Lapraye</a:t>
             </a:r>
             <a:r>
-              <a:rPr lang="fr-FR" sz="2000" i="1" dirty="0" smtClean="0"/>
+              <a:rPr lang="fr-FR" sz="2000" i="1" dirty="0"/>
               <a:t> Serge</a:t>
             </a:r>
-            <a:endParaRPr lang="fr-FR" sz="2000" i="1" dirty="0"/>
           </a:p>
         </p:txBody>
       </p:sp>
@@ -3076,13 +3053,6 @@
   <p:clrMapOvr>
     <a:masterClrMapping/>
   </p:clrMapOvr>
-  <p:timing>
-    <p:tnLst>
-      <p:par>
-        <p:cTn id="1" dur="indefinite" restart="never" nodeType="tmRoot"/>
-      </p:par>
-    </p:tnLst>
-  </p:timing>
 </p:sld>
 </file>
 
@@ -3127,18 +3097,18 @@
           <a:p>
             <a:pPr algn="ctr"/>
             <a:r>
-              <a:rPr lang="fr-FR" sz="2800" dirty="0" smtClean="0"/>
+              <a:rPr lang="fr-FR" sz="2800" dirty="0"/>
               <a:t>3) Diagrammes de séquence</a:t>
             </a:r>
             <a:br>
-              <a:rPr lang="fr-FR" sz="2800" dirty="0" smtClean="0"/>
+              <a:rPr lang="fr-FR" sz="2800" dirty="0"/>
             </a:br>
             <a:r>
               <a:rPr lang="fr-FR" sz="2800" dirty="0"/>
               <a:t>	</a:t>
             </a:r>
             <a:r>
-              <a:rPr lang="fr-FR" sz="2400" dirty="0" smtClean="0"/>
+              <a:rPr lang="fr-FR" sz="2400" dirty="0"/>
               <a:t>a) Inscription à une course</a:t>
             </a:r>
             <a:endParaRPr lang="fr-FR" sz="2800" dirty="0"/>
@@ -3186,13 +3156,6 @@
   <p:clrMapOvr>
     <a:masterClrMapping/>
   </p:clrMapOvr>
-  <p:timing>
-    <p:tnLst>
-      <p:par>
-        <p:cTn id="1" dur="indefinite" restart="never" nodeType="tmRoot"/>
-      </p:par>
-    </p:tnLst>
-  </p:timing>
 </p:sld>
 </file>
 
@@ -3238,13 +3201,8 @@
             <a:pPr algn="ctr"/>
             <a:r>
               <a:rPr lang="fr-FR" sz="2400" dirty="0"/>
-              <a:t>b</a:t>
-            </a:r>
-            <a:r>
-              <a:rPr lang="fr-FR" sz="2400" dirty="0" smtClean="0"/>
-              <a:t>) Connexion au site</a:t>
-            </a:r>
-            <a:endParaRPr lang="fr-FR" sz="2400" dirty="0"/>
+              <a:t>b) Connexion au site</a:t>
+            </a:r>
           </a:p>
         </p:txBody>
       </p:sp>
@@ -3258,13 +3216,6 @@
   <p:clrMapOvr>
     <a:masterClrMapping/>
   </p:clrMapOvr>
-  <p:timing>
-    <p:tnLst>
-      <p:par>
-        <p:cTn id="1" dur="indefinite" restart="never" nodeType="tmRoot"/>
-      </p:par>
-    </p:tnLst>
-  </p:timing>
 </p:sld>
 </file>
 
@@ -3309,10 +3260,9 @@
           <a:p>
             <a:pPr algn="ctr"/>
             <a:r>
-              <a:rPr lang="fr-FR" sz="2400" dirty="0" smtClean="0"/>
+              <a:rPr lang="fr-FR" sz="2400" dirty="0"/>
               <a:t>c) Association coureur dossard</a:t>
             </a:r>
-            <a:endParaRPr lang="fr-FR" sz="2400" dirty="0"/>
           </a:p>
         </p:txBody>
       </p:sp>
@@ -3357,13 +3307,6 @@
   <p:clrMapOvr>
     <a:masterClrMapping/>
   </p:clrMapOvr>
-  <p:timing>
-    <p:tnLst>
-      <p:par>
-        <p:cTn id="1" dur="indefinite" restart="never" nodeType="tmRoot"/>
-      </p:par>
-    </p:tnLst>
-  </p:timing>
 </p:sld>
 </file>
 
@@ -3408,47 +3351,37 @@
           <a:p>
             <a:pPr lvl="1"/>
             <a:r>
-              <a:rPr lang="fr-FR" sz="4900" dirty="0" smtClean="0">
+              <a:rPr lang="fr-FR" sz="4900" dirty="0">
                 <a:latin typeface="+mj-lt"/>
               </a:rPr>
               <a:t>II) Etude Physique lecteur RFID</a:t>
             </a:r>
-            <a:r>
-              <a:rPr lang="fr-FR" dirty="0" smtClean="0"/>
-              <a:t/>
-            </a:r>
             <a:br>
-              <a:rPr lang="fr-FR" dirty="0" smtClean="0"/>
+              <a:rPr lang="fr-FR" dirty="0"/>
             </a:br>
             <a:r>
-              <a:rPr lang="fr-FR" sz="2000" dirty="0" smtClean="0"/>
+              <a:rPr lang="fr-FR" sz="2000" dirty="0"/>
               <a:t>	</a:t>
             </a:r>
             <a:r>
-              <a:rPr lang="fr-FR" sz="2700" dirty="0" smtClean="0">
+              <a:rPr lang="fr-FR" sz="2700" dirty="0">
                 <a:latin typeface="+mj-lt"/>
               </a:rPr>
               <a:t>1) Présentation et fonctionnement</a:t>
             </a:r>
-            <a:r>
-              <a:rPr lang="fr-FR" sz="2200" dirty="0" smtClean="0">
-                <a:latin typeface="+mj-lt"/>
-              </a:rPr>
-              <a:t/>
-            </a:r>
             <a:br>
-              <a:rPr lang="fr-FR" sz="2200" dirty="0" smtClean="0">
+              <a:rPr lang="fr-FR" sz="2200" dirty="0">
                 <a:latin typeface="+mj-lt"/>
               </a:rPr>
             </a:br>
             <a:r>
-              <a:rPr lang="fr-FR" sz="2200" dirty="0" smtClean="0">
+              <a:rPr lang="fr-FR" sz="2200" dirty="0">
                 <a:latin typeface="+mj-lt"/>
               </a:rPr>
               <a:t>		a) Introduction</a:t>
             </a:r>
             <a:br>
-              <a:rPr lang="fr-FR" sz="2200" dirty="0" smtClean="0">
+              <a:rPr lang="fr-FR" sz="2200" dirty="0">
                 <a:latin typeface="+mj-lt"/>
               </a:rPr>
             </a:br>
@@ -3456,20 +3389,10 @@
               <a:rPr lang="fr-FR" sz="2200" dirty="0">
                 <a:latin typeface="+mj-lt"/>
               </a:rPr>
-              <a:t>	</a:t>
-            </a:r>
-            <a:r>
-              <a:rPr lang="fr-FR" sz="2200" dirty="0" smtClean="0">
-                <a:latin typeface="+mj-lt"/>
-              </a:rPr>
-              <a:t>	b) Principe du lecteur RFID</a:t>
-            </a:r>
-            <a:r>
-              <a:rPr lang="fr-FR" dirty="0" smtClean="0"/>
-              <a:t/>
+              <a:t>		b) Principe du lecteur RFID</a:t>
             </a:r>
             <a:br>
-              <a:rPr lang="fr-FR" dirty="0" smtClean="0"/>
+              <a:rPr lang="fr-FR" dirty="0"/>
             </a:br>
             <a:endParaRPr lang="fr-FR" dirty="0"/>
           </a:p>
@@ -3504,13 +3427,6 @@
   <p:clrMapOvr>
     <a:masterClrMapping/>
   </p:clrMapOvr>
-  <p:timing>
-    <p:tnLst>
-      <p:par>
-        <p:cTn id="1" dur="indefinite" restart="never" nodeType="tmRoot"/>
-      </p:par>
-    </p:tnLst>
-  </p:timing>
 </p:sld>
 </file>
 
@@ -3555,73 +3471,63 @@
           <a:p>
             <a:pPr lvl="1"/>
             <a:r>
-              <a:rPr lang="fr-FR" sz="2700" dirty="0" smtClean="0">
+              <a:rPr lang="fr-FR" sz="2700" dirty="0">
                 <a:latin typeface="+mj-lt"/>
               </a:rPr>
               <a:t>2) Utilisation et choix du RFID</a:t>
             </a:r>
-            <a:r>
-              <a:rPr lang="fr-FR" sz="3100" dirty="0" smtClean="0">
-                <a:latin typeface="+mj-lt"/>
-              </a:rPr>
-              <a:t/>
-            </a:r>
             <a:br>
-              <a:rPr lang="fr-FR" sz="3100" dirty="0" smtClean="0">
+              <a:rPr lang="fr-FR" sz="3100" dirty="0">
                 <a:latin typeface="+mj-lt"/>
               </a:rPr>
             </a:br>
             <a:r>
-              <a:rPr lang="fr-FR" sz="3100" dirty="0" smtClean="0">
+              <a:rPr lang="fr-FR" sz="3100" dirty="0">
                 <a:latin typeface="+mj-lt"/>
               </a:rPr>
               <a:t>	</a:t>
             </a:r>
             <a:r>
-              <a:rPr lang="fr-FR" sz="2200" dirty="0" smtClean="0">
+              <a:rPr lang="fr-FR" sz="2200" dirty="0">
                 <a:latin typeface="+mj-lt"/>
               </a:rPr>
               <a:t>a) Les différents supports</a:t>
             </a:r>
             <a:br>
-              <a:rPr lang="fr-FR" sz="2200" dirty="0" smtClean="0">
+              <a:rPr lang="fr-FR" sz="2200" dirty="0">
                 <a:latin typeface="+mj-lt"/>
               </a:rPr>
             </a:br>
             <a:r>
-              <a:rPr lang="fr-FR" sz="2200" dirty="0" smtClean="0">
+              <a:rPr lang="fr-FR" sz="2200" dirty="0">
                 <a:latin typeface="+mj-lt"/>
               </a:rPr>
               <a:t>	b) La communication par la puce</a:t>
             </a:r>
             <a:br>
-              <a:rPr lang="fr-FR" sz="2200" dirty="0" smtClean="0">
+              <a:rPr lang="fr-FR" sz="2200" dirty="0">
                 <a:latin typeface="+mj-lt"/>
               </a:rPr>
             </a:br>
             <a:r>
-              <a:rPr lang="fr-FR" sz="2200" dirty="0" smtClean="0">
+              <a:rPr lang="fr-FR" sz="2200" dirty="0">
                 <a:latin typeface="+mj-lt"/>
               </a:rPr>
               <a:t>	c) Les capacités de la puce RFID</a:t>
             </a:r>
             <a:br>
-              <a:rPr lang="fr-FR" sz="2200" dirty="0" smtClean="0">
+              <a:rPr lang="fr-FR" sz="2200" dirty="0">
                 <a:latin typeface="+mj-lt"/>
               </a:rPr>
             </a:br>
             <a:r>
-              <a:rPr lang="fr-FR" sz="2200" dirty="0" smtClean="0">
+              <a:rPr lang="fr-FR" sz="2200" dirty="0">
                 <a:latin typeface="+mj-lt"/>
               </a:rPr>
               <a:t>	d) Pourquoi choisir cela ?</a:t>
             </a:r>
-            <a:r>
-              <a:rPr lang="fr-FR" dirty="0" smtClean="0"/>
-              <a:t/>
-            </a:r>
             <a:br>
-              <a:rPr lang="fr-FR" dirty="0" smtClean="0"/>
+              <a:rPr lang="fr-FR" dirty="0"/>
             </a:br>
             <a:endParaRPr lang="fr-FR" dirty="0"/>
           </a:p>
@@ -3661,13 +3567,6 @@
   <p:clrMapOvr>
     <a:masterClrMapping/>
   </p:clrMapOvr>
-  <p:timing>
-    <p:tnLst>
-      <p:par>
-        <p:cTn id="1" dur="indefinite" restart="never" nodeType="tmRoot"/>
-      </p:par>
-    </p:tnLst>
-  </p:timing>
 </p:sld>
 </file>
 
@@ -3709,18 +3608,13 @@
           <a:lstStyle/>
           <a:p>
             <a:r>
-              <a:rPr lang="fr-FR" dirty="0" smtClean="0">
+              <a:rPr lang="fr-FR" dirty="0">
                 <a:solidFill>
                   <a:srgbClr val="FF0000"/>
                 </a:solidFill>
               </a:rPr>
               <a:t>Etudiant 2 : Jouen Matthias</a:t>
             </a:r>
-            <a:endParaRPr lang="fr-FR" dirty="0">
-              <a:solidFill>
-                <a:srgbClr val="FF0000"/>
-              </a:solidFill>
-            </a:endParaRPr>
           </a:p>
         </p:txBody>
       </p:sp>
@@ -3747,14 +3641,14 @@
           <a:lstStyle/>
           <a:p>
             <a:r>
-              <a:rPr lang="fr-FR" dirty="0" smtClean="0"/>
+              <a:rPr lang="fr-FR" dirty="0"/>
               <a:t>I) Analyse complète du système</a:t>
             </a:r>
           </a:p>
           <a:p>
             <a:pPr lvl="1"/>
             <a:r>
-              <a:rPr lang="fr-FR" dirty="0" smtClean="0"/>
+              <a:rPr lang="fr-FR" dirty="0"/>
               <a:t>1) Diagramme de cas d’utilisation</a:t>
             </a:r>
           </a:p>
@@ -3762,91 +3656,79 @@
             <a:pPr lvl="1"/>
             <a:r>
               <a:rPr lang="fr-FR" dirty="0"/>
-              <a:t>2</a:t>
-            </a:r>
-            <a:r>
-              <a:rPr lang="fr-FR" dirty="0" smtClean="0"/>
-              <a:t>) Diagrammes de séquence</a:t>
+              <a:t>2) Diagrammes de séquence</a:t>
             </a:r>
           </a:p>
           <a:p>
             <a:pPr lvl="2"/>
             <a:r>
               <a:rPr lang="fr-FR" dirty="0"/>
-              <a:t>a</a:t>
-            </a:r>
-            <a:r>
-              <a:rPr lang="fr-FR" dirty="0" smtClean="0"/>
-              <a:t>) Démarrage et déroulement d’une course</a:t>
+              <a:t>a) Démarrage et déroulement d’une course</a:t>
             </a:r>
           </a:p>
           <a:p>
             <a:pPr lvl="2"/>
             <a:r>
               <a:rPr lang="fr-FR" dirty="0"/>
-              <a:t>b</a:t>
-            </a:r>
-            <a:r>
-              <a:rPr lang="fr-FR" dirty="0" smtClean="0"/>
-              <a:t>) Afficher le temps de course sur l’afficheur LED</a:t>
+              <a:t>b) Afficher le temps de course sur l’afficheur LED</a:t>
             </a:r>
           </a:p>
           <a:p>
             <a:pPr lvl="1"/>
             <a:r>
-              <a:rPr lang="fr-FR" dirty="0" smtClean="0"/>
+              <a:rPr lang="fr-FR" dirty="0"/>
               <a:t>3) Scénario</a:t>
             </a:r>
           </a:p>
           <a:p>
             <a:r>
-              <a:rPr lang="fr-FR" dirty="0" smtClean="0"/>
+              <a:rPr lang="fr-FR" dirty="0"/>
               <a:t>II) Etude Physique lecteur RFID pour les courses</a:t>
             </a:r>
           </a:p>
           <a:p>
             <a:pPr lvl="1"/>
             <a:r>
-              <a:rPr lang="fr-FR" dirty="0" smtClean="0"/>
+              <a:rPr lang="fr-FR" dirty="0"/>
               <a:t>1) Matériel</a:t>
             </a:r>
           </a:p>
           <a:p>
             <a:pPr lvl="2"/>
             <a:r>
-              <a:rPr lang="fr-FR" dirty="0" smtClean="0"/>
+              <a:rPr lang="fr-FR" dirty="0"/>
               <a:t>a) Antenne</a:t>
             </a:r>
           </a:p>
           <a:p>
             <a:pPr lvl="2"/>
             <a:r>
-              <a:rPr lang="fr-FR" dirty="0" smtClean="0"/>
+              <a:rPr lang="fr-FR" dirty="0"/>
               <a:t>b) Dossards </a:t>
             </a:r>
             <a:r>
-              <a:rPr lang="fr-FR" dirty="0" err="1" smtClean="0"/>
+              <a:rPr lang="fr-FR" dirty="0" err="1"/>
               <a:t>DAGs</a:t>
             </a:r>
-            <a:endParaRPr lang="fr-FR" dirty="0" smtClean="0"/>
+            <a:endParaRPr lang="fr-FR" dirty="0"/>
           </a:p>
           <a:p>
             <a:pPr lvl="1"/>
             <a:r>
-              <a:rPr lang="fr-FR" dirty="0" smtClean="0"/>
+              <a:rPr lang="fr-FR" dirty="0"/>
               <a:t>2) Boite noire</a:t>
             </a:r>
           </a:p>
           <a:p>
             <a:pPr lvl="2"/>
             <a:r>
-              <a:rPr lang="fr-FR" dirty="0" smtClean="0"/>
+              <a:rPr lang="fr-FR" dirty="0"/>
               <a:t>a) Principe de fonctionnement</a:t>
             </a:r>
           </a:p>
           <a:p>
             <a:r>
-              <a:rPr lang="fr-FR" dirty="0" smtClean="0"/>
+              <a:rPr lang="fr-FR" dirty="0"/>
               <a:t>III) Module de test</a:t>
             </a:r>
           </a:p>
@@ -3862,13 +3744,6 @@
   <p:clrMapOvr>
     <a:masterClrMapping/>
   </p:clrMapOvr>
-  <p:timing>
-    <p:tnLst>
-      <p:par>
-        <p:cTn id="1" dur="indefinite" restart="never" nodeType="tmRoot"/>
-      </p:par>
-    </p:tnLst>
-  </p:timing>
 </p:sld>
 </file>
 
@@ -3913,18 +3788,14 @@
           <a:p>
             <a:pPr algn="ctr"/>
             <a:r>
-              <a:rPr lang="fr-FR" sz="3600" dirty="0" smtClean="0"/>
+              <a:rPr lang="fr-FR" sz="3600" dirty="0"/>
               <a:t>I) Analyse complète du système</a:t>
             </a:r>
-            <a:r>
-              <a:rPr lang="fr-FR" dirty="0" smtClean="0"/>
-              <a:t/>
-            </a:r>
             <a:br>
-              <a:rPr lang="fr-FR" dirty="0" smtClean="0"/>
+              <a:rPr lang="fr-FR" dirty="0"/>
             </a:br>
             <a:r>
-              <a:rPr lang="fr-FR" sz="4000" dirty="0" smtClean="0"/>
+              <a:rPr lang="fr-FR" sz="4000" dirty="0"/>
               <a:t>	</a:t>
             </a:r>
             <a:r>
@@ -3981,13 +3852,6 @@
   <p:clrMapOvr>
     <a:masterClrMapping/>
   </p:clrMapOvr>
-  <p:timing>
-    <p:tnLst>
-      <p:par>
-        <p:cTn id="1" dur="indefinite" restart="never" nodeType="tmRoot"/>
-      </p:par>
-    </p:tnLst>
-  </p:timing>
 </p:sld>
 </file>
 
@@ -4039,22 +3903,10 @@
               </a:spcBef>
             </a:pPr>
             <a:r>
-              <a:rPr lang="fr-FR" sz="3100" dirty="0" smtClean="0">
-                <a:latin typeface="+mj-lt"/>
-              </a:rPr>
-              <a:t>2) </a:t>
-            </a:r>
-            <a:r>
               <a:rPr lang="fr-FR" sz="3100" dirty="0">
                 <a:latin typeface="+mj-lt"/>
               </a:rPr>
-              <a:t>Diagrammes de séquence</a:t>
-            </a:r>
-            <a:r>
-              <a:rPr lang="fr-FR" sz="3200" dirty="0">
-                <a:latin typeface="+mj-lt"/>
-              </a:rPr>
-              <a:t/>
+              <a:t>2) Diagrammes de séquence</a:t>
             </a:r>
             <a:br>
               <a:rPr lang="fr-FR" sz="3200" dirty="0">
@@ -4068,17 +3920,13 @@
               <a:t>	</a:t>
             </a:r>
             <a:r>
-              <a:rPr lang="fr-FR" sz="2400" dirty="0" smtClean="0">
+              <a:rPr lang="fr-FR" sz="2400" dirty="0">
                 <a:latin typeface="+mj-lt"/>
               </a:rPr>
               <a:t>a) Démarrage et déroulement d’une course</a:t>
             </a:r>
-            <a:r>
-              <a:rPr lang="fr-FR" dirty="0" smtClean="0"/>
-              <a:t/>
-            </a:r>
             <a:br>
-              <a:rPr lang="fr-FR" dirty="0" smtClean="0"/>
+              <a:rPr lang="fr-FR" dirty="0"/>
             </a:br>
             <a:endParaRPr lang="fr-FR" sz="3200" dirty="0"/>
           </a:p>
@@ -4123,13 +3971,6 @@
   <p:clrMapOvr>
     <a:masterClrMapping/>
   </p:clrMapOvr>
-  <p:timing>
-    <p:tnLst>
-      <p:par>
-        <p:cTn id="1" dur="indefinite" restart="never" nodeType="tmRoot"/>
-      </p:par>
-    </p:tnLst>
-  </p:timing>
 </p:sld>
 </file>
 
@@ -4181,7 +4022,7 @@
               </a:spcBef>
             </a:pPr>
             <a:r>
-              <a:rPr lang="fr-FR" sz="2400" dirty="0" smtClean="0">
+              <a:rPr lang="fr-FR" sz="2400" dirty="0">
                 <a:latin typeface="+mj-lt"/>
               </a:rPr>
               <a:t>b) Afficher le temps de course sur l’afficheur LED</a:t>
@@ -4231,13 +4072,6 @@
   <p:clrMapOvr>
     <a:masterClrMapping/>
   </p:clrMapOvr>
-  <p:timing>
-    <p:tnLst>
-      <p:par>
-        <p:cTn id="1" dur="indefinite" restart="never" nodeType="tmRoot"/>
-      </p:par>
-    </p:tnLst>
-  </p:timing>
 </p:sld>
 </file>
 
@@ -4283,13 +4117,8 @@
             <a:pPr algn="ctr"/>
             <a:r>
               <a:rPr lang="fr-FR" sz="2800" dirty="0"/>
-              <a:t>3</a:t>
-            </a:r>
-            <a:r>
-              <a:rPr lang="fr-FR" sz="2800" dirty="0" smtClean="0"/>
-              <a:t>) Scénario</a:t>
-            </a:r>
-            <a:endParaRPr lang="fr-FR" sz="2800" dirty="0"/>
+              <a:t>3) Scénario</a:t>
+            </a:r>
           </a:p>
         </p:txBody>
       </p:sp>
@@ -4318,11 +4147,7 @@
             <a:pPr lvl="0"/>
             <a:r>
               <a:rPr lang="fr-FR" sz="2400" dirty="0"/>
-              <a:t>Le commissaire de course lance l’application C</a:t>
-            </a:r>
-            <a:r>
-              <a:rPr lang="fr-FR" sz="2400" dirty="0" smtClean="0"/>
-              <a:t>++.</a:t>
+              <a:t>Le commissaire de course lance l’application C++.</a:t>
             </a:r>
           </a:p>
           <a:p>
@@ -4338,11 +4163,7 @@
             <a:pPr lvl="0"/>
             <a:r>
               <a:rPr lang="fr-FR" sz="2400" dirty="0"/>
-              <a:t>Il va sélectionner la course qu’il voudra démarrer</a:t>
-            </a:r>
-            <a:r>
-              <a:rPr lang="fr-FR" sz="2400" dirty="0" smtClean="0"/>
-              <a:t>.</a:t>
+              <a:t>Il va sélectionner la course qu’il voudra démarrer.</a:t>
             </a:r>
           </a:p>
           <a:p>
@@ -4355,11 +4176,7 @@
             <a:pPr lvl="0"/>
             <a:r>
               <a:rPr lang="fr-FR" sz="2400" dirty="0"/>
-              <a:t>Il va ensuite cliquer sur le bouton de démarrage de la </a:t>
-            </a:r>
-            <a:r>
-              <a:rPr lang="fr-FR" sz="2400" dirty="0" smtClean="0"/>
-              <a:t>course.</a:t>
+              <a:t>Il va ensuite cliquer sur le bouton de démarrage de la course.</a:t>
             </a:r>
           </a:p>
           <a:p>
@@ -4372,17 +4189,8 @@
             <a:pPr lvl="0"/>
             <a:r>
               <a:rPr lang="fr-FR" sz="2400" dirty="0"/>
-              <a:t>Une fois la course démarrée, il pourra cliquer sur « afficheur LED » s’il y en a un</a:t>
-            </a:r>
-            <a:r>
-              <a:rPr lang="fr-FR" sz="2400" dirty="0" smtClean="0"/>
-              <a:t>.</a:t>
-            </a:r>
-            <a:r>
-              <a:rPr lang="fr-FR" sz="2400" dirty="0"/>
-              <a:t> </a:t>
-            </a:r>
-            <a:endParaRPr lang="fr-FR" sz="2400" dirty="0" smtClean="0"/>
+              <a:t>Une fois la course démarrée, il pourra cliquer sur « afficheur LED » s’il y en a un. </a:t>
+            </a:r>
           </a:p>
           <a:p>
             <a:pPr marL="0" lvl="0" indent="0">
@@ -4394,11 +4202,7 @@
             <a:pPr lvl="0"/>
             <a:r>
               <a:rPr lang="fr-FR" sz="2400" dirty="0"/>
-              <a:t>L’afficheur LED va afficher le temps du premier ou/et le temps moyen des coureurs</a:t>
-            </a:r>
-            <a:r>
-              <a:rPr lang="fr-FR" sz="2400" dirty="0" smtClean="0"/>
-              <a:t>.</a:t>
+              <a:t>L’afficheur LED va afficher le temps du premier ou/et le temps moyen des coureurs.</a:t>
             </a:r>
           </a:p>
           <a:p>
@@ -4411,11 +4215,7 @@
             <a:pPr lvl="0"/>
             <a:r>
               <a:rPr lang="fr-FR" sz="2400" dirty="0"/>
-              <a:t> Quand le lecteur RFID aura détecté un coureur, il enverra ses informations à la base de données</a:t>
-            </a:r>
-            <a:r>
-              <a:rPr lang="fr-FR" sz="2400" dirty="0" smtClean="0"/>
-              <a:t>.</a:t>
+              <a:t> Quand le lecteur RFID aura détecté un coureur, il enverra ses informations à la base de données.</a:t>
             </a:r>
           </a:p>
           <a:p>
@@ -4446,13 +4246,6 @@
   <p:clrMapOvr>
     <a:masterClrMapping/>
   </p:clrMapOvr>
-  <p:timing>
-    <p:tnLst>
-      <p:par>
-        <p:cTn id="1" dur="indefinite" restart="never" nodeType="tmRoot"/>
-      </p:par>
-    </p:tnLst>
-  </p:timing>
 </p:sld>
 </file>
 
@@ -4489,10 +4282,9 @@
           <a:lstStyle/>
           <a:p>
             <a:r>
-              <a:rPr lang="fr-FR" dirty="0" smtClean="0"/>
+              <a:rPr lang="fr-FR" dirty="0"/>
               <a:t>Partie Commune</a:t>
             </a:r>
-            <a:endParaRPr lang="fr-FR" dirty="0"/>
           </a:p>
         </p:txBody>
       </p:sp>
@@ -4519,28 +4311,27 @@
           <a:lstStyle/>
           <a:p>
             <a:r>
-              <a:rPr lang="fr-FR" dirty="0" smtClean="0"/>
+              <a:rPr lang="fr-FR" dirty="0"/>
               <a:t>I) Diagramme de cas d’utilisation commun</a:t>
             </a:r>
           </a:p>
           <a:p>
             <a:r>
-              <a:rPr lang="fr-FR" dirty="0" smtClean="0"/>
+              <a:rPr lang="fr-FR" dirty="0"/>
               <a:t>II) Modèle Conceptuel de Données</a:t>
             </a:r>
           </a:p>
           <a:p>
             <a:r>
-              <a:rPr lang="fr-FR" dirty="0" smtClean="0"/>
+              <a:rPr lang="fr-FR" dirty="0"/>
               <a:t>III) Diagramme de classes</a:t>
             </a:r>
           </a:p>
           <a:p>
             <a:r>
-              <a:rPr lang="fr-FR" dirty="0" smtClean="0"/>
+              <a:rPr lang="fr-FR" dirty="0"/>
               <a:t>IV) Gantt Actuel</a:t>
             </a:r>
-            <a:endParaRPr lang="fr-FR" dirty="0"/>
           </a:p>
         </p:txBody>
       </p:sp>
@@ -4554,13 +4345,6 @@
   <p:clrMapOvr>
     <a:masterClrMapping/>
   </p:clrMapOvr>
-  <p:timing>
-    <p:tnLst>
-      <p:par>
-        <p:cTn id="1" dur="indefinite" restart="never" nodeType="tmRoot"/>
-      </p:par>
-    </p:tnLst>
-  </p:timing>
 </p:sld>
 </file>
 
@@ -4604,52 +4388,40 @@
           <a:lstStyle/>
           <a:p>
             <a:r>
-              <a:rPr lang="fr-FR" sz="3600" dirty="0" smtClean="0"/>
+              <a:rPr lang="fr-FR" sz="3600" dirty="0"/>
               <a:t>II) Etude physique lecteur RFID pour les courses</a:t>
             </a:r>
             <a:br>
-              <a:rPr lang="fr-FR" sz="3600" dirty="0" smtClean="0"/>
+              <a:rPr lang="fr-FR" sz="3600" dirty="0"/>
             </a:br>
             <a:r>
               <a:rPr lang="fr-FR" sz="3600" dirty="0"/>
               <a:t>	</a:t>
             </a:r>
             <a:r>
-              <a:rPr lang="fr-FR" sz="3100" dirty="0" smtClean="0"/>
+              <a:rPr lang="fr-FR" sz="3100" dirty="0"/>
               <a:t>1) Matériel</a:t>
             </a:r>
-            <a:r>
-              <a:rPr lang="fr-FR" sz="2800" dirty="0" smtClean="0"/>
-              <a:t/>
-            </a:r>
             <a:br>
-              <a:rPr lang="fr-FR" sz="2800" dirty="0" smtClean="0"/>
+              <a:rPr lang="fr-FR" sz="2800" dirty="0"/>
             </a:br>
             <a:r>
               <a:rPr lang="fr-FR" sz="2800" dirty="0"/>
-              <a:t>	</a:t>
-            </a:r>
-            <a:r>
-              <a:rPr lang="fr-FR" sz="2800" dirty="0" smtClean="0"/>
-              <a:t>	</a:t>
-            </a:r>
-            <a:r>
-              <a:rPr lang="fr-FR" sz="2400" dirty="0" smtClean="0"/>
+              <a:t>		</a:t>
+            </a:r>
+            <a:r>
+              <a:rPr lang="fr-FR" sz="2400" dirty="0"/>
               <a:t>a) Antenne</a:t>
             </a:r>
             <a:br>
-              <a:rPr lang="fr-FR" sz="2400" dirty="0" smtClean="0"/>
+              <a:rPr lang="fr-FR" sz="2400" dirty="0"/>
             </a:br>
             <a:r>
               <a:rPr lang="fr-FR" sz="2400" dirty="0"/>
-              <a:t>	</a:t>
-            </a:r>
-            <a:r>
-              <a:rPr lang="fr-FR" sz="2400" dirty="0" smtClean="0"/>
-              <a:t>	b) Dossard </a:t>
-            </a:r>
-            <a:r>
-              <a:rPr lang="fr-FR" sz="2400" dirty="0" err="1" smtClean="0"/>
+              <a:t>		b) Dossard </a:t>
+            </a:r>
+            <a:r>
+              <a:rPr lang="fr-FR" sz="2400" dirty="0" err="1"/>
               <a:t>DAGs</a:t>
             </a:r>
             <a:endParaRPr lang="fr-FR" sz="3600" dirty="0"/>
@@ -4685,13 +4457,6 @@
   <p:clrMapOvr>
     <a:masterClrMapping/>
   </p:clrMapOvr>
-  <p:timing>
-    <p:tnLst>
-      <p:par>
-        <p:cTn id="1" dur="indefinite" restart="never" nodeType="tmRoot"/>
-      </p:par>
-    </p:tnLst>
-  </p:timing>
 </p:sld>
 </file>
 
@@ -4735,18 +4500,18 @@
           <a:lstStyle/>
           <a:p>
             <a:r>
-              <a:rPr lang="fr-FR" sz="2800" dirty="0" smtClean="0"/>
+              <a:rPr lang="fr-FR" sz="2800" dirty="0"/>
               <a:t>2) Boite noire</a:t>
             </a:r>
             <a:br>
-              <a:rPr lang="fr-FR" sz="2800" dirty="0" smtClean="0"/>
+              <a:rPr lang="fr-FR" sz="2800" dirty="0"/>
             </a:br>
             <a:r>
               <a:rPr lang="fr-FR" sz="2800" dirty="0"/>
               <a:t>	</a:t>
             </a:r>
             <a:r>
-              <a:rPr lang="fr-FR" sz="2400" dirty="0" smtClean="0"/>
+              <a:rPr lang="fr-FR" sz="2400" dirty="0"/>
               <a:t>a) Principe de fonctionnement</a:t>
             </a:r>
             <a:endParaRPr lang="fr-FR" sz="2800" dirty="0"/>
@@ -4785,13 +4550,6 @@
   <p:clrMapOvr>
     <a:masterClrMapping/>
   </p:clrMapOvr>
-  <p:timing>
-    <p:tnLst>
-      <p:par>
-        <p:cTn id="1" dur="indefinite" restart="never" nodeType="tmRoot"/>
-      </p:par>
-    </p:tnLst>
-  </p:timing>
 </p:sld>
 </file>
 
@@ -4835,17 +4593,17 @@
                   </a:schemeClr>
                 </a:solidFill>
               </a:rPr>
-              <a:t>Etudiant </a:t>
-            </a:r>
-            <a:r>
-              <a:rPr lang="fr-FR" dirty="0" smtClean="0">
+              <a:t>Etudiant 3 : </a:t>
+            </a:r>
+            <a:r>
+              <a:rPr lang="fr-FR" dirty="0" err="1">
                 <a:solidFill>
                   <a:schemeClr val="accent6">
                     <a:lumMod val="75000"/>
                   </a:schemeClr>
                 </a:solidFill>
               </a:rPr>
-              <a:t>3 </a:t>
+              <a:t>Lapraye</a:t>
             </a:r>
             <a:r>
               <a:rPr lang="fr-FR" dirty="0">
@@ -4855,35 +4613,8 @@
                   </a:schemeClr>
                 </a:solidFill>
               </a:rPr>
-              <a:t>: </a:t>
-            </a:r>
-            <a:r>
-              <a:rPr lang="fr-FR" dirty="0" err="1" smtClean="0">
-                <a:solidFill>
-                  <a:schemeClr val="accent6">
-                    <a:lumMod val="75000"/>
-                  </a:schemeClr>
-                </a:solidFill>
-              </a:rPr>
-              <a:t>Lapraye</a:t>
-            </a:r>
-            <a:r>
-              <a:rPr lang="fr-FR" dirty="0" smtClean="0">
-                <a:solidFill>
-                  <a:schemeClr val="accent6">
-                    <a:lumMod val="75000"/>
-                  </a:schemeClr>
-                </a:solidFill>
-              </a:rPr>
               <a:t> Serge</a:t>
             </a:r>
-            <a:endParaRPr lang="fr-FR" dirty="0">
-              <a:solidFill>
-                <a:schemeClr val="accent6">
-                  <a:lumMod val="75000"/>
-                </a:schemeClr>
-              </a:solidFill>
-            </a:endParaRPr>
           </a:p>
         </p:txBody>
       </p:sp>
@@ -4905,100 +4636,99 @@
           <a:lstStyle/>
           <a:p>
             <a:r>
-              <a:rPr lang="fr-FR" dirty="0" smtClean="0"/>
+              <a:rPr lang="fr-FR" dirty="0"/>
               <a:t>I) Analyse complète du système</a:t>
             </a:r>
           </a:p>
           <a:p>
             <a:pPr lvl="1"/>
             <a:r>
-              <a:rPr lang="fr-FR" dirty="0" smtClean="0"/>
+              <a:rPr lang="fr-FR" dirty="0"/>
               <a:t>1) Diagramme de cas d’utilisation</a:t>
             </a:r>
           </a:p>
           <a:p>
             <a:pPr lvl="1"/>
             <a:r>
-              <a:rPr lang="fr-FR" dirty="0" smtClean="0"/>
+              <a:rPr lang="fr-FR" dirty="0"/>
               <a:t>2) Scénario</a:t>
             </a:r>
           </a:p>
           <a:p>
             <a:pPr lvl="1"/>
             <a:r>
-              <a:rPr lang="fr-FR" dirty="0" smtClean="0"/>
+              <a:rPr lang="fr-FR" dirty="0"/>
               <a:t>3) Diagramme de séquence</a:t>
             </a:r>
           </a:p>
           <a:p>
             <a:pPr lvl="2"/>
             <a:r>
-              <a:rPr lang="fr-FR" dirty="0" smtClean="0"/>
+              <a:rPr lang="fr-FR" dirty="0"/>
               <a:t>a) Affichage des infos en temps réels</a:t>
             </a:r>
           </a:p>
           <a:p>
             <a:pPr lvl="2"/>
             <a:r>
-              <a:rPr lang="fr-FR" dirty="0" smtClean="0"/>
+              <a:rPr lang="fr-FR" dirty="0"/>
               <a:t>b) Switch de page de par le C++</a:t>
             </a:r>
           </a:p>
           <a:p>
             <a:r>
-              <a:rPr lang="fr-FR" dirty="0" smtClean="0"/>
+              <a:rPr lang="fr-FR" dirty="0"/>
               <a:t>II) Etude physique du WI-FI</a:t>
             </a:r>
           </a:p>
           <a:p>
             <a:pPr lvl="1"/>
             <a:r>
-              <a:rPr lang="fr-FR" dirty="0" smtClean="0"/>
+              <a:rPr lang="fr-FR" dirty="0"/>
               <a:t>1) Fonctionnement</a:t>
             </a:r>
           </a:p>
           <a:p>
             <a:pPr lvl="2"/>
             <a:r>
-              <a:rPr lang="fr-FR" dirty="0" smtClean="0"/>
+              <a:rPr lang="fr-FR" dirty="0"/>
               <a:t>a) Introduction du wifi</a:t>
             </a:r>
           </a:p>
           <a:p>
             <a:pPr lvl="2"/>
             <a:r>
-              <a:rPr lang="fr-FR" dirty="0" smtClean="0"/>
+              <a:rPr lang="fr-FR" dirty="0"/>
               <a:t>b) Principe du wifi</a:t>
             </a:r>
           </a:p>
           <a:p>
             <a:pPr lvl="2"/>
             <a:r>
-              <a:rPr lang="fr-FR" dirty="0" smtClean="0"/>
+              <a:rPr lang="fr-FR" dirty="0"/>
               <a:t>c) Principes de fonctionnements</a:t>
             </a:r>
           </a:p>
           <a:p>
             <a:pPr lvl="1"/>
             <a:r>
-              <a:rPr lang="fr-FR" dirty="0" smtClean="0"/>
+              <a:rPr lang="fr-FR" dirty="0"/>
               <a:t>2) Utilisation et choix du WI-FI</a:t>
             </a:r>
           </a:p>
           <a:p>
             <a:pPr lvl="2"/>
             <a:r>
-              <a:rPr lang="fr-FR" dirty="0" smtClean="0"/>
+              <a:rPr lang="fr-FR" dirty="0"/>
               <a:t>a) Utilisation précise du wifi</a:t>
             </a:r>
           </a:p>
           <a:p>
             <a:pPr lvl="2"/>
             <a:r>
-              <a:rPr lang="fr-FR" dirty="0" smtClean="0"/>
+              <a:rPr lang="fr-FR" dirty="0"/>
               <a:t>b) Le choix du wifi</a:t>
             </a:r>
-            <a:endParaRPr lang="fr-FR" dirty="0"/>
           </a:p>
         </p:txBody>
       </p:sp>
@@ -5056,18 +4786,14 @@
           <a:p>
             <a:pPr algn="ctr"/>
             <a:r>
-              <a:rPr lang="fr-FR" sz="3200" dirty="0" smtClean="0"/>
+              <a:rPr lang="fr-FR" sz="3200" dirty="0"/>
               <a:t>I) Analyse complète du système</a:t>
             </a:r>
-            <a:r>
-              <a:rPr lang="fr-FR" sz="4000" dirty="0" smtClean="0"/>
-              <a:t/>
-            </a:r>
             <a:br>
-              <a:rPr lang="fr-FR" sz="4000" dirty="0" smtClean="0"/>
+              <a:rPr lang="fr-FR" sz="4000" dirty="0"/>
             </a:br>
             <a:r>
-              <a:rPr lang="fr-FR" sz="3600" dirty="0" smtClean="0"/>
+              <a:rPr lang="fr-FR" sz="3600" dirty="0"/>
               <a:t>	</a:t>
             </a:r>
             <a:r>
@@ -5080,11 +4806,19 @@
       </p:sp>
       <p:pic>
         <p:nvPicPr>
-          <p:cNvPr id="5" name="Picture 33"/>
-          <p:cNvPicPr/>
+          <p:cNvPr id="4" name="Picture 3">
+            <a:extLst>
+              <a:ext uri="{FF2B5EF4-FFF2-40B4-BE49-F238E27FC236}">
+                <a16:creationId xmlns:a16="http://schemas.microsoft.com/office/drawing/2014/main" id="{CE2919BC-0F8C-4BBA-ACDE-0C4E2C01615D}"/>
+              </a:ext>
+            </a:extLst>
+          </p:cNvPr>
+          <p:cNvPicPr>
+            <a:picLocks noChangeAspect="1"/>
+          </p:cNvPicPr>
           <p:nvPr/>
         </p:nvPicPr>
-        <p:blipFill rotWithShape="1">
+        <p:blipFill>
           <a:blip r:embed="rId2">
             <a:extLst>
               <a:ext uri="{28A0092B-C50C-407E-A947-70E740481C1C}">
@@ -5092,21 +4826,18 @@
               </a:ext>
             </a:extLst>
           </a:blip>
-          <a:srcRect t="5957" b="3991"/>
-          <a:stretch/>
+          <a:stretch>
+            <a:fillRect/>
+          </a:stretch>
         </p:blipFill>
-        <p:spPr bwMode="auto">
-          <a:xfrm>
-            <a:off x="1699845" y="861647"/>
-            <a:ext cx="8792307" cy="5996353"/>
+        <p:spPr>
+          <a:xfrm>
+            <a:off x="930964" y="986141"/>
+            <a:ext cx="10916481" cy="5727168"/>
           </a:xfrm>
           <a:prstGeom prst="rect">
             <a:avLst/>
           </a:prstGeom>
-          <a:noFill/>
-          <a:ln>
-            <a:noFill/>
-          </a:ln>
         </p:spPr>
       </p:pic>
     </p:spTree>
@@ -5119,13 +4850,6 @@
   <p:clrMapOvr>
     <a:masterClrMapping/>
   </p:clrMapOvr>
-  <p:timing>
-    <p:tnLst>
-      <p:par>
-        <p:cTn id="1" dur="indefinite" restart="never" nodeType="tmRoot"/>
-      </p:par>
-    </p:tnLst>
-  </p:timing>
 </p:sld>
 </file>
 
@@ -5171,17 +4895,8 @@
             <a:pPr algn="ctr"/>
             <a:r>
               <a:rPr lang="fr-FR" sz="2800" dirty="0"/>
-              <a:t>2</a:t>
-            </a:r>
-            <a:r>
-              <a:rPr lang="fr-FR" sz="2800" dirty="0" smtClean="0"/>
-              <a:t>) </a:t>
-            </a:r>
-            <a:r>
-              <a:rPr lang="fr-FR" sz="2800" dirty="0" smtClean="0"/>
-              <a:t>Scénario</a:t>
-            </a:r>
-            <a:endParaRPr lang="fr-FR" sz="2800" dirty="0"/>
+              <a:t>2) Scénario</a:t>
+            </a:r>
           </a:p>
         </p:txBody>
       </p:sp>
@@ -5254,13 +4969,6 @@
   <p:clrMapOvr>
     <a:masterClrMapping/>
   </p:clrMapOvr>
-  <p:timing>
-    <p:tnLst>
-      <p:par>
-        <p:cTn id="1" dur="indefinite" restart="never" nodeType="tmRoot"/>
-      </p:par>
-    </p:tnLst>
-  </p:timing>
 </p:sld>
 </file>
 
@@ -5315,25 +5023,7 @@
               <a:rPr lang="fr-FR" sz="3100" dirty="0">
                 <a:latin typeface="+mj-lt"/>
               </a:rPr>
-              <a:t>3</a:t>
-            </a:r>
-            <a:r>
-              <a:rPr lang="fr-FR" sz="3100" dirty="0" smtClean="0">
-                <a:latin typeface="+mj-lt"/>
-              </a:rPr>
-              <a:t>) Diagramme </a:t>
-            </a:r>
-            <a:r>
-              <a:rPr lang="fr-FR" sz="3100" dirty="0">
-                <a:latin typeface="+mj-lt"/>
-              </a:rPr>
-              <a:t>de séquence</a:t>
-            </a:r>
-            <a:r>
-              <a:rPr lang="fr-FR" sz="3200" dirty="0">
-                <a:latin typeface="+mj-lt"/>
-              </a:rPr>
-              <a:t/>
+              <a:t>3) Diagramme de séquence</a:t>
             </a:r>
             <a:br>
               <a:rPr lang="fr-FR" sz="3200" dirty="0">
@@ -5347,23 +5037,13 @@
               <a:t>	</a:t>
             </a:r>
             <a:r>
-              <a:rPr lang="fr-FR" sz="2400" dirty="0" smtClean="0">
+              <a:rPr lang="fr-FR" sz="2400" dirty="0">
                 <a:latin typeface="+mj-lt"/>
               </a:rPr>
-              <a:t>a) </a:t>
-            </a:r>
-            <a:r>
-              <a:rPr lang="fr-FR" sz="2400" dirty="0" smtClean="0">
-                <a:latin typeface="+mj-lt"/>
-              </a:rPr>
-              <a:t>Affichage des infos en temps réels</a:t>
-            </a:r>
-            <a:r>
-              <a:rPr lang="fr-FR" dirty="0" smtClean="0"/>
-              <a:t/>
+              <a:t>a) Affichage des infos en temps réels</a:t>
             </a:r>
             <a:br>
-              <a:rPr lang="fr-FR" dirty="0" smtClean="0"/>
+              <a:rPr lang="fr-FR" dirty="0"/>
             </a:br>
             <a:endParaRPr lang="fr-FR" sz="3200" dirty="0"/>
           </a:p>
@@ -5408,13 +5088,6 @@
   <p:clrMapOvr>
     <a:masterClrMapping/>
   </p:clrMapOvr>
-  <p:timing>
-    <p:tnLst>
-      <p:par>
-        <p:cTn id="1" dur="indefinite" restart="never" nodeType="tmRoot"/>
-      </p:par>
-    </p:tnLst>
-  </p:timing>
 </p:sld>
 </file>
 
@@ -5459,10 +5132,9 @@
           <a:p>
             <a:pPr algn="ctr"/>
             <a:r>
-              <a:rPr lang="fr-FR" sz="2400" dirty="0" smtClean="0"/>
+              <a:rPr lang="fr-FR" sz="2400" dirty="0"/>
               <a:t>b) Switch de page de par le C++</a:t>
             </a:r>
-            <a:endParaRPr lang="fr-FR" sz="2400" dirty="0"/>
           </a:p>
         </p:txBody>
       </p:sp>
@@ -5546,10 +5218,9 @@
           <a:lstStyle/>
           <a:p>
             <a:r>
-              <a:rPr lang="fr-FR" dirty="0" smtClean="0"/>
+              <a:rPr lang="fr-FR" dirty="0"/>
               <a:t>I) Diagramme de cas d’utilisation commun</a:t>
             </a:r>
-            <a:endParaRPr lang="fr-FR" dirty="0"/>
           </a:p>
         </p:txBody>
       </p:sp>
@@ -5603,13 +5274,6 @@
   <p:clrMapOvr>
     <a:masterClrMapping/>
   </p:clrMapOvr>
-  <p:timing>
-    <p:tnLst>
-      <p:par>
-        <p:cTn id="1" dur="indefinite" restart="never" nodeType="tmRoot"/>
-      </p:par>
-    </p:tnLst>
-  </p:timing>
 </p:sld>
 </file>
 
@@ -5651,10 +5315,9 @@
           <a:lstStyle/>
           <a:p>
             <a:r>
-              <a:rPr lang="fr-FR" dirty="0" smtClean="0"/>
+              <a:rPr lang="fr-FR" dirty="0"/>
               <a:t>II) Modèle Conceptuel de Données </a:t>
             </a:r>
-            <a:endParaRPr lang="fr-FR" dirty="0"/>
           </a:p>
         </p:txBody>
       </p:sp>
@@ -5703,13 +5366,6 @@
   <p:clrMapOvr>
     <a:masterClrMapping/>
   </p:clrMapOvr>
-  <p:timing>
-    <p:tnLst>
-      <p:par>
-        <p:cTn id="1" dur="indefinite" restart="never" nodeType="tmRoot"/>
-      </p:par>
-    </p:tnLst>
-  </p:timing>
 </p:sld>
 </file>
 
@@ -5751,10 +5407,9 @@
           <a:lstStyle/>
           <a:p>
             <a:r>
-              <a:rPr lang="fr-FR" dirty="0" smtClean="0"/>
+              <a:rPr lang="fr-FR" dirty="0"/>
               <a:t>III) Diagramme de classes</a:t>
             </a:r>
-            <a:endParaRPr lang="fr-FR" dirty="0"/>
           </a:p>
         </p:txBody>
       </p:sp>
@@ -5787,13 +5442,6 @@
   <p:clrMapOvr>
     <a:masterClrMapping/>
   </p:clrMapOvr>
-  <p:timing>
-    <p:tnLst>
-      <p:par>
-        <p:cTn id="1" dur="indefinite" restart="never" nodeType="tmRoot"/>
-      </p:par>
-    </p:tnLst>
-  </p:timing>
 </p:sld>
 </file>
 
@@ -5835,10 +5483,9 @@
           <a:lstStyle/>
           <a:p>
             <a:r>
-              <a:rPr lang="fr-FR" dirty="0" smtClean="0"/>
+              <a:rPr lang="fr-FR" dirty="0"/>
               <a:t>IV) Gantt actuel</a:t>
             </a:r>
-            <a:endParaRPr lang="fr-FR" dirty="0"/>
           </a:p>
         </p:txBody>
       </p:sp>
@@ -5881,13 +5528,6 @@
   <p:clrMapOvr>
     <a:masterClrMapping/>
   </p:clrMapOvr>
-  <p:timing>
-    <p:tnLst>
-      <p:par>
-        <p:cTn id="1" dur="indefinite" restart="never" nodeType="tmRoot"/>
-      </p:par>
-    </p:tnLst>
-  </p:timing>
 </p:sld>
 </file>
 
@@ -5929,18 +5569,13 @@
           <a:lstStyle/>
           <a:p>
             <a:r>
-              <a:rPr lang="fr-FR" dirty="0" smtClean="0">
+              <a:rPr lang="fr-FR" dirty="0">
                 <a:solidFill>
                   <a:srgbClr val="00B0F0"/>
                 </a:solidFill>
               </a:rPr>
               <a:t>Etudiant 1 : Gosselin Victor</a:t>
             </a:r>
-            <a:endParaRPr lang="fr-FR" dirty="0">
-              <a:solidFill>
-                <a:srgbClr val="00B0F0"/>
-              </a:solidFill>
-            </a:endParaRPr>
           </a:p>
         </p:txBody>
       </p:sp>
@@ -5967,28 +5602,28 @@
           <a:lstStyle/>
           <a:p>
             <a:r>
-              <a:rPr lang="fr-FR" dirty="0" smtClean="0"/>
+              <a:rPr lang="fr-FR" dirty="0"/>
               <a:t>I) Analyse complète du système</a:t>
             </a:r>
           </a:p>
           <a:p>
             <a:pPr lvl="1"/>
             <a:r>
-              <a:rPr lang="fr-FR" dirty="0" smtClean="0"/>
+              <a:rPr lang="fr-FR" dirty="0"/>
               <a:t>1) Diagramme de cas d’utilisation</a:t>
             </a:r>
           </a:p>
           <a:p>
             <a:pPr lvl="1"/>
             <a:r>
-              <a:rPr lang="fr-FR" dirty="0" smtClean="0"/>
+              <a:rPr lang="fr-FR" dirty="0"/>
               <a:t>2) Scénario</a:t>
             </a:r>
           </a:p>
           <a:p>
             <a:pPr lvl="1"/>
             <a:r>
-              <a:rPr lang="fr-FR" dirty="0" smtClean="0"/>
+              <a:rPr lang="fr-FR" dirty="0"/>
               <a:t>3) Diagrammes de séquence</a:t>
             </a:r>
           </a:p>
@@ -5996,73 +5631,61 @@
             <a:pPr lvl="2"/>
             <a:r>
               <a:rPr lang="fr-FR" dirty="0"/>
-              <a:t>a</a:t>
-            </a:r>
-            <a:r>
-              <a:rPr lang="fr-FR" dirty="0" smtClean="0"/>
-              <a:t>) Inscription à une course</a:t>
+              <a:t>a) Inscription à une course</a:t>
             </a:r>
           </a:p>
           <a:p>
             <a:pPr lvl="2"/>
             <a:r>
               <a:rPr lang="fr-FR" dirty="0"/>
-              <a:t>b</a:t>
-            </a:r>
-            <a:r>
-              <a:rPr lang="fr-FR" dirty="0" smtClean="0"/>
-              <a:t>) Connexion au site</a:t>
+              <a:t>b) Connexion au site</a:t>
             </a:r>
           </a:p>
           <a:p>
             <a:pPr lvl="2"/>
             <a:r>
               <a:rPr lang="fr-FR" dirty="0"/>
-              <a:t>c</a:t>
-            </a:r>
-            <a:r>
-              <a:rPr lang="fr-FR" dirty="0" smtClean="0"/>
-              <a:t>) Association coureur dossard</a:t>
-            </a:r>
-          </a:p>
-          <a:p>
-            <a:r>
-              <a:rPr lang="fr-FR" dirty="0" smtClean="0"/>
+              <a:t>c) Association coureur dossard</a:t>
+            </a:r>
+          </a:p>
+          <a:p>
+            <a:r>
+              <a:rPr lang="fr-FR" dirty="0"/>
               <a:t>II) Etude Physique lecteur RFID</a:t>
             </a:r>
           </a:p>
           <a:p>
             <a:pPr lvl="1"/>
             <a:r>
-              <a:rPr lang="fr-FR" dirty="0" smtClean="0"/>
+              <a:rPr lang="fr-FR" dirty="0"/>
               <a:t>1) Présentation et fonctionnement</a:t>
             </a:r>
           </a:p>
           <a:p>
             <a:pPr lvl="2"/>
             <a:r>
-              <a:rPr lang="fr-FR" dirty="0" smtClean="0"/>
+              <a:rPr lang="fr-FR" dirty="0"/>
               <a:t>a) Introduction</a:t>
             </a:r>
           </a:p>
           <a:p>
             <a:pPr lvl="2"/>
             <a:r>
-              <a:rPr lang="fr-FR" dirty="0" smtClean="0"/>
+              <a:rPr lang="fr-FR" dirty="0"/>
               <a:t>b) Principe du lecteur RFID</a:t>
             </a:r>
           </a:p>
           <a:p>
             <a:pPr lvl="1"/>
             <a:r>
-              <a:rPr lang="fr-FR" dirty="0" smtClean="0"/>
+              <a:rPr lang="fr-FR" dirty="0"/>
               <a:t>2) Utilisation et choix du RFID</a:t>
             </a:r>
           </a:p>
           <a:p>
             <a:pPr lvl="2"/>
             <a:r>
-              <a:rPr lang="fr-FR" dirty="0" smtClean="0"/>
+              <a:rPr lang="fr-FR" dirty="0"/>
               <a:t>a) Les différents supports</a:t>
             </a:r>
           </a:p>
@@ -6070,30 +5693,26 @@
             <a:pPr lvl="2"/>
             <a:r>
               <a:rPr lang="fr-FR" dirty="0"/>
-              <a:t>b</a:t>
-            </a:r>
-            <a:r>
-              <a:rPr lang="fr-FR" dirty="0" smtClean="0"/>
-              <a:t>) La communication par la puce</a:t>
+              <a:t>b) La communication par la puce</a:t>
             </a:r>
           </a:p>
           <a:p>
             <a:pPr lvl="2"/>
             <a:r>
-              <a:rPr lang="fr-FR" dirty="0" smtClean="0"/>
+              <a:rPr lang="fr-FR" dirty="0"/>
               <a:t>c) Les capacités de la puce RFID</a:t>
             </a:r>
           </a:p>
           <a:p>
             <a:pPr lvl="2"/>
             <a:r>
-              <a:rPr lang="fr-FR" dirty="0" smtClean="0"/>
+              <a:rPr lang="fr-FR" dirty="0"/>
               <a:t>d) Pourquoi choisir cela ?</a:t>
             </a:r>
           </a:p>
           <a:p>
             <a:r>
-              <a:rPr lang="fr-FR" dirty="0" smtClean="0"/>
+              <a:rPr lang="fr-FR" dirty="0"/>
               <a:t>III) Module de test</a:t>
             </a:r>
           </a:p>
@@ -6109,13 +5728,6 @@
   <p:clrMapOvr>
     <a:masterClrMapping/>
   </p:clrMapOvr>
-  <p:timing>
-    <p:tnLst>
-      <p:par>
-        <p:cTn id="1" dur="indefinite" restart="never" nodeType="tmRoot"/>
-      </p:par>
-    </p:tnLst>
-  </p:timing>
 </p:sld>
 </file>
 
@@ -6160,21 +5772,20 @@
           <a:p>
             <a:pPr algn="ctr"/>
             <a:r>
-              <a:rPr lang="fr-FR" sz="3600" dirty="0" smtClean="0"/>
+              <a:rPr lang="fr-FR" sz="3600" dirty="0"/>
               <a:t>I) Analyse complète du système</a:t>
             </a:r>
             <a:br>
-              <a:rPr lang="fr-FR" sz="3600" dirty="0" smtClean="0"/>
+              <a:rPr lang="fr-FR" sz="3600" dirty="0"/>
             </a:br>
             <a:r>
               <a:rPr lang="fr-FR" sz="3600" dirty="0"/>
               <a:t>	</a:t>
             </a:r>
             <a:r>
-              <a:rPr lang="fr-FR" sz="2800" dirty="0" smtClean="0"/>
+              <a:rPr lang="fr-FR" sz="2800" dirty="0"/>
               <a:t>1) Diagramme de cas d’utilisation</a:t>
             </a:r>
-            <a:endParaRPr lang="fr-FR" sz="2800" dirty="0"/>
           </a:p>
         </p:txBody>
       </p:sp>
@@ -6228,13 +5839,6 @@
   <p:clrMapOvr>
     <a:masterClrMapping/>
   </p:clrMapOvr>
-  <p:timing>
-    <p:tnLst>
-      <p:par>
-        <p:cTn id="1" dur="indefinite" restart="never" nodeType="tmRoot"/>
-      </p:par>
-    </p:tnLst>
-  </p:timing>
 </p:sld>
 </file>
 
@@ -6279,10 +5883,9 @@
           <a:p>
             <a:pPr algn="ctr"/>
             <a:r>
-              <a:rPr lang="fr-FR" sz="2800" dirty="0" smtClean="0"/>
+              <a:rPr lang="fr-FR" sz="2800" dirty="0"/>
               <a:t>2) Scénario</a:t>
             </a:r>
-            <a:endParaRPr lang="fr-FR" sz="2800" dirty="0"/>
           </a:p>
         </p:txBody>
       </p:sp>
@@ -6406,13 +6009,6 @@
   <p:clrMapOvr>
     <a:masterClrMapping/>
   </p:clrMapOvr>
-  <p:timing>
-    <p:tnLst>
-      <p:par>
-        <p:cTn id="1" dur="indefinite" restart="never" nodeType="tmRoot"/>
-      </p:par>
-    </p:tnLst>
-  </p:timing>
 </p:sld>
 </file>
 

--- a/Diagrammes Communs/Presentation_Revue0.pptx
+++ b/Diagrammes Communs/Presentation_Revue0.pptx
@@ -4806,10 +4806,10 @@
       </p:sp>
       <p:pic>
         <p:nvPicPr>
-          <p:cNvPr id="4" name="Picture 3">
+          <p:cNvPr id="7" name="Picture 6">
             <a:extLst>
               <a:ext uri="{FF2B5EF4-FFF2-40B4-BE49-F238E27FC236}">
-                <a16:creationId xmlns:a16="http://schemas.microsoft.com/office/drawing/2014/main" id="{CE2919BC-0F8C-4BBA-ACDE-0C4E2C01615D}"/>
+                <a16:creationId xmlns:a16="http://schemas.microsoft.com/office/drawing/2014/main" id="{D1498DC8-3A56-4B21-92A2-73E08A61791E}"/>
               </a:ext>
             </a:extLst>
           </p:cNvPr>
@@ -4819,21 +4819,15 @@
           <p:nvPr/>
         </p:nvPicPr>
         <p:blipFill>
-          <a:blip r:embed="rId2">
-            <a:extLst>
-              <a:ext uri="{28A0092B-C50C-407E-A947-70E740481C1C}">
-                <a14:useLocalDpi xmlns:a14="http://schemas.microsoft.com/office/drawing/2010/main" val="0"/>
-              </a:ext>
-            </a:extLst>
-          </a:blip>
+          <a:blip r:embed="rId2"/>
           <a:stretch>
             <a:fillRect/>
           </a:stretch>
         </p:blipFill>
         <p:spPr>
           <a:xfrm>
-            <a:off x="930964" y="986141"/>
-            <a:ext cx="10916481" cy="5727168"/>
+            <a:off x="1205948" y="1029211"/>
+            <a:ext cx="10274302" cy="5923722"/>
           </a:xfrm>
           <a:prstGeom prst="rect">
             <a:avLst/>

--- a/Diagrammes Communs/Presentation_Revue0.pptx
+++ b/Diagrammes Communs/Presentation_Revue0.pptx
@@ -20,19 +20,22 @@
     <p:sldId id="266" r:id="rId14"/>
     <p:sldId id="286" r:id="rId15"/>
     <p:sldId id="267" r:id="rId16"/>
-    <p:sldId id="268" r:id="rId17"/>
-    <p:sldId id="270" r:id="rId18"/>
-    <p:sldId id="271" r:id="rId19"/>
-    <p:sldId id="272" r:id="rId20"/>
-    <p:sldId id="273" r:id="rId21"/>
-    <p:sldId id="274" r:id="rId22"/>
-    <p:sldId id="275" r:id="rId23"/>
-    <p:sldId id="276" r:id="rId24"/>
-    <p:sldId id="278" r:id="rId25"/>
-    <p:sldId id="280" r:id="rId26"/>
-    <p:sldId id="283" r:id="rId27"/>
-    <p:sldId id="281" r:id="rId28"/>
-    <p:sldId id="284" r:id="rId29"/>
+    <p:sldId id="287" r:id="rId17"/>
+    <p:sldId id="268" r:id="rId18"/>
+    <p:sldId id="288" r:id="rId19"/>
+    <p:sldId id="289" r:id="rId20"/>
+    <p:sldId id="270" r:id="rId21"/>
+    <p:sldId id="271" r:id="rId22"/>
+    <p:sldId id="272" r:id="rId23"/>
+    <p:sldId id="273" r:id="rId24"/>
+    <p:sldId id="274" r:id="rId25"/>
+    <p:sldId id="275" r:id="rId26"/>
+    <p:sldId id="276" r:id="rId27"/>
+    <p:sldId id="278" r:id="rId28"/>
+    <p:sldId id="280" r:id="rId29"/>
+    <p:sldId id="283" r:id="rId30"/>
+    <p:sldId id="281" r:id="rId31"/>
+    <p:sldId id="284" r:id="rId32"/>
   </p:sldIdLst>
   <p:sldSz cx="12192000" cy="6858000"/>
   <p:notesSz cx="6858000" cy="9144000"/>
@@ -3464,11 +3467,7 @@
             </a:r>
             <a:r>
               <a:rPr lang="fr-FR" sz="2400" dirty="0" smtClean="0"/>
-              <a:t>Gérer les inscriptions </a:t>
-            </a:r>
-            <a:r>
-              <a:rPr lang="fr-FR" sz="2400" dirty="0" smtClean="0"/>
-              <a:t>à une course</a:t>
+              <a:t>Gérer les inscriptions à une course</a:t>
             </a:r>
             <a:endParaRPr lang="fr-FR" sz="2400" dirty="0"/>
           </a:p>
@@ -3522,7 +3521,7 @@
         </p:spPr>
         <p:txBody>
           <a:bodyPr>
-            <a:normAutofit fontScale="90000"/>
+            <a:normAutofit/>
           </a:bodyPr>
           <a:lstStyle/>
           <a:p>
@@ -3531,80 +3530,128 @@
               <a:rPr lang="fr-FR" sz="4900" dirty="0">
                 <a:latin typeface="+mj-lt"/>
               </a:rPr>
-              <a:t>II) Etude Physique lecteur RFID</a:t>
-            </a:r>
-            <a:r>
-              <a:rPr lang="fr-FR" dirty="0"/>
-              <a:t/>
-            </a:r>
-            <a:br>
-              <a:rPr lang="fr-FR" dirty="0"/>
-            </a:br>
-            <a:r>
-              <a:rPr lang="fr-FR" sz="2000" dirty="0"/>
-              <a:t>	</a:t>
-            </a:r>
-            <a:r>
-              <a:rPr lang="fr-FR" sz="2700" dirty="0">
+              <a:t>II) Etude Physique lecteur </a:t>
+            </a:r>
+            <a:r>
+              <a:rPr lang="fr-FR" sz="4900" dirty="0" smtClean="0">
                 <a:latin typeface="+mj-lt"/>
               </a:rPr>
-              <a:t>1) Présentation et fonctionnement</a:t>
-            </a:r>
-            <a:r>
-              <a:rPr lang="fr-FR" sz="2200" dirty="0">
-                <a:latin typeface="+mj-lt"/>
+              <a:t>RFID</a:t>
+            </a:r>
+            <a:endParaRPr lang="fr-FR" dirty="0"/>
+          </a:p>
+        </p:txBody>
+      </p:sp>
+      <p:sp>
+        <p:nvSpPr>
+          <p:cNvPr id="3" name="Espace réservé du contenu 2"/>
+          <p:cNvSpPr>
+            <a:spLocks noGrp="1"/>
+          </p:cNvSpPr>
+          <p:nvPr>
+            <p:ph idx="1"/>
+          </p:nvPr>
+        </p:nvSpPr>
+        <p:spPr/>
+        <p:txBody>
+          <a:bodyPr/>
+          <a:lstStyle/>
+          <a:p>
+            <a:pPr marL="0" indent="0">
+              <a:buNone/>
+            </a:pPr>
+            <a:r>
+              <a:rPr lang="fr-FR" dirty="0"/>
+              <a:t>1) Présentation et </a:t>
+            </a:r>
+            <a:r>
+              <a:rPr lang="fr-FR" dirty="0" smtClean="0"/>
+              <a:t>fonctionnement</a:t>
+            </a:r>
+          </a:p>
+          <a:p>
+            <a:pPr marL="457200" lvl="1" indent="0">
+              <a:buNone/>
+            </a:pPr>
+            <a:r>
+              <a:rPr lang="fr-FR" dirty="0"/>
+              <a:t>a</a:t>
+            </a:r>
+            <a:r>
+              <a:rPr lang="fr-FR" dirty="0" smtClean="0"/>
+              <a:t>) Introduction</a:t>
+            </a:r>
+            <a:endParaRPr lang="fr-FR" dirty="0"/>
+          </a:p>
+          <a:p>
+            <a:pPr lvl="1"/>
+            <a:endParaRPr lang="fr-FR" dirty="0"/>
+          </a:p>
+          <a:p>
+            <a:pPr lvl="1"/>
+            <a:endParaRPr lang="fr-FR" dirty="0"/>
+          </a:p>
+          <a:p>
+            <a:pPr marL="457200" lvl="1" indent="0">
+              <a:buNone/>
+            </a:pPr>
+            <a:endParaRPr lang="fr-FR" dirty="0"/>
+          </a:p>
+        </p:txBody>
+      </p:sp>
+      <p:sp>
+        <p:nvSpPr>
+          <p:cNvPr id="4" name="Rectangle 3"/>
+          <p:cNvSpPr/>
+          <p:nvPr/>
+        </p:nvSpPr>
+        <p:spPr>
+          <a:xfrm>
+            <a:off x="838200" y="3510582"/>
+            <a:ext cx="10920662" cy="981423"/>
+          </a:xfrm>
+          <a:prstGeom prst="rect">
+            <a:avLst/>
+          </a:prstGeom>
+        </p:spPr>
+        <p:txBody>
+          <a:bodyPr wrap="square">
+            <a:spAutoFit/>
+          </a:bodyPr>
+          <a:lstStyle/>
+          <a:p>
+            <a:pPr indent="449580" algn="just">
+              <a:lnSpc>
+                <a:spcPct val="107000"/>
+              </a:lnSpc>
+              <a:spcAft>
+                <a:spcPts val="800"/>
+              </a:spcAft>
+            </a:pPr>
+            <a:r>
+              <a:rPr lang="fr-FR" dirty="0">
+                <a:latin typeface="Calibri" panose="020F0502020204030204" pitchFamily="34" charset="0"/>
+                <a:ea typeface="SimSun" panose="02010600030101010101" pitchFamily="2" charset="-122"/>
+                <a:cs typeface="Times New Roman" panose="02020603050405020304" pitchFamily="18" charset="0"/>
               </a:rPr>
-              <a:t/>
-            </a:r>
-            <a:br>
-              <a:rPr lang="fr-FR" sz="2200" dirty="0">
-                <a:latin typeface="+mj-lt"/>
+              <a:t>La RFID (Radio </a:t>
+            </a:r>
+            <a:r>
+              <a:rPr lang="fr-FR" dirty="0" err="1">
+                <a:latin typeface="Calibri" panose="020F0502020204030204" pitchFamily="34" charset="0"/>
+                <a:ea typeface="SimSun" panose="02010600030101010101" pitchFamily="2" charset="-122"/>
+                <a:cs typeface="Times New Roman" panose="02020603050405020304" pitchFamily="18" charset="0"/>
               </a:rPr>
-            </a:br>
-            <a:r>
-              <a:rPr lang="fr-FR" sz="2200" dirty="0">
-                <a:latin typeface="+mj-lt"/>
+              <a:t>Frequency</a:t>
+            </a:r>
+            <a:r>
+              <a:rPr lang="fr-FR" dirty="0">
+                <a:latin typeface="Calibri" panose="020F0502020204030204" pitchFamily="34" charset="0"/>
+                <a:ea typeface="SimSun" panose="02010600030101010101" pitchFamily="2" charset="-122"/>
+                <a:cs typeface="Times New Roman" panose="02020603050405020304" pitchFamily="18" charset="0"/>
               </a:rPr>
-              <a:t>		a) Introduction</a:t>
-            </a:r>
-            <a:br>
-              <a:rPr lang="fr-FR" sz="2200" dirty="0">
-                <a:latin typeface="+mj-lt"/>
-              </a:rPr>
-            </a:br>
-            <a:r>
-              <a:rPr lang="fr-FR" sz="2200" dirty="0">
-                <a:latin typeface="+mj-lt"/>
-              </a:rPr>
-              <a:t>		b) Principe du lecteur RFID</a:t>
-            </a:r>
-            <a:r>
-              <a:rPr lang="fr-FR" dirty="0"/>
-              <a:t/>
-            </a:r>
-            <a:br>
-              <a:rPr lang="fr-FR" dirty="0"/>
-            </a:br>
-            <a:endParaRPr lang="fr-FR" dirty="0"/>
-          </a:p>
-        </p:txBody>
-      </p:sp>
-      <p:sp>
-        <p:nvSpPr>
-          <p:cNvPr id="3" name="Espace réservé du contenu 2"/>
-          <p:cNvSpPr>
-            <a:spLocks noGrp="1"/>
-          </p:cNvSpPr>
-          <p:nvPr>
-            <p:ph idx="1"/>
-          </p:nvPr>
-        </p:nvSpPr>
-        <p:spPr/>
-        <p:txBody>
-          <a:bodyPr/>
-          <a:lstStyle/>
-          <a:p>
-            <a:endParaRPr lang="fr-FR" dirty="0"/>
+              <a:t> Identification) est une méthode permettant de mémoriser et récupérer des données à distance. Le système est activé par un transfert d’énergie électromagnétique entre une étiquette radio et un émetteur RFID. </a:t>
+            </a:r>
           </a:p>
         </p:txBody>
       </p:sp>
@@ -3650,118 +3697,253 @@
         </p:nvSpPr>
         <p:spPr>
           <a:xfrm>
-            <a:off x="838200" y="0"/>
-            <a:ext cx="10515600" cy="1995854"/>
+            <a:off x="838200" y="1"/>
+            <a:ext cx="10515600" cy="1690688"/>
           </a:xfrm>
         </p:spPr>
         <p:txBody>
           <a:bodyPr>
-            <a:normAutofit fontScale="90000"/>
+            <a:normAutofit/>
           </a:bodyPr>
           <a:lstStyle/>
           <a:p>
             <a:pPr lvl="1"/>
             <a:r>
-              <a:rPr lang="fr-FR" sz="2700" dirty="0">
+              <a:rPr lang="fr-FR" sz="4900" dirty="0">
                 <a:latin typeface="+mj-lt"/>
               </a:rPr>
-              <a:t>2) Utilisation et choix du RFID</a:t>
-            </a:r>
-            <a:r>
-              <a:rPr lang="fr-FR" sz="3100" dirty="0">
+              <a:t>II) Etude Physique lecteur </a:t>
+            </a:r>
+            <a:r>
+              <a:rPr lang="fr-FR" sz="4900" dirty="0" smtClean="0">
                 <a:latin typeface="+mj-lt"/>
               </a:rPr>
-              <a:t/>
-            </a:r>
-            <a:br>
-              <a:rPr lang="fr-FR" sz="3100" dirty="0">
-                <a:latin typeface="+mj-lt"/>
+              <a:t>RFID</a:t>
+            </a:r>
+            <a:endParaRPr lang="fr-FR" dirty="0"/>
+          </a:p>
+        </p:txBody>
+      </p:sp>
+      <p:sp>
+        <p:nvSpPr>
+          <p:cNvPr id="3" name="Espace réservé du contenu 2"/>
+          <p:cNvSpPr>
+            <a:spLocks noGrp="1"/>
+          </p:cNvSpPr>
+          <p:nvPr>
+            <p:ph idx="1"/>
+          </p:nvPr>
+        </p:nvSpPr>
+        <p:spPr/>
+        <p:txBody>
+          <a:bodyPr/>
+          <a:lstStyle/>
+          <a:p>
+            <a:pPr marL="457200" lvl="1" indent="0">
+              <a:buNone/>
+            </a:pPr>
+            <a:r>
+              <a:rPr lang="fr-FR" dirty="0"/>
+              <a:t>b) Principe du lecteur RFID</a:t>
+            </a:r>
+          </a:p>
+          <a:p>
+            <a:pPr lvl="1"/>
+            <a:endParaRPr lang="fr-FR" dirty="0"/>
+          </a:p>
+          <a:p>
+            <a:pPr marL="457200" lvl="1" indent="0">
+              <a:buNone/>
+            </a:pPr>
+            <a:endParaRPr lang="fr-FR" dirty="0"/>
+          </a:p>
+        </p:txBody>
+      </p:sp>
+      <p:pic>
+        <p:nvPicPr>
+          <p:cNvPr id="4" name="Image 3"/>
+          <p:cNvPicPr/>
+          <p:nvPr/>
+        </p:nvPicPr>
+        <p:blipFill>
+          <a:blip r:embed="rId2"/>
+          <a:stretch>
+            <a:fillRect/>
+          </a:stretch>
+        </p:blipFill>
+        <p:spPr>
+          <a:xfrm>
+            <a:off x="7684169" y="5053263"/>
+            <a:ext cx="2679032" cy="1380374"/>
+          </a:xfrm>
+          <a:prstGeom prst="rect">
+            <a:avLst/>
+          </a:prstGeom>
+        </p:spPr>
+      </p:pic>
+      <p:sp>
+        <p:nvSpPr>
+          <p:cNvPr id="6" name="Rectangle 5"/>
+          <p:cNvSpPr/>
+          <p:nvPr/>
+        </p:nvSpPr>
+        <p:spPr>
+          <a:xfrm>
+            <a:off x="838200" y="2686341"/>
+            <a:ext cx="10515600" cy="1973104"/>
+          </a:xfrm>
+          <a:prstGeom prst="rect">
+            <a:avLst/>
+          </a:prstGeom>
+        </p:spPr>
+        <p:txBody>
+          <a:bodyPr wrap="square">
+            <a:spAutoFit/>
+          </a:bodyPr>
+          <a:lstStyle/>
+          <a:p>
+            <a:pPr algn="just">
+              <a:lnSpc>
+                <a:spcPct val="107000"/>
+              </a:lnSpc>
+              <a:spcAft>
+                <a:spcPts val="800"/>
+              </a:spcAft>
+            </a:pPr>
+            <a:r>
+              <a:rPr lang="fr-FR" dirty="0">
+                <a:latin typeface="Calibri" panose="020F0502020204030204" pitchFamily="34" charset="0"/>
+                <a:ea typeface="SimSun" panose="02010600030101010101" pitchFamily="2" charset="-122"/>
+                <a:cs typeface="Times New Roman" panose="02020603050405020304" pitchFamily="18" charset="0"/>
               </a:rPr>
-            </a:br>
-            <a:r>
-              <a:rPr lang="fr-FR" sz="3100" dirty="0">
-                <a:latin typeface="+mj-lt"/>
+              <a:t>Le lecteur RFID fonctionne de la manière suivante </a:t>
+            </a:r>
+            <a:r>
+              <a:rPr lang="fr-FR" dirty="0" smtClean="0">
+                <a:latin typeface="Calibri" panose="020F0502020204030204" pitchFamily="34" charset="0"/>
+                <a:ea typeface="SimSun" panose="02010600030101010101" pitchFamily="2" charset="-122"/>
+                <a:cs typeface="Times New Roman" panose="02020603050405020304" pitchFamily="18" charset="0"/>
               </a:rPr>
-              <a:t>	</a:t>
-            </a:r>
-            <a:r>
-              <a:rPr lang="fr-FR" sz="2200" dirty="0">
-                <a:latin typeface="+mj-lt"/>
+              <a:t>:</a:t>
+            </a:r>
+            <a:endParaRPr lang="fr-FR" dirty="0">
+              <a:latin typeface="Calibri" panose="020F0502020204030204" pitchFamily="34" charset="0"/>
+              <a:ea typeface="SimSun" panose="02010600030101010101" pitchFamily="2" charset="-122"/>
+              <a:cs typeface="Times New Roman" panose="02020603050405020304" pitchFamily="18" charset="0"/>
+            </a:endParaRPr>
+          </a:p>
+          <a:p>
+            <a:pPr marL="342900" lvl="0" indent="-342900" algn="just">
+              <a:lnSpc>
+                <a:spcPct val="107000"/>
+              </a:lnSpc>
+              <a:spcAft>
+                <a:spcPts val="0"/>
+              </a:spcAft>
+              <a:buFont typeface="Century Gothic" panose="020B0502020202020204" pitchFamily="34" charset="0"/>
+              <a:buChar char="-"/>
+            </a:pPr>
+            <a:r>
+              <a:rPr lang="fr-FR" dirty="0">
+                <a:latin typeface="Calibri" panose="020F0502020204030204" pitchFamily="34" charset="0"/>
+                <a:ea typeface="SimSun" panose="02010600030101010101" pitchFamily="2" charset="-122"/>
+                <a:cs typeface="Times New Roman" panose="02020603050405020304" pitchFamily="18" charset="0"/>
               </a:rPr>
-              <a:t>a) Les différents supports</a:t>
-            </a:r>
-            <a:br>
-              <a:rPr lang="fr-FR" sz="2200" dirty="0">
-                <a:latin typeface="+mj-lt"/>
+              <a:t>Il transmet à travers des ondes-radio l’énergie au tag RFID</a:t>
+            </a:r>
+            <a:r>
+              <a:rPr lang="fr-FR" dirty="0" smtClean="0">
+                <a:latin typeface="Calibri" panose="020F0502020204030204" pitchFamily="34" charset="0"/>
+                <a:ea typeface="SimSun" panose="02010600030101010101" pitchFamily="2" charset="-122"/>
+                <a:cs typeface="Times New Roman" panose="02020603050405020304" pitchFamily="18" charset="0"/>
               </a:rPr>
-            </a:br>
-            <a:r>
-              <a:rPr lang="fr-FR" sz="2200" dirty="0">
-                <a:latin typeface="+mj-lt"/>
+              <a:t>,</a:t>
+            </a:r>
+          </a:p>
+          <a:p>
+            <a:pPr lvl="0" algn="just">
+              <a:lnSpc>
+                <a:spcPct val="107000"/>
+              </a:lnSpc>
+              <a:spcAft>
+                <a:spcPts val="0"/>
+              </a:spcAft>
+            </a:pPr>
+            <a:endParaRPr lang="fr-FR" dirty="0">
+              <a:latin typeface="Calibri" panose="020F0502020204030204" pitchFamily="34" charset="0"/>
+              <a:ea typeface="SimSun" panose="02010600030101010101" pitchFamily="2" charset="-122"/>
+              <a:cs typeface="Times New Roman" panose="02020603050405020304" pitchFamily="18" charset="0"/>
+            </a:endParaRPr>
+          </a:p>
+          <a:p>
+            <a:pPr marL="342900" lvl="0" indent="-342900" algn="just">
+              <a:lnSpc>
+                <a:spcPct val="107000"/>
+              </a:lnSpc>
+              <a:spcAft>
+                <a:spcPts val="0"/>
+              </a:spcAft>
+              <a:buFont typeface="Century Gothic" panose="020B0502020202020204" pitchFamily="34" charset="0"/>
+              <a:buChar char="-"/>
+            </a:pPr>
+            <a:r>
+              <a:rPr lang="fr-FR" dirty="0">
+                <a:latin typeface="Calibri" panose="020F0502020204030204" pitchFamily="34" charset="0"/>
+                <a:ea typeface="SimSun" panose="02010600030101010101" pitchFamily="2" charset="-122"/>
+                <a:cs typeface="Times New Roman" panose="02020603050405020304" pitchFamily="18" charset="0"/>
               </a:rPr>
-              <a:t>	b) La communication par la puce</a:t>
-            </a:r>
-            <a:br>
-              <a:rPr lang="fr-FR" sz="2200" dirty="0">
-                <a:latin typeface="+mj-lt"/>
+              <a:t>Il transmet alors une requête d’informations aux étiquettes RFID situées dans son champ magnétique</a:t>
+            </a:r>
+            <a:r>
+              <a:rPr lang="fr-FR" dirty="0" smtClean="0">
+                <a:latin typeface="Calibri" panose="020F0502020204030204" pitchFamily="34" charset="0"/>
+                <a:ea typeface="SimSun" panose="02010600030101010101" pitchFamily="2" charset="-122"/>
+                <a:cs typeface="Times New Roman" panose="02020603050405020304" pitchFamily="18" charset="0"/>
               </a:rPr>
-            </a:br>
-            <a:r>
-              <a:rPr lang="fr-FR" sz="2200" dirty="0">
-                <a:latin typeface="+mj-lt"/>
+              <a:t>,</a:t>
+            </a:r>
+          </a:p>
+          <a:p>
+            <a:pPr lvl="0" algn="just">
+              <a:lnSpc>
+                <a:spcPct val="107000"/>
+              </a:lnSpc>
+              <a:spcAft>
+                <a:spcPts val="0"/>
+              </a:spcAft>
+            </a:pPr>
+            <a:endParaRPr lang="fr-FR" dirty="0">
+              <a:latin typeface="Calibri" panose="020F0502020204030204" pitchFamily="34" charset="0"/>
+              <a:ea typeface="SimSun" panose="02010600030101010101" pitchFamily="2" charset="-122"/>
+              <a:cs typeface="Times New Roman" panose="02020603050405020304" pitchFamily="18" charset="0"/>
+            </a:endParaRPr>
+          </a:p>
+          <a:p>
+            <a:pPr marL="342900" lvl="0" indent="-342900" algn="just">
+              <a:lnSpc>
+                <a:spcPct val="107000"/>
+              </a:lnSpc>
+              <a:spcAft>
+                <a:spcPts val="800"/>
+              </a:spcAft>
+              <a:buFont typeface="Century Gothic" panose="020B0502020202020204" pitchFamily="34" charset="0"/>
+              <a:buChar char="-"/>
+            </a:pPr>
+            <a:r>
+              <a:rPr lang="fr-FR" dirty="0">
+                <a:latin typeface="Calibri" panose="020F0502020204030204" pitchFamily="34" charset="0"/>
+                <a:ea typeface="SimSun" panose="02010600030101010101" pitchFamily="2" charset="-122"/>
+                <a:cs typeface="Times New Roman" panose="02020603050405020304" pitchFamily="18" charset="0"/>
               </a:rPr>
-              <a:t>	c) Les capacités de la puce RFID</a:t>
-            </a:r>
-            <a:br>
-              <a:rPr lang="fr-FR" sz="2200" dirty="0">
-                <a:latin typeface="+mj-lt"/>
-              </a:rPr>
-            </a:br>
-            <a:r>
-              <a:rPr lang="fr-FR" sz="2200" dirty="0">
-                <a:latin typeface="+mj-lt"/>
-              </a:rPr>
-              <a:t>	d) Pourquoi choisir cela ?</a:t>
-            </a:r>
-            <a:r>
-              <a:rPr lang="fr-FR" dirty="0"/>
-              <a:t/>
-            </a:r>
-            <a:br>
-              <a:rPr lang="fr-FR" dirty="0"/>
-            </a:br>
-            <a:endParaRPr lang="fr-FR" dirty="0"/>
-          </a:p>
-        </p:txBody>
-      </p:sp>
-      <p:sp>
-        <p:nvSpPr>
-          <p:cNvPr id="3" name="Espace réservé du contenu 2"/>
-          <p:cNvSpPr>
-            <a:spLocks noGrp="1"/>
-          </p:cNvSpPr>
-          <p:nvPr>
-            <p:ph idx="1"/>
-          </p:nvPr>
-        </p:nvSpPr>
-        <p:spPr>
-          <a:xfrm>
-            <a:off x="838200" y="1995854"/>
-            <a:ext cx="10515600" cy="4304202"/>
-          </a:xfrm>
-        </p:spPr>
-        <p:txBody>
-          <a:bodyPr/>
-          <a:lstStyle/>
-          <a:p>
-            <a:endParaRPr lang="fr-FR" dirty="0"/>
+              <a:t>Il réceptionne les réponses et les transmet aux applications concernées.</a:t>
+            </a:r>
           </a:p>
         </p:txBody>
       </p:sp>
     </p:spTree>
     <p:extLst>
       <p:ext uri="{BB962C8B-B14F-4D97-AF65-F5344CB8AC3E}">
-        <p14:creationId xmlns:p14="http://schemas.microsoft.com/office/powerpoint/2010/main" val="3626584813"/>
+        <p14:creationId xmlns:p14="http://schemas.microsoft.com/office/powerpoint/2010/main" val="308329008"/>
       </p:ext>
     </p:extLst>
   </p:cSld>
@@ -3800,22 +3982,36 @@
         </p:nvSpPr>
         <p:spPr>
           <a:xfrm>
-            <a:off x="334108" y="218708"/>
-            <a:ext cx="10515600" cy="1325563"/>
-          </a:xfrm>
-        </p:spPr>
-        <p:txBody>
-          <a:bodyPr/>
-          <a:lstStyle/>
-          <a:p>
-            <a:r>
-              <a:rPr lang="fr-FR" dirty="0">
-                <a:solidFill>
-                  <a:srgbClr val="FF0000"/>
-                </a:solidFill>
+            <a:off x="838200" y="0"/>
+            <a:ext cx="10515600" cy="1995854"/>
+          </a:xfrm>
+        </p:spPr>
+        <p:txBody>
+          <a:bodyPr>
+            <a:normAutofit/>
+          </a:bodyPr>
+          <a:lstStyle/>
+          <a:p>
+            <a:pPr lvl="1"/>
+            <a:r>
+              <a:rPr lang="fr-FR" sz="2800" b="1" dirty="0" smtClean="0">
+                <a:latin typeface="+mj-lt"/>
               </a:rPr>
-              <a:t>Etudiant 2 : Jouen Matthias</a:t>
-            </a:r>
+              <a:t>2</a:t>
+            </a:r>
+            <a:r>
+              <a:rPr lang="fr-FR" sz="2800" b="1" dirty="0">
+                <a:latin typeface="+mj-lt"/>
+              </a:rPr>
+              <a:t>) Utilisation et choix du </a:t>
+            </a:r>
+            <a:r>
+              <a:rPr lang="fr-FR" sz="2800" b="1" dirty="0" smtClean="0">
+                <a:latin typeface="+mj-lt"/>
+              </a:rPr>
+              <a:t>RFID</a:t>
+            </a:r>
+            <a:endParaRPr lang="fr-FR" sz="1600" dirty="0"/>
           </a:p>
         </p:txBody>
       </p:sp>
@@ -3831,114 +4027,52 @@
         </p:nvSpPr>
         <p:spPr>
           <a:xfrm>
-            <a:off x="334108" y="1544271"/>
-            <a:ext cx="11019692" cy="5129090"/>
+            <a:off x="838200" y="1995854"/>
+            <a:ext cx="10515600" cy="4304202"/>
           </a:xfrm>
         </p:spPr>
         <p:txBody>
           <a:bodyPr>
-            <a:normAutofit lnSpcReduction="10000"/>
+            <a:normAutofit/>
           </a:bodyPr>
           <a:lstStyle/>
           <a:p>
-            <a:r>
-              <a:rPr lang="fr-FR" dirty="0"/>
-              <a:t>I) Analyse complète du système</a:t>
-            </a:r>
-          </a:p>
-          <a:p>
-            <a:pPr lvl="1"/>
-            <a:r>
-              <a:rPr lang="fr-FR" dirty="0"/>
-              <a:t>1) Diagramme de cas d’utilisation</a:t>
-            </a:r>
-          </a:p>
-          <a:p>
-            <a:pPr lvl="1"/>
-            <a:r>
-              <a:rPr lang="fr-FR" dirty="0"/>
-              <a:t>2) Diagrammes de séquence</a:t>
-            </a:r>
-          </a:p>
-          <a:p>
-            <a:pPr lvl="2"/>
-            <a:r>
-              <a:rPr lang="fr-FR" dirty="0"/>
-              <a:t>a) Démarrage et déroulement d’une course</a:t>
-            </a:r>
-          </a:p>
-          <a:p>
-            <a:pPr lvl="2"/>
-            <a:r>
-              <a:rPr lang="fr-FR" dirty="0"/>
-              <a:t>b) Afficher le temps de course sur l’afficheur LED</a:t>
-            </a:r>
-          </a:p>
-          <a:p>
-            <a:pPr lvl="1"/>
-            <a:r>
-              <a:rPr lang="fr-FR" dirty="0"/>
-              <a:t>3) Scénario</a:t>
-            </a:r>
-          </a:p>
-          <a:p>
-            <a:r>
-              <a:rPr lang="fr-FR" dirty="0"/>
-              <a:t>II) Etude Physique lecteur RFID pour les courses</a:t>
-            </a:r>
-          </a:p>
-          <a:p>
-            <a:pPr lvl="1"/>
-            <a:r>
-              <a:rPr lang="fr-FR" dirty="0"/>
-              <a:t>1) Matériel</a:t>
-            </a:r>
-          </a:p>
-          <a:p>
-            <a:pPr lvl="2"/>
-            <a:r>
-              <a:rPr lang="fr-FR" dirty="0"/>
-              <a:t>a) Antenne</a:t>
-            </a:r>
-          </a:p>
-          <a:p>
-            <a:pPr lvl="2"/>
-            <a:r>
-              <a:rPr lang="fr-FR" dirty="0"/>
-              <a:t>b) Dossards </a:t>
-            </a:r>
-            <a:r>
-              <a:rPr lang="fr-FR" dirty="0" err="1"/>
-              <a:t>DAGs</a:t>
-            </a:r>
-            <a:endParaRPr lang="fr-FR" dirty="0"/>
-          </a:p>
-          <a:p>
-            <a:pPr lvl="1"/>
-            <a:r>
-              <a:rPr lang="fr-FR" dirty="0"/>
-              <a:t>2) Boite noire</a:t>
-            </a:r>
-          </a:p>
-          <a:p>
-            <a:pPr lvl="2"/>
-            <a:r>
-              <a:rPr lang="fr-FR" dirty="0"/>
-              <a:t>a) Principe de fonctionnement</a:t>
-            </a:r>
-          </a:p>
-          <a:p>
-            <a:r>
-              <a:rPr lang="fr-FR" dirty="0"/>
-              <a:t>III) Module de test</a:t>
-            </a:r>
+            <a:pPr marL="457200" indent="-457200">
+              <a:buAutoNum type="alphaLcParenR"/>
+            </a:pPr>
+            <a:r>
+              <a:rPr lang="fr-FR" sz="2400" dirty="0" smtClean="0"/>
+              <a:t>Les différents supports</a:t>
+            </a:r>
+          </a:p>
+          <a:p>
+            <a:pPr marL="457200" indent="-457200">
+              <a:buAutoNum type="alphaLcParenR"/>
+            </a:pPr>
+            <a:endParaRPr lang="fr-FR" sz="2400" dirty="0"/>
+          </a:p>
+          <a:p>
+            <a:pPr marL="457200" indent="-457200">
+              <a:buAutoNum type="alphaLcParenR"/>
+            </a:pPr>
+            <a:endParaRPr lang="fr-FR" sz="2400" dirty="0" smtClean="0"/>
+          </a:p>
+          <a:p>
+            <a:pPr marL="457200" indent="-457200">
+              <a:buAutoNum type="alphaLcParenR"/>
+            </a:pPr>
+            <a:r>
+              <a:rPr lang="fr-FR" sz="2400" dirty="0" smtClean="0"/>
+              <a:t>La communication par la puce</a:t>
+            </a:r>
+            <a:endParaRPr lang="fr-FR" sz="2400" dirty="0"/>
           </a:p>
         </p:txBody>
       </p:sp>
     </p:spTree>
     <p:extLst>
       <p:ext uri="{BB962C8B-B14F-4D97-AF65-F5344CB8AC3E}">
-        <p14:creationId xmlns:p14="http://schemas.microsoft.com/office/powerpoint/2010/main" val="2171075976"/>
+        <p14:creationId xmlns:p14="http://schemas.microsoft.com/office/powerpoint/2010/main" val="3626584813"/>
       </p:ext>
     </p:extLst>
   </p:cSld>
@@ -3977,80 +4111,80 @@
         </p:nvSpPr>
         <p:spPr>
           <a:xfrm>
-            <a:off x="838199" y="0"/>
-            <a:ext cx="10515600" cy="1325563"/>
+            <a:off x="838200" y="0"/>
+            <a:ext cx="10515600" cy="1995854"/>
           </a:xfrm>
         </p:spPr>
         <p:txBody>
           <a:bodyPr>
-            <a:noAutofit/>
+            <a:normAutofit/>
           </a:bodyPr>
           <a:lstStyle/>
           <a:p>
-            <a:pPr algn="ctr"/>
-            <a:r>
-              <a:rPr lang="fr-FR" sz="3600" dirty="0"/>
-              <a:t>I) Analyse complète du système</a:t>
-            </a:r>
-            <a:r>
-              <a:rPr lang="fr-FR" dirty="0"/>
-              <a:t/>
-            </a:r>
-            <a:br>
-              <a:rPr lang="fr-FR" dirty="0"/>
-            </a:br>
-            <a:r>
-              <a:rPr lang="fr-FR" sz="4000" dirty="0"/>
-              <a:t>	</a:t>
-            </a:r>
-            <a:r>
-              <a:rPr lang="fr-FR" sz="2800" dirty="0"/>
-              <a:t>1) Diagramme de cas d’utilisation</a:t>
-            </a:r>
-            <a:endParaRPr lang="fr-FR" sz="3200" dirty="0"/>
-          </a:p>
-        </p:txBody>
-      </p:sp>
-      <p:pic>
-        <p:nvPicPr>
-          <p:cNvPr id="4" name="Image 3" descr="E:\GitHub\Projet_Cross\Etudiant 2\Diagrammes\UseCase_Etudiant2.PNG"/>
-          <p:cNvPicPr/>
-          <p:nvPr/>
-        </p:nvPicPr>
-        <p:blipFill rotWithShape="1">
-          <a:blip r:embed="rId2">
-            <a:extLst>
-              <a:ext uri="{28A0092B-C50C-407E-A947-70E740481C1C}">
-                <a14:useLocalDpi xmlns:a14="http://schemas.microsoft.com/office/drawing/2010/main" val="0"/>
-              </a:ext>
-            </a:extLst>
-          </a:blip>
-          <a:srcRect t="8558" b="3297"/>
-          <a:stretch/>
-        </p:blipFill>
-        <p:spPr bwMode="auto">
-          <a:xfrm>
-            <a:off x="281432" y="1151792"/>
-            <a:ext cx="11629133" cy="5706208"/>
-          </a:xfrm>
-          <a:prstGeom prst="rect">
-            <a:avLst/>
-          </a:prstGeom>
-          <a:noFill/>
-          <a:ln>
-            <a:noFill/>
-          </a:ln>
-          <a:extLst>
-            <a:ext uri="{53640926-AAD7-44D8-BBD7-CCE9431645EC}">
-              <a14:shadowObscured xmlns:a14="http://schemas.microsoft.com/office/drawing/2010/main"/>
-            </a:ext>
-          </a:extLst>
-        </p:spPr>
-      </p:pic>
+            <a:pPr lvl="1"/>
+            <a:r>
+              <a:rPr lang="fr-FR" sz="2800" b="1" dirty="0" smtClean="0">
+                <a:latin typeface="+mj-lt"/>
+              </a:rPr>
+              <a:t>2</a:t>
+            </a:r>
+            <a:r>
+              <a:rPr lang="fr-FR" sz="2800" b="1" dirty="0">
+                <a:latin typeface="+mj-lt"/>
+              </a:rPr>
+              <a:t>) Utilisation et choix du </a:t>
+            </a:r>
+            <a:r>
+              <a:rPr lang="fr-FR" sz="2800" b="1" dirty="0" smtClean="0">
+                <a:latin typeface="+mj-lt"/>
+              </a:rPr>
+              <a:t>RFID</a:t>
+            </a:r>
+            <a:endParaRPr lang="fr-FR" dirty="0"/>
+          </a:p>
+        </p:txBody>
+      </p:sp>
+      <p:sp>
+        <p:nvSpPr>
+          <p:cNvPr id="3" name="Espace réservé du contenu 2"/>
+          <p:cNvSpPr>
+            <a:spLocks noGrp="1"/>
+          </p:cNvSpPr>
+          <p:nvPr>
+            <p:ph idx="1"/>
+          </p:nvPr>
+        </p:nvSpPr>
+        <p:spPr>
+          <a:xfrm>
+            <a:off x="838200" y="1995854"/>
+            <a:ext cx="10515600" cy="4304202"/>
+          </a:xfrm>
+        </p:spPr>
+        <p:txBody>
+          <a:bodyPr>
+            <a:normAutofit/>
+          </a:bodyPr>
+          <a:lstStyle/>
+          <a:p>
+            <a:pPr marL="0" indent="0">
+              <a:buNone/>
+            </a:pPr>
+            <a:r>
+              <a:rPr lang="fr-FR" sz="2400" dirty="0" smtClean="0"/>
+              <a:t>c</a:t>
+            </a:r>
+            <a:r>
+              <a:rPr lang="fr-FR" sz="2400" dirty="0" smtClean="0"/>
+              <a:t>) Les capacités de la puce RFID</a:t>
+            </a:r>
+            <a:endParaRPr lang="fr-FR" sz="2400" dirty="0"/>
+          </a:p>
+        </p:txBody>
+      </p:sp>
     </p:spTree>
     <p:extLst>
       <p:ext uri="{BB962C8B-B14F-4D97-AF65-F5344CB8AC3E}">
-        <p14:creationId xmlns:p14="http://schemas.microsoft.com/office/powerpoint/2010/main" val="1247061660"/>
+        <p14:creationId xmlns:p14="http://schemas.microsoft.com/office/powerpoint/2010/main" val="2437725789"/>
       </p:ext>
     </p:extLst>
   </p:cSld>
@@ -4089,97 +4223,88 @@
         </p:nvSpPr>
         <p:spPr>
           <a:xfrm>
-            <a:off x="759068" y="0"/>
-            <a:ext cx="10515600" cy="1169377"/>
+            <a:off x="838200" y="0"/>
+            <a:ext cx="10515600" cy="1995854"/>
           </a:xfrm>
         </p:spPr>
         <p:txBody>
           <a:bodyPr>
-            <a:normAutofit fontScale="90000"/>
+            <a:normAutofit/>
           </a:bodyPr>
           <a:lstStyle/>
           <a:p>
-            <a:pPr lvl="2" algn="ctr" rtl="0">
-              <a:lnSpc>
-                <a:spcPct val="90000"/>
-              </a:lnSpc>
-              <a:spcBef>
-                <a:spcPct val="0"/>
-              </a:spcBef>
-            </a:pPr>
-            <a:r>
-              <a:rPr lang="fr-FR" sz="3100" dirty="0">
+            <a:pPr lvl="1"/>
+            <a:r>
+              <a:rPr lang="fr-FR" sz="2800" b="1" dirty="0" smtClean="0">
                 <a:latin typeface="+mj-lt"/>
               </a:rPr>
-              <a:t>2) Diagrammes de séquence</a:t>
-            </a:r>
-            <a:r>
-              <a:rPr lang="fr-FR" sz="3200" dirty="0">
+              <a:t>2</a:t>
+            </a:r>
+            <a:r>
+              <a:rPr lang="fr-FR" sz="2800" b="1" dirty="0">
                 <a:latin typeface="+mj-lt"/>
               </a:rPr>
-              <a:t/>
-            </a:r>
-            <a:br>
-              <a:rPr lang="fr-FR" sz="3200" dirty="0">
+              <a:t>) </a:t>
+            </a:r>
+            <a:r>
+              <a:rPr lang="fr-FR" sz="2800" b="1" dirty="0" smtClean="0">
                 <a:latin typeface="+mj-lt"/>
               </a:rPr>
-            </a:br>
-            <a:r>
-              <a:rPr lang="fr-FR" sz="3200" dirty="0">
+              <a:t>Utilisation </a:t>
+            </a:r>
+            <a:r>
+              <a:rPr lang="fr-FR" sz="2800" b="1" dirty="0">
                 <a:latin typeface="+mj-lt"/>
               </a:rPr>
-              <a:t>	</a:t>
-            </a:r>
-            <a:r>
-              <a:rPr lang="fr-FR" sz="2400" dirty="0">
+              <a:t>et choix du </a:t>
+            </a:r>
+            <a:r>
+              <a:rPr lang="fr-FR" sz="2800" b="1" dirty="0" smtClean="0">
                 <a:latin typeface="+mj-lt"/>
               </a:rPr>
-              <a:t>a) Démarrage et déroulement d’une course</a:t>
-            </a:r>
-            <a:r>
-              <a:rPr lang="fr-FR" dirty="0"/>
-              <a:t/>
-            </a:r>
-            <a:br>
-              <a:rPr lang="fr-FR" dirty="0"/>
-            </a:br>
-            <a:endParaRPr lang="fr-FR" sz="3200" dirty="0"/>
-          </a:p>
-        </p:txBody>
-      </p:sp>
-      <p:pic>
-        <p:nvPicPr>
-          <p:cNvPr id="5" name="Image 4"/>
-          <p:cNvPicPr>
-            <a:picLocks noChangeAspect="1"/>
-          </p:cNvPicPr>
-          <p:nvPr/>
-        </p:nvPicPr>
-        <p:blipFill rotWithShape="1">
-          <a:blip r:embed="rId2">
-            <a:extLst>
-              <a:ext uri="{28A0092B-C50C-407E-A947-70E740481C1C}">
-                <a14:useLocalDpi xmlns:a14="http://schemas.microsoft.com/office/drawing/2010/main" val="0"/>
-              </a:ext>
-            </a:extLst>
-          </a:blip>
-          <a:srcRect t="5449" b="5282"/>
-          <a:stretch/>
-        </p:blipFill>
-        <p:spPr>
-          <a:xfrm>
-            <a:off x="9019" y="870437"/>
-            <a:ext cx="12015697" cy="5442439"/>
-          </a:xfrm>
-          <a:prstGeom prst="rect">
-            <a:avLst/>
-          </a:prstGeom>
-        </p:spPr>
-      </p:pic>
+              <a:t>RFID</a:t>
+            </a:r>
+            <a:endParaRPr lang="fr-FR" dirty="0"/>
+          </a:p>
+        </p:txBody>
+      </p:sp>
+      <p:sp>
+        <p:nvSpPr>
+          <p:cNvPr id="3" name="Espace réservé du contenu 2"/>
+          <p:cNvSpPr>
+            <a:spLocks noGrp="1"/>
+          </p:cNvSpPr>
+          <p:nvPr>
+            <p:ph idx="1"/>
+          </p:nvPr>
+        </p:nvSpPr>
+        <p:spPr>
+          <a:xfrm>
+            <a:off x="838200" y="1995854"/>
+            <a:ext cx="10515600" cy="4304202"/>
+          </a:xfrm>
+        </p:spPr>
+        <p:txBody>
+          <a:bodyPr>
+            <a:normAutofit/>
+          </a:bodyPr>
+          <a:lstStyle/>
+          <a:p>
+            <a:pPr marL="0" indent="0">
+              <a:buNone/>
+            </a:pPr>
+            <a:r>
+              <a:rPr lang="fr-FR" sz="2400" dirty="0" smtClean="0"/>
+              <a:t>d) Choix du RFID</a:t>
+            </a:r>
+            <a:endParaRPr lang="fr-FR" sz="2400" dirty="0"/>
+          </a:p>
+        </p:txBody>
+      </p:sp>
     </p:spTree>
     <p:extLst>
       <p:ext uri="{BB962C8B-B14F-4D97-AF65-F5344CB8AC3E}">
-        <p14:creationId xmlns:p14="http://schemas.microsoft.com/office/powerpoint/2010/main" val="3709118343"/>
+        <p14:creationId xmlns:p14="http://schemas.microsoft.com/office/powerpoint/2010/main" val="572237306"/>
       </p:ext>
     </p:extLst>
   </p:cSld>
@@ -4317,69 +4442,145 @@
         </p:nvSpPr>
         <p:spPr>
           <a:xfrm>
-            <a:off x="838200" y="0"/>
-            <a:ext cx="10515600" cy="514106"/>
+            <a:off x="334108" y="218708"/>
+            <a:ext cx="10515600" cy="1325563"/>
+          </a:xfrm>
+        </p:spPr>
+        <p:txBody>
+          <a:bodyPr/>
+          <a:lstStyle/>
+          <a:p>
+            <a:r>
+              <a:rPr lang="fr-FR" dirty="0">
+                <a:solidFill>
+                  <a:srgbClr val="FF0000"/>
+                </a:solidFill>
+              </a:rPr>
+              <a:t>Etudiant 2 : Jouen Matthias</a:t>
+            </a:r>
+          </a:p>
+        </p:txBody>
+      </p:sp>
+      <p:sp>
+        <p:nvSpPr>
+          <p:cNvPr id="3" name="Espace réservé du contenu 2"/>
+          <p:cNvSpPr>
+            <a:spLocks noGrp="1"/>
+          </p:cNvSpPr>
+          <p:nvPr>
+            <p:ph idx="1"/>
+          </p:nvPr>
+        </p:nvSpPr>
+        <p:spPr>
+          <a:xfrm>
+            <a:off x="334108" y="1544271"/>
+            <a:ext cx="11019692" cy="5129090"/>
           </a:xfrm>
         </p:spPr>
         <p:txBody>
           <a:bodyPr>
-            <a:normAutofit/>
+            <a:normAutofit lnSpcReduction="10000"/>
           </a:bodyPr>
           <a:lstStyle/>
           <a:p>
-            <a:pPr lvl="2" algn="ctr" rtl="0">
-              <a:lnSpc>
-                <a:spcPct val="90000"/>
-              </a:lnSpc>
-              <a:spcBef>
-                <a:spcPct val="0"/>
-              </a:spcBef>
-            </a:pPr>
-            <a:r>
-              <a:rPr lang="fr-FR" sz="2400" dirty="0">
-                <a:latin typeface="+mj-lt"/>
-              </a:rPr>
+            <a:r>
+              <a:rPr lang="fr-FR" dirty="0"/>
+              <a:t>I) Analyse complète du système</a:t>
+            </a:r>
+          </a:p>
+          <a:p>
+            <a:pPr lvl="1"/>
+            <a:r>
+              <a:rPr lang="fr-FR" dirty="0"/>
+              <a:t>1) Diagramme de cas d’utilisation</a:t>
+            </a:r>
+          </a:p>
+          <a:p>
+            <a:pPr lvl="1"/>
+            <a:r>
+              <a:rPr lang="fr-FR" dirty="0"/>
+              <a:t>2) Diagrammes de séquence</a:t>
+            </a:r>
+          </a:p>
+          <a:p>
+            <a:pPr lvl="2"/>
+            <a:r>
+              <a:rPr lang="fr-FR" dirty="0"/>
+              <a:t>a) Démarrage et déroulement d’une course</a:t>
+            </a:r>
+          </a:p>
+          <a:p>
+            <a:pPr lvl="2"/>
+            <a:r>
+              <a:rPr lang="fr-FR" dirty="0"/>
               <a:t>b) Afficher le temps de course sur l’afficheur LED</a:t>
             </a:r>
-            <a:endParaRPr lang="fr-FR" sz="3200" dirty="0">
-              <a:latin typeface="+mj-lt"/>
-            </a:endParaRPr>
-          </a:p>
-        </p:txBody>
-      </p:sp>
-      <p:pic>
-        <p:nvPicPr>
-          <p:cNvPr id="5" name="Image 4"/>
-          <p:cNvPicPr>
-            <a:picLocks noChangeAspect="1"/>
-          </p:cNvPicPr>
-          <p:nvPr/>
-        </p:nvPicPr>
-        <p:blipFill rotWithShape="1">
-          <a:blip r:embed="rId2">
-            <a:extLst>
-              <a:ext uri="{28A0092B-C50C-407E-A947-70E740481C1C}">
-                <a14:useLocalDpi xmlns:a14="http://schemas.microsoft.com/office/drawing/2010/main" val="0"/>
-              </a:ext>
-            </a:extLst>
-          </a:blip>
-          <a:srcRect t="6145"/>
-          <a:stretch/>
-        </p:blipFill>
-        <p:spPr>
-          <a:xfrm>
-            <a:off x="501162" y="597878"/>
-            <a:ext cx="11302167" cy="5874810"/>
-          </a:xfrm>
-          <a:prstGeom prst="rect">
-            <a:avLst/>
-          </a:prstGeom>
-        </p:spPr>
-      </p:pic>
+          </a:p>
+          <a:p>
+            <a:pPr lvl="1"/>
+            <a:r>
+              <a:rPr lang="fr-FR" dirty="0"/>
+              <a:t>3) Scénario</a:t>
+            </a:r>
+          </a:p>
+          <a:p>
+            <a:r>
+              <a:rPr lang="fr-FR" dirty="0"/>
+              <a:t>II) Etude Physique lecteur RFID pour les courses</a:t>
+            </a:r>
+          </a:p>
+          <a:p>
+            <a:pPr lvl="1"/>
+            <a:r>
+              <a:rPr lang="fr-FR" dirty="0"/>
+              <a:t>1) Matériel</a:t>
+            </a:r>
+          </a:p>
+          <a:p>
+            <a:pPr lvl="2"/>
+            <a:r>
+              <a:rPr lang="fr-FR" dirty="0"/>
+              <a:t>a) Antenne</a:t>
+            </a:r>
+          </a:p>
+          <a:p>
+            <a:pPr lvl="2"/>
+            <a:r>
+              <a:rPr lang="fr-FR" dirty="0"/>
+              <a:t>b) Dossards </a:t>
+            </a:r>
+            <a:r>
+              <a:rPr lang="fr-FR" dirty="0" err="1"/>
+              <a:t>DAGs</a:t>
+            </a:r>
+            <a:endParaRPr lang="fr-FR" dirty="0"/>
+          </a:p>
+          <a:p>
+            <a:pPr lvl="1"/>
+            <a:r>
+              <a:rPr lang="fr-FR" dirty="0"/>
+              <a:t>2) Boite noire</a:t>
+            </a:r>
+          </a:p>
+          <a:p>
+            <a:pPr lvl="2"/>
+            <a:r>
+              <a:rPr lang="fr-FR" dirty="0"/>
+              <a:t>a) Principe de fonctionnement</a:t>
+            </a:r>
+          </a:p>
+          <a:p>
+            <a:r>
+              <a:rPr lang="fr-FR" dirty="0"/>
+              <a:t>III) Module de test</a:t>
+            </a:r>
+          </a:p>
+        </p:txBody>
+      </p:sp>
     </p:spTree>
     <p:extLst>
       <p:ext uri="{BB962C8B-B14F-4D97-AF65-F5344CB8AC3E}">
-        <p14:creationId xmlns:p14="http://schemas.microsoft.com/office/powerpoint/2010/main" val="1677811779"/>
+        <p14:creationId xmlns:p14="http://schemas.microsoft.com/office/powerpoint/2010/main" val="2171075976"/>
       </p:ext>
     </p:extLst>
   </p:cSld>
@@ -4418,142 +4619,80 @@
         </p:nvSpPr>
         <p:spPr>
           <a:xfrm>
-            <a:off x="838200" y="0"/>
-            <a:ext cx="10515600" cy="487729"/>
+            <a:off x="838199" y="0"/>
+            <a:ext cx="10515600" cy="1325563"/>
           </a:xfrm>
         </p:spPr>
         <p:txBody>
           <a:bodyPr>
-            <a:normAutofit/>
+            <a:noAutofit/>
           </a:bodyPr>
           <a:lstStyle/>
           <a:p>
             <a:pPr algn="ctr"/>
             <a:r>
+              <a:rPr lang="fr-FR" sz="3600" dirty="0"/>
+              <a:t>I) Analyse complète du système</a:t>
+            </a:r>
+            <a:r>
+              <a:rPr lang="fr-FR" dirty="0"/>
+              <a:t/>
+            </a:r>
+            <a:br>
+              <a:rPr lang="fr-FR" dirty="0"/>
+            </a:br>
+            <a:r>
+              <a:rPr lang="fr-FR" sz="4000" dirty="0"/>
+              <a:t>	</a:t>
+            </a:r>
+            <a:r>
               <a:rPr lang="fr-FR" sz="2800" dirty="0"/>
-              <a:t>3) Scénario</a:t>
-            </a:r>
-          </a:p>
-        </p:txBody>
-      </p:sp>
-      <p:sp>
-        <p:nvSpPr>
-          <p:cNvPr id="3" name="Espace réservé du contenu 2"/>
-          <p:cNvSpPr>
-            <a:spLocks noGrp="1"/>
-          </p:cNvSpPr>
-          <p:nvPr>
-            <p:ph idx="1"/>
-          </p:nvPr>
-        </p:nvSpPr>
-        <p:spPr>
-          <a:xfrm>
-            <a:off x="838200" y="805717"/>
-            <a:ext cx="10515600" cy="5217014"/>
-          </a:xfrm>
-        </p:spPr>
-        <p:txBody>
-          <a:bodyPr>
-            <a:normAutofit fontScale="92500" lnSpcReduction="20000"/>
-          </a:bodyPr>
-          <a:lstStyle/>
-          <a:p>
-            <a:pPr lvl="0"/>
-            <a:r>
-              <a:rPr lang="fr-FR" sz="2400" dirty="0"/>
-              <a:t>Le commissaire de course lance l’application C++.</a:t>
-            </a:r>
-          </a:p>
-          <a:p>
-            <a:pPr marL="0" lvl="0" indent="0">
-              <a:buNone/>
-            </a:pPr>
-            <a:r>
-              <a:rPr lang="fr-FR" sz="2400" dirty="0"/>
-              <a:t> </a:t>
-            </a:r>
-          </a:p>
-          <a:p>
-            <a:pPr lvl="0"/>
-            <a:r>
-              <a:rPr lang="fr-FR" sz="2400" dirty="0"/>
-              <a:t>Il va sélectionner la course qu’il voudra démarrer.</a:t>
-            </a:r>
-          </a:p>
-          <a:p>
-            <a:pPr marL="0" lvl="0" indent="0">
-              <a:buNone/>
-            </a:pPr>
-            <a:endParaRPr lang="fr-FR" sz="2400" dirty="0"/>
-          </a:p>
-          <a:p>
-            <a:pPr lvl="0"/>
-            <a:r>
-              <a:rPr lang="fr-FR" sz="2400" dirty="0"/>
-              <a:t>Il va ensuite cliquer sur le bouton de démarrage de la course.</a:t>
-            </a:r>
-          </a:p>
-          <a:p>
-            <a:pPr marL="0" lvl="0" indent="0">
-              <a:buNone/>
-            </a:pPr>
-            <a:endParaRPr lang="fr-FR" sz="2400" dirty="0"/>
-          </a:p>
-          <a:p>
-            <a:pPr lvl="0"/>
-            <a:r>
-              <a:rPr lang="fr-FR" sz="2400" dirty="0"/>
-              <a:t>Une fois la course démarrée, il pourra cliquer sur « afficheur LED » s’il y en a un. </a:t>
-            </a:r>
-          </a:p>
-          <a:p>
-            <a:pPr marL="0" lvl="0" indent="0">
-              <a:buNone/>
-            </a:pPr>
-            <a:endParaRPr lang="fr-FR" sz="2400" dirty="0"/>
-          </a:p>
-          <a:p>
-            <a:pPr lvl="0"/>
-            <a:r>
-              <a:rPr lang="fr-FR" sz="2400" dirty="0"/>
-              <a:t>L’afficheur LED va afficher le temps du premier ou/et le temps moyen des coureurs.</a:t>
-            </a:r>
-          </a:p>
-          <a:p>
-            <a:pPr marL="0" lvl="0" indent="0">
-              <a:buNone/>
-            </a:pPr>
-            <a:endParaRPr lang="fr-FR" sz="2400" dirty="0"/>
-          </a:p>
-          <a:p>
-            <a:pPr lvl="0"/>
-            <a:r>
-              <a:rPr lang="fr-FR" sz="2400" dirty="0"/>
-              <a:t> Quand le lecteur RFID aura détecté un coureur, il enverra ses informations à la base de données.</a:t>
-            </a:r>
-          </a:p>
-          <a:p>
-            <a:pPr marL="0" lvl="0" indent="0">
-              <a:buNone/>
-            </a:pPr>
-            <a:endParaRPr lang="fr-FR" sz="2400" dirty="0"/>
-          </a:p>
-          <a:p>
-            <a:pPr lvl="0"/>
-            <a:r>
-              <a:rPr lang="fr-FR" sz="2400" dirty="0"/>
-              <a:t>Les informations pourront être ensuite traitées.</a:t>
-            </a:r>
-          </a:p>
-          <a:p>
-            <a:endParaRPr lang="fr-FR" dirty="0"/>
-          </a:p>
-        </p:txBody>
-      </p:sp>
+              <a:t>1) Diagramme de cas d’utilisation</a:t>
+            </a:r>
+            <a:endParaRPr lang="fr-FR" sz="3200" dirty="0"/>
+          </a:p>
+        </p:txBody>
+      </p:sp>
+      <p:pic>
+        <p:nvPicPr>
+          <p:cNvPr id="4" name="Image 3" descr="E:\GitHub\Projet_Cross\Etudiant 2\Diagrammes\UseCase_Etudiant2.PNG"/>
+          <p:cNvPicPr/>
+          <p:nvPr/>
+        </p:nvPicPr>
+        <p:blipFill rotWithShape="1">
+          <a:blip r:embed="rId2">
+            <a:extLst>
+              <a:ext uri="{28A0092B-C50C-407E-A947-70E740481C1C}">
+                <a14:useLocalDpi xmlns:a14="http://schemas.microsoft.com/office/drawing/2010/main" val="0"/>
+              </a:ext>
+            </a:extLst>
+          </a:blip>
+          <a:srcRect t="8558" b="3297"/>
+          <a:stretch/>
+        </p:blipFill>
+        <p:spPr bwMode="auto">
+          <a:xfrm>
+            <a:off x="281432" y="1151792"/>
+            <a:ext cx="11629133" cy="5706208"/>
+          </a:xfrm>
+          <a:prstGeom prst="rect">
+            <a:avLst/>
+          </a:prstGeom>
+          <a:noFill/>
+          <a:ln>
+            <a:noFill/>
+          </a:ln>
+          <a:extLst>
+            <a:ext uri="{53640926-AAD7-44D8-BBD7-CCE9431645EC}">
+              <a14:shadowObscured xmlns:a14="http://schemas.microsoft.com/office/drawing/2010/main"/>
+            </a:ext>
+          </a:extLst>
+        </p:spPr>
+      </p:pic>
     </p:spTree>
     <p:extLst>
       <p:ext uri="{BB962C8B-B14F-4D97-AF65-F5344CB8AC3E}">
-        <p14:creationId xmlns:p14="http://schemas.microsoft.com/office/powerpoint/2010/main" val="1024622025"/>
+        <p14:creationId xmlns:p14="http://schemas.microsoft.com/office/powerpoint/2010/main" val="1247061660"/>
       </p:ext>
     </p:extLst>
   </p:cSld>
@@ -4592,8 +4731,8 @@
         </p:nvSpPr>
         <p:spPr>
           <a:xfrm>
-            <a:off x="838200" y="-1"/>
-            <a:ext cx="10515600" cy="1512277"/>
+            <a:off x="759068" y="0"/>
+            <a:ext cx="10515600" cy="1169377"/>
           </a:xfrm>
         </p:spPr>
         <p:txBody>
@@ -4602,74 +4741,87 @@
           </a:bodyPr>
           <a:lstStyle/>
           <a:p>
-            <a:r>
-              <a:rPr lang="fr-FR" sz="3600" dirty="0"/>
-              <a:t>II) Etude physique lecteur RFID pour les courses</a:t>
+            <a:pPr lvl="2" algn="ctr" rtl="0">
+              <a:lnSpc>
+                <a:spcPct val="90000"/>
+              </a:lnSpc>
+              <a:spcBef>
+                <a:spcPct val="0"/>
+              </a:spcBef>
+            </a:pPr>
+            <a:r>
+              <a:rPr lang="fr-FR" sz="3100" dirty="0">
+                <a:latin typeface="+mj-lt"/>
+              </a:rPr>
+              <a:t>2) Diagrammes de séquence</a:t>
+            </a:r>
+            <a:r>
+              <a:rPr lang="fr-FR" sz="3200" dirty="0">
+                <a:latin typeface="+mj-lt"/>
+              </a:rPr>
+              <a:t/>
             </a:r>
             <a:br>
-              <a:rPr lang="fr-FR" sz="3600" dirty="0"/>
+              <a:rPr lang="fr-FR" sz="3200" dirty="0">
+                <a:latin typeface="+mj-lt"/>
+              </a:rPr>
             </a:br>
             <a:r>
-              <a:rPr lang="fr-FR" sz="3600" dirty="0"/>
+              <a:rPr lang="fr-FR" sz="3200" dirty="0">
+                <a:latin typeface="+mj-lt"/>
+              </a:rPr>
               <a:t>	</a:t>
             </a:r>
             <a:r>
-              <a:rPr lang="fr-FR" sz="3100" dirty="0"/>
-              <a:t>1) Matériel</a:t>
-            </a:r>
-            <a:r>
-              <a:rPr lang="fr-FR" sz="2800" dirty="0"/>
+              <a:rPr lang="fr-FR" sz="2400" dirty="0">
+                <a:latin typeface="+mj-lt"/>
+              </a:rPr>
+              <a:t>a) Démarrage et déroulement d’une course</a:t>
+            </a:r>
+            <a:r>
+              <a:rPr lang="fr-FR" dirty="0"/>
               <a:t/>
             </a:r>
             <a:br>
-              <a:rPr lang="fr-FR" sz="2800" dirty="0"/>
+              <a:rPr lang="fr-FR" dirty="0"/>
             </a:br>
-            <a:r>
-              <a:rPr lang="fr-FR" sz="2800" dirty="0"/>
-              <a:t>		</a:t>
-            </a:r>
-            <a:r>
-              <a:rPr lang="fr-FR" sz="2400" dirty="0"/>
-              <a:t>a) Antenne</a:t>
-            </a:r>
-            <a:br>
-              <a:rPr lang="fr-FR" sz="2400" dirty="0"/>
-            </a:br>
-            <a:r>
-              <a:rPr lang="fr-FR" sz="2400" dirty="0"/>
-              <a:t>		b) Dossard </a:t>
-            </a:r>
-            <a:r>
-              <a:rPr lang="fr-FR" sz="2400" dirty="0" err="1"/>
-              <a:t>DAGs</a:t>
-            </a:r>
-            <a:endParaRPr lang="fr-FR" sz="3600" dirty="0"/>
-          </a:p>
-        </p:txBody>
-      </p:sp>
-      <p:sp>
-        <p:nvSpPr>
-          <p:cNvPr id="3" name="Espace réservé du contenu 2"/>
-          <p:cNvSpPr>
-            <a:spLocks noGrp="1"/>
-          </p:cNvSpPr>
-          <p:nvPr>
-            <p:ph idx="1"/>
-          </p:nvPr>
-        </p:nvSpPr>
-        <p:spPr/>
-        <p:txBody>
-          <a:bodyPr/>
-          <a:lstStyle/>
-          <a:p>
-            <a:endParaRPr lang="fr-FR" dirty="0"/>
-          </a:p>
-        </p:txBody>
-      </p:sp>
+            <a:endParaRPr lang="fr-FR" sz="3200" dirty="0"/>
+          </a:p>
+        </p:txBody>
+      </p:sp>
+      <p:pic>
+        <p:nvPicPr>
+          <p:cNvPr id="5" name="Image 4"/>
+          <p:cNvPicPr>
+            <a:picLocks noChangeAspect="1"/>
+          </p:cNvPicPr>
+          <p:nvPr/>
+        </p:nvPicPr>
+        <p:blipFill rotWithShape="1">
+          <a:blip r:embed="rId2">
+            <a:extLst>
+              <a:ext uri="{28A0092B-C50C-407E-A947-70E740481C1C}">
+                <a14:useLocalDpi xmlns:a14="http://schemas.microsoft.com/office/drawing/2010/main" val="0"/>
+              </a:ext>
+            </a:extLst>
+          </a:blip>
+          <a:srcRect t="5449" b="5282"/>
+          <a:stretch/>
+        </p:blipFill>
+        <p:spPr>
+          <a:xfrm>
+            <a:off x="9019" y="870437"/>
+            <a:ext cx="12015697" cy="5442439"/>
+          </a:xfrm>
+          <a:prstGeom prst="rect">
+            <a:avLst/>
+          </a:prstGeom>
+        </p:spPr>
+      </p:pic>
     </p:spTree>
     <p:extLst>
       <p:ext uri="{BB962C8B-B14F-4D97-AF65-F5344CB8AC3E}">
-        <p14:creationId xmlns:p14="http://schemas.microsoft.com/office/powerpoint/2010/main" val="2600805086"/>
+        <p14:creationId xmlns:p14="http://schemas.microsoft.com/office/powerpoint/2010/main" val="3709118343"/>
       </p:ext>
     </p:extLst>
   </p:cSld>
@@ -4709,7 +4861,7 @@
         <p:spPr>
           <a:xfrm>
             <a:off x="838200" y="0"/>
-            <a:ext cx="10515600" cy="864211"/>
+            <a:ext cx="10515600" cy="514106"/>
           </a:xfrm>
         </p:spPr>
         <p:txBody>
@@ -4718,51 +4870,59 @@
           </a:bodyPr>
           <a:lstStyle/>
           <a:p>
-            <a:r>
-              <a:rPr lang="fr-FR" sz="2800" dirty="0"/>
-              <a:t>2) Boite noire</a:t>
-            </a:r>
-            <a:br>
-              <a:rPr lang="fr-FR" sz="2800" dirty="0"/>
-            </a:br>
-            <a:r>
-              <a:rPr lang="fr-FR" sz="2800" dirty="0"/>
-              <a:t>	</a:t>
-            </a:r>
-            <a:r>
-              <a:rPr lang="fr-FR" sz="2400" dirty="0"/>
-              <a:t>a) Principe de fonctionnement</a:t>
-            </a:r>
-            <a:endParaRPr lang="fr-FR" sz="2800" dirty="0"/>
-          </a:p>
-        </p:txBody>
-      </p:sp>
-      <p:sp>
-        <p:nvSpPr>
-          <p:cNvPr id="3" name="Espace réservé du contenu 2"/>
-          <p:cNvSpPr>
-            <a:spLocks noGrp="1"/>
-          </p:cNvSpPr>
-          <p:nvPr>
-            <p:ph idx="1"/>
-          </p:nvPr>
-        </p:nvSpPr>
-        <p:spPr/>
-        <p:txBody>
-          <a:bodyPr/>
-          <a:lstStyle/>
-          <a:p>
-            <a:pPr marL="0" indent="0">
-              <a:buNone/>
+            <a:pPr lvl="2" algn="ctr" rtl="0">
+              <a:lnSpc>
+                <a:spcPct val="90000"/>
+              </a:lnSpc>
+              <a:spcBef>
+                <a:spcPct val="0"/>
+              </a:spcBef>
             </a:pPr>
-            <a:endParaRPr lang="fr-FR" dirty="0"/>
-          </a:p>
-        </p:txBody>
-      </p:sp>
+            <a:r>
+              <a:rPr lang="fr-FR" sz="2400" dirty="0">
+                <a:latin typeface="+mj-lt"/>
+              </a:rPr>
+              <a:t>b) Afficher le temps de course sur l’afficheur LED</a:t>
+            </a:r>
+            <a:endParaRPr lang="fr-FR" sz="3200" dirty="0">
+              <a:latin typeface="+mj-lt"/>
+            </a:endParaRPr>
+          </a:p>
+        </p:txBody>
+      </p:sp>
+      <p:pic>
+        <p:nvPicPr>
+          <p:cNvPr id="5" name="Image 4"/>
+          <p:cNvPicPr>
+            <a:picLocks noChangeAspect="1"/>
+          </p:cNvPicPr>
+          <p:nvPr/>
+        </p:nvPicPr>
+        <p:blipFill rotWithShape="1">
+          <a:blip r:embed="rId2">
+            <a:extLst>
+              <a:ext uri="{28A0092B-C50C-407E-A947-70E740481C1C}">
+                <a14:useLocalDpi xmlns:a14="http://schemas.microsoft.com/office/drawing/2010/main" val="0"/>
+              </a:ext>
+            </a:extLst>
+          </a:blip>
+          <a:srcRect t="6145"/>
+          <a:stretch/>
+        </p:blipFill>
+        <p:spPr>
+          <a:xfrm>
+            <a:off x="501162" y="597878"/>
+            <a:ext cx="11302167" cy="5874810"/>
+          </a:xfrm>
+          <a:prstGeom prst="rect">
+            <a:avLst/>
+          </a:prstGeom>
+        </p:spPr>
+      </p:pic>
     </p:spTree>
     <p:extLst>
       <p:ext uri="{BB962C8B-B14F-4D97-AF65-F5344CB8AC3E}">
-        <p14:creationId xmlns:p14="http://schemas.microsoft.com/office/powerpoint/2010/main" val="4282450701"/>
+        <p14:creationId xmlns:p14="http://schemas.microsoft.com/office/powerpoint/2010/main" val="1677811779"/>
       </p:ext>
     </p:extLst>
   </p:cSld>
@@ -4799,40 +4959,22 @@
             <p:ph type="title"/>
           </p:nvPr>
         </p:nvSpPr>
-        <p:spPr/>
-        <p:txBody>
-          <a:bodyPr/>
-          <a:lstStyle/>
-          <a:p>
-            <a:r>
-              <a:rPr lang="fr-FR" dirty="0">
-                <a:solidFill>
-                  <a:schemeClr val="accent6">
-                    <a:lumMod val="75000"/>
-                  </a:schemeClr>
-                </a:solidFill>
-              </a:rPr>
-              <a:t>Etudiant 3 : </a:t>
-            </a:r>
-            <a:r>
-              <a:rPr lang="fr-FR" dirty="0" err="1">
-                <a:solidFill>
-                  <a:schemeClr val="accent6">
-                    <a:lumMod val="75000"/>
-                  </a:schemeClr>
-                </a:solidFill>
-              </a:rPr>
-              <a:t>Lapraye</a:t>
-            </a:r>
-            <a:r>
-              <a:rPr lang="fr-FR" dirty="0">
-                <a:solidFill>
-                  <a:schemeClr val="accent6">
-                    <a:lumMod val="75000"/>
-                  </a:schemeClr>
-                </a:solidFill>
-              </a:rPr>
-              <a:t> Serge</a:t>
+        <p:spPr>
+          <a:xfrm>
+            <a:off x="838200" y="0"/>
+            <a:ext cx="10515600" cy="487729"/>
+          </a:xfrm>
+        </p:spPr>
+        <p:txBody>
+          <a:bodyPr>
+            <a:normAutofit/>
+          </a:bodyPr>
+          <a:lstStyle/>
+          <a:p>
+            <a:pPr algn="ctr"/>
+            <a:r>
+              <a:rPr lang="fr-FR" sz="2800" dirty="0"/>
+              <a:t>3) Scénario</a:t>
             </a:r>
           </a:p>
         </p:txBody>
@@ -4847,114 +4989,114 @@
             <p:ph idx="1"/>
           </p:nvPr>
         </p:nvSpPr>
-        <p:spPr/>
+        <p:spPr>
+          <a:xfrm>
+            <a:off x="838200" y="805717"/>
+            <a:ext cx="10515600" cy="5217014"/>
+          </a:xfrm>
+        </p:spPr>
         <p:txBody>
           <a:bodyPr>
             <a:normAutofit fontScale="92500" lnSpcReduction="20000"/>
           </a:bodyPr>
           <a:lstStyle/>
           <a:p>
-            <a:r>
-              <a:rPr lang="fr-FR" dirty="0"/>
-              <a:t>I) Analyse complète du système</a:t>
-            </a:r>
-          </a:p>
-          <a:p>
-            <a:pPr lvl="1"/>
-            <a:r>
-              <a:rPr lang="fr-FR" dirty="0"/>
-              <a:t>1) Diagramme de cas d’utilisation</a:t>
-            </a:r>
-          </a:p>
-          <a:p>
-            <a:pPr lvl="1"/>
-            <a:r>
-              <a:rPr lang="fr-FR" dirty="0"/>
-              <a:t>2) Scénario</a:t>
-            </a:r>
-          </a:p>
-          <a:p>
-            <a:pPr lvl="1"/>
-            <a:r>
-              <a:rPr lang="fr-FR" dirty="0"/>
-              <a:t>3) Diagramme de séquence</a:t>
-            </a:r>
-          </a:p>
-          <a:p>
-            <a:pPr lvl="2"/>
-            <a:r>
-              <a:rPr lang="fr-FR" dirty="0"/>
-              <a:t>a) Affichage des infos en temps réels</a:t>
-            </a:r>
-          </a:p>
-          <a:p>
-            <a:pPr lvl="2"/>
-            <a:r>
-              <a:rPr lang="fr-FR" dirty="0"/>
-              <a:t>b) Switch de page de par le C++</a:t>
-            </a:r>
-          </a:p>
-          <a:p>
-            <a:r>
-              <a:rPr lang="fr-FR" dirty="0"/>
-              <a:t>II) Etude physique du WI-FI</a:t>
-            </a:r>
-          </a:p>
-          <a:p>
-            <a:pPr lvl="1"/>
-            <a:r>
-              <a:rPr lang="fr-FR" dirty="0"/>
-              <a:t>1) Fonctionnement</a:t>
-            </a:r>
-          </a:p>
-          <a:p>
-            <a:pPr lvl="2"/>
-            <a:r>
-              <a:rPr lang="fr-FR" dirty="0"/>
-              <a:t>a) Introduction du wifi</a:t>
-            </a:r>
-          </a:p>
-          <a:p>
-            <a:pPr lvl="2"/>
-            <a:r>
-              <a:rPr lang="fr-FR" dirty="0"/>
-              <a:t>b) Principe du wifi</a:t>
-            </a:r>
-          </a:p>
-          <a:p>
-            <a:pPr lvl="2"/>
-            <a:r>
-              <a:rPr lang="fr-FR" dirty="0"/>
-              <a:t>c) Principes de fonctionnements</a:t>
-            </a:r>
-          </a:p>
-          <a:p>
-            <a:pPr lvl="1"/>
-            <a:r>
-              <a:rPr lang="fr-FR" dirty="0"/>
-              <a:t>2) Utilisation et choix du WI-FI</a:t>
-            </a:r>
-          </a:p>
-          <a:p>
-            <a:pPr lvl="2"/>
-            <a:r>
-              <a:rPr lang="fr-FR" dirty="0"/>
-              <a:t>a) Utilisation précise du wifi</a:t>
-            </a:r>
-          </a:p>
-          <a:p>
-            <a:pPr lvl="2"/>
-            <a:r>
-              <a:rPr lang="fr-FR" dirty="0"/>
-              <a:t>b) Le choix du wifi</a:t>
-            </a:r>
+            <a:pPr lvl="0"/>
+            <a:r>
+              <a:rPr lang="fr-FR" sz="2400" dirty="0"/>
+              <a:t>Le commissaire de course lance l’application C++.</a:t>
+            </a:r>
+          </a:p>
+          <a:p>
+            <a:pPr marL="0" lvl="0" indent="0">
+              <a:buNone/>
+            </a:pPr>
+            <a:r>
+              <a:rPr lang="fr-FR" sz="2400" dirty="0"/>
+              <a:t> </a:t>
+            </a:r>
+          </a:p>
+          <a:p>
+            <a:pPr lvl="0"/>
+            <a:r>
+              <a:rPr lang="fr-FR" sz="2400" dirty="0"/>
+              <a:t>Il va sélectionner la course qu’il voudra démarrer.</a:t>
+            </a:r>
+          </a:p>
+          <a:p>
+            <a:pPr marL="0" lvl="0" indent="0">
+              <a:buNone/>
+            </a:pPr>
+            <a:endParaRPr lang="fr-FR" sz="2400" dirty="0"/>
+          </a:p>
+          <a:p>
+            <a:pPr lvl="0"/>
+            <a:r>
+              <a:rPr lang="fr-FR" sz="2400" dirty="0"/>
+              <a:t>Il va ensuite cliquer sur le bouton de démarrage de la course.</a:t>
+            </a:r>
+          </a:p>
+          <a:p>
+            <a:pPr marL="0" lvl="0" indent="0">
+              <a:buNone/>
+            </a:pPr>
+            <a:endParaRPr lang="fr-FR" sz="2400" dirty="0"/>
+          </a:p>
+          <a:p>
+            <a:pPr lvl="0"/>
+            <a:r>
+              <a:rPr lang="fr-FR" sz="2400" dirty="0"/>
+              <a:t>Une fois la course démarrée, il pourra cliquer sur « afficheur LED » s’il y en a un. </a:t>
+            </a:r>
+          </a:p>
+          <a:p>
+            <a:pPr marL="0" lvl="0" indent="0">
+              <a:buNone/>
+            </a:pPr>
+            <a:endParaRPr lang="fr-FR" sz="2400" dirty="0"/>
+          </a:p>
+          <a:p>
+            <a:pPr lvl="0"/>
+            <a:r>
+              <a:rPr lang="fr-FR" sz="2400" dirty="0"/>
+              <a:t>L’afficheur LED va afficher le temps du premier ou/et le temps moyen des coureurs.</a:t>
+            </a:r>
+          </a:p>
+          <a:p>
+            <a:pPr marL="0" lvl="0" indent="0">
+              <a:buNone/>
+            </a:pPr>
+            <a:endParaRPr lang="fr-FR" sz="2400" dirty="0"/>
+          </a:p>
+          <a:p>
+            <a:pPr lvl="0"/>
+            <a:r>
+              <a:rPr lang="fr-FR" sz="2400" dirty="0"/>
+              <a:t> Quand le lecteur RFID aura détecté un coureur, il enverra ses informations à la base de données.</a:t>
+            </a:r>
+          </a:p>
+          <a:p>
+            <a:pPr marL="0" lvl="0" indent="0">
+              <a:buNone/>
+            </a:pPr>
+            <a:endParaRPr lang="fr-FR" sz="2400" dirty="0"/>
+          </a:p>
+          <a:p>
+            <a:pPr lvl="0"/>
+            <a:r>
+              <a:rPr lang="fr-FR" sz="2400" dirty="0"/>
+              <a:t>Les informations pourront être ensuite traitées.</a:t>
+            </a:r>
+          </a:p>
+          <a:p>
+            <a:endParaRPr lang="fr-FR" dirty="0"/>
           </a:p>
         </p:txBody>
       </p:sp>
     </p:spTree>
     <p:extLst>
       <p:ext uri="{BB962C8B-B14F-4D97-AF65-F5344CB8AC3E}">
-        <p14:creationId xmlns:p14="http://schemas.microsoft.com/office/powerpoint/2010/main" val="1010092771"/>
+        <p14:creationId xmlns:p14="http://schemas.microsoft.com/office/powerpoint/2010/main" val="1024622025"/>
       </p:ext>
     </p:extLst>
   </p:cSld>
@@ -4993,74 +5135,84 @@
         </p:nvSpPr>
         <p:spPr>
           <a:xfrm>
-            <a:off x="838199" y="1"/>
-            <a:ext cx="10515600" cy="923192"/>
+            <a:off x="838200" y="-1"/>
+            <a:ext cx="10515600" cy="1512277"/>
           </a:xfrm>
         </p:spPr>
         <p:txBody>
           <a:bodyPr>
-            <a:noAutofit/>
+            <a:normAutofit fontScale="90000"/>
           </a:bodyPr>
           <a:lstStyle/>
           <a:p>
-            <a:pPr algn="ctr"/>
-            <a:r>
-              <a:rPr lang="fr-FR" sz="3200" dirty="0"/>
-              <a:t>I) Analyse complète du système</a:t>
-            </a:r>
-            <a:r>
-              <a:rPr lang="fr-FR" sz="4000" dirty="0"/>
-              <a:t/>
+            <a:r>
+              <a:rPr lang="fr-FR" sz="3600" dirty="0"/>
+              <a:t>II) Etude physique lecteur RFID pour les courses</a:t>
             </a:r>
             <a:br>
-              <a:rPr lang="fr-FR" sz="4000" dirty="0"/>
+              <a:rPr lang="fr-FR" sz="3600" dirty="0"/>
             </a:br>
             <a:r>
               <a:rPr lang="fr-FR" sz="3600" dirty="0"/>
               <a:t>	</a:t>
             </a:r>
             <a:r>
+              <a:rPr lang="fr-FR" sz="3100" dirty="0"/>
+              <a:t>1) Matériel</a:t>
+            </a:r>
+            <a:r>
+              <a:rPr lang="fr-FR" sz="2800" dirty="0"/>
+              <a:t/>
+            </a:r>
+            <a:br>
+              <a:rPr lang="fr-FR" sz="2800" dirty="0"/>
+            </a:br>
+            <a:r>
+              <a:rPr lang="fr-FR" sz="2800" dirty="0"/>
+              <a:t>		</a:t>
+            </a:r>
+            <a:r>
               <a:rPr lang="fr-FR" sz="2400" dirty="0"/>
-              <a:t>1) Diagramme de cas d’utilisation</a:t>
-            </a:r>
-            <a:endParaRPr lang="fr-FR" sz="2800" dirty="0"/>
-          </a:p>
-        </p:txBody>
-      </p:sp>
-      <p:pic>
-        <p:nvPicPr>
-          <p:cNvPr id="7" name="Picture 6">
-            <a:extLst>
-              <a:ext uri="{FF2B5EF4-FFF2-40B4-BE49-F238E27FC236}">
-                <a16:creationId xmlns:a16="http://schemas.microsoft.com/office/drawing/2014/main" id="{D1498DC8-3A56-4B21-92A2-73E08A61791E}"/>
-              </a:ext>
-            </a:extLst>
-          </p:cNvPr>
-          <p:cNvPicPr>
-            <a:picLocks noChangeAspect="1"/>
-          </p:cNvPicPr>
-          <p:nvPr/>
-        </p:nvPicPr>
-        <p:blipFill>
-          <a:blip r:embed="rId2"/>
-          <a:stretch>
-            <a:fillRect/>
-          </a:stretch>
-        </p:blipFill>
-        <p:spPr>
-          <a:xfrm>
-            <a:off x="1205948" y="1029211"/>
-            <a:ext cx="10274302" cy="5923722"/>
-          </a:xfrm>
-          <a:prstGeom prst="rect">
-            <a:avLst/>
-          </a:prstGeom>
-        </p:spPr>
-      </p:pic>
+              <a:t>a) Antenne</a:t>
+            </a:r>
+            <a:br>
+              <a:rPr lang="fr-FR" sz="2400" dirty="0"/>
+            </a:br>
+            <a:r>
+              <a:rPr lang="fr-FR" sz="2400" dirty="0"/>
+              <a:t>		b) Dossard </a:t>
+            </a:r>
+            <a:r>
+              <a:rPr lang="fr-FR" sz="2400" dirty="0" err="1"/>
+              <a:t>DAGs</a:t>
+            </a:r>
+            <a:endParaRPr lang="fr-FR" sz="3600" dirty="0"/>
+          </a:p>
+        </p:txBody>
+      </p:sp>
+      <p:sp>
+        <p:nvSpPr>
+          <p:cNvPr id="3" name="Espace réservé du contenu 2"/>
+          <p:cNvSpPr>
+            <a:spLocks noGrp="1"/>
+          </p:cNvSpPr>
+          <p:nvPr>
+            <p:ph idx="1"/>
+          </p:nvPr>
+        </p:nvSpPr>
+        <p:spPr/>
+        <p:txBody>
+          <a:bodyPr/>
+          <a:lstStyle/>
+          <a:p>
+            <a:endParaRPr lang="fr-FR" dirty="0"/>
+          </a:p>
+        </p:txBody>
+      </p:sp>
     </p:spTree>
     <p:extLst>
       <p:ext uri="{BB962C8B-B14F-4D97-AF65-F5344CB8AC3E}">
-        <p14:creationId xmlns:p14="http://schemas.microsoft.com/office/powerpoint/2010/main" val="2859212620"/>
+        <p14:creationId xmlns:p14="http://schemas.microsoft.com/office/powerpoint/2010/main" val="2600805086"/>
       </p:ext>
     </p:extLst>
   </p:cSld>
@@ -5100,7 +5252,7 @@
         <p:spPr>
           <a:xfrm>
             <a:off x="838200" y="0"/>
-            <a:ext cx="10515600" cy="487729"/>
+            <a:ext cx="10515600" cy="864211"/>
           </a:xfrm>
         </p:spPr>
         <p:txBody>
@@ -5109,11 +5261,22 @@
           </a:bodyPr>
           <a:lstStyle/>
           <a:p>
-            <a:pPr algn="ctr"/>
             <a:r>
               <a:rPr lang="fr-FR" sz="2800" dirty="0"/>
-              <a:t>2) Scénario</a:t>
-            </a:r>
+              <a:t>2) Boite noire</a:t>
+            </a:r>
+            <a:br>
+              <a:rPr lang="fr-FR" sz="2800" dirty="0"/>
+            </a:br>
+            <a:r>
+              <a:rPr lang="fr-FR" sz="2800" dirty="0"/>
+              <a:t>	</a:t>
+            </a:r>
+            <a:r>
+              <a:rPr lang="fr-FR" sz="2400" dirty="0"/>
+              <a:t>a) Principe de fonctionnement</a:t>
+            </a:r>
+            <a:endParaRPr lang="fr-FR" sz="2800" dirty="0"/>
           </a:p>
         </p:txBody>
       </p:sp>
@@ -5127,47 +5290,10 @@
             <p:ph idx="1"/>
           </p:nvPr>
         </p:nvSpPr>
-        <p:spPr>
-          <a:xfrm>
-            <a:off x="360485" y="805716"/>
-            <a:ext cx="10993315" cy="5647837"/>
-          </a:xfrm>
-        </p:spPr>
-        <p:txBody>
-          <a:bodyPr>
-            <a:normAutofit fontScale="92500" lnSpcReduction="10000"/>
-          </a:bodyPr>
-          <a:lstStyle/>
-          <a:p>
-            <a:r>
-              <a:rPr lang="fr-FR" sz="2600" dirty="0"/>
-              <a:t>1 . L’utilisateur à fini sa course et veut connaître son classement donc il se rend sur le site et  renseigne ses identifiants . Une fois connecté il appuie sur le bouton « afficher le classement » et son classement s’affiche  .</a:t>
-            </a:r>
-          </a:p>
-          <a:p>
-            <a:r>
-              <a:rPr lang="fr-FR" sz="2600" dirty="0"/>
-              <a:t>2 . L’utilisateur veut connaître son classement par rapport à sa classe donc il se rend sur le site et  appuie sur l’onglet « afficher le classement par classe » . Le classement se trie par rapport aux participants de la classe de l’utilisateur et affiche un nouveau classement.</a:t>
-            </a:r>
-          </a:p>
-          <a:p>
-            <a:r>
-              <a:rPr lang="fr-FR" sz="2600" dirty="0"/>
-              <a:t>3 . L’utilisateur veut afficher son temps de course donc il se rend sur le site et appuie sur l’onglet « afficher le temps de course » et le temps de course de l’utilisateur s’affiche .</a:t>
-            </a:r>
-          </a:p>
-          <a:p>
-            <a:r>
-              <a:rPr lang="fr-FR" sz="2600" dirty="0"/>
-              <a:t>4 . L’utilisateur veut connaître la moyenne du temps de course donc il appuie sur l’onglet « Afficher la moyenne du temps de course » et la moyenne du temps de course s’affiche et l’utilisateur peut comparer son temps avec celui de la course. </a:t>
-            </a:r>
-          </a:p>
-          <a:p>
-            <a:r>
-              <a:rPr lang="fr-FR" sz="2600" dirty="0"/>
-              <a:t>5. L’utilisateur veut se renseigner sur la prochaine course programmé et se rend sur le site , si une course est programmé il apprend la date de celle – ci autrement , il aperçoit le message « aucune course est programmé prochainement » . </a:t>
-            </a:r>
-          </a:p>
+        <p:spPr/>
+        <p:txBody>
+          <a:bodyPr/>
+          <a:lstStyle/>
           <a:p>
             <a:pPr marL="0" indent="0">
               <a:buNone/>
@@ -5179,7 +5305,7 @@
     </p:spTree>
     <p:extLst>
       <p:ext uri="{BB962C8B-B14F-4D97-AF65-F5344CB8AC3E}">
-        <p14:creationId xmlns:p14="http://schemas.microsoft.com/office/powerpoint/2010/main" val="266929531"/>
+        <p14:creationId xmlns:p14="http://schemas.microsoft.com/office/powerpoint/2010/main" val="4282450701"/>
       </p:ext>
     </p:extLst>
   </p:cSld>
@@ -5216,99 +5342,162 @@
             <p:ph type="title"/>
           </p:nvPr>
         </p:nvSpPr>
-        <p:spPr>
-          <a:xfrm>
-            <a:off x="759068" y="0"/>
-            <a:ext cx="10515600" cy="1169377"/>
-          </a:xfrm>
-        </p:spPr>
+        <p:spPr/>
+        <p:txBody>
+          <a:bodyPr/>
+          <a:lstStyle/>
+          <a:p>
+            <a:r>
+              <a:rPr lang="fr-FR" dirty="0">
+                <a:solidFill>
+                  <a:schemeClr val="accent6">
+                    <a:lumMod val="75000"/>
+                  </a:schemeClr>
+                </a:solidFill>
+              </a:rPr>
+              <a:t>Etudiant 3 : </a:t>
+            </a:r>
+            <a:r>
+              <a:rPr lang="fr-FR" dirty="0" err="1">
+                <a:solidFill>
+                  <a:schemeClr val="accent6">
+                    <a:lumMod val="75000"/>
+                  </a:schemeClr>
+                </a:solidFill>
+              </a:rPr>
+              <a:t>Lapraye</a:t>
+            </a:r>
+            <a:r>
+              <a:rPr lang="fr-FR" dirty="0">
+                <a:solidFill>
+                  <a:schemeClr val="accent6">
+                    <a:lumMod val="75000"/>
+                  </a:schemeClr>
+                </a:solidFill>
+              </a:rPr>
+              <a:t> Serge</a:t>
+            </a:r>
+          </a:p>
+        </p:txBody>
+      </p:sp>
+      <p:sp>
+        <p:nvSpPr>
+          <p:cNvPr id="3" name="Espace réservé du contenu 2"/>
+          <p:cNvSpPr>
+            <a:spLocks noGrp="1"/>
+          </p:cNvSpPr>
+          <p:nvPr>
+            <p:ph idx="1"/>
+          </p:nvPr>
+        </p:nvSpPr>
+        <p:spPr/>
         <p:txBody>
           <a:bodyPr>
-            <a:normAutofit fontScale="90000"/>
+            <a:normAutofit fontScale="92500" lnSpcReduction="20000"/>
           </a:bodyPr>
           <a:lstStyle/>
           <a:p>
-            <a:pPr lvl="2" algn="ctr" rtl="0">
-              <a:lnSpc>
-                <a:spcPct val="90000"/>
-              </a:lnSpc>
-              <a:spcBef>
-                <a:spcPct val="0"/>
-              </a:spcBef>
-            </a:pPr>
-            <a:r>
-              <a:rPr lang="fr-FR" sz="3100" dirty="0">
-                <a:latin typeface="+mj-lt"/>
-              </a:rPr>
+            <a:r>
+              <a:rPr lang="fr-FR" dirty="0"/>
+              <a:t>I) Analyse complète du système</a:t>
+            </a:r>
+          </a:p>
+          <a:p>
+            <a:pPr lvl="1"/>
+            <a:r>
+              <a:rPr lang="fr-FR" dirty="0"/>
+              <a:t>1) Diagramme de cas d’utilisation</a:t>
+            </a:r>
+          </a:p>
+          <a:p>
+            <a:pPr lvl="1"/>
+            <a:r>
+              <a:rPr lang="fr-FR" dirty="0"/>
+              <a:t>2) Scénario</a:t>
+            </a:r>
+          </a:p>
+          <a:p>
+            <a:pPr lvl="1"/>
+            <a:r>
+              <a:rPr lang="fr-FR" dirty="0"/>
               <a:t>3) Diagramme de séquence</a:t>
             </a:r>
-            <a:r>
-              <a:rPr lang="fr-FR" sz="3200" dirty="0">
-                <a:latin typeface="+mj-lt"/>
-              </a:rPr>
-              <a:t/>
-            </a:r>
-            <a:br>
-              <a:rPr lang="fr-FR" sz="3200" dirty="0">
-                <a:latin typeface="+mj-lt"/>
-              </a:rPr>
-            </a:br>
-            <a:r>
-              <a:rPr lang="fr-FR" sz="3200" dirty="0">
-                <a:latin typeface="+mj-lt"/>
-              </a:rPr>
-              <a:t>	</a:t>
-            </a:r>
-            <a:r>
-              <a:rPr lang="fr-FR" sz="2400" dirty="0">
-                <a:latin typeface="+mj-lt"/>
-              </a:rPr>
+          </a:p>
+          <a:p>
+            <a:pPr lvl="2"/>
+            <a:r>
+              <a:rPr lang="fr-FR" dirty="0"/>
               <a:t>a) Affichage des infos en temps réels</a:t>
             </a:r>
-            <a:r>
-              <a:rPr lang="fr-FR" dirty="0"/>
-              <a:t/>
-            </a:r>
-            <a:br>
-              <a:rPr lang="fr-FR" dirty="0"/>
-            </a:br>
-            <a:endParaRPr lang="fr-FR" sz="3200" dirty="0"/>
-          </a:p>
-        </p:txBody>
-      </p:sp>
-      <p:pic>
-        <p:nvPicPr>
-          <p:cNvPr id="3" name="Image 2"/>
-          <p:cNvPicPr>
-            <a:picLocks noChangeAspect="1"/>
-          </p:cNvPicPr>
-          <p:nvPr/>
-        </p:nvPicPr>
-        <p:blipFill rotWithShape="1">
-          <a:blip r:embed="rId2">
-            <a:extLst>
-              <a:ext uri="{28A0092B-C50C-407E-A947-70E740481C1C}">
-                <a14:useLocalDpi xmlns:a14="http://schemas.microsoft.com/office/drawing/2010/main" val="0"/>
-              </a:ext>
-            </a:extLst>
-          </a:blip>
-          <a:srcRect l="13824" t="8239" r="14077" b="9066"/>
-          <a:stretch/>
-        </p:blipFill>
-        <p:spPr>
-          <a:xfrm>
-            <a:off x="1564331" y="800101"/>
-            <a:ext cx="8905073" cy="5846884"/>
-          </a:xfrm>
-          <a:prstGeom prst="rect">
-            <a:avLst/>
-          </a:prstGeom>
-        </p:spPr>
-      </p:pic>
+          </a:p>
+          <a:p>
+            <a:pPr lvl="2"/>
+            <a:r>
+              <a:rPr lang="fr-FR" dirty="0"/>
+              <a:t>b) Switch de page de par le C++</a:t>
+            </a:r>
+          </a:p>
+          <a:p>
+            <a:r>
+              <a:rPr lang="fr-FR" dirty="0"/>
+              <a:t>II) Etude physique du WI-FI</a:t>
+            </a:r>
+          </a:p>
+          <a:p>
+            <a:pPr lvl="1"/>
+            <a:r>
+              <a:rPr lang="fr-FR" dirty="0"/>
+              <a:t>1) Fonctionnement</a:t>
+            </a:r>
+          </a:p>
+          <a:p>
+            <a:pPr lvl="2"/>
+            <a:r>
+              <a:rPr lang="fr-FR" dirty="0"/>
+              <a:t>a) Introduction du wifi</a:t>
+            </a:r>
+          </a:p>
+          <a:p>
+            <a:pPr lvl="2"/>
+            <a:r>
+              <a:rPr lang="fr-FR" dirty="0"/>
+              <a:t>b) Principe du wifi</a:t>
+            </a:r>
+          </a:p>
+          <a:p>
+            <a:pPr lvl="2"/>
+            <a:r>
+              <a:rPr lang="fr-FR" dirty="0"/>
+              <a:t>c) Principes de fonctionnements</a:t>
+            </a:r>
+          </a:p>
+          <a:p>
+            <a:pPr lvl="1"/>
+            <a:r>
+              <a:rPr lang="fr-FR" dirty="0"/>
+              <a:t>2) Utilisation et choix du WI-FI</a:t>
+            </a:r>
+          </a:p>
+          <a:p>
+            <a:pPr lvl="2"/>
+            <a:r>
+              <a:rPr lang="fr-FR" dirty="0"/>
+              <a:t>a) Utilisation précise du wifi</a:t>
+            </a:r>
+          </a:p>
+          <a:p>
+            <a:pPr lvl="2"/>
+            <a:r>
+              <a:rPr lang="fr-FR" dirty="0"/>
+              <a:t>b) Le choix du wifi</a:t>
+            </a:r>
+          </a:p>
+        </p:txBody>
+      </p:sp>
     </p:spTree>
     <p:extLst>
       <p:ext uri="{BB962C8B-B14F-4D97-AF65-F5344CB8AC3E}">
-        <p14:creationId xmlns:p14="http://schemas.microsoft.com/office/powerpoint/2010/main" val="2445017002"/>
+        <p14:creationId xmlns:p14="http://schemas.microsoft.com/office/powerpoint/2010/main" val="1010092771"/>
       </p:ext>
     </p:extLst>
   </p:cSld>
@@ -5347,57 +5536,193 @@
         </p:nvSpPr>
         <p:spPr>
           <a:xfrm>
-            <a:off x="838200" y="365125"/>
-            <a:ext cx="10515600" cy="496521"/>
+            <a:off x="838199" y="1"/>
+            <a:ext cx="10515600" cy="923192"/>
           </a:xfrm>
         </p:spPr>
         <p:txBody>
           <a:bodyPr>
-            <a:normAutofit/>
+            <a:noAutofit/>
           </a:bodyPr>
           <a:lstStyle/>
           <a:p>
             <a:pPr algn="ctr"/>
             <a:r>
+              <a:rPr lang="fr-FR" sz="3200" dirty="0"/>
+              <a:t>I) Analyse complète du système</a:t>
+            </a:r>
+            <a:r>
+              <a:rPr lang="fr-FR" sz="4000" dirty="0"/>
+              <a:t/>
+            </a:r>
+            <a:br>
+              <a:rPr lang="fr-FR" sz="4000" dirty="0"/>
+            </a:br>
+            <a:r>
+              <a:rPr lang="fr-FR" sz="3600" dirty="0"/>
+              <a:t>	</a:t>
+            </a:r>
+            <a:r>
               <a:rPr lang="fr-FR" sz="2400" dirty="0"/>
-              <a:t>b) Switch de page de par le C++</a:t>
-            </a:r>
+              <a:t>1) Diagramme de cas d’utilisation</a:t>
+            </a:r>
+            <a:endParaRPr lang="fr-FR" sz="2800" dirty="0"/>
           </a:p>
         </p:txBody>
       </p:sp>
       <p:pic>
         <p:nvPicPr>
-          <p:cNvPr id="4" name="Espace réservé du contenu 3"/>
+          <p:cNvPr id="7" name="Picture 6">
+            <a:extLst>
+              <a:ext uri="{FF2B5EF4-FFF2-40B4-BE49-F238E27FC236}">
+                <a16:creationId xmlns:a16="http://schemas.microsoft.com/office/drawing/2014/main" id="{D1498DC8-3A56-4B21-92A2-73E08A61791E}"/>
+              </a:ext>
+            </a:extLst>
+          </p:cNvPr>
           <p:cNvPicPr>
-            <a:picLocks noGrp="1" noChangeAspect="1"/>
+            <a:picLocks noChangeAspect="1"/>
           </p:cNvPicPr>
-          <p:nvPr>
-            <p:ph idx="1"/>
-          </p:nvPr>
+          <p:nvPr/>
         </p:nvPicPr>
         <p:blipFill>
-          <a:blip r:embed="rId2">
-            <a:extLst>
-              <a:ext uri="{28A0092B-C50C-407E-A947-70E740481C1C}">
-                <a14:useLocalDpi xmlns:a14="http://schemas.microsoft.com/office/drawing/2010/main" val="0"/>
-              </a:ext>
-            </a:extLst>
-          </a:blip>
+          <a:blip r:embed="rId2"/>
           <a:stretch>
             <a:fillRect/>
           </a:stretch>
         </p:blipFill>
         <p:spPr>
           <a:xfrm>
-            <a:off x="595551" y="1195754"/>
-            <a:ext cx="11000897" cy="5077338"/>
-          </a:xfrm>
+            <a:off x="1205948" y="1029211"/>
+            <a:ext cx="10274302" cy="5923722"/>
+          </a:xfrm>
+          <a:prstGeom prst="rect">
+            <a:avLst/>
+          </a:prstGeom>
         </p:spPr>
       </p:pic>
     </p:spTree>
     <p:extLst>
       <p:ext uri="{BB962C8B-B14F-4D97-AF65-F5344CB8AC3E}">
-        <p14:creationId xmlns:p14="http://schemas.microsoft.com/office/powerpoint/2010/main" val="1431005910"/>
+        <p14:creationId xmlns:p14="http://schemas.microsoft.com/office/powerpoint/2010/main" val="2859212620"/>
+      </p:ext>
+    </p:extLst>
+  </p:cSld>
+  <p:clrMapOvr>
+    <a:masterClrMapping/>
+  </p:clrMapOvr>
+</p:sld>
+</file>
+
+<file path=ppt/slides/slide29.xml><?xml version="1.0" encoding="utf-8"?>
+<p:sld xmlns:a="http://schemas.openxmlformats.org/drawingml/2006/main" xmlns:r="http://schemas.openxmlformats.org/officeDocument/2006/relationships" xmlns:p="http://schemas.openxmlformats.org/presentationml/2006/main">
+  <p:cSld>
+    <p:spTree>
+      <p:nvGrpSpPr>
+        <p:cNvPr id="1" name=""/>
+        <p:cNvGrpSpPr/>
+        <p:nvPr/>
+      </p:nvGrpSpPr>
+      <p:grpSpPr>
+        <a:xfrm>
+          <a:off x="0" y="0"/>
+          <a:ext cx="0" cy="0"/>
+          <a:chOff x="0" y="0"/>
+          <a:chExt cx="0" cy="0"/>
+        </a:xfrm>
+      </p:grpSpPr>
+      <p:sp>
+        <p:nvSpPr>
+          <p:cNvPr id="2" name="Titre 1"/>
+          <p:cNvSpPr>
+            <a:spLocks noGrp="1"/>
+          </p:cNvSpPr>
+          <p:nvPr>
+            <p:ph type="title"/>
+          </p:nvPr>
+        </p:nvSpPr>
+        <p:spPr>
+          <a:xfrm>
+            <a:off x="838200" y="0"/>
+            <a:ext cx="10515600" cy="487729"/>
+          </a:xfrm>
+        </p:spPr>
+        <p:txBody>
+          <a:bodyPr>
+            <a:normAutofit/>
+          </a:bodyPr>
+          <a:lstStyle/>
+          <a:p>
+            <a:pPr algn="ctr"/>
+            <a:r>
+              <a:rPr lang="fr-FR" sz="2800" dirty="0"/>
+              <a:t>2) Scénario</a:t>
+            </a:r>
+          </a:p>
+        </p:txBody>
+      </p:sp>
+      <p:sp>
+        <p:nvSpPr>
+          <p:cNvPr id="3" name="Espace réservé du contenu 2"/>
+          <p:cNvSpPr>
+            <a:spLocks noGrp="1"/>
+          </p:cNvSpPr>
+          <p:nvPr>
+            <p:ph idx="1"/>
+          </p:nvPr>
+        </p:nvSpPr>
+        <p:spPr>
+          <a:xfrm>
+            <a:off x="360485" y="805716"/>
+            <a:ext cx="10993315" cy="5647837"/>
+          </a:xfrm>
+        </p:spPr>
+        <p:txBody>
+          <a:bodyPr>
+            <a:normAutofit fontScale="92500" lnSpcReduction="10000"/>
+          </a:bodyPr>
+          <a:lstStyle/>
+          <a:p>
+            <a:r>
+              <a:rPr lang="fr-FR" sz="2600" dirty="0"/>
+              <a:t>1 . L’utilisateur à fini sa course et veut connaître son classement donc il se rend sur le site et  renseigne ses identifiants . Une fois connecté il appuie sur le bouton « afficher le classement » et son classement s’affiche  .</a:t>
+            </a:r>
+          </a:p>
+          <a:p>
+            <a:r>
+              <a:rPr lang="fr-FR" sz="2600" dirty="0"/>
+              <a:t>2 . L’utilisateur veut connaître son classement par rapport à sa classe donc il se rend sur le site et  appuie sur l’onglet « afficher le classement par classe » . Le classement se trie par rapport aux participants de la classe de l’utilisateur et affiche un nouveau classement.</a:t>
+            </a:r>
+          </a:p>
+          <a:p>
+            <a:r>
+              <a:rPr lang="fr-FR" sz="2600" dirty="0"/>
+              <a:t>3 . L’utilisateur veut afficher son temps de course donc il se rend sur le site et appuie sur l’onglet « afficher le temps de course » et le temps de course de l’utilisateur s’affiche .</a:t>
+            </a:r>
+          </a:p>
+          <a:p>
+            <a:r>
+              <a:rPr lang="fr-FR" sz="2600" dirty="0"/>
+              <a:t>4 . L’utilisateur veut connaître la moyenne du temps de course donc il appuie sur l’onglet « Afficher la moyenne du temps de course » et la moyenne du temps de course s’affiche et l’utilisateur peut comparer son temps avec celui de la course. </a:t>
+            </a:r>
+          </a:p>
+          <a:p>
+            <a:r>
+              <a:rPr lang="fr-FR" sz="2600" dirty="0"/>
+              <a:t>5. L’utilisateur veut se renseigner sur la prochaine course programmé et se rend sur le site , si une course est programmé il apprend la date de celle – ci autrement , il aperçoit le message « aucune course est programmé prochainement » . </a:t>
+            </a:r>
+          </a:p>
+          <a:p>
+            <a:pPr marL="0" indent="0">
+              <a:buNone/>
+            </a:pPr>
+            <a:endParaRPr lang="fr-FR" dirty="0"/>
+          </a:p>
+        </p:txBody>
+      </p:sp>
+    </p:spTree>
+    <p:extLst>
+      <p:ext uri="{BB962C8B-B14F-4D97-AF65-F5344CB8AC3E}">
+        <p14:creationId xmlns:p14="http://schemas.microsoft.com/office/powerpoint/2010/main" val="266929531"/>
       </p:ext>
     </p:extLst>
   </p:cSld>
@@ -5495,6 +5820,224 @@
     <p:extLst>
       <p:ext uri="{BB962C8B-B14F-4D97-AF65-F5344CB8AC3E}">
         <p14:creationId xmlns:p14="http://schemas.microsoft.com/office/powerpoint/2010/main" val="3252436179"/>
+      </p:ext>
+    </p:extLst>
+  </p:cSld>
+  <p:clrMapOvr>
+    <a:masterClrMapping/>
+  </p:clrMapOvr>
+</p:sld>
+</file>
+
+<file path=ppt/slides/slide30.xml><?xml version="1.0" encoding="utf-8"?>
+<p:sld xmlns:a="http://schemas.openxmlformats.org/drawingml/2006/main" xmlns:r="http://schemas.openxmlformats.org/officeDocument/2006/relationships" xmlns:p="http://schemas.openxmlformats.org/presentationml/2006/main">
+  <p:cSld>
+    <p:spTree>
+      <p:nvGrpSpPr>
+        <p:cNvPr id="1" name=""/>
+        <p:cNvGrpSpPr/>
+        <p:nvPr/>
+      </p:nvGrpSpPr>
+      <p:grpSpPr>
+        <a:xfrm>
+          <a:off x="0" y="0"/>
+          <a:ext cx="0" cy="0"/>
+          <a:chOff x="0" y="0"/>
+          <a:chExt cx="0" cy="0"/>
+        </a:xfrm>
+      </p:grpSpPr>
+      <p:sp>
+        <p:nvSpPr>
+          <p:cNvPr id="2" name="Titre 1"/>
+          <p:cNvSpPr>
+            <a:spLocks noGrp="1"/>
+          </p:cNvSpPr>
+          <p:nvPr>
+            <p:ph type="title"/>
+          </p:nvPr>
+        </p:nvSpPr>
+        <p:spPr>
+          <a:xfrm>
+            <a:off x="759068" y="0"/>
+            <a:ext cx="10515600" cy="1169377"/>
+          </a:xfrm>
+        </p:spPr>
+        <p:txBody>
+          <a:bodyPr>
+            <a:normAutofit fontScale="90000"/>
+          </a:bodyPr>
+          <a:lstStyle/>
+          <a:p>
+            <a:pPr lvl="2" algn="ctr" rtl="0">
+              <a:lnSpc>
+                <a:spcPct val="90000"/>
+              </a:lnSpc>
+              <a:spcBef>
+                <a:spcPct val="0"/>
+              </a:spcBef>
+            </a:pPr>
+            <a:r>
+              <a:rPr lang="fr-FR" sz="3100" dirty="0">
+                <a:latin typeface="+mj-lt"/>
+              </a:rPr>
+              <a:t>3) Diagramme de séquence</a:t>
+            </a:r>
+            <a:r>
+              <a:rPr lang="fr-FR" sz="3200" dirty="0">
+                <a:latin typeface="+mj-lt"/>
+              </a:rPr>
+              <a:t/>
+            </a:r>
+            <a:br>
+              <a:rPr lang="fr-FR" sz="3200" dirty="0">
+                <a:latin typeface="+mj-lt"/>
+              </a:rPr>
+            </a:br>
+            <a:r>
+              <a:rPr lang="fr-FR" sz="3200" dirty="0">
+                <a:latin typeface="+mj-lt"/>
+              </a:rPr>
+              <a:t>	</a:t>
+            </a:r>
+            <a:r>
+              <a:rPr lang="fr-FR" sz="2400" dirty="0">
+                <a:latin typeface="+mj-lt"/>
+              </a:rPr>
+              <a:t>a) Affichage des infos en temps réels</a:t>
+            </a:r>
+            <a:r>
+              <a:rPr lang="fr-FR" dirty="0"/>
+              <a:t/>
+            </a:r>
+            <a:br>
+              <a:rPr lang="fr-FR" dirty="0"/>
+            </a:br>
+            <a:endParaRPr lang="fr-FR" sz="3200" dirty="0"/>
+          </a:p>
+        </p:txBody>
+      </p:sp>
+      <p:pic>
+        <p:nvPicPr>
+          <p:cNvPr id="3" name="Image 2"/>
+          <p:cNvPicPr>
+            <a:picLocks noChangeAspect="1"/>
+          </p:cNvPicPr>
+          <p:nvPr/>
+        </p:nvPicPr>
+        <p:blipFill rotWithShape="1">
+          <a:blip r:embed="rId2">
+            <a:extLst>
+              <a:ext uri="{28A0092B-C50C-407E-A947-70E740481C1C}">
+                <a14:useLocalDpi xmlns:a14="http://schemas.microsoft.com/office/drawing/2010/main" val="0"/>
+              </a:ext>
+            </a:extLst>
+          </a:blip>
+          <a:srcRect l="13824" t="8239" r="14077" b="9066"/>
+          <a:stretch/>
+        </p:blipFill>
+        <p:spPr>
+          <a:xfrm>
+            <a:off x="1564331" y="800101"/>
+            <a:ext cx="8905073" cy="5846884"/>
+          </a:xfrm>
+          <a:prstGeom prst="rect">
+            <a:avLst/>
+          </a:prstGeom>
+        </p:spPr>
+      </p:pic>
+    </p:spTree>
+    <p:extLst>
+      <p:ext uri="{BB962C8B-B14F-4D97-AF65-F5344CB8AC3E}">
+        <p14:creationId xmlns:p14="http://schemas.microsoft.com/office/powerpoint/2010/main" val="2445017002"/>
+      </p:ext>
+    </p:extLst>
+  </p:cSld>
+  <p:clrMapOvr>
+    <a:masterClrMapping/>
+  </p:clrMapOvr>
+</p:sld>
+</file>
+
+<file path=ppt/slides/slide31.xml><?xml version="1.0" encoding="utf-8"?>
+<p:sld xmlns:a="http://schemas.openxmlformats.org/drawingml/2006/main" xmlns:r="http://schemas.openxmlformats.org/officeDocument/2006/relationships" xmlns:p="http://schemas.openxmlformats.org/presentationml/2006/main">
+  <p:cSld>
+    <p:spTree>
+      <p:nvGrpSpPr>
+        <p:cNvPr id="1" name=""/>
+        <p:cNvGrpSpPr/>
+        <p:nvPr/>
+      </p:nvGrpSpPr>
+      <p:grpSpPr>
+        <a:xfrm>
+          <a:off x="0" y="0"/>
+          <a:ext cx="0" cy="0"/>
+          <a:chOff x="0" y="0"/>
+          <a:chExt cx="0" cy="0"/>
+        </a:xfrm>
+      </p:grpSpPr>
+      <p:sp>
+        <p:nvSpPr>
+          <p:cNvPr id="2" name="Titre 1"/>
+          <p:cNvSpPr>
+            <a:spLocks noGrp="1"/>
+          </p:cNvSpPr>
+          <p:nvPr>
+            <p:ph type="title"/>
+          </p:nvPr>
+        </p:nvSpPr>
+        <p:spPr>
+          <a:xfrm>
+            <a:off x="838200" y="365125"/>
+            <a:ext cx="10515600" cy="496521"/>
+          </a:xfrm>
+        </p:spPr>
+        <p:txBody>
+          <a:bodyPr>
+            <a:normAutofit/>
+          </a:bodyPr>
+          <a:lstStyle/>
+          <a:p>
+            <a:pPr algn="ctr"/>
+            <a:r>
+              <a:rPr lang="fr-FR" sz="2400" dirty="0"/>
+              <a:t>b) Switch de page de par le C++</a:t>
+            </a:r>
+          </a:p>
+        </p:txBody>
+      </p:sp>
+      <p:pic>
+        <p:nvPicPr>
+          <p:cNvPr id="4" name="Espace réservé du contenu 3"/>
+          <p:cNvPicPr>
+            <a:picLocks noGrp="1" noChangeAspect="1"/>
+          </p:cNvPicPr>
+          <p:nvPr>
+            <p:ph idx="1"/>
+          </p:nvPr>
+        </p:nvPicPr>
+        <p:blipFill>
+          <a:blip r:embed="rId2">
+            <a:extLst>
+              <a:ext uri="{28A0092B-C50C-407E-A947-70E740481C1C}">
+                <a14:useLocalDpi xmlns:a14="http://schemas.microsoft.com/office/drawing/2010/main" val="0"/>
+              </a:ext>
+            </a:extLst>
+          </a:blip>
+          <a:stretch>
+            <a:fillRect/>
+          </a:stretch>
+        </p:blipFill>
+        <p:spPr>
+          <a:xfrm>
+            <a:off x="595551" y="1195754"/>
+            <a:ext cx="11000897" cy="5077338"/>
+          </a:xfrm>
+        </p:spPr>
+      </p:pic>
+    </p:spTree>
+    <p:extLst>
+      <p:ext uri="{BB962C8B-B14F-4D97-AF65-F5344CB8AC3E}">
+        <p14:creationId xmlns:p14="http://schemas.microsoft.com/office/powerpoint/2010/main" val="1431005910"/>
       </p:ext>
     </p:extLst>
   </p:cSld>

--- a/Diagrammes Communs/Presentation_Revue0.pptx
+++ b/Diagrammes Communs/Presentation_Revue0.pptx
@@ -3408,6 +3408,36 @@
           </a:p>
         </p:txBody>
       </p:sp>
+      <p:pic>
+        <p:nvPicPr>
+          <p:cNvPr id="3" name="Image 2"/>
+          <p:cNvPicPr>
+            <a:picLocks noChangeAspect="1"/>
+          </p:cNvPicPr>
+          <p:nvPr/>
+        </p:nvPicPr>
+        <p:blipFill>
+          <a:blip r:embed="rId2">
+            <a:extLst>
+              <a:ext uri="{28A0092B-C50C-407E-A947-70E740481C1C}">
+                <a14:useLocalDpi xmlns:a14="http://schemas.microsoft.com/office/drawing/2010/main" val="0"/>
+              </a:ext>
+            </a:extLst>
+          </a:blip>
+          <a:stretch>
+            <a:fillRect/>
+          </a:stretch>
+        </p:blipFill>
+        <p:spPr>
+          <a:xfrm>
+            <a:off x="2037679" y="976777"/>
+            <a:ext cx="8116642" cy="5200710"/>
+          </a:xfrm>
+          <a:prstGeom prst="rect">
+            <a:avLst/>
+          </a:prstGeom>
+        </p:spPr>
+      </p:pic>
     </p:spTree>
     <p:extLst>
       <p:ext uri="{BB962C8B-B14F-4D97-AF65-F5344CB8AC3E}">
@@ -3473,6 +3503,36 @@
           </a:p>
         </p:txBody>
       </p:sp>
+      <p:pic>
+        <p:nvPicPr>
+          <p:cNvPr id="3" name="Image 2"/>
+          <p:cNvPicPr>
+            <a:picLocks noChangeAspect="1"/>
+          </p:cNvPicPr>
+          <p:nvPr/>
+        </p:nvPicPr>
+        <p:blipFill>
+          <a:blip r:embed="rId2">
+            <a:extLst>
+              <a:ext uri="{28A0092B-C50C-407E-A947-70E740481C1C}">
+                <a14:useLocalDpi xmlns:a14="http://schemas.microsoft.com/office/drawing/2010/main" val="0"/>
+              </a:ext>
+            </a:extLst>
+          </a:blip>
+          <a:stretch>
+            <a:fillRect/>
+          </a:stretch>
+        </p:blipFill>
+        <p:spPr>
+          <a:xfrm>
+            <a:off x="1394758" y="1068765"/>
+            <a:ext cx="9402484" cy="4886154"/>
+          </a:xfrm>
+          <a:prstGeom prst="rect">
+            <a:avLst/>
+          </a:prstGeom>
+        </p:spPr>
+      </p:pic>
     </p:spTree>
     <p:extLst>
       <p:ext uri="{BB962C8B-B14F-4D97-AF65-F5344CB8AC3E}">
@@ -4171,11 +4231,7 @@
             </a:pPr>
             <a:r>
               <a:rPr lang="fr-FR" sz="2400" dirty="0" smtClean="0"/>
-              <a:t>c</a:t>
-            </a:r>
-            <a:r>
-              <a:rPr lang="fr-FR" sz="2400" dirty="0" smtClean="0"/>
-              <a:t>) Les capacités de la puce RFID</a:t>
+              <a:t>c) Les capacités de la puce RFID</a:t>
             </a:r>
             <a:endParaRPr lang="fr-FR" sz="2400" dirty="0"/>
           </a:p>

--- a/Diagrammes Communs/Presentation_Revue0.pptx
+++ b/Diagrammes Communs/Presentation_Revue0.pptx
@@ -2964,6 +2964,16 @@
 <file path=ppt/slides/slide1.xml><?xml version="1.0" encoding="utf-8"?>
 <p:sld xmlns:a="http://schemas.openxmlformats.org/drawingml/2006/main" xmlns:r="http://schemas.openxmlformats.org/officeDocument/2006/relationships" xmlns:p="http://schemas.openxmlformats.org/presentationml/2006/main">
   <p:cSld>
+    <p:bg>
+      <p:bgPr>
+        <a:solidFill>
+          <a:schemeClr val="bg1">
+            <a:lumMod val="85000"/>
+          </a:schemeClr>
+        </a:solidFill>
+        <a:effectLst/>
+      </p:bgPr>
+    </p:bg>
     <p:spTree>
       <p:nvGrpSpPr>
         <p:cNvPr id="1" name=""/>
@@ -3064,6 +3074,17 @@
 <file path=ppt/slides/slide10.xml><?xml version="1.0" encoding="utf-8"?>
 <p:sld xmlns:a="http://schemas.openxmlformats.org/drawingml/2006/main" xmlns:r="http://schemas.openxmlformats.org/officeDocument/2006/relationships" xmlns:p="http://schemas.openxmlformats.org/presentationml/2006/main">
   <p:cSld>
+    <p:bg>
+      <p:bgPr>
+        <a:solidFill>
+          <a:schemeClr val="accent1">
+            <a:lumMod val="40000"/>
+            <a:lumOff val="60000"/>
+          </a:schemeClr>
+        </a:solidFill>
+        <a:effectLst/>
+      </p:bgPr>
+    </p:bg>
     <p:spTree>
       <p:nvGrpSpPr>
         <p:cNvPr id="1" name=""/>
@@ -3168,6 +3189,17 @@
 <file path=ppt/slides/slide11.xml><?xml version="1.0" encoding="utf-8"?>
 <p:sld xmlns:a="http://schemas.openxmlformats.org/drawingml/2006/main" xmlns:r="http://schemas.openxmlformats.org/officeDocument/2006/relationships" xmlns:p="http://schemas.openxmlformats.org/presentationml/2006/main">
   <p:cSld>
+    <p:bg>
+      <p:bgPr>
+        <a:solidFill>
+          <a:schemeClr val="accent1">
+            <a:lumMod val="40000"/>
+            <a:lumOff val="60000"/>
+          </a:schemeClr>
+        </a:solidFill>
+        <a:effectLst/>
+      </p:bgPr>
+    </p:bg>
     <p:spTree>
       <p:nvGrpSpPr>
         <p:cNvPr id="1" name=""/>
@@ -3258,6 +3290,17 @@
 <file path=ppt/slides/slide12.xml><?xml version="1.0" encoding="utf-8"?>
 <p:sld xmlns:a="http://schemas.openxmlformats.org/drawingml/2006/main" xmlns:r="http://schemas.openxmlformats.org/officeDocument/2006/relationships" xmlns:p="http://schemas.openxmlformats.org/presentationml/2006/main">
   <p:cSld>
+    <p:bg>
+      <p:bgPr>
+        <a:solidFill>
+          <a:schemeClr val="accent1">
+            <a:lumMod val="40000"/>
+            <a:lumOff val="60000"/>
+          </a:schemeClr>
+        </a:solidFill>
+        <a:effectLst/>
+      </p:bgPr>
+    </p:bg>
     <p:spTree>
       <p:nvGrpSpPr>
         <p:cNvPr id="1" name=""/>
@@ -3297,17 +3340,8 @@
             <a:pPr algn="ctr"/>
             <a:r>
               <a:rPr lang="fr-FR" sz="2400" dirty="0"/>
-              <a:t>c</a:t>
-            </a:r>
-            <a:r>
-              <a:rPr lang="fr-FR" sz="2400" dirty="0" smtClean="0"/>
-              <a:t>) Association Coureur </a:t>
-            </a:r>
-            <a:r>
-              <a:rPr lang="fr-FR" sz="2400" dirty="0" err="1" smtClean="0"/>
-              <a:t>Doassard</a:t>
-            </a:r>
-            <a:endParaRPr lang="fr-FR" sz="2400" dirty="0"/>
+              <a:t>c) Association Coureur Dossard</a:t>
+            </a:r>
           </a:p>
         </p:txBody>
       </p:sp>
@@ -3359,6 +3393,17 @@
 <file path=ppt/slides/slide13.xml><?xml version="1.0" encoding="utf-8"?>
 <p:sld xmlns:a="http://schemas.openxmlformats.org/drawingml/2006/main" xmlns:r="http://schemas.openxmlformats.org/officeDocument/2006/relationships" xmlns:p="http://schemas.openxmlformats.org/presentationml/2006/main">
   <p:cSld>
+    <p:bg>
+      <p:bgPr>
+        <a:solidFill>
+          <a:schemeClr val="accent1">
+            <a:lumMod val="40000"/>
+            <a:lumOff val="60000"/>
+          </a:schemeClr>
+        </a:solidFill>
+        <a:effectLst/>
+      </p:bgPr>
+    </p:bg>
     <p:spTree>
       <p:nvGrpSpPr>
         <p:cNvPr id="1" name=""/>
@@ -3398,13 +3443,8 @@
             <a:pPr algn="ctr"/>
             <a:r>
               <a:rPr lang="fr-FR" sz="2400" dirty="0"/>
-              <a:t>c) </a:t>
-            </a:r>
-            <a:r>
-              <a:rPr lang="fr-FR" sz="2400" dirty="0" smtClean="0"/>
-              <a:t>Création d’une course</a:t>
-            </a:r>
-            <a:endParaRPr lang="fr-FR" sz="2400" dirty="0"/>
+              <a:t>c) Création d’une course</a:t>
+            </a:r>
           </a:p>
         </p:txBody>
       </p:sp>
@@ -3454,6 +3494,17 @@
 <file path=ppt/slides/slide14.xml><?xml version="1.0" encoding="utf-8"?>
 <p:sld xmlns:a="http://schemas.openxmlformats.org/drawingml/2006/main" xmlns:r="http://schemas.openxmlformats.org/officeDocument/2006/relationships" xmlns:p="http://schemas.openxmlformats.org/presentationml/2006/main">
   <p:cSld>
+    <p:bg>
+      <p:bgPr>
+        <a:solidFill>
+          <a:schemeClr val="accent1">
+            <a:lumMod val="40000"/>
+            <a:lumOff val="60000"/>
+          </a:schemeClr>
+        </a:solidFill>
+        <a:effectLst/>
+      </p:bgPr>
+    </p:bg>
     <p:spTree>
       <p:nvGrpSpPr>
         <p:cNvPr id="1" name=""/>
@@ -3493,13 +3544,8 @@
             <a:pPr algn="ctr"/>
             <a:r>
               <a:rPr lang="fr-FR" sz="2400" dirty="0"/>
-              <a:t>c) </a:t>
-            </a:r>
-            <a:r>
-              <a:rPr lang="fr-FR" sz="2400" dirty="0" smtClean="0"/>
-              <a:t>Gérer les inscriptions à une course</a:t>
-            </a:r>
-            <a:endParaRPr lang="fr-FR" sz="2400" dirty="0"/>
+              <a:t>c) Gérer les inscriptions à une course</a:t>
+            </a:r>
           </a:p>
         </p:txBody>
       </p:sp>
@@ -3549,6 +3595,17 @@
 <file path=ppt/slides/slide15.xml><?xml version="1.0" encoding="utf-8"?>
 <p:sld xmlns:a="http://schemas.openxmlformats.org/drawingml/2006/main" xmlns:r="http://schemas.openxmlformats.org/officeDocument/2006/relationships" xmlns:p="http://schemas.openxmlformats.org/presentationml/2006/main">
   <p:cSld>
+    <p:bg>
+      <p:bgPr>
+        <a:solidFill>
+          <a:schemeClr val="accent1">
+            <a:lumMod val="40000"/>
+            <a:lumOff val="60000"/>
+          </a:schemeClr>
+        </a:solidFill>
+        <a:effectLst/>
+      </p:bgPr>
+    </p:bg>
     <p:spTree>
       <p:nvGrpSpPr>
         <p:cNvPr id="1" name=""/>
@@ -3590,13 +3647,7 @@
               <a:rPr lang="fr-FR" sz="4900" dirty="0">
                 <a:latin typeface="+mj-lt"/>
               </a:rPr>
-              <a:t>II) Etude Physique lecteur </a:t>
-            </a:r>
-            <a:r>
-              <a:rPr lang="fr-FR" sz="4900" dirty="0" smtClean="0">
-                <a:latin typeface="+mj-lt"/>
-              </a:rPr>
-              <a:t>RFID</a:t>
+              <a:t>II) Etude Physique lecteur RFID</a:t>
             </a:r>
             <a:endParaRPr lang="fr-FR" dirty="0"/>
           </a:p>
@@ -3622,11 +3673,7 @@
             </a:pPr>
             <a:r>
               <a:rPr lang="fr-FR" dirty="0"/>
-              <a:t>1) Présentation et </a:t>
-            </a:r>
-            <a:r>
-              <a:rPr lang="fr-FR" dirty="0" smtClean="0"/>
-              <a:t>fonctionnement</a:t>
+              <a:t>1) Présentation et fonctionnement</a:t>
             </a:r>
           </a:p>
           <a:p>
@@ -3635,13 +3682,8 @@
             </a:pPr>
             <a:r>
               <a:rPr lang="fr-FR" dirty="0"/>
-              <a:t>a</a:t>
-            </a:r>
-            <a:r>
-              <a:rPr lang="fr-FR" dirty="0" smtClean="0"/>
-              <a:t>) Introduction</a:t>
-            </a:r>
-            <a:endParaRPr lang="fr-FR" dirty="0"/>
+              <a:t>a) Introduction</a:t>
+            </a:r>
           </a:p>
           <a:p>
             <a:pPr lvl="1"/>
@@ -3731,6 +3773,17 @@
 <file path=ppt/slides/slide16.xml><?xml version="1.0" encoding="utf-8"?>
 <p:sld xmlns:a="http://schemas.openxmlformats.org/drawingml/2006/main" xmlns:r="http://schemas.openxmlformats.org/officeDocument/2006/relationships" xmlns:p="http://schemas.openxmlformats.org/presentationml/2006/main">
   <p:cSld>
+    <p:bg>
+      <p:bgPr>
+        <a:solidFill>
+          <a:schemeClr val="accent1">
+            <a:lumMod val="40000"/>
+            <a:lumOff val="60000"/>
+          </a:schemeClr>
+        </a:solidFill>
+        <a:effectLst/>
+      </p:bgPr>
+    </p:bg>
     <p:spTree>
       <p:nvGrpSpPr>
         <p:cNvPr id="1" name=""/>
@@ -3772,13 +3825,7 @@
               <a:rPr lang="fr-FR" sz="4900" dirty="0">
                 <a:latin typeface="+mj-lt"/>
               </a:rPr>
-              <a:t>II) Etude Physique lecteur </a:t>
-            </a:r>
-            <a:r>
-              <a:rPr lang="fr-FR" sz="4900" dirty="0" smtClean="0">
-                <a:latin typeface="+mj-lt"/>
-              </a:rPr>
-              <a:t>RFID</a:t>
+              <a:t>II) Etude Physique lecteur RFID</a:t>
             </a:r>
             <a:endParaRPr lang="fr-FR" dirty="0"/>
           </a:p>
@@ -3876,21 +3923,8 @@
                 <a:ea typeface="SimSun" panose="02010600030101010101" pitchFamily="2" charset="-122"/>
                 <a:cs typeface="Times New Roman" panose="02020603050405020304" pitchFamily="18" charset="0"/>
               </a:rPr>
-              <a:t>Le lecteur RFID fonctionne de la manière suivante </a:t>
-            </a:r>
-            <a:r>
-              <a:rPr lang="fr-FR" dirty="0" smtClean="0">
-                <a:latin typeface="Calibri" panose="020F0502020204030204" pitchFamily="34" charset="0"/>
-                <a:ea typeface="SimSun" panose="02010600030101010101" pitchFamily="2" charset="-122"/>
-                <a:cs typeface="Times New Roman" panose="02020603050405020304" pitchFamily="18" charset="0"/>
-              </a:rPr>
-              <a:t>:</a:t>
-            </a:r>
-            <a:endParaRPr lang="fr-FR" dirty="0">
-              <a:latin typeface="Calibri" panose="020F0502020204030204" pitchFamily="34" charset="0"/>
-              <a:ea typeface="SimSun" panose="02010600030101010101" pitchFamily="2" charset="-122"/>
-              <a:cs typeface="Times New Roman" panose="02020603050405020304" pitchFamily="18" charset="0"/>
-            </a:endParaRPr>
+              <a:t>Le lecteur RFID fonctionne de la manière suivante :</a:t>
+            </a:r>
           </a:p>
           <a:p>
             <a:pPr marL="342900" lvl="0" indent="-342900" algn="just">
@@ -3909,15 +3943,7 @@
                 <a:ea typeface="SimSun" panose="02010600030101010101" pitchFamily="2" charset="-122"/>
                 <a:cs typeface="Times New Roman" panose="02020603050405020304" pitchFamily="18" charset="0"/>
               </a:rPr>
-              <a:t>Il transmet à travers des ondes-radio l’énergie au tag RFID</a:t>
-            </a:r>
-            <a:r>
-              <a:rPr lang="fr-FR" dirty="0" smtClean="0">
-                <a:latin typeface="Calibri" panose="020F0502020204030204" pitchFamily="34" charset="0"/>
-                <a:ea typeface="SimSun" panose="02010600030101010101" pitchFamily="2" charset="-122"/>
-                <a:cs typeface="Times New Roman" panose="02020603050405020304" pitchFamily="18" charset="0"/>
-              </a:rPr>
-              <a:t>,</a:t>
+              <a:t>Il transmet à travers des ondes-radio l’énergie au tag RFID,</a:t>
             </a:r>
           </a:p>
           <a:p>
@@ -3952,15 +3978,7 @@
                 <a:ea typeface="SimSun" panose="02010600030101010101" pitchFamily="2" charset="-122"/>
                 <a:cs typeface="Times New Roman" panose="02020603050405020304" pitchFamily="18" charset="0"/>
               </a:rPr>
-              <a:t>Il transmet alors une requête d’informations aux étiquettes RFID situées dans son champ magnétique</a:t>
-            </a:r>
-            <a:r>
-              <a:rPr lang="fr-FR" dirty="0" smtClean="0">
-                <a:latin typeface="Calibri" panose="020F0502020204030204" pitchFamily="34" charset="0"/>
-                <a:ea typeface="SimSun" panose="02010600030101010101" pitchFamily="2" charset="-122"/>
-                <a:cs typeface="Times New Roman" panose="02020603050405020304" pitchFamily="18" charset="0"/>
-              </a:rPr>
-              <a:t>,</a:t>
+              <a:t>Il transmet alors une requête d’informations aux étiquettes RFID situées dans son champ magnétique,</a:t>
             </a:r>
           </a:p>
           <a:p>
@@ -4016,6 +4034,17 @@
 <file path=ppt/slides/slide17.xml><?xml version="1.0" encoding="utf-8"?>
 <p:sld xmlns:a="http://schemas.openxmlformats.org/drawingml/2006/main" xmlns:r="http://schemas.openxmlformats.org/officeDocument/2006/relationships" xmlns:p="http://schemas.openxmlformats.org/presentationml/2006/main">
   <p:cSld>
+    <p:bg>
+      <p:bgPr>
+        <a:solidFill>
+          <a:schemeClr val="accent1">
+            <a:lumMod val="40000"/>
+            <a:lumOff val="60000"/>
+          </a:schemeClr>
+        </a:solidFill>
+        <a:effectLst/>
+      </p:bgPr>
+    </p:bg>
     <p:spTree>
       <p:nvGrpSpPr>
         <p:cNvPr id="1" name=""/>
@@ -4054,22 +4083,10 @@
           <a:p>
             <a:pPr lvl="1"/>
             <a:r>
-              <a:rPr lang="fr-FR" sz="2800" b="1" dirty="0" smtClean="0">
-                <a:latin typeface="+mj-lt"/>
-              </a:rPr>
-              <a:t>2</a:t>
-            </a:r>
-            <a:r>
               <a:rPr lang="fr-FR" sz="2800" b="1" dirty="0">
                 <a:latin typeface="+mj-lt"/>
               </a:rPr>
-              <a:t>) Utilisation et choix du </a:t>
-            </a:r>
-            <a:r>
-              <a:rPr lang="fr-FR" sz="2800" b="1" dirty="0" smtClean="0">
-                <a:latin typeface="+mj-lt"/>
-              </a:rPr>
-              <a:t>RFID</a:t>
+              <a:t>2) Utilisation et choix du RFID</a:t>
             </a:r>
             <a:endParaRPr lang="fr-FR" sz="1600" dirty="0"/>
           </a:p>
@@ -4101,7 +4118,7 @@
               <a:buAutoNum type="alphaLcParenR"/>
             </a:pPr>
             <a:r>
-              <a:rPr lang="fr-FR" sz="2400" dirty="0" smtClean="0"/>
+              <a:rPr lang="fr-FR" sz="2400" dirty="0"/>
               <a:t>Les différents supports</a:t>
             </a:r>
           </a:p>
@@ -4115,17 +4132,16 @@
             <a:pPr marL="457200" indent="-457200">
               <a:buAutoNum type="alphaLcParenR"/>
             </a:pPr>
-            <a:endParaRPr lang="fr-FR" sz="2400" dirty="0" smtClean="0"/>
+            <a:endParaRPr lang="fr-FR" sz="2400" dirty="0"/>
           </a:p>
           <a:p>
             <a:pPr marL="457200" indent="-457200">
               <a:buAutoNum type="alphaLcParenR"/>
             </a:pPr>
             <a:r>
-              <a:rPr lang="fr-FR" sz="2400" dirty="0" smtClean="0"/>
+              <a:rPr lang="fr-FR" sz="2400" dirty="0"/>
               <a:t>La communication par la puce</a:t>
             </a:r>
-            <a:endParaRPr lang="fr-FR" sz="2400" dirty="0"/>
           </a:p>
         </p:txBody>
       </p:sp>
@@ -4145,6 +4161,17 @@
 <file path=ppt/slides/slide18.xml><?xml version="1.0" encoding="utf-8"?>
 <p:sld xmlns:a="http://schemas.openxmlformats.org/drawingml/2006/main" xmlns:r="http://schemas.openxmlformats.org/officeDocument/2006/relationships" xmlns:p="http://schemas.openxmlformats.org/presentationml/2006/main">
   <p:cSld>
+    <p:bg>
+      <p:bgPr>
+        <a:solidFill>
+          <a:schemeClr val="accent1">
+            <a:lumMod val="40000"/>
+            <a:lumOff val="60000"/>
+          </a:schemeClr>
+        </a:solidFill>
+        <a:effectLst/>
+      </p:bgPr>
+    </p:bg>
     <p:spTree>
       <p:nvGrpSpPr>
         <p:cNvPr id="1" name=""/>
@@ -4183,22 +4210,10 @@
           <a:p>
             <a:pPr lvl="1"/>
             <a:r>
-              <a:rPr lang="fr-FR" sz="2800" b="1" dirty="0" smtClean="0">
-                <a:latin typeface="+mj-lt"/>
-              </a:rPr>
-              <a:t>2</a:t>
-            </a:r>
-            <a:r>
               <a:rPr lang="fr-FR" sz="2800" b="1" dirty="0">
                 <a:latin typeface="+mj-lt"/>
               </a:rPr>
-              <a:t>) Utilisation et choix du </a:t>
-            </a:r>
-            <a:r>
-              <a:rPr lang="fr-FR" sz="2800" b="1" dirty="0" smtClean="0">
-                <a:latin typeface="+mj-lt"/>
-              </a:rPr>
-              <a:t>RFID</a:t>
+              <a:t>2) Utilisation et choix du RFID</a:t>
             </a:r>
             <a:endParaRPr lang="fr-FR" dirty="0"/>
           </a:p>
@@ -4230,10 +4245,9 @@
               <a:buNone/>
             </a:pPr>
             <a:r>
-              <a:rPr lang="fr-FR" sz="2400" dirty="0" smtClean="0"/>
+              <a:rPr lang="fr-FR" sz="2400" dirty="0"/>
               <a:t>c) Les capacités de la puce RFID</a:t>
             </a:r>
-            <a:endParaRPr lang="fr-FR" sz="2400" dirty="0"/>
           </a:p>
         </p:txBody>
       </p:sp>
@@ -4253,6 +4267,17 @@
 <file path=ppt/slides/slide19.xml><?xml version="1.0" encoding="utf-8"?>
 <p:sld xmlns:a="http://schemas.openxmlformats.org/drawingml/2006/main" xmlns:r="http://schemas.openxmlformats.org/officeDocument/2006/relationships" xmlns:p="http://schemas.openxmlformats.org/presentationml/2006/main">
   <p:cSld>
+    <p:bg>
+      <p:bgPr>
+        <a:solidFill>
+          <a:schemeClr val="accent1">
+            <a:lumMod val="40000"/>
+            <a:lumOff val="60000"/>
+          </a:schemeClr>
+        </a:solidFill>
+        <a:effectLst/>
+      </p:bgPr>
+    </p:bg>
     <p:spTree>
       <p:nvGrpSpPr>
         <p:cNvPr id="1" name=""/>
@@ -4291,34 +4316,10 @@
           <a:p>
             <a:pPr lvl="1"/>
             <a:r>
-              <a:rPr lang="fr-FR" sz="2800" b="1" dirty="0" smtClean="0">
-                <a:latin typeface="+mj-lt"/>
-              </a:rPr>
-              <a:t>2</a:t>
-            </a:r>
-            <a:r>
               <a:rPr lang="fr-FR" sz="2800" b="1" dirty="0">
                 <a:latin typeface="+mj-lt"/>
               </a:rPr>
-              <a:t>) </a:t>
-            </a:r>
-            <a:r>
-              <a:rPr lang="fr-FR" sz="2800" b="1" dirty="0" smtClean="0">
-                <a:latin typeface="+mj-lt"/>
-              </a:rPr>
-              <a:t>Utilisation </a:t>
-            </a:r>
-            <a:r>
-              <a:rPr lang="fr-FR" sz="2800" b="1" dirty="0">
-                <a:latin typeface="+mj-lt"/>
-              </a:rPr>
-              <a:t>et choix du </a:t>
-            </a:r>
-            <a:r>
-              <a:rPr lang="fr-FR" sz="2800" b="1" dirty="0" smtClean="0">
-                <a:latin typeface="+mj-lt"/>
-              </a:rPr>
-              <a:t>RFID</a:t>
+              <a:t>2) Utilisation et choix du RFID</a:t>
             </a:r>
             <a:endParaRPr lang="fr-FR" dirty="0"/>
           </a:p>
@@ -4350,10 +4351,9 @@
               <a:buNone/>
             </a:pPr>
             <a:r>
-              <a:rPr lang="fr-FR" sz="2400" dirty="0" smtClean="0"/>
+              <a:rPr lang="fr-FR" sz="2400" dirty="0"/>
               <a:t>d) Choix du RFID</a:t>
             </a:r>
-            <a:endParaRPr lang="fr-FR" sz="2400" dirty="0"/>
           </a:p>
         </p:txBody>
       </p:sp>
@@ -4373,6 +4373,16 @@
 <file path=ppt/slides/slide2.xml><?xml version="1.0" encoding="utf-8"?>
 <p:sld xmlns:a="http://schemas.openxmlformats.org/drawingml/2006/main" xmlns:r="http://schemas.openxmlformats.org/officeDocument/2006/relationships" xmlns:p="http://schemas.openxmlformats.org/presentationml/2006/main">
   <p:cSld>
+    <p:bg>
+      <p:bgPr>
+        <a:solidFill>
+          <a:schemeClr val="bg1">
+            <a:lumMod val="85000"/>
+          </a:schemeClr>
+        </a:solidFill>
+        <a:effectLst/>
+      </p:bgPr>
+    </p:bg>
     <p:spTree>
       <p:nvGrpSpPr>
         <p:cNvPr id="1" name=""/>
@@ -4403,7 +4413,7 @@
           <a:lstStyle/>
           <a:p>
             <a:r>
-              <a:rPr lang="fr-FR" dirty="0"/>
+              <a:rPr lang="fr-FR" b="1" dirty="0"/>
               <a:t>Partie Commune</a:t>
             </a:r>
           </a:p>
@@ -4456,6 +4466,42 @@
           </a:p>
         </p:txBody>
       </p:sp>
+      <p:pic>
+        <p:nvPicPr>
+          <p:cNvPr id="5" name="Image 4">
+            <a:extLst>
+              <a:ext uri="{FF2B5EF4-FFF2-40B4-BE49-F238E27FC236}">
+                <a16:creationId xmlns:a16="http://schemas.microsoft.com/office/drawing/2014/main" id="{CBABADDA-F9A3-4C89-A82F-4F5613BAAE5A}"/>
+              </a:ext>
+            </a:extLst>
+          </p:cNvPr>
+          <p:cNvPicPr>
+            <a:picLocks noChangeAspect="1"/>
+          </p:cNvPicPr>
+          <p:nvPr/>
+        </p:nvPicPr>
+        <p:blipFill>
+          <a:blip r:embed="rId2" cstate="print">
+            <a:extLst>
+              <a:ext uri="{28A0092B-C50C-407E-A947-70E740481C1C}">
+                <a14:useLocalDpi xmlns:a14="http://schemas.microsoft.com/office/drawing/2010/main" val="0"/>
+              </a:ext>
+            </a:extLst>
+          </a:blip>
+          <a:stretch>
+            <a:fillRect/>
+          </a:stretch>
+        </p:blipFill>
+        <p:spPr>
+          <a:xfrm>
+            <a:off x="6096000" y="2671149"/>
+            <a:ext cx="5360556" cy="3568013"/>
+          </a:xfrm>
+          <a:prstGeom prst="rect">
+            <a:avLst/>
+          </a:prstGeom>
+        </p:spPr>
+      </p:pic>
     </p:spTree>
     <p:extLst>
       <p:ext uri="{BB962C8B-B14F-4D97-AF65-F5344CB8AC3E}">
@@ -4472,6 +4518,14 @@
 <file path=ppt/slides/slide20.xml><?xml version="1.0" encoding="utf-8"?>
 <p:sld xmlns:a="http://schemas.openxmlformats.org/drawingml/2006/main" xmlns:r="http://schemas.openxmlformats.org/officeDocument/2006/relationships" xmlns:p="http://schemas.openxmlformats.org/presentationml/2006/main">
   <p:cSld>
+    <p:bg>
+      <p:bgPr>
+        <a:solidFill>
+          <a:srgbClr val="F0938C"/>
+        </a:solidFill>
+        <a:effectLst/>
+      </p:bgPr>
+    </p:bg>
     <p:spTree>
       <p:nvGrpSpPr>
         <p:cNvPr id="1" name=""/>
@@ -4507,7 +4561,7 @@
           <a:lstStyle/>
           <a:p>
             <a:r>
-              <a:rPr lang="fr-FR" dirty="0">
+              <a:rPr lang="fr-FR" b="1" dirty="0">
                 <a:solidFill>
                   <a:srgbClr val="FF0000"/>
                 </a:solidFill>
@@ -4649,6 +4703,14 @@
 <file path=ppt/slides/slide21.xml><?xml version="1.0" encoding="utf-8"?>
 <p:sld xmlns:a="http://schemas.openxmlformats.org/drawingml/2006/main" xmlns:r="http://schemas.openxmlformats.org/officeDocument/2006/relationships" xmlns:p="http://schemas.openxmlformats.org/presentationml/2006/main">
   <p:cSld>
+    <p:bg>
+      <p:bgPr>
+        <a:solidFill>
+          <a:schemeClr val="bg2"/>
+        </a:solidFill>
+        <a:effectLst/>
+      </p:bgPr>
+    </p:bg>
     <p:spTree>
       <p:nvGrpSpPr>
         <p:cNvPr id="1" name=""/>
@@ -4687,25 +4749,21 @@
           <a:p>
             <a:pPr algn="ctr"/>
             <a:r>
-              <a:rPr lang="fr-FR" sz="3600" dirty="0"/>
+              <a:rPr lang="fr-FR" sz="3600" b="1" dirty="0"/>
               <a:t>I) Analyse complète du système</a:t>
             </a:r>
-            <a:r>
-              <a:rPr lang="fr-FR" dirty="0"/>
-              <a:t/>
-            </a:r>
             <a:br>
-              <a:rPr lang="fr-FR" dirty="0"/>
+              <a:rPr lang="fr-FR" b="1" dirty="0"/>
             </a:br>
             <a:r>
-              <a:rPr lang="fr-FR" sz="4000" dirty="0"/>
+              <a:rPr lang="fr-FR" sz="4000" b="1" dirty="0"/>
               <a:t>	</a:t>
             </a:r>
             <a:r>
-              <a:rPr lang="fr-FR" sz="2800" dirty="0"/>
+              <a:rPr lang="fr-FR" sz="2800" b="1" dirty="0"/>
               <a:t>1) Diagramme de cas d’utilisation</a:t>
             </a:r>
-            <a:endParaRPr lang="fr-FR" sz="3200" dirty="0"/>
+            <a:endParaRPr lang="fr-FR" sz="3200" b="1" dirty="0"/>
           </a:p>
         </p:txBody>
       </p:sp>
@@ -4728,7 +4786,7 @@
         </p:blipFill>
         <p:spPr bwMode="auto">
           <a:xfrm>
-            <a:off x="281432" y="1151792"/>
+            <a:off x="281432" y="1114848"/>
             <a:ext cx="11629133" cy="5706208"/>
           </a:xfrm>
           <a:prstGeom prst="rect">
@@ -4761,6 +4819,14 @@
 <file path=ppt/slides/slide22.xml><?xml version="1.0" encoding="utf-8"?>
 <p:sld xmlns:a="http://schemas.openxmlformats.org/drawingml/2006/main" xmlns:r="http://schemas.openxmlformats.org/officeDocument/2006/relationships" xmlns:p="http://schemas.openxmlformats.org/presentationml/2006/main">
   <p:cSld>
+    <p:bg>
+      <p:bgPr>
+        <a:solidFill>
+          <a:srgbClr val="F0938C"/>
+        </a:solidFill>
+        <a:effectLst/>
+      </p:bgPr>
+    </p:bg>
     <p:spTree>
       <p:nvGrpSpPr>
         <p:cNvPr id="1" name=""/>
@@ -4811,12 +4877,6 @@
               </a:rPr>
               <a:t>2) Diagrammes de séquence</a:t>
             </a:r>
-            <a:r>
-              <a:rPr lang="fr-FR" sz="3200" dirty="0">
-                <a:latin typeface="+mj-lt"/>
-              </a:rPr>
-              <a:t/>
-            </a:r>
             <a:br>
               <a:rPr lang="fr-FR" sz="3200" dirty="0">
                 <a:latin typeface="+mj-lt"/>
@@ -4833,10 +4893,6 @@
                 <a:latin typeface="+mj-lt"/>
               </a:rPr>
               <a:t>a) Démarrage et déroulement d’une course</a:t>
-            </a:r>
-            <a:r>
-              <a:rPr lang="fr-FR" dirty="0"/>
-              <a:t/>
             </a:r>
             <a:br>
               <a:rPr lang="fr-FR" dirty="0"/>
@@ -4866,7 +4922,7 @@
         </p:blipFill>
         <p:spPr>
           <a:xfrm>
-            <a:off x="9019" y="870437"/>
+            <a:off x="73671" y="870437"/>
             <a:ext cx="12015697" cy="5442439"/>
           </a:xfrm>
           <a:prstGeom prst="rect">
@@ -4890,6 +4946,14 @@
 <file path=ppt/slides/slide23.xml><?xml version="1.0" encoding="utf-8"?>
 <p:sld xmlns:a="http://schemas.openxmlformats.org/drawingml/2006/main" xmlns:r="http://schemas.openxmlformats.org/officeDocument/2006/relationships" xmlns:p="http://schemas.openxmlformats.org/presentationml/2006/main">
   <p:cSld>
+    <p:bg>
+      <p:bgPr>
+        <a:solidFill>
+          <a:srgbClr val="F0938C"/>
+        </a:solidFill>
+        <a:effectLst/>
+      </p:bgPr>
+    </p:bg>
     <p:spTree>
       <p:nvGrpSpPr>
         <p:cNvPr id="1" name=""/>
@@ -4991,6 +5055,14 @@
 <file path=ppt/slides/slide24.xml><?xml version="1.0" encoding="utf-8"?>
 <p:sld xmlns:a="http://schemas.openxmlformats.org/drawingml/2006/main" xmlns:r="http://schemas.openxmlformats.org/officeDocument/2006/relationships" xmlns:p="http://schemas.openxmlformats.org/presentationml/2006/main">
   <p:cSld>
+    <p:bg>
+      <p:bgPr>
+        <a:solidFill>
+          <a:srgbClr val="F0938C"/>
+        </a:solidFill>
+        <a:effectLst/>
+      </p:bgPr>
+    </p:bg>
     <p:spTree>
       <p:nvGrpSpPr>
         <p:cNvPr id="1" name=""/>
@@ -5029,7 +5101,7 @@
           <a:p>
             <a:pPr algn="ctr"/>
             <a:r>
-              <a:rPr lang="fr-FR" sz="2800" dirty="0"/>
+              <a:rPr lang="fr-FR" sz="2800" b="1" dirty="0"/>
               <a:t>3) Scénario</a:t>
             </a:r>
           </a:p>
@@ -5165,6 +5237,14 @@
 <file path=ppt/slides/slide25.xml><?xml version="1.0" encoding="utf-8"?>
 <p:sld xmlns:a="http://schemas.openxmlformats.org/drawingml/2006/main" xmlns:r="http://schemas.openxmlformats.org/officeDocument/2006/relationships" xmlns:p="http://schemas.openxmlformats.org/presentationml/2006/main">
   <p:cSld>
+    <p:bg>
+      <p:bgPr>
+        <a:solidFill>
+          <a:srgbClr val="F0938C"/>
+        </a:solidFill>
+        <a:effectLst/>
+      </p:bgPr>
+    </p:bg>
     <p:spTree>
       <p:nvGrpSpPr>
         <p:cNvPr id="1" name=""/>
@@ -5202,47 +5282,43 @@
           <a:lstStyle/>
           <a:p>
             <a:r>
-              <a:rPr lang="fr-FR" sz="3600" dirty="0"/>
+              <a:rPr lang="fr-FR" sz="3600" b="1" dirty="0"/>
               <a:t>II) Etude physique lecteur RFID pour les courses</a:t>
             </a:r>
             <a:br>
-              <a:rPr lang="fr-FR" sz="3600" dirty="0"/>
+              <a:rPr lang="fr-FR" sz="3600" b="1" dirty="0"/>
             </a:br>
             <a:r>
-              <a:rPr lang="fr-FR" sz="3600" dirty="0"/>
+              <a:rPr lang="fr-FR" sz="3600" b="1" dirty="0"/>
               <a:t>	</a:t>
             </a:r>
             <a:r>
-              <a:rPr lang="fr-FR" sz="3100" dirty="0"/>
+              <a:rPr lang="fr-FR" sz="3100" b="1" dirty="0"/>
               <a:t>1) Matériel</a:t>
             </a:r>
-            <a:r>
-              <a:rPr lang="fr-FR" sz="2800" dirty="0"/>
-              <a:t/>
-            </a:r>
             <a:br>
-              <a:rPr lang="fr-FR" sz="2800" dirty="0"/>
+              <a:rPr lang="fr-FR" sz="2800" b="1" dirty="0"/>
             </a:br>
             <a:r>
-              <a:rPr lang="fr-FR" sz="2800" dirty="0"/>
+              <a:rPr lang="fr-FR" sz="2800" b="1" dirty="0"/>
               <a:t>		</a:t>
             </a:r>
             <a:r>
-              <a:rPr lang="fr-FR" sz="2400" dirty="0"/>
+              <a:rPr lang="fr-FR" sz="2400" b="1" dirty="0"/>
               <a:t>a) Antenne</a:t>
             </a:r>
             <a:br>
-              <a:rPr lang="fr-FR" sz="2400" dirty="0"/>
+              <a:rPr lang="fr-FR" sz="2400" b="1" dirty="0"/>
             </a:br>
             <a:r>
-              <a:rPr lang="fr-FR" sz="2400" dirty="0"/>
+              <a:rPr lang="fr-FR" sz="2400" b="1" dirty="0"/>
               <a:t>		b) Dossard </a:t>
             </a:r>
             <a:r>
-              <a:rPr lang="fr-FR" sz="2400" dirty="0" err="1"/>
+              <a:rPr lang="fr-FR" sz="2400" b="1" dirty="0" err="1"/>
               <a:t>DAGs</a:t>
             </a:r>
-            <a:endParaRPr lang="fr-FR" sz="3600" dirty="0"/>
+            <a:endParaRPr lang="fr-FR" sz="3600" b="1" dirty="0"/>
           </a:p>
         </p:txBody>
       </p:sp>
@@ -5256,15 +5332,578 @@
             <p:ph idx="1"/>
           </p:nvPr>
         </p:nvSpPr>
-        <p:spPr/>
-        <p:txBody>
-          <a:bodyPr/>
-          <a:lstStyle/>
+        <p:spPr>
+          <a:xfrm>
+            <a:off x="1060142" y="1899656"/>
+            <a:ext cx="10515600" cy="4351338"/>
+          </a:xfrm>
+        </p:spPr>
+        <p:txBody>
+          <a:bodyPr>
+            <a:normAutofit lnSpcReduction="10000"/>
+          </a:bodyPr>
+          <a:lstStyle/>
+          <a:p>
+            <a:pPr marL="0" lvl="0" indent="0" eaLnBrk="0" fontAlgn="base" hangingPunct="0">
+              <a:lnSpc>
+                <a:spcPct val="100000"/>
+              </a:lnSpc>
+              <a:spcBef>
+                <a:spcPct val="0"/>
+              </a:spcBef>
+              <a:spcAft>
+                <a:spcPct val="0"/>
+              </a:spcAft>
+              <a:buNone/>
+            </a:pPr>
+            <a:r>
+              <a:rPr lang="fr-FR" altLang="fr-FR" sz="2000" dirty="0">
+                <a:latin typeface="Calibri" panose="020F0502020204030204" pitchFamily="34" charset="0"/>
+                <a:ea typeface="Calibri" panose="020F0502020204030204" pitchFamily="34" charset="0"/>
+                <a:cs typeface="Times New Roman" panose="02020603050405020304" pitchFamily="18" charset="0"/>
+              </a:rPr>
+              <a:t>Le DAG est une puce passive (13,56 Mhz) de haute fréquence. </a:t>
+            </a:r>
+          </a:p>
+          <a:p>
+            <a:pPr marL="0" lvl="0" indent="0" eaLnBrk="0" fontAlgn="base" hangingPunct="0">
+              <a:lnSpc>
+                <a:spcPct val="100000"/>
+              </a:lnSpc>
+              <a:spcBef>
+                <a:spcPct val="0"/>
+              </a:spcBef>
+              <a:spcAft>
+                <a:spcPct val="0"/>
+              </a:spcAft>
+              <a:buNone/>
+            </a:pPr>
+            <a:r>
+              <a:rPr lang="fr-FR" altLang="fr-FR" sz="2000" dirty="0">
+                <a:latin typeface="Calibri" panose="020F0502020204030204" pitchFamily="34" charset="0"/>
+                <a:ea typeface="Calibri" panose="020F0502020204030204" pitchFamily="34" charset="0"/>
+                <a:cs typeface="Times New Roman" panose="02020603050405020304" pitchFamily="18" charset="0"/>
+              </a:rPr>
+              <a:t>Il doit être activé pour communiquer. </a:t>
+            </a:r>
+            <a:endParaRPr lang="fr-FR" altLang="fr-FR" sz="1100" dirty="0"/>
+          </a:p>
+          <a:p>
+            <a:pPr marL="0" lvl="0" indent="0" eaLnBrk="0" fontAlgn="base" hangingPunct="0">
+              <a:lnSpc>
+                <a:spcPct val="100000"/>
+              </a:lnSpc>
+              <a:spcBef>
+                <a:spcPct val="0"/>
+              </a:spcBef>
+              <a:spcAft>
+                <a:spcPct val="0"/>
+              </a:spcAft>
+              <a:buNone/>
+            </a:pPr>
+            <a:r>
+              <a:rPr lang="fr-FR" altLang="fr-FR" sz="2000" dirty="0">
+                <a:latin typeface="Calibri" panose="020F0502020204030204" pitchFamily="34" charset="0"/>
+                <a:ea typeface="Calibri" panose="020F0502020204030204" pitchFamily="34" charset="0"/>
+                <a:cs typeface="Times New Roman" panose="02020603050405020304" pitchFamily="18" charset="0"/>
+              </a:rPr>
+              <a:t>Le boitier d’interface + l’antenne créent un champ magnétique pour activer la puce. </a:t>
+            </a:r>
+            <a:endParaRPr lang="fr-FR" altLang="fr-FR" sz="1100" dirty="0"/>
+          </a:p>
+          <a:p>
+            <a:pPr marL="0" lvl="0" indent="0" eaLnBrk="0" fontAlgn="base" hangingPunct="0">
+              <a:lnSpc>
+                <a:spcPct val="100000"/>
+              </a:lnSpc>
+              <a:spcBef>
+                <a:spcPct val="0"/>
+              </a:spcBef>
+              <a:spcAft>
+                <a:spcPct val="0"/>
+              </a:spcAft>
+              <a:buNone/>
+            </a:pPr>
+            <a:r>
+              <a:rPr lang="fr-FR" altLang="fr-FR" sz="2000" dirty="0">
+                <a:latin typeface="Calibri" panose="020F0502020204030204" pitchFamily="34" charset="0"/>
+                <a:ea typeface="Calibri" panose="020F0502020204030204" pitchFamily="34" charset="0"/>
+                <a:cs typeface="Times New Roman" panose="02020603050405020304" pitchFamily="18" charset="0"/>
+              </a:rPr>
+              <a:t>Le lecteur communique avec la puce.</a:t>
+            </a:r>
+          </a:p>
+          <a:p>
+            <a:pPr marL="0" lvl="0" indent="0" algn="r" eaLnBrk="0" fontAlgn="base" hangingPunct="0">
+              <a:lnSpc>
+                <a:spcPct val="100000"/>
+              </a:lnSpc>
+              <a:spcBef>
+                <a:spcPct val="0"/>
+              </a:spcBef>
+              <a:spcAft>
+                <a:spcPct val="0"/>
+              </a:spcAft>
+              <a:buNone/>
+            </a:pPr>
+            <a:r>
+              <a:rPr lang="fr-FR" altLang="fr-FR" sz="2000" dirty="0">
+                <a:latin typeface="Calibri" panose="020F0502020204030204" pitchFamily="34" charset="0"/>
+                <a:ea typeface="Calibri" panose="020F0502020204030204" pitchFamily="34" charset="0"/>
+                <a:cs typeface="Times New Roman" panose="02020603050405020304" pitchFamily="18" charset="0"/>
+              </a:rPr>
+              <a:t> </a:t>
+            </a:r>
+            <a:endParaRPr lang="fr-FR" altLang="fr-FR" sz="1100" dirty="0"/>
+          </a:p>
+          <a:p>
+            <a:pPr marL="0" lvl="0" indent="0" algn="r" eaLnBrk="0" fontAlgn="base" hangingPunct="0">
+              <a:lnSpc>
+                <a:spcPct val="100000"/>
+              </a:lnSpc>
+              <a:spcBef>
+                <a:spcPct val="0"/>
+              </a:spcBef>
+              <a:spcAft>
+                <a:spcPct val="0"/>
+              </a:spcAft>
+              <a:buNone/>
+            </a:pPr>
+            <a:r>
+              <a:rPr lang="fr-FR" altLang="fr-FR" sz="2000" dirty="0">
+                <a:latin typeface="Calibri" panose="020F0502020204030204" pitchFamily="34" charset="0"/>
+                <a:ea typeface="Calibri" panose="020F0502020204030204" pitchFamily="34" charset="0"/>
+                <a:cs typeface="Times New Roman" panose="02020603050405020304" pitchFamily="18" charset="0"/>
+              </a:rPr>
+              <a:t>La détection se produit lorsque le participant entre dans le champ magnétique. </a:t>
+            </a:r>
+            <a:endParaRPr lang="fr-FR" altLang="fr-FR" sz="1100" dirty="0"/>
+          </a:p>
+          <a:p>
+            <a:pPr marL="0" lvl="0" indent="0" algn="r" eaLnBrk="0" fontAlgn="base" hangingPunct="0">
+              <a:lnSpc>
+                <a:spcPct val="100000"/>
+              </a:lnSpc>
+              <a:spcBef>
+                <a:spcPct val="0"/>
+              </a:spcBef>
+              <a:spcAft>
+                <a:spcPct val="0"/>
+              </a:spcAft>
+              <a:buNone/>
+            </a:pPr>
+            <a:r>
+              <a:rPr lang="fr-FR" altLang="fr-FR" sz="2000" dirty="0">
+                <a:latin typeface="Calibri" panose="020F0502020204030204" pitchFamily="34" charset="0"/>
+                <a:ea typeface="Calibri" panose="020F0502020204030204" pitchFamily="34" charset="0"/>
+                <a:cs typeface="Times New Roman" panose="02020603050405020304" pitchFamily="18" charset="0"/>
+              </a:rPr>
+              <a:t>Précision = 1/10 secondes. </a:t>
+            </a:r>
+            <a:endParaRPr lang="fr-FR" altLang="fr-FR" sz="1100" dirty="0"/>
+          </a:p>
+          <a:p>
+            <a:pPr marL="0" lvl="0" indent="0" algn="r" eaLnBrk="0" fontAlgn="base" hangingPunct="0">
+              <a:lnSpc>
+                <a:spcPct val="100000"/>
+              </a:lnSpc>
+              <a:spcBef>
+                <a:spcPct val="0"/>
+              </a:spcBef>
+              <a:spcAft>
+                <a:spcPct val="0"/>
+              </a:spcAft>
+              <a:buNone/>
+            </a:pPr>
+            <a:r>
+              <a:rPr lang="fr-FR" altLang="fr-FR" sz="2000" dirty="0">
+                <a:latin typeface="Calibri" panose="020F0502020204030204" pitchFamily="34" charset="0"/>
+                <a:ea typeface="Calibri" panose="020F0502020204030204" pitchFamily="34" charset="0"/>
+                <a:cs typeface="Times New Roman" panose="02020603050405020304" pitchFamily="18" charset="0"/>
+              </a:rPr>
+              <a:t>Un DAG ne peut pas fonctionner correctement si : </a:t>
+            </a:r>
+            <a:endParaRPr lang="fr-FR" altLang="fr-FR" sz="1100" dirty="0"/>
+          </a:p>
+          <a:p>
+            <a:pPr marL="0" lvl="0" indent="0" algn="r" eaLnBrk="0" fontAlgn="base" hangingPunct="0">
+              <a:lnSpc>
+                <a:spcPct val="100000"/>
+              </a:lnSpc>
+              <a:spcBef>
+                <a:spcPct val="0"/>
+              </a:spcBef>
+              <a:spcAft>
+                <a:spcPct val="0"/>
+              </a:spcAft>
+              <a:buFontTx/>
+              <a:buChar char="•"/>
+            </a:pPr>
+            <a:r>
+              <a:rPr lang="fr-FR" altLang="fr-FR" sz="2000" dirty="0">
+                <a:latin typeface="Calibri" panose="020F0502020204030204" pitchFamily="34" charset="0"/>
+                <a:ea typeface="Calibri" panose="020F0502020204030204" pitchFamily="34" charset="0"/>
+                <a:cs typeface="Times New Roman" panose="02020603050405020304" pitchFamily="18" charset="0"/>
+              </a:rPr>
+              <a:t> Il est collé sur du métal 	</a:t>
+            </a:r>
+            <a:endParaRPr lang="fr-FR" altLang="fr-FR" sz="1100" dirty="0"/>
+          </a:p>
+          <a:p>
+            <a:pPr marL="0" lvl="0" indent="0" algn="r" eaLnBrk="0" fontAlgn="base" hangingPunct="0">
+              <a:lnSpc>
+                <a:spcPct val="100000"/>
+              </a:lnSpc>
+              <a:spcBef>
+                <a:spcPct val="0"/>
+              </a:spcBef>
+              <a:spcAft>
+                <a:spcPct val="0"/>
+              </a:spcAft>
+              <a:buFontTx/>
+              <a:buChar char="•"/>
+            </a:pPr>
+            <a:r>
+              <a:rPr lang="fr-FR" altLang="fr-FR" sz="2000" dirty="0">
+                <a:latin typeface="Calibri" panose="020F0502020204030204" pitchFamily="34" charset="0"/>
+                <a:ea typeface="Calibri" panose="020F0502020204030204" pitchFamily="34" charset="0"/>
+                <a:cs typeface="Times New Roman" panose="02020603050405020304" pitchFamily="18" charset="0"/>
+              </a:rPr>
+              <a:t> Il est plié		</a:t>
+            </a:r>
+            <a:endParaRPr lang="fr-FR" altLang="fr-FR" sz="1100" dirty="0"/>
+          </a:p>
+          <a:p>
+            <a:pPr marL="0" lvl="0" indent="0" algn="r" eaLnBrk="0" fontAlgn="base" hangingPunct="0">
+              <a:lnSpc>
+                <a:spcPct val="100000"/>
+              </a:lnSpc>
+              <a:spcBef>
+                <a:spcPct val="0"/>
+              </a:spcBef>
+              <a:spcAft>
+                <a:spcPct val="0"/>
+              </a:spcAft>
+              <a:buFontTx/>
+              <a:buChar char="•"/>
+            </a:pPr>
+            <a:r>
+              <a:rPr lang="fr-FR" altLang="fr-FR" sz="2000" dirty="0">
+                <a:latin typeface="Calibri" panose="020F0502020204030204" pitchFamily="34" charset="0"/>
+                <a:ea typeface="Calibri" panose="020F0502020204030204" pitchFamily="34" charset="0"/>
+                <a:cs typeface="Times New Roman" panose="02020603050405020304" pitchFamily="18" charset="0"/>
+              </a:rPr>
+              <a:t> Il est déchiré.		</a:t>
+            </a:r>
+          </a:p>
+          <a:p>
+            <a:pPr marL="0" lvl="0" indent="0" eaLnBrk="0" fontAlgn="base" hangingPunct="0">
+              <a:lnSpc>
+                <a:spcPct val="100000"/>
+              </a:lnSpc>
+              <a:spcBef>
+                <a:spcPct val="0"/>
+              </a:spcBef>
+              <a:spcAft>
+                <a:spcPct val="0"/>
+              </a:spcAft>
+              <a:buNone/>
+            </a:pPr>
+            <a:r>
+              <a:rPr lang="fr-FR" altLang="fr-FR" sz="2000" dirty="0">
+                <a:latin typeface="Calibri" panose="020F0502020204030204" pitchFamily="34" charset="0"/>
+                <a:ea typeface="Calibri" panose="020F0502020204030204" pitchFamily="34" charset="0"/>
+                <a:cs typeface="Times New Roman" panose="02020603050405020304" pitchFamily="18" charset="0"/>
+              </a:rPr>
+              <a:t>Un lecteur peut détecter 120 DAG / seconde </a:t>
+            </a:r>
+            <a:endParaRPr lang="fr-FR" altLang="fr-FR" sz="1100" dirty="0"/>
+          </a:p>
+          <a:p>
+            <a:pPr marL="0" lvl="0" indent="0" eaLnBrk="0" fontAlgn="base" hangingPunct="0">
+              <a:lnSpc>
+                <a:spcPct val="100000"/>
+              </a:lnSpc>
+              <a:spcBef>
+                <a:spcPct val="0"/>
+              </a:spcBef>
+              <a:spcAft>
+                <a:spcPct val="0"/>
+              </a:spcAft>
+              <a:buNone/>
+            </a:pPr>
+            <a:r>
+              <a:rPr lang="fr-FR" altLang="fr-FR" sz="2000" dirty="0">
+                <a:latin typeface="Calibri" panose="020F0502020204030204" pitchFamily="34" charset="0"/>
+                <a:ea typeface="Calibri" panose="020F0502020204030204" pitchFamily="34" charset="0"/>
+                <a:cs typeface="Times New Roman" panose="02020603050405020304" pitchFamily="18" charset="0"/>
+              </a:rPr>
+              <a:t>Notre lecteur RFID est donc composé d’une antenne </a:t>
+            </a:r>
+          </a:p>
+          <a:p>
+            <a:pPr marL="0" lvl="0" indent="0" eaLnBrk="0" fontAlgn="base" hangingPunct="0">
+              <a:lnSpc>
+                <a:spcPct val="100000"/>
+              </a:lnSpc>
+              <a:spcBef>
+                <a:spcPct val="0"/>
+              </a:spcBef>
+              <a:spcAft>
+                <a:spcPct val="0"/>
+              </a:spcAft>
+              <a:buNone/>
+            </a:pPr>
+            <a:r>
+              <a:rPr lang="fr-FR" altLang="fr-FR" sz="2000" dirty="0">
+                <a:latin typeface="Calibri" panose="020F0502020204030204" pitchFamily="34" charset="0"/>
+                <a:ea typeface="Calibri" panose="020F0502020204030204" pitchFamily="34" charset="0"/>
+                <a:cs typeface="Times New Roman" panose="02020603050405020304" pitchFamily="18" charset="0"/>
+              </a:rPr>
+              <a:t>qui sera sous la forme d’une arche. </a:t>
+            </a:r>
+            <a:endParaRPr lang="fr-FR" altLang="fr-FR" sz="3200" dirty="0">
+              <a:latin typeface="Arial" panose="020B0604020202020204" pitchFamily="34" charset="0"/>
+            </a:endParaRPr>
+          </a:p>
+          <a:p>
+            <a:pPr marL="0" lvl="0" indent="0" algn="r" eaLnBrk="0" fontAlgn="base" hangingPunct="0">
+              <a:lnSpc>
+                <a:spcPct val="100000"/>
+              </a:lnSpc>
+              <a:spcBef>
+                <a:spcPct val="0"/>
+              </a:spcBef>
+              <a:spcAft>
+                <a:spcPct val="0"/>
+              </a:spcAft>
+              <a:buNone/>
+            </a:pPr>
+            <a:r>
+              <a:rPr lang="fr-FR" altLang="fr-FR" sz="2000" dirty="0">
+                <a:latin typeface="Calibri" panose="020F0502020204030204" pitchFamily="34" charset="0"/>
+                <a:ea typeface="Calibri" panose="020F0502020204030204" pitchFamily="34" charset="0"/>
+                <a:cs typeface="Times New Roman" panose="02020603050405020304" pitchFamily="18" charset="0"/>
+              </a:rPr>
+              <a:t> </a:t>
+            </a:r>
+            <a:endParaRPr lang="fr-FR" altLang="fr-FR" sz="1100" dirty="0"/>
+          </a:p>
           <a:p>
             <a:endParaRPr lang="fr-FR" dirty="0"/>
           </a:p>
         </p:txBody>
       </p:sp>
+      <p:pic>
+        <p:nvPicPr>
+          <p:cNvPr id="2050" name="Image 8">
+            <a:extLst>
+              <a:ext uri="{FF2B5EF4-FFF2-40B4-BE49-F238E27FC236}">
+                <a16:creationId xmlns:a16="http://schemas.microsoft.com/office/drawing/2014/main" id="{53575298-1D72-4858-9839-F7208114214E}"/>
+              </a:ext>
+            </a:extLst>
+          </p:cNvPr>
+          <p:cNvPicPr>
+            <a:picLocks noChangeAspect="1" noChangeArrowheads="1"/>
+          </p:cNvPicPr>
+          <p:nvPr/>
+        </p:nvPicPr>
+        <p:blipFill>
+          <a:blip r:embed="rId2">
+            <a:extLst>
+              <a:ext uri="{28A0092B-C50C-407E-A947-70E740481C1C}">
+                <a14:useLocalDpi xmlns:a14="http://schemas.microsoft.com/office/drawing/2010/main" val="0"/>
+              </a:ext>
+            </a:extLst>
+          </a:blip>
+          <a:srcRect/>
+          <a:stretch>
+            <a:fillRect/>
+          </a:stretch>
+        </p:blipFill>
+        <p:spPr bwMode="auto">
+          <a:xfrm>
+            <a:off x="1459638" y="3237918"/>
+            <a:ext cx="1785937" cy="1674813"/>
+          </a:xfrm>
+          <a:prstGeom prst="rect">
+            <a:avLst/>
+          </a:prstGeom>
+          <a:noFill/>
+          <a:extLst>
+            <a:ext uri="{909E8E84-426E-40DD-AFC4-6F175D3DCCD1}">
+              <a14:hiddenFill xmlns:a14="http://schemas.microsoft.com/office/drawing/2010/main">
+                <a:solidFill>
+                  <a:srgbClr val="FFFFFF"/>
+                </a:solidFill>
+              </a14:hiddenFill>
+            </a:ext>
+          </a:extLst>
+        </p:spPr>
+      </p:pic>
+      <p:pic>
+        <p:nvPicPr>
+          <p:cNvPr id="2049" name="Image 9">
+            <a:extLst>
+              <a:ext uri="{FF2B5EF4-FFF2-40B4-BE49-F238E27FC236}">
+                <a16:creationId xmlns:a16="http://schemas.microsoft.com/office/drawing/2014/main" id="{06374E8F-7621-4773-981D-837D6B42E88F}"/>
+              </a:ext>
+            </a:extLst>
+          </p:cNvPr>
+          <p:cNvPicPr>
+            <a:picLocks noChangeAspect="1" noChangeArrowheads="1"/>
+          </p:cNvPicPr>
+          <p:nvPr/>
+        </p:nvPicPr>
+        <p:blipFill>
+          <a:blip r:embed="rId3">
+            <a:extLst>
+              <a:ext uri="{28A0092B-C50C-407E-A947-70E740481C1C}">
+                <a14:useLocalDpi xmlns:a14="http://schemas.microsoft.com/office/drawing/2010/main" val="0"/>
+              </a:ext>
+            </a:extLst>
+          </a:blip>
+          <a:srcRect/>
+          <a:stretch>
+            <a:fillRect/>
+          </a:stretch>
+        </p:blipFill>
+        <p:spPr bwMode="auto">
+          <a:xfrm>
+            <a:off x="6688938" y="4774619"/>
+            <a:ext cx="1731962" cy="1476375"/>
+          </a:xfrm>
+          <a:prstGeom prst="rect">
+            <a:avLst/>
+          </a:prstGeom>
+          <a:noFill/>
+          <a:extLst>
+            <a:ext uri="{909E8E84-426E-40DD-AFC4-6F175D3DCCD1}">
+              <a14:hiddenFill xmlns:a14="http://schemas.microsoft.com/office/drawing/2010/main">
+                <a:solidFill>
+                  <a:srgbClr val="FFFFFF"/>
+                </a:solidFill>
+              </a14:hiddenFill>
+            </a:ext>
+          </a:extLst>
+        </p:spPr>
+      </p:pic>
+      <p:sp>
+        <p:nvSpPr>
+          <p:cNvPr id="4" name="Rectangle 4">
+            <a:extLst>
+              <a:ext uri="{FF2B5EF4-FFF2-40B4-BE49-F238E27FC236}">
+                <a16:creationId xmlns:a16="http://schemas.microsoft.com/office/drawing/2014/main" id="{1B96EE56-C499-4895-BF01-2EAA7A231FA2}"/>
+              </a:ext>
+            </a:extLst>
+          </p:cNvPr>
+          <p:cNvSpPr>
+            <a:spLocks noChangeArrowheads="1"/>
+          </p:cNvSpPr>
+          <p:nvPr/>
+        </p:nvSpPr>
+        <p:spPr bwMode="auto">
+          <a:xfrm>
+            <a:off x="152400" y="152400"/>
+            <a:ext cx="12192000" cy="457200"/>
+          </a:xfrm>
+          <a:prstGeom prst="rect">
+            <a:avLst/>
+          </a:prstGeom>
+          <a:noFill/>
+          <a:ln>
+            <a:noFill/>
+          </a:ln>
+          <a:effectLst/>
+          <a:extLst>
+            <a:ext uri="{909E8E84-426E-40DD-AFC4-6F175D3DCCD1}">
+              <a14:hiddenFill xmlns:a14="http://schemas.microsoft.com/office/drawing/2010/main">
+                <a:solidFill>
+                  <a:schemeClr val="accent1"/>
+                </a:solidFill>
+              </a14:hiddenFill>
+            </a:ext>
+            <a:ext uri="{91240B29-F687-4F45-9708-019B960494DF}">
+              <a14:hiddenLine xmlns:a14="http://schemas.microsoft.com/office/drawing/2010/main" w="9525">
+                <a:solidFill>
+                  <a:schemeClr val="tx1"/>
+                </a:solidFill>
+                <a:miter lim="800000"/>
+                <a:headEnd/>
+                <a:tailEnd/>
+              </a14:hiddenLine>
+            </a:ext>
+            <a:ext uri="{AF507438-7753-43E0-B8FC-AC1667EBCBE1}">
+              <a14:hiddenEffects xmlns:a14="http://schemas.microsoft.com/office/drawing/2010/main">
+                <a:effectLst>
+                  <a:outerShdw dist="35921" dir="2700000" algn="ctr" rotWithShape="0">
+                    <a:schemeClr val="bg2"/>
+                  </a:outerShdw>
+                </a:effectLst>
+              </a14:hiddenEffects>
+            </a:ext>
+          </a:extLst>
+        </p:spPr>
+        <p:txBody>
+          <a:bodyPr vert="horz" wrap="none" lIns="91440" tIns="45720" rIns="91440" bIns="45720" numCol="1" anchor="ctr" anchorCtr="0" compatLnSpc="1">
+            <a:prstTxWarp prst="textNoShape">
+              <a:avLst/>
+            </a:prstTxWarp>
+            <a:spAutoFit/>
+          </a:bodyPr>
+          <a:lstStyle/>
+          <a:p>
+            <a:endParaRPr lang="fr-FR"/>
+          </a:p>
+        </p:txBody>
+      </p:sp>
+      <p:pic>
+        <p:nvPicPr>
+          <p:cNvPr id="11" name="Image 7">
+            <a:extLst>
+              <a:ext uri="{FF2B5EF4-FFF2-40B4-BE49-F238E27FC236}">
+                <a16:creationId xmlns:a16="http://schemas.microsoft.com/office/drawing/2014/main" id="{842C7100-04FE-4C52-84F2-2EBF578BEC4E}"/>
+              </a:ext>
+            </a:extLst>
+          </p:cNvPr>
+          <p:cNvPicPr>
+            <a:picLocks noChangeAspect="1" noChangeArrowheads="1"/>
+          </p:cNvPicPr>
+          <p:nvPr/>
+        </p:nvPicPr>
+        <p:blipFill>
+          <a:blip r:embed="rId4">
+            <a:extLst>
+              <a:ext uri="{28A0092B-C50C-407E-A947-70E740481C1C}">
+                <a14:useLocalDpi xmlns:a14="http://schemas.microsoft.com/office/drawing/2010/main" val="0"/>
+              </a:ext>
+            </a:extLst>
+          </a:blip>
+          <a:srcRect/>
+          <a:stretch>
+            <a:fillRect/>
+          </a:stretch>
+        </p:blipFill>
+        <p:spPr bwMode="auto">
+          <a:xfrm>
+            <a:off x="9854907" y="1650418"/>
+            <a:ext cx="1895475" cy="1587500"/>
+          </a:xfrm>
+          <a:prstGeom prst="rect">
+            <a:avLst/>
+          </a:prstGeom>
+          <a:noFill/>
+          <a:extLst>
+            <a:ext uri="{909E8E84-426E-40DD-AFC4-6F175D3DCCD1}">
+              <a14:hiddenFill xmlns:a14="http://schemas.microsoft.com/office/drawing/2010/main">
+                <a:solidFill>
+                  <a:srgbClr val="FFFFFF"/>
+                </a:solidFill>
+              </a14:hiddenFill>
+            </a:ext>
+          </a:extLst>
+        </p:spPr>
+      </p:pic>
     </p:spTree>
     <p:extLst>
       <p:ext uri="{BB962C8B-B14F-4D97-AF65-F5344CB8AC3E}">
@@ -5281,6 +5920,14 @@
 <file path=ppt/slides/slide26.xml><?xml version="1.0" encoding="utf-8"?>
 <p:sld xmlns:a="http://schemas.openxmlformats.org/drawingml/2006/main" xmlns:r="http://schemas.openxmlformats.org/officeDocument/2006/relationships" xmlns:p="http://schemas.openxmlformats.org/presentationml/2006/main">
   <p:cSld>
+    <p:bg>
+      <p:bgPr>
+        <a:solidFill>
+          <a:srgbClr val="F0938C"/>
+        </a:solidFill>
+        <a:effectLst/>
+      </p:bgPr>
+    </p:bg>
     <p:spTree>
       <p:nvGrpSpPr>
         <p:cNvPr id="1" name=""/>
@@ -5318,21 +5965,21 @@
           <a:lstStyle/>
           <a:p>
             <a:r>
-              <a:rPr lang="fr-FR" sz="2800" dirty="0"/>
+              <a:rPr lang="fr-FR" sz="2800" b="1" dirty="0"/>
               <a:t>2) Boite noire</a:t>
             </a:r>
             <a:br>
-              <a:rPr lang="fr-FR" sz="2800" dirty="0"/>
+              <a:rPr lang="fr-FR" sz="2800" b="1" dirty="0"/>
             </a:br>
             <a:r>
-              <a:rPr lang="fr-FR" sz="2800" dirty="0"/>
+              <a:rPr lang="fr-FR" sz="2800" b="1" dirty="0"/>
               <a:t>	</a:t>
             </a:r>
             <a:r>
-              <a:rPr lang="fr-FR" sz="2400" dirty="0"/>
+              <a:rPr lang="fr-FR" sz="2400" b="1" dirty="0"/>
               <a:t>a) Principe de fonctionnement</a:t>
             </a:r>
-            <a:endParaRPr lang="fr-FR" sz="2800" dirty="0"/>
+            <a:endParaRPr lang="fr-FR" sz="2800" b="1" dirty="0"/>
           </a:p>
         </p:txBody>
       </p:sp>
@@ -5346,18 +5993,162 @@
             <p:ph idx="1"/>
           </p:nvPr>
         </p:nvSpPr>
-        <p:spPr/>
-        <p:txBody>
-          <a:bodyPr/>
+        <p:spPr>
+          <a:xfrm>
+            <a:off x="838200" y="1253331"/>
+            <a:ext cx="10515600" cy="4351338"/>
+          </a:xfrm>
+        </p:spPr>
+        <p:txBody>
+          <a:bodyPr>
+            <a:normAutofit/>
+          </a:bodyPr>
           <a:lstStyle/>
           <a:p>
             <a:pPr marL="0" indent="0">
               <a:buNone/>
             </a:pPr>
-            <a:endParaRPr lang="fr-FR" dirty="0"/>
-          </a:p>
-        </p:txBody>
-      </p:sp>
+            <a:r>
+              <a:rPr lang="fr-FR" altLang="fr-FR" sz="2000" dirty="0">
+                <a:latin typeface="Calibri" panose="020F0502020204030204" pitchFamily="34" charset="0"/>
+                <a:ea typeface="Calibri" panose="020F0502020204030204" pitchFamily="34" charset="0"/>
+                <a:cs typeface="Times New Roman" panose="02020603050405020304" pitchFamily="18" charset="0"/>
+              </a:rPr>
+              <a:t>Cette antenne sera reliée à ce qu’on appelle la boite noire. </a:t>
+            </a:r>
+          </a:p>
+          <a:p>
+            <a:pPr marL="0" indent="0">
+              <a:buNone/>
+            </a:pPr>
+            <a:r>
+              <a:rPr lang="fr-FR" altLang="fr-FR" sz="2000" dirty="0">
+                <a:latin typeface="Calibri" panose="020F0502020204030204" pitchFamily="34" charset="0"/>
+                <a:ea typeface="Calibri" panose="020F0502020204030204" pitchFamily="34" charset="0"/>
+                <a:cs typeface="Times New Roman" panose="02020603050405020304" pitchFamily="18" charset="0"/>
+              </a:rPr>
+              <a:t>La boite noire va permettre de faire la transition entre la réception des informations sur les puces et l’envoi des informations via connexion RS232.</a:t>
+            </a:r>
+          </a:p>
+          <a:p>
+            <a:pPr marL="0" indent="0">
+              <a:buNone/>
+            </a:pPr>
+            <a:r>
+              <a:rPr lang="fr-FR" sz="2000" dirty="0">
+                <a:latin typeface="Calibri" panose="020F0502020204030204" pitchFamily="34" charset="0"/>
+                <a:cs typeface="Times New Roman" panose="02020603050405020304" pitchFamily="18" charset="0"/>
+              </a:rPr>
+              <a:t>La boite noire possède ses propres méthodes, et elle renvoi des trames en hexadécimal.</a:t>
+            </a:r>
+            <a:endParaRPr lang="fr-FR" sz="2000" dirty="0"/>
+          </a:p>
+        </p:txBody>
+      </p:sp>
+      <p:pic>
+        <p:nvPicPr>
+          <p:cNvPr id="4" name="Image 3">
+            <a:extLst>
+              <a:ext uri="{FF2B5EF4-FFF2-40B4-BE49-F238E27FC236}">
+                <a16:creationId xmlns:a16="http://schemas.microsoft.com/office/drawing/2014/main" id="{B55106EA-F2F6-4D83-B71D-6F02F29B8177}"/>
+              </a:ext>
+            </a:extLst>
+          </p:cNvPr>
+          <p:cNvPicPr/>
+          <p:nvPr/>
+        </p:nvPicPr>
+        <p:blipFill>
+          <a:blip r:embed="rId2"/>
+          <a:stretch>
+            <a:fillRect/>
+          </a:stretch>
+        </p:blipFill>
+        <p:spPr>
+          <a:xfrm>
+            <a:off x="713221" y="2927927"/>
+            <a:ext cx="4320598" cy="3708313"/>
+          </a:xfrm>
+          <a:prstGeom prst="rect">
+            <a:avLst/>
+          </a:prstGeom>
+        </p:spPr>
+      </p:pic>
+      <p:sp>
+        <p:nvSpPr>
+          <p:cNvPr id="5" name="ZoneTexte 4">
+            <a:extLst>
+              <a:ext uri="{FF2B5EF4-FFF2-40B4-BE49-F238E27FC236}">
+                <a16:creationId xmlns:a16="http://schemas.microsoft.com/office/drawing/2014/main" id="{1580BAB2-B084-431C-8501-2508ED03CB36}"/>
+              </a:ext>
+            </a:extLst>
+          </p:cNvPr>
+          <p:cNvSpPr txBox="1"/>
+          <p:nvPr/>
+        </p:nvSpPr>
+        <p:spPr>
+          <a:xfrm>
+            <a:off x="6830291" y="3694546"/>
+            <a:ext cx="1787236" cy="369332"/>
+          </a:xfrm>
+          <a:prstGeom prst="rect">
+            <a:avLst/>
+          </a:prstGeom>
+          <a:noFill/>
+        </p:spPr>
+        <p:txBody>
+          <a:bodyPr wrap="square" rtlCol="0">
+            <a:spAutoFit/>
+          </a:bodyPr>
+          <a:lstStyle/>
+          <a:p>
+            <a:r>
+              <a:rPr lang="fr-FR" dirty="0"/>
+              <a:t>La boite noire</a:t>
+            </a:r>
+          </a:p>
+        </p:txBody>
+      </p:sp>
+      <p:cxnSp>
+        <p:nvCxnSpPr>
+          <p:cNvPr id="7" name="Connecteur droit avec flèche 6">
+            <a:extLst>
+              <a:ext uri="{FF2B5EF4-FFF2-40B4-BE49-F238E27FC236}">
+                <a16:creationId xmlns:a16="http://schemas.microsoft.com/office/drawing/2014/main" id="{8E28833D-6D1D-48BD-910B-8F86809A7967}"/>
+              </a:ext>
+            </a:extLst>
+          </p:cNvPr>
+          <p:cNvCxnSpPr>
+            <a:stCxn id="5" idx="1"/>
+          </p:cNvCxnSpPr>
+          <p:nvPr/>
+        </p:nvCxnSpPr>
+        <p:spPr>
+          <a:xfrm flipH="1">
+            <a:off x="4100945" y="3879212"/>
+            <a:ext cx="2729346" cy="434170"/>
+          </a:xfrm>
+          <a:prstGeom prst="straightConnector1">
+            <a:avLst/>
+          </a:prstGeom>
+          <a:ln>
+            <a:tailEnd type="triangle"/>
+          </a:ln>
+        </p:spPr>
+        <p:style>
+          <a:lnRef idx="3">
+            <a:schemeClr val="dk1"/>
+          </a:lnRef>
+          <a:fillRef idx="0">
+            <a:schemeClr val="dk1"/>
+          </a:fillRef>
+          <a:effectRef idx="2">
+            <a:schemeClr val="dk1"/>
+          </a:effectRef>
+          <a:fontRef idx="minor">
+            <a:schemeClr val="tx1"/>
+          </a:fontRef>
+        </p:style>
+      </p:cxnSp>
     </p:spTree>
     <p:extLst>
       <p:ext uri="{BB962C8B-B14F-4D97-AF65-F5344CB8AC3E}">
@@ -5374,6 +6165,17 @@
 <file path=ppt/slides/slide27.xml><?xml version="1.0" encoding="utf-8"?>
 <p:sld xmlns:a="http://schemas.openxmlformats.org/drawingml/2006/main" xmlns:r="http://schemas.openxmlformats.org/officeDocument/2006/relationships" xmlns:p="http://schemas.openxmlformats.org/presentationml/2006/main">
   <p:cSld>
+    <p:bg>
+      <p:bgPr>
+        <a:solidFill>
+          <a:schemeClr val="accent6">
+            <a:lumMod val="40000"/>
+            <a:lumOff val="60000"/>
+          </a:schemeClr>
+        </a:solidFill>
+        <a:effectLst/>
+      </p:bgPr>
+    </p:bg>
     <p:spTree>
       <p:nvGrpSpPr>
         <p:cNvPr id="1" name=""/>
@@ -5404,7 +6206,7 @@
           <a:lstStyle/>
           <a:p>
             <a:r>
-              <a:rPr lang="fr-FR" dirty="0">
+              <a:rPr lang="fr-FR" b="1" dirty="0">
                 <a:solidFill>
                   <a:schemeClr val="accent6">
                     <a:lumMod val="75000"/>
@@ -5414,7 +6216,7 @@
               <a:t>Etudiant 3 : </a:t>
             </a:r>
             <a:r>
-              <a:rPr lang="fr-FR" dirty="0" err="1">
+              <a:rPr lang="fr-FR" b="1" dirty="0" err="1">
                 <a:solidFill>
                   <a:schemeClr val="accent6">
                     <a:lumMod val="75000"/>
@@ -5424,7 +6226,7 @@
               <a:t>Lapraye</a:t>
             </a:r>
             <a:r>
-              <a:rPr lang="fr-FR" dirty="0">
+              <a:rPr lang="fr-FR" b="1" dirty="0">
                 <a:solidFill>
                   <a:schemeClr val="accent6">
                     <a:lumMod val="75000"/>
@@ -5607,10 +6409,6 @@
               <a:rPr lang="fr-FR" sz="3200" dirty="0"/>
               <a:t>I) Analyse complète du système</a:t>
             </a:r>
-            <a:r>
-              <a:rPr lang="fr-FR" sz="4000" dirty="0"/>
-              <a:t/>
-            </a:r>
             <a:br>
               <a:rPr lang="fr-FR" sz="4000" dirty="0"/>
             </a:br>
@@ -5672,6 +6470,17 @@
 <file path=ppt/slides/slide29.xml><?xml version="1.0" encoding="utf-8"?>
 <p:sld xmlns:a="http://schemas.openxmlformats.org/drawingml/2006/main" xmlns:r="http://schemas.openxmlformats.org/officeDocument/2006/relationships" xmlns:p="http://schemas.openxmlformats.org/presentationml/2006/main">
   <p:cSld>
+    <p:bg>
+      <p:bgPr>
+        <a:solidFill>
+          <a:schemeClr val="accent6">
+            <a:lumMod val="40000"/>
+            <a:lumOff val="60000"/>
+          </a:schemeClr>
+        </a:solidFill>
+        <a:effectLst/>
+      </p:bgPr>
+    </p:bg>
     <p:spTree>
       <p:nvGrpSpPr>
         <p:cNvPr id="1" name=""/>
@@ -5888,6 +6697,17 @@
 <file path=ppt/slides/slide30.xml><?xml version="1.0" encoding="utf-8"?>
 <p:sld xmlns:a="http://schemas.openxmlformats.org/drawingml/2006/main" xmlns:r="http://schemas.openxmlformats.org/officeDocument/2006/relationships" xmlns:p="http://schemas.openxmlformats.org/presentationml/2006/main">
   <p:cSld>
+    <p:bg>
+      <p:bgPr>
+        <a:solidFill>
+          <a:schemeClr val="accent6">
+            <a:lumMod val="40000"/>
+            <a:lumOff val="60000"/>
+          </a:schemeClr>
+        </a:solidFill>
+        <a:effectLst/>
+      </p:bgPr>
+    </p:bg>
     <p:spTree>
       <p:nvGrpSpPr>
         <p:cNvPr id="1" name=""/>
@@ -5938,12 +6758,6 @@
               </a:rPr>
               <a:t>3) Diagramme de séquence</a:t>
             </a:r>
-            <a:r>
-              <a:rPr lang="fr-FR" sz="3200" dirty="0">
-                <a:latin typeface="+mj-lt"/>
-              </a:rPr>
-              <a:t/>
-            </a:r>
             <a:br>
               <a:rPr lang="fr-FR" sz="3200" dirty="0">
                 <a:latin typeface="+mj-lt"/>
@@ -5960,10 +6774,6 @@
                 <a:latin typeface="+mj-lt"/>
               </a:rPr>
               <a:t>a) Affichage des infos en temps réels</a:t>
-            </a:r>
-            <a:r>
-              <a:rPr lang="fr-FR" dirty="0"/>
-              <a:t/>
             </a:r>
             <a:br>
               <a:rPr lang="fr-FR" dirty="0"/>
@@ -5988,13 +6798,13 @@
               </a:ext>
             </a:extLst>
           </a:blip>
-          <a:srcRect l="13824" t="8239" r="14077" b="9066"/>
+          <a:srcRect l="17591" t="12818" r="20715" b="17505"/>
           <a:stretch/>
         </p:blipFill>
         <p:spPr>
           <a:xfrm>
-            <a:off x="1564331" y="800101"/>
-            <a:ext cx="8905073" cy="5846884"/>
+            <a:off x="2285999" y="809338"/>
+            <a:ext cx="7620001" cy="4926444"/>
           </a:xfrm>
           <a:prstGeom prst="rect">
             <a:avLst/>
@@ -6017,6 +6827,17 @@
 <file path=ppt/slides/slide31.xml><?xml version="1.0" encoding="utf-8"?>
 <p:sld xmlns:a="http://schemas.openxmlformats.org/drawingml/2006/main" xmlns:r="http://schemas.openxmlformats.org/officeDocument/2006/relationships" xmlns:p="http://schemas.openxmlformats.org/presentationml/2006/main">
   <p:cSld>
+    <p:bg>
+      <p:bgPr>
+        <a:solidFill>
+          <a:schemeClr val="accent6">
+            <a:lumMod val="40000"/>
+            <a:lumOff val="60000"/>
+          </a:schemeClr>
+        </a:solidFill>
+        <a:effectLst/>
+      </p:bgPr>
+    </p:bg>
     <p:spTree>
       <p:nvGrpSpPr>
         <p:cNvPr id="1" name=""/>
@@ -6071,7 +6892,7 @@
             <p:ph idx="1"/>
           </p:nvPr>
         </p:nvPicPr>
-        <p:blipFill>
+        <p:blipFill rotWithShape="1">
           <a:blip r:embed="rId2">
             <a:extLst>
               <a:ext uri="{28A0092B-C50C-407E-A947-70E740481C1C}">
@@ -6079,14 +6900,13 @@
               </a:ext>
             </a:extLst>
           </a:blip>
-          <a:stretch>
-            <a:fillRect/>
-          </a:stretch>
+          <a:srcRect l="11714" t="3918" r="10623" b="18041"/>
+          <a:stretch/>
         </p:blipFill>
         <p:spPr>
           <a:xfrm>
-            <a:off x="595551" y="1195754"/>
-            <a:ext cx="11000897" cy="5077338"/>
+            <a:off x="1824181" y="1089890"/>
+            <a:ext cx="8543638" cy="3962401"/>
           </a:xfrm>
         </p:spPr>
       </p:pic>
@@ -6360,6 +7180,17 @@
 <file path=ppt/slides/slide7.xml><?xml version="1.0" encoding="utf-8"?>
 <p:sld xmlns:a="http://schemas.openxmlformats.org/drawingml/2006/main" xmlns:r="http://schemas.openxmlformats.org/officeDocument/2006/relationships" xmlns:p="http://schemas.openxmlformats.org/presentationml/2006/main">
   <p:cSld>
+    <p:bg>
+      <p:bgPr>
+        <a:solidFill>
+          <a:schemeClr val="accent1">
+            <a:lumMod val="40000"/>
+            <a:lumOff val="60000"/>
+          </a:schemeClr>
+        </a:solidFill>
+        <a:effectLst/>
+      </p:bgPr>
+    </p:bg>
     <p:spTree>
       <p:nvGrpSpPr>
         <p:cNvPr id="1" name=""/>
@@ -6395,7 +7226,7 @@
           <a:lstStyle/>
           <a:p>
             <a:r>
-              <a:rPr lang="fr-FR" dirty="0">
+              <a:rPr lang="fr-FR" b="1" dirty="0">
                 <a:solidFill>
                   <a:srgbClr val="00B0F0"/>
                 </a:solidFill>
@@ -6560,6 +7391,17 @@
 <file path=ppt/slides/slide8.xml><?xml version="1.0" encoding="utf-8"?>
 <p:sld xmlns:a="http://schemas.openxmlformats.org/drawingml/2006/main" xmlns:r="http://schemas.openxmlformats.org/officeDocument/2006/relationships" xmlns:p="http://schemas.openxmlformats.org/presentationml/2006/main">
   <p:cSld>
+    <p:bg>
+      <p:bgPr>
+        <a:solidFill>
+          <a:schemeClr val="accent1">
+            <a:lumMod val="40000"/>
+            <a:lumOff val="60000"/>
+          </a:schemeClr>
+        </a:solidFill>
+        <a:effectLst/>
+      </p:bgPr>
+    </p:bg>
     <p:spTree>
       <p:nvGrpSpPr>
         <p:cNvPr id="1" name=""/>
@@ -6638,7 +7480,7 @@
         </p:blipFill>
         <p:spPr bwMode="auto">
           <a:xfrm>
-            <a:off x="927588" y="1028700"/>
+            <a:off x="1765788" y="1028700"/>
             <a:ext cx="8660423" cy="5829300"/>
           </a:xfrm>
           <a:prstGeom prst="rect">
@@ -6671,6 +7513,17 @@
 <file path=ppt/slides/slide9.xml><?xml version="1.0" encoding="utf-8"?>
 <p:sld xmlns:a="http://schemas.openxmlformats.org/drawingml/2006/main" xmlns:r="http://schemas.openxmlformats.org/officeDocument/2006/relationships" xmlns:p="http://schemas.openxmlformats.org/presentationml/2006/main">
   <p:cSld>
+    <p:bg>
+      <p:bgPr>
+        <a:solidFill>
+          <a:schemeClr val="accent1">
+            <a:lumMod val="40000"/>
+            <a:lumOff val="60000"/>
+          </a:schemeClr>
+        </a:solidFill>
+        <a:effectLst/>
+      </p:bgPr>
+    </p:bg>
     <p:spTree>
       <p:nvGrpSpPr>
         <p:cNvPr id="1" name=""/>

--- a/Diagrammes Communs/Presentation_Revue0.pptx
+++ b/Diagrammes Communs/Presentation_Revue0.pptx
@@ -24,18 +24,19 @@
     <p:sldId id="268" r:id="rId18"/>
     <p:sldId id="288" r:id="rId19"/>
     <p:sldId id="289" r:id="rId20"/>
-    <p:sldId id="270" r:id="rId21"/>
-    <p:sldId id="271" r:id="rId22"/>
-    <p:sldId id="272" r:id="rId23"/>
-    <p:sldId id="273" r:id="rId24"/>
-    <p:sldId id="274" r:id="rId25"/>
-    <p:sldId id="275" r:id="rId26"/>
-    <p:sldId id="276" r:id="rId27"/>
-    <p:sldId id="278" r:id="rId28"/>
-    <p:sldId id="280" r:id="rId29"/>
-    <p:sldId id="283" r:id="rId30"/>
-    <p:sldId id="281" r:id="rId31"/>
-    <p:sldId id="284" r:id="rId32"/>
+    <p:sldId id="290" r:id="rId21"/>
+    <p:sldId id="270" r:id="rId22"/>
+    <p:sldId id="271" r:id="rId23"/>
+    <p:sldId id="272" r:id="rId24"/>
+    <p:sldId id="273" r:id="rId25"/>
+    <p:sldId id="274" r:id="rId26"/>
+    <p:sldId id="275" r:id="rId27"/>
+    <p:sldId id="276" r:id="rId28"/>
+    <p:sldId id="278" r:id="rId29"/>
+    <p:sldId id="280" r:id="rId30"/>
+    <p:sldId id="283" r:id="rId31"/>
+    <p:sldId id="281" r:id="rId32"/>
+    <p:sldId id="284" r:id="rId33"/>
   </p:sldIdLst>
   <p:sldSz cx="12192000" cy="6858000"/>
   <p:notesSz cx="6858000" cy="9144000"/>
@@ -271,7 +272,7 @@
           <a:p>
             <a:fld id="{7BC5C595-FB1D-4FA3-AB00-1D4758E98115}" type="datetimeFigureOut">
               <a:rPr lang="fr-FR" smtClean="0"/>
-              <a:t>29/01/2020</a:t>
+              <a:t>30/01/2020</a:t>
             </a:fld>
             <a:endParaRPr lang="fr-FR"/>
           </a:p>
@@ -439,7 +440,7 @@
           <a:p>
             <a:fld id="{7BC5C595-FB1D-4FA3-AB00-1D4758E98115}" type="datetimeFigureOut">
               <a:rPr lang="fr-FR" smtClean="0"/>
-              <a:t>29/01/2020</a:t>
+              <a:t>30/01/2020</a:t>
             </a:fld>
             <a:endParaRPr lang="fr-FR"/>
           </a:p>
@@ -617,7 +618,7 @@
           <a:p>
             <a:fld id="{7BC5C595-FB1D-4FA3-AB00-1D4758E98115}" type="datetimeFigureOut">
               <a:rPr lang="fr-FR" smtClean="0"/>
-              <a:t>29/01/2020</a:t>
+              <a:t>30/01/2020</a:t>
             </a:fld>
             <a:endParaRPr lang="fr-FR"/>
           </a:p>
@@ -785,7 +786,7 @@
           <a:p>
             <a:fld id="{7BC5C595-FB1D-4FA3-AB00-1D4758E98115}" type="datetimeFigureOut">
               <a:rPr lang="fr-FR" smtClean="0"/>
-              <a:t>29/01/2020</a:t>
+              <a:t>30/01/2020</a:t>
             </a:fld>
             <a:endParaRPr lang="fr-FR"/>
           </a:p>
@@ -1030,7 +1031,7 @@
           <a:p>
             <a:fld id="{7BC5C595-FB1D-4FA3-AB00-1D4758E98115}" type="datetimeFigureOut">
               <a:rPr lang="fr-FR" smtClean="0"/>
-              <a:t>29/01/2020</a:t>
+              <a:t>30/01/2020</a:t>
             </a:fld>
             <a:endParaRPr lang="fr-FR"/>
           </a:p>
@@ -1259,7 +1260,7 @@
           <a:p>
             <a:fld id="{7BC5C595-FB1D-4FA3-AB00-1D4758E98115}" type="datetimeFigureOut">
               <a:rPr lang="fr-FR" smtClean="0"/>
-              <a:t>29/01/2020</a:t>
+              <a:t>30/01/2020</a:t>
             </a:fld>
             <a:endParaRPr lang="fr-FR"/>
           </a:p>
@@ -1623,7 +1624,7 @@
           <a:p>
             <a:fld id="{7BC5C595-FB1D-4FA3-AB00-1D4758E98115}" type="datetimeFigureOut">
               <a:rPr lang="fr-FR" smtClean="0"/>
-              <a:t>29/01/2020</a:t>
+              <a:t>30/01/2020</a:t>
             </a:fld>
             <a:endParaRPr lang="fr-FR"/>
           </a:p>
@@ -1740,7 +1741,7 @@
           <a:p>
             <a:fld id="{7BC5C595-FB1D-4FA3-AB00-1D4758E98115}" type="datetimeFigureOut">
               <a:rPr lang="fr-FR" smtClean="0"/>
-              <a:t>29/01/2020</a:t>
+              <a:t>30/01/2020</a:t>
             </a:fld>
             <a:endParaRPr lang="fr-FR"/>
           </a:p>
@@ -1835,7 +1836,7 @@
           <a:p>
             <a:fld id="{7BC5C595-FB1D-4FA3-AB00-1D4758E98115}" type="datetimeFigureOut">
               <a:rPr lang="fr-FR" smtClean="0"/>
-              <a:t>29/01/2020</a:t>
+              <a:t>30/01/2020</a:t>
             </a:fld>
             <a:endParaRPr lang="fr-FR"/>
           </a:p>
@@ -2110,7 +2111,7 @@
           <a:p>
             <a:fld id="{7BC5C595-FB1D-4FA3-AB00-1D4758E98115}" type="datetimeFigureOut">
               <a:rPr lang="fr-FR" smtClean="0"/>
-              <a:t>29/01/2020</a:t>
+              <a:t>30/01/2020</a:t>
             </a:fld>
             <a:endParaRPr lang="fr-FR"/>
           </a:p>
@@ -2362,7 +2363,7 @@
           <a:p>
             <a:fld id="{7BC5C595-FB1D-4FA3-AB00-1D4758E98115}" type="datetimeFigureOut">
               <a:rPr lang="fr-FR" smtClean="0"/>
-              <a:t>29/01/2020</a:t>
+              <a:t>30/01/2020</a:t>
             </a:fld>
             <a:endParaRPr lang="fr-FR"/>
           </a:p>
@@ -2573,7 +2574,7 @@
           <a:p>
             <a:fld id="{7BC5C595-FB1D-4FA3-AB00-1D4758E98115}" type="datetimeFigureOut">
               <a:rPr lang="fr-FR" smtClean="0"/>
-              <a:t>29/01/2020</a:t>
+              <a:t>30/01/2020</a:t>
             </a:fld>
             <a:endParaRPr lang="fr-FR"/>
           </a:p>
@@ -3667,7 +3668,7 @@
         </p:nvSpPr>
         <p:spPr>
           <a:xfrm>
-            <a:off x="838200" y="3510582"/>
+            <a:off x="838200" y="3042796"/>
             <a:ext cx="10920662" cy="981423"/>
           </a:xfrm>
           <a:prstGeom prst="rect">
@@ -3715,6 +3716,47 @@
           </a:p>
         </p:txBody>
       </p:sp>
+      <p:pic>
+        <p:nvPicPr>
+          <p:cNvPr id="2052" name="Picture 4" descr="Résultat de recherche d'images pour &quot;RFID&quot;&quot;"/>
+          <p:cNvPicPr>
+            <a:picLocks noChangeAspect="1" noChangeArrowheads="1"/>
+          </p:cNvPicPr>
+          <p:nvPr/>
+        </p:nvPicPr>
+        <p:blipFill>
+          <a:blip r:embed="rId2">
+            <a:extLst>
+              <a:ext uri="{28A0092B-C50C-407E-A947-70E740481C1C}">
+                <a14:useLocalDpi xmlns:a14="http://schemas.microsoft.com/office/drawing/2010/main" val="0"/>
+              </a:ext>
+            </a:extLst>
+          </a:blip>
+          <a:srcRect/>
+          <a:stretch>
+            <a:fillRect/>
+          </a:stretch>
+        </p:blipFill>
+        <p:spPr bwMode="auto">
+          <a:xfrm>
+            <a:off x="7069304" y="3668444"/>
+            <a:ext cx="3261393" cy="3189556"/>
+          </a:xfrm>
+          <a:prstGeom prst="rect">
+            <a:avLst/>
+          </a:prstGeom>
+          <a:noFill/>
+          <a:extLst>
+            <a:ext uri="{909E8E84-426E-40DD-AFC4-6F175D3DCCD1}">
+              <a14:hiddenFill xmlns:a14="http://schemas.microsoft.com/office/drawing/2010/main">
+                <a:solidFill>
+                  <a:srgbClr val="FFFFFF"/>
+                </a:solidFill>
+              </a14:hiddenFill>
+            </a:ext>
+          </a:extLst>
+        </p:spPr>
+      </p:pic>
     </p:spTree>
     <p:extLst>
       <p:ext uri="{BB962C8B-B14F-4D97-AF65-F5344CB8AC3E}">
@@ -3833,7 +3875,7 @@
         </p:blipFill>
         <p:spPr>
           <a:xfrm>
-            <a:off x="7684169" y="5053263"/>
+            <a:off x="7812506" y="5053263"/>
             <a:ext cx="2679032" cy="1380374"/>
           </a:xfrm>
           <a:prstGeom prst="rect">
@@ -4121,11 +4163,211 @@
             <a:pPr marL="457200" indent="-457200">
               <a:buAutoNum type="alphaLcParenR"/>
             </a:pPr>
-            <a:r>
-              <a:rPr lang="fr-FR" sz="2400" dirty="0" smtClean="0"/>
-              <a:t>La communication par la puce</a:t>
-            </a:r>
             <a:endParaRPr lang="fr-FR" sz="2400" dirty="0"/>
+          </a:p>
+          <a:p>
+            <a:pPr marL="457200" indent="-457200">
+              <a:buAutoNum type="alphaLcParenR"/>
+            </a:pPr>
+            <a:endParaRPr lang="fr-FR" sz="2400" dirty="0" smtClean="0"/>
+          </a:p>
+          <a:p>
+            <a:pPr marL="457200" indent="-457200">
+              <a:buAutoNum type="alphaLcParenR"/>
+            </a:pPr>
+            <a:endParaRPr lang="fr-FR" sz="2400" dirty="0" smtClean="0"/>
+          </a:p>
+          <a:p>
+            <a:pPr marL="0" indent="0">
+              <a:buNone/>
+            </a:pPr>
+            <a:endParaRPr lang="fr-FR" sz="2400" dirty="0" smtClean="0"/>
+          </a:p>
+        </p:txBody>
+      </p:sp>
+      <p:sp>
+        <p:nvSpPr>
+          <p:cNvPr id="4" name="Rectangle 3"/>
+          <p:cNvSpPr/>
+          <p:nvPr/>
+        </p:nvSpPr>
+        <p:spPr>
+          <a:xfrm>
+            <a:off x="838200" y="2762447"/>
+            <a:ext cx="10515600" cy="2771015"/>
+          </a:xfrm>
+          <a:prstGeom prst="rect">
+            <a:avLst/>
+          </a:prstGeom>
+        </p:spPr>
+        <p:txBody>
+          <a:bodyPr wrap="square">
+            <a:spAutoFit/>
+          </a:bodyPr>
+          <a:lstStyle/>
+          <a:p>
+            <a:pPr>
+              <a:lnSpc>
+                <a:spcPct val="107000"/>
+              </a:lnSpc>
+              <a:spcAft>
+                <a:spcPts val="800"/>
+              </a:spcAft>
+            </a:pPr>
+            <a:r>
+              <a:rPr lang="fr-FR" dirty="0">
+                <a:latin typeface="Calibri" panose="020F0502020204030204" pitchFamily="34" charset="0"/>
+                <a:ea typeface="SimSun" panose="02010600030101010101" pitchFamily="2" charset="-122"/>
+                <a:cs typeface="Times New Roman" panose="02020603050405020304" pitchFamily="18" charset="0"/>
+              </a:rPr>
+              <a:t>La RFID se développe sous différents supports : </a:t>
+            </a:r>
+          </a:p>
+          <a:p>
+            <a:pPr marL="342900" lvl="0" indent="-342900">
+              <a:lnSpc>
+                <a:spcPct val="107000"/>
+              </a:lnSpc>
+              <a:spcAft>
+                <a:spcPts val="0"/>
+              </a:spcAft>
+              <a:buFont typeface="Century Gothic" panose="020B0502020202020204" pitchFamily="34" charset="0"/>
+              <a:buChar char="-"/>
+            </a:pPr>
+            <a:r>
+              <a:rPr lang="fr-FR" dirty="0">
+                <a:latin typeface="Calibri" panose="020F0502020204030204" pitchFamily="34" charset="0"/>
+                <a:ea typeface="SimSun" panose="02010600030101010101" pitchFamily="2" charset="-122"/>
+                <a:cs typeface="Times New Roman" panose="02020603050405020304" pitchFamily="18" charset="0"/>
+              </a:rPr>
+              <a:t>La carte/badge RFID,</a:t>
+            </a:r>
+          </a:p>
+          <a:p>
+            <a:pPr marL="342900" lvl="0" indent="-342900">
+              <a:lnSpc>
+                <a:spcPct val="107000"/>
+              </a:lnSpc>
+              <a:spcAft>
+                <a:spcPts val="0"/>
+              </a:spcAft>
+              <a:buFont typeface="Century Gothic" panose="020B0502020202020204" pitchFamily="34" charset="0"/>
+              <a:buChar char="-"/>
+            </a:pPr>
+            <a:r>
+              <a:rPr lang="fr-FR" dirty="0">
+                <a:latin typeface="Calibri" panose="020F0502020204030204" pitchFamily="34" charset="0"/>
+                <a:ea typeface="SimSun" panose="02010600030101010101" pitchFamily="2" charset="-122"/>
+                <a:cs typeface="Times New Roman" panose="02020603050405020304" pitchFamily="18" charset="0"/>
+              </a:rPr>
+              <a:t>Étiquettes, stickers et dossard,</a:t>
+            </a:r>
+          </a:p>
+          <a:p>
+            <a:pPr marL="342900" lvl="0" indent="-342900">
+              <a:lnSpc>
+                <a:spcPct val="107000"/>
+              </a:lnSpc>
+              <a:spcAft>
+                <a:spcPts val="0"/>
+              </a:spcAft>
+              <a:buFont typeface="Century Gothic" panose="020B0502020202020204" pitchFamily="34" charset="0"/>
+              <a:buChar char="-"/>
+            </a:pPr>
+            <a:r>
+              <a:rPr lang="fr-FR" dirty="0">
+                <a:latin typeface="Calibri" panose="020F0502020204030204" pitchFamily="34" charset="0"/>
+                <a:ea typeface="SimSun" panose="02010600030101010101" pitchFamily="2" charset="-122"/>
+                <a:cs typeface="Times New Roman" panose="02020603050405020304" pitchFamily="18" charset="0"/>
+              </a:rPr>
+              <a:t>Bracelets,</a:t>
+            </a:r>
+          </a:p>
+          <a:p>
+            <a:pPr marL="342900" lvl="0" indent="-342900">
+              <a:lnSpc>
+                <a:spcPct val="107000"/>
+              </a:lnSpc>
+              <a:spcAft>
+                <a:spcPts val="0"/>
+              </a:spcAft>
+              <a:buFont typeface="Century Gothic" panose="020B0502020202020204" pitchFamily="34" charset="0"/>
+              <a:buChar char="-"/>
+            </a:pPr>
+            <a:r>
+              <a:rPr lang="fr-FR" dirty="0">
+                <a:latin typeface="Calibri" panose="020F0502020204030204" pitchFamily="34" charset="0"/>
+                <a:ea typeface="SimSun" panose="02010600030101010101" pitchFamily="2" charset="-122"/>
+                <a:cs typeface="Times New Roman" panose="02020603050405020304" pitchFamily="18" charset="0"/>
+              </a:rPr>
+              <a:t>Porte-clés et tags,</a:t>
+            </a:r>
+          </a:p>
+          <a:p>
+            <a:pPr marL="342900" lvl="0" indent="-342900">
+              <a:lnSpc>
+                <a:spcPct val="107000"/>
+              </a:lnSpc>
+              <a:spcAft>
+                <a:spcPts val="800"/>
+              </a:spcAft>
+              <a:buFont typeface="Century Gothic" panose="020B0502020202020204" pitchFamily="34" charset="0"/>
+              <a:buChar char="-"/>
+            </a:pPr>
+            <a:r>
+              <a:rPr lang="fr-FR" dirty="0">
+                <a:latin typeface="Calibri" panose="020F0502020204030204" pitchFamily="34" charset="0"/>
+                <a:ea typeface="SimSun" panose="02010600030101010101" pitchFamily="2" charset="-122"/>
+                <a:cs typeface="Times New Roman" panose="02020603050405020304" pitchFamily="18" charset="0"/>
+              </a:rPr>
+              <a:t>Puces sous cutanés</a:t>
+            </a:r>
+            <a:r>
+              <a:rPr lang="fr-FR" dirty="0" smtClean="0">
+                <a:latin typeface="Calibri" panose="020F0502020204030204" pitchFamily="34" charset="0"/>
+                <a:ea typeface="SimSun" panose="02010600030101010101" pitchFamily="2" charset="-122"/>
+                <a:cs typeface="Times New Roman" panose="02020603050405020304" pitchFamily="18" charset="0"/>
+              </a:rPr>
+              <a:t>.</a:t>
+            </a:r>
+          </a:p>
+          <a:p>
+            <a:pPr lvl="0">
+              <a:lnSpc>
+                <a:spcPct val="107000"/>
+              </a:lnSpc>
+              <a:spcAft>
+                <a:spcPts val="800"/>
+              </a:spcAft>
+            </a:pPr>
+            <a:endParaRPr lang="fr-FR" dirty="0" smtClean="0">
+              <a:latin typeface="Calibri" panose="020F0502020204030204" pitchFamily="34" charset="0"/>
+              <a:ea typeface="SimSun" panose="02010600030101010101" pitchFamily="2" charset="-122"/>
+              <a:cs typeface="Times New Roman" panose="02020603050405020304" pitchFamily="18" charset="0"/>
+            </a:endParaRPr>
+          </a:p>
+          <a:p>
+            <a:pPr lvl="0">
+              <a:lnSpc>
+                <a:spcPct val="107000"/>
+              </a:lnSpc>
+              <a:spcAft>
+                <a:spcPts val="800"/>
+              </a:spcAft>
+            </a:pPr>
+            <a:r>
+              <a:rPr lang="fr-FR" dirty="0" smtClean="0">
+                <a:latin typeface="Calibri" panose="020F0502020204030204" pitchFamily="34" charset="0"/>
+                <a:ea typeface="SimSun" panose="02010600030101010101" pitchFamily="2" charset="-122"/>
+                <a:cs typeface="Times New Roman" panose="02020603050405020304" pitchFamily="18" charset="0"/>
+              </a:rPr>
+              <a:t>Nous allons utiliser le dossard car moins coûteux et plus pratique pour le coureur d’accrocher un dossard.</a:t>
+            </a:r>
+            <a:endParaRPr lang="fr-FR" dirty="0">
+              <a:latin typeface="Calibri" panose="020F0502020204030204" pitchFamily="34" charset="0"/>
+              <a:ea typeface="SimSun" panose="02010600030101010101" pitchFamily="2" charset="-122"/>
+              <a:cs typeface="Times New Roman" panose="02020603050405020304" pitchFamily="18" charset="0"/>
+            </a:endParaRPr>
           </a:p>
         </p:txBody>
       </p:sp>
@@ -4231,9 +4473,839 @@
             </a:pPr>
             <a:r>
               <a:rPr lang="fr-FR" sz="2400" dirty="0" smtClean="0"/>
-              <a:t>c) Les capacités de la puce RFID</a:t>
-            </a:r>
+              <a:t>b) La </a:t>
+            </a:r>
+            <a:r>
+              <a:rPr lang="fr-FR" sz="2400" dirty="0"/>
+              <a:t>communication par la puce</a:t>
+            </a:r>
+          </a:p>
+          <a:p>
+            <a:pPr marL="0" indent="0">
+              <a:buNone/>
+            </a:pPr>
+            <a:endParaRPr lang="fr-FR" sz="2400" dirty="0" smtClean="0"/>
+          </a:p>
+          <a:p>
+            <a:pPr marL="0" indent="0">
+              <a:buNone/>
+            </a:pPr>
             <a:endParaRPr lang="fr-FR" sz="2400" dirty="0"/>
+          </a:p>
+          <a:p>
+            <a:pPr marL="0" indent="0">
+              <a:buNone/>
+            </a:pPr>
+            <a:endParaRPr lang="fr-FR" sz="2400" dirty="0" smtClean="0"/>
+          </a:p>
+          <a:p>
+            <a:pPr marL="0" indent="0">
+              <a:buNone/>
+            </a:pPr>
+            <a:endParaRPr lang="fr-FR" sz="2400" dirty="0" smtClean="0"/>
+          </a:p>
+        </p:txBody>
+      </p:sp>
+      <p:graphicFrame>
+        <p:nvGraphicFramePr>
+          <p:cNvPr id="4" name="Tableau 3"/>
+          <p:cNvGraphicFramePr>
+            <a:graphicFrameLocks noGrp="1"/>
+          </p:cNvGraphicFramePr>
+          <p:nvPr>
+            <p:extLst>
+              <p:ext uri="{D42A27DB-BD31-4B8C-83A1-F6EECF244321}">
+                <p14:modId xmlns:p14="http://schemas.microsoft.com/office/powerpoint/2010/main" val="2666037922"/>
+              </p:ext>
+            </p:extLst>
+          </p:nvPr>
+        </p:nvGraphicFramePr>
+        <p:xfrm>
+          <a:off x="2165684" y="3166175"/>
+          <a:ext cx="7523748" cy="2768110"/>
+        </p:xfrm>
+        <a:graphic>
+          <a:graphicData uri="http://schemas.openxmlformats.org/drawingml/2006/table">
+            <a:tbl>
+              <a:tblPr firstRow="1" firstCol="1" bandRow="1">
+                <a:tableStyleId>{5C22544A-7EE6-4342-B048-85BDC9FD1C3A}</a:tableStyleId>
+              </a:tblPr>
+              <a:tblGrid>
+                <a:gridCol w="2016903">
+                  <a:extLst>
+                    <a:ext uri="{9D8B030D-6E8A-4147-A177-3AD203B41FA5}">
+                      <a16:colId xmlns:a16="http://schemas.microsoft.com/office/drawing/2014/main" val="1898678733"/>
+                    </a:ext>
+                  </a:extLst>
+                </a:gridCol>
+                <a:gridCol w="1572932">
+                  <a:extLst>
+                    <a:ext uri="{9D8B030D-6E8A-4147-A177-3AD203B41FA5}">
+                      <a16:colId xmlns:a16="http://schemas.microsoft.com/office/drawing/2014/main" val="2108743470"/>
+                    </a:ext>
+                  </a:extLst>
+                </a:gridCol>
+                <a:gridCol w="1236781">
+                  <a:extLst>
+                    <a:ext uri="{9D8B030D-6E8A-4147-A177-3AD203B41FA5}">
+                      <a16:colId xmlns:a16="http://schemas.microsoft.com/office/drawing/2014/main" val="1845721073"/>
+                    </a:ext>
+                  </a:extLst>
+                </a:gridCol>
+                <a:gridCol w="1235987">
+                  <a:extLst>
+                    <a:ext uri="{9D8B030D-6E8A-4147-A177-3AD203B41FA5}">
+                      <a16:colId xmlns:a16="http://schemas.microsoft.com/office/drawing/2014/main" val="2681023132"/>
+                    </a:ext>
+                  </a:extLst>
+                </a:gridCol>
+                <a:gridCol w="1461145">
+                  <a:extLst>
+                    <a:ext uri="{9D8B030D-6E8A-4147-A177-3AD203B41FA5}">
+                      <a16:colId xmlns:a16="http://schemas.microsoft.com/office/drawing/2014/main" val="178689981"/>
+                    </a:ext>
+                  </a:extLst>
+                </a:gridCol>
+              </a:tblGrid>
+              <a:tr h="705852">
+                <a:tc>
+                  <a:txBody>
+                    <a:bodyPr/>
+                    <a:lstStyle/>
+                    <a:p>
+                      <a:pPr algn="ctr">
+                        <a:lnSpc>
+                          <a:spcPct val="107000"/>
+                        </a:lnSpc>
+                        <a:spcAft>
+                          <a:spcPts val="0"/>
+                        </a:spcAft>
+                      </a:pPr>
+                      <a:r>
+                        <a:rPr lang="fr-FR" sz="1800">
+                          <a:effectLst/>
+                        </a:rPr>
+                        <a:t>Types de fréquence</a:t>
+                      </a:r>
+                      <a:endParaRPr lang="fr-FR" sz="1600">
+                        <a:effectLst/>
+                        <a:latin typeface="Calibri" panose="020F0502020204030204" pitchFamily="34" charset="0"/>
+                        <a:ea typeface="SimSun" panose="02010600030101010101" pitchFamily="2" charset="-122"/>
+                        <a:cs typeface="Times New Roman" panose="02020603050405020304" pitchFamily="18" charset="0"/>
+                      </a:endParaRPr>
+                    </a:p>
+                  </a:txBody>
+                  <a:tcPr marL="9525" marR="9525" marT="9525" marB="9525" anchor="ctr"/>
+                </a:tc>
+                <a:tc>
+                  <a:txBody>
+                    <a:bodyPr/>
+                    <a:lstStyle/>
+                    <a:p>
+                      <a:pPr algn="ctr">
+                        <a:lnSpc>
+                          <a:spcPct val="107000"/>
+                        </a:lnSpc>
+                        <a:spcAft>
+                          <a:spcPts val="0"/>
+                        </a:spcAft>
+                      </a:pPr>
+                      <a:r>
+                        <a:rPr lang="fr-FR" sz="1800" dirty="0">
+                          <a:effectLst/>
+                        </a:rPr>
+                        <a:t>Fréquence de fonctionnement</a:t>
+                      </a:r>
+                      <a:endParaRPr lang="fr-FR" sz="1600" dirty="0">
+                        <a:effectLst/>
+                        <a:latin typeface="Calibri" panose="020F0502020204030204" pitchFamily="34" charset="0"/>
+                        <a:ea typeface="SimSun" panose="02010600030101010101" pitchFamily="2" charset="-122"/>
+                        <a:cs typeface="Times New Roman" panose="02020603050405020304" pitchFamily="18" charset="0"/>
+                      </a:endParaRPr>
+                    </a:p>
+                  </a:txBody>
+                  <a:tcPr marL="9525" marR="9525" marT="9525" marB="9525" anchor="ctr"/>
+                </a:tc>
+                <a:tc>
+                  <a:txBody>
+                    <a:bodyPr/>
+                    <a:lstStyle/>
+                    <a:p>
+                      <a:pPr algn="ctr">
+                        <a:lnSpc>
+                          <a:spcPct val="107000"/>
+                        </a:lnSpc>
+                        <a:spcAft>
+                          <a:spcPts val="0"/>
+                        </a:spcAft>
+                      </a:pPr>
+                      <a:r>
+                        <a:rPr lang="fr-FR" sz="1800">
+                          <a:effectLst/>
+                        </a:rPr>
+                        <a:t>Distance de lecture (m)</a:t>
+                      </a:r>
+                      <a:endParaRPr lang="fr-FR" sz="1600">
+                        <a:effectLst/>
+                        <a:latin typeface="Calibri" panose="020F0502020204030204" pitchFamily="34" charset="0"/>
+                        <a:ea typeface="SimSun" panose="02010600030101010101" pitchFamily="2" charset="-122"/>
+                        <a:cs typeface="Times New Roman" panose="02020603050405020304" pitchFamily="18" charset="0"/>
+                      </a:endParaRPr>
+                    </a:p>
+                  </a:txBody>
+                  <a:tcPr marL="9525" marR="9525" marT="9525" marB="9525" anchor="ctr"/>
+                </a:tc>
+                <a:tc>
+                  <a:txBody>
+                    <a:bodyPr/>
+                    <a:lstStyle/>
+                    <a:p>
+                      <a:pPr algn="ctr">
+                        <a:lnSpc>
+                          <a:spcPct val="107000"/>
+                        </a:lnSpc>
+                        <a:spcAft>
+                          <a:spcPts val="0"/>
+                        </a:spcAft>
+                      </a:pPr>
+                      <a:r>
+                        <a:rPr lang="fr-FR" sz="1800">
+                          <a:effectLst/>
+                        </a:rPr>
+                        <a:t>Taux de transfert</a:t>
+                      </a:r>
+                      <a:endParaRPr lang="fr-FR" sz="1600">
+                        <a:effectLst/>
+                        <a:latin typeface="Calibri" panose="020F0502020204030204" pitchFamily="34" charset="0"/>
+                        <a:ea typeface="SimSun" panose="02010600030101010101" pitchFamily="2" charset="-122"/>
+                        <a:cs typeface="Times New Roman" panose="02020603050405020304" pitchFamily="18" charset="0"/>
+                      </a:endParaRPr>
+                    </a:p>
+                  </a:txBody>
+                  <a:tcPr marL="9525" marR="9525" marT="9525" marB="9525" anchor="ctr"/>
+                </a:tc>
+                <a:tc>
+                  <a:txBody>
+                    <a:bodyPr/>
+                    <a:lstStyle/>
+                    <a:p>
+                      <a:pPr algn="ctr">
+                        <a:lnSpc>
+                          <a:spcPct val="107000"/>
+                        </a:lnSpc>
+                        <a:spcAft>
+                          <a:spcPts val="0"/>
+                        </a:spcAft>
+                      </a:pPr>
+                      <a:r>
+                        <a:rPr lang="fr-FR" sz="1800" dirty="0">
+                          <a:effectLst/>
+                        </a:rPr>
+                        <a:t>Normes</a:t>
+                      </a:r>
+                      <a:endParaRPr lang="fr-FR" sz="1600" dirty="0">
+                        <a:effectLst/>
+                        <a:latin typeface="Calibri" panose="020F0502020204030204" pitchFamily="34" charset="0"/>
+                        <a:ea typeface="SimSun" panose="02010600030101010101" pitchFamily="2" charset="-122"/>
+                        <a:cs typeface="Times New Roman" panose="02020603050405020304" pitchFamily="18" charset="0"/>
+                      </a:endParaRPr>
+                    </a:p>
+                  </a:txBody>
+                  <a:tcPr marL="9525" marR="9525" marT="9525" marB="9525" anchor="ctr"/>
+                </a:tc>
+                <a:extLst>
+                  <a:ext uri="{0D108BD9-81ED-4DB2-BD59-A6C34878D82A}">
+                    <a16:rowId xmlns:a16="http://schemas.microsoft.com/office/drawing/2014/main" val="1271001505"/>
+                  </a:ext>
+                </a:extLst>
+              </a:tr>
+              <a:tr h="588858">
+                <a:tc>
+                  <a:txBody>
+                    <a:bodyPr/>
+                    <a:lstStyle/>
+                    <a:p>
+                      <a:pPr algn="ctr">
+                        <a:lnSpc>
+                          <a:spcPct val="107000"/>
+                        </a:lnSpc>
+                        <a:spcAft>
+                          <a:spcPts val="0"/>
+                        </a:spcAft>
+                      </a:pPr>
+                      <a:r>
+                        <a:rPr lang="fr-FR" sz="1800" dirty="0">
+                          <a:effectLst/>
+                        </a:rPr>
+                        <a:t>Basse fréquence</a:t>
+                      </a:r>
+                      <a:endParaRPr lang="fr-FR" sz="1600" dirty="0">
+                        <a:effectLst/>
+                        <a:latin typeface="Calibri" panose="020F0502020204030204" pitchFamily="34" charset="0"/>
+                        <a:ea typeface="SimSun" panose="02010600030101010101" pitchFamily="2" charset="-122"/>
+                        <a:cs typeface="Times New Roman" panose="02020603050405020304" pitchFamily="18" charset="0"/>
+                      </a:endParaRPr>
+                    </a:p>
+                  </a:txBody>
+                  <a:tcPr marL="9525" marR="9525" marT="9525" marB="9525" anchor="ctr"/>
+                </a:tc>
+                <a:tc>
+                  <a:txBody>
+                    <a:bodyPr/>
+                    <a:lstStyle/>
+                    <a:p>
+                      <a:pPr algn="ctr">
+                        <a:lnSpc>
+                          <a:spcPct val="107000"/>
+                        </a:lnSpc>
+                        <a:spcAft>
+                          <a:spcPts val="0"/>
+                        </a:spcAft>
+                      </a:pPr>
+                      <a:r>
+                        <a:rPr lang="fr-FR" sz="1800">
+                          <a:effectLst/>
+                        </a:rPr>
+                        <a:t>&lt; 135 kHz</a:t>
+                      </a:r>
+                      <a:endParaRPr lang="fr-FR" sz="1600">
+                        <a:effectLst/>
+                        <a:latin typeface="Calibri" panose="020F0502020204030204" pitchFamily="34" charset="0"/>
+                        <a:ea typeface="SimSun" panose="02010600030101010101" pitchFamily="2" charset="-122"/>
+                        <a:cs typeface="Times New Roman" panose="02020603050405020304" pitchFamily="18" charset="0"/>
+                      </a:endParaRPr>
+                    </a:p>
+                  </a:txBody>
+                  <a:tcPr marL="9525" marR="9525" marT="9525" marB="9525" anchor="ctr"/>
+                </a:tc>
+                <a:tc>
+                  <a:txBody>
+                    <a:bodyPr/>
+                    <a:lstStyle/>
+                    <a:p>
+                      <a:pPr algn="ctr">
+                        <a:lnSpc>
+                          <a:spcPct val="107000"/>
+                        </a:lnSpc>
+                        <a:spcAft>
+                          <a:spcPts val="0"/>
+                        </a:spcAft>
+                      </a:pPr>
+                      <a:r>
+                        <a:rPr lang="fr-FR" sz="1800" dirty="0">
+                          <a:effectLst/>
+                        </a:rPr>
+                        <a:t>0.5</a:t>
+                      </a:r>
+                      <a:endParaRPr lang="fr-FR" sz="1600" dirty="0">
+                        <a:effectLst/>
+                        <a:latin typeface="Calibri" panose="020F0502020204030204" pitchFamily="34" charset="0"/>
+                        <a:ea typeface="SimSun" panose="02010600030101010101" pitchFamily="2" charset="-122"/>
+                        <a:cs typeface="Times New Roman" panose="02020603050405020304" pitchFamily="18" charset="0"/>
+                      </a:endParaRPr>
+                    </a:p>
+                  </a:txBody>
+                  <a:tcPr marL="9525" marR="9525" marT="9525" marB="9525" anchor="ctr"/>
+                </a:tc>
+                <a:tc>
+                  <a:txBody>
+                    <a:bodyPr/>
+                    <a:lstStyle/>
+                    <a:p>
+                      <a:pPr algn="ctr">
+                        <a:lnSpc>
+                          <a:spcPct val="107000"/>
+                        </a:lnSpc>
+                        <a:spcAft>
+                          <a:spcPts val="0"/>
+                        </a:spcAft>
+                      </a:pPr>
+                      <a:r>
+                        <a:rPr lang="fr-FR" sz="1800" dirty="0">
+                          <a:effectLst/>
+                        </a:rPr>
+                        <a:t>1kb/s</a:t>
+                      </a:r>
+                      <a:endParaRPr lang="fr-FR" sz="1600" dirty="0">
+                        <a:effectLst/>
+                        <a:latin typeface="Calibri" panose="020F0502020204030204" pitchFamily="34" charset="0"/>
+                        <a:ea typeface="SimSun" panose="02010600030101010101" pitchFamily="2" charset="-122"/>
+                        <a:cs typeface="Times New Roman" panose="02020603050405020304" pitchFamily="18" charset="0"/>
+                      </a:endParaRPr>
+                    </a:p>
+                  </a:txBody>
+                  <a:tcPr marL="9525" marR="9525" marT="9525" marB="9525" anchor="ctr"/>
+                </a:tc>
+                <a:tc>
+                  <a:txBody>
+                    <a:bodyPr/>
+                    <a:lstStyle/>
+                    <a:p>
+                      <a:pPr algn="ctr">
+                        <a:lnSpc>
+                          <a:spcPct val="107000"/>
+                        </a:lnSpc>
+                        <a:spcAft>
+                          <a:spcPts val="0"/>
+                        </a:spcAft>
+                      </a:pPr>
+                      <a:r>
+                        <a:rPr lang="fr-FR" sz="1800" dirty="0">
+                          <a:effectLst/>
+                        </a:rPr>
+                        <a:t>ISO 142231 </a:t>
+                      </a:r>
+                      <a:endParaRPr lang="fr-FR" sz="1600" dirty="0">
+                        <a:effectLst/>
+                      </a:endParaRPr>
+                    </a:p>
+                    <a:p>
+                      <a:pPr algn="ctr">
+                        <a:lnSpc>
+                          <a:spcPct val="107000"/>
+                        </a:lnSpc>
+                        <a:spcAft>
+                          <a:spcPts val="0"/>
+                        </a:spcAft>
+                      </a:pPr>
+                      <a:r>
+                        <a:rPr lang="fr-FR" sz="1800" dirty="0">
+                          <a:effectLst/>
+                        </a:rPr>
+                        <a:t>ISO 18000-2</a:t>
+                      </a:r>
+                      <a:endParaRPr lang="fr-FR" sz="1600" dirty="0">
+                        <a:effectLst/>
+                        <a:latin typeface="Calibri" panose="020F0502020204030204" pitchFamily="34" charset="0"/>
+                        <a:ea typeface="SimSun" panose="02010600030101010101" pitchFamily="2" charset="-122"/>
+                        <a:cs typeface="Times New Roman" panose="02020603050405020304" pitchFamily="18" charset="0"/>
+                      </a:endParaRPr>
+                    </a:p>
+                  </a:txBody>
+                  <a:tcPr marL="9525" marR="9525" marT="9525" marB="9525" anchor="ctr"/>
+                </a:tc>
+                <a:extLst>
+                  <a:ext uri="{0D108BD9-81ED-4DB2-BD59-A6C34878D82A}">
+                    <a16:rowId xmlns:a16="http://schemas.microsoft.com/office/drawing/2014/main" val="1865334977"/>
+                  </a:ext>
+                </a:extLst>
+              </a:tr>
+              <a:tr h="1161137">
+                <a:tc>
+                  <a:txBody>
+                    <a:bodyPr/>
+                    <a:lstStyle/>
+                    <a:p>
+                      <a:pPr algn="ctr">
+                        <a:lnSpc>
+                          <a:spcPct val="107000"/>
+                        </a:lnSpc>
+                        <a:spcAft>
+                          <a:spcPts val="0"/>
+                        </a:spcAft>
+                      </a:pPr>
+                      <a:r>
+                        <a:rPr lang="fr-FR" sz="1800" dirty="0">
+                          <a:effectLst/>
+                        </a:rPr>
+                        <a:t>Haute fréquence</a:t>
+                      </a:r>
+                      <a:endParaRPr lang="fr-FR" sz="1600" dirty="0">
+                        <a:effectLst/>
+                        <a:latin typeface="Calibri" panose="020F0502020204030204" pitchFamily="34" charset="0"/>
+                        <a:ea typeface="SimSun" panose="02010600030101010101" pitchFamily="2" charset="-122"/>
+                        <a:cs typeface="Times New Roman" panose="02020603050405020304" pitchFamily="18" charset="0"/>
+                      </a:endParaRPr>
+                    </a:p>
+                  </a:txBody>
+                  <a:tcPr marL="9525" marR="9525" marT="9525" marB="9525" anchor="ctr"/>
+                </a:tc>
+                <a:tc>
+                  <a:txBody>
+                    <a:bodyPr/>
+                    <a:lstStyle/>
+                    <a:p>
+                      <a:pPr algn="ctr">
+                        <a:lnSpc>
+                          <a:spcPct val="107000"/>
+                        </a:lnSpc>
+                        <a:spcAft>
+                          <a:spcPts val="0"/>
+                        </a:spcAft>
+                      </a:pPr>
+                      <a:r>
+                        <a:rPr lang="fr-FR" sz="1800" dirty="0">
+                          <a:effectLst/>
+                        </a:rPr>
+                        <a:t>13,56 Mhz</a:t>
+                      </a:r>
+                      <a:endParaRPr lang="fr-FR" sz="1600" dirty="0">
+                        <a:effectLst/>
+                        <a:latin typeface="Calibri" panose="020F0502020204030204" pitchFamily="34" charset="0"/>
+                        <a:ea typeface="SimSun" panose="02010600030101010101" pitchFamily="2" charset="-122"/>
+                        <a:cs typeface="Times New Roman" panose="02020603050405020304" pitchFamily="18" charset="0"/>
+                      </a:endParaRPr>
+                    </a:p>
+                  </a:txBody>
+                  <a:tcPr marL="9525" marR="9525" marT="9525" marB="9525" anchor="ctr"/>
+                </a:tc>
+                <a:tc>
+                  <a:txBody>
+                    <a:bodyPr/>
+                    <a:lstStyle/>
+                    <a:p>
+                      <a:pPr algn="ctr">
+                        <a:lnSpc>
+                          <a:spcPct val="107000"/>
+                        </a:lnSpc>
+                        <a:spcAft>
+                          <a:spcPts val="0"/>
+                        </a:spcAft>
+                      </a:pPr>
+                      <a:r>
+                        <a:rPr lang="fr-FR" sz="1800" dirty="0">
+                          <a:effectLst/>
+                        </a:rPr>
+                        <a:t>1</a:t>
+                      </a:r>
+                      <a:endParaRPr lang="fr-FR" sz="1600" dirty="0">
+                        <a:effectLst/>
+                        <a:latin typeface="Calibri" panose="020F0502020204030204" pitchFamily="34" charset="0"/>
+                        <a:ea typeface="SimSun" panose="02010600030101010101" pitchFamily="2" charset="-122"/>
+                        <a:cs typeface="Times New Roman" panose="02020603050405020304" pitchFamily="18" charset="0"/>
+                      </a:endParaRPr>
+                    </a:p>
+                  </a:txBody>
+                  <a:tcPr marL="9525" marR="9525" marT="9525" marB="9525" anchor="ctr"/>
+                </a:tc>
+                <a:tc>
+                  <a:txBody>
+                    <a:bodyPr/>
+                    <a:lstStyle/>
+                    <a:p>
+                      <a:pPr algn="ctr">
+                        <a:lnSpc>
+                          <a:spcPct val="107000"/>
+                        </a:lnSpc>
+                        <a:spcAft>
+                          <a:spcPts val="0"/>
+                        </a:spcAft>
+                      </a:pPr>
+                      <a:r>
+                        <a:rPr lang="fr-FR" sz="1800" dirty="0">
+                          <a:effectLst/>
+                        </a:rPr>
+                        <a:t>25kb/s</a:t>
+                      </a:r>
+                      <a:endParaRPr lang="fr-FR" sz="1600" dirty="0">
+                        <a:effectLst/>
+                        <a:latin typeface="Calibri" panose="020F0502020204030204" pitchFamily="34" charset="0"/>
+                        <a:ea typeface="SimSun" panose="02010600030101010101" pitchFamily="2" charset="-122"/>
+                        <a:cs typeface="Times New Roman" panose="02020603050405020304" pitchFamily="18" charset="0"/>
+                      </a:endParaRPr>
+                    </a:p>
+                  </a:txBody>
+                  <a:tcPr marL="9525" marR="9525" marT="9525" marB="9525" anchor="ctr"/>
+                </a:tc>
+                <a:tc>
+                  <a:txBody>
+                    <a:bodyPr/>
+                    <a:lstStyle/>
+                    <a:p>
+                      <a:pPr algn="ctr">
+                        <a:lnSpc>
+                          <a:spcPct val="107000"/>
+                        </a:lnSpc>
+                        <a:spcAft>
+                          <a:spcPts val="800"/>
+                        </a:spcAft>
+                      </a:pPr>
+                      <a:r>
+                        <a:rPr lang="fr-FR" sz="1800">
+                          <a:effectLst/>
+                        </a:rPr>
+                        <a:t>ISO 14443</a:t>
+                      </a:r>
+                      <a:endParaRPr lang="fr-FR" sz="1600">
+                        <a:effectLst/>
+                      </a:endParaRPr>
+                    </a:p>
+                    <a:p>
+                      <a:pPr algn="ctr">
+                        <a:lnSpc>
+                          <a:spcPct val="107000"/>
+                        </a:lnSpc>
+                        <a:spcAft>
+                          <a:spcPts val="800"/>
+                        </a:spcAft>
+                      </a:pPr>
+                      <a:r>
+                        <a:rPr lang="fr-FR" sz="1800">
+                          <a:effectLst/>
+                        </a:rPr>
+                        <a:t>ISO 15693</a:t>
+                      </a:r>
+                      <a:endParaRPr lang="fr-FR" sz="1600">
+                        <a:effectLst/>
+                      </a:endParaRPr>
+                    </a:p>
+                    <a:p>
+                      <a:pPr algn="ctr">
+                        <a:lnSpc>
+                          <a:spcPct val="107000"/>
+                        </a:lnSpc>
+                        <a:spcAft>
+                          <a:spcPts val="800"/>
+                        </a:spcAft>
+                      </a:pPr>
+                      <a:r>
+                        <a:rPr lang="fr-FR" sz="1800">
+                          <a:effectLst/>
+                        </a:rPr>
+                        <a:t>ISO 18000-3</a:t>
+                      </a:r>
+                      <a:endParaRPr lang="fr-FR" sz="1600">
+                        <a:effectLst/>
+                        <a:latin typeface="Calibri" panose="020F0502020204030204" pitchFamily="34" charset="0"/>
+                        <a:ea typeface="SimSun" panose="02010600030101010101" pitchFamily="2" charset="-122"/>
+                        <a:cs typeface="Times New Roman" panose="02020603050405020304" pitchFamily="18" charset="0"/>
+                      </a:endParaRPr>
+                    </a:p>
+                  </a:txBody>
+                  <a:tcPr marL="9525" marR="9525" marT="9525" marB="9525" anchor="ctr"/>
+                </a:tc>
+                <a:extLst>
+                  <a:ext uri="{0D108BD9-81ED-4DB2-BD59-A6C34878D82A}">
+                    <a16:rowId xmlns:a16="http://schemas.microsoft.com/office/drawing/2014/main" val="257736093"/>
+                  </a:ext>
+                </a:extLst>
+              </a:tr>
+              <a:tr h="308094">
+                <a:tc>
+                  <a:txBody>
+                    <a:bodyPr/>
+                    <a:lstStyle/>
+                    <a:p>
+                      <a:pPr algn="ctr">
+                        <a:lnSpc>
+                          <a:spcPct val="107000"/>
+                        </a:lnSpc>
+                        <a:spcAft>
+                          <a:spcPts val="0"/>
+                        </a:spcAft>
+                      </a:pPr>
+                      <a:r>
+                        <a:rPr lang="fr-FR" sz="1800" dirty="0">
+                          <a:effectLst/>
+                        </a:rPr>
+                        <a:t>Très haute fréquence</a:t>
+                      </a:r>
+                      <a:endParaRPr lang="fr-FR" sz="1600" dirty="0">
+                        <a:effectLst/>
+                        <a:latin typeface="Calibri" panose="020F0502020204030204" pitchFamily="34" charset="0"/>
+                        <a:ea typeface="SimSun" panose="02010600030101010101" pitchFamily="2" charset="-122"/>
+                        <a:cs typeface="Times New Roman" panose="02020603050405020304" pitchFamily="18" charset="0"/>
+                      </a:endParaRPr>
+                    </a:p>
+                  </a:txBody>
+                  <a:tcPr marL="9525" marR="9525" marT="9525" marB="9525" anchor="ctr"/>
+                </a:tc>
+                <a:tc>
+                  <a:txBody>
+                    <a:bodyPr/>
+                    <a:lstStyle/>
+                    <a:p>
+                      <a:pPr algn="ctr">
+                        <a:lnSpc>
+                          <a:spcPct val="107000"/>
+                        </a:lnSpc>
+                        <a:spcAft>
+                          <a:spcPts val="0"/>
+                        </a:spcAft>
+                      </a:pPr>
+                      <a:r>
+                        <a:rPr lang="fr-FR" sz="1800" dirty="0">
+                          <a:effectLst/>
+                        </a:rPr>
+                        <a:t>863 à 915 Mhz</a:t>
+                      </a:r>
+                      <a:endParaRPr lang="fr-FR" sz="1600" dirty="0">
+                        <a:effectLst/>
+                        <a:latin typeface="Calibri" panose="020F0502020204030204" pitchFamily="34" charset="0"/>
+                        <a:ea typeface="SimSun" panose="02010600030101010101" pitchFamily="2" charset="-122"/>
+                        <a:cs typeface="Times New Roman" panose="02020603050405020304" pitchFamily="18" charset="0"/>
+                      </a:endParaRPr>
+                    </a:p>
+                  </a:txBody>
+                  <a:tcPr marL="9525" marR="9525" marT="9525" marB="9525" anchor="ctr"/>
+                </a:tc>
+                <a:tc>
+                  <a:txBody>
+                    <a:bodyPr/>
+                    <a:lstStyle/>
+                    <a:p>
+                      <a:pPr algn="ctr">
+                        <a:lnSpc>
+                          <a:spcPct val="107000"/>
+                        </a:lnSpc>
+                        <a:spcAft>
+                          <a:spcPts val="0"/>
+                        </a:spcAft>
+                      </a:pPr>
+                      <a:r>
+                        <a:rPr lang="fr-FR" sz="1800">
+                          <a:effectLst/>
+                        </a:rPr>
+                        <a:t>3 à 6</a:t>
+                      </a:r>
+                      <a:endParaRPr lang="fr-FR" sz="1600">
+                        <a:effectLst/>
+                        <a:latin typeface="Calibri" panose="020F0502020204030204" pitchFamily="34" charset="0"/>
+                        <a:ea typeface="SimSun" panose="02010600030101010101" pitchFamily="2" charset="-122"/>
+                        <a:cs typeface="Times New Roman" panose="02020603050405020304" pitchFamily="18" charset="0"/>
+                      </a:endParaRPr>
+                    </a:p>
+                  </a:txBody>
+                  <a:tcPr marL="9525" marR="9525" marT="9525" marB="9525" anchor="ctr"/>
+                </a:tc>
+                <a:tc>
+                  <a:txBody>
+                    <a:bodyPr/>
+                    <a:lstStyle/>
+                    <a:p>
+                      <a:pPr algn="ctr">
+                        <a:lnSpc>
+                          <a:spcPct val="107000"/>
+                        </a:lnSpc>
+                        <a:spcAft>
+                          <a:spcPts val="0"/>
+                        </a:spcAft>
+                      </a:pPr>
+                      <a:r>
+                        <a:rPr lang="fr-FR" sz="1800">
+                          <a:effectLst/>
+                        </a:rPr>
+                        <a:t>28kb/s</a:t>
+                      </a:r>
+                      <a:endParaRPr lang="fr-FR" sz="1600">
+                        <a:effectLst/>
+                        <a:latin typeface="Calibri" panose="020F0502020204030204" pitchFamily="34" charset="0"/>
+                        <a:ea typeface="SimSun" panose="02010600030101010101" pitchFamily="2" charset="-122"/>
+                        <a:cs typeface="Times New Roman" panose="02020603050405020304" pitchFamily="18" charset="0"/>
+                      </a:endParaRPr>
+                    </a:p>
+                  </a:txBody>
+                  <a:tcPr marL="9525" marR="9525" marT="9525" marB="9525" anchor="ctr"/>
+                </a:tc>
+                <a:tc>
+                  <a:txBody>
+                    <a:bodyPr/>
+                    <a:lstStyle/>
+                    <a:p>
+                      <a:pPr algn="ctr">
+                        <a:lnSpc>
+                          <a:spcPct val="107000"/>
+                        </a:lnSpc>
+                        <a:spcAft>
+                          <a:spcPts val="0"/>
+                        </a:spcAft>
+                      </a:pPr>
+                      <a:r>
+                        <a:rPr lang="fr-FR" sz="1800" dirty="0">
+                          <a:effectLst/>
+                        </a:rPr>
+                        <a:t>ISO 18000-6</a:t>
+                      </a:r>
+                      <a:endParaRPr lang="fr-FR" sz="1600" dirty="0">
+                        <a:effectLst/>
+                        <a:latin typeface="Calibri" panose="020F0502020204030204" pitchFamily="34" charset="0"/>
+                        <a:ea typeface="SimSun" panose="02010600030101010101" pitchFamily="2" charset="-122"/>
+                        <a:cs typeface="Times New Roman" panose="02020603050405020304" pitchFamily="18" charset="0"/>
+                      </a:endParaRPr>
+                    </a:p>
+                  </a:txBody>
+                  <a:tcPr marL="9525" marR="9525" marT="9525" marB="9525" anchor="ctr"/>
+                </a:tc>
+                <a:extLst>
+                  <a:ext uri="{0D108BD9-81ED-4DB2-BD59-A6C34878D82A}">
+                    <a16:rowId xmlns:a16="http://schemas.microsoft.com/office/drawing/2014/main" val="2463713348"/>
+                  </a:ext>
+                </a:extLst>
+              </a:tr>
+            </a:tbl>
+          </a:graphicData>
+        </a:graphic>
+      </p:graphicFrame>
+      <p:sp>
+        <p:nvSpPr>
+          <p:cNvPr id="5" name="Rectangle 4"/>
+          <p:cNvSpPr/>
+          <p:nvPr/>
+        </p:nvSpPr>
+        <p:spPr>
+          <a:xfrm>
+            <a:off x="838200" y="2623577"/>
+            <a:ext cx="10515600" cy="369332"/>
+          </a:xfrm>
+          <a:prstGeom prst="rect">
+            <a:avLst/>
+          </a:prstGeom>
+        </p:spPr>
+        <p:txBody>
+          <a:bodyPr wrap="square">
+            <a:spAutoFit/>
+          </a:bodyPr>
+          <a:lstStyle/>
+          <a:p>
+            <a:r>
+              <a:rPr lang="fr-FR" dirty="0">
+                <a:latin typeface="Calibri" panose="020F0502020204030204" pitchFamily="34" charset="0"/>
+                <a:ea typeface="SimSun" panose="02010600030101010101" pitchFamily="2" charset="-122"/>
+                <a:cs typeface="Times New Roman" panose="02020603050405020304" pitchFamily="18" charset="0"/>
+              </a:rPr>
+              <a:t>Les puces se différencient en grande partie par la fréquence de fonctionnement et la distance de lecture.</a:t>
+            </a:r>
+            <a:endParaRPr lang="fr-FR" dirty="0"/>
+          </a:p>
+        </p:txBody>
+      </p:sp>
+      <p:sp>
+        <p:nvSpPr>
+          <p:cNvPr id="6" name="Rectangle 5"/>
+          <p:cNvSpPr/>
+          <p:nvPr/>
+        </p:nvSpPr>
+        <p:spPr>
+          <a:xfrm>
+            <a:off x="838200" y="6053236"/>
+            <a:ext cx="10515600" cy="388696"/>
+          </a:xfrm>
+          <a:prstGeom prst="rect">
+            <a:avLst/>
+          </a:prstGeom>
+        </p:spPr>
+        <p:txBody>
+          <a:bodyPr wrap="square">
+            <a:spAutoFit/>
+          </a:bodyPr>
+          <a:lstStyle/>
+          <a:p>
+            <a:pPr algn="just">
+              <a:lnSpc>
+                <a:spcPct val="107000"/>
+              </a:lnSpc>
+              <a:spcAft>
+                <a:spcPts val="800"/>
+              </a:spcAft>
+            </a:pPr>
+            <a:r>
+              <a:rPr lang="fr-FR" dirty="0">
+                <a:latin typeface="Calibri" panose="020F0502020204030204" pitchFamily="34" charset="0"/>
+                <a:ea typeface="SimSun" panose="02010600030101010101" pitchFamily="2" charset="-122"/>
+                <a:cs typeface="Times New Roman" panose="02020603050405020304" pitchFamily="18" charset="0"/>
+              </a:rPr>
+              <a:t>Nous allons utiliser la fréquence de 13.56 Mhz, soit la haute fréquence.</a:t>
+            </a:r>
           </a:p>
         </p:txBody>
       </p:sp>
@@ -4336,7 +5408,7 @@
         </p:nvSpPr>
         <p:spPr>
           <a:xfrm>
-            <a:off x="838200" y="1995854"/>
+            <a:off x="838200" y="1824036"/>
             <a:ext cx="10515600" cy="4304202"/>
           </a:xfrm>
         </p:spPr>
@@ -4350,10 +5422,135 @@
               <a:buNone/>
             </a:pPr>
             <a:r>
+              <a:rPr lang="fr-FR" sz="2400" dirty="0"/>
+              <a:t>c) Les capacités de la puce </a:t>
+            </a:r>
+            <a:r>
               <a:rPr lang="fr-FR" sz="2400" dirty="0" smtClean="0"/>
-              <a:t>d) Choix du RFID</a:t>
-            </a:r>
+              <a:t>RFID</a:t>
+            </a:r>
+          </a:p>
+          <a:p>
+            <a:pPr marL="0" indent="0">
+              <a:buNone/>
+            </a:pPr>
             <a:endParaRPr lang="fr-FR" sz="2400" dirty="0"/>
+          </a:p>
+          <a:p>
+            <a:pPr marL="0" indent="0">
+              <a:buNone/>
+            </a:pPr>
+            <a:endParaRPr lang="fr-FR" sz="2400" dirty="0" smtClean="0"/>
+          </a:p>
+          <a:p>
+            <a:pPr marL="0" indent="0">
+              <a:buNone/>
+            </a:pPr>
+            <a:endParaRPr lang="fr-FR" sz="2400" dirty="0"/>
+          </a:p>
+          <a:p>
+            <a:pPr marL="0" indent="0">
+              <a:buNone/>
+            </a:pPr>
+            <a:endParaRPr lang="fr-FR" sz="2400" dirty="0" smtClean="0"/>
+          </a:p>
+          <a:p>
+            <a:pPr marL="0" indent="0">
+              <a:buNone/>
+            </a:pPr>
+            <a:endParaRPr lang="fr-FR" sz="2400" dirty="0"/>
+          </a:p>
+          <a:p>
+            <a:pPr marL="0" indent="0">
+              <a:buNone/>
+            </a:pPr>
+            <a:endParaRPr lang="fr-FR" sz="2400" dirty="0" smtClean="0"/>
+          </a:p>
+        </p:txBody>
+      </p:sp>
+      <p:sp>
+        <p:nvSpPr>
+          <p:cNvPr id="4" name="Rectangle 3"/>
+          <p:cNvSpPr/>
+          <p:nvPr/>
+        </p:nvSpPr>
+        <p:spPr>
+          <a:xfrm>
+            <a:off x="838200" y="2551612"/>
+            <a:ext cx="10515600" cy="3261149"/>
+          </a:xfrm>
+          <a:prstGeom prst="rect">
+            <a:avLst/>
+          </a:prstGeom>
+        </p:spPr>
+        <p:txBody>
+          <a:bodyPr wrap="square">
+            <a:spAutoFit/>
+          </a:bodyPr>
+          <a:lstStyle/>
+          <a:p>
+            <a:pPr marL="342900" lvl="0" indent="-342900" algn="just">
+              <a:lnSpc>
+                <a:spcPct val="107000"/>
+              </a:lnSpc>
+              <a:spcAft>
+                <a:spcPts val="800"/>
+              </a:spcAft>
+              <a:buFont typeface="Century Gothic" panose="020B0502020202020204" pitchFamily="34" charset="0"/>
+              <a:buChar char="-"/>
+            </a:pPr>
+            <a:r>
+              <a:rPr lang="fr-FR" dirty="0">
+                <a:latin typeface="Calibri" panose="020F0502020204030204" pitchFamily="34" charset="0"/>
+                <a:ea typeface="SimSun" panose="02010600030101010101" pitchFamily="2" charset="-122"/>
+                <a:cs typeface="Times New Roman" panose="02020603050405020304" pitchFamily="18" charset="0"/>
+              </a:rPr>
+              <a:t>La RFID passive : fonctionne en lecture seule puisque la puce ne possède pas de batterie et doit être déplacé vers le lecteur pour être lu. Un puissant signal électromagnétique lui est alors envoyé, ce qui permet d’activer la puce RFID et de lire les informations qu’elle contient. Avantages : moins couteuse, vie presque illimitée. Inconvénients : courte distance</a:t>
+            </a:r>
+            <a:r>
+              <a:rPr lang="fr-FR" dirty="0" smtClean="0">
+                <a:latin typeface="Calibri" panose="020F0502020204030204" pitchFamily="34" charset="0"/>
+                <a:ea typeface="SimSun" panose="02010600030101010101" pitchFamily="2" charset="-122"/>
+                <a:cs typeface="Times New Roman" panose="02020603050405020304" pitchFamily="18" charset="0"/>
+              </a:rPr>
+              <a:t>.</a:t>
+            </a:r>
+          </a:p>
+          <a:p>
+            <a:pPr lvl="0" algn="just">
+              <a:lnSpc>
+                <a:spcPct val="107000"/>
+              </a:lnSpc>
+              <a:spcAft>
+                <a:spcPts val="800"/>
+              </a:spcAft>
+            </a:pPr>
+            <a:endParaRPr lang="fr-FR" dirty="0" smtClean="0">
+              <a:latin typeface="Calibri" panose="020F0502020204030204" pitchFamily="34" charset="0"/>
+              <a:ea typeface="SimSun" panose="02010600030101010101" pitchFamily="2" charset="-122"/>
+              <a:cs typeface="Times New Roman" panose="02020603050405020304" pitchFamily="18" charset="0"/>
+            </a:endParaRPr>
+          </a:p>
+          <a:p>
+            <a:pPr marL="342900" indent="-342900" algn="just">
+              <a:lnSpc>
+                <a:spcPct val="107000"/>
+              </a:lnSpc>
+              <a:spcAft>
+                <a:spcPts val="800"/>
+              </a:spcAft>
+              <a:buFont typeface="Century Gothic" panose="020B0502020202020204" pitchFamily="34" charset="0"/>
+              <a:buChar char="-"/>
+            </a:pPr>
+            <a:r>
+              <a:rPr lang="fr-FR" dirty="0"/>
+              <a:t>La RFID active : fonctionne avec une source d’énergie telle qu’une petite pile ou une batterie, ce qui permet de lire la carte à plus longue distance. Avantages : ils ont leur propre énergie qui permet d’émettre un signal de manière autonome, longue distance, peuvent communiquer les données sans qu’un lecteur RFID se situe à proximité du tag. Inconvénients : le cout, durée de fonctionnement limité des étiquettes et impact sur la santé très controversé</a:t>
+            </a:r>
+            <a:r>
+              <a:rPr lang="fr-FR" dirty="0" smtClean="0"/>
+              <a:t>.</a:t>
+            </a:r>
+            <a:endParaRPr lang="fr-FR" dirty="0"/>
           </a:p>
         </p:txBody>
       </p:sp>
@@ -4496,147 +5693,246 @@
             <p:ph type="title"/>
           </p:nvPr>
         </p:nvSpPr>
+        <p:spPr/>
+        <p:txBody>
+          <a:bodyPr>
+            <a:normAutofit/>
+          </a:bodyPr>
+          <a:lstStyle/>
+          <a:p>
+            <a:r>
+              <a:rPr lang="fr-FR" sz="2800" b="1" dirty="0"/>
+              <a:t>2) Utilisation et choix du RFID</a:t>
+            </a:r>
+            <a:endParaRPr lang="fr-FR" sz="2800" dirty="0"/>
+          </a:p>
+        </p:txBody>
+      </p:sp>
+      <p:sp>
+        <p:nvSpPr>
+          <p:cNvPr id="3" name="Espace réservé du contenu 2"/>
+          <p:cNvSpPr>
+            <a:spLocks noGrp="1"/>
+          </p:cNvSpPr>
+          <p:nvPr>
+            <p:ph idx="1"/>
+          </p:nvPr>
+        </p:nvSpPr>
+        <p:spPr/>
+        <p:txBody>
+          <a:bodyPr>
+            <a:normAutofit/>
+          </a:bodyPr>
+          <a:lstStyle/>
+          <a:p>
+            <a:pPr marL="0" indent="0">
+              <a:buNone/>
+            </a:pPr>
+            <a:r>
+              <a:rPr lang="fr-FR" sz="2400" dirty="0"/>
+              <a:t>d</a:t>
+            </a:r>
+            <a:r>
+              <a:rPr lang="fr-FR" sz="2400" dirty="0" smtClean="0"/>
+              <a:t>) Choix du RFID </a:t>
+            </a:r>
+            <a:endParaRPr lang="fr-FR" sz="2400" dirty="0"/>
+          </a:p>
+        </p:txBody>
+      </p:sp>
+      <p:pic>
+        <p:nvPicPr>
+          <p:cNvPr id="4" name="Image 3" descr="Résultat de recherche d'images pour &quot;DAG system rfid&quot;"/>
+          <p:cNvPicPr/>
+          <p:nvPr/>
+        </p:nvPicPr>
+        <p:blipFill rotWithShape="1">
+          <a:blip r:embed="rId2" cstate="print">
+            <a:extLst>
+              <a:ext uri="{28A0092B-C50C-407E-A947-70E740481C1C}">
+                <a14:useLocalDpi xmlns:a14="http://schemas.microsoft.com/office/drawing/2010/main" val="0"/>
+              </a:ext>
+            </a:extLst>
+          </a:blip>
+          <a:srcRect l="11632" t="7605" r="20232" b="13640"/>
+          <a:stretch/>
+        </p:blipFill>
+        <p:spPr bwMode="auto">
+          <a:xfrm>
+            <a:off x="6849978" y="4186989"/>
+            <a:ext cx="3466331" cy="2390664"/>
+          </a:xfrm>
+          <a:prstGeom prst="rect">
+            <a:avLst/>
+          </a:prstGeom>
+          <a:noFill/>
+          <a:ln>
+            <a:noFill/>
+          </a:ln>
+          <a:extLst>
+            <a:ext uri="{53640926-AAD7-44D8-BBD7-CCE9431645EC}">
+              <a14:shadowObscured xmlns:a14="http://schemas.microsoft.com/office/drawing/2010/main"/>
+            </a:ext>
+          </a:extLst>
+        </p:spPr>
+      </p:pic>
+      <p:sp>
+        <p:nvSpPr>
+          <p:cNvPr id="5" name="Rectangle 4"/>
+          <p:cNvSpPr/>
+          <p:nvPr/>
+        </p:nvSpPr>
         <p:spPr>
           <a:xfrm>
-            <a:off x="334108" y="218708"/>
-            <a:ext cx="10515600" cy="1325563"/>
-          </a:xfrm>
-        </p:spPr>
-        <p:txBody>
-          <a:bodyPr/>
-          <a:lstStyle/>
-          <a:p>
+            <a:off x="838200" y="2591206"/>
+            <a:ext cx="10515600" cy="1754326"/>
+          </a:xfrm>
+          <a:prstGeom prst="rect">
+            <a:avLst/>
+          </a:prstGeom>
+        </p:spPr>
+        <p:txBody>
+          <a:bodyPr wrap="square">
+            <a:spAutoFit/>
+          </a:bodyPr>
+          <a:lstStyle/>
+          <a:p>
+            <a:pPr marL="285750" indent="-285750" algn="just">
+              <a:buFontTx/>
+              <a:buChar char="-"/>
+            </a:pPr>
+            <a:r>
+              <a:rPr lang="fr-FR" dirty="0" smtClean="0">
+                <a:latin typeface="Calibri" panose="020F0502020204030204" pitchFamily="34" charset="0"/>
+                <a:ea typeface="SimSun" panose="02010600030101010101" pitchFamily="2" charset="-122"/>
+                <a:cs typeface="Times New Roman" panose="02020603050405020304" pitchFamily="18" charset="0"/>
+              </a:rPr>
+              <a:t>facile </a:t>
+            </a:r>
             <a:r>
               <a:rPr lang="fr-FR" dirty="0">
-                <a:solidFill>
-                  <a:srgbClr val="FF0000"/>
-                </a:solidFill>
+                <a:latin typeface="Calibri" panose="020F0502020204030204" pitchFamily="34" charset="0"/>
+                <a:ea typeface="SimSun" panose="02010600030101010101" pitchFamily="2" charset="-122"/>
+                <a:cs typeface="Times New Roman" panose="02020603050405020304" pitchFamily="18" charset="0"/>
               </a:rPr>
-              <a:t>Etudiant 2 : Jouen Matthias</a:t>
-            </a:r>
-          </a:p>
-        </p:txBody>
-      </p:sp>
-      <p:sp>
-        <p:nvSpPr>
-          <p:cNvPr id="3" name="Espace réservé du contenu 2"/>
-          <p:cNvSpPr>
-            <a:spLocks noGrp="1"/>
-          </p:cNvSpPr>
-          <p:nvPr>
-            <p:ph idx="1"/>
-          </p:nvPr>
-        </p:nvSpPr>
-        <p:spPr>
-          <a:xfrm>
-            <a:off x="334108" y="1544271"/>
-            <a:ext cx="11019692" cy="5129090"/>
-          </a:xfrm>
-        </p:spPr>
-        <p:txBody>
-          <a:bodyPr>
-            <a:normAutofit lnSpcReduction="10000"/>
-          </a:bodyPr>
-          <a:lstStyle/>
-          <a:p>
-            <a:r>
-              <a:rPr lang="fr-FR" dirty="0"/>
-              <a:t>I) Analyse complète du système</a:t>
-            </a:r>
-          </a:p>
-          <a:p>
-            <a:pPr lvl="1"/>
-            <a:r>
-              <a:rPr lang="fr-FR" dirty="0"/>
-              <a:t>1) Diagramme de cas d’utilisation</a:t>
-            </a:r>
-          </a:p>
-          <a:p>
-            <a:pPr lvl="1"/>
-            <a:r>
-              <a:rPr lang="fr-FR" dirty="0"/>
-              <a:t>2) Diagrammes de séquence</a:t>
-            </a:r>
-          </a:p>
-          <a:p>
-            <a:pPr lvl="2"/>
-            <a:r>
-              <a:rPr lang="fr-FR" dirty="0"/>
-              <a:t>a) Démarrage et déroulement d’une course</a:t>
-            </a:r>
-          </a:p>
-          <a:p>
-            <a:pPr lvl="2"/>
-            <a:r>
-              <a:rPr lang="fr-FR" dirty="0"/>
-              <a:t>b) Afficher le temps de course sur l’afficheur LED</a:t>
-            </a:r>
-          </a:p>
-          <a:p>
-            <a:pPr lvl="1"/>
-            <a:r>
-              <a:rPr lang="fr-FR" dirty="0"/>
-              <a:t>3) Scénario</a:t>
-            </a:r>
-          </a:p>
-          <a:p>
-            <a:r>
-              <a:rPr lang="fr-FR" dirty="0"/>
-              <a:t>II) Etude Physique lecteur RFID pour les courses</a:t>
-            </a:r>
-          </a:p>
-          <a:p>
-            <a:pPr lvl="1"/>
-            <a:r>
-              <a:rPr lang="fr-FR" dirty="0"/>
-              <a:t>1) Matériel</a:t>
-            </a:r>
-          </a:p>
-          <a:p>
-            <a:pPr lvl="2"/>
-            <a:r>
-              <a:rPr lang="fr-FR" dirty="0"/>
-              <a:t>a) Antenne</a:t>
-            </a:r>
-          </a:p>
-          <a:p>
-            <a:pPr lvl="2"/>
-            <a:r>
-              <a:rPr lang="fr-FR" dirty="0"/>
-              <a:t>b) Dossards </a:t>
-            </a:r>
-            <a:r>
-              <a:rPr lang="fr-FR" dirty="0" err="1"/>
-              <a:t>DAGs</a:t>
+              <a:t>d’installer se dossard sur un coureur, </a:t>
+            </a:r>
+            <a:endParaRPr lang="fr-FR" dirty="0" smtClean="0">
+              <a:latin typeface="Calibri" panose="020F0502020204030204" pitchFamily="34" charset="0"/>
+              <a:ea typeface="SimSun" panose="02010600030101010101" pitchFamily="2" charset="-122"/>
+              <a:cs typeface="Times New Roman" panose="02020603050405020304" pitchFamily="18" charset="0"/>
+            </a:endParaRPr>
+          </a:p>
+          <a:p>
+            <a:pPr marL="285750" indent="-285750" algn="just">
+              <a:buFontTx/>
+              <a:buChar char="-"/>
+            </a:pPr>
+            <a:r>
+              <a:rPr lang="fr-FR" dirty="0" smtClean="0">
+                <a:latin typeface="Calibri" panose="020F0502020204030204" pitchFamily="34" charset="0"/>
+                <a:ea typeface="SimSun" panose="02010600030101010101" pitchFamily="2" charset="-122"/>
+                <a:cs typeface="Times New Roman" panose="02020603050405020304" pitchFamily="18" charset="0"/>
+              </a:rPr>
+              <a:t>la </a:t>
+            </a:r>
+            <a:r>
+              <a:rPr lang="fr-FR" dirty="0">
+                <a:latin typeface="Calibri" panose="020F0502020204030204" pitchFamily="34" charset="0"/>
+                <a:ea typeface="SimSun" panose="02010600030101010101" pitchFamily="2" charset="-122"/>
+                <a:cs typeface="Times New Roman" panose="02020603050405020304" pitchFamily="18" charset="0"/>
+              </a:rPr>
+              <a:t>fréquence du dossard est de 13.56 Mhz soit une haute fréquence qui permet d’avoir une distance de lecture de 1 </a:t>
+            </a:r>
+            <a:r>
+              <a:rPr lang="fr-FR" dirty="0" smtClean="0">
+                <a:latin typeface="Calibri" panose="020F0502020204030204" pitchFamily="34" charset="0"/>
+                <a:ea typeface="SimSun" panose="02010600030101010101" pitchFamily="2" charset="-122"/>
+                <a:cs typeface="Times New Roman" panose="02020603050405020304" pitchFamily="18" charset="0"/>
+              </a:rPr>
+              <a:t>m,</a:t>
+            </a:r>
+          </a:p>
+          <a:p>
+            <a:pPr marL="285750" indent="-285750" algn="just">
+              <a:buFontTx/>
+              <a:buChar char="-"/>
+            </a:pPr>
+            <a:r>
+              <a:rPr lang="fr-FR" dirty="0" smtClean="0">
+                <a:latin typeface="Calibri" panose="020F0502020204030204" pitchFamily="34" charset="0"/>
+                <a:ea typeface="SimSun" panose="02010600030101010101" pitchFamily="2" charset="-122"/>
+                <a:cs typeface="Times New Roman" panose="02020603050405020304" pitchFamily="18" charset="0"/>
+              </a:rPr>
+              <a:t>taux </a:t>
+            </a:r>
+            <a:r>
+              <a:rPr lang="fr-FR" dirty="0">
+                <a:latin typeface="Calibri" panose="020F0502020204030204" pitchFamily="34" charset="0"/>
+                <a:ea typeface="SimSun" panose="02010600030101010101" pitchFamily="2" charset="-122"/>
+                <a:cs typeface="Times New Roman" panose="02020603050405020304" pitchFamily="18" charset="0"/>
+              </a:rPr>
+              <a:t>de transfert de 25kb/ </a:t>
+            </a:r>
+            <a:r>
+              <a:rPr lang="fr-FR" dirty="0" smtClean="0">
+                <a:latin typeface="Calibri" panose="020F0502020204030204" pitchFamily="34" charset="0"/>
+                <a:ea typeface="SimSun" panose="02010600030101010101" pitchFamily="2" charset="-122"/>
+                <a:cs typeface="Times New Roman" panose="02020603050405020304" pitchFamily="18" charset="0"/>
+              </a:rPr>
+              <a:t>s</a:t>
+            </a:r>
+            <a:r>
+              <a:rPr lang="fr-FR" dirty="0">
+                <a:latin typeface="Calibri" panose="020F0502020204030204" pitchFamily="34" charset="0"/>
+                <a:ea typeface="SimSun" panose="02010600030101010101" pitchFamily="2" charset="-122"/>
+                <a:cs typeface="Times New Roman" panose="02020603050405020304" pitchFamily="18" charset="0"/>
+              </a:rPr>
+              <a:t>,</a:t>
+            </a:r>
+            <a:endParaRPr lang="fr-FR" dirty="0" smtClean="0">
+              <a:latin typeface="Calibri" panose="020F0502020204030204" pitchFamily="34" charset="0"/>
+              <a:ea typeface="SimSun" panose="02010600030101010101" pitchFamily="2" charset="-122"/>
+              <a:cs typeface="Times New Roman" panose="02020603050405020304" pitchFamily="18" charset="0"/>
+            </a:endParaRPr>
+          </a:p>
+          <a:p>
+            <a:pPr marL="285750" indent="-285750" algn="just">
+              <a:buFontTx/>
+              <a:buChar char="-"/>
+            </a:pPr>
+            <a:r>
+              <a:rPr lang="fr-FR" dirty="0">
+                <a:latin typeface="Calibri" panose="020F0502020204030204" pitchFamily="34" charset="0"/>
+                <a:ea typeface="SimSun" panose="02010600030101010101" pitchFamily="2" charset="-122"/>
+                <a:cs typeface="Times New Roman" panose="02020603050405020304" pitchFamily="18" charset="0"/>
+              </a:rPr>
+              <a:t>d</a:t>
+            </a:r>
+            <a:r>
+              <a:rPr lang="fr-FR" dirty="0" smtClean="0">
+                <a:latin typeface="Calibri" panose="020F0502020204030204" pitchFamily="34" charset="0"/>
+                <a:ea typeface="SimSun" panose="02010600030101010101" pitchFamily="2" charset="-122"/>
+                <a:cs typeface="Times New Roman" panose="02020603050405020304" pitchFamily="18" charset="0"/>
+              </a:rPr>
+              <a:t>e </a:t>
+            </a:r>
+            <a:r>
+              <a:rPr lang="fr-FR" dirty="0">
+                <a:latin typeface="Calibri" panose="020F0502020204030204" pitchFamily="34" charset="0"/>
+                <a:ea typeface="SimSun" panose="02010600030101010101" pitchFamily="2" charset="-122"/>
+                <a:cs typeface="Times New Roman" panose="02020603050405020304" pitchFamily="18" charset="0"/>
+              </a:rPr>
+              <a:t>plus ce dossard utilise la technologie du RFID passive qui est beaucoup moins couteux et qui correspond à nos attentes.</a:t>
             </a:r>
             <a:endParaRPr lang="fr-FR" dirty="0"/>
-          </a:p>
-          <a:p>
-            <a:pPr lvl="1"/>
-            <a:r>
-              <a:rPr lang="fr-FR" dirty="0"/>
-              <a:t>2) Boite noire</a:t>
-            </a:r>
-          </a:p>
-          <a:p>
-            <a:pPr lvl="2"/>
-            <a:r>
-              <a:rPr lang="fr-FR" dirty="0"/>
-              <a:t>a) Principe de fonctionnement</a:t>
-            </a:r>
-          </a:p>
-          <a:p>
-            <a:r>
-              <a:rPr lang="fr-FR" dirty="0"/>
-              <a:t>III) Module de test</a:t>
-            </a:r>
           </a:p>
         </p:txBody>
       </p:sp>
     </p:spTree>
     <p:extLst>
       <p:ext uri="{BB962C8B-B14F-4D97-AF65-F5344CB8AC3E}">
-        <p14:creationId xmlns:p14="http://schemas.microsoft.com/office/powerpoint/2010/main" val="2171075976"/>
+        <p14:creationId xmlns:p14="http://schemas.microsoft.com/office/powerpoint/2010/main" val="4149026334"/>
       </p:ext>
     </p:extLst>
   </p:cSld>
@@ -4675,80 +5971,145 @@
         </p:nvSpPr>
         <p:spPr>
           <a:xfrm>
-            <a:off x="838199" y="0"/>
+            <a:off x="334108" y="218708"/>
             <a:ext cx="10515600" cy="1325563"/>
           </a:xfrm>
         </p:spPr>
         <p:txBody>
+          <a:bodyPr/>
+          <a:lstStyle/>
+          <a:p>
+            <a:r>
+              <a:rPr lang="fr-FR" dirty="0">
+                <a:solidFill>
+                  <a:srgbClr val="FF0000"/>
+                </a:solidFill>
+              </a:rPr>
+              <a:t>Etudiant 2 : Jouen Matthias</a:t>
+            </a:r>
+          </a:p>
+        </p:txBody>
+      </p:sp>
+      <p:sp>
+        <p:nvSpPr>
+          <p:cNvPr id="3" name="Espace réservé du contenu 2"/>
+          <p:cNvSpPr>
+            <a:spLocks noGrp="1"/>
+          </p:cNvSpPr>
+          <p:nvPr>
+            <p:ph idx="1"/>
+          </p:nvPr>
+        </p:nvSpPr>
+        <p:spPr>
+          <a:xfrm>
+            <a:off x="334108" y="1544271"/>
+            <a:ext cx="11019692" cy="5129090"/>
+          </a:xfrm>
+        </p:spPr>
+        <p:txBody>
           <a:bodyPr>
-            <a:noAutofit/>
+            <a:normAutofit lnSpcReduction="10000"/>
           </a:bodyPr>
           <a:lstStyle/>
           <a:p>
-            <a:pPr algn="ctr"/>
-            <a:r>
-              <a:rPr lang="fr-FR" sz="3600" dirty="0"/>
+            <a:r>
+              <a:rPr lang="fr-FR" dirty="0"/>
               <a:t>I) Analyse complète du système</a:t>
             </a:r>
+          </a:p>
+          <a:p>
+            <a:pPr lvl="1"/>
             <a:r>
               <a:rPr lang="fr-FR" dirty="0"/>
-              <a:t/>
-            </a:r>
-            <a:br>
+              <a:t>1) Diagramme de cas d’utilisation</a:t>
+            </a:r>
+          </a:p>
+          <a:p>
+            <a:pPr lvl="1"/>
+            <a:r>
               <a:rPr lang="fr-FR" dirty="0"/>
-            </a:br>
-            <a:r>
-              <a:rPr lang="fr-FR" sz="4000" dirty="0"/>
-              <a:t>	</a:t>
-            </a:r>
-            <a:r>
-              <a:rPr lang="fr-FR" sz="2800" dirty="0"/>
-              <a:t>1) Diagramme de cas d’utilisation</a:t>
-            </a:r>
-            <a:endParaRPr lang="fr-FR" sz="3200" dirty="0"/>
-          </a:p>
-        </p:txBody>
-      </p:sp>
-      <p:pic>
-        <p:nvPicPr>
-          <p:cNvPr id="4" name="Image 3" descr="E:\GitHub\Projet_Cross\Etudiant 2\Diagrammes\UseCase_Etudiant2.PNG"/>
-          <p:cNvPicPr/>
-          <p:nvPr/>
-        </p:nvPicPr>
-        <p:blipFill rotWithShape="1">
-          <a:blip r:embed="rId2">
-            <a:extLst>
-              <a:ext uri="{28A0092B-C50C-407E-A947-70E740481C1C}">
-                <a14:useLocalDpi xmlns:a14="http://schemas.microsoft.com/office/drawing/2010/main" val="0"/>
-              </a:ext>
-            </a:extLst>
-          </a:blip>
-          <a:srcRect t="8558" b="3297"/>
-          <a:stretch/>
-        </p:blipFill>
-        <p:spPr bwMode="auto">
-          <a:xfrm>
-            <a:off x="281432" y="1151792"/>
-            <a:ext cx="11629133" cy="5706208"/>
-          </a:xfrm>
-          <a:prstGeom prst="rect">
-            <a:avLst/>
-          </a:prstGeom>
-          <a:noFill/>
-          <a:ln>
-            <a:noFill/>
-          </a:ln>
-          <a:extLst>
-            <a:ext uri="{53640926-AAD7-44D8-BBD7-CCE9431645EC}">
-              <a14:shadowObscured xmlns:a14="http://schemas.microsoft.com/office/drawing/2010/main"/>
-            </a:ext>
-          </a:extLst>
-        </p:spPr>
-      </p:pic>
+              <a:t>2) Diagrammes de séquence</a:t>
+            </a:r>
+          </a:p>
+          <a:p>
+            <a:pPr lvl="2"/>
+            <a:r>
+              <a:rPr lang="fr-FR" dirty="0"/>
+              <a:t>a) Démarrage et déroulement d’une course</a:t>
+            </a:r>
+          </a:p>
+          <a:p>
+            <a:pPr lvl="2"/>
+            <a:r>
+              <a:rPr lang="fr-FR" dirty="0"/>
+              <a:t>b) Afficher le temps de course sur l’afficheur LED</a:t>
+            </a:r>
+          </a:p>
+          <a:p>
+            <a:pPr lvl="1"/>
+            <a:r>
+              <a:rPr lang="fr-FR" dirty="0"/>
+              <a:t>3) Scénario</a:t>
+            </a:r>
+          </a:p>
+          <a:p>
+            <a:r>
+              <a:rPr lang="fr-FR" dirty="0"/>
+              <a:t>II) Etude Physique lecteur RFID pour les courses</a:t>
+            </a:r>
+          </a:p>
+          <a:p>
+            <a:pPr lvl="1"/>
+            <a:r>
+              <a:rPr lang="fr-FR" dirty="0"/>
+              <a:t>1) Matériel</a:t>
+            </a:r>
+          </a:p>
+          <a:p>
+            <a:pPr lvl="2"/>
+            <a:r>
+              <a:rPr lang="fr-FR" dirty="0"/>
+              <a:t>a) Antenne</a:t>
+            </a:r>
+          </a:p>
+          <a:p>
+            <a:pPr lvl="2"/>
+            <a:r>
+              <a:rPr lang="fr-FR" dirty="0"/>
+              <a:t>b) Dossards </a:t>
+            </a:r>
+            <a:r>
+              <a:rPr lang="fr-FR" dirty="0" err="1"/>
+              <a:t>DAGs</a:t>
+            </a:r>
+            <a:endParaRPr lang="fr-FR" dirty="0"/>
+          </a:p>
+          <a:p>
+            <a:pPr lvl="1"/>
+            <a:r>
+              <a:rPr lang="fr-FR" dirty="0"/>
+              <a:t>2) Boite noire</a:t>
+            </a:r>
+          </a:p>
+          <a:p>
+            <a:pPr lvl="2"/>
+            <a:r>
+              <a:rPr lang="fr-FR" dirty="0"/>
+              <a:t>a) Principe de fonctionnement</a:t>
+            </a:r>
+          </a:p>
+          <a:p>
+            <a:r>
+              <a:rPr lang="fr-FR" dirty="0"/>
+              <a:t>III) Module de test</a:t>
+            </a:r>
+          </a:p>
+        </p:txBody>
+      </p:sp>
     </p:spTree>
     <p:extLst>
       <p:ext uri="{BB962C8B-B14F-4D97-AF65-F5344CB8AC3E}">
-        <p14:creationId xmlns:p14="http://schemas.microsoft.com/office/powerpoint/2010/main" val="1247061660"/>
+        <p14:creationId xmlns:p14="http://schemas.microsoft.com/office/powerpoint/2010/main" val="2171075976"/>
       </p:ext>
     </p:extLst>
   </p:cSld>
@@ -4787,52 +6148,20 @@
         </p:nvSpPr>
         <p:spPr>
           <a:xfrm>
-            <a:off x="759068" y="0"/>
-            <a:ext cx="10515600" cy="1169377"/>
+            <a:off x="838199" y="0"/>
+            <a:ext cx="10515600" cy="1325563"/>
           </a:xfrm>
         </p:spPr>
         <p:txBody>
           <a:bodyPr>
-            <a:normAutofit fontScale="90000"/>
+            <a:noAutofit/>
           </a:bodyPr>
           <a:lstStyle/>
           <a:p>
-            <a:pPr lvl="2" algn="ctr" rtl="0">
-              <a:lnSpc>
-                <a:spcPct val="90000"/>
-              </a:lnSpc>
-              <a:spcBef>
-                <a:spcPct val="0"/>
-              </a:spcBef>
-            </a:pPr>
-            <a:r>
-              <a:rPr lang="fr-FR" sz="3100" dirty="0">
-                <a:latin typeface="+mj-lt"/>
-              </a:rPr>
-              <a:t>2) Diagrammes de séquence</a:t>
-            </a:r>
-            <a:r>
-              <a:rPr lang="fr-FR" sz="3200" dirty="0">
-                <a:latin typeface="+mj-lt"/>
-              </a:rPr>
-              <a:t/>
-            </a:r>
-            <a:br>
-              <a:rPr lang="fr-FR" sz="3200" dirty="0">
-                <a:latin typeface="+mj-lt"/>
-              </a:rPr>
-            </a:br>
-            <a:r>
-              <a:rPr lang="fr-FR" sz="3200" dirty="0">
-                <a:latin typeface="+mj-lt"/>
-              </a:rPr>
-              <a:t>	</a:t>
-            </a:r>
-            <a:r>
-              <a:rPr lang="fr-FR" sz="2400" dirty="0">
-                <a:latin typeface="+mj-lt"/>
-              </a:rPr>
-              <a:t>a) Démarrage et déroulement d’une course</a:t>
+            <a:pPr algn="ctr"/>
+            <a:r>
+              <a:rPr lang="fr-FR" sz="3600" dirty="0"/>
+              <a:t>I) Analyse complète du système</a:t>
             </a:r>
             <a:r>
               <a:rPr lang="fr-FR" dirty="0"/>
@@ -4841,16 +6170,22 @@
             <a:br>
               <a:rPr lang="fr-FR" dirty="0"/>
             </a:br>
+            <a:r>
+              <a:rPr lang="fr-FR" sz="4000" dirty="0"/>
+              <a:t>	</a:t>
+            </a:r>
+            <a:r>
+              <a:rPr lang="fr-FR" sz="2800" dirty="0"/>
+              <a:t>1) Diagramme de cas d’utilisation</a:t>
+            </a:r>
             <a:endParaRPr lang="fr-FR" sz="3200" dirty="0"/>
           </a:p>
         </p:txBody>
       </p:sp>
       <p:pic>
         <p:nvPicPr>
-          <p:cNvPr id="5" name="Image 4"/>
-          <p:cNvPicPr>
-            <a:picLocks noChangeAspect="1"/>
-          </p:cNvPicPr>
+          <p:cNvPr id="4" name="Image 3" descr="E:\GitHub\Projet_Cross\Etudiant 2\Diagrammes\UseCase_Etudiant2.PNG"/>
+          <p:cNvPicPr/>
           <p:nvPr/>
         </p:nvPicPr>
         <p:blipFill rotWithShape="1">
@@ -4861,23 +6196,32 @@
               </a:ext>
             </a:extLst>
           </a:blip>
-          <a:srcRect t="5449" b="5282"/>
+          <a:srcRect t="8558" b="3297"/>
           <a:stretch/>
         </p:blipFill>
-        <p:spPr>
-          <a:xfrm>
-            <a:off x="9019" y="870437"/>
-            <a:ext cx="12015697" cy="5442439"/>
+        <p:spPr bwMode="auto">
+          <a:xfrm>
+            <a:off x="281432" y="1151792"/>
+            <a:ext cx="11629133" cy="5706208"/>
           </a:xfrm>
           <a:prstGeom prst="rect">
             <a:avLst/>
           </a:prstGeom>
+          <a:noFill/>
+          <a:ln>
+            <a:noFill/>
+          </a:ln>
+          <a:extLst>
+            <a:ext uri="{53640926-AAD7-44D8-BBD7-CCE9431645EC}">
+              <a14:shadowObscured xmlns:a14="http://schemas.microsoft.com/office/drawing/2010/main"/>
+            </a:ext>
+          </a:extLst>
         </p:spPr>
       </p:pic>
     </p:spTree>
     <p:extLst>
       <p:ext uri="{BB962C8B-B14F-4D97-AF65-F5344CB8AC3E}">
-        <p14:creationId xmlns:p14="http://schemas.microsoft.com/office/powerpoint/2010/main" val="3709118343"/>
+        <p14:creationId xmlns:p14="http://schemas.microsoft.com/office/powerpoint/2010/main" val="1247061660"/>
       </p:ext>
     </p:extLst>
   </p:cSld>
@@ -4916,13 +6260,13 @@
         </p:nvSpPr>
         <p:spPr>
           <a:xfrm>
-            <a:off x="838200" y="0"/>
-            <a:ext cx="10515600" cy="514106"/>
+            <a:off x="759068" y="0"/>
+            <a:ext cx="10515600" cy="1169377"/>
           </a:xfrm>
         </p:spPr>
         <p:txBody>
           <a:bodyPr>
-            <a:normAutofit/>
+            <a:normAutofit fontScale="90000"/>
           </a:bodyPr>
           <a:lstStyle/>
           <a:p>
@@ -4935,14 +6279,42 @@
               </a:spcBef>
             </a:pPr>
             <a:r>
+              <a:rPr lang="fr-FR" sz="3100" dirty="0">
+                <a:latin typeface="+mj-lt"/>
+              </a:rPr>
+              <a:t>2) Diagrammes de séquence</a:t>
+            </a:r>
+            <a:r>
+              <a:rPr lang="fr-FR" sz="3200" dirty="0">
+                <a:latin typeface="+mj-lt"/>
+              </a:rPr>
+              <a:t/>
+            </a:r>
+            <a:br>
+              <a:rPr lang="fr-FR" sz="3200" dirty="0">
+                <a:latin typeface="+mj-lt"/>
+              </a:rPr>
+            </a:br>
+            <a:r>
+              <a:rPr lang="fr-FR" sz="3200" dirty="0">
+                <a:latin typeface="+mj-lt"/>
+              </a:rPr>
+              <a:t>	</a:t>
+            </a:r>
+            <a:r>
               <a:rPr lang="fr-FR" sz="2400" dirty="0">
                 <a:latin typeface="+mj-lt"/>
               </a:rPr>
-              <a:t>b) Afficher le temps de course sur l’afficheur LED</a:t>
-            </a:r>
-            <a:endParaRPr lang="fr-FR" sz="3200" dirty="0">
-              <a:latin typeface="+mj-lt"/>
-            </a:endParaRPr>
+              <a:t>a) Démarrage et déroulement d’une course</a:t>
+            </a:r>
+            <a:r>
+              <a:rPr lang="fr-FR" dirty="0"/>
+              <a:t/>
+            </a:r>
+            <a:br>
+              <a:rPr lang="fr-FR" dirty="0"/>
+            </a:br>
+            <a:endParaRPr lang="fr-FR" sz="3200" dirty="0"/>
           </a:p>
         </p:txBody>
       </p:sp>
@@ -4962,13 +6334,13 @@
               </a:ext>
             </a:extLst>
           </a:blip>
-          <a:srcRect t="6145"/>
+          <a:srcRect t="5449" b="5282"/>
           <a:stretch/>
         </p:blipFill>
         <p:spPr>
           <a:xfrm>
-            <a:off x="501162" y="597878"/>
-            <a:ext cx="11302167" cy="5874810"/>
+            <a:off x="9019" y="870437"/>
+            <a:ext cx="12015697" cy="5442439"/>
           </a:xfrm>
           <a:prstGeom prst="rect">
             <a:avLst/>
@@ -4978,7 +6350,7 @@
     </p:spTree>
     <p:extLst>
       <p:ext uri="{BB962C8B-B14F-4D97-AF65-F5344CB8AC3E}">
-        <p14:creationId xmlns:p14="http://schemas.microsoft.com/office/powerpoint/2010/main" val="1677811779"/>
+        <p14:creationId xmlns:p14="http://schemas.microsoft.com/office/powerpoint/2010/main" val="3709118343"/>
       </p:ext>
     </p:extLst>
   </p:cSld>
@@ -5018,7 +6390,7 @@
         <p:spPr>
           <a:xfrm>
             <a:off x="838200" y="0"/>
-            <a:ext cx="10515600" cy="487729"/>
+            <a:ext cx="10515600" cy="514106"/>
           </a:xfrm>
         </p:spPr>
         <p:txBody>
@@ -5027,132 +6399,59 @@
           </a:bodyPr>
           <a:lstStyle/>
           <a:p>
-            <a:pPr algn="ctr"/>
-            <a:r>
-              <a:rPr lang="fr-FR" sz="2800" dirty="0"/>
-              <a:t>3) Scénario</a:t>
-            </a:r>
-          </a:p>
-        </p:txBody>
-      </p:sp>
-      <p:sp>
-        <p:nvSpPr>
-          <p:cNvPr id="3" name="Espace réservé du contenu 2"/>
-          <p:cNvSpPr>
-            <a:spLocks noGrp="1"/>
-          </p:cNvSpPr>
-          <p:nvPr>
-            <p:ph idx="1"/>
-          </p:nvPr>
-        </p:nvSpPr>
+            <a:pPr lvl="2" algn="ctr" rtl="0">
+              <a:lnSpc>
+                <a:spcPct val="90000"/>
+              </a:lnSpc>
+              <a:spcBef>
+                <a:spcPct val="0"/>
+              </a:spcBef>
+            </a:pPr>
+            <a:r>
+              <a:rPr lang="fr-FR" sz="2400" dirty="0">
+                <a:latin typeface="+mj-lt"/>
+              </a:rPr>
+              <a:t>b) Afficher le temps de course sur l’afficheur LED</a:t>
+            </a:r>
+            <a:endParaRPr lang="fr-FR" sz="3200" dirty="0">
+              <a:latin typeface="+mj-lt"/>
+            </a:endParaRPr>
+          </a:p>
+        </p:txBody>
+      </p:sp>
+      <p:pic>
+        <p:nvPicPr>
+          <p:cNvPr id="5" name="Image 4"/>
+          <p:cNvPicPr>
+            <a:picLocks noChangeAspect="1"/>
+          </p:cNvPicPr>
+          <p:nvPr/>
+        </p:nvPicPr>
+        <p:blipFill rotWithShape="1">
+          <a:blip r:embed="rId2">
+            <a:extLst>
+              <a:ext uri="{28A0092B-C50C-407E-A947-70E740481C1C}">
+                <a14:useLocalDpi xmlns:a14="http://schemas.microsoft.com/office/drawing/2010/main" val="0"/>
+              </a:ext>
+            </a:extLst>
+          </a:blip>
+          <a:srcRect t="6145"/>
+          <a:stretch/>
+        </p:blipFill>
         <p:spPr>
           <a:xfrm>
-            <a:off x="838200" y="805717"/>
-            <a:ext cx="10515600" cy="5217014"/>
-          </a:xfrm>
-        </p:spPr>
-        <p:txBody>
-          <a:bodyPr>
-            <a:normAutofit fontScale="92500" lnSpcReduction="20000"/>
-          </a:bodyPr>
-          <a:lstStyle/>
-          <a:p>
-            <a:pPr lvl="0"/>
-            <a:r>
-              <a:rPr lang="fr-FR" sz="2400" dirty="0"/>
-              <a:t>Le commissaire de course lance l’application C++.</a:t>
-            </a:r>
-          </a:p>
-          <a:p>
-            <a:pPr marL="0" lvl="0" indent="0">
-              <a:buNone/>
-            </a:pPr>
-            <a:r>
-              <a:rPr lang="fr-FR" sz="2400" dirty="0"/>
-              <a:t> </a:t>
-            </a:r>
-          </a:p>
-          <a:p>
-            <a:pPr lvl="0"/>
-            <a:r>
-              <a:rPr lang="fr-FR" sz="2400" dirty="0"/>
-              <a:t>Il va sélectionner la course qu’il voudra démarrer.</a:t>
-            </a:r>
-          </a:p>
-          <a:p>
-            <a:pPr marL="0" lvl="0" indent="0">
-              <a:buNone/>
-            </a:pPr>
-            <a:endParaRPr lang="fr-FR" sz="2400" dirty="0"/>
-          </a:p>
-          <a:p>
-            <a:pPr lvl="0"/>
-            <a:r>
-              <a:rPr lang="fr-FR" sz="2400" dirty="0"/>
-              <a:t>Il va ensuite cliquer sur le bouton de démarrage de la course.</a:t>
-            </a:r>
-          </a:p>
-          <a:p>
-            <a:pPr marL="0" lvl="0" indent="0">
-              <a:buNone/>
-            </a:pPr>
-            <a:endParaRPr lang="fr-FR" sz="2400" dirty="0"/>
-          </a:p>
-          <a:p>
-            <a:pPr lvl="0"/>
-            <a:r>
-              <a:rPr lang="fr-FR" sz="2400" dirty="0"/>
-              <a:t>Une fois la course démarrée, il pourra cliquer sur « afficheur LED » s’il y en a un. </a:t>
-            </a:r>
-          </a:p>
-          <a:p>
-            <a:pPr marL="0" lvl="0" indent="0">
-              <a:buNone/>
-            </a:pPr>
-            <a:endParaRPr lang="fr-FR" sz="2400" dirty="0"/>
-          </a:p>
-          <a:p>
-            <a:pPr lvl="0"/>
-            <a:r>
-              <a:rPr lang="fr-FR" sz="2400" dirty="0"/>
-              <a:t>L’afficheur LED va afficher le temps du premier ou/et le temps moyen des coureurs.</a:t>
-            </a:r>
-          </a:p>
-          <a:p>
-            <a:pPr marL="0" lvl="0" indent="0">
-              <a:buNone/>
-            </a:pPr>
-            <a:endParaRPr lang="fr-FR" sz="2400" dirty="0"/>
-          </a:p>
-          <a:p>
-            <a:pPr lvl="0"/>
-            <a:r>
-              <a:rPr lang="fr-FR" sz="2400" dirty="0"/>
-              <a:t> Quand le lecteur RFID aura détecté un coureur, il enverra ses informations à la base de données.</a:t>
-            </a:r>
-          </a:p>
-          <a:p>
-            <a:pPr marL="0" lvl="0" indent="0">
-              <a:buNone/>
-            </a:pPr>
-            <a:endParaRPr lang="fr-FR" sz="2400" dirty="0"/>
-          </a:p>
-          <a:p>
-            <a:pPr lvl="0"/>
-            <a:r>
-              <a:rPr lang="fr-FR" sz="2400" dirty="0"/>
-              <a:t>Les informations pourront être ensuite traitées.</a:t>
-            </a:r>
-          </a:p>
-          <a:p>
-            <a:endParaRPr lang="fr-FR" dirty="0"/>
-          </a:p>
-        </p:txBody>
-      </p:sp>
+            <a:off x="501162" y="597878"/>
+            <a:ext cx="11302167" cy="5874810"/>
+          </a:xfrm>
+          <a:prstGeom prst="rect">
+            <a:avLst/>
+          </a:prstGeom>
+        </p:spPr>
+      </p:pic>
     </p:spTree>
     <p:extLst>
       <p:ext uri="{BB962C8B-B14F-4D97-AF65-F5344CB8AC3E}">
-        <p14:creationId xmlns:p14="http://schemas.microsoft.com/office/powerpoint/2010/main" val="1024622025"/>
+        <p14:creationId xmlns:p14="http://schemas.microsoft.com/office/powerpoint/2010/main" val="1677811779"/>
       </p:ext>
     </p:extLst>
   </p:cSld>
@@ -5191,75 +6490,133 @@
         </p:nvSpPr>
         <p:spPr>
           <a:xfrm>
-            <a:off x="838200" y="-1"/>
-            <a:ext cx="10515600" cy="1512277"/>
+            <a:off x="838200" y="0"/>
+            <a:ext cx="10515600" cy="487729"/>
           </a:xfrm>
         </p:spPr>
         <p:txBody>
           <a:bodyPr>
-            <a:normAutofit fontScale="90000"/>
+            <a:normAutofit/>
           </a:bodyPr>
           <a:lstStyle/>
           <a:p>
-            <a:r>
-              <a:rPr lang="fr-FR" sz="3600" dirty="0"/>
-              <a:t>II) Etude physique lecteur RFID pour les courses</a:t>
-            </a:r>
-            <a:br>
-              <a:rPr lang="fr-FR" sz="3600" dirty="0"/>
-            </a:br>
-            <a:r>
-              <a:rPr lang="fr-FR" sz="3600" dirty="0"/>
-              <a:t>	</a:t>
-            </a:r>
-            <a:r>
-              <a:rPr lang="fr-FR" sz="3100" dirty="0"/>
-              <a:t>1) Matériel</a:t>
-            </a:r>
+            <a:pPr algn="ctr"/>
             <a:r>
               <a:rPr lang="fr-FR" sz="2800" dirty="0"/>
-              <a:t/>
-            </a:r>
-            <a:br>
-              <a:rPr lang="fr-FR" sz="2800" dirty="0"/>
-            </a:br>
-            <a:r>
-              <a:rPr lang="fr-FR" sz="2800" dirty="0"/>
-              <a:t>		</a:t>
-            </a:r>
+              <a:t>3) Scénario</a:t>
+            </a:r>
+          </a:p>
+        </p:txBody>
+      </p:sp>
+      <p:sp>
+        <p:nvSpPr>
+          <p:cNvPr id="3" name="Espace réservé du contenu 2"/>
+          <p:cNvSpPr>
+            <a:spLocks noGrp="1"/>
+          </p:cNvSpPr>
+          <p:nvPr>
+            <p:ph idx="1"/>
+          </p:nvPr>
+        </p:nvSpPr>
+        <p:spPr>
+          <a:xfrm>
+            <a:off x="838200" y="805717"/>
+            <a:ext cx="10515600" cy="5217014"/>
+          </a:xfrm>
+        </p:spPr>
+        <p:txBody>
+          <a:bodyPr>
+            <a:normAutofit fontScale="92500" lnSpcReduction="20000"/>
+          </a:bodyPr>
+          <a:lstStyle/>
+          <a:p>
+            <a:pPr lvl="0"/>
             <a:r>
               <a:rPr lang="fr-FR" sz="2400" dirty="0"/>
-              <a:t>a) Antenne</a:t>
-            </a:r>
-            <a:br>
+              <a:t>Le commissaire de course lance l’application C++.</a:t>
+            </a:r>
+          </a:p>
+          <a:p>
+            <a:pPr marL="0" lvl="0" indent="0">
+              <a:buNone/>
+            </a:pPr>
+            <a:r>
               <a:rPr lang="fr-FR" sz="2400" dirty="0"/>
-            </a:br>
+              <a:t> </a:t>
+            </a:r>
+          </a:p>
+          <a:p>
+            <a:pPr lvl="0"/>
             <a:r>
               <a:rPr lang="fr-FR" sz="2400" dirty="0"/>
-              <a:t>		b) Dossard </a:t>
-            </a:r>
-            <a:r>
-              <a:rPr lang="fr-FR" sz="2400" dirty="0" err="1"/>
-              <a:t>DAGs</a:t>
-            </a:r>
-            <a:endParaRPr lang="fr-FR" sz="3600" dirty="0"/>
-          </a:p>
-        </p:txBody>
-      </p:sp>
-      <p:sp>
-        <p:nvSpPr>
-          <p:cNvPr id="3" name="Espace réservé du contenu 2"/>
-          <p:cNvSpPr>
-            <a:spLocks noGrp="1"/>
-          </p:cNvSpPr>
-          <p:nvPr>
-            <p:ph idx="1"/>
-          </p:nvPr>
-        </p:nvSpPr>
-        <p:spPr/>
-        <p:txBody>
-          <a:bodyPr/>
-          <a:lstStyle/>
+              <a:t>Il va sélectionner la course qu’il voudra démarrer.</a:t>
+            </a:r>
+          </a:p>
+          <a:p>
+            <a:pPr marL="0" lvl="0" indent="0">
+              <a:buNone/>
+            </a:pPr>
+            <a:endParaRPr lang="fr-FR" sz="2400" dirty="0"/>
+          </a:p>
+          <a:p>
+            <a:pPr lvl="0"/>
+            <a:r>
+              <a:rPr lang="fr-FR" sz="2400" dirty="0"/>
+              <a:t>Il va ensuite cliquer sur le bouton de démarrage de la course.</a:t>
+            </a:r>
+          </a:p>
+          <a:p>
+            <a:pPr marL="0" lvl="0" indent="0">
+              <a:buNone/>
+            </a:pPr>
+            <a:endParaRPr lang="fr-FR" sz="2400" dirty="0"/>
+          </a:p>
+          <a:p>
+            <a:pPr lvl="0"/>
+            <a:r>
+              <a:rPr lang="fr-FR" sz="2400" dirty="0"/>
+              <a:t>Une fois la course démarrée, il pourra cliquer sur « afficheur LED » s’il y en a un. </a:t>
+            </a:r>
+          </a:p>
+          <a:p>
+            <a:pPr marL="0" lvl="0" indent="0">
+              <a:buNone/>
+            </a:pPr>
+            <a:endParaRPr lang="fr-FR" sz="2400" dirty="0"/>
+          </a:p>
+          <a:p>
+            <a:pPr lvl="0"/>
+            <a:r>
+              <a:rPr lang="fr-FR" sz="2400" dirty="0"/>
+              <a:t>L’afficheur LED va afficher le temps du premier ou/et le temps moyen des coureurs.</a:t>
+            </a:r>
+          </a:p>
+          <a:p>
+            <a:pPr marL="0" lvl="0" indent="0">
+              <a:buNone/>
+            </a:pPr>
+            <a:endParaRPr lang="fr-FR" sz="2400" dirty="0"/>
+          </a:p>
+          <a:p>
+            <a:pPr lvl="0"/>
+            <a:r>
+              <a:rPr lang="fr-FR" sz="2400" dirty="0"/>
+              <a:t> Quand le lecteur RFID aura détecté un coureur, il enverra ses informations à la base de données.</a:t>
+            </a:r>
+          </a:p>
+          <a:p>
+            <a:pPr marL="0" lvl="0" indent="0">
+              <a:buNone/>
+            </a:pPr>
+            <a:endParaRPr lang="fr-FR" sz="2400" dirty="0"/>
+          </a:p>
+          <a:p>
+            <a:pPr lvl="0"/>
+            <a:r>
+              <a:rPr lang="fr-FR" sz="2400" dirty="0"/>
+              <a:t>Les informations pourront être ensuite traitées.</a:t>
+            </a:r>
+          </a:p>
           <a:p>
             <a:endParaRPr lang="fr-FR" dirty="0"/>
           </a:p>
@@ -5268,7 +6625,7 @@
     </p:spTree>
     <p:extLst>
       <p:ext uri="{BB962C8B-B14F-4D97-AF65-F5344CB8AC3E}">
-        <p14:creationId xmlns:p14="http://schemas.microsoft.com/office/powerpoint/2010/main" val="2600805086"/>
+        <p14:creationId xmlns:p14="http://schemas.microsoft.com/office/powerpoint/2010/main" val="1024622025"/>
       </p:ext>
     </p:extLst>
   </p:cSld>
@@ -5307,32 +6664,58 @@
         </p:nvSpPr>
         <p:spPr>
           <a:xfrm>
-            <a:off x="838200" y="0"/>
-            <a:ext cx="10515600" cy="864211"/>
+            <a:off x="838200" y="-1"/>
+            <a:ext cx="10515600" cy="1512277"/>
           </a:xfrm>
         </p:spPr>
         <p:txBody>
           <a:bodyPr>
-            <a:normAutofit/>
+            <a:normAutofit fontScale="90000"/>
           </a:bodyPr>
           <a:lstStyle/>
           <a:p>
             <a:r>
+              <a:rPr lang="fr-FR" sz="3600" dirty="0"/>
+              <a:t>II) Etude physique lecteur RFID pour les courses</a:t>
+            </a:r>
+            <a:br>
+              <a:rPr lang="fr-FR" sz="3600" dirty="0"/>
+            </a:br>
+            <a:r>
+              <a:rPr lang="fr-FR" sz="3600" dirty="0"/>
+              <a:t>	</a:t>
+            </a:r>
+            <a:r>
+              <a:rPr lang="fr-FR" sz="3100" dirty="0"/>
+              <a:t>1) Matériel</a:t>
+            </a:r>
+            <a:r>
               <a:rPr lang="fr-FR" sz="2800" dirty="0"/>
-              <a:t>2) Boite noire</a:t>
+              <a:t/>
             </a:r>
             <a:br>
               <a:rPr lang="fr-FR" sz="2800" dirty="0"/>
             </a:br>
             <a:r>
               <a:rPr lang="fr-FR" sz="2800" dirty="0"/>
-              <a:t>	</a:t>
+              <a:t>		</a:t>
             </a:r>
             <a:r>
               <a:rPr lang="fr-FR" sz="2400" dirty="0"/>
-              <a:t>a) Principe de fonctionnement</a:t>
-            </a:r>
-            <a:endParaRPr lang="fr-FR" sz="2800" dirty="0"/>
+              <a:t>a) Antenne</a:t>
+            </a:r>
+            <a:br>
+              <a:rPr lang="fr-FR" sz="2400" dirty="0"/>
+            </a:br>
+            <a:r>
+              <a:rPr lang="fr-FR" sz="2400" dirty="0"/>
+              <a:t>		b) Dossard </a:t>
+            </a:r>
+            <a:r>
+              <a:rPr lang="fr-FR" sz="2400" dirty="0" err="1"/>
+              <a:t>DAGs</a:t>
+            </a:r>
+            <a:endParaRPr lang="fr-FR" sz="3600" dirty="0"/>
           </a:p>
         </p:txBody>
       </p:sp>
@@ -5351,9 +6734,6 @@
           <a:bodyPr/>
           <a:lstStyle/>
           <a:p>
-            <a:pPr marL="0" indent="0">
-              <a:buNone/>
-            </a:pPr>
             <a:endParaRPr lang="fr-FR" dirty="0"/>
           </a:p>
         </p:txBody>
@@ -5361,7 +6741,7 @@
     </p:spTree>
     <p:extLst>
       <p:ext uri="{BB962C8B-B14F-4D97-AF65-F5344CB8AC3E}">
-        <p14:creationId xmlns:p14="http://schemas.microsoft.com/office/powerpoint/2010/main" val="4282450701"/>
+        <p14:creationId xmlns:p14="http://schemas.microsoft.com/office/powerpoint/2010/main" val="2600805086"/>
       </p:ext>
     </p:extLst>
   </p:cSld>
@@ -5398,162 +6778,63 @@
             <p:ph type="title"/>
           </p:nvPr>
         </p:nvSpPr>
+        <p:spPr>
+          <a:xfrm>
+            <a:off x="838200" y="0"/>
+            <a:ext cx="10515600" cy="864211"/>
+          </a:xfrm>
+        </p:spPr>
+        <p:txBody>
+          <a:bodyPr>
+            <a:normAutofit/>
+          </a:bodyPr>
+          <a:lstStyle/>
+          <a:p>
+            <a:r>
+              <a:rPr lang="fr-FR" sz="2800" dirty="0"/>
+              <a:t>2) Boite noire</a:t>
+            </a:r>
+            <a:br>
+              <a:rPr lang="fr-FR" sz="2800" dirty="0"/>
+            </a:br>
+            <a:r>
+              <a:rPr lang="fr-FR" sz="2800" dirty="0"/>
+              <a:t>	</a:t>
+            </a:r>
+            <a:r>
+              <a:rPr lang="fr-FR" sz="2400" dirty="0"/>
+              <a:t>a) Principe de fonctionnement</a:t>
+            </a:r>
+            <a:endParaRPr lang="fr-FR" sz="2800" dirty="0"/>
+          </a:p>
+        </p:txBody>
+      </p:sp>
+      <p:sp>
+        <p:nvSpPr>
+          <p:cNvPr id="3" name="Espace réservé du contenu 2"/>
+          <p:cNvSpPr>
+            <a:spLocks noGrp="1"/>
+          </p:cNvSpPr>
+          <p:nvPr>
+            <p:ph idx="1"/>
+          </p:nvPr>
+        </p:nvSpPr>
         <p:spPr/>
         <p:txBody>
           <a:bodyPr/>
           <a:lstStyle/>
           <a:p>
-            <a:r>
-              <a:rPr lang="fr-FR" dirty="0">
-                <a:solidFill>
-                  <a:schemeClr val="accent6">
-                    <a:lumMod val="75000"/>
-                  </a:schemeClr>
-                </a:solidFill>
-              </a:rPr>
-              <a:t>Etudiant 3 : </a:t>
-            </a:r>
-            <a:r>
-              <a:rPr lang="fr-FR" dirty="0" err="1">
-                <a:solidFill>
-                  <a:schemeClr val="accent6">
-                    <a:lumMod val="75000"/>
-                  </a:schemeClr>
-                </a:solidFill>
-              </a:rPr>
-              <a:t>Lapraye</a:t>
-            </a:r>
-            <a:r>
-              <a:rPr lang="fr-FR" dirty="0">
-                <a:solidFill>
-                  <a:schemeClr val="accent6">
-                    <a:lumMod val="75000"/>
-                  </a:schemeClr>
-                </a:solidFill>
-              </a:rPr>
-              <a:t> Serge</a:t>
-            </a:r>
-          </a:p>
-        </p:txBody>
-      </p:sp>
-      <p:sp>
-        <p:nvSpPr>
-          <p:cNvPr id="3" name="Espace réservé du contenu 2"/>
-          <p:cNvSpPr>
-            <a:spLocks noGrp="1"/>
-          </p:cNvSpPr>
-          <p:nvPr>
-            <p:ph idx="1"/>
-          </p:nvPr>
-        </p:nvSpPr>
-        <p:spPr/>
-        <p:txBody>
-          <a:bodyPr>
-            <a:normAutofit fontScale="92500" lnSpcReduction="20000"/>
-          </a:bodyPr>
-          <a:lstStyle/>
-          <a:p>
-            <a:r>
-              <a:rPr lang="fr-FR" dirty="0"/>
-              <a:t>I) Analyse complète du système</a:t>
-            </a:r>
-          </a:p>
-          <a:p>
-            <a:pPr lvl="1"/>
-            <a:r>
-              <a:rPr lang="fr-FR" dirty="0"/>
-              <a:t>1) Diagramme de cas d’utilisation</a:t>
-            </a:r>
-          </a:p>
-          <a:p>
-            <a:pPr lvl="1"/>
-            <a:r>
-              <a:rPr lang="fr-FR" dirty="0"/>
-              <a:t>2) Scénario</a:t>
-            </a:r>
-          </a:p>
-          <a:p>
-            <a:pPr lvl="1"/>
-            <a:r>
-              <a:rPr lang="fr-FR" dirty="0"/>
-              <a:t>3) Diagramme de séquence</a:t>
-            </a:r>
-          </a:p>
-          <a:p>
-            <a:pPr lvl="2"/>
-            <a:r>
-              <a:rPr lang="fr-FR" dirty="0"/>
-              <a:t>a) Affichage des infos en temps réels</a:t>
-            </a:r>
-          </a:p>
-          <a:p>
-            <a:pPr lvl="2"/>
-            <a:r>
-              <a:rPr lang="fr-FR" dirty="0"/>
-              <a:t>b) Switch de page de par le C++</a:t>
-            </a:r>
-          </a:p>
-          <a:p>
-            <a:r>
-              <a:rPr lang="fr-FR" dirty="0"/>
-              <a:t>II) Etude physique du WI-FI</a:t>
-            </a:r>
-          </a:p>
-          <a:p>
-            <a:pPr lvl="1"/>
-            <a:r>
-              <a:rPr lang="fr-FR" dirty="0"/>
-              <a:t>1) Fonctionnement</a:t>
-            </a:r>
-          </a:p>
-          <a:p>
-            <a:pPr lvl="2"/>
-            <a:r>
-              <a:rPr lang="fr-FR" dirty="0"/>
-              <a:t>a) Introduction du wifi</a:t>
-            </a:r>
-          </a:p>
-          <a:p>
-            <a:pPr lvl="2"/>
-            <a:r>
-              <a:rPr lang="fr-FR" dirty="0"/>
-              <a:t>b) Principe du wifi</a:t>
-            </a:r>
-          </a:p>
-          <a:p>
-            <a:pPr lvl="2"/>
-            <a:r>
-              <a:rPr lang="fr-FR" dirty="0"/>
-              <a:t>c) Principes de fonctionnements</a:t>
-            </a:r>
-          </a:p>
-          <a:p>
-            <a:pPr lvl="1"/>
-            <a:r>
-              <a:rPr lang="fr-FR" dirty="0"/>
-              <a:t>2) Utilisation et choix du WI-FI</a:t>
-            </a:r>
-          </a:p>
-          <a:p>
-            <a:pPr lvl="2"/>
-            <a:r>
-              <a:rPr lang="fr-FR" dirty="0"/>
-              <a:t>a) Utilisation précise du wifi</a:t>
-            </a:r>
-          </a:p>
-          <a:p>
-            <a:pPr lvl="2"/>
-            <a:r>
-              <a:rPr lang="fr-FR" dirty="0"/>
-              <a:t>b) Le choix du wifi</a:t>
-            </a:r>
+            <a:pPr marL="0" indent="0">
+              <a:buNone/>
+            </a:pPr>
+            <a:endParaRPr lang="fr-FR" dirty="0"/>
           </a:p>
         </p:txBody>
       </p:sp>
     </p:spTree>
     <p:extLst>
       <p:ext uri="{BB962C8B-B14F-4D97-AF65-F5344CB8AC3E}">
-        <p14:creationId xmlns:p14="http://schemas.microsoft.com/office/powerpoint/2010/main" val="1010092771"/>
+        <p14:creationId xmlns:p14="http://schemas.microsoft.com/office/powerpoint/2010/main" val="4282450701"/>
       </p:ext>
     </p:extLst>
   </p:cSld>
@@ -5590,76 +6871,162 @@
             <p:ph type="title"/>
           </p:nvPr>
         </p:nvSpPr>
-        <p:spPr>
-          <a:xfrm>
-            <a:off x="838199" y="1"/>
-            <a:ext cx="10515600" cy="923192"/>
-          </a:xfrm>
-        </p:spPr>
+        <p:spPr/>
+        <p:txBody>
+          <a:bodyPr/>
+          <a:lstStyle/>
+          <a:p>
+            <a:r>
+              <a:rPr lang="fr-FR" dirty="0">
+                <a:solidFill>
+                  <a:schemeClr val="accent6">
+                    <a:lumMod val="75000"/>
+                  </a:schemeClr>
+                </a:solidFill>
+              </a:rPr>
+              <a:t>Etudiant 3 : </a:t>
+            </a:r>
+            <a:r>
+              <a:rPr lang="fr-FR" dirty="0" err="1">
+                <a:solidFill>
+                  <a:schemeClr val="accent6">
+                    <a:lumMod val="75000"/>
+                  </a:schemeClr>
+                </a:solidFill>
+              </a:rPr>
+              <a:t>Lapraye</a:t>
+            </a:r>
+            <a:r>
+              <a:rPr lang="fr-FR" dirty="0">
+                <a:solidFill>
+                  <a:schemeClr val="accent6">
+                    <a:lumMod val="75000"/>
+                  </a:schemeClr>
+                </a:solidFill>
+              </a:rPr>
+              <a:t> Serge</a:t>
+            </a:r>
+          </a:p>
+        </p:txBody>
+      </p:sp>
+      <p:sp>
+        <p:nvSpPr>
+          <p:cNvPr id="3" name="Espace réservé du contenu 2"/>
+          <p:cNvSpPr>
+            <a:spLocks noGrp="1"/>
+          </p:cNvSpPr>
+          <p:nvPr>
+            <p:ph idx="1"/>
+          </p:nvPr>
+        </p:nvSpPr>
+        <p:spPr/>
         <p:txBody>
           <a:bodyPr>
-            <a:noAutofit/>
+            <a:normAutofit fontScale="92500" lnSpcReduction="20000"/>
           </a:bodyPr>
           <a:lstStyle/>
           <a:p>
-            <a:pPr algn="ctr"/>
-            <a:r>
-              <a:rPr lang="fr-FR" sz="3200" dirty="0"/>
+            <a:r>
+              <a:rPr lang="fr-FR" dirty="0"/>
               <a:t>I) Analyse complète du système</a:t>
             </a:r>
-            <a:r>
-              <a:rPr lang="fr-FR" sz="4000" dirty="0"/>
-              <a:t/>
-            </a:r>
-            <a:br>
-              <a:rPr lang="fr-FR" sz="4000" dirty="0"/>
-            </a:br>
-            <a:r>
-              <a:rPr lang="fr-FR" sz="3600" dirty="0"/>
-              <a:t>	</a:t>
-            </a:r>
-            <a:r>
-              <a:rPr lang="fr-FR" sz="2400" dirty="0"/>
+          </a:p>
+          <a:p>
+            <a:pPr lvl="1"/>
+            <a:r>
+              <a:rPr lang="fr-FR" dirty="0"/>
               <a:t>1) Diagramme de cas d’utilisation</a:t>
             </a:r>
-            <a:endParaRPr lang="fr-FR" sz="2800" dirty="0"/>
-          </a:p>
-        </p:txBody>
-      </p:sp>
-      <p:pic>
-        <p:nvPicPr>
-          <p:cNvPr id="7" name="Picture 6">
-            <a:extLst>
-              <a:ext uri="{FF2B5EF4-FFF2-40B4-BE49-F238E27FC236}">
-                <a16:creationId xmlns:a16="http://schemas.microsoft.com/office/drawing/2014/main" id="{D1498DC8-3A56-4B21-92A2-73E08A61791E}"/>
-              </a:ext>
-            </a:extLst>
-          </p:cNvPr>
-          <p:cNvPicPr>
-            <a:picLocks noChangeAspect="1"/>
-          </p:cNvPicPr>
-          <p:nvPr/>
-        </p:nvPicPr>
-        <p:blipFill>
-          <a:blip r:embed="rId2"/>
-          <a:stretch>
-            <a:fillRect/>
-          </a:stretch>
-        </p:blipFill>
-        <p:spPr>
-          <a:xfrm>
-            <a:off x="1205948" y="1029211"/>
-            <a:ext cx="10274302" cy="5923722"/>
-          </a:xfrm>
-          <a:prstGeom prst="rect">
-            <a:avLst/>
-          </a:prstGeom>
-        </p:spPr>
-      </p:pic>
+          </a:p>
+          <a:p>
+            <a:pPr lvl="1"/>
+            <a:r>
+              <a:rPr lang="fr-FR" dirty="0"/>
+              <a:t>2) Scénario</a:t>
+            </a:r>
+          </a:p>
+          <a:p>
+            <a:pPr lvl="1"/>
+            <a:r>
+              <a:rPr lang="fr-FR" dirty="0"/>
+              <a:t>3) Diagramme de séquence</a:t>
+            </a:r>
+          </a:p>
+          <a:p>
+            <a:pPr lvl="2"/>
+            <a:r>
+              <a:rPr lang="fr-FR" dirty="0"/>
+              <a:t>a) Affichage des infos en temps réels</a:t>
+            </a:r>
+          </a:p>
+          <a:p>
+            <a:pPr lvl="2"/>
+            <a:r>
+              <a:rPr lang="fr-FR" dirty="0"/>
+              <a:t>b) Switch de page de par le C++</a:t>
+            </a:r>
+          </a:p>
+          <a:p>
+            <a:r>
+              <a:rPr lang="fr-FR" dirty="0"/>
+              <a:t>II) Etude physique du WI-FI</a:t>
+            </a:r>
+          </a:p>
+          <a:p>
+            <a:pPr lvl="1"/>
+            <a:r>
+              <a:rPr lang="fr-FR" dirty="0"/>
+              <a:t>1) Fonctionnement</a:t>
+            </a:r>
+          </a:p>
+          <a:p>
+            <a:pPr lvl="2"/>
+            <a:r>
+              <a:rPr lang="fr-FR" dirty="0"/>
+              <a:t>a) Introduction du wifi</a:t>
+            </a:r>
+          </a:p>
+          <a:p>
+            <a:pPr lvl="2"/>
+            <a:r>
+              <a:rPr lang="fr-FR" dirty="0"/>
+              <a:t>b) Principe du wifi</a:t>
+            </a:r>
+          </a:p>
+          <a:p>
+            <a:pPr lvl="2"/>
+            <a:r>
+              <a:rPr lang="fr-FR" dirty="0"/>
+              <a:t>c) Principes de fonctionnements</a:t>
+            </a:r>
+          </a:p>
+          <a:p>
+            <a:pPr lvl="1"/>
+            <a:r>
+              <a:rPr lang="fr-FR" dirty="0"/>
+              <a:t>2) Utilisation et choix du WI-FI</a:t>
+            </a:r>
+          </a:p>
+          <a:p>
+            <a:pPr lvl="2"/>
+            <a:r>
+              <a:rPr lang="fr-FR" dirty="0"/>
+              <a:t>a) Utilisation précise du wifi</a:t>
+            </a:r>
+          </a:p>
+          <a:p>
+            <a:pPr lvl="2"/>
+            <a:r>
+              <a:rPr lang="fr-FR" dirty="0"/>
+              <a:t>b) Le choix du wifi</a:t>
+            </a:r>
+          </a:p>
+        </p:txBody>
+      </p:sp>
     </p:spTree>
     <p:extLst>
       <p:ext uri="{BB962C8B-B14F-4D97-AF65-F5344CB8AC3E}">
-        <p14:creationId xmlns:p14="http://schemas.microsoft.com/office/powerpoint/2010/main" val="2859212620"/>
+        <p14:creationId xmlns:p14="http://schemas.microsoft.com/office/powerpoint/2010/main" val="1010092771"/>
       </p:ext>
     </p:extLst>
   </p:cSld>
@@ -5698,87 +7065,74 @@
         </p:nvSpPr>
         <p:spPr>
           <a:xfrm>
-            <a:off x="838200" y="0"/>
-            <a:ext cx="10515600" cy="487729"/>
+            <a:off x="838199" y="1"/>
+            <a:ext cx="10515600" cy="923192"/>
           </a:xfrm>
         </p:spPr>
         <p:txBody>
           <a:bodyPr>
-            <a:normAutofit/>
+            <a:noAutofit/>
           </a:bodyPr>
           <a:lstStyle/>
           <a:p>
             <a:pPr algn="ctr"/>
             <a:r>
-              <a:rPr lang="fr-FR" sz="2800" dirty="0"/>
-              <a:t>2) Scénario</a:t>
-            </a:r>
-          </a:p>
-        </p:txBody>
-      </p:sp>
-      <p:sp>
-        <p:nvSpPr>
-          <p:cNvPr id="3" name="Espace réservé du contenu 2"/>
-          <p:cNvSpPr>
-            <a:spLocks noGrp="1"/>
-          </p:cNvSpPr>
-          <p:nvPr>
-            <p:ph idx="1"/>
-          </p:nvPr>
-        </p:nvSpPr>
+              <a:rPr lang="fr-FR" sz="3200" dirty="0"/>
+              <a:t>I) Analyse complète du système</a:t>
+            </a:r>
+            <a:r>
+              <a:rPr lang="fr-FR" sz="4000" dirty="0"/>
+              <a:t/>
+            </a:r>
+            <a:br>
+              <a:rPr lang="fr-FR" sz="4000" dirty="0"/>
+            </a:br>
+            <a:r>
+              <a:rPr lang="fr-FR" sz="3600" dirty="0"/>
+              <a:t>	</a:t>
+            </a:r>
+            <a:r>
+              <a:rPr lang="fr-FR" sz="2400" dirty="0"/>
+              <a:t>1) Diagramme de cas d’utilisation</a:t>
+            </a:r>
+            <a:endParaRPr lang="fr-FR" sz="2800" dirty="0"/>
+          </a:p>
+        </p:txBody>
+      </p:sp>
+      <p:pic>
+        <p:nvPicPr>
+          <p:cNvPr id="7" name="Picture 6">
+            <a:extLst>
+              <a:ext uri="{FF2B5EF4-FFF2-40B4-BE49-F238E27FC236}">
+                <a16:creationId xmlns:a16="http://schemas.microsoft.com/office/drawing/2014/main" id="{D1498DC8-3A56-4B21-92A2-73E08A61791E}"/>
+              </a:ext>
+            </a:extLst>
+          </p:cNvPr>
+          <p:cNvPicPr>
+            <a:picLocks noChangeAspect="1"/>
+          </p:cNvPicPr>
+          <p:nvPr/>
+        </p:nvPicPr>
+        <p:blipFill>
+          <a:blip r:embed="rId2"/>
+          <a:stretch>
+            <a:fillRect/>
+          </a:stretch>
+        </p:blipFill>
         <p:spPr>
           <a:xfrm>
-            <a:off x="360485" y="805716"/>
-            <a:ext cx="10993315" cy="5647837"/>
-          </a:xfrm>
-        </p:spPr>
-        <p:txBody>
-          <a:bodyPr>
-            <a:normAutofit fontScale="92500" lnSpcReduction="10000"/>
-          </a:bodyPr>
-          <a:lstStyle/>
-          <a:p>
-            <a:r>
-              <a:rPr lang="fr-FR" sz="2600" dirty="0"/>
-              <a:t>1 . L’utilisateur à fini sa course et veut connaître son classement donc il se rend sur le site et  renseigne ses identifiants . Une fois connecté il appuie sur le bouton « afficher le classement » et son classement s’affiche  .</a:t>
-            </a:r>
-          </a:p>
-          <a:p>
-            <a:r>
-              <a:rPr lang="fr-FR" sz="2600" dirty="0"/>
-              <a:t>2 . L’utilisateur veut connaître son classement par rapport à sa classe donc il se rend sur le site et  appuie sur l’onglet « afficher le classement par classe » . Le classement se trie par rapport aux participants de la classe de l’utilisateur et affiche un nouveau classement.</a:t>
-            </a:r>
-          </a:p>
-          <a:p>
-            <a:r>
-              <a:rPr lang="fr-FR" sz="2600" dirty="0"/>
-              <a:t>3 . L’utilisateur veut afficher son temps de course donc il se rend sur le site et appuie sur l’onglet « afficher le temps de course » et le temps de course de l’utilisateur s’affiche .</a:t>
-            </a:r>
-          </a:p>
-          <a:p>
-            <a:r>
-              <a:rPr lang="fr-FR" sz="2600" dirty="0"/>
-              <a:t>4 . L’utilisateur veut connaître la moyenne du temps de course donc il appuie sur l’onglet « Afficher la moyenne du temps de course » et la moyenne du temps de course s’affiche et l’utilisateur peut comparer son temps avec celui de la course. </a:t>
-            </a:r>
-          </a:p>
-          <a:p>
-            <a:r>
-              <a:rPr lang="fr-FR" sz="2600" dirty="0"/>
-              <a:t>5. L’utilisateur veut se renseigner sur la prochaine course programmé et se rend sur le site , si une course est programmé il apprend la date de celle – ci autrement , il aperçoit le message « aucune course est programmé prochainement » . </a:t>
-            </a:r>
-          </a:p>
-          <a:p>
-            <a:pPr marL="0" indent="0">
-              <a:buNone/>
-            </a:pPr>
-            <a:endParaRPr lang="fr-FR" dirty="0"/>
-          </a:p>
-        </p:txBody>
-      </p:sp>
+            <a:off x="1205948" y="1029211"/>
+            <a:ext cx="10274302" cy="5923722"/>
+          </a:xfrm>
+          <a:prstGeom prst="rect">
+            <a:avLst/>
+          </a:prstGeom>
+        </p:spPr>
+      </p:pic>
     </p:spTree>
     <p:extLst>
       <p:ext uri="{BB962C8B-B14F-4D97-AF65-F5344CB8AC3E}">
-        <p14:creationId xmlns:p14="http://schemas.microsoft.com/office/powerpoint/2010/main" val="266929531"/>
+        <p14:creationId xmlns:p14="http://schemas.microsoft.com/office/powerpoint/2010/main" val="2859212620"/>
       </p:ext>
     </p:extLst>
   </p:cSld>
@@ -5914,6 +7268,125 @@
         </p:nvSpPr>
         <p:spPr>
           <a:xfrm>
+            <a:off x="838200" y="0"/>
+            <a:ext cx="10515600" cy="487729"/>
+          </a:xfrm>
+        </p:spPr>
+        <p:txBody>
+          <a:bodyPr>
+            <a:normAutofit/>
+          </a:bodyPr>
+          <a:lstStyle/>
+          <a:p>
+            <a:pPr algn="ctr"/>
+            <a:r>
+              <a:rPr lang="fr-FR" sz="2800" dirty="0"/>
+              <a:t>2) Scénario</a:t>
+            </a:r>
+          </a:p>
+        </p:txBody>
+      </p:sp>
+      <p:sp>
+        <p:nvSpPr>
+          <p:cNvPr id="3" name="Espace réservé du contenu 2"/>
+          <p:cNvSpPr>
+            <a:spLocks noGrp="1"/>
+          </p:cNvSpPr>
+          <p:nvPr>
+            <p:ph idx="1"/>
+          </p:nvPr>
+        </p:nvSpPr>
+        <p:spPr>
+          <a:xfrm>
+            <a:off x="360485" y="805716"/>
+            <a:ext cx="10993315" cy="5647837"/>
+          </a:xfrm>
+        </p:spPr>
+        <p:txBody>
+          <a:bodyPr>
+            <a:normAutofit fontScale="92500" lnSpcReduction="10000"/>
+          </a:bodyPr>
+          <a:lstStyle/>
+          <a:p>
+            <a:r>
+              <a:rPr lang="fr-FR" sz="2600" dirty="0"/>
+              <a:t>1 . L’utilisateur à fini sa course et veut connaître son classement donc il se rend sur le site et  renseigne ses identifiants . Une fois connecté il appuie sur le bouton « afficher le classement » et son classement s’affiche  .</a:t>
+            </a:r>
+          </a:p>
+          <a:p>
+            <a:r>
+              <a:rPr lang="fr-FR" sz="2600" dirty="0"/>
+              <a:t>2 . L’utilisateur veut connaître son classement par rapport à sa classe donc il se rend sur le site et  appuie sur l’onglet « afficher le classement par classe » . Le classement se trie par rapport aux participants de la classe de l’utilisateur et affiche un nouveau classement.</a:t>
+            </a:r>
+          </a:p>
+          <a:p>
+            <a:r>
+              <a:rPr lang="fr-FR" sz="2600" dirty="0"/>
+              <a:t>3 . L’utilisateur veut afficher son temps de course donc il se rend sur le site et appuie sur l’onglet « afficher le temps de course » et le temps de course de l’utilisateur s’affiche .</a:t>
+            </a:r>
+          </a:p>
+          <a:p>
+            <a:r>
+              <a:rPr lang="fr-FR" sz="2600" dirty="0"/>
+              <a:t>4 . L’utilisateur veut connaître la moyenne du temps de course donc il appuie sur l’onglet « Afficher la moyenne du temps de course » et la moyenne du temps de course s’affiche et l’utilisateur peut comparer son temps avec celui de la course. </a:t>
+            </a:r>
+          </a:p>
+          <a:p>
+            <a:r>
+              <a:rPr lang="fr-FR" sz="2600" dirty="0"/>
+              <a:t>5. L’utilisateur veut se renseigner sur la prochaine course programmé et se rend sur le site , si une course est programmé il apprend la date de celle – ci autrement , il aperçoit le message « aucune course est programmé prochainement » . </a:t>
+            </a:r>
+          </a:p>
+          <a:p>
+            <a:pPr marL="0" indent="0">
+              <a:buNone/>
+            </a:pPr>
+            <a:endParaRPr lang="fr-FR" dirty="0"/>
+          </a:p>
+        </p:txBody>
+      </p:sp>
+    </p:spTree>
+    <p:extLst>
+      <p:ext uri="{BB962C8B-B14F-4D97-AF65-F5344CB8AC3E}">
+        <p14:creationId xmlns:p14="http://schemas.microsoft.com/office/powerpoint/2010/main" val="266929531"/>
+      </p:ext>
+    </p:extLst>
+  </p:cSld>
+  <p:clrMapOvr>
+    <a:masterClrMapping/>
+  </p:clrMapOvr>
+</p:sld>
+</file>
+
+<file path=ppt/slides/slide31.xml><?xml version="1.0" encoding="utf-8"?>
+<p:sld xmlns:a="http://schemas.openxmlformats.org/drawingml/2006/main" xmlns:r="http://schemas.openxmlformats.org/officeDocument/2006/relationships" xmlns:p="http://schemas.openxmlformats.org/presentationml/2006/main">
+  <p:cSld>
+    <p:spTree>
+      <p:nvGrpSpPr>
+        <p:cNvPr id="1" name=""/>
+        <p:cNvGrpSpPr/>
+        <p:nvPr/>
+      </p:nvGrpSpPr>
+      <p:grpSpPr>
+        <a:xfrm>
+          <a:off x="0" y="0"/>
+          <a:ext cx="0" cy="0"/>
+          <a:chOff x="0" y="0"/>
+          <a:chExt cx="0" cy="0"/>
+        </a:xfrm>
+      </p:grpSpPr>
+      <p:sp>
+        <p:nvSpPr>
+          <p:cNvPr id="2" name="Titre 1"/>
+          <p:cNvSpPr>
+            <a:spLocks noGrp="1"/>
+          </p:cNvSpPr>
+          <p:nvPr>
+            <p:ph type="title"/>
+          </p:nvPr>
+        </p:nvSpPr>
+        <p:spPr>
+          <a:xfrm>
             <a:off x="759068" y="0"/>
             <a:ext cx="10515600" cy="1169377"/>
           </a:xfrm>
@@ -6014,7 +7487,7 @@
 </p:sld>
 </file>
 
-<file path=ppt/slides/slide31.xml><?xml version="1.0" encoding="utf-8"?>
+<file path=ppt/slides/slide32.xml><?xml version="1.0" encoding="utf-8"?>
 <p:sld xmlns:a="http://schemas.openxmlformats.org/drawingml/2006/main" xmlns:r="http://schemas.openxmlformats.org/officeDocument/2006/relationships" xmlns:p="http://schemas.openxmlformats.org/presentationml/2006/main">
   <p:cSld>
     <p:spTree>
@@ -6533,8 +8006,13 @@
             <a:pPr lvl="2"/>
             <a:r>
               <a:rPr lang="fr-FR" dirty="0"/>
-              <a:t>d) Pourquoi choisir cela ?</a:t>
-            </a:r>
+              <a:t>d) </a:t>
+            </a:r>
+            <a:r>
+              <a:rPr lang="fr-FR" dirty="0" smtClean="0"/>
+              <a:t>Choix du RFID</a:t>
+            </a:r>
+            <a:endParaRPr lang="fr-FR" dirty="0"/>
           </a:p>
           <a:p>
             <a:r>

--- a/Diagrammes Communs/Presentation_Revue0.pptx
+++ b/Diagrammes Communs/Presentation_Revue0.pptx
@@ -28,15 +28,19 @@
     <p:sldId id="270" r:id="rId22"/>
     <p:sldId id="271" r:id="rId23"/>
     <p:sldId id="272" r:id="rId24"/>
-    <p:sldId id="273" r:id="rId25"/>
-    <p:sldId id="274" r:id="rId26"/>
-    <p:sldId id="275" r:id="rId27"/>
-    <p:sldId id="276" r:id="rId28"/>
-    <p:sldId id="278" r:id="rId29"/>
-    <p:sldId id="280" r:id="rId30"/>
-    <p:sldId id="283" r:id="rId31"/>
-    <p:sldId id="281" r:id="rId32"/>
-    <p:sldId id="284" r:id="rId33"/>
+    <p:sldId id="291" r:id="rId25"/>
+    <p:sldId id="292" r:id="rId26"/>
+    <p:sldId id="293" r:id="rId27"/>
+    <p:sldId id="294" r:id="rId28"/>
+    <p:sldId id="295" r:id="rId29"/>
+    <p:sldId id="274" r:id="rId30"/>
+    <p:sldId id="275" r:id="rId31"/>
+    <p:sldId id="276" r:id="rId32"/>
+    <p:sldId id="278" r:id="rId33"/>
+    <p:sldId id="280" r:id="rId34"/>
+    <p:sldId id="283" r:id="rId35"/>
+    <p:sldId id="281" r:id="rId36"/>
+    <p:sldId id="284" r:id="rId37"/>
   </p:sldIdLst>
   <p:sldSz cx="12192000" cy="6858000"/>
   <p:notesSz cx="6858000" cy="9144000"/>
@@ -2965,6 +2969,14 @@
 <file path=ppt/slides/slide1.xml><?xml version="1.0" encoding="utf-8"?>
 <p:sld xmlns:a="http://schemas.openxmlformats.org/drawingml/2006/main" xmlns:r="http://schemas.openxmlformats.org/officeDocument/2006/relationships" xmlns:p="http://schemas.openxmlformats.org/presentationml/2006/main">
   <p:cSld>
+    <p:bg>
+      <p:bgPr>
+        <a:solidFill>
+          <a:schemeClr val="bg2"/>
+        </a:solidFill>
+        <a:effectLst/>
+      </p:bgPr>
+    </p:bg>
     <p:spTree>
       <p:nvGrpSpPr>
         <p:cNvPr id="1" name=""/>
@@ -3065,6 +3077,17 @@
 <file path=ppt/slides/slide10.xml><?xml version="1.0" encoding="utf-8"?>
 <p:sld xmlns:a="http://schemas.openxmlformats.org/drawingml/2006/main" xmlns:r="http://schemas.openxmlformats.org/officeDocument/2006/relationships" xmlns:p="http://schemas.openxmlformats.org/presentationml/2006/main">
   <p:cSld>
+    <p:bg>
+      <p:bgPr>
+        <a:solidFill>
+          <a:schemeClr val="accent1">
+            <a:lumMod val="20000"/>
+            <a:lumOff val="80000"/>
+          </a:schemeClr>
+        </a:solidFill>
+        <a:effectLst/>
+      </p:bgPr>
+    </p:bg>
     <p:spTree>
       <p:nvGrpSpPr>
         <p:cNvPr id="1" name=""/>
@@ -3169,6 +3192,17 @@
 <file path=ppt/slides/slide11.xml><?xml version="1.0" encoding="utf-8"?>
 <p:sld xmlns:a="http://schemas.openxmlformats.org/drawingml/2006/main" xmlns:r="http://schemas.openxmlformats.org/officeDocument/2006/relationships" xmlns:p="http://schemas.openxmlformats.org/presentationml/2006/main">
   <p:cSld>
+    <p:bg>
+      <p:bgPr>
+        <a:solidFill>
+          <a:schemeClr val="accent1">
+            <a:lumMod val="20000"/>
+            <a:lumOff val="80000"/>
+          </a:schemeClr>
+        </a:solidFill>
+        <a:effectLst/>
+      </p:bgPr>
+    </p:bg>
     <p:spTree>
       <p:nvGrpSpPr>
         <p:cNvPr id="1" name=""/>
@@ -3259,6 +3293,17 @@
 <file path=ppt/slides/slide12.xml><?xml version="1.0" encoding="utf-8"?>
 <p:sld xmlns:a="http://schemas.openxmlformats.org/drawingml/2006/main" xmlns:r="http://schemas.openxmlformats.org/officeDocument/2006/relationships" xmlns:p="http://schemas.openxmlformats.org/presentationml/2006/main">
   <p:cSld>
+    <p:bg>
+      <p:bgPr>
+        <a:solidFill>
+          <a:schemeClr val="accent1">
+            <a:lumMod val="20000"/>
+            <a:lumOff val="80000"/>
+          </a:schemeClr>
+        </a:solidFill>
+        <a:effectLst/>
+      </p:bgPr>
+    </p:bg>
     <p:spTree>
       <p:nvGrpSpPr>
         <p:cNvPr id="1" name=""/>
@@ -3360,6 +3405,17 @@
 <file path=ppt/slides/slide13.xml><?xml version="1.0" encoding="utf-8"?>
 <p:sld xmlns:a="http://schemas.openxmlformats.org/drawingml/2006/main" xmlns:r="http://schemas.openxmlformats.org/officeDocument/2006/relationships" xmlns:p="http://schemas.openxmlformats.org/presentationml/2006/main">
   <p:cSld>
+    <p:bg>
+      <p:bgPr>
+        <a:solidFill>
+          <a:schemeClr val="accent1">
+            <a:lumMod val="20000"/>
+            <a:lumOff val="80000"/>
+          </a:schemeClr>
+        </a:solidFill>
+        <a:effectLst/>
+      </p:bgPr>
+    </p:bg>
     <p:spTree>
       <p:nvGrpSpPr>
         <p:cNvPr id="1" name=""/>
@@ -3455,6 +3511,17 @@
 <file path=ppt/slides/slide14.xml><?xml version="1.0" encoding="utf-8"?>
 <p:sld xmlns:a="http://schemas.openxmlformats.org/drawingml/2006/main" xmlns:r="http://schemas.openxmlformats.org/officeDocument/2006/relationships" xmlns:p="http://schemas.openxmlformats.org/presentationml/2006/main">
   <p:cSld>
+    <p:bg>
+      <p:bgPr>
+        <a:solidFill>
+          <a:schemeClr val="accent1">
+            <a:lumMod val="20000"/>
+            <a:lumOff val="80000"/>
+          </a:schemeClr>
+        </a:solidFill>
+        <a:effectLst/>
+      </p:bgPr>
+    </p:bg>
     <p:spTree>
       <p:nvGrpSpPr>
         <p:cNvPr id="1" name=""/>
@@ -3550,6 +3617,17 @@
 <file path=ppt/slides/slide15.xml><?xml version="1.0" encoding="utf-8"?>
 <p:sld xmlns:a="http://schemas.openxmlformats.org/drawingml/2006/main" xmlns:r="http://schemas.openxmlformats.org/officeDocument/2006/relationships" xmlns:p="http://schemas.openxmlformats.org/presentationml/2006/main">
   <p:cSld>
+    <p:bg>
+      <p:bgPr>
+        <a:solidFill>
+          <a:schemeClr val="accent1">
+            <a:lumMod val="20000"/>
+            <a:lumOff val="80000"/>
+          </a:schemeClr>
+        </a:solidFill>
+        <a:effectLst/>
+      </p:bgPr>
+    </p:bg>
     <p:spTree>
       <p:nvGrpSpPr>
         <p:cNvPr id="1" name=""/>
@@ -3773,6 +3851,17 @@
 <file path=ppt/slides/slide16.xml><?xml version="1.0" encoding="utf-8"?>
 <p:sld xmlns:a="http://schemas.openxmlformats.org/drawingml/2006/main" xmlns:r="http://schemas.openxmlformats.org/officeDocument/2006/relationships" xmlns:p="http://schemas.openxmlformats.org/presentationml/2006/main">
   <p:cSld>
+    <p:bg>
+      <p:bgPr>
+        <a:solidFill>
+          <a:schemeClr val="accent1">
+            <a:lumMod val="20000"/>
+            <a:lumOff val="80000"/>
+          </a:schemeClr>
+        </a:solidFill>
+        <a:effectLst/>
+      </p:bgPr>
+    </p:bg>
     <p:spTree>
       <p:nvGrpSpPr>
         <p:cNvPr id="1" name=""/>
@@ -4058,6 +4147,17 @@
 <file path=ppt/slides/slide17.xml><?xml version="1.0" encoding="utf-8"?>
 <p:sld xmlns:a="http://schemas.openxmlformats.org/drawingml/2006/main" xmlns:r="http://schemas.openxmlformats.org/officeDocument/2006/relationships" xmlns:p="http://schemas.openxmlformats.org/presentationml/2006/main">
   <p:cSld>
+    <p:bg>
+      <p:bgPr>
+        <a:solidFill>
+          <a:schemeClr val="accent1">
+            <a:lumMod val="20000"/>
+            <a:lumOff val="80000"/>
+          </a:schemeClr>
+        </a:solidFill>
+        <a:effectLst/>
+      </p:bgPr>
+    </p:bg>
     <p:spTree>
       <p:nvGrpSpPr>
         <p:cNvPr id="1" name=""/>
@@ -4387,6 +4487,17 @@
 <file path=ppt/slides/slide18.xml><?xml version="1.0" encoding="utf-8"?>
 <p:sld xmlns:a="http://schemas.openxmlformats.org/drawingml/2006/main" xmlns:r="http://schemas.openxmlformats.org/officeDocument/2006/relationships" xmlns:p="http://schemas.openxmlformats.org/presentationml/2006/main">
   <p:cSld>
+    <p:bg>
+      <p:bgPr>
+        <a:solidFill>
+          <a:schemeClr val="accent1">
+            <a:lumMod val="20000"/>
+            <a:lumOff val="80000"/>
+          </a:schemeClr>
+        </a:solidFill>
+        <a:effectLst/>
+      </p:bgPr>
+    </p:bg>
     <p:spTree>
       <p:nvGrpSpPr>
         <p:cNvPr id="1" name=""/>
@@ -4522,7 +4633,7 @@
         </p:nvGraphicFramePr>
         <p:xfrm>
           <a:off x="2165684" y="3166175"/>
-          <a:ext cx="7523748" cy="2768110"/>
+          <a:ext cx="7523748" cy="2785580"/>
         </p:xfrm>
         <a:graphic>
           <a:graphicData uri="http://schemas.openxmlformats.org/drawingml/2006/table">
@@ -5325,6 +5436,17 @@
 <file path=ppt/slides/slide19.xml><?xml version="1.0" encoding="utf-8"?>
 <p:sld xmlns:a="http://schemas.openxmlformats.org/drawingml/2006/main" xmlns:r="http://schemas.openxmlformats.org/officeDocument/2006/relationships" xmlns:p="http://schemas.openxmlformats.org/presentationml/2006/main">
   <p:cSld>
+    <p:bg>
+      <p:bgPr>
+        <a:solidFill>
+          <a:schemeClr val="accent1">
+            <a:lumMod val="20000"/>
+            <a:lumOff val="80000"/>
+          </a:schemeClr>
+        </a:solidFill>
+        <a:effectLst/>
+      </p:bgPr>
+    </p:bg>
     <p:spTree>
       <p:nvGrpSpPr>
         <p:cNvPr id="1" name=""/>
@@ -5570,6 +5692,14 @@
 <file path=ppt/slides/slide2.xml><?xml version="1.0" encoding="utf-8"?>
 <p:sld xmlns:a="http://schemas.openxmlformats.org/drawingml/2006/main" xmlns:r="http://schemas.openxmlformats.org/officeDocument/2006/relationships" xmlns:p="http://schemas.openxmlformats.org/presentationml/2006/main">
   <p:cSld>
+    <p:bg>
+      <p:bgPr>
+        <a:solidFill>
+          <a:schemeClr val="bg2"/>
+        </a:solidFill>
+        <a:effectLst/>
+      </p:bgPr>
+    </p:bg>
     <p:spTree>
       <p:nvGrpSpPr>
         <p:cNvPr id="1" name=""/>
@@ -5669,6 +5799,17 @@
 <file path=ppt/slides/slide20.xml><?xml version="1.0" encoding="utf-8"?>
 <p:sld xmlns:a="http://schemas.openxmlformats.org/drawingml/2006/main" xmlns:r="http://schemas.openxmlformats.org/officeDocument/2006/relationships" xmlns:p="http://schemas.openxmlformats.org/presentationml/2006/main">
   <p:cSld>
+    <p:bg>
+      <p:bgPr>
+        <a:solidFill>
+          <a:schemeClr val="accent1">
+            <a:lumMod val="20000"/>
+            <a:lumOff val="80000"/>
+          </a:schemeClr>
+        </a:solidFill>
+        <a:effectLst/>
+      </p:bgPr>
+    </p:bg>
     <p:spTree>
       <p:nvGrpSpPr>
         <p:cNvPr id="1" name=""/>
@@ -5945,6 +6086,17 @@
 <file path=ppt/slides/slide21.xml><?xml version="1.0" encoding="utf-8"?>
 <p:sld xmlns:a="http://schemas.openxmlformats.org/drawingml/2006/main" xmlns:r="http://schemas.openxmlformats.org/officeDocument/2006/relationships" xmlns:p="http://schemas.openxmlformats.org/presentationml/2006/main">
   <p:cSld>
+    <p:bg>
+      <p:bgPr>
+        <a:solidFill>
+          <a:schemeClr val="accent2">
+            <a:lumMod val="40000"/>
+            <a:lumOff val="60000"/>
+          </a:schemeClr>
+        </a:solidFill>
+        <a:effectLst/>
+      </p:bgPr>
+    </p:bg>
     <p:spTree>
       <p:nvGrpSpPr>
         <p:cNvPr id="1" name=""/>
@@ -6008,7 +6160,7 @@
         </p:spPr>
         <p:txBody>
           <a:bodyPr>
-            <a:normAutofit lnSpcReduction="10000"/>
+            <a:normAutofit fontScale="92500" lnSpcReduction="20000"/>
           </a:bodyPr>
           <a:lstStyle/>
           <a:p>
@@ -6035,15 +6187,60 @@
             <a:pPr lvl="2"/>
             <a:r>
               <a:rPr lang="fr-FR" dirty="0"/>
-              <a:t>a) Démarrage et déroulement d’une course</a:t>
+              <a:t>a) </a:t>
+            </a:r>
+            <a:r>
+              <a:rPr lang="fr-FR" dirty="0" smtClean="0"/>
+              <a:t>Sélection </a:t>
+            </a:r>
+            <a:r>
+              <a:rPr lang="fr-FR" dirty="0" smtClean="0"/>
+              <a:t>d’une </a:t>
+            </a:r>
+            <a:r>
+              <a:rPr lang="fr-FR" dirty="0"/>
+              <a:t>course</a:t>
             </a:r>
           </a:p>
           <a:p>
             <a:pPr lvl="2"/>
             <a:r>
               <a:rPr lang="fr-FR" dirty="0"/>
-              <a:t>b) Afficher le temps de course sur l’afficheur LED</a:t>
-            </a:r>
+              <a:t>b) </a:t>
+            </a:r>
+            <a:r>
+              <a:rPr lang="fr-FR" dirty="0" smtClean="0"/>
+              <a:t>Démarrage d’une course</a:t>
+            </a:r>
+          </a:p>
+          <a:p>
+            <a:pPr lvl="2"/>
+            <a:r>
+              <a:rPr lang="fr-FR" dirty="0" smtClean="0"/>
+              <a:t>c) Démarrage du chrono</a:t>
+            </a:r>
+          </a:p>
+          <a:p>
+            <a:pPr lvl="2"/>
+            <a:r>
+              <a:rPr lang="fr-FR" dirty="0" smtClean="0"/>
+              <a:t>d) Détection d’un coureur</a:t>
+            </a:r>
+          </a:p>
+          <a:p>
+            <a:pPr lvl="2"/>
+            <a:r>
+              <a:rPr lang="fr-FR" dirty="0" smtClean="0"/>
+              <a:t>e) Afficheur LED</a:t>
+            </a:r>
+          </a:p>
+          <a:p>
+            <a:pPr lvl="2"/>
+            <a:r>
+              <a:rPr lang="fr-FR" dirty="0" smtClean="0"/>
+              <a:t>f) Fin d’une course</a:t>
+            </a:r>
+            <a:endParaRPr lang="fr-FR" dirty="0"/>
           </a:p>
           <a:p>
             <a:pPr lvl="1"/>
@@ -6122,6 +6319,17 @@
 <file path=ppt/slides/slide22.xml><?xml version="1.0" encoding="utf-8"?>
 <p:sld xmlns:a="http://schemas.openxmlformats.org/drawingml/2006/main" xmlns:r="http://schemas.openxmlformats.org/officeDocument/2006/relationships" xmlns:p="http://schemas.openxmlformats.org/presentationml/2006/main">
   <p:cSld>
+    <p:bg>
+      <p:bgPr>
+        <a:solidFill>
+          <a:schemeClr val="accent2">
+            <a:lumMod val="40000"/>
+            <a:lumOff val="60000"/>
+          </a:schemeClr>
+        </a:solidFill>
+        <a:effectLst/>
+      </p:bgPr>
+    </p:bg>
     <p:spTree>
       <p:nvGrpSpPr>
         <p:cNvPr id="1" name=""/>
@@ -6184,8 +6392,10 @@
       </p:sp>
       <p:pic>
         <p:nvPicPr>
-          <p:cNvPr id="4" name="Image 3" descr="E:\GitHub\Projet_Cross\Etudiant 2\Diagrammes\UseCase_Etudiant2.PNG"/>
-          <p:cNvPicPr/>
+          <p:cNvPr id="3" name="Image 2"/>
+          <p:cNvPicPr>
+            <a:picLocks noChangeAspect="1"/>
+          </p:cNvPicPr>
           <p:nvPr/>
         </p:nvPicPr>
         <p:blipFill rotWithShape="1">
@@ -6196,26 +6406,17 @@
               </a:ext>
             </a:extLst>
           </a:blip>
-          <a:srcRect t="8558" b="3297"/>
+          <a:srcRect t="7174" b="2027"/>
           <a:stretch/>
         </p:blipFill>
-        <p:spPr bwMode="auto">
-          <a:xfrm>
-            <a:off x="281432" y="1151792"/>
-            <a:ext cx="11629133" cy="5706208"/>
+        <p:spPr>
+          <a:xfrm>
+            <a:off x="905127" y="1139748"/>
+            <a:ext cx="10381743" cy="5644361"/>
           </a:xfrm>
           <a:prstGeom prst="rect">
             <a:avLst/>
           </a:prstGeom>
-          <a:noFill/>
-          <a:ln>
-            <a:noFill/>
-          </a:ln>
-          <a:extLst>
-            <a:ext uri="{53640926-AAD7-44D8-BBD7-CCE9431645EC}">
-              <a14:shadowObscured xmlns:a14="http://schemas.microsoft.com/office/drawing/2010/main"/>
-            </a:ext>
-          </a:extLst>
         </p:spPr>
       </p:pic>
     </p:spTree>
@@ -6234,6 +6435,17 @@
 <file path=ppt/slides/slide23.xml><?xml version="1.0" encoding="utf-8"?>
 <p:sld xmlns:a="http://schemas.openxmlformats.org/drawingml/2006/main" xmlns:r="http://schemas.openxmlformats.org/officeDocument/2006/relationships" xmlns:p="http://schemas.openxmlformats.org/presentationml/2006/main">
   <p:cSld>
+    <p:bg>
+      <p:bgPr>
+        <a:solidFill>
+          <a:schemeClr val="accent2">
+            <a:lumMod val="40000"/>
+            <a:lumOff val="60000"/>
+          </a:schemeClr>
+        </a:solidFill>
+        <a:effectLst/>
+      </p:bgPr>
+    </p:bg>
     <p:spTree>
       <p:nvGrpSpPr>
         <p:cNvPr id="1" name=""/>
@@ -6305,7 +6517,25 @@
               <a:rPr lang="fr-FR" sz="2400" dirty="0">
                 <a:latin typeface="+mj-lt"/>
               </a:rPr>
-              <a:t>a) Démarrage et déroulement d’une course</a:t>
+              <a:t>a) </a:t>
+            </a:r>
+            <a:r>
+              <a:rPr lang="fr-FR" sz="2400" dirty="0" smtClean="0">
+                <a:latin typeface="+mj-lt"/>
+              </a:rPr>
+              <a:t>Sélection </a:t>
+            </a:r>
+            <a:r>
+              <a:rPr lang="fr-FR" sz="2400" dirty="0" smtClean="0">
+                <a:latin typeface="+mj-lt"/>
+              </a:rPr>
+              <a:t>d’une </a:t>
+            </a:r>
+            <a:r>
+              <a:rPr lang="fr-FR" sz="2400" dirty="0">
+                <a:latin typeface="+mj-lt"/>
+              </a:rPr>
+              <a:t>course</a:t>
             </a:r>
             <a:r>
               <a:rPr lang="fr-FR" dirty="0"/>
@@ -6320,13 +6550,13 @@
       </p:sp>
       <p:pic>
         <p:nvPicPr>
-          <p:cNvPr id="5" name="Image 4"/>
+          <p:cNvPr id="3" name="Image 2"/>
           <p:cNvPicPr>
             <a:picLocks noChangeAspect="1"/>
           </p:cNvPicPr>
           <p:nvPr/>
         </p:nvPicPr>
-        <p:blipFill rotWithShape="1">
+        <p:blipFill>
           <a:blip r:embed="rId2">
             <a:extLst>
               <a:ext uri="{28A0092B-C50C-407E-A947-70E740481C1C}">
@@ -6334,13 +6564,14 @@
               </a:ext>
             </a:extLst>
           </a:blip>
-          <a:srcRect t="5449" b="5282"/>
-          <a:stretch/>
+          <a:stretch>
+            <a:fillRect/>
+          </a:stretch>
         </p:blipFill>
         <p:spPr>
           <a:xfrm>
-            <a:off x="9019" y="870437"/>
-            <a:ext cx="12015697" cy="5442439"/>
+            <a:off x="1614412" y="1346465"/>
+            <a:ext cx="8804911" cy="3530336"/>
           </a:xfrm>
           <a:prstGeom prst="rect">
             <a:avLst/>
@@ -6363,6 +6594,17 @@
 <file path=ppt/slides/slide24.xml><?xml version="1.0" encoding="utf-8"?>
 <p:sld xmlns:a="http://schemas.openxmlformats.org/drawingml/2006/main" xmlns:r="http://schemas.openxmlformats.org/officeDocument/2006/relationships" xmlns:p="http://schemas.openxmlformats.org/presentationml/2006/main">
   <p:cSld>
+    <p:bg>
+      <p:bgPr>
+        <a:solidFill>
+          <a:schemeClr val="accent2">
+            <a:lumMod val="40000"/>
+            <a:lumOff val="60000"/>
+          </a:schemeClr>
+        </a:solidFill>
+        <a:effectLst/>
+      </p:bgPr>
+    </p:bg>
     <p:spTree>
       <p:nvGrpSpPr>
         <p:cNvPr id="1" name=""/>
@@ -6389,8 +6631,8 @@
         </p:nvSpPr>
         <p:spPr>
           <a:xfrm>
-            <a:off x="838200" y="0"/>
-            <a:ext cx="10515600" cy="514106"/>
+            <a:off x="838200" y="365125"/>
+            <a:ext cx="10515600" cy="660111"/>
           </a:xfrm>
         </p:spPr>
         <p:txBody>
@@ -6399,35 +6641,24 @@
           </a:bodyPr>
           <a:lstStyle/>
           <a:p>
-            <a:pPr lvl="2" algn="ctr" rtl="0">
-              <a:lnSpc>
-                <a:spcPct val="90000"/>
-              </a:lnSpc>
-              <a:spcBef>
-                <a:spcPct val="0"/>
-              </a:spcBef>
-            </a:pPr>
-            <a:r>
-              <a:rPr lang="fr-FR" sz="2400" dirty="0">
-                <a:latin typeface="+mj-lt"/>
-              </a:rPr>
-              <a:t>b) Afficher le temps de course sur l’afficheur LED</a:t>
-            </a:r>
-            <a:endParaRPr lang="fr-FR" sz="3200" dirty="0">
-              <a:latin typeface="+mj-lt"/>
-            </a:endParaRPr>
+            <a:pPr algn="ctr"/>
+            <a:r>
+              <a:rPr lang="fr-FR" sz="2200" dirty="0" smtClean="0"/>
+              <a:t>b) Démarrage d’une course</a:t>
+            </a:r>
+            <a:endParaRPr lang="fr-FR" sz="2200" dirty="0"/>
           </a:p>
         </p:txBody>
       </p:sp>
       <p:pic>
         <p:nvPicPr>
-          <p:cNvPr id="5" name="Image 4"/>
+          <p:cNvPr id="4" name="Image 3"/>
           <p:cNvPicPr>
             <a:picLocks noChangeAspect="1"/>
           </p:cNvPicPr>
           <p:nvPr/>
         </p:nvPicPr>
-        <p:blipFill rotWithShape="1">
+        <p:blipFill>
           <a:blip r:embed="rId2">
             <a:extLst>
               <a:ext uri="{28A0092B-C50C-407E-A947-70E740481C1C}">
@@ -6435,13 +6666,14 @@
               </a:ext>
             </a:extLst>
           </a:blip>
-          <a:srcRect t="6145"/>
-          <a:stretch/>
+          <a:stretch>
+            <a:fillRect/>
+          </a:stretch>
         </p:blipFill>
         <p:spPr>
           <a:xfrm>
-            <a:off x="501162" y="597878"/>
-            <a:ext cx="11302167" cy="5874810"/>
+            <a:off x="705276" y="1328158"/>
+            <a:ext cx="10781447" cy="3345441"/>
           </a:xfrm>
           <a:prstGeom prst="rect">
             <a:avLst/>
@@ -6451,7 +6683,7 @@
     </p:spTree>
     <p:extLst>
       <p:ext uri="{BB962C8B-B14F-4D97-AF65-F5344CB8AC3E}">
-        <p14:creationId xmlns:p14="http://schemas.microsoft.com/office/powerpoint/2010/main" val="1677811779"/>
+        <p14:creationId xmlns:p14="http://schemas.microsoft.com/office/powerpoint/2010/main" val="2766581331"/>
       </p:ext>
     </p:extLst>
   </p:cSld>
@@ -6464,6 +6696,17 @@
 <file path=ppt/slides/slide25.xml><?xml version="1.0" encoding="utf-8"?>
 <p:sld xmlns:a="http://schemas.openxmlformats.org/drawingml/2006/main" xmlns:r="http://schemas.openxmlformats.org/officeDocument/2006/relationships" xmlns:p="http://schemas.openxmlformats.org/presentationml/2006/main">
   <p:cSld>
+    <p:bg>
+      <p:bgPr>
+        <a:solidFill>
+          <a:schemeClr val="accent2">
+            <a:lumMod val="40000"/>
+            <a:lumOff val="60000"/>
+          </a:schemeClr>
+        </a:solidFill>
+        <a:effectLst/>
+      </p:bgPr>
+    </p:bg>
     <p:spTree>
       <p:nvGrpSpPr>
         <p:cNvPr id="1" name=""/>
@@ -6490,8 +6733,8 @@
         </p:nvSpPr>
         <p:spPr>
           <a:xfrm>
-            <a:off x="838200" y="0"/>
-            <a:ext cx="10515600" cy="487729"/>
+            <a:off x="838200" y="365126"/>
+            <a:ext cx="10515600" cy="826366"/>
           </a:xfrm>
         </p:spPr>
         <p:txBody>
@@ -6502,130 +6745,47 @@
           <a:p>
             <a:pPr algn="ctr"/>
             <a:r>
-              <a:rPr lang="fr-FR" sz="2800" dirty="0"/>
-              <a:t>3) Scénario</a:t>
-            </a:r>
-          </a:p>
-        </p:txBody>
-      </p:sp>
-      <p:sp>
-        <p:nvSpPr>
-          <p:cNvPr id="3" name="Espace réservé du contenu 2"/>
-          <p:cNvSpPr>
-            <a:spLocks noGrp="1"/>
-          </p:cNvSpPr>
-          <p:nvPr>
-            <p:ph idx="1"/>
-          </p:nvPr>
-        </p:nvSpPr>
-        <p:spPr>
-          <a:xfrm>
-            <a:off x="838200" y="805717"/>
-            <a:ext cx="10515600" cy="5217014"/>
-          </a:xfrm>
-        </p:spPr>
-        <p:txBody>
-          <a:bodyPr>
-            <a:normAutofit fontScale="92500" lnSpcReduction="20000"/>
-          </a:bodyPr>
-          <a:lstStyle/>
-          <a:p>
-            <a:pPr lvl="0"/>
-            <a:r>
-              <a:rPr lang="fr-FR" sz="2400" dirty="0"/>
-              <a:t>Le commissaire de course lance l’application C++.</a:t>
-            </a:r>
-          </a:p>
-          <a:p>
-            <a:pPr marL="0" lvl="0" indent="0">
-              <a:buNone/>
-            </a:pPr>
-            <a:r>
-              <a:rPr lang="fr-FR" sz="2400" dirty="0"/>
-              <a:t> </a:t>
-            </a:r>
-          </a:p>
-          <a:p>
-            <a:pPr lvl="0"/>
-            <a:r>
-              <a:rPr lang="fr-FR" sz="2400" dirty="0"/>
-              <a:t>Il va sélectionner la course qu’il voudra démarrer.</a:t>
-            </a:r>
-          </a:p>
-          <a:p>
-            <a:pPr marL="0" lvl="0" indent="0">
-              <a:buNone/>
-            </a:pPr>
-            <a:endParaRPr lang="fr-FR" sz="2400" dirty="0"/>
-          </a:p>
-          <a:p>
-            <a:pPr lvl="0"/>
-            <a:r>
-              <a:rPr lang="fr-FR" sz="2400" dirty="0"/>
-              <a:t>Il va ensuite cliquer sur le bouton de démarrage de la course.</a:t>
-            </a:r>
-          </a:p>
-          <a:p>
-            <a:pPr marL="0" lvl="0" indent="0">
-              <a:buNone/>
-            </a:pPr>
-            <a:endParaRPr lang="fr-FR" sz="2400" dirty="0"/>
-          </a:p>
-          <a:p>
-            <a:pPr lvl="0"/>
-            <a:r>
-              <a:rPr lang="fr-FR" sz="2400" dirty="0"/>
-              <a:t>Une fois la course démarrée, il pourra cliquer sur « afficheur LED » s’il y en a un. </a:t>
-            </a:r>
-          </a:p>
-          <a:p>
-            <a:pPr marL="0" lvl="0" indent="0">
-              <a:buNone/>
-            </a:pPr>
-            <a:endParaRPr lang="fr-FR" sz="2400" dirty="0"/>
-          </a:p>
-          <a:p>
-            <a:pPr lvl="0"/>
-            <a:r>
-              <a:rPr lang="fr-FR" sz="2400" dirty="0"/>
-              <a:t>L’afficheur LED va afficher le temps du premier ou/et le temps moyen des coureurs.</a:t>
-            </a:r>
-          </a:p>
-          <a:p>
-            <a:pPr marL="0" lvl="0" indent="0">
-              <a:buNone/>
-            </a:pPr>
-            <a:endParaRPr lang="fr-FR" sz="2400" dirty="0"/>
-          </a:p>
-          <a:p>
-            <a:pPr lvl="0"/>
-            <a:r>
-              <a:rPr lang="fr-FR" sz="2400" dirty="0"/>
-              <a:t> Quand le lecteur RFID aura détecté un coureur, il enverra ses informations à la base de données.</a:t>
-            </a:r>
-          </a:p>
-          <a:p>
-            <a:pPr marL="0" lvl="0" indent="0">
-              <a:buNone/>
-            </a:pPr>
-            <a:endParaRPr lang="fr-FR" sz="2400" dirty="0"/>
-          </a:p>
-          <a:p>
-            <a:pPr lvl="0"/>
-            <a:r>
-              <a:rPr lang="fr-FR" sz="2400" dirty="0"/>
-              <a:t>Les informations pourront être ensuite traitées.</a:t>
-            </a:r>
-          </a:p>
-          <a:p>
-            <a:endParaRPr lang="fr-FR" dirty="0"/>
-          </a:p>
-        </p:txBody>
-      </p:sp>
+              <a:rPr lang="fr-FR" sz="2200" dirty="0" smtClean="0"/>
+              <a:t>c) Démarrage du Chronomètre </a:t>
+            </a:r>
+            <a:endParaRPr lang="fr-FR" sz="2200" dirty="0"/>
+          </a:p>
+        </p:txBody>
+      </p:sp>
+      <p:pic>
+        <p:nvPicPr>
+          <p:cNvPr id="4" name="Image 3"/>
+          <p:cNvPicPr>
+            <a:picLocks noChangeAspect="1"/>
+          </p:cNvPicPr>
+          <p:nvPr/>
+        </p:nvPicPr>
+        <p:blipFill>
+          <a:blip r:embed="rId2">
+            <a:extLst>
+              <a:ext uri="{28A0092B-C50C-407E-A947-70E740481C1C}">
+                <a14:useLocalDpi xmlns:a14="http://schemas.microsoft.com/office/drawing/2010/main" val="0"/>
+              </a:ext>
+            </a:extLst>
+          </a:blip>
+          <a:stretch>
+            <a:fillRect/>
+          </a:stretch>
+        </p:blipFill>
+        <p:spPr>
+          <a:xfrm>
+            <a:off x="2101806" y="1690688"/>
+            <a:ext cx="7988388" cy="3923626"/>
+          </a:xfrm>
+          <a:prstGeom prst="rect">
+            <a:avLst/>
+          </a:prstGeom>
+        </p:spPr>
+      </p:pic>
     </p:spTree>
     <p:extLst>
       <p:ext uri="{BB962C8B-B14F-4D97-AF65-F5344CB8AC3E}">
-        <p14:creationId xmlns:p14="http://schemas.microsoft.com/office/powerpoint/2010/main" val="1024622025"/>
+        <p14:creationId xmlns:p14="http://schemas.microsoft.com/office/powerpoint/2010/main" val="231148054"/>
       </p:ext>
     </p:extLst>
   </p:cSld>
@@ -6638,6 +6798,17 @@
 <file path=ppt/slides/slide26.xml><?xml version="1.0" encoding="utf-8"?>
 <p:sld xmlns:a="http://schemas.openxmlformats.org/drawingml/2006/main" xmlns:r="http://schemas.openxmlformats.org/officeDocument/2006/relationships" xmlns:p="http://schemas.openxmlformats.org/presentationml/2006/main">
   <p:cSld>
+    <p:bg>
+      <p:bgPr>
+        <a:solidFill>
+          <a:schemeClr val="accent2">
+            <a:lumMod val="40000"/>
+            <a:lumOff val="60000"/>
+          </a:schemeClr>
+        </a:solidFill>
+        <a:effectLst/>
+      </p:bgPr>
+    </p:bg>
     <p:spTree>
       <p:nvGrpSpPr>
         <p:cNvPr id="1" name=""/>
@@ -6664,84 +6835,59 @@
         </p:nvSpPr>
         <p:spPr>
           <a:xfrm>
-            <a:off x="838200" y="-1"/>
-            <a:ext cx="10515600" cy="1512277"/>
+            <a:off x="736600" y="69561"/>
+            <a:ext cx="10515600" cy="540039"/>
           </a:xfrm>
         </p:spPr>
         <p:txBody>
           <a:bodyPr>
-            <a:normAutofit fontScale="90000"/>
+            <a:normAutofit/>
           </a:bodyPr>
           <a:lstStyle/>
           <a:p>
-            <a:r>
-              <a:rPr lang="fr-FR" sz="3600" dirty="0"/>
-              <a:t>II) Etude physique lecteur RFID pour les courses</a:t>
-            </a:r>
-            <a:br>
-              <a:rPr lang="fr-FR" sz="3600" dirty="0"/>
-            </a:br>
-            <a:r>
-              <a:rPr lang="fr-FR" sz="3600" dirty="0"/>
-              <a:t>	</a:t>
-            </a:r>
-            <a:r>
-              <a:rPr lang="fr-FR" sz="3100" dirty="0"/>
-              <a:t>1) Matériel</a:t>
-            </a:r>
-            <a:r>
-              <a:rPr lang="fr-FR" sz="2800" dirty="0"/>
-              <a:t/>
-            </a:r>
-            <a:br>
-              <a:rPr lang="fr-FR" sz="2800" dirty="0"/>
-            </a:br>
-            <a:r>
-              <a:rPr lang="fr-FR" sz="2800" dirty="0"/>
-              <a:t>		</a:t>
-            </a:r>
-            <a:r>
-              <a:rPr lang="fr-FR" sz="2400" dirty="0"/>
-              <a:t>a) Antenne</a:t>
-            </a:r>
-            <a:br>
-              <a:rPr lang="fr-FR" sz="2400" dirty="0"/>
-            </a:br>
-            <a:r>
-              <a:rPr lang="fr-FR" sz="2400" dirty="0"/>
-              <a:t>		b) Dossard </a:t>
-            </a:r>
-            <a:r>
-              <a:rPr lang="fr-FR" sz="2400" dirty="0" err="1"/>
-              <a:t>DAGs</a:t>
-            </a:r>
-            <a:endParaRPr lang="fr-FR" sz="3600" dirty="0"/>
-          </a:p>
-        </p:txBody>
-      </p:sp>
-      <p:sp>
-        <p:nvSpPr>
-          <p:cNvPr id="3" name="Espace réservé du contenu 2"/>
-          <p:cNvSpPr>
-            <a:spLocks noGrp="1"/>
-          </p:cNvSpPr>
-          <p:nvPr>
-            <p:ph idx="1"/>
-          </p:nvPr>
-        </p:nvSpPr>
-        <p:spPr/>
-        <p:txBody>
-          <a:bodyPr/>
-          <a:lstStyle/>
-          <a:p>
-            <a:endParaRPr lang="fr-FR" dirty="0"/>
-          </a:p>
-        </p:txBody>
-      </p:sp>
+            <a:pPr algn="ctr"/>
+            <a:r>
+              <a:rPr lang="fr-FR" sz="2200" dirty="0" smtClean="0"/>
+              <a:t>d) Détection d’un coureur</a:t>
+            </a:r>
+            <a:endParaRPr lang="fr-FR" sz="2200" dirty="0"/>
+          </a:p>
+        </p:txBody>
+      </p:sp>
+      <p:pic>
+        <p:nvPicPr>
+          <p:cNvPr id="4" name="Image 3"/>
+          <p:cNvPicPr>
+            <a:picLocks noChangeAspect="1"/>
+          </p:cNvPicPr>
+          <p:nvPr/>
+        </p:nvPicPr>
+        <p:blipFill>
+          <a:blip r:embed="rId2">
+            <a:extLst>
+              <a:ext uri="{28A0092B-C50C-407E-A947-70E740481C1C}">
+                <a14:useLocalDpi xmlns:a14="http://schemas.microsoft.com/office/drawing/2010/main" val="0"/>
+              </a:ext>
+            </a:extLst>
+          </a:blip>
+          <a:stretch>
+            <a:fillRect/>
+          </a:stretch>
+        </p:blipFill>
+        <p:spPr>
+          <a:xfrm>
+            <a:off x="323273" y="701963"/>
+            <a:ext cx="11342253" cy="5671127"/>
+          </a:xfrm>
+          <a:prstGeom prst="rect">
+            <a:avLst/>
+          </a:prstGeom>
+        </p:spPr>
+      </p:pic>
     </p:spTree>
     <p:extLst>
       <p:ext uri="{BB962C8B-B14F-4D97-AF65-F5344CB8AC3E}">
-        <p14:creationId xmlns:p14="http://schemas.microsoft.com/office/powerpoint/2010/main" val="2600805086"/>
+        <p14:creationId xmlns:p14="http://schemas.microsoft.com/office/powerpoint/2010/main" val="1076197477"/>
       </p:ext>
     </p:extLst>
   </p:cSld>
@@ -6754,6 +6900,17 @@
 <file path=ppt/slides/slide27.xml><?xml version="1.0" encoding="utf-8"?>
 <p:sld xmlns:a="http://schemas.openxmlformats.org/drawingml/2006/main" xmlns:r="http://schemas.openxmlformats.org/officeDocument/2006/relationships" xmlns:p="http://schemas.openxmlformats.org/presentationml/2006/main">
   <p:cSld>
+    <p:bg>
+      <p:bgPr>
+        <a:solidFill>
+          <a:schemeClr val="accent2">
+            <a:lumMod val="40000"/>
+            <a:lumOff val="60000"/>
+          </a:schemeClr>
+        </a:solidFill>
+        <a:effectLst/>
+      </p:bgPr>
+    </p:bg>
     <p:spTree>
       <p:nvGrpSpPr>
         <p:cNvPr id="1" name=""/>
@@ -6780,8 +6937,8 @@
         </p:nvSpPr>
         <p:spPr>
           <a:xfrm>
-            <a:off x="838200" y="0"/>
-            <a:ext cx="10515600" cy="864211"/>
+            <a:off x="838200" y="365125"/>
+            <a:ext cx="10515600" cy="493857"/>
           </a:xfrm>
         </p:spPr>
         <p:txBody>
@@ -6790,51 +6947,49 @@
           </a:bodyPr>
           <a:lstStyle/>
           <a:p>
-            <a:r>
-              <a:rPr lang="fr-FR" sz="2800" dirty="0"/>
-              <a:t>2) Boite noire</a:t>
-            </a:r>
-            <a:br>
-              <a:rPr lang="fr-FR" sz="2800" dirty="0"/>
-            </a:br>
-            <a:r>
-              <a:rPr lang="fr-FR" sz="2800" dirty="0"/>
-              <a:t>	</a:t>
-            </a:r>
-            <a:r>
-              <a:rPr lang="fr-FR" sz="2400" dirty="0"/>
-              <a:t>a) Principe de fonctionnement</a:t>
-            </a:r>
-            <a:endParaRPr lang="fr-FR" sz="2800" dirty="0"/>
-          </a:p>
-        </p:txBody>
-      </p:sp>
-      <p:sp>
-        <p:nvSpPr>
-          <p:cNvPr id="3" name="Espace réservé du contenu 2"/>
-          <p:cNvSpPr>
-            <a:spLocks noGrp="1"/>
-          </p:cNvSpPr>
-          <p:nvPr>
-            <p:ph idx="1"/>
-          </p:nvPr>
-        </p:nvSpPr>
-        <p:spPr/>
-        <p:txBody>
-          <a:bodyPr/>
-          <a:lstStyle/>
-          <a:p>
-            <a:pPr marL="0" indent="0">
-              <a:buNone/>
-            </a:pPr>
-            <a:endParaRPr lang="fr-FR" dirty="0"/>
-          </a:p>
-        </p:txBody>
-      </p:sp>
+            <a:pPr algn="ctr"/>
+            <a:r>
+              <a:rPr lang="fr-FR" sz="2200" dirty="0" smtClean="0"/>
+              <a:t>e) Afficheur LED </a:t>
+            </a:r>
+            <a:endParaRPr lang="fr-FR" sz="2200" dirty="0"/>
+          </a:p>
+        </p:txBody>
+      </p:sp>
+      <p:pic>
+        <p:nvPicPr>
+          <p:cNvPr id="4" name="Image 3"/>
+          <p:cNvPicPr>
+            <a:picLocks noChangeAspect="1"/>
+          </p:cNvPicPr>
+          <p:nvPr/>
+        </p:nvPicPr>
+        <p:blipFill>
+          <a:blip r:embed="rId2">
+            <a:extLst>
+              <a:ext uri="{28A0092B-C50C-407E-A947-70E740481C1C}">
+                <a14:useLocalDpi xmlns:a14="http://schemas.microsoft.com/office/drawing/2010/main" val="0"/>
+              </a:ext>
+            </a:extLst>
+          </a:blip>
+          <a:stretch>
+            <a:fillRect/>
+          </a:stretch>
+        </p:blipFill>
+        <p:spPr>
+          <a:xfrm>
+            <a:off x="1484415" y="1035614"/>
+            <a:ext cx="9223170" cy="4949550"/>
+          </a:xfrm>
+          <a:prstGeom prst="rect">
+            <a:avLst/>
+          </a:prstGeom>
+        </p:spPr>
+      </p:pic>
     </p:spTree>
     <p:extLst>
       <p:ext uri="{BB962C8B-B14F-4D97-AF65-F5344CB8AC3E}">
-        <p14:creationId xmlns:p14="http://schemas.microsoft.com/office/powerpoint/2010/main" val="4282450701"/>
+        <p14:creationId xmlns:p14="http://schemas.microsoft.com/office/powerpoint/2010/main" val="3354628274"/>
       </p:ext>
     </p:extLst>
   </p:cSld>
@@ -6847,6 +7002,17 @@
 <file path=ppt/slides/slide28.xml><?xml version="1.0" encoding="utf-8"?>
 <p:sld xmlns:a="http://schemas.openxmlformats.org/drawingml/2006/main" xmlns:r="http://schemas.openxmlformats.org/officeDocument/2006/relationships" xmlns:p="http://schemas.openxmlformats.org/presentationml/2006/main">
   <p:cSld>
+    <p:bg>
+      <p:bgPr>
+        <a:solidFill>
+          <a:schemeClr val="accent2">
+            <a:lumMod val="40000"/>
+            <a:lumOff val="60000"/>
+          </a:schemeClr>
+        </a:solidFill>
+        <a:effectLst/>
+      </p:bgPr>
+    </p:bg>
     <p:spTree>
       <p:nvGrpSpPr>
         <p:cNvPr id="1" name=""/>
@@ -6871,162 +7037,65 @@
             <p:ph type="title"/>
           </p:nvPr>
         </p:nvSpPr>
-        <p:spPr/>
-        <p:txBody>
-          <a:bodyPr/>
-          <a:lstStyle/>
-          <a:p>
-            <a:r>
-              <a:rPr lang="fr-FR" dirty="0">
-                <a:solidFill>
-                  <a:schemeClr val="accent6">
-                    <a:lumMod val="75000"/>
-                  </a:schemeClr>
-                </a:solidFill>
-              </a:rPr>
-              <a:t>Etudiant 3 : </a:t>
-            </a:r>
-            <a:r>
-              <a:rPr lang="fr-FR" dirty="0" err="1">
-                <a:solidFill>
-                  <a:schemeClr val="accent6">
-                    <a:lumMod val="75000"/>
-                  </a:schemeClr>
-                </a:solidFill>
-              </a:rPr>
-              <a:t>Lapraye</a:t>
-            </a:r>
-            <a:r>
-              <a:rPr lang="fr-FR" dirty="0">
-                <a:solidFill>
-                  <a:schemeClr val="accent6">
-                    <a:lumMod val="75000"/>
-                  </a:schemeClr>
-                </a:solidFill>
-              </a:rPr>
-              <a:t> Serge</a:t>
-            </a:r>
-          </a:p>
-        </p:txBody>
-      </p:sp>
-      <p:sp>
-        <p:nvSpPr>
-          <p:cNvPr id="3" name="Espace réservé du contenu 2"/>
-          <p:cNvSpPr>
-            <a:spLocks noGrp="1"/>
-          </p:cNvSpPr>
-          <p:nvPr>
-            <p:ph idx="1"/>
-          </p:nvPr>
-        </p:nvSpPr>
-        <p:spPr/>
+        <p:spPr>
+          <a:xfrm>
+            <a:off x="838200" y="365125"/>
+            <a:ext cx="10515600" cy="493857"/>
+          </a:xfrm>
+        </p:spPr>
         <p:txBody>
           <a:bodyPr>
-            <a:normAutofit fontScale="92500" lnSpcReduction="20000"/>
+            <a:normAutofit/>
           </a:bodyPr>
           <a:lstStyle/>
           <a:p>
-            <a:r>
-              <a:rPr lang="fr-FR" dirty="0"/>
-              <a:t>I) Analyse complète du système</a:t>
-            </a:r>
-          </a:p>
-          <a:p>
-            <a:pPr lvl="1"/>
-            <a:r>
-              <a:rPr lang="fr-FR" dirty="0"/>
-              <a:t>1) Diagramme de cas d’utilisation</a:t>
-            </a:r>
-          </a:p>
-          <a:p>
-            <a:pPr lvl="1"/>
-            <a:r>
-              <a:rPr lang="fr-FR" dirty="0"/>
-              <a:t>2) Scénario</a:t>
-            </a:r>
-          </a:p>
-          <a:p>
-            <a:pPr lvl="1"/>
-            <a:r>
-              <a:rPr lang="fr-FR" dirty="0"/>
-              <a:t>3) Diagramme de séquence</a:t>
-            </a:r>
-          </a:p>
-          <a:p>
-            <a:pPr lvl="2"/>
-            <a:r>
-              <a:rPr lang="fr-FR" dirty="0"/>
-              <a:t>a) Affichage des infos en temps réels</a:t>
-            </a:r>
-          </a:p>
-          <a:p>
-            <a:pPr lvl="2"/>
-            <a:r>
-              <a:rPr lang="fr-FR" dirty="0"/>
-              <a:t>b) Switch de page de par le C++</a:t>
-            </a:r>
-          </a:p>
-          <a:p>
-            <a:r>
-              <a:rPr lang="fr-FR" dirty="0"/>
-              <a:t>II) Etude physique du WI-FI</a:t>
-            </a:r>
-          </a:p>
-          <a:p>
-            <a:pPr lvl="1"/>
-            <a:r>
-              <a:rPr lang="fr-FR" dirty="0"/>
-              <a:t>1) Fonctionnement</a:t>
-            </a:r>
-          </a:p>
-          <a:p>
-            <a:pPr lvl="2"/>
-            <a:r>
-              <a:rPr lang="fr-FR" dirty="0"/>
-              <a:t>a) Introduction du wifi</a:t>
-            </a:r>
-          </a:p>
-          <a:p>
-            <a:pPr lvl="2"/>
-            <a:r>
-              <a:rPr lang="fr-FR" dirty="0"/>
-              <a:t>b) Principe du wifi</a:t>
-            </a:r>
-          </a:p>
-          <a:p>
-            <a:pPr lvl="2"/>
-            <a:r>
-              <a:rPr lang="fr-FR" dirty="0"/>
-              <a:t>c) Principes de fonctionnements</a:t>
-            </a:r>
-          </a:p>
-          <a:p>
-            <a:pPr lvl="1"/>
-            <a:r>
-              <a:rPr lang="fr-FR" dirty="0"/>
-              <a:t>2) Utilisation et choix du WI-FI</a:t>
-            </a:r>
-          </a:p>
-          <a:p>
-            <a:pPr lvl="2"/>
-            <a:r>
-              <a:rPr lang="fr-FR" dirty="0"/>
-              <a:t>a) Utilisation précise du wifi</a:t>
-            </a:r>
-          </a:p>
-          <a:p>
-            <a:pPr lvl="2"/>
-            <a:r>
-              <a:rPr lang="fr-FR" dirty="0"/>
-              <a:t>b) Le choix du wifi</a:t>
-            </a:r>
-          </a:p>
-        </p:txBody>
-      </p:sp>
+            <a:pPr algn="ctr"/>
+            <a:r>
+              <a:rPr lang="fr-FR" sz="2200" dirty="0"/>
+              <a:t>f</a:t>
+            </a:r>
+            <a:r>
+              <a:rPr lang="fr-FR" sz="2200" dirty="0" smtClean="0"/>
+              <a:t>) Mettre fin à une course </a:t>
+            </a:r>
+            <a:endParaRPr lang="fr-FR" sz="2200" dirty="0"/>
+          </a:p>
+        </p:txBody>
+      </p:sp>
+      <p:pic>
+        <p:nvPicPr>
+          <p:cNvPr id="3" name="Image 2"/>
+          <p:cNvPicPr>
+            <a:picLocks noChangeAspect="1"/>
+          </p:cNvPicPr>
+          <p:nvPr/>
+        </p:nvPicPr>
+        <p:blipFill>
+          <a:blip r:embed="rId2">
+            <a:extLst>
+              <a:ext uri="{28A0092B-C50C-407E-A947-70E740481C1C}">
+                <a14:useLocalDpi xmlns:a14="http://schemas.microsoft.com/office/drawing/2010/main" val="0"/>
+              </a:ext>
+            </a:extLst>
+          </a:blip>
+          <a:stretch>
+            <a:fillRect/>
+          </a:stretch>
+        </p:blipFill>
+        <p:spPr>
+          <a:xfrm>
+            <a:off x="1918312" y="1387468"/>
+            <a:ext cx="8355376" cy="3443149"/>
+          </a:xfrm>
+          <a:prstGeom prst="rect">
+            <a:avLst/>
+          </a:prstGeom>
+        </p:spPr>
+      </p:pic>
     </p:spTree>
     <p:extLst>
       <p:ext uri="{BB962C8B-B14F-4D97-AF65-F5344CB8AC3E}">
-        <p14:creationId xmlns:p14="http://schemas.microsoft.com/office/powerpoint/2010/main" val="1010092771"/>
+        <p14:creationId xmlns:p14="http://schemas.microsoft.com/office/powerpoint/2010/main" val="3054975187"/>
       </p:ext>
     </p:extLst>
   </p:cSld>
@@ -7039,6 +7108,17 @@
 <file path=ppt/slides/slide29.xml><?xml version="1.0" encoding="utf-8"?>
 <p:sld xmlns:a="http://schemas.openxmlformats.org/drawingml/2006/main" xmlns:r="http://schemas.openxmlformats.org/officeDocument/2006/relationships" xmlns:p="http://schemas.openxmlformats.org/presentationml/2006/main">
   <p:cSld>
+    <p:bg>
+      <p:bgPr>
+        <a:solidFill>
+          <a:schemeClr val="accent2">
+            <a:lumMod val="40000"/>
+            <a:lumOff val="60000"/>
+          </a:schemeClr>
+        </a:solidFill>
+        <a:effectLst/>
+      </p:bgPr>
+    </p:bg>
     <p:spTree>
       <p:nvGrpSpPr>
         <p:cNvPr id="1" name=""/>
@@ -7065,74 +7145,142 @@
         </p:nvSpPr>
         <p:spPr>
           <a:xfrm>
-            <a:off x="838199" y="1"/>
-            <a:ext cx="10515600" cy="923192"/>
+            <a:off x="838200" y="0"/>
+            <a:ext cx="10515600" cy="487729"/>
           </a:xfrm>
         </p:spPr>
         <p:txBody>
           <a:bodyPr>
-            <a:noAutofit/>
+            <a:normAutofit/>
           </a:bodyPr>
           <a:lstStyle/>
           <a:p>
             <a:pPr algn="ctr"/>
             <a:r>
-              <a:rPr lang="fr-FR" sz="3200" dirty="0"/>
-              <a:t>I) Analyse complète du système</a:t>
-            </a:r>
-            <a:r>
-              <a:rPr lang="fr-FR" sz="4000" dirty="0"/>
-              <a:t/>
-            </a:r>
-            <a:br>
-              <a:rPr lang="fr-FR" sz="4000" dirty="0"/>
-            </a:br>
-            <a:r>
-              <a:rPr lang="fr-FR" sz="3600" dirty="0"/>
-              <a:t>	</a:t>
-            </a:r>
+              <a:rPr lang="fr-FR" sz="2800" dirty="0"/>
+              <a:t>3) Scénario</a:t>
+            </a:r>
+          </a:p>
+        </p:txBody>
+      </p:sp>
+      <p:sp>
+        <p:nvSpPr>
+          <p:cNvPr id="3" name="Espace réservé du contenu 2"/>
+          <p:cNvSpPr>
+            <a:spLocks noGrp="1"/>
+          </p:cNvSpPr>
+          <p:nvPr>
+            <p:ph idx="1"/>
+          </p:nvPr>
+        </p:nvSpPr>
+        <p:spPr>
+          <a:xfrm>
+            <a:off x="838200" y="805717"/>
+            <a:ext cx="10515600" cy="5217014"/>
+          </a:xfrm>
+        </p:spPr>
+        <p:txBody>
+          <a:bodyPr>
+            <a:normAutofit fontScale="92500" lnSpcReduction="20000"/>
+          </a:bodyPr>
+          <a:lstStyle/>
+          <a:p>
+            <a:pPr lvl="0"/>
             <a:r>
               <a:rPr lang="fr-FR" sz="2400" dirty="0"/>
-              <a:t>1) Diagramme de cas d’utilisation</a:t>
-            </a:r>
-            <a:endParaRPr lang="fr-FR" sz="2800" dirty="0"/>
-          </a:p>
-        </p:txBody>
-      </p:sp>
-      <p:pic>
-        <p:nvPicPr>
-          <p:cNvPr id="7" name="Picture 6">
-            <a:extLst>
-              <a:ext uri="{FF2B5EF4-FFF2-40B4-BE49-F238E27FC236}">
-                <a16:creationId xmlns:a16="http://schemas.microsoft.com/office/drawing/2014/main" id="{D1498DC8-3A56-4B21-92A2-73E08A61791E}"/>
-              </a:ext>
-            </a:extLst>
-          </p:cNvPr>
-          <p:cNvPicPr>
-            <a:picLocks noChangeAspect="1"/>
-          </p:cNvPicPr>
-          <p:nvPr/>
-        </p:nvPicPr>
-        <p:blipFill>
-          <a:blip r:embed="rId2"/>
-          <a:stretch>
-            <a:fillRect/>
-          </a:stretch>
-        </p:blipFill>
-        <p:spPr>
-          <a:xfrm>
-            <a:off x="1205948" y="1029211"/>
-            <a:ext cx="10274302" cy="5923722"/>
-          </a:xfrm>
-          <a:prstGeom prst="rect">
-            <a:avLst/>
-          </a:prstGeom>
-        </p:spPr>
-      </p:pic>
+              <a:t>Le commissaire de course lance l’application C++.</a:t>
+            </a:r>
+          </a:p>
+          <a:p>
+            <a:pPr marL="0" lvl="0" indent="0">
+              <a:buNone/>
+            </a:pPr>
+            <a:r>
+              <a:rPr lang="fr-FR" sz="2400" dirty="0"/>
+              <a:t> </a:t>
+            </a:r>
+          </a:p>
+          <a:p>
+            <a:pPr lvl="0"/>
+            <a:r>
+              <a:rPr lang="fr-FR" sz="2400" dirty="0"/>
+              <a:t>Il va sélectionner la course qu’il voudra démarrer.</a:t>
+            </a:r>
+          </a:p>
+          <a:p>
+            <a:pPr marL="0" lvl="0" indent="0">
+              <a:buNone/>
+            </a:pPr>
+            <a:endParaRPr lang="fr-FR" sz="2400" dirty="0"/>
+          </a:p>
+          <a:p>
+            <a:pPr lvl="0"/>
+            <a:r>
+              <a:rPr lang="fr-FR" sz="2400" dirty="0"/>
+              <a:t>Il va ensuite cliquer sur le bouton de démarrage de la course.</a:t>
+            </a:r>
+          </a:p>
+          <a:p>
+            <a:pPr marL="0" lvl="0" indent="0">
+              <a:buNone/>
+            </a:pPr>
+            <a:endParaRPr lang="fr-FR" sz="2400" dirty="0"/>
+          </a:p>
+          <a:p>
+            <a:pPr lvl="0"/>
+            <a:r>
+              <a:rPr lang="fr-FR" sz="2400" dirty="0"/>
+              <a:t>Une fois la course démarrée, il pourra cliquer sur « afficheur LED » s’il y en a un. </a:t>
+            </a:r>
+          </a:p>
+          <a:p>
+            <a:pPr marL="0" lvl="0" indent="0">
+              <a:buNone/>
+            </a:pPr>
+            <a:endParaRPr lang="fr-FR" sz="2400" dirty="0"/>
+          </a:p>
+          <a:p>
+            <a:pPr lvl="0"/>
+            <a:r>
+              <a:rPr lang="fr-FR" sz="2400" dirty="0"/>
+              <a:t>L’afficheur LED va afficher le temps du premier ou/et le temps moyen des coureurs.</a:t>
+            </a:r>
+          </a:p>
+          <a:p>
+            <a:pPr marL="0" lvl="0" indent="0">
+              <a:buNone/>
+            </a:pPr>
+            <a:endParaRPr lang="fr-FR" sz="2400" dirty="0"/>
+          </a:p>
+          <a:p>
+            <a:pPr lvl="0"/>
+            <a:r>
+              <a:rPr lang="fr-FR" sz="2400" dirty="0"/>
+              <a:t> Quand le lecteur RFID aura détecté un coureur, il enverra ses informations à la base de données.</a:t>
+            </a:r>
+          </a:p>
+          <a:p>
+            <a:pPr marL="0" lvl="0" indent="0">
+              <a:buNone/>
+            </a:pPr>
+            <a:endParaRPr lang="fr-FR" sz="2400" dirty="0"/>
+          </a:p>
+          <a:p>
+            <a:pPr lvl="0"/>
+            <a:r>
+              <a:rPr lang="fr-FR" sz="2400" dirty="0"/>
+              <a:t>Les informations pourront être ensuite traitées.</a:t>
+            </a:r>
+          </a:p>
+          <a:p>
+            <a:endParaRPr lang="fr-FR" dirty="0"/>
+          </a:p>
+        </p:txBody>
+      </p:sp>
     </p:spTree>
     <p:extLst>
       <p:ext uri="{BB962C8B-B14F-4D97-AF65-F5344CB8AC3E}">
-        <p14:creationId xmlns:p14="http://schemas.microsoft.com/office/powerpoint/2010/main" val="2859212620"/>
+        <p14:creationId xmlns:p14="http://schemas.microsoft.com/office/powerpoint/2010/main" val="1024622025"/>
       </p:ext>
     </p:extLst>
   </p:cSld>
@@ -7145,6 +7293,14 @@
 <file path=ppt/slides/slide3.xml><?xml version="1.0" encoding="utf-8"?>
 <p:sld xmlns:a="http://schemas.openxmlformats.org/drawingml/2006/main" xmlns:r="http://schemas.openxmlformats.org/officeDocument/2006/relationships" xmlns:p="http://schemas.openxmlformats.org/presentationml/2006/main">
   <p:cSld>
+    <p:bg>
+      <p:bgPr>
+        <a:solidFill>
+          <a:schemeClr val="bg2"/>
+        </a:solidFill>
+        <a:effectLst/>
+      </p:bgPr>
+    </p:bg>
     <p:spTree>
       <p:nvGrpSpPr>
         <p:cNvPr id="1" name=""/>
@@ -7242,6 +7398,17 @@
 <file path=ppt/slides/slide30.xml><?xml version="1.0" encoding="utf-8"?>
 <p:sld xmlns:a="http://schemas.openxmlformats.org/drawingml/2006/main" xmlns:r="http://schemas.openxmlformats.org/officeDocument/2006/relationships" xmlns:p="http://schemas.openxmlformats.org/presentationml/2006/main">
   <p:cSld>
+    <p:bg>
+      <p:bgPr>
+        <a:solidFill>
+          <a:schemeClr val="accent2">
+            <a:lumMod val="40000"/>
+            <a:lumOff val="60000"/>
+          </a:schemeClr>
+        </a:solidFill>
+        <a:effectLst/>
+      </p:bgPr>
+    </p:bg>
     <p:spTree>
       <p:nvGrpSpPr>
         <p:cNvPr id="1" name=""/>
@@ -7268,21 +7435,58 @@
         </p:nvSpPr>
         <p:spPr>
           <a:xfrm>
-            <a:off x="838200" y="0"/>
-            <a:ext cx="10515600" cy="487729"/>
+            <a:off x="838200" y="-1"/>
+            <a:ext cx="10515600" cy="1512277"/>
           </a:xfrm>
         </p:spPr>
         <p:txBody>
           <a:bodyPr>
-            <a:normAutofit/>
+            <a:normAutofit fontScale="90000"/>
           </a:bodyPr>
           <a:lstStyle/>
           <a:p>
-            <a:pPr algn="ctr"/>
+            <a:r>
+              <a:rPr lang="fr-FR" sz="3600" dirty="0"/>
+              <a:t>II) Etude physique lecteur RFID pour les courses</a:t>
+            </a:r>
+            <a:br>
+              <a:rPr lang="fr-FR" sz="3600" dirty="0"/>
+            </a:br>
+            <a:r>
+              <a:rPr lang="fr-FR" sz="3600" dirty="0"/>
+              <a:t>	</a:t>
+            </a:r>
+            <a:r>
+              <a:rPr lang="fr-FR" sz="3100" dirty="0"/>
+              <a:t>1) Matériel</a:t>
+            </a:r>
             <a:r>
               <a:rPr lang="fr-FR" sz="2800" dirty="0"/>
-              <a:t>2) Scénario</a:t>
-            </a:r>
+              <a:t/>
+            </a:r>
+            <a:br>
+              <a:rPr lang="fr-FR" sz="2800" dirty="0"/>
+            </a:br>
+            <a:r>
+              <a:rPr lang="fr-FR" sz="2800" dirty="0"/>
+              <a:t>		</a:t>
+            </a:r>
+            <a:r>
+              <a:rPr lang="fr-FR" sz="2400" dirty="0"/>
+              <a:t>a) Antenne</a:t>
+            </a:r>
+            <a:br>
+              <a:rPr lang="fr-FR" sz="2400" dirty="0"/>
+            </a:br>
+            <a:r>
+              <a:rPr lang="fr-FR" sz="2400" dirty="0"/>
+              <a:t>		b) Dossard </a:t>
+            </a:r>
+            <a:r>
+              <a:rPr lang="fr-FR" sz="2400" dirty="0" err="1"/>
+              <a:t>DAGs</a:t>
+            </a:r>
+            <a:endParaRPr lang="fr-FR" sz="3600" dirty="0"/>
           </a:p>
         </p:txBody>
       </p:sp>
@@ -7298,49 +7502,522 @@
         </p:nvSpPr>
         <p:spPr>
           <a:xfrm>
-            <a:off x="360485" y="805716"/>
-            <a:ext cx="10993315" cy="5647837"/>
-          </a:xfrm>
-        </p:spPr>
-        <p:txBody>
-          <a:bodyPr>
-            <a:normAutofit fontScale="92500" lnSpcReduction="10000"/>
-          </a:bodyPr>
-          <a:lstStyle/>
-          <a:p>
-            <a:r>
-              <a:rPr lang="fr-FR" sz="2600" dirty="0"/>
-              <a:t>1 . L’utilisateur à fini sa course et veut connaître son classement donc il se rend sur le site et  renseigne ses identifiants . Une fois connecté il appuie sur le bouton « afficher le classement » et son classement s’affiche  .</a:t>
-            </a:r>
-          </a:p>
-          <a:p>
-            <a:r>
-              <a:rPr lang="fr-FR" sz="2600" dirty="0"/>
-              <a:t>2 . L’utilisateur veut connaître son classement par rapport à sa classe donc il se rend sur le site et  appuie sur l’onglet « afficher le classement par classe » . Le classement se trie par rapport aux participants de la classe de l’utilisateur et affiche un nouveau classement.</a:t>
-            </a:r>
-          </a:p>
-          <a:p>
-            <a:r>
-              <a:rPr lang="fr-FR" sz="2600" dirty="0"/>
-              <a:t>3 . L’utilisateur veut afficher son temps de course donc il se rend sur le site et appuie sur l’onglet « afficher le temps de course » et le temps de course de l’utilisateur s’affiche .</a:t>
-            </a:r>
-          </a:p>
-          <a:p>
-            <a:r>
-              <a:rPr lang="fr-FR" sz="2600" dirty="0"/>
-              <a:t>4 . L’utilisateur veut connaître la moyenne du temps de course donc il appuie sur l’onglet « Afficher la moyenne du temps de course » et la moyenne du temps de course s’affiche et l’utilisateur peut comparer son temps avec celui de la course. </a:t>
-            </a:r>
-          </a:p>
-          <a:p>
-            <a:r>
-              <a:rPr lang="fr-FR" sz="2600" dirty="0"/>
-              <a:t>5. L’utilisateur veut se renseigner sur la prochaine course programmé et se rend sur le site , si une course est programmé il apprend la date de celle – ci autrement , il aperçoit le message « aucune course est programmé prochainement » . </a:t>
-            </a:r>
+            <a:off x="838200" y="1864072"/>
+            <a:ext cx="7391400" cy="2007466"/>
+          </a:xfrm>
+        </p:spPr>
+        <p:txBody>
+          <a:bodyPr/>
+          <a:lstStyle/>
+          <a:p>
+            <a:r>
+              <a:rPr lang="fr-FR" sz="1600" dirty="0"/>
+              <a:t>Le DAG est une puce passive (13,56 Mhz) de haute fréquence. </a:t>
+            </a:r>
+            <a:endParaRPr lang="fr-FR" sz="1600" dirty="0" smtClean="0"/>
+          </a:p>
+          <a:p>
+            <a:r>
+              <a:rPr lang="fr-FR" sz="1600" dirty="0" smtClean="0"/>
+              <a:t>Il </a:t>
+            </a:r>
+            <a:r>
+              <a:rPr lang="fr-FR" sz="1600" dirty="0"/>
+              <a:t>doit être activé pour communiquer. </a:t>
+            </a:r>
+          </a:p>
+          <a:p>
+            <a:r>
+              <a:rPr lang="fr-FR" sz="1600" dirty="0"/>
+              <a:t>Le boitier d’interface + l’antenne créent un </a:t>
+            </a:r>
+            <a:endParaRPr lang="fr-FR" sz="1600" dirty="0"/>
           </a:p>
           <a:p>
             <a:pPr marL="0" indent="0">
               <a:buNone/>
             </a:pPr>
+            <a:r>
+              <a:rPr lang="fr-FR" sz="1600" dirty="0" smtClean="0"/>
+              <a:t>champ </a:t>
+            </a:r>
+            <a:r>
+              <a:rPr lang="fr-FR" sz="1600" dirty="0"/>
+              <a:t>magnétique pour activer la puce. </a:t>
+            </a:r>
+          </a:p>
+          <a:p>
+            <a:r>
+              <a:rPr lang="fr-FR" sz="1600" dirty="0"/>
+              <a:t>Le lecteur communique avec la puce. </a:t>
+            </a:r>
+          </a:p>
+          <a:p>
+            <a:endParaRPr lang="fr-FR" dirty="0"/>
+          </a:p>
+        </p:txBody>
+      </p:sp>
+      <p:pic>
+        <p:nvPicPr>
+          <p:cNvPr id="4" name="Image 3"/>
+          <p:cNvPicPr/>
+          <p:nvPr/>
+        </p:nvPicPr>
+        <p:blipFill rotWithShape="1">
+          <a:blip r:embed="rId2">
+            <a:extLst>
+              <a:ext uri="{28A0092B-C50C-407E-A947-70E740481C1C}">
+                <a14:useLocalDpi xmlns:a14="http://schemas.microsoft.com/office/drawing/2010/main" val="0"/>
+              </a:ext>
+            </a:extLst>
+          </a:blip>
+          <a:srcRect l="7607" t="2145" r="4196" b="5927"/>
+          <a:stretch/>
+        </p:blipFill>
+        <p:spPr>
+          <a:xfrm>
+            <a:off x="5318991" y="2202048"/>
+            <a:ext cx="1923473" cy="1669490"/>
+          </a:xfrm>
+          <a:prstGeom prst="rect">
+            <a:avLst/>
+          </a:prstGeom>
+        </p:spPr>
+      </p:pic>
+      <p:sp>
+        <p:nvSpPr>
+          <p:cNvPr id="5" name="Rectangle 4"/>
+          <p:cNvSpPr/>
+          <p:nvPr/>
+        </p:nvSpPr>
+        <p:spPr>
+          <a:xfrm>
+            <a:off x="7506854" y="4328964"/>
+            <a:ext cx="4479637" cy="2244397"/>
+          </a:xfrm>
+          <a:prstGeom prst="rect">
+            <a:avLst/>
+          </a:prstGeom>
+        </p:spPr>
+        <p:txBody>
+          <a:bodyPr wrap="square">
+            <a:spAutoFit/>
+          </a:bodyPr>
+          <a:lstStyle/>
+          <a:p>
+            <a:pPr algn="r">
+              <a:lnSpc>
+                <a:spcPct val="107000"/>
+              </a:lnSpc>
+              <a:spcAft>
+                <a:spcPts val="800"/>
+              </a:spcAft>
+            </a:pPr>
+            <a:r>
+              <a:rPr lang="fr-FR" sz="1600" dirty="0">
+                <a:latin typeface="Calibri" panose="020F0502020204030204" pitchFamily="34" charset="0"/>
+                <a:ea typeface="SimSun" panose="02010600030101010101" pitchFamily="2" charset="-122"/>
+                <a:cs typeface="Times New Roman" panose="02020603050405020304" pitchFamily="18" charset="0"/>
+              </a:rPr>
+              <a:t>La détection se produit lorsque le participant entre dans le champ magnétique. </a:t>
+            </a:r>
+            <a:endParaRPr lang="fr-FR" sz="1400" dirty="0">
+              <a:latin typeface="Calibri" panose="020F0502020204030204" pitchFamily="34" charset="0"/>
+              <a:ea typeface="SimSun" panose="02010600030101010101" pitchFamily="2" charset="-122"/>
+              <a:cs typeface="Times New Roman" panose="02020603050405020304" pitchFamily="18" charset="0"/>
+            </a:endParaRPr>
+          </a:p>
+          <a:p>
+            <a:pPr algn="r">
+              <a:lnSpc>
+                <a:spcPct val="107000"/>
+              </a:lnSpc>
+              <a:spcAft>
+                <a:spcPts val="800"/>
+              </a:spcAft>
+            </a:pPr>
+            <a:r>
+              <a:rPr lang="fr-FR" sz="1600" dirty="0">
+                <a:latin typeface="Calibri" panose="020F0502020204030204" pitchFamily="34" charset="0"/>
+                <a:ea typeface="SimSun" panose="02010600030101010101" pitchFamily="2" charset="-122"/>
+                <a:cs typeface="Times New Roman" panose="02020603050405020304" pitchFamily="18" charset="0"/>
+              </a:rPr>
+              <a:t>Précision = 1/10 secondes. </a:t>
+            </a:r>
+            <a:endParaRPr lang="fr-FR" sz="1400" dirty="0">
+              <a:latin typeface="Calibri" panose="020F0502020204030204" pitchFamily="34" charset="0"/>
+              <a:ea typeface="SimSun" panose="02010600030101010101" pitchFamily="2" charset="-122"/>
+              <a:cs typeface="Times New Roman" panose="02020603050405020304" pitchFamily="18" charset="0"/>
+            </a:endParaRPr>
+          </a:p>
+          <a:p>
+            <a:pPr algn="r">
+              <a:lnSpc>
+                <a:spcPct val="107000"/>
+              </a:lnSpc>
+              <a:spcAft>
+                <a:spcPts val="800"/>
+              </a:spcAft>
+            </a:pPr>
+            <a:r>
+              <a:rPr lang="fr-FR" sz="1600" dirty="0">
+                <a:latin typeface="Calibri" panose="020F0502020204030204" pitchFamily="34" charset="0"/>
+                <a:ea typeface="SimSun" panose="02010600030101010101" pitchFamily="2" charset="-122"/>
+                <a:cs typeface="Times New Roman" panose="02020603050405020304" pitchFamily="18" charset="0"/>
+              </a:rPr>
+              <a:t>Un DAG ne peut pas fonctionner correctement si : </a:t>
+            </a:r>
+            <a:endParaRPr lang="fr-FR" sz="1400" dirty="0">
+              <a:latin typeface="Calibri" panose="020F0502020204030204" pitchFamily="34" charset="0"/>
+              <a:ea typeface="SimSun" panose="02010600030101010101" pitchFamily="2" charset="-122"/>
+              <a:cs typeface="Times New Roman" panose="02020603050405020304" pitchFamily="18" charset="0"/>
+            </a:endParaRPr>
+          </a:p>
+          <a:p>
+            <a:pPr marL="342900" lvl="0" indent="-342900" algn="r">
+              <a:lnSpc>
+                <a:spcPct val="107000"/>
+              </a:lnSpc>
+              <a:spcAft>
+                <a:spcPts val="0"/>
+              </a:spcAft>
+              <a:buFont typeface="Wingdings" panose="05000000000000000000" pitchFamily="2" charset="2"/>
+              <a:buChar char=""/>
+            </a:pPr>
+            <a:r>
+              <a:rPr lang="fr-FR" sz="1600" dirty="0">
+                <a:latin typeface="Calibri" panose="020F0502020204030204" pitchFamily="34" charset="0"/>
+                <a:ea typeface="Calibri" panose="020F0502020204030204" pitchFamily="34" charset="0"/>
+                <a:cs typeface="Times New Roman" panose="02020603050405020304" pitchFamily="18" charset="0"/>
+              </a:rPr>
+              <a:t> Il est collé sur du métal </a:t>
+            </a:r>
+            <a:endParaRPr lang="fr-FR" sz="1400" dirty="0">
+              <a:latin typeface="Calibri" panose="020F0502020204030204" pitchFamily="34" charset="0"/>
+              <a:ea typeface="Calibri" panose="020F0502020204030204" pitchFamily="34" charset="0"/>
+              <a:cs typeface="Times New Roman" panose="02020603050405020304" pitchFamily="18" charset="0"/>
+            </a:endParaRPr>
+          </a:p>
+          <a:p>
+            <a:pPr marL="342900" lvl="0" indent="-342900" algn="r">
+              <a:lnSpc>
+                <a:spcPct val="107000"/>
+              </a:lnSpc>
+              <a:spcAft>
+                <a:spcPts val="0"/>
+              </a:spcAft>
+              <a:buFont typeface="Wingdings" panose="05000000000000000000" pitchFamily="2" charset="2"/>
+              <a:buChar char=""/>
+            </a:pPr>
+            <a:r>
+              <a:rPr lang="fr-FR" sz="1600" dirty="0">
+                <a:latin typeface="Calibri" panose="020F0502020204030204" pitchFamily="34" charset="0"/>
+                <a:ea typeface="Calibri" panose="020F0502020204030204" pitchFamily="34" charset="0"/>
+                <a:cs typeface="Times New Roman" panose="02020603050405020304" pitchFamily="18" charset="0"/>
+              </a:rPr>
+              <a:t> Il est plié</a:t>
+            </a:r>
+            <a:endParaRPr lang="fr-FR" sz="1400" dirty="0">
+              <a:latin typeface="Calibri" panose="020F0502020204030204" pitchFamily="34" charset="0"/>
+              <a:ea typeface="Calibri" panose="020F0502020204030204" pitchFamily="34" charset="0"/>
+              <a:cs typeface="Times New Roman" panose="02020603050405020304" pitchFamily="18" charset="0"/>
+            </a:endParaRPr>
+          </a:p>
+          <a:p>
+            <a:pPr marL="342900" lvl="0" indent="-342900" algn="r">
+              <a:lnSpc>
+                <a:spcPct val="107000"/>
+              </a:lnSpc>
+              <a:spcAft>
+                <a:spcPts val="800"/>
+              </a:spcAft>
+              <a:buFont typeface="Wingdings" panose="05000000000000000000" pitchFamily="2" charset="2"/>
+              <a:buChar char=""/>
+            </a:pPr>
+            <a:r>
+              <a:rPr lang="fr-FR" sz="1600" dirty="0">
+                <a:latin typeface="Calibri" panose="020F0502020204030204" pitchFamily="34" charset="0"/>
+                <a:ea typeface="Calibri" panose="020F0502020204030204" pitchFamily="34" charset="0"/>
+                <a:cs typeface="Times New Roman" panose="02020603050405020304" pitchFamily="18" charset="0"/>
+              </a:rPr>
+              <a:t> Il est déchiré. </a:t>
+            </a:r>
+            <a:endParaRPr lang="fr-FR" sz="1400" dirty="0">
+              <a:effectLst/>
+              <a:latin typeface="Calibri" panose="020F0502020204030204" pitchFamily="34" charset="0"/>
+              <a:ea typeface="Calibri" panose="020F0502020204030204" pitchFamily="34" charset="0"/>
+              <a:cs typeface="Times New Roman" panose="02020603050405020304" pitchFamily="18" charset="0"/>
+            </a:endParaRPr>
+          </a:p>
+        </p:txBody>
+      </p:sp>
+      <p:pic>
+        <p:nvPicPr>
+          <p:cNvPr id="6" name="Image 5"/>
+          <p:cNvPicPr/>
+          <p:nvPr/>
+        </p:nvPicPr>
+        <p:blipFill rotWithShape="1">
+          <a:blip r:embed="rId3">
+            <a:extLst>
+              <a:ext uri="{28A0092B-C50C-407E-A947-70E740481C1C}">
+                <a14:useLocalDpi xmlns:a14="http://schemas.microsoft.com/office/drawing/2010/main" val="0"/>
+              </a:ext>
+            </a:extLst>
+          </a:blip>
+          <a:srcRect l="4497" t="3529" r="4497" b="5459"/>
+          <a:stretch/>
+        </p:blipFill>
+        <p:spPr>
+          <a:xfrm>
+            <a:off x="10388598" y="2867805"/>
+            <a:ext cx="1505527" cy="1426797"/>
+          </a:xfrm>
+          <a:prstGeom prst="rect">
+            <a:avLst/>
+          </a:prstGeom>
+        </p:spPr>
+      </p:pic>
+      <p:sp>
+        <p:nvSpPr>
+          <p:cNvPr id="7" name="Rectangle 6"/>
+          <p:cNvSpPr/>
+          <p:nvPr/>
+        </p:nvSpPr>
+        <p:spPr>
+          <a:xfrm>
+            <a:off x="838200" y="4328554"/>
+            <a:ext cx="3474027" cy="1878335"/>
+          </a:xfrm>
+          <a:prstGeom prst="rect">
+            <a:avLst/>
+          </a:prstGeom>
+        </p:spPr>
+        <p:txBody>
+          <a:bodyPr wrap="square">
+            <a:spAutoFit/>
+          </a:bodyPr>
+          <a:lstStyle/>
+          <a:p>
+            <a:pPr>
+              <a:lnSpc>
+                <a:spcPct val="107000"/>
+              </a:lnSpc>
+              <a:spcAft>
+                <a:spcPts val="800"/>
+              </a:spcAft>
+            </a:pPr>
+            <a:r>
+              <a:rPr lang="fr-FR" sz="1600" dirty="0">
+                <a:latin typeface="Calibri" panose="020F0502020204030204" pitchFamily="34" charset="0"/>
+                <a:ea typeface="SimSun" panose="02010600030101010101" pitchFamily="2" charset="-122"/>
+                <a:cs typeface="Times New Roman" panose="02020603050405020304" pitchFamily="18" charset="0"/>
+              </a:rPr>
+              <a:t>Un lecteur peut détecter 120 DAG / </a:t>
+            </a:r>
+            <a:r>
+              <a:rPr lang="fr-FR" sz="1600" dirty="0" smtClean="0">
+                <a:latin typeface="Calibri" panose="020F0502020204030204" pitchFamily="34" charset="0"/>
+                <a:ea typeface="SimSun" panose="02010600030101010101" pitchFamily="2" charset="-122"/>
+                <a:cs typeface="Times New Roman" panose="02020603050405020304" pitchFamily="18" charset="0"/>
+              </a:rPr>
+              <a:t>seconde.  </a:t>
+            </a:r>
+            <a:endParaRPr lang="fr-FR" sz="1400" dirty="0">
+              <a:latin typeface="Calibri" panose="020F0502020204030204" pitchFamily="34" charset="0"/>
+              <a:ea typeface="SimSun" panose="02010600030101010101" pitchFamily="2" charset="-122"/>
+              <a:cs typeface="Times New Roman" panose="02020603050405020304" pitchFamily="18" charset="0"/>
+            </a:endParaRPr>
+          </a:p>
+          <a:p>
+            <a:pPr>
+              <a:lnSpc>
+                <a:spcPct val="107000"/>
+              </a:lnSpc>
+              <a:spcAft>
+                <a:spcPts val="800"/>
+              </a:spcAft>
+            </a:pPr>
+            <a:r>
+              <a:rPr lang="fr-FR" sz="1600" dirty="0">
+                <a:latin typeface="Calibri" panose="020F0502020204030204" pitchFamily="34" charset="0"/>
+                <a:ea typeface="SimSun" panose="02010600030101010101" pitchFamily="2" charset="-122"/>
+                <a:cs typeface="Times New Roman" panose="02020603050405020304" pitchFamily="18" charset="0"/>
+              </a:rPr>
+              <a:t>Un lecteur peut être branché sur tous les types </a:t>
+            </a:r>
+            <a:r>
+              <a:rPr lang="fr-FR" sz="1600" dirty="0" smtClean="0">
+                <a:latin typeface="Calibri" panose="020F0502020204030204" pitchFamily="34" charset="0"/>
+                <a:ea typeface="SimSun" panose="02010600030101010101" pitchFamily="2" charset="-122"/>
+                <a:cs typeface="Times New Roman" panose="02020603050405020304" pitchFamily="18" charset="0"/>
+              </a:rPr>
+              <a:t>d’antennes. </a:t>
+            </a:r>
+            <a:endParaRPr lang="fr-FR" sz="1400" dirty="0">
+              <a:latin typeface="Calibri" panose="020F0502020204030204" pitchFamily="34" charset="0"/>
+              <a:ea typeface="SimSun" panose="02010600030101010101" pitchFamily="2" charset="-122"/>
+              <a:cs typeface="Times New Roman" panose="02020603050405020304" pitchFamily="18" charset="0"/>
+            </a:endParaRPr>
+          </a:p>
+          <a:p>
+            <a:pPr>
+              <a:lnSpc>
+                <a:spcPct val="107000"/>
+              </a:lnSpc>
+              <a:spcAft>
+                <a:spcPts val="800"/>
+              </a:spcAft>
+            </a:pPr>
+            <a:r>
+              <a:rPr lang="fr-FR" sz="1600" dirty="0">
+                <a:latin typeface="Calibri" panose="020F0502020204030204" pitchFamily="34" charset="0"/>
+                <a:ea typeface="SimSun" panose="02010600030101010101" pitchFamily="2" charset="-122"/>
+                <a:cs typeface="Times New Roman" panose="02020603050405020304" pitchFamily="18" charset="0"/>
+              </a:rPr>
+              <a:t>Les lecteurs DAG System sont conçu pour lire uniquement les </a:t>
+            </a:r>
+            <a:r>
+              <a:rPr lang="fr-FR" sz="1600" dirty="0" err="1">
+                <a:latin typeface="Calibri" panose="020F0502020204030204" pitchFamily="34" charset="0"/>
+                <a:ea typeface="SimSun" panose="02010600030101010101" pitchFamily="2" charset="-122"/>
+                <a:cs typeface="Times New Roman" panose="02020603050405020304" pitchFamily="18" charset="0"/>
+              </a:rPr>
+              <a:t>DAGs</a:t>
+            </a:r>
+            <a:r>
+              <a:rPr lang="fr-FR" sz="1600" dirty="0">
+                <a:latin typeface="Calibri" panose="020F0502020204030204" pitchFamily="34" charset="0"/>
+                <a:ea typeface="SimSun" panose="02010600030101010101" pitchFamily="2" charset="-122"/>
+                <a:cs typeface="Times New Roman" panose="02020603050405020304" pitchFamily="18" charset="0"/>
+              </a:rPr>
+              <a:t>.</a:t>
+            </a:r>
+            <a:endParaRPr lang="fr-FR" sz="1400" dirty="0">
+              <a:effectLst/>
+              <a:latin typeface="Calibri" panose="020F0502020204030204" pitchFamily="34" charset="0"/>
+              <a:ea typeface="SimSun" panose="02010600030101010101" pitchFamily="2" charset="-122"/>
+              <a:cs typeface="Times New Roman" panose="02020603050405020304" pitchFamily="18" charset="0"/>
+            </a:endParaRPr>
+          </a:p>
+        </p:txBody>
+      </p:sp>
+      <p:pic>
+        <p:nvPicPr>
+          <p:cNvPr id="8" name="Image 7"/>
+          <p:cNvPicPr/>
+          <p:nvPr/>
+        </p:nvPicPr>
+        <p:blipFill rotWithShape="1">
+          <a:blip r:embed="rId4">
+            <a:extLst>
+              <a:ext uri="{28A0092B-C50C-407E-A947-70E740481C1C}">
+                <a14:useLocalDpi xmlns:a14="http://schemas.microsoft.com/office/drawing/2010/main" val="0"/>
+              </a:ext>
+            </a:extLst>
+          </a:blip>
+          <a:srcRect l="2692" t="1251" r="5783" b="5113"/>
+          <a:stretch/>
+        </p:blipFill>
+        <p:spPr>
+          <a:xfrm>
+            <a:off x="4533900" y="4649113"/>
+            <a:ext cx="1570183" cy="1382423"/>
+          </a:xfrm>
+          <a:prstGeom prst="rect">
+            <a:avLst/>
+          </a:prstGeom>
+        </p:spPr>
+      </p:pic>
+      <p:sp>
+        <p:nvSpPr>
+          <p:cNvPr id="9" name="ZoneTexte 8"/>
+          <p:cNvSpPr txBox="1"/>
+          <p:nvPr/>
+        </p:nvSpPr>
+        <p:spPr>
+          <a:xfrm>
+            <a:off x="7620000" y="2336800"/>
+            <a:ext cx="4451927" cy="4350327"/>
+          </a:xfrm>
+          <a:prstGeom prst="rect">
+            <a:avLst/>
+          </a:prstGeom>
+          <a:noFill/>
+          <a:ln>
+            <a:solidFill>
+              <a:schemeClr val="tx1"/>
+            </a:solidFill>
+          </a:ln>
+        </p:spPr>
+        <p:txBody>
+          <a:bodyPr wrap="square" rtlCol="0">
+            <a:spAutoFit/>
+          </a:bodyPr>
+          <a:lstStyle/>
+          <a:p>
+            <a:endParaRPr lang="fr-FR" dirty="0"/>
+          </a:p>
+        </p:txBody>
+      </p:sp>
+      <p:sp>
+        <p:nvSpPr>
+          <p:cNvPr id="10" name="ZoneTexte 9"/>
+          <p:cNvSpPr txBox="1"/>
+          <p:nvPr/>
+        </p:nvSpPr>
+        <p:spPr>
+          <a:xfrm>
+            <a:off x="711200" y="1764145"/>
+            <a:ext cx="6659418" cy="2355273"/>
+          </a:xfrm>
+          <a:prstGeom prst="rect">
+            <a:avLst/>
+          </a:prstGeom>
+          <a:noFill/>
+          <a:ln>
+            <a:solidFill>
+              <a:schemeClr val="tx1"/>
+            </a:solidFill>
+          </a:ln>
+        </p:spPr>
+        <p:txBody>
+          <a:bodyPr wrap="square" rtlCol="0">
+            <a:spAutoFit/>
+          </a:bodyPr>
+          <a:lstStyle/>
+          <a:p>
+            <a:endParaRPr lang="fr-FR" dirty="0"/>
+          </a:p>
+        </p:txBody>
+      </p:sp>
+      <p:sp>
+        <p:nvSpPr>
+          <p:cNvPr id="11" name="ZoneTexte 10"/>
+          <p:cNvSpPr txBox="1"/>
+          <p:nvPr/>
+        </p:nvSpPr>
+        <p:spPr>
+          <a:xfrm>
+            <a:off x="711200" y="4328554"/>
+            <a:ext cx="5800436" cy="2090719"/>
+          </a:xfrm>
+          <a:prstGeom prst="rect">
+            <a:avLst/>
+          </a:prstGeom>
+          <a:noFill/>
+          <a:ln>
+            <a:solidFill>
+              <a:schemeClr val="tx1"/>
+            </a:solidFill>
+          </a:ln>
+        </p:spPr>
+        <p:txBody>
+          <a:bodyPr wrap="square" rtlCol="0">
+            <a:spAutoFit/>
+          </a:bodyPr>
+          <a:lstStyle/>
+          <a:p>
             <a:endParaRPr lang="fr-FR" dirty="0"/>
           </a:p>
         </p:txBody>
@@ -7348,7 +8025,7 @@
     </p:spTree>
     <p:extLst>
       <p:ext uri="{BB962C8B-B14F-4D97-AF65-F5344CB8AC3E}">
-        <p14:creationId xmlns:p14="http://schemas.microsoft.com/office/powerpoint/2010/main" val="266929531"/>
+        <p14:creationId xmlns:p14="http://schemas.microsoft.com/office/powerpoint/2010/main" val="2600805086"/>
       </p:ext>
     </p:extLst>
   </p:cSld>
@@ -7361,6 +8038,17 @@
 <file path=ppt/slides/slide31.xml><?xml version="1.0" encoding="utf-8"?>
 <p:sld xmlns:a="http://schemas.openxmlformats.org/drawingml/2006/main" xmlns:r="http://schemas.openxmlformats.org/officeDocument/2006/relationships" xmlns:p="http://schemas.openxmlformats.org/presentationml/2006/main">
   <p:cSld>
+    <p:bg>
+      <p:bgPr>
+        <a:solidFill>
+          <a:schemeClr val="accent2">
+            <a:lumMod val="40000"/>
+            <a:lumOff val="60000"/>
+          </a:schemeClr>
+        </a:solidFill>
+        <a:effectLst/>
+      </p:bgPr>
+    </p:bg>
     <p:spTree>
       <p:nvGrpSpPr>
         <p:cNvPr id="1" name=""/>
@@ -7387,97 +8075,432 @@
         </p:nvSpPr>
         <p:spPr>
           <a:xfrm>
-            <a:off x="759068" y="0"/>
-            <a:ext cx="10515600" cy="1169377"/>
+            <a:off x="838200" y="0"/>
+            <a:ext cx="10515600" cy="864211"/>
           </a:xfrm>
         </p:spPr>
         <p:txBody>
           <a:bodyPr>
-            <a:normAutofit fontScale="90000"/>
+            <a:normAutofit/>
           </a:bodyPr>
           <a:lstStyle/>
           <a:p>
-            <a:pPr lvl="2" algn="ctr" rtl="0">
-              <a:lnSpc>
-                <a:spcPct val="90000"/>
-              </a:lnSpc>
-              <a:spcBef>
-                <a:spcPct val="0"/>
-              </a:spcBef>
-            </a:pPr>
-            <a:r>
-              <a:rPr lang="fr-FR" sz="3100" dirty="0">
-                <a:latin typeface="+mj-lt"/>
-              </a:rPr>
-              <a:t>3) Diagramme de séquence</a:t>
-            </a:r>
-            <a:r>
-              <a:rPr lang="fr-FR" sz="3200" dirty="0">
-                <a:latin typeface="+mj-lt"/>
-              </a:rPr>
-              <a:t/>
+            <a:r>
+              <a:rPr lang="fr-FR" sz="2800" dirty="0"/>
+              <a:t>2) Boite noire</a:t>
             </a:r>
             <a:br>
-              <a:rPr lang="fr-FR" sz="3200" dirty="0">
-                <a:latin typeface="+mj-lt"/>
-              </a:rPr>
+              <a:rPr lang="fr-FR" sz="2800" dirty="0"/>
             </a:br>
             <a:r>
-              <a:rPr lang="fr-FR" sz="3200" dirty="0">
-                <a:latin typeface="+mj-lt"/>
-              </a:rPr>
+              <a:rPr lang="fr-FR" sz="2800" dirty="0"/>
               <a:t>	</a:t>
             </a:r>
             <a:r>
-              <a:rPr lang="fr-FR" sz="2400" dirty="0">
-                <a:latin typeface="+mj-lt"/>
-              </a:rPr>
-              <a:t>a) Affichage des infos en temps réels</a:t>
-            </a:r>
-            <a:r>
-              <a:rPr lang="fr-FR" dirty="0"/>
-              <a:t/>
-            </a:r>
-            <a:br>
-              <a:rPr lang="fr-FR" dirty="0"/>
-            </a:br>
-            <a:endParaRPr lang="fr-FR" sz="3200" dirty="0"/>
+              <a:rPr lang="fr-FR" sz="2400" dirty="0"/>
+              <a:t>a) Principe de fonctionnement</a:t>
+            </a:r>
+            <a:endParaRPr lang="fr-FR" sz="2800" dirty="0"/>
           </a:p>
         </p:txBody>
       </p:sp>
       <p:pic>
         <p:nvPicPr>
-          <p:cNvPr id="3" name="Image 2"/>
+          <p:cNvPr id="4" name="Image 3"/>
+          <p:cNvPicPr/>
+          <p:nvPr/>
+        </p:nvPicPr>
+        <p:blipFill>
+          <a:blip r:embed="rId2"/>
+          <a:stretch>
+            <a:fillRect/>
+          </a:stretch>
+        </p:blipFill>
+        <p:spPr>
+          <a:xfrm>
+            <a:off x="90076" y="864211"/>
+            <a:ext cx="6426489" cy="5703367"/>
+          </a:xfrm>
+          <a:prstGeom prst="rect">
+            <a:avLst/>
+          </a:prstGeom>
+        </p:spPr>
+      </p:pic>
+      <p:sp>
+        <p:nvSpPr>
+          <p:cNvPr id="5" name="Rectangle 4"/>
+          <p:cNvSpPr/>
+          <p:nvPr/>
+        </p:nvSpPr>
+        <p:spPr>
+          <a:xfrm>
+            <a:off x="90076" y="4119418"/>
+            <a:ext cx="1415473" cy="1431637"/>
+          </a:xfrm>
+          <a:prstGeom prst="rect">
+            <a:avLst/>
+          </a:prstGeom>
+          <a:solidFill>
+            <a:schemeClr val="bg1"/>
+          </a:solidFill>
+          <a:ln>
+            <a:solidFill>
+              <a:schemeClr val="bg1"/>
+            </a:solidFill>
+          </a:ln>
+        </p:spPr>
+        <p:style>
+          <a:lnRef idx="2">
+            <a:schemeClr val="accent1">
+              <a:shade val="50000"/>
+            </a:schemeClr>
+          </a:lnRef>
+          <a:fillRef idx="1">
+            <a:schemeClr val="accent1"/>
+          </a:fillRef>
+          <a:effectRef idx="0">
+            <a:schemeClr val="accent1"/>
+          </a:effectRef>
+          <a:fontRef idx="minor">
+            <a:schemeClr val="lt1"/>
+          </a:fontRef>
+        </p:style>
+        <p:txBody>
+          <a:bodyPr rtlCol="0" anchor="ctr"/>
+          <a:lstStyle/>
+          <a:p>
+            <a:pPr algn="ctr"/>
+            <a:endParaRPr lang="fr-FR"/>
+          </a:p>
+        </p:txBody>
+      </p:sp>
+      <p:sp>
+        <p:nvSpPr>
+          <p:cNvPr id="6" name="Rectangle 5"/>
+          <p:cNvSpPr/>
+          <p:nvPr/>
+        </p:nvSpPr>
+        <p:spPr>
+          <a:xfrm>
+            <a:off x="1505549" y="4424218"/>
+            <a:ext cx="323272" cy="203200"/>
+          </a:xfrm>
+          <a:prstGeom prst="rect">
+            <a:avLst/>
+          </a:prstGeom>
+          <a:solidFill>
+            <a:schemeClr val="bg1"/>
+          </a:solidFill>
+          <a:ln>
+            <a:solidFill>
+              <a:schemeClr val="bg1"/>
+            </a:solidFill>
+          </a:ln>
+        </p:spPr>
+        <p:style>
+          <a:lnRef idx="2">
+            <a:schemeClr val="accent1">
+              <a:shade val="50000"/>
+            </a:schemeClr>
+          </a:lnRef>
+          <a:fillRef idx="1">
+            <a:schemeClr val="accent1"/>
+          </a:fillRef>
+          <a:effectRef idx="0">
+            <a:schemeClr val="accent1"/>
+          </a:effectRef>
+          <a:fontRef idx="minor">
+            <a:schemeClr val="lt1"/>
+          </a:fontRef>
+        </p:style>
+        <p:txBody>
+          <a:bodyPr rtlCol="0" anchor="ctr"/>
+          <a:lstStyle/>
+          <a:p>
+            <a:pPr algn="ctr"/>
+            <a:endParaRPr lang="fr-FR"/>
+          </a:p>
+        </p:txBody>
+      </p:sp>
+      <p:sp>
+        <p:nvSpPr>
+          <p:cNvPr id="7" name="ZoneTexte 6"/>
+          <p:cNvSpPr txBox="1"/>
+          <p:nvPr/>
+        </p:nvSpPr>
+        <p:spPr>
+          <a:xfrm>
+            <a:off x="6680200" y="843720"/>
+            <a:ext cx="3814619" cy="1200329"/>
+          </a:xfrm>
+          <a:prstGeom prst="rect">
+            <a:avLst/>
+          </a:prstGeom>
+          <a:noFill/>
+        </p:spPr>
+        <p:txBody>
+          <a:bodyPr wrap="square" rtlCol="0">
+            <a:spAutoFit/>
+          </a:bodyPr>
+          <a:lstStyle/>
+          <a:p>
+            <a:r>
+              <a:rPr lang="fr-FR" dirty="0" smtClean="0"/>
+              <a:t>La boite noire possède ses propres méthodes qui renvoient des valeurs en hexadécimal. Voici un morceau de la documentation :</a:t>
+            </a:r>
+            <a:endParaRPr lang="fr-FR" dirty="0"/>
+          </a:p>
+        </p:txBody>
+      </p:sp>
+      <p:pic>
+        <p:nvPicPr>
+          <p:cNvPr id="8" name="Image 7"/>
           <p:cNvPicPr>
             <a:picLocks noChangeAspect="1"/>
           </p:cNvPicPr>
           <p:nvPr/>
         </p:nvPicPr>
         <p:blipFill rotWithShape="1">
-          <a:blip r:embed="rId2">
+          <a:blip r:embed="rId3" cstate="print">
             <a:extLst>
               <a:ext uri="{28A0092B-C50C-407E-A947-70E740481C1C}">
                 <a14:useLocalDpi xmlns:a14="http://schemas.microsoft.com/office/drawing/2010/main" val="0"/>
               </a:ext>
             </a:extLst>
           </a:blip>
-          <a:srcRect l="13824" t="8239" r="14077" b="9066"/>
+          <a:srcRect t="15623" r="48923" b="8687"/>
           <a:stretch/>
         </p:blipFill>
         <p:spPr>
-          <a:xfrm>
-            <a:off x="1564331" y="800101"/>
-            <a:ext cx="8905073" cy="5846884"/>
+          <a:xfrm rot="16200000">
+            <a:off x="8020766" y="703484"/>
+            <a:ext cx="2747540" cy="5428672"/>
           </a:xfrm>
           <a:prstGeom prst="rect">
             <a:avLst/>
           </a:prstGeom>
         </p:spPr>
       </p:pic>
+      <p:sp>
+        <p:nvSpPr>
+          <p:cNvPr id="9" name="ZoneTexte 8"/>
+          <p:cNvSpPr txBox="1"/>
+          <p:nvPr/>
+        </p:nvSpPr>
+        <p:spPr>
+          <a:xfrm>
+            <a:off x="6720608" y="4950890"/>
+            <a:ext cx="1715655" cy="1200329"/>
+          </a:xfrm>
+          <a:prstGeom prst="rect">
+            <a:avLst/>
+          </a:prstGeom>
+          <a:noFill/>
+        </p:spPr>
+        <p:txBody>
+          <a:bodyPr wrap="square" rtlCol="0">
+            <a:spAutoFit/>
+          </a:bodyPr>
+          <a:lstStyle/>
+          <a:p>
+            <a:pPr algn="r"/>
+            <a:r>
+              <a:rPr lang="fr-FR" dirty="0" smtClean="0"/>
+              <a:t>STX : 0x00</a:t>
+            </a:r>
+          </a:p>
+          <a:p>
+            <a:pPr algn="r"/>
+            <a:r>
+              <a:rPr lang="fr-FR" dirty="0" smtClean="0"/>
+              <a:t>TAB : 0x09</a:t>
+            </a:r>
+          </a:p>
+          <a:p>
+            <a:pPr algn="r"/>
+            <a:r>
+              <a:rPr lang="fr-FR" dirty="0" smtClean="0"/>
+              <a:t>CR : 0x00</a:t>
+            </a:r>
+          </a:p>
+          <a:p>
+            <a:pPr algn="r"/>
+            <a:r>
+              <a:rPr lang="fr-FR" dirty="0" smtClean="0"/>
+              <a:t>SPACE : 0x20</a:t>
+            </a:r>
+            <a:endParaRPr lang="fr-FR" dirty="0"/>
+          </a:p>
+        </p:txBody>
+      </p:sp>
+      <p:sp>
+        <p:nvSpPr>
+          <p:cNvPr id="10" name="Flèche à angle droit 9"/>
+          <p:cNvSpPr/>
+          <p:nvPr/>
+        </p:nvSpPr>
+        <p:spPr>
+          <a:xfrm rot="5400000" flipV="1">
+            <a:off x="7027424" y="5581366"/>
+            <a:ext cx="225138" cy="202622"/>
+          </a:xfrm>
+          <a:prstGeom prst="bentUpArrow">
+            <a:avLst>
+              <a:gd name="adj1" fmla="val 20897"/>
+              <a:gd name="adj2" fmla="val 29103"/>
+              <a:gd name="adj3" fmla="val 29103"/>
+            </a:avLst>
+          </a:prstGeom>
+        </p:spPr>
+        <p:style>
+          <a:lnRef idx="2">
+            <a:schemeClr val="dk1">
+              <a:shade val="50000"/>
+            </a:schemeClr>
+          </a:lnRef>
+          <a:fillRef idx="1">
+            <a:schemeClr val="dk1"/>
+          </a:fillRef>
+          <a:effectRef idx="0">
+            <a:schemeClr val="dk1"/>
+          </a:effectRef>
+          <a:fontRef idx="minor">
+            <a:schemeClr val="lt1"/>
+          </a:fontRef>
+        </p:style>
+        <p:txBody>
+          <a:bodyPr rtlCol="0" anchor="ctr"/>
+          <a:lstStyle/>
+          <a:p>
+            <a:pPr algn="ctr"/>
+            <a:endParaRPr lang="fr-FR"/>
+          </a:p>
+        </p:txBody>
+      </p:sp>
+      <p:sp>
+        <p:nvSpPr>
+          <p:cNvPr id="11" name="Flèche droite 10"/>
+          <p:cNvSpPr/>
+          <p:nvPr/>
+        </p:nvSpPr>
+        <p:spPr>
+          <a:xfrm>
+            <a:off x="7038112" y="5340703"/>
+            <a:ext cx="237837" cy="127224"/>
+          </a:xfrm>
+          <a:prstGeom prst="rightArrow">
+            <a:avLst/>
+          </a:prstGeom>
+        </p:spPr>
+        <p:style>
+          <a:lnRef idx="2">
+            <a:schemeClr val="dk1">
+              <a:shade val="50000"/>
+            </a:schemeClr>
+          </a:lnRef>
+          <a:fillRef idx="1">
+            <a:schemeClr val="dk1"/>
+          </a:fillRef>
+          <a:effectRef idx="0">
+            <a:schemeClr val="dk1"/>
+          </a:effectRef>
+          <a:fontRef idx="minor">
+            <a:schemeClr val="lt1"/>
+          </a:fontRef>
+        </p:style>
+        <p:txBody>
+          <a:bodyPr rtlCol="0" anchor="ctr"/>
+          <a:lstStyle/>
+          <a:p>
+            <a:pPr algn="ctr"/>
+            <a:endParaRPr lang="fr-FR"/>
+          </a:p>
+        </p:txBody>
+      </p:sp>
+      <p:sp>
+        <p:nvSpPr>
+          <p:cNvPr id="12" name="Flèche à angle droit 11"/>
+          <p:cNvSpPr/>
+          <p:nvPr/>
+        </p:nvSpPr>
+        <p:spPr>
+          <a:xfrm rot="5400000">
+            <a:off x="7056583" y="5039594"/>
+            <a:ext cx="192807" cy="192809"/>
+          </a:xfrm>
+          <a:prstGeom prst="bentUpArrow">
+            <a:avLst/>
+          </a:prstGeom>
+        </p:spPr>
+        <p:style>
+          <a:lnRef idx="2">
+            <a:schemeClr val="dk1">
+              <a:shade val="50000"/>
+            </a:schemeClr>
+          </a:lnRef>
+          <a:fillRef idx="1">
+            <a:schemeClr val="dk1"/>
+          </a:fillRef>
+          <a:effectRef idx="0">
+            <a:schemeClr val="dk1"/>
+          </a:effectRef>
+          <a:fontRef idx="minor">
+            <a:schemeClr val="lt1"/>
+          </a:fontRef>
+        </p:style>
+        <p:txBody>
+          <a:bodyPr rtlCol="0" anchor="ctr"/>
+          <a:lstStyle/>
+          <a:p>
+            <a:pPr algn="ctr"/>
+            <a:endParaRPr lang="fr-FR"/>
+          </a:p>
+        </p:txBody>
+      </p:sp>
+      <p:sp>
+        <p:nvSpPr>
+          <p:cNvPr id="13" name="Flèche vers le bas 12"/>
+          <p:cNvSpPr/>
+          <p:nvPr/>
+        </p:nvSpPr>
+        <p:spPr>
+          <a:xfrm>
+            <a:off x="6987308" y="5883377"/>
+            <a:ext cx="80819" cy="179711"/>
+          </a:xfrm>
+          <a:prstGeom prst="downArrow">
+            <a:avLst/>
+          </a:prstGeom>
+        </p:spPr>
+        <p:style>
+          <a:lnRef idx="2">
+            <a:schemeClr val="dk1">
+              <a:shade val="50000"/>
+            </a:schemeClr>
+          </a:lnRef>
+          <a:fillRef idx="1">
+            <a:schemeClr val="dk1"/>
+          </a:fillRef>
+          <a:effectRef idx="0">
+            <a:schemeClr val="dk1"/>
+          </a:effectRef>
+          <a:fontRef idx="minor">
+            <a:schemeClr val="lt1"/>
+          </a:fontRef>
+        </p:style>
+        <p:txBody>
+          <a:bodyPr rtlCol="0" anchor="ctr"/>
+          <a:lstStyle/>
+          <a:p>
+            <a:pPr algn="ctr"/>
+            <a:endParaRPr lang="fr-FR"/>
+          </a:p>
+        </p:txBody>
+      </p:sp>
     </p:spTree>
     <p:extLst>
       <p:ext uri="{BB962C8B-B14F-4D97-AF65-F5344CB8AC3E}">
-        <p14:creationId xmlns:p14="http://schemas.microsoft.com/office/powerpoint/2010/main" val="2445017002"/>
+        <p14:creationId xmlns:p14="http://schemas.microsoft.com/office/powerpoint/2010/main" val="4282450701"/>
       </p:ext>
     </p:extLst>
   </p:cSld>
@@ -7514,6 +8537,552 @@
             <p:ph type="title"/>
           </p:nvPr>
         </p:nvSpPr>
+        <p:spPr/>
+        <p:txBody>
+          <a:bodyPr/>
+          <a:lstStyle/>
+          <a:p>
+            <a:r>
+              <a:rPr lang="fr-FR" dirty="0">
+                <a:solidFill>
+                  <a:schemeClr val="accent6">
+                    <a:lumMod val="75000"/>
+                  </a:schemeClr>
+                </a:solidFill>
+              </a:rPr>
+              <a:t>Etudiant 3 : </a:t>
+            </a:r>
+            <a:r>
+              <a:rPr lang="fr-FR" dirty="0" err="1">
+                <a:solidFill>
+                  <a:schemeClr val="accent6">
+                    <a:lumMod val="75000"/>
+                  </a:schemeClr>
+                </a:solidFill>
+              </a:rPr>
+              <a:t>Lapraye</a:t>
+            </a:r>
+            <a:r>
+              <a:rPr lang="fr-FR" dirty="0">
+                <a:solidFill>
+                  <a:schemeClr val="accent6">
+                    <a:lumMod val="75000"/>
+                  </a:schemeClr>
+                </a:solidFill>
+              </a:rPr>
+              <a:t> Serge</a:t>
+            </a:r>
+          </a:p>
+        </p:txBody>
+      </p:sp>
+      <p:sp>
+        <p:nvSpPr>
+          <p:cNvPr id="3" name="Espace réservé du contenu 2"/>
+          <p:cNvSpPr>
+            <a:spLocks noGrp="1"/>
+          </p:cNvSpPr>
+          <p:nvPr>
+            <p:ph idx="1"/>
+          </p:nvPr>
+        </p:nvSpPr>
+        <p:spPr/>
+        <p:txBody>
+          <a:bodyPr>
+            <a:normAutofit fontScale="92500" lnSpcReduction="20000"/>
+          </a:bodyPr>
+          <a:lstStyle/>
+          <a:p>
+            <a:r>
+              <a:rPr lang="fr-FR" dirty="0"/>
+              <a:t>I) Analyse complète du système</a:t>
+            </a:r>
+          </a:p>
+          <a:p>
+            <a:pPr lvl="1"/>
+            <a:r>
+              <a:rPr lang="fr-FR" dirty="0"/>
+              <a:t>1) Diagramme de cas d’utilisation</a:t>
+            </a:r>
+          </a:p>
+          <a:p>
+            <a:pPr lvl="1"/>
+            <a:r>
+              <a:rPr lang="fr-FR" dirty="0"/>
+              <a:t>2) Scénario</a:t>
+            </a:r>
+          </a:p>
+          <a:p>
+            <a:pPr lvl="1"/>
+            <a:r>
+              <a:rPr lang="fr-FR" dirty="0"/>
+              <a:t>3) Diagramme de séquence</a:t>
+            </a:r>
+          </a:p>
+          <a:p>
+            <a:pPr lvl="2"/>
+            <a:r>
+              <a:rPr lang="fr-FR" dirty="0"/>
+              <a:t>a) Affichage des infos en temps réels</a:t>
+            </a:r>
+          </a:p>
+          <a:p>
+            <a:pPr lvl="2"/>
+            <a:r>
+              <a:rPr lang="fr-FR" dirty="0"/>
+              <a:t>b) Switch de page de par le C++</a:t>
+            </a:r>
+          </a:p>
+          <a:p>
+            <a:r>
+              <a:rPr lang="fr-FR" dirty="0"/>
+              <a:t>II) Etude physique du WI-FI</a:t>
+            </a:r>
+          </a:p>
+          <a:p>
+            <a:pPr lvl="1"/>
+            <a:r>
+              <a:rPr lang="fr-FR" dirty="0"/>
+              <a:t>1) Fonctionnement</a:t>
+            </a:r>
+          </a:p>
+          <a:p>
+            <a:pPr lvl="2"/>
+            <a:r>
+              <a:rPr lang="fr-FR" dirty="0"/>
+              <a:t>a) Introduction du wifi</a:t>
+            </a:r>
+          </a:p>
+          <a:p>
+            <a:pPr lvl="2"/>
+            <a:r>
+              <a:rPr lang="fr-FR" dirty="0"/>
+              <a:t>b) Principe du wifi</a:t>
+            </a:r>
+          </a:p>
+          <a:p>
+            <a:pPr lvl="2"/>
+            <a:r>
+              <a:rPr lang="fr-FR" dirty="0"/>
+              <a:t>c) Principes de fonctionnements</a:t>
+            </a:r>
+          </a:p>
+          <a:p>
+            <a:pPr lvl="1"/>
+            <a:r>
+              <a:rPr lang="fr-FR" dirty="0"/>
+              <a:t>2) Utilisation et choix du WI-FI</a:t>
+            </a:r>
+          </a:p>
+          <a:p>
+            <a:pPr lvl="2"/>
+            <a:r>
+              <a:rPr lang="fr-FR" dirty="0"/>
+              <a:t>a) Utilisation précise du wifi</a:t>
+            </a:r>
+          </a:p>
+          <a:p>
+            <a:pPr lvl="2"/>
+            <a:r>
+              <a:rPr lang="fr-FR" dirty="0"/>
+              <a:t>b) Le choix du wifi</a:t>
+            </a:r>
+          </a:p>
+        </p:txBody>
+      </p:sp>
+    </p:spTree>
+    <p:extLst>
+      <p:ext uri="{BB962C8B-B14F-4D97-AF65-F5344CB8AC3E}">
+        <p14:creationId xmlns:p14="http://schemas.microsoft.com/office/powerpoint/2010/main" val="1010092771"/>
+      </p:ext>
+    </p:extLst>
+  </p:cSld>
+  <p:clrMapOvr>
+    <a:masterClrMapping/>
+  </p:clrMapOvr>
+</p:sld>
+</file>
+
+<file path=ppt/slides/slide33.xml><?xml version="1.0" encoding="utf-8"?>
+<p:sld xmlns:a="http://schemas.openxmlformats.org/drawingml/2006/main" xmlns:r="http://schemas.openxmlformats.org/officeDocument/2006/relationships" xmlns:p="http://schemas.openxmlformats.org/presentationml/2006/main">
+  <p:cSld>
+    <p:spTree>
+      <p:nvGrpSpPr>
+        <p:cNvPr id="1" name=""/>
+        <p:cNvGrpSpPr/>
+        <p:nvPr/>
+      </p:nvGrpSpPr>
+      <p:grpSpPr>
+        <a:xfrm>
+          <a:off x="0" y="0"/>
+          <a:ext cx="0" cy="0"/>
+          <a:chOff x="0" y="0"/>
+          <a:chExt cx="0" cy="0"/>
+        </a:xfrm>
+      </p:grpSpPr>
+      <p:sp>
+        <p:nvSpPr>
+          <p:cNvPr id="2" name="Titre 1"/>
+          <p:cNvSpPr>
+            <a:spLocks noGrp="1"/>
+          </p:cNvSpPr>
+          <p:nvPr>
+            <p:ph type="title"/>
+          </p:nvPr>
+        </p:nvSpPr>
+        <p:spPr>
+          <a:xfrm>
+            <a:off x="838199" y="1"/>
+            <a:ext cx="10515600" cy="923192"/>
+          </a:xfrm>
+        </p:spPr>
+        <p:txBody>
+          <a:bodyPr>
+            <a:noAutofit/>
+          </a:bodyPr>
+          <a:lstStyle/>
+          <a:p>
+            <a:pPr algn="ctr"/>
+            <a:r>
+              <a:rPr lang="fr-FR" sz="3200" dirty="0"/>
+              <a:t>I) Analyse complète du système</a:t>
+            </a:r>
+            <a:r>
+              <a:rPr lang="fr-FR" sz="4000" dirty="0"/>
+              <a:t/>
+            </a:r>
+            <a:br>
+              <a:rPr lang="fr-FR" sz="4000" dirty="0"/>
+            </a:br>
+            <a:r>
+              <a:rPr lang="fr-FR" sz="3600" dirty="0"/>
+              <a:t>	</a:t>
+            </a:r>
+            <a:r>
+              <a:rPr lang="fr-FR" sz="2400" dirty="0"/>
+              <a:t>1) Diagramme de cas d’utilisation</a:t>
+            </a:r>
+            <a:endParaRPr lang="fr-FR" sz="2800" dirty="0"/>
+          </a:p>
+        </p:txBody>
+      </p:sp>
+      <p:pic>
+        <p:nvPicPr>
+          <p:cNvPr id="7" name="Picture 6">
+            <a:extLst>
+              <a:ext uri="{FF2B5EF4-FFF2-40B4-BE49-F238E27FC236}">
+                <a16:creationId xmlns:a16="http://schemas.microsoft.com/office/drawing/2014/main" id="{D1498DC8-3A56-4B21-92A2-73E08A61791E}"/>
+              </a:ext>
+            </a:extLst>
+          </p:cNvPr>
+          <p:cNvPicPr>
+            <a:picLocks noChangeAspect="1"/>
+          </p:cNvPicPr>
+          <p:nvPr/>
+        </p:nvPicPr>
+        <p:blipFill>
+          <a:blip r:embed="rId2"/>
+          <a:stretch>
+            <a:fillRect/>
+          </a:stretch>
+        </p:blipFill>
+        <p:spPr>
+          <a:xfrm>
+            <a:off x="1205948" y="1029211"/>
+            <a:ext cx="10274302" cy="5923722"/>
+          </a:xfrm>
+          <a:prstGeom prst="rect">
+            <a:avLst/>
+          </a:prstGeom>
+        </p:spPr>
+      </p:pic>
+    </p:spTree>
+    <p:extLst>
+      <p:ext uri="{BB962C8B-B14F-4D97-AF65-F5344CB8AC3E}">
+        <p14:creationId xmlns:p14="http://schemas.microsoft.com/office/powerpoint/2010/main" val="2859212620"/>
+      </p:ext>
+    </p:extLst>
+  </p:cSld>
+  <p:clrMapOvr>
+    <a:masterClrMapping/>
+  </p:clrMapOvr>
+</p:sld>
+</file>
+
+<file path=ppt/slides/slide34.xml><?xml version="1.0" encoding="utf-8"?>
+<p:sld xmlns:a="http://schemas.openxmlformats.org/drawingml/2006/main" xmlns:r="http://schemas.openxmlformats.org/officeDocument/2006/relationships" xmlns:p="http://schemas.openxmlformats.org/presentationml/2006/main">
+  <p:cSld>
+    <p:spTree>
+      <p:nvGrpSpPr>
+        <p:cNvPr id="1" name=""/>
+        <p:cNvGrpSpPr/>
+        <p:nvPr/>
+      </p:nvGrpSpPr>
+      <p:grpSpPr>
+        <a:xfrm>
+          <a:off x="0" y="0"/>
+          <a:ext cx="0" cy="0"/>
+          <a:chOff x="0" y="0"/>
+          <a:chExt cx="0" cy="0"/>
+        </a:xfrm>
+      </p:grpSpPr>
+      <p:sp>
+        <p:nvSpPr>
+          <p:cNvPr id="2" name="Titre 1"/>
+          <p:cNvSpPr>
+            <a:spLocks noGrp="1"/>
+          </p:cNvSpPr>
+          <p:nvPr>
+            <p:ph type="title"/>
+          </p:nvPr>
+        </p:nvSpPr>
+        <p:spPr>
+          <a:xfrm>
+            <a:off x="838200" y="0"/>
+            <a:ext cx="10515600" cy="487729"/>
+          </a:xfrm>
+        </p:spPr>
+        <p:txBody>
+          <a:bodyPr>
+            <a:normAutofit/>
+          </a:bodyPr>
+          <a:lstStyle/>
+          <a:p>
+            <a:pPr algn="ctr"/>
+            <a:r>
+              <a:rPr lang="fr-FR" sz="2800" dirty="0"/>
+              <a:t>2) Scénario</a:t>
+            </a:r>
+          </a:p>
+        </p:txBody>
+      </p:sp>
+      <p:sp>
+        <p:nvSpPr>
+          <p:cNvPr id="3" name="Espace réservé du contenu 2"/>
+          <p:cNvSpPr>
+            <a:spLocks noGrp="1"/>
+          </p:cNvSpPr>
+          <p:nvPr>
+            <p:ph idx="1"/>
+          </p:nvPr>
+        </p:nvSpPr>
+        <p:spPr>
+          <a:xfrm>
+            <a:off x="360485" y="805716"/>
+            <a:ext cx="10993315" cy="5647837"/>
+          </a:xfrm>
+        </p:spPr>
+        <p:txBody>
+          <a:bodyPr>
+            <a:normAutofit fontScale="92500" lnSpcReduction="10000"/>
+          </a:bodyPr>
+          <a:lstStyle/>
+          <a:p>
+            <a:r>
+              <a:rPr lang="fr-FR" sz="2600" dirty="0"/>
+              <a:t>1 . L’utilisateur à fini sa course et veut connaître son classement donc il se rend sur le site et  renseigne ses identifiants . Une fois connecté il appuie sur le bouton « afficher le classement » et son classement s’affiche  .</a:t>
+            </a:r>
+          </a:p>
+          <a:p>
+            <a:r>
+              <a:rPr lang="fr-FR" sz="2600" dirty="0"/>
+              <a:t>2 . L’utilisateur veut connaître son classement par rapport à sa classe donc il se rend sur le site et  appuie sur l’onglet « afficher le classement par classe » . Le classement se trie par rapport aux participants de la classe de l’utilisateur et affiche un nouveau classement.</a:t>
+            </a:r>
+          </a:p>
+          <a:p>
+            <a:r>
+              <a:rPr lang="fr-FR" sz="2600" dirty="0"/>
+              <a:t>3 . L’utilisateur veut afficher son temps de course donc il se rend sur le site et appuie sur l’onglet « afficher le temps de course » et le temps de course de l’utilisateur s’affiche .</a:t>
+            </a:r>
+          </a:p>
+          <a:p>
+            <a:r>
+              <a:rPr lang="fr-FR" sz="2600" dirty="0"/>
+              <a:t>4 . L’utilisateur veut connaître la moyenne du temps de course donc il appuie sur l’onglet « Afficher la moyenne du temps de course » et la moyenne du temps de course s’affiche et l’utilisateur peut comparer son temps avec celui de la course. </a:t>
+            </a:r>
+          </a:p>
+          <a:p>
+            <a:r>
+              <a:rPr lang="fr-FR" sz="2600" dirty="0"/>
+              <a:t>5. L’utilisateur veut se renseigner sur la prochaine course programmé et se rend sur le site , si une course est programmé il apprend la date de celle – ci autrement , il aperçoit le message « aucune course est programmé prochainement » . </a:t>
+            </a:r>
+          </a:p>
+          <a:p>
+            <a:pPr marL="0" indent="0">
+              <a:buNone/>
+            </a:pPr>
+            <a:endParaRPr lang="fr-FR" dirty="0"/>
+          </a:p>
+        </p:txBody>
+      </p:sp>
+    </p:spTree>
+    <p:extLst>
+      <p:ext uri="{BB962C8B-B14F-4D97-AF65-F5344CB8AC3E}">
+        <p14:creationId xmlns:p14="http://schemas.microsoft.com/office/powerpoint/2010/main" val="266929531"/>
+      </p:ext>
+    </p:extLst>
+  </p:cSld>
+  <p:clrMapOvr>
+    <a:masterClrMapping/>
+  </p:clrMapOvr>
+</p:sld>
+</file>
+
+<file path=ppt/slides/slide35.xml><?xml version="1.0" encoding="utf-8"?>
+<p:sld xmlns:a="http://schemas.openxmlformats.org/drawingml/2006/main" xmlns:r="http://schemas.openxmlformats.org/officeDocument/2006/relationships" xmlns:p="http://schemas.openxmlformats.org/presentationml/2006/main">
+  <p:cSld>
+    <p:spTree>
+      <p:nvGrpSpPr>
+        <p:cNvPr id="1" name=""/>
+        <p:cNvGrpSpPr/>
+        <p:nvPr/>
+      </p:nvGrpSpPr>
+      <p:grpSpPr>
+        <a:xfrm>
+          <a:off x="0" y="0"/>
+          <a:ext cx="0" cy="0"/>
+          <a:chOff x="0" y="0"/>
+          <a:chExt cx="0" cy="0"/>
+        </a:xfrm>
+      </p:grpSpPr>
+      <p:sp>
+        <p:nvSpPr>
+          <p:cNvPr id="2" name="Titre 1"/>
+          <p:cNvSpPr>
+            <a:spLocks noGrp="1"/>
+          </p:cNvSpPr>
+          <p:nvPr>
+            <p:ph type="title"/>
+          </p:nvPr>
+        </p:nvSpPr>
+        <p:spPr>
+          <a:xfrm>
+            <a:off x="759068" y="0"/>
+            <a:ext cx="10515600" cy="1169377"/>
+          </a:xfrm>
+        </p:spPr>
+        <p:txBody>
+          <a:bodyPr>
+            <a:normAutofit fontScale="90000"/>
+          </a:bodyPr>
+          <a:lstStyle/>
+          <a:p>
+            <a:pPr lvl="2" algn="ctr" rtl="0">
+              <a:lnSpc>
+                <a:spcPct val="90000"/>
+              </a:lnSpc>
+              <a:spcBef>
+                <a:spcPct val="0"/>
+              </a:spcBef>
+            </a:pPr>
+            <a:r>
+              <a:rPr lang="fr-FR" sz="3100" dirty="0">
+                <a:latin typeface="+mj-lt"/>
+              </a:rPr>
+              <a:t>3) Diagramme de séquence</a:t>
+            </a:r>
+            <a:r>
+              <a:rPr lang="fr-FR" sz="3200" dirty="0">
+                <a:latin typeface="+mj-lt"/>
+              </a:rPr>
+              <a:t/>
+            </a:r>
+            <a:br>
+              <a:rPr lang="fr-FR" sz="3200" dirty="0">
+                <a:latin typeface="+mj-lt"/>
+              </a:rPr>
+            </a:br>
+            <a:r>
+              <a:rPr lang="fr-FR" sz="3200" dirty="0">
+                <a:latin typeface="+mj-lt"/>
+              </a:rPr>
+              <a:t>	</a:t>
+            </a:r>
+            <a:r>
+              <a:rPr lang="fr-FR" sz="2400" dirty="0">
+                <a:latin typeface="+mj-lt"/>
+              </a:rPr>
+              <a:t>a) Affichage des infos en temps réels</a:t>
+            </a:r>
+            <a:r>
+              <a:rPr lang="fr-FR" dirty="0"/>
+              <a:t/>
+            </a:r>
+            <a:br>
+              <a:rPr lang="fr-FR" dirty="0"/>
+            </a:br>
+            <a:endParaRPr lang="fr-FR" sz="3200" dirty="0"/>
+          </a:p>
+        </p:txBody>
+      </p:sp>
+      <p:pic>
+        <p:nvPicPr>
+          <p:cNvPr id="3" name="Image 2"/>
+          <p:cNvPicPr>
+            <a:picLocks noChangeAspect="1"/>
+          </p:cNvPicPr>
+          <p:nvPr/>
+        </p:nvPicPr>
+        <p:blipFill rotWithShape="1">
+          <a:blip r:embed="rId2">
+            <a:extLst>
+              <a:ext uri="{28A0092B-C50C-407E-A947-70E740481C1C}">
+                <a14:useLocalDpi xmlns:a14="http://schemas.microsoft.com/office/drawing/2010/main" val="0"/>
+              </a:ext>
+            </a:extLst>
+          </a:blip>
+          <a:srcRect l="13824" t="8239" r="14077" b="9066"/>
+          <a:stretch/>
+        </p:blipFill>
+        <p:spPr>
+          <a:xfrm>
+            <a:off x="1564331" y="800101"/>
+            <a:ext cx="8905073" cy="5846884"/>
+          </a:xfrm>
+          <a:prstGeom prst="rect">
+            <a:avLst/>
+          </a:prstGeom>
+        </p:spPr>
+      </p:pic>
+    </p:spTree>
+    <p:extLst>
+      <p:ext uri="{BB962C8B-B14F-4D97-AF65-F5344CB8AC3E}">
+        <p14:creationId xmlns:p14="http://schemas.microsoft.com/office/powerpoint/2010/main" val="2445017002"/>
+      </p:ext>
+    </p:extLst>
+  </p:cSld>
+  <p:clrMapOvr>
+    <a:masterClrMapping/>
+  </p:clrMapOvr>
+</p:sld>
+</file>
+
+<file path=ppt/slides/slide36.xml><?xml version="1.0" encoding="utf-8"?>
+<p:sld xmlns:a="http://schemas.openxmlformats.org/drawingml/2006/main" xmlns:r="http://schemas.openxmlformats.org/officeDocument/2006/relationships" xmlns:p="http://schemas.openxmlformats.org/presentationml/2006/main">
+  <p:cSld>
+    <p:spTree>
+      <p:nvGrpSpPr>
+        <p:cNvPr id="1" name=""/>
+        <p:cNvGrpSpPr/>
+        <p:nvPr/>
+      </p:nvGrpSpPr>
+      <p:grpSpPr>
+        <a:xfrm>
+          <a:off x="0" y="0"/>
+          <a:ext cx="0" cy="0"/>
+          <a:chOff x="0" y="0"/>
+          <a:chExt cx="0" cy="0"/>
+        </a:xfrm>
+      </p:grpSpPr>
+      <p:sp>
+        <p:nvSpPr>
+          <p:cNvPr id="2" name="Titre 1"/>
+          <p:cNvSpPr>
+            <a:spLocks noGrp="1"/>
+          </p:cNvSpPr>
+          <p:nvPr>
+            <p:ph type="title"/>
+          </p:nvPr>
+        </p:nvSpPr>
         <p:spPr>
           <a:xfrm>
             <a:off x="838200" y="365125"/>
@@ -7579,6 +9148,14 @@
 <file path=ppt/slides/slide4.xml><?xml version="1.0" encoding="utf-8"?>
 <p:sld xmlns:a="http://schemas.openxmlformats.org/drawingml/2006/main" xmlns:r="http://schemas.openxmlformats.org/officeDocument/2006/relationships" xmlns:p="http://schemas.openxmlformats.org/presentationml/2006/main">
   <p:cSld>
+    <p:bg>
+      <p:bgPr>
+        <a:solidFill>
+          <a:schemeClr val="bg2"/>
+        </a:solidFill>
+        <a:effectLst/>
+      </p:bgPr>
+    </p:bg>
     <p:spTree>
       <p:nvGrpSpPr>
         <p:cNvPr id="1" name=""/>
@@ -7671,6 +9248,14 @@
 <file path=ppt/slides/slide5.xml><?xml version="1.0" encoding="utf-8"?>
 <p:sld xmlns:a="http://schemas.openxmlformats.org/drawingml/2006/main" xmlns:r="http://schemas.openxmlformats.org/officeDocument/2006/relationships" xmlns:p="http://schemas.openxmlformats.org/presentationml/2006/main">
   <p:cSld>
+    <p:bg>
+      <p:bgPr>
+        <a:solidFill>
+          <a:schemeClr val="bg2"/>
+        </a:solidFill>
+        <a:effectLst/>
+      </p:bgPr>
+    </p:bg>
     <p:spTree>
       <p:nvGrpSpPr>
         <p:cNvPr id="1" name=""/>
@@ -7747,6 +9332,14 @@
 <file path=ppt/slides/slide6.xml><?xml version="1.0" encoding="utf-8"?>
 <p:sld xmlns:a="http://schemas.openxmlformats.org/drawingml/2006/main" xmlns:r="http://schemas.openxmlformats.org/officeDocument/2006/relationships" xmlns:p="http://schemas.openxmlformats.org/presentationml/2006/main">
   <p:cSld>
+    <p:bg>
+      <p:bgPr>
+        <a:solidFill>
+          <a:schemeClr val="bg2"/>
+        </a:solidFill>
+        <a:effectLst/>
+      </p:bgPr>
+    </p:bg>
     <p:spTree>
       <p:nvGrpSpPr>
         <p:cNvPr id="1" name=""/>
@@ -7833,6 +9426,17 @@
 <file path=ppt/slides/slide7.xml><?xml version="1.0" encoding="utf-8"?>
 <p:sld xmlns:a="http://schemas.openxmlformats.org/drawingml/2006/main" xmlns:r="http://schemas.openxmlformats.org/officeDocument/2006/relationships" xmlns:p="http://schemas.openxmlformats.org/presentationml/2006/main">
   <p:cSld>
+    <p:bg>
+      <p:bgPr>
+        <a:solidFill>
+          <a:schemeClr val="accent1">
+            <a:lumMod val="20000"/>
+            <a:lumOff val="80000"/>
+          </a:schemeClr>
+        </a:solidFill>
+        <a:effectLst/>
+      </p:bgPr>
+    </p:bg>
     <p:spTree>
       <p:nvGrpSpPr>
         <p:cNvPr id="1" name=""/>
@@ -7868,7 +9472,7 @@
           <a:lstStyle/>
           <a:p>
             <a:r>
-              <a:rPr lang="fr-FR" dirty="0">
+              <a:rPr lang="fr-FR" b="1" dirty="0">
                 <a:solidFill>
                   <a:srgbClr val="00B0F0"/>
                 </a:solidFill>
@@ -8038,6 +9642,17 @@
 <file path=ppt/slides/slide8.xml><?xml version="1.0" encoding="utf-8"?>
 <p:sld xmlns:a="http://schemas.openxmlformats.org/drawingml/2006/main" xmlns:r="http://schemas.openxmlformats.org/officeDocument/2006/relationships" xmlns:p="http://schemas.openxmlformats.org/presentationml/2006/main">
   <p:cSld>
+    <p:bg>
+      <p:bgPr>
+        <a:solidFill>
+          <a:schemeClr val="accent1">
+            <a:lumMod val="20000"/>
+            <a:lumOff val="80000"/>
+          </a:schemeClr>
+        </a:solidFill>
+        <a:effectLst/>
+      </p:bgPr>
+    </p:bg>
     <p:spTree>
       <p:nvGrpSpPr>
         <p:cNvPr id="1" name=""/>
@@ -8149,6 +9764,17 @@
 <file path=ppt/slides/slide9.xml><?xml version="1.0" encoding="utf-8"?>
 <p:sld xmlns:a="http://schemas.openxmlformats.org/drawingml/2006/main" xmlns:r="http://schemas.openxmlformats.org/officeDocument/2006/relationships" xmlns:p="http://schemas.openxmlformats.org/presentationml/2006/main">
   <p:cSld>
+    <p:bg>
+      <p:bgPr>
+        <a:solidFill>
+          <a:schemeClr val="accent1">
+            <a:lumMod val="20000"/>
+            <a:lumOff val="80000"/>
+          </a:schemeClr>
+        </a:solidFill>
+        <a:effectLst/>
+      </p:bgPr>
+    </p:bg>
     <p:spTree>
       <p:nvGrpSpPr>
         <p:cNvPr id="1" name=""/>

--- a/Diagrammes Communs/Presentation_Revue0.pptx
+++ b/Diagrammes Communs/Presentation_Revue0.pptx
@@ -41,6 +41,11 @@
     <p:sldId id="283" r:id="rId35"/>
     <p:sldId id="281" r:id="rId36"/>
     <p:sldId id="284" r:id="rId37"/>
+    <p:sldId id="296" r:id="rId38"/>
+    <p:sldId id="297" r:id="rId39"/>
+    <p:sldId id="298" r:id="rId40"/>
+    <p:sldId id="299" r:id="rId41"/>
+    <p:sldId id="300" r:id="rId42"/>
   </p:sldIdLst>
   <p:sldSz cx="12192000" cy="6858000"/>
   <p:notesSz cx="6858000" cy="9144000"/>
@@ -276,7 +281,7 @@
           <a:p>
             <a:fld id="{7BC5C595-FB1D-4FA3-AB00-1D4758E98115}" type="datetimeFigureOut">
               <a:rPr lang="fr-FR" smtClean="0"/>
-              <a:t>30/01/2020</a:t>
+              <a:t>31/01/2020</a:t>
             </a:fld>
             <a:endParaRPr lang="fr-FR"/>
           </a:p>
@@ -444,7 +449,7 @@
           <a:p>
             <a:fld id="{7BC5C595-FB1D-4FA3-AB00-1D4758E98115}" type="datetimeFigureOut">
               <a:rPr lang="fr-FR" smtClean="0"/>
-              <a:t>30/01/2020</a:t>
+              <a:t>31/01/2020</a:t>
             </a:fld>
             <a:endParaRPr lang="fr-FR"/>
           </a:p>
@@ -622,7 +627,7 @@
           <a:p>
             <a:fld id="{7BC5C595-FB1D-4FA3-AB00-1D4758E98115}" type="datetimeFigureOut">
               <a:rPr lang="fr-FR" smtClean="0"/>
-              <a:t>30/01/2020</a:t>
+              <a:t>31/01/2020</a:t>
             </a:fld>
             <a:endParaRPr lang="fr-FR"/>
           </a:p>
@@ -790,7 +795,7 @@
           <a:p>
             <a:fld id="{7BC5C595-FB1D-4FA3-AB00-1D4758E98115}" type="datetimeFigureOut">
               <a:rPr lang="fr-FR" smtClean="0"/>
-              <a:t>30/01/2020</a:t>
+              <a:t>31/01/2020</a:t>
             </a:fld>
             <a:endParaRPr lang="fr-FR"/>
           </a:p>
@@ -1035,7 +1040,7 @@
           <a:p>
             <a:fld id="{7BC5C595-FB1D-4FA3-AB00-1D4758E98115}" type="datetimeFigureOut">
               <a:rPr lang="fr-FR" smtClean="0"/>
-              <a:t>30/01/2020</a:t>
+              <a:t>31/01/2020</a:t>
             </a:fld>
             <a:endParaRPr lang="fr-FR"/>
           </a:p>
@@ -1264,7 +1269,7 @@
           <a:p>
             <a:fld id="{7BC5C595-FB1D-4FA3-AB00-1D4758E98115}" type="datetimeFigureOut">
               <a:rPr lang="fr-FR" smtClean="0"/>
-              <a:t>30/01/2020</a:t>
+              <a:t>31/01/2020</a:t>
             </a:fld>
             <a:endParaRPr lang="fr-FR"/>
           </a:p>
@@ -1628,7 +1633,7 @@
           <a:p>
             <a:fld id="{7BC5C595-FB1D-4FA3-AB00-1D4758E98115}" type="datetimeFigureOut">
               <a:rPr lang="fr-FR" smtClean="0"/>
-              <a:t>30/01/2020</a:t>
+              <a:t>31/01/2020</a:t>
             </a:fld>
             <a:endParaRPr lang="fr-FR"/>
           </a:p>
@@ -1745,7 +1750,7 @@
           <a:p>
             <a:fld id="{7BC5C595-FB1D-4FA3-AB00-1D4758E98115}" type="datetimeFigureOut">
               <a:rPr lang="fr-FR" smtClean="0"/>
-              <a:t>30/01/2020</a:t>
+              <a:t>31/01/2020</a:t>
             </a:fld>
             <a:endParaRPr lang="fr-FR"/>
           </a:p>
@@ -1840,7 +1845,7 @@
           <a:p>
             <a:fld id="{7BC5C595-FB1D-4FA3-AB00-1D4758E98115}" type="datetimeFigureOut">
               <a:rPr lang="fr-FR" smtClean="0"/>
-              <a:t>30/01/2020</a:t>
+              <a:t>31/01/2020</a:t>
             </a:fld>
             <a:endParaRPr lang="fr-FR"/>
           </a:p>
@@ -2115,7 +2120,7 @@
           <a:p>
             <a:fld id="{7BC5C595-FB1D-4FA3-AB00-1D4758E98115}" type="datetimeFigureOut">
               <a:rPr lang="fr-FR" smtClean="0"/>
-              <a:t>30/01/2020</a:t>
+              <a:t>31/01/2020</a:t>
             </a:fld>
             <a:endParaRPr lang="fr-FR"/>
           </a:p>
@@ -2367,7 +2372,7 @@
           <a:p>
             <a:fld id="{7BC5C595-FB1D-4FA3-AB00-1D4758E98115}" type="datetimeFigureOut">
               <a:rPr lang="fr-FR" smtClean="0"/>
-              <a:t>30/01/2020</a:t>
+              <a:t>31/01/2020</a:t>
             </a:fld>
             <a:endParaRPr lang="fr-FR"/>
           </a:p>
@@ -2578,7 +2583,7 @@
           <a:p>
             <a:fld id="{7BC5C595-FB1D-4FA3-AB00-1D4758E98115}" type="datetimeFigureOut">
               <a:rPr lang="fr-FR" smtClean="0"/>
-              <a:t>30/01/2020</a:t>
+              <a:t>31/01/2020</a:t>
             </a:fld>
             <a:endParaRPr lang="fr-FR"/>
           </a:p>
@@ -6191,11 +6196,7 @@
             </a:r>
             <a:r>
               <a:rPr lang="fr-FR" dirty="0" smtClean="0"/>
-              <a:t>Sélection </a:t>
-            </a:r>
-            <a:r>
-              <a:rPr lang="fr-FR" dirty="0" smtClean="0"/>
-              <a:t>d’une </a:t>
+              <a:t>Sélection d’une </a:t>
             </a:r>
             <a:r>
               <a:rPr lang="fr-FR" dirty="0"/>
@@ -6523,13 +6524,7 @@
               <a:rPr lang="fr-FR" sz="2400" dirty="0" smtClean="0">
                 <a:latin typeface="+mj-lt"/>
               </a:rPr>
-              <a:t>Sélection </a:t>
-            </a:r>
-            <a:r>
-              <a:rPr lang="fr-FR" sz="2400" dirty="0" smtClean="0">
-                <a:latin typeface="+mj-lt"/>
-              </a:rPr>
-              <a:t>d’une </a:t>
+              <a:t>Sélection d’une </a:t>
             </a:r>
             <a:r>
               <a:rPr lang="fr-FR" sz="2400" dirty="0">
@@ -7531,7 +7526,6 @@
               <a:rPr lang="fr-FR" sz="1600" dirty="0"/>
               <a:t>Le boitier d’interface + l’antenne créent un </a:t>
             </a:r>
-            <a:endParaRPr lang="fr-FR" sz="1600" dirty="0"/>
           </a:p>
           <a:p>
             <a:pPr marL="0" indent="0">
@@ -8513,6 +8507,17 @@
 <file path=ppt/slides/slide32.xml><?xml version="1.0" encoding="utf-8"?>
 <p:sld xmlns:a="http://schemas.openxmlformats.org/drawingml/2006/main" xmlns:r="http://schemas.openxmlformats.org/officeDocument/2006/relationships" xmlns:p="http://schemas.openxmlformats.org/presentationml/2006/main">
   <p:cSld>
+    <p:bg>
+      <p:bgPr>
+        <a:solidFill>
+          <a:schemeClr val="accent6">
+            <a:lumMod val="20000"/>
+            <a:lumOff val="80000"/>
+          </a:schemeClr>
+        </a:solidFill>
+        <a:effectLst/>
+      </p:bgPr>
+    </p:bg>
     <p:spTree>
       <p:nvGrpSpPr>
         <p:cNvPr id="1" name=""/>
@@ -8705,6 +8710,17 @@
 <file path=ppt/slides/slide33.xml><?xml version="1.0" encoding="utf-8"?>
 <p:sld xmlns:a="http://schemas.openxmlformats.org/drawingml/2006/main" xmlns:r="http://schemas.openxmlformats.org/officeDocument/2006/relationships" xmlns:p="http://schemas.openxmlformats.org/presentationml/2006/main">
   <p:cSld>
+    <p:bg>
+      <p:bgPr>
+        <a:solidFill>
+          <a:schemeClr val="accent6">
+            <a:lumMod val="20000"/>
+            <a:lumOff val="80000"/>
+          </a:schemeClr>
+        </a:solidFill>
+        <a:effectLst/>
+      </p:bgPr>
+    </p:bg>
     <p:spTree>
       <p:nvGrpSpPr>
         <p:cNvPr id="1" name=""/>
@@ -8767,28 +8783,28 @@
       </p:sp>
       <p:pic>
         <p:nvPicPr>
-          <p:cNvPr id="7" name="Picture 6">
-            <a:extLst>
-              <a:ext uri="{FF2B5EF4-FFF2-40B4-BE49-F238E27FC236}">
-                <a16:creationId xmlns:a16="http://schemas.microsoft.com/office/drawing/2014/main" id="{D1498DC8-3A56-4B21-92A2-73E08A61791E}"/>
-              </a:ext>
-            </a:extLst>
-          </p:cNvPr>
+          <p:cNvPr id="3" name="Image 2"/>
           <p:cNvPicPr>
             <a:picLocks noChangeAspect="1"/>
           </p:cNvPicPr>
           <p:nvPr/>
         </p:nvPicPr>
         <p:blipFill>
-          <a:blip r:embed="rId2"/>
+          <a:blip r:embed="rId2">
+            <a:extLst>
+              <a:ext uri="{28A0092B-C50C-407E-A947-70E740481C1C}">
+                <a14:useLocalDpi xmlns:a14="http://schemas.microsoft.com/office/drawing/2010/main" val="0"/>
+              </a:ext>
+            </a:extLst>
+          </a:blip>
           <a:stretch>
             <a:fillRect/>
           </a:stretch>
         </p:blipFill>
         <p:spPr>
           <a:xfrm>
-            <a:off x="1205948" y="1029211"/>
-            <a:ext cx="10274302" cy="5923722"/>
+            <a:off x="2747662" y="1071418"/>
+            <a:ext cx="7569356" cy="5703455"/>
           </a:xfrm>
           <a:prstGeom prst="rect">
             <a:avLst/>
@@ -8857,7 +8873,7 @@
       </p:sp>
       <p:sp>
         <p:nvSpPr>
-          <p:cNvPr id="3" name="Espace réservé du contenu 2"/>
+          <p:cNvPr id="4" name="Espace réservé du contenu 3"/>
           <p:cNvSpPr>
             <a:spLocks noGrp="1"/>
           </p:cNvSpPr>
@@ -8865,52 +8881,12 @@
             <p:ph idx="1"/>
           </p:nvPr>
         </p:nvSpPr>
-        <p:spPr>
-          <a:xfrm>
-            <a:off x="360485" y="805716"/>
-            <a:ext cx="10993315" cy="5647837"/>
-          </a:xfrm>
-        </p:spPr>
-        <p:txBody>
-          <a:bodyPr>
-            <a:normAutofit fontScale="92500" lnSpcReduction="10000"/>
-          </a:bodyPr>
-          <a:lstStyle/>
-          <a:p>
-            <a:r>
-              <a:rPr lang="fr-FR" sz="2600" dirty="0"/>
-              <a:t>1 . L’utilisateur à fini sa course et veut connaître son classement donc il se rend sur le site et  renseigne ses identifiants . Une fois connecté il appuie sur le bouton « afficher le classement » et son classement s’affiche  .</a:t>
-            </a:r>
-          </a:p>
-          <a:p>
-            <a:r>
-              <a:rPr lang="fr-FR" sz="2600" dirty="0"/>
-              <a:t>2 . L’utilisateur veut connaître son classement par rapport à sa classe donc il se rend sur le site et  appuie sur l’onglet « afficher le classement par classe » . Le classement se trie par rapport aux participants de la classe de l’utilisateur et affiche un nouveau classement.</a:t>
-            </a:r>
-          </a:p>
-          <a:p>
-            <a:r>
-              <a:rPr lang="fr-FR" sz="2600" dirty="0"/>
-              <a:t>3 . L’utilisateur veut afficher son temps de course donc il se rend sur le site et appuie sur l’onglet « afficher le temps de course » et le temps de course de l’utilisateur s’affiche .</a:t>
-            </a:r>
-          </a:p>
-          <a:p>
-            <a:r>
-              <a:rPr lang="fr-FR" sz="2600" dirty="0"/>
-              <a:t>4 . L’utilisateur veut connaître la moyenne du temps de course donc il appuie sur l’onglet « Afficher la moyenne du temps de course » et la moyenne du temps de course s’affiche et l’utilisateur peut comparer son temps avec celui de la course. </a:t>
-            </a:r>
-          </a:p>
-          <a:p>
-            <a:r>
-              <a:rPr lang="fr-FR" sz="2600" dirty="0"/>
-              <a:t>5. L’utilisateur veut se renseigner sur la prochaine course programmé et se rend sur le site , si une course est programmé il apprend la date de celle – ci autrement , il aperçoit le message « aucune course est programmé prochainement » . </a:t>
-            </a:r>
-          </a:p>
-          <a:p>
-            <a:pPr marL="0" indent="0">
-              <a:buNone/>
-            </a:pPr>
-            <a:endParaRPr lang="fr-FR" dirty="0"/>
+        <p:spPr/>
+        <p:txBody>
+          <a:bodyPr/>
+          <a:lstStyle/>
+          <a:p>
+            <a:endParaRPr lang="fr-FR"/>
           </a:p>
         </p:txBody>
       </p:sp>
@@ -8930,6 +8906,17 @@
 <file path=ppt/slides/slide35.xml><?xml version="1.0" encoding="utf-8"?>
 <p:sld xmlns:a="http://schemas.openxmlformats.org/drawingml/2006/main" xmlns:r="http://schemas.openxmlformats.org/officeDocument/2006/relationships" xmlns:p="http://schemas.openxmlformats.org/presentationml/2006/main">
   <p:cSld>
+    <p:bg>
+      <p:bgPr>
+        <a:solidFill>
+          <a:schemeClr val="accent6">
+            <a:lumMod val="20000"/>
+            <a:lumOff val="80000"/>
+          </a:schemeClr>
+        </a:solidFill>
+        <a:effectLst/>
+      </p:bgPr>
+    </p:bg>
     <p:spTree>
       <p:nvGrpSpPr>
         <p:cNvPr id="1" name=""/>
@@ -9016,13 +9003,13 @@
       </p:sp>
       <p:pic>
         <p:nvPicPr>
-          <p:cNvPr id="3" name="Image 2"/>
+          <p:cNvPr id="4" name="Image 3"/>
           <p:cNvPicPr>
             <a:picLocks noChangeAspect="1"/>
           </p:cNvPicPr>
           <p:nvPr/>
         </p:nvPicPr>
-        <p:blipFill rotWithShape="1">
+        <p:blipFill>
           <a:blip r:embed="rId2">
             <a:extLst>
               <a:ext uri="{28A0092B-C50C-407E-A947-70E740481C1C}">
@@ -9030,13 +9017,14 @@
               </a:ext>
             </a:extLst>
           </a:blip>
-          <a:srcRect l="13824" t="8239" r="14077" b="9066"/>
-          <a:stretch/>
+          <a:stretch>
+            <a:fillRect/>
+          </a:stretch>
         </p:blipFill>
         <p:spPr>
           <a:xfrm>
-            <a:off x="1564331" y="800101"/>
-            <a:ext cx="8905073" cy="5846884"/>
+            <a:off x="230909" y="895928"/>
+            <a:ext cx="11790088" cy="5661890"/>
           </a:xfrm>
           <a:prstGeom prst="rect">
             <a:avLst/>
@@ -9059,6 +9047,17 @@
 <file path=ppt/slides/slide36.xml><?xml version="1.0" encoding="utf-8"?>
 <p:sld xmlns:a="http://schemas.openxmlformats.org/drawingml/2006/main" xmlns:r="http://schemas.openxmlformats.org/officeDocument/2006/relationships" xmlns:p="http://schemas.openxmlformats.org/presentationml/2006/main">
   <p:cSld>
+    <p:bg>
+      <p:bgPr>
+        <a:solidFill>
+          <a:schemeClr val="accent6">
+            <a:lumMod val="20000"/>
+            <a:lumOff val="80000"/>
+          </a:schemeClr>
+        </a:solidFill>
+        <a:effectLst/>
+      </p:bgPr>
+    </p:bg>
     <p:spTree>
       <p:nvGrpSpPr>
         <p:cNvPr id="1" name=""/>
@@ -9136,6 +9135,645 @@
     <p:extLst>
       <p:ext uri="{BB962C8B-B14F-4D97-AF65-F5344CB8AC3E}">
         <p14:creationId xmlns:p14="http://schemas.microsoft.com/office/powerpoint/2010/main" val="1431005910"/>
+      </p:ext>
+    </p:extLst>
+  </p:cSld>
+  <p:clrMapOvr>
+    <a:masterClrMapping/>
+  </p:clrMapOvr>
+</p:sld>
+</file>
+
+<file path=ppt/slides/slide37.xml><?xml version="1.0" encoding="utf-8"?>
+<p:sld xmlns:a="http://schemas.openxmlformats.org/drawingml/2006/main" xmlns:r="http://schemas.openxmlformats.org/officeDocument/2006/relationships" xmlns:p="http://schemas.openxmlformats.org/presentationml/2006/main">
+  <p:cSld>
+    <p:bg>
+      <p:bgPr>
+        <a:solidFill>
+          <a:schemeClr val="accent6">
+            <a:lumMod val="20000"/>
+            <a:lumOff val="80000"/>
+          </a:schemeClr>
+        </a:solidFill>
+        <a:effectLst/>
+      </p:bgPr>
+    </p:bg>
+    <p:spTree>
+      <p:nvGrpSpPr>
+        <p:cNvPr id="1" name=""/>
+        <p:cNvGrpSpPr/>
+        <p:nvPr/>
+      </p:nvGrpSpPr>
+      <p:grpSpPr>
+        <a:xfrm>
+          <a:off x="0" y="0"/>
+          <a:ext cx="0" cy="0"/>
+          <a:chOff x="0" y="0"/>
+          <a:chExt cx="0" cy="0"/>
+        </a:xfrm>
+      </p:grpSpPr>
+      <p:sp>
+        <p:nvSpPr>
+          <p:cNvPr id="2" name="Titre 1"/>
+          <p:cNvSpPr>
+            <a:spLocks noGrp="1"/>
+          </p:cNvSpPr>
+          <p:nvPr>
+            <p:ph type="title"/>
+          </p:nvPr>
+        </p:nvSpPr>
+        <p:spPr/>
+        <p:txBody>
+          <a:bodyPr/>
+          <a:lstStyle/>
+          <a:p>
+            <a:r>
+              <a:rPr lang="fr-FR" dirty="0"/>
+              <a:t>II) Etude physique du WI-FI</a:t>
+            </a:r>
+            <a:br>
+              <a:rPr lang="fr-FR" dirty="0"/>
+            </a:br>
+            <a:endParaRPr lang="fr-FR" dirty="0"/>
+          </a:p>
+        </p:txBody>
+      </p:sp>
+      <p:sp>
+        <p:nvSpPr>
+          <p:cNvPr id="4" name="ZoneTexte 3"/>
+          <p:cNvSpPr txBox="1"/>
+          <p:nvPr/>
+        </p:nvSpPr>
+        <p:spPr>
+          <a:xfrm>
+            <a:off x="838200" y="1283854"/>
+            <a:ext cx="4574309" cy="5078313"/>
+          </a:xfrm>
+          <a:prstGeom prst="rect">
+            <a:avLst/>
+          </a:prstGeom>
+          <a:noFill/>
+        </p:spPr>
+        <p:txBody>
+          <a:bodyPr wrap="square" rtlCol="0">
+            <a:spAutoFit/>
+          </a:bodyPr>
+          <a:lstStyle/>
+          <a:p>
+            <a:r>
+              <a:rPr lang="fr-FR" dirty="0">
+                <a:effectLst>
+                  <a:outerShdw blurRad="38100" dist="25400" dir="5400000" algn="ctr">
+                    <a:srgbClr val="6E747A">
+                      <a:alpha val="43000"/>
+                    </a:srgbClr>
+                  </a:outerShdw>
+                </a:effectLst>
+              </a:rPr>
+              <a:t>1.1 Introduction du WIFI</a:t>
+            </a:r>
+            <a:endParaRPr lang="fr-FR" dirty="0"/>
+          </a:p>
+          <a:p>
+            <a:r>
+              <a:rPr lang="fr-FR" dirty="0">
+                <a:effectLst>
+                  <a:outerShdw blurRad="38100" dist="25400" dir="5400000" algn="ctr">
+                    <a:srgbClr val="6E747A">
+                      <a:alpha val="43000"/>
+                    </a:srgbClr>
+                  </a:outerShdw>
+                </a:effectLst>
+              </a:rPr>
+              <a:t> </a:t>
+            </a:r>
+            <a:endParaRPr lang="fr-FR" dirty="0"/>
+          </a:p>
+          <a:p>
+            <a:r>
+              <a:rPr lang="fr-FR" dirty="0"/>
+              <a:t>Le WIFI est une norme de transmission de données qui se fait par des ondes électromagnétiques qui permet de relier entre elles plusieurs appareils informatiques de type ordinateur ,téléphone mobile </a:t>
+            </a:r>
+            <a:r>
+              <a:rPr lang="fr-FR" dirty="0" err="1"/>
+              <a:t>etc</a:t>
+            </a:r>
+            <a:r>
+              <a:rPr lang="fr-FR" dirty="0"/>
+              <a:t> </a:t>
+            </a:r>
+            <a:r>
+              <a:rPr lang="fr-FR" dirty="0" smtClean="0"/>
+              <a:t>.., </a:t>
+            </a:r>
+            <a:r>
+              <a:rPr lang="fr-FR" dirty="0"/>
+              <a:t>le débit change selon la </a:t>
+            </a:r>
+            <a:r>
+              <a:rPr lang="fr-FR" dirty="0" smtClean="0"/>
+              <a:t>norme IEEE  . Ce sont les protocoles de wifi qui sont soumis à des règles physiques.</a:t>
+            </a:r>
+            <a:endParaRPr lang="fr-FR" dirty="0"/>
+          </a:p>
+          <a:p>
+            <a:r>
+              <a:rPr lang="fr-FR" dirty="0"/>
+              <a:t>La portée du WIFI peut s’étendre jusqu’à plusieurs dizaines de mètres si il n’y a aucun obstacle de gêne qui perturbe la propagation des ondes </a:t>
+            </a:r>
+            <a:r>
+              <a:rPr lang="fr-FR" dirty="0" smtClean="0"/>
+              <a:t>.</a:t>
+            </a:r>
+          </a:p>
+          <a:p>
+            <a:endParaRPr lang="fr-FR" dirty="0"/>
+          </a:p>
+          <a:p>
+            <a:r>
+              <a:rPr lang="fr-FR" dirty="0" smtClean="0"/>
+              <a:t>1 FT </a:t>
+            </a:r>
+            <a:r>
+              <a:rPr lang="fr-FR" b="1" dirty="0" smtClean="0"/>
+              <a:t>≃ 30.48 cm</a:t>
+            </a:r>
+            <a:endParaRPr lang="fr-FR" b="1" dirty="0"/>
+          </a:p>
+          <a:p>
+            <a:endParaRPr lang="fr-FR" dirty="0"/>
+          </a:p>
+          <a:p>
+            <a:endParaRPr lang="fr-FR" dirty="0"/>
+          </a:p>
+        </p:txBody>
+      </p:sp>
+      <p:pic>
+        <p:nvPicPr>
+          <p:cNvPr id="1026" name="Picture 2" descr="Résultat de recherche d'images pour &quot;802.11 wifi&quot;&quot;"/>
+          <p:cNvPicPr>
+            <a:picLocks noChangeAspect="1" noChangeArrowheads="1"/>
+          </p:cNvPicPr>
+          <p:nvPr/>
+        </p:nvPicPr>
+        <p:blipFill>
+          <a:blip r:embed="rId2">
+            <a:extLst>
+              <a:ext uri="{28A0092B-C50C-407E-A947-70E740481C1C}">
+                <a14:useLocalDpi xmlns:a14="http://schemas.microsoft.com/office/drawing/2010/main" val="0"/>
+              </a:ext>
+            </a:extLst>
+          </a:blip>
+          <a:srcRect/>
+          <a:stretch>
+            <a:fillRect/>
+          </a:stretch>
+        </p:blipFill>
+        <p:spPr bwMode="auto">
+          <a:xfrm>
+            <a:off x="5723081" y="1150476"/>
+            <a:ext cx="5813136" cy="5622067"/>
+          </a:xfrm>
+          <a:prstGeom prst="rect">
+            <a:avLst/>
+          </a:prstGeom>
+          <a:noFill/>
+          <a:extLst>
+            <a:ext uri="{909E8E84-426E-40DD-AFC4-6F175D3DCCD1}">
+              <a14:hiddenFill xmlns:a14="http://schemas.microsoft.com/office/drawing/2010/main">
+                <a:solidFill>
+                  <a:srgbClr val="FFFFFF"/>
+                </a:solidFill>
+              </a14:hiddenFill>
+            </a:ext>
+          </a:extLst>
+        </p:spPr>
+      </p:pic>
+      <p:sp>
+        <p:nvSpPr>
+          <p:cNvPr id="5" name="ZoneTexte 4"/>
+          <p:cNvSpPr txBox="1"/>
+          <p:nvPr/>
+        </p:nvSpPr>
+        <p:spPr>
+          <a:xfrm>
+            <a:off x="7897091" y="874017"/>
+            <a:ext cx="2604654" cy="307777"/>
+          </a:xfrm>
+          <a:prstGeom prst="rect">
+            <a:avLst/>
+          </a:prstGeom>
+          <a:noFill/>
+        </p:spPr>
+        <p:txBody>
+          <a:bodyPr wrap="square" rtlCol="0">
+            <a:spAutoFit/>
+          </a:bodyPr>
+          <a:lstStyle/>
+          <a:p>
+            <a:r>
+              <a:rPr lang="fr-FR" sz="1400" dirty="0" smtClean="0"/>
+              <a:t>Source www.cnx.software.com</a:t>
+            </a:r>
+            <a:endParaRPr lang="fr-FR" sz="1400" dirty="0"/>
+          </a:p>
+        </p:txBody>
+      </p:sp>
+    </p:spTree>
+    <p:extLst>
+      <p:ext uri="{BB962C8B-B14F-4D97-AF65-F5344CB8AC3E}">
+        <p14:creationId xmlns:p14="http://schemas.microsoft.com/office/powerpoint/2010/main" val="700170699"/>
+      </p:ext>
+    </p:extLst>
+  </p:cSld>
+  <p:clrMapOvr>
+    <a:masterClrMapping/>
+  </p:clrMapOvr>
+</p:sld>
+</file>
+
+<file path=ppt/slides/slide38.xml><?xml version="1.0" encoding="utf-8"?>
+<p:sld xmlns:a="http://schemas.openxmlformats.org/drawingml/2006/main" xmlns:r="http://schemas.openxmlformats.org/officeDocument/2006/relationships" xmlns:p="http://schemas.openxmlformats.org/presentationml/2006/main">
+  <p:cSld>
+    <p:bg>
+      <p:bgPr>
+        <a:solidFill>
+          <a:schemeClr val="accent6">
+            <a:lumMod val="20000"/>
+            <a:lumOff val="80000"/>
+          </a:schemeClr>
+        </a:solidFill>
+        <a:effectLst/>
+      </p:bgPr>
+    </p:bg>
+    <p:spTree>
+      <p:nvGrpSpPr>
+        <p:cNvPr id="1" name=""/>
+        <p:cNvGrpSpPr/>
+        <p:nvPr/>
+      </p:nvGrpSpPr>
+      <p:grpSpPr>
+        <a:xfrm>
+          <a:off x="0" y="0"/>
+          <a:ext cx="0" cy="0"/>
+          <a:chOff x="0" y="0"/>
+          <a:chExt cx="0" cy="0"/>
+        </a:xfrm>
+      </p:grpSpPr>
+      <p:sp>
+        <p:nvSpPr>
+          <p:cNvPr id="3" name="Espace réservé du contenu 2"/>
+          <p:cNvSpPr>
+            <a:spLocks noGrp="1"/>
+          </p:cNvSpPr>
+          <p:nvPr>
+            <p:ph idx="1"/>
+          </p:nvPr>
+        </p:nvSpPr>
+        <p:spPr>
+          <a:xfrm>
+            <a:off x="394854" y="646545"/>
+            <a:ext cx="5728855" cy="5308745"/>
+          </a:xfrm>
+        </p:spPr>
+        <p:txBody>
+          <a:bodyPr>
+            <a:normAutofit lnSpcReduction="10000"/>
+          </a:bodyPr>
+          <a:lstStyle/>
+          <a:p>
+            <a:r>
+              <a:rPr lang="fr-FR" sz="2600" dirty="0" smtClean="0">
+                <a:effectLst>
+                  <a:outerShdw blurRad="38100" dist="25400" dir="5400000" algn="ctr">
+                    <a:srgbClr val="6E747A">
+                      <a:alpha val="43000"/>
+                    </a:srgbClr>
+                  </a:outerShdw>
+                </a:effectLst>
+              </a:rPr>
+              <a:t>1.2 </a:t>
+            </a:r>
+            <a:r>
+              <a:rPr lang="fr-FR" sz="2600" dirty="0">
+                <a:effectLst>
+                  <a:outerShdw blurRad="38100" dist="25400" dir="5400000" algn="ctr">
+                    <a:srgbClr val="6E747A">
+                      <a:alpha val="43000"/>
+                    </a:srgbClr>
+                  </a:outerShdw>
+                </a:effectLst>
+              </a:rPr>
+              <a:t>Principe du fonctionnement</a:t>
+            </a:r>
+            <a:endParaRPr lang="fr-FR" sz="2600" dirty="0"/>
+          </a:p>
+          <a:p>
+            <a:pPr marL="0" indent="0">
+              <a:buNone/>
+            </a:pPr>
+            <a:r>
+              <a:rPr lang="fr-FR" sz="2600" dirty="0"/>
+              <a:t>   Tout d’abord pour que la connexion WIFI fonctionne il faut avoir un objet équipé d’un adaptateur réseau qui va convertir les informations en un signal radio . Ces information seront communiqué au routeur (décodeur) ,une fois décodées elles peuvent être transmises sur internet.  Le réseau sans fil </a:t>
+            </a:r>
+            <a:r>
+              <a:rPr lang="fr-FR" sz="2600" dirty="0" smtClean="0"/>
+              <a:t>(le </a:t>
+            </a:r>
+            <a:r>
+              <a:rPr lang="fr-FR" sz="2600" dirty="0"/>
+              <a:t>wifi ) se repose sur un trafic bidirectionnel c’est-à-dire que à l’inverse les données envoyées d’internet sont envoyées vers le routeur pour être transformes dans un signal radio qui seront ensuite réceptionnées par l’objet équipé d’un adaptateur réseau .</a:t>
+            </a:r>
+          </a:p>
+          <a:p>
+            <a:endParaRPr lang="fr-FR" dirty="0"/>
+          </a:p>
+        </p:txBody>
+      </p:sp>
+      <p:pic>
+        <p:nvPicPr>
+          <p:cNvPr id="2052" name="Picture 4" descr="Modem routeur"/>
+          <p:cNvPicPr>
+            <a:picLocks noChangeAspect="1" noChangeArrowheads="1"/>
+          </p:cNvPicPr>
+          <p:nvPr/>
+        </p:nvPicPr>
+        <p:blipFill>
+          <a:blip r:embed="rId2">
+            <a:extLst>
+              <a:ext uri="{28A0092B-C50C-407E-A947-70E740481C1C}">
+                <a14:useLocalDpi xmlns:a14="http://schemas.microsoft.com/office/drawing/2010/main" val="0"/>
+              </a:ext>
+            </a:extLst>
+          </a:blip>
+          <a:srcRect/>
+          <a:stretch>
+            <a:fillRect/>
+          </a:stretch>
+        </p:blipFill>
+        <p:spPr bwMode="auto">
+          <a:xfrm>
+            <a:off x="6510194" y="1107858"/>
+            <a:ext cx="5012706" cy="4386118"/>
+          </a:xfrm>
+          <a:prstGeom prst="rect">
+            <a:avLst/>
+          </a:prstGeom>
+          <a:noFill/>
+          <a:extLst>
+            <a:ext uri="{909E8E84-426E-40DD-AFC4-6F175D3DCCD1}">
+              <a14:hiddenFill xmlns:a14="http://schemas.microsoft.com/office/drawing/2010/main">
+                <a:solidFill>
+                  <a:srgbClr val="FFFFFF"/>
+                </a:solidFill>
+              </a14:hiddenFill>
+            </a:ext>
+          </a:extLst>
+        </p:spPr>
+      </p:pic>
+      <p:sp>
+        <p:nvSpPr>
+          <p:cNvPr id="4" name="ZoneTexte 3"/>
+          <p:cNvSpPr txBox="1"/>
+          <p:nvPr/>
+        </p:nvSpPr>
+        <p:spPr>
+          <a:xfrm>
+            <a:off x="7453745" y="800081"/>
+            <a:ext cx="4069155" cy="307777"/>
+          </a:xfrm>
+          <a:prstGeom prst="rect">
+            <a:avLst/>
+          </a:prstGeom>
+          <a:noFill/>
+        </p:spPr>
+        <p:txBody>
+          <a:bodyPr wrap="square" rtlCol="0">
+            <a:spAutoFit/>
+          </a:bodyPr>
+          <a:lstStyle/>
+          <a:p>
+            <a:r>
+              <a:rPr lang="fr-FR" sz="1400" dirty="0" smtClean="0"/>
+              <a:t>Source : questions.heffge.fr</a:t>
+            </a:r>
+            <a:endParaRPr lang="fr-FR" sz="1400" dirty="0"/>
+          </a:p>
+        </p:txBody>
+      </p:sp>
+    </p:spTree>
+    <p:extLst>
+      <p:ext uri="{BB962C8B-B14F-4D97-AF65-F5344CB8AC3E}">
+        <p14:creationId xmlns:p14="http://schemas.microsoft.com/office/powerpoint/2010/main" val="1919668917"/>
+      </p:ext>
+    </p:extLst>
+  </p:cSld>
+  <p:clrMapOvr>
+    <a:masterClrMapping/>
+  </p:clrMapOvr>
+</p:sld>
+</file>
+
+<file path=ppt/slides/slide39.xml><?xml version="1.0" encoding="utf-8"?>
+<p:sld xmlns:a="http://schemas.openxmlformats.org/drawingml/2006/main" xmlns:r="http://schemas.openxmlformats.org/officeDocument/2006/relationships" xmlns:p="http://schemas.openxmlformats.org/presentationml/2006/main">
+  <p:cSld>
+    <p:bg>
+      <p:bgPr>
+        <a:solidFill>
+          <a:schemeClr val="accent6">
+            <a:lumMod val="20000"/>
+            <a:lumOff val="80000"/>
+          </a:schemeClr>
+        </a:solidFill>
+        <a:effectLst/>
+      </p:bgPr>
+    </p:bg>
+    <p:spTree>
+      <p:nvGrpSpPr>
+        <p:cNvPr id="1" name=""/>
+        <p:cNvGrpSpPr/>
+        <p:nvPr/>
+      </p:nvGrpSpPr>
+      <p:grpSpPr>
+        <a:xfrm>
+          <a:off x="0" y="0"/>
+          <a:ext cx="0" cy="0"/>
+          <a:chOff x="0" y="0"/>
+          <a:chExt cx="0" cy="0"/>
+        </a:xfrm>
+      </p:grpSpPr>
+      <p:sp>
+        <p:nvSpPr>
+          <p:cNvPr id="3" name="Espace réservé du contenu 2"/>
+          <p:cNvSpPr>
+            <a:spLocks noGrp="1"/>
+          </p:cNvSpPr>
+          <p:nvPr>
+            <p:ph idx="1"/>
+          </p:nvPr>
+        </p:nvSpPr>
+        <p:spPr>
+          <a:xfrm>
+            <a:off x="293255" y="606425"/>
+            <a:ext cx="6680200" cy="4351338"/>
+          </a:xfrm>
+        </p:spPr>
+        <p:txBody>
+          <a:bodyPr/>
+          <a:lstStyle/>
+          <a:p>
+            <a:r>
+              <a:rPr lang="fr-FR" sz="2400" dirty="0" smtClean="0">
+                <a:effectLst>
+                  <a:outerShdw blurRad="38100" dist="25400" dir="5400000" algn="ctr">
+                    <a:srgbClr val="6E747A">
+                      <a:alpha val="43000"/>
+                    </a:srgbClr>
+                  </a:outerShdw>
+                </a:effectLst>
+              </a:rPr>
+              <a:t>1.3 </a:t>
+            </a:r>
+            <a:r>
+              <a:rPr lang="fr-FR" sz="2400" dirty="0">
+                <a:effectLst>
+                  <a:outerShdw blurRad="38100" dist="25400" dir="5400000" algn="ctr">
+                    <a:srgbClr val="6E747A">
+                      <a:alpha val="43000"/>
+                    </a:srgbClr>
+                  </a:outerShdw>
+                </a:effectLst>
+              </a:rPr>
+              <a:t>Principe du fonctionnement physique</a:t>
+            </a:r>
+            <a:endParaRPr lang="fr-FR" sz="2400" dirty="0"/>
+          </a:p>
+          <a:p>
+            <a:pPr marL="0" indent="0">
+              <a:buNone/>
+            </a:pPr>
+            <a:r>
+              <a:rPr lang="fr-FR" sz="2400" dirty="0">
+                <a:effectLst>
+                  <a:outerShdw blurRad="38100" dist="25400" dir="5400000" algn="ctr">
+                    <a:srgbClr val="6E747A">
+                      <a:alpha val="43000"/>
+                    </a:srgbClr>
+                  </a:outerShdw>
+                </a:effectLst>
+              </a:rPr>
+              <a:t> </a:t>
+            </a:r>
+            <a:endParaRPr lang="fr-FR" sz="2400" dirty="0"/>
+          </a:p>
+          <a:p>
+            <a:pPr marL="0" indent="0">
+              <a:buNone/>
+            </a:pPr>
+            <a:r>
+              <a:rPr lang="fr-FR" sz="2400" dirty="0"/>
+              <a:t>L’onde électromagnétique est formée par le couplage de l’onde électrique E et l’onde magnétique B . La fréquence à son tour est déterminée par la célérité (c)</a:t>
+            </a:r>
+          </a:p>
+          <a:p>
+            <a:pPr marL="0" indent="0">
+              <a:buNone/>
+            </a:pPr>
+            <a:r>
+              <a:rPr lang="fr-FR" sz="2400" dirty="0"/>
+              <a:t>et la longueur d’one  (l) .</a:t>
+            </a:r>
+          </a:p>
+          <a:p>
+            <a:pPr marL="0" indent="0">
+              <a:buNone/>
+            </a:pPr>
+            <a:r>
+              <a:rPr lang="fr-FR" sz="2400" dirty="0">
+                <a:effectLst>
+                  <a:outerShdw blurRad="38100" dist="25400" dir="5400000" algn="ctr">
+                    <a:srgbClr val="6E747A">
+                      <a:alpha val="43000"/>
+                    </a:srgbClr>
+                  </a:outerShdw>
+                </a:effectLst>
+              </a:rPr>
+              <a:t> </a:t>
+            </a:r>
+            <a:endParaRPr lang="fr-FR" sz="2400" dirty="0"/>
+          </a:p>
+          <a:p>
+            <a:endParaRPr lang="fr-FR" dirty="0"/>
+          </a:p>
+        </p:txBody>
+      </p:sp>
+      <p:pic>
+        <p:nvPicPr>
+          <p:cNvPr id="4" name="Picture 34"/>
+          <p:cNvPicPr/>
+          <p:nvPr/>
+        </p:nvPicPr>
+        <p:blipFill>
+          <a:blip r:embed="rId2">
+            <a:extLst>
+              <a:ext uri="{28A0092B-C50C-407E-A947-70E740481C1C}">
+                <a14:useLocalDpi xmlns:a14="http://schemas.microsoft.com/office/drawing/2010/main" val="0"/>
+              </a:ext>
+            </a:extLst>
+          </a:blip>
+          <a:srcRect/>
+          <a:stretch>
+            <a:fillRect/>
+          </a:stretch>
+        </p:blipFill>
+        <p:spPr bwMode="auto">
+          <a:xfrm>
+            <a:off x="7277823" y="1939636"/>
+            <a:ext cx="4101378" cy="3528291"/>
+          </a:xfrm>
+          <a:prstGeom prst="rect">
+            <a:avLst/>
+          </a:prstGeom>
+          <a:noFill/>
+          <a:ln>
+            <a:noFill/>
+          </a:ln>
+        </p:spPr>
+      </p:pic>
+      <p:sp>
+        <p:nvSpPr>
+          <p:cNvPr id="5" name="ZoneTexte 4"/>
+          <p:cNvSpPr txBox="1"/>
+          <p:nvPr/>
+        </p:nvSpPr>
+        <p:spPr>
+          <a:xfrm>
+            <a:off x="7924800" y="1542473"/>
+            <a:ext cx="3158836" cy="307777"/>
+          </a:xfrm>
+          <a:prstGeom prst="rect">
+            <a:avLst/>
+          </a:prstGeom>
+          <a:noFill/>
+        </p:spPr>
+        <p:txBody>
+          <a:bodyPr wrap="square" rtlCol="0">
+            <a:spAutoFit/>
+          </a:bodyPr>
+          <a:lstStyle/>
+          <a:p>
+            <a:r>
+              <a:rPr lang="fr-FR" sz="1400" dirty="0" smtClean="0"/>
+              <a:t>Source : www.radiomateur.org</a:t>
+            </a:r>
+            <a:endParaRPr lang="fr-FR" sz="1400" dirty="0"/>
+          </a:p>
+        </p:txBody>
+      </p:sp>
+    </p:spTree>
+    <p:extLst>
+      <p:ext uri="{BB962C8B-B14F-4D97-AF65-F5344CB8AC3E}">
+        <p14:creationId xmlns:p14="http://schemas.microsoft.com/office/powerpoint/2010/main" val="1617756300"/>
       </p:ext>
     </p:extLst>
   </p:cSld>
@@ -9236,6 +9874,302 @@
     <p:extLst>
       <p:ext uri="{BB962C8B-B14F-4D97-AF65-F5344CB8AC3E}">
         <p14:creationId xmlns:p14="http://schemas.microsoft.com/office/powerpoint/2010/main" val="4128117823"/>
+      </p:ext>
+    </p:extLst>
+  </p:cSld>
+  <p:clrMapOvr>
+    <a:masterClrMapping/>
+  </p:clrMapOvr>
+</p:sld>
+</file>
+
+<file path=ppt/slides/slide40.xml><?xml version="1.0" encoding="utf-8"?>
+<p:sld xmlns:a="http://schemas.openxmlformats.org/drawingml/2006/main" xmlns:r="http://schemas.openxmlformats.org/officeDocument/2006/relationships" xmlns:p="http://schemas.openxmlformats.org/presentationml/2006/main">
+  <p:cSld>
+    <p:bg>
+      <p:bgPr>
+        <a:solidFill>
+          <a:schemeClr val="accent6">
+            <a:lumMod val="20000"/>
+            <a:lumOff val="80000"/>
+          </a:schemeClr>
+        </a:solidFill>
+        <a:effectLst/>
+      </p:bgPr>
+    </p:bg>
+    <p:spTree>
+      <p:nvGrpSpPr>
+        <p:cNvPr id="1" name=""/>
+        <p:cNvGrpSpPr/>
+        <p:nvPr/>
+      </p:nvGrpSpPr>
+      <p:grpSpPr>
+        <a:xfrm>
+          <a:off x="0" y="0"/>
+          <a:ext cx="0" cy="0"/>
+          <a:chOff x="0" y="0"/>
+          <a:chExt cx="0" cy="0"/>
+        </a:xfrm>
+      </p:grpSpPr>
+      <p:sp>
+        <p:nvSpPr>
+          <p:cNvPr id="3" name="Espace réservé du contenu 2"/>
+          <p:cNvSpPr>
+            <a:spLocks noGrp="1"/>
+          </p:cNvSpPr>
+          <p:nvPr>
+            <p:ph idx="1"/>
+          </p:nvPr>
+        </p:nvSpPr>
+        <p:spPr>
+          <a:xfrm>
+            <a:off x="311728" y="495588"/>
+            <a:ext cx="6366163" cy="6459393"/>
+          </a:xfrm>
+        </p:spPr>
+        <p:txBody>
+          <a:bodyPr/>
+          <a:lstStyle/>
+          <a:p>
+            <a:pPr marL="0" indent="0">
+              <a:buNone/>
+            </a:pPr>
+            <a:r>
+              <a:rPr lang="fr-FR" b="1" dirty="0">
+                <a:effectLst>
+                  <a:outerShdw blurRad="38100" dist="25400" dir="5400000" algn="ctr">
+                    <a:srgbClr val="6E747A">
+                      <a:alpha val="43000"/>
+                    </a:srgbClr>
+                  </a:outerShdw>
+                </a:effectLst>
+              </a:rPr>
+              <a:t>2</a:t>
+            </a:r>
+            <a:r>
+              <a:rPr lang="fr-FR" sz="2400" b="1" dirty="0">
+                <a:effectLst>
+                  <a:outerShdw blurRad="38100" dist="25400" dir="5400000" algn="ctr">
+                    <a:srgbClr val="6E747A">
+                      <a:alpha val="43000"/>
+                    </a:srgbClr>
+                  </a:outerShdw>
+                </a:effectLst>
+              </a:rPr>
+              <a:t>.) Utilisation et choix du Wifi .</a:t>
+            </a:r>
+            <a:endParaRPr lang="fr-FR" sz="2400" dirty="0"/>
+          </a:p>
+          <a:p>
+            <a:pPr marL="0" indent="0">
+              <a:buNone/>
+            </a:pPr>
+            <a:r>
+              <a:rPr lang="fr-FR" sz="2400" dirty="0">
+                <a:effectLst>
+                  <a:outerShdw blurRad="38100" dist="25400" dir="5400000" algn="ctr">
+                    <a:srgbClr val="6E747A">
+                      <a:alpha val="43000"/>
+                    </a:srgbClr>
+                  </a:outerShdw>
+                </a:effectLst>
+              </a:rPr>
+              <a:t>2.1 Utilisation précise du Wifi</a:t>
+            </a:r>
+            <a:endParaRPr lang="fr-FR" sz="2400" dirty="0"/>
+          </a:p>
+          <a:p>
+            <a:pPr marL="0" indent="0">
+              <a:buNone/>
+            </a:pPr>
+            <a:r>
+              <a:rPr lang="fr-FR" sz="2400" dirty="0">
+                <a:effectLst>
+                  <a:outerShdw blurRad="38100" dist="25400" dir="5400000" algn="ctr">
+                    <a:srgbClr val="6E747A">
+                      <a:alpha val="43000"/>
+                    </a:srgbClr>
+                  </a:outerShdw>
+                </a:effectLst>
+              </a:rPr>
+              <a:t> </a:t>
+            </a:r>
+            <a:endParaRPr lang="fr-FR" sz="2400" dirty="0"/>
+          </a:p>
+          <a:p>
+            <a:r>
+              <a:rPr lang="fr-FR" sz="2400" dirty="0"/>
+              <a:t>Dans notre cas , l’utilisation du wifi va nous être utile car les courses seront lancés à l’extérieur donc il faudrait que les requêtes </a:t>
+            </a:r>
+            <a:r>
+              <a:rPr lang="fr-FR" sz="2400" dirty="0" err="1"/>
+              <a:t>sql</a:t>
+            </a:r>
+            <a:r>
+              <a:rPr lang="fr-FR" sz="2400" dirty="0"/>
+              <a:t> s’envoient sur la BDD rapidement tout en ayant cette sureté d’arriver et la rapidité d’affichage sur les écrans. </a:t>
+            </a:r>
+          </a:p>
+          <a:p>
+            <a:endParaRPr lang="fr-FR" dirty="0"/>
+          </a:p>
+          <a:p>
+            <a:endParaRPr lang="fr-FR" dirty="0"/>
+          </a:p>
+        </p:txBody>
+      </p:sp>
+    </p:spTree>
+    <p:extLst>
+      <p:ext uri="{BB962C8B-B14F-4D97-AF65-F5344CB8AC3E}">
+        <p14:creationId xmlns:p14="http://schemas.microsoft.com/office/powerpoint/2010/main" val="3736197052"/>
+      </p:ext>
+    </p:extLst>
+  </p:cSld>
+  <p:clrMapOvr>
+    <a:masterClrMapping/>
+  </p:clrMapOvr>
+</p:sld>
+</file>
+
+<file path=ppt/slides/slide41.xml><?xml version="1.0" encoding="utf-8"?>
+<p:sld xmlns:a="http://schemas.openxmlformats.org/drawingml/2006/main" xmlns:r="http://schemas.openxmlformats.org/officeDocument/2006/relationships" xmlns:p="http://schemas.openxmlformats.org/presentationml/2006/main">
+  <p:cSld>
+    <p:bg>
+      <p:bgPr>
+        <a:solidFill>
+          <a:schemeClr val="accent6">
+            <a:lumMod val="20000"/>
+            <a:lumOff val="80000"/>
+          </a:schemeClr>
+        </a:solidFill>
+        <a:effectLst/>
+      </p:bgPr>
+    </p:bg>
+    <p:spTree>
+      <p:nvGrpSpPr>
+        <p:cNvPr id="1" name=""/>
+        <p:cNvGrpSpPr/>
+        <p:nvPr/>
+      </p:nvGrpSpPr>
+      <p:grpSpPr>
+        <a:xfrm>
+          <a:off x="0" y="0"/>
+          <a:ext cx="0" cy="0"/>
+          <a:chOff x="0" y="0"/>
+          <a:chExt cx="0" cy="0"/>
+        </a:xfrm>
+      </p:grpSpPr>
+      <p:sp>
+        <p:nvSpPr>
+          <p:cNvPr id="2" name="Titre 1"/>
+          <p:cNvSpPr>
+            <a:spLocks noGrp="1"/>
+          </p:cNvSpPr>
+          <p:nvPr>
+            <p:ph type="title"/>
+          </p:nvPr>
+        </p:nvSpPr>
+        <p:spPr/>
+        <p:txBody>
+          <a:bodyPr>
+            <a:normAutofit/>
+          </a:bodyPr>
+          <a:lstStyle/>
+          <a:p>
+            <a:r>
+              <a:rPr lang="fr-FR" sz="2400" dirty="0">
+                <a:effectLst>
+                  <a:outerShdw blurRad="38100" dist="25400" dir="5400000" algn="ctr">
+                    <a:srgbClr val="6E747A">
+                      <a:alpha val="43000"/>
+                    </a:srgbClr>
+                  </a:outerShdw>
+                </a:effectLst>
+                <a:latin typeface="+mn-lt"/>
+              </a:rPr>
+              <a:t>2. 3 Comparaison du Wifi</a:t>
+            </a:r>
+            <a:r>
+              <a:rPr lang="fr-FR" sz="2400" dirty="0">
+                <a:latin typeface="+mn-lt"/>
+              </a:rPr>
+              <a:t/>
+            </a:r>
+            <a:br>
+              <a:rPr lang="fr-FR" sz="2400" dirty="0">
+                <a:latin typeface="+mn-lt"/>
+              </a:rPr>
+            </a:br>
+            <a:endParaRPr lang="fr-FR" sz="2400" dirty="0">
+              <a:latin typeface="+mn-lt"/>
+            </a:endParaRPr>
+          </a:p>
+        </p:txBody>
+      </p:sp>
+      <p:pic>
+        <p:nvPicPr>
+          <p:cNvPr id="4" name="Image 3"/>
+          <p:cNvPicPr/>
+          <p:nvPr/>
+        </p:nvPicPr>
+        <p:blipFill>
+          <a:blip r:embed="rId2">
+            <a:extLst>
+              <a:ext uri="{28A0092B-C50C-407E-A947-70E740481C1C}">
+                <a14:useLocalDpi xmlns:a14="http://schemas.microsoft.com/office/drawing/2010/main" val="0"/>
+              </a:ext>
+            </a:extLst>
+          </a:blip>
+          <a:stretch>
+            <a:fillRect/>
+          </a:stretch>
+        </p:blipFill>
+        <p:spPr>
+          <a:xfrm>
+            <a:off x="2931795" y="1456026"/>
+            <a:ext cx="6328410" cy="2617210"/>
+          </a:xfrm>
+          <a:prstGeom prst="rect">
+            <a:avLst/>
+          </a:prstGeom>
+        </p:spPr>
+      </p:pic>
+      <p:sp>
+        <p:nvSpPr>
+          <p:cNvPr id="5" name="ZoneTexte 4"/>
+          <p:cNvSpPr txBox="1"/>
+          <p:nvPr/>
+        </p:nvSpPr>
+        <p:spPr>
+          <a:xfrm>
+            <a:off x="838200" y="4425473"/>
+            <a:ext cx="5227782" cy="1477328"/>
+          </a:xfrm>
+          <a:prstGeom prst="rect">
+            <a:avLst/>
+          </a:prstGeom>
+          <a:noFill/>
+        </p:spPr>
+        <p:txBody>
+          <a:bodyPr wrap="square" rtlCol="0">
+            <a:spAutoFit/>
+          </a:bodyPr>
+          <a:lstStyle/>
+          <a:p>
+            <a:r>
+              <a:rPr lang="fr-FR" dirty="0"/>
+              <a:t>Dans notre cas l’utilisation du wifi en 5GHz est plus intéressante car la portée est plus élevé tout en ayant un gros débit nécessaire à la transmission des requêtes SQL.</a:t>
+            </a:r>
+          </a:p>
+          <a:p>
+            <a:endParaRPr lang="fr-FR" dirty="0"/>
+          </a:p>
+        </p:txBody>
+      </p:sp>
+    </p:spTree>
+    <p:extLst>
+      <p:ext uri="{BB962C8B-B14F-4D97-AF65-F5344CB8AC3E}">
+        <p14:creationId xmlns:p14="http://schemas.microsoft.com/office/powerpoint/2010/main" val="2605194467"/>
       </p:ext>
     </p:extLst>
   </p:cSld>

--- a/Diagrammes Communs/Presentation_Revue0.pptx
+++ b/Diagrammes Communs/Presentation_Revue0.pptx
@@ -20,32 +20,30 @@
     <p:sldId id="266" r:id="rId14"/>
     <p:sldId id="286" r:id="rId15"/>
     <p:sldId id="267" r:id="rId16"/>
-    <p:sldId id="287" r:id="rId17"/>
-    <p:sldId id="268" r:id="rId18"/>
-    <p:sldId id="288" r:id="rId19"/>
-    <p:sldId id="289" r:id="rId20"/>
-    <p:sldId id="290" r:id="rId21"/>
-    <p:sldId id="270" r:id="rId22"/>
-    <p:sldId id="271" r:id="rId23"/>
-    <p:sldId id="272" r:id="rId24"/>
-    <p:sldId id="291" r:id="rId25"/>
-    <p:sldId id="292" r:id="rId26"/>
-    <p:sldId id="293" r:id="rId27"/>
-    <p:sldId id="294" r:id="rId28"/>
-    <p:sldId id="295" r:id="rId29"/>
-    <p:sldId id="274" r:id="rId30"/>
-    <p:sldId id="275" r:id="rId31"/>
-    <p:sldId id="276" r:id="rId32"/>
-    <p:sldId id="278" r:id="rId33"/>
-    <p:sldId id="280" r:id="rId34"/>
-    <p:sldId id="283" r:id="rId35"/>
-    <p:sldId id="281" r:id="rId36"/>
-    <p:sldId id="284" r:id="rId37"/>
-    <p:sldId id="296" r:id="rId38"/>
-    <p:sldId id="297" r:id="rId39"/>
-    <p:sldId id="298" r:id="rId40"/>
-    <p:sldId id="299" r:id="rId41"/>
-    <p:sldId id="300" r:id="rId42"/>
+    <p:sldId id="268" r:id="rId17"/>
+    <p:sldId id="289" r:id="rId18"/>
+    <p:sldId id="290" r:id="rId19"/>
+    <p:sldId id="270" r:id="rId20"/>
+    <p:sldId id="271" r:id="rId21"/>
+    <p:sldId id="272" r:id="rId22"/>
+    <p:sldId id="291" r:id="rId23"/>
+    <p:sldId id="292" r:id="rId24"/>
+    <p:sldId id="293" r:id="rId25"/>
+    <p:sldId id="294" r:id="rId26"/>
+    <p:sldId id="295" r:id="rId27"/>
+    <p:sldId id="274" r:id="rId28"/>
+    <p:sldId id="275" r:id="rId29"/>
+    <p:sldId id="276" r:id="rId30"/>
+    <p:sldId id="278" r:id="rId31"/>
+    <p:sldId id="280" r:id="rId32"/>
+    <p:sldId id="283" r:id="rId33"/>
+    <p:sldId id="281" r:id="rId34"/>
+    <p:sldId id="284" r:id="rId35"/>
+    <p:sldId id="296" r:id="rId36"/>
+    <p:sldId id="297" r:id="rId37"/>
+    <p:sldId id="298" r:id="rId38"/>
+    <p:sldId id="299" r:id="rId39"/>
+    <p:sldId id="300" r:id="rId40"/>
   </p:sldIdLst>
   <p:sldSz cx="12192000" cy="6858000"/>
   <p:notesSz cx="6858000" cy="9144000"/>
@@ -3355,8 +3353,8 @@
               <a:t>) Association Coureur </a:t>
             </a:r>
             <a:r>
-              <a:rPr lang="fr-FR" sz="2400" dirty="0" err="1" smtClean="0"/>
-              <a:t>Doassard</a:t>
+              <a:rPr lang="fr-FR" sz="2400" dirty="0" smtClean="0"/>
+              <a:t>Dossard</a:t>
             </a:r>
             <a:endParaRPr lang="fr-FR" sz="2400" dirty="0"/>
           </a:p>
@@ -3688,71 +3686,14 @@
       </p:sp>
       <p:sp>
         <p:nvSpPr>
-          <p:cNvPr id="3" name="Espace réservé du contenu 2"/>
-          <p:cNvSpPr>
-            <a:spLocks noGrp="1"/>
-          </p:cNvSpPr>
-          <p:nvPr>
-            <p:ph idx="1"/>
-          </p:nvPr>
-        </p:nvSpPr>
-        <p:spPr/>
-        <p:txBody>
-          <a:bodyPr/>
-          <a:lstStyle/>
-          <a:p>
-            <a:pPr marL="0" indent="0">
-              <a:buNone/>
-            </a:pPr>
-            <a:r>
-              <a:rPr lang="fr-FR" dirty="0"/>
-              <a:t>1) Présentation et </a:t>
-            </a:r>
-            <a:r>
-              <a:rPr lang="fr-FR" dirty="0" smtClean="0"/>
-              <a:t>fonctionnement</a:t>
-            </a:r>
-          </a:p>
-          <a:p>
-            <a:pPr marL="457200" lvl="1" indent="0">
-              <a:buNone/>
-            </a:pPr>
-            <a:r>
-              <a:rPr lang="fr-FR" dirty="0"/>
-              <a:t>a</a:t>
-            </a:r>
-            <a:r>
-              <a:rPr lang="fr-FR" dirty="0" smtClean="0"/>
-              <a:t>) Introduction</a:t>
-            </a:r>
-            <a:endParaRPr lang="fr-FR" dirty="0"/>
-          </a:p>
-          <a:p>
-            <a:pPr lvl="1"/>
-            <a:endParaRPr lang="fr-FR" dirty="0"/>
-          </a:p>
-          <a:p>
-            <a:pPr lvl="1"/>
-            <a:endParaRPr lang="fr-FR" dirty="0"/>
-          </a:p>
-          <a:p>
-            <a:pPr marL="457200" lvl="1" indent="0">
-              <a:buNone/>
-            </a:pPr>
-            <a:endParaRPr lang="fr-FR" dirty="0"/>
-          </a:p>
-        </p:txBody>
-      </p:sp>
-      <p:sp>
-        <p:nvSpPr>
           <p:cNvPr id="4" name="Rectangle 3"/>
           <p:cNvSpPr/>
           <p:nvPr/>
         </p:nvSpPr>
         <p:spPr>
           <a:xfrm>
-            <a:off x="838200" y="3042796"/>
-            <a:ext cx="10920662" cy="981423"/>
+            <a:off x="838200" y="1690689"/>
+            <a:ext cx="10920662" cy="4900829"/>
           </a:xfrm>
           <a:prstGeom prst="rect">
             <a:avLst/>
@@ -3763,6 +3704,46 @@
             <a:spAutoFit/>
           </a:bodyPr>
           <a:lstStyle/>
+          <a:p>
+            <a:pPr marL="514350" indent="-514350">
+              <a:buAutoNum type="arabicParenR"/>
+            </a:pPr>
+            <a:r>
+              <a:rPr lang="fr-FR" sz="2400" u="sng" dirty="0"/>
+              <a:t>Présentation et </a:t>
+            </a:r>
+            <a:r>
+              <a:rPr lang="fr-FR" sz="2400" u="sng" dirty="0" smtClean="0"/>
+              <a:t>fonctionnement</a:t>
+            </a:r>
+          </a:p>
+          <a:p>
+            <a:pPr marL="514350" indent="-514350">
+              <a:buAutoNum type="arabicParenR"/>
+            </a:pPr>
+            <a:endParaRPr lang="fr-FR" sz="2400" dirty="0"/>
+          </a:p>
+          <a:p>
+            <a:r>
+              <a:rPr lang="fr-FR" sz="1600" dirty="0" smtClean="0"/>
+              <a:t>	a</a:t>
+            </a:r>
+            <a:r>
+              <a:rPr lang="fr-FR" sz="1600" dirty="0"/>
+              <a:t>) </a:t>
+            </a:r>
+            <a:r>
+              <a:rPr lang="fr-FR" u="sng" dirty="0" smtClean="0"/>
+              <a:t>Introduction</a:t>
+            </a:r>
+          </a:p>
+          <a:p>
+            <a:endParaRPr lang="fr-FR" sz="1600" dirty="0" smtClean="0">
+              <a:latin typeface="Calibri" panose="020F0502020204030204" pitchFamily="34" charset="0"/>
+              <a:ea typeface="SimSun" panose="02010600030101010101" pitchFamily="2" charset="-122"/>
+              <a:cs typeface="Times New Roman" panose="02020603050405020304" pitchFamily="18" charset="0"/>
+            </a:endParaRPr>
+          </a:p>
           <a:p>
             <a:pPr indent="449580" algn="just">
               <a:lnSpc>
@@ -3773,15 +3754,23 @@
               </a:spcAft>
             </a:pPr>
             <a:r>
-              <a:rPr lang="fr-FR" dirty="0">
+              <a:rPr lang="fr-FR" sz="1600" dirty="0" smtClean="0">
                 <a:latin typeface="Calibri" panose="020F0502020204030204" pitchFamily="34" charset="0"/>
                 <a:ea typeface="SimSun" panose="02010600030101010101" pitchFamily="2" charset="-122"/>
                 <a:cs typeface="Times New Roman" panose="02020603050405020304" pitchFamily="18" charset="0"/>
               </a:rPr>
-              <a:t>La RFID (Radio </a:t>
-            </a:r>
-            <a:r>
-              <a:rPr lang="fr-FR" dirty="0" err="1">
+              <a:t>La </a:t>
+            </a:r>
+            <a:r>
+              <a:rPr lang="fr-FR" sz="1600" dirty="0">
+                <a:latin typeface="Calibri" panose="020F0502020204030204" pitchFamily="34" charset="0"/>
+                <a:ea typeface="SimSun" panose="02010600030101010101" pitchFamily="2" charset="-122"/>
+                <a:cs typeface="Times New Roman" panose="02020603050405020304" pitchFamily="18" charset="0"/>
+              </a:rPr>
+              <a:t>RFID (Radio </a:t>
+            </a:r>
+            <a:r>
+              <a:rPr lang="fr-FR" sz="1600" dirty="0" err="1">
                 <a:latin typeface="Calibri" panose="020F0502020204030204" pitchFamily="34" charset="0"/>
                 <a:ea typeface="SimSun" panose="02010600030101010101" pitchFamily="2" charset="-122"/>
                 <a:cs typeface="Times New Roman" panose="02020603050405020304" pitchFamily="18" charset="0"/>
@@ -3789,55 +3778,218 @@
               <a:t>Frequency</a:t>
             </a:r>
             <a:r>
-              <a:rPr lang="fr-FR" dirty="0">
+              <a:rPr lang="fr-FR" sz="1600" dirty="0">
                 <a:latin typeface="Calibri" panose="020F0502020204030204" pitchFamily="34" charset="0"/>
                 <a:ea typeface="SimSun" panose="02010600030101010101" pitchFamily="2" charset="-122"/>
                 <a:cs typeface="Times New Roman" panose="02020603050405020304" pitchFamily="18" charset="0"/>
               </a:rPr>
               <a:t> Identification) est une méthode permettant de mémoriser et récupérer des données à distance. Le système est activé par un transfert d’énergie électromagnétique entre une étiquette radio et un émetteur RFID. </a:t>
             </a:r>
+            <a:endParaRPr lang="fr-FR" sz="1600" dirty="0" smtClean="0">
+              <a:latin typeface="Calibri" panose="020F0502020204030204" pitchFamily="34" charset="0"/>
+              <a:ea typeface="SimSun" panose="02010600030101010101" pitchFamily="2" charset="-122"/>
+              <a:cs typeface="Times New Roman" panose="02020603050405020304" pitchFamily="18" charset="0"/>
+            </a:endParaRPr>
+          </a:p>
+          <a:p>
+            <a:pPr indent="449580" algn="just">
+              <a:lnSpc>
+                <a:spcPct val="107000"/>
+              </a:lnSpc>
+              <a:spcAft>
+                <a:spcPts val="800"/>
+              </a:spcAft>
+            </a:pPr>
+            <a:endParaRPr lang="fr-FR" sz="1600" dirty="0" smtClean="0">
+              <a:latin typeface="Calibri" panose="020F0502020204030204" pitchFamily="34" charset="0"/>
+              <a:ea typeface="SimSun" panose="02010600030101010101" pitchFamily="2" charset="-122"/>
+              <a:cs typeface="Times New Roman" panose="02020603050405020304" pitchFamily="18" charset="0"/>
+            </a:endParaRPr>
+          </a:p>
+          <a:p>
+            <a:pPr marL="0" lvl="2" indent="449580" algn="just">
+              <a:lnSpc>
+                <a:spcPct val="107000"/>
+              </a:lnSpc>
+              <a:spcAft>
+                <a:spcPts val="800"/>
+              </a:spcAft>
+            </a:pPr>
+            <a:r>
+              <a:rPr lang="fr-FR" sz="1600" dirty="0">
+                <a:latin typeface="Calibri" panose="020F0502020204030204" pitchFamily="34" charset="0"/>
+                <a:ea typeface="SimSun" panose="02010600030101010101" pitchFamily="2" charset="-122"/>
+                <a:cs typeface="Times New Roman" panose="02020603050405020304" pitchFamily="18" charset="0"/>
+              </a:rPr>
+              <a:t>	</a:t>
+            </a:r>
+            <a:r>
+              <a:rPr lang="fr-FR" dirty="0" smtClean="0"/>
+              <a:t>b) </a:t>
+            </a:r>
+            <a:r>
+              <a:rPr lang="fr-FR" u="sng" dirty="0" smtClean="0"/>
+              <a:t>Principe du lecteur RFID</a:t>
+            </a:r>
+            <a:endParaRPr lang="fr-FR" u="sng" dirty="0" smtClean="0">
+              <a:latin typeface="Calibri" panose="020F0502020204030204" pitchFamily="34" charset="0"/>
+              <a:ea typeface="SimSun" panose="02010600030101010101" pitchFamily="2" charset="-122"/>
+              <a:cs typeface="Times New Roman" panose="02020603050405020304" pitchFamily="18" charset="0"/>
+            </a:endParaRPr>
+          </a:p>
+          <a:p>
+            <a:pPr algn="just">
+              <a:lnSpc>
+                <a:spcPct val="107000"/>
+              </a:lnSpc>
+              <a:spcAft>
+                <a:spcPts val="800"/>
+              </a:spcAft>
+            </a:pPr>
+            <a:r>
+              <a:rPr lang="fr-FR" sz="1600" dirty="0" smtClean="0">
+                <a:latin typeface="Calibri" panose="020F0502020204030204" pitchFamily="34" charset="0"/>
+                <a:ea typeface="SimSun" panose="02010600030101010101" pitchFamily="2" charset="-122"/>
+                <a:cs typeface="Times New Roman" panose="02020603050405020304" pitchFamily="18" charset="0"/>
+              </a:rPr>
+              <a:t>Le </a:t>
+            </a:r>
+            <a:r>
+              <a:rPr lang="fr-FR" sz="1600" dirty="0">
+                <a:latin typeface="Calibri" panose="020F0502020204030204" pitchFamily="34" charset="0"/>
+                <a:ea typeface="SimSun" panose="02010600030101010101" pitchFamily="2" charset="-122"/>
+                <a:cs typeface="Times New Roman" panose="02020603050405020304" pitchFamily="18" charset="0"/>
+              </a:rPr>
+              <a:t>lecteur RFID fonctionne de la manière suivante :</a:t>
+            </a:r>
+          </a:p>
+          <a:p>
+            <a:pPr marL="342900" lvl="0" indent="-342900" algn="just">
+              <a:lnSpc>
+                <a:spcPct val="107000"/>
+              </a:lnSpc>
+              <a:spcAft>
+                <a:spcPts val="0"/>
+              </a:spcAft>
+              <a:buFont typeface="Century Gothic" panose="020B0502020202020204" pitchFamily="34" charset="0"/>
+              <a:buChar char="-"/>
+            </a:pPr>
+            <a:r>
+              <a:rPr lang="fr-FR" sz="1600" dirty="0">
+                <a:latin typeface="Calibri" panose="020F0502020204030204" pitchFamily="34" charset="0"/>
+                <a:ea typeface="SimSun" panose="02010600030101010101" pitchFamily="2" charset="-122"/>
+                <a:cs typeface="Times New Roman" panose="02020603050405020304" pitchFamily="18" charset="0"/>
+              </a:rPr>
+              <a:t>Il transmet à travers des ondes-radio l’énergie au tag RFID,</a:t>
+            </a:r>
+          </a:p>
+          <a:p>
+            <a:pPr lvl="0" algn="just">
+              <a:lnSpc>
+                <a:spcPct val="107000"/>
+              </a:lnSpc>
+              <a:spcAft>
+                <a:spcPts val="0"/>
+              </a:spcAft>
+            </a:pPr>
+            <a:endParaRPr lang="fr-FR" sz="1600" dirty="0">
+              <a:latin typeface="Calibri" panose="020F0502020204030204" pitchFamily="34" charset="0"/>
+              <a:ea typeface="SimSun" panose="02010600030101010101" pitchFamily="2" charset="-122"/>
+              <a:cs typeface="Times New Roman" panose="02020603050405020304" pitchFamily="18" charset="0"/>
+            </a:endParaRPr>
+          </a:p>
+          <a:p>
+            <a:pPr marL="342900" lvl="0" indent="-342900" algn="just">
+              <a:lnSpc>
+                <a:spcPct val="107000"/>
+              </a:lnSpc>
+              <a:spcAft>
+                <a:spcPts val="0"/>
+              </a:spcAft>
+              <a:buFont typeface="Century Gothic" panose="020B0502020202020204" pitchFamily="34" charset="0"/>
+              <a:buChar char="-"/>
+            </a:pPr>
+            <a:r>
+              <a:rPr lang="fr-FR" sz="1600" dirty="0">
+                <a:latin typeface="Calibri" panose="020F0502020204030204" pitchFamily="34" charset="0"/>
+                <a:ea typeface="SimSun" panose="02010600030101010101" pitchFamily="2" charset="-122"/>
+                <a:cs typeface="Times New Roman" panose="02020603050405020304" pitchFamily="18" charset="0"/>
+              </a:rPr>
+              <a:t>Il transmet alors une requête d’informations aux étiquettes RFID situées dans son champ magnétique,</a:t>
+            </a:r>
+          </a:p>
+          <a:p>
+            <a:pPr lvl="0" algn="just">
+              <a:lnSpc>
+                <a:spcPct val="107000"/>
+              </a:lnSpc>
+              <a:spcAft>
+                <a:spcPts val="0"/>
+              </a:spcAft>
+            </a:pPr>
+            <a:endParaRPr lang="fr-FR" sz="1600" dirty="0">
+              <a:latin typeface="Calibri" panose="020F0502020204030204" pitchFamily="34" charset="0"/>
+              <a:ea typeface="SimSun" panose="02010600030101010101" pitchFamily="2" charset="-122"/>
+              <a:cs typeface="Times New Roman" panose="02020603050405020304" pitchFamily="18" charset="0"/>
+            </a:endParaRPr>
+          </a:p>
+          <a:p>
+            <a:pPr marL="342900" lvl="0" indent="-342900" algn="just">
+              <a:lnSpc>
+                <a:spcPct val="107000"/>
+              </a:lnSpc>
+              <a:spcAft>
+                <a:spcPts val="800"/>
+              </a:spcAft>
+              <a:buFont typeface="Century Gothic" panose="020B0502020202020204" pitchFamily="34" charset="0"/>
+              <a:buChar char="-"/>
+            </a:pPr>
+            <a:r>
+              <a:rPr lang="fr-FR" sz="1600" dirty="0">
+                <a:latin typeface="Calibri" panose="020F0502020204030204" pitchFamily="34" charset="0"/>
+                <a:ea typeface="SimSun" panose="02010600030101010101" pitchFamily="2" charset="-122"/>
+                <a:cs typeface="Times New Roman" panose="02020603050405020304" pitchFamily="18" charset="0"/>
+              </a:rPr>
+              <a:t>Il réceptionne les réponses et les transmet aux applications concernées.</a:t>
+            </a:r>
+          </a:p>
+          <a:p>
+            <a:pPr indent="449580" algn="just">
+              <a:lnSpc>
+                <a:spcPct val="107000"/>
+              </a:lnSpc>
+              <a:spcAft>
+                <a:spcPts val="800"/>
+              </a:spcAft>
+            </a:pPr>
+            <a:endParaRPr lang="fr-FR" sz="1600" dirty="0">
+              <a:latin typeface="Calibri" panose="020F0502020204030204" pitchFamily="34" charset="0"/>
+              <a:ea typeface="SimSun" panose="02010600030101010101" pitchFamily="2" charset="-122"/>
+              <a:cs typeface="Times New Roman" panose="02020603050405020304" pitchFamily="18" charset="0"/>
+            </a:endParaRPr>
           </a:p>
         </p:txBody>
       </p:sp>
       <p:pic>
         <p:nvPicPr>
-          <p:cNvPr id="2052" name="Picture 4" descr="Résultat de recherche d'images pour &quot;RFID&quot;&quot;"/>
-          <p:cNvPicPr>
-            <a:picLocks noChangeAspect="1" noChangeArrowheads="1"/>
-          </p:cNvPicPr>
+          <p:cNvPr id="8" name="Image 7"/>
+          <p:cNvPicPr/>
           <p:nvPr/>
         </p:nvPicPr>
         <p:blipFill>
-          <a:blip r:embed="rId2">
-            <a:extLst>
-              <a:ext uri="{28A0092B-C50C-407E-A947-70E740481C1C}">
-                <a14:useLocalDpi xmlns:a14="http://schemas.microsoft.com/office/drawing/2010/main" val="0"/>
-              </a:ext>
-            </a:extLst>
-          </a:blip>
-          <a:srcRect/>
+          <a:blip r:embed="rId2"/>
           <a:stretch>
             <a:fillRect/>
           </a:stretch>
         </p:blipFill>
-        <p:spPr bwMode="auto">
-          <a:xfrm>
-            <a:off x="7069304" y="3668444"/>
-            <a:ext cx="3261393" cy="3189556"/>
+        <p:spPr>
+          <a:xfrm>
+            <a:off x="8561778" y="3830788"/>
+            <a:ext cx="2342610" cy="1145457"/>
           </a:xfrm>
           <a:prstGeom prst="rect">
             <a:avLst/>
           </a:prstGeom>
-          <a:noFill/>
-          <a:extLst>
-            <a:ext uri="{909E8E84-426E-40DD-AFC4-6F175D3DCCD1}">
-              <a14:hiddenFill xmlns:a14="http://schemas.microsoft.com/office/drawing/2010/main">
-                <a:solidFill>
-                  <a:srgbClr val="FFFFFF"/>
-                </a:solidFill>
-              </a14:hiddenFill>
-            </a:ext>
-          </a:extLst>
         </p:spPr>
       </p:pic>
     </p:spTree>
@@ -3893,8 +4045,8 @@
         </p:nvSpPr>
         <p:spPr>
           <a:xfrm>
-            <a:off x="838200" y="1"/>
-            <a:ext cx="10515600" cy="1690688"/>
+            <a:off x="838200" y="0"/>
+            <a:ext cx="10515600" cy="1995854"/>
           </a:xfrm>
         </p:spPr>
         <p:txBody>
@@ -3905,18 +4057,24 @@
           <a:p>
             <a:pPr lvl="1"/>
             <a:r>
-              <a:rPr lang="fr-FR" sz="4900" dirty="0">
+              <a:rPr lang="fr-FR" sz="2400" b="1" dirty="0" smtClean="0">
                 <a:latin typeface="+mj-lt"/>
               </a:rPr>
-              <a:t>II) Etude Physique lecteur </a:t>
-            </a:r>
-            <a:r>
-              <a:rPr lang="fr-FR" sz="4900" dirty="0" smtClean="0">
+              <a:t>2</a:t>
+            </a:r>
+            <a:r>
+              <a:rPr lang="fr-FR" sz="2400" b="1" dirty="0">
+                <a:latin typeface="+mj-lt"/>
+              </a:rPr>
+              <a:t>) Utilisation et choix du </a:t>
+            </a:r>
+            <a:r>
+              <a:rPr lang="fr-FR" sz="2400" b="1" dirty="0" smtClean="0">
                 <a:latin typeface="+mj-lt"/>
               </a:rPr>
               <a:t>RFID</a:t>
             </a:r>
-            <a:endParaRPr lang="fr-FR" dirty="0"/>
+            <a:endParaRPr lang="fr-FR" sz="1400" dirty="0"/>
           </a:p>
         </p:txBody>
       </p:sp>
@@ -3930,106 +4088,62 @@
             <p:ph idx="1"/>
           </p:nvPr>
         </p:nvSpPr>
-        <p:spPr/>
-        <p:txBody>
-          <a:bodyPr/>
-          <a:lstStyle/>
-          <a:p>
-            <a:pPr marL="457200" lvl="1" indent="0">
+        <p:spPr>
+          <a:xfrm>
+            <a:off x="838200" y="2034906"/>
+            <a:ext cx="4076700" cy="2901461"/>
+          </a:xfrm>
+          <a:ln w="19050">
+            <a:solidFill>
+              <a:schemeClr val="accent1">
+                <a:lumMod val="50000"/>
+              </a:schemeClr>
+            </a:solidFill>
+          </a:ln>
+        </p:spPr>
+        <p:txBody>
+          <a:bodyPr>
+            <a:normAutofit/>
+          </a:bodyPr>
+          <a:lstStyle/>
+          <a:p>
+            <a:pPr marL="0" indent="0">
               <a:buNone/>
             </a:pPr>
             <a:r>
-              <a:rPr lang="fr-FR" dirty="0"/>
-              <a:t>b) Principe du lecteur RFID</a:t>
-            </a:r>
-          </a:p>
-          <a:p>
-            <a:pPr lvl="1"/>
-            <a:endParaRPr lang="fr-FR" dirty="0"/>
-          </a:p>
-          <a:p>
-            <a:pPr marL="457200" lvl="1" indent="0">
-              <a:buNone/>
-            </a:pPr>
-            <a:endParaRPr lang="fr-FR" dirty="0"/>
-          </a:p>
-        </p:txBody>
-      </p:sp>
-      <p:pic>
-        <p:nvPicPr>
-          <p:cNvPr id="4" name="Image 3"/>
-          <p:cNvPicPr/>
-          <p:nvPr/>
-        </p:nvPicPr>
-        <p:blipFill>
-          <a:blip r:embed="rId2"/>
-          <a:stretch>
-            <a:fillRect/>
-          </a:stretch>
-        </p:blipFill>
-        <p:spPr>
-          <a:xfrm>
-            <a:off x="7812506" y="5053263"/>
-            <a:ext cx="2679032" cy="1380374"/>
-          </a:xfrm>
-          <a:prstGeom prst="rect">
-            <a:avLst/>
-          </a:prstGeom>
-        </p:spPr>
-      </p:pic>
-      <p:sp>
-        <p:nvSpPr>
-          <p:cNvPr id="6" name="Rectangle 5"/>
-          <p:cNvSpPr/>
-          <p:nvPr/>
-        </p:nvSpPr>
-        <p:spPr>
-          <a:xfrm>
-            <a:off x="838200" y="2686341"/>
-            <a:ext cx="10515600" cy="1973104"/>
-          </a:xfrm>
-          <a:prstGeom prst="rect">
-            <a:avLst/>
-          </a:prstGeom>
-        </p:spPr>
-        <p:txBody>
-          <a:bodyPr wrap="square">
-            <a:spAutoFit/>
-          </a:bodyPr>
-          <a:lstStyle/>
-          <a:p>
-            <a:pPr algn="just">
+              <a:rPr lang="fr-FR" sz="1800" dirty="0" smtClean="0"/>
+              <a:t>a) </a:t>
+            </a:r>
+            <a:r>
+              <a:rPr lang="fr-FR" sz="1800" u="sng" dirty="0" smtClean="0"/>
+              <a:t>Les </a:t>
+            </a:r>
+            <a:r>
+              <a:rPr lang="fr-FR" sz="1800" u="sng" dirty="0" smtClean="0"/>
+              <a:t>différents supports</a:t>
+            </a:r>
+          </a:p>
+          <a:p>
+            <a:pPr marL="0" indent="0">
               <a:lnSpc>
                 <a:spcPct val="107000"/>
               </a:lnSpc>
               <a:spcAft>
                 <a:spcPts val="800"/>
               </a:spcAft>
+              <a:buNone/>
             </a:pPr>
             <a:r>
-              <a:rPr lang="fr-FR" dirty="0">
+              <a:rPr lang="fr-FR" sz="1600" dirty="0">
                 <a:latin typeface="Calibri" panose="020F0502020204030204" pitchFamily="34" charset="0"/>
                 <a:ea typeface="SimSun" panose="02010600030101010101" pitchFamily="2" charset="-122"/>
                 <a:cs typeface="Times New Roman" panose="02020603050405020304" pitchFamily="18" charset="0"/>
               </a:rPr>
-              <a:t>Le lecteur RFID fonctionne de la manière suivante </a:t>
-            </a:r>
-            <a:r>
-              <a:rPr lang="fr-FR" dirty="0" smtClean="0">
-                <a:latin typeface="Calibri" panose="020F0502020204030204" pitchFamily="34" charset="0"/>
-                <a:ea typeface="SimSun" panose="02010600030101010101" pitchFamily="2" charset="-122"/>
-                <a:cs typeface="Times New Roman" panose="02020603050405020304" pitchFamily="18" charset="0"/>
-              </a:rPr>
-              <a:t>:</a:t>
-            </a:r>
-            <a:endParaRPr lang="fr-FR" dirty="0">
-              <a:latin typeface="Calibri" panose="020F0502020204030204" pitchFamily="34" charset="0"/>
-              <a:ea typeface="SimSun" panose="02010600030101010101" pitchFamily="2" charset="-122"/>
-              <a:cs typeface="Times New Roman" panose="02020603050405020304" pitchFamily="18" charset="0"/>
-            </a:endParaRPr>
-          </a:p>
-          <a:p>
-            <a:pPr marL="342900" lvl="0" indent="-342900" algn="just">
+              <a:t>La RFID se développe sous différents supports : </a:t>
+            </a:r>
+          </a:p>
+          <a:p>
+            <a:pPr marL="342900" lvl="0" indent="-342900">
               <a:lnSpc>
                 <a:spcPct val="107000"/>
               </a:lnSpc>
@@ -4040,39 +4154,16 @@
               <a:buChar char="-"/>
             </a:pPr>
             <a:r>
-              <a:rPr lang="fr-FR" dirty="0">
+              <a:rPr lang="fr-FR" sz="1600" dirty="0">
                 <a:latin typeface="Calibri" panose="020F0502020204030204" pitchFamily="34" charset="0"/>
                 <a:ea typeface="SimSun" panose="02010600030101010101" pitchFamily="2" charset="-122"/>
                 <a:cs typeface="Times New Roman" panose="02020603050405020304" pitchFamily="18" charset="0"/>
               </a:rPr>
-              <a:t>Il transmet à travers des ondes-radio l’énergie au tag RFID</a:t>
-            </a:r>
-            <a:r>
-              <a:rPr lang="fr-FR" dirty="0" smtClean="0">
-                <a:latin typeface="Calibri" panose="020F0502020204030204" pitchFamily="34" charset="0"/>
-                <a:ea typeface="SimSun" panose="02010600030101010101" pitchFamily="2" charset="-122"/>
-                <a:cs typeface="Times New Roman" panose="02020603050405020304" pitchFamily="18" charset="0"/>
-              </a:rPr>
-              <a:t>,</a:t>
-            </a:r>
-          </a:p>
-          <a:p>
-            <a:pPr lvl="0" algn="just">
-              <a:lnSpc>
-                <a:spcPct val="107000"/>
-              </a:lnSpc>
-              <a:spcAft>
-                <a:spcPts val="0"/>
-              </a:spcAft>
-            </a:pPr>
-            <a:endParaRPr lang="fr-FR" dirty="0">
-              <a:latin typeface="Calibri" panose="020F0502020204030204" pitchFamily="34" charset="0"/>
-              <a:ea typeface="SimSun" panose="02010600030101010101" pitchFamily="2" charset="-122"/>
-              <a:cs typeface="Times New Roman" panose="02020603050405020304" pitchFamily="18" charset="0"/>
-            </a:endParaRPr>
-          </a:p>
-          <a:p>
-            <a:pPr marL="342900" lvl="0" indent="-342900" algn="just">
+              <a:t>La carte/badge RFID,</a:t>
+            </a:r>
+          </a:p>
+          <a:p>
+            <a:pPr marL="342900" lvl="0" indent="-342900">
               <a:lnSpc>
                 <a:spcPct val="107000"/>
               </a:lnSpc>
@@ -4083,39 +4174,56 @@
               <a:buChar char="-"/>
             </a:pPr>
             <a:r>
-              <a:rPr lang="fr-FR" dirty="0">
+              <a:rPr lang="fr-FR" sz="1600" dirty="0">
                 <a:latin typeface="Calibri" panose="020F0502020204030204" pitchFamily="34" charset="0"/>
                 <a:ea typeface="SimSun" panose="02010600030101010101" pitchFamily="2" charset="-122"/>
                 <a:cs typeface="Times New Roman" panose="02020603050405020304" pitchFamily="18" charset="0"/>
               </a:rPr>
-              <a:t>Il transmet alors une requête d’informations aux étiquettes RFID situées dans son champ magnétique</a:t>
-            </a:r>
-            <a:r>
-              <a:rPr lang="fr-FR" dirty="0" smtClean="0">
-                <a:latin typeface="Calibri" panose="020F0502020204030204" pitchFamily="34" charset="0"/>
-                <a:ea typeface="SimSun" panose="02010600030101010101" pitchFamily="2" charset="-122"/>
-                <a:cs typeface="Times New Roman" panose="02020603050405020304" pitchFamily="18" charset="0"/>
-              </a:rPr>
-              <a:t>,</a:t>
-            </a:r>
-          </a:p>
-          <a:p>
-            <a:pPr lvl="0" algn="just">
+              <a:t>Étiquettes, stickers et dossard,</a:t>
+            </a:r>
+          </a:p>
+          <a:p>
+            <a:pPr marL="342900" lvl="0" indent="-342900">
               <a:lnSpc>
                 <a:spcPct val="107000"/>
               </a:lnSpc>
               <a:spcAft>
                 <a:spcPts val="0"/>
               </a:spcAft>
+              <a:buFont typeface="Century Gothic" panose="020B0502020202020204" pitchFamily="34" charset="0"/>
+              <a:buChar char="-"/>
             </a:pPr>
-            <a:endParaRPr lang="fr-FR" dirty="0">
-              <a:latin typeface="Calibri" panose="020F0502020204030204" pitchFamily="34" charset="0"/>
-              <a:ea typeface="SimSun" panose="02010600030101010101" pitchFamily="2" charset="-122"/>
-              <a:cs typeface="Times New Roman" panose="02020603050405020304" pitchFamily="18" charset="0"/>
-            </a:endParaRPr>
-          </a:p>
-          <a:p>
-            <a:pPr marL="342900" lvl="0" indent="-342900" algn="just">
+            <a:r>
+              <a:rPr lang="fr-FR" sz="1600" dirty="0">
+                <a:latin typeface="Calibri" panose="020F0502020204030204" pitchFamily="34" charset="0"/>
+                <a:ea typeface="SimSun" panose="02010600030101010101" pitchFamily="2" charset="-122"/>
+                <a:cs typeface="Times New Roman" panose="02020603050405020304" pitchFamily="18" charset="0"/>
+              </a:rPr>
+              <a:t>Bracelets,</a:t>
+            </a:r>
+          </a:p>
+          <a:p>
+            <a:pPr marL="342900" lvl="0" indent="-342900">
+              <a:lnSpc>
+                <a:spcPct val="107000"/>
+              </a:lnSpc>
+              <a:spcAft>
+                <a:spcPts val="0"/>
+              </a:spcAft>
+              <a:buFont typeface="Century Gothic" panose="020B0502020202020204" pitchFamily="34" charset="0"/>
+              <a:buChar char="-"/>
+            </a:pPr>
+            <a:r>
+              <a:rPr lang="fr-FR" sz="1600" dirty="0">
+                <a:latin typeface="Calibri" panose="020F0502020204030204" pitchFamily="34" charset="0"/>
+                <a:ea typeface="SimSun" panose="02010600030101010101" pitchFamily="2" charset="-122"/>
+                <a:cs typeface="Times New Roman" panose="02020603050405020304" pitchFamily="18" charset="0"/>
+              </a:rPr>
+              <a:t>Porte-clés et tags,</a:t>
+            </a:r>
+          </a:p>
+          <a:p>
+            <a:pPr marL="342900" lvl="0" indent="-342900">
               <a:lnSpc>
                 <a:spcPct val="107000"/>
               </a:lnSpc>
@@ -4126,20 +4234,764 @@
               <a:buChar char="-"/>
             </a:pPr>
             <a:r>
-              <a:rPr lang="fr-FR" dirty="0">
+              <a:rPr lang="fr-FR" sz="1600" dirty="0">
                 <a:latin typeface="Calibri" panose="020F0502020204030204" pitchFamily="34" charset="0"/>
                 <a:ea typeface="SimSun" panose="02010600030101010101" pitchFamily="2" charset="-122"/>
                 <a:cs typeface="Times New Roman" panose="02020603050405020304" pitchFamily="18" charset="0"/>
               </a:rPr>
-              <a:t>Il réceptionne les réponses et les transmet aux applications concernées.</a:t>
-            </a:r>
+              <a:t>Puces sous cutanés</a:t>
+            </a:r>
+            <a:r>
+              <a:rPr lang="fr-FR" sz="1600" dirty="0" smtClean="0">
+                <a:latin typeface="Calibri" panose="020F0502020204030204" pitchFamily="34" charset="0"/>
+                <a:ea typeface="SimSun" panose="02010600030101010101" pitchFamily="2" charset="-122"/>
+                <a:cs typeface="Times New Roman" panose="02020603050405020304" pitchFamily="18" charset="0"/>
+              </a:rPr>
+              <a:t>.</a:t>
+            </a:r>
+          </a:p>
+        </p:txBody>
+      </p:sp>
+      <p:graphicFrame>
+        <p:nvGraphicFramePr>
+          <p:cNvPr id="5" name="Tableau 4"/>
+          <p:cNvGraphicFramePr>
+            <a:graphicFrameLocks noGrp="1"/>
+          </p:cNvGraphicFramePr>
+          <p:nvPr>
+            <p:extLst>
+              <p:ext uri="{D42A27DB-BD31-4B8C-83A1-F6EECF244321}">
+                <p14:modId xmlns:p14="http://schemas.microsoft.com/office/powerpoint/2010/main" val="2810368811"/>
+              </p:ext>
+            </p:extLst>
+          </p:nvPr>
+        </p:nvGraphicFramePr>
+        <p:xfrm>
+          <a:off x="5758960" y="3508131"/>
+          <a:ext cx="5495192" cy="1558540"/>
+        </p:xfrm>
+        <a:graphic>
+          <a:graphicData uri="http://schemas.openxmlformats.org/drawingml/2006/table">
+            <a:tbl>
+              <a:tblPr firstRow="1" firstCol="1" bandRow="1">
+                <a:tableStyleId>{5C22544A-7EE6-4342-B048-85BDC9FD1C3A}</a:tableStyleId>
+              </a:tblPr>
+              <a:tblGrid>
+                <a:gridCol w="1776406">
+                  <a:extLst>
+                    <a:ext uri="{9D8B030D-6E8A-4147-A177-3AD203B41FA5}">
+                      <a16:colId xmlns:a16="http://schemas.microsoft.com/office/drawing/2014/main" val="1898678733"/>
+                    </a:ext>
+                  </a:extLst>
+                </a:gridCol>
+                <a:gridCol w="1385375">
+                  <a:extLst>
+                    <a:ext uri="{9D8B030D-6E8A-4147-A177-3AD203B41FA5}">
+                      <a16:colId xmlns:a16="http://schemas.microsoft.com/office/drawing/2014/main" val="2108743470"/>
+                    </a:ext>
+                  </a:extLst>
+                </a:gridCol>
+                <a:gridCol w="1089307">
+                  <a:extLst>
+                    <a:ext uri="{9D8B030D-6E8A-4147-A177-3AD203B41FA5}">
+                      <a16:colId xmlns:a16="http://schemas.microsoft.com/office/drawing/2014/main" val="1845721073"/>
+                    </a:ext>
+                  </a:extLst>
+                </a:gridCol>
+                <a:gridCol w="1244104">
+                  <a:extLst>
+                    <a:ext uri="{9D8B030D-6E8A-4147-A177-3AD203B41FA5}">
+                      <a16:colId xmlns:a16="http://schemas.microsoft.com/office/drawing/2014/main" val="2681023132"/>
+                    </a:ext>
+                  </a:extLst>
+                </a:gridCol>
+              </a:tblGrid>
+              <a:tr h="411766">
+                <a:tc>
+                  <a:txBody>
+                    <a:bodyPr/>
+                    <a:lstStyle/>
+                    <a:p>
+                      <a:pPr algn="ctr">
+                        <a:lnSpc>
+                          <a:spcPct val="107000"/>
+                        </a:lnSpc>
+                        <a:spcAft>
+                          <a:spcPts val="0"/>
+                        </a:spcAft>
+                      </a:pPr>
+                      <a:r>
+                        <a:rPr lang="fr-FR" sz="1400" dirty="0">
+                          <a:effectLst/>
+                        </a:rPr>
+                        <a:t>Types de fréquence</a:t>
+                      </a:r>
+                      <a:endParaRPr lang="fr-FR" sz="1200" dirty="0">
+                        <a:effectLst/>
+                        <a:latin typeface="Calibri" panose="020F0502020204030204" pitchFamily="34" charset="0"/>
+                        <a:ea typeface="SimSun" panose="02010600030101010101" pitchFamily="2" charset="-122"/>
+                        <a:cs typeface="Times New Roman" panose="02020603050405020304" pitchFamily="18" charset="0"/>
+                      </a:endParaRPr>
+                    </a:p>
+                  </a:txBody>
+                  <a:tcPr marL="9525" marR="9525" marT="9525" marB="9525" anchor="ctr"/>
+                </a:tc>
+                <a:tc>
+                  <a:txBody>
+                    <a:bodyPr/>
+                    <a:lstStyle/>
+                    <a:p>
+                      <a:pPr algn="ctr">
+                        <a:lnSpc>
+                          <a:spcPct val="107000"/>
+                        </a:lnSpc>
+                        <a:spcAft>
+                          <a:spcPts val="0"/>
+                        </a:spcAft>
+                      </a:pPr>
+                      <a:r>
+                        <a:rPr lang="fr-FR" sz="1400" dirty="0">
+                          <a:effectLst/>
+                        </a:rPr>
+                        <a:t>Fréquence de fonctionnement</a:t>
+                      </a:r>
+                      <a:endParaRPr lang="fr-FR" sz="1200" dirty="0">
+                        <a:effectLst/>
+                        <a:latin typeface="Calibri" panose="020F0502020204030204" pitchFamily="34" charset="0"/>
+                        <a:ea typeface="SimSun" panose="02010600030101010101" pitchFamily="2" charset="-122"/>
+                        <a:cs typeface="Times New Roman" panose="02020603050405020304" pitchFamily="18" charset="0"/>
+                      </a:endParaRPr>
+                    </a:p>
+                  </a:txBody>
+                  <a:tcPr marL="9525" marR="9525" marT="9525" marB="9525" anchor="ctr"/>
+                </a:tc>
+                <a:tc>
+                  <a:txBody>
+                    <a:bodyPr/>
+                    <a:lstStyle/>
+                    <a:p>
+                      <a:pPr algn="ctr">
+                        <a:lnSpc>
+                          <a:spcPct val="107000"/>
+                        </a:lnSpc>
+                        <a:spcAft>
+                          <a:spcPts val="0"/>
+                        </a:spcAft>
+                      </a:pPr>
+                      <a:r>
+                        <a:rPr lang="fr-FR" sz="1400">
+                          <a:effectLst/>
+                        </a:rPr>
+                        <a:t>Distance de lecture (m)</a:t>
+                      </a:r>
+                      <a:endParaRPr lang="fr-FR" sz="1200">
+                        <a:effectLst/>
+                        <a:latin typeface="Calibri" panose="020F0502020204030204" pitchFamily="34" charset="0"/>
+                        <a:ea typeface="SimSun" panose="02010600030101010101" pitchFamily="2" charset="-122"/>
+                        <a:cs typeface="Times New Roman" panose="02020603050405020304" pitchFamily="18" charset="0"/>
+                      </a:endParaRPr>
+                    </a:p>
+                  </a:txBody>
+                  <a:tcPr marL="9525" marR="9525" marT="9525" marB="9525" anchor="ctr"/>
+                </a:tc>
+                <a:tc>
+                  <a:txBody>
+                    <a:bodyPr/>
+                    <a:lstStyle/>
+                    <a:p>
+                      <a:pPr algn="ctr">
+                        <a:lnSpc>
+                          <a:spcPct val="107000"/>
+                        </a:lnSpc>
+                        <a:spcAft>
+                          <a:spcPts val="0"/>
+                        </a:spcAft>
+                      </a:pPr>
+                      <a:r>
+                        <a:rPr lang="fr-FR" sz="1400">
+                          <a:effectLst/>
+                        </a:rPr>
+                        <a:t>Taux de transfert</a:t>
+                      </a:r>
+                      <a:endParaRPr lang="fr-FR" sz="1200">
+                        <a:effectLst/>
+                        <a:latin typeface="Calibri" panose="020F0502020204030204" pitchFamily="34" charset="0"/>
+                        <a:ea typeface="SimSun" panose="02010600030101010101" pitchFamily="2" charset="-122"/>
+                        <a:cs typeface="Times New Roman" panose="02020603050405020304" pitchFamily="18" charset="0"/>
+                      </a:endParaRPr>
+                    </a:p>
+                  </a:txBody>
+                  <a:tcPr marL="9525" marR="9525" marT="9525" marB="9525" anchor="ctr"/>
+                </a:tc>
+                <a:extLst>
+                  <a:ext uri="{0D108BD9-81ED-4DB2-BD59-A6C34878D82A}">
+                    <a16:rowId xmlns:a16="http://schemas.microsoft.com/office/drawing/2014/main" val="1271001505"/>
+                  </a:ext>
+                </a:extLst>
+              </a:tr>
+              <a:tr h="315617">
+                <a:tc>
+                  <a:txBody>
+                    <a:bodyPr/>
+                    <a:lstStyle/>
+                    <a:p>
+                      <a:pPr algn="ctr">
+                        <a:lnSpc>
+                          <a:spcPct val="107000"/>
+                        </a:lnSpc>
+                        <a:spcAft>
+                          <a:spcPts val="0"/>
+                        </a:spcAft>
+                      </a:pPr>
+                      <a:r>
+                        <a:rPr lang="fr-FR" sz="1400" dirty="0">
+                          <a:effectLst/>
+                        </a:rPr>
+                        <a:t>Basse fréquence</a:t>
+                      </a:r>
+                      <a:endParaRPr lang="fr-FR" sz="1200" dirty="0">
+                        <a:effectLst/>
+                        <a:latin typeface="Calibri" panose="020F0502020204030204" pitchFamily="34" charset="0"/>
+                        <a:ea typeface="SimSun" panose="02010600030101010101" pitchFamily="2" charset="-122"/>
+                        <a:cs typeface="Times New Roman" panose="02020603050405020304" pitchFamily="18" charset="0"/>
+                      </a:endParaRPr>
+                    </a:p>
+                  </a:txBody>
+                  <a:tcPr marL="9525" marR="9525" marT="9525" marB="9525" anchor="ctr"/>
+                </a:tc>
+                <a:tc>
+                  <a:txBody>
+                    <a:bodyPr/>
+                    <a:lstStyle/>
+                    <a:p>
+                      <a:pPr algn="ctr">
+                        <a:lnSpc>
+                          <a:spcPct val="107000"/>
+                        </a:lnSpc>
+                        <a:spcAft>
+                          <a:spcPts val="0"/>
+                        </a:spcAft>
+                      </a:pPr>
+                      <a:r>
+                        <a:rPr lang="fr-FR" sz="1400" dirty="0">
+                          <a:effectLst/>
+                        </a:rPr>
+                        <a:t>&lt; 135 kHz</a:t>
+                      </a:r>
+                      <a:endParaRPr lang="fr-FR" sz="1200" dirty="0">
+                        <a:effectLst/>
+                        <a:latin typeface="Calibri" panose="020F0502020204030204" pitchFamily="34" charset="0"/>
+                        <a:ea typeface="SimSun" panose="02010600030101010101" pitchFamily="2" charset="-122"/>
+                        <a:cs typeface="Times New Roman" panose="02020603050405020304" pitchFamily="18" charset="0"/>
+                      </a:endParaRPr>
+                    </a:p>
+                  </a:txBody>
+                  <a:tcPr marL="9525" marR="9525" marT="9525" marB="9525" anchor="ctr"/>
+                </a:tc>
+                <a:tc>
+                  <a:txBody>
+                    <a:bodyPr/>
+                    <a:lstStyle/>
+                    <a:p>
+                      <a:pPr algn="ctr">
+                        <a:lnSpc>
+                          <a:spcPct val="107000"/>
+                        </a:lnSpc>
+                        <a:spcAft>
+                          <a:spcPts val="0"/>
+                        </a:spcAft>
+                      </a:pPr>
+                      <a:r>
+                        <a:rPr lang="fr-FR" sz="1400" dirty="0">
+                          <a:effectLst/>
+                        </a:rPr>
+                        <a:t>0.5</a:t>
+                      </a:r>
+                      <a:endParaRPr lang="fr-FR" sz="1200" dirty="0">
+                        <a:effectLst/>
+                        <a:latin typeface="Calibri" panose="020F0502020204030204" pitchFamily="34" charset="0"/>
+                        <a:ea typeface="SimSun" panose="02010600030101010101" pitchFamily="2" charset="-122"/>
+                        <a:cs typeface="Times New Roman" panose="02020603050405020304" pitchFamily="18" charset="0"/>
+                      </a:endParaRPr>
+                    </a:p>
+                  </a:txBody>
+                  <a:tcPr marL="9525" marR="9525" marT="9525" marB="9525" anchor="ctr"/>
+                </a:tc>
+                <a:tc>
+                  <a:txBody>
+                    <a:bodyPr/>
+                    <a:lstStyle/>
+                    <a:p>
+                      <a:pPr algn="ctr">
+                        <a:lnSpc>
+                          <a:spcPct val="107000"/>
+                        </a:lnSpc>
+                        <a:spcAft>
+                          <a:spcPts val="0"/>
+                        </a:spcAft>
+                      </a:pPr>
+                      <a:r>
+                        <a:rPr lang="fr-FR" sz="1400" dirty="0">
+                          <a:effectLst/>
+                        </a:rPr>
+                        <a:t>1kb/s</a:t>
+                      </a:r>
+                      <a:endParaRPr lang="fr-FR" sz="1200" dirty="0">
+                        <a:effectLst/>
+                        <a:latin typeface="Calibri" panose="020F0502020204030204" pitchFamily="34" charset="0"/>
+                        <a:ea typeface="SimSun" panose="02010600030101010101" pitchFamily="2" charset="-122"/>
+                        <a:cs typeface="Times New Roman" panose="02020603050405020304" pitchFamily="18" charset="0"/>
+                      </a:endParaRPr>
+                    </a:p>
+                  </a:txBody>
+                  <a:tcPr marL="9525" marR="9525" marT="9525" marB="9525" anchor="ctr"/>
+                </a:tc>
+                <a:extLst>
+                  <a:ext uri="{0D108BD9-81ED-4DB2-BD59-A6C34878D82A}">
+                    <a16:rowId xmlns:a16="http://schemas.microsoft.com/office/drawing/2014/main" val="1865334977"/>
+                  </a:ext>
+                </a:extLst>
+              </a:tr>
+              <a:tr h="489890">
+                <a:tc>
+                  <a:txBody>
+                    <a:bodyPr/>
+                    <a:lstStyle/>
+                    <a:p>
+                      <a:pPr algn="ctr">
+                        <a:lnSpc>
+                          <a:spcPct val="107000"/>
+                        </a:lnSpc>
+                        <a:spcAft>
+                          <a:spcPts val="0"/>
+                        </a:spcAft>
+                      </a:pPr>
+                      <a:r>
+                        <a:rPr lang="fr-FR" sz="1400" b="1" dirty="0">
+                          <a:effectLst/>
+                        </a:rPr>
+                        <a:t>Haute fréquence</a:t>
+                      </a:r>
+                      <a:endParaRPr lang="fr-FR" sz="1200" b="1" dirty="0">
+                        <a:effectLst/>
+                        <a:latin typeface="Calibri" panose="020F0502020204030204" pitchFamily="34" charset="0"/>
+                        <a:ea typeface="SimSun" panose="02010600030101010101" pitchFamily="2" charset="-122"/>
+                        <a:cs typeface="Times New Roman" panose="02020603050405020304" pitchFamily="18" charset="0"/>
+                      </a:endParaRPr>
+                    </a:p>
+                  </a:txBody>
+                  <a:tcPr marL="9525" marR="9525" marT="9525" marB="9525" anchor="ctr"/>
+                </a:tc>
+                <a:tc>
+                  <a:txBody>
+                    <a:bodyPr/>
+                    <a:lstStyle/>
+                    <a:p>
+                      <a:pPr algn="ctr">
+                        <a:lnSpc>
+                          <a:spcPct val="107000"/>
+                        </a:lnSpc>
+                        <a:spcAft>
+                          <a:spcPts val="0"/>
+                        </a:spcAft>
+                      </a:pPr>
+                      <a:r>
+                        <a:rPr lang="fr-FR" sz="1400" b="1" dirty="0">
+                          <a:effectLst/>
+                        </a:rPr>
+                        <a:t>13,56 Mhz</a:t>
+                      </a:r>
+                      <a:endParaRPr lang="fr-FR" sz="1200" b="1" dirty="0">
+                        <a:effectLst/>
+                        <a:latin typeface="Calibri" panose="020F0502020204030204" pitchFamily="34" charset="0"/>
+                        <a:ea typeface="SimSun" panose="02010600030101010101" pitchFamily="2" charset="-122"/>
+                        <a:cs typeface="Times New Roman" panose="02020603050405020304" pitchFamily="18" charset="0"/>
+                      </a:endParaRPr>
+                    </a:p>
+                  </a:txBody>
+                  <a:tcPr marL="9525" marR="9525" marT="9525" marB="9525" anchor="ctr"/>
+                </a:tc>
+                <a:tc>
+                  <a:txBody>
+                    <a:bodyPr/>
+                    <a:lstStyle/>
+                    <a:p>
+                      <a:pPr algn="ctr">
+                        <a:lnSpc>
+                          <a:spcPct val="107000"/>
+                        </a:lnSpc>
+                        <a:spcAft>
+                          <a:spcPts val="0"/>
+                        </a:spcAft>
+                      </a:pPr>
+                      <a:r>
+                        <a:rPr lang="fr-FR" sz="1400" b="1" dirty="0">
+                          <a:effectLst/>
+                        </a:rPr>
+                        <a:t>1</a:t>
+                      </a:r>
+                      <a:endParaRPr lang="fr-FR" sz="1200" b="1" dirty="0">
+                        <a:effectLst/>
+                        <a:latin typeface="Calibri" panose="020F0502020204030204" pitchFamily="34" charset="0"/>
+                        <a:ea typeface="SimSun" panose="02010600030101010101" pitchFamily="2" charset="-122"/>
+                        <a:cs typeface="Times New Roman" panose="02020603050405020304" pitchFamily="18" charset="0"/>
+                      </a:endParaRPr>
+                    </a:p>
+                  </a:txBody>
+                  <a:tcPr marL="9525" marR="9525" marT="9525" marB="9525" anchor="ctr"/>
+                </a:tc>
+                <a:tc>
+                  <a:txBody>
+                    <a:bodyPr/>
+                    <a:lstStyle/>
+                    <a:p>
+                      <a:pPr algn="ctr">
+                        <a:lnSpc>
+                          <a:spcPct val="107000"/>
+                        </a:lnSpc>
+                        <a:spcAft>
+                          <a:spcPts val="0"/>
+                        </a:spcAft>
+                      </a:pPr>
+                      <a:r>
+                        <a:rPr lang="fr-FR" sz="1400" b="1" dirty="0">
+                          <a:effectLst/>
+                        </a:rPr>
+                        <a:t>25kb/s</a:t>
+                      </a:r>
+                      <a:endParaRPr lang="fr-FR" sz="1200" b="1" dirty="0">
+                        <a:effectLst/>
+                        <a:latin typeface="Calibri" panose="020F0502020204030204" pitchFamily="34" charset="0"/>
+                        <a:ea typeface="SimSun" panose="02010600030101010101" pitchFamily="2" charset="-122"/>
+                        <a:cs typeface="Times New Roman" panose="02020603050405020304" pitchFamily="18" charset="0"/>
+                      </a:endParaRPr>
+                    </a:p>
+                  </a:txBody>
+                  <a:tcPr marL="9525" marR="9525" marT="9525" marB="9525" anchor="ctr"/>
+                </a:tc>
+                <a:extLst>
+                  <a:ext uri="{0D108BD9-81ED-4DB2-BD59-A6C34878D82A}">
+                    <a16:rowId xmlns:a16="http://schemas.microsoft.com/office/drawing/2014/main" val="257736093"/>
+                  </a:ext>
+                </a:extLst>
+              </a:tr>
+              <a:tr h="277418">
+                <a:tc>
+                  <a:txBody>
+                    <a:bodyPr/>
+                    <a:lstStyle/>
+                    <a:p>
+                      <a:pPr algn="ctr">
+                        <a:lnSpc>
+                          <a:spcPct val="107000"/>
+                        </a:lnSpc>
+                        <a:spcAft>
+                          <a:spcPts val="0"/>
+                        </a:spcAft>
+                      </a:pPr>
+                      <a:r>
+                        <a:rPr lang="fr-FR" sz="1400" dirty="0">
+                          <a:effectLst/>
+                        </a:rPr>
+                        <a:t>Très haute fréquence</a:t>
+                      </a:r>
+                      <a:endParaRPr lang="fr-FR" sz="1200" dirty="0">
+                        <a:effectLst/>
+                        <a:latin typeface="Calibri" panose="020F0502020204030204" pitchFamily="34" charset="0"/>
+                        <a:ea typeface="SimSun" panose="02010600030101010101" pitchFamily="2" charset="-122"/>
+                        <a:cs typeface="Times New Roman" panose="02020603050405020304" pitchFamily="18" charset="0"/>
+                      </a:endParaRPr>
+                    </a:p>
+                  </a:txBody>
+                  <a:tcPr marL="9525" marR="9525" marT="9525" marB="9525" anchor="ctr"/>
+                </a:tc>
+                <a:tc>
+                  <a:txBody>
+                    <a:bodyPr/>
+                    <a:lstStyle/>
+                    <a:p>
+                      <a:pPr algn="ctr">
+                        <a:lnSpc>
+                          <a:spcPct val="107000"/>
+                        </a:lnSpc>
+                        <a:spcAft>
+                          <a:spcPts val="0"/>
+                        </a:spcAft>
+                      </a:pPr>
+                      <a:r>
+                        <a:rPr lang="fr-FR" sz="1400" dirty="0">
+                          <a:effectLst/>
+                        </a:rPr>
+                        <a:t>863 à 915 Mhz</a:t>
+                      </a:r>
+                      <a:endParaRPr lang="fr-FR" sz="1200" dirty="0">
+                        <a:effectLst/>
+                        <a:latin typeface="Calibri" panose="020F0502020204030204" pitchFamily="34" charset="0"/>
+                        <a:ea typeface="SimSun" panose="02010600030101010101" pitchFamily="2" charset="-122"/>
+                        <a:cs typeface="Times New Roman" panose="02020603050405020304" pitchFamily="18" charset="0"/>
+                      </a:endParaRPr>
+                    </a:p>
+                  </a:txBody>
+                  <a:tcPr marL="9525" marR="9525" marT="9525" marB="9525" anchor="ctr"/>
+                </a:tc>
+                <a:tc>
+                  <a:txBody>
+                    <a:bodyPr/>
+                    <a:lstStyle/>
+                    <a:p>
+                      <a:pPr algn="ctr">
+                        <a:lnSpc>
+                          <a:spcPct val="107000"/>
+                        </a:lnSpc>
+                        <a:spcAft>
+                          <a:spcPts val="0"/>
+                        </a:spcAft>
+                      </a:pPr>
+                      <a:r>
+                        <a:rPr lang="fr-FR" sz="1400" dirty="0">
+                          <a:effectLst/>
+                        </a:rPr>
+                        <a:t>3 à 6</a:t>
+                      </a:r>
+                      <a:endParaRPr lang="fr-FR" sz="1200" dirty="0">
+                        <a:effectLst/>
+                        <a:latin typeface="Calibri" panose="020F0502020204030204" pitchFamily="34" charset="0"/>
+                        <a:ea typeface="SimSun" panose="02010600030101010101" pitchFamily="2" charset="-122"/>
+                        <a:cs typeface="Times New Roman" panose="02020603050405020304" pitchFamily="18" charset="0"/>
+                      </a:endParaRPr>
+                    </a:p>
+                  </a:txBody>
+                  <a:tcPr marL="9525" marR="9525" marT="9525" marB="9525" anchor="ctr"/>
+                </a:tc>
+                <a:tc>
+                  <a:txBody>
+                    <a:bodyPr/>
+                    <a:lstStyle/>
+                    <a:p>
+                      <a:pPr algn="ctr">
+                        <a:lnSpc>
+                          <a:spcPct val="107000"/>
+                        </a:lnSpc>
+                        <a:spcAft>
+                          <a:spcPts val="0"/>
+                        </a:spcAft>
+                      </a:pPr>
+                      <a:r>
+                        <a:rPr lang="fr-FR" sz="1400" dirty="0">
+                          <a:effectLst/>
+                        </a:rPr>
+                        <a:t>28kb/s</a:t>
+                      </a:r>
+                      <a:endParaRPr lang="fr-FR" sz="1200" dirty="0">
+                        <a:effectLst/>
+                        <a:latin typeface="Calibri" panose="020F0502020204030204" pitchFamily="34" charset="0"/>
+                        <a:ea typeface="SimSun" panose="02010600030101010101" pitchFamily="2" charset="-122"/>
+                        <a:cs typeface="Times New Roman" panose="02020603050405020304" pitchFamily="18" charset="0"/>
+                      </a:endParaRPr>
+                    </a:p>
+                  </a:txBody>
+                  <a:tcPr marL="9525" marR="9525" marT="9525" marB="9525" anchor="ctr"/>
+                </a:tc>
+                <a:extLst>
+                  <a:ext uri="{0D108BD9-81ED-4DB2-BD59-A6C34878D82A}">
+                    <a16:rowId xmlns:a16="http://schemas.microsoft.com/office/drawing/2014/main" val="2463713348"/>
+                  </a:ext>
+                </a:extLst>
+              </a:tr>
+            </a:tbl>
+          </a:graphicData>
+        </a:graphic>
+      </p:graphicFrame>
+      <p:sp>
+        <p:nvSpPr>
+          <p:cNvPr id="6" name="Rectangle 5"/>
+          <p:cNvSpPr/>
+          <p:nvPr/>
+        </p:nvSpPr>
+        <p:spPr>
+          <a:xfrm>
+            <a:off x="5556737" y="1512277"/>
+            <a:ext cx="5899639" cy="3946721"/>
+          </a:xfrm>
+          <a:prstGeom prst="rect">
+            <a:avLst/>
+          </a:prstGeom>
+          <a:ln w="19050">
+            <a:solidFill>
+              <a:schemeClr val="accent1">
+                <a:lumMod val="50000"/>
+              </a:schemeClr>
+            </a:solidFill>
+          </a:ln>
+        </p:spPr>
+        <p:txBody>
+          <a:bodyPr wrap="square">
+            <a:spAutoFit/>
+          </a:bodyPr>
+          <a:lstStyle/>
+          <a:p>
+            <a:pPr>
+              <a:lnSpc>
+                <a:spcPct val="107000"/>
+              </a:lnSpc>
+              <a:spcAft>
+                <a:spcPts val="800"/>
+              </a:spcAft>
+            </a:pPr>
+            <a:r>
+              <a:rPr lang="fr-FR" dirty="0"/>
+              <a:t>b) </a:t>
+            </a:r>
+            <a:r>
+              <a:rPr lang="fr-FR" u="sng" dirty="0"/>
+              <a:t>La communication par la puce</a:t>
+            </a:r>
+            <a:endParaRPr lang="fr-FR" u="sng" dirty="0">
+              <a:latin typeface="Calibri" panose="020F0502020204030204" pitchFamily="34" charset="0"/>
+              <a:ea typeface="SimSun" panose="02010600030101010101" pitchFamily="2" charset="-122"/>
+              <a:cs typeface="Times New Roman" panose="02020603050405020304" pitchFamily="18" charset="0"/>
+            </a:endParaRPr>
+          </a:p>
+          <a:p>
+            <a:pPr lvl="0">
+              <a:lnSpc>
+                <a:spcPct val="107000"/>
+              </a:lnSpc>
+              <a:spcAft>
+                <a:spcPts val="800"/>
+              </a:spcAft>
+            </a:pPr>
+            <a:r>
+              <a:rPr lang="fr-FR" sz="1600" dirty="0">
+                <a:latin typeface="Calibri" panose="020F0502020204030204" pitchFamily="34" charset="0"/>
+                <a:ea typeface="SimSun" panose="02010600030101010101" pitchFamily="2" charset="-122"/>
+                <a:cs typeface="Times New Roman" panose="02020603050405020304" pitchFamily="18" charset="0"/>
+              </a:rPr>
+              <a:t>Nous allons utiliser le dossard car moins coûteux et plus pratique pour le coureur d’accrocher un dossard.</a:t>
+            </a:r>
+          </a:p>
+          <a:p>
+            <a:pPr>
+              <a:lnSpc>
+                <a:spcPct val="107000"/>
+              </a:lnSpc>
+              <a:spcAft>
+                <a:spcPts val="800"/>
+              </a:spcAft>
+            </a:pPr>
+            <a:r>
+              <a:rPr lang="fr-FR" sz="1600" dirty="0">
+                <a:latin typeface="Calibri" panose="020F0502020204030204" pitchFamily="34" charset="0"/>
+                <a:ea typeface="SimSun" panose="02010600030101010101" pitchFamily="2" charset="-122"/>
+                <a:cs typeface="Times New Roman" panose="02020603050405020304" pitchFamily="18" charset="0"/>
+              </a:rPr>
+              <a:t>Les puces se différencient en grande partie par la fréquence de fonctionnement et la distance de lecture</a:t>
+            </a:r>
+            <a:r>
+              <a:rPr lang="fr-FR" sz="1600" dirty="0" smtClean="0">
+                <a:latin typeface="Calibri" panose="020F0502020204030204" pitchFamily="34" charset="0"/>
+                <a:ea typeface="SimSun" panose="02010600030101010101" pitchFamily="2" charset="-122"/>
+                <a:cs typeface="Times New Roman" panose="02020603050405020304" pitchFamily="18" charset="0"/>
+              </a:rPr>
+              <a:t>.</a:t>
+            </a:r>
+          </a:p>
+          <a:p>
+            <a:pPr>
+              <a:lnSpc>
+                <a:spcPct val="107000"/>
+              </a:lnSpc>
+              <a:spcAft>
+                <a:spcPts val="800"/>
+              </a:spcAft>
+            </a:pPr>
+            <a:endParaRPr lang="fr-FR" sz="1600" dirty="0">
+              <a:latin typeface="Calibri" panose="020F0502020204030204" pitchFamily="34" charset="0"/>
+              <a:ea typeface="SimSun" panose="02010600030101010101" pitchFamily="2" charset="-122"/>
+              <a:cs typeface="Times New Roman" panose="02020603050405020304" pitchFamily="18" charset="0"/>
+            </a:endParaRPr>
+          </a:p>
+          <a:p>
+            <a:pPr>
+              <a:lnSpc>
+                <a:spcPct val="107000"/>
+              </a:lnSpc>
+              <a:spcAft>
+                <a:spcPts val="800"/>
+              </a:spcAft>
+            </a:pPr>
+            <a:endParaRPr lang="fr-FR" sz="1600" dirty="0" smtClean="0">
+              <a:latin typeface="Calibri" panose="020F0502020204030204" pitchFamily="34" charset="0"/>
+              <a:ea typeface="SimSun" panose="02010600030101010101" pitchFamily="2" charset="-122"/>
+              <a:cs typeface="Times New Roman" panose="02020603050405020304" pitchFamily="18" charset="0"/>
+            </a:endParaRPr>
+          </a:p>
+          <a:p>
+            <a:pPr>
+              <a:lnSpc>
+                <a:spcPct val="107000"/>
+              </a:lnSpc>
+              <a:spcAft>
+                <a:spcPts val="800"/>
+              </a:spcAft>
+            </a:pPr>
+            <a:endParaRPr lang="fr-FR" sz="1600" dirty="0">
+              <a:latin typeface="Calibri" panose="020F0502020204030204" pitchFamily="34" charset="0"/>
+              <a:ea typeface="SimSun" panose="02010600030101010101" pitchFamily="2" charset="-122"/>
+              <a:cs typeface="Times New Roman" panose="02020603050405020304" pitchFamily="18" charset="0"/>
+            </a:endParaRPr>
+          </a:p>
+          <a:p>
+            <a:pPr>
+              <a:lnSpc>
+                <a:spcPct val="107000"/>
+              </a:lnSpc>
+              <a:spcAft>
+                <a:spcPts val="800"/>
+              </a:spcAft>
+            </a:pPr>
+            <a:endParaRPr lang="fr-FR" sz="1600" dirty="0" smtClean="0">
+              <a:latin typeface="Calibri" panose="020F0502020204030204" pitchFamily="34" charset="0"/>
+              <a:ea typeface="SimSun" panose="02010600030101010101" pitchFamily="2" charset="-122"/>
+              <a:cs typeface="Times New Roman" panose="02020603050405020304" pitchFamily="18" charset="0"/>
+            </a:endParaRPr>
+          </a:p>
+          <a:p>
+            <a:pPr>
+              <a:lnSpc>
+                <a:spcPct val="107000"/>
+              </a:lnSpc>
+              <a:spcAft>
+                <a:spcPts val="800"/>
+              </a:spcAft>
+            </a:pPr>
+            <a:endParaRPr lang="fr-FR" sz="1600" dirty="0">
+              <a:latin typeface="Calibri" panose="020F0502020204030204" pitchFamily="34" charset="0"/>
+              <a:ea typeface="SimSun" panose="02010600030101010101" pitchFamily="2" charset="-122"/>
+              <a:cs typeface="Times New Roman" panose="02020603050405020304" pitchFamily="18" charset="0"/>
+            </a:endParaRPr>
+          </a:p>
+          <a:p>
+            <a:pPr>
+              <a:lnSpc>
+                <a:spcPct val="107000"/>
+              </a:lnSpc>
+              <a:spcAft>
+                <a:spcPts val="800"/>
+              </a:spcAft>
+            </a:pPr>
+            <a:endParaRPr lang="fr-FR" sz="1600" dirty="0" smtClean="0">
+              <a:latin typeface="Calibri" panose="020F0502020204030204" pitchFamily="34" charset="0"/>
+              <a:ea typeface="SimSun" panose="02010600030101010101" pitchFamily="2" charset="-122"/>
+              <a:cs typeface="Times New Roman" panose="02020603050405020304" pitchFamily="18" charset="0"/>
+            </a:endParaRPr>
           </a:p>
         </p:txBody>
       </p:sp>
     </p:spTree>
     <p:extLst>
       <p:ext uri="{BB962C8B-B14F-4D97-AF65-F5344CB8AC3E}">
-        <p14:creationId xmlns:p14="http://schemas.microsoft.com/office/powerpoint/2010/main" val="308329008"/>
+        <p14:creationId xmlns:p14="http://schemas.microsoft.com/office/powerpoint/2010/main" val="3626584813"/>
       </p:ext>
     </p:extLst>
   </p:cSld>
@@ -4201,19 +5053,31 @@
           <a:p>
             <a:pPr lvl="1"/>
             <a:r>
-              <a:rPr lang="fr-FR" sz="2800" b="1" dirty="0" smtClean="0">
+              <a:rPr lang="fr-FR" sz="2400" b="1" dirty="0" smtClean="0">
                 <a:latin typeface="+mj-lt"/>
               </a:rPr>
               <a:t>2</a:t>
             </a:r>
             <a:r>
-              <a:rPr lang="fr-FR" sz="2800" b="1" dirty="0">
+              <a:rPr lang="fr-FR" sz="2400" b="1" dirty="0">
                 <a:latin typeface="+mj-lt"/>
               </a:rPr>
-              <a:t>) Utilisation et choix du </a:t>
-            </a:r>
-            <a:r>
-              <a:rPr lang="fr-FR" sz="2800" b="1" dirty="0" smtClean="0">
+              <a:t>) </a:t>
+            </a:r>
+            <a:r>
+              <a:rPr lang="fr-FR" sz="2400" b="1" dirty="0" smtClean="0">
+                <a:latin typeface="+mj-lt"/>
+              </a:rPr>
+              <a:t>Utilisation </a:t>
+            </a:r>
+            <a:r>
+              <a:rPr lang="fr-FR" sz="2400" b="1" dirty="0">
+                <a:latin typeface="+mj-lt"/>
+              </a:rPr>
+              <a:t>et choix du </a:t>
+            </a:r>
+            <a:r>
+              <a:rPr lang="fr-FR" sz="2400" b="1" dirty="0" smtClean="0">
                 <a:latin typeface="+mj-lt"/>
               </a:rPr>
               <a:t>RFID</a:t>
@@ -4234,7 +5098,7 @@
         </p:nvSpPr>
         <p:spPr>
           <a:xfrm>
-            <a:off x="838200" y="1995854"/>
+            <a:off x="838200" y="1824036"/>
             <a:ext cx="10515600" cy="4304202"/>
           </a:xfrm>
         </p:spPr>
@@ -4244,172 +5108,30 @@
           </a:bodyPr>
           <a:lstStyle/>
           <a:p>
-            <a:pPr marL="457200" indent="-457200">
-              <a:buAutoNum type="alphaLcParenR"/>
-            </a:pPr>
-            <a:r>
-              <a:rPr lang="fr-FR" sz="2400" dirty="0" smtClean="0"/>
-              <a:t>Les différents supports</a:t>
-            </a:r>
-          </a:p>
-          <a:p>
-            <a:pPr marL="457200" indent="-457200">
-              <a:buAutoNum type="alphaLcParenR"/>
-            </a:pPr>
-            <a:endParaRPr lang="fr-FR" sz="2400" dirty="0"/>
-          </a:p>
-          <a:p>
-            <a:pPr marL="457200" indent="-457200">
-              <a:buAutoNum type="alphaLcParenR"/>
-            </a:pPr>
-            <a:endParaRPr lang="fr-FR" sz="2400" dirty="0" smtClean="0"/>
-          </a:p>
-          <a:p>
-            <a:pPr marL="457200" indent="-457200">
-              <a:buAutoNum type="alphaLcParenR"/>
-            </a:pPr>
-            <a:endParaRPr lang="fr-FR" sz="2400" dirty="0"/>
-          </a:p>
-          <a:p>
-            <a:pPr marL="457200" indent="-457200">
-              <a:buAutoNum type="alphaLcParenR"/>
-            </a:pPr>
-            <a:endParaRPr lang="fr-FR" sz="2400" dirty="0" smtClean="0"/>
-          </a:p>
-          <a:p>
-            <a:pPr marL="457200" indent="-457200">
-              <a:buAutoNum type="alphaLcParenR"/>
-            </a:pPr>
-            <a:endParaRPr lang="fr-FR" sz="2400" dirty="0" smtClean="0"/>
-          </a:p>
-          <a:p>
             <a:pPr marL="0" indent="0">
               <a:buNone/>
             </a:pPr>
-            <a:endParaRPr lang="fr-FR" sz="2400" dirty="0" smtClean="0"/>
-          </a:p>
-        </p:txBody>
-      </p:sp>
-      <p:sp>
-        <p:nvSpPr>
-          <p:cNvPr id="4" name="Rectangle 3"/>
-          <p:cNvSpPr/>
-          <p:nvPr/>
-        </p:nvSpPr>
-        <p:spPr>
-          <a:xfrm>
-            <a:off x="838200" y="2762447"/>
-            <a:ext cx="10515600" cy="2771015"/>
-          </a:xfrm>
-          <a:prstGeom prst="rect">
-            <a:avLst/>
-          </a:prstGeom>
-        </p:spPr>
-        <p:txBody>
-          <a:bodyPr wrap="square">
-            <a:spAutoFit/>
-          </a:bodyPr>
-          <a:lstStyle/>
-          <a:p>
-            <a:pPr>
-              <a:lnSpc>
-                <a:spcPct val="107000"/>
-              </a:lnSpc>
-              <a:spcAft>
-                <a:spcPts val="800"/>
-              </a:spcAft>
+            <a:r>
+              <a:rPr lang="fr-FR" sz="1800" dirty="0"/>
+              <a:t>c) </a:t>
+            </a:r>
+            <a:r>
+              <a:rPr lang="fr-FR" sz="1800" u="sng" dirty="0"/>
+              <a:t>Les capacités de la puce </a:t>
+            </a:r>
+            <a:r>
+              <a:rPr lang="fr-FR" sz="1800" u="sng" dirty="0" smtClean="0"/>
+              <a:t>RFID</a:t>
+            </a:r>
+          </a:p>
+          <a:p>
+            <a:pPr marL="0" indent="0">
+              <a:buNone/>
             </a:pPr>
-            <a:r>
-              <a:rPr lang="fr-FR" dirty="0">
-                <a:latin typeface="Calibri" panose="020F0502020204030204" pitchFamily="34" charset="0"/>
-                <a:ea typeface="SimSun" panose="02010600030101010101" pitchFamily="2" charset="-122"/>
-                <a:cs typeface="Times New Roman" panose="02020603050405020304" pitchFamily="18" charset="0"/>
-              </a:rPr>
-              <a:t>La RFID se développe sous différents supports : </a:t>
-            </a:r>
-          </a:p>
-          <a:p>
-            <a:pPr marL="342900" lvl="0" indent="-342900">
-              <a:lnSpc>
-                <a:spcPct val="107000"/>
-              </a:lnSpc>
-              <a:spcAft>
-                <a:spcPts val="0"/>
-              </a:spcAft>
-              <a:buFont typeface="Century Gothic" panose="020B0502020202020204" pitchFamily="34" charset="0"/>
-              <a:buChar char="-"/>
-            </a:pPr>
-            <a:r>
-              <a:rPr lang="fr-FR" dirty="0">
-                <a:latin typeface="Calibri" panose="020F0502020204030204" pitchFamily="34" charset="0"/>
-                <a:ea typeface="SimSun" panose="02010600030101010101" pitchFamily="2" charset="-122"/>
-                <a:cs typeface="Times New Roman" panose="02020603050405020304" pitchFamily="18" charset="0"/>
-              </a:rPr>
-              <a:t>La carte/badge RFID,</a:t>
-            </a:r>
-          </a:p>
-          <a:p>
-            <a:pPr marL="342900" lvl="0" indent="-342900">
-              <a:lnSpc>
-                <a:spcPct val="107000"/>
-              </a:lnSpc>
-              <a:spcAft>
-                <a:spcPts val="0"/>
-              </a:spcAft>
-              <a:buFont typeface="Century Gothic" panose="020B0502020202020204" pitchFamily="34" charset="0"/>
-              <a:buChar char="-"/>
-            </a:pPr>
-            <a:r>
-              <a:rPr lang="fr-FR" dirty="0">
-                <a:latin typeface="Calibri" panose="020F0502020204030204" pitchFamily="34" charset="0"/>
-                <a:ea typeface="SimSun" panose="02010600030101010101" pitchFamily="2" charset="-122"/>
-                <a:cs typeface="Times New Roman" panose="02020603050405020304" pitchFamily="18" charset="0"/>
-              </a:rPr>
-              <a:t>Étiquettes, stickers et dossard,</a:t>
-            </a:r>
-          </a:p>
-          <a:p>
-            <a:pPr marL="342900" lvl="0" indent="-342900">
-              <a:lnSpc>
-                <a:spcPct val="107000"/>
-              </a:lnSpc>
-              <a:spcAft>
-                <a:spcPts val="0"/>
-              </a:spcAft>
-              <a:buFont typeface="Century Gothic" panose="020B0502020202020204" pitchFamily="34" charset="0"/>
-              <a:buChar char="-"/>
-            </a:pPr>
-            <a:r>
-              <a:rPr lang="fr-FR" dirty="0">
-                <a:latin typeface="Calibri" panose="020F0502020204030204" pitchFamily="34" charset="0"/>
-                <a:ea typeface="SimSun" panose="02010600030101010101" pitchFamily="2" charset="-122"/>
-                <a:cs typeface="Times New Roman" panose="02020603050405020304" pitchFamily="18" charset="0"/>
-              </a:rPr>
-              <a:t>Bracelets,</a:t>
-            </a:r>
-          </a:p>
-          <a:p>
-            <a:pPr marL="342900" lvl="0" indent="-342900">
-              <a:lnSpc>
-                <a:spcPct val="107000"/>
-              </a:lnSpc>
-              <a:spcAft>
-                <a:spcPts val="0"/>
-              </a:spcAft>
-              <a:buFont typeface="Century Gothic" panose="020B0502020202020204" pitchFamily="34" charset="0"/>
-              <a:buChar char="-"/>
-            </a:pPr>
-            <a:r>
-              <a:rPr lang="fr-FR" dirty="0">
-                <a:latin typeface="Calibri" panose="020F0502020204030204" pitchFamily="34" charset="0"/>
-                <a:ea typeface="SimSun" panose="02010600030101010101" pitchFamily="2" charset="-122"/>
-                <a:cs typeface="Times New Roman" panose="02020603050405020304" pitchFamily="18" charset="0"/>
-              </a:rPr>
-              <a:t>Porte-clés et tags,</a:t>
-            </a:r>
-          </a:p>
-          <a:p>
-            <a:pPr marL="342900" lvl="0" indent="-342900">
+            <a:endParaRPr lang="fr-FR" sz="1600" u="sng" dirty="0" smtClean="0"/>
+          </a:p>
+          <a:p>
+            <a:pPr marL="342900" lvl="0" indent="-342900" algn="just">
               <a:lnSpc>
                 <a:spcPct val="107000"/>
               </a:lnSpc>
@@ -4420,66 +5142,73 @@
               <a:buChar char="-"/>
             </a:pPr>
             <a:r>
-              <a:rPr lang="fr-FR" dirty="0">
+              <a:rPr lang="fr-FR" sz="1600" dirty="0">
                 <a:latin typeface="Calibri" panose="020F0502020204030204" pitchFamily="34" charset="0"/>
                 <a:ea typeface="SimSun" panose="02010600030101010101" pitchFamily="2" charset="-122"/>
                 <a:cs typeface="Times New Roman" panose="02020603050405020304" pitchFamily="18" charset="0"/>
               </a:rPr>
-              <a:t>Puces sous cutanés</a:t>
-            </a:r>
-            <a:r>
-              <a:rPr lang="fr-FR" dirty="0" smtClean="0">
+              <a:t>La RFID passive : fonctionne en lecture seule puisque la puce ne possède pas de batterie et doit être déplacé vers le lecteur pour être lu. Un puissant signal électromagnétique lui est alors envoyé, ce qui permet d’activer la puce RFID et de lire les informations qu’elle contient. Avantages : moins couteuse, vie presque illimitée. Inconvénients : courte distance</a:t>
+            </a:r>
+            <a:r>
+              <a:rPr lang="fr-FR" sz="1600" dirty="0" smtClean="0">
                 <a:latin typeface="Calibri" panose="020F0502020204030204" pitchFamily="34" charset="0"/>
                 <a:ea typeface="SimSun" panose="02010600030101010101" pitchFamily="2" charset="-122"/>
                 <a:cs typeface="Times New Roman" panose="02020603050405020304" pitchFamily="18" charset="0"/>
               </a:rPr>
               <a:t>.</a:t>
             </a:r>
-          </a:p>
-          <a:p>
-            <a:pPr lvl="0">
+            <a:endParaRPr lang="fr-FR" sz="1600" dirty="0">
+              <a:latin typeface="Calibri" panose="020F0502020204030204" pitchFamily="34" charset="0"/>
+              <a:ea typeface="SimSun" panose="02010600030101010101" pitchFamily="2" charset="-122"/>
+              <a:cs typeface="Times New Roman" panose="02020603050405020304" pitchFamily="18" charset="0"/>
+            </a:endParaRPr>
+          </a:p>
+          <a:p>
+            <a:pPr marL="342900" indent="-342900" algn="just">
               <a:lnSpc>
                 <a:spcPct val="107000"/>
               </a:lnSpc>
               <a:spcAft>
                 <a:spcPts val="800"/>
               </a:spcAft>
+              <a:buFont typeface="Century Gothic" panose="020B0502020202020204" pitchFamily="34" charset="0"/>
+              <a:buChar char="-"/>
             </a:pPr>
-            <a:endParaRPr lang="fr-FR" dirty="0" smtClean="0">
-              <a:latin typeface="Calibri" panose="020F0502020204030204" pitchFamily="34" charset="0"/>
-              <a:ea typeface="SimSun" panose="02010600030101010101" pitchFamily="2" charset="-122"/>
-              <a:cs typeface="Times New Roman" panose="02020603050405020304" pitchFamily="18" charset="0"/>
-            </a:endParaRPr>
-          </a:p>
-          <a:p>
-            <a:pPr lvl="0">
-              <a:lnSpc>
-                <a:spcPct val="107000"/>
-              </a:lnSpc>
-              <a:spcAft>
-                <a:spcPts val="800"/>
-              </a:spcAft>
+            <a:r>
+              <a:rPr lang="fr-FR" sz="1600" dirty="0"/>
+              <a:t>La RFID active : fonctionne avec une source d’énergie telle qu’une petite pile ou une batterie, ce qui permet de lire la carte à plus longue distance. Avantages : ils ont leur propre énergie qui permet d’émettre un signal de manière autonome, longue distance, peuvent communiquer les données sans qu’un lecteur RFID se situe à proximité du tag. Inconvénients : le cout, durée de fonctionnement limité des étiquettes et impact sur la santé très controversé.</a:t>
+            </a:r>
+          </a:p>
+          <a:p>
+            <a:pPr marL="0" indent="0">
+              <a:buNone/>
             </a:pPr>
-            <a:r>
-              <a:rPr lang="fr-FR" dirty="0" smtClean="0">
-                <a:latin typeface="Calibri" panose="020F0502020204030204" pitchFamily="34" charset="0"/>
-                <a:ea typeface="SimSun" panose="02010600030101010101" pitchFamily="2" charset="-122"/>
-                <a:cs typeface="Times New Roman" panose="02020603050405020304" pitchFamily="18" charset="0"/>
-              </a:rPr>
-              <a:t>Nous allons utiliser le dossard car moins coûteux et plus pratique pour le coureur d’accrocher un dossard.</a:t>
-            </a:r>
-            <a:endParaRPr lang="fr-FR" dirty="0">
-              <a:latin typeface="Calibri" panose="020F0502020204030204" pitchFamily="34" charset="0"/>
-              <a:ea typeface="SimSun" panose="02010600030101010101" pitchFamily="2" charset="-122"/>
-              <a:cs typeface="Times New Roman" panose="02020603050405020304" pitchFamily="18" charset="0"/>
-            </a:endParaRPr>
+            <a:endParaRPr lang="fr-FR" sz="2400" dirty="0"/>
+          </a:p>
+          <a:p>
+            <a:pPr marL="0" indent="0">
+              <a:buNone/>
+            </a:pPr>
+            <a:endParaRPr lang="fr-FR" sz="2400" dirty="0" smtClean="0"/>
+          </a:p>
+          <a:p>
+            <a:pPr marL="0" indent="0">
+              <a:buNone/>
+            </a:pPr>
+            <a:endParaRPr lang="fr-FR" sz="2400" dirty="0"/>
+          </a:p>
+          <a:p>
+            <a:pPr marL="0" indent="0">
+              <a:buNone/>
+            </a:pPr>
+            <a:endParaRPr lang="fr-FR" sz="2400" dirty="0" smtClean="0"/>
           </a:p>
         </p:txBody>
       </p:sp>
     </p:spTree>
     <p:extLst>
       <p:ext uri="{BB962C8B-B14F-4D97-AF65-F5344CB8AC3E}">
-        <p14:creationId xmlns:p14="http://schemas.microsoft.com/office/powerpoint/2010/main" val="3626584813"/>
+        <p14:creationId xmlns:p14="http://schemas.microsoft.com/office/powerpoint/2010/main" val="572237306"/>
       </p:ext>
     </p:extLst>
   </p:cSld>
@@ -4527,38 +5256,18 @@
             <p:ph type="title"/>
           </p:nvPr>
         </p:nvSpPr>
-        <p:spPr>
-          <a:xfrm>
-            <a:off x="838200" y="0"/>
-            <a:ext cx="10515600" cy="1995854"/>
-          </a:xfrm>
-        </p:spPr>
+        <p:spPr/>
         <p:txBody>
           <a:bodyPr>
             <a:normAutofit/>
           </a:bodyPr>
           <a:lstStyle/>
           <a:p>
-            <a:pPr lvl="1"/>
-            <a:r>
-              <a:rPr lang="fr-FR" sz="2800" b="1" dirty="0" smtClean="0">
-                <a:latin typeface="+mj-lt"/>
-              </a:rPr>
-              <a:t>2</a:t>
-            </a:r>
-            <a:r>
-              <a:rPr lang="fr-FR" sz="2800" b="1" dirty="0">
-                <a:latin typeface="+mj-lt"/>
-              </a:rPr>
-              <a:t>) Utilisation et choix du </a:t>
-            </a:r>
-            <a:r>
-              <a:rPr lang="fr-FR" sz="2800" b="1" dirty="0" smtClean="0">
-                <a:latin typeface="+mj-lt"/>
-              </a:rPr>
-              <a:t>RFID</a:t>
-            </a:r>
-            <a:endParaRPr lang="fr-FR" dirty="0"/>
+            <a:r>
+              <a:rPr lang="fr-FR" sz="2400" b="1" dirty="0"/>
+              <a:t>2) Utilisation et choix du RFID</a:t>
+            </a:r>
+            <a:endParaRPr lang="fr-FR" sz="2400" dirty="0"/>
           </a:p>
         </p:txBody>
       </p:sp>
@@ -4574,8 +5283,8 @@
         </p:nvSpPr>
         <p:spPr>
           <a:xfrm>
-            <a:off x="838200" y="1995854"/>
-            <a:ext cx="10515600" cy="4304202"/>
+            <a:off x="838200" y="1690688"/>
+            <a:ext cx="10515600" cy="4351338"/>
           </a:xfrm>
         </p:spPr>
         <p:txBody>
@@ -4588,847 +5297,125 @@
               <a:buNone/>
             </a:pPr>
             <a:r>
-              <a:rPr lang="fr-FR" sz="2400" dirty="0" smtClean="0"/>
-              <a:t>b) La </a:t>
-            </a:r>
-            <a:r>
-              <a:rPr lang="fr-FR" sz="2400" dirty="0"/>
-              <a:t>communication par la puce</a:t>
+              <a:rPr lang="fr-FR" sz="1800" dirty="0" smtClean="0"/>
+              <a:t>d) </a:t>
+            </a:r>
+            <a:r>
+              <a:rPr lang="fr-FR" sz="1800" u="sng" dirty="0" smtClean="0"/>
+              <a:t>Choix du RFID </a:t>
             </a:r>
           </a:p>
           <a:p>
             <a:pPr marL="0" indent="0">
               <a:buNone/>
             </a:pPr>
-            <a:endParaRPr lang="fr-FR" sz="2400" dirty="0" smtClean="0"/>
-          </a:p>
-          <a:p>
-            <a:pPr marL="0" indent="0">
-              <a:buNone/>
+            <a:endParaRPr lang="fr-FR" sz="1800" u="sng" dirty="0" smtClean="0"/>
+          </a:p>
+          <a:p>
+            <a:pPr marL="285750" indent="-285750" algn="just">
+              <a:buFontTx/>
+              <a:buChar char="-"/>
             </a:pPr>
-            <a:endParaRPr lang="fr-FR" sz="2400" dirty="0"/>
-          </a:p>
-          <a:p>
-            <a:pPr marL="0" indent="0">
-              <a:buNone/>
-            </a:pPr>
-            <a:endParaRPr lang="fr-FR" sz="2400" dirty="0" smtClean="0"/>
-          </a:p>
-          <a:p>
-            <a:pPr marL="0" indent="0">
-              <a:buNone/>
-            </a:pPr>
-            <a:endParaRPr lang="fr-FR" sz="2400" dirty="0" smtClean="0"/>
-          </a:p>
-        </p:txBody>
-      </p:sp>
-      <p:graphicFrame>
-        <p:nvGraphicFramePr>
-          <p:cNvPr id="4" name="Tableau 3"/>
-          <p:cNvGraphicFramePr>
-            <a:graphicFrameLocks noGrp="1"/>
-          </p:cNvGraphicFramePr>
-          <p:nvPr>
-            <p:extLst>
-              <p:ext uri="{D42A27DB-BD31-4B8C-83A1-F6EECF244321}">
-                <p14:modId xmlns:p14="http://schemas.microsoft.com/office/powerpoint/2010/main" val="2666037922"/>
-              </p:ext>
-            </p:extLst>
-          </p:nvPr>
-        </p:nvGraphicFramePr>
-        <p:xfrm>
-          <a:off x="2165684" y="3166175"/>
-          <a:ext cx="7523748" cy="2785580"/>
-        </p:xfrm>
-        <a:graphic>
-          <a:graphicData uri="http://schemas.openxmlformats.org/drawingml/2006/table">
-            <a:tbl>
-              <a:tblPr firstRow="1" firstCol="1" bandRow="1">
-                <a:tableStyleId>{5C22544A-7EE6-4342-B048-85BDC9FD1C3A}</a:tableStyleId>
-              </a:tblPr>
-              <a:tblGrid>
-                <a:gridCol w="2016903">
-                  <a:extLst>
-                    <a:ext uri="{9D8B030D-6E8A-4147-A177-3AD203B41FA5}">
-                      <a16:colId xmlns:a16="http://schemas.microsoft.com/office/drawing/2014/main" val="1898678733"/>
-                    </a:ext>
-                  </a:extLst>
-                </a:gridCol>
-                <a:gridCol w="1572932">
-                  <a:extLst>
-                    <a:ext uri="{9D8B030D-6E8A-4147-A177-3AD203B41FA5}">
-                      <a16:colId xmlns:a16="http://schemas.microsoft.com/office/drawing/2014/main" val="2108743470"/>
-                    </a:ext>
-                  </a:extLst>
-                </a:gridCol>
-                <a:gridCol w="1236781">
-                  <a:extLst>
-                    <a:ext uri="{9D8B030D-6E8A-4147-A177-3AD203B41FA5}">
-                      <a16:colId xmlns:a16="http://schemas.microsoft.com/office/drawing/2014/main" val="1845721073"/>
-                    </a:ext>
-                  </a:extLst>
-                </a:gridCol>
-                <a:gridCol w="1235987">
-                  <a:extLst>
-                    <a:ext uri="{9D8B030D-6E8A-4147-A177-3AD203B41FA5}">
-                      <a16:colId xmlns:a16="http://schemas.microsoft.com/office/drawing/2014/main" val="2681023132"/>
-                    </a:ext>
-                  </a:extLst>
-                </a:gridCol>
-                <a:gridCol w="1461145">
-                  <a:extLst>
-                    <a:ext uri="{9D8B030D-6E8A-4147-A177-3AD203B41FA5}">
-                      <a16:colId xmlns:a16="http://schemas.microsoft.com/office/drawing/2014/main" val="178689981"/>
-                    </a:ext>
-                  </a:extLst>
-                </a:gridCol>
-              </a:tblGrid>
-              <a:tr h="705852">
-                <a:tc>
-                  <a:txBody>
-                    <a:bodyPr/>
-                    <a:lstStyle/>
-                    <a:p>
-                      <a:pPr algn="ctr">
-                        <a:lnSpc>
-                          <a:spcPct val="107000"/>
-                        </a:lnSpc>
-                        <a:spcAft>
-                          <a:spcPts val="0"/>
-                        </a:spcAft>
-                      </a:pPr>
-                      <a:r>
-                        <a:rPr lang="fr-FR" sz="1800">
-                          <a:effectLst/>
-                        </a:rPr>
-                        <a:t>Types de fréquence</a:t>
-                      </a:r>
-                      <a:endParaRPr lang="fr-FR" sz="1600">
-                        <a:effectLst/>
-                        <a:latin typeface="Calibri" panose="020F0502020204030204" pitchFamily="34" charset="0"/>
-                        <a:ea typeface="SimSun" panose="02010600030101010101" pitchFamily="2" charset="-122"/>
-                        <a:cs typeface="Times New Roman" panose="02020603050405020304" pitchFamily="18" charset="0"/>
-                      </a:endParaRPr>
-                    </a:p>
-                  </a:txBody>
-                  <a:tcPr marL="9525" marR="9525" marT="9525" marB="9525" anchor="ctr"/>
-                </a:tc>
-                <a:tc>
-                  <a:txBody>
-                    <a:bodyPr/>
-                    <a:lstStyle/>
-                    <a:p>
-                      <a:pPr algn="ctr">
-                        <a:lnSpc>
-                          <a:spcPct val="107000"/>
-                        </a:lnSpc>
-                        <a:spcAft>
-                          <a:spcPts val="0"/>
-                        </a:spcAft>
-                      </a:pPr>
-                      <a:r>
-                        <a:rPr lang="fr-FR" sz="1800" dirty="0">
-                          <a:effectLst/>
-                        </a:rPr>
-                        <a:t>Fréquence de fonctionnement</a:t>
-                      </a:r>
-                      <a:endParaRPr lang="fr-FR" sz="1600" dirty="0">
-                        <a:effectLst/>
-                        <a:latin typeface="Calibri" panose="020F0502020204030204" pitchFamily="34" charset="0"/>
-                        <a:ea typeface="SimSun" panose="02010600030101010101" pitchFamily="2" charset="-122"/>
-                        <a:cs typeface="Times New Roman" panose="02020603050405020304" pitchFamily="18" charset="0"/>
-                      </a:endParaRPr>
-                    </a:p>
-                  </a:txBody>
-                  <a:tcPr marL="9525" marR="9525" marT="9525" marB="9525" anchor="ctr"/>
-                </a:tc>
-                <a:tc>
-                  <a:txBody>
-                    <a:bodyPr/>
-                    <a:lstStyle/>
-                    <a:p>
-                      <a:pPr algn="ctr">
-                        <a:lnSpc>
-                          <a:spcPct val="107000"/>
-                        </a:lnSpc>
-                        <a:spcAft>
-                          <a:spcPts val="0"/>
-                        </a:spcAft>
-                      </a:pPr>
-                      <a:r>
-                        <a:rPr lang="fr-FR" sz="1800">
-                          <a:effectLst/>
-                        </a:rPr>
-                        <a:t>Distance de lecture (m)</a:t>
-                      </a:r>
-                      <a:endParaRPr lang="fr-FR" sz="1600">
-                        <a:effectLst/>
-                        <a:latin typeface="Calibri" panose="020F0502020204030204" pitchFamily="34" charset="0"/>
-                        <a:ea typeface="SimSun" panose="02010600030101010101" pitchFamily="2" charset="-122"/>
-                        <a:cs typeface="Times New Roman" panose="02020603050405020304" pitchFamily="18" charset="0"/>
-                      </a:endParaRPr>
-                    </a:p>
-                  </a:txBody>
-                  <a:tcPr marL="9525" marR="9525" marT="9525" marB="9525" anchor="ctr"/>
-                </a:tc>
-                <a:tc>
-                  <a:txBody>
-                    <a:bodyPr/>
-                    <a:lstStyle/>
-                    <a:p>
-                      <a:pPr algn="ctr">
-                        <a:lnSpc>
-                          <a:spcPct val="107000"/>
-                        </a:lnSpc>
-                        <a:spcAft>
-                          <a:spcPts val="0"/>
-                        </a:spcAft>
-                      </a:pPr>
-                      <a:r>
-                        <a:rPr lang="fr-FR" sz="1800">
-                          <a:effectLst/>
-                        </a:rPr>
-                        <a:t>Taux de transfert</a:t>
-                      </a:r>
-                      <a:endParaRPr lang="fr-FR" sz="1600">
-                        <a:effectLst/>
-                        <a:latin typeface="Calibri" panose="020F0502020204030204" pitchFamily="34" charset="0"/>
-                        <a:ea typeface="SimSun" panose="02010600030101010101" pitchFamily="2" charset="-122"/>
-                        <a:cs typeface="Times New Roman" panose="02020603050405020304" pitchFamily="18" charset="0"/>
-                      </a:endParaRPr>
-                    </a:p>
-                  </a:txBody>
-                  <a:tcPr marL="9525" marR="9525" marT="9525" marB="9525" anchor="ctr"/>
-                </a:tc>
-                <a:tc>
-                  <a:txBody>
-                    <a:bodyPr/>
-                    <a:lstStyle/>
-                    <a:p>
-                      <a:pPr algn="ctr">
-                        <a:lnSpc>
-                          <a:spcPct val="107000"/>
-                        </a:lnSpc>
-                        <a:spcAft>
-                          <a:spcPts val="0"/>
-                        </a:spcAft>
-                      </a:pPr>
-                      <a:r>
-                        <a:rPr lang="fr-FR" sz="1800" dirty="0">
-                          <a:effectLst/>
-                        </a:rPr>
-                        <a:t>Normes</a:t>
-                      </a:r>
-                      <a:endParaRPr lang="fr-FR" sz="1600" dirty="0">
-                        <a:effectLst/>
-                        <a:latin typeface="Calibri" panose="020F0502020204030204" pitchFamily="34" charset="0"/>
-                        <a:ea typeface="SimSun" panose="02010600030101010101" pitchFamily="2" charset="-122"/>
-                        <a:cs typeface="Times New Roman" panose="02020603050405020304" pitchFamily="18" charset="0"/>
-                      </a:endParaRPr>
-                    </a:p>
-                  </a:txBody>
-                  <a:tcPr marL="9525" marR="9525" marT="9525" marB="9525" anchor="ctr"/>
-                </a:tc>
-                <a:extLst>
-                  <a:ext uri="{0D108BD9-81ED-4DB2-BD59-A6C34878D82A}">
-                    <a16:rowId xmlns:a16="http://schemas.microsoft.com/office/drawing/2014/main" val="1271001505"/>
-                  </a:ext>
-                </a:extLst>
-              </a:tr>
-              <a:tr h="588858">
-                <a:tc>
-                  <a:txBody>
-                    <a:bodyPr/>
-                    <a:lstStyle/>
-                    <a:p>
-                      <a:pPr algn="ctr">
-                        <a:lnSpc>
-                          <a:spcPct val="107000"/>
-                        </a:lnSpc>
-                        <a:spcAft>
-                          <a:spcPts val="0"/>
-                        </a:spcAft>
-                      </a:pPr>
-                      <a:r>
-                        <a:rPr lang="fr-FR" sz="1800" dirty="0">
-                          <a:effectLst/>
-                        </a:rPr>
-                        <a:t>Basse fréquence</a:t>
-                      </a:r>
-                      <a:endParaRPr lang="fr-FR" sz="1600" dirty="0">
-                        <a:effectLst/>
-                        <a:latin typeface="Calibri" panose="020F0502020204030204" pitchFamily="34" charset="0"/>
-                        <a:ea typeface="SimSun" panose="02010600030101010101" pitchFamily="2" charset="-122"/>
-                        <a:cs typeface="Times New Roman" panose="02020603050405020304" pitchFamily="18" charset="0"/>
-                      </a:endParaRPr>
-                    </a:p>
-                  </a:txBody>
-                  <a:tcPr marL="9525" marR="9525" marT="9525" marB="9525" anchor="ctr"/>
-                </a:tc>
-                <a:tc>
-                  <a:txBody>
-                    <a:bodyPr/>
-                    <a:lstStyle/>
-                    <a:p>
-                      <a:pPr algn="ctr">
-                        <a:lnSpc>
-                          <a:spcPct val="107000"/>
-                        </a:lnSpc>
-                        <a:spcAft>
-                          <a:spcPts val="0"/>
-                        </a:spcAft>
-                      </a:pPr>
-                      <a:r>
-                        <a:rPr lang="fr-FR" sz="1800">
-                          <a:effectLst/>
-                        </a:rPr>
-                        <a:t>&lt; 135 kHz</a:t>
-                      </a:r>
-                      <a:endParaRPr lang="fr-FR" sz="1600">
-                        <a:effectLst/>
-                        <a:latin typeface="Calibri" panose="020F0502020204030204" pitchFamily="34" charset="0"/>
-                        <a:ea typeface="SimSun" panose="02010600030101010101" pitchFamily="2" charset="-122"/>
-                        <a:cs typeface="Times New Roman" panose="02020603050405020304" pitchFamily="18" charset="0"/>
-                      </a:endParaRPr>
-                    </a:p>
-                  </a:txBody>
-                  <a:tcPr marL="9525" marR="9525" marT="9525" marB="9525" anchor="ctr"/>
-                </a:tc>
-                <a:tc>
-                  <a:txBody>
-                    <a:bodyPr/>
-                    <a:lstStyle/>
-                    <a:p>
-                      <a:pPr algn="ctr">
-                        <a:lnSpc>
-                          <a:spcPct val="107000"/>
-                        </a:lnSpc>
-                        <a:spcAft>
-                          <a:spcPts val="0"/>
-                        </a:spcAft>
-                      </a:pPr>
-                      <a:r>
-                        <a:rPr lang="fr-FR" sz="1800" dirty="0">
-                          <a:effectLst/>
-                        </a:rPr>
-                        <a:t>0.5</a:t>
-                      </a:r>
-                      <a:endParaRPr lang="fr-FR" sz="1600" dirty="0">
-                        <a:effectLst/>
-                        <a:latin typeface="Calibri" panose="020F0502020204030204" pitchFamily="34" charset="0"/>
-                        <a:ea typeface="SimSun" panose="02010600030101010101" pitchFamily="2" charset="-122"/>
-                        <a:cs typeface="Times New Roman" panose="02020603050405020304" pitchFamily="18" charset="0"/>
-                      </a:endParaRPr>
-                    </a:p>
-                  </a:txBody>
-                  <a:tcPr marL="9525" marR="9525" marT="9525" marB="9525" anchor="ctr"/>
-                </a:tc>
-                <a:tc>
-                  <a:txBody>
-                    <a:bodyPr/>
-                    <a:lstStyle/>
-                    <a:p>
-                      <a:pPr algn="ctr">
-                        <a:lnSpc>
-                          <a:spcPct val="107000"/>
-                        </a:lnSpc>
-                        <a:spcAft>
-                          <a:spcPts val="0"/>
-                        </a:spcAft>
-                      </a:pPr>
-                      <a:r>
-                        <a:rPr lang="fr-FR" sz="1800" dirty="0">
-                          <a:effectLst/>
-                        </a:rPr>
-                        <a:t>1kb/s</a:t>
-                      </a:r>
-                      <a:endParaRPr lang="fr-FR" sz="1600" dirty="0">
-                        <a:effectLst/>
-                        <a:latin typeface="Calibri" panose="020F0502020204030204" pitchFamily="34" charset="0"/>
-                        <a:ea typeface="SimSun" panose="02010600030101010101" pitchFamily="2" charset="-122"/>
-                        <a:cs typeface="Times New Roman" panose="02020603050405020304" pitchFamily="18" charset="0"/>
-                      </a:endParaRPr>
-                    </a:p>
-                  </a:txBody>
-                  <a:tcPr marL="9525" marR="9525" marT="9525" marB="9525" anchor="ctr"/>
-                </a:tc>
-                <a:tc>
-                  <a:txBody>
-                    <a:bodyPr/>
-                    <a:lstStyle/>
-                    <a:p>
-                      <a:pPr algn="ctr">
-                        <a:lnSpc>
-                          <a:spcPct val="107000"/>
-                        </a:lnSpc>
-                        <a:spcAft>
-                          <a:spcPts val="0"/>
-                        </a:spcAft>
-                      </a:pPr>
-                      <a:r>
-                        <a:rPr lang="fr-FR" sz="1800" dirty="0">
-                          <a:effectLst/>
-                        </a:rPr>
-                        <a:t>ISO 142231 </a:t>
-                      </a:r>
-                      <a:endParaRPr lang="fr-FR" sz="1600" dirty="0">
-                        <a:effectLst/>
-                      </a:endParaRPr>
-                    </a:p>
-                    <a:p>
-                      <a:pPr algn="ctr">
-                        <a:lnSpc>
-                          <a:spcPct val="107000"/>
-                        </a:lnSpc>
-                        <a:spcAft>
-                          <a:spcPts val="0"/>
-                        </a:spcAft>
-                      </a:pPr>
-                      <a:r>
-                        <a:rPr lang="fr-FR" sz="1800" dirty="0">
-                          <a:effectLst/>
-                        </a:rPr>
-                        <a:t>ISO 18000-2</a:t>
-                      </a:r>
-                      <a:endParaRPr lang="fr-FR" sz="1600" dirty="0">
-                        <a:effectLst/>
-                        <a:latin typeface="Calibri" panose="020F0502020204030204" pitchFamily="34" charset="0"/>
-                        <a:ea typeface="SimSun" panose="02010600030101010101" pitchFamily="2" charset="-122"/>
-                        <a:cs typeface="Times New Roman" panose="02020603050405020304" pitchFamily="18" charset="0"/>
-                      </a:endParaRPr>
-                    </a:p>
-                  </a:txBody>
-                  <a:tcPr marL="9525" marR="9525" marT="9525" marB="9525" anchor="ctr"/>
-                </a:tc>
-                <a:extLst>
-                  <a:ext uri="{0D108BD9-81ED-4DB2-BD59-A6C34878D82A}">
-                    <a16:rowId xmlns:a16="http://schemas.microsoft.com/office/drawing/2014/main" val="1865334977"/>
-                  </a:ext>
-                </a:extLst>
-              </a:tr>
-              <a:tr h="1161137">
-                <a:tc>
-                  <a:txBody>
-                    <a:bodyPr/>
-                    <a:lstStyle/>
-                    <a:p>
-                      <a:pPr algn="ctr">
-                        <a:lnSpc>
-                          <a:spcPct val="107000"/>
-                        </a:lnSpc>
-                        <a:spcAft>
-                          <a:spcPts val="0"/>
-                        </a:spcAft>
-                      </a:pPr>
-                      <a:r>
-                        <a:rPr lang="fr-FR" sz="1800" dirty="0">
-                          <a:effectLst/>
-                        </a:rPr>
-                        <a:t>Haute fréquence</a:t>
-                      </a:r>
-                      <a:endParaRPr lang="fr-FR" sz="1600" dirty="0">
-                        <a:effectLst/>
-                        <a:latin typeface="Calibri" panose="020F0502020204030204" pitchFamily="34" charset="0"/>
-                        <a:ea typeface="SimSun" panose="02010600030101010101" pitchFamily="2" charset="-122"/>
-                        <a:cs typeface="Times New Roman" panose="02020603050405020304" pitchFamily="18" charset="0"/>
-                      </a:endParaRPr>
-                    </a:p>
-                  </a:txBody>
-                  <a:tcPr marL="9525" marR="9525" marT="9525" marB="9525" anchor="ctr"/>
-                </a:tc>
-                <a:tc>
-                  <a:txBody>
-                    <a:bodyPr/>
-                    <a:lstStyle/>
-                    <a:p>
-                      <a:pPr algn="ctr">
-                        <a:lnSpc>
-                          <a:spcPct val="107000"/>
-                        </a:lnSpc>
-                        <a:spcAft>
-                          <a:spcPts val="0"/>
-                        </a:spcAft>
-                      </a:pPr>
-                      <a:r>
-                        <a:rPr lang="fr-FR" sz="1800" dirty="0">
-                          <a:effectLst/>
-                        </a:rPr>
-                        <a:t>13,56 Mhz</a:t>
-                      </a:r>
-                      <a:endParaRPr lang="fr-FR" sz="1600" dirty="0">
-                        <a:effectLst/>
-                        <a:latin typeface="Calibri" panose="020F0502020204030204" pitchFamily="34" charset="0"/>
-                        <a:ea typeface="SimSun" panose="02010600030101010101" pitchFamily="2" charset="-122"/>
-                        <a:cs typeface="Times New Roman" panose="02020603050405020304" pitchFamily="18" charset="0"/>
-                      </a:endParaRPr>
-                    </a:p>
-                  </a:txBody>
-                  <a:tcPr marL="9525" marR="9525" marT="9525" marB="9525" anchor="ctr"/>
-                </a:tc>
-                <a:tc>
-                  <a:txBody>
-                    <a:bodyPr/>
-                    <a:lstStyle/>
-                    <a:p>
-                      <a:pPr algn="ctr">
-                        <a:lnSpc>
-                          <a:spcPct val="107000"/>
-                        </a:lnSpc>
-                        <a:spcAft>
-                          <a:spcPts val="0"/>
-                        </a:spcAft>
-                      </a:pPr>
-                      <a:r>
-                        <a:rPr lang="fr-FR" sz="1800" dirty="0">
-                          <a:effectLst/>
-                        </a:rPr>
-                        <a:t>1</a:t>
-                      </a:r>
-                      <a:endParaRPr lang="fr-FR" sz="1600" dirty="0">
-                        <a:effectLst/>
-                        <a:latin typeface="Calibri" panose="020F0502020204030204" pitchFamily="34" charset="0"/>
-                        <a:ea typeface="SimSun" panose="02010600030101010101" pitchFamily="2" charset="-122"/>
-                        <a:cs typeface="Times New Roman" panose="02020603050405020304" pitchFamily="18" charset="0"/>
-                      </a:endParaRPr>
-                    </a:p>
-                  </a:txBody>
-                  <a:tcPr marL="9525" marR="9525" marT="9525" marB="9525" anchor="ctr"/>
-                </a:tc>
-                <a:tc>
-                  <a:txBody>
-                    <a:bodyPr/>
-                    <a:lstStyle/>
-                    <a:p>
-                      <a:pPr algn="ctr">
-                        <a:lnSpc>
-                          <a:spcPct val="107000"/>
-                        </a:lnSpc>
-                        <a:spcAft>
-                          <a:spcPts val="0"/>
-                        </a:spcAft>
-                      </a:pPr>
-                      <a:r>
-                        <a:rPr lang="fr-FR" sz="1800" dirty="0">
-                          <a:effectLst/>
-                        </a:rPr>
-                        <a:t>25kb/s</a:t>
-                      </a:r>
-                      <a:endParaRPr lang="fr-FR" sz="1600" dirty="0">
-                        <a:effectLst/>
-                        <a:latin typeface="Calibri" panose="020F0502020204030204" pitchFamily="34" charset="0"/>
-                        <a:ea typeface="SimSun" panose="02010600030101010101" pitchFamily="2" charset="-122"/>
-                        <a:cs typeface="Times New Roman" panose="02020603050405020304" pitchFamily="18" charset="0"/>
-                      </a:endParaRPr>
-                    </a:p>
-                  </a:txBody>
-                  <a:tcPr marL="9525" marR="9525" marT="9525" marB="9525" anchor="ctr"/>
-                </a:tc>
-                <a:tc>
-                  <a:txBody>
-                    <a:bodyPr/>
-                    <a:lstStyle/>
-                    <a:p>
-                      <a:pPr algn="ctr">
-                        <a:lnSpc>
-                          <a:spcPct val="107000"/>
-                        </a:lnSpc>
-                        <a:spcAft>
-                          <a:spcPts val="800"/>
-                        </a:spcAft>
-                      </a:pPr>
-                      <a:r>
-                        <a:rPr lang="fr-FR" sz="1800">
-                          <a:effectLst/>
-                        </a:rPr>
-                        <a:t>ISO 14443</a:t>
-                      </a:r>
-                      <a:endParaRPr lang="fr-FR" sz="1600">
-                        <a:effectLst/>
-                      </a:endParaRPr>
-                    </a:p>
-                    <a:p>
-                      <a:pPr algn="ctr">
-                        <a:lnSpc>
-                          <a:spcPct val="107000"/>
-                        </a:lnSpc>
-                        <a:spcAft>
-                          <a:spcPts val="800"/>
-                        </a:spcAft>
-                      </a:pPr>
-                      <a:r>
-                        <a:rPr lang="fr-FR" sz="1800">
-                          <a:effectLst/>
-                        </a:rPr>
-                        <a:t>ISO 15693</a:t>
-                      </a:r>
-                      <a:endParaRPr lang="fr-FR" sz="1600">
-                        <a:effectLst/>
-                      </a:endParaRPr>
-                    </a:p>
-                    <a:p>
-                      <a:pPr algn="ctr">
-                        <a:lnSpc>
-                          <a:spcPct val="107000"/>
-                        </a:lnSpc>
-                        <a:spcAft>
-                          <a:spcPts val="800"/>
-                        </a:spcAft>
-                      </a:pPr>
-                      <a:r>
-                        <a:rPr lang="fr-FR" sz="1800">
-                          <a:effectLst/>
-                        </a:rPr>
-                        <a:t>ISO 18000-3</a:t>
-                      </a:r>
-                      <a:endParaRPr lang="fr-FR" sz="1600">
-                        <a:effectLst/>
-                        <a:latin typeface="Calibri" panose="020F0502020204030204" pitchFamily="34" charset="0"/>
-                        <a:ea typeface="SimSun" panose="02010600030101010101" pitchFamily="2" charset="-122"/>
-                        <a:cs typeface="Times New Roman" panose="02020603050405020304" pitchFamily="18" charset="0"/>
-                      </a:endParaRPr>
-                    </a:p>
-                  </a:txBody>
-                  <a:tcPr marL="9525" marR="9525" marT="9525" marB="9525" anchor="ctr"/>
-                </a:tc>
-                <a:extLst>
-                  <a:ext uri="{0D108BD9-81ED-4DB2-BD59-A6C34878D82A}">
-                    <a16:rowId xmlns:a16="http://schemas.microsoft.com/office/drawing/2014/main" val="257736093"/>
-                  </a:ext>
-                </a:extLst>
-              </a:tr>
-              <a:tr h="308094">
-                <a:tc>
-                  <a:txBody>
-                    <a:bodyPr/>
-                    <a:lstStyle/>
-                    <a:p>
-                      <a:pPr algn="ctr">
-                        <a:lnSpc>
-                          <a:spcPct val="107000"/>
-                        </a:lnSpc>
-                        <a:spcAft>
-                          <a:spcPts val="0"/>
-                        </a:spcAft>
-                      </a:pPr>
-                      <a:r>
-                        <a:rPr lang="fr-FR" sz="1800" dirty="0">
-                          <a:effectLst/>
-                        </a:rPr>
-                        <a:t>Très haute fréquence</a:t>
-                      </a:r>
-                      <a:endParaRPr lang="fr-FR" sz="1600" dirty="0">
-                        <a:effectLst/>
-                        <a:latin typeface="Calibri" panose="020F0502020204030204" pitchFamily="34" charset="0"/>
-                        <a:ea typeface="SimSun" panose="02010600030101010101" pitchFamily="2" charset="-122"/>
-                        <a:cs typeface="Times New Roman" panose="02020603050405020304" pitchFamily="18" charset="0"/>
-                      </a:endParaRPr>
-                    </a:p>
-                  </a:txBody>
-                  <a:tcPr marL="9525" marR="9525" marT="9525" marB="9525" anchor="ctr"/>
-                </a:tc>
-                <a:tc>
-                  <a:txBody>
-                    <a:bodyPr/>
-                    <a:lstStyle/>
-                    <a:p>
-                      <a:pPr algn="ctr">
-                        <a:lnSpc>
-                          <a:spcPct val="107000"/>
-                        </a:lnSpc>
-                        <a:spcAft>
-                          <a:spcPts val="0"/>
-                        </a:spcAft>
-                      </a:pPr>
-                      <a:r>
-                        <a:rPr lang="fr-FR" sz="1800" dirty="0">
-                          <a:effectLst/>
-                        </a:rPr>
-                        <a:t>863 à 915 Mhz</a:t>
-                      </a:r>
-                      <a:endParaRPr lang="fr-FR" sz="1600" dirty="0">
-                        <a:effectLst/>
-                        <a:latin typeface="Calibri" panose="020F0502020204030204" pitchFamily="34" charset="0"/>
-                        <a:ea typeface="SimSun" panose="02010600030101010101" pitchFamily="2" charset="-122"/>
-                        <a:cs typeface="Times New Roman" panose="02020603050405020304" pitchFamily="18" charset="0"/>
-                      </a:endParaRPr>
-                    </a:p>
-                  </a:txBody>
-                  <a:tcPr marL="9525" marR="9525" marT="9525" marB="9525" anchor="ctr"/>
-                </a:tc>
-                <a:tc>
-                  <a:txBody>
-                    <a:bodyPr/>
-                    <a:lstStyle/>
-                    <a:p>
-                      <a:pPr algn="ctr">
-                        <a:lnSpc>
-                          <a:spcPct val="107000"/>
-                        </a:lnSpc>
-                        <a:spcAft>
-                          <a:spcPts val="0"/>
-                        </a:spcAft>
-                      </a:pPr>
-                      <a:r>
-                        <a:rPr lang="fr-FR" sz="1800">
-                          <a:effectLst/>
-                        </a:rPr>
-                        <a:t>3 à 6</a:t>
-                      </a:r>
-                      <a:endParaRPr lang="fr-FR" sz="1600">
-                        <a:effectLst/>
-                        <a:latin typeface="Calibri" panose="020F0502020204030204" pitchFamily="34" charset="0"/>
-                        <a:ea typeface="SimSun" panose="02010600030101010101" pitchFamily="2" charset="-122"/>
-                        <a:cs typeface="Times New Roman" panose="02020603050405020304" pitchFamily="18" charset="0"/>
-                      </a:endParaRPr>
-                    </a:p>
-                  </a:txBody>
-                  <a:tcPr marL="9525" marR="9525" marT="9525" marB="9525" anchor="ctr"/>
-                </a:tc>
-                <a:tc>
-                  <a:txBody>
-                    <a:bodyPr/>
-                    <a:lstStyle/>
-                    <a:p>
-                      <a:pPr algn="ctr">
-                        <a:lnSpc>
-                          <a:spcPct val="107000"/>
-                        </a:lnSpc>
-                        <a:spcAft>
-                          <a:spcPts val="0"/>
-                        </a:spcAft>
-                      </a:pPr>
-                      <a:r>
-                        <a:rPr lang="fr-FR" sz="1800">
-                          <a:effectLst/>
-                        </a:rPr>
-                        <a:t>28kb/s</a:t>
-                      </a:r>
-                      <a:endParaRPr lang="fr-FR" sz="1600">
-                        <a:effectLst/>
-                        <a:latin typeface="Calibri" panose="020F0502020204030204" pitchFamily="34" charset="0"/>
-                        <a:ea typeface="SimSun" panose="02010600030101010101" pitchFamily="2" charset="-122"/>
-                        <a:cs typeface="Times New Roman" panose="02020603050405020304" pitchFamily="18" charset="0"/>
-                      </a:endParaRPr>
-                    </a:p>
-                  </a:txBody>
-                  <a:tcPr marL="9525" marR="9525" marT="9525" marB="9525" anchor="ctr"/>
-                </a:tc>
-                <a:tc>
-                  <a:txBody>
-                    <a:bodyPr/>
-                    <a:lstStyle/>
-                    <a:p>
-                      <a:pPr algn="ctr">
-                        <a:lnSpc>
-                          <a:spcPct val="107000"/>
-                        </a:lnSpc>
-                        <a:spcAft>
-                          <a:spcPts val="0"/>
-                        </a:spcAft>
-                      </a:pPr>
-                      <a:r>
-                        <a:rPr lang="fr-FR" sz="1800" dirty="0">
-                          <a:effectLst/>
-                        </a:rPr>
-                        <a:t>ISO 18000-6</a:t>
-                      </a:r>
-                      <a:endParaRPr lang="fr-FR" sz="1600" dirty="0">
-                        <a:effectLst/>
-                        <a:latin typeface="Calibri" panose="020F0502020204030204" pitchFamily="34" charset="0"/>
-                        <a:ea typeface="SimSun" panose="02010600030101010101" pitchFamily="2" charset="-122"/>
-                        <a:cs typeface="Times New Roman" panose="02020603050405020304" pitchFamily="18" charset="0"/>
-                      </a:endParaRPr>
-                    </a:p>
-                  </a:txBody>
-                  <a:tcPr marL="9525" marR="9525" marT="9525" marB="9525" anchor="ctr"/>
-                </a:tc>
-                <a:extLst>
-                  <a:ext uri="{0D108BD9-81ED-4DB2-BD59-A6C34878D82A}">
-                    <a16:rowId xmlns:a16="http://schemas.microsoft.com/office/drawing/2014/main" val="2463713348"/>
-                  </a:ext>
-                </a:extLst>
-              </a:tr>
-            </a:tbl>
-          </a:graphicData>
-        </a:graphic>
-      </p:graphicFrame>
-      <p:sp>
-        <p:nvSpPr>
-          <p:cNvPr id="5" name="Rectangle 4"/>
-          <p:cNvSpPr/>
-          <p:nvPr/>
-        </p:nvSpPr>
-        <p:spPr>
-          <a:xfrm>
-            <a:off x="838200" y="2623577"/>
-            <a:ext cx="10515600" cy="369332"/>
-          </a:xfrm>
-          <a:prstGeom prst="rect">
-            <a:avLst/>
-          </a:prstGeom>
-        </p:spPr>
-        <p:txBody>
-          <a:bodyPr wrap="square">
-            <a:spAutoFit/>
-          </a:bodyPr>
-          <a:lstStyle/>
-          <a:p>
-            <a:r>
-              <a:rPr lang="fr-FR" dirty="0">
+            <a:r>
+              <a:rPr lang="fr-FR" sz="1600" dirty="0">
                 <a:latin typeface="Calibri" panose="020F0502020204030204" pitchFamily="34" charset="0"/>
                 <a:ea typeface="SimSun" panose="02010600030101010101" pitchFamily="2" charset="-122"/>
                 <a:cs typeface="Times New Roman" panose="02020603050405020304" pitchFamily="18" charset="0"/>
               </a:rPr>
-              <a:t>Les puces se différencient en grande partie par la fréquence de fonctionnement et la distance de lecture.</a:t>
-            </a:r>
-            <a:endParaRPr lang="fr-FR" dirty="0"/>
-          </a:p>
-        </p:txBody>
-      </p:sp>
-      <p:sp>
-        <p:nvSpPr>
-          <p:cNvPr id="6" name="Rectangle 5"/>
-          <p:cNvSpPr/>
-          <p:nvPr/>
-        </p:nvSpPr>
-        <p:spPr>
-          <a:xfrm>
-            <a:off x="838200" y="6053236"/>
-            <a:ext cx="10515600" cy="388696"/>
-          </a:xfrm>
-          <a:prstGeom prst="rect">
-            <a:avLst/>
-          </a:prstGeom>
-        </p:spPr>
-        <p:txBody>
-          <a:bodyPr wrap="square">
-            <a:spAutoFit/>
-          </a:bodyPr>
-          <a:lstStyle/>
-          <a:p>
-            <a:pPr algn="just">
-              <a:lnSpc>
-                <a:spcPct val="107000"/>
-              </a:lnSpc>
-              <a:spcAft>
-                <a:spcPts val="800"/>
-              </a:spcAft>
+              <a:t>facile d’installer se dossard sur un coureur, </a:t>
+            </a:r>
+          </a:p>
+          <a:p>
+            <a:pPr marL="285750" indent="-285750" algn="just">
+              <a:buFontTx/>
+              <a:buChar char="-"/>
             </a:pPr>
             <a:r>
-              <a:rPr lang="fr-FR" dirty="0">
+              <a:rPr lang="fr-FR" sz="1600" dirty="0">
                 <a:latin typeface="Calibri" panose="020F0502020204030204" pitchFamily="34" charset="0"/>
                 <a:ea typeface="SimSun" panose="02010600030101010101" pitchFamily="2" charset="-122"/>
                 <a:cs typeface="Times New Roman" panose="02020603050405020304" pitchFamily="18" charset="0"/>
               </a:rPr>
-              <a:t>Nous allons utiliser la fréquence de 13.56 Mhz, soit la haute fréquence.</a:t>
-            </a:r>
-          </a:p>
-        </p:txBody>
-      </p:sp>
+              <a:t>la fréquence du dossard est de 13.56 Mhz soit une haute fréquence qui permet d’avoir une distance de lecture de 1 m,</a:t>
+            </a:r>
+          </a:p>
+          <a:p>
+            <a:pPr marL="285750" indent="-285750" algn="just">
+              <a:buFontTx/>
+              <a:buChar char="-"/>
+            </a:pPr>
+            <a:r>
+              <a:rPr lang="fr-FR" sz="1600" dirty="0">
+                <a:latin typeface="Calibri" panose="020F0502020204030204" pitchFamily="34" charset="0"/>
+                <a:ea typeface="SimSun" panose="02010600030101010101" pitchFamily="2" charset="-122"/>
+                <a:cs typeface="Times New Roman" panose="02020603050405020304" pitchFamily="18" charset="0"/>
+              </a:rPr>
+              <a:t>taux de transfert de 25kb/ s,</a:t>
+            </a:r>
+          </a:p>
+          <a:p>
+            <a:pPr marL="285750" indent="-285750" algn="just">
+              <a:buFontTx/>
+              <a:buChar char="-"/>
+            </a:pPr>
+            <a:r>
+              <a:rPr lang="fr-FR" sz="1600" dirty="0">
+                <a:latin typeface="Calibri" panose="020F0502020204030204" pitchFamily="34" charset="0"/>
+                <a:ea typeface="SimSun" panose="02010600030101010101" pitchFamily="2" charset="-122"/>
+                <a:cs typeface="Times New Roman" panose="02020603050405020304" pitchFamily="18" charset="0"/>
+              </a:rPr>
+              <a:t>de plus ce dossard utilise la technologie du RFID passive qui est beaucoup moins couteux et qui correspond à nos attentes.</a:t>
+            </a:r>
+            <a:endParaRPr lang="fr-FR" sz="1600" dirty="0"/>
+          </a:p>
+          <a:p>
+            <a:pPr marL="0" indent="0">
+              <a:buNone/>
+            </a:pPr>
+            <a:endParaRPr lang="fr-FR" sz="1800" u="sng" dirty="0"/>
+          </a:p>
+        </p:txBody>
+      </p:sp>
+      <p:pic>
+        <p:nvPicPr>
+          <p:cNvPr id="4" name="Image 3" descr="Résultat de recherche d'images pour &quot;DAG system rfid&quot;"/>
+          <p:cNvPicPr/>
+          <p:nvPr/>
+        </p:nvPicPr>
+        <p:blipFill rotWithShape="1">
+          <a:blip r:embed="rId2" cstate="print">
+            <a:extLst>
+              <a:ext uri="{28A0092B-C50C-407E-A947-70E740481C1C}">
+                <a14:useLocalDpi xmlns:a14="http://schemas.microsoft.com/office/drawing/2010/main" val="0"/>
+              </a:ext>
+            </a:extLst>
+          </a:blip>
+          <a:srcRect l="11632" t="7605" r="20232" b="13640"/>
+          <a:stretch/>
+        </p:blipFill>
+        <p:spPr bwMode="auto">
+          <a:xfrm>
+            <a:off x="6849978" y="4186989"/>
+            <a:ext cx="3466331" cy="2390664"/>
+          </a:xfrm>
+          <a:prstGeom prst="rect">
+            <a:avLst/>
+          </a:prstGeom>
+          <a:noFill/>
+          <a:ln>
+            <a:noFill/>
+          </a:ln>
+          <a:extLst>
+            <a:ext uri="{53640926-AAD7-44D8-BBD7-CCE9431645EC}">
+              <a14:shadowObscured xmlns:a14="http://schemas.microsoft.com/office/drawing/2010/main"/>
+            </a:ext>
+          </a:extLst>
+        </p:spPr>
+      </p:pic>
     </p:spTree>
     <p:extLst>
       <p:ext uri="{BB962C8B-B14F-4D97-AF65-F5344CB8AC3E}">
-        <p14:creationId xmlns:p14="http://schemas.microsoft.com/office/powerpoint/2010/main" val="2437725789"/>
+        <p14:creationId xmlns:p14="http://schemas.microsoft.com/office/powerpoint/2010/main" val="4149026334"/>
       </p:ext>
     </p:extLst>
   </p:cSld>
@@ -5444,9 +5431,9 @@
     <p:bg>
       <p:bgPr>
         <a:solidFill>
-          <a:schemeClr val="accent1">
-            <a:lumMod val="20000"/>
-            <a:lumOff val="80000"/>
+          <a:schemeClr val="accent2">
+            <a:lumMod val="40000"/>
+            <a:lumOff val="60000"/>
           </a:schemeClr>
         </a:solidFill>
         <a:effectLst/>
@@ -5478,213 +5465,186 @@
         </p:nvSpPr>
         <p:spPr>
           <a:xfrm>
-            <a:off x="838200" y="0"/>
-            <a:ext cx="10515600" cy="1995854"/>
+            <a:off x="334108" y="218708"/>
+            <a:ext cx="10515600" cy="1325563"/>
+          </a:xfrm>
+        </p:spPr>
+        <p:txBody>
+          <a:bodyPr/>
+          <a:lstStyle/>
+          <a:p>
+            <a:r>
+              <a:rPr lang="fr-FR" dirty="0">
+                <a:solidFill>
+                  <a:srgbClr val="FF0000"/>
+                </a:solidFill>
+              </a:rPr>
+              <a:t>Etudiant 2 : Jouen Matthias</a:t>
+            </a:r>
+          </a:p>
+        </p:txBody>
+      </p:sp>
+      <p:sp>
+        <p:nvSpPr>
+          <p:cNvPr id="3" name="Espace réservé du contenu 2"/>
+          <p:cNvSpPr>
+            <a:spLocks noGrp="1"/>
+          </p:cNvSpPr>
+          <p:nvPr>
+            <p:ph idx="1"/>
+          </p:nvPr>
+        </p:nvSpPr>
+        <p:spPr>
+          <a:xfrm>
+            <a:off x="334108" y="1544271"/>
+            <a:ext cx="11019692" cy="5129090"/>
           </a:xfrm>
         </p:spPr>
         <p:txBody>
           <a:bodyPr>
-            <a:normAutofit/>
+            <a:normAutofit fontScale="92500" lnSpcReduction="20000"/>
           </a:bodyPr>
           <a:lstStyle/>
           <a:p>
+            <a:r>
+              <a:rPr lang="fr-FR" dirty="0"/>
+              <a:t>I) Analyse complète du système</a:t>
+            </a:r>
+          </a:p>
+          <a:p>
             <a:pPr lvl="1"/>
             <a:r>
-              <a:rPr lang="fr-FR" sz="2800" b="1" dirty="0" smtClean="0">
-                <a:latin typeface="+mj-lt"/>
-              </a:rPr>
-              <a:t>2</a:t>
-            </a:r>
-            <a:r>
-              <a:rPr lang="fr-FR" sz="2800" b="1" dirty="0">
-                <a:latin typeface="+mj-lt"/>
-              </a:rPr>
-              <a:t>) </a:t>
-            </a:r>
-            <a:r>
-              <a:rPr lang="fr-FR" sz="2800" b="1" dirty="0" smtClean="0">
-                <a:latin typeface="+mj-lt"/>
-              </a:rPr>
-              <a:t>Utilisation </a:t>
-            </a:r>
-            <a:r>
-              <a:rPr lang="fr-FR" sz="2800" b="1" dirty="0">
-                <a:latin typeface="+mj-lt"/>
-              </a:rPr>
-              <a:t>et choix du </a:t>
-            </a:r>
-            <a:r>
-              <a:rPr lang="fr-FR" sz="2800" b="1" dirty="0" smtClean="0">
-                <a:latin typeface="+mj-lt"/>
-              </a:rPr>
-              <a:t>RFID</a:t>
+              <a:rPr lang="fr-FR" dirty="0"/>
+              <a:t>1) Diagramme de cas d’utilisation</a:t>
+            </a:r>
+          </a:p>
+          <a:p>
+            <a:pPr lvl="1"/>
+            <a:r>
+              <a:rPr lang="fr-FR" dirty="0"/>
+              <a:t>2) Diagrammes de séquence</a:t>
+            </a:r>
+          </a:p>
+          <a:p>
+            <a:pPr lvl="2"/>
+            <a:r>
+              <a:rPr lang="fr-FR" dirty="0"/>
+              <a:t>a) </a:t>
+            </a:r>
+            <a:r>
+              <a:rPr lang="fr-FR" dirty="0" smtClean="0"/>
+              <a:t>Sélection d’une </a:t>
+            </a:r>
+            <a:r>
+              <a:rPr lang="fr-FR" dirty="0"/>
+              <a:t>course</a:t>
+            </a:r>
+          </a:p>
+          <a:p>
+            <a:pPr lvl="2"/>
+            <a:r>
+              <a:rPr lang="fr-FR" dirty="0"/>
+              <a:t>b) </a:t>
+            </a:r>
+            <a:r>
+              <a:rPr lang="fr-FR" dirty="0" smtClean="0"/>
+              <a:t>Démarrage d’une course</a:t>
+            </a:r>
+          </a:p>
+          <a:p>
+            <a:pPr lvl="2"/>
+            <a:r>
+              <a:rPr lang="fr-FR" dirty="0" smtClean="0"/>
+              <a:t>c) Démarrage du chrono</a:t>
+            </a:r>
+          </a:p>
+          <a:p>
+            <a:pPr lvl="2"/>
+            <a:r>
+              <a:rPr lang="fr-FR" dirty="0" smtClean="0"/>
+              <a:t>d) Détection d’un coureur</a:t>
+            </a:r>
+          </a:p>
+          <a:p>
+            <a:pPr lvl="2"/>
+            <a:r>
+              <a:rPr lang="fr-FR" dirty="0" smtClean="0"/>
+              <a:t>e) Afficheur LED</a:t>
+            </a:r>
+          </a:p>
+          <a:p>
+            <a:pPr lvl="2"/>
+            <a:r>
+              <a:rPr lang="fr-FR" dirty="0" smtClean="0"/>
+              <a:t>f) Fin d’une course</a:t>
             </a:r>
             <a:endParaRPr lang="fr-FR" dirty="0"/>
           </a:p>
-        </p:txBody>
-      </p:sp>
-      <p:sp>
-        <p:nvSpPr>
-          <p:cNvPr id="3" name="Espace réservé du contenu 2"/>
-          <p:cNvSpPr>
-            <a:spLocks noGrp="1"/>
-          </p:cNvSpPr>
-          <p:nvPr>
-            <p:ph idx="1"/>
-          </p:nvPr>
-        </p:nvSpPr>
-        <p:spPr>
-          <a:xfrm>
-            <a:off x="838200" y="1824036"/>
-            <a:ext cx="10515600" cy="4304202"/>
-          </a:xfrm>
-        </p:spPr>
-        <p:txBody>
-          <a:bodyPr>
-            <a:normAutofit/>
-          </a:bodyPr>
-          <a:lstStyle/>
-          <a:p>
-            <a:pPr marL="0" indent="0">
-              <a:buNone/>
-            </a:pPr>
-            <a:r>
-              <a:rPr lang="fr-FR" sz="2400" dirty="0"/>
-              <a:t>c) Les capacités de la puce </a:t>
-            </a:r>
-            <a:r>
-              <a:rPr lang="fr-FR" sz="2400" dirty="0" smtClean="0"/>
-              <a:t>RFID</a:t>
-            </a:r>
-          </a:p>
-          <a:p>
-            <a:pPr marL="0" indent="0">
-              <a:buNone/>
-            </a:pPr>
-            <a:endParaRPr lang="fr-FR" sz="2400" dirty="0"/>
-          </a:p>
-          <a:p>
-            <a:pPr marL="0" indent="0">
-              <a:buNone/>
-            </a:pPr>
-            <a:endParaRPr lang="fr-FR" sz="2400" dirty="0" smtClean="0"/>
-          </a:p>
-          <a:p>
-            <a:pPr marL="0" indent="0">
-              <a:buNone/>
-            </a:pPr>
-            <a:endParaRPr lang="fr-FR" sz="2400" dirty="0"/>
-          </a:p>
-          <a:p>
-            <a:pPr marL="0" indent="0">
-              <a:buNone/>
-            </a:pPr>
-            <a:endParaRPr lang="fr-FR" sz="2400" dirty="0" smtClean="0"/>
-          </a:p>
-          <a:p>
-            <a:pPr marL="0" indent="0">
-              <a:buNone/>
-            </a:pPr>
-            <a:endParaRPr lang="fr-FR" sz="2400" dirty="0"/>
-          </a:p>
-          <a:p>
-            <a:pPr marL="0" indent="0">
-              <a:buNone/>
-            </a:pPr>
-            <a:endParaRPr lang="fr-FR" sz="2400" dirty="0" smtClean="0"/>
-          </a:p>
-        </p:txBody>
-      </p:sp>
-      <p:sp>
-        <p:nvSpPr>
-          <p:cNvPr id="4" name="Rectangle 3"/>
-          <p:cNvSpPr/>
-          <p:nvPr/>
-        </p:nvSpPr>
-        <p:spPr>
-          <a:xfrm>
-            <a:off x="838200" y="2551612"/>
-            <a:ext cx="10515600" cy="3261149"/>
-          </a:xfrm>
-          <a:prstGeom prst="rect">
-            <a:avLst/>
-          </a:prstGeom>
-        </p:spPr>
-        <p:txBody>
-          <a:bodyPr wrap="square">
-            <a:spAutoFit/>
-          </a:bodyPr>
-          <a:lstStyle/>
-          <a:p>
-            <a:pPr marL="342900" lvl="0" indent="-342900" algn="just">
-              <a:lnSpc>
-                <a:spcPct val="107000"/>
-              </a:lnSpc>
-              <a:spcAft>
-                <a:spcPts val="800"/>
-              </a:spcAft>
-              <a:buFont typeface="Century Gothic" panose="020B0502020202020204" pitchFamily="34" charset="0"/>
-              <a:buChar char="-"/>
-            </a:pPr>
-            <a:r>
-              <a:rPr lang="fr-FR" dirty="0">
-                <a:latin typeface="Calibri" panose="020F0502020204030204" pitchFamily="34" charset="0"/>
-                <a:ea typeface="SimSun" panose="02010600030101010101" pitchFamily="2" charset="-122"/>
-                <a:cs typeface="Times New Roman" panose="02020603050405020304" pitchFamily="18" charset="0"/>
-              </a:rPr>
-              <a:t>La RFID passive : fonctionne en lecture seule puisque la puce ne possède pas de batterie et doit être déplacé vers le lecteur pour être lu. Un puissant signal électromagnétique lui est alors envoyé, ce qui permet d’activer la puce RFID et de lire les informations qu’elle contient. Avantages : moins couteuse, vie presque illimitée. Inconvénients : courte distance</a:t>
-            </a:r>
-            <a:r>
-              <a:rPr lang="fr-FR" dirty="0" smtClean="0">
-                <a:latin typeface="Calibri" panose="020F0502020204030204" pitchFamily="34" charset="0"/>
-                <a:ea typeface="SimSun" panose="02010600030101010101" pitchFamily="2" charset="-122"/>
-                <a:cs typeface="Times New Roman" panose="02020603050405020304" pitchFamily="18" charset="0"/>
-              </a:rPr>
-              <a:t>.</a:t>
-            </a:r>
-          </a:p>
-          <a:p>
-            <a:pPr lvl="0" algn="just">
-              <a:lnSpc>
-                <a:spcPct val="107000"/>
-              </a:lnSpc>
-              <a:spcAft>
-                <a:spcPts val="800"/>
-              </a:spcAft>
-            </a:pPr>
-            <a:endParaRPr lang="fr-FR" dirty="0" smtClean="0">
-              <a:latin typeface="Calibri" panose="020F0502020204030204" pitchFamily="34" charset="0"/>
-              <a:ea typeface="SimSun" panose="02010600030101010101" pitchFamily="2" charset="-122"/>
-              <a:cs typeface="Times New Roman" panose="02020603050405020304" pitchFamily="18" charset="0"/>
-            </a:endParaRPr>
-          </a:p>
-          <a:p>
-            <a:pPr marL="342900" indent="-342900" algn="just">
-              <a:lnSpc>
-                <a:spcPct val="107000"/>
-              </a:lnSpc>
-              <a:spcAft>
-                <a:spcPts val="800"/>
-              </a:spcAft>
-              <a:buFont typeface="Century Gothic" panose="020B0502020202020204" pitchFamily="34" charset="0"/>
-              <a:buChar char="-"/>
-            </a:pPr>
+          <a:p>
+            <a:pPr lvl="1"/>
             <a:r>
               <a:rPr lang="fr-FR" dirty="0"/>
-              <a:t>La RFID active : fonctionne avec une source d’énergie telle qu’une petite pile ou une batterie, ce qui permet de lire la carte à plus longue distance. Avantages : ils ont leur propre énergie qui permet d’émettre un signal de manière autonome, longue distance, peuvent communiquer les données sans qu’un lecteur RFID se situe à proximité du tag. Inconvénients : le cout, durée de fonctionnement limité des étiquettes et impact sur la santé très controversé</a:t>
-            </a:r>
-            <a:r>
-              <a:rPr lang="fr-FR" dirty="0" smtClean="0"/>
-              <a:t>.</a:t>
+              <a:t>3) Scénario</a:t>
+            </a:r>
+          </a:p>
+          <a:p>
+            <a:r>
+              <a:rPr lang="fr-FR" dirty="0"/>
+              <a:t>II) Etude Physique lecteur RFID pour les courses</a:t>
+            </a:r>
+          </a:p>
+          <a:p>
+            <a:pPr lvl="1"/>
+            <a:r>
+              <a:rPr lang="fr-FR" dirty="0"/>
+              <a:t>1) Matériel</a:t>
+            </a:r>
+          </a:p>
+          <a:p>
+            <a:pPr lvl="2"/>
+            <a:r>
+              <a:rPr lang="fr-FR" dirty="0"/>
+              <a:t>a) Antenne</a:t>
+            </a:r>
+          </a:p>
+          <a:p>
+            <a:pPr lvl="2"/>
+            <a:r>
+              <a:rPr lang="fr-FR" dirty="0"/>
+              <a:t>b) Dossards </a:t>
+            </a:r>
+            <a:r>
+              <a:rPr lang="fr-FR" dirty="0" err="1"/>
+              <a:t>DAGs</a:t>
             </a:r>
             <a:endParaRPr lang="fr-FR" dirty="0"/>
+          </a:p>
+          <a:p>
+            <a:pPr lvl="1"/>
+            <a:r>
+              <a:rPr lang="fr-FR" dirty="0"/>
+              <a:t>2) Boite noire</a:t>
+            </a:r>
+          </a:p>
+          <a:p>
+            <a:pPr lvl="2"/>
+            <a:r>
+              <a:rPr lang="fr-FR" dirty="0"/>
+              <a:t>a) Principe de fonctionnement</a:t>
+            </a:r>
+          </a:p>
+          <a:p>
+            <a:r>
+              <a:rPr lang="fr-FR" dirty="0"/>
+              <a:t>III) Module de test</a:t>
+            </a:r>
           </a:p>
         </p:txBody>
       </p:sp>
     </p:spTree>
     <p:extLst>
       <p:ext uri="{BB962C8B-B14F-4D97-AF65-F5344CB8AC3E}">
-        <p14:creationId xmlns:p14="http://schemas.microsoft.com/office/powerpoint/2010/main" val="572237306"/>
+        <p14:creationId xmlns:p14="http://schemas.microsoft.com/office/powerpoint/2010/main" val="2171075976"/>
       </p:ext>
     </p:extLst>
   </p:cSld>
@@ -5807,9 +5767,9 @@
     <p:bg>
       <p:bgPr>
         <a:solidFill>
-          <a:schemeClr val="accent1">
-            <a:lumMod val="20000"/>
-            <a:lumOff val="80000"/>
+          <a:schemeClr val="accent2">
+            <a:lumMod val="40000"/>
+            <a:lumOff val="60000"/>
           </a:schemeClr>
         </a:solidFill>
         <a:effectLst/>
@@ -5839,246 +5799,75 @@
             <p:ph type="title"/>
           </p:nvPr>
         </p:nvSpPr>
-        <p:spPr/>
+        <p:spPr>
+          <a:xfrm>
+            <a:off x="838199" y="0"/>
+            <a:ext cx="10515600" cy="1325563"/>
+          </a:xfrm>
+        </p:spPr>
         <p:txBody>
           <a:bodyPr>
-            <a:normAutofit/>
+            <a:noAutofit/>
           </a:bodyPr>
           <a:lstStyle/>
           <a:p>
-            <a:r>
-              <a:rPr lang="fr-FR" sz="2800" b="1" dirty="0"/>
-              <a:t>2) Utilisation et choix du RFID</a:t>
-            </a:r>
-            <a:endParaRPr lang="fr-FR" sz="2800" dirty="0"/>
-          </a:p>
-        </p:txBody>
-      </p:sp>
-      <p:sp>
-        <p:nvSpPr>
-          <p:cNvPr id="3" name="Espace réservé du contenu 2"/>
-          <p:cNvSpPr>
-            <a:spLocks noGrp="1"/>
-          </p:cNvSpPr>
-          <p:nvPr>
-            <p:ph idx="1"/>
-          </p:nvPr>
-        </p:nvSpPr>
-        <p:spPr/>
-        <p:txBody>
-          <a:bodyPr>
-            <a:normAutofit/>
-          </a:bodyPr>
-          <a:lstStyle/>
-          <a:p>
-            <a:pPr marL="0" indent="0">
-              <a:buNone/>
-            </a:pPr>
-            <a:r>
-              <a:rPr lang="fr-FR" sz="2400" dirty="0"/>
-              <a:t>d</a:t>
-            </a:r>
-            <a:r>
-              <a:rPr lang="fr-FR" sz="2400" dirty="0" smtClean="0"/>
-              <a:t>) Choix du RFID </a:t>
-            </a:r>
-            <a:endParaRPr lang="fr-FR" sz="2400" dirty="0"/>
+            <a:pPr algn="ctr"/>
+            <a:r>
+              <a:rPr lang="fr-FR" sz="3600" dirty="0"/>
+              <a:t>I) Analyse complète du système</a:t>
+            </a:r>
+            <a:r>
+              <a:rPr lang="fr-FR" dirty="0"/>
+              <a:t/>
+            </a:r>
+            <a:br>
+              <a:rPr lang="fr-FR" dirty="0"/>
+            </a:br>
+            <a:r>
+              <a:rPr lang="fr-FR" sz="4000" dirty="0"/>
+              <a:t>	</a:t>
+            </a:r>
+            <a:r>
+              <a:rPr lang="fr-FR" sz="2800" dirty="0"/>
+              <a:t>1) Diagramme de cas d’utilisation</a:t>
+            </a:r>
+            <a:endParaRPr lang="fr-FR" sz="3200" dirty="0"/>
           </a:p>
         </p:txBody>
       </p:sp>
       <p:pic>
         <p:nvPicPr>
-          <p:cNvPr id="4" name="Image 3" descr="Résultat de recherche d'images pour &quot;DAG system rfid&quot;"/>
-          <p:cNvPicPr/>
+          <p:cNvPr id="3" name="Image 2"/>
+          <p:cNvPicPr>
+            <a:picLocks noChangeAspect="1"/>
+          </p:cNvPicPr>
           <p:nvPr/>
         </p:nvPicPr>
         <p:blipFill rotWithShape="1">
-          <a:blip r:embed="rId2" cstate="print">
+          <a:blip r:embed="rId2">
             <a:extLst>
               <a:ext uri="{28A0092B-C50C-407E-A947-70E740481C1C}">
                 <a14:useLocalDpi xmlns:a14="http://schemas.microsoft.com/office/drawing/2010/main" val="0"/>
               </a:ext>
             </a:extLst>
           </a:blip>
-          <a:srcRect l="11632" t="7605" r="20232" b="13640"/>
+          <a:srcRect t="7174" b="2027"/>
           <a:stretch/>
         </p:blipFill>
-        <p:spPr bwMode="auto">
-          <a:xfrm>
-            <a:off x="6849978" y="4186989"/>
-            <a:ext cx="3466331" cy="2390664"/>
+        <p:spPr>
+          <a:xfrm>
+            <a:off x="905127" y="1139748"/>
+            <a:ext cx="10381743" cy="5644361"/>
           </a:xfrm>
           <a:prstGeom prst="rect">
             <a:avLst/>
           </a:prstGeom>
-          <a:noFill/>
-          <a:ln>
-            <a:noFill/>
-          </a:ln>
-          <a:extLst>
-            <a:ext uri="{53640926-AAD7-44D8-BBD7-CCE9431645EC}">
-              <a14:shadowObscured xmlns:a14="http://schemas.microsoft.com/office/drawing/2010/main"/>
-            </a:ext>
-          </a:extLst>
         </p:spPr>
       </p:pic>
-      <p:sp>
-        <p:nvSpPr>
-          <p:cNvPr id="5" name="Rectangle 4"/>
-          <p:cNvSpPr/>
-          <p:nvPr/>
-        </p:nvSpPr>
-        <p:spPr>
-          <a:xfrm>
-            <a:off x="838200" y="2591206"/>
-            <a:ext cx="10515600" cy="1754326"/>
-          </a:xfrm>
-          <a:prstGeom prst="rect">
-            <a:avLst/>
-          </a:prstGeom>
-        </p:spPr>
-        <p:txBody>
-          <a:bodyPr wrap="square">
-            <a:spAutoFit/>
-          </a:bodyPr>
-          <a:lstStyle/>
-          <a:p>
-            <a:pPr marL="285750" indent="-285750" algn="just">
-              <a:buFontTx/>
-              <a:buChar char="-"/>
-            </a:pPr>
-            <a:r>
-              <a:rPr lang="fr-FR" dirty="0" smtClean="0">
-                <a:latin typeface="Calibri" panose="020F0502020204030204" pitchFamily="34" charset="0"/>
-                <a:ea typeface="SimSun" panose="02010600030101010101" pitchFamily="2" charset="-122"/>
-                <a:cs typeface="Times New Roman" panose="02020603050405020304" pitchFamily="18" charset="0"/>
-              </a:rPr>
-              <a:t>facile </a:t>
-            </a:r>
-            <a:r>
-              <a:rPr lang="fr-FR" dirty="0">
-                <a:latin typeface="Calibri" panose="020F0502020204030204" pitchFamily="34" charset="0"/>
-                <a:ea typeface="SimSun" panose="02010600030101010101" pitchFamily="2" charset="-122"/>
-                <a:cs typeface="Times New Roman" panose="02020603050405020304" pitchFamily="18" charset="0"/>
-              </a:rPr>
-              <a:t>d’installer se dossard sur un coureur, </a:t>
-            </a:r>
-            <a:endParaRPr lang="fr-FR" dirty="0" smtClean="0">
-              <a:latin typeface="Calibri" panose="020F0502020204030204" pitchFamily="34" charset="0"/>
-              <a:ea typeface="SimSun" panose="02010600030101010101" pitchFamily="2" charset="-122"/>
-              <a:cs typeface="Times New Roman" panose="02020603050405020304" pitchFamily="18" charset="0"/>
-            </a:endParaRPr>
-          </a:p>
-          <a:p>
-            <a:pPr marL="285750" indent="-285750" algn="just">
-              <a:buFontTx/>
-              <a:buChar char="-"/>
-            </a:pPr>
-            <a:r>
-              <a:rPr lang="fr-FR" dirty="0" smtClean="0">
-                <a:latin typeface="Calibri" panose="020F0502020204030204" pitchFamily="34" charset="0"/>
-                <a:ea typeface="SimSun" panose="02010600030101010101" pitchFamily="2" charset="-122"/>
-                <a:cs typeface="Times New Roman" panose="02020603050405020304" pitchFamily="18" charset="0"/>
-              </a:rPr>
-              <a:t>la </a:t>
-            </a:r>
-            <a:r>
-              <a:rPr lang="fr-FR" dirty="0">
-                <a:latin typeface="Calibri" panose="020F0502020204030204" pitchFamily="34" charset="0"/>
-                <a:ea typeface="SimSun" panose="02010600030101010101" pitchFamily="2" charset="-122"/>
-                <a:cs typeface="Times New Roman" panose="02020603050405020304" pitchFamily="18" charset="0"/>
-              </a:rPr>
-              <a:t>fréquence du dossard est de 13.56 Mhz soit une haute fréquence qui permet d’avoir une distance de lecture de 1 </a:t>
-            </a:r>
-            <a:r>
-              <a:rPr lang="fr-FR" dirty="0" smtClean="0">
-                <a:latin typeface="Calibri" panose="020F0502020204030204" pitchFamily="34" charset="0"/>
-                <a:ea typeface="SimSun" panose="02010600030101010101" pitchFamily="2" charset="-122"/>
-                <a:cs typeface="Times New Roman" panose="02020603050405020304" pitchFamily="18" charset="0"/>
-              </a:rPr>
-              <a:t>m,</a:t>
-            </a:r>
-          </a:p>
-          <a:p>
-            <a:pPr marL="285750" indent="-285750" algn="just">
-              <a:buFontTx/>
-              <a:buChar char="-"/>
-            </a:pPr>
-            <a:r>
-              <a:rPr lang="fr-FR" dirty="0" smtClean="0">
-                <a:latin typeface="Calibri" panose="020F0502020204030204" pitchFamily="34" charset="0"/>
-                <a:ea typeface="SimSun" panose="02010600030101010101" pitchFamily="2" charset="-122"/>
-                <a:cs typeface="Times New Roman" panose="02020603050405020304" pitchFamily="18" charset="0"/>
-              </a:rPr>
-              <a:t>taux </a:t>
-            </a:r>
-            <a:r>
-              <a:rPr lang="fr-FR" dirty="0">
-                <a:latin typeface="Calibri" panose="020F0502020204030204" pitchFamily="34" charset="0"/>
-                <a:ea typeface="SimSun" panose="02010600030101010101" pitchFamily="2" charset="-122"/>
-                <a:cs typeface="Times New Roman" panose="02020603050405020304" pitchFamily="18" charset="0"/>
-              </a:rPr>
-              <a:t>de transfert de 25kb/ </a:t>
-            </a:r>
-            <a:r>
-              <a:rPr lang="fr-FR" dirty="0" smtClean="0">
-                <a:latin typeface="Calibri" panose="020F0502020204030204" pitchFamily="34" charset="0"/>
-                <a:ea typeface="SimSun" panose="02010600030101010101" pitchFamily="2" charset="-122"/>
-                <a:cs typeface="Times New Roman" panose="02020603050405020304" pitchFamily="18" charset="0"/>
-              </a:rPr>
-              <a:t>s</a:t>
-            </a:r>
-            <a:r>
-              <a:rPr lang="fr-FR" dirty="0">
-                <a:latin typeface="Calibri" panose="020F0502020204030204" pitchFamily="34" charset="0"/>
-                <a:ea typeface="SimSun" panose="02010600030101010101" pitchFamily="2" charset="-122"/>
-                <a:cs typeface="Times New Roman" panose="02020603050405020304" pitchFamily="18" charset="0"/>
-              </a:rPr>
-              <a:t>,</a:t>
-            </a:r>
-            <a:endParaRPr lang="fr-FR" dirty="0" smtClean="0">
-              <a:latin typeface="Calibri" panose="020F0502020204030204" pitchFamily="34" charset="0"/>
-              <a:ea typeface="SimSun" panose="02010600030101010101" pitchFamily="2" charset="-122"/>
-              <a:cs typeface="Times New Roman" panose="02020603050405020304" pitchFamily="18" charset="0"/>
-            </a:endParaRPr>
-          </a:p>
-          <a:p>
-            <a:pPr marL="285750" indent="-285750" algn="just">
-              <a:buFontTx/>
-              <a:buChar char="-"/>
-            </a:pPr>
-            <a:r>
-              <a:rPr lang="fr-FR" dirty="0">
-                <a:latin typeface="Calibri" panose="020F0502020204030204" pitchFamily="34" charset="0"/>
-                <a:ea typeface="SimSun" panose="02010600030101010101" pitchFamily="2" charset="-122"/>
-                <a:cs typeface="Times New Roman" panose="02020603050405020304" pitchFamily="18" charset="0"/>
-              </a:rPr>
-              <a:t>d</a:t>
-            </a:r>
-            <a:r>
-              <a:rPr lang="fr-FR" dirty="0" smtClean="0">
-                <a:latin typeface="Calibri" panose="020F0502020204030204" pitchFamily="34" charset="0"/>
-                <a:ea typeface="SimSun" panose="02010600030101010101" pitchFamily="2" charset="-122"/>
-                <a:cs typeface="Times New Roman" panose="02020603050405020304" pitchFamily="18" charset="0"/>
-              </a:rPr>
-              <a:t>e </a:t>
-            </a:r>
-            <a:r>
-              <a:rPr lang="fr-FR" dirty="0">
-                <a:latin typeface="Calibri" panose="020F0502020204030204" pitchFamily="34" charset="0"/>
-                <a:ea typeface="SimSun" panose="02010600030101010101" pitchFamily="2" charset="-122"/>
-                <a:cs typeface="Times New Roman" panose="02020603050405020304" pitchFamily="18" charset="0"/>
-              </a:rPr>
-              <a:t>plus ce dossard utilise la technologie du RFID passive qui est beaucoup moins couteux et qui correspond à nos attentes.</a:t>
-            </a:r>
-            <a:endParaRPr lang="fr-FR" dirty="0"/>
-          </a:p>
-        </p:txBody>
-      </p:sp>
     </p:spTree>
     <p:extLst>
       <p:ext uri="{BB962C8B-B14F-4D97-AF65-F5344CB8AC3E}">
-        <p14:creationId xmlns:p14="http://schemas.microsoft.com/office/powerpoint/2010/main" val="4149026334"/>
+        <p14:creationId xmlns:p14="http://schemas.microsoft.com/office/powerpoint/2010/main" val="1247061660"/>
       </p:ext>
     </p:extLst>
   </p:cSld>
@@ -6128,186 +5917,110 @@
         </p:nvSpPr>
         <p:spPr>
           <a:xfrm>
-            <a:off x="334108" y="218708"/>
-            <a:ext cx="10515600" cy="1325563"/>
-          </a:xfrm>
-        </p:spPr>
-        <p:txBody>
-          <a:bodyPr/>
-          <a:lstStyle/>
-          <a:p>
-            <a:r>
-              <a:rPr lang="fr-FR" dirty="0">
-                <a:solidFill>
-                  <a:srgbClr val="FF0000"/>
-                </a:solidFill>
+            <a:off x="759068" y="0"/>
+            <a:ext cx="10515600" cy="1169377"/>
+          </a:xfrm>
+        </p:spPr>
+        <p:txBody>
+          <a:bodyPr>
+            <a:normAutofit fontScale="90000"/>
+          </a:bodyPr>
+          <a:lstStyle/>
+          <a:p>
+            <a:pPr lvl="2" algn="ctr" rtl="0">
+              <a:lnSpc>
+                <a:spcPct val="90000"/>
+              </a:lnSpc>
+              <a:spcBef>
+                <a:spcPct val="0"/>
+              </a:spcBef>
+            </a:pPr>
+            <a:r>
+              <a:rPr lang="fr-FR" sz="3100" dirty="0">
+                <a:latin typeface="+mj-lt"/>
               </a:rPr>
-              <a:t>Etudiant 2 : Jouen Matthias</a:t>
-            </a:r>
-          </a:p>
-        </p:txBody>
-      </p:sp>
-      <p:sp>
-        <p:nvSpPr>
-          <p:cNvPr id="3" name="Espace réservé du contenu 2"/>
-          <p:cNvSpPr>
-            <a:spLocks noGrp="1"/>
-          </p:cNvSpPr>
-          <p:nvPr>
-            <p:ph idx="1"/>
-          </p:nvPr>
-        </p:nvSpPr>
-        <p:spPr>
-          <a:xfrm>
-            <a:off x="334108" y="1544271"/>
-            <a:ext cx="11019692" cy="5129090"/>
-          </a:xfrm>
-        </p:spPr>
-        <p:txBody>
-          <a:bodyPr>
-            <a:normAutofit fontScale="92500" lnSpcReduction="20000"/>
-          </a:bodyPr>
-          <a:lstStyle/>
-          <a:p>
+              <a:t>2) Diagrammes de séquence</a:t>
+            </a:r>
+            <a:r>
+              <a:rPr lang="fr-FR" sz="3200" dirty="0">
+                <a:latin typeface="+mj-lt"/>
+              </a:rPr>
+              <a:t/>
+            </a:r>
+            <a:br>
+              <a:rPr lang="fr-FR" sz="3200" dirty="0">
+                <a:latin typeface="+mj-lt"/>
+              </a:rPr>
+            </a:br>
+            <a:r>
+              <a:rPr lang="fr-FR" sz="3200" dirty="0">
+                <a:latin typeface="+mj-lt"/>
+              </a:rPr>
+              <a:t>	</a:t>
+            </a:r>
+            <a:r>
+              <a:rPr lang="fr-FR" sz="2400" dirty="0">
+                <a:latin typeface="+mj-lt"/>
+              </a:rPr>
+              <a:t>a) </a:t>
+            </a:r>
+            <a:r>
+              <a:rPr lang="fr-FR" sz="2400" dirty="0" smtClean="0">
+                <a:latin typeface="+mj-lt"/>
+              </a:rPr>
+              <a:t>Sélection d’une </a:t>
+            </a:r>
+            <a:r>
+              <a:rPr lang="fr-FR" sz="2400" dirty="0">
+                <a:latin typeface="+mj-lt"/>
+              </a:rPr>
+              <a:t>course</a:t>
+            </a:r>
             <a:r>
               <a:rPr lang="fr-FR" dirty="0"/>
-              <a:t>I) Analyse complète du système</a:t>
-            </a:r>
-          </a:p>
-          <a:p>
-            <a:pPr lvl="1"/>
-            <a:r>
+              <a:t/>
+            </a:r>
+            <a:br>
               <a:rPr lang="fr-FR" dirty="0"/>
-              <a:t>1) Diagramme de cas d’utilisation</a:t>
-            </a:r>
-          </a:p>
-          <a:p>
-            <a:pPr lvl="1"/>
-            <a:r>
-              <a:rPr lang="fr-FR" dirty="0"/>
-              <a:t>2) Diagrammes de séquence</a:t>
-            </a:r>
-          </a:p>
-          <a:p>
-            <a:pPr lvl="2"/>
-            <a:r>
-              <a:rPr lang="fr-FR" dirty="0"/>
-              <a:t>a) </a:t>
-            </a:r>
-            <a:r>
-              <a:rPr lang="fr-FR" dirty="0" smtClean="0"/>
-              <a:t>Sélection d’une </a:t>
-            </a:r>
-            <a:r>
-              <a:rPr lang="fr-FR" dirty="0"/>
-              <a:t>course</a:t>
-            </a:r>
-          </a:p>
-          <a:p>
-            <a:pPr lvl="2"/>
-            <a:r>
-              <a:rPr lang="fr-FR" dirty="0"/>
-              <a:t>b) </a:t>
-            </a:r>
-            <a:r>
-              <a:rPr lang="fr-FR" dirty="0" smtClean="0"/>
-              <a:t>Démarrage d’une course</a:t>
-            </a:r>
-          </a:p>
-          <a:p>
-            <a:pPr lvl="2"/>
-            <a:r>
-              <a:rPr lang="fr-FR" dirty="0" smtClean="0"/>
-              <a:t>c) Démarrage du chrono</a:t>
-            </a:r>
-          </a:p>
-          <a:p>
-            <a:pPr lvl="2"/>
-            <a:r>
-              <a:rPr lang="fr-FR" dirty="0" smtClean="0"/>
-              <a:t>d) Détection d’un coureur</a:t>
-            </a:r>
-          </a:p>
-          <a:p>
-            <a:pPr lvl="2"/>
-            <a:r>
-              <a:rPr lang="fr-FR" dirty="0" smtClean="0"/>
-              <a:t>e) Afficheur LED</a:t>
-            </a:r>
-          </a:p>
-          <a:p>
-            <a:pPr lvl="2"/>
-            <a:r>
-              <a:rPr lang="fr-FR" dirty="0" smtClean="0"/>
-              <a:t>f) Fin d’une course</a:t>
-            </a:r>
-            <a:endParaRPr lang="fr-FR" dirty="0"/>
-          </a:p>
-          <a:p>
-            <a:pPr lvl="1"/>
-            <a:r>
-              <a:rPr lang="fr-FR" dirty="0"/>
-              <a:t>3) Scénario</a:t>
-            </a:r>
-          </a:p>
-          <a:p>
-            <a:r>
-              <a:rPr lang="fr-FR" dirty="0"/>
-              <a:t>II) Etude Physique lecteur RFID pour les courses</a:t>
-            </a:r>
-          </a:p>
-          <a:p>
-            <a:pPr lvl="1"/>
-            <a:r>
-              <a:rPr lang="fr-FR" dirty="0"/>
-              <a:t>1) Matériel</a:t>
-            </a:r>
-          </a:p>
-          <a:p>
-            <a:pPr lvl="2"/>
-            <a:r>
-              <a:rPr lang="fr-FR" dirty="0"/>
-              <a:t>a) Antenne</a:t>
-            </a:r>
-          </a:p>
-          <a:p>
-            <a:pPr lvl="2"/>
-            <a:r>
-              <a:rPr lang="fr-FR" dirty="0"/>
-              <a:t>b) Dossards </a:t>
-            </a:r>
-            <a:r>
-              <a:rPr lang="fr-FR" dirty="0" err="1"/>
-              <a:t>DAGs</a:t>
-            </a:r>
-            <a:endParaRPr lang="fr-FR" dirty="0"/>
-          </a:p>
-          <a:p>
-            <a:pPr lvl="1"/>
-            <a:r>
-              <a:rPr lang="fr-FR" dirty="0"/>
-              <a:t>2) Boite noire</a:t>
-            </a:r>
-          </a:p>
-          <a:p>
-            <a:pPr lvl="2"/>
-            <a:r>
-              <a:rPr lang="fr-FR" dirty="0"/>
-              <a:t>a) Principe de fonctionnement</a:t>
-            </a:r>
-          </a:p>
-          <a:p>
-            <a:r>
-              <a:rPr lang="fr-FR" dirty="0"/>
-              <a:t>III) Module de test</a:t>
-            </a:r>
-          </a:p>
-        </p:txBody>
-      </p:sp>
+            </a:br>
+            <a:endParaRPr lang="fr-FR" sz="3200" dirty="0"/>
+          </a:p>
+        </p:txBody>
+      </p:sp>
+      <p:pic>
+        <p:nvPicPr>
+          <p:cNvPr id="3" name="Image 2"/>
+          <p:cNvPicPr>
+            <a:picLocks noChangeAspect="1"/>
+          </p:cNvPicPr>
+          <p:nvPr/>
+        </p:nvPicPr>
+        <p:blipFill>
+          <a:blip r:embed="rId2">
+            <a:extLst>
+              <a:ext uri="{28A0092B-C50C-407E-A947-70E740481C1C}">
+                <a14:useLocalDpi xmlns:a14="http://schemas.microsoft.com/office/drawing/2010/main" val="0"/>
+              </a:ext>
+            </a:extLst>
+          </a:blip>
+          <a:stretch>
+            <a:fillRect/>
+          </a:stretch>
+        </p:blipFill>
+        <p:spPr>
+          <a:xfrm>
+            <a:off x="1614412" y="1346465"/>
+            <a:ext cx="8804911" cy="3530336"/>
+          </a:xfrm>
+          <a:prstGeom prst="rect">
+            <a:avLst/>
+          </a:prstGeom>
+        </p:spPr>
+      </p:pic>
     </p:spTree>
     <p:extLst>
       <p:ext uri="{BB962C8B-B14F-4D97-AF65-F5344CB8AC3E}">
-        <p14:creationId xmlns:p14="http://schemas.microsoft.com/office/powerpoint/2010/main" val="2171075976"/>
+        <p14:creationId xmlns:p14="http://schemas.microsoft.com/office/powerpoint/2010/main" val="3709118343"/>
       </p:ext>
     </p:extLst>
   </p:cSld>
@@ -6357,49 +6070,34 @@
         </p:nvSpPr>
         <p:spPr>
           <a:xfrm>
-            <a:off x="838199" y="0"/>
-            <a:ext cx="10515600" cy="1325563"/>
+            <a:off x="838200" y="365125"/>
+            <a:ext cx="10515600" cy="660111"/>
           </a:xfrm>
         </p:spPr>
         <p:txBody>
           <a:bodyPr>
-            <a:noAutofit/>
+            <a:normAutofit/>
           </a:bodyPr>
           <a:lstStyle/>
           <a:p>
             <a:pPr algn="ctr"/>
             <a:r>
-              <a:rPr lang="fr-FR" sz="3600" dirty="0"/>
-              <a:t>I) Analyse complète du système</a:t>
-            </a:r>
-            <a:r>
-              <a:rPr lang="fr-FR" dirty="0"/>
-              <a:t/>
-            </a:r>
-            <a:br>
-              <a:rPr lang="fr-FR" dirty="0"/>
-            </a:br>
-            <a:r>
-              <a:rPr lang="fr-FR" sz="4000" dirty="0"/>
-              <a:t>	</a:t>
-            </a:r>
-            <a:r>
-              <a:rPr lang="fr-FR" sz="2800" dirty="0"/>
-              <a:t>1) Diagramme de cas d’utilisation</a:t>
-            </a:r>
-            <a:endParaRPr lang="fr-FR" sz="3200" dirty="0"/>
+              <a:rPr lang="fr-FR" sz="2200" dirty="0" smtClean="0"/>
+              <a:t>b) Démarrage d’une course</a:t>
+            </a:r>
+            <a:endParaRPr lang="fr-FR" sz="2200" dirty="0"/>
           </a:p>
         </p:txBody>
       </p:sp>
       <p:pic>
         <p:nvPicPr>
-          <p:cNvPr id="3" name="Image 2"/>
+          <p:cNvPr id="4" name="Image 3"/>
           <p:cNvPicPr>
             <a:picLocks noChangeAspect="1"/>
           </p:cNvPicPr>
           <p:nvPr/>
         </p:nvPicPr>
-        <p:blipFill rotWithShape="1">
+        <p:blipFill>
           <a:blip r:embed="rId2">
             <a:extLst>
               <a:ext uri="{28A0092B-C50C-407E-A947-70E740481C1C}">
@@ -6407,13 +6105,14 @@
               </a:ext>
             </a:extLst>
           </a:blip>
-          <a:srcRect t="7174" b="2027"/>
-          <a:stretch/>
+          <a:stretch>
+            <a:fillRect/>
+          </a:stretch>
         </p:blipFill>
         <p:spPr>
           <a:xfrm>
-            <a:off x="905127" y="1139748"/>
-            <a:ext cx="10381743" cy="5644361"/>
+            <a:off x="705276" y="1328158"/>
+            <a:ext cx="10781447" cy="3345441"/>
           </a:xfrm>
           <a:prstGeom prst="rect">
             <a:avLst/>
@@ -6423,7 +6122,7 @@
     </p:spTree>
     <p:extLst>
       <p:ext uri="{BB962C8B-B14F-4D97-AF65-F5344CB8AC3E}">
-        <p14:creationId xmlns:p14="http://schemas.microsoft.com/office/powerpoint/2010/main" val="1247061660"/>
+        <p14:creationId xmlns:p14="http://schemas.microsoft.com/office/powerpoint/2010/main" val="2766581331"/>
       </p:ext>
     </p:extLst>
   </p:cSld>
@@ -6473,79 +6172,28 @@
         </p:nvSpPr>
         <p:spPr>
           <a:xfrm>
-            <a:off x="759068" y="0"/>
-            <a:ext cx="10515600" cy="1169377"/>
+            <a:off x="838200" y="365126"/>
+            <a:ext cx="10515600" cy="826366"/>
           </a:xfrm>
         </p:spPr>
         <p:txBody>
           <a:bodyPr>
-            <a:normAutofit fontScale="90000"/>
+            <a:normAutofit/>
           </a:bodyPr>
           <a:lstStyle/>
           <a:p>
-            <a:pPr lvl="2" algn="ctr" rtl="0">
-              <a:lnSpc>
-                <a:spcPct val="90000"/>
-              </a:lnSpc>
-              <a:spcBef>
-                <a:spcPct val="0"/>
-              </a:spcBef>
-            </a:pPr>
-            <a:r>
-              <a:rPr lang="fr-FR" sz="3100" dirty="0">
-                <a:latin typeface="+mj-lt"/>
-              </a:rPr>
-              <a:t>2) Diagrammes de séquence</a:t>
-            </a:r>
-            <a:r>
-              <a:rPr lang="fr-FR" sz="3200" dirty="0">
-                <a:latin typeface="+mj-lt"/>
-              </a:rPr>
-              <a:t/>
-            </a:r>
-            <a:br>
-              <a:rPr lang="fr-FR" sz="3200" dirty="0">
-                <a:latin typeface="+mj-lt"/>
-              </a:rPr>
-            </a:br>
-            <a:r>
-              <a:rPr lang="fr-FR" sz="3200" dirty="0">
-                <a:latin typeface="+mj-lt"/>
-              </a:rPr>
-              <a:t>	</a:t>
-            </a:r>
-            <a:r>
-              <a:rPr lang="fr-FR" sz="2400" dirty="0">
-                <a:latin typeface="+mj-lt"/>
-              </a:rPr>
-              <a:t>a) </a:t>
-            </a:r>
-            <a:r>
-              <a:rPr lang="fr-FR" sz="2400" dirty="0" smtClean="0">
-                <a:latin typeface="+mj-lt"/>
-              </a:rPr>
-              <a:t>Sélection d’une </a:t>
-            </a:r>
-            <a:r>
-              <a:rPr lang="fr-FR" sz="2400" dirty="0">
-                <a:latin typeface="+mj-lt"/>
-              </a:rPr>
-              <a:t>course</a:t>
-            </a:r>
-            <a:r>
-              <a:rPr lang="fr-FR" dirty="0"/>
-              <a:t/>
-            </a:r>
-            <a:br>
-              <a:rPr lang="fr-FR" dirty="0"/>
-            </a:br>
-            <a:endParaRPr lang="fr-FR" sz="3200" dirty="0"/>
+            <a:pPr algn="ctr"/>
+            <a:r>
+              <a:rPr lang="fr-FR" sz="2200" dirty="0" smtClean="0"/>
+              <a:t>c) Démarrage du Chronomètre </a:t>
+            </a:r>
+            <a:endParaRPr lang="fr-FR" sz="2200" dirty="0"/>
           </a:p>
         </p:txBody>
       </p:sp>
       <p:pic>
         <p:nvPicPr>
-          <p:cNvPr id="3" name="Image 2"/>
+          <p:cNvPr id="4" name="Image 3"/>
           <p:cNvPicPr>
             <a:picLocks noChangeAspect="1"/>
           </p:cNvPicPr>
@@ -6565,8 +6213,8 @@
         </p:blipFill>
         <p:spPr>
           <a:xfrm>
-            <a:off x="1614412" y="1346465"/>
-            <a:ext cx="8804911" cy="3530336"/>
+            <a:off x="2101806" y="1690688"/>
+            <a:ext cx="7988388" cy="3923626"/>
           </a:xfrm>
           <a:prstGeom prst="rect">
             <a:avLst/>
@@ -6576,7 +6224,7 @@
     </p:spTree>
     <p:extLst>
       <p:ext uri="{BB962C8B-B14F-4D97-AF65-F5344CB8AC3E}">
-        <p14:creationId xmlns:p14="http://schemas.microsoft.com/office/powerpoint/2010/main" val="3709118343"/>
+        <p14:creationId xmlns:p14="http://schemas.microsoft.com/office/powerpoint/2010/main" val="231148054"/>
       </p:ext>
     </p:extLst>
   </p:cSld>
@@ -6626,8 +6274,8 @@
         </p:nvSpPr>
         <p:spPr>
           <a:xfrm>
-            <a:off x="838200" y="365125"/>
-            <a:ext cx="10515600" cy="660111"/>
+            <a:off x="736600" y="69561"/>
+            <a:ext cx="10515600" cy="540039"/>
           </a:xfrm>
         </p:spPr>
         <p:txBody>
@@ -6639,7 +6287,7 @@
             <a:pPr algn="ctr"/>
             <a:r>
               <a:rPr lang="fr-FR" sz="2200" dirty="0" smtClean="0"/>
-              <a:t>b) Démarrage d’une course</a:t>
+              <a:t>d) Détection d’un coureur</a:t>
             </a:r>
             <a:endParaRPr lang="fr-FR" sz="2200" dirty="0"/>
           </a:p>
@@ -6667,8 +6315,8 @@
         </p:blipFill>
         <p:spPr>
           <a:xfrm>
-            <a:off x="705276" y="1328158"/>
-            <a:ext cx="10781447" cy="3345441"/>
+            <a:off x="323273" y="701963"/>
+            <a:ext cx="11342253" cy="5671127"/>
           </a:xfrm>
           <a:prstGeom prst="rect">
             <a:avLst/>
@@ -6678,7 +6326,7 @@
     </p:spTree>
     <p:extLst>
       <p:ext uri="{BB962C8B-B14F-4D97-AF65-F5344CB8AC3E}">
-        <p14:creationId xmlns:p14="http://schemas.microsoft.com/office/powerpoint/2010/main" val="2766581331"/>
+        <p14:creationId xmlns:p14="http://schemas.microsoft.com/office/powerpoint/2010/main" val="1076197477"/>
       </p:ext>
     </p:extLst>
   </p:cSld>
@@ -6728,8 +6376,8 @@
         </p:nvSpPr>
         <p:spPr>
           <a:xfrm>
-            <a:off x="838200" y="365126"/>
-            <a:ext cx="10515600" cy="826366"/>
+            <a:off x="838200" y="365125"/>
+            <a:ext cx="10515600" cy="493857"/>
           </a:xfrm>
         </p:spPr>
         <p:txBody>
@@ -6741,7 +6389,7 @@
             <a:pPr algn="ctr"/>
             <a:r>
               <a:rPr lang="fr-FR" sz="2200" dirty="0" smtClean="0"/>
-              <a:t>c) Démarrage du Chronomètre </a:t>
+              <a:t>e) Afficheur LED </a:t>
             </a:r>
             <a:endParaRPr lang="fr-FR" sz="2200" dirty="0"/>
           </a:p>
@@ -6769,8 +6417,8 @@
         </p:blipFill>
         <p:spPr>
           <a:xfrm>
-            <a:off x="2101806" y="1690688"/>
-            <a:ext cx="7988388" cy="3923626"/>
+            <a:off x="1484415" y="1035614"/>
+            <a:ext cx="9223170" cy="4949550"/>
           </a:xfrm>
           <a:prstGeom prst="rect">
             <a:avLst/>
@@ -6780,7 +6428,7 @@
     </p:spTree>
     <p:extLst>
       <p:ext uri="{BB962C8B-B14F-4D97-AF65-F5344CB8AC3E}">
-        <p14:creationId xmlns:p14="http://schemas.microsoft.com/office/powerpoint/2010/main" val="231148054"/>
+        <p14:creationId xmlns:p14="http://schemas.microsoft.com/office/powerpoint/2010/main" val="3354628274"/>
       </p:ext>
     </p:extLst>
   </p:cSld>
@@ -6830,8 +6478,8 @@
         </p:nvSpPr>
         <p:spPr>
           <a:xfrm>
-            <a:off x="736600" y="69561"/>
-            <a:ext cx="10515600" cy="540039"/>
+            <a:off x="838200" y="365125"/>
+            <a:ext cx="10515600" cy="493857"/>
           </a:xfrm>
         </p:spPr>
         <p:txBody>
@@ -6842,8 +6490,12 @@
           <a:p>
             <a:pPr algn="ctr"/>
             <a:r>
+              <a:rPr lang="fr-FR" sz="2200" dirty="0"/>
+              <a:t>f</a:t>
+            </a:r>
+            <a:r>
               <a:rPr lang="fr-FR" sz="2200" dirty="0" smtClean="0"/>
-              <a:t>d) Détection d’un coureur</a:t>
+              <a:t>) Mettre fin à une course </a:t>
             </a:r>
             <a:endParaRPr lang="fr-FR" sz="2200" dirty="0"/>
           </a:p>
@@ -6851,7 +6503,7 @@
       </p:sp>
       <p:pic>
         <p:nvPicPr>
-          <p:cNvPr id="4" name="Image 3"/>
+          <p:cNvPr id="3" name="Image 2"/>
           <p:cNvPicPr>
             <a:picLocks noChangeAspect="1"/>
           </p:cNvPicPr>
@@ -6871,8 +6523,8 @@
         </p:blipFill>
         <p:spPr>
           <a:xfrm>
-            <a:off x="323273" y="701963"/>
-            <a:ext cx="11342253" cy="5671127"/>
+            <a:off x="1918312" y="1387468"/>
+            <a:ext cx="8355376" cy="3443149"/>
           </a:xfrm>
           <a:prstGeom prst="rect">
             <a:avLst/>
@@ -6882,7 +6534,7 @@
     </p:spTree>
     <p:extLst>
       <p:ext uri="{BB962C8B-B14F-4D97-AF65-F5344CB8AC3E}">
-        <p14:creationId xmlns:p14="http://schemas.microsoft.com/office/powerpoint/2010/main" val="1076197477"/>
+        <p14:creationId xmlns:p14="http://schemas.microsoft.com/office/powerpoint/2010/main" val="3054975187"/>
       </p:ext>
     </p:extLst>
   </p:cSld>
@@ -6932,8 +6584,8 @@
         </p:nvSpPr>
         <p:spPr>
           <a:xfrm>
-            <a:off x="838200" y="365125"/>
-            <a:ext cx="10515600" cy="493857"/>
+            <a:off x="838200" y="0"/>
+            <a:ext cx="10515600" cy="487729"/>
           </a:xfrm>
         </p:spPr>
         <p:txBody>
@@ -6944,47 +6596,130 @@
           <a:p>
             <a:pPr algn="ctr"/>
             <a:r>
-              <a:rPr lang="fr-FR" sz="2200" dirty="0" smtClean="0"/>
-              <a:t>e) Afficheur LED </a:t>
-            </a:r>
-            <a:endParaRPr lang="fr-FR" sz="2200" dirty="0"/>
-          </a:p>
-        </p:txBody>
-      </p:sp>
-      <p:pic>
-        <p:nvPicPr>
-          <p:cNvPr id="4" name="Image 3"/>
-          <p:cNvPicPr>
-            <a:picLocks noChangeAspect="1"/>
-          </p:cNvPicPr>
-          <p:nvPr/>
-        </p:nvPicPr>
-        <p:blipFill>
-          <a:blip r:embed="rId2">
-            <a:extLst>
-              <a:ext uri="{28A0092B-C50C-407E-A947-70E740481C1C}">
-                <a14:useLocalDpi xmlns:a14="http://schemas.microsoft.com/office/drawing/2010/main" val="0"/>
-              </a:ext>
-            </a:extLst>
-          </a:blip>
-          <a:stretch>
-            <a:fillRect/>
-          </a:stretch>
-        </p:blipFill>
-        <p:spPr>
-          <a:xfrm>
-            <a:off x="1484415" y="1035614"/>
-            <a:ext cx="9223170" cy="4949550"/>
-          </a:xfrm>
-          <a:prstGeom prst="rect">
-            <a:avLst/>
-          </a:prstGeom>
-        </p:spPr>
-      </p:pic>
+              <a:rPr lang="fr-FR" sz="2800" dirty="0"/>
+              <a:t>3) Scénario</a:t>
+            </a:r>
+          </a:p>
+        </p:txBody>
+      </p:sp>
+      <p:sp>
+        <p:nvSpPr>
+          <p:cNvPr id="3" name="Espace réservé du contenu 2"/>
+          <p:cNvSpPr>
+            <a:spLocks noGrp="1"/>
+          </p:cNvSpPr>
+          <p:nvPr>
+            <p:ph idx="1"/>
+          </p:nvPr>
+        </p:nvSpPr>
+        <p:spPr>
+          <a:xfrm>
+            <a:off x="838200" y="805717"/>
+            <a:ext cx="10515600" cy="5217014"/>
+          </a:xfrm>
+        </p:spPr>
+        <p:txBody>
+          <a:bodyPr>
+            <a:normAutofit fontScale="92500" lnSpcReduction="20000"/>
+          </a:bodyPr>
+          <a:lstStyle/>
+          <a:p>
+            <a:pPr lvl="0"/>
+            <a:r>
+              <a:rPr lang="fr-FR" sz="2400" dirty="0"/>
+              <a:t>Le commissaire de course lance l’application C++.</a:t>
+            </a:r>
+          </a:p>
+          <a:p>
+            <a:pPr marL="0" lvl="0" indent="0">
+              <a:buNone/>
+            </a:pPr>
+            <a:r>
+              <a:rPr lang="fr-FR" sz="2400" dirty="0"/>
+              <a:t> </a:t>
+            </a:r>
+          </a:p>
+          <a:p>
+            <a:pPr lvl="0"/>
+            <a:r>
+              <a:rPr lang="fr-FR" sz="2400" dirty="0"/>
+              <a:t>Il va sélectionner la course qu’il voudra démarrer.</a:t>
+            </a:r>
+          </a:p>
+          <a:p>
+            <a:pPr marL="0" lvl="0" indent="0">
+              <a:buNone/>
+            </a:pPr>
+            <a:endParaRPr lang="fr-FR" sz="2400" dirty="0"/>
+          </a:p>
+          <a:p>
+            <a:pPr lvl="0"/>
+            <a:r>
+              <a:rPr lang="fr-FR" sz="2400" dirty="0"/>
+              <a:t>Il va ensuite cliquer sur le bouton de démarrage de la course.</a:t>
+            </a:r>
+          </a:p>
+          <a:p>
+            <a:pPr marL="0" lvl="0" indent="0">
+              <a:buNone/>
+            </a:pPr>
+            <a:endParaRPr lang="fr-FR" sz="2400" dirty="0"/>
+          </a:p>
+          <a:p>
+            <a:pPr lvl="0"/>
+            <a:r>
+              <a:rPr lang="fr-FR" sz="2400" dirty="0"/>
+              <a:t>Une fois la course démarrée, il pourra cliquer sur « afficheur LED » s’il y en a un. </a:t>
+            </a:r>
+          </a:p>
+          <a:p>
+            <a:pPr marL="0" lvl="0" indent="0">
+              <a:buNone/>
+            </a:pPr>
+            <a:endParaRPr lang="fr-FR" sz="2400" dirty="0"/>
+          </a:p>
+          <a:p>
+            <a:pPr lvl="0"/>
+            <a:r>
+              <a:rPr lang="fr-FR" sz="2400" dirty="0"/>
+              <a:t>L’afficheur LED va afficher le temps du premier ou/et le temps moyen des coureurs.</a:t>
+            </a:r>
+          </a:p>
+          <a:p>
+            <a:pPr marL="0" lvl="0" indent="0">
+              <a:buNone/>
+            </a:pPr>
+            <a:endParaRPr lang="fr-FR" sz="2400" dirty="0"/>
+          </a:p>
+          <a:p>
+            <a:pPr lvl="0"/>
+            <a:r>
+              <a:rPr lang="fr-FR" sz="2400" dirty="0"/>
+              <a:t> Quand le lecteur RFID aura détecté un coureur, il enverra ses informations à la base de données.</a:t>
+            </a:r>
+          </a:p>
+          <a:p>
+            <a:pPr marL="0" lvl="0" indent="0">
+              <a:buNone/>
+            </a:pPr>
+            <a:endParaRPr lang="fr-FR" sz="2400" dirty="0"/>
+          </a:p>
+          <a:p>
+            <a:pPr lvl="0"/>
+            <a:r>
+              <a:rPr lang="fr-FR" sz="2400" dirty="0"/>
+              <a:t>Les informations pourront être ensuite traitées.</a:t>
+            </a:r>
+          </a:p>
+          <a:p>
+            <a:endParaRPr lang="fr-FR" dirty="0"/>
+          </a:p>
+        </p:txBody>
+      </p:sp>
     </p:spTree>
     <p:extLst>
       <p:ext uri="{BB962C8B-B14F-4D97-AF65-F5344CB8AC3E}">
-        <p14:creationId xmlns:p14="http://schemas.microsoft.com/office/powerpoint/2010/main" val="3354628274"/>
+        <p14:creationId xmlns:p14="http://schemas.microsoft.com/office/powerpoint/2010/main" val="1024622025"/>
       </p:ext>
     </p:extLst>
   </p:cSld>
@@ -7034,38 +6769,134 @@
         </p:nvSpPr>
         <p:spPr>
           <a:xfrm>
-            <a:off x="838200" y="365125"/>
-            <a:ext cx="10515600" cy="493857"/>
+            <a:off x="838200" y="-1"/>
+            <a:ext cx="10515600" cy="1512277"/>
           </a:xfrm>
         </p:spPr>
         <p:txBody>
           <a:bodyPr>
-            <a:normAutofit/>
+            <a:normAutofit fontScale="90000"/>
           </a:bodyPr>
           <a:lstStyle/>
           <a:p>
-            <a:pPr algn="ctr"/>
-            <a:r>
-              <a:rPr lang="fr-FR" sz="2200" dirty="0"/>
-              <a:t>f</a:t>
-            </a:r>
-            <a:r>
-              <a:rPr lang="fr-FR" sz="2200" dirty="0" smtClean="0"/>
-              <a:t>) Mettre fin à une course </a:t>
-            </a:r>
-            <a:endParaRPr lang="fr-FR" sz="2200" dirty="0"/>
+            <a:r>
+              <a:rPr lang="fr-FR" sz="3600" dirty="0"/>
+              <a:t>II) Etude physique lecteur RFID pour les courses</a:t>
+            </a:r>
+            <a:br>
+              <a:rPr lang="fr-FR" sz="3600" dirty="0"/>
+            </a:br>
+            <a:r>
+              <a:rPr lang="fr-FR" sz="3600" dirty="0"/>
+              <a:t>	</a:t>
+            </a:r>
+            <a:r>
+              <a:rPr lang="fr-FR" sz="3100" dirty="0"/>
+              <a:t>1) Matériel</a:t>
+            </a:r>
+            <a:r>
+              <a:rPr lang="fr-FR" sz="2800" dirty="0"/>
+              <a:t/>
+            </a:r>
+            <a:br>
+              <a:rPr lang="fr-FR" sz="2800" dirty="0"/>
+            </a:br>
+            <a:r>
+              <a:rPr lang="fr-FR" sz="2800" dirty="0"/>
+              <a:t>		</a:t>
+            </a:r>
+            <a:r>
+              <a:rPr lang="fr-FR" sz="2400" dirty="0"/>
+              <a:t>a) Antenne</a:t>
+            </a:r>
+            <a:br>
+              <a:rPr lang="fr-FR" sz="2400" dirty="0"/>
+            </a:br>
+            <a:r>
+              <a:rPr lang="fr-FR" sz="2400" dirty="0"/>
+              <a:t>		b) Dossard </a:t>
+            </a:r>
+            <a:r>
+              <a:rPr lang="fr-FR" sz="2400" dirty="0" err="1"/>
+              <a:t>DAGs</a:t>
+            </a:r>
+            <a:endParaRPr lang="fr-FR" sz="3600" dirty="0"/>
+          </a:p>
+        </p:txBody>
+      </p:sp>
+      <p:sp>
+        <p:nvSpPr>
+          <p:cNvPr id="3" name="Espace réservé du contenu 2"/>
+          <p:cNvSpPr>
+            <a:spLocks noGrp="1"/>
+          </p:cNvSpPr>
+          <p:nvPr>
+            <p:ph idx="1"/>
+          </p:nvPr>
+        </p:nvSpPr>
+        <p:spPr>
+          <a:xfrm>
+            <a:off x="838200" y="1864072"/>
+            <a:ext cx="7391400" cy="2007466"/>
+          </a:xfrm>
+        </p:spPr>
+        <p:txBody>
+          <a:bodyPr/>
+          <a:lstStyle/>
+          <a:p>
+            <a:r>
+              <a:rPr lang="fr-FR" sz="1600" dirty="0"/>
+              <a:t>Le DAG est une puce passive (13,56 Mhz) de haute fréquence. </a:t>
+            </a:r>
+            <a:endParaRPr lang="fr-FR" sz="1600" dirty="0" smtClean="0"/>
+          </a:p>
+          <a:p>
+            <a:r>
+              <a:rPr lang="fr-FR" sz="1600" dirty="0" smtClean="0"/>
+              <a:t>Il </a:t>
+            </a:r>
+            <a:r>
+              <a:rPr lang="fr-FR" sz="1600" dirty="0"/>
+              <a:t>doit être activé pour communiquer. </a:t>
+            </a:r>
+          </a:p>
+          <a:p>
+            <a:r>
+              <a:rPr lang="fr-FR" sz="1600" dirty="0"/>
+              <a:t>Le boitier d’interface + l’antenne créent un </a:t>
+            </a:r>
+          </a:p>
+          <a:p>
+            <a:pPr marL="0" indent="0">
+              <a:buNone/>
+            </a:pPr>
+            <a:r>
+              <a:rPr lang="fr-FR" sz="1600" dirty="0" smtClean="0"/>
+              <a:t>champ </a:t>
+            </a:r>
+            <a:r>
+              <a:rPr lang="fr-FR" sz="1600" dirty="0"/>
+              <a:t>magnétique pour activer la puce. </a:t>
+            </a:r>
+          </a:p>
+          <a:p>
+            <a:r>
+              <a:rPr lang="fr-FR" sz="1600" dirty="0"/>
+              <a:t>Le lecteur communique avec la puce. </a:t>
+            </a:r>
+          </a:p>
+          <a:p>
+            <a:endParaRPr lang="fr-FR" dirty="0"/>
           </a:p>
         </p:txBody>
       </p:sp>
       <p:pic>
         <p:nvPicPr>
-          <p:cNvPr id="3" name="Image 2"/>
-          <p:cNvPicPr>
-            <a:picLocks noChangeAspect="1"/>
-          </p:cNvPicPr>
+          <p:cNvPr id="4" name="Image 3"/>
+          <p:cNvPicPr/>
           <p:nvPr/>
         </p:nvPicPr>
-        <p:blipFill>
+        <p:blipFill rotWithShape="1">
           <a:blip r:embed="rId2">
             <a:extLst>
               <a:ext uri="{28A0092B-C50C-407E-A947-70E740481C1C}">
@@ -7073,24 +6904,461 @@
               </a:ext>
             </a:extLst>
           </a:blip>
-          <a:stretch>
-            <a:fillRect/>
-          </a:stretch>
+          <a:srcRect l="7607" t="2145" r="4196" b="5927"/>
+          <a:stretch/>
         </p:blipFill>
         <p:spPr>
           <a:xfrm>
-            <a:off x="1918312" y="1387468"/>
-            <a:ext cx="8355376" cy="3443149"/>
+            <a:off x="5318991" y="2202048"/>
+            <a:ext cx="1923473" cy="1669490"/>
           </a:xfrm>
           <a:prstGeom prst="rect">
             <a:avLst/>
           </a:prstGeom>
         </p:spPr>
       </p:pic>
+      <p:sp>
+        <p:nvSpPr>
+          <p:cNvPr id="5" name="Rectangle 4"/>
+          <p:cNvSpPr/>
+          <p:nvPr/>
+        </p:nvSpPr>
+        <p:spPr>
+          <a:xfrm>
+            <a:off x="7506854" y="4328964"/>
+            <a:ext cx="4479637" cy="2244397"/>
+          </a:xfrm>
+          <a:prstGeom prst="rect">
+            <a:avLst/>
+          </a:prstGeom>
+        </p:spPr>
+        <p:txBody>
+          <a:bodyPr wrap="square">
+            <a:spAutoFit/>
+          </a:bodyPr>
+          <a:lstStyle/>
+          <a:p>
+            <a:pPr algn="r">
+              <a:lnSpc>
+                <a:spcPct val="107000"/>
+              </a:lnSpc>
+              <a:spcAft>
+                <a:spcPts val="800"/>
+              </a:spcAft>
+            </a:pPr>
+            <a:r>
+              <a:rPr lang="fr-FR" sz="1600" dirty="0">
+                <a:latin typeface="Calibri" panose="020F0502020204030204" pitchFamily="34" charset="0"/>
+                <a:ea typeface="SimSun" panose="02010600030101010101" pitchFamily="2" charset="-122"/>
+                <a:cs typeface="Times New Roman" panose="02020603050405020304" pitchFamily="18" charset="0"/>
+              </a:rPr>
+              <a:t>La détection se produit lorsque le participant entre dans le champ magnétique. </a:t>
+            </a:r>
+            <a:endParaRPr lang="fr-FR" sz="1400" dirty="0">
+              <a:latin typeface="Calibri" panose="020F0502020204030204" pitchFamily="34" charset="0"/>
+              <a:ea typeface="SimSun" panose="02010600030101010101" pitchFamily="2" charset="-122"/>
+              <a:cs typeface="Times New Roman" panose="02020603050405020304" pitchFamily="18" charset="0"/>
+            </a:endParaRPr>
+          </a:p>
+          <a:p>
+            <a:pPr algn="r">
+              <a:lnSpc>
+                <a:spcPct val="107000"/>
+              </a:lnSpc>
+              <a:spcAft>
+                <a:spcPts val="800"/>
+              </a:spcAft>
+            </a:pPr>
+            <a:r>
+              <a:rPr lang="fr-FR" sz="1600" dirty="0">
+                <a:latin typeface="Calibri" panose="020F0502020204030204" pitchFamily="34" charset="0"/>
+                <a:ea typeface="SimSun" panose="02010600030101010101" pitchFamily="2" charset="-122"/>
+                <a:cs typeface="Times New Roman" panose="02020603050405020304" pitchFamily="18" charset="0"/>
+              </a:rPr>
+              <a:t>Précision = 1/10 secondes. </a:t>
+            </a:r>
+            <a:endParaRPr lang="fr-FR" sz="1400" dirty="0">
+              <a:latin typeface="Calibri" panose="020F0502020204030204" pitchFamily="34" charset="0"/>
+              <a:ea typeface="SimSun" panose="02010600030101010101" pitchFamily="2" charset="-122"/>
+              <a:cs typeface="Times New Roman" panose="02020603050405020304" pitchFamily="18" charset="0"/>
+            </a:endParaRPr>
+          </a:p>
+          <a:p>
+            <a:pPr algn="r">
+              <a:lnSpc>
+                <a:spcPct val="107000"/>
+              </a:lnSpc>
+              <a:spcAft>
+                <a:spcPts val="800"/>
+              </a:spcAft>
+            </a:pPr>
+            <a:r>
+              <a:rPr lang="fr-FR" sz="1600" dirty="0">
+                <a:latin typeface="Calibri" panose="020F0502020204030204" pitchFamily="34" charset="0"/>
+                <a:ea typeface="SimSun" panose="02010600030101010101" pitchFamily="2" charset="-122"/>
+                <a:cs typeface="Times New Roman" panose="02020603050405020304" pitchFamily="18" charset="0"/>
+              </a:rPr>
+              <a:t>Un DAG ne peut pas fonctionner correctement si : </a:t>
+            </a:r>
+            <a:endParaRPr lang="fr-FR" sz="1400" dirty="0">
+              <a:latin typeface="Calibri" panose="020F0502020204030204" pitchFamily="34" charset="0"/>
+              <a:ea typeface="SimSun" panose="02010600030101010101" pitchFamily="2" charset="-122"/>
+              <a:cs typeface="Times New Roman" panose="02020603050405020304" pitchFamily="18" charset="0"/>
+            </a:endParaRPr>
+          </a:p>
+          <a:p>
+            <a:pPr marL="342900" lvl="0" indent="-342900" algn="r">
+              <a:lnSpc>
+                <a:spcPct val="107000"/>
+              </a:lnSpc>
+              <a:spcAft>
+                <a:spcPts val="0"/>
+              </a:spcAft>
+              <a:buFont typeface="Wingdings" panose="05000000000000000000" pitchFamily="2" charset="2"/>
+              <a:buChar char=""/>
+            </a:pPr>
+            <a:r>
+              <a:rPr lang="fr-FR" sz="1600" dirty="0">
+                <a:latin typeface="Calibri" panose="020F0502020204030204" pitchFamily="34" charset="0"/>
+                <a:ea typeface="Calibri" panose="020F0502020204030204" pitchFamily="34" charset="0"/>
+                <a:cs typeface="Times New Roman" panose="02020603050405020304" pitchFamily="18" charset="0"/>
+              </a:rPr>
+              <a:t> Il est collé sur du métal </a:t>
+            </a:r>
+            <a:endParaRPr lang="fr-FR" sz="1400" dirty="0">
+              <a:latin typeface="Calibri" panose="020F0502020204030204" pitchFamily="34" charset="0"/>
+              <a:ea typeface="Calibri" panose="020F0502020204030204" pitchFamily="34" charset="0"/>
+              <a:cs typeface="Times New Roman" panose="02020603050405020304" pitchFamily="18" charset="0"/>
+            </a:endParaRPr>
+          </a:p>
+          <a:p>
+            <a:pPr marL="342900" lvl="0" indent="-342900" algn="r">
+              <a:lnSpc>
+                <a:spcPct val="107000"/>
+              </a:lnSpc>
+              <a:spcAft>
+                <a:spcPts val="0"/>
+              </a:spcAft>
+              <a:buFont typeface="Wingdings" panose="05000000000000000000" pitchFamily="2" charset="2"/>
+              <a:buChar char=""/>
+            </a:pPr>
+            <a:r>
+              <a:rPr lang="fr-FR" sz="1600" dirty="0">
+                <a:latin typeface="Calibri" panose="020F0502020204030204" pitchFamily="34" charset="0"/>
+                <a:ea typeface="Calibri" panose="020F0502020204030204" pitchFamily="34" charset="0"/>
+                <a:cs typeface="Times New Roman" panose="02020603050405020304" pitchFamily="18" charset="0"/>
+              </a:rPr>
+              <a:t> Il est plié</a:t>
+            </a:r>
+            <a:endParaRPr lang="fr-FR" sz="1400" dirty="0">
+              <a:latin typeface="Calibri" panose="020F0502020204030204" pitchFamily="34" charset="0"/>
+              <a:ea typeface="Calibri" panose="020F0502020204030204" pitchFamily="34" charset="0"/>
+              <a:cs typeface="Times New Roman" panose="02020603050405020304" pitchFamily="18" charset="0"/>
+            </a:endParaRPr>
+          </a:p>
+          <a:p>
+            <a:pPr marL="342900" lvl="0" indent="-342900" algn="r">
+              <a:lnSpc>
+                <a:spcPct val="107000"/>
+              </a:lnSpc>
+              <a:spcAft>
+                <a:spcPts val="800"/>
+              </a:spcAft>
+              <a:buFont typeface="Wingdings" panose="05000000000000000000" pitchFamily="2" charset="2"/>
+              <a:buChar char=""/>
+            </a:pPr>
+            <a:r>
+              <a:rPr lang="fr-FR" sz="1600" dirty="0">
+                <a:latin typeface="Calibri" panose="020F0502020204030204" pitchFamily="34" charset="0"/>
+                <a:ea typeface="Calibri" panose="020F0502020204030204" pitchFamily="34" charset="0"/>
+                <a:cs typeface="Times New Roman" panose="02020603050405020304" pitchFamily="18" charset="0"/>
+              </a:rPr>
+              <a:t> Il est déchiré. </a:t>
+            </a:r>
+            <a:endParaRPr lang="fr-FR" sz="1400" dirty="0">
+              <a:effectLst/>
+              <a:latin typeface="Calibri" panose="020F0502020204030204" pitchFamily="34" charset="0"/>
+              <a:ea typeface="Calibri" panose="020F0502020204030204" pitchFamily="34" charset="0"/>
+              <a:cs typeface="Times New Roman" panose="02020603050405020304" pitchFamily="18" charset="0"/>
+            </a:endParaRPr>
+          </a:p>
+        </p:txBody>
+      </p:sp>
+      <p:pic>
+        <p:nvPicPr>
+          <p:cNvPr id="6" name="Image 5"/>
+          <p:cNvPicPr/>
+          <p:nvPr/>
+        </p:nvPicPr>
+        <p:blipFill rotWithShape="1">
+          <a:blip r:embed="rId3">
+            <a:extLst>
+              <a:ext uri="{28A0092B-C50C-407E-A947-70E740481C1C}">
+                <a14:useLocalDpi xmlns:a14="http://schemas.microsoft.com/office/drawing/2010/main" val="0"/>
+              </a:ext>
+            </a:extLst>
+          </a:blip>
+          <a:srcRect l="4497" t="3529" r="4497" b="5459"/>
+          <a:stretch/>
+        </p:blipFill>
+        <p:spPr>
+          <a:xfrm>
+            <a:off x="10388598" y="2867805"/>
+            <a:ext cx="1505527" cy="1426797"/>
+          </a:xfrm>
+          <a:prstGeom prst="rect">
+            <a:avLst/>
+          </a:prstGeom>
+        </p:spPr>
+      </p:pic>
+      <p:sp>
+        <p:nvSpPr>
+          <p:cNvPr id="7" name="Rectangle 6"/>
+          <p:cNvSpPr/>
+          <p:nvPr/>
+        </p:nvSpPr>
+        <p:spPr>
+          <a:xfrm>
+            <a:off x="838200" y="4328554"/>
+            <a:ext cx="3474027" cy="1878335"/>
+          </a:xfrm>
+          <a:prstGeom prst="rect">
+            <a:avLst/>
+          </a:prstGeom>
+        </p:spPr>
+        <p:txBody>
+          <a:bodyPr wrap="square">
+            <a:spAutoFit/>
+          </a:bodyPr>
+          <a:lstStyle/>
+          <a:p>
+            <a:pPr>
+              <a:lnSpc>
+                <a:spcPct val="107000"/>
+              </a:lnSpc>
+              <a:spcAft>
+                <a:spcPts val="800"/>
+              </a:spcAft>
+            </a:pPr>
+            <a:r>
+              <a:rPr lang="fr-FR" sz="1600" dirty="0">
+                <a:latin typeface="Calibri" panose="020F0502020204030204" pitchFamily="34" charset="0"/>
+                <a:ea typeface="SimSun" panose="02010600030101010101" pitchFamily="2" charset="-122"/>
+                <a:cs typeface="Times New Roman" panose="02020603050405020304" pitchFamily="18" charset="0"/>
+              </a:rPr>
+              <a:t>Un lecteur peut détecter 120 DAG / </a:t>
+            </a:r>
+            <a:r>
+              <a:rPr lang="fr-FR" sz="1600" dirty="0" smtClean="0">
+                <a:latin typeface="Calibri" panose="020F0502020204030204" pitchFamily="34" charset="0"/>
+                <a:ea typeface="SimSun" panose="02010600030101010101" pitchFamily="2" charset="-122"/>
+                <a:cs typeface="Times New Roman" panose="02020603050405020304" pitchFamily="18" charset="0"/>
+              </a:rPr>
+              <a:t>seconde.  </a:t>
+            </a:r>
+            <a:endParaRPr lang="fr-FR" sz="1400" dirty="0">
+              <a:latin typeface="Calibri" panose="020F0502020204030204" pitchFamily="34" charset="0"/>
+              <a:ea typeface="SimSun" panose="02010600030101010101" pitchFamily="2" charset="-122"/>
+              <a:cs typeface="Times New Roman" panose="02020603050405020304" pitchFamily="18" charset="0"/>
+            </a:endParaRPr>
+          </a:p>
+          <a:p>
+            <a:pPr>
+              <a:lnSpc>
+                <a:spcPct val="107000"/>
+              </a:lnSpc>
+              <a:spcAft>
+                <a:spcPts val="800"/>
+              </a:spcAft>
+            </a:pPr>
+            <a:r>
+              <a:rPr lang="fr-FR" sz="1600" dirty="0">
+                <a:latin typeface="Calibri" panose="020F0502020204030204" pitchFamily="34" charset="0"/>
+                <a:ea typeface="SimSun" panose="02010600030101010101" pitchFamily="2" charset="-122"/>
+                <a:cs typeface="Times New Roman" panose="02020603050405020304" pitchFamily="18" charset="0"/>
+              </a:rPr>
+              <a:t>Un lecteur peut être branché sur tous les types </a:t>
+            </a:r>
+            <a:r>
+              <a:rPr lang="fr-FR" sz="1600" dirty="0" smtClean="0">
+                <a:latin typeface="Calibri" panose="020F0502020204030204" pitchFamily="34" charset="0"/>
+                <a:ea typeface="SimSun" panose="02010600030101010101" pitchFamily="2" charset="-122"/>
+                <a:cs typeface="Times New Roman" panose="02020603050405020304" pitchFamily="18" charset="0"/>
+              </a:rPr>
+              <a:t>d’antennes. </a:t>
+            </a:r>
+            <a:endParaRPr lang="fr-FR" sz="1400" dirty="0">
+              <a:latin typeface="Calibri" panose="020F0502020204030204" pitchFamily="34" charset="0"/>
+              <a:ea typeface="SimSun" panose="02010600030101010101" pitchFamily="2" charset="-122"/>
+              <a:cs typeface="Times New Roman" panose="02020603050405020304" pitchFamily="18" charset="0"/>
+            </a:endParaRPr>
+          </a:p>
+          <a:p>
+            <a:pPr>
+              <a:lnSpc>
+                <a:spcPct val="107000"/>
+              </a:lnSpc>
+              <a:spcAft>
+                <a:spcPts val="800"/>
+              </a:spcAft>
+            </a:pPr>
+            <a:r>
+              <a:rPr lang="fr-FR" sz="1600" dirty="0">
+                <a:latin typeface="Calibri" panose="020F0502020204030204" pitchFamily="34" charset="0"/>
+                <a:ea typeface="SimSun" panose="02010600030101010101" pitchFamily="2" charset="-122"/>
+                <a:cs typeface="Times New Roman" panose="02020603050405020304" pitchFamily="18" charset="0"/>
+              </a:rPr>
+              <a:t>Les lecteurs DAG System sont conçu pour lire uniquement les </a:t>
+            </a:r>
+            <a:r>
+              <a:rPr lang="fr-FR" sz="1600" dirty="0" err="1">
+                <a:latin typeface="Calibri" panose="020F0502020204030204" pitchFamily="34" charset="0"/>
+                <a:ea typeface="SimSun" panose="02010600030101010101" pitchFamily="2" charset="-122"/>
+                <a:cs typeface="Times New Roman" panose="02020603050405020304" pitchFamily="18" charset="0"/>
+              </a:rPr>
+              <a:t>DAGs</a:t>
+            </a:r>
+            <a:r>
+              <a:rPr lang="fr-FR" sz="1600" dirty="0">
+                <a:latin typeface="Calibri" panose="020F0502020204030204" pitchFamily="34" charset="0"/>
+                <a:ea typeface="SimSun" panose="02010600030101010101" pitchFamily="2" charset="-122"/>
+                <a:cs typeface="Times New Roman" panose="02020603050405020304" pitchFamily="18" charset="0"/>
+              </a:rPr>
+              <a:t>.</a:t>
+            </a:r>
+            <a:endParaRPr lang="fr-FR" sz="1400" dirty="0">
+              <a:effectLst/>
+              <a:latin typeface="Calibri" panose="020F0502020204030204" pitchFamily="34" charset="0"/>
+              <a:ea typeface="SimSun" panose="02010600030101010101" pitchFamily="2" charset="-122"/>
+              <a:cs typeface="Times New Roman" panose="02020603050405020304" pitchFamily="18" charset="0"/>
+            </a:endParaRPr>
+          </a:p>
+        </p:txBody>
+      </p:sp>
+      <p:pic>
+        <p:nvPicPr>
+          <p:cNvPr id="8" name="Image 7"/>
+          <p:cNvPicPr/>
+          <p:nvPr/>
+        </p:nvPicPr>
+        <p:blipFill rotWithShape="1">
+          <a:blip r:embed="rId4">
+            <a:extLst>
+              <a:ext uri="{28A0092B-C50C-407E-A947-70E740481C1C}">
+                <a14:useLocalDpi xmlns:a14="http://schemas.microsoft.com/office/drawing/2010/main" val="0"/>
+              </a:ext>
+            </a:extLst>
+          </a:blip>
+          <a:srcRect l="2692" t="1251" r="5783" b="5113"/>
+          <a:stretch/>
+        </p:blipFill>
+        <p:spPr>
+          <a:xfrm>
+            <a:off x="4533900" y="4649113"/>
+            <a:ext cx="1570183" cy="1382423"/>
+          </a:xfrm>
+          <a:prstGeom prst="rect">
+            <a:avLst/>
+          </a:prstGeom>
+        </p:spPr>
+      </p:pic>
+      <p:sp>
+        <p:nvSpPr>
+          <p:cNvPr id="9" name="ZoneTexte 8"/>
+          <p:cNvSpPr txBox="1"/>
+          <p:nvPr/>
+        </p:nvSpPr>
+        <p:spPr>
+          <a:xfrm>
+            <a:off x="7620000" y="2336800"/>
+            <a:ext cx="4451927" cy="4350327"/>
+          </a:xfrm>
+          <a:prstGeom prst="rect">
+            <a:avLst/>
+          </a:prstGeom>
+          <a:noFill/>
+          <a:ln>
+            <a:solidFill>
+              <a:schemeClr val="tx1"/>
+            </a:solidFill>
+          </a:ln>
+        </p:spPr>
+        <p:txBody>
+          <a:bodyPr wrap="square" rtlCol="0">
+            <a:spAutoFit/>
+          </a:bodyPr>
+          <a:lstStyle/>
+          <a:p>
+            <a:endParaRPr lang="fr-FR" dirty="0"/>
+          </a:p>
+        </p:txBody>
+      </p:sp>
+      <p:sp>
+        <p:nvSpPr>
+          <p:cNvPr id="10" name="ZoneTexte 9"/>
+          <p:cNvSpPr txBox="1"/>
+          <p:nvPr/>
+        </p:nvSpPr>
+        <p:spPr>
+          <a:xfrm>
+            <a:off x="711200" y="1764145"/>
+            <a:ext cx="6659418" cy="2355273"/>
+          </a:xfrm>
+          <a:prstGeom prst="rect">
+            <a:avLst/>
+          </a:prstGeom>
+          <a:noFill/>
+          <a:ln>
+            <a:solidFill>
+              <a:schemeClr val="tx1"/>
+            </a:solidFill>
+          </a:ln>
+        </p:spPr>
+        <p:txBody>
+          <a:bodyPr wrap="square" rtlCol="0">
+            <a:spAutoFit/>
+          </a:bodyPr>
+          <a:lstStyle/>
+          <a:p>
+            <a:endParaRPr lang="fr-FR" dirty="0"/>
+          </a:p>
+        </p:txBody>
+      </p:sp>
+      <p:sp>
+        <p:nvSpPr>
+          <p:cNvPr id="11" name="ZoneTexte 10"/>
+          <p:cNvSpPr txBox="1"/>
+          <p:nvPr/>
+        </p:nvSpPr>
+        <p:spPr>
+          <a:xfrm>
+            <a:off x="711200" y="4328554"/>
+            <a:ext cx="5800436" cy="2090719"/>
+          </a:xfrm>
+          <a:prstGeom prst="rect">
+            <a:avLst/>
+          </a:prstGeom>
+          <a:noFill/>
+          <a:ln>
+            <a:solidFill>
+              <a:schemeClr val="tx1"/>
+            </a:solidFill>
+          </a:ln>
+        </p:spPr>
+        <p:txBody>
+          <a:bodyPr wrap="square" rtlCol="0">
+            <a:spAutoFit/>
+          </a:bodyPr>
+          <a:lstStyle/>
+          <a:p>
+            <a:endParaRPr lang="fr-FR" dirty="0"/>
+          </a:p>
+        </p:txBody>
+      </p:sp>
     </p:spTree>
     <p:extLst>
       <p:ext uri="{BB962C8B-B14F-4D97-AF65-F5344CB8AC3E}">
-        <p14:creationId xmlns:p14="http://schemas.microsoft.com/office/powerpoint/2010/main" val="3054975187"/>
+        <p14:creationId xmlns:p14="http://schemas.microsoft.com/office/powerpoint/2010/main" val="2600805086"/>
       </p:ext>
     </p:extLst>
   </p:cSld>
@@ -7141,7 +7409,7 @@
         <p:spPr>
           <a:xfrm>
             <a:off x="838200" y="0"/>
-            <a:ext cx="10515600" cy="487729"/>
+            <a:ext cx="10515600" cy="864211"/>
           </a:xfrm>
         </p:spPr>
         <p:txBody>
@@ -7150,132 +7418,422 @@
           </a:bodyPr>
           <a:lstStyle/>
           <a:p>
+            <a:r>
+              <a:rPr lang="fr-FR" sz="2800" dirty="0"/>
+              <a:t>2) Boite noire</a:t>
+            </a:r>
+            <a:br>
+              <a:rPr lang="fr-FR" sz="2800" dirty="0"/>
+            </a:br>
+            <a:r>
+              <a:rPr lang="fr-FR" sz="2800" dirty="0"/>
+              <a:t>	</a:t>
+            </a:r>
+            <a:r>
+              <a:rPr lang="fr-FR" sz="2400" dirty="0"/>
+              <a:t>a) Principe de fonctionnement</a:t>
+            </a:r>
+            <a:endParaRPr lang="fr-FR" sz="2800" dirty="0"/>
+          </a:p>
+        </p:txBody>
+      </p:sp>
+      <p:pic>
+        <p:nvPicPr>
+          <p:cNvPr id="4" name="Image 3"/>
+          <p:cNvPicPr/>
+          <p:nvPr/>
+        </p:nvPicPr>
+        <p:blipFill>
+          <a:blip r:embed="rId2"/>
+          <a:stretch>
+            <a:fillRect/>
+          </a:stretch>
+        </p:blipFill>
+        <p:spPr>
+          <a:xfrm>
+            <a:off x="90076" y="864211"/>
+            <a:ext cx="6426489" cy="5703367"/>
+          </a:xfrm>
+          <a:prstGeom prst="rect">
+            <a:avLst/>
+          </a:prstGeom>
+        </p:spPr>
+      </p:pic>
+      <p:sp>
+        <p:nvSpPr>
+          <p:cNvPr id="5" name="Rectangle 4"/>
+          <p:cNvSpPr/>
+          <p:nvPr/>
+        </p:nvSpPr>
+        <p:spPr>
+          <a:xfrm>
+            <a:off x="90076" y="4119418"/>
+            <a:ext cx="1415473" cy="1431637"/>
+          </a:xfrm>
+          <a:prstGeom prst="rect">
+            <a:avLst/>
+          </a:prstGeom>
+          <a:solidFill>
+            <a:schemeClr val="bg1"/>
+          </a:solidFill>
+          <a:ln>
+            <a:solidFill>
+              <a:schemeClr val="bg1"/>
+            </a:solidFill>
+          </a:ln>
+        </p:spPr>
+        <p:style>
+          <a:lnRef idx="2">
+            <a:schemeClr val="accent1">
+              <a:shade val="50000"/>
+            </a:schemeClr>
+          </a:lnRef>
+          <a:fillRef idx="1">
+            <a:schemeClr val="accent1"/>
+          </a:fillRef>
+          <a:effectRef idx="0">
+            <a:schemeClr val="accent1"/>
+          </a:effectRef>
+          <a:fontRef idx="minor">
+            <a:schemeClr val="lt1"/>
+          </a:fontRef>
+        </p:style>
+        <p:txBody>
+          <a:bodyPr rtlCol="0" anchor="ctr"/>
+          <a:lstStyle/>
+          <a:p>
             <a:pPr algn="ctr"/>
-            <a:r>
-              <a:rPr lang="fr-FR" sz="2800" dirty="0"/>
-              <a:t>3) Scénario</a:t>
-            </a:r>
-          </a:p>
-        </p:txBody>
-      </p:sp>
-      <p:sp>
-        <p:nvSpPr>
-          <p:cNvPr id="3" name="Espace réservé du contenu 2"/>
-          <p:cNvSpPr>
-            <a:spLocks noGrp="1"/>
-          </p:cNvSpPr>
-          <p:nvPr>
-            <p:ph idx="1"/>
-          </p:nvPr>
-        </p:nvSpPr>
-        <p:spPr>
-          <a:xfrm>
-            <a:off x="838200" y="805717"/>
-            <a:ext cx="10515600" cy="5217014"/>
-          </a:xfrm>
-        </p:spPr>
-        <p:txBody>
-          <a:bodyPr>
-            <a:normAutofit fontScale="92500" lnSpcReduction="20000"/>
+            <a:endParaRPr lang="fr-FR"/>
+          </a:p>
+        </p:txBody>
+      </p:sp>
+      <p:sp>
+        <p:nvSpPr>
+          <p:cNvPr id="6" name="Rectangle 5"/>
+          <p:cNvSpPr/>
+          <p:nvPr/>
+        </p:nvSpPr>
+        <p:spPr>
+          <a:xfrm>
+            <a:off x="1505549" y="4424218"/>
+            <a:ext cx="323272" cy="203200"/>
+          </a:xfrm>
+          <a:prstGeom prst="rect">
+            <a:avLst/>
+          </a:prstGeom>
+          <a:solidFill>
+            <a:schemeClr val="bg1"/>
+          </a:solidFill>
+          <a:ln>
+            <a:solidFill>
+              <a:schemeClr val="bg1"/>
+            </a:solidFill>
+          </a:ln>
+        </p:spPr>
+        <p:style>
+          <a:lnRef idx="2">
+            <a:schemeClr val="accent1">
+              <a:shade val="50000"/>
+            </a:schemeClr>
+          </a:lnRef>
+          <a:fillRef idx="1">
+            <a:schemeClr val="accent1"/>
+          </a:fillRef>
+          <a:effectRef idx="0">
+            <a:schemeClr val="accent1"/>
+          </a:effectRef>
+          <a:fontRef idx="minor">
+            <a:schemeClr val="lt1"/>
+          </a:fontRef>
+        </p:style>
+        <p:txBody>
+          <a:bodyPr rtlCol="0" anchor="ctr"/>
+          <a:lstStyle/>
+          <a:p>
+            <a:pPr algn="ctr"/>
+            <a:endParaRPr lang="fr-FR"/>
+          </a:p>
+        </p:txBody>
+      </p:sp>
+      <p:sp>
+        <p:nvSpPr>
+          <p:cNvPr id="7" name="ZoneTexte 6"/>
+          <p:cNvSpPr txBox="1"/>
+          <p:nvPr/>
+        </p:nvSpPr>
+        <p:spPr>
+          <a:xfrm>
+            <a:off x="6680200" y="843720"/>
+            <a:ext cx="3814619" cy="1200329"/>
+          </a:xfrm>
+          <a:prstGeom prst="rect">
+            <a:avLst/>
+          </a:prstGeom>
+          <a:noFill/>
+        </p:spPr>
+        <p:txBody>
+          <a:bodyPr wrap="square" rtlCol="0">
+            <a:spAutoFit/>
           </a:bodyPr>
           <a:lstStyle/>
           <a:p>
-            <a:pPr lvl="0"/>
-            <a:r>
-              <a:rPr lang="fr-FR" sz="2400" dirty="0"/>
-              <a:t>Le commissaire de course lance l’application C++.</a:t>
-            </a:r>
-          </a:p>
-          <a:p>
-            <a:pPr marL="0" lvl="0" indent="0">
-              <a:buNone/>
-            </a:pPr>
-            <a:r>
-              <a:rPr lang="fr-FR" sz="2400" dirty="0"/>
-              <a:t> </a:t>
-            </a:r>
-          </a:p>
-          <a:p>
-            <a:pPr lvl="0"/>
-            <a:r>
-              <a:rPr lang="fr-FR" sz="2400" dirty="0"/>
-              <a:t>Il va sélectionner la course qu’il voudra démarrer.</a:t>
-            </a:r>
-          </a:p>
-          <a:p>
-            <a:pPr marL="0" lvl="0" indent="0">
-              <a:buNone/>
-            </a:pPr>
-            <a:endParaRPr lang="fr-FR" sz="2400" dirty="0"/>
-          </a:p>
-          <a:p>
-            <a:pPr lvl="0"/>
-            <a:r>
-              <a:rPr lang="fr-FR" sz="2400" dirty="0"/>
-              <a:t>Il va ensuite cliquer sur le bouton de démarrage de la course.</a:t>
-            </a:r>
-          </a:p>
-          <a:p>
-            <a:pPr marL="0" lvl="0" indent="0">
-              <a:buNone/>
-            </a:pPr>
-            <a:endParaRPr lang="fr-FR" sz="2400" dirty="0"/>
-          </a:p>
-          <a:p>
-            <a:pPr lvl="0"/>
-            <a:r>
-              <a:rPr lang="fr-FR" sz="2400" dirty="0"/>
-              <a:t>Une fois la course démarrée, il pourra cliquer sur « afficheur LED » s’il y en a un. </a:t>
-            </a:r>
-          </a:p>
-          <a:p>
-            <a:pPr marL="0" lvl="0" indent="0">
-              <a:buNone/>
-            </a:pPr>
-            <a:endParaRPr lang="fr-FR" sz="2400" dirty="0"/>
-          </a:p>
-          <a:p>
-            <a:pPr lvl="0"/>
-            <a:r>
-              <a:rPr lang="fr-FR" sz="2400" dirty="0"/>
-              <a:t>L’afficheur LED va afficher le temps du premier ou/et le temps moyen des coureurs.</a:t>
-            </a:r>
-          </a:p>
-          <a:p>
-            <a:pPr marL="0" lvl="0" indent="0">
-              <a:buNone/>
-            </a:pPr>
-            <a:endParaRPr lang="fr-FR" sz="2400" dirty="0"/>
-          </a:p>
-          <a:p>
-            <a:pPr lvl="0"/>
-            <a:r>
-              <a:rPr lang="fr-FR" sz="2400" dirty="0"/>
-              <a:t> Quand le lecteur RFID aura détecté un coureur, il enverra ses informations à la base de données.</a:t>
-            </a:r>
-          </a:p>
-          <a:p>
-            <a:pPr marL="0" lvl="0" indent="0">
-              <a:buNone/>
-            </a:pPr>
-            <a:endParaRPr lang="fr-FR" sz="2400" dirty="0"/>
-          </a:p>
-          <a:p>
-            <a:pPr lvl="0"/>
-            <a:r>
-              <a:rPr lang="fr-FR" sz="2400" dirty="0"/>
-              <a:t>Les informations pourront être ensuite traitées.</a:t>
-            </a:r>
-          </a:p>
-          <a:p>
+            <a:r>
+              <a:rPr lang="fr-FR" dirty="0" smtClean="0"/>
+              <a:t>La boite noire possède ses propres méthodes qui renvoient des valeurs en hexadécimal. Voici un morceau de la documentation :</a:t>
+            </a:r>
             <a:endParaRPr lang="fr-FR" dirty="0"/>
+          </a:p>
+        </p:txBody>
+      </p:sp>
+      <p:pic>
+        <p:nvPicPr>
+          <p:cNvPr id="8" name="Image 7"/>
+          <p:cNvPicPr>
+            <a:picLocks noChangeAspect="1"/>
+          </p:cNvPicPr>
+          <p:nvPr/>
+        </p:nvPicPr>
+        <p:blipFill rotWithShape="1">
+          <a:blip r:embed="rId3" cstate="print">
+            <a:extLst>
+              <a:ext uri="{28A0092B-C50C-407E-A947-70E740481C1C}">
+                <a14:useLocalDpi xmlns:a14="http://schemas.microsoft.com/office/drawing/2010/main" val="0"/>
+              </a:ext>
+            </a:extLst>
+          </a:blip>
+          <a:srcRect t="15623" r="48923" b="8687"/>
+          <a:stretch/>
+        </p:blipFill>
+        <p:spPr>
+          <a:xfrm rot="16200000">
+            <a:off x="8020766" y="703484"/>
+            <a:ext cx="2747540" cy="5428672"/>
+          </a:xfrm>
+          <a:prstGeom prst="rect">
+            <a:avLst/>
+          </a:prstGeom>
+        </p:spPr>
+      </p:pic>
+      <p:sp>
+        <p:nvSpPr>
+          <p:cNvPr id="9" name="ZoneTexte 8"/>
+          <p:cNvSpPr txBox="1"/>
+          <p:nvPr/>
+        </p:nvSpPr>
+        <p:spPr>
+          <a:xfrm>
+            <a:off x="6720608" y="4950890"/>
+            <a:ext cx="1715655" cy="1200329"/>
+          </a:xfrm>
+          <a:prstGeom prst="rect">
+            <a:avLst/>
+          </a:prstGeom>
+          <a:noFill/>
+        </p:spPr>
+        <p:txBody>
+          <a:bodyPr wrap="square" rtlCol="0">
+            <a:spAutoFit/>
+          </a:bodyPr>
+          <a:lstStyle/>
+          <a:p>
+            <a:pPr algn="r"/>
+            <a:r>
+              <a:rPr lang="fr-FR" dirty="0" smtClean="0"/>
+              <a:t>STX : 0x00</a:t>
+            </a:r>
+          </a:p>
+          <a:p>
+            <a:pPr algn="r"/>
+            <a:r>
+              <a:rPr lang="fr-FR" dirty="0" smtClean="0"/>
+              <a:t>TAB : 0x09</a:t>
+            </a:r>
+          </a:p>
+          <a:p>
+            <a:pPr algn="r"/>
+            <a:r>
+              <a:rPr lang="fr-FR" dirty="0" smtClean="0"/>
+              <a:t>CR : 0x00</a:t>
+            </a:r>
+          </a:p>
+          <a:p>
+            <a:pPr algn="r"/>
+            <a:r>
+              <a:rPr lang="fr-FR" dirty="0" smtClean="0"/>
+              <a:t>SPACE : 0x20</a:t>
+            </a:r>
+            <a:endParaRPr lang="fr-FR" dirty="0"/>
+          </a:p>
+        </p:txBody>
+      </p:sp>
+      <p:sp>
+        <p:nvSpPr>
+          <p:cNvPr id="10" name="Flèche à angle droit 9"/>
+          <p:cNvSpPr/>
+          <p:nvPr/>
+        </p:nvSpPr>
+        <p:spPr>
+          <a:xfrm rot="5400000" flipV="1">
+            <a:off x="7027424" y="5581366"/>
+            <a:ext cx="225138" cy="202622"/>
+          </a:xfrm>
+          <a:prstGeom prst="bentUpArrow">
+            <a:avLst>
+              <a:gd name="adj1" fmla="val 20897"/>
+              <a:gd name="adj2" fmla="val 29103"/>
+              <a:gd name="adj3" fmla="val 29103"/>
+            </a:avLst>
+          </a:prstGeom>
+        </p:spPr>
+        <p:style>
+          <a:lnRef idx="2">
+            <a:schemeClr val="dk1">
+              <a:shade val="50000"/>
+            </a:schemeClr>
+          </a:lnRef>
+          <a:fillRef idx="1">
+            <a:schemeClr val="dk1"/>
+          </a:fillRef>
+          <a:effectRef idx="0">
+            <a:schemeClr val="dk1"/>
+          </a:effectRef>
+          <a:fontRef idx="minor">
+            <a:schemeClr val="lt1"/>
+          </a:fontRef>
+        </p:style>
+        <p:txBody>
+          <a:bodyPr rtlCol="0" anchor="ctr"/>
+          <a:lstStyle/>
+          <a:p>
+            <a:pPr algn="ctr"/>
+            <a:endParaRPr lang="fr-FR"/>
+          </a:p>
+        </p:txBody>
+      </p:sp>
+      <p:sp>
+        <p:nvSpPr>
+          <p:cNvPr id="11" name="Flèche droite 10"/>
+          <p:cNvSpPr/>
+          <p:nvPr/>
+        </p:nvSpPr>
+        <p:spPr>
+          <a:xfrm>
+            <a:off x="7038112" y="5340703"/>
+            <a:ext cx="237837" cy="127224"/>
+          </a:xfrm>
+          <a:prstGeom prst="rightArrow">
+            <a:avLst/>
+          </a:prstGeom>
+        </p:spPr>
+        <p:style>
+          <a:lnRef idx="2">
+            <a:schemeClr val="dk1">
+              <a:shade val="50000"/>
+            </a:schemeClr>
+          </a:lnRef>
+          <a:fillRef idx="1">
+            <a:schemeClr val="dk1"/>
+          </a:fillRef>
+          <a:effectRef idx="0">
+            <a:schemeClr val="dk1"/>
+          </a:effectRef>
+          <a:fontRef idx="minor">
+            <a:schemeClr val="lt1"/>
+          </a:fontRef>
+        </p:style>
+        <p:txBody>
+          <a:bodyPr rtlCol="0" anchor="ctr"/>
+          <a:lstStyle/>
+          <a:p>
+            <a:pPr algn="ctr"/>
+            <a:endParaRPr lang="fr-FR"/>
+          </a:p>
+        </p:txBody>
+      </p:sp>
+      <p:sp>
+        <p:nvSpPr>
+          <p:cNvPr id="12" name="Flèche à angle droit 11"/>
+          <p:cNvSpPr/>
+          <p:nvPr/>
+        </p:nvSpPr>
+        <p:spPr>
+          <a:xfrm rot="5400000">
+            <a:off x="7056583" y="5039594"/>
+            <a:ext cx="192807" cy="192809"/>
+          </a:xfrm>
+          <a:prstGeom prst="bentUpArrow">
+            <a:avLst/>
+          </a:prstGeom>
+        </p:spPr>
+        <p:style>
+          <a:lnRef idx="2">
+            <a:schemeClr val="dk1">
+              <a:shade val="50000"/>
+            </a:schemeClr>
+          </a:lnRef>
+          <a:fillRef idx="1">
+            <a:schemeClr val="dk1"/>
+          </a:fillRef>
+          <a:effectRef idx="0">
+            <a:schemeClr val="dk1"/>
+          </a:effectRef>
+          <a:fontRef idx="minor">
+            <a:schemeClr val="lt1"/>
+          </a:fontRef>
+        </p:style>
+        <p:txBody>
+          <a:bodyPr rtlCol="0" anchor="ctr"/>
+          <a:lstStyle/>
+          <a:p>
+            <a:pPr algn="ctr"/>
+            <a:endParaRPr lang="fr-FR"/>
+          </a:p>
+        </p:txBody>
+      </p:sp>
+      <p:sp>
+        <p:nvSpPr>
+          <p:cNvPr id="13" name="Flèche vers le bas 12"/>
+          <p:cNvSpPr/>
+          <p:nvPr/>
+        </p:nvSpPr>
+        <p:spPr>
+          <a:xfrm>
+            <a:off x="6987308" y="5883377"/>
+            <a:ext cx="80819" cy="179711"/>
+          </a:xfrm>
+          <a:prstGeom prst="downArrow">
+            <a:avLst/>
+          </a:prstGeom>
+        </p:spPr>
+        <p:style>
+          <a:lnRef idx="2">
+            <a:schemeClr val="dk1">
+              <a:shade val="50000"/>
+            </a:schemeClr>
+          </a:lnRef>
+          <a:fillRef idx="1">
+            <a:schemeClr val="dk1"/>
+          </a:fillRef>
+          <a:effectRef idx="0">
+            <a:schemeClr val="dk1"/>
+          </a:effectRef>
+          <a:fontRef idx="minor">
+            <a:schemeClr val="lt1"/>
+          </a:fontRef>
+        </p:style>
+        <p:txBody>
+          <a:bodyPr rtlCol="0" anchor="ctr"/>
+          <a:lstStyle/>
+          <a:p>
+            <a:pPr algn="ctr"/>
+            <a:endParaRPr lang="fr-FR"/>
           </a:p>
         </p:txBody>
       </p:sp>
     </p:spTree>
     <p:extLst>
       <p:ext uri="{BB962C8B-B14F-4D97-AF65-F5344CB8AC3E}">
-        <p14:creationId xmlns:p14="http://schemas.microsoft.com/office/powerpoint/2010/main" val="1024622025"/>
+        <p14:creationId xmlns:p14="http://schemas.microsoft.com/office/powerpoint/2010/main" val="4282450701"/>
       </p:ext>
     </p:extLst>
   </p:cSld>
@@ -7396,9 +7954,9 @@
     <p:bg>
       <p:bgPr>
         <a:solidFill>
-          <a:schemeClr val="accent2">
-            <a:lumMod val="40000"/>
-            <a:lumOff val="60000"/>
+          <a:schemeClr val="accent6">
+            <a:lumMod val="20000"/>
+            <a:lumOff val="80000"/>
           </a:schemeClr>
         </a:solidFill>
         <a:effectLst/>
@@ -7428,598 +7986,162 @@
             <p:ph type="title"/>
           </p:nvPr>
         </p:nvSpPr>
-        <p:spPr>
-          <a:xfrm>
-            <a:off x="838200" y="-1"/>
-            <a:ext cx="10515600" cy="1512277"/>
-          </a:xfrm>
-        </p:spPr>
+        <p:spPr/>
+        <p:txBody>
+          <a:bodyPr/>
+          <a:lstStyle/>
+          <a:p>
+            <a:r>
+              <a:rPr lang="fr-FR" dirty="0">
+                <a:solidFill>
+                  <a:schemeClr val="accent6">
+                    <a:lumMod val="75000"/>
+                  </a:schemeClr>
+                </a:solidFill>
+              </a:rPr>
+              <a:t>Etudiant 3 : </a:t>
+            </a:r>
+            <a:r>
+              <a:rPr lang="fr-FR" dirty="0" err="1">
+                <a:solidFill>
+                  <a:schemeClr val="accent6">
+                    <a:lumMod val="75000"/>
+                  </a:schemeClr>
+                </a:solidFill>
+              </a:rPr>
+              <a:t>Lapraye</a:t>
+            </a:r>
+            <a:r>
+              <a:rPr lang="fr-FR" dirty="0">
+                <a:solidFill>
+                  <a:schemeClr val="accent6">
+                    <a:lumMod val="75000"/>
+                  </a:schemeClr>
+                </a:solidFill>
+              </a:rPr>
+              <a:t> Serge</a:t>
+            </a:r>
+          </a:p>
+        </p:txBody>
+      </p:sp>
+      <p:sp>
+        <p:nvSpPr>
+          <p:cNvPr id="3" name="Espace réservé du contenu 2"/>
+          <p:cNvSpPr>
+            <a:spLocks noGrp="1"/>
+          </p:cNvSpPr>
+          <p:nvPr>
+            <p:ph idx="1"/>
+          </p:nvPr>
+        </p:nvSpPr>
+        <p:spPr/>
         <p:txBody>
           <a:bodyPr>
-            <a:normAutofit fontScale="90000"/>
+            <a:normAutofit fontScale="92500" lnSpcReduction="20000"/>
           </a:bodyPr>
           <a:lstStyle/>
           <a:p>
             <a:r>
-              <a:rPr lang="fr-FR" sz="3600" dirty="0"/>
-              <a:t>II) Etude physique lecteur RFID pour les courses</a:t>
-            </a:r>
-            <a:br>
-              <a:rPr lang="fr-FR" sz="3600" dirty="0"/>
-            </a:br>
-            <a:r>
-              <a:rPr lang="fr-FR" sz="3600" dirty="0"/>
-              <a:t>	</a:t>
-            </a:r>
-            <a:r>
-              <a:rPr lang="fr-FR" sz="3100" dirty="0"/>
-              <a:t>1) Matériel</a:t>
-            </a:r>
-            <a:r>
-              <a:rPr lang="fr-FR" sz="2800" dirty="0"/>
-              <a:t/>
-            </a:r>
-            <a:br>
-              <a:rPr lang="fr-FR" sz="2800" dirty="0"/>
-            </a:br>
-            <a:r>
-              <a:rPr lang="fr-FR" sz="2800" dirty="0"/>
-              <a:t>		</a:t>
-            </a:r>
-            <a:r>
-              <a:rPr lang="fr-FR" sz="2400" dirty="0"/>
-              <a:t>a) Antenne</a:t>
-            </a:r>
-            <a:br>
-              <a:rPr lang="fr-FR" sz="2400" dirty="0"/>
-            </a:br>
-            <a:r>
-              <a:rPr lang="fr-FR" sz="2400" dirty="0"/>
-              <a:t>		b) Dossard </a:t>
-            </a:r>
-            <a:r>
-              <a:rPr lang="fr-FR" sz="2400" dirty="0" err="1"/>
-              <a:t>DAGs</a:t>
-            </a:r>
-            <a:endParaRPr lang="fr-FR" sz="3600" dirty="0"/>
-          </a:p>
-        </p:txBody>
-      </p:sp>
-      <p:sp>
-        <p:nvSpPr>
-          <p:cNvPr id="3" name="Espace réservé du contenu 2"/>
-          <p:cNvSpPr>
-            <a:spLocks noGrp="1"/>
-          </p:cNvSpPr>
-          <p:nvPr>
-            <p:ph idx="1"/>
-          </p:nvPr>
-        </p:nvSpPr>
-        <p:spPr>
-          <a:xfrm>
-            <a:off x="838200" y="1864072"/>
-            <a:ext cx="7391400" cy="2007466"/>
-          </a:xfrm>
-        </p:spPr>
-        <p:txBody>
-          <a:bodyPr/>
-          <a:lstStyle/>
-          <a:p>
-            <a:r>
-              <a:rPr lang="fr-FR" sz="1600" dirty="0"/>
-              <a:t>Le DAG est une puce passive (13,56 Mhz) de haute fréquence. </a:t>
-            </a:r>
-            <a:endParaRPr lang="fr-FR" sz="1600" dirty="0" smtClean="0"/>
-          </a:p>
-          <a:p>
-            <a:r>
-              <a:rPr lang="fr-FR" sz="1600" dirty="0" smtClean="0"/>
-              <a:t>Il </a:t>
-            </a:r>
-            <a:r>
-              <a:rPr lang="fr-FR" sz="1600" dirty="0"/>
-              <a:t>doit être activé pour communiquer. </a:t>
-            </a:r>
-          </a:p>
-          <a:p>
-            <a:r>
-              <a:rPr lang="fr-FR" sz="1600" dirty="0"/>
-              <a:t>Le boitier d’interface + l’antenne créent un </a:t>
-            </a:r>
-          </a:p>
-          <a:p>
-            <a:pPr marL="0" indent="0">
-              <a:buNone/>
-            </a:pPr>
-            <a:r>
-              <a:rPr lang="fr-FR" sz="1600" dirty="0" smtClean="0"/>
-              <a:t>champ </a:t>
-            </a:r>
-            <a:r>
-              <a:rPr lang="fr-FR" sz="1600" dirty="0"/>
-              <a:t>magnétique pour activer la puce. </a:t>
-            </a:r>
-          </a:p>
-          <a:p>
-            <a:r>
-              <a:rPr lang="fr-FR" sz="1600" dirty="0"/>
-              <a:t>Le lecteur communique avec la puce. </a:t>
-            </a:r>
-          </a:p>
-          <a:p>
-            <a:endParaRPr lang="fr-FR" dirty="0"/>
-          </a:p>
-        </p:txBody>
-      </p:sp>
-      <p:pic>
-        <p:nvPicPr>
-          <p:cNvPr id="4" name="Image 3"/>
-          <p:cNvPicPr/>
-          <p:nvPr/>
-        </p:nvPicPr>
-        <p:blipFill rotWithShape="1">
-          <a:blip r:embed="rId2">
-            <a:extLst>
-              <a:ext uri="{28A0092B-C50C-407E-A947-70E740481C1C}">
-                <a14:useLocalDpi xmlns:a14="http://schemas.microsoft.com/office/drawing/2010/main" val="0"/>
-              </a:ext>
-            </a:extLst>
-          </a:blip>
-          <a:srcRect l="7607" t="2145" r="4196" b="5927"/>
-          <a:stretch/>
-        </p:blipFill>
-        <p:spPr>
-          <a:xfrm>
-            <a:off x="5318991" y="2202048"/>
-            <a:ext cx="1923473" cy="1669490"/>
-          </a:xfrm>
-          <a:prstGeom prst="rect">
-            <a:avLst/>
-          </a:prstGeom>
-        </p:spPr>
-      </p:pic>
-      <p:sp>
-        <p:nvSpPr>
-          <p:cNvPr id="5" name="Rectangle 4"/>
-          <p:cNvSpPr/>
-          <p:nvPr/>
-        </p:nvSpPr>
-        <p:spPr>
-          <a:xfrm>
-            <a:off x="7506854" y="4328964"/>
-            <a:ext cx="4479637" cy="2244397"/>
-          </a:xfrm>
-          <a:prstGeom prst="rect">
-            <a:avLst/>
-          </a:prstGeom>
-        </p:spPr>
-        <p:txBody>
-          <a:bodyPr wrap="square">
-            <a:spAutoFit/>
-          </a:bodyPr>
-          <a:lstStyle/>
-          <a:p>
-            <a:pPr algn="r">
-              <a:lnSpc>
-                <a:spcPct val="107000"/>
-              </a:lnSpc>
-              <a:spcAft>
-                <a:spcPts val="800"/>
-              </a:spcAft>
-            </a:pPr>
-            <a:r>
-              <a:rPr lang="fr-FR" sz="1600" dirty="0">
-                <a:latin typeface="Calibri" panose="020F0502020204030204" pitchFamily="34" charset="0"/>
-                <a:ea typeface="SimSun" panose="02010600030101010101" pitchFamily="2" charset="-122"/>
-                <a:cs typeface="Times New Roman" panose="02020603050405020304" pitchFamily="18" charset="0"/>
-              </a:rPr>
-              <a:t>La détection se produit lorsque le participant entre dans le champ magnétique. </a:t>
-            </a:r>
-            <a:endParaRPr lang="fr-FR" sz="1400" dirty="0">
-              <a:latin typeface="Calibri" panose="020F0502020204030204" pitchFamily="34" charset="0"/>
-              <a:ea typeface="SimSun" panose="02010600030101010101" pitchFamily="2" charset="-122"/>
-              <a:cs typeface="Times New Roman" panose="02020603050405020304" pitchFamily="18" charset="0"/>
-            </a:endParaRPr>
-          </a:p>
-          <a:p>
-            <a:pPr algn="r">
-              <a:lnSpc>
-                <a:spcPct val="107000"/>
-              </a:lnSpc>
-              <a:spcAft>
-                <a:spcPts val="800"/>
-              </a:spcAft>
-            </a:pPr>
-            <a:r>
-              <a:rPr lang="fr-FR" sz="1600" dirty="0">
-                <a:latin typeface="Calibri" panose="020F0502020204030204" pitchFamily="34" charset="0"/>
-                <a:ea typeface="SimSun" panose="02010600030101010101" pitchFamily="2" charset="-122"/>
-                <a:cs typeface="Times New Roman" panose="02020603050405020304" pitchFamily="18" charset="0"/>
-              </a:rPr>
-              <a:t>Précision = 1/10 secondes. </a:t>
-            </a:r>
-            <a:endParaRPr lang="fr-FR" sz="1400" dirty="0">
-              <a:latin typeface="Calibri" panose="020F0502020204030204" pitchFamily="34" charset="0"/>
-              <a:ea typeface="SimSun" panose="02010600030101010101" pitchFamily="2" charset="-122"/>
-              <a:cs typeface="Times New Roman" panose="02020603050405020304" pitchFamily="18" charset="0"/>
-            </a:endParaRPr>
-          </a:p>
-          <a:p>
-            <a:pPr algn="r">
-              <a:lnSpc>
-                <a:spcPct val="107000"/>
-              </a:lnSpc>
-              <a:spcAft>
-                <a:spcPts val="800"/>
-              </a:spcAft>
-            </a:pPr>
-            <a:r>
-              <a:rPr lang="fr-FR" sz="1600" dirty="0">
-                <a:latin typeface="Calibri" panose="020F0502020204030204" pitchFamily="34" charset="0"/>
-                <a:ea typeface="SimSun" panose="02010600030101010101" pitchFamily="2" charset="-122"/>
-                <a:cs typeface="Times New Roman" panose="02020603050405020304" pitchFamily="18" charset="0"/>
-              </a:rPr>
-              <a:t>Un DAG ne peut pas fonctionner correctement si : </a:t>
-            </a:r>
-            <a:endParaRPr lang="fr-FR" sz="1400" dirty="0">
-              <a:latin typeface="Calibri" panose="020F0502020204030204" pitchFamily="34" charset="0"/>
-              <a:ea typeface="SimSun" panose="02010600030101010101" pitchFamily="2" charset="-122"/>
-              <a:cs typeface="Times New Roman" panose="02020603050405020304" pitchFamily="18" charset="0"/>
-            </a:endParaRPr>
-          </a:p>
-          <a:p>
-            <a:pPr marL="342900" lvl="0" indent="-342900" algn="r">
-              <a:lnSpc>
-                <a:spcPct val="107000"/>
-              </a:lnSpc>
-              <a:spcAft>
-                <a:spcPts val="0"/>
-              </a:spcAft>
-              <a:buFont typeface="Wingdings" panose="05000000000000000000" pitchFamily="2" charset="2"/>
-              <a:buChar char=""/>
-            </a:pPr>
-            <a:r>
-              <a:rPr lang="fr-FR" sz="1600" dirty="0">
-                <a:latin typeface="Calibri" panose="020F0502020204030204" pitchFamily="34" charset="0"/>
-                <a:ea typeface="Calibri" panose="020F0502020204030204" pitchFamily="34" charset="0"/>
-                <a:cs typeface="Times New Roman" panose="02020603050405020304" pitchFamily="18" charset="0"/>
-              </a:rPr>
-              <a:t> Il est collé sur du métal </a:t>
-            </a:r>
-            <a:endParaRPr lang="fr-FR" sz="1400" dirty="0">
-              <a:latin typeface="Calibri" panose="020F0502020204030204" pitchFamily="34" charset="0"/>
-              <a:ea typeface="Calibri" panose="020F0502020204030204" pitchFamily="34" charset="0"/>
-              <a:cs typeface="Times New Roman" panose="02020603050405020304" pitchFamily="18" charset="0"/>
-            </a:endParaRPr>
-          </a:p>
-          <a:p>
-            <a:pPr marL="342900" lvl="0" indent="-342900" algn="r">
-              <a:lnSpc>
-                <a:spcPct val="107000"/>
-              </a:lnSpc>
-              <a:spcAft>
-                <a:spcPts val="0"/>
-              </a:spcAft>
-              <a:buFont typeface="Wingdings" panose="05000000000000000000" pitchFamily="2" charset="2"/>
-              <a:buChar char=""/>
-            </a:pPr>
-            <a:r>
-              <a:rPr lang="fr-FR" sz="1600" dirty="0">
-                <a:latin typeface="Calibri" panose="020F0502020204030204" pitchFamily="34" charset="0"/>
-                <a:ea typeface="Calibri" panose="020F0502020204030204" pitchFamily="34" charset="0"/>
-                <a:cs typeface="Times New Roman" panose="02020603050405020304" pitchFamily="18" charset="0"/>
-              </a:rPr>
-              <a:t> Il est plié</a:t>
-            </a:r>
-            <a:endParaRPr lang="fr-FR" sz="1400" dirty="0">
-              <a:latin typeface="Calibri" panose="020F0502020204030204" pitchFamily="34" charset="0"/>
-              <a:ea typeface="Calibri" panose="020F0502020204030204" pitchFamily="34" charset="0"/>
-              <a:cs typeface="Times New Roman" panose="02020603050405020304" pitchFamily="18" charset="0"/>
-            </a:endParaRPr>
-          </a:p>
-          <a:p>
-            <a:pPr marL="342900" lvl="0" indent="-342900" algn="r">
-              <a:lnSpc>
-                <a:spcPct val="107000"/>
-              </a:lnSpc>
-              <a:spcAft>
-                <a:spcPts val="800"/>
-              </a:spcAft>
-              <a:buFont typeface="Wingdings" panose="05000000000000000000" pitchFamily="2" charset="2"/>
-              <a:buChar char=""/>
-            </a:pPr>
-            <a:r>
-              <a:rPr lang="fr-FR" sz="1600" dirty="0">
-                <a:latin typeface="Calibri" panose="020F0502020204030204" pitchFamily="34" charset="0"/>
-                <a:ea typeface="Calibri" panose="020F0502020204030204" pitchFamily="34" charset="0"/>
-                <a:cs typeface="Times New Roman" panose="02020603050405020304" pitchFamily="18" charset="0"/>
-              </a:rPr>
-              <a:t> Il est déchiré. </a:t>
-            </a:r>
-            <a:endParaRPr lang="fr-FR" sz="1400" dirty="0">
-              <a:effectLst/>
-              <a:latin typeface="Calibri" panose="020F0502020204030204" pitchFamily="34" charset="0"/>
-              <a:ea typeface="Calibri" panose="020F0502020204030204" pitchFamily="34" charset="0"/>
-              <a:cs typeface="Times New Roman" panose="02020603050405020304" pitchFamily="18" charset="0"/>
-            </a:endParaRPr>
-          </a:p>
-        </p:txBody>
-      </p:sp>
-      <p:pic>
-        <p:nvPicPr>
-          <p:cNvPr id="6" name="Image 5"/>
-          <p:cNvPicPr/>
-          <p:nvPr/>
-        </p:nvPicPr>
-        <p:blipFill rotWithShape="1">
-          <a:blip r:embed="rId3">
-            <a:extLst>
-              <a:ext uri="{28A0092B-C50C-407E-A947-70E740481C1C}">
-                <a14:useLocalDpi xmlns:a14="http://schemas.microsoft.com/office/drawing/2010/main" val="0"/>
-              </a:ext>
-            </a:extLst>
-          </a:blip>
-          <a:srcRect l="4497" t="3529" r="4497" b="5459"/>
-          <a:stretch/>
-        </p:blipFill>
-        <p:spPr>
-          <a:xfrm>
-            <a:off x="10388598" y="2867805"/>
-            <a:ext cx="1505527" cy="1426797"/>
-          </a:xfrm>
-          <a:prstGeom prst="rect">
-            <a:avLst/>
-          </a:prstGeom>
-        </p:spPr>
-      </p:pic>
-      <p:sp>
-        <p:nvSpPr>
-          <p:cNvPr id="7" name="Rectangle 6"/>
-          <p:cNvSpPr/>
-          <p:nvPr/>
-        </p:nvSpPr>
-        <p:spPr>
-          <a:xfrm>
-            <a:off x="838200" y="4328554"/>
-            <a:ext cx="3474027" cy="1878335"/>
-          </a:xfrm>
-          <a:prstGeom prst="rect">
-            <a:avLst/>
-          </a:prstGeom>
-        </p:spPr>
-        <p:txBody>
-          <a:bodyPr wrap="square">
-            <a:spAutoFit/>
-          </a:bodyPr>
-          <a:lstStyle/>
-          <a:p>
-            <a:pPr>
-              <a:lnSpc>
-                <a:spcPct val="107000"/>
-              </a:lnSpc>
-              <a:spcAft>
-                <a:spcPts val="800"/>
-              </a:spcAft>
-            </a:pPr>
-            <a:r>
-              <a:rPr lang="fr-FR" sz="1600" dirty="0">
-                <a:latin typeface="Calibri" panose="020F0502020204030204" pitchFamily="34" charset="0"/>
-                <a:ea typeface="SimSun" panose="02010600030101010101" pitchFamily="2" charset="-122"/>
-                <a:cs typeface="Times New Roman" panose="02020603050405020304" pitchFamily="18" charset="0"/>
-              </a:rPr>
-              <a:t>Un lecteur peut détecter 120 DAG / </a:t>
-            </a:r>
-            <a:r>
-              <a:rPr lang="fr-FR" sz="1600" dirty="0" smtClean="0">
-                <a:latin typeface="Calibri" panose="020F0502020204030204" pitchFamily="34" charset="0"/>
-                <a:ea typeface="SimSun" panose="02010600030101010101" pitchFamily="2" charset="-122"/>
-                <a:cs typeface="Times New Roman" panose="02020603050405020304" pitchFamily="18" charset="0"/>
-              </a:rPr>
-              <a:t>seconde.  </a:t>
-            </a:r>
-            <a:endParaRPr lang="fr-FR" sz="1400" dirty="0">
-              <a:latin typeface="Calibri" panose="020F0502020204030204" pitchFamily="34" charset="0"/>
-              <a:ea typeface="SimSun" panose="02010600030101010101" pitchFamily="2" charset="-122"/>
-              <a:cs typeface="Times New Roman" panose="02020603050405020304" pitchFamily="18" charset="0"/>
-            </a:endParaRPr>
-          </a:p>
-          <a:p>
-            <a:pPr>
-              <a:lnSpc>
-                <a:spcPct val="107000"/>
-              </a:lnSpc>
-              <a:spcAft>
-                <a:spcPts val="800"/>
-              </a:spcAft>
-            </a:pPr>
-            <a:r>
-              <a:rPr lang="fr-FR" sz="1600" dirty="0">
-                <a:latin typeface="Calibri" panose="020F0502020204030204" pitchFamily="34" charset="0"/>
-                <a:ea typeface="SimSun" panose="02010600030101010101" pitchFamily="2" charset="-122"/>
-                <a:cs typeface="Times New Roman" panose="02020603050405020304" pitchFamily="18" charset="0"/>
-              </a:rPr>
-              <a:t>Un lecteur peut être branché sur tous les types </a:t>
-            </a:r>
-            <a:r>
-              <a:rPr lang="fr-FR" sz="1600" dirty="0" smtClean="0">
-                <a:latin typeface="Calibri" panose="020F0502020204030204" pitchFamily="34" charset="0"/>
-                <a:ea typeface="SimSun" panose="02010600030101010101" pitchFamily="2" charset="-122"/>
-                <a:cs typeface="Times New Roman" panose="02020603050405020304" pitchFamily="18" charset="0"/>
-              </a:rPr>
-              <a:t>d’antennes. </a:t>
-            </a:r>
-            <a:endParaRPr lang="fr-FR" sz="1400" dirty="0">
-              <a:latin typeface="Calibri" panose="020F0502020204030204" pitchFamily="34" charset="0"/>
-              <a:ea typeface="SimSun" panose="02010600030101010101" pitchFamily="2" charset="-122"/>
-              <a:cs typeface="Times New Roman" panose="02020603050405020304" pitchFamily="18" charset="0"/>
-            </a:endParaRPr>
-          </a:p>
-          <a:p>
-            <a:pPr>
-              <a:lnSpc>
-                <a:spcPct val="107000"/>
-              </a:lnSpc>
-              <a:spcAft>
-                <a:spcPts val="800"/>
-              </a:spcAft>
-            </a:pPr>
-            <a:r>
-              <a:rPr lang="fr-FR" sz="1600" dirty="0">
-                <a:latin typeface="Calibri" panose="020F0502020204030204" pitchFamily="34" charset="0"/>
-                <a:ea typeface="SimSun" panose="02010600030101010101" pitchFamily="2" charset="-122"/>
-                <a:cs typeface="Times New Roman" panose="02020603050405020304" pitchFamily="18" charset="0"/>
-              </a:rPr>
-              <a:t>Les lecteurs DAG System sont conçu pour lire uniquement les </a:t>
-            </a:r>
-            <a:r>
-              <a:rPr lang="fr-FR" sz="1600" dirty="0" err="1">
-                <a:latin typeface="Calibri" panose="020F0502020204030204" pitchFamily="34" charset="0"/>
-                <a:ea typeface="SimSun" panose="02010600030101010101" pitchFamily="2" charset="-122"/>
-                <a:cs typeface="Times New Roman" panose="02020603050405020304" pitchFamily="18" charset="0"/>
-              </a:rPr>
-              <a:t>DAGs</a:t>
-            </a:r>
-            <a:r>
-              <a:rPr lang="fr-FR" sz="1600" dirty="0">
-                <a:latin typeface="Calibri" panose="020F0502020204030204" pitchFamily="34" charset="0"/>
-                <a:ea typeface="SimSun" panose="02010600030101010101" pitchFamily="2" charset="-122"/>
-                <a:cs typeface="Times New Roman" panose="02020603050405020304" pitchFamily="18" charset="0"/>
-              </a:rPr>
-              <a:t>.</a:t>
-            </a:r>
-            <a:endParaRPr lang="fr-FR" sz="1400" dirty="0">
-              <a:effectLst/>
-              <a:latin typeface="Calibri" panose="020F0502020204030204" pitchFamily="34" charset="0"/>
-              <a:ea typeface="SimSun" panose="02010600030101010101" pitchFamily="2" charset="-122"/>
-              <a:cs typeface="Times New Roman" panose="02020603050405020304" pitchFamily="18" charset="0"/>
-            </a:endParaRPr>
-          </a:p>
-        </p:txBody>
-      </p:sp>
-      <p:pic>
-        <p:nvPicPr>
-          <p:cNvPr id="8" name="Image 7"/>
-          <p:cNvPicPr/>
-          <p:nvPr/>
-        </p:nvPicPr>
-        <p:blipFill rotWithShape="1">
-          <a:blip r:embed="rId4">
-            <a:extLst>
-              <a:ext uri="{28A0092B-C50C-407E-A947-70E740481C1C}">
-                <a14:useLocalDpi xmlns:a14="http://schemas.microsoft.com/office/drawing/2010/main" val="0"/>
-              </a:ext>
-            </a:extLst>
-          </a:blip>
-          <a:srcRect l="2692" t="1251" r="5783" b="5113"/>
-          <a:stretch/>
-        </p:blipFill>
-        <p:spPr>
-          <a:xfrm>
-            <a:off x="4533900" y="4649113"/>
-            <a:ext cx="1570183" cy="1382423"/>
-          </a:xfrm>
-          <a:prstGeom prst="rect">
-            <a:avLst/>
-          </a:prstGeom>
-        </p:spPr>
-      </p:pic>
-      <p:sp>
-        <p:nvSpPr>
-          <p:cNvPr id="9" name="ZoneTexte 8"/>
-          <p:cNvSpPr txBox="1"/>
-          <p:nvPr/>
-        </p:nvSpPr>
-        <p:spPr>
-          <a:xfrm>
-            <a:off x="7620000" y="2336800"/>
-            <a:ext cx="4451927" cy="4350327"/>
-          </a:xfrm>
-          <a:prstGeom prst="rect">
-            <a:avLst/>
-          </a:prstGeom>
-          <a:noFill/>
-          <a:ln>
-            <a:solidFill>
-              <a:schemeClr val="tx1"/>
-            </a:solidFill>
-          </a:ln>
-        </p:spPr>
-        <p:txBody>
-          <a:bodyPr wrap="square" rtlCol="0">
-            <a:spAutoFit/>
-          </a:bodyPr>
-          <a:lstStyle/>
-          <a:p>
-            <a:endParaRPr lang="fr-FR" dirty="0"/>
-          </a:p>
-        </p:txBody>
-      </p:sp>
-      <p:sp>
-        <p:nvSpPr>
-          <p:cNvPr id="10" name="ZoneTexte 9"/>
-          <p:cNvSpPr txBox="1"/>
-          <p:nvPr/>
-        </p:nvSpPr>
-        <p:spPr>
-          <a:xfrm>
-            <a:off x="711200" y="1764145"/>
-            <a:ext cx="6659418" cy="2355273"/>
-          </a:xfrm>
-          <a:prstGeom prst="rect">
-            <a:avLst/>
-          </a:prstGeom>
-          <a:noFill/>
-          <a:ln>
-            <a:solidFill>
-              <a:schemeClr val="tx1"/>
-            </a:solidFill>
-          </a:ln>
-        </p:spPr>
-        <p:txBody>
-          <a:bodyPr wrap="square" rtlCol="0">
-            <a:spAutoFit/>
-          </a:bodyPr>
-          <a:lstStyle/>
-          <a:p>
-            <a:endParaRPr lang="fr-FR" dirty="0"/>
-          </a:p>
-        </p:txBody>
-      </p:sp>
-      <p:sp>
-        <p:nvSpPr>
-          <p:cNvPr id="11" name="ZoneTexte 10"/>
-          <p:cNvSpPr txBox="1"/>
-          <p:nvPr/>
-        </p:nvSpPr>
-        <p:spPr>
-          <a:xfrm>
-            <a:off x="711200" y="4328554"/>
-            <a:ext cx="5800436" cy="2090719"/>
-          </a:xfrm>
-          <a:prstGeom prst="rect">
-            <a:avLst/>
-          </a:prstGeom>
-          <a:noFill/>
-          <a:ln>
-            <a:solidFill>
-              <a:schemeClr val="tx1"/>
-            </a:solidFill>
-          </a:ln>
-        </p:spPr>
-        <p:txBody>
-          <a:bodyPr wrap="square" rtlCol="0">
-            <a:spAutoFit/>
-          </a:bodyPr>
-          <a:lstStyle/>
-          <a:p>
-            <a:endParaRPr lang="fr-FR" dirty="0"/>
+              <a:rPr lang="fr-FR" dirty="0"/>
+              <a:t>I) Analyse complète du système</a:t>
+            </a:r>
+          </a:p>
+          <a:p>
+            <a:pPr lvl="1"/>
+            <a:r>
+              <a:rPr lang="fr-FR" dirty="0"/>
+              <a:t>1) Diagramme de cas d’utilisation</a:t>
+            </a:r>
+          </a:p>
+          <a:p>
+            <a:pPr lvl="1"/>
+            <a:r>
+              <a:rPr lang="fr-FR" dirty="0"/>
+              <a:t>2) Scénario</a:t>
+            </a:r>
+          </a:p>
+          <a:p>
+            <a:pPr lvl="1"/>
+            <a:r>
+              <a:rPr lang="fr-FR" dirty="0"/>
+              <a:t>3) Diagramme de séquence</a:t>
+            </a:r>
+          </a:p>
+          <a:p>
+            <a:pPr lvl="2"/>
+            <a:r>
+              <a:rPr lang="fr-FR" dirty="0"/>
+              <a:t>a) Affichage des infos en temps réels</a:t>
+            </a:r>
+          </a:p>
+          <a:p>
+            <a:pPr lvl="2"/>
+            <a:r>
+              <a:rPr lang="fr-FR" dirty="0"/>
+              <a:t>b) Switch de page de par le C++</a:t>
+            </a:r>
+          </a:p>
+          <a:p>
+            <a:r>
+              <a:rPr lang="fr-FR" dirty="0"/>
+              <a:t>II) Etude physique du WI-FI</a:t>
+            </a:r>
+          </a:p>
+          <a:p>
+            <a:pPr lvl="1"/>
+            <a:r>
+              <a:rPr lang="fr-FR" dirty="0"/>
+              <a:t>1) Fonctionnement</a:t>
+            </a:r>
+          </a:p>
+          <a:p>
+            <a:pPr lvl="2"/>
+            <a:r>
+              <a:rPr lang="fr-FR" dirty="0"/>
+              <a:t>a) Introduction du wifi</a:t>
+            </a:r>
+          </a:p>
+          <a:p>
+            <a:pPr lvl="2"/>
+            <a:r>
+              <a:rPr lang="fr-FR" dirty="0"/>
+              <a:t>b) Principe du wifi</a:t>
+            </a:r>
+          </a:p>
+          <a:p>
+            <a:pPr lvl="2"/>
+            <a:r>
+              <a:rPr lang="fr-FR" dirty="0"/>
+              <a:t>c) Principes de fonctionnements</a:t>
+            </a:r>
+          </a:p>
+          <a:p>
+            <a:pPr lvl="1"/>
+            <a:r>
+              <a:rPr lang="fr-FR" dirty="0"/>
+              <a:t>2) Utilisation et choix du WI-FI</a:t>
+            </a:r>
+          </a:p>
+          <a:p>
+            <a:pPr lvl="2"/>
+            <a:r>
+              <a:rPr lang="fr-FR" dirty="0"/>
+              <a:t>a) Utilisation précise du wifi</a:t>
+            </a:r>
+          </a:p>
+          <a:p>
+            <a:pPr lvl="2"/>
+            <a:r>
+              <a:rPr lang="fr-FR" dirty="0"/>
+              <a:t>b) Le choix du wifi</a:t>
+            </a:r>
           </a:p>
         </p:txBody>
       </p:sp>
     </p:spTree>
     <p:extLst>
       <p:ext uri="{BB962C8B-B14F-4D97-AF65-F5344CB8AC3E}">
-        <p14:creationId xmlns:p14="http://schemas.microsoft.com/office/powerpoint/2010/main" val="2600805086"/>
+        <p14:creationId xmlns:p14="http://schemas.microsoft.com/office/powerpoint/2010/main" val="1010092771"/>
       </p:ext>
     </p:extLst>
   </p:cSld>
@@ -8030,481 +8152,6 @@
 </file>
 
 <file path=ppt/slides/slide31.xml><?xml version="1.0" encoding="utf-8"?>
-<p:sld xmlns:a="http://schemas.openxmlformats.org/drawingml/2006/main" xmlns:r="http://schemas.openxmlformats.org/officeDocument/2006/relationships" xmlns:p="http://schemas.openxmlformats.org/presentationml/2006/main">
-  <p:cSld>
-    <p:bg>
-      <p:bgPr>
-        <a:solidFill>
-          <a:schemeClr val="accent2">
-            <a:lumMod val="40000"/>
-            <a:lumOff val="60000"/>
-          </a:schemeClr>
-        </a:solidFill>
-        <a:effectLst/>
-      </p:bgPr>
-    </p:bg>
-    <p:spTree>
-      <p:nvGrpSpPr>
-        <p:cNvPr id="1" name=""/>
-        <p:cNvGrpSpPr/>
-        <p:nvPr/>
-      </p:nvGrpSpPr>
-      <p:grpSpPr>
-        <a:xfrm>
-          <a:off x="0" y="0"/>
-          <a:ext cx="0" cy="0"/>
-          <a:chOff x="0" y="0"/>
-          <a:chExt cx="0" cy="0"/>
-        </a:xfrm>
-      </p:grpSpPr>
-      <p:sp>
-        <p:nvSpPr>
-          <p:cNvPr id="2" name="Titre 1"/>
-          <p:cNvSpPr>
-            <a:spLocks noGrp="1"/>
-          </p:cNvSpPr>
-          <p:nvPr>
-            <p:ph type="title"/>
-          </p:nvPr>
-        </p:nvSpPr>
-        <p:spPr>
-          <a:xfrm>
-            <a:off x="838200" y="0"/>
-            <a:ext cx="10515600" cy="864211"/>
-          </a:xfrm>
-        </p:spPr>
-        <p:txBody>
-          <a:bodyPr>
-            <a:normAutofit/>
-          </a:bodyPr>
-          <a:lstStyle/>
-          <a:p>
-            <a:r>
-              <a:rPr lang="fr-FR" sz="2800" dirty="0"/>
-              <a:t>2) Boite noire</a:t>
-            </a:r>
-            <a:br>
-              <a:rPr lang="fr-FR" sz="2800" dirty="0"/>
-            </a:br>
-            <a:r>
-              <a:rPr lang="fr-FR" sz="2800" dirty="0"/>
-              <a:t>	</a:t>
-            </a:r>
-            <a:r>
-              <a:rPr lang="fr-FR" sz="2400" dirty="0"/>
-              <a:t>a) Principe de fonctionnement</a:t>
-            </a:r>
-            <a:endParaRPr lang="fr-FR" sz="2800" dirty="0"/>
-          </a:p>
-        </p:txBody>
-      </p:sp>
-      <p:pic>
-        <p:nvPicPr>
-          <p:cNvPr id="4" name="Image 3"/>
-          <p:cNvPicPr/>
-          <p:nvPr/>
-        </p:nvPicPr>
-        <p:blipFill>
-          <a:blip r:embed="rId2"/>
-          <a:stretch>
-            <a:fillRect/>
-          </a:stretch>
-        </p:blipFill>
-        <p:spPr>
-          <a:xfrm>
-            <a:off x="90076" y="864211"/>
-            <a:ext cx="6426489" cy="5703367"/>
-          </a:xfrm>
-          <a:prstGeom prst="rect">
-            <a:avLst/>
-          </a:prstGeom>
-        </p:spPr>
-      </p:pic>
-      <p:sp>
-        <p:nvSpPr>
-          <p:cNvPr id="5" name="Rectangle 4"/>
-          <p:cNvSpPr/>
-          <p:nvPr/>
-        </p:nvSpPr>
-        <p:spPr>
-          <a:xfrm>
-            <a:off x="90076" y="4119418"/>
-            <a:ext cx="1415473" cy="1431637"/>
-          </a:xfrm>
-          <a:prstGeom prst="rect">
-            <a:avLst/>
-          </a:prstGeom>
-          <a:solidFill>
-            <a:schemeClr val="bg1"/>
-          </a:solidFill>
-          <a:ln>
-            <a:solidFill>
-              <a:schemeClr val="bg1"/>
-            </a:solidFill>
-          </a:ln>
-        </p:spPr>
-        <p:style>
-          <a:lnRef idx="2">
-            <a:schemeClr val="accent1">
-              <a:shade val="50000"/>
-            </a:schemeClr>
-          </a:lnRef>
-          <a:fillRef idx="1">
-            <a:schemeClr val="accent1"/>
-          </a:fillRef>
-          <a:effectRef idx="0">
-            <a:schemeClr val="accent1"/>
-          </a:effectRef>
-          <a:fontRef idx="minor">
-            <a:schemeClr val="lt1"/>
-          </a:fontRef>
-        </p:style>
-        <p:txBody>
-          <a:bodyPr rtlCol="0" anchor="ctr"/>
-          <a:lstStyle/>
-          <a:p>
-            <a:pPr algn="ctr"/>
-            <a:endParaRPr lang="fr-FR"/>
-          </a:p>
-        </p:txBody>
-      </p:sp>
-      <p:sp>
-        <p:nvSpPr>
-          <p:cNvPr id="6" name="Rectangle 5"/>
-          <p:cNvSpPr/>
-          <p:nvPr/>
-        </p:nvSpPr>
-        <p:spPr>
-          <a:xfrm>
-            <a:off x="1505549" y="4424218"/>
-            <a:ext cx="323272" cy="203200"/>
-          </a:xfrm>
-          <a:prstGeom prst="rect">
-            <a:avLst/>
-          </a:prstGeom>
-          <a:solidFill>
-            <a:schemeClr val="bg1"/>
-          </a:solidFill>
-          <a:ln>
-            <a:solidFill>
-              <a:schemeClr val="bg1"/>
-            </a:solidFill>
-          </a:ln>
-        </p:spPr>
-        <p:style>
-          <a:lnRef idx="2">
-            <a:schemeClr val="accent1">
-              <a:shade val="50000"/>
-            </a:schemeClr>
-          </a:lnRef>
-          <a:fillRef idx="1">
-            <a:schemeClr val="accent1"/>
-          </a:fillRef>
-          <a:effectRef idx="0">
-            <a:schemeClr val="accent1"/>
-          </a:effectRef>
-          <a:fontRef idx="minor">
-            <a:schemeClr val="lt1"/>
-          </a:fontRef>
-        </p:style>
-        <p:txBody>
-          <a:bodyPr rtlCol="0" anchor="ctr"/>
-          <a:lstStyle/>
-          <a:p>
-            <a:pPr algn="ctr"/>
-            <a:endParaRPr lang="fr-FR"/>
-          </a:p>
-        </p:txBody>
-      </p:sp>
-      <p:sp>
-        <p:nvSpPr>
-          <p:cNvPr id="7" name="ZoneTexte 6"/>
-          <p:cNvSpPr txBox="1"/>
-          <p:nvPr/>
-        </p:nvSpPr>
-        <p:spPr>
-          <a:xfrm>
-            <a:off x="6680200" y="843720"/>
-            <a:ext cx="3814619" cy="1200329"/>
-          </a:xfrm>
-          <a:prstGeom prst="rect">
-            <a:avLst/>
-          </a:prstGeom>
-          <a:noFill/>
-        </p:spPr>
-        <p:txBody>
-          <a:bodyPr wrap="square" rtlCol="0">
-            <a:spAutoFit/>
-          </a:bodyPr>
-          <a:lstStyle/>
-          <a:p>
-            <a:r>
-              <a:rPr lang="fr-FR" dirty="0" smtClean="0"/>
-              <a:t>La boite noire possède ses propres méthodes qui renvoient des valeurs en hexadécimal. Voici un morceau de la documentation :</a:t>
-            </a:r>
-            <a:endParaRPr lang="fr-FR" dirty="0"/>
-          </a:p>
-        </p:txBody>
-      </p:sp>
-      <p:pic>
-        <p:nvPicPr>
-          <p:cNvPr id="8" name="Image 7"/>
-          <p:cNvPicPr>
-            <a:picLocks noChangeAspect="1"/>
-          </p:cNvPicPr>
-          <p:nvPr/>
-        </p:nvPicPr>
-        <p:blipFill rotWithShape="1">
-          <a:blip r:embed="rId3" cstate="print">
-            <a:extLst>
-              <a:ext uri="{28A0092B-C50C-407E-A947-70E740481C1C}">
-                <a14:useLocalDpi xmlns:a14="http://schemas.microsoft.com/office/drawing/2010/main" val="0"/>
-              </a:ext>
-            </a:extLst>
-          </a:blip>
-          <a:srcRect t="15623" r="48923" b="8687"/>
-          <a:stretch/>
-        </p:blipFill>
-        <p:spPr>
-          <a:xfrm rot="16200000">
-            <a:off x="8020766" y="703484"/>
-            <a:ext cx="2747540" cy="5428672"/>
-          </a:xfrm>
-          <a:prstGeom prst="rect">
-            <a:avLst/>
-          </a:prstGeom>
-        </p:spPr>
-      </p:pic>
-      <p:sp>
-        <p:nvSpPr>
-          <p:cNvPr id="9" name="ZoneTexte 8"/>
-          <p:cNvSpPr txBox="1"/>
-          <p:nvPr/>
-        </p:nvSpPr>
-        <p:spPr>
-          <a:xfrm>
-            <a:off x="6720608" y="4950890"/>
-            <a:ext cx="1715655" cy="1200329"/>
-          </a:xfrm>
-          <a:prstGeom prst="rect">
-            <a:avLst/>
-          </a:prstGeom>
-          <a:noFill/>
-        </p:spPr>
-        <p:txBody>
-          <a:bodyPr wrap="square" rtlCol="0">
-            <a:spAutoFit/>
-          </a:bodyPr>
-          <a:lstStyle/>
-          <a:p>
-            <a:pPr algn="r"/>
-            <a:r>
-              <a:rPr lang="fr-FR" dirty="0" smtClean="0"/>
-              <a:t>STX : 0x00</a:t>
-            </a:r>
-          </a:p>
-          <a:p>
-            <a:pPr algn="r"/>
-            <a:r>
-              <a:rPr lang="fr-FR" dirty="0" smtClean="0"/>
-              <a:t>TAB : 0x09</a:t>
-            </a:r>
-          </a:p>
-          <a:p>
-            <a:pPr algn="r"/>
-            <a:r>
-              <a:rPr lang="fr-FR" dirty="0" smtClean="0"/>
-              <a:t>CR : 0x00</a:t>
-            </a:r>
-          </a:p>
-          <a:p>
-            <a:pPr algn="r"/>
-            <a:r>
-              <a:rPr lang="fr-FR" dirty="0" smtClean="0"/>
-              <a:t>SPACE : 0x20</a:t>
-            </a:r>
-            <a:endParaRPr lang="fr-FR" dirty="0"/>
-          </a:p>
-        </p:txBody>
-      </p:sp>
-      <p:sp>
-        <p:nvSpPr>
-          <p:cNvPr id="10" name="Flèche à angle droit 9"/>
-          <p:cNvSpPr/>
-          <p:nvPr/>
-        </p:nvSpPr>
-        <p:spPr>
-          <a:xfrm rot="5400000" flipV="1">
-            <a:off x="7027424" y="5581366"/>
-            <a:ext cx="225138" cy="202622"/>
-          </a:xfrm>
-          <a:prstGeom prst="bentUpArrow">
-            <a:avLst>
-              <a:gd name="adj1" fmla="val 20897"/>
-              <a:gd name="adj2" fmla="val 29103"/>
-              <a:gd name="adj3" fmla="val 29103"/>
-            </a:avLst>
-          </a:prstGeom>
-        </p:spPr>
-        <p:style>
-          <a:lnRef idx="2">
-            <a:schemeClr val="dk1">
-              <a:shade val="50000"/>
-            </a:schemeClr>
-          </a:lnRef>
-          <a:fillRef idx="1">
-            <a:schemeClr val="dk1"/>
-          </a:fillRef>
-          <a:effectRef idx="0">
-            <a:schemeClr val="dk1"/>
-          </a:effectRef>
-          <a:fontRef idx="minor">
-            <a:schemeClr val="lt1"/>
-          </a:fontRef>
-        </p:style>
-        <p:txBody>
-          <a:bodyPr rtlCol="0" anchor="ctr"/>
-          <a:lstStyle/>
-          <a:p>
-            <a:pPr algn="ctr"/>
-            <a:endParaRPr lang="fr-FR"/>
-          </a:p>
-        </p:txBody>
-      </p:sp>
-      <p:sp>
-        <p:nvSpPr>
-          <p:cNvPr id="11" name="Flèche droite 10"/>
-          <p:cNvSpPr/>
-          <p:nvPr/>
-        </p:nvSpPr>
-        <p:spPr>
-          <a:xfrm>
-            <a:off x="7038112" y="5340703"/>
-            <a:ext cx="237837" cy="127224"/>
-          </a:xfrm>
-          <a:prstGeom prst="rightArrow">
-            <a:avLst/>
-          </a:prstGeom>
-        </p:spPr>
-        <p:style>
-          <a:lnRef idx="2">
-            <a:schemeClr val="dk1">
-              <a:shade val="50000"/>
-            </a:schemeClr>
-          </a:lnRef>
-          <a:fillRef idx="1">
-            <a:schemeClr val="dk1"/>
-          </a:fillRef>
-          <a:effectRef idx="0">
-            <a:schemeClr val="dk1"/>
-          </a:effectRef>
-          <a:fontRef idx="minor">
-            <a:schemeClr val="lt1"/>
-          </a:fontRef>
-        </p:style>
-        <p:txBody>
-          <a:bodyPr rtlCol="0" anchor="ctr"/>
-          <a:lstStyle/>
-          <a:p>
-            <a:pPr algn="ctr"/>
-            <a:endParaRPr lang="fr-FR"/>
-          </a:p>
-        </p:txBody>
-      </p:sp>
-      <p:sp>
-        <p:nvSpPr>
-          <p:cNvPr id="12" name="Flèche à angle droit 11"/>
-          <p:cNvSpPr/>
-          <p:nvPr/>
-        </p:nvSpPr>
-        <p:spPr>
-          <a:xfrm rot="5400000">
-            <a:off x="7056583" y="5039594"/>
-            <a:ext cx="192807" cy="192809"/>
-          </a:xfrm>
-          <a:prstGeom prst="bentUpArrow">
-            <a:avLst/>
-          </a:prstGeom>
-        </p:spPr>
-        <p:style>
-          <a:lnRef idx="2">
-            <a:schemeClr val="dk1">
-              <a:shade val="50000"/>
-            </a:schemeClr>
-          </a:lnRef>
-          <a:fillRef idx="1">
-            <a:schemeClr val="dk1"/>
-          </a:fillRef>
-          <a:effectRef idx="0">
-            <a:schemeClr val="dk1"/>
-          </a:effectRef>
-          <a:fontRef idx="minor">
-            <a:schemeClr val="lt1"/>
-          </a:fontRef>
-        </p:style>
-        <p:txBody>
-          <a:bodyPr rtlCol="0" anchor="ctr"/>
-          <a:lstStyle/>
-          <a:p>
-            <a:pPr algn="ctr"/>
-            <a:endParaRPr lang="fr-FR"/>
-          </a:p>
-        </p:txBody>
-      </p:sp>
-      <p:sp>
-        <p:nvSpPr>
-          <p:cNvPr id="13" name="Flèche vers le bas 12"/>
-          <p:cNvSpPr/>
-          <p:nvPr/>
-        </p:nvSpPr>
-        <p:spPr>
-          <a:xfrm>
-            <a:off x="6987308" y="5883377"/>
-            <a:ext cx="80819" cy="179711"/>
-          </a:xfrm>
-          <a:prstGeom prst="downArrow">
-            <a:avLst/>
-          </a:prstGeom>
-        </p:spPr>
-        <p:style>
-          <a:lnRef idx="2">
-            <a:schemeClr val="dk1">
-              <a:shade val="50000"/>
-            </a:schemeClr>
-          </a:lnRef>
-          <a:fillRef idx="1">
-            <a:schemeClr val="dk1"/>
-          </a:fillRef>
-          <a:effectRef idx="0">
-            <a:schemeClr val="dk1"/>
-          </a:effectRef>
-          <a:fontRef idx="minor">
-            <a:schemeClr val="lt1"/>
-          </a:fontRef>
-        </p:style>
-        <p:txBody>
-          <a:bodyPr rtlCol="0" anchor="ctr"/>
-          <a:lstStyle/>
-          <a:p>
-            <a:pPr algn="ctr"/>
-            <a:endParaRPr lang="fr-FR"/>
-          </a:p>
-        </p:txBody>
-      </p:sp>
-    </p:spTree>
-    <p:extLst>
-      <p:ext uri="{BB962C8B-B14F-4D97-AF65-F5344CB8AC3E}">
-        <p14:creationId xmlns:p14="http://schemas.microsoft.com/office/powerpoint/2010/main" val="4282450701"/>
-      </p:ext>
-    </p:extLst>
-  </p:cSld>
-  <p:clrMapOvr>
-    <a:masterClrMapping/>
-  </p:clrMapOvr>
-</p:sld>
-</file>
-
-<file path=ppt/slides/slide32.xml><?xml version="1.0" encoding="utf-8"?>
 <p:sld xmlns:a="http://schemas.openxmlformats.org/drawingml/2006/main" xmlns:r="http://schemas.openxmlformats.org/officeDocument/2006/relationships" xmlns:p="http://schemas.openxmlformats.org/presentationml/2006/main">
   <p:cSld>
     <p:bg>
@@ -8542,162 +8189,155 @@
             <p:ph type="title"/>
           </p:nvPr>
         </p:nvSpPr>
-        <p:spPr/>
-        <p:txBody>
-          <a:bodyPr/>
-          <a:lstStyle/>
-          <a:p>
-            <a:r>
-              <a:rPr lang="fr-FR" dirty="0">
-                <a:solidFill>
-                  <a:schemeClr val="accent6">
-                    <a:lumMod val="75000"/>
-                  </a:schemeClr>
-                </a:solidFill>
-              </a:rPr>
-              <a:t>Etudiant 3 : </a:t>
-            </a:r>
-            <a:r>
-              <a:rPr lang="fr-FR" dirty="0" err="1">
-                <a:solidFill>
-                  <a:schemeClr val="accent6">
-                    <a:lumMod val="75000"/>
-                  </a:schemeClr>
-                </a:solidFill>
-              </a:rPr>
-              <a:t>Lapraye</a:t>
-            </a:r>
-            <a:r>
-              <a:rPr lang="fr-FR" dirty="0">
-                <a:solidFill>
-                  <a:schemeClr val="accent6">
-                    <a:lumMod val="75000"/>
-                  </a:schemeClr>
-                </a:solidFill>
-              </a:rPr>
-              <a:t> Serge</a:t>
-            </a:r>
-          </a:p>
-        </p:txBody>
-      </p:sp>
-      <p:sp>
-        <p:nvSpPr>
-          <p:cNvPr id="3" name="Espace réservé du contenu 2"/>
-          <p:cNvSpPr>
-            <a:spLocks noGrp="1"/>
-          </p:cNvSpPr>
-          <p:nvPr>
-            <p:ph idx="1"/>
-          </p:nvPr>
-        </p:nvSpPr>
-        <p:spPr/>
+        <p:spPr>
+          <a:xfrm>
+            <a:off x="838199" y="1"/>
+            <a:ext cx="10515600" cy="923192"/>
+          </a:xfrm>
+        </p:spPr>
         <p:txBody>
           <a:bodyPr>
-            <a:normAutofit fontScale="92500" lnSpcReduction="20000"/>
+            <a:noAutofit/>
           </a:bodyPr>
           <a:lstStyle/>
           <a:p>
-            <a:r>
-              <a:rPr lang="fr-FR" dirty="0"/>
+            <a:pPr algn="ctr"/>
+            <a:r>
+              <a:rPr lang="fr-FR" sz="3200" dirty="0"/>
               <a:t>I) Analyse complète du système</a:t>
             </a:r>
-          </a:p>
-          <a:p>
-            <a:pPr lvl="1"/>
-            <a:r>
-              <a:rPr lang="fr-FR" dirty="0"/>
+            <a:r>
+              <a:rPr lang="fr-FR" sz="4000" dirty="0"/>
+              <a:t/>
+            </a:r>
+            <a:br>
+              <a:rPr lang="fr-FR" sz="4000" dirty="0"/>
+            </a:br>
+            <a:r>
+              <a:rPr lang="fr-FR" sz="3600" dirty="0"/>
+              <a:t>	</a:t>
+            </a:r>
+            <a:r>
+              <a:rPr lang="fr-FR" sz="2400" dirty="0"/>
               <a:t>1) Diagramme de cas d’utilisation</a:t>
             </a:r>
-          </a:p>
-          <a:p>
-            <a:pPr lvl="1"/>
-            <a:r>
-              <a:rPr lang="fr-FR" dirty="0"/>
-              <a:t>2) Scénario</a:t>
-            </a:r>
-          </a:p>
-          <a:p>
-            <a:pPr lvl="1"/>
-            <a:r>
-              <a:rPr lang="fr-FR" dirty="0"/>
-              <a:t>3) Diagramme de séquence</a:t>
-            </a:r>
-          </a:p>
-          <a:p>
-            <a:pPr lvl="2"/>
-            <a:r>
-              <a:rPr lang="fr-FR" dirty="0"/>
-              <a:t>a) Affichage des infos en temps réels</a:t>
-            </a:r>
-          </a:p>
-          <a:p>
-            <a:pPr lvl="2"/>
-            <a:r>
-              <a:rPr lang="fr-FR" dirty="0"/>
-              <a:t>b) Switch de page de par le C++</a:t>
-            </a:r>
-          </a:p>
-          <a:p>
-            <a:r>
-              <a:rPr lang="fr-FR" dirty="0"/>
-              <a:t>II) Etude physique du WI-FI</a:t>
-            </a:r>
-          </a:p>
-          <a:p>
-            <a:pPr lvl="1"/>
-            <a:r>
-              <a:rPr lang="fr-FR" dirty="0"/>
-              <a:t>1) Fonctionnement</a:t>
-            </a:r>
-          </a:p>
-          <a:p>
-            <a:pPr lvl="2"/>
-            <a:r>
-              <a:rPr lang="fr-FR" dirty="0"/>
-              <a:t>a) Introduction du wifi</a:t>
-            </a:r>
-          </a:p>
-          <a:p>
-            <a:pPr lvl="2"/>
-            <a:r>
-              <a:rPr lang="fr-FR" dirty="0"/>
-              <a:t>b) Principe du wifi</a:t>
-            </a:r>
-          </a:p>
-          <a:p>
-            <a:pPr lvl="2"/>
-            <a:r>
-              <a:rPr lang="fr-FR" dirty="0"/>
-              <a:t>c) Principes de fonctionnements</a:t>
-            </a:r>
-          </a:p>
-          <a:p>
-            <a:pPr lvl="1"/>
-            <a:r>
-              <a:rPr lang="fr-FR" dirty="0"/>
-              <a:t>2) Utilisation et choix du WI-FI</a:t>
-            </a:r>
-          </a:p>
-          <a:p>
-            <a:pPr lvl="2"/>
-            <a:r>
-              <a:rPr lang="fr-FR" dirty="0"/>
-              <a:t>a) Utilisation précise du wifi</a:t>
-            </a:r>
-          </a:p>
-          <a:p>
-            <a:pPr lvl="2"/>
-            <a:r>
-              <a:rPr lang="fr-FR" dirty="0"/>
-              <a:t>b) Le choix du wifi</a:t>
-            </a:r>
-          </a:p>
-        </p:txBody>
-      </p:sp>
+            <a:endParaRPr lang="fr-FR" sz="2800" dirty="0"/>
+          </a:p>
+        </p:txBody>
+      </p:sp>
+      <p:pic>
+        <p:nvPicPr>
+          <p:cNvPr id="3" name="Image 2"/>
+          <p:cNvPicPr>
+            <a:picLocks noChangeAspect="1"/>
+          </p:cNvPicPr>
+          <p:nvPr/>
+        </p:nvPicPr>
+        <p:blipFill>
+          <a:blip r:embed="rId2">
+            <a:extLst>
+              <a:ext uri="{28A0092B-C50C-407E-A947-70E740481C1C}">
+                <a14:useLocalDpi xmlns:a14="http://schemas.microsoft.com/office/drawing/2010/main" val="0"/>
+              </a:ext>
+            </a:extLst>
+          </a:blip>
+          <a:stretch>
+            <a:fillRect/>
+          </a:stretch>
+        </p:blipFill>
+        <p:spPr>
+          <a:xfrm>
+            <a:off x="2747662" y="1071418"/>
+            <a:ext cx="7569356" cy="5703455"/>
+          </a:xfrm>
+          <a:prstGeom prst="rect">
+            <a:avLst/>
+          </a:prstGeom>
+        </p:spPr>
+      </p:pic>
     </p:spTree>
     <p:extLst>
       <p:ext uri="{BB962C8B-B14F-4D97-AF65-F5344CB8AC3E}">
-        <p14:creationId xmlns:p14="http://schemas.microsoft.com/office/powerpoint/2010/main" val="1010092771"/>
+        <p14:creationId xmlns:p14="http://schemas.microsoft.com/office/powerpoint/2010/main" val="2859212620"/>
+      </p:ext>
+    </p:extLst>
+  </p:cSld>
+  <p:clrMapOvr>
+    <a:masterClrMapping/>
+  </p:clrMapOvr>
+</p:sld>
+</file>
+
+<file path=ppt/slides/slide32.xml><?xml version="1.0" encoding="utf-8"?>
+<p:sld xmlns:a="http://schemas.openxmlformats.org/drawingml/2006/main" xmlns:r="http://schemas.openxmlformats.org/officeDocument/2006/relationships" xmlns:p="http://schemas.openxmlformats.org/presentationml/2006/main">
+  <p:cSld>
+    <p:spTree>
+      <p:nvGrpSpPr>
+        <p:cNvPr id="1" name=""/>
+        <p:cNvGrpSpPr/>
+        <p:nvPr/>
+      </p:nvGrpSpPr>
+      <p:grpSpPr>
+        <a:xfrm>
+          <a:off x="0" y="0"/>
+          <a:ext cx="0" cy="0"/>
+          <a:chOff x="0" y="0"/>
+          <a:chExt cx="0" cy="0"/>
+        </a:xfrm>
+      </p:grpSpPr>
+      <p:sp>
+        <p:nvSpPr>
+          <p:cNvPr id="2" name="Titre 1"/>
+          <p:cNvSpPr>
+            <a:spLocks noGrp="1"/>
+          </p:cNvSpPr>
+          <p:nvPr>
+            <p:ph type="title"/>
+          </p:nvPr>
+        </p:nvSpPr>
+        <p:spPr>
+          <a:xfrm>
+            <a:off x="838200" y="0"/>
+            <a:ext cx="10515600" cy="487729"/>
+          </a:xfrm>
+        </p:spPr>
+        <p:txBody>
+          <a:bodyPr>
+            <a:normAutofit/>
+          </a:bodyPr>
+          <a:lstStyle/>
+          <a:p>
+            <a:pPr algn="ctr"/>
+            <a:r>
+              <a:rPr lang="fr-FR" sz="2800" dirty="0"/>
+              <a:t>2) Scénario</a:t>
+            </a:r>
+          </a:p>
+        </p:txBody>
+      </p:sp>
+      <p:sp>
+        <p:nvSpPr>
+          <p:cNvPr id="4" name="Espace réservé du contenu 3"/>
+          <p:cNvSpPr>
+            <a:spLocks noGrp="1"/>
+          </p:cNvSpPr>
+          <p:nvPr>
+            <p:ph idx="1"/>
+          </p:nvPr>
+        </p:nvSpPr>
+        <p:spPr/>
+        <p:txBody>
+          <a:bodyPr/>
+          <a:lstStyle/>
+          <a:p>
+            <a:endParaRPr lang="fr-FR"/>
+          </a:p>
+        </p:txBody>
+      </p:sp>
+    </p:spTree>
+    <p:extLst>
+      <p:ext uri="{BB962C8B-B14F-4D97-AF65-F5344CB8AC3E}">
+        <p14:creationId xmlns:p14="http://schemas.microsoft.com/office/powerpoint/2010/main" val="266929531"/>
       </p:ext>
     </p:extLst>
   </p:cSld>
@@ -8747,43 +8387,67 @@
         </p:nvSpPr>
         <p:spPr>
           <a:xfrm>
-            <a:off x="838199" y="1"/>
-            <a:ext cx="10515600" cy="923192"/>
+            <a:off x="759068" y="0"/>
+            <a:ext cx="10515600" cy="1169377"/>
           </a:xfrm>
         </p:spPr>
         <p:txBody>
           <a:bodyPr>
-            <a:noAutofit/>
+            <a:normAutofit fontScale="90000"/>
           </a:bodyPr>
           <a:lstStyle/>
           <a:p>
-            <a:pPr algn="ctr"/>
-            <a:r>
-              <a:rPr lang="fr-FR" sz="3200" dirty="0"/>
-              <a:t>I) Analyse complète du système</a:t>
-            </a:r>
-            <a:r>
-              <a:rPr lang="fr-FR" sz="4000" dirty="0"/>
+            <a:pPr lvl="2" algn="ctr" rtl="0">
+              <a:lnSpc>
+                <a:spcPct val="90000"/>
+              </a:lnSpc>
+              <a:spcBef>
+                <a:spcPct val="0"/>
+              </a:spcBef>
+            </a:pPr>
+            <a:r>
+              <a:rPr lang="fr-FR" sz="3100" dirty="0">
+                <a:latin typeface="+mj-lt"/>
+              </a:rPr>
+              <a:t>3) Diagramme de séquence</a:t>
+            </a:r>
+            <a:r>
+              <a:rPr lang="fr-FR" sz="3200" dirty="0">
+                <a:latin typeface="+mj-lt"/>
+              </a:rPr>
               <a:t/>
             </a:r>
             <a:br>
-              <a:rPr lang="fr-FR" sz="4000" dirty="0"/>
+              <a:rPr lang="fr-FR" sz="3200" dirty="0">
+                <a:latin typeface="+mj-lt"/>
+              </a:rPr>
             </a:br>
             <a:r>
-              <a:rPr lang="fr-FR" sz="3600" dirty="0"/>
+              <a:rPr lang="fr-FR" sz="3200" dirty="0">
+                <a:latin typeface="+mj-lt"/>
+              </a:rPr>
               <a:t>	</a:t>
             </a:r>
             <a:r>
-              <a:rPr lang="fr-FR" sz="2400" dirty="0"/>
-              <a:t>1) Diagramme de cas d’utilisation</a:t>
-            </a:r>
-            <a:endParaRPr lang="fr-FR" sz="2800" dirty="0"/>
+              <a:rPr lang="fr-FR" sz="2400" dirty="0">
+                <a:latin typeface="+mj-lt"/>
+              </a:rPr>
+              <a:t>a) Affichage des infos en temps réels</a:t>
+            </a:r>
+            <a:r>
+              <a:rPr lang="fr-FR" dirty="0"/>
+              <a:t/>
+            </a:r>
+            <a:br>
+              <a:rPr lang="fr-FR" dirty="0"/>
+            </a:br>
+            <a:endParaRPr lang="fr-FR" sz="3200" dirty="0"/>
           </a:p>
         </p:txBody>
       </p:sp>
       <p:pic>
         <p:nvPicPr>
-          <p:cNvPr id="3" name="Image 2"/>
+          <p:cNvPr id="4" name="Image 3"/>
           <p:cNvPicPr>
             <a:picLocks noChangeAspect="1"/>
           </p:cNvPicPr>
@@ -8803,8 +8467,8 @@
         </p:blipFill>
         <p:spPr>
           <a:xfrm>
-            <a:off x="2747662" y="1071418"/>
-            <a:ext cx="7569356" cy="5703455"/>
+            <a:off x="230909" y="895928"/>
+            <a:ext cx="11790088" cy="5661890"/>
           </a:xfrm>
           <a:prstGeom prst="rect">
             <a:avLst/>
@@ -8814,7 +8478,7 @@
     </p:spTree>
     <p:extLst>
       <p:ext uri="{BB962C8B-B14F-4D97-AF65-F5344CB8AC3E}">
-        <p14:creationId xmlns:p14="http://schemas.microsoft.com/office/powerpoint/2010/main" val="2859212620"/>
+        <p14:creationId xmlns:p14="http://schemas.microsoft.com/office/powerpoint/2010/main" val="2445017002"/>
       </p:ext>
     </p:extLst>
   </p:cSld>
@@ -8827,6 +8491,17 @@
 <file path=ppt/slides/slide34.xml><?xml version="1.0" encoding="utf-8"?>
 <p:sld xmlns:a="http://schemas.openxmlformats.org/drawingml/2006/main" xmlns:r="http://schemas.openxmlformats.org/officeDocument/2006/relationships" xmlns:p="http://schemas.openxmlformats.org/presentationml/2006/main">
   <p:cSld>
+    <p:bg>
+      <p:bgPr>
+        <a:solidFill>
+          <a:schemeClr val="accent6">
+            <a:lumMod val="20000"/>
+            <a:lumOff val="80000"/>
+          </a:schemeClr>
+        </a:solidFill>
+        <a:effectLst/>
+      </p:bgPr>
+    </p:bg>
     <p:spTree>
       <p:nvGrpSpPr>
         <p:cNvPr id="1" name=""/>
@@ -8853,8 +8528,8 @@
         </p:nvSpPr>
         <p:spPr>
           <a:xfrm>
-            <a:off x="838200" y="0"/>
-            <a:ext cx="10515600" cy="487729"/>
+            <a:off x="838200" y="365125"/>
+            <a:ext cx="10515600" cy="496521"/>
           </a:xfrm>
         </p:spPr>
         <p:txBody>
@@ -8865,35 +8540,45 @@
           <a:p>
             <a:pPr algn="ctr"/>
             <a:r>
-              <a:rPr lang="fr-FR" sz="2800" dirty="0"/>
-              <a:t>2) Scénario</a:t>
-            </a:r>
-          </a:p>
-        </p:txBody>
-      </p:sp>
-      <p:sp>
-        <p:nvSpPr>
+              <a:rPr lang="fr-FR" sz="2400" dirty="0"/>
+              <a:t>b) Switch de page de par le C++</a:t>
+            </a:r>
+          </a:p>
+        </p:txBody>
+      </p:sp>
+      <p:pic>
+        <p:nvPicPr>
           <p:cNvPr id="4" name="Espace réservé du contenu 3"/>
-          <p:cNvSpPr>
-            <a:spLocks noGrp="1"/>
-          </p:cNvSpPr>
+          <p:cNvPicPr>
+            <a:picLocks noGrp="1" noChangeAspect="1"/>
+          </p:cNvPicPr>
           <p:nvPr>
             <p:ph idx="1"/>
           </p:nvPr>
-        </p:nvSpPr>
-        <p:spPr/>
-        <p:txBody>
-          <a:bodyPr/>
-          <a:lstStyle/>
-          <a:p>
-            <a:endParaRPr lang="fr-FR"/>
-          </a:p>
-        </p:txBody>
-      </p:sp>
+        </p:nvPicPr>
+        <p:blipFill>
+          <a:blip r:embed="rId2">
+            <a:extLst>
+              <a:ext uri="{28A0092B-C50C-407E-A947-70E740481C1C}">
+                <a14:useLocalDpi xmlns:a14="http://schemas.microsoft.com/office/drawing/2010/main" val="0"/>
+              </a:ext>
+            </a:extLst>
+          </a:blip>
+          <a:stretch>
+            <a:fillRect/>
+          </a:stretch>
+        </p:blipFill>
+        <p:spPr>
+          <a:xfrm>
+            <a:off x="595551" y="1195754"/>
+            <a:ext cx="11000897" cy="5077338"/>
+          </a:xfrm>
+        </p:spPr>
+      </p:pic>
     </p:spTree>
     <p:extLst>
       <p:ext uri="{BB962C8B-B14F-4D97-AF65-F5344CB8AC3E}">
-        <p14:creationId xmlns:p14="http://schemas.microsoft.com/office/powerpoint/2010/main" val="266929531"/>
+        <p14:creationId xmlns:p14="http://schemas.microsoft.com/office/powerpoint/2010/main" val="1431005910"/>
       </p:ext>
     </p:extLst>
   </p:cSld>
@@ -8941,71 +8626,137 @@
             <p:ph type="title"/>
           </p:nvPr>
         </p:nvSpPr>
-        <p:spPr>
-          <a:xfrm>
-            <a:off x="759068" y="0"/>
-            <a:ext cx="10515600" cy="1169377"/>
-          </a:xfrm>
-        </p:spPr>
-        <p:txBody>
-          <a:bodyPr>
-            <a:normAutofit fontScale="90000"/>
-          </a:bodyPr>
-          <a:lstStyle/>
-          <a:p>
-            <a:pPr lvl="2" algn="ctr" rtl="0">
-              <a:lnSpc>
-                <a:spcPct val="90000"/>
-              </a:lnSpc>
-              <a:spcBef>
-                <a:spcPct val="0"/>
-              </a:spcBef>
-            </a:pPr>
-            <a:r>
-              <a:rPr lang="fr-FR" sz="3100" dirty="0">
-                <a:latin typeface="+mj-lt"/>
-              </a:rPr>
-              <a:t>3) Diagramme de séquence</a:t>
-            </a:r>
-            <a:r>
-              <a:rPr lang="fr-FR" sz="3200" dirty="0">
-                <a:latin typeface="+mj-lt"/>
-              </a:rPr>
-              <a:t/>
-            </a:r>
-            <a:br>
-              <a:rPr lang="fr-FR" sz="3200" dirty="0">
-                <a:latin typeface="+mj-lt"/>
-              </a:rPr>
-            </a:br>
-            <a:r>
-              <a:rPr lang="fr-FR" sz="3200" dirty="0">
-                <a:latin typeface="+mj-lt"/>
-              </a:rPr>
-              <a:t>	</a:t>
-            </a:r>
-            <a:r>
-              <a:rPr lang="fr-FR" sz="2400" dirty="0">
-                <a:latin typeface="+mj-lt"/>
-              </a:rPr>
-              <a:t>a) Affichage des infos en temps réels</a:t>
-            </a:r>
+        <p:spPr/>
+        <p:txBody>
+          <a:bodyPr/>
+          <a:lstStyle/>
+          <a:p>
             <a:r>
               <a:rPr lang="fr-FR" dirty="0"/>
-              <a:t/>
+              <a:t>II) Etude physique du WI-FI</a:t>
             </a:r>
             <a:br>
               <a:rPr lang="fr-FR" dirty="0"/>
             </a:br>
-            <a:endParaRPr lang="fr-FR" sz="3200" dirty="0"/>
+            <a:endParaRPr lang="fr-FR" dirty="0"/>
+          </a:p>
+        </p:txBody>
+      </p:sp>
+      <p:sp>
+        <p:nvSpPr>
+          <p:cNvPr id="4" name="ZoneTexte 3"/>
+          <p:cNvSpPr txBox="1"/>
+          <p:nvPr/>
+        </p:nvSpPr>
+        <p:spPr>
+          <a:xfrm>
+            <a:off x="838200" y="1283854"/>
+            <a:ext cx="4574309" cy="5078313"/>
+          </a:xfrm>
+          <a:prstGeom prst="rect">
+            <a:avLst/>
+          </a:prstGeom>
+          <a:noFill/>
+        </p:spPr>
+        <p:txBody>
+          <a:bodyPr wrap="square" rtlCol="0">
+            <a:spAutoFit/>
+          </a:bodyPr>
+          <a:lstStyle/>
+          <a:p>
+            <a:r>
+              <a:rPr lang="fr-FR" dirty="0">
+                <a:effectLst>
+                  <a:outerShdw blurRad="38100" dist="25400" dir="5400000" algn="ctr">
+                    <a:srgbClr val="6E747A">
+                      <a:alpha val="43000"/>
+                    </a:srgbClr>
+                  </a:outerShdw>
+                </a:effectLst>
+              </a:rPr>
+              <a:t>1.1 Introduction du WIFI</a:t>
+            </a:r>
+            <a:endParaRPr lang="fr-FR" dirty="0"/>
+          </a:p>
+          <a:p>
+            <a:r>
+              <a:rPr lang="fr-FR" dirty="0">
+                <a:effectLst>
+                  <a:outerShdw blurRad="38100" dist="25400" dir="5400000" algn="ctr">
+                    <a:srgbClr val="6E747A">
+                      <a:alpha val="43000"/>
+                    </a:srgbClr>
+                  </a:outerShdw>
+                </a:effectLst>
+              </a:rPr>
+              <a:t> </a:t>
+            </a:r>
+            <a:endParaRPr lang="fr-FR" dirty="0"/>
+          </a:p>
+          <a:p>
+            <a:r>
+              <a:rPr lang="fr-FR" dirty="0"/>
+              <a:t>Le WIFI est une norme de transmission de données qui se fait par des ondes électromagnétiques qui permet de relier entre elles plusieurs appareils informatiques de type ordinateur ,téléphone mobile </a:t>
+            </a:r>
+            <a:r>
+              <a:rPr lang="fr-FR" dirty="0" err="1"/>
+              <a:t>etc</a:t>
+            </a:r>
+            <a:r>
+              <a:rPr lang="fr-FR" dirty="0"/>
+              <a:t> </a:t>
+            </a:r>
+            <a:r>
+              <a:rPr lang="fr-FR" dirty="0" smtClean="0"/>
+              <a:t>.., </a:t>
+            </a:r>
+            <a:r>
+              <a:rPr lang="fr-FR" dirty="0"/>
+              <a:t>le débit change selon la </a:t>
+            </a:r>
+            <a:r>
+              <a:rPr lang="fr-FR" dirty="0" smtClean="0"/>
+              <a:t>norme IEEE  . Ce sont les protocoles de wifi qui sont soumis à des règles physiques.</a:t>
+            </a:r>
+            <a:endParaRPr lang="fr-FR" dirty="0"/>
+          </a:p>
+          <a:p>
+            <a:r>
+              <a:rPr lang="fr-FR" dirty="0"/>
+              <a:t>La portée du WIFI peut s’étendre jusqu’à plusieurs dizaines de mètres si il n’y a aucun obstacle de gêne qui perturbe la propagation des ondes </a:t>
+            </a:r>
+            <a:r>
+              <a:rPr lang="fr-FR" dirty="0" smtClean="0"/>
+              <a:t>.</a:t>
+            </a:r>
+          </a:p>
+          <a:p>
+            <a:endParaRPr lang="fr-FR" dirty="0"/>
+          </a:p>
+          <a:p>
+            <a:r>
+              <a:rPr lang="fr-FR" dirty="0" smtClean="0"/>
+              <a:t>1 FT </a:t>
+            </a:r>
+            <a:r>
+              <a:rPr lang="fr-FR" b="1" dirty="0" smtClean="0"/>
+              <a:t>≃ 30.48 cm</a:t>
+            </a:r>
+            <a:endParaRPr lang="fr-FR" b="1" dirty="0"/>
+          </a:p>
+          <a:p>
+            <a:endParaRPr lang="fr-FR" dirty="0"/>
+          </a:p>
+          <a:p>
+            <a:endParaRPr lang="fr-FR" dirty="0"/>
           </a:p>
         </p:txBody>
       </p:sp>
       <p:pic>
         <p:nvPicPr>
-          <p:cNvPr id="4" name="Image 3"/>
+          <p:cNvPr id="1026" name="Picture 2" descr="Résultat de recherche d'images pour &quot;802.11 wifi&quot;&quot;"/>
           <p:cNvPicPr>
-            <a:picLocks noChangeAspect="1"/>
+            <a:picLocks noChangeAspect="1" noChangeArrowheads="1"/>
           </p:cNvPicPr>
           <p:nvPr/>
         </p:nvPicPr>
@@ -9017,24 +8768,65 @@
               </a:ext>
             </a:extLst>
           </a:blip>
+          <a:srcRect/>
           <a:stretch>
             <a:fillRect/>
           </a:stretch>
         </p:blipFill>
-        <p:spPr>
-          <a:xfrm>
-            <a:off x="230909" y="895928"/>
-            <a:ext cx="11790088" cy="5661890"/>
+        <p:spPr bwMode="auto">
+          <a:xfrm>
+            <a:off x="5723081" y="1150476"/>
+            <a:ext cx="5813136" cy="5622067"/>
           </a:xfrm>
           <a:prstGeom prst="rect">
             <a:avLst/>
           </a:prstGeom>
+          <a:noFill/>
+          <a:extLst>
+            <a:ext uri="{909E8E84-426E-40DD-AFC4-6F175D3DCCD1}">
+              <a14:hiddenFill xmlns:a14="http://schemas.microsoft.com/office/drawing/2010/main">
+                <a:solidFill>
+                  <a:srgbClr val="FFFFFF"/>
+                </a:solidFill>
+              </a14:hiddenFill>
+            </a:ext>
+          </a:extLst>
         </p:spPr>
       </p:pic>
+      <p:sp>
+        <p:nvSpPr>
+          <p:cNvPr id="5" name="ZoneTexte 4"/>
+          <p:cNvSpPr txBox="1"/>
+          <p:nvPr/>
+        </p:nvSpPr>
+        <p:spPr>
+          <a:xfrm>
+            <a:off x="7897091" y="874017"/>
+            <a:ext cx="2604654" cy="307777"/>
+          </a:xfrm>
+          <a:prstGeom prst="rect">
+            <a:avLst/>
+          </a:prstGeom>
+          <a:noFill/>
+        </p:spPr>
+        <p:txBody>
+          <a:bodyPr wrap="square" rtlCol="0">
+            <a:spAutoFit/>
+          </a:bodyPr>
+          <a:lstStyle/>
+          <a:p>
+            <a:r>
+              <a:rPr lang="fr-FR" sz="1400" dirty="0" smtClean="0"/>
+              <a:t>Source www.cnx.software.com</a:t>
+            </a:r>
+            <a:endParaRPr lang="fr-FR" sz="1400" dirty="0"/>
+          </a:p>
+        </p:txBody>
+      </p:sp>
     </p:spTree>
     <p:extLst>
       <p:ext uri="{BB962C8B-B14F-4D97-AF65-F5344CB8AC3E}">
-        <p14:creationId xmlns:p14="http://schemas.microsoft.com/office/powerpoint/2010/main" val="2445017002"/>
+        <p14:creationId xmlns:p14="http://schemas.microsoft.com/office/powerpoint/2010/main" val="700170699"/>
       </p:ext>
     </p:extLst>
   </p:cSld>
@@ -9074,43 +8866,81 @@
       </p:grpSpPr>
       <p:sp>
         <p:nvSpPr>
-          <p:cNvPr id="2" name="Titre 1"/>
-          <p:cNvSpPr>
-            <a:spLocks noGrp="1"/>
-          </p:cNvSpPr>
-          <p:nvPr>
-            <p:ph type="title"/>
-          </p:nvPr>
-        </p:nvSpPr>
-        <p:spPr>
-          <a:xfrm>
-            <a:off x="838200" y="365125"/>
-            <a:ext cx="10515600" cy="496521"/>
+          <p:cNvPr id="3" name="Espace réservé du contenu 2"/>
+          <p:cNvSpPr>
+            <a:spLocks noGrp="1"/>
+          </p:cNvSpPr>
+          <p:nvPr>
+            <p:ph idx="1"/>
+          </p:nvPr>
+        </p:nvSpPr>
+        <p:spPr>
+          <a:xfrm>
+            <a:off x="394854" y="646545"/>
+            <a:ext cx="5728855" cy="5308745"/>
           </a:xfrm>
         </p:spPr>
         <p:txBody>
           <a:bodyPr>
-            <a:normAutofit/>
+            <a:normAutofit lnSpcReduction="10000"/>
           </a:bodyPr>
           <a:lstStyle/>
           <a:p>
-            <a:pPr algn="ctr"/>
-            <a:r>
-              <a:rPr lang="fr-FR" sz="2400" dirty="0"/>
-              <a:t>b) Switch de page de par le C++</a:t>
-            </a:r>
+            <a:r>
+              <a:rPr lang="fr-FR" sz="2600" dirty="0" smtClean="0">
+                <a:effectLst>
+                  <a:outerShdw blurRad="38100" dist="25400" dir="5400000" algn="ctr">
+                    <a:srgbClr val="6E747A">
+                      <a:alpha val="43000"/>
+                    </a:srgbClr>
+                  </a:outerShdw>
+                </a:effectLst>
+              </a:rPr>
+              <a:t>1.2 </a:t>
+            </a:r>
+            <a:r>
+              <a:rPr lang="fr-FR" sz="2600" dirty="0">
+                <a:effectLst>
+                  <a:outerShdw blurRad="38100" dist="25400" dir="5400000" algn="ctr">
+                    <a:srgbClr val="6E747A">
+                      <a:alpha val="43000"/>
+                    </a:srgbClr>
+                  </a:outerShdw>
+                </a:effectLst>
+              </a:rPr>
+              <a:t>Principe du fonctionnement</a:t>
+            </a:r>
+            <a:endParaRPr lang="fr-FR" sz="2600" dirty="0"/>
+          </a:p>
+          <a:p>
+            <a:pPr marL="0" indent="0">
+              <a:buNone/>
+            </a:pPr>
+            <a:r>
+              <a:rPr lang="fr-FR" sz="2600" dirty="0"/>
+              <a:t>   Tout d’abord pour que la connexion WIFI fonctionne il faut avoir un objet équipé d’un adaptateur réseau qui va convertir les informations en un signal radio . Ces information seront communiqué au routeur (décodeur) ,une fois décodées elles peuvent être transmises sur internet.  Le réseau sans fil </a:t>
+            </a:r>
+            <a:r>
+              <a:rPr lang="fr-FR" sz="2600" dirty="0" smtClean="0"/>
+              <a:t>(le </a:t>
+            </a:r>
+            <a:r>
+              <a:rPr lang="fr-FR" sz="2600" dirty="0"/>
+              <a:t>wifi ) se repose sur un trafic bidirectionnel c’est-à-dire que à l’inverse les données envoyées d’internet sont envoyées vers le routeur pour être transformes dans un signal radio qui seront ensuite réceptionnées par l’objet équipé d’un adaptateur réseau .</a:t>
+            </a:r>
+          </a:p>
+          <a:p>
+            <a:endParaRPr lang="fr-FR" dirty="0"/>
           </a:p>
         </p:txBody>
       </p:sp>
       <p:pic>
         <p:nvPicPr>
-          <p:cNvPr id="4" name="Espace réservé du contenu 3"/>
+          <p:cNvPr id="2052" name="Picture 4" descr="Modem routeur"/>
           <p:cNvPicPr>
-            <a:picLocks noGrp="1" noChangeAspect="1"/>
+            <a:picLocks noChangeAspect="1" noChangeArrowheads="1"/>
           </p:cNvPicPr>
-          <p:nvPr>
-            <p:ph idx="1"/>
-          </p:nvPr>
+          <p:nvPr/>
         </p:nvPicPr>
         <p:blipFill>
           <a:blip r:embed="rId2">
@@ -9120,21 +8950,65 @@
               </a:ext>
             </a:extLst>
           </a:blip>
+          <a:srcRect/>
           <a:stretch>
             <a:fillRect/>
           </a:stretch>
         </p:blipFill>
-        <p:spPr>
-          <a:xfrm>
-            <a:off x="595551" y="1195754"/>
-            <a:ext cx="11000897" cy="5077338"/>
-          </a:xfrm>
+        <p:spPr bwMode="auto">
+          <a:xfrm>
+            <a:off x="6510194" y="1107858"/>
+            <a:ext cx="5012706" cy="4386118"/>
+          </a:xfrm>
+          <a:prstGeom prst="rect">
+            <a:avLst/>
+          </a:prstGeom>
+          <a:noFill/>
+          <a:extLst>
+            <a:ext uri="{909E8E84-426E-40DD-AFC4-6F175D3DCCD1}">
+              <a14:hiddenFill xmlns:a14="http://schemas.microsoft.com/office/drawing/2010/main">
+                <a:solidFill>
+                  <a:srgbClr val="FFFFFF"/>
+                </a:solidFill>
+              </a14:hiddenFill>
+            </a:ext>
+          </a:extLst>
         </p:spPr>
       </p:pic>
+      <p:sp>
+        <p:nvSpPr>
+          <p:cNvPr id="4" name="ZoneTexte 3"/>
+          <p:cNvSpPr txBox="1"/>
+          <p:nvPr/>
+        </p:nvSpPr>
+        <p:spPr>
+          <a:xfrm>
+            <a:off x="7453745" y="800081"/>
+            <a:ext cx="4069155" cy="307777"/>
+          </a:xfrm>
+          <a:prstGeom prst="rect">
+            <a:avLst/>
+          </a:prstGeom>
+          <a:noFill/>
+        </p:spPr>
+        <p:txBody>
+          <a:bodyPr wrap="square" rtlCol="0">
+            <a:spAutoFit/>
+          </a:bodyPr>
+          <a:lstStyle/>
+          <a:p>
+            <a:r>
+              <a:rPr lang="fr-FR" sz="1400" dirty="0" smtClean="0"/>
+              <a:t>Source : questions.heffge.fr</a:t>
+            </a:r>
+            <a:endParaRPr lang="fr-FR" sz="1400" dirty="0"/>
+          </a:p>
+        </p:txBody>
+      </p:sp>
     </p:spTree>
     <p:extLst>
       <p:ext uri="{BB962C8B-B14F-4D97-AF65-F5344CB8AC3E}">
-        <p14:creationId xmlns:p14="http://schemas.microsoft.com/office/powerpoint/2010/main" val="1431005910"/>
+        <p14:creationId xmlns:p14="http://schemas.microsoft.com/office/powerpoint/2010/main" val="1919668917"/>
       </p:ext>
     </p:extLst>
   </p:cSld>
@@ -9174,54 +9048,26 @@
       </p:grpSpPr>
       <p:sp>
         <p:nvSpPr>
-          <p:cNvPr id="2" name="Titre 1"/>
-          <p:cNvSpPr>
-            <a:spLocks noGrp="1"/>
-          </p:cNvSpPr>
-          <p:nvPr>
-            <p:ph type="title"/>
-          </p:nvPr>
-        </p:nvSpPr>
-        <p:spPr/>
+          <p:cNvPr id="3" name="Espace réservé du contenu 2"/>
+          <p:cNvSpPr>
+            <a:spLocks noGrp="1"/>
+          </p:cNvSpPr>
+          <p:nvPr>
+            <p:ph idx="1"/>
+          </p:nvPr>
+        </p:nvSpPr>
+        <p:spPr>
+          <a:xfrm>
+            <a:off x="293255" y="606425"/>
+            <a:ext cx="6680200" cy="4351338"/>
+          </a:xfrm>
+        </p:spPr>
         <p:txBody>
           <a:bodyPr/>
           <a:lstStyle/>
           <a:p>
             <a:r>
-              <a:rPr lang="fr-FR" dirty="0"/>
-              <a:t>II) Etude physique du WI-FI</a:t>
-            </a:r>
-            <a:br>
-              <a:rPr lang="fr-FR" dirty="0"/>
-            </a:br>
-            <a:endParaRPr lang="fr-FR" dirty="0"/>
-          </a:p>
-        </p:txBody>
-      </p:sp>
-      <p:sp>
-        <p:nvSpPr>
-          <p:cNvPr id="4" name="ZoneTexte 3"/>
-          <p:cNvSpPr txBox="1"/>
-          <p:nvPr/>
-        </p:nvSpPr>
-        <p:spPr>
-          <a:xfrm>
-            <a:off x="838200" y="1283854"/>
-            <a:ext cx="4574309" cy="5078313"/>
-          </a:xfrm>
-          <a:prstGeom prst="rect">
-            <a:avLst/>
-          </a:prstGeom>
-          <a:noFill/>
-        </p:spPr>
-        <p:txBody>
-          <a:bodyPr wrap="square" rtlCol="0">
-            <a:spAutoFit/>
-          </a:bodyPr>
-          <a:lstStyle/>
-          <a:p>
-            <a:r>
-              <a:rPr lang="fr-FR" dirty="0">
+              <a:rPr lang="fr-FR" sz="2400" dirty="0" smtClean="0">
                 <a:effectLst>
                   <a:outerShdw blurRad="38100" dist="25400" dir="5400000" algn="ctr">
                     <a:srgbClr val="6E747A">
@@ -9230,13 +9076,28 @@
                   </a:outerShdw>
                 </a:effectLst>
               </a:rPr>
-              <a:t>1.1 Introduction du WIFI</a:t>
-            </a:r>
-            <a:endParaRPr lang="fr-FR" dirty="0"/>
-          </a:p>
-          <a:p>
-            <a:r>
-              <a:rPr lang="fr-FR" dirty="0">
+              <a:t>1.3 </a:t>
+            </a:r>
+            <a:r>
+              <a:rPr lang="fr-FR" sz="2400" dirty="0">
+                <a:effectLst>
+                  <a:outerShdw blurRad="38100" dist="25400" dir="5400000" algn="ctr">
+                    <a:srgbClr val="6E747A">
+                      <a:alpha val="43000"/>
+                    </a:srgbClr>
+                  </a:outerShdw>
+                </a:effectLst>
+              </a:rPr>
+              <a:t>Principe du fonctionnement physique</a:t>
+            </a:r>
+            <a:endParaRPr lang="fr-FR" sz="2400" dirty="0"/>
+          </a:p>
+          <a:p>
+            <a:pPr marL="0" indent="0">
+              <a:buNone/>
+            </a:pPr>
+            <a:r>
+              <a:rPr lang="fr-FR" sz="2400" dirty="0">
                 <a:effectLst>
                   <a:outerShdw blurRad="38100" dist="25400" dir="5400000" algn="ctr">
                     <a:srgbClr val="6E747A">
@@ -9247,61 +9108,43 @@
               </a:rPr>
               <a:t> </a:t>
             </a:r>
-            <a:endParaRPr lang="fr-FR" dirty="0"/>
-          </a:p>
-          <a:p>
-            <a:r>
-              <a:rPr lang="fr-FR" dirty="0"/>
-              <a:t>Le WIFI est une norme de transmission de données qui se fait par des ondes électromagnétiques qui permet de relier entre elles plusieurs appareils informatiques de type ordinateur ,téléphone mobile </a:t>
-            </a:r>
-            <a:r>
-              <a:rPr lang="fr-FR" dirty="0" err="1"/>
-              <a:t>etc</a:t>
-            </a:r>
-            <a:r>
-              <a:rPr lang="fr-FR" dirty="0"/>
-              <a:t> </a:t>
-            </a:r>
-            <a:r>
-              <a:rPr lang="fr-FR" dirty="0" smtClean="0"/>
-              <a:t>.., </a:t>
-            </a:r>
-            <a:r>
-              <a:rPr lang="fr-FR" dirty="0"/>
-              <a:t>le débit change selon la </a:t>
-            </a:r>
-            <a:r>
-              <a:rPr lang="fr-FR" dirty="0" smtClean="0"/>
-              <a:t>norme IEEE  . Ce sont les protocoles de wifi qui sont soumis à des règles physiques.</a:t>
-            </a:r>
-            <a:endParaRPr lang="fr-FR" dirty="0"/>
-          </a:p>
-          <a:p>
-            <a:r>
-              <a:rPr lang="fr-FR" dirty="0"/>
-              <a:t>La portée du WIFI peut s’étendre jusqu’à plusieurs dizaines de mètres si il n’y a aucun obstacle de gêne qui perturbe la propagation des ondes </a:t>
-            </a:r>
-            <a:r>
-              <a:rPr lang="fr-FR" dirty="0" smtClean="0"/>
-              <a:t>.</a:t>
-            </a:r>
-          </a:p>
-          <a:p>
-            <a:endParaRPr lang="fr-FR" dirty="0"/>
-          </a:p>
-          <a:p>
-            <a:r>
-              <a:rPr lang="fr-FR" dirty="0" smtClean="0"/>
-              <a:t>1 FT </a:t>
-            </a:r>
-            <a:r>
-              <a:rPr lang="fr-FR" b="1" dirty="0" smtClean="0"/>
-              <a:t>≃ 30.48 cm</a:t>
-            </a:r>
-            <a:endParaRPr lang="fr-FR" b="1" dirty="0"/>
-          </a:p>
-          <a:p>
-            <a:endParaRPr lang="fr-FR" dirty="0"/>
+            <a:endParaRPr lang="fr-FR" sz="2400" dirty="0"/>
+          </a:p>
+          <a:p>
+            <a:pPr marL="0" indent="0">
+              <a:buNone/>
+            </a:pPr>
+            <a:r>
+              <a:rPr lang="fr-FR" sz="2400" dirty="0"/>
+              <a:t>L’onde électromagnétique est formée par le couplage de l’onde électrique E et l’onde magnétique B . La fréquence à son tour est déterminée par la célérité (c)</a:t>
+            </a:r>
+          </a:p>
+          <a:p>
+            <a:pPr marL="0" indent="0">
+              <a:buNone/>
+            </a:pPr>
+            <a:r>
+              <a:rPr lang="fr-FR" sz="2400" dirty="0"/>
+              <a:t>et la longueur d’one  (l) .</a:t>
+            </a:r>
+          </a:p>
+          <a:p>
+            <a:pPr marL="0" indent="0">
+              <a:buNone/>
+            </a:pPr>
+            <a:r>
+              <a:rPr lang="fr-FR" sz="2400" dirty="0">
+                <a:effectLst>
+                  <a:outerShdw blurRad="38100" dist="25400" dir="5400000" algn="ctr">
+                    <a:srgbClr val="6E747A">
+                      <a:alpha val="43000"/>
+                    </a:srgbClr>
+                  </a:outerShdw>
+                </a:effectLst>
+              </a:rPr>
+              <a:t> </a:t>
+            </a:r>
+            <a:endParaRPr lang="fr-FR" sz="2400" dirty="0"/>
           </a:p>
           <a:p>
             <a:endParaRPr lang="fr-FR" dirty="0"/>
@@ -9310,10 +9153,8 @@
       </p:sp>
       <p:pic>
         <p:nvPicPr>
-          <p:cNvPr id="1026" name="Picture 2" descr="Résultat de recherche d'images pour &quot;802.11 wifi&quot;&quot;"/>
-          <p:cNvPicPr>
-            <a:picLocks noChangeAspect="1" noChangeArrowheads="1"/>
-          </p:cNvPicPr>
+          <p:cNvPr id="4" name="Picture 34"/>
+          <p:cNvPicPr/>
           <p:nvPr/>
         </p:nvPicPr>
         <p:blipFill>
@@ -9331,22 +9172,16 @@
         </p:blipFill>
         <p:spPr bwMode="auto">
           <a:xfrm>
-            <a:off x="5723081" y="1150476"/>
-            <a:ext cx="5813136" cy="5622067"/>
+            <a:off x="7277823" y="1939636"/>
+            <a:ext cx="4101378" cy="3528291"/>
           </a:xfrm>
           <a:prstGeom prst="rect">
             <a:avLst/>
           </a:prstGeom>
           <a:noFill/>
-          <a:extLst>
-            <a:ext uri="{909E8E84-426E-40DD-AFC4-6F175D3DCCD1}">
-              <a14:hiddenFill xmlns:a14="http://schemas.microsoft.com/office/drawing/2010/main">
-                <a:solidFill>
-                  <a:srgbClr val="FFFFFF"/>
-                </a:solidFill>
-              </a14:hiddenFill>
-            </a:ext>
-          </a:extLst>
+          <a:ln>
+            <a:noFill/>
+          </a:ln>
         </p:spPr>
       </p:pic>
       <p:sp>
@@ -9357,8 +9192,8 @@
         </p:nvSpPr>
         <p:spPr>
           <a:xfrm>
-            <a:off x="7897091" y="874017"/>
-            <a:ext cx="2604654" cy="307777"/>
+            <a:off x="7924800" y="1542473"/>
+            <a:ext cx="3158836" cy="307777"/>
           </a:xfrm>
           <a:prstGeom prst="rect">
             <a:avLst/>
@@ -9373,7 +9208,7 @@
           <a:p>
             <a:r>
               <a:rPr lang="fr-FR" sz="1400" dirty="0" smtClean="0"/>
-              <a:t>Source www.cnx.software.com</a:t>
+              <a:t>Source : www.radiomateur.org</a:t>
             </a:r>
             <a:endParaRPr lang="fr-FR" sz="1400" dirty="0"/>
           </a:p>
@@ -9382,7 +9217,7 @@
     </p:spTree>
     <p:extLst>
       <p:ext uri="{BB962C8B-B14F-4D97-AF65-F5344CB8AC3E}">
-        <p14:creationId xmlns:p14="http://schemas.microsoft.com/office/powerpoint/2010/main" val="700170699"/>
+        <p14:creationId xmlns:p14="http://schemas.microsoft.com/office/powerpoint/2010/main" val="1617756300"/>
       </p:ext>
     </p:extLst>
   </p:cSld>
@@ -9432,18 +9267,19 @@
         </p:nvSpPr>
         <p:spPr>
           <a:xfrm>
-            <a:off x="394854" y="646545"/>
-            <a:ext cx="5728855" cy="5308745"/>
-          </a:xfrm>
-        </p:spPr>
-        <p:txBody>
-          <a:bodyPr>
-            <a:normAutofit lnSpcReduction="10000"/>
-          </a:bodyPr>
-          <a:lstStyle/>
-          <a:p>
-            <a:r>
-              <a:rPr lang="fr-FR" sz="2600" dirty="0" smtClean="0">
+            <a:off x="311728" y="495588"/>
+            <a:ext cx="6366163" cy="6459393"/>
+          </a:xfrm>
+        </p:spPr>
+        <p:txBody>
+          <a:bodyPr/>
+          <a:lstStyle/>
+          <a:p>
+            <a:pPr marL="0" indent="0">
+              <a:buNone/>
+            </a:pPr>
+            <a:r>
+              <a:rPr lang="fr-FR" b="1" dirty="0">
                 <a:effectLst>
                   <a:outerShdw blurRad="38100" dist="25400" dir="5400000" algn="ctr">
                     <a:srgbClr val="6E747A">
@@ -9452,10 +9288,10 @@
                   </a:outerShdw>
                 </a:effectLst>
               </a:rPr>
-              <a:t>1.2 </a:t>
-            </a:r>
-            <a:r>
-              <a:rPr lang="fr-FR" sz="2600" dirty="0">
+              <a:t>2</a:t>
+            </a:r>
+            <a:r>
+              <a:rPr lang="fr-FR" sz="2400" b="1" dirty="0">
                 <a:effectLst>
                   <a:outerShdw blurRad="38100" dist="25400" dir="5400000" algn="ctr">
                     <a:srgbClr val="6E747A">
@@ -9464,107 +9300,72 @@
                   </a:outerShdw>
                 </a:effectLst>
               </a:rPr>
-              <a:t>Principe du fonctionnement</a:t>
-            </a:r>
-            <a:endParaRPr lang="fr-FR" sz="2600" dirty="0"/>
+              <a:t>.) Utilisation et choix du Wifi .</a:t>
+            </a:r>
+            <a:endParaRPr lang="fr-FR" sz="2400" dirty="0"/>
           </a:p>
           <a:p>
             <a:pPr marL="0" indent="0">
               <a:buNone/>
             </a:pPr>
             <a:r>
-              <a:rPr lang="fr-FR" sz="2600" dirty="0"/>
-              <a:t>   Tout d’abord pour que la connexion WIFI fonctionne il faut avoir un objet équipé d’un adaptateur réseau qui va convertir les informations en un signal radio . Ces information seront communiqué au routeur (décodeur) ,une fois décodées elles peuvent être transmises sur internet.  Le réseau sans fil </a:t>
-            </a:r>
-            <a:r>
-              <a:rPr lang="fr-FR" sz="2600" dirty="0" smtClean="0"/>
-              <a:t>(le </a:t>
-            </a:r>
-            <a:r>
-              <a:rPr lang="fr-FR" sz="2600" dirty="0"/>
-              <a:t>wifi ) se repose sur un trafic bidirectionnel c’est-à-dire que à l’inverse les données envoyées d’internet sont envoyées vers le routeur pour être transformes dans un signal radio qui seront ensuite réceptionnées par l’objet équipé d’un adaptateur réseau .</a:t>
+              <a:rPr lang="fr-FR" sz="2400" dirty="0">
+                <a:effectLst>
+                  <a:outerShdw blurRad="38100" dist="25400" dir="5400000" algn="ctr">
+                    <a:srgbClr val="6E747A">
+                      <a:alpha val="43000"/>
+                    </a:srgbClr>
+                  </a:outerShdw>
+                </a:effectLst>
+              </a:rPr>
+              <a:t>2.1 Utilisation précise du Wifi</a:t>
+            </a:r>
+            <a:endParaRPr lang="fr-FR" sz="2400" dirty="0"/>
+          </a:p>
+          <a:p>
+            <a:pPr marL="0" indent="0">
+              <a:buNone/>
+            </a:pPr>
+            <a:r>
+              <a:rPr lang="fr-FR" sz="2400" dirty="0">
+                <a:effectLst>
+                  <a:outerShdw blurRad="38100" dist="25400" dir="5400000" algn="ctr">
+                    <a:srgbClr val="6E747A">
+                      <a:alpha val="43000"/>
+                    </a:srgbClr>
+                  </a:outerShdw>
+                </a:effectLst>
+              </a:rPr>
+              <a:t> </a:t>
+            </a:r>
+            <a:endParaRPr lang="fr-FR" sz="2400" dirty="0"/>
+          </a:p>
+          <a:p>
+            <a:r>
+              <a:rPr lang="fr-FR" sz="2400" dirty="0"/>
+              <a:t>Dans notre cas , l’utilisation du wifi va nous être utile car les courses seront lancés à l’extérieur donc il faudrait que les requêtes </a:t>
+            </a:r>
+            <a:r>
+              <a:rPr lang="fr-FR" sz="2400" dirty="0" err="1"/>
+              <a:t>sql</a:t>
+            </a:r>
+            <a:r>
+              <a:rPr lang="fr-FR" sz="2400" dirty="0"/>
+              <a:t> s’envoient sur la BDD rapidement tout en ayant cette sureté d’arriver et la rapidité d’affichage sur les écrans. </a:t>
             </a:r>
           </a:p>
           <a:p>
             <a:endParaRPr lang="fr-FR" dirty="0"/>
           </a:p>
-        </p:txBody>
-      </p:sp>
-      <p:pic>
-        <p:nvPicPr>
-          <p:cNvPr id="2052" name="Picture 4" descr="Modem routeur"/>
-          <p:cNvPicPr>
-            <a:picLocks noChangeAspect="1" noChangeArrowheads="1"/>
-          </p:cNvPicPr>
-          <p:nvPr/>
-        </p:nvPicPr>
-        <p:blipFill>
-          <a:blip r:embed="rId2">
-            <a:extLst>
-              <a:ext uri="{28A0092B-C50C-407E-A947-70E740481C1C}">
-                <a14:useLocalDpi xmlns:a14="http://schemas.microsoft.com/office/drawing/2010/main" val="0"/>
-              </a:ext>
-            </a:extLst>
-          </a:blip>
-          <a:srcRect/>
-          <a:stretch>
-            <a:fillRect/>
-          </a:stretch>
-        </p:blipFill>
-        <p:spPr bwMode="auto">
-          <a:xfrm>
-            <a:off x="6510194" y="1107858"/>
-            <a:ext cx="5012706" cy="4386118"/>
-          </a:xfrm>
-          <a:prstGeom prst="rect">
-            <a:avLst/>
-          </a:prstGeom>
-          <a:noFill/>
-          <a:extLst>
-            <a:ext uri="{909E8E84-426E-40DD-AFC4-6F175D3DCCD1}">
-              <a14:hiddenFill xmlns:a14="http://schemas.microsoft.com/office/drawing/2010/main">
-                <a:solidFill>
-                  <a:srgbClr val="FFFFFF"/>
-                </a:solidFill>
-              </a14:hiddenFill>
-            </a:ext>
-          </a:extLst>
-        </p:spPr>
-      </p:pic>
-      <p:sp>
-        <p:nvSpPr>
-          <p:cNvPr id="4" name="ZoneTexte 3"/>
-          <p:cNvSpPr txBox="1"/>
-          <p:nvPr/>
-        </p:nvSpPr>
-        <p:spPr>
-          <a:xfrm>
-            <a:off x="7453745" y="800081"/>
-            <a:ext cx="4069155" cy="307777"/>
-          </a:xfrm>
-          <a:prstGeom prst="rect">
-            <a:avLst/>
-          </a:prstGeom>
-          <a:noFill/>
-        </p:spPr>
-        <p:txBody>
-          <a:bodyPr wrap="square" rtlCol="0">
-            <a:spAutoFit/>
-          </a:bodyPr>
-          <a:lstStyle/>
-          <a:p>
-            <a:r>
-              <a:rPr lang="fr-FR" sz="1400" dirty="0" smtClean="0"/>
-              <a:t>Source : questions.heffge.fr</a:t>
-            </a:r>
-            <a:endParaRPr lang="fr-FR" sz="1400" dirty="0"/>
+          <a:p>
+            <a:endParaRPr lang="fr-FR" dirty="0"/>
           </a:p>
         </p:txBody>
       </p:sp>
     </p:spTree>
     <p:extLst>
       <p:ext uri="{BB962C8B-B14F-4D97-AF65-F5344CB8AC3E}">
-        <p14:creationId xmlns:p14="http://schemas.microsoft.com/office/powerpoint/2010/main" val="1919668917"/>
+        <p14:creationId xmlns:p14="http://schemas.microsoft.com/office/powerpoint/2010/main" val="3736197052"/>
       </p:ext>
     </p:extLst>
   </p:cSld>
@@ -9604,36 +9405,21 @@
       </p:grpSpPr>
       <p:sp>
         <p:nvSpPr>
-          <p:cNvPr id="3" name="Espace réservé du contenu 2"/>
-          <p:cNvSpPr>
-            <a:spLocks noGrp="1"/>
-          </p:cNvSpPr>
-          <p:nvPr>
-            <p:ph idx="1"/>
-          </p:nvPr>
-        </p:nvSpPr>
-        <p:spPr>
-          <a:xfrm>
-            <a:off x="293255" y="606425"/>
-            <a:ext cx="6680200" cy="4351338"/>
-          </a:xfrm>
-        </p:spPr>
-        <p:txBody>
-          <a:bodyPr/>
-          <a:lstStyle/>
-          <a:p>
-            <a:r>
-              <a:rPr lang="fr-FR" sz="2400" dirty="0" smtClean="0">
-                <a:effectLst>
-                  <a:outerShdw blurRad="38100" dist="25400" dir="5400000" algn="ctr">
-                    <a:srgbClr val="6E747A">
-                      <a:alpha val="43000"/>
-                    </a:srgbClr>
-                  </a:outerShdw>
-                </a:effectLst>
-              </a:rPr>
-              <a:t>1.3 </a:t>
-            </a:r>
+          <p:cNvPr id="2" name="Titre 1"/>
+          <p:cNvSpPr>
+            <a:spLocks noGrp="1"/>
+          </p:cNvSpPr>
+          <p:nvPr>
+            <p:ph type="title"/>
+          </p:nvPr>
+        </p:nvSpPr>
+        <p:spPr/>
+        <p:txBody>
+          <a:bodyPr>
+            <a:normAutofit/>
+          </a:bodyPr>
+          <a:lstStyle/>
+          <a:p>
             <a:r>
               <a:rPr lang="fr-FR" sz="2400" dirty="0">
                 <a:effectLst>
@@ -9643,73 +9429,30 @@
                     </a:srgbClr>
                   </a:outerShdw>
                 </a:effectLst>
+                <a:latin typeface="+mn-lt"/>
               </a:rPr>
-              <a:t>Principe du fonctionnement physique</a:t>
-            </a:r>
-            <a:endParaRPr lang="fr-FR" sz="2400" dirty="0"/>
-          </a:p>
-          <a:p>
-            <a:pPr marL="0" indent="0">
-              <a:buNone/>
-            </a:pPr>
+              <a:t>2. 3 Comparaison du Wifi</a:t>
+            </a:r>
             <a:r>
               <a:rPr lang="fr-FR" sz="2400" dirty="0">
-                <a:effectLst>
-                  <a:outerShdw blurRad="38100" dist="25400" dir="5400000" algn="ctr">
-                    <a:srgbClr val="6E747A">
-                      <a:alpha val="43000"/>
-                    </a:srgbClr>
-                  </a:outerShdw>
-                </a:effectLst>
+                <a:latin typeface="+mn-lt"/>
               </a:rPr>
-              <a:t> </a:t>
-            </a:r>
-            <a:endParaRPr lang="fr-FR" sz="2400" dirty="0"/>
-          </a:p>
-          <a:p>
-            <a:pPr marL="0" indent="0">
-              <a:buNone/>
-            </a:pPr>
-            <a:r>
-              <a:rPr lang="fr-FR" sz="2400" dirty="0"/>
-              <a:t>L’onde électromagnétique est formée par le couplage de l’onde électrique E et l’onde magnétique B . La fréquence à son tour est déterminée par la célérité (c)</a:t>
-            </a:r>
-          </a:p>
-          <a:p>
-            <a:pPr marL="0" indent="0">
-              <a:buNone/>
-            </a:pPr>
-            <a:r>
-              <a:rPr lang="fr-FR" sz="2400" dirty="0"/>
-              <a:t>et la longueur d’one  (l) .</a:t>
-            </a:r>
-          </a:p>
-          <a:p>
-            <a:pPr marL="0" indent="0">
-              <a:buNone/>
-            </a:pPr>
-            <a:r>
+              <a:t/>
+            </a:r>
+            <a:br>
               <a:rPr lang="fr-FR" sz="2400" dirty="0">
-                <a:effectLst>
-                  <a:outerShdw blurRad="38100" dist="25400" dir="5400000" algn="ctr">
-                    <a:srgbClr val="6E747A">
-                      <a:alpha val="43000"/>
-                    </a:srgbClr>
-                  </a:outerShdw>
-                </a:effectLst>
+                <a:latin typeface="+mn-lt"/>
               </a:rPr>
-              <a:t> </a:t>
-            </a:r>
-            <a:endParaRPr lang="fr-FR" sz="2400" dirty="0"/>
-          </a:p>
-          <a:p>
-            <a:endParaRPr lang="fr-FR" dirty="0"/>
+            </a:br>
+            <a:endParaRPr lang="fr-FR" sz="2400" dirty="0">
+              <a:latin typeface="+mn-lt"/>
+            </a:endParaRPr>
           </a:p>
         </p:txBody>
       </p:sp>
       <p:pic>
         <p:nvPicPr>
-          <p:cNvPr id="4" name="Picture 34"/>
+          <p:cNvPr id="4" name="Image 3"/>
           <p:cNvPicPr/>
           <p:nvPr/>
         </p:nvPicPr>
@@ -9721,40 +9464,35 @@
               </a:ext>
             </a:extLst>
           </a:blip>
-          <a:srcRect/>
           <a:stretch>
             <a:fillRect/>
           </a:stretch>
         </p:blipFill>
-        <p:spPr bwMode="auto">
-          <a:xfrm>
-            <a:off x="7277823" y="1939636"/>
-            <a:ext cx="4101378" cy="3528291"/>
+        <p:spPr>
+          <a:xfrm>
+            <a:off x="2931795" y="1456026"/>
+            <a:ext cx="6328410" cy="2617210"/>
+          </a:xfrm>
+          <a:prstGeom prst="rect">
+            <a:avLst/>
+          </a:prstGeom>
+        </p:spPr>
+      </p:pic>
+      <p:sp>
+        <p:nvSpPr>
+          <p:cNvPr id="5" name="ZoneTexte 4"/>
+          <p:cNvSpPr txBox="1"/>
+          <p:nvPr/>
+        </p:nvSpPr>
+        <p:spPr>
+          <a:xfrm>
+            <a:off x="838200" y="4425473"/>
+            <a:ext cx="5227782" cy="1477328"/>
           </a:xfrm>
           <a:prstGeom prst="rect">
             <a:avLst/>
           </a:prstGeom>
           <a:noFill/>
-          <a:ln>
-            <a:noFill/>
-          </a:ln>
-        </p:spPr>
-      </p:pic>
-      <p:sp>
-        <p:nvSpPr>
-          <p:cNvPr id="5" name="ZoneTexte 4"/>
-          <p:cNvSpPr txBox="1"/>
-          <p:nvPr/>
-        </p:nvSpPr>
-        <p:spPr>
-          <a:xfrm>
-            <a:off x="7924800" y="1542473"/>
-            <a:ext cx="3158836" cy="307777"/>
-          </a:xfrm>
-          <a:prstGeom prst="rect">
-            <a:avLst/>
-          </a:prstGeom>
-          <a:noFill/>
         </p:spPr>
         <p:txBody>
           <a:bodyPr wrap="square" rtlCol="0">
@@ -9763,17 +9501,19 @@
           <a:lstStyle/>
           <a:p>
             <a:r>
-              <a:rPr lang="fr-FR" sz="1400" dirty="0" smtClean="0"/>
-              <a:t>Source : www.radiomateur.org</a:t>
-            </a:r>
-            <a:endParaRPr lang="fr-FR" sz="1400" dirty="0"/>
+              <a:rPr lang="fr-FR" dirty="0"/>
+              <a:t>Dans notre cas l’utilisation du wifi en 5GHz est plus intéressante car la portée est plus élevé tout en ayant un gros débit nécessaire à la transmission des requêtes SQL.</a:t>
+            </a:r>
+          </a:p>
+          <a:p>
+            <a:endParaRPr lang="fr-FR" dirty="0"/>
           </a:p>
         </p:txBody>
       </p:sp>
     </p:spTree>
     <p:extLst>
       <p:ext uri="{BB962C8B-B14F-4D97-AF65-F5344CB8AC3E}">
-        <p14:creationId xmlns:p14="http://schemas.microsoft.com/office/powerpoint/2010/main" val="1617756300"/>
+        <p14:creationId xmlns:p14="http://schemas.microsoft.com/office/powerpoint/2010/main" val="2605194467"/>
       </p:ext>
     </p:extLst>
   </p:cSld>
@@ -9874,302 +9614,6 @@
     <p:extLst>
       <p:ext uri="{BB962C8B-B14F-4D97-AF65-F5344CB8AC3E}">
         <p14:creationId xmlns:p14="http://schemas.microsoft.com/office/powerpoint/2010/main" val="4128117823"/>
-      </p:ext>
-    </p:extLst>
-  </p:cSld>
-  <p:clrMapOvr>
-    <a:masterClrMapping/>
-  </p:clrMapOvr>
-</p:sld>
-</file>
-
-<file path=ppt/slides/slide40.xml><?xml version="1.0" encoding="utf-8"?>
-<p:sld xmlns:a="http://schemas.openxmlformats.org/drawingml/2006/main" xmlns:r="http://schemas.openxmlformats.org/officeDocument/2006/relationships" xmlns:p="http://schemas.openxmlformats.org/presentationml/2006/main">
-  <p:cSld>
-    <p:bg>
-      <p:bgPr>
-        <a:solidFill>
-          <a:schemeClr val="accent6">
-            <a:lumMod val="20000"/>
-            <a:lumOff val="80000"/>
-          </a:schemeClr>
-        </a:solidFill>
-        <a:effectLst/>
-      </p:bgPr>
-    </p:bg>
-    <p:spTree>
-      <p:nvGrpSpPr>
-        <p:cNvPr id="1" name=""/>
-        <p:cNvGrpSpPr/>
-        <p:nvPr/>
-      </p:nvGrpSpPr>
-      <p:grpSpPr>
-        <a:xfrm>
-          <a:off x="0" y="0"/>
-          <a:ext cx="0" cy="0"/>
-          <a:chOff x="0" y="0"/>
-          <a:chExt cx="0" cy="0"/>
-        </a:xfrm>
-      </p:grpSpPr>
-      <p:sp>
-        <p:nvSpPr>
-          <p:cNvPr id="3" name="Espace réservé du contenu 2"/>
-          <p:cNvSpPr>
-            <a:spLocks noGrp="1"/>
-          </p:cNvSpPr>
-          <p:nvPr>
-            <p:ph idx="1"/>
-          </p:nvPr>
-        </p:nvSpPr>
-        <p:spPr>
-          <a:xfrm>
-            <a:off x="311728" y="495588"/>
-            <a:ext cx="6366163" cy="6459393"/>
-          </a:xfrm>
-        </p:spPr>
-        <p:txBody>
-          <a:bodyPr/>
-          <a:lstStyle/>
-          <a:p>
-            <a:pPr marL="0" indent="0">
-              <a:buNone/>
-            </a:pPr>
-            <a:r>
-              <a:rPr lang="fr-FR" b="1" dirty="0">
-                <a:effectLst>
-                  <a:outerShdw blurRad="38100" dist="25400" dir="5400000" algn="ctr">
-                    <a:srgbClr val="6E747A">
-                      <a:alpha val="43000"/>
-                    </a:srgbClr>
-                  </a:outerShdw>
-                </a:effectLst>
-              </a:rPr>
-              <a:t>2</a:t>
-            </a:r>
-            <a:r>
-              <a:rPr lang="fr-FR" sz="2400" b="1" dirty="0">
-                <a:effectLst>
-                  <a:outerShdw blurRad="38100" dist="25400" dir="5400000" algn="ctr">
-                    <a:srgbClr val="6E747A">
-                      <a:alpha val="43000"/>
-                    </a:srgbClr>
-                  </a:outerShdw>
-                </a:effectLst>
-              </a:rPr>
-              <a:t>.) Utilisation et choix du Wifi .</a:t>
-            </a:r>
-            <a:endParaRPr lang="fr-FR" sz="2400" dirty="0"/>
-          </a:p>
-          <a:p>
-            <a:pPr marL="0" indent="0">
-              <a:buNone/>
-            </a:pPr>
-            <a:r>
-              <a:rPr lang="fr-FR" sz="2400" dirty="0">
-                <a:effectLst>
-                  <a:outerShdw blurRad="38100" dist="25400" dir="5400000" algn="ctr">
-                    <a:srgbClr val="6E747A">
-                      <a:alpha val="43000"/>
-                    </a:srgbClr>
-                  </a:outerShdw>
-                </a:effectLst>
-              </a:rPr>
-              <a:t>2.1 Utilisation précise du Wifi</a:t>
-            </a:r>
-            <a:endParaRPr lang="fr-FR" sz="2400" dirty="0"/>
-          </a:p>
-          <a:p>
-            <a:pPr marL="0" indent="0">
-              <a:buNone/>
-            </a:pPr>
-            <a:r>
-              <a:rPr lang="fr-FR" sz="2400" dirty="0">
-                <a:effectLst>
-                  <a:outerShdw blurRad="38100" dist="25400" dir="5400000" algn="ctr">
-                    <a:srgbClr val="6E747A">
-                      <a:alpha val="43000"/>
-                    </a:srgbClr>
-                  </a:outerShdw>
-                </a:effectLst>
-              </a:rPr>
-              <a:t> </a:t>
-            </a:r>
-            <a:endParaRPr lang="fr-FR" sz="2400" dirty="0"/>
-          </a:p>
-          <a:p>
-            <a:r>
-              <a:rPr lang="fr-FR" sz="2400" dirty="0"/>
-              <a:t>Dans notre cas , l’utilisation du wifi va nous être utile car les courses seront lancés à l’extérieur donc il faudrait que les requêtes </a:t>
-            </a:r>
-            <a:r>
-              <a:rPr lang="fr-FR" sz="2400" dirty="0" err="1"/>
-              <a:t>sql</a:t>
-            </a:r>
-            <a:r>
-              <a:rPr lang="fr-FR" sz="2400" dirty="0"/>
-              <a:t> s’envoient sur la BDD rapidement tout en ayant cette sureté d’arriver et la rapidité d’affichage sur les écrans. </a:t>
-            </a:r>
-          </a:p>
-          <a:p>
-            <a:endParaRPr lang="fr-FR" dirty="0"/>
-          </a:p>
-          <a:p>
-            <a:endParaRPr lang="fr-FR" dirty="0"/>
-          </a:p>
-        </p:txBody>
-      </p:sp>
-    </p:spTree>
-    <p:extLst>
-      <p:ext uri="{BB962C8B-B14F-4D97-AF65-F5344CB8AC3E}">
-        <p14:creationId xmlns:p14="http://schemas.microsoft.com/office/powerpoint/2010/main" val="3736197052"/>
-      </p:ext>
-    </p:extLst>
-  </p:cSld>
-  <p:clrMapOvr>
-    <a:masterClrMapping/>
-  </p:clrMapOvr>
-</p:sld>
-</file>
-
-<file path=ppt/slides/slide41.xml><?xml version="1.0" encoding="utf-8"?>
-<p:sld xmlns:a="http://schemas.openxmlformats.org/drawingml/2006/main" xmlns:r="http://schemas.openxmlformats.org/officeDocument/2006/relationships" xmlns:p="http://schemas.openxmlformats.org/presentationml/2006/main">
-  <p:cSld>
-    <p:bg>
-      <p:bgPr>
-        <a:solidFill>
-          <a:schemeClr val="accent6">
-            <a:lumMod val="20000"/>
-            <a:lumOff val="80000"/>
-          </a:schemeClr>
-        </a:solidFill>
-        <a:effectLst/>
-      </p:bgPr>
-    </p:bg>
-    <p:spTree>
-      <p:nvGrpSpPr>
-        <p:cNvPr id="1" name=""/>
-        <p:cNvGrpSpPr/>
-        <p:nvPr/>
-      </p:nvGrpSpPr>
-      <p:grpSpPr>
-        <a:xfrm>
-          <a:off x="0" y="0"/>
-          <a:ext cx="0" cy="0"/>
-          <a:chOff x="0" y="0"/>
-          <a:chExt cx="0" cy="0"/>
-        </a:xfrm>
-      </p:grpSpPr>
-      <p:sp>
-        <p:nvSpPr>
-          <p:cNvPr id="2" name="Titre 1"/>
-          <p:cNvSpPr>
-            <a:spLocks noGrp="1"/>
-          </p:cNvSpPr>
-          <p:nvPr>
-            <p:ph type="title"/>
-          </p:nvPr>
-        </p:nvSpPr>
-        <p:spPr/>
-        <p:txBody>
-          <a:bodyPr>
-            <a:normAutofit/>
-          </a:bodyPr>
-          <a:lstStyle/>
-          <a:p>
-            <a:r>
-              <a:rPr lang="fr-FR" sz="2400" dirty="0">
-                <a:effectLst>
-                  <a:outerShdw blurRad="38100" dist="25400" dir="5400000" algn="ctr">
-                    <a:srgbClr val="6E747A">
-                      <a:alpha val="43000"/>
-                    </a:srgbClr>
-                  </a:outerShdw>
-                </a:effectLst>
-                <a:latin typeface="+mn-lt"/>
-              </a:rPr>
-              <a:t>2. 3 Comparaison du Wifi</a:t>
-            </a:r>
-            <a:r>
-              <a:rPr lang="fr-FR" sz="2400" dirty="0">
-                <a:latin typeface="+mn-lt"/>
-              </a:rPr>
-              <a:t/>
-            </a:r>
-            <a:br>
-              <a:rPr lang="fr-FR" sz="2400" dirty="0">
-                <a:latin typeface="+mn-lt"/>
-              </a:rPr>
-            </a:br>
-            <a:endParaRPr lang="fr-FR" sz="2400" dirty="0">
-              <a:latin typeface="+mn-lt"/>
-            </a:endParaRPr>
-          </a:p>
-        </p:txBody>
-      </p:sp>
-      <p:pic>
-        <p:nvPicPr>
-          <p:cNvPr id="4" name="Image 3"/>
-          <p:cNvPicPr/>
-          <p:nvPr/>
-        </p:nvPicPr>
-        <p:blipFill>
-          <a:blip r:embed="rId2">
-            <a:extLst>
-              <a:ext uri="{28A0092B-C50C-407E-A947-70E740481C1C}">
-                <a14:useLocalDpi xmlns:a14="http://schemas.microsoft.com/office/drawing/2010/main" val="0"/>
-              </a:ext>
-            </a:extLst>
-          </a:blip>
-          <a:stretch>
-            <a:fillRect/>
-          </a:stretch>
-        </p:blipFill>
-        <p:spPr>
-          <a:xfrm>
-            <a:off x="2931795" y="1456026"/>
-            <a:ext cx="6328410" cy="2617210"/>
-          </a:xfrm>
-          <a:prstGeom prst="rect">
-            <a:avLst/>
-          </a:prstGeom>
-        </p:spPr>
-      </p:pic>
-      <p:sp>
-        <p:nvSpPr>
-          <p:cNvPr id="5" name="ZoneTexte 4"/>
-          <p:cNvSpPr txBox="1"/>
-          <p:nvPr/>
-        </p:nvSpPr>
-        <p:spPr>
-          <a:xfrm>
-            <a:off x="838200" y="4425473"/>
-            <a:ext cx="5227782" cy="1477328"/>
-          </a:xfrm>
-          <a:prstGeom prst="rect">
-            <a:avLst/>
-          </a:prstGeom>
-          <a:noFill/>
-        </p:spPr>
-        <p:txBody>
-          <a:bodyPr wrap="square" rtlCol="0">
-            <a:spAutoFit/>
-          </a:bodyPr>
-          <a:lstStyle/>
-          <a:p>
-            <a:r>
-              <a:rPr lang="fr-FR" dirty="0"/>
-              <a:t>Dans notre cas l’utilisation du wifi en 5GHz est plus intéressante car la portée est plus élevé tout en ayant un gros débit nécessaire à la transmission des requêtes SQL.</a:t>
-            </a:r>
-          </a:p>
-          <a:p>
-            <a:endParaRPr lang="fr-FR" dirty="0"/>
-          </a:p>
-        </p:txBody>
-      </p:sp>
-    </p:spTree>
-    <p:extLst>
-      <p:ext uri="{BB962C8B-B14F-4D97-AF65-F5344CB8AC3E}">
-        <p14:creationId xmlns:p14="http://schemas.microsoft.com/office/powerpoint/2010/main" val="2605194467"/>
       </p:ext>
     </p:extLst>
   </p:cSld>
@@ -10644,15 +10088,15 @@
       </p:sp>
       <p:pic>
         <p:nvPicPr>
-          <p:cNvPr id="4" name="Espace réservé du contenu 3" descr="C:\Users\Victor\Documents\GitHub\Projet_Cross\Etudiant 1\Diagrammes\UseCase_Etudiant1.PNG"/>
+          <p:cNvPr id="5" name="Espace réservé du contenu 4"/>
           <p:cNvPicPr>
-            <a:picLocks noGrp="1"/>
+            <a:picLocks noGrp="1" noChangeAspect="1"/>
           </p:cNvPicPr>
           <p:nvPr>
             <p:ph idx="1"/>
           </p:nvPr>
         </p:nvPicPr>
-        <p:blipFill rotWithShape="1">
+        <p:blipFill>
           <a:blip r:embed="rId2">
             <a:extLst>
               <a:ext uri="{28A0092B-C50C-407E-A947-70E740481C1C}">
@@ -10660,26 +10104,15 @@
               </a:ext>
             </a:extLst>
           </a:blip>
-          <a:srcRect b="3592"/>
-          <a:stretch/>
+          <a:stretch>
+            <a:fillRect/>
+          </a:stretch>
         </p:blipFill>
-        <p:spPr bwMode="auto">
-          <a:xfrm>
-            <a:off x="927588" y="1028700"/>
-            <a:ext cx="8660423" cy="5829300"/>
-          </a:xfrm>
-          <a:prstGeom prst="rect">
-            <a:avLst/>
-          </a:prstGeom>
-          <a:noFill/>
-          <a:ln>
-            <a:noFill/>
-          </a:ln>
-          <a:extLst>
-            <a:ext uri="{53640926-AAD7-44D8-BBD7-CCE9431645EC}">
-              <a14:shadowObscured xmlns:a14="http://schemas.microsoft.com/office/drawing/2010/main"/>
-            </a:ext>
-          </a:extLst>
+        <p:spPr>
+          <a:xfrm>
+            <a:off x="2026914" y="1178169"/>
+            <a:ext cx="7398440" cy="5517633"/>
+          </a:xfrm>
         </p:spPr>
       </p:pic>
     </p:spTree>
@@ -10771,93 +10204,9 @@
         </p:spPr>
         <p:txBody>
           <a:bodyPr>
-            <a:normAutofit fontScale="62500" lnSpcReduction="20000"/>
+            <a:normAutofit/>
           </a:bodyPr>
           <a:lstStyle/>
-          <a:p>
-            <a:r>
-              <a:rPr lang="fr-FR" dirty="0"/>
-              <a:t>Utilisateur va sur le site intranet.</a:t>
-            </a:r>
-          </a:p>
-          <a:p>
-            <a:r>
-              <a:rPr lang="fr-FR" dirty="0"/>
-              <a:t>Utilisateur va sur le site intranet et se connecte au site.</a:t>
-            </a:r>
-          </a:p>
-          <a:p>
-            <a:r>
-              <a:rPr lang="fr-FR" dirty="0"/>
-              <a:t>Le coureur se connecte au site de la course et s’inscrit à une course en entrant ces informations personnelles et appuie sur le bouton valider l’inscription.</a:t>
-            </a:r>
-          </a:p>
-          <a:p>
-            <a:r>
-              <a:rPr lang="fr-FR" dirty="0"/>
-              <a:t>Le coureur se connecte au site de la course et s’inscrit à une course en entrant ces informations personnelles mais n’appuie pas sur le bouton valider l’inscription.</a:t>
-            </a:r>
-          </a:p>
-          <a:p>
-            <a:r>
-              <a:rPr lang="fr-FR" dirty="0"/>
-              <a:t>Le coureur se connecte au site de la course et s’inscrit à une course en n’entrant pas ces informations personnelles mais appuie sur le bouton valider l’inscription.</a:t>
-            </a:r>
-          </a:p>
-          <a:p>
-            <a:r>
-              <a:rPr lang="fr-FR" dirty="0"/>
-              <a:t>Le coureur se déconnecte du site.</a:t>
-            </a:r>
-          </a:p>
-          <a:p>
-            <a:r>
-              <a:rPr lang="fr-FR" dirty="0"/>
-              <a:t>L’organisateur se connecte à l’administrateur.</a:t>
-            </a:r>
-          </a:p>
-          <a:p>
-            <a:r>
-              <a:rPr lang="fr-FR" dirty="0"/>
-              <a:t>L’organisateur créer une course, choisit la/les classe(s) qui peuvent s’inscrire, paramètre le nombre de passages devant le lecteur et appuie sur « Valider ».</a:t>
-            </a:r>
-          </a:p>
-          <a:p>
-            <a:r>
-              <a:rPr lang="fr-FR" dirty="0"/>
-              <a:t>L’organisateur créer une course, choisit la/les classe(s) qui peuvent s’inscrire, paramètre le nombre de passages devant le lecteur et n’appuie pas sur « Valider ».</a:t>
-            </a:r>
-          </a:p>
-          <a:p>
-            <a:r>
-              <a:rPr lang="fr-FR" dirty="0"/>
-              <a:t>L’organisateur créer une course, ne choisit pas la/les classe(s) qui peuvent s’inscrire, paramètre le nombre de passages devant le lecteur et appuie sur « Valider ».</a:t>
-            </a:r>
-          </a:p>
-          <a:p>
-            <a:r>
-              <a:rPr lang="fr-FR" dirty="0"/>
-              <a:t>L’organisateur créer une course, choisit la/les classe(s) qui peuvent s’inscrire, ne paramètre pas le nombre de passages devant le lecteur et appuie sur « Valider ».</a:t>
-            </a:r>
-          </a:p>
-          <a:p>
-            <a:r>
-              <a:rPr lang="fr-FR" dirty="0"/>
-              <a:t>L’organisateur consulte les inscrits.</a:t>
-            </a:r>
-          </a:p>
-          <a:p>
-            <a:r>
-              <a:rPr lang="fr-FR" dirty="0"/>
-              <a:t>L’organisateur consulte les inscrits, retire des inscrits et appuie sur « Valider ».</a:t>
-            </a:r>
-          </a:p>
-          <a:p>
-            <a:r>
-              <a:rPr lang="fr-FR" dirty="0"/>
-              <a:t>L’organisateur se déconnecte du site.</a:t>
-            </a:r>
-          </a:p>
           <a:p>
             <a:endParaRPr lang="fr-FR" dirty="0"/>
           </a:p>

--- a/Diagrammes Communs/Presentation_Revue0.pptx
+++ b/Diagrammes Communs/Presentation_Revue0.pptx
@@ -14,36 +14,35 @@
     <p:sldId id="258" r:id="rId8"/>
     <p:sldId id="259" r:id="rId9"/>
     <p:sldId id="260" r:id="rId10"/>
-    <p:sldId id="261" r:id="rId11"/>
-    <p:sldId id="265" r:id="rId12"/>
+    <p:sldId id="265" r:id="rId11"/>
+    <p:sldId id="261" r:id="rId12"/>
     <p:sldId id="285" r:id="rId13"/>
     <p:sldId id="266" r:id="rId14"/>
     <p:sldId id="286" r:id="rId15"/>
     <p:sldId id="267" r:id="rId16"/>
     <p:sldId id="268" r:id="rId17"/>
-    <p:sldId id="289" r:id="rId18"/>
-    <p:sldId id="290" r:id="rId19"/>
-    <p:sldId id="270" r:id="rId20"/>
-    <p:sldId id="271" r:id="rId21"/>
-    <p:sldId id="272" r:id="rId22"/>
-    <p:sldId id="291" r:id="rId23"/>
-    <p:sldId id="292" r:id="rId24"/>
-    <p:sldId id="293" r:id="rId25"/>
-    <p:sldId id="294" r:id="rId26"/>
-    <p:sldId id="295" r:id="rId27"/>
-    <p:sldId id="274" r:id="rId28"/>
-    <p:sldId id="275" r:id="rId29"/>
-    <p:sldId id="276" r:id="rId30"/>
-    <p:sldId id="278" r:id="rId31"/>
-    <p:sldId id="280" r:id="rId32"/>
-    <p:sldId id="283" r:id="rId33"/>
-    <p:sldId id="281" r:id="rId34"/>
-    <p:sldId id="284" r:id="rId35"/>
-    <p:sldId id="296" r:id="rId36"/>
-    <p:sldId id="297" r:id="rId37"/>
-    <p:sldId id="298" r:id="rId38"/>
-    <p:sldId id="299" r:id="rId39"/>
-    <p:sldId id="300" r:id="rId40"/>
+    <p:sldId id="290" r:id="rId18"/>
+    <p:sldId id="270" r:id="rId19"/>
+    <p:sldId id="271" r:id="rId20"/>
+    <p:sldId id="272" r:id="rId21"/>
+    <p:sldId id="291" r:id="rId22"/>
+    <p:sldId id="292" r:id="rId23"/>
+    <p:sldId id="293" r:id="rId24"/>
+    <p:sldId id="294" r:id="rId25"/>
+    <p:sldId id="295" r:id="rId26"/>
+    <p:sldId id="274" r:id="rId27"/>
+    <p:sldId id="275" r:id="rId28"/>
+    <p:sldId id="276" r:id="rId29"/>
+    <p:sldId id="278" r:id="rId30"/>
+    <p:sldId id="280" r:id="rId31"/>
+    <p:sldId id="283" r:id="rId32"/>
+    <p:sldId id="281" r:id="rId33"/>
+    <p:sldId id="284" r:id="rId34"/>
+    <p:sldId id="296" r:id="rId35"/>
+    <p:sldId id="297" r:id="rId36"/>
+    <p:sldId id="298" r:id="rId37"/>
+    <p:sldId id="299" r:id="rId38"/>
+    <p:sldId id="300" r:id="rId39"/>
   </p:sldIdLst>
   <p:sldSz cx="12192000" cy="6858000"/>
   <p:notesSz cx="6858000" cy="9144000"/>
@@ -279,7 +278,7 @@
           <a:p>
             <a:fld id="{7BC5C595-FB1D-4FA3-AB00-1D4758E98115}" type="datetimeFigureOut">
               <a:rPr lang="fr-FR" smtClean="0"/>
-              <a:t>31/01/2020</a:t>
+              <a:t>01/02/2020</a:t>
             </a:fld>
             <a:endParaRPr lang="fr-FR"/>
           </a:p>
@@ -447,7 +446,7 @@
           <a:p>
             <a:fld id="{7BC5C595-FB1D-4FA3-AB00-1D4758E98115}" type="datetimeFigureOut">
               <a:rPr lang="fr-FR" smtClean="0"/>
-              <a:t>31/01/2020</a:t>
+              <a:t>01/02/2020</a:t>
             </a:fld>
             <a:endParaRPr lang="fr-FR"/>
           </a:p>
@@ -625,7 +624,7 @@
           <a:p>
             <a:fld id="{7BC5C595-FB1D-4FA3-AB00-1D4758E98115}" type="datetimeFigureOut">
               <a:rPr lang="fr-FR" smtClean="0"/>
-              <a:t>31/01/2020</a:t>
+              <a:t>01/02/2020</a:t>
             </a:fld>
             <a:endParaRPr lang="fr-FR"/>
           </a:p>
@@ -793,7 +792,7 @@
           <a:p>
             <a:fld id="{7BC5C595-FB1D-4FA3-AB00-1D4758E98115}" type="datetimeFigureOut">
               <a:rPr lang="fr-FR" smtClean="0"/>
-              <a:t>31/01/2020</a:t>
+              <a:t>01/02/2020</a:t>
             </a:fld>
             <a:endParaRPr lang="fr-FR"/>
           </a:p>
@@ -1038,7 +1037,7 @@
           <a:p>
             <a:fld id="{7BC5C595-FB1D-4FA3-AB00-1D4758E98115}" type="datetimeFigureOut">
               <a:rPr lang="fr-FR" smtClean="0"/>
-              <a:t>31/01/2020</a:t>
+              <a:t>01/02/2020</a:t>
             </a:fld>
             <a:endParaRPr lang="fr-FR"/>
           </a:p>
@@ -1267,7 +1266,7 @@
           <a:p>
             <a:fld id="{7BC5C595-FB1D-4FA3-AB00-1D4758E98115}" type="datetimeFigureOut">
               <a:rPr lang="fr-FR" smtClean="0"/>
-              <a:t>31/01/2020</a:t>
+              <a:t>01/02/2020</a:t>
             </a:fld>
             <a:endParaRPr lang="fr-FR"/>
           </a:p>
@@ -1631,7 +1630,7 @@
           <a:p>
             <a:fld id="{7BC5C595-FB1D-4FA3-AB00-1D4758E98115}" type="datetimeFigureOut">
               <a:rPr lang="fr-FR" smtClean="0"/>
-              <a:t>31/01/2020</a:t>
+              <a:t>01/02/2020</a:t>
             </a:fld>
             <a:endParaRPr lang="fr-FR"/>
           </a:p>
@@ -1748,7 +1747,7 @@
           <a:p>
             <a:fld id="{7BC5C595-FB1D-4FA3-AB00-1D4758E98115}" type="datetimeFigureOut">
               <a:rPr lang="fr-FR" smtClean="0"/>
-              <a:t>31/01/2020</a:t>
+              <a:t>01/02/2020</a:t>
             </a:fld>
             <a:endParaRPr lang="fr-FR"/>
           </a:p>
@@ -1843,7 +1842,7 @@
           <a:p>
             <a:fld id="{7BC5C595-FB1D-4FA3-AB00-1D4758E98115}" type="datetimeFigureOut">
               <a:rPr lang="fr-FR" smtClean="0"/>
-              <a:t>31/01/2020</a:t>
+              <a:t>01/02/2020</a:t>
             </a:fld>
             <a:endParaRPr lang="fr-FR"/>
           </a:p>
@@ -2118,7 +2117,7 @@
           <a:p>
             <a:fld id="{7BC5C595-FB1D-4FA3-AB00-1D4758E98115}" type="datetimeFigureOut">
               <a:rPr lang="fr-FR" smtClean="0"/>
-              <a:t>31/01/2020</a:t>
+              <a:t>01/02/2020</a:t>
             </a:fld>
             <a:endParaRPr lang="fr-FR"/>
           </a:p>
@@ -2370,7 +2369,7 @@
           <a:p>
             <a:fld id="{7BC5C595-FB1D-4FA3-AB00-1D4758E98115}" type="datetimeFigureOut">
               <a:rPr lang="fr-FR" smtClean="0"/>
-              <a:t>31/01/2020</a:t>
+              <a:t>01/02/2020</a:t>
             </a:fld>
             <a:endParaRPr lang="fr-FR"/>
           </a:p>
@@ -2581,7 +2580,7 @@
           <a:p>
             <a:fld id="{7BC5C595-FB1D-4FA3-AB00-1D4758E98115}" type="datetimeFigureOut">
               <a:rPr lang="fr-FR" smtClean="0"/>
-              <a:t>31/01/2020</a:t>
+              <a:t>01/02/2020</a:t>
             </a:fld>
             <a:endParaRPr lang="fr-FR"/>
           </a:p>
@@ -3117,8 +3116,8 @@
         </p:nvSpPr>
         <p:spPr>
           <a:xfrm>
-            <a:off x="838200" y="0"/>
-            <a:ext cx="10515600" cy="865798"/>
+            <a:off x="838199" y="640534"/>
+            <a:ext cx="10515600" cy="531690"/>
           </a:xfrm>
         </p:spPr>
         <p:txBody>
@@ -3129,28 +3128,18 @@
           <a:p>
             <a:pPr algn="ctr"/>
             <a:r>
-              <a:rPr lang="fr-FR" sz="2800" dirty="0"/>
-              <a:t>3) Diagrammes de séquence</a:t>
-            </a:r>
-            <a:br>
-              <a:rPr lang="fr-FR" sz="2800" dirty="0"/>
-            </a:br>
-            <a:r>
-              <a:rPr lang="fr-FR" sz="2800" dirty="0"/>
-              <a:t>	</a:t>
-            </a:r>
-            <a:r>
               <a:rPr lang="fr-FR" sz="2400" dirty="0"/>
-              <a:t>a) Inscription à une course</a:t>
-            </a:r>
-            <a:endParaRPr lang="fr-FR" sz="2800" dirty="0"/>
+              <a:t>a) Connexion au site</a:t>
+            </a:r>
           </a:p>
         </p:txBody>
       </p:sp>
       <p:pic>
         <p:nvPicPr>
-          <p:cNvPr id="5" name="Image 4"/>
-          <p:cNvPicPr/>
+          <p:cNvPr id="3" name="Image 2"/>
+          <p:cNvPicPr>
+            <a:picLocks noChangeAspect="1"/>
+          </p:cNvPicPr>
           <p:nvPr/>
         </p:nvPicPr>
         <p:blipFill>
@@ -3165,24 +3154,58 @@
             <a:fillRect/>
           </a:stretch>
         </p:blipFill>
-        <p:spPr bwMode="auto">
-          <a:xfrm>
-            <a:off x="898049" y="865798"/>
-            <a:ext cx="10395902" cy="5577306"/>
+        <p:spPr>
+          <a:xfrm>
+            <a:off x="164575" y="1247470"/>
+            <a:ext cx="12027425" cy="4704151"/>
           </a:xfrm>
           <a:prstGeom prst="rect">
             <a:avLst/>
           </a:prstGeom>
-          <a:noFill/>
-          <a:ln>
-            <a:noFill/>
-          </a:ln>
         </p:spPr>
       </p:pic>
+      <p:sp>
+        <p:nvSpPr>
+          <p:cNvPr id="4" name="Rectangle 3">
+            <a:extLst>
+              <a:ext uri="{FF2B5EF4-FFF2-40B4-BE49-F238E27FC236}">
+                <a16:creationId xmlns:a16="http://schemas.microsoft.com/office/drawing/2014/main" id="{F019A73F-2CD0-F44E-9E09-73314D2DD7D7}"/>
+              </a:ext>
+            </a:extLst>
+          </p:cNvPr>
+          <p:cNvSpPr/>
+          <p:nvPr/>
+        </p:nvSpPr>
+        <p:spPr>
+          <a:xfrm>
+            <a:off x="838199" y="271202"/>
+            <a:ext cx="10515600" cy="523220"/>
+          </a:xfrm>
+          <a:prstGeom prst="rect">
+            <a:avLst/>
+          </a:prstGeom>
+        </p:spPr>
+        <p:txBody>
+          <a:bodyPr wrap="square">
+            <a:spAutoFit/>
+          </a:bodyPr>
+          <a:lstStyle/>
+          <a:p>
+            <a:r>
+              <a:rPr lang="fr-FR" sz="2800" dirty="0"/>
+              <a:t>3) </a:t>
+            </a:r>
+            <a:r>
+              <a:rPr lang="fr-FR" sz="2800" u="sng" dirty="0"/>
+              <a:t>Diagrammes de séquence</a:t>
+            </a:r>
+          </a:p>
+        </p:txBody>
+      </p:sp>
     </p:spTree>
     <p:extLst>
       <p:ext uri="{BB962C8B-B14F-4D97-AF65-F5344CB8AC3E}">
-        <p14:creationId xmlns:p14="http://schemas.microsoft.com/office/powerpoint/2010/main" val="4171307395"/>
+        <p14:creationId xmlns:p14="http://schemas.microsoft.com/office/powerpoint/2010/main" val="1786565788"/>
       </p:ext>
     </p:extLst>
   </p:cSld>
@@ -3233,7 +3256,7 @@
         <p:spPr>
           <a:xfrm>
             <a:off x="838200" y="0"/>
-            <a:ext cx="10515600" cy="531690"/>
+            <a:ext cx="10515600" cy="865798"/>
           </a:xfrm>
         </p:spPr>
         <p:txBody>
@@ -3245,17 +3268,16 @@
             <a:pPr algn="ctr"/>
             <a:r>
               <a:rPr lang="fr-FR" sz="2400" dirty="0"/>
-              <a:t>b) Connexion au site</a:t>
-            </a:r>
+              <a:t>b) Inscription à une course</a:t>
+            </a:r>
+            <a:endParaRPr lang="fr-FR" sz="2800" dirty="0"/>
           </a:p>
         </p:txBody>
       </p:sp>
       <p:pic>
         <p:nvPicPr>
-          <p:cNvPr id="3" name="Image 2"/>
-          <p:cNvPicPr>
-            <a:picLocks noChangeAspect="1"/>
-          </p:cNvPicPr>
+          <p:cNvPr id="5" name="Image 4"/>
+          <p:cNvPicPr/>
           <p:nvPr/>
         </p:nvPicPr>
         <p:blipFill>
@@ -3270,20 +3292,24 @@
             <a:fillRect/>
           </a:stretch>
         </p:blipFill>
-        <p:spPr>
-          <a:xfrm>
-            <a:off x="164575" y="1247470"/>
-            <a:ext cx="12027425" cy="4704151"/>
+        <p:spPr bwMode="auto">
+          <a:xfrm>
+            <a:off x="898049" y="865798"/>
+            <a:ext cx="10395902" cy="5577306"/>
           </a:xfrm>
           <a:prstGeom prst="rect">
             <a:avLst/>
           </a:prstGeom>
+          <a:noFill/>
+          <a:ln>
+            <a:noFill/>
+          </a:ln>
         </p:spPr>
       </p:pic>
     </p:spTree>
     <p:extLst>
       <p:ext uri="{BB962C8B-B14F-4D97-AF65-F5344CB8AC3E}">
-        <p14:creationId xmlns:p14="http://schemas.microsoft.com/office/powerpoint/2010/main" val="1786565788"/>
+        <p14:creationId xmlns:p14="http://schemas.microsoft.com/office/powerpoint/2010/main" val="4171307395"/>
       </p:ext>
     </p:extLst>
   </p:cSld>
@@ -3346,17 +3372,8 @@
             <a:pPr algn="ctr"/>
             <a:r>
               <a:rPr lang="fr-FR" sz="2400" dirty="0"/>
-              <a:t>c</a:t>
-            </a:r>
-            <a:r>
-              <a:rPr lang="fr-FR" sz="2400" dirty="0" smtClean="0"/>
-              <a:t>) Association Coureur </a:t>
-            </a:r>
-            <a:r>
-              <a:rPr lang="fr-FR" sz="2400" dirty="0" smtClean="0"/>
-              <a:t>Dossard</a:t>
-            </a:r>
-            <a:endParaRPr lang="fr-FR" sz="2400" dirty="0"/>
+              <a:t>c) Association Coureur Dossard</a:t>
+            </a:r>
           </a:p>
         </p:txBody>
       </p:sp>
@@ -3458,13 +3475,8 @@
             <a:pPr algn="ctr"/>
             <a:r>
               <a:rPr lang="fr-FR" sz="2400" dirty="0"/>
-              <a:t>c) </a:t>
-            </a:r>
-            <a:r>
-              <a:rPr lang="fr-FR" sz="2400" dirty="0" smtClean="0"/>
-              <a:t>Création d’une course</a:t>
-            </a:r>
-            <a:endParaRPr lang="fr-FR" sz="2400" dirty="0"/>
+              <a:t>d) Création d’une course</a:t>
+            </a:r>
           </a:p>
         </p:txBody>
       </p:sp>
@@ -3564,13 +3576,8 @@
             <a:pPr algn="ctr"/>
             <a:r>
               <a:rPr lang="fr-FR" sz="2400" dirty="0"/>
-              <a:t>c) </a:t>
-            </a:r>
-            <a:r>
-              <a:rPr lang="fr-FR" sz="2400" dirty="0" smtClean="0"/>
-              <a:t>Gérer les inscriptions à une course</a:t>
-            </a:r>
-            <a:endParaRPr lang="fr-FR" sz="2400" dirty="0"/>
+              <a:t>e) Gérer les inscriptions à une course</a:t>
+            </a:r>
           </a:p>
         </p:txBody>
       </p:sp>
@@ -3672,13 +3679,7 @@
               <a:rPr lang="fr-FR" sz="4900" dirty="0">
                 <a:latin typeface="+mj-lt"/>
               </a:rPr>
-              <a:t>II) Etude Physique lecteur </a:t>
-            </a:r>
-            <a:r>
-              <a:rPr lang="fr-FR" sz="4900" dirty="0" smtClean="0">
-                <a:latin typeface="+mj-lt"/>
-              </a:rPr>
-              <a:t>RFID</a:t>
+              <a:t>II) Etude Physique lecteur RFID</a:t>
             </a:r>
             <a:endParaRPr lang="fr-FR" dirty="0"/>
           </a:p>
@@ -3705,16 +3706,13 @@
           </a:bodyPr>
           <a:lstStyle/>
           <a:p>
-            <a:pPr marL="514350" indent="-514350">
-              <a:buAutoNum type="arabicParenR"/>
-            </a:pPr>
+            <a:r>
+              <a:rPr lang="fr-FR" sz="2400" dirty="0"/>
+              <a:t>1) </a:t>
+            </a:r>
             <a:r>
               <a:rPr lang="fr-FR" sz="2400" u="sng" dirty="0"/>
-              <a:t>Présentation et </a:t>
-            </a:r>
-            <a:r>
-              <a:rPr lang="fr-FR" sz="2400" u="sng" dirty="0" smtClean="0"/>
-              <a:t>fonctionnement</a:t>
+              <a:t>Présentation et fonctionnement</a:t>
             </a:r>
           </a:p>
           <a:p>
@@ -3725,20 +3723,16 @@
           </a:p>
           <a:p>
             <a:r>
-              <a:rPr lang="fr-FR" sz="1600" dirty="0" smtClean="0"/>
-              <a:t>	a</a:t>
-            </a:r>
-            <a:r>
               <a:rPr lang="fr-FR" sz="1600" dirty="0"/>
-              <a:t>) </a:t>
-            </a:r>
-            <a:r>
-              <a:rPr lang="fr-FR" u="sng" dirty="0" smtClean="0"/>
+              <a:t>	a) </a:t>
+            </a:r>
+            <a:r>
+              <a:rPr lang="fr-FR" u="sng" dirty="0"/>
               <a:t>Introduction</a:t>
             </a:r>
           </a:p>
           <a:p>
-            <a:endParaRPr lang="fr-FR" sz="1600" dirty="0" smtClean="0">
+            <a:endParaRPr lang="fr-FR" sz="1600" dirty="0">
               <a:latin typeface="Calibri" panose="020F0502020204030204" pitchFamily="34" charset="0"/>
               <a:ea typeface="SimSun" panose="02010600030101010101" pitchFamily="2" charset="-122"/>
               <a:cs typeface="Times New Roman" panose="02020603050405020304" pitchFamily="18" charset="0"/>
@@ -3754,20 +3748,12 @@
               </a:spcAft>
             </a:pPr>
             <a:r>
-              <a:rPr lang="fr-FR" sz="1600" dirty="0" smtClean="0">
-                <a:latin typeface="Calibri" panose="020F0502020204030204" pitchFamily="34" charset="0"/>
-                <a:ea typeface="SimSun" panose="02010600030101010101" pitchFamily="2" charset="-122"/>
-                <a:cs typeface="Times New Roman" panose="02020603050405020304" pitchFamily="18" charset="0"/>
-              </a:rPr>
-              <a:t>La </a:t>
-            </a:r>
-            <a:r>
               <a:rPr lang="fr-FR" sz="1600" dirty="0">
                 <a:latin typeface="Calibri" panose="020F0502020204030204" pitchFamily="34" charset="0"/>
                 <a:ea typeface="SimSun" panose="02010600030101010101" pitchFamily="2" charset="-122"/>
                 <a:cs typeface="Times New Roman" panose="02020603050405020304" pitchFamily="18" charset="0"/>
               </a:rPr>
-              <a:t>RFID (Radio </a:t>
+              <a:t>La RFID (Radio </a:t>
             </a:r>
             <a:r>
               <a:rPr lang="fr-FR" sz="1600" dirty="0" err="1">
@@ -3785,11 +3771,6 @@
               </a:rPr>
               <a:t> Identification) est une méthode permettant de mémoriser et récupérer des données à distance. Le système est activé par un transfert d’énergie électromagnétique entre une étiquette radio et un émetteur RFID. </a:t>
             </a:r>
-            <a:endParaRPr lang="fr-FR" sz="1600" dirty="0" smtClean="0">
-              <a:latin typeface="Calibri" panose="020F0502020204030204" pitchFamily="34" charset="0"/>
-              <a:ea typeface="SimSun" panose="02010600030101010101" pitchFamily="2" charset="-122"/>
-              <a:cs typeface="Times New Roman" panose="02020603050405020304" pitchFamily="18" charset="0"/>
-            </a:endParaRPr>
           </a:p>
           <a:p>
             <a:pPr indent="449580" algn="just">
@@ -3800,7 +3781,7 @@
                 <a:spcPts val="800"/>
               </a:spcAft>
             </a:pPr>
-            <a:endParaRPr lang="fr-FR" sz="1600" dirty="0" smtClean="0">
+            <a:endParaRPr lang="fr-FR" sz="1600" dirty="0">
               <a:latin typeface="Calibri" panose="020F0502020204030204" pitchFamily="34" charset="0"/>
               <a:ea typeface="SimSun" panose="02010600030101010101" pitchFamily="2" charset="-122"/>
               <a:cs typeface="Times New Roman" panose="02020603050405020304" pitchFamily="18" charset="0"/>
@@ -3824,14 +3805,14 @@
               <a:t>	</a:t>
             </a:r>
             <a:r>
-              <a:rPr lang="fr-FR" dirty="0" smtClean="0"/>
+              <a:rPr lang="fr-FR" dirty="0"/>
               <a:t>b) </a:t>
             </a:r>
             <a:r>
-              <a:rPr lang="fr-FR" u="sng" dirty="0" smtClean="0"/>
+              <a:rPr lang="fr-FR" u="sng" dirty="0"/>
               <a:t>Principe du lecteur RFID</a:t>
             </a:r>
-            <a:endParaRPr lang="fr-FR" u="sng" dirty="0" smtClean="0">
+            <a:endParaRPr lang="fr-FR" u="sng" dirty="0">
               <a:latin typeface="Calibri" panose="020F0502020204030204" pitchFamily="34" charset="0"/>
               <a:ea typeface="SimSun" panose="02010600030101010101" pitchFamily="2" charset="-122"/>
               <a:cs typeface="Times New Roman" panose="02020603050405020304" pitchFamily="18" charset="0"/>
@@ -3847,20 +3828,12 @@
               </a:spcAft>
             </a:pPr>
             <a:r>
-              <a:rPr lang="fr-FR" sz="1600" dirty="0" smtClean="0">
-                <a:latin typeface="Calibri" panose="020F0502020204030204" pitchFamily="34" charset="0"/>
-                <a:ea typeface="SimSun" panose="02010600030101010101" pitchFamily="2" charset="-122"/>
-                <a:cs typeface="Times New Roman" panose="02020603050405020304" pitchFamily="18" charset="0"/>
-              </a:rPr>
-              <a:t>Le </a:t>
-            </a:r>
-            <a:r>
               <a:rPr lang="fr-FR" sz="1600" dirty="0">
                 <a:latin typeface="Calibri" panose="020F0502020204030204" pitchFamily="34" charset="0"/>
                 <a:ea typeface="SimSun" panose="02010600030101010101" pitchFamily="2" charset="-122"/>
                 <a:cs typeface="Times New Roman" panose="02020603050405020304" pitchFamily="18" charset="0"/>
               </a:rPr>
-              <a:t>lecteur RFID fonctionne de la manière suivante :</a:t>
+              <a:t>Le lecteur RFID fonctionne de la manière suivante :</a:t>
             </a:r>
           </a:p>
           <a:p>
@@ -3984,8 +3957,8 @@
         </p:blipFill>
         <p:spPr>
           <a:xfrm>
-            <a:off x="8561778" y="3830788"/>
-            <a:ext cx="2342610" cy="1145457"/>
+            <a:off x="8422078" y="3797300"/>
+            <a:ext cx="2499922" cy="1242445"/>
           </a:xfrm>
           <a:prstGeom prst="rect">
             <a:avLst/>
@@ -4057,24 +4030,12 @@
           <a:p>
             <a:pPr lvl="1"/>
             <a:r>
-              <a:rPr lang="fr-FR" sz="2400" b="1" dirty="0" smtClean="0">
+              <a:rPr lang="fr-FR" sz="2400" b="1" u="sng" dirty="0">
                 <a:latin typeface="+mj-lt"/>
               </a:rPr>
-              <a:t>2</a:t>
-            </a:r>
-            <a:r>
-              <a:rPr lang="fr-FR" sz="2400" b="1" dirty="0">
-                <a:latin typeface="+mj-lt"/>
-              </a:rPr>
-              <a:t>) Utilisation et choix du </a:t>
-            </a:r>
-            <a:r>
-              <a:rPr lang="fr-FR" sz="2400" b="1" dirty="0" smtClean="0">
-                <a:latin typeface="+mj-lt"/>
-              </a:rPr>
-              <a:t>RFID</a:t>
-            </a:r>
-            <a:endParaRPr lang="fr-FR" sz="1400" dirty="0"/>
+              <a:t>2) Utilisation et choix du RFID</a:t>
+            </a:r>
+            <a:endParaRPr lang="fr-FR" sz="1400" u="sng" dirty="0"/>
           </a:p>
         </p:txBody>
       </p:sp>
@@ -4090,8 +4051,8 @@
         </p:nvSpPr>
         <p:spPr>
           <a:xfrm>
-            <a:off x="838200" y="2034906"/>
-            <a:ext cx="4076700" cy="2901461"/>
+            <a:off x="838200" y="1512277"/>
+            <a:ext cx="4076700" cy="2620551"/>
           </a:xfrm>
           <a:ln w="19050">
             <a:solidFill>
@@ -4111,20 +4072,16 @@
               <a:buNone/>
             </a:pPr>
             <a:r>
-              <a:rPr lang="fr-FR" sz="1800" dirty="0" smtClean="0"/>
+              <a:rPr lang="fr-FR" sz="1800" dirty="0"/>
               <a:t>a) </a:t>
             </a:r>
             <a:r>
-              <a:rPr lang="fr-FR" sz="1800" u="sng" dirty="0" smtClean="0"/>
-              <a:t>Les </a:t>
-            </a:r>
-            <a:r>
-              <a:rPr lang="fr-FR" sz="1800" u="sng" dirty="0" smtClean="0"/>
-              <a:t>différents supports</a:t>
-            </a:r>
-          </a:p>
-          <a:p>
-            <a:pPr marL="0" indent="0">
+              <a:rPr lang="fr-FR" sz="1800" u="sng" dirty="0"/>
+              <a:t>Les différents supports</a:t>
+            </a:r>
+          </a:p>
+          <a:p>
+            <a:pPr marL="0" indent="0" algn="just">
               <a:lnSpc>
                 <a:spcPct val="107000"/>
               </a:lnSpc>
@@ -4174,7 +4131,7 @@
               <a:buChar char="-"/>
             </a:pPr>
             <a:r>
-              <a:rPr lang="fr-FR" sz="1600" dirty="0">
+              <a:rPr lang="fr-FR" sz="1600" b="1" dirty="0">
                 <a:latin typeface="Calibri" panose="020F0502020204030204" pitchFamily="34" charset="0"/>
                 <a:ea typeface="SimSun" panose="02010600030101010101" pitchFamily="2" charset="-122"/>
                 <a:cs typeface="Times New Roman" panose="02020603050405020304" pitchFamily="18" charset="0"/>
@@ -4219,35 +4176,7 @@
                 <a:ea typeface="SimSun" panose="02010600030101010101" pitchFamily="2" charset="-122"/>
                 <a:cs typeface="Times New Roman" panose="02020603050405020304" pitchFamily="18" charset="0"/>
               </a:rPr>
-              <a:t>Porte-clés et tags,</a:t>
-            </a:r>
-          </a:p>
-          <a:p>
-            <a:pPr marL="342900" lvl="0" indent="-342900">
-              <a:lnSpc>
-                <a:spcPct val="107000"/>
-              </a:lnSpc>
-              <a:spcAft>
-                <a:spcPts val="800"/>
-              </a:spcAft>
-              <a:buFont typeface="Century Gothic" panose="020B0502020202020204" pitchFamily="34" charset="0"/>
-              <a:buChar char="-"/>
-            </a:pPr>
-            <a:r>
-              <a:rPr lang="fr-FR" sz="1600" dirty="0">
-                <a:latin typeface="Calibri" panose="020F0502020204030204" pitchFamily="34" charset="0"/>
-                <a:ea typeface="SimSun" panose="02010600030101010101" pitchFamily="2" charset="-122"/>
-                <a:cs typeface="Times New Roman" panose="02020603050405020304" pitchFamily="18" charset="0"/>
-              </a:rPr>
-              <a:t>Puces sous cutanés</a:t>
-            </a:r>
-            <a:r>
-              <a:rPr lang="fr-FR" sz="1600" dirty="0" smtClean="0">
-                <a:latin typeface="Calibri" panose="020F0502020204030204" pitchFamily="34" charset="0"/>
-                <a:ea typeface="SimSun" panose="02010600030101010101" pitchFamily="2" charset="-122"/>
-                <a:cs typeface="Times New Roman" panose="02020603050405020304" pitchFamily="18" charset="0"/>
-              </a:rPr>
-              <a:t>.</a:t>
+              <a:t>Porte-clés et tags..</a:t>
             </a:r>
           </a:p>
         </p:txBody>
@@ -4261,14 +4190,14 @@
           <p:nvPr>
             <p:extLst>
               <p:ext uri="{D42A27DB-BD31-4B8C-83A1-F6EECF244321}">
-                <p14:modId xmlns:p14="http://schemas.microsoft.com/office/powerpoint/2010/main" val="2810368811"/>
+                <p14:modId xmlns:p14="http://schemas.microsoft.com/office/powerpoint/2010/main" val="76307166"/>
               </p:ext>
             </p:extLst>
           </p:nvPr>
         </p:nvGraphicFramePr>
         <p:xfrm>
-          <a:off x="5758960" y="3508131"/>
-          <a:ext cx="5495192" cy="1558540"/>
+          <a:off x="5832530" y="2415936"/>
+          <a:ext cx="5495192" cy="1548444"/>
         </p:xfrm>
         <a:graphic>
           <a:graphicData uri="http://schemas.openxmlformats.org/drawingml/2006/table">
@@ -4810,8 +4739,8 @@
         </p:nvSpPr>
         <p:spPr>
           <a:xfrm>
-            <a:off x="5556737" y="1512277"/>
-            <a:ext cx="5899639" cy="3946721"/>
+            <a:off x="5569437" y="1295961"/>
+            <a:ext cx="6099235" cy="2836867"/>
           </a:xfrm>
           <a:prstGeom prst="rect">
             <a:avLst/>
@@ -4853,7 +4782,7 @@
             </a:endParaRPr>
           </a:p>
           <a:p>
-            <a:pPr lvl="0">
+            <a:pPr algn="just">
               <a:lnSpc>
                 <a:spcPct val="107000"/>
               </a:lnSpc>
@@ -4867,11 +4796,11 @@
                 <a:ea typeface="SimSun" panose="02010600030101010101" pitchFamily="2" charset="-122"/>
                 <a:cs typeface="Times New Roman" panose="02020603050405020304" pitchFamily="18" charset="0"/>
               </a:rPr>
-              <a:t>Nous allons utiliser le dossard car moins coûteux et plus pratique pour le coureur d’accrocher un dossard.</a:t>
-            </a:r>
-          </a:p>
-          <a:p>
-            <a:pPr>
+              <a:t>Les puces se différencient en grande partie par la fréquence de fonctionnement et la distance de lecture.</a:t>
+            </a:r>
+          </a:p>
+          <a:p>
+            <a:pPr algn="just">
               <a:lnSpc>
                 <a:spcPct val="107000"/>
               </a:lnSpc>
@@ -4879,22 +4808,11 @@
                 <a:spcPts val="800"/>
               </a:spcAft>
             </a:pPr>
-            <a:r>
-              <a:rPr lang="fr-FR" sz="1600" dirty="0">
-                <a:latin typeface="Calibri" panose="020F0502020204030204" pitchFamily="34" charset="0"/>
-                <a:ea typeface="SimSun" panose="02010600030101010101" pitchFamily="2" charset="-122"/>
-                <a:cs typeface="Times New Roman" panose="02020603050405020304" pitchFamily="18" charset="0"/>
-              </a:rPr>
-              <a:t>Les puces se différencient en grande partie par la fréquence de fonctionnement et la distance de lecture</a:t>
-            </a:r>
-            <a:r>
-              <a:rPr lang="fr-FR" sz="1600" dirty="0" smtClean="0">
-                <a:latin typeface="Calibri" panose="020F0502020204030204" pitchFamily="34" charset="0"/>
-                <a:ea typeface="SimSun" panose="02010600030101010101" pitchFamily="2" charset="-122"/>
-                <a:cs typeface="Times New Roman" panose="02020603050405020304" pitchFamily="18" charset="0"/>
-              </a:rPr>
-              <a:t>.</a:t>
-            </a:r>
+            <a:endParaRPr lang="fr-FR" sz="1600" dirty="0">
+              <a:latin typeface="Calibri" panose="020F0502020204030204" pitchFamily="34" charset="0"/>
+              <a:ea typeface="SimSun" panose="02010600030101010101" pitchFamily="2" charset="-122"/>
+              <a:cs typeface="Times New Roman" panose="02020603050405020304" pitchFamily="18" charset="0"/>
+            </a:endParaRPr>
           </a:p>
           <a:p>
             <a:pPr>
@@ -4920,7 +4838,7 @@
                 <a:spcPts val="800"/>
               </a:spcAft>
             </a:pPr>
-            <a:endParaRPr lang="fr-FR" sz="1600" dirty="0" smtClean="0">
+            <a:endParaRPr lang="fr-FR" sz="1600" dirty="0">
               <a:latin typeface="Calibri" panose="020F0502020204030204" pitchFamily="34" charset="0"/>
               <a:ea typeface="SimSun" panose="02010600030101010101" pitchFamily="2" charset="-122"/>
               <a:cs typeface="Times New Roman" panose="02020603050405020304" pitchFamily="18" charset="0"/>
@@ -4950,41 +4868,297 @@
                 <a:spcPts val="800"/>
               </a:spcAft>
             </a:pPr>
-            <a:endParaRPr lang="fr-FR" sz="1600" dirty="0" smtClean="0">
+            <a:endParaRPr lang="fr-FR" sz="1600" dirty="0">
               <a:latin typeface="Calibri" panose="020F0502020204030204" pitchFamily="34" charset="0"/>
               <a:ea typeface="SimSun" panose="02010600030101010101" pitchFamily="2" charset="-122"/>
               <a:cs typeface="Times New Roman" panose="02020603050405020304" pitchFamily="18" charset="0"/>
             </a:endParaRPr>
           </a:p>
-          <a:p>
-            <a:pPr>
+        </p:txBody>
+      </p:sp>
+      <p:sp>
+        <p:nvSpPr>
+          <p:cNvPr id="7" name="Espace réservé du contenu 2">
+            <a:extLst>
+              <a:ext uri="{FF2B5EF4-FFF2-40B4-BE49-F238E27FC236}">
+                <a16:creationId xmlns:a16="http://schemas.microsoft.com/office/drawing/2014/main" id="{8B902303-0D43-C340-AF8E-6166EACF2A6F}"/>
+              </a:ext>
+            </a:extLst>
+          </p:cNvPr>
+          <p:cNvSpPr txBox="1">
+            <a:spLocks/>
+          </p:cNvSpPr>
+          <p:nvPr/>
+        </p:nvSpPr>
+        <p:spPr>
+          <a:xfrm>
+            <a:off x="546100" y="4287602"/>
+            <a:ext cx="10979769" cy="2430697"/>
+          </a:xfrm>
+          <a:prstGeom prst="rect">
+            <a:avLst/>
+          </a:prstGeom>
+          <a:ln w="19050">
+            <a:solidFill>
+              <a:schemeClr val="accent1">
+                <a:lumMod val="50000"/>
+              </a:schemeClr>
+            </a:solidFill>
+          </a:ln>
+        </p:spPr>
+        <p:txBody>
+          <a:bodyPr vert="horz" lIns="91440" tIns="45720" rIns="91440" bIns="45720" rtlCol="0">
+            <a:normAutofit/>
+          </a:bodyPr>
+          <a:lstStyle>
+            <a:lvl1pPr marL="228600" indent="-228600" algn="l" defTabSz="914400" rtl="0" eaLnBrk="1" latinLnBrk="0" hangingPunct="1">
+              <a:lnSpc>
+                <a:spcPct val="90000"/>
+              </a:lnSpc>
+              <a:spcBef>
+                <a:spcPts val="1000"/>
+              </a:spcBef>
+              <a:buFont typeface="Arial" panose="020B0604020202020204" pitchFamily="34" charset="0"/>
+              <a:buChar char="•"/>
+              <a:defRPr sz="2800" kern="1200">
+                <a:solidFill>
+                  <a:schemeClr val="tx1"/>
+                </a:solidFill>
+                <a:latin typeface="+mn-lt"/>
+                <a:ea typeface="+mn-ea"/>
+                <a:cs typeface="+mn-cs"/>
+              </a:defRPr>
+            </a:lvl1pPr>
+            <a:lvl2pPr marL="685800" indent="-228600" algn="l" defTabSz="914400" rtl="0" eaLnBrk="1" latinLnBrk="0" hangingPunct="1">
+              <a:lnSpc>
+                <a:spcPct val="90000"/>
+              </a:lnSpc>
+              <a:spcBef>
+                <a:spcPts val="500"/>
+              </a:spcBef>
+              <a:buFont typeface="Arial" panose="020B0604020202020204" pitchFamily="34" charset="0"/>
+              <a:buChar char="•"/>
+              <a:defRPr sz="2400" kern="1200">
+                <a:solidFill>
+                  <a:schemeClr val="tx1"/>
+                </a:solidFill>
+                <a:latin typeface="+mn-lt"/>
+                <a:ea typeface="+mn-ea"/>
+                <a:cs typeface="+mn-cs"/>
+              </a:defRPr>
+            </a:lvl2pPr>
+            <a:lvl3pPr marL="1143000" indent="-228600" algn="l" defTabSz="914400" rtl="0" eaLnBrk="1" latinLnBrk="0" hangingPunct="1">
+              <a:lnSpc>
+                <a:spcPct val="90000"/>
+              </a:lnSpc>
+              <a:spcBef>
+                <a:spcPts val="500"/>
+              </a:spcBef>
+              <a:buFont typeface="Arial" panose="020B0604020202020204" pitchFamily="34" charset="0"/>
+              <a:buChar char="•"/>
+              <a:defRPr sz="2000" kern="1200">
+                <a:solidFill>
+                  <a:schemeClr val="tx1"/>
+                </a:solidFill>
+                <a:latin typeface="+mn-lt"/>
+                <a:ea typeface="+mn-ea"/>
+                <a:cs typeface="+mn-cs"/>
+              </a:defRPr>
+            </a:lvl3pPr>
+            <a:lvl4pPr marL="1600200" indent="-228600" algn="l" defTabSz="914400" rtl="0" eaLnBrk="1" latinLnBrk="0" hangingPunct="1">
+              <a:lnSpc>
+                <a:spcPct val="90000"/>
+              </a:lnSpc>
+              <a:spcBef>
+                <a:spcPts val="500"/>
+              </a:spcBef>
+              <a:buFont typeface="Arial" panose="020B0604020202020204" pitchFamily="34" charset="0"/>
+              <a:buChar char="•"/>
+              <a:defRPr sz="1800" kern="1200">
+                <a:solidFill>
+                  <a:schemeClr val="tx1"/>
+                </a:solidFill>
+                <a:latin typeface="+mn-lt"/>
+                <a:ea typeface="+mn-ea"/>
+                <a:cs typeface="+mn-cs"/>
+              </a:defRPr>
+            </a:lvl4pPr>
+            <a:lvl5pPr marL="2057400" indent="-228600" algn="l" defTabSz="914400" rtl="0" eaLnBrk="1" latinLnBrk="0" hangingPunct="1">
+              <a:lnSpc>
+                <a:spcPct val="90000"/>
+              </a:lnSpc>
+              <a:spcBef>
+                <a:spcPts val="500"/>
+              </a:spcBef>
+              <a:buFont typeface="Arial" panose="020B0604020202020204" pitchFamily="34" charset="0"/>
+              <a:buChar char="•"/>
+              <a:defRPr sz="1800" kern="1200">
+                <a:solidFill>
+                  <a:schemeClr val="tx1"/>
+                </a:solidFill>
+                <a:latin typeface="+mn-lt"/>
+                <a:ea typeface="+mn-ea"/>
+                <a:cs typeface="+mn-cs"/>
+              </a:defRPr>
+            </a:lvl5pPr>
+            <a:lvl6pPr marL="2514600" indent="-228600" algn="l" defTabSz="914400" rtl="0" eaLnBrk="1" latinLnBrk="0" hangingPunct="1">
+              <a:lnSpc>
+                <a:spcPct val="90000"/>
+              </a:lnSpc>
+              <a:spcBef>
+                <a:spcPts val="500"/>
+              </a:spcBef>
+              <a:buFont typeface="Arial" panose="020B0604020202020204" pitchFamily="34" charset="0"/>
+              <a:buChar char="•"/>
+              <a:defRPr sz="1800" kern="1200">
+                <a:solidFill>
+                  <a:schemeClr val="tx1"/>
+                </a:solidFill>
+                <a:latin typeface="+mn-lt"/>
+                <a:ea typeface="+mn-ea"/>
+                <a:cs typeface="+mn-cs"/>
+              </a:defRPr>
+            </a:lvl6pPr>
+            <a:lvl7pPr marL="2971800" indent="-228600" algn="l" defTabSz="914400" rtl="0" eaLnBrk="1" latinLnBrk="0" hangingPunct="1">
+              <a:lnSpc>
+                <a:spcPct val="90000"/>
+              </a:lnSpc>
+              <a:spcBef>
+                <a:spcPts val="500"/>
+              </a:spcBef>
+              <a:buFont typeface="Arial" panose="020B0604020202020204" pitchFamily="34" charset="0"/>
+              <a:buChar char="•"/>
+              <a:defRPr sz="1800" kern="1200">
+                <a:solidFill>
+                  <a:schemeClr val="tx1"/>
+                </a:solidFill>
+                <a:latin typeface="+mn-lt"/>
+                <a:ea typeface="+mn-ea"/>
+                <a:cs typeface="+mn-cs"/>
+              </a:defRPr>
+            </a:lvl7pPr>
+            <a:lvl8pPr marL="3429000" indent="-228600" algn="l" defTabSz="914400" rtl="0" eaLnBrk="1" latinLnBrk="0" hangingPunct="1">
+              <a:lnSpc>
+                <a:spcPct val="90000"/>
+              </a:lnSpc>
+              <a:spcBef>
+                <a:spcPts val="500"/>
+              </a:spcBef>
+              <a:buFont typeface="Arial" panose="020B0604020202020204" pitchFamily="34" charset="0"/>
+              <a:buChar char="•"/>
+              <a:defRPr sz="1800" kern="1200">
+                <a:solidFill>
+                  <a:schemeClr val="tx1"/>
+                </a:solidFill>
+                <a:latin typeface="+mn-lt"/>
+                <a:ea typeface="+mn-ea"/>
+                <a:cs typeface="+mn-cs"/>
+              </a:defRPr>
+            </a:lvl8pPr>
+            <a:lvl9pPr marL="3886200" indent="-228600" algn="l" defTabSz="914400" rtl="0" eaLnBrk="1" latinLnBrk="0" hangingPunct="1">
+              <a:lnSpc>
+                <a:spcPct val="90000"/>
+              </a:lnSpc>
+              <a:spcBef>
+                <a:spcPts val="500"/>
+              </a:spcBef>
+              <a:buFont typeface="Arial" panose="020B0604020202020204" pitchFamily="34" charset="0"/>
+              <a:buChar char="•"/>
+              <a:defRPr sz="1800" kern="1200">
+                <a:solidFill>
+                  <a:schemeClr val="tx1"/>
+                </a:solidFill>
+                <a:latin typeface="+mn-lt"/>
+                <a:ea typeface="+mn-ea"/>
+                <a:cs typeface="+mn-cs"/>
+              </a:defRPr>
+            </a:lvl9pPr>
+          </a:lstStyle>
+          <a:p>
+            <a:pPr marL="0" indent="0">
+              <a:buFont typeface="Arial" panose="020B0604020202020204" pitchFamily="34" charset="0"/>
+              <a:buNone/>
+            </a:pPr>
+            <a:r>
+              <a:rPr lang="fr-FR" sz="1800" dirty="0"/>
+              <a:t>c) </a:t>
+            </a:r>
+            <a:r>
+              <a:rPr lang="fr-FR" sz="1800" u="sng" dirty="0"/>
+              <a:t>Les capacités de la puce RFID</a:t>
+            </a:r>
+          </a:p>
+          <a:p>
+            <a:pPr marL="342900" indent="-342900" algn="just">
               <a:lnSpc>
                 <a:spcPct val="107000"/>
               </a:lnSpc>
               <a:spcAft>
                 <a:spcPts val="800"/>
               </a:spcAft>
+              <a:buFont typeface="Century Gothic" panose="020B0502020202020204" pitchFamily="34" charset="0"/>
+              <a:buChar char="-"/>
             </a:pPr>
-            <a:endParaRPr lang="fr-FR" sz="1600" dirty="0">
-              <a:latin typeface="Calibri" panose="020F0502020204030204" pitchFamily="34" charset="0"/>
-              <a:ea typeface="SimSun" panose="02010600030101010101" pitchFamily="2" charset="-122"/>
-              <a:cs typeface="Times New Roman" panose="02020603050405020304" pitchFamily="18" charset="0"/>
-            </a:endParaRPr>
-          </a:p>
-          <a:p>
-            <a:pPr>
+            <a:r>
+              <a:rPr lang="fr-FR" sz="1600" b="1" dirty="0">
+                <a:latin typeface="Calibri" panose="020F0502020204030204" pitchFamily="34" charset="0"/>
+                <a:ea typeface="SimSun" panose="02010600030101010101" pitchFamily="2" charset="-122"/>
+                <a:cs typeface="Times New Roman" panose="02020603050405020304" pitchFamily="18" charset="0"/>
+              </a:rPr>
+              <a:t>La RFID passive :</a:t>
+            </a:r>
+            <a:r>
+              <a:rPr lang="fr-FR" sz="1600" dirty="0">
+                <a:latin typeface="Calibri" panose="020F0502020204030204" pitchFamily="34" charset="0"/>
+                <a:ea typeface="SimSun" panose="02010600030101010101" pitchFamily="2" charset="-122"/>
+                <a:cs typeface="Times New Roman" panose="02020603050405020304" pitchFamily="18" charset="0"/>
+              </a:rPr>
+              <a:t> il ne disposent pas de batterie : ils prennent leur énergie à travers le signal électromagnétique du lecteur qui permet d’activer le tag et lui permet d’émettre les informations. Avantages : moins couteuse, vie presque illimitée. Inconvénients : courte distance.</a:t>
+            </a:r>
+          </a:p>
+          <a:p>
+            <a:pPr marL="342900" indent="-342900" algn="just">
               <a:lnSpc>
                 <a:spcPct val="107000"/>
               </a:lnSpc>
               <a:spcAft>
                 <a:spcPts val="800"/>
               </a:spcAft>
+              <a:buFont typeface="Century Gothic" panose="020B0502020202020204" pitchFamily="34" charset="0"/>
+              <a:buChar char="-"/>
             </a:pPr>
-            <a:endParaRPr lang="fr-FR" sz="1600" dirty="0" smtClean="0">
-              <a:latin typeface="Calibri" panose="020F0502020204030204" pitchFamily="34" charset="0"/>
-              <a:ea typeface="SimSun" panose="02010600030101010101" pitchFamily="2" charset="-122"/>
-              <a:cs typeface="Times New Roman" panose="02020603050405020304" pitchFamily="18" charset="0"/>
-            </a:endParaRPr>
+            <a:r>
+              <a:rPr lang="fr-FR" sz="1600" dirty="0"/>
+              <a:t>La RFID active : Ils disposent d’une source d’énergie embraquée :batterie, pile.. Cette source d’énergie permet à la puce de diffuser un signal vers le lecteur RFID. Avantages : leur propre source d’énergie, communication des données à longue distance. Inconvénients : le coût, durée de fonctionnement.</a:t>
+            </a:r>
+          </a:p>
+          <a:p>
+            <a:pPr marL="0" indent="0">
+              <a:buFont typeface="Arial" panose="020B0604020202020204" pitchFamily="34" charset="0"/>
+              <a:buNone/>
+            </a:pPr>
+            <a:endParaRPr lang="fr-FR" sz="2400" dirty="0"/>
+          </a:p>
+          <a:p>
+            <a:pPr marL="0" indent="0">
+              <a:buFont typeface="Arial" panose="020B0604020202020204" pitchFamily="34" charset="0"/>
+              <a:buNone/>
+            </a:pPr>
+            <a:endParaRPr lang="fr-FR" sz="2400" dirty="0"/>
+          </a:p>
+          <a:p>
+            <a:pPr marL="0" indent="0">
+              <a:buFont typeface="Arial" panose="020B0604020202020204" pitchFamily="34" charset="0"/>
+              <a:buNone/>
+            </a:pPr>
+            <a:endParaRPr lang="fr-FR" sz="2400" dirty="0"/>
+          </a:p>
+          <a:p>
+            <a:pPr marL="0" indent="0">
+              <a:buFont typeface="Arial" panose="020B0604020202020204" pitchFamily="34" charset="0"/>
+              <a:buNone/>
+            </a:pPr>
+            <a:endParaRPr lang="fr-FR" sz="2400" dirty="0"/>
           </a:p>
         </p:txBody>
       </p:sp>
@@ -5039,50 +5213,18 @@
             <p:ph type="title"/>
           </p:nvPr>
         </p:nvSpPr>
-        <p:spPr>
-          <a:xfrm>
-            <a:off x="838200" y="0"/>
-            <a:ext cx="10515600" cy="1995854"/>
-          </a:xfrm>
-        </p:spPr>
+        <p:spPr/>
         <p:txBody>
           <a:bodyPr>
             <a:normAutofit/>
           </a:bodyPr>
           <a:lstStyle/>
           <a:p>
-            <a:pPr lvl="1"/>
-            <a:r>
-              <a:rPr lang="fr-FR" sz="2400" b="1" dirty="0" smtClean="0">
-                <a:latin typeface="+mj-lt"/>
-              </a:rPr>
-              <a:t>2</a:t>
-            </a:r>
-            <a:r>
-              <a:rPr lang="fr-FR" sz="2400" b="1" dirty="0">
-                <a:latin typeface="+mj-lt"/>
-              </a:rPr>
-              <a:t>) </a:t>
-            </a:r>
-            <a:r>
-              <a:rPr lang="fr-FR" sz="2400" b="1" dirty="0" smtClean="0">
-                <a:latin typeface="+mj-lt"/>
-              </a:rPr>
-              <a:t>Utilisation </a:t>
-            </a:r>
-            <a:r>
-              <a:rPr lang="fr-FR" sz="2400" b="1" dirty="0">
-                <a:latin typeface="+mj-lt"/>
-              </a:rPr>
-              <a:t>et choix du </a:t>
-            </a:r>
-            <a:r>
-              <a:rPr lang="fr-FR" sz="2400" b="1" dirty="0" smtClean="0">
-                <a:latin typeface="+mj-lt"/>
-              </a:rPr>
-              <a:t>RFID</a:t>
-            </a:r>
-            <a:endParaRPr lang="fr-FR" sz="1600" dirty="0"/>
+            <a:r>
+              <a:rPr lang="fr-FR" sz="2400" b="1" dirty="0"/>
+              <a:t>2) Utilisation et choix du RFID</a:t>
+            </a:r>
+            <a:endParaRPr lang="fr-FR" sz="2400" dirty="0"/>
           </a:p>
         </p:txBody>
       </p:sp>
@@ -5098,8 +5240,8 @@
         </p:nvSpPr>
         <p:spPr>
           <a:xfrm>
-            <a:off x="838200" y="1824036"/>
-            <a:ext cx="10515600" cy="4304202"/>
+            <a:off x="838200" y="1690688"/>
+            <a:ext cx="10515600" cy="4351338"/>
           </a:xfrm>
         </p:spPr>
         <p:txBody>
@@ -5113,32 +5255,22 @@
             </a:pPr>
             <a:r>
               <a:rPr lang="fr-FR" sz="1800" dirty="0"/>
-              <a:t>c) </a:t>
+              <a:t>d) </a:t>
             </a:r>
             <a:r>
               <a:rPr lang="fr-FR" sz="1800" u="sng" dirty="0"/>
-              <a:t>Les capacités de la puce </a:t>
-            </a:r>
-            <a:r>
-              <a:rPr lang="fr-FR" sz="1800" u="sng" dirty="0" smtClean="0"/>
-              <a:t>RFID</a:t>
+              <a:t>Choix du RFID </a:t>
             </a:r>
           </a:p>
           <a:p>
             <a:pPr marL="0" indent="0">
               <a:buNone/>
             </a:pPr>
-            <a:endParaRPr lang="fr-FR" sz="1600" u="sng" dirty="0" smtClean="0"/>
-          </a:p>
-          <a:p>
-            <a:pPr marL="342900" lvl="0" indent="-342900" algn="just">
-              <a:lnSpc>
-                <a:spcPct val="107000"/>
-              </a:lnSpc>
-              <a:spcAft>
-                <a:spcPts val="800"/>
-              </a:spcAft>
-              <a:buFont typeface="Century Gothic" panose="020B0502020202020204" pitchFamily="34" charset="0"/>
+            <a:endParaRPr lang="fr-FR" sz="1800" u="sng" dirty="0"/>
+          </a:p>
+          <a:p>
+            <a:pPr marL="285750" indent="-285750" algn="just">
+              <a:buFontTx/>
               <a:buChar char="-"/>
             </a:pPr>
             <a:r>
@@ -5147,68 +5279,100 @@
                 <a:ea typeface="SimSun" panose="02010600030101010101" pitchFamily="2" charset="-122"/>
                 <a:cs typeface="Times New Roman" panose="02020603050405020304" pitchFamily="18" charset="0"/>
               </a:rPr>
-              <a:t>La RFID passive : fonctionne en lecture seule puisque la puce ne possède pas de batterie et doit être déplacé vers le lecteur pour être lu. Un puissant signal électromagnétique lui est alors envoyé, ce qui permet d’activer la puce RFID et de lire les informations qu’elle contient. Avantages : moins couteuse, vie presque illimitée. Inconvénients : courte distance</a:t>
-            </a:r>
-            <a:r>
-              <a:rPr lang="fr-FR" sz="1600" dirty="0" smtClean="0">
+              <a:t>facile d’installer se dossard sur un coureur, </a:t>
+            </a:r>
+          </a:p>
+          <a:p>
+            <a:pPr marL="285750" indent="-285750" algn="just">
+              <a:buFontTx/>
+              <a:buChar char="-"/>
+            </a:pPr>
+            <a:r>
+              <a:rPr lang="fr-FR" sz="1600" dirty="0">
                 <a:latin typeface="Calibri" panose="020F0502020204030204" pitchFamily="34" charset="0"/>
                 <a:ea typeface="SimSun" panose="02010600030101010101" pitchFamily="2" charset="-122"/>
                 <a:cs typeface="Times New Roman" panose="02020603050405020304" pitchFamily="18" charset="0"/>
               </a:rPr>
-              <a:t>.</a:t>
-            </a:r>
-            <a:endParaRPr lang="fr-FR" sz="1600" dirty="0">
-              <a:latin typeface="Calibri" panose="020F0502020204030204" pitchFamily="34" charset="0"/>
-              <a:ea typeface="SimSun" panose="02010600030101010101" pitchFamily="2" charset="-122"/>
-              <a:cs typeface="Times New Roman" panose="02020603050405020304" pitchFamily="18" charset="0"/>
-            </a:endParaRPr>
-          </a:p>
-          <a:p>
-            <a:pPr marL="342900" indent="-342900" algn="just">
-              <a:lnSpc>
-                <a:spcPct val="107000"/>
-              </a:lnSpc>
-              <a:spcAft>
-                <a:spcPts val="800"/>
-              </a:spcAft>
-              <a:buFont typeface="Century Gothic" panose="020B0502020202020204" pitchFamily="34" charset="0"/>
+              <a:t>la fréquence du dossard est de 13.56 Mhz soit une haute fréquence qui permet d’avoir une distance de lecture de 1 m,</a:t>
+            </a:r>
+          </a:p>
+          <a:p>
+            <a:pPr marL="285750" indent="-285750" algn="just">
+              <a:buFontTx/>
               <a:buChar char="-"/>
             </a:pPr>
             <a:r>
-              <a:rPr lang="fr-FR" sz="1600" dirty="0"/>
-              <a:t>La RFID active : fonctionne avec une source d’énergie telle qu’une petite pile ou une batterie, ce qui permet de lire la carte à plus longue distance. Avantages : ils ont leur propre énergie qui permet d’émettre un signal de manière autonome, longue distance, peuvent communiquer les données sans qu’un lecteur RFID se situe à proximité du tag. Inconvénients : le cout, durée de fonctionnement limité des étiquettes et impact sur la santé très controversé.</a:t>
-            </a:r>
+              <a:rPr lang="fr-FR" sz="1600" dirty="0">
+                <a:latin typeface="Calibri" panose="020F0502020204030204" pitchFamily="34" charset="0"/>
+                <a:ea typeface="SimSun" panose="02010600030101010101" pitchFamily="2" charset="-122"/>
+                <a:cs typeface="Times New Roman" panose="02020603050405020304" pitchFamily="18" charset="0"/>
+              </a:rPr>
+              <a:t>taux de transfert de 25kb/ s,</a:t>
+            </a:r>
+          </a:p>
+          <a:p>
+            <a:pPr marL="285750" indent="-285750" algn="just">
+              <a:buFontTx/>
+              <a:buChar char="-"/>
+            </a:pPr>
+            <a:r>
+              <a:rPr lang="fr-FR" sz="1600" dirty="0">
+                <a:latin typeface="Calibri" panose="020F0502020204030204" pitchFamily="34" charset="0"/>
+                <a:ea typeface="SimSun" panose="02010600030101010101" pitchFamily="2" charset="-122"/>
+                <a:cs typeface="Times New Roman" panose="02020603050405020304" pitchFamily="18" charset="0"/>
+              </a:rPr>
+              <a:t>de plus ce dossard utilise la technologie du RFID passive qui est beaucoup moins couteux et qui correspond à nos attentes.</a:t>
+            </a:r>
+            <a:endParaRPr lang="fr-FR" sz="1600" dirty="0"/>
           </a:p>
           <a:p>
             <a:pPr marL="0" indent="0">
               <a:buNone/>
             </a:pPr>
-            <a:endParaRPr lang="fr-FR" sz="2400" dirty="0"/>
-          </a:p>
-          <a:p>
-            <a:pPr marL="0" indent="0">
-              <a:buNone/>
-            </a:pPr>
-            <a:endParaRPr lang="fr-FR" sz="2400" dirty="0" smtClean="0"/>
-          </a:p>
-          <a:p>
-            <a:pPr marL="0" indent="0">
-              <a:buNone/>
-            </a:pPr>
-            <a:endParaRPr lang="fr-FR" sz="2400" dirty="0"/>
-          </a:p>
-          <a:p>
-            <a:pPr marL="0" indent="0">
-              <a:buNone/>
-            </a:pPr>
-            <a:endParaRPr lang="fr-FR" sz="2400" dirty="0" smtClean="0"/>
-          </a:p>
-        </p:txBody>
-      </p:sp>
+            <a:endParaRPr lang="fr-FR" sz="1800" u="sng" dirty="0"/>
+          </a:p>
+        </p:txBody>
+      </p:sp>
+      <p:pic>
+        <p:nvPicPr>
+          <p:cNvPr id="4" name="Image 3" descr="Résultat de recherche d'images pour &quot;DAG system rfid&quot;"/>
+          <p:cNvPicPr/>
+          <p:nvPr/>
+        </p:nvPicPr>
+        <p:blipFill rotWithShape="1">
+          <a:blip r:embed="rId2" cstate="print">
+            <a:extLst>
+              <a:ext uri="{28A0092B-C50C-407E-A947-70E740481C1C}">
+                <a14:useLocalDpi xmlns:a14="http://schemas.microsoft.com/office/drawing/2010/main" val="0"/>
+              </a:ext>
+            </a:extLst>
+          </a:blip>
+          <a:srcRect l="11632" t="7605" r="20232" b="13640"/>
+          <a:stretch/>
+        </p:blipFill>
+        <p:spPr bwMode="auto">
+          <a:xfrm>
+            <a:off x="6849978" y="4186989"/>
+            <a:ext cx="3466331" cy="2390664"/>
+          </a:xfrm>
+          <a:prstGeom prst="rect">
+            <a:avLst/>
+          </a:prstGeom>
+          <a:noFill/>
+          <a:ln>
+            <a:noFill/>
+          </a:ln>
+          <a:extLst>
+            <a:ext uri="{53640926-AAD7-44D8-BBD7-CCE9431645EC}">
+              <a14:shadowObscured xmlns:a14="http://schemas.microsoft.com/office/drawing/2010/main"/>
+            </a:ext>
+          </a:extLst>
+        </p:spPr>
+      </p:pic>
     </p:spTree>
     <p:extLst>
       <p:ext uri="{BB962C8B-B14F-4D97-AF65-F5344CB8AC3E}">
-        <p14:creationId xmlns:p14="http://schemas.microsoft.com/office/powerpoint/2010/main" val="572237306"/>
+        <p14:creationId xmlns:p14="http://schemas.microsoft.com/office/powerpoint/2010/main" val="4149026334"/>
       </p:ext>
     </p:extLst>
   </p:cSld>
@@ -5224,9 +5388,9 @@
     <p:bg>
       <p:bgPr>
         <a:solidFill>
-          <a:schemeClr val="accent1">
-            <a:lumMod val="20000"/>
-            <a:lumOff val="80000"/>
+          <a:schemeClr val="accent2">
+            <a:lumMod val="40000"/>
+            <a:lumOff val="60000"/>
           </a:schemeClr>
         </a:solidFill>
         <a:effectLst/>
@@ -5256,166 +5420,175 @@
             <p:ph type="title"/>
           </p:nvPr>
         </p:nvSpPr>
-        <p:spPr/>
+        <p:spPr>
+          <a:xfrm>
+            <a:off x="334108" y="218708"/>
+            <a:ext cx="10515600" cy="1325563"/>
+          </a:xfrm>
+        </p:spPr>
+        <p:txBody>
+          <a:bodyPr/>
+          <a:lstStyle/>
+          <a:p>
+            <a:r>
+              <a:rPr lang="fr-FR" dirty="0">
+                <a:solidFill>
+                  <a:srgbClr val="FF0000"/>
+                </a:solidFill>
+              </a:rPr>
+              <a:t>Etudiant 2 : Jouen Matthias</a:t>
+            </a:r>
+          </a:p>
+        </p:txBody>
+      </p:sp>
+      <p:sp>
+        <p:nvSpPr>
+          <p:cNvPr id="3" name="Espace réservé du contenu 2"/>
+          <p:cNvSpPr>
+            <a:spLocks noGrp="1"/>
+          </p:cNvSpPr>
+          <p:nvPr>
+            <p:ph idx="1"/>
+          </p:nvPr>
+        </p:nvSpPr>
+        <p:spPr>
+          <a:xfrm>
+            <a:off x="334108" y="1544271"/>
+            <a:ext cx="11019692" cy="5129090"/>
+          </a:xfrm>
+        </p:spPr>
         <p:txBody>
           <a:bodyPr>
-            <a:normAutofit/>
+            <a:normAutofit fontScale="92500" lnSpcReduction="20000"/>
           </a:bodyPr>
           <a:lstStyle/>
           <a:p>
             <a:r>
-              <a:rPr lang="fr-FR" sz="2400" b="1" dirty="0"/>
-              <a:t>2) Utilisation et choix du RFID</a:t>
-            </a:r>
-            <a:endParaRPr lang="fr-FR" sz="2400" dirty="0"/>
-          </a:p>
-        </p:txBody>
-      </p:sp>
-      <p:sp>
-        <p:nvSpPr>
-          <p:cNvPr id="3" name="Espace réservé du contenu 2"/>
-          <p:cNvSpPr>
-            <a:spLocks noGrp="1"/>
-          </p:cNvSpPr>
-          <p:nvPr>
-            <p:ph idx="1"/>
-          </p:nvPr>
-        </p:nvSpPr>
-        <p:spPr>
-          <a:xfrm>
-            <a:off x="838200" y="1690688"/>
-            <a:ext cx="10515600" cy="4351338"/>
-          </a:xfrm>
-        </p:spPr>
-        <p:txBody>
-          <a:bodyPr>
-            <a:normAutofit/>
-          </a:bodyPr>
-          <a:lstStyle/>
-          <a:p>
-            <a:pPr marL="0" indent="0">
-              <a:buNone/>
-            </a:pPr>
-            <a:r>
-              <a:rPr lang="fr-FR" sz="1800" dirty="0" smtClean="0"/>
-              <a:t>d) </a:t>
-            </a:r>
-            <a:r>
-              <a:rPr lang="fr-FR" sz="1800" u="sng" dirty="0" smtClean="0"/>
-              <a:t>Choix du RFID </a:t>
-            </a:r>
-          </a:p>
-          <a:p>
-            <a:pPr marL="0" indent="0">
-              <a:buNone/>
-            </a:pPr>
-            <a:endParaRPr lang="fr-FR" sz="1800" u="sng" dirty="0" smtClean="0"/>
-          </a:p>
-          <a:p>
-            <a:pPr marL="285750" indent="-285750" algn="just">
-              <a:buFontTx/>
-              <a:buChar char="-"/>
-            </a:pPr>
-            <a:r>
-              <a:rPr lang="fr-FR" sz="1600" dirty="0">
-                <a:latin typeface="Calibri" panose="020F0502020204030204" pitchFamily="34" charset="0"/>
-                <a:ea typeface="SimSun" panose="02010600030101010101" pitchFamily="2" charset="-122"/>
-                <a:cs typeface="Times New Roman" panose="02020603050405020304" pitchFamily="18" charset="0"/>
-              </a:rPr>
-              <a:t>facile d’installer se dossard sur un coureur, </a:t>
-            </a:r>
-          </a:p>
-          <a:p>
-            <a:pPr marL="285750" indent="-285750" algn="just">
-              <a:buFontTx/>
-              <a:buChar char="-"/>
-            </a:pPr>
-            <a:r>
-              <a:rPr lang="fr-FR" sz="1600" dirty="0">
-                <a:latin typeface="Calibri" panose="020F0502020204030204" pitchFamily="34" charset="0"/>
-                <a:ea typeface="SimSun" panose="02010600030101010101" pitchFamily="2" charset="-122"/>
-                <a:cs typeface="Times New Roman" panose="02020603050405020304" pitchFamily="18" charset="0"/>
-              </a:rPr>
-              <a:t>la fréquence du dossard est de 13.56 Mhz soit une haute fréquence qui permet d’avoir une distance de lecture de 1 m,</a:t>
-            </a:r>
-          </a:p>
-          <a:p>
-            <a:pPr marL="285750" indent="-285750" algn="just">
-              <a:buFontTx/>
-              <a:buChar char="-"/>
-            </a:pPr>
-            <a:r>
-              <a:rPr lang="fr-FR" sz="1600" dirty="0">
-                <a:latin typeface="Calibri" panose="020F0502020204030204" pitchFamily="34" charset="0"/>
-                <a:ea typeface="SimSun" panose="02010600030101010101" pitchFamily="2" charset="-122"/>
-                <a:cs typeface="Times New Roman" panose="02020603050405020304" pitchFamily="18" charset="0"/>
-              </a:rPr>
-              <a:t>taux de transfert de 25kb/ s,</a:t>
-            </a:r>
-          </a:p>
-          <a:p>
-            <a:pPr marL="285750" indent="-285750" algn="just">
-              <a:buFontTx/>
-              <a:buChar char="-"/>
-            </a:pPr>
-            <a:r>
-              <a:rPr lang="fr-FR" sz="1600" dirty="0">
-                <a:latin typeface="Calibri" panose="020F0502020204030204" pitchFamily="34" charset="0"/>
-                <a:ea typeface="SimSun" panose="02010600030101010101" pitchFamily="2" charset="-122"/>
-                <a:cs typeface="Times New Roman" panose="02020603050405020304" pitchFamily="18" charset="0"/>
-              </a:rPr>
-              <a:t>de plus ce dossard utilise la technologie du RFID passive qui est beaucoup moins couteux et qui correspond à nos attentes.</a:t>
-            </a:r>
-            <a:endParaRPr lang="fr-FR" sz="1600" dirty="0"/>
-          </a:p>
-          <a:p>
-            <a:pPr marL="0" indent="0">
-              <a:buNone/>
-            </a:pPr>
-            <a:endParaRPr lang="fr-FR" sz="1800" u="sng" dirty="0"/>
-          </a:p>
-        </p:txBody>
-      </p:sp>
-      <p:pic>
-        <p:nvPicPr>
-          <p:cNvPr id="4" name="Image 3" descr="Résultat de recherche d'images pour &quot;DAG system rfid&quot;"/>
-          <p:cNvPicPr/>
-          <p:nvPr/>
-        </p:nvPicPr>
-        <p:blipFill rotWithShape="1">
-          <a:blip r:embed="rId2" cstate="print">
-            <a:extLst>
-              <a:ext uri="{28A0092B-C50C-407E-A947-70E740481C1C}">
-                <a14:useLocalDpi xmlns:a14="http://schemas.microsoft.com/office/drawing/2010/main" val="0"/>
-              </a:ext>
-            </a:extLst>
-          </a:blip>
-          <a:srcRect l="11632" t="7605" r="20232" b="13640"/>
-          <a:stretch/>
-        </p:blipFill>
-        <p:spPr bwMode="auto">
-          <a:xfrm>
-            <a:off x="6849978" y="4186989"/>
-            <a:ext cx="3466331" cy="2390664"/>
-          </a:xfrm>
-          <a:prstGeom prst="rect">
-            <a:avLst/>
-          </a:prstGeom>
-          <a:noFill/>
-          <a:ln>
-            <a:noFill/>
-          </a:ln>
-          <a:extLst>
-            <a:ext uri="{53640926-AAD7-44D8-BBD7-CCE9431645EC}">
-              <a14:shadowObscured xmlns:a14="http://schemas.microsoft.com/office/drawing/2010/main"/>
-            </a:ext>
-          </a:extLst>
-        </p:spPr>
-      </p:pic>
+              <a:rPr lang="fr-FR" dirty="0"/>
+              <a:t>I) Analyse complète du système</a:t>
+            </a:r>
+          </a:p>
+          <a:p>
+            <a:pPr lvl="1"/>
+            <a:r>
+              <a:rPr lang="fr-FR" dirty="0"/>
+              <a:t>1) Diagramme de cas d’utilisation</a:t>
+            </a:r>
+          </a:p>
+          <a:p>
+            <a:pPr lvl="1"/>
+            <a:r>
+              <a:rPr lang="fr-FR" dirty="0"/>
+              <a:t>2) Diagrammes de séquence</a:t>
+            </a:r>
+          </a:p>
+          <a:p>
+            <a:pPr lvl="2"/>
+            <a:r>
+              <a:rPr lang="fr-FR" dirty="0"/>
+              <a:t>a) Sélection d’une course</a:t>
+            </a:r>
+          </a:p>
+          <a:p>
+            <a:pPr lvl="2"/>
+            <a:r>
+              <a:rPr lang="fr-FR" dirty="0"/>
+              <a:t>b) Démarrage d’une course</a:t>
+            </a:r>
+          </a:p>
+          <a:p>
+            <a:pPr lvl="2"/>
+            <a:r>
+              <a:rPr lang="fr-FR" dirty="0"/>
+              <a:t>c) Démarrage du chrono</a:t>
+            </a:r>
+          </a:p>
+          <a:p>
+            <a:pPr lvl="2"/>
+            <a:r>
+              <a:rPr lang="fr-FR" dirty="0"/>
+              <a:t>d) Détection d’un coureur</a:t>
+            </a:r>
+          </a:p>
+          <a:p>
+            <a:pPr lvl="2"/>
+            <a:r>
+              <a:rPr lang="fr-FR" dirty="0"/>
+              <a:t>e) Afficheur LED</a:t>
+            </a:r>
+          </a:p>
+          <a:p>
+            <a:pPr lvl="2"/>
+            <a:r>
+              <a:rPr lang="fr-FR" dirty="0"/>
+              <a:t>f) Fin d’une course</a:t>
+            </a:r>
+          </a:p>
+          <a:p>
+            <a:pPr lvl="1"/>
+            <a:r>
+              <a:rPr lang="fr-FR" dirty="0"/>
+              <a:t>3) Scénario</a:t>
+            </a:r>
+          </a:p>
+          <a:p>
+            <a:r>
+              <a:rPr lang="fr-FR" dirty="0"/>
+              <a:t>II) Etude Physique lecteur RFID pour les courses</a:t>
+            </a:r>
+          </a:p>
+          <a:p>
+            <a:pPr lvl="1"/>
+            <a:r>
+              <a:rPr lang="fr-FR" dirty="0"/>
+              <a:t>1) Matériel</a:t>
+            </a:r>
+          </a:p>
+          <a:p>
+            <a:pPr lvl="2"/>
+            <a:r>
+              <a:rPr lang="fr-FR" dirty="0"/>
+              <a:t>a) Antenne</a:t>
+            </a:r>
+          </a:p>
+          <a:p>
+            <a:pPr lvl="2"/>
+            <a:r>
+              <a:rPr lang="fr-FR" dirty="0"/>
+              <a:t>b) Dossards </a:t>
+            </a:r>
+            <a:r>
+              <a:rPr lang="fr-FR" dirty="0" err="1"/>
+              <a:t>DAGs</a:t>
+            </a:r>
+            <a:endParaRPr lang="fr-FR" dirty="0"/>
+          </a:p>
+          <a:p>
+            <a:pPr lvl="1"/>
+            <a:r>
+              <a:rPr lang="fr-FR" dirty="0"/>
+              <a:t>2) Boite noire</a:t>
+            </a:r>
+          </a:p>
+          <a:p>
+            <a:pPr lvl="2"/>
+            <a:r>
+              <a:rPr lang="fr-FR" dirty="0"/>
+              <a:t>a) Principe de fonctionnement</a:t>
+            </a:r>
+          </a:p>
+          <a:p>
+            <a:r>
+              <a:rPr lang="fr-FR" dirty="0"/>
+              <a:t>III) Module de test</a:t>
+            </a:r>
+          </a:p>
+        </p:txBody>
+      </p:sp>
     </p:spTree>
     <p:extLst>
       <p:ext uri="{BB962C8B-B14F-4D97-AF65-F5344CB8AC3E}">
-        <p14:creationId xmlns:p14="http://schemas.microsoft.com/office/powerpoint/2010/main" val="4149026334"/>
+        <p14:creationId xmlns:p14="http://schemas.microsoft.com/office/powerpoint/2010/main" val="2171075976"/>
       </p:ext>
     </p:extLst>
   </p:cSld>
@@ -5465,186 +5638,69 @@
         </p:nvSpPr>
         <p:spPr>
           <a:xfrm>
-            <a:off x="334108" y="218708"/>
+            <a:off x="838199" y="0"/>
             <a:ext cx="10515600" cy="1325563"/>
           </a:xfrm>
         </p:spPr>
         <p:txBody>
-          <a:bodyPr/>
-          <a:lstStyle/>
-          <a:p>
-            <a:r>
-              <a:rPr lang="fr-FR" dirty="0">
-                <a:solidFill>
-                  <a:srgbClr val="FF0000"/>
-                </a:solidFill>
-              </a:rPr>
-              <a:t>Etudiant 2 : Jouen Matthias</a:t>
-            </a:r>
-          </a:p>
-        </p:txBody>
-      </p:sp>
-      <p:sp>
-        <p:nvSpPr>
-          <p:cNvPr id="3" name="Espace réservé du contenu 2"/>
-          <p:cNvSpPr>
-            <a:spLocks noGrp="1"/>
-          </p:cNvSpPr>
-          <p:nvPr>
-            <p:ph idx="1"/>
-          </p:nvPr>
-        </p:nvSpPr>
-        <p:spPr>
-          <a:xfrm>
-            <a:off x="334108" y="1544271"/>
-            <a:ext cx="11019692" cy="5129090"/>
-          </a:xfrm>
-        </p:spPr>
-        <p:txBody>
           <a:bodyPr>
-            <a:normAutofit fontScale="92500" lnSpcReduction="20000"/>
+            <a:noAutofit/>
           </a:bodyPr>
           <a:lstStyle/>
           <a:p>
-            <a:r>
+            <a:pPr algn="ctr"/>
+            <a:r>
+              <a:rPr lang="fr-FR" sz="3600" dirty="0"/>
+              <a:t>I) Analyse complète du système</a:t>
+            </a:r>
+            <a:br>
               <a:rPr lang="fr-FR" dirty="0"/>
-              <a:t>I) Analyse complète du système</a:t>
-            </a:r>
-          </a:p>
-          <a:p>
-            <a:pPr lvl="1"/>
-            <a:r>
-              <a:rPr lang="fr-FR" dirty="0"/>
+            </a:br>
+            <a:r>
+              <a:rPr lang="fr-FR" sz="4000" dirty="0"/>
+              <a:t>	</a:t>
+            </a:r>
+            <a:r>
+              <a:rPr lang="fr-FR" sz="2800" dirty="0"/>
               <a:t>1) Diagramme de cas d’utilisation</a:t>
             </a:r>
-          </a:p>
-          <a:p>
-            <a:pPr lvl="1"/>
-            <a:r>
-              <a:rPr lang="fr-FR" dirty="0"/>
-              <a:t>2) Diagrammes de séquence</a:t>
-            </a:r>
-          </a:p>
-          <a:p>
-            <a:pPr lvl="2"/>
-            <a:r>
-              <a:rPr lang="fr-FR" dirty="0"/>
-              <a:t>a) </a:t>
-            </a:r>
-            <a:r>
-              <a:rPr lang="fr-FR" dirty="0" smtClean="0"/>
-              <a:t>Sélection d’une </a:t>
-            </a:r>
-            <a:r>
-              <a:rPr lang="fr-FR" dirty="0"/>
-              <a:t>course</a:t>
-            </a:r>
-          </a:p>
-          <a:p>
-            <a:pPr lvl="2"/>
-            <a:r>
-              <a:rPr lang="fr-FR" dirty="0"/>
-              <a:t>b) </a:t>
-            </a:r>
-            <a:r>
-              <a:rPr lang="fr-FR" dirty="0" smtClean="0"/>
-              <a:t>Démarrage d’une course</a:t>
-            </a:r>
-          </a:p>
-          <a:p>
-            <a:pPr lvl="2"/>
-            <a:r>
-              <a:rPr lang="fr-FR" dirty="0" smtClean="0"/>
-              <a:t>c) Démarrage du chrono</a:t>
-            </a:r>
-          </a:p>
-          <a:p>
-            <a:pPr lvl="2"/>
-            <a:r>
-              <a:rPr lang="fr-FR" dirty="0" smtClean="0"/>
-              <a:t>d) Détection d’un coureur</a:t>
-            </a:r>
-          </a:p>
-          <a:p>
-            <a:pPr lvl="2"/>
-            <a:r>
-              <a:rPr lang="fr-FR" dirty="0" smtClean="0"/>
-              <a:t>e) Afficheur LED</a:t>
-            </a:r>
-          </a:p>
-          <a:p>
-            <a:pPr lvl="2"/>
-            <a:r>
-              <a:rPr lang="fr-FR" dirty="0" smtClean="0"/>
-              <a:t>f) Fin d’une course</a:t>
-            </a:r>
-            <a:endParaRPr lang="fr-FR" dirty="0"/>
-          </a:p>
-          <a:p>
-            <a:pPr lvl="1"/>
-            <a:r>
-              <a:rPr lang="fr-FR" dirty="0"/>
-              <a:t>3) Scénario</a:t>
-            </a:r>
-          </a:p>
-          <a:p>
-            <a:r>
-              <a:rPr lang="fr-FR" dirty="0"/>
-              <a:t>II) Etude Physique lecteur RFID pour les courses</a:t>
-            </a:r>
-          </a:p>
-          <a:p>
-            <a:pPr lvl="1"/>
-            <a:r>
-              <a:rPr lang="fr-FR" dirty="0"/>
-              <a:t>1) Matériel</a:t>
-            </a:r>
-          </a:p>
-          <a:p>
-            <a:pPr lvl="2"/>
-            <a:r>
-              <a:rPr lang="fr-FR" dirty="0"/>
-              <a:t>a) Antenne</a:t>
-            </a:r>
-          </a:p>
-          <a:p>
-            <a:pPr lvl="2"/>
-            <a:r>
-              <a:rPr lang="fr-FR" dirty="0"/>
-              <a:t>b) Dossards </a:t>
-            </a:r>
-            <a:r>
-              <a:rPr lang="fr-FR" dirty="0" err="1"/>
-              <a:t>DAGs</a:t>
-            </a:r>
-            <a:endParaRPr lang="fr-FR" dirty="0"/>
-          </a:p>
-          <a:p>
-            <a:pPr lvl="1"/>
-            <a:r>
-              <a:rPr lang="fr-FR" dirty="0"/>
-              <a:t>2) Boite noire</a:t>
-            </a:r>
-          </a:p>
-          <a:p>
-            <a:pPr lvl="2"/>
-            <a:r>
-              <a:rPr lang="fr-FR" dirty="0"/>
-              <a:t>a) Principe de fonctionnement</a:t>
-            </a:r>
-          </a:p>
-          <a:p>
-            <a:r>
-              <a:rPr lang="fr-FR" dirty="0"/>
-              <a:t>III) Module de test</a:t>
-            </a:r>
-          </a:p>
-        </p:txBody>
-      </p:sp>
+            <a:endParaRPr lang="fr-FR" sz="3200" dirty="0"/>
+          </a:p>
+        </p:txBody>
+      </p:sp>
+      <p:pic>
+        <p:nvPicPr>
+          <p:cNvPr id="3" name="Image 2"/>
+          <p:cNvPicPr>
+            <a:picLocks noChangeAspect="1"/>
+          </p:cNvPicPr>
+          <p:nvPr/>
+        </p:nvPicPr>
+        <p:blipFill rotWithShape="1">
+          <a:blip r:embed="rId2">
+            <a:extLst>
+              <a:ext uri="{28A0092B-C50C-407E-A947-70E740481C1C}">
+                <a14:useLocalDpi xmlns:a14="http://schemas.microsoft.com/office/drawing/2010/main" val="0"/>
+              </a:ext>
+            </a:extLst>
+          </a:blip>
+          <a:srcRect t="7174" b="2027"/>
+          <a:stretch/>
+        </p:blipFill>
+        <p:spPr>
+          <a:xfrm>
+            <a:off x="905127" y="1139748"/>
+            <a:ext cx="10381743" cy="5644361"/>
+          </a:xfrm>
+          <a:prstGeom prst="rect">
+            <a:avLst/>
+          </a:prstGeom>
+        </p:spPr>
+      </p:pic>
     </p:spTree>
     <p:extLst>
       <p:ext uri="{BB962C8B-B14F-4D97-AF65-F5344CB8AC3E}">
-        <p14:creationId xmlns:p14="http://schemas.microsoft.com/office/powerpoint/2010/main" val="2171075976"/>
+        <p14:creationId xmlns:p14="http://schemas.microsoft.com/office/powerpoint/2010/main" val="1247061660"/>
       </p:ext>
     </p:extLst>
   </p:cSld>
@@ -5801,36 +5857,50 @@
         </p:nvSpPr>
         <p:spPr>
           <a:xfrm>
-            <a:off x="838199" y="0"/>
-            <a:ext cx="10515600" cy="1325563"/>
+            <a:off x="759068" y="0"/>
+            <a:ext cx="10515600" cy="1169377"/>
           </a:xfrm>
         </p:spPr>
         <p:txBody>
           <a:bodyPr>
-            <a:noAutofit/>
+            <a:normAutofit fontScale="90000"/>
           </a:bodyPr>
           <a:lstStyle/>
           <a:p>
-            <a:pPr algn="ctr"/>
-            <a:r>
-              <a:rPr lang="fr-FR" sz="3600" dirty="0"/>
-              <a:t>I) Analyse complète du système</a:t>
-            </a:r>
-            <a:r>
-              <a:rPr lang="fr-FR" dirty="0"/>
-              <a:t/>
+            <a:pPr lvl="2" algn="ctr" rtl="0">
+              <a:lnSpc>
+                <a:spcPct val="90000"/>
+              </a:lnSpc>
+              <a:spcBef>
+                <a:spcPct val="0"/>
+              </a:spcBef>
+            </a:pPr>
+            <a:r>
+              <a:rPr lang="fr-FR" sz="3100" dirty="0">
+                <a:latin typeface="+mj-lt"/>
+              </a:rPr>
+              <a:t>2) Diagrammes de séquence</a:t>
+            </a:r>
+            <a:br>
+              <a:rPr lang="fr-FR" sz="3200" dirty="0">
+                <a:latin typeface="+mj-lt"/>
+              </a:rPr>
+            </a:br>
+            <a:r>
+              <a:rPr lang="fr-FR" sz="3200" dirty="0">
+                <a:latin typeface="+mj-lt"/>
+              </a:rPr>
+              <a:t>	</a:t>
+            </a:r>
+            <a:r>
+              <a:rPr lang="fr-FR" sz="2400" dirty="0">
+                <a:latin typeface="+mj-lt"/>
+              </a:rPr>
+              <a:t>a) Sélection d’une course</a:t>
             </a:r>
             <a:br>
               <a:rPr lang="fr-FR" dirty="0"/>
             </a:br>
-            <a:r>
-              <a:rPr lang="fr-FR" sz="4000" dirty="0"/>
-              <a:t>	</a:t>
-            </a:r>
-            <a:r>
-              <a:rPr lang="fr-FR" sz="2800" dirty="0"/>
-              <a:t>1) Diagramme de cas d’utilisation</a:t>
-            </a:r>
             <a:endParaRPr lang="fr-FR" sz="3200" dirty="0"/>
           </a:p>
         </p:txBody>
@@ -5843,7 +5913,7 @@
           </p:cNvPicPr>
           <p:nvPr/>
         </p:nvPicPr>
-        <p:blipFill rotWithShape="1">
+        <p:blipFill>
           <a:blip r:embed="rId2">
             <a:extLst>
               <a:ext uri="{28A0092B-C50C-407E-A947-70E740481C1C}">
@@ -5851,13 +5921,14 @@
               </a:ext>
             </a:extLst>
           </a:blip>
-          <a:srcRect t="7174" b="2027"/>
-          <a:stretch/>
+          <a:stretch>
+            <a:fillRect/>
+          </a:stretch>
         </p:blipFill>
         <p:spPr>
           <a:xfrm>
-            <a:off x="905127" y="1139748"/>
-            <a:ext cx="10381743" cy="5644361"/>
+            <a:off x="1614412" y="1346465"/>
+            <a:ext cx="8804911" cy="3530336"/>
           </a:xfrm>
           <a:prstGeom prst="rect">
             <a:avLst/>
@@ -5867,7 +5938,7 @@
     </p:spTree>
     <p:extLst>
       <p:ext uri="{BB962C8B-B14F-4D97-AF65-F5344CB8AC3E}">
-        <p14:creationId xmlns:p14="http://schemas.microsoft.com/office/powerpoint/2010/main" val="1247061660"/>
+        <p14:creationId xmlns:p14="http://schemas.microsoft.com/office/powerpoint/2010/main" val="3709118343"/>
       </p:ext>
     </p:extLst>
   </p:cSld>
@@ -5917,79 +5988,27 @@
         </p:nvSpPr>
         <p:spPr>
           <a:xfrm>
-            <a:off x="759068" y="0"/>
-            <a:ext cx="10515600" cy="1169377"/>
+            <a:off x="838200" y="365125"/>
+            <a:ext cx="10515600" cy="660111"/>
           </a:xfrm>
         </p:spPr>
         <p:txBody>
           <a:bodyPr>
-            <a:normAutofit fontScale="90000"/>
+            <a:normAutofit/>
           </a:bodyPr>
           <a:lstStyle/>
           <a:p>
-            <a:pPr lvl="2" algn="ctr" rtl="0">
-              <a:lnSpc>
-                <a:spcPct val="90000"/>
-              </a:lnSpc>
-              <a:spcBef>
-                <a:spcPct val="0"/>
-              </a:spcBef>
-            </a:pPr>
-            <a:r>
-              <a:rPr lang="fr-FR" sz="3100" dirty="0">
-                <a:latin typeface="+mj-lt"/>
-              </a:rPr>
-              <a:t>2) Diagrammes de séquence</a:t>
-            </a:r>
-            <a:r>
-              <a:rPr lang="fr-FR" sz="3200" dirty="0">
-                <a:latin typeface="+mj-lt"/>
-              </a:rPr>
-              <a:t/>
-            </a:r>
-            <a:br>
-              <a:rPr lang="fr-FR" sz="3200" dirty="0">
-                <a:latin typeface="+mj-lt"/>
-              </a:rPr>
-            </a:br>
-            <a:r>
-              <a:rPr lang="fr-FR" sz="3200" dirty="0">
-                <a:latin typeface="+mj-lt"/>
-              </a:rPr>
-              <a:t>	</a:t>
-            </a:r>
-            <a:r>
-              <a:rPr lang="fr-FR" sz="2400" dirty="0">
-                <a:latin typeface="+mj-lt"/>
-              </a:rPr>
-              <a:t>a) </a:t>
-            </a:r>
-            <a:r>
-              <a:rPr lang="fr-FR" sz="2400" dirty="0" smtClean="0">
-                <a:latin typeface="+mj-lt"/>
-              </a:rPr>
-              <a:t>Sélection d’une </a:t>
-            </a:r>
-            <a:r>
-              <a:rPr lang="fr-FR" sz="2400" dirty="0">
-                <a:latin typeface="+mj-lt"/>
-              </a:rPr>
-              <a:t>course</a:t>
-            </a:r>
-            <a:r>
-              <a:rPr lang="fr-FR" dirty="0"/>
-              <a:t/>
-            </a:r>
-            <a:br>
-              <a:rPr lang="fr-FR" dirty="0"/>
-            </a:br>
-            <a:endParaRPr lang="fr-FR" sz="3200" dirty="0"/>
+            <a:pPr algn="ctr"/>
+            <a:r>
+              <a:rPr lang="fr-FR" sz="2200" dirty="0"/>
+              <a:t>b) Démarrage d’une course</a:t>
+            </a:r>
           </a:p>
         </p:txBody>
       </p:sp>
       <p:pic>
         <p:nvPicPr>
-          <p:cNvPr id="3" name="Image 2"/>
+          <p:cNvPr id="4" name="Image 3"/>
           <p:cNvPicPr>
             <a:picLocks noChangeAspect="1"/>
           </p:cNvPicPr>
@@ -6009,8 +6028,8 @@
         </p:blipFill>
         <p:spPr>
           <a:xfrm>
-            <a:off x="1614412" y="1346465"/>
-            <a:ext cx="8804911" cy="3530336"/>
+            <a:off x="705276" y="1328158"/>
+            <a:ext cx="10781447" cy="3345441"/>
           </a:xfrm>
           <a:prstGeom prst="rect">
             <a:avLst/>
@@ -6020,7 +6039,7 @@
     </p:spTree>
     <p:extLst>
       <p:ext uri="{BB962C8B-B14F-4D97-AF65-F5344CB8AC3E}">
-        <p14:creationId xmlns:p14="http://schemas.microsoft.com/office/powerpoint/2010/main" val="3709118343"/>
+        <p14:creationId xmlns:p14="http://schemas.microsoft.com/office/powerpoint/2010/main" val="2766581331"/>
       </p:ext>
     </p:extLst>
   </p:cSld>
@@ -6070,8 +6089,8 @@
         </p:nvSpPr>
         <p:spPr>
           <a:xfrm>
-            <a:off x="838200" y="365125"/>
-            <a:ext cx="10515600" cy="660111"/>
+            <a:off x="838200" y="365126"/>
+            <a:ext cx="10515600" cy="826366"/>
           </a:xfrm>
         </p:spPr>
         <p:txBody>
@@ -6082,10 +6101,9 @@
           <a:p>
             <a:pPr algn="ctr"/>
             <a:r>
-              <a:rPr lang="fr-FR" sz="2200" dirty="0" smtClean="0"/>
-              <a:t>b) Démarrage d’une course</a:t>
-            </a:r>
-            <a:endParaRPr lang="fr-FR" sz="2200" dirty="0"/>
+              <a:rPr lang="fr-FR" sz="2200" dirty="0"/>
+              <a:t>c) Démarrage du Chronomètre </a:t>
+            </a:r>
           </a:p>
         </p:txBody>
       </p:sp>
@@ -6111,8 +6129,8 @@
         </p:blipFill>
         <p:spPr>
           <a:xfrm>
-            <a:off x="705276" y="1328158"/>
-            <a:ext cx="10781447" cy="3345441"/>
+            <a:off x="2101806" y="1690688"/>
+            <a:ext cx="7988388" cy="3923626"/>
           </a:xfrm>
           <a:prstGeom prst="rect">
             <a:avLst/>
@@ -6122,7 +6140,7 @@
     </p:spTree>
     <p:extLst>
       <p:ext uri="{BB962C8B-B14F-4D97-AF65-F5344CB8AC3E}">
-        <p14:creationId xmlns:p14="http://schemas.microsoft.com/office/powerpoint/2010/main" val="2766581331"/>
+        <p14:creationId xmlns:p14="http://schemas.microsoft.com/office/powerpoint/2010/main" val="231148054"/>
       </p:ext>
     </p:extLst>
   </p:cSld>
@@ -6172,8 +6190,8 @@
         </p:nvSpPr>
         <p:spPr>
           <a:xfrm>
-            <a:off x="838200" y="365126"/>
-            <a:ext cx="10515600" cy="826366"/>
+            <a:off x="736600" y="69561"/>
+            <a:ext cx="10515600" cy="540039"/>
           </a:xfrm>
         </p:spPr>
         <p:txBody>
@@ -6184,10 +6202,9 @@
           <a:p>
             <a:pPr algn="ctr"/>
             <a:r>
-              <a:rPr lang="fr-FR" sz="2200" dirty="0" smtClean="0"/>
-              <a:t>c) Démarrage du Chronomètre </a:t>
-            </a:r>
-            <a:endParaRPr lang="fr-FR" sz="2200" dirty="0"/>
+              <a:rPr lang="fr-FR" sz="2200" dirty="0"/>
+              <a:t>d) Détection d’un coureur</a:t>
+            </a:r>
           </a:p>
         </p:txBody>
       </p:sp>
@@ -6213,8 +6230,8 @@
         </p:blipFill>
         <p:spPr>
           <a:xfrm>
-            <a:off x="2101806" y="1690688"/>
-            <a:ext cx="7988388" cy="3923626"/>
+            <a:off x="323273" y="701963"/>
+            <a:ext cx="11342253" cy="5671127"/>
           </a:xfrm>
           <a:prstGeom prst="rect">
             <a:avLst/>
@@ -6224,7 +6241,7 @@
     </p:spTree>
     <p:extLst>
       <p:ext uri="{BB962C8B-B14F-4D97-AF65-F5344CB8AC3E}">
-        <p14:creationId xmlns:p14="http://schemas.microsoft.com/office/powerpoint/2010/main" val="231148054"/>
+        <p14:creationId xmlns:p14="http://schemas.microsoft.com/office/powerpoint/2010/main" val="1076197477"/>
       </p:ext>
     </p:extLst>
   </p:cSld>
@@ -6274,8 +6291,8 @@
         </p:nvSpPr>
         <p:spPr>
           <a:xfrm>
-            <a:off x="736600" y="69561"/>
-            <a:ext cx="10515600" cy="540039"/>
+            <a:off x="838200" y="365125"/>
+            <a:ext cx="10515600" cy="493857"/>
           </a:xfrm>
         </p:spPr>
         <p:txBody>
@@ -6286,10 +6303,9 @@
           <a:p>
             <a:pPr algn="ctr"/>
             <a:r>
-              <a:rPr lang="fr-FR" sz="2200" dirty="0" smtClean="0"/>
-              <a:t>d) Détection d’un coureur</a:t>
-            </a:r>
-            <a:endParaRPr lang="fr-FR" sz="2200" dirty="0"/>
+              <a:rPr lang="fr-FR" sz="2200" dirty="0"/>
+              <a:t>e) Afficheur LED </a:t>
+            </a:r>
           </a:p>
         </p:txBody>
       </p:sp>
@@ -6315,8 +6331,8 @@
         </p:blipFill>
         <p:spPr>
           <a:xfrm>
-            <a:off x="323273" y="701963"/>
-            <a:ext cx="11342253" cy="5671127"/>
+            <a:off x="1484415" y="1035614"/>
+            <a:ext cx="9223170" cy="4949550"/>
           </a:xfrm>
           <a:prstGeom prst="rect">
             <a:avLst/>
@@ -6326,7 +6342,7 @@
     </p:spTree>
     <p:extLst>
       <p:ext uri="{BB962C8B-B14F-4D97-AF65-F5344CB8AC3E}">
-        <p14:creationId xmlns:p14="http://schemas.microsoft.com/office/powerpoint/2010/main" val="1076197477"/>
+        <p14:creationId xmlns:p14="http://schemas.microsoft.com/office/powerpoint/2010/main" val="3354628274"/>
       </p:ext>
     </p:extLst>
   </p:cSld>
@@ -6388,16 +6404,15 @@
           <a:p>
             <a:pPr algn="ctr"/>
             <a:r>
-              <a:rPr lang="fr-FR" sz="2200" dirty="0" smtClean="0"/>
-              <a:t>e) Afficheur LED </a:t>
-            </a:r>
-            <a:endParaRPr lang="fr-FR" sz="2200" dirty="0"/>
+              <a:rPr lang="fr-FR" sz="2200" dirty="0"/>
+              <a:t>f) Mettre fin à une course </a:t>
+            </a:r>
           </a:p>
         </p:txBody>
       </p:sp>
       <p:pic>
         <p:nvPicPr>
-          <p:cNvPr id="4" name="Image 3"/>
+          <p:cNvPr id="3" name="Image 2"/>
           <p:cNvPicPr>
             <a:picLocks noChangeAspect="1"/>
           </p:cNvPicPr>
@@ -6417,8 +6432,8 @@
         </p:blipFill>
         <p:spPr>
           <a:xfrm>
-            <a:off x="1484415" y="1035614"/>
-            <a:ext cx="9223170" cy="4949550"/>
+            <a:off x="1918312" y="1387468"/>
+            <a:ext cx="8355376" cy="3443149"/>
           </a:xfrm>
           <a:prstGeom prst="rect">
             <a:avLst/>
@@ -6428,7 +6443,7 @@
     </p:spTree>
     <p:extLst>
       <p:ext uri="{BB962C8B-B14F-4D97-AF65-F5344CB8AC3E}">
-        <p14:creationId xmlns:p14="http://schemas.microsoft.com/office/powerpoint/2010/main" val="3354628274"/>
+        <p14:creationId xmlns:p14="http://schemas.microsoft.com/office/powerpoint/2010/main" val="3054975187"/>
       </p:ext>
     </p:extLst>
   </p:cSld>
@@ -6478,8 +6493,8 @@
         </p:nvSpPr>
         <p:spPr>
           <a:xfrm>
-            <a:off x="838200" y="365125"/>
-            <a:ext cx="10515600" cy="493857"/>
+            <a:off x="838200" y="0"/>
+            <a:ext cx="10515600" cy="487729"/>
           </a:xfrm>
         </p:spPr>
         <p:txBody>
@@ -6490,51 +6505,130 @@
           <a:p>
             <a:pPr algn="ctr"/>
             <a:r>
-              <a:rPr lang="fr-FR" sz="2200" dirty="0"/>
-              <a:t>f</a:t>
-            </a:r>
-            <a:r>
-              <a:rPr lang="fr-FR" sz="2200" dirty="0" smtClean="0"/>
-              <a:t>) Mettre fin à une course </a:t>
-            </a:r>
-            <a:endParaRPr lang="fr-FR" sz="2200" dirty="0"/>
-          </a:p>
-        </p:txBody>
-      </p:sp>
-      <p:pic>
-        <p:nvPicPr>
-          <p:cNvPr id="3" name="Image 2"/>
-          <p:cNvPicPr>
-            <a:picLocks noChangeAspect="1"/>
-          </p:cNvPicPr>
-          <p:nvPr/>
-        </p:nvPicPr>
-        <p:blipFill>
-          <a:blip r:embed="rId2">
-            <a:extLst>
-              <a:ext uri="{28A0092B-C50C-407E-A947-70E740481C1C}">
-                <a14:useLocalDpi xmlns:a14="http://schemas.microsoft.com/office/drawing/2010/main" val="0"/>
-              </a:ext>
-            </a:extLst>
-          </a:blip>
-          <a:stretch>
-            <a:fillRect/>
-          </a:stretch>
-        </p:blipFill>
-        <p:spPr>
-          <a:xfrm>
-            <a:off x="1918312" y="1387468"/>
-            <a:ext cx="8355376" cy="3443149"/>
-          </a:xfrm>
-          <a:prstGeom prst="rect">
-            <a:avLst/>
-          </a:prstGeom>
-        </p:spPr>
-      </p:pic>
+              <a:rPr lang="fr-FR" sz="2800" dirty="0"/>
+              <a:t>3) Scénario</a:t>
+            </a:r>
+          </a:p>
+        </p:txBody>
+      </p:sp>
+      <p:sp>
+        <p:nvSpPr>
+          <p:cNvPr id="3" name="Espace réservé du contenu 2"/>
+          <p:cNvSpPr>
+            <a:spLocks noGrp="1"/>
+          </p:cNvSpPr>
+          <p:nvPr>
+            <p:ph idx="1"/>
+          </p:nvPr>
+        </p:nvSpPr>
+        <p:spPr>
+          <a:xfrm>
+            <a:off x="838200" y="805717"/>
+            <a:ext cx="10515600" cy="5217014"/>
+          </a:xfrm>
+        </p:spPr>
+        <p:txBody>
+          <a:bodyPr>
+            <a:normAutofit fontScale="92500" lnSpcReduction="20000"/>
+          </a:bodyPr>
+          <a:lstStyle/>
+          <a:p>
+            <a:pPr lvl="0"/>
+            <a:r>
+              <a:rPr lang="fr-FR" sz="2400" dirty="0"/>
+              <a:t>Le commissaire de course lance l’application C++.</a:t>
+            </a:r>
+          </a:p>
+          <a:p>
+            <a:pPr marL="0" lvl="0" indent="0">
+              <a:buNone/>
+            </a:pPr>
+            <a:r>
+              <a:rPr lang="fr-FR" sz="2400" dirty="0"/>
+              <a:t> </a:t>
+            </a:r>
+          </a:p>
+          <a:p>
+            <a:pPr lvl="0"/>
+            <a:r>
+              <a:rPr lang="fr-FR" sz="2400" dirty="0"/>
+              <a:t>Il va sélectionner la course qu’il voudra démarrer.</a:t>
+            </a:r>
+          </a:p>
+          <a:p>
+            <a:pPr marL="0" lvl="0" indent="0">
+              <a:buNone/>
+            </a:pPr>
+            <a:endParaRPr lang="fr-FR" sz="2400" dirty="0"/>
+          </a:p>
+          <a:p>
+            <a:pPr lvl="0"/>
+            <a:r>
+              <a:rPr lang="fr-FR" sz="2400" dirty="0"/>
+              <a:t>Il va ensuite cliquer sur le bouton de démarrage de la course.</a:t>
+            </a:r>
+          </a:p>
+          <a:p>
+            <a:pPr marL="0" lvl="0" indent="0">
+              <a:buNone/>
+            </a:pPr>
+            <a:endParaRPr lang="fr-FR" sz="2400" dirty="0"/>
+          </a:p>
+          <a:p>
+            <a:pPr lvl="0"/>
+            <a:r>
+              <a:rPr lang="fr-FR" sz="2400" dirty="0"/>
+              <a:t>Une fois la course démarrée, il pourra cliquer sur « afficheur LED » s’il y en a un. </a:t>
+            </a:r>
+          </a:p>
+          <a:p>
+            <a:pPr marL="0" lvl="0" indent="0">
+              <a:buNone/>
+            </a:pPr>
+            <a:endParaRPr lang="fr-FR" sz="2400" dirty="0"/>
+          </a:p>
+          <a:p>
+            <a:pPr lvl="0"/>
+            <a:r>
+              <a:rPr lang="fr-FR" sz="2400" dirty="0"/>
+              <a:t>L’afficheur LED va afficher le temps du premier ou/et le temps moyen des coureurs.</a:t>
+            </a:r>
+          </a:p>
+          <a:p>
+            <a:pPr marL="0" lvl="0" indent="0">
+              <a:buNone/>
+            </a:pPr>
+            <a:endParaRPr lang="fr-FR" sz="2400" dirty="0"/>
+          </a:p>
+          <a:p>
+            <a:pPr lvl="0"/>
+            <a:r>
+              <a:rPr lang="fr-FR" sz="2400" dirty="0"/>
+              <a:t> Quand le lecteur RFID aura détecté un coureur, il enverra ses informations à la base de données.</a:t>
+            </a:r>
+          </a:p>
+          <a:p>
+            <a:pPr marL="0" lvl="0" indent="0">
+              <a:buNone/>
+            </a:pPr>
+            <a:endParaRPr lang="fr-FR" sz="2400" dirty="0"/>
+          </a:p>
+          <a:p>
+            <a:pPr lvl="0"/>
+            <a:r>
+              <a:rPr lang="fr-FR" sz="2400" dirty="0"/>
+              <a:t>Les informations pourront être ensuite traitées.</a:t>
+            </a:r>
+          </a:p>
+          <a:p>
+            <a:endParaRPr lang="fr-FR" dirty="0"/>
+          </a:p>
+        </p:txBody>
+      </p:sp>
     </p:spTree>
     <p:extLst>
       <p:ext uri="{BB962C8B-B14F-4D97-AF65-F5344CB8AC3E}">
-        <p14:creationId xmlns:p14="http://schemas.microsoft.com/office/powerpoint/2010/main" val="3054975187"/>
+        <p14:creationId xmlns:p14="http://schemas.microsoft.com/office/powerpoint/2010/main" val="1024622025"/>
       </p:ext>
     </p:extLst>
   </p:cSld>
@@ -6584,21 +6678,54 @@
         </p:nvSpPr>
         <p:spPr>
           <a:xfrm>
-            <a:off x="838200" y="0"/>
-            <a:ext cx="10515600" cy="487729"/>
+            <a:off x="838200" y="-1"/>
+            <a:ext cx="10515600" cy="1512277"/>
           </a:xfrm>
         </p:spPr>
         <p:txBody>
           <a:bodyPr>
-            <a:normAutofit/>
+            <a:normAutofit fontScale="90000"/>
           </a:bodyPr>
           <a:lstStyle/>
           <a:p>
-            <a:pPr algn="ctr"/>
-            <a:r>
+            <a:r>
+              <a:rPr lang="fr-FR" sz="3600" dirty="0"/>
+              <a:t>II) Etude physique lecteur RFID pour les courses</a:t>
+            </a:r>
+            <a:br>
+              <a:rPr lang="fr-FR" sz="3600" dirty="0"/>
+            </a:br>
+            <a:r>
+              <a:rPr lang="fr-FR" sz="3600" dirty="0"/>
+              <a:t>	</a:t>
+            </a:r>
+            <a:r>
+              <a:rPr lang="fr-FR" sz="3100" dirty="0"/>
+              <a:t>1) Matériel</a:t>
+            </a:r>
+            <a:br>
               <a:rPr lang="fr-FR" sz="2800" dirty="0"/>
-              <a:t>3) Scénario</a:t>
-            </a:r>
+            </a:br>
+            <a:r>
+              <a:rPr lang="fr-FR" sz="2800" dirty="0"/>
+              <a:t>		</a:t>
+            </a:r>
+            <a:r>
+              <a:rPr lang="fr-FR" sz="2400" dirty="0"/>
+              <a:t>a) Antenne</a:t>
+            </a:r>
+            <a:br>
+              <a:rPr lang="fr-FR" sz="2400" dirty="0"/>
+            </a:br>
+            <a:r>
+              <a:rPr lang="fr-FR" sz="2400" dirty="0"/>
+              <a:t>		b) Dossard </a:t>
+            </a:r>
+            <a:r>
+              <a:rPr lang="fr-FR" sz="2400" dirty="0" err="1"/>
+              <a:t>DAGs</a:t>
+            </a:r>
+            <a:endParaRPr lang="fr-FR" sz="3600" dirty="0"/>
           </a:p>
         </p:txBody>
       </p:sp>
@@ -6614,103 +6741,495 @@
         </p:nvSpPr>
         <p:spPr>
           <a:xfrm>
-            <a:off x="838200" y="805717"/>
-            <a:ext cx="10515600" cy="5217014"/>
-          </a:xfrm>
-        </p:spPr>
-        <p:txBody>
-          <a:bodyPr>
-            <a:normAutofit fontScale="92500" lnSpcReduction="20000"/>
-          </a:bodyPr>
-          <a:lstStyle/>
-          <a:p>
-            <a:pPr lvl="0"/>
-            <a:r>
-              <a:rPr lang="fr-FR" sz="2400" dirty="0"/>
-              <a:t>Le commissaire de course lance l’application C++.</a:t>
-            </a:r>
-          </a:p>
-          <a:p>
-            <a:pPr marL="0" lvl="0" indent="0">
+            <a:off x="838200" y="1864072"/>
+            <a:ext cx="7391400" cy="2007466"/>
+          </a:xfrm>
+        </p:spPr>
+        <p:txBody>
+          <a:bodyPr/>
+          <a:lstStyle/>
+          <a:p>
+            <a:r>
+              <a:rPr lang="fr-FR" sz="1600" dirty="0"/>
+              <a:t>Le DAG est une puce passive (13,56 Mhz) de haute fréquence. </a:t>
+            </a:r>
+          </a:p>
+          <a:p>
+            <a:r>
+              <a:rPr lang="fr-FR" sz="1600" dirty="0"/>
+              <a:t>Il doit être activé pour communiquer. </a:t>
+            </a:r>
+          </a:p>
+          <a:p>
+            <a:r>
+              <a:rPr lang="fr-FR" sz="1600" dirty="0"/>
+              <a:t>Le boitier d’interface + l’antenne créent un </a:t>
+            </a:r>
+          </a:p>
+          <a:p>
+            <a:pPr marL="0" indent="0">
               <a:buNone/>
             </a:pPr>
             <a:r>
-              <a:rPr lang="fr-FR" sz="2400" dirty="0"/>
-              <a:t> </a:t>
-            </a:r>
-          </a:p>
-          <a:p>
-            <a:pPr lvl="0"/>
-            <a:r>
-              <a:rPr lang="fr-FR" sz="2400" dirty="0"/>
-              <a:t>Il va sélectionner la course qu’il voudra démarrer.</a:t>
-            </a:r>
-          </a:p>
-          <a:p>
-            <a:pPr marL="0" lvl="0" indent="0">
-              <a:buNone/>
+              <a:rPr lang="fr-FR" sz="1600" dirty="0"/>
+              <a:t>champ magnétique pour activer la puce. </a:t>
+            </a:r>
+          </a:p>
+          <a:p>
+            <a:r>
+              <a:rPr lang="fr-FR" sz="1600" dirty="0"/>
+              <a:t>Le lecteur communique avec la puce. </a:t>
+            </a:r>
+          </a:p>
+          <a:p>
+            <a:endParaRPr lang="fr-FR" dirty="0"/>
+          </a:p>
+        </p:txBody>
+      </p:sp>
+      <p:pic>
+        <p:nvPicPr>
+          <p:cNvPr id="4" name="Image 3"/>
+          <p:cNvPicPr/>
+          <p:nvPr/>
+        </p:nvPicPr>
+        <p:blipFill rotWithShape="1">
+          <a:blip r:embed="rId2">
+            <a:extLst>
+              <a:ext uri="{28A0092B-C50C-407E-A947-70E740481C1C}">
+                <a14:useLocalDpi xmlns:a14="http://schemas.microsoft.com/office/drawing/2010/main" val="0"/>
+              </a:ext>
+            </a:extLst>
+          </a:blip>
+          <a:srcRect l="7607" t="2145" r="4196" b="5927"/>
+          <a:stretch/>
+        </p:blipFill>
+        <p:spPr>
+          <a:xfrm>
+            <a:off x="5318991" y="2202048"/>
+            <a:ext cx="1923473" cy="1669490"/>
+          </a:xfrm>
+          <a:prstGeom prst="rect">
+            <a:avLst/>
+          </a:prstGeom>
+        </p:spPr>
+      </p:pic>
+      <p:sp>
+        <p:nvSpPr>
+          <p:cNvPr id="5" name="Rectangle 4"/>
+          <p:cNvSpPr/>
+          <p:nvPr/>
+        </p:nvSpPr>
+        <p:spPr>
+          <a:xfrm>
+            <a:off x="7506854" y="4328964"/>
+            <a:ext cx="4479637" cy="2244397"/>
+          </a:xfrm>
+          <a:prstGeom prst="rect">
+            <a:avLst/>
+          </a:prstGeom>
+        </p:spPr>
+        <p:txBody>
+          <a:bodyPr wrap="square">
+            <a:spAutoFit/>
+          </a:bodyPr>
+          <a:lstStyle/>
+          <a:p>
+            <a:pPr algn="r">
+              <a:lnSpc>
+                <a:spcPct val="107000"/>
+              </a:lnSpc>
+              <a:spcAft>
+                <a:spcPts val="800"/>
+              </a:spcAft>
             </a:pPr>
-            <a:endParaRPr lang="fr-FR" sz="2400" dirty="0"/>
-          </a:p>
-          <a:p>
-            <a:pPr lvl="0"/>
-            <a:r>
-              <a:rPr lang="fr-FR" sz="2400" dirty="0"/>
-              <a:t>Il va ensuite cliquer sur le bouton de démarrage de la course.</a:t>
-            </a:r>
-          </a:p>
-          <a:p>
-            <a:pPr marL="0" lvl="0" indent="0">
-              <a:buNone/>
+            <a:r>
+              <a:rPr lang="fr-FR" sz="1600" dirty="0">
+                <a:latin typeface="Calibri" panose="020F0502020204030204" pitchFamily="34" charset="0"/>
+                <a:ea typeface="SimSun" panose="02010600030101010101" pitchFamily="2" charset="-122"/>
+                <a:cs typeface="Times New Roman" panose="02020603050405020304" pitchFamily="18" charset="0"/>
+              </a:rPr>
+              <a:t>La détection se produit lorsque le participant entre dans le champ magnétique. </a:t>
+            </a:r>
+            <a:endParaRPr lang="fr-FR" sz="1400" dirty="0">
+              <a:latin typeface="Calibri" panose="020F0502020204030204" pitchFamily="34" charset="0"/>
+              <a:ea typeface="SimSun" panose="02010600030101010101" pitchFamily="2" charset="-122"/>
+              <a:cs typeface="Times New Roman" panose="02020603050405020304" pitchFamily="18" charset="0"/>
+            </a:endParaRPr>
+          </a:p>
+          <a:p>
+            <a:pPr algn="r">
+              <a:lnSpc>
+                <a:spcPct val="107000"/>
+              </a:lnSpc>
+              <a:spcAft>
+                <a:spcPts val="800"/>
+              </a:spcAft>
             </a:pPr>
-            <a:endParaRPr lang="fr-FR" sz="2400" dirty="0"/>
-          </a:p>
-          <a:p>
-            <a:pPr lvl="0"/>
-            <a:r>
-              <a:rPr lang="fr-FR" sz="2400" dirty="0"/>
-              <a:t>Une fois la course démarrée, il pourra cliquer sur « afficheur LED » s’il y en a un. </a:t>
-            </a:r>
-          </a:p>
-          <a:p>
-            <a:pPr marL="0" lvl="0" indent="0">
-              <a:buNone/>
+            <a:r>
+              <a:rPr lang="fr-FR" sz="1600" dirty="0">
+                <a:latin typeface="Calibri" panose="020F0502020204030204" pitchFamily="34" charset="0"/>
+                <a:ea typeface="SimSun" panose="02010600030101010101" pitchFamily="2" charset="-122"/>
+                <a:cs typeface="Times New Roman" panose="02020603050405020304" pitchFamily="18" charset="0"/>
+              </a:rPr>
+              <a:t>Précision = 1/10 secondes. </a:t>
+            </a:r>
+            <a:endParaRPr lang="fr-FR" sz="1400" dirty="0">
+              <a:latin typeface="Calibri" panose="020F0502020204030204" pitchFamily="34" charset="0"/>
+              <a:ea typeface="SimSun" panose="02010600030101010101" pitchFamily="2" charset="-122"/>
+              <a:cs typeface="Times New Roman" panose="02020603050405020304" pitchFamily="18" charset="0"/>
+            </a:endParaRPr>
+          </a:p>
+          <a:p>
+            <a:pPr algn="r">
+              <a:lnSpc>
+                <a:spcPct val="107000"/>
+              </a:lnSpc>
+              <a:spcAft>
+                <a:spcPts val="800"/>
+              </a:spcAft>
             </a:pPr>
-            <a:endParaRPr lang="fr-FR" sz="2400" dirty="0"/>
-          </a:p>
-          <a:p>
-            <a:pPr lvl="0"/>
-            <a:r>
-              <a:rPr lang="fr-FR" sz="2400" dirty="0"/>
-              <a:t>L’afficheur LED va afficher le temps du premier ou/et le temps moyen des coureurs.</a:t>
-            </a:r>
-          </a:p>
-          <a:p>
-            <a:pPr marL="0" lvl="0" indent="0">
-              <a:buNone/>
+            <a:r>
+              <a:rPr lang="fr-FR" sz="1600" dirty="0">
+                <a:latin typeface="Calibri" panose="020F0502020204030204" pitchFamily="34" charset="0"/>
+                <a:ea typeface="SimSun" panose="02010600030101010101" pitchFamily="2" charset="-122"/>
+                <a:cs typeface="Times New Roman" panose="02020603050405020304" pitchFamily="18" charset="0"/>
+              </a:rPr>
+              <a:t>Un DAG ne peut pas fonctionner correctement si : </a:t>
+            </a:r>
+            <a:endParaRPr lang="fr-FR" sz="1400" dirty="0">
+              <a:latin typeface="Calibri" panose="020F0502020204030204" pitchFamily="34" charset="0"/>
+              <a:ea typeface="SimSun" panose="02010600030101010101" pitchFamily="2" charset="-122"/>
+              <a:cs typeface="Times New Roman" panose="02020603050405020304" pitchFamily="18" charset="0"/>
+            </a:endParaRPr>
+          </a:p>
+          <a:p>
+            <a:pPr marL="342900" lvl="0" indent="-342900" algn="r">
+              <a:lnSpc>
+                <a:spcPct val="107000"/>
+              </a:lnSpc>
+              <a:spcAft>
+                <a:spcPts val="0"/>
+              </a:spcAft>
+              <a:buFont typeface="Wingdings" panose="05000000000000000000" pitchFamily="2" charset="2"/>
+              <a:buChar char=""/>
             </a:pPr>
-            <a:endParaRPr lang="fr-FR" sz="2400" dirty="0"/>
-          </a:p>
-          <a:p>
-            <a:pPr lvl="0"/>
-            <a:r>
-              <a:rPr lang="fr-FR" sz="2400" dirty="0"/>
-              <a:t> Quand le lecteur RFID aura détecté un coureur, il enverra ses informations à la base de données.</a:t>
-            </a:r>
-          </a:p>
-          <a:p>
-            <a:pPr marL="0" lvl="0" indent="0">
-              <a:buNone/>
+            <a:r>
+              <a:rPr lang="fr-FR" sz="1600" dirty="0">
+                <a:latin typeface="Calibri" panose="020F0502020204030204" pitchFamily="34" charset="0"/>
+                <a:ea typeface="Calibri" panose="020F0502020204030204" pitchFamily="34" charset="0"/>
+                <a:cs typeface="Times New Roman" panose="02020603050405020304" pitchFamily="18" charset="0"/>
+              </a:rPr>
+              <a:t> Il est collé sur du métal </a:t>
+            </a:r>
+            <a:endParaRPr lang="fr-FR" sz="1400" dirty="0">
+              <a:latin typeface="Calibri" panose="020F0502020204030204" pitchFamily="34" charset="0"/>
+              <a:ea typeface="Calibri" panose="020F0502020204030204" pitchFamily="34" charset="0"/>
+              <a:cs typeface="Times New Roman" panose="02020603050405020304" pitchFamily="18" charset="0"/>
+            </a:endParaRPr>
+          </a:p>
+          <a:p>
+            <a:pPr marL="342900" lvl="0" indent="-342900" algn="r">
+              <a:lnSpc>
+                <a:spcPct val="107000"/>
+              </a:lnSpc>
+              <a:spcAft>
+                <a:spcPts val="0"/>
+              </a:spcAft>
+              <a:buFont typeface="Wingdings" panose="05000000000000000000" pitchFamily="2" charset="2"/>
+              <a:buChar char=""/>
             </a:pPr>
-            <a:endParaRPr lang="fr-FR" sz="2400" dirty="0"/>
-          </a:p>
-          <a:p>
-            <a:pPr lvl="0"/>
-            <a:r>
-              <a:rPr lang="fr-FR" sz="2400" dirty="0"/>
-              <a:t>Les informations pourront être ensuite traitées.</a:t>
-            </a:r>
-          </a:p>
+            <a:r>
+              <a:rPr lang="fr-FR" sz="1600" dirty="0">
+                <a:latin typeface="Calibri" panose="020F0502020204030204" pitchFamily="34" charset="0"/>
+                <a:ea typeface="Calibri" panose="020F0502020204030204" pitchFamily="34" charset="0"/>
+                <a:cs typeface="Times New Roman" panose="02020603050405020304" pitchFamily="18" charset="0"/>
+              </a:rPr>
+              <a:t> Il est plié</a:t>
+            </a:r>
+            <a:endParaRPr lang="fr-FR" sz="1400" dirty="0">
+              <a:latin typeface="Calibri" panose="020F0502020204030204" pitchFamily="34" charset="0"/>
+              <a:ea typeface="Calibri" panose="020F0502020204030204" pitchFamily="34" charset="0"/>
+              <a:cs typeface="Times New Roman" panose="02020603050405020304" pitchFamily="18" charset="0"/>
+            </a:endParaRPr>
+          </a:p>
+          <a:p>
+            <a:pPr marL="342900" lvl="0" indent="-342900" algn="r">
+              <a:lnSpc>
+                <a:spcPct val="107000"/>
+              </a:lnSpc>
+              <a:spcAft>
+                <a:spcPts val="800"/>
+              </a:spcAft>
+              <a:buFont typeface="Wingdings" panose="05000000000000000000" pitchFamily="2" charset="2"/>
+              <a:buChar char=""/>
+            </a:pPr>
+            <a:r>
+              <a:rPr lang="fr-FR" sz="1600" dirty="0">
+                <a:latin typeface="Calibri" panose="020F0502020204030204" pitchFamily="34" charset="0"/>
+                <a:ea typeface="Calibri" panose="020F0502020204030204" pitchFamily="34" charset="0"/>
+                <a:cs typeface="Times New Roman" panose="02020603050405020304" pitchFamily="18" charset="0"/>
+              </a:rPr>
+              <a:t> Il est déchiré. </a:t>
+            </a:r>
+            <a:endParaRPr lang="fr-FR" sz="1400" dirty="0">
+              <a:effectLst/>
+              <a:latin typeface="Calibri" panose="020F0502020204030204" pitchFamily="34" charset="0"/>
+              <a:ea typeface="Calibri" panose="020F0502020204030204" pitchFamily="34" charset="0"/>
+              <a:cs typeface="Times New Roman" panose="02020603050405020304" pitchFamily="18" charset="0"/>
+            </a:endParaRPr>
+          </a:p>
+        </p:txBody>
+      </p:sp>
+      <p:pic>
+        <p:nvPicPr>
+          <p:cNvPr id="6" name="Image 5"/>
+          <p:cNvPicPr/>
+          <p:nvPr/>
+        </p:nvPicPr>
+        <p:blipFill rotWithShape="1">
+          <a:blip r:embed="rId3">
+            <a:extLst>
+              <a:ext uri="{28A0092B-C50C-407E-A947-70E740481C1C}">
+                <a14:useLocalDpi xmlns:a14="http://schemas.microsoft.com/office/drawing/2010/main" val="0"/>
+              </a:ext>
+            </a:extLst>
+          </a:blip>
+          <a:srcRect l="4497" t="3529" r="4497" b="5459"/>
+          <a:stretch/>
+        </p:blipFill>
+        <p:spPr>
+          <a:xfrm>
+            <a:off x="10388598" y="2867805"/>
+            <a:ext cx="1505527" cy="1426797"/>
+          </a:xfrm>
+          <a:prstGeom prst="rect">
+            <a:avLst/>
+          </a:prstGeom>
+        </p:spPr>
+      </p:pic>
+      <p:sp>
+        <p:nvSpPr>
+          <p:cNvPr id="7" name="Rectangle 6"/>
+          <p:cNvSpPr/>
+          <p:nvPr/>
+        </p:nvSpPr>
+        <p:spPr>
+          <a:xfrm>
+            <a:off x="838200" y="4328554"/>
+            <a:ext cx="3474027" cy="1878335"/>
+          </a:xfrm>
+          <a:prstGeom prst="rect">
+            <a:avLst/>
+          </a:prstGeom>
+        </p:spPr>
+        <p:txBody>
+          <a:bodyPr wrap="square">
+            <a:spAutoFit/>
+          </a:bodyPr>
+          <a:lstStyle/>
+          <a:p>
+            <a:pPr>
+              <a:lnSpc>
+                <a:spcPct val="107000"/>
+              </a:lnSpc>
+              <a:spcAft>
+                <a:spcPts val="800"/>
+              </a:spcAft>
+            </a:pPr>
+            <a:r>
+              <a:rPr lang="fr-FR" sz="1600" dirty="0">
+                <a:latin typeface="Calibri" panose="020F0502020204030204" pitchFamily="34" charset="0"/>
+                <a:ea typeface="SimSun" panose="02010600030101010101" pitchFamily="2" charset="-122"/>
+                <a:cs typeface="Times New Roman" panose="02020603050405020304" pitchFamily="18" charset="0"/>
+              </a:rPr>
+              <a:t>Un lecteur peut détecter 120 DAG / seconde.  </a:t>
+            </a:r>
+            <a:endParaRPr lang="fr-FR" sz="1400" dirty="0">
+              <a:latin typeface="Calibri" panose="020F0502020204030204" pitchFamily="34" charset="0"/>
+              <a:ea typeface="SimSun" panose="02010600030101010101" pitchFamily="2" charset="-122"/>
+              <a:cs typeface="Times New Roman" panose="02020603050405020304" pitchFamily="18" charset="0"/>
+            </a:endParaRPr>
+          </a:p>
+          <a:p>
+            <a:pPr>
+              <a:lnSpc>
+                <a:spcPct val="107000"/>
+              </a:lnSpc>
+              <a:spcAft>
+                <a:spcPts val="800"/>
+              </a:spcAft>
+            </a:pPr>
+            <a:r>
+              <a:rPr lang="fr-FR" sz="1600" dirty="0">
+                <a:latin typeface="Calibri" panose="020F0502020204030204" pitchFamily="34" charset="0"/>
+                <a:ea typeface="SimSun" panose="02010600030101010101" pitchFamily="2" charset="-122"/>
+                <a:cs typeface="Times New Roman" panose="02020603050405020304" pitchFamily="18" charset="0"/>
+              </a:rPr>
+              <a:t>Un lecteur peut être branché sur tous les types d’antennes. </a:t>
+            </a:r>
+            <a:endParaRPr lang="fr-FR" sz="1400" dirty="0">
+              <a:latin typeface="Calibri" panose="020F0502020204030204" pitchFamily="34" charset="0"/>
+              <a:ea typeface="SimSun" panose="02010600030101010101" pitchFamily="2" charset="-122"/>
+              <a:cs typeface="Times New Roman" panose="02020603050405020304" pitchFamily="18" charset="0"/>
+            </a:endParaRPr>
+          </a:p>
+          <a:p>
+            <a:pPr>
+              <a:lnSpc>
+                <a:spcPct val="107000"/>
+              </a:lnSpc>
+              <a:spcAft>
+                <a:spcPts val="800"/>
+              </a:spcAft>
+            </a:pPr>
+            <a:r>
+              <a:rPr lang="fr-FR" sz="1600" dirty="0">
+                <a:latin typeface="Calibri" panose="020F0502020204030204" pitchFamily="34" charset="0"/>
+                <a:ea typeface="SimSun" panose="02010600030101010101" pitchFamily="2" charset="-122"/>
+                <a:cs typeface="Times New Roman" panose="02020603050405020304" pitchFamily="18" charset="0"/>
+              </a:rPr>
+              <a:t>Les lecteurs DAG System sont conçu pour lire uniquement les </a:t>
+            </a:r>
+            <a:r>
+              <a:rPr lang="fr-FR" sz="1600" dirty="0" err="1">
+                <a:latin typeface="Calibri" panose="020F0502020204030204" pitchFamily="34" charset="0"/>
+                <a:ea typeface="SimSun" panose="02010600030101010101" pitchFamily="2" charset="-122"/>
+                <a:cs typeface="Times New Roman" panose="02020603050405020304" pitchFamily="18" charset="0"/>
+              </a:rPr>
+              <a:t>DAGs</a:t>
+            </a:r>
+            <a:r>
+              <a:rPr lang="fr-FR" sz="1600" dirty="0">
+                <a:latin typeface="Calibri" panose="020F0502020204030204" pitchFamily="34" charset="0"/>
+                <a:ea typeface="SimSun" panose="02010600030101010101" pitchFamily="2" charset="-122"/>
+                <a:cs typeface="Times New Roman" panose="02020603050405020304" pitchFamily="18" charset="0"/>
+              </a:rPr>
+              <a:t>.</a:t>
+            </a:r>
+            <a:endParaRPr lang="fr-FR" sz="1400" dirty="0">
+              <a:effectLst/>
+              <a:latin typeface="Calibri" panose="020F0502020204030204" pitchFamily="34" charset="0"/>
+              <a:ea typeface="SimSun" panose="02010600030101010101" pitchFamily="2" charset="-122"/>
+              <a:cs typeface="Times New Roman" panose="02020603050405020304" pitchFamily="18" charset="0"/>
+            </a:endParaRPr>
+          </a:p>
+        </p:txBody>
+      </p:sp>
+      <p:pic>
+        <p:nvPicPr>
+          <p:cNvPr id="8" name="Image 7"/>
+          <p:cNvPicPr/>
+          <p:nvPr/>
+        </p:nvPicPr>
+        <p:blipFill rotWithShape="1">
+          <a:blip r:embed="rId4">
+            <a:extLst>
+              <a:ext uri="{28A0092B-C50C-407E-A947-70E740481C1C}">
+                <a14:useLocalDpi xmlns:a14="http://schemas.microsoft.com/office/drawing/2010/main" val="0"/>
+              </a:ext>
+            </a:extLst>
+          </a:blip>
+          <a:srcRect l="2692" t="1251" r="5783" b="5113"/>
+          <a:stretch/>
+        </p:blipFill>
+        <p:spPr>
+          <a:xfrm>
+            <a:off x="4533900" y="4649113"/>
+            <a:ext cx="1570183" cy="1382423"/>
+          </a:xfrm>
+          <a:prstGeom prst="rect">
+            <a:avLst/>
+          </a:prstGeom>
+        </p:spPr>
+      </p:pic>
+      <p:sp>
+        <p:nvSpPr>
+          <p:cNvPr id="9" name="ZoneTexte 8"/>
+          <p:cNvSpPr txBox="1"/>
+          <p:nvPr/>
+        </p:nvSpPr>
+        <p:spPr>
+          <a:xfrm>
+            <a:off x="7620000" y="2336800"/>
+            <a:ext cx="4451927" cy="4350327"/>
+          </a:xfrm>
+          <a:prstGeom prst="rect">
+            <a:avLst/>
+          </a:prstGeom>
+          <a:noFill/>
+          <a:ln>
+            <a:solidFill>
+              <a:schemeClr val="tx1"/>
+            </a:solidFill>
+          </a:ln>
+        </p:spPr>
+        <p:txBody>
+          <a:bodyPr wrap="square" rtlCol="0">
+            <a:spAutoFit/>
+          </a:bodyPr>
+          <a:lstStyle/>
+          <a:p>
+            <a:endParaRPr lang="fr-FR" dirty="0"/>
+          </a:p>
+        </p:txBody>
+      </p:sp>
+      <p:sp>
+        <p:nvSpPr>
+          <p:cNvPr id="10" name="ZoneTexte 9"/>
+          <p:cNvSpPr txBox="1"/>
+          <p:nvPr/>
+        </p:nvSpPr>
+        <p:spPr>
+          <a:xfrm>
+            <a:off x="711200" y="1764145"/>
+            <a:ext cx="6659418" cy="2355273"/>
+          </a:xfrm>
+          <a:prstGeom prst="rect">
+            <a:avLst/>
+          </a:prstGeom>
+          <a:noFill/>
+          <a:ln>
+            <a:solidFill>
+              <a:schemeClr val="tx1"/>
+            </a:solidFill>
+          </a:ln>
+        </p:spPr>
+        <p:txBody>
+          <a:bodyPr wrap="square" rtlCol="0">
+            <a:spAutoFit/>
+          </a:bodyPr>
+          <a:lstStyle/>
+          <a:p>
+            <a:endParaRPr lang="fr-FR" dirty="0"/>
+          </a:p>
+        </p:txBody>
+      </p:sp>
+      <p:sp>
+        <p:nvSpPr>
+          <p:cNvPr id="11" name="ZoneTexte 10"/>
+          <p:cNvSpPr txBox="1"/>
+          <p:nvPr/>
+        </p:nvSpPr>
+        <p:spPr>
+          <a:xfrm>
+            <a:off x="711200" y="4328554"/>
+            <a:ext cx="5800436" cy="2090719"/>
+          </a:xfrm>
+          <a:prstGeom prst="rect">
+            <a:avLst/>
+          </a:prstGeom>
+          <a:noFill/>
+          <a:ln>
+            <a:solidFill>
+              <a:schemeClr val="tx1"/>
+            </a:solidFill>
+          </a:ln>
+        </p:spPr>
+        <p:txBody>
+          <a:bodyPr wrap="square" rtlCol="0">
+            <a:spAutoFit/>
+          </a:bodyPr>
+          <a:lstStyle/>
           <a:p>
             <a:endParaRPr lang="fr-FR" dirty="0"/>
           </a:p>
@@ -6719,7 +7238,7 @@
     </p:spTree>
     <p:extLst>
       <p:ext uri="{BB962C8B-B14F-4D97-AF65-F5344CB8AC3E}">
-        <p14:creationId xmlns:p14="http://schemas.microsoft.com/office/powerpoint/2010/main" val="1024622025"/>
+        <p14:creationId xmlns:p14="http://schemas.microsoft.com/office/powerpoint/2010/main" val="2600805086"/>
       </p:ext>
     </p:extLst>
   </p:cSld>
@@ -6769,124 +7288,32 @@
         </p:nvSpPr>
         <p:spPr>
           <a:xfrm>
-            <a:off x="838200" y="-1"/>
-            <a:ext cx="10515600" cy="1512277"/>
+            <a:off x="838200" y="0"/>
+            <a:ext cx="10515600" cy="864211"/>
           </a:xfrm>
         </p:spPr>
         <p:txBody>
           <a:bodyPr>
-            <a:normAutofit fontScale="90000"/>
+            <a:normAutofit/>
           </a:bodyPr>
           <a:lstStyle/>
           <a:p>
             <a:r>
-              <a:rPr lang="fr-FR" sz="3600" dirty="0"/>
-              <a:t>II) Etude physique lecteur RFID pour les courses</a:t>
-            </a:r>
-            <a:br>
-              <a:rPr lang="fr-FR" sz="3600" dirty="0"/>
-            </a:br>
-            <a:r>
-              <a:rPr lang="fr-FR" sz="3600" dirty="0"/>
-              <a:t>	</a:t>
-            </a:r>
-            <a:r>
-              <a:rPr lang="fr-FR" sz="3100" dirty="0"/>
-              <a:t>1) Matériel</a:t>
-            </a:r>
-            <a:r>
               <a:rPr lang="fr-FR" sz="2800" dirty="0"/>
-              <a:t/>
+              <a:t>2) Boite noire</a:t>
             </a:r>
             <a:br>
               <a:rPr lang="fr-FR" sz="2800" dirty="0"/>
             </a:br>
             <a:r>
               <a:rPr lang="fr-FR" sz="2800" dirty="0"/>
-              <a:t>		</a:t>
+              <a:t>	</a:t>
             </a:r>
             <a:r>
               <a:rPr lang="fr-FR" sz="2400" dirty="0"/>
-              <a:t>a) Antenne</a:t>
-            </a:r>
-            <a:br>
-              <a:rPr lang="fr-FR" sz="2400" dirty="0"/>
-            </a:br>
-            <a:r>
-              <a:rPr lang="fr-FR" sz="2400" dirty="0"/>
-              <a:t>		b) Dossard </a:t>
-            </a:r>
-            <a:r>
-              <a:rPr lang="fr-FR" sz="2400" dirty="0" err="1"/>
-              <a:t>DAGs</a:t>
-            </a:r>
-            <a:endParaRPr lang="fr-FR" sz="3600" dirty="0"/>
-          </a:p>
-        </p:txBody>
-      </p:sp>
-      <p:sp>
-        <p:nvSpPr>
-          <p:cNvPr id="3" name="Espace réservé du contenu 2"/>
-          <p:cNvSpPr>
-            <a:spLocks noGrp="1"/>
-          </p:cNvSpPr>
-          <p:nvPr>
-            <p:ph idx="1"/>
-          </p:nvPr>
-        </p:nvSpPr>
-        <p:spPr>
-          <a:xfrm>
-            <a:off x="838200" y="1864072"/>
-            <a:ext cx="7391400" cy="2007466"/>
-          </a:xfrm>
-        </p:spPr>
-        <p:txBody>
-          <a:bodyPr/>
-          <a:lstStyle/>
-          <a:p>
-            <a:r>
-              <a:rPr lang="fr-FR" sz="1600" dirty="0"/>
-              <a:t>Le DAG est une puce passive (13,56 Mhz) de haute fréquence. </a:t>
-            </a:r>
-            <a:endParaRPr lang="fr-FR" sz="1600" dirty="0" smtClean="0"/>
-          </a:p>
-          <a:p>
-            <a:r>
-              <a:rPr lang="fr-FR" sz="1600" dirty="0" smtClean="0"/>
-              <a:t>Il </a:t>
-            </a:r>
-            <a:r>
-              <a:rPr lang="fr-FR" sz="1600" dirty="0"/>
-              <a:t>doit être activé pour communiquer. </a:t>
-            </a:r>
-          </a:p>
-          <a:p>
-            <a:r>
-              <a:rPr lang="fr-FR" sz="1600" dirty="0"/>
-              <a:t>Le boitier d’interface + l’antenne créent un </a:t>
-            </a:r>
-          </a:p>
-          <a:p>
-            <a:pPr marL="0" indent="0">
-              <a:buNone/>
-            </a:pPr>
-            <a:r>
-              <a:rPr lang="fr-FR" sz="1600" dirty="0" smtClean="0"/>
-              <a:t>champ </a:t>
-            </a:r>
-            <a:r>
-              <a:rPr lang="fr-FR" sz="1600" dirty="0"/>
-              <a:t>magnétique pour activer la puce. </a:t>
-            </a:r>
-          </a:p>
-          <a:p>
-            <a:r>
-              <a:rPr lang="fr-FR" sz="1600" dirty="0"/>
-              <a:t>Le lecteur communique avec la puce. </a:t>
-            </a:r>
-          </a:p>
-          <a:p>
-            <a:endParaRPr lang="fr-FR" dirty="0"/>
+              <a:t>a) Principe de fonctionnement</a:t>
+            </a:r>
+            <a:endParaRPr lang="fr-FR" sz="2800" dirty="0"/>
           </a:p>
         </p:txBody>
       </p:sp>
@@ -6896,21 +7323,170 @@
           <p:cNvPicPr/>
           <p:nvPr/>
         </p:nvPicPr>
+        <p:blipFill>
+          <a:blip r:embed="rId2"/>
+          <a:stretch>
+            <a:fillRect/>
+          </a:stretch>
+        </p:blipFill>
+        <p:spPr>
+          <a:xfrm>
+            <a:off x="90076" y="864211"/>
+            <a:ext cx="6426489" cy="5703367"/>
+          </a:xfrm>
+          <a:prstGeom prst="rect">
+            <a:avLst/>
+          </a:prstGeom>
+        </p:spPr>
+      </p:pic>
+      <p:sp>
+        <p:nvSpPr>
+          <p:cNvPr id="5" name="Rectangle 4"/>
+          <p:cNvSpPr/>
+          <p:nvPr/>
+        </p:nvSpPr>
+        <p:spPr>
+          <a:xfrm>
+            <a:off x="90076" y="4119418"/>
+            <a:ext cx="1415473" cy="1431637"/>
+          </a:xfrm>
+          <a:prstGeom prst="rect">
+            <a:avLst/>
+          </a:prstGeom>
+          <a:solidFill>
+            <a:schemeClr val="bg1"/>
+          </a:solidFill>
+          <a:ln>
+            <a:solidFill>
+              <a:schemeClr val="bg1"/>
+            </a:solidFill>
+          </a:ln>
+        </p:spPr>
+        <p:style>
+          <a:lnRef idx="2">
+            <a:schemeClr val="accent1">
+              <a:shade val="50000"/>
+            </a:schemeClr>
+          </a:lnRef>
+          <a:fillRef idx="1">
+            <a:schemeClr val="accent1"/>
+          </a:fillRef>
+          <a:effectRef idx="0">
+            <a:schemeClr val="accent1"/>
+          </a:effectRef>
+          <a:fontRef idx="minor">
+            <a:schemeClr val="lt1"/>
+          </a:fontRef>
+        </p:style>
+        <p:txBody>
+          <a:bodyPr rtlCol="0" anchor="ctr"/>
+          <a:lstStyle/>
+          <a:p>
+            <a:pPr algn="ctr"/>
+            <a:endParaRPr lang="fr-FR"/>
+          </a:p>
+        </p:txBody>
+      </p:sp>
+      <p:sp>
+        <p:nvSpPr>
+          <p:cNvPr id="6" name="Rectangle 5"/>
+          <p:cNvSpPr/>
+          <p:nvPr/>
+        </p:nvSpPr>
+        <p:spPr>
+          <a:xfrm>
+            <a:off x="1505549" y="4424218"/>
+            <a:ext cx="323272" cy="203200"/>
+          </a:xfrm>
+          <a:prstGeom prst="rect">
+            <a:avLst/>
+          </a:prstGeom>
+          <a:solidFill>
+            <a:schemeClr val="bg1"/>
+          </a:solidFill>
+          <a:ln>
+            <a:solidFill>
+              <a:schemeClr val="bg1"/>
+            </a:solidFill>
+          </a:ln>
+        </p:spPr>
+        <p:style>
+          <a:lnRef idx="2">
+            <a:schemeClr val="accent1">
+              <a:shade val="50000"/>
+            </a:schemeClr>
+          </a:lnRef>
+          <a:fillRef idx="1">
+            <a:schemeClr val="accent1"/>
+          </a:fillRef>
+          <a:effectRef idx="0">
+            <a:schemeClr val="accent1"/>
+          </a:effectRef>
+          <a:fontRef idx="minor">
+            <a:schemeClr val="lt1"/>
+          </a:fontRef>
+        </p:style>
+        <p:txBody>
+          <a:bodyPr rtlCol="0" anchor="ctr"/>
+          <a:lstStyle/>
+          <a:p>
+            <a:pPr algn="ctr"/>
+            <a:endParaRPr lang="fr-FR"/>
+          </a:p>
+        </p:txBody>
+      </p:sp>
+      <p:sp>
+        <p:nvSpPr>
+          <p:cNvPr id="7" name="ZoneTexte 6"/>
+          <p:cNvSpPr txBox="1"/>
+          <p:nvPr/>
+        </p:nvSpPr>
+        <p:spPr>
+          <a:xfrm>
+            <a:off x="6680200" y="843720"/>
+            <a:ext cx="3814619" cy="1200329"/>
+          </a:xfrm>
+          <a:prstGeom prst="rect">
+            <a:avLst/>
+          </a:prstGeom>
+          <a:noFill/>
+        </p:spPr>
+        <p:txBody>
+          <a:bodyPr wrap="square" rtlCol="0">
+            <a:spAutoFit/>
+          </a:bodyPr>
+          <a:lstStyle/>
+          <a:p>
+            <a:r>
+              <a:rPr lang="fr-FR" dirty="0"/>
+              <a:t>La boite noire possède ses propres méthodes qui renvoient des valeurs en hexadécimal. Voici un morceau de la documentation :</a:t>
+            </a:r>
+          </a:p>
+        </p:txBody>
+      </p:sp>
+      <p:pic>
+        <p:nvPicPr>
+          <p:cNvPr id="8" name="Image 7"/>
+          <p:cNvPicPr>
+            <a:picLocks noChangeAspect="1"/>
+          </p:cNvPicPr>
+          <p:nvPr/>
+        </p:nvPicPr>
         <p:blipFill rotWithShape="1">
-          <a:blip r:embed="rId2">
+          <a:blip r:embed="rId3" cstate="print">
             <a:extLst>
               <a:ext uri="{28A0092B-C50C-407E-A947-70E740481C1C}">
                 <a14:useLocalDpi xmlns:a14="http://schemas.microsoft.com/office/drawing/2010/main" val="0"/>
               </a:ext>
             </a:extLst>
           </a:blip>
-          <a:srcRect l="7607" t="2145" r="4196" b="5927"/>
+          <a:srcRect t="15623" r="48923" b="8687"/>
           <a:stretch/>
         </p:blipFill>
         <p:spPr>
-          <a:xfrm>
-            <a:off x="5318991" y="2202048"/>
-            <a:ext cx="1923473" cy="1669490"/>
+          <a:xfrm rot="16200000">
+            <a:off x="8020766" y="703484"/>
+            <a:ext cx="2747540" cy="5428672"/>
           </a:xfrm>
           <a:prstGeom prst="rect">
             <a:avLst/>
@@ -6919,369 +7495,19 @@
       </p:pic>
       <p:sp>
         <p:nvSpPr>
-          <p:cNvPr id="5" name="Rectangle 4"/>
-          <p:cNvSpPr/>
-          <p:nvPr/>
-        </p:nvSpPr>
-        <p:spPr>
-          <a:xfrm>
-            <a:off x="7506854" y="4328964"/>
-            <a:ext cx="4479637" cy="2244397"/>
-          </a:xfrm>
-          <a:prstGeom prst="rect">
-            <a:avLst/>
-          </a:prstGeom>
-        </p:spPr>
-        <p:txBody>
-          <a:bodyPr wrap="square">
-            <a:spAutoFit/>
-          </a:bodyPr>
-          <a:lstStyle/>
-          <a:p>
-            <a:pPr algn="r">
-              <a:lnSpc>
-                <a:spcPct val="107000"/>
-              </a:lnSpc>
-              <a:spcAft>
-                <a:spcPts val="800"/>
-              </a:spcAft>
-            </a:pPr>
-            <a:r>
-              <a:rPr lang="fr-FR" sz="1600" dirty="0">
-                <a:latin typeface="Calibri" panose="020F0502020204030204" pitchFamily="34" charset="0"/>
-                <a:ea typeface="SimSun" panose="02010600030101010101" pitchFamily="2" charset="-122"/>
-                <a:cs typeface="Times New Roman" panose="02020603050405020304" pitchFamily="18" charset="0"/>
-              </a:rPr>
-              <a:t>La détection se produit lorsque le participant entre dans le champ magnétique. </a:t>
-            </a:r>
-            <a:endParaRPr lang="fr-FR" sz="1400" dirty="0">
-              <a:latin typeface="Calibri" panose="020F0502020204030204" pitchFamily="34" charset="0"/>
-              <a:ea typeface="SimSun" panose="02010600030101010101" pitchFamily="2" charset="-122"/>
-              <a:cs typeface="Times New Roman" panose="02020603050405020304" pitchFamily="18" charset="0"/>
-            </a:endParaRPr>
-          </a:p>
-          <a:p>
-            <a:pPr algn="r">
-              <a:lnSpc>
-                <a:spcPct val="107000"/>
-              </a:lnSpc>
-              <a:spcAft>
-                <a:spcPts val="800"/>
-              </a:spcAft>
-            </a:pPr>
-            <a:r>
-              <a:rPr lang="fr-FR" sz="1600" dirty="0">
-                <a:latin typeface="Calibri" panose="020F0502020204030204" pitchFamily="34" charset="0"/>
-                <a:ea typeface="SimSun" panose="02010600030101010101" pitchFamily="2" charset="-122"/>
-                <a:cs typeface="Times New Roman" panose="02020603050405020304" pitchFamily="18" charset="0"/>
-              </a:rPr>
-              <a:t>Précision = 1/10 secondes. </a:t>
-            </a:r>
-            <a:endParaRPr lang="fr-FR" sz="1400" dirty="0">
-              <a:latin typeface="Calibri" panose="020F0502020204030204" pitchFamily="34" charset="0"/>
-              <a:ea typeface="SimSun" panose="02010600030101010101" pitchFamily="2" charset="-122"/>
-              <a:cs typeface="Times New Roman" panose="02020603050405020304" pitchFamily="18" charset="0"/>
-            </a:endParaRPr>
-          </a:p>
-          <a:p>
-            <a:pPr algn="r">
-              <a:lnSpc>
-                <a:spcPct val="107000"/>
-              </a:lnSpc>
-              <a:spcAft>
-                <a:spcPts val="800"/>
-              </a:spcAft>
-            </a:pPr>
-            <a:r>
-              <a:rPr lang="fr-FR" sz="1600" dirty="0">
-                <a:latin typeface="Calibri" panose="020F0502020204030204" pitchFamily="34" charset="0"/>
-                <a:ea typeface="SimSun" panose="02010600030101010101" pitchFamily="2" charset="-122"/>
-                <a:cs typeface="Times New Roman" panose="02020603050405020304" pitchFamily="18" charset="0"/>
-              </a:rPr>
-              <a:t>Un DAG ne peut pas fonctionner correctement si : </a:t>
-            </a:r>
-            <a:endParaRPr lang="fr-FR" sz="1400" dirty="0">
-              <a:latin typeface="Calibri" panose="020F0502020204030204" pitchFamily="34" charset="0"/>
-              <a:ea typeface="SimSun" panose="02010600030101010101" pitchFamily="2" charset="-122"/>
-              <a:cs typeface="Times New Roman" panose="02020603050405020304" pitchFamily="18" charset="0"/>
-            </a:endParaRPr>
-          </a:p>
-          <a:p>
-            <a:pPr marL="342900" lvl="0" indent="-342900" algn="r">
-              <a:lnSpc>
-                <a:spcPct val="107000"/>
-              </a:lnSpc>
-              <a:spcAft>
-                <a:spcPts val="0"/>
-              </a:spcAft>
-              <a:buFont typeface="Wingdings" panose="05000000000000000000" pitchFamily="2" charset="2"/>
-              <a:buChar char=""/>
-            </a:pPr>
-            <a:r>
-              <a:rPr lang="fr-FR" sz="1600" dirty="0">
-                <a:latin typeface="Calibri" panose="020F0502020204030204" pitchFamily="34" charset="0"/>
-                <a:ea typeface="Calibri" panose="020F0502020204030204" pitchFamily="34" charset="0"/>
-                <a:cs typeface="Times New Roman" panose="02020603050405020304" pitchFamily="18" charset="0"/>
-              </a:rPr>
-              <a:t> Il est collé sur du métal </a:t>
-            </a:r>
-            <a:endParaRPr lang="fr-FR" sz="1400" dirty="0">
-              <a:latin typeface="Calibri" panose="020F0502020204030204" pitchFamily="34" charset="0"/>
-              <a:ea typeface="Calibri" panose="020F0502020204030204" pitchFamily="34" charset="0"/>
-              <a:cs typeface="Times New Roman" panose="02020603050405020304" pitchFamily="18" charset="0"/>
-            </a:endParaRPr>
-          </a:p>
-          <a:p>
-            <a:pPr marL="342900" lvl="0" indent="-342900" algn="r">
-              <a:lnSpc>
-                <a:spcPct val="107000"/>
-              </a:lnSpc>
-              <a:spcAft>
-                <a:spcPts val="0"/>
-              </a:spcAft>
-              <a:buFont typeface="Wingdings" panose="05000000000000000000" pitchFamily="2" charset="2"/>
-              <a:buChar char=""/>
-            </a:pPr>
-            <a:r>
-              <a:rPr lang="fr-FR" sz="1600" dirty="0">
-                <a:latin typeface="Calibri" panose="020F0502020204030204" pitchFamily="34" charset="0"/>
-                <a:ea typeface="Calibri" panose="020F0502020204030204" pitchFamily="34" charset="0"/>
-                <a:cs typeface="Times New Roman" panose="02020603050405020304" pitchFamily="18" charset="0"/>
-              </a:rPr>
-              <a:t> Il est plié</a:t>
-            </a:r>
-            <a:endParaRPr lang="fr-FR" sz="1400" dirty="0">
-              <a:latin typeface="Calibri" panose="020F0502020204030204" pitchFamily="34" charset="0"/>
-              <a:ea typeface="Calibri" panose="020F0502020204030204" pitchFamily="34" charset="0"/>
-              <a:cs typeface="Times New Roman" panose="02020603050405020304" pitchFamily="18" charset="0"/>
-            </a:endParaRPr>
-          </a:p>
-          <a:p>
-            <a:pPr marL="342900" lvl="0" indent="-342900" algn="r">
-              <a:lnSpc>
-                <a:spcPct val="107000"/>
-              </a:lnSpc>
-              <a:spcAft>
-                <a:spcPts val="800"/>
-              </a:spcAft>
-              <a:buFont typeface="Wingdings" panose="05000000000000000000" pitchFamily="2" charset="2"/>
-              <a:buChar char=""/>
-            </a:pPr>
-            <a:r>
-              <a:rPr lang="fr-FR" sz="1600" dirty="0">
-                <a:latin typeface="Calibri" panose="020F0502020204030204" pitchFamily="34" charset="0"/>
-                <a:ea typeface="Calibri" panose="020F0502020204030204" pitchFamily="34" charset="0"/>
-                <a:cs typeface="Times New Roman" panose="02020603050405020304" pitchFamily="18" charset="0"/>
-              </a:rPr>
-              <a:t> Il est déchiré. </a:t>
-            </a:r>
-            <a:endParaRPr lang="fr-FR" sz="1400" dirty="0">
-              <a:effectLst/>
-              <a:latin typeface="Calibri" panose="020F0502020204030204" pitchFamily="34" charset="0"/>
-              <a:ea typeface="Calibri" panose="020F0502020204030204" pitchFamily="34" charset="0"/>
-              <a:cs typeface="Times New Roman" panose="02020603050405020304" pitchFamily="18" charset="0"/>
-            </a:endParaRPr>
-          </a:p>
-        </p:txBody>
-      </p:sp>
-      <p:pic>
-        <p:nvPicPr>
-          <p:cNvPr id="6" name="Image 5"/>
-          <p:cNvPicPr/>
-          <p:nvPr/>
-        </p:nvPicPr>
-        <p:blipFill rotWithShape="1">
-          <a:blip r:embed="rId3">
-            <a:extLst>
-              <a:ext uri="{28A0092B-C50C-407E-A947-70E740481C1C}">
-                <a14:useLocalDpi xmlns:a14="http://schemas.microsoft.com/office/drawing/2010/main" val="0"/>
-              </a:ext>
-            </a:extLst>
-          </a:blip>
-          <a:srcRect l="4497" t="3529" r="4497" b="5459"/>
-          <a:stretch/>
-        </p:blipFill>
-        <p:spPr>
-          <a:xfrm>
-            <a:off x="10388598" y="2867805"/>
-            <a:ext cx="1505527" cy="1426797"/>
-          </a:xfrm>
-          <a:prstGeom prst="rect">
-            <a:avLst/>
-          </a:prstGeom>
-        </p:spPr>
-      </p:pic>
-      <p:sp>
-        <p:nvSpPr>
-          <p:cNvPr id="7" name="Rectangle 6"/>
-          <p:cNvSpPr/>
-          <p:nvPr/>
-        </p:nvSpPr>
-        <p:spPr>
-          <a:xfrm>
-            <a:off x="838200" y="4328554"/>
-            <a:ext cx="3474027" cy="1878335"/>
-          </a:xfrm>
-          <a:prstGeom prst="rect">
-            <a:avLst/>
-          </a:prstGeom>
-        </p:spPr>
-        <p:txBody>
-          <a:bodyPr wrap="square">
-            <a:spAutoFit/>
-          </a:bodyPr>
-          <a:lstStyle/>
-          <a:p>
-            <a:pPr>
-              <a:lnSpc>
-                <a:spcPct val="107000"/>
-              </a:lnSpc>
-              <a:spcAft>
-                <a:spcPts val="800"/>
-              </a:spcAft>
-            </a:pPr>
-            <a:r>
-              <a:rPr lang="fr-FR" sz="1600" dirty="0">
-                <a:latin typeface="Calibri" panose="020F0502020204030204" pitchFamily="34" charset="0"/>
-                <a:ea typeface="SimSun" panose="02010600030101010101" pitchFamily="2" charset="-122"/>
-                <a:cs typeface="Times New Roman" panose="02020603050405020304" pitchFamily="18" charset="0"/>
-              </a:rPr>
-              <a:t>Un lecteur peut détecter 120 DAG / </a:t>
-            </a:r>
-            <a:r>
-              <a:rPr lang="fr-FR" sz="1600" dirty="0" smtClean="0">
-                <a:latin typeface="Calibri" panose="020F0502020204030204" pitchFamily="34" charset="0"/>
-                <a:ea typeface="SimSun" panose="02010600030101010101" pitchFamily="2" charset="-122"/>
-                <a:cs typeface="Times New Roman" panose="02020603050405020304" pitchFamily="18" charset="0"/>
-              </a:rPr>
-              <a:t>seconde.  </a:t>
-            </a:r>
-            <a:endParaRPr lang="fr-FR" sz="1400" dirty="0">
-              <a:latin typeface="Calibri" panose="020F0502020204030204" pitchFamily="34" charset="0"/>
-              <a:ea typeface="SimSun" panose="02010600030101010101" pitchFamily="2" charset="-122"/>
-              <a:cs typeface="Times New Roman" panose="02020603050405020304" pitchFamily="18" charset="0"/>
-            </a:endParaRPr>
-          </a:p>
-          <a:p>
-            <a:pPr>
-              <a:lnSpc>
-                <a:spcPct val="107000"/>
-              </a:lnSpc>
-              <a:spcAft>
-                <a:spcPts val="800"/>
-              </a:spcAft>
-            </a:pPr>
-            <a:r>
-              <a:rPr lang="fr-FR" sz="1600" dirty="0">
-                <a:latin typeface="Calibri" panose="020F0502020204030204" pitchFamily="34" charset="0"/>
-                <a:ea typeface="SimSun" panose="02010600030101010101" pitchFamily="2" charset="-122"/>
-                <a:cs typeface="Times New Roman" panose="02020603050405020304" pitchFamily="18" charset="0"/>
-              </a:rPr>
-              <a:t>Un lecteur peut être branché sur tous les types </a:t>
-            </a:r>
-            <a:r>
-              <a:rPr lang="fr-FR" sz="1600" dirty="0" smtClean="0">
-                <a:latin typeface="Calibri" panose="020F0502020204030204" pitchFamily="34" charset="0"/>
-                <a:ea typeface="SimSun" panose="02010600030101010101" pitchFamily="2" charset="-122"/>
-                <a:cs typeface="Times New Roman" panose="02020603050405020304" pitchFamily="18" charset="0"/>
-              </a:rPr>
-              <a:t>d’antennes. </a:t>
-            </a:r>
-            <a:endParaRPr lang="fr-FR" sz="1400" dirty="0">
-              <a:latin typeface="Calibri" panose="020F0502020204030204" pitchFamily="34" charset="0"/>
-              <a:ea typeface="SimSun" panose="02010600030101010101" pitchFamily="2" charset="-122"/>
-              <a:cs typeface="Times New Roman" panose="02020603050405020304" pitchFamily="18" charset="0"/>
-            </a:endParaRPr>
-          </a:p>
-          <a:p>
-            <a:pPr>
-              <a:lnSpc>
-                <a:spcPct val="107000"/>
-              </a:lnSpc>
-              <a:spcAft>
-                <a:spcPts val="800"/>
-              </a:spcAft>
-            </a:pPr>
-            <a:r>
-              <a:rPr lang="fr-FR" sz="1600" dirty="0">
-                <a:latin typeface="Calibri" panose="020F0502020204030204" pitchFamily="34" charset="0"/>
-                <a:ea typeface="SimSun" panose="02010600030101010101" pitchFamily="2" charset="-122"/>
-                <a:cs typeface="Times New Roman" panose="02020603050405020304" pitchFamily="18" charset="0"/>
-              </a:rPr>
-              <a:t>Les lecteurs DAG System sont conçu pour lire uniquement les </a:t>
-            </a:r>
-            <a:r>
-              <a:rPr lang="fr-FR" sz="1600" dirty="0" err="1">
-                <a:latin typeface="Calibri" panose="020F0502020204030204" pitchFamily="34" charset="0"/>
-                <a:ea typeface="SimSun" panose="02010600030101010101" pitchFamily="2" charset="-122"/>
-                <a:cs typeface="Times New Roman" panose="02020603050405020304" pitchFamily="18" charset="0"/>
-              </a:rPr>
-              <a:t>DAGs</a:t>
-            </a:r>
-            <a:r>
-              <a:rPr lang="fr-FR" sz="1600" dirty="0">
-                <a:latin typeface="Calibri" panose="020F0502020204030204" pitchFamily="34" charset="0"/>
-                <a:ea typeface="SimSun" panose="02010600030101010101" pitchFamily="2" charset="-122"/>
-                <a:cs typeface="Times New Roman" panose="02020603050405020304" pitchFamily="18" charset="0"/>
-              </a:rPr>
-              <a:t>.</a:t>
-            </a:r>
-            <a:endParaRPr lang="fr-FR" sz="1400" dirty="0">
-              <a:effectLst/>
-              <a:latin typeface="Calibri" panose="020F0502020204030204" pitchFamily="34" charset="0"/>
-              <a:ea typeface="SimSun" panose="02010600030101010101" pitchFamily="2" charset="-122"/>
-              <a:cs typeface="Times New Roman" panose="02020603050405020304" pitchFamily="18" charset="0"/>
-            </a:endParaRPr>
-          </a:p>
-        </p:txBody>
-      </p:sp>
-      <p:pic>
-        <p:nvPicPr>
-          <p:cNvPr id="8" name="Image 7"/>
-          <p:cNvPicPr/>
-          <p:nvPr/>
-        </p:nvPicPr>
-        <p:blipFill rotWithShape="1">
-          <a:blip r:embed="rId4">
-            <a:extLst>
-              <a:ext uri="{28A0092B-C50C-407E-A947-70E740481C1C}">
-                <a14:useLocalDpi xmlns:a14="http://schemas.microsoft.com/office/drawing/2010/main" val="0"/>
-              </a:ext>
-            </a:extLst>
-          </a:blip>
-          <a:srcRect l="2692" t="1251" r="5783" b="5113"/>
-          <a:stretch/>
-        </p:blipFill>
-        <p:spPr>
-          <a:xfrm>
-            <a:off x="4533900" y="4649113"/>
-            <a:ext cx="1570183" cy="1382423"/>
-          </a:xfrm>
-          <a:prstGeom prst="rect">
-            <a:avLst/>
-          </a:prstGeom>
-        </p:spPr>
-      </p:pic>
-      <p:sp>
-        <p:nvSpPr>
           <p:cNvPr id="9" name="ZoneTexte 8"/>
           <p:cNvSpPr txBox="1"/>
           <p:nvPr/>
         </p:nvSpPr>
         <p:spPr>
           <a:xfrm>
-            <a:off x="7620000" y="2336800"/>
-            <a:ext cx="4451927" cy="4350327"/>
+            <a:off x="6720608" y="4950890"/>
+            <a:ext cx="1715655" cy="1200329"/>
           </a:xfrm>
           <a:prstGeom prst="rect">
             <a:avLst/>
           </a:prstGeom>
           <a:noFill/>
-          <a:ln>
-            <a:solidFill>
-              <a:schemeClr val="tx1"/>
-            </a:solidFill>
-          </a:ln>
         </p:spPr>
         <p:txBody>
           <a:bodyPr wrap="square" rtlCol="0">
@@ -7289,76 +7515,203 @@
           </a:bodyPr>
           <a:lstStyle/>
           <a:p>
-            <a:endParaRPr lang="fr-FR" dirty="0"/>
-          </a:p>
-        </p:txBody>
-      </p:sp>
-      <p:sp>
-        <p:nvSpPr>
-          <p:cNvPr id="10" name="ZoneTexte 9"/>
-          <p:cNvSpPr txBox="1"/>
+            <a:pPr algn="r"/>
+            <a:r>
+              <a:rPr lang="fr-FR" dirty="0"/>
+              <a:t>STX : 0x00</a:t>
+            </a:r>
+          </a:p>
+          <a:p>
+            <a:pPr algn="r"/>
+            <a:r>
+              <a:rPr lang="fr-FR" dirty="0"/>
+              <a:t>TAB : 0x09</a:t>
+            </a:r>
+          </a:p>
+          <a:p>
+            <a:pPr algn="r"/>
+            <a:r>
+              <a:rPr lang="fr-FR" dirty="0"/>
+              <a:t>CR : 0x00</a:t>
+            </a:r>
+          </a:p>
+          <a:p>
+            <a:pPr algn="r"/>
+            <a:r>
+              <a:rPr lang="fr-FR" dirty="0"/>
+              <a:t>SPACE : 0x20</a:t>
+            </a:r>
+          </a:p>
+        </p:txBody>
+      </p:sp>
+      <p:sp>
+        <p:nvSpPr>
+          <p:cNvPr id="10" name="Flèche à angle droit 9"/>
+          <p:cNvSpPr/>
           <p:nvPr/>
         </p:nvSpPr>
         <p:spPr>
-          <a:xfrm>
-            <a:off x="711200" y="1764145"/>
-            <a:ext cx="6659418" cy="2355273"/>
-          </a:xfrm>
-          <a:prstGeom prst="rect">
+          <a:xfrm rot="5400000" flipV="1">
+            <a:off x="7027424" y="5581366"/>
+            <a:ext cx="225138" cy="202622"/>
+          </a:xfrm>
+          <a:prstGeom prst="bentUpArrow">
+            <a:avLst>
+              <a:gd name="adj1" fmla="val 20897"/>
+              <a:gd name="adj2" fmla="val 29103"/>
+              <a:gd name="adj3" fmla="val 29103"/>
+            </a:avLst>
+          </a:prstGeom>
+        </p:spPr>
+        <p:style>
+          <a:lnRef idx="2">
+            <a:schemeClr val="dk1">
+              <a:shade val="50000"/>
+            </a:schemeClr>
+          </a:lnRef>
+          <a:fillRef idx="1">
+            <a:schemeClr val="dk1"/>
+          </a:fillRef>
+          <a:effectRef idx="0">
+            <a:schemeClr val="dk1"/>
+          </a:effectRef>
+          <a:fontRef idx="minor">
+            <a:schemeClr val="lt1"/>
+          </a:fontRef>
+        </p:style>
+        <p:txBody>
+          <a:bodyPr rtlCol="0" anchor="ctr"/>
+          <a:lstStyle/>
+          <a:p>
+            <a:pPr algn="ctr"/>
+            <a:endParaRPr lang="fr-FR"/>
+          </a:p>
+        </p:txBody>
+      </p:sp>
+      <p:sp>
+        <p:nvSpPr>
+          <p:cNvPr id="11" name="Flèche droite 10"/>
+          <p:cNvSpPr/>
+          <p:nvPr/>
+        </p:nvSpPr>
+        <p:spPr>
+          <a:xfrm>
+            <a:off x="7038112" y="5340703"/>
+            <a:ext cx="237837" cy="127224"/>
+          </a:xfrm>
+          <a:prstGeom prst="rightArrow">
             <a:avLst/>
           </a:prstGeom>
-          <a:noFill/>
-          <a:ln>
-            <a:solidFill>
-              <a:schemeClr val="tx1"/>
-            </a:solidFill>
-          </a:ln>
-        </p:spPr>
-        <p:txBody>
-          <a:bodyPr wrap="square" rtlCol="0">
-            <a:spAutoFit/>
-          </a:bodyPr>
-          <a:lstStyle/>
-          <a:p>
-            <a:endParaRPr lang="fr-FR" dirty="0"/>
-          </a:p>
-        </p:txBody>
-      </p:sp>
-      <p:sp>
-        <p:nvSpPr>
-          <p:cNvPr id="11" name="ZoneTexte 10"/>
-          <p:cNvSpPr txBox="1"/>
+        </p:spPr>
+        <p:style>
+          <a:lnRef idx="2">
+            <a:schemeClr val="dk1">
+              <a:shade val="50000"/>
+            </a:schemeClr>
+          </a:lnRef>
+          <a:fillRef idx="1">
+            <a:schemeClr val="dk1"/>
+          </a:fillRef>
+          <a:effectRef idx="0">
+            <a:schemeClr val="dk1"/>
+          </a:effectRef>
+          <a:fontRef idx="minor">
+            <a:schemeClr val="lt1"/>
+          </a:fontRef>
+        </p:style>
+        <p:txBody>
+          <a:bodyPr rtlCol="0" anchor="ctr"/>
+          <a:lstStyle/>
+          <a:p>
+            <a:pPr algn="ctr"/>
+            <a:endParaRPr lang="fr-FR"/>
+          </a:p>
+        </p:txBody>
+      </p:sp>
+      <p:sp>
+        <p:nvSpPr>
+          <p:cNvPr id="12" name="Flèche à angle droit 11"/>
+          <p:cNvSpPr/>
           <p:nvPr/>
         </p:nvSpPr>
         <p:spPr>
-          <a:xfrm>
-            <a:off x="711200" y="4328554"/>
-            <a:ext cx="5800436" cy="2090719"/>
-          </a:xfrm>
-          <a:prstGeom prst="rect">
+          <a:xfrm rot="5400000">
+            <a:off x="7056583" y="5039594"/>
+            <a:ext cx="192807" cy="192809"/>
+          </a:xfrm>
+          <a:prstGeom prst="bentUpArrow">
             <a:avLst/>
           </a:prstGeom>
-          <a:noFill/>
-          <a:ln>
-            <a:solidFill>
-              <a:schemeClr val="tx1"/>
-            </a:solidFill>
-          </a:ln>
-        </p:spPr>
-        <p:txBody>
-          <a:bodyPr wrap="square" rtlCol="0">
-            <a:spAutoFit/>
-          </a:bodyPr>
-          <a:lstStyle/>
-          <a:p>
-            <a:endParaRPr lang="fr-FR" dirty="0"/>
+        </p:spPr>
+        <p:style>
+          <a:lnRef idx="2">
+            <a:schemeClr val="dk1">
+              <a:shade val="50000"/>
+            </a:schemeClr>
+          </a:lnRef>
+          <a:fillRef idx="1">
+            <a:schemeClr val="dk1"/>
+          </a:fillRef>
+          <a:effectRef idx="0">
+            <a:schemeClr val="dk1"/>
+          </a:effectRef>
+          <a:fontRef idx="minor">
+            <a:schemeClr val="lt1"/>
+          </a:fontRef>
+        </p:style>
+        <p:txBody>
+          <a:bodyPr rtlCol="0" anchor="ctr"/>
+          <a:lstStyle/>
+          <a:p>
+            <a:pPr algn="ctr"/>
+            <a:endParaRPr lang="fr-FR"/>
+          </a:p>
+        </p:txBody>
+      </p:sp>
+      <p:sp>
+        <p:nvSpPr>
+          <p:cNvPr id="13" name="Flèche vers le bas 12"/>
+          <p:cNvSpPr/>
+          <p:nvPr/>
+        </p:nvSpPr>
+        <p:spPr>
+          <a:xfrm>
+            <a:off x="6987308" y="5883377"/>
+            <a:ext cx="80819" cy="179711"/>
+          </a:xfrm>
+          <a:prstGeom prst="downArrow">
+            <a:avLst/>
+          </a:prstGeom>
+        </p:spPr>
+        <p:style>
+          <a:lnRef idx="2">
+            <a:schemeClr val="dk1">
+              <a:shade val="50000"/>
+            </a:schemeClr>
+          </a:lnRef>
+          <a:fillRef idx="1">
+            <a:schemeClr val="dk1"/>
+          </a:fillRef>
+          <a:effectRef idx="0">
+            <a:schemeClr val="dk1"/>
+          </a:effectRef>
+          <a:fontRef idx="minor">
+            <a:schemeClr val="lt1"/>
+          </a:fontRef>
+        </p:style>
+        <p:txBody>
+          <a:bodyPr rtlCol="0" anchor="ctr"/>
+          <a:lstStyle/>
+          <a:p>
+            <a:pPr algn="ctr"/>
+            <a:endParaRPr lang="fr-FR"/>
           </a:p>
         </p:txBody>
       </p:sp>
     </p:spTree>
     <p:extLst>
       <p:ext uri="{BB962C8B-B14F-4D97-AF65-F5344CB8AC3E}">
-        <p14:creationId xmlns:p14="http://schemas.microsoft.com/office/powerpoint/2010/main" val="2600805086"/>
+        <p14:creationId xmlns:p14="http://schemas.microsoft.com/office/powerpoint/2010/main" val="4282450701"/>
       </p:ext>
     </p:extLst>
   </p:cSld>
@@ -7374,9 +7727,9 @@
     <p:bg>
       <p:bgPr>
         <a:solidFill>
-          <a:schemeClr val="accent2">
-            <a:lumMod val="40000"/>
-            <a:lumOff val="60000"/>
+          <a:schemeClr val="accent6">
+            <a:lumMod val="20000"/>
+            <a:lumOff val="80000"/>
           </a:schemeClr>
         </a:solidFill>
         <a:effectLst/>
@@ -7406,434 +7759,162 @@
             <p:ph type="title"/>
           </p:nvPr>
         </p:nvSpPr>
-        <p:spPr>
-          <a:xfrm>
-            <a:off x="838200" y="0"/>
-            <a:ext cx="10515600" cy="864211"/>
-          </a:xfrm>
-        </p:spPr>
+        <p:spPr/>
+        <p:txBody>
+          <a:bodyPr/>
+          <a:lstStyle/>
+          <a:p>
+            <a:r>
+              <a:rPr lang="fr-FR" dirty="0">
+                <a:solidFill>
+                  <a:schemeClr val="accent6">
+                    <a:lumMod val="75000"/>
+                  </a:schemeClr>
+                </a:solidFill>
+              </a:rPr>
+              <a:t>Etudiant 3 : </a:t>
+            </a:r>
+            <a:r>
+              <a:rPr lang="fr-FR" dirty="0" err="1">
+                <a:solidFill>
+                  <a:schemeClr val="accent6">
+                    <a:lumMod val="75000"/>
+                  </a:schemeClr>
+                </a:solidFill>
+              </a:rPr>
+              <a:t>Lapraye</a:t>
+            </a:r>
+            <a:r>
+              <a:rPr lang="fr-FR" dirty="0">
+                <a:solidFill>
+                  <a:schemeClr val="accent6">
+                    <a:lumMod val="75000"/>
+                  </a:schemeClr>
+                </a:solidFill>
+              </a:rPr>
+              <a:t> Serge</a:t>
+            </a:r>
+          </a:p>
+        </p:txBody>
+      </p:sp>
+      <p:sp>
+        <p:nvSpPr>
+          <p:cNvPr id="3" name="Espace réservé du contenu 2"/>
+          <p:cNvSpPr>
+            <a:spLocks noGrp="1"/>
+          </p:cNvSpPr>
+          <p:nvPr>
+            <p:ph idx="1"/>
+          </p:nvPr>
+        </p:nvSpPr>
+        <p:spPr/>
         <p:txBody>
           <a:bodyPr>
-            <a:normAutofit/>
+            <a:normAutofit fontScale="92500" lnSpcReduction="20000"/>
           </a:bodyPr>
           <a:lstStyle/>
           <a:p>
             <a:r>
-              <a:rPr lang="fr-FR" sz="2800" dirty="0"/>
-              <a:t>2) Boite noire</a:t>
-            </a:r>
-            <a:br>
-              <a:rPr lang="fr-FR" sz="2800" dirty="0"/>
-            </a:br>
-            <a:r>
-              <a:rPr lang="fr-FR" sz="2800" dirty="0"/>
-              <a:t>	</a:t>
-            </a:r>
-            <a:r>
-              <a:rPr lang="fr-FR" sz="2400" dirty="0"/>
-              <a:t>a) Principe de fonctionnement</a:t>
-            </a:r>
-            <a:endParaRPr lang="fr-FR" sz="2800" dirty="0"/>
-          </a:p>
-        </p:txBody>
-      </p:sp>
-      <p:pic>
-        <p:nvPicPr>
-          <p:cNvPr id="4" name="Image 3"/>
-          <p:cNvPicPr/>
-          <p:nvPr/>
-        </p:nvPicPr>
-        <p:blipFill>
-          <a:blip r:embed="rId2"/>
-          <a:stretch>
-            <a:fillRect/>
-          </a:stretch>
-        </p:blipFill>
-        <p:spPr>
-          <a:xfrm>
-            <a:off x="90076" y="864211"/>
-            <a:ext cx="6426489" cy="5703367"/>
-          </a:xfrm>
-          <a:prstGeom prst="rect">
-            <a:avLst/>
-          </a:prstGeom>
-        </p:spPr>
-      </p:pic>
-      <p:sp>
-        <p:nvSpPr>
-          <p:cNvPr id="5" name="Rectangle 4"/>
-          <p:cNvSpPr/>
-          <p:nvPr/>
-        </p:nvSpPr>
-        <p:spPr>
-          <a:xfrm>
-            <a:off x="90076" y="4119418"/>
-            <a:ext cx="1415473" cy="1431637"/>
-          </a:xfrm>
-          <a:prstGeom prst="rect">
-            <a:avLst/>
-          </a:prstGeom>
-          <a:solidFill>
-            <a:schemeClr val="bg1"/>
-          </a:solidFill>
-          <a:ln>
-            <a:solidFill>
-              <a:schemeClr val="bg1"/>
-            </a:solidFill>
-          </a:ln>
-        </p:spPr>
-        <p:style>
-          <a:lnRef idx="2">
-            <a:schemeClr val="accent1">
-              <a:shade val="50000"/>
-            </a:schemeClr>
-          </a:lnRef>
-          <a:fillRef idx="1">
-            <a:schemeClr val="accent1"/>
-          </a:fillRef>
-          <a:effectRef idx="0">
-            <a:schemeClr val="accent1"/>
-          </a:effectRef>
-          <a:fontRef idx="minor">
-            <a:schemeClr val="lt1"/>
-          </a:fontRef>
-        </p:style>
-        <p:txBody>
-          <a:bodyPr rtlCol="0" anchor="ctr"/>
-          <a:lstStyle/>
-          <a:p>
-            <a:pPr algn="ctr"/>
-            <a:endParaRPr lang="fr-FR"/>
-          </a:p>
-        </p:txBody>
-      </p:sp>
-      <p:sp>
-        <p:nvSpPr>
-          <p:cNvPr id="6" name="Rectangle 5"/>
-          <p:cNvSpPr/>
-          <p:nvPr/>
-        </p:nvSpPr>
-        <p:spPr>
-          <a:xfrm>
-            <a:off x="1505549" y="4424218"/>
-            <a:ext cx="323272" cy="203200"/>
-          </a:xfrm>
-          <a:prstGeom prst="rect">
-            <a:avLst/>
-          </a:prstGeom>
-          <a:solidFill>
-            <a:schemeClr val="bg1"/>
-          </a:solidFill>
-          <a:ln>
-            <a:solidFill>
-              <a:schemeClr val="bg1"/>
-            </a:solidFill>
-          </a:ln>
-        </p:spPr>
-        <p:style>
-          <a:lnRef idx="2">
-            <a:schemeClr val="accent1">
-              <a:shade val="50000"/>
-            </a:schemeClr>
-          </a:lnRef>
-          <a:fillRef idx="1">
-            <a:schemeClr val="accent1"/>
-          </a:fillRef>
-          <a:effectRef idx="0">
-            <a:schemeClr val="accent1"/>
-          </a:effectRef>
-          <a:fontRef idx="minor">
-            <a:schemeClr val="lt1"/>
-          </a:fontRef>
-        </p:style>
-        <p:txBody>
-          <a:bodyPr rtlCol="0" anchor="ctr"/>
-          <a:lstStyle/>
-          <a:p>
-            <a:pPr algn="ctr"/>
-            <a:endParaRPr lang="fr-FR"/>
-          </a:p>
-        </p:txBody>
-      </p:sp>
-      <p:sp>
-        <p:nvSpPr>
-          <p:cNvPr id="7" name="ZoneTexte 6"/>
-          <p:cNvSpPr txBox="1"/>
-          <p:nvPr/>
-        </p:nvSpPr>
-        <p:spPr>
-          <a:xfrm>
-            <a:off x="6680200" y="843720"/>
-            <a:ext cx="3814619" cy="1200329"/>
-          </a:xfrm>
-          <a:prstGeom prst="rect">
-            <a:avLst/>
-          </a:prstGeom>
-          <a:noFill/>
-        </p:spPr>
-        <p:txBody>
-          <a:bodyPr wrap="square" rtlCol="0">
-            <a:spAutoFit/>
-          </a:bodyPr>
-          <a:lstStyle/>
-          <a:p>
-            <a:r>
-              <a:rPr lang="fr-FR" dirty="0" smtClean="0"/>
-              <a:t>La boite noire possède ses propres méthodes qui renvoient des valeurs en hexadécimal. Voici un morceau de la documentation :</a:t>
-            </a:r>
-            <a:endParaRPr lang="fr-FR" dirty="0"/>
-          </a:p>
-        </p:txBody>
-      </p:sp>
-      <p:pic>
-        <p:nvPicPr>
-          <p:cNvPr id="8" name="Image 7"/>
-          <p:cNvPicPr>
-            <a:picLocks noChangeAspect="1"/>
-          </p:cNvPicPr>
-          <p:nvPr/>
-        </p:nvPicPr>
-        <p:blipFill rotWithShape="1">
-          <a:blip r:embed="rId3" cstate="print">
-            <a:extLst>
-              <a:ext uri="{28A0092B-C50C-407E-A947-70E740481C1C}">
-                <a14:useLocalDpi xmlns:a14="http://schemas.microsoft.com/office/drawing/2010/main" val="0"/>
-              </a:ext>
-            </a:extLst>
-          </a:blip>
-          <a:srcRect t="15623" r="48923" b="8687"/>
-          <a:stretch/>
-        </p:blipFill>
-        <p:spPr>
-          <a:xfrm rot="16200000">
-            <a:off x="8020766" y="703484"/>
-            <a:ext cx="2747540" cy="5428672"/>
-          </a:xfrm>
-          <a:prstGeom prst="rect">
-            <a:avLst/>
-          </a:prstGeom>
-        </p:spPr>
-      </p:pic>
-      <p:sp>
-        <p:nvSpPr>
-          <p:cNvPr id="9" name="ZoneTexte 8"/>
-          <p:cNvSpPr txBox="1"/>
-          <p:nvPr/>
-        </p:nvSpPr>
-        <p:spPr>
-          <a:xfrm>
-            <a:off x="6720608" y="4950890"/>
-            <a:ext cx="1715655" cy="1200329"/>
-          </a:xfrm>
-          <a:prstGeom prst="rect">
-            <a:avLst/>
-          </a:prstGeom>
-          <a:noFill/>
-        </p:spPr>
-        <p:txBody>
-          <a:bodyPr wrap="square" rtlCol="0">
-            <a:spAutoFit/>
-          </a:bodyPr>
-          <a:lstStyle/>
-          <a:p>
-            <a:pPr algn="r"/>
-            <a:r>
-              <a:rPr lang="fr-FR" dirty="0" smtClean="0"/>
-              <a:t>STX : 0x00</a:t>
-            </a:r>
-          </a:p>
-          <a:p>
-            <a:pPr algn="r"/>
-            <a:r>
-              <a:rPr lang="fr-FR" dirty="0" smtClean="0"/>
-              <a:t>TAB : 0x09</a:t>
-            </a:r>
-          </a:p>
-          <a:p>
-            <a:pPr algn="r"/>
-            <a:r>
-              <a:rPr lang="fr-FR" dirty="0" smtClean="0"/>
-              <a:t>CR : 0x00</a:t>
-            </a:r>
-          </a:p>
-          <a:p>
-            <a:pPr algn="r"/>
-            <a:r>
-              <a:rPr lang="fr-FR" dirty="0" smtClean="0"/>
-              <a:t>SPACE : 0x20</a:t>
-            </a:r>
-            <a:endParaRPr lang="fr-FR" dirty="0"/>
-          </a:p>
-        </p:txBody>
-      </p:sp>
-      <p:sp>
-        <p:nvSpPr>
-          <p:cNvPr id="10" name="Flèche à angle droit 9"/>
-          <p:cNvSpPr/>
-          <p:nvPr/>
-        </p:nvSpPr>
-        <p:spPr>
-          <a:xfrm rot="5400000" flipV="1">
-            <a:off x="7027424" y="5581366"/>
-            <a:ext cx="225138" cy="202622"/>
-          </a:xfrm>
-          <a:prstGeom prst="bentUpArrow">
-            <a:avLst>
-              <a:gd name="adj1" fmla="val 20897"/>
-              <a:gd name="adj2" fmla="val 29103"/>
-              <a:gd name="adj3" fmla="val 29103"/>
-            </a:avLst>
-          </a:prstGeom>
-        </p:spPr>
-        <p:style>
-          <a:lnRef idx="2">
-            <a:schemeClr val="dk1">
-              <a:shade val="50000"/>
-            </a:schemeClr>
-          </a:lnRef>
-          <a:fillRef idx="1">
-            <a:schemeClr val="dk1"/>
-          </a:fillRef>
-          <a:effectRef idx="0">
-            <a:schemeClr val="dk1"/>
-          </a:effectRef>
-          <a:fontRef idx="minor">
-            <a:schemeClr val="lt1"/>
-          </a:fontRef>
-        </p:style>
-        <p:txBody>
-          <a:bodyPr rtlCol="0" anchor="ctr"/>
-          <a:lstStyle/>
-          <a:p>
-            <a:pPr algn="ctr"/>
-            <a:endParaRPr lang="fr-FR"/>
-          </a:p>
-        </p:txBody>
-      </p:sp>
-      <p:sp>
-        <p:nvSpPr>
-          <p:cNvPr id="11" name="Flèche droite 10"/>
-          <p:cNvSpPr/>
-          <p:nvPr/>
-        </p:nvSpPr>
-        <p:spPr>
-          <a:xfrm>
-            <a:off x="7038112" y="5340703"/>
-            <a:ext cx="237837" cy="127224"/>
-          </a:xfrm>
-          <a:prstGeom prst="rightArrow">
-            <a:avLst/>
-          </a:prstGeom>
-        </p:spPr>
-        <p:style>
-          <a:lnRef idx="2">
-            <a:schemeClr val="dk1">
-              <a:shade val="50000"/>
-            </a:schemeClr>
-          </a:lnRef>
-          <a:fillRef idx="1">
-            <a:schemeClr val="dk1"/>
-          </a:fillRef>
-          <a:effectRef idx="0">
-            <a:schemeClr val="dk1"/>
-          </a:effectRef>
-          <a:fontRef idx="minor">
-            <a:schemeClr val="lt1"/>
-          </a:fontRef>
-        </p:style>
-        <p:txBody>
-          <a:bodyPr rtlCol="0" anchor="ctr"/>
-          <a:lstStyle/>
-          <a:p>
-            <a:pPr algn="ctr"/>
-            <a:endParaRPr lang="fr-FR"/>
-          </a:p>
-        </p:txBody>
-      </p:sp>
-      <p:sp>
-        <p:nvSpPr>
-          <p:cNvPr id="12" name="Flèche à angle droit 11"/>
-          <p:cNvSpPr/>
-          <p:nvPr/>
-        </p:nvSpPr>
-        <p:spPr>
-          <a:xfrm rot="5400000">
-            <a:off x="7056583" y="5039594"/>
-            <a:ext cx="192807" cy="192809"/>
-          </a:xfrm>
-          <a:prstGeom prst="bentUpArrow">
-            <a:avLst/>
-          </a:prstGeom>
-        </p:spPr>
-        <p:style>
-          <a:lnRef idx="2">
-            <a:schemeClr val="dk1">
-              <a:shade val="50000"/>
-            </a:schemeClr>
-          </a:lnRef>
-          <a:fillRef idx="1">
-            <a:schemeClr val="dk1"/>
-          </a:fillRef>
-          <a:effectRef idx="0">
-            <a:schemeClr val="dk1"/>
-          </a:effectRef>
-          <a:fontRef idx="minor">
-            <a:schemeClr val="lt1"/>
-          </a:fontRef>
-        </p:style>
-        <p:txBody>
-          <a:bodyPr rtlCol="0" anchor="ctr"/>
-          <a:lstStyle/>
-          <a:p>
-            <a:pPr algn="ctr"/>
-            <a:endParaRPr lang="fr-FR"/>
-          </a:p>
-        </p:txBody>
-      </p:sp>
-      <p:sp>
-        <p:nvSpPr>
-          <p:cNvPr id="13" name="Flèche vers le bas 12"/>
-          <p:cNvSpPr/>
-          <p:nvPr/>
-        </p:nvSpPr>
-        <p:spPr>
-          <a:xfrm>
-            <a:off x="6987308" y="5883377"/>
-            <a:ext cx="80819" cy="179711"/>
-          </a:xfrm>
-          <a:prstGeom prst="downArrow">
-            <a:avLst/>
-          </a:prstGeom>
-        </p:spPr>
-        <p:style>
-          <a:lnRef idx="2">
-            <a:schemeClr val="dk1">
-              <a:shade val="50000"/>
-            </a:schemeClr>
-          </a:lnRef>
-          <a:fillRef idx="1">
-            <a:schemeClr val="dk1"/>
-          </a:fillRef>
-          <a:effectRef idx="0">
-            <a:schemeClr val="dk1"/>
-          </a:effectRef>
-          <a:fontRef idx="minor">
-            <a:schemeClr val="lt1"/>
-          </a:fontRef>
-        </p:style>
-        <p:txBody>
-          <a:bodyPr rtlCol="0" anchor="ctr"/>
-          <a:lstStyle/>
-          <a:p>
-            <a:pPr algn="ctr"/>
-            <a:endParaRPr lang="fr-FR"/>
+              <a:rPr lang="fr-FR" dirty="0"/>
+              <a:t>I) Analyse complète du système</a:t>
+            </a:r>
+          </a:p>
+          <a:p>
+            <a:pPr lvl="1"/>
+            <a:r>
+              <a:rPr lang="fr-FR" dirty="0"/>
+              <a:t>1) Diagramme de cas d’utilisation</a:t>
+            </a:r>
+          </a:p>
+          <a:p>
+            <a:pPr lvl="1"/>
+            <a:r>
+              <a:rPr lang="fr-FR" dirty="0"/>
+              <a:t>2) Scénario</a:t>
+            </a:r>
+          </a:p>
+          <a:p>
+            <a:pPr lvl="1"/>
+            <a:r>
+              <a:rPr lang="fr-FR" dirty="0"/>
+              <a:t>3) Diagramme de séquence</a:t>
+            </a:r>
+          </a:p>
+          <a:p>
+            <a:pPr lvl="2"/>
+            <a:r>
+              <a:rPr lang="fr-FR" dirty="0"/>
+              <a:t>a) Affichage des infos en temps réels</a:t>
+            </a:r>
+          </a:p>
+          <a:p>
+            <a:pPr lvl="2"/>
+            <a:r>
+              <a:rPr lang="fr-FR" dirty="0"/>
+              <a:t>b) Switch de page de par le C++</a:t>
+            </a:r>
+          </a:p>
+          <a:p>
+            <a:r>
+              <a:rPr lang="fr-FR" dirty="0"/>
+              <a:t>II) Etude physique du WI-FI</a:t>
+            </a:r>
+          </a:p>
+          <a:p>
+            <a:pPr lvl="1"/>
+            <a:r>
+              <a:rPr lang="fr-FR" dirty="0"/>
+              <a:t>1) Fonctionnement</a:t>
+            </a:r>
+          </a:p>
+          <a:p>
+            <a:pPr lvl="2"/>
+            <a:r>
+              <a:rPr lang="fr-FR" dirty="0"/>
+              <a:t>a) Introduction du wifi</a:t>
+            </a:r>
+          </a:p>
+          <a:p>
+            <a:pPr lvl="2"/>
+            <a:r>
+              <a:rPr lang="fr-FR" dirty="0"/>
+              <a:t>b) Principe du wifi</a:t>
+            </a:r>
+          </a:p>
+          <a:p>
+            <a:pPr lvl="2"/>
+            <a:r>
+              <a:rPr lang="fr-FR" dirty="0"/>
+              <a:t>c) Principes de fonctionnements</a:t>
+            </a:r>
+          </a:p>
+          <a:p>
+            <a:pPr lvl="1"/>
+            <a:r>
+              <a:rPr lang="fr-FR" dirty="0"/>
+              <a:t>2) Utilisation et choix du WI-FI</a:t>
+            </a:r>
+          </a:p>
+          <a:p>
+            <a:pPr lvl="2"/>
+            <a:r>
+              <a:rPr lang="fr-FR" dirty="0"/>
+              <a:t>a) Utilisation précise du wifi</a:t>
+            </a:r>
+          </a:p>
+          <a:p>
+            <a:pPr lvl="2"/>
+            <a:r>
+              <a:rPr lang="fr-FR" dirty="0"/>
+              <a:t>b) Le choix du wifi</a:t>
+            </a:r>
           </a:p>
         </p:txBody>
       </p:sp>
     </p:spTree>
     <p:extLst>
       <p:ext uri="{BB962C8B-B14F-4D97-AF65-F5344CB8AC3E}">
-        <p14:creationId xmlns:p14="http://schemas.microsoft.com/office/powerpoint/2010/main" val="4282450701"/>
+        <p14:creationId xmlns:p14="http://schemas.microsoft.com/office/powerpoint/2010/main" val="1010092771"/>
       </p:ext>
     </p:extLst>
   </p:cSld>
@@ -7986,162 +8067,72 @@
             <p:ph type="title"/>
           </p:nvPr>
         </p:nvSpPr>
-        <p:spPr/>
-        <p:txBody>
-          <a:bodyPr/>
-          <a:lstStyle/>
-          <a:p>
-            <a:r>
-              <a:rPr lang="fr-FR" dirty="0">
-                <a:solidFill>
-                  <a:schemeClr val="accent6">
-                    <a:lumMod val="75000"/>
-                  </a:schemeClr>
-                </a:solidFill>
-              </a:rPr>
-              <a:t>Etudiant 3 : </a:t>
-            </a:r>
-            <a:r>
-              <a:rPr lang="fr-FR" dirty="0" err="1">
-                <a:solidFill>
-                  <a:schemeClr val="accent6">
-                    <a:lumMod val="75000"/>
-                  </a:schemeClr>
-                </a:solidFill>
-              </a:rPr>
-              <a:t>Lapraye</a:t>
-            </a:r>
-            <a:r>
-              <a:rPr lang="fr-FR" dirty="0">
-                <a:solidFill>
-                  <a:schemeClr val="accent6">
-                    <a:lumMod val="75000"/>
-                  </a:schemeClr>
-                </a:solidFill>
-              </a:rPr>
-              <a:t> Serge</a:t>
-            </a:r>
-          </a:p>
-        </p:txBody>
-      </p:sp>
-      <p:sp>
-        <p:nvSpPr>
-          <p:cNvPr id="3" name="Espace réservé du contenu 2"/>
-          <p:cNvSpPr>
-            <a:spLocks noGrp="1"/>
-          </p:cNvSpPr>
-          <p:nvPr>
-            <p:ph idx="1"/>
-          </p:nvPr>
-        </p:nvSpPr>
-        <p:spPr/>
+        <p:spPr>
+          <a:xfrm>
+            <a:off x="838199" y="1"/>
+            <a:ext cx="10515600" cy="923192"/>
+          </a:xfrm>
+        </p:spPr>
         <p:txBody>
           <a:bodyPr>
-            <a:normAutofit fontScale="92500" lnSpcReduction="20000"/>
+            <a:noAutofit/>
           </a:bodyPr>
           <a:lstStyle/>
           <a:p>
-            <a:r>
-              <a:rPr lang="fr-FR" dirty="0"/>
+            <a:pPr algn="ctr"/>
+            <a:r>
+              <a:rPr lang="fr-FR" sz="3200" dirty="0"/>
               <a:t>I) Analyse complète du système</a:t>
             </a:r>
-          </a:p>
-          <a:p>
-            <a:pPr lvl="1"/>
-            <a:r>
-              <a:rPr lang="fr-FR" dirty="0"/>
+            <a:br>
+              <a:rPr lang="fr-FR" sz="4000" dirty="0"/>
+            </a:br>
+            <a:r>
+              <a:rPr lang="fr-FR" sz="3600" dirty="0"/>
+              <a:t>	</a:t>
+            </a:r>
+            <a:r>
+              <a:rPr lang="fr-FR" sz="2400" dirty="0"/>
               <a:t>1) Diagramme de cas d’utilisation</a:t>
             </a:r>
-          </a:p>
-          <a:p>
-            <a:pPr lvl="1"/>
-            <a:r>
-              <a:rPr lang="fr-FR" dirty="0"/>
-              <a:t>2) Scénario</a:t>
-            </a:r>
-          </a:p>
-          <a:p>
-            <a:pPr lvl="1"/>
-            <a:r>
-              <a:rPr lang="fr-FR" dirty="0"/>
-              <a:t>3) Diagramme de séquence</a:t>
-            </a:r>
-          </a:p>
-          <a:p>
-            <a:pPr lvl="2"/>
-            <a:r>
-              <a:rPr lang="fr-FR" dirty="0"/>
-              <a:t>a) Affichage des infos en temps réels</a:t>
-            </a:r>
-          </a:p>
-          <a:p>
-            <a:pPr lvl="2"/>
-            <a:r>
-              <a:rPr lang="fr-FR" dirty="0"/>
-              <a:t>b) Switch de page de par le C++</a:t>
-            </a:r>
-          </a:p>
-          <a:p>
-            <a:r>
-              <a:rPr lang="fr-FR" dirty="0"/>
-              <a:t>II) Etude physique du WI-FI</a:t>
-            </a:r>
-          </a:p>
-          <a:p>
-            <a:pPr lvl="1"/>
-            <a:r>
-              <a:rPr lang="fr-FR" dirty="0"/>
-              <a:t>1) Fonctionnement</a:t>
-            </a:r>
-          </a:p>
-          <a:p>
-            <a:pPr lvl="2"/>
-            <a:r>
-              <a:rPr lang="fr-FR" dirty="0"/>
-              <a:t>a) Introduction du wifi</a:t>
-            </a:r>
-          </a:p>
-          <a:p>
-            <a:pPr lvl="2"/>
-            <a:r>
-              <a:rPr lang="fr-FR" dirty="0"/>
-              <a:t>b) Principe du wifi</a:t>
-            </a:r>
-          </a:p>
-          <a:p>
-            <a:pPr lvl="2"/>
-            <a:r>
-              <a:rPr lang="fr-FR" dirty="0"/>
-              <a:t>c) Principes de fonctionnements</a:t>
-            </a:r>
-          </a:p>
-          <a:p>
-            <a:pPr lvl="1"/>
-            <a:r>
-              <a:rPr lang="fr-FR" dirty="0"/>
-              <a:t>2) Utilisation et choix du WI-FI</a:t>
-            </a:r>
-          </a:p>
-          <a:p>
-            <a:pPr lvl="2"/>
-            <a:r>
-              <a:rPr lang="fr-FR" dirty="0"/>
-              <a:t>a) Utilisation précise du wifi</a:t>
-            </a:r>
-          </a:p>
-          <a:p>
-            <a:pPr lvl="2"/>
-            <a:r>
-              <a:rPr lang="fr-FR" dirty="0"/>
-              <a:t>b) Le choix du wifi</a:t>
-            </a:r>
-          </a:p>
-        </p:txBody>
-      </p:sp>
+            <a:endParaRPr lang="fr-FR" sz="2800" dirty="0"/>
+          </a:p>
+        </p:txBody>
+      </p:sp>
+      <p:pic>
+        <p:nvPicPr>
+          <p:cNvPr id="3" name="Image 2"/>
+          <p:cNvPicPr>
+            <a:picLocks noChangeAspect="1"/>
+          </p:cNvPicPr>
+          <p:nvPr/>
+        </p:nvPicPr>
+        <p:blipFill>
+          <a:blip r:embed="rId2">
+            <a:extLst>
+              <a:ext uri="{28A0092B-C50C-407E-A947-70E740481C1C}">
+                <a14:useLocalDpi xmlns:a14="http://schemas.microsoft.com/office/drawing/2010/main" val="0"/>
+              </a:ext>
+            </a:extLst>
+          </a:blip>
+          <a:stretch>
+            <a:fillRect/>
+          </a:stretch>
+        </p:blipFill>
+        <p:spPr>
+          <a:xfrm>
+            <a:off x="2747662" y="1071418"/>
+            <a:ext cx="7569356" cy="5703455"/>
+          </a:xfrm>
+          <a:prstGeom prst="rect">
+            <a:avLst/>
+          </a:prstGeom>
+        </p:spPr>
+      </p:pic>
     </p:spTree>
     <p:extLst>
       <p:ext uri="{BB962C8B-B14F-4D97-AF65-F5344CB8AC3E}">
-        <p14:creationId xmlns:p14="http://schemas.microsoft.com/office/powerpoint/2010/main" val="1010092771"/>
+        <p14:creationId xmlns:p14="http://schemas.microsoft.com/office/powerpoint/2010/main" val="2859212620"/>
       </p:ext>
     </p:extLst>
   </p:cSld>
@@ -8152,6 +8143,85 @@
 </file>
 
 <file path=ppt/slides/slide31.xml><?xml version="1.0" encoding="utf-8"?>
+<p:sld xmlns:a="http://schemas.openxmlformats.org/drawingml/2006/main" xmlns:r="http://schemas.openxmlformats.org/officeDocument/2006/relationships" xmlns:p="http://schemas.openxmlformats.org/presentationml/2006/main">
+  <p:cSld>
+    <p:spTree>
+      <p:nvGrpSpPr>
+        <p:cNvPr id="1" name=""/>
+        <p:cNvGrpSpPr/>
+        <p:nvPr/>
+      </p:nvGrpSpPr>
+      <p:grpSpPr>
+        <a:xfrm>
+          <a:off x="0" y="0"/>
+          <a:ext cx="0" cy="0"/>
+          <a:chOff x="0" y="0"/>
+          <a:chExt cx="0" cy="0"/>
+        </a:xfrm>
+      </p:grpSpPr>
+      <p:sp>
+        <p:nvSpPr>
+          <p:cNvPr id="2" name="Titre 1"/>
+          <p:cNvSpPr>
+            <a:spLocks noGrp="1"/>
+          </p:cNvSpPr>
+          <p:nvPr>
+            <p:ph type="title"/>
+          </p:nvPr>
+        </p:nvSpPr>
+        <p:spPr>
+          <a:xfrm>
+            <a:off x="838200" y="0"/>
+            <a:ext cx="10515600" cy="487729"/>
+          </a:xfrm>
+        </p:spPr>
+        <p:txBody>
+          <a:bodyPr>
+            <a:normAutofit/>
+          </a:bodyPr>
+          <a:lstStyle/>
+          <a:p>
+            <a:pPr algn="ctr"/>
+            <a:r>
+              <a:rPr lang="fr-FR" sz="2800" dirty="0"/>
+              <a:t>2) Scénario</a:t>
+            </a:r>
+          </a:p>
+        </p:txBody>
+      </p:sp>
+      <p:sp>
+        <p:nvSpPr>
+          <p:cNvPr id="4" name="Espace réservé du contenu 3"/>
+          <p:cNvSpPr>
+            <a:spLocks noGrp="1"/>
+          </p:cNvSpPr>
+          <p:nvPr>
+            <p:ph idx="1"/>
+          </p:nvPr>
+        </p:nvSpPr>
+        <p:spPr/>
+        <p:txBody>
+          <a:bodyPr/>
+          <a:lstStyle/>
+          <a:p>
+            <a:endParaRPr lang="fr-FR"/>
+          </a:p>
+        </p:txBody>
+      </p:sp>
+    </p:spTree>
+    <p:extLst>
+      <p:ext uri="{BB962C8B-B14F-4D97-AF65-F5344CB8AC3E}">
+        <p14:creationId xmlns:p14="http://schemas.microsoft.com/office/powerpoint/2010/main" val="266929531"/>
+      </p:ext>
+    </p:extLst>
+  </p:cSld>
+  <p:clrMapOvr>
+    <a:masterClrMapping/>
+  </p:clrMapOvr>
+</p:sld>
+</file>
+
+<file path=ppt/slides/slide32.xml><?xml version="1.0" encoding="utf-8"?>
 <p:sld xmlns:a="http://schemas.openxmlformats.org/drawingml/2006/main" xmlns:r="http://schemas.openxmlformats.org/officeDocument/2006/relationships" xmlns:p="http://schemas.openxmlformats.org/presentationml/2006/main">
   <p:cSld>
     <p:bg>
@@ -8191,43 +8261,57 @@
         </p:nvSpPr>
         <p:spPr>
           <a:xfrm>
-            <a:off x="838199" y="1"/>
-            <a:ext cx="10515600" cy="923192"/>
+            <a:off x="759068" y="0"/>
+            <a:ext cx="10515600" cy="1169377"/>
           </a:xfrm>
         </p:spPr>
         <p:txBody>
           <a:bodyPr>
-            <a:noAutofit/>
+            <a:normAutofit fontScale="90000"/>
           </a:bodyPr>
           <a:lstStyle/>
           <a:p>
-            <a:pPr algn="ctr"/>
-            <a:r>
-              <a:rPr lang="fr-FR" sz="3200" dirty="0"/>
-              <a:t>I) Analyse complète du système</a:t>
-            </a:r>
-            <a:r>
-              <a:rPr lang="fr-FR" sz="4000" dirty="0"/>
-              <a:t/>
+            <a:pPr lvl="2" algn="ctr" rtl="0">
+              <a:lnSpc>
+                <a:spcPct val="90000"/>
+              </a:lnSpc>
+              <a:spcBef>
+                <a:spcPct val="0"/>
+              </a:spcBef>
+            </a:pPr>
+            <a:r>
+              <a:rPr lang="fr-FR" sz="3100" dirty="0">
+                <a:latin typeface="+mj-lt"/>
+              </a:rPr>
+              <a:t>3) Diagramme de séquence</a:t>
             </a:r>
             <a:br>
-              <a:rPr lang="fr-FR" sz="4000" dirty="0"/>
+              <a:rPr lang="fr-FR" sz="3200" dirty="0">
+                <a:latin typeface="+mj-lt"/>
+              </a:rPr>
             </a:br>
             <a:r>
-              <a:rPr lang="fr-FR" sz="3600" dirty="0"/>
+              <a:rPr lang="fr-FR" sz="3200" dirty="0">
+                <a:latin typeface="+mj-lt"/>
+              </a:rPr>
               <a:t>	</a:t>
             </a:r>
             <a:r>
-              <a:rPr lang="fr-FR" sz="2400" dirty="0"/>
-              <a:t>1) Diagramme de cas d’utilisation</a:t>
-            </a:r>
-            <a:endParaRPr lang="fr-FR" sz="2800" dirty="0"/>
+              <a:rPr lang="fr-FR" sz="2400" dirty="0">
+                <a:latin typeface="+mj-lt"/>
+              </a:rPr>
+              <a:t>a) Affichage des infos en temps réels</a:t>
+            </a:r>
+            <a:br>
+              <a:rPr lang="fr-FR" dirty="0"/>
+            </a:br>
+            <a:endParaRPr lang="fr-FR" sz="3200" dirty="0"/>
           </a:p>
         </p:txBody>
       </p:sp>
       <p:pic>
         <p:nvPicPr>
-          <p:cNvPr id="3" name="Image 2"/>
+          <p:cNvPr id="4" name="Image 3"/>
           <p:cNvPicPr>
             <a:picLocks noChangeAspect="1"/>
           </p:cNvPicPr>
@@ -8247,8 +8331,8 @@
         </p:blipFill>
         <p:spPr>
           <a:xfrm>
-            <a:off x="2747662" y="1071418"/>
-            <a:ext cx="7569356" cy="5703455"/>
+            <a:off x="230909" y="895928"/>
+            <a:ext cx="11790088" cy="5661890"/>
           </a:xfrm>
           <a:prstGeom prst="rect">
             <a:avLst/>
@@ -8258,86 +8342,7 @@
     </p:spTree>
     <p:extLst>
       <p:ext uri="{BB962C8B-B14F-4D97-AF65-F5344CB8AC3E}">
-        <p14:creationId xmlns:p14="http://schemas.microsoft.com/office/powerpoint/2010/main" val="2859212620"/>
-      </p:ext>
-    </p:extLst>
-  </p:cSld>
-  <p:clrMapOvr>
-    <a:masterClrMapping/>
-  </p:clrMapOvr>
-</p:sld>
-</file>
-
-<file path=ppt/slides/slide32.xml><?xml version="1.0" encoding="utf-8"?>
-<p:sld xmlns:a="http://schemas.openxmlformats.org/drawingml/2006/main" xmlns:r="http://schemas.openxmlformats.org/officeDocument/2006/relationships" xmlns:p="http://schemas.openxmlformats.org/presentationml/2006/main">
-  <p:cSld>
-    <p:spTree>
-      <p:nvGrpSpPr>
-        <p:cNvPr id="1" name=""/>
-        <p:cNvGrpSpPr/>
-        <p:nvPr/>
-      </p:nvGrpSpPr>
-      <p:grpSpPr>
-        <a:xfrm>
-          <a:off x="0" y="0"/>
-          <a:ext cx="0" cy="0"/>
-          <a:chOff x="0" y="0"/>
-          <a:chExt cx="0" cy="0"/>
-        </a:xfrm>
-      </p:grpSpPr>
-      <p:sp>
-        <p:nvSpPr>
-          <p:cNvPr id="2" name="Titre 1"/>
-          <p:cNvSpPr>
-            <a:spLocks noGrp="1"/>
-          </p:cNvSpPr>
-          <p:nvPr>
-            <p:ph type="title"/>
-          </p:nvPr>
-        </p:nvSpPr>
-        <p:spPr>
-          <a:xfrm>
-            <a:off x="838200" y="0"/>
-            <a:ext cx="10515600" cy="487729"/>
-          </a:xfrm>
-        </p:spPr>
-        <p:txBody>
-          <a:bodyPr>
-            <a:normAutofit/>
-          </a:bodyPr>
-          <a:lstStyle/>
-          <a:p>
-            <a:pPr algn="ctr"/>
-            <a:r>
-              <a:rPr lang="fr-FR" sz="2800" dirty="0"/>
-              <a:t>2) Scénario</a:t>
-            </a:r>
-          </a:p>
-        </p:txBody>
-      </p:sp>
-      <p:sp>
-        <p:nvSpPr>
-          <p:cNvPr id="4" name="Espace réservé du contenu 3"/>
-          <p:cNvSpPr>
-            <a:spLocks noGrp="1"/>
-          </p:cNvSpPr>
-          <p:nvPr>
-            <p:ph idx="1"/>
-          </p:nvPr>
-        </p:nvSpPr>
-        <p:spPr/>
-        <p:txBody>
-          <a:bodyPr/>
-          <a:lstStyle/>
-          <a:p>
-            <a:endParaRPr lang="fr-FR"/>
-          </a:p>
-        </p:txBody>
-      </p:sp>
-    </p:spTree>
-    <p:extLst>
-      <p:ext uri="{BB962C8B-B14F-4D97-AF65-F5344CB8AC3E}">
-        <p14:creationId xmlns:p14="http://schemas.microsoft.com/office/powerpoint/2010/main" val="266929531"/>
+        <p14:creationId xmlns:p14="http://schemas.microsoft.com/office/powerpoint/2010/main" val="2445017002"/>
       </p:ext>
     </p:extLst>
   </p:cSld>
@@ -8387,71 +8392,33 @@
         </p:nvSpPr>
         <p:spPr>
           <a:xfrm>
-            <a:off x="759068" y="0"/>
-            <a:ext cx="10515600" cy="1169377"/>
+            <a:off x="838200" y="365125"/>
+            <a:ext cx="10515600" cy="496521"/>
           </a:xfrm>
         </p:spPr>
         <p:txBody>
           <a:bodyPr>
-            <a:normAutofit fontScale="90000"/>
+            <a:normAutofit/>
           </a:bodyPr>
           <a:lstStyle/>
           <a:p>
-            <a:pPr lvl="2" algn="ctr" rtl="0">
-              <a:lnSpc>
-                <a:spcPct val="90000"/>
-              </a:lnSpc>
-              <a:spcBef>
-                <a:spcPct val="0"/>
-              </a:spcBef>
-            </a:pPr>
-            <a:r>
-              <a:rPr lang="fr-FR" sz="3100" dirty="0">
-                <a:latin typeface="+mj-lt"/>
-              </a:rPr>
-              <a:t>3) Diagramme de séquence</a:t>
-            </a:r>
-            <a:r>
-              <a:rPr lang="fr-FR" sz="3200" dirty="0">
-                <a:latin typeface="+mj-lt"/>
-              </a:rPr>
-              <a:t/>
-            </a:r>
-            <a:br>
-              <a:rPr lang="fr-FR" sz="3200" dirty="0">
-                <a:latin typeface="+mj-lt"/>
-              </a:rPr>
-            </a:br>
-            <a:r>
-              <a:rPr lang="fr-FR" sz="3200" dirty="0">
-                <a:latin typeface="+mj-lt"/>
-              </a:rPr>
-              <a:t>	</a:t>
-            </a:r>
-            <a:r>
-              <a:rPr lang="fr-FR" sz="2400" dirty="0">
-                <a:latin typeface="+mj-lt"/>
-              </a:rPr>
-              <a:t>a) Affichage des infos en temps réels</a:t>
-            </a:r>
-            <a:r>
-              <a:rPr lang="fr-FR" dirty="0"/>
-              <a:t/>
-            </a:r>
-            <a:br>
-              <a:rPr lang="fr-FR" dirty="0"/>
-            </a:br>
-            <a:endParaRPr lang="fr-FR" sz="3200" dirty="0"/>
+            <a:pPr algn="ctr"/>
+            <a:r>
+              <a:rPr lang="fr-FR" sz="2400" dirty="0"/>
+              <a:t>b) Switch de page de par le C++</a:t>
+            </a:r>
           </a:p>
         </p:txBody>
       </p:sp>
       <p:pic>
         <p:nvPicPr>
-          <p:cNvPr id="4" name="Image 3"/>
+          <p:cNvPr id="4" name="Espace réservé du contenu 3"/>
           <p:cNvPicPr>
-            <a:picLocks noChangeAspect="1"/>
+            <a:picLocks noGrp="1" noChangeAspect="1"/>
           </p:cNvPicPr>
-          <p:nvPr/>
+          <p:nvPr>
+            <p:ph idx="1"/>
+          </p:nvPr>
         </p:nvPicPr>
         <p:blipFill>
           <a:blip r:embed="rId2">
@@ -8467,18 +8434,15 @@
         </p:blipFill>
         <p:spPr>
           <a:xfrm>
-            <a:off x="230909" y="895928"/>
-            <a:ext cx="11790088" cy="5661890"/>
-          </a:xfrm>
-          <a:prstGeom prst="rect">
-            <a:avLst/>
-          </a:prstGeom>
+            <a:off x="595551" y="1195754"/>
+            <a:ext cx="11000897" cy="5077338"/>
+          </a:xfrm>
         </p:spPr>
       </p:pic>
     </p:spTree>
     <p:extLst>
       <p:ext uri="{BB962C8B-B14F-4D97-AF65-F5344CB8AC3E}">
-        <p14:creationId xmlns:p14="http://schemas.microsoft.com/office/powerpoint/2010/main" val="2445017002"/>
+        <p14:creationId xmlns:p14="http://schemas.microsoft.com/office/powerpoint/2010/main" val="1431005910"/>
       </p:ext>
     </p:extLst>
   </p:cSld>
@@ -8526,35 +8490,121 @@
             <p:ph type="title"/>
           </p:nvPr>
         </p:nvSpPr>
-        <p:spPr>
-          <a:xfrm>
-            <a:off x="838200" y="365125"/>
-            <a:ext cx="10515600" cy="496521"/>
-          </a:xfrm>
-        </p:spPr>
-        <p:txBody>
-          <a:bodyPr>
-            <a:normAutofit/>
+        <p:spPr/>
+        <p:txBody>
+          <a:bodyPr/>
+          <a:lstStyle/>
+          <a:p>
+            <a:r>
+              <a:rPr lang="fr-FR" dirty="0"/>
+              <a:t>II) Etude physique du WI-FI</a:t>
+            </a:r>
+            <a:br>
+              <a:rPr lang="fr-FR" dirty="0"/>
+            </a:br>
+            <a:endParaRPr lang="fr-FR" dirty="0"/>
+          </a:p>
+        </p:txBody>
+      </p:sp>
+      <p:sp>
+        <p:nvSpPr>
+          <p:cNvPr id="4" name="ZoneTexte 3"/>
+          <p:cNvSpPr txBox="1"/>
+          <p:nvPr/>
+        </p:nvSpPr>
+        <p:spPr>
+          <a:xfrm>
+            <a:off x="838200" y="1283854"/>
+            <a:ext cx="4574309" cy="5078313"/>
+          </a:xfrm>
+          <a:prstGeom prst="rect">
+            <a:avLst/>
+          </a:prstGeom>
+          <a:noFill/>
+        </p:spPr>
+        <p:txBody>
+          <a:bodyPr wrap="square" rtlCol="0">
+            <a:spAutoFit/>
           </a:bodyPr>
           <a:lstStyle/>
           <a:p>
-            <a:pPr algn="ctr"/>
-            <a:r>
-              <a:rPr lang="fr-FR" sz="2400" dirty="0"/>
-              <a:t>b) Switch de page de par le C++</a:t>
-            </a:r>
+            <a:r>
+              <a:rPr lang="fr-FR" dirty="0">
+                <a:effectLst>
+                  <a:outerShdw blurRad="38100" dist="25400" dir="5400000" algn="ctr">
+                    <a:srgbClr val="6E747A">
+                      <a:alpha val="43000"/>
+                    </a:srgbClr>
+                  </a:outerShdw>
+                </a:effectLst>
+              </a:rPr>
+              <a:t>1.1 Introduction du WIFI</a:t>
+            </a:r>
+            <a:endParaRPr lang="fr-FR" dirty="0"/>
+          </a:p>
+          <a:p>
+            <a:r>
+              <a:rPr lang="fr-FR" dirty="0">
+                <a:effectLst>
+                  <a:outerShdw blurRad="38100" dist="25400" dir="5400000" algn="ctr">
+                    <a:srgbClr val="6E747A">
+                      <a:alpha val="43000"/>
+                    </a:srgbClr>
+                  </a:outerShdw>
+                </a:effectLst>
+              </a:rPr>
+              <a:t> </a:t>
+            </a:r>
+            <a:endParaRPr lang="fr-FR" dirty="0"/>
+          </a:p>
+          <a:p>
+            <a:r>
+              <a:rPr lang="fr-FR" dirty="0"/>
+              <a:t>Le WIFI est une norme de transmission de données qui se fait par des ondes électromagnétiques qui permet de relier entre elles plusieurs appareils informatiques de type ordinateur ,téléphone mobile </a:t>
+            </a:r>
+            <a:r>
+              <a:rPr lang="fr-FR" dirty="0" err="1"/>
+              <a:t>etc</a:t>
+            </a:r>
+            <a:r>
+              <a:rPr lang="fr-FR" dirty="0"/>
+              <a:t> .., le débit change selon la norme IEEE  . Ce sont les protocoles de wifi qui sont soumis à des règles physiques.</a:t>
+            </a:r>
+          </a:p>
+          <a:p>
+            <a:r>
+              <a:rPr lang="fr-FR" dirty="0"/>
+              <a:t>La portée du WIFI peut s’étendre jusqu’à plusieurs dizaines de mètres si il n’y a aucun obstacle de gêne qui perturbe la propagation des ondes .</a:t>
+            </a:r>
+          </a:p>
+          <a:p>
+            <a:endParaRPr lang="fr-FR" dirty="0"/>
+          </a:p>
+          <a:p>
+            <a:r>
+              <a:rPr lang="fr-FR" dirty="0"/>
+              <a:t>1 FT </a:t>
+            </a:r>
+            <a:r>
+              <a:rPr lang="fr-FR" b="1" dirty="0"/>
+              <a:t>≃ 30.48 cm</a:t>
+            </a:r>
+          </a:p>
+          <a:p>
+            <a:endParaRPr lang="fr-FR" dirty="0"/>
+          </a:p>
+          <a:p>
+            <a:endParaRPr lang="fr-FR" dirty="0"/>
           </a:p>
         </p:txBody>
       </p:sp>
       <p:pic>
         <p:nvPicPr>
-          <p:cNvPr id="4" name="Espace réservé du contenu 3"/>
+          <p:cNvPr id="1026" name="Picture 2" descr="Résultat de recherche d'images pour &quot;802.11 wifi&quot;&quot;"/>
           <p:cNvPicPr>
-            <a:picLocks noGrp="1" noChangeAspect="1"/>
+            <a:picLocks noChangeAspect="1" noChangeArrowheads="1"/>
           </p:cNvPicPr>
-          <p:nvPr>
-            <p:ph idx="1"/>
-          </p:nvPr>
+          <p:nvPr/>
         </p:nvPicPr>
         <p:blipFill>
           <a:blip r:embed="rId2">
@@ -8564,21 +8614,64 @@
               </a:ext>
             </a:extLst>
           </a:blip>
+          <a:srcRect/>
           <a:stretch>
             <a:fillRect/>
           </a:stretch>
         </p:blipFill>
-        <p:spPr>
-          <a:xfrm>
-            <a:off x="595551" y="1195754"/>
-            <a:ext cx="11000897" cy="5077338"/>
-          </a:xfrm>
+        <p:spPr bwMode="auto">
+          <a:xfrm>
+            <a:off x="5723081" y="1150476"/>
+            <a:ext cx="5813136" cy="5622067"/>
+          </a:xfrm>
+          <a:prstGeom prst="rect">
+            <a:avLst/>
+          </a:prstGeom>
+          <a:noFill/>
+          <a:extLst>
+            <a:ext uri="{909E8E84-426E-40DD-AFC4-6F175D3DCCD1}">
+              <a14:hiddenFill xmlns:a14="http://schemas.microsoft.com/office/drawing/2010/main">
+                <a:solidFill>
+                  <a:srgbClr val="FFFFFF"/>
+                </a:solidFill>
+              </a14:hiddenFill>
+            </a:ext>
+          </a:extLst>
         </p:spPr>
       </p:pic>
+      <p:sp>
+        <p:nvSpPr>
+          <p:cNvPr id="5" name="ZoneTexte 4"/>
+          <p:cNvSpPr txBox="1"/>
+          <p:nvPr/>
+        </p:nvSpPr>
+        <p:spPr>
+          <a:xfrm>
+            <a:off x="7897091" y="874017"/>
+            <a:ext cx="2604654" cy="307777"/>
+          </a:xfrm>
+          <a:prstGeom prst="rect">
+            <a:avLst/>
+          </a:prstGeom>
+          <a:noFill/>
+        </p:spPr>
+        <p:txBody>
+          <a:bodyPr wrap="square" rtlCol="0">
+            <a:spAutoFit/>
+          </a:bodyPr>
+          <a:lstStyle/>
+          <a:p>
+            <a:r>
+              <a:rPr lang="fr-FR" sz="1400" dirty="0"/>
+              <a:t>Source www.cnx.software.com</a:t>
+            </a:r>
+          </a:p>
+        </p:txBody>
+      </p:sp>
     </p:spTree>
     <p:extLst>
       <p:ext uri="{BB962C8B-B14F-4D97-AF65-F5344CB8AC3E}">
-        <p14:creationId xmlns:p14="http://schemas.microsoft.com/office/powerpoint/2010/main" val="1431005910"/>
+        <p14:creationId xmlns:p14="http://schemas.microsoft.com/office/powerpoint/2010/main" val="700170699"/>
       </p:ext>
     </p:extLst>
   </p:cSld>
@@ -8618,54 +8711,28 @@
       </p:grpSpPr>
       <p:sp>
         <p:nvSpPr>
-          <p:cNvPr id="2" name="Titre 1"/>
-          <p:cNvSpPr>
-            <a:spLocks noGrp="1"/>
-          </p:cNvSpPr>
-          <p:nvPr>
-            <p:ph type="title"/>
-          </p:nvPr>
-        </p:nvSpPr>
-        <p:spPr/>
-        <p:txBody>
-          <a:bodyPr/>
-          <a:lstStyle/>
-          <a:p>
-            <a:r>
-              <a:rPr lang="fr-FR" dirty="0"/>
-              <a:t>II) Etude physique du WI-FI</a:t>
-            </a:r>
-            <a:br>
-              <a:rPr lang="fr-FR" dirty="0"/>
-            </a:br>
-            <a:endParaRPr lang="fr-FR" dirty="0"/>
-          </a:p>
-        </p:txBody>
-      </p:sp>
-      <p:sp>
-        <p:nvSpPr>
-          <p:cNvPr id="4" name="ZoneTexte 3"/>
-          <p:cNvSpPr txBox="1"/>
-          <p:nvPr/>
-        </p:nvSpPr>
-        <p:spPr>
-          <a:xfrm>
-            <a:off x="838200" y="1283854"/>
-            <a:ext cx="4574309" cy="5078313"/>
-          </a:xfrm>
-          <a:prstGeom prst="rect">
-            <a:avLst/>
-          </a:prstGeom>
-          <a:noFill/>
-        </p:spPr>
-        <p:txBody>
-          <a:bodyPr wrap="square" rtlCol="0">
-            <a:spAutoFit/>
+          <p:cNvPr id="3" name="Espace réservé du contenu 2"/>
+          <p:cNvSpPr>
+            <a:spLocks noGrp="1"/>
+          </p:cNvSpPr>
+          <p:nvPr>
+            <p:ph idx="1"/>
+          </p:nvPr>
+        </p:nvSpPr>
+        <p:spPr>
+          <a:xfrm>
+            <a:off x="394854" y="646545"/>
+            <a:ext cx="5728855" cy="5308745"/>
+          </a:xfrm>
+        </p:spPr>
+        <p:txBody>
+          <a:bodyPr>
+            <a:normAutofit lnSpcReduction="10000"/>
           </a:bodyPr>
           <a:lstStyle/>
           <a:p>
             <a:r>
-              <a:rPr lang="fr-FR" dirty="0">
+              <a:rPr lang="fr-FR" sz="2600" dirty="0">
                 <a:effectLst>
                   <a:outerShdw blurRad="38100" dist="25400" dir="5400000" algn="ctr">
                     <a:srgbClr val="6E747A">
@@ -8674,78 +8741,18 @@
                   </a:outerShdw>
                 </a:effectLst>
               </a:rPr>
-              <a:t>1.1 Introduction du WIFI</a:t>
-            </a:r>
-            <a:endParaRPr lang="fr-FR" dirty="0"/>
-          </a:p>
-          <a:p>
-            <a:r>
-              <a:rPr lang="fr-FR" dirty="0">
-                <a:effectLst>
-                  <a:outerShdw blurRad="38100" dist="25400" dir="5400000" algn="ctr">
-                    <a:srgbClr val="6E747A">
-                      <a:alpha val="43000"/>
-                    </a:srgbClr>
-                  </a:outerShdw>
-                </a:effectLst>
-              </a:rPr>
-              <a:t> </a:t>
-            </a:r>
-            <a:endParaRPr lang="fr-FR" dirty="0"/>
-          </a:p>
-          <a:p>
-            <a:r>
-              <a:rPr lang="fr-FR" dirty="0"/>
-              <a:t>Le WIFI est une norme de transmission de données qui se fait par des ondes électromagnétiques qui permet de relier entre elles plusieurs appareils informatiques de type ordinateur ,téléphone mobile </a:t>
-            </a:r>
-            <a:r>
-              <a:rPr lang="fr-FR" dirty="0" err="1"/>
-              <a:t>etc</a:t>
-            </a:r>
-            <a:r>
-              <a:rPr lang="fr-FR" dirty="0"/>
-              <a:t> </a:t>
-            </a:r>
-            <a:r>
-              <a:rPr lang="fr-FR" dirty="0" smtClean="0"/>
-              <a:t>.., </a:t>
-            </a:r>
-            <a:r>
-              <a:rPr lang="fr-FR" dirty="0"/>
-              <a:t>le débit change selon la </a:t>
-            </a:r>
-            <a:r>
-              <a:rPr lang="fr-FR" dirty="0" smtClean="0"/>
-              <a:t>norme IEEE  . Ce sont les protocoles de wifi qui sont soumis à des règles physiques.</a:t>
-            </a:r>
-            <a:endParaRPr lang="fr-FR" dirty="0"/>
-          </a:p>
-          <a:p>
-            <a:r>
-              <a:rPr lang="fr-FR" dirty="0"/>
-              <a:t>La portée du WIFI peut s’étendre jusqu’à plusieurs dizaines de mètres si il n’y a aucun obstacle de gêne qui perturbe la propagation des ondes </a:t>
-            </a:r>
-            <a:r>
-              <a:rPr lang="fr-FR" dirty="0" smtClean="0"/>
-              <a:t>.</a:t>
-            </a:r>
-          </a:p>
-          <a:p>
-            <a:endParaRPr lang="fr-FR" dirty="0"/>
-          </a:p>
-          <a:p>
-            <a:r>
-              <a:rPr lang="fr-FR" dirty="0" smtClean="0"/>
-              <a:t>1 FT </a:t>
-            </a:r>
-            <a:r>
-              <a:rPr lang="fr-FR" b="1" dirty="0" smtClean="0"/>
-              <a:t>≃ 30.48 cm</a:t>
-            </a:r>
-            <a:endParaRPr lang="fr-FR" b="1" dirty="0"/>
-          </a:p>
-          <a:p>
-            <a:endParaRPr lang="fr-FR" dirty="0"/>
+              <a:t>1.2 Principe du fonctionnement</a:t>
+            </a:r>
+            <a:endParaRPr lang="fr-FR" sz="2600" dirty="0"/>
+          </a:p>
+          <a:p>
+            <a:pPr marL="0" indent="0">
+              <a:buNone/>
+            </a:pPr>
+            <a:r>
+              <a:rPr lang="fr-FR" sz="2600" dirty="0"/>
+              <a:t>   Tout d’abord pour que la connexion WIFI fonctionne il faut avoir un objet équipé d’un adaptateur réseau qui va convertir les informations en un signal radio . Ces information seront communiqué au routeur (décodeur) ,une fois décodées elles peuvent être transmises sur internet.  Le réseau sans fil (le wifi ) se repose sur un trafic bidirectionnel c’est-à-dire que à l’inverse les données envoyées d’internet sont envoyées vers le routeur pour être transformes dans un signal radio qui seront ensuite réceptionnées par l’objet équipé d’un adaptateur réseau .</a:t>
+            </a:r>
           </a:p>
           <a:p>
             <a:endParaRPr lang="fr-FR" dirty="0"/>
@@ -8754,7 +8761,7 @@
       </p:sp>
       <p:pic>
         <p:nvPicPr>
-          <p:cNvPr id="1026" name="Picture 2" descr="Résultat de recherche d'images pour &quot;802.11 wifi&quot;&quot;"/>
+          <p:cNvPr id="2052" name="Picture 4" descr="Modem routeur"/>
           <p:cNvPicPr>
             <a:picLocks noChangeAspect="1" noChangeArrowheads="1"/>
           </p:cNvPicPr>
@@ -8775,8 +8782,8 @@
         </p:blipFill>
         <p:spPr bwMode="auto">
           <a:xfrm>
-            <a:off x="5723081" y="1150476"/>
-            <a:ext cx="5813136" cy="5622067"/>
+            <a:off x="6510194" y="1107858"/>
+            <a:ext cx="5012706" cy="4386118"/>
           </a:xfrm>
           <a:prstGeom prst="rect">
             <a:avLst/>
@@ -8795,14 +8802,14 @@
       </p:pic>
       <p:sp>
         <p:nvSpPr>
-          <p:cNvPr id="5" name="ZoneTexte 4"/>
+          <p:cNvPr id="4" name="ZoneTexte 3"/>
           <p:cNvSpPr txBox="1"/>
           <p:nvPr/>
         </p:nvSpPr>
         <p:spPr>
           <a:xfrm>
-            <a:off x="7897091" y="874017"/>
-            <a:ext cx="2604654" cy="307777"/>
+            <a:off x="7453745" y="800081"/>
+            <a:ext cx="4069155" cy="307777"/>
           </a:xfrm>
           <a:prstGeom prst="rect">
             <a:avLst/>
@@ -8816,17 +8823,16 @@
           <a:lstStyle/>
           <a:p>
             <a:r>
-              <a:rPr lang="fr-FR" sz="1400" dirty="0" smtClean="0"/>
-              <a:t>Source www.cnx.software.com</a:t>
-            </a:r>
-            <a:endParaRPr lang="fr-FR" sz="1400" dirty="0"/>
+              <a:rPr lang="fr-FR" sz="1400" dirty="0"/>
+              <a:t>Source : questions.heffge.fr</a:t>
+            </a:r>
           </a:p>
         </p:txBody>
       </p:sp>
     </p:spTree>
     <p:extLst>
       <p:ext uri="{BB962C8B-B14F-4D97-AF65-F5344CB8AC3E}">
-        <p14:creationId xmlns:p14="http://schemas.microsoft.com/office/powerpoint/2010/main" val="700170699"/>
+        <p14:creationId xmlns:p14="http://schemas.microsoft.com/office/powerpoint/2010/main" val="1919668917"/>
       </p:ext>
     </p:extLst>
   </p:cSld>
@@ -8876,18 +8882,16 @@
         </p:nvSpPr>
         <p:spPr>
           <a:xfrm>
-            <a:off x="394854" y="646545"/>
-            <a:ext cx="5728855" cy="5308745"/>
-          </a:xfrm>
-        </p:spPr>
-        <p:txBody>
-          <a:bodyPr>
-            <a:normAutofit lnSpcReduction="10000"/>
-          </a:bodyPr>
-          <a:lstStyle/>
-          <a:p>
-            <a:r>
-              <a:rPr lang="fr-FR" sz="2600" dirty="0" smtClean="0">
+            <a:off x="293255" y="606425"/>
+            <a:ext cx="6680200" cy="4351338"/>
+          </a:xfrm>
+        </p:spPr>
+        <p:txBody>
+          <a:bodyPr/>
+          <a:lstStyle/>
+          <a:p>
+            <a:r>
+              <a:rPr lang="fr-FR" sz="2400" dirty="0">
                 <a:effectLst>
                   <a:outerShdw blurRad="38100" dist="25400" dir="5400000" algn="ctr">
                     <a:srgbClr val="6E747A">
@@ -8896,10 +8900,16 @@
                   </a:outerShdw>
                 </a:effectLst>
               </a:rPr>
-              <a:t>1.2 </a:t>
-            </a:r>
-            <a:r>
-              <a:rPr lang="fr-FR" sz="2600" dirty="0">
+              <a:t>1.3 Principe du fonctionnement physique</a:t>
+            </a:r>
+            <a:endParaRPr lang="fr-FR" sz="2400" dirty="0"/>
+          </a:p>
+          <a:p>
+            <a:pPr marL="0" indent="0">
+              <a:buNone/>
+            </a:pPr>
+            <a:r>
+              <a:rPr lang="fr-FR" sz="2400" dirty="0">
                 <a:effectLst>
                   <a:outerShdw blurRad="38100" dist="25400" dir="5400000" algn="ctr">
                     <a:srgbClr val="6E747A">
@@ -8908,26 +8918,45 @@
                   </a:outerShdw>
                 </a:effectLst>
               </a:rPr>
-              <a:t>Principe du fonctionnement</a:t>
-            </a:r>
-            <a:endParaRPr lang="fr-FR" sz="2600" dirty="0"/>
+              <a:t> </a:t>
+            </a:r>
+            <a:endParaRPr lang="fr-FR" sz="2400" dirty="0"/>
           </a:p>
           <a:p>
             <a:pPr marL="0" indent="0">
               <a:buNone/>
             </a:pPr>
             <a:r>
-              <a:rPr lang="fr-FR" sz="2600" dirty="0"/>
-              <a:t>   Tout d’abord pour que la connexion WIFI fonctionne il faut avoir un objet équipé d’un adaptateur réseau qui va convertir les informations en un signal radio . Ces information seront communiqué au routeur (décodeur) ,une fois décodées elles peuvent être transmises sur internet.  Le réseau sans fil </a:t>
-            </a:r>
-            <a:r>
-              <a:rPr lang="fr-FR" sz="2600" dirty="0" smtClean="0"/>
-              <a:t>(le </a:t>
-            </a:r>
-            <a:r>
-              <a:rPr lang="fr-FR" sz="2600" dirty="0"/>
-              <a:t>wifi ) se repose sur un trafic bidirectionnel c’est-à-dire que à l’inverse les données envoyées d’internet sont envoyées vers le routeur pour être transformes dans un signal radio qui seront ensuite réceptionnées par l’objet équipé d’un adaptateur réseau .</a:t>
-            </a:r>
+              <a:rPr lang="fr-FR" sz="2400" dirty="0"/>
+              <a:t>L’onde électromagnétique est formée par le couplage de l’onde électrique E et l’onde magnétique B . La fréquence à son tour est déterminée par la célérité (c)</a:t>
+            </a:r>
+          </a:p>
+          <a:p>
+            <a:pPr marL="0" indent="0">
+              <a:buNone/>
+            </a:pPr>
+            <a:r>
+              <a:rPr lang="fr-FR" sz="2400" dirty="0"/>
+              <a:t>et la longueur d’one  (l) .</a:t>
+            </a:r>
+          </a:p>
+          <a:p>
+            <a:pPr marL="0" indent="0">
+              <a:buNone/>
+            </a:pPr>
+            <a:r>
+              <a:rPr lang="fr-FR" sz="2400" dirty="0">
+                <a:effectLst>
+                  <a:outerShdw blurRad="38100" dist="25400" dir="5400000" algn="ctr">
+                    <a:srgbClr val="6E747A">
+                      <a:alpha val="43000"/>
+                    </a:srgbClr>
+                  </a:outerShdw>
+                </a:effectLst>
+              </a:rPr>
+              <a:t> </a:t>
+            </a:r>
+            <a:endParaRPr lang="fr-FR" sz="2400" dirty="0"/>
           </a:p>
           <a:p>
             <a:endParaRPr lang="fr-FR" dirty="0"/>
@@ -8936,10 +8965,8 @@
       </p:sp>
       <p:pic>
         <p:nvPicPr>
-          <p:cNvPr id="2052" name="Picture 4" descr="Modem routeur"/>
-          <p:cNvPicPr>
-            <a:picLocks noChangeAspect="1" noChangeArrowheads="1"/>
-          </p:cNvPicPr>
+          <p:cNvPr id="4" name="Picture 34"/>
+          <p:cNvPicPr/>
           <p:nvPr/>
         </p:nvPicPr>
         <p:blipFill>
@@ -8957,34 +8984,28 @@
         </p:blipFill>
         <p:spPr bwMode="auto">
           <a:xfrm>
-            <a:off x="6510194" y="1107858"/>
-            <a:ext cx="5012706" cy="4386118"/>
+            <a:off x="7277823" y="1939636"/>
+            <a:ext cx="4101378" cy="3528291"/>
           </a:xfrm>
           <a:prstGeom prst="rect">
             <a:avLst/>
           </a:prstGeom>
           <a:noFill/>
-          <a:extLst>
-            <a:ext uri="{909E8E84-426E-40DD-AFC4-6F175D3DCCD1}">
-              <a14:hiddenFill xmlns:a14="http://schemas.microsoft.com/office/drawing/2010/main">
-                <a:solidFill>
-                  <a:srgbClr val="FFFFFF"/>
-                </a:solidFill>
-              </a14:hiddenFill>
-            </a:ext>
-          </a:extLst>
+          <a:ln>
+            <a:noFill/>
+          </a:ln>
         </p:spPr>
       </p:pic>
       <p:sp>
         <p:nvSpPr>
-          <p:cNvPr id="4" name="ZoneTexte 3"/>
+          <p:cNvPr id="5" name="ZoneTexte 4"/>
           <p:cNvSpPr txBox="1"/>
           <p:nvPr/>
         </p:nvSpPr>
         <p:spPr>
           <a:xfrm>
-            <a:off x="7453745" y="800081"/>
-            <a:ext cx="4069155" cy="307777"/>
+            <a:off x="7924800" y="1542473"/>
+            <a:ext cx="3158836" cy="307777"/>
           </a:xfrm>
           <a:prstGeom prst="rect">
             <a:avLst/>
@@ -8998,17 +9019,16 @@
           <a:lstStyle/>
           <a:p>
             <a:r>
-              <a:rPr lang="fr-FR" sz="1400" dirty="0" smtClean="0"/>
-              <a:t>Source : questions.heffge.fr</a:t>
-            </a:r>
-            <a:endParaRPr lang="fr-FR" sz="1400" dirty="0"/>
+              <a:rPr lang="fr-FR" sz="1400" dirty="0"/>
+              <a:t>Source : www.radiomateur.org</a:t>
+            </a:r>
           </a:p>
         </p:txBody>
       </p:sp>
     </p:spTree>
     <p:extLst>
       <p:ext uri="{BB962C8B-B14F-4D97-AF65-F5344CB8AC3E}">
-        <p14:creationId xmlns:p14="http://schemas.microsoft.com/office/powerpoint/2010/main" val="1919668917"/>
+        <p14:creationId xmlns:p14="http://schemas.microsoft.com/office/powerpoint/2010/main" val="1617756300"/>
       </p:ext>
     </p:extLst>
   </p:cSld>
@@ -9058,16 +9078,19 @@
         </p:nvSpPr>
         <p:spPr>
           <a:xfrm>
-            <a:off x="293255" y="606425"/>
-            <a:ext cx="6680200" cy="4351338"/>
+            <a:off x="311728" y="495588"/>
+            <a:ext cx="6366163" cy="6459393"/>
           </a:xfrm>
         </p:spPr>
         <p:txBody>
           <a:bodyPr/>
           <a:lstStyle/>
           <a:p>
-            <a:r>
-              <a:rPr lang="fr-FR" sz="2400" dirty="0" smtClean="0">
+            <a:pPr marL="0" indent="0">
+              <a:buNone/>
+            </a:pPr>
+            <a:r>
+              <a:rPr lang="fr-FR" b="1" dirty="0">
                 <a:effectLst>
                   <a:outerShdw blurRad="38100" dist="25400" dir="5400000" algn="ctr">
                     <a:srgbClr val="6E747A">
@@ -9076,8 +9099,26 @@
                   </a:outerShdw>
                 </a:effectLst>
               </a:rPr>
-              <a:t>1.3 </a:t>
-            </a:r>
+              <a:t>2</a:t>
+            </a:r>
+            <a:r>
+              <a:rPr lang="fr-FR" sz="2400" b="1" dirty="0">
+                <a:effectLst>
+                  <a:outerShdw blurRad="38100" dist="25400" dir="5400000" algn="ctr">
+                    <a:srgbClr val="6E747A">
+                      <a:alpha val="43000"/>
+                    </a:srgbClr>
+                  </a:outerShdw>
+                </a:effectLst>
+              </a:rPr>
+              <a:t>.) Utilisation et choix du Wifi .</a:t>
+            </a:r>
+            <a:endParaRPr lang="fr-FR" sz="2400" dirty="0"/>
+          </a:p>
+          <a:p>
+            <a:pPr marL="0" indent="0">
+              <a:buNone/>
+            </a:pPr>
             <a:r>
               <a:rPr lang="fr-FR" sz="2400" dirty="0">
                 <a:effectLst>
@@ -9088,7 +9129,7 @@
                   </a:outerShdw>
                 </a:effectLst>
               </a:rPr>
-              <a:t>Principe du fonctionnement physique</a:t>
+              <a:t>2.1 Utilisation précise du Wifi</a:t>
             </a:r>
             <a:endParaRPr lang="fr-FR" sz="2400" dirty="0"/>
           </a:p>
@@ -9111,113 +9152,31 @@
             <a:endParaRPr lang="fr-FR" sz="2400" dirty="0"/>
           </a:p>
           <a:p>
-            <a:pPr marL="0" indent="0">
-              <a:buNone/>
-            </a:pPr>
             <a:r>
               <a:rPr lang="fr-FR" sz="2400" dirty="0"/>
-              <a:t>L’onde électromagnétique est formée par le couplage de l’onde électrique E et l’onde magnétique B . La fréquence à son tour est déterminée par la célérité (c)</a:t>
-            </a:r>
-          </a:p>
-          <a:p>
-            <a:pPr marL="0" indent="0">
-              <a:buNone/>
-            </a:pPr>
+              <a:t>Dans notre cas , l’utilisation du wifi va nous être utile car les courses seront lancés à l’extérieur donc il faudrait que les requêtes </a:t>
+            </a:r>
+            <a:r>
+              <a:rPr lang="fr-FR" sz="2400" dirty="0" err="1"/>
+              <a:t>sql</a:t>
+            </a:r>
             <a:r>
               <a:rPr lang="fr-FR" sz="2400" dirty="0"/>
-              <a:t>et la longueur d’one  (l) .</a:t>
-            </a:r>
-          </a:p>
-          <a:p>
-            <a:pPr marL="0" indent="0">
-              <a:buNone/>
-            </a:pPr>
-            <a:r>
-              <a:rPr lang="fr-FR" sz="2400" dirty="0">
-                <a:effectLst>
-                  <a:outerShdw blurRad="38100" dist="25400" dir="5400000" algn="ctr">
-                    <a:srgbClr val="6E747A">
-                      <a:alpha val="43000"/>
-                    </a:srgbClr>
-                  </a:outerShdw>
-                </a:effectLst>
-              </a:rPr>
-              <a:t> </a:t>
-            </a:r>
-            <a:endParaRPr lang="fr-FR" sz="2400" dirty="0"/>
+              <a:t> s’envoient sur la BDD rapidement tout en ayant cette sureté d’arriver et la rapidité d’affichage sur les écrans. </a:t>
+            </a:r>
           </a:p>
           <a:p>
             <a:endParaRPr lang="fr-FR" dirty="0"/>
           </a:p>
-        </p:txBody>
-      </p:sp>
-      <p:pic>
-        <p:nvPicPr>
-          <p:cNvPr id="4" name="Picture 34"/>
-          <p:cNvPicPr/>
-          <p:nvPr/>
-        </p:nvPicPr>
-        <p:blipFill>
-          <a:blip r:embed="rId2">
-            <a:extLst>
-              <a:ext uri="{28A0092B-C50C-407E-A947-70E740481C1C}">
-                <a14:useLocalDpi xmlns:a14="http://schemas.microsoft.com/office/drawing/2010/main" val="0"/>
-              </a:ext>
-            </a:extLst>
-          </a:blip>
-          <a:srcRect/>
-          <a:stretch>
-            <a:fillRect/>
-          </a:stretch>
-        </p:blipFill>
-        <p:spPr bwMode="auto">
-          <a:xfrm>
-            <a:off x="7277823" y="1939636"/>
-            <a:ext cx="4101378" cy="3528291"/>
-          </a:xfrm>
-          <a:prstGeom prst="rect">
-            <a:avLst/>
-          </a:prstGeom>
-          <a:noFill/>
-          <a:ln>
-            <a:noFill/>
-          </a:ln>
-        </p:spPr>
-      </p:pic>
-      <p:sp>
-        <p:nvSpPr>
-          <p:cNvPr id="5" name="ZoneTexte 4"/>
-          <p:cNvSpPr txBox="1"/>
-          <p:nvPr/>
-        </p:nvSpPr>
-        <p:spPr>
-          <a:xfrm>
-            <a:off x="7924800" y="1542473"/>
-            <a:ext cx="3158836" cy="307777"/>
-          </a:xfrm>
-          <a:prstGeom prst="rect">
-            <a:avLst/>
-          </a:prstGeom>
-          <a:noFill/>
-        </p:spPr>
-        <p:txBody>
-          <a:bodyPr wrap="square" rtlCol="0">
-            <a:spAutoFit/>
-          </a:bodyPr>
-          <a:lstStyle/>
-          <a:p>
-            <a:r>
-              <a:rPr lang="fr-FR" sz="1400" dirty="0" smtClean="0"/>
-              <a:t>Source : www.radiomateur.org</a:t>
-            </a:r>
-            <a:endParaRPr lang="fr-FR" sz="1400" dirty="0"/>
+          <a:p>
+            <a:endParaRPr lang="fr-FR" dirty="0"/>
           </a:p>
         </p:txBody>
       </p:sp>
     </p:spTree>
     <p:extLst>
       <p:ext uri="{BB962C8B-B14F-4D97-AF65-F5344CB8AC3E}">
-        <p14:creationId xmlns:p14="http://schemas.microsoft.com/office/powerpoint/2010/main" val="1617756300"/>
+        <p14:creationId xmlns:p14="http://schemas.microsoft.com/office/powerpoint/2010/main" val="3736197052"/>
       </p:ext>
     </p:extLst>
   </p:cSld>
@@ -9257,154 +9216,6 @@
       </p:grpSpPr>
       <p:sp>
         <p:nvSpPr>
-          <p:cNvPr id="3" name="Espace réservé du contenu 2"/>
-          <p:cNvSpPr>
-            <a:spLocks noGrp="1"/>
-          </p:cNvSpPr>
-          <p:nvPr>
-            <p:ph idx="1"/>
-          </p:nvPr>
-        </p:nvSpPr>
-        <p:spPr>
-          <a:xfrm>
-            <a:off x="311728" y="495588"/>
-            <a:ext cx="6366163" cy="6459393"/>
-          </a:xfrm>
-        </p:spPr>
-        <p:txBody>
-          <a:bodyPr/>
-          <a:lstStyle/>
-          <a:p>
-            <a:pPr marL="0" indent="0">
-              <a:buNone/>
-            </a:pPr>
-            <a:r>
-              <a:rPr lang="fr-FR" b="1" dirty="0">
-                <a:effectLst>
-                  <a:outerShdw blurRad="38100" dist="25400" dir="5400000" algn="ctr">
-                    <a:srgbClr val="6E747A">
-                      <a:alpha val="43000"/>
-                    </a:srgbClr>
-                  </a:outerShdw>
-                </a:effectLst>
-              </a:rPr>
-              <a:t>2</a:t>
-            </a:r>
-            <a:r>
-              <a:rPr lang="fr-FR" sz="2400" b="1" dirty="0">
-                <a:effectLst>
-                  <a:outerShdw blurRad="38100" dist="25400" dir="5400000" algn="ctr">
-                    <a:srgbClr val="6E747A">
-                      <a:alpha val="43000"/>
-                    </a:srgbClr>
-                  </a:outerShdw>
-                </a:effectLst>
-              </a:rPr>
-              <a:t>.) Utilisation et choix du Wifi .</a:t>
-            </a:r>
-            <a:endParaRPr lang="fr-FR" sz="2400" dirty="0"/>
-          </a:p>
-          <a:p>
-            <a:pPr marL="0" indent="0">
-              <a:buNone/>
-            </a:pPr>
-            <a:r>
-              <a:rPr lang="fr-FR" sz="2400" dirty="0">
-                <a:effectLst>
-                  <a:outerShdw blurRad="38100" dist="25400" dir="5400000" algn="ctr">
-                    <a:srgbClr val="6E747A">
-                      <a:alpha val="43000"/>
-                    </a:srgbClr>
-                  </a:outerShdw>
-                </a:effectLst>
-              </a:rPr>
-              <a:t>2.1 Utilisation précise du Wifi</a:t>
-            </a:r>
-            <a:endParaRPr lang="fr-FR" sz="2400" dirty="0"/>
-          </a:p>
-          <a:p>
-            <a:pPr marL="0" indent="0">
-              <a:buNone/>
-            </a:pPr>
-            <a:r>
-              <a:rPr lang="fr-FR" sz="2400" dirty="0">
-                <a:effectLst>
-                  <a:outerShdw blurRad="38100" dist="25400" dir="5400000" algn="ctr">
-                    <a:srgbClr val="6E747A">
-                      <a:alpha val="43000"/>
-                    </a:srgbClr>
-                  </a:outerShdw>
-                </a:effectLst>
-              </a:rPr>
-              <a:t> </a:t>
-            </a:r>
-            <a:endParaRPr lang="fr-FR" sz="2400" dirty="0"/>
-          </a:p>
-          <a:p>
-            <a:r>
-              <a:rPr lang="fr-FR" sz="2400" dirty="0"/>
-              <a:t>Dans notre cas , l’utilisation du wifi va nous être utile car les courses seront lancés à l’extérieur donc il faudrait que les requêtes </a:t>
-            </a:r>
-            <a:r>
-              <a:rPr lang="fr-FR" sz="2400" dirty="0" err="1"/>
-              <a:t>sql</a:t>
-            </a:r>
-            <a:r>
-              <a:rPr lang="fr-FR" sz="2400" dirty="0"/>
-              <a:t> s’envoient sur la BDD rapidement tout en ayant cette sureté d’arriver et la rapidité d’affichage sur les écrans. </a:t>
-            </a:r>
-          </a:p>
-          <a:p>
-            <a:endParaRPr lang="fr-FR" dirty="0"/>
-          </a:p>
-          <a:p>
-            <a:endParaRPr lang="fr-FR" dirty="0"/>
-          </a:p>
-        </p:txBody>
-      </p:sp>
-    </p:spTree>
-    <p:extLst>
-      <p:ext uri="{BB962C8B-B14F-4D97-AF65-F5344CB8AC3E}">
-        <p14:creationId xmlns:p14="http://schemas.microsoft.com/office/powerpoint/2010/main" val="3736197052"/>
-      </p:ext>
-    </p:extLst>
-  </p:cSld>
-  <p:clrMapOvr>
-    <a:masterClrMapping/>
-  </p:clrMapOvr>
-</p:sld>
-</file>
-
-<file path=ppt/slides/slide39.xml><?xml version="1.0" encoding="utf-8"?>
-<p:sld xmlns:a="http://schemas.openxmlformats.org/drawingml/2006/main" xmlns:r="http://schemas.openxmlformats.org/officeDocument/2006/relationships" xmlns:p="http://schemas.openxmlformats.org/presentationml/2006/main">
-  <p:cSld>
-    <p:bg>
-      <p:bgPr>
-        <a:solidFill>
-          <a:schemeClr val="accent6">
-            <a:lumMod val="20000"/>
-            <a:lumOff val="80000"/>
-          </a:schemeClr>
-        </a:solidFill>
-        <a:effectLst/>
-      </p:bgPr>
-    </p:bg>
-    <p:spTree>
-      <p:nvGrpSpPr>
-        <p:cNvPr id="1" name=""/>
-        <p:cNvGrpSpPr/>
-        <p:nvPr/>
-      </p:nvGrpSpPr>
-      <p:grpSpPr>
-        <a:xfrm>
-          <a:off x="0" y="0"/>
-          <a:ext cx="0" cy="0"/>
-          <a:chOff x="0" y="0"/>
-          <a:chExt cx="0" cy="0"/>
-        </a:xfrm>
-      </p:grpSpPr>
-      <p:sp>
-        <p:nvSpPr>
           <p:cNvPr id="2" name="Titre 1"/>
           <p:cNvSpPr>
             <a:spLocks noGrp="1"/>
@@ -9432,12 +9243,6 @@
                 <a:latin typeface="+mn-lt"/>
               </a:rPr>
               <a:t>2. 3 Comparaison du Wifi</a:t>
-            </a:r>
-            <a:r>
-              <a:rPr lang="fr-FR" sz="2400" dirty="0">
-                <a:latin typeface="+mn-lt"/>
-              </a:rPr>
-              <a:t/>
             </a:r>
             <a:br>
               <a:rPr lang="fr-FR" sz="2400" dirty="0">
@@ -9872,74 +9677,148 @@
         </p:nvSpPr>
         <p:spPr>
           <a:xfrm>
-            <a:off x="334108" y="1544271"/>
-            <a:ext cx="11019692" cy="5129090"/>
+            <a:off x="334108" y="1544270"/>
+            <a:ext cx="5257800" cy="3323986"/>
           </a:xfrm>
         </p:spPr>
         <p:txBody>
           <a:bodyPr>
-            <a:normAutofit fontScale="85000" lnSpcReduction="20000"/>
+            <a:normAutofit/>
           </a:bodyPr>
           <a:lstStyle/>
           <a:p>
-            <a:r>
-              <a:rPr lang="fr-FR" dirty="0"/>
+            <a:pPr marL="0" indent="0">
+              <a:buNone/>
+            </a:pPr>
+            <a:r>
+              <a:rPr lang="fr-FR" sz="2400" b="1" dirty="0"/>
               <a:t>I) Analyse complète du système</a:t>
             </a:r>
           </a:p>
           <a:p>
+            <a:pPr marL="0" indent="0">
+              <a:buNone/>
+            </a:pPr>
+            <a:endParaRPr lang="fr-FR" sz="1500" u="sng" dirty="0"/>
+          </a:p>
+          <a:p>
+            <a:pPr marL="457200" lvl="1" indent="0">
+              <a:buNone/>
+            </a:pPr>
+            <a:r>
+              <a:rPr lang="fr-FR" sz="2000" u="sng" dirty="0"/>
+              <a:t>1) Diagramme de cas d’utilisation</a:t>
+            </a:r>
+          </a:p>
+          <a:p>
+            <a:pPr marL="457200" lvl="1" indent="0">
+              <a:buNone/>
+            </a:pPr>
+            <a:r>
+              <a:rPr lang="fr-FR" sz="2000" u="sng" dirty="0"/>
+              <a:t>2) Scénario</a:t>
+            </a:r>
+          </a:p>
+          <a:p>
+            <a:pPr marL="457200" lvl="1" indent="0">
+              <a:buNone/>
+            </a:pPr>
+            <a:r>
+              <a:rPr lang="fr-FR" sz="2000" u="sng" dirty="0"/>
+              <a:t>3) Diagrammes de séquence</a:t>
+            </a:r>
+          </a:p>
+          <a:p>
+            <a:pPr marL="914400" lvl="2" indent="0">
+              <a:buNone/>
+            </a:pPr>
+            <a:r>
+              <a:rPr lang="fr-FR" sz="1800" dirty="0"/>
+              <a:t>a) Connexion au site</a:t>
+            </a:r>
+          </a:p>
+          <a:p>
+            <a:pPr marL="914400" lvl="2" indent="0">
+              <a:buNone/>
+            </a:pPr>
+            <a:r>
+              <a:rPr lang="fr-FR" sz="1800" dirty="0"/>
+              <a:t>b) Inscription à une course</a:t>
+            </a:r>
+          </a:p>
+          <a:p>
+            <a:pPr marL="914400" lvl="2" indent="0">
+              <a:buNone/>
+            </a:pPr>
+            <a:r>
+              <a:rPr lang="fr-FR" sz="1800" dirty="0"/>
+              <a:t>c) Association coureur dossard</a:t>
+            </a:r>
+          </a:p>
+          <a:p>
+            <a:pPr marL="914400" lvl="2" indent="0">
+              <a:buNone/>
+            </a:pPr>
+            <a:r>
+              <a:rPr lang="fr-FR" sz="1800" dirty="0"/>
+              <a:t>d) Création d’une course</a:t>
+            </a:r>
+          </a:p>
+          <a:p>
+            <a:pPr marL="914400" lvl="2" indent="0">
+              <a:buNone/>
+            </a:pPr>
+            <a:r>
+              <a:rPr lang="fr-FR" sz="1800" dirty="0"/>
+              <a:t>e) Gérer les inscriptions à une course</a:t>
+            </a:r>
+          </a:p>
+        </p:txBody>
+      </p:sp>
+      <p:sp>
+        <p:nvSpPr>
+          <p:cNvPr id="4" name="Rectangle 3">
+            <a:extLst>
+              <a:ext uri="{FF2B5EF4-FFF2-40B4-BE49-F238E27FC236}">
+                <a16:creationId xmlns:a16="http://schemas.microsoft.com/office/drawing/2014/main" id="{3617E2B9-047E-DB41-AC36-E66B93D80B2E}"/>
+              </a:ext>
+            </a:extLst>
+          </p:cNvPr>
+          <p:cNvSpPr/>
+          <p:nvPr/>
+        </p:nvSpPr>
+        <p:spPr>
+          <a:xfrm>
+            <a:off x="5591908" y="1544270"/>
+            <a:ext cx="6096000" cy="3293209"/>
+          </a:xfrm>
+          <a:prstGeom prst="rect">
+            <a:avLst/>
+          </a:prstGeom>
+        </p:spPr>
+        <p:txBody>
+          <a:bodyPr>
+            <a:spAutoFit/>
+          </a:bodyPr>
+          <a:lstStyle/>
+          <a:p>
+            <a:r>
+              <a:rPr lang="fr-FR" sz="2400" b="1" dirty="0"/>
+              <a:t>II) Etude Physique lecteur RFID</a:t>
+            </a:r>
+          </a:p>
+          <a:p>
+            <a:endParaRPr lang="fr-FR" sz="2000" u="sng" dirty="0"/>
+          </a:p>
+          <a:p>
             <a:pPr lvl="1"/>
             <a:r>
-              <a:rPr lang="fr-FR" dirty="0"/>
-              <a:t>1) Diagramme de cas d’utilisation</a:t>
-            </a:r>
-          </a:p>
-          <a:p>
-            <a:pPr lvl="1"/>
-            <a:r>
-              <a:rPr lang="fr-FR" dirty="0"/>
-              <a:t>2) Scénario</a:t>
-            </a:r>
-          </a:p>
-          <a:p>
-            <a:pPr lvl="1"/>
-            <a:r>
-              <a:rPr lang="fr-FR" dirty="0"/>
-              <a:t>3) Diagrammes de séquence</a:t>
-            </a:r>
-          </a:p>
-          <a:p>
-            <a:pPr lvl="2"/>
-            <a:r>
-              <a:rPr lang="fr-FR" dirty="0"/>
-              <a:t>a) Inscription à une course</a:t>
-            </a:r>
-          </a:p>
-          <a:p>
-            <a:pPr lvl="2"/>
-            <a:r>
-              <a:rPr lang="fr-FR" dirty="0"/>
-              <a:t>b) Connexion au site</a:t>
-            </a:r>
-          </a:p>
-          <a:p>
-            <a:pPr lvl="2"/>
-            <a:r>
-              <a:rPr lang="fr-FR" dirty="0"/>
-              <a:t>c) Association coureur dossard</a:t>
-            </a:r>
-          </a:p>
-          <a:p>
-            <a:r>
-              <a:rPr lang="fr-FR" dirty="0"/>
-              <a:t>II) Etude Physique lecteur RFID</a:t>
-            </a:r>
-          </a:p>
-          <a:p>
-            <a:pPr lvl="1"/>
-            <a:r>
-              <a:rPr lang="fr-FR" dirty="0"/>
-              <a:t>1) Présentation et fonctionnement</a:t>
+              <a:rPr lang="fr-FR" sz="2000" dirty="0"/>
+              <a:t>1) </a:t>
+            </a:r>
+            <a:r>
+              <a:rPr lang="fr-FR" sz="2000" u="sng" dirty="0"/>
+              <a:t>Présentation et fonctionnement</a:t>
             </a:r>
           </a:p>
           <a:p>
@@ -9957,10 +9836,18 @@
             </a:r>
           </a:p>
           <a:p>
+            <a:pPr lvl="2"/>
+            <a:endParaRPr lang="fr-FR" dirty="0"/>
+          </a:p>
+          <a:p>
             <a:pPr lvl="1"/>
             <a:r>
-              <a:rPr lang="fr-FR" dirty="0"/>
-              <a:t>2) Utilisation et choix du RFID</a:t>
+              <a:rPr lang="fr-FR" sz="2000" dirty="0"/>
+              <a:t>2) </a:t>
+            </a:r>
+            <a:r>
+              <a:rPr lang="fr-FR" sz="2000" u="sng" dirty="0"/>
+              <a:t>Utilisation et choix du RFID</a:t>
             </a:r>
           </a:p>
           <a:p>
@@ -9988,19 +9875,54 @@
             <a:pPr lvl="2"/>
             <a:r>
               <a:rPr lang="fr-FR" dirty="0"/>
-              <a:t>d) </a:t>
-            </a:r>
-            <a:r>
-              <a:rPr lang="fr-FR" dirty="0" smtClean="0"/>
-              <a:t>Choix du RFID</a:t>
-            </a:r>
-            <a:endParaRPr lang="fr-FR" dirty="0"/>
-          </a:p>
-          <a:p>
-            <a:r>
-              <a:rPr lang="fr-FR" dirty="0"/>
+              <a:t>d) Choix du RFID</a:t>
+            </a:r>
+          </a:p>
+        </p:txBody>
+      </p:sp>
+      <p:sp>
+        <p:nvSpPr>
+          <p:cNvPr id="5" name="Rectangle 4">
+            <a:extLst>
+              <a:ext uri="{FF2B5EF4-FFF2-40B4-BE49-F238E27FC236}">
+                <a16:creationId xmlns:a16="http://schemas.microsoft.com/office/drawing/2014/main" id="{DE135914-0B19-8546-824F-92BD04E90778}"/>
+              </a:ext>
+            </a:extLst>
+          </p:cNvPr>
+          <p:cNvSpPr/>
+          <p:nvPr/>
+        </p:nvSpPr>
+        <p:spPr>
+          <a:xfrm>
+            <a:off x="334108" y="5299809"/>
+            <a:ext cx="4923692" cy="1938992"/>
+          </a:xfrm>
+          <a:prstGeom prst="rect">
+            <a:avLst/>
+          </a:prstGeom>
+        </p:spPr>
+        <p:txBody>
+          <a:bodyPr wrap="square">
+            <a:spAutoFit/>
+          </a:bodyPr>
+          <a:lstStyle/>
+          <a:p>
+            <a:r>
+              <a:rPr lang="fr-FR" sz="2400" b="1" dirty="0"/>
               <a:t>III) Module de test</a:t>
             </a:r>
+          </a:p>
+          <a:p>
+            <a:endParaRPr lang="fr-FR" sz="2400" dirty="0"/>
+          </a:p>
+          <a:p>
+            <a:endParaRPr lang="fr-FR" sz="2400" dirty="0"/>
+          </a:p>
+          <a:p>
+            <a:endParaRPr lang="fr-FR" sz="2400" dirty="0"/>
+          </a:p>
+          <a:p>
+            <a:endParaRPr lang="fr-FR" sz="2400" dirty="0"/>
           </a:p>
         </p:txBody>
       </p:sp>
@@ -10069,7 +9991,7 @@
           <a:p>
             <a:pPr algn="ctr"/>
             <a:r>
-              <a:rPr lang="fr-FR" sz="3600" dirty="0"/>
+              <a:rPr lang="fr-FR" sz="3600" b="1" dirty="0"/>
               <a:t>I) Analyse complète du système</a:t>
             </a:r>
             <a:br>
@@ -10081,7 +10003,11 @@
             </a:r>
             <a:r>
               <a:rPr lang="fr-FR" sz="2800" dirty="0"/>
-              <a:t>1) Diagramme de cas d’utilisation</a:t>
+              <a:t>1) </a:t>
+            </a:r>
+            <a:r>
+              <a:rPr lang="fr-FR" sz="2800" u="sng" dirty="0"/>
+              <a:t>Diagramme de cas d’utilisation</a:t>
             </a:r>
           </a:p>
         </p:txBody>
@@ -10181,7 +10107,11 @@
             <a:pPr algn="ctr"/>
             <a:r>
               <a:rPr lang="fr-FR" sz="2800" dirty="0"/>
-              <a:t>2) Scénario</a:t>
+              <a:t>2) </a:t>
+            </a:r>
+            <a:r>
+              <a:rPr lang="fr-FR" sz="2800" u="sng" dirty="0"/>
+              <a:t>Scénario</a:t>
             </a:r>
           </a:p>
         </p:txBody>

--- a/Diagrammes Communs/Presentation_Revue0.pptx
+++ b/Diagrammes Communs/Presentation_Revue0.pptx
@@ -6,43 +6,44 @@
   </p:sldMasterIdLst>
   <p:sldIdLst>
     <p:sldId id="256" r:id="rId2"/>
-    <p:sldId id="257" r:id="rId3"/>
-    <p:sldId id="262" r:id="rId4"/>
-    <p:sldId id="263" r:id="rId5"/>
-    <p:sldId id="264" r:id="rId6"/>
-    <p:sldId id="277" r:id="rId7"/>
-    <p:sldId id="258" r:id="rId8"/>
-    <p:sldId id="259" r:id="rId9"/>
-    <p:sldId id="260" r:id="rId10"/>
-    <p:sldId id="265" r:id="rId11"/>
-    <p:sldId id="261" r:id="rId12"/>
-    <p:sldId id="285" r:id="rId13"/>
-    <p:sldId id="266" r:id="rId14"/>
-    <p:sldId id="286" r:id="rId15"/>
-    <p:sldId id="267" r:id="rId16"/>
-    <p:sldId id="268" r:id="rId17"/>
-    <p:sldId id="290" r:id="rId18"/>
-    <p:sldId id="270" r:id="rId19"/>
-    <p:sldId id="271" r:id="rId20"/>
-    <p:sldId id="272" r:id="rId21"/>
-    <p:sldId id="291" r:id="rId22"/>
-    <p:sldId id="292" r:id="rId23"/>
-    <p:sldId id="293" r:id="rId24"/>
-    <p:sldId id="294" r:id="rId25"/>
-    <p:sldId id="295" r:id="rId26"/>
-    <p:sldId id="274" r:id="rId27"/>
-    <p:sldId id="275" r:id="rId28"/>
-    <p:sldId id="276" r:id="rId29"/>
-    <p:sldId id="278" r:id="rId30"/>
-    <p:sldId id="280" r:id="rId31"/>
-    <p:sldId id="283" r:id="rId32"/>
-    <p:sldId id="281" r:id="rId33"/>
-    <p:sldId id="284" r:id="rId34"/>
-    <p:sldId id="296" r:id="rId35"/>
-    <p:sldId id="297" r:id="rId36"/>
-    <p:sldId id="298" r:id="rId37"/>
-    <p:sldId id="299" r:id="rId38"/>
-    <p:sldId id="300" r:id="rId39"/>
+    <p:sldId id="301" r:id="rId3"/>
+    <p:sldId id="257" r:id="rId4"/>
+    <p:sldId id="262" r:id="rId5"/>
+    <p:sldId id="263" r:id="rId6"/>
+    <p:sldId id="264" r:id="rId7"/>
+    <p:sldId id="277" r:id="rId8"/>
+    <p:sldId id="258" r:id="rId9"/>
+    <p:sldId id="259" r:id="rId10"/>
+    <p:sldId id="260" r:id="rId11"/>
+    <p:sldId id="265" r:id="rId12"/>
+    <p:sldId id="261" r:id="rId13"/>
+    <p:sldId id="285" r:id="rId14"/>
+    <p:sldId id="266" r:id="rId15"/>
+    <p:sldId id="286" r:id="rId16"/>
+    <p:sldId id="267" r:id="rId17"/>
+    <p:sldId id="268" r:id="rId18"/>
+    <p:sldId id="290" r:id="rId19"/>
+    <p:sldId id="270" r:id="rId20"/>
+    <p:sldId id="271" r:id="rId21"/>
+    <p:sldId id="272" r:id="rId22"/>
+    <p:sldId id="291" r:id="rId23"/>
+    <p:sldId id="292" r:id="rId24"/>
+    <p:sldId id="293" r:id="rId25"/>
+    <p:sldId id="294" r:id="rId26"/>
+    <p:sldId id="295" r:id="rId27"/>
+    <p:sldId id="274" r:id="rId28"/>
+    <p:sldId id="275" r:id="rId29"/>
+    <p:sldId id="276" r:id="rId30"/>
+    <p:sldId id="278" r:id="rId31"/>
+    <p:sldId id="280" r:id="rId32"/>
+    <p:sldId id="283" r:id="rId33"/>
+    <p:sldId id="281" r:id="rId34"/>
+    <p:sldId id="284" r:id="rId35"/>
+    <p:sldId id="296" r:id="rId36"/>
+    <p:sldId id="297" r:id="rId37"/>
+    <p:sldId id="298" r:id="rId38"/>
+    <p:sldId id="299" r:id="rId39"/>
+    <p:sldId id="300" r:id="rId40"/>
   </p:sldIdLst>
   <p:sldSz cx="12192000" cy="6858000"/>
   <p:notesSz cx="6858000" cy="9144000"/>
@@ -278,7 +279,7 @@
           <a:p>
             <a:fld id="{7BC5C595-FB1D-4FA3-AB00-1D4758E98115}" type="datetimeFigureOut">
               <a:rPr lang="fr-FR" smtClean="0"/>
-              <a:t>01/02/2020</a:t>
+              <a:t>03/02/2020</a:t>
             </a:fld>
             <a:endParaRPr lang="fr-FR"/>
           </a:p>
@@ -446,7 +447,7 @@
           <a:p>
             <a:fld id="{7BC5C595-FB1D-4FA3-AB00-1D4758E98115}" type="datetimeFigureOut">
               <a:rPr lang="fr-FR" smtClean="0"/>
-              <a:t>01/02/2020</a:t>
+              <a:t>03/02/2020</a:t>
             </a:fld>
             <a:endParaRPr lang="fr-FR"/>
           </a:p>
@@ -624,7 +625,7 @@
           <a:p>
             <a:fld id="{7BC5C595-FB1D-4FA3-AB00-1D4758E98115}" type="datetimeFigureOut">
               <a:rPr lang="fr-FR" smtClean="0"/>
-              <a:t>01/02/2020</a:t>
+              <a:t>03/02/2020</a:t>
             </a:fld>
             <a:endParaRPr lang="fr-FR"/>
           </a:p>
@@ -792,7 +793,7 @@
           <a:p>
             <a:fld id="{7BC5C595-FB1D-4FA3-AB00-1D4758E98115}" type="datetimeFigureOut">
               <a:rPr lang="fr-FR" smtClean="0"/>
-              <a:t>01/02/2020</a:t>
+              <a:t>03/02/2020</a:t>
             </a:fld>
             <a:endParaRPr lang="fr-FR"/>
           </a:p>
@@ -1037,7 +1038,7 @@
           <a:p>
             <a:fld id="{7BC5C595-FB1D-4FA3-AB00-1D4758E98115}" type="datetimeFigureOut">
               <a:rPr lang="fr-FR" smtClean="0"/>
-              <a:t>01/02/2020</a:t>
+              <a:t>03/02/2020</a:t>
             </a:fld>
             <a:endParaRPr lang="fr-FR"/>
           </a:p>
@@ -1266,7 +1267,7 @@
           <a:p>
             <a:fld id="{7BC5C595-FB1D-4FA3-AB00-1D4758E98115}" type="datetimeFigureOut">
               <a:rPr lang="fr-FR" smtClean="0"/>
-              <a:t>01/02/2020</a:t>
+              <a:t>03/02/2020</a:t>
             </a:fld>
             <a:endParaRPr lang="fr-FR"/>
           </a:p>
@@ -1630,7 +1631,7 @@
           <a:p>
             <a:fld id="{7BC5C595-FB1D-4FA3-AB00-1D4758E98115}" type="datetimeFigureOut">
               <a:rPr lang="fr-FR" smtClean="0"/>
-              <a:t>01/02/2020</a:t>
+              <a:t>03/02/2020</a:t>
             </a:fld>
             <a:endParaRPr lang="fr-FR"/>
           </a:p>
@@ -1747,7 +1748,7 @@
           <a:p>
             <a:fld id="{7BC5C595-FB1D-4FA3-AB00-1D4758E98115}" type="datetimeFigureOut">
               <a:rPr lang="fr-FR" smtClean="0"/>
-              <a:t>01/02/2020</a:t>
+              <a:t>03/02/2020</a:t>
             </a:fld>
             <a:endParaRPr lang="fr-FR"/>
           </a:p>
@@ -1842,7 +1843,7 @@
           <a:p>
             <a:fld id="{7BC5C595-FB1D-4FA3-AB00-1D4758E98115}" type="datetimeFigureOut">
               <a:rPr lang="fr-FR" smtClean="0"/>
-              <a:t>01/02/2020</a:t>
+              <a:t>03/02/2020</a:t>
             </a:fld>
             <a:endParaRPr lang="fr-FR"/>
           </a:p>
@@ -2117,7 +2118,7 @@
           <a:p>
             <a:fld id="{7BC5C595-FB1D-4FA3-AB00-1D4758E98115}" type="datetimeFigureOut">
               <a:rPr lang="fr-FR" smtClean="0"/>
-              <a:t>01/02/2020</a:t>
+              <a:t>03/02/2020</a:t>
             </a:fld>
             <a:endParaRPr lang="fr-FR"/>
           </a:p>
@@ -2369,7 +2370,7 @@
           <a:p>
             <a:fld id="{7BC5C595-FB1D-4FA3-AB00-1D4758E98115}" type="datetimeFigureOut">
               <a:rPr lang="fr-FR" smtClean="0"/>
-              <a:t>01/02/2020</a:t>
+              <a:t>03/02/2020</a:t>
             </a:fld>
             <a:endParaRPr lang="fr-FR"/>
           </a:p>
@@ -2580,7 +2581,7 @@
           <a:p>
             <a:fld id="{7BC5C595-FB1D-4FA3-AB00-1D4758E98115}" type="datetimeFigureOut">
               <a:rPr lang="fr-FR" smtClean="0"/>
-              <a:t>01/02/2020</a:t>
+              <a:t>03/02/2020</a:t>
             </a:fld>
             <a:endParaRPr lang="fr-FR"/>
           </a:p>
@@ -3073,6 +3074,13 @@
   <p:clrMapOvr>
     <a:masterClrMapping/>
   </p:clrMapOvr>
+  <p:timing>
+    <p:tnLst>
+      <p:par>
+        <p:cTn id="1" dur="indefinite" restart="never" nodeType="tmRoot"/>
+      </p:par>
+    </p:tnLst>
+  </p:timing>
 </p:sld>
 </file>
 
@@ -3116,8 +3124,8 @@
         </p:nvSpPr>
         <p:spPr>
           <a:xfrm>
-            <a:off x="838199" y="640534"/>
-            <a:ext cx="10515600" cy="531690"/>
+            <a:off x="838200" y="1"/>
+            <a:ext cx="10515600" cy="633046"/>
           </a:xfrm>
         </p:spPr>
         <p:txBody>
@@ -3128,84 +3136,46 @@
           <a:p>
             <a:pPr algn="ctr"/>
             <a:r>
-              <a:rPr lang="fr-FR" sz="2400" dirty="0"/>
-              <a:t>a) Connexion au site</a:t>
-            </a:r>
-          </a:p>
-        </p:txBody>
-      </p:sp>
-      <p:pic>
-        <p:nvPicPr>
-          <p:cNvPr id="3" name="Image 2"/>
-          <p:cNvPicPr>
-            <a:picLocks noChangeAspect="1"/>
-          </p:cNvPicPr>
-          <p:nvPr/>
-        </p:nvPicPr>
-        <p:blipFill>
-          <a:blip r:embed="rId2">
-            <a:extLst>
-              <a:ext uri="{28A0092B-C50C-407E-A947-70E740481C1C}">
-                <a14:useLocalDpi xmlns:a14="http://schemas.microsoft.com/office/drawing/2010/main" val="0"/>
-              </a:ext>
-            </a:extLst>
-          </a:blip>
-          <a:stretch>
-            <a:fillRect/>
-          </a:stretch>
-        </p:blipFill>
-        <p:spPr>
-          <a:xfrm>
-            <a:off x="164575" y="1247470"/>
-            <a:ext cx="12027425" cy="4704151"/>
-          </a:xfrm>
-          <a:prstGeom prst="rect">
-            <a:avLst/>
-          </a:prstGeom>
-        </p:spPr>
-      </p:pic>
-      <p:sp>
-        <p:nvSpPr>
-          <p:cNvPr id="4" name="Rectangle 3">
-            <a:extLst>
-              <a:ext uri="{FF2B5EF4-FFF2-40B4-BE49-F238E27FC236}">
-                <a16:creationId xmlns:a16="http://schemas.microsoft.com/office/drawing/2014/main" id="{F019A73F-2CD0-F44E-9E09-73314D2DD7D7}"/>
-              </a:ext>
-            </a:extLst>
-          </p:cNvPr>
-          <p:cNvSpPr/>
-          <p:nvPr/>
-        </p:nvSpPr>
-        <p:spPr>
-          <a:xfrm>
-            <a:off x="838199" y="271202"/>
-            <a:ext cx="10515600" cy="523220"/>
-          </a:xfrm>
-          <a:prstGeom prst="rect">
-            <a:avLst/>
-          </a:prstGeom>
-        </p:spPr>
-        <p:txBody>
-          <a:bodyPr wrap="square">
-            <a:spAutoFit/>
+              <a:rPr lang="fr-FR" sz="2800" dirty="0"/>
+              <a:t>2) </a:t>
+            </a:r>
+            <a:r>
+              <a:rPr lang="fr-FR" sz="2800" u="sng" dirty="0"/>
+              <a:t>Scénario</a:t>
+            </a:r>
+          </a:p>
+        </p:txBody>
+      </p:sp>
+      <p:sp>
+        <p:nvSpPr>
+          <p:cNvPr id="3" name="Espace réservé du contenu 2"/>
+          <p:cNvSpPr>
+            <a:spLocks noGrp="1"/>
+          </p:cNvSpPr>
+          <p:nvPr>
+            <p:ph idx="1"/>
+          </p:nvPr>
+        </p:nvSpPr>
+        <p:spPr>
+          <a:xfrm>
+            <a:off x="553916" y="791308"/>
+            <a:ext cx="10717823" cy="6137031"/>
+          </a:xfrm>
+        </p:spPr>
+        <p:txBody>
+          <a:bodyPr>
+            <a:normAutofit/>
           </a:bodyPr>
           <a:lstStyle/>
           <a:p>
-            <a:r>
-              <a:rPr lang="fr-FR" sz="2800" dirty="0"/>
-              <a:t>3) </a:t>
-            </a:r>
-            <a:r>
-              <a:rPr lang="fr-FR" sz="2800" u="sng" dirty="0"/>
-              <a:t>Diagrammes de séquence</a:t>
-            </a:r>
+            <a:endParaRPr lang="fr-FR" dirty="0"/>
           </a:p>
         </p:txBody>
       </p:sp>
     </p:spTree>
     <p:extLst>
       <p:ext uri="{BB962C8B-B14F-4D97-AF65-F5344CB8AC3E}">
-        <p14:creationId xmlns:p14="http://schemas.microsoft.com/office/powerpoint/2010/main" val="1786565788"/>
+        <p14:creationId xmlns:p14="http://schemas.microsoft.com/office/powerpoint/2010/main" val="1312171906"/>
       </p:ext>
     </p:extLst>
   </p:cSld>
@@ -3255,8 +3225,8 @@
         </p:nvSpPr>
         <p:spPr>
           <a:xfrm>
-            <a:off x="838200" y="0"/>
-            <a:ext cx="10515600" cy="865798"/>
+            <a:off x="838199" y="640534"/>
+            <a:ext cx="10515600" cy="531690"/>
           </a:xfrm>
         </p:spPr>
         <p:txBody>
@@ -3268,16 +3238,17 @@
             <a:pPr algn="ctr"/>
             <a:r>
               <a:rPr lang="fr-FR" sz="2400" dirty="0"/>
-              <a:t>b) Inscription à une course</a:t>
-            </a:r>
-            <a:endParaRPr lang="fr-FR" sz="2800" dirty="0"/>
+              <a:t>a) Connexion au site</a:t>
+            </a:r>
           </a:p>
         </p:txBody>
       </p:sp>
       <p:pic>
         <p:nvPicPr>
-          <p:cNvPr id="5" name="Image 4"/>
-          <p:cNvPicPr/>
+          <p:cNvPr id="3" name="Image 2"/>
+          <p:cNvPicPr>
+            <a:picLocks noChangeAspect="1"/>
+          </p:cNvPicPr>
           <p:nvPr/>
         </p:nvPicPr>
         <p:blipFill>
@@ -3292,24 +3263,58 @@
             <a:fillRect/>
           </a:stretch>
         </p:blipFill>
-        <p:spPr bwMode="auto">
-          <a:xfrm>
-            <a:off x="898049" y="865798"/>
-            <a:ext cx="10395902" cy="5577306"/>
+        <p:spPr>
+          <a:xfrm>
+            <a:off x="164575" y="1247470"/>
+            <a:ext cx="12027425" cy="4704151"/>
           </a:xfrm>
           <a:prstGeom prst="rect">
             <a:avLst/>
           </a:prstGeom>
-          <a:noFill/>
-          <a:ln>
-            <a:noFill/>
-          </a:ln>
         </p:spPr>
       </p:pic>
+      <p:sp>
+        <p:nvSpPr>
+          <p:cNvPr id="4" name="Rectangle 3">
+            <a:extLst>
+              <a:ext uri="{FF2B5EF4-FFF2-40B4-BE49-F238E27FC236}">
+                <a16:creationId xmlns:a16="http://schemas.microsoft.com/office/drawing/2014/main" id="{F019A73F-2CD0-F44E-9E09-73314D2DD7D7}"/>
+              </a:ext>
+            </a:extLst>
+          </p:cNvPr>
+          <p:cNvSpPr/>
+          <p:nvPr/>
+        </p:nvSpPr>
+        <p:spPr>
+          <a:xfrm>
+            <a:off x="838199" y="271202"/>
+            <a:ext cx="10515600" cy="523220"/>
+          </a:xfrm>
+          <a:prstGeom prst="rect">
+            <a:avLst/>
+          </a:prstGeom>
+        </p:spPr>
+        <p:txBody>
+          <a:bodyPr wrap="square">
+            <a:spAutoFit/>
+          </a:bodyPr>
+          <a:lstStyle/>
+          <a:p>
+            <a:r>
+              <a:rPr lang="fr-FR" sz="2800" dirty="0"/>
+              <a:t>3) </a:t>
+            </a:r>
+            <a:r>
+              <a:rPr lang="fr-FR" sz="2800" u="sng" dirty="0"/>
+              <a:t>Diagrammes de séquence</a:t>
+            </a:r>
+          </a:p>
+        </p:txBody>
+      </p:sp>
     </p:spTree>
     <p:extLst>
       <p:ext uri="{BB962C8B-B14F-4D97-AF65-F5344CB8AC3E}">
-        <p14:creationId xmlns:p14="http://schemas.microsoft.com/office/powerpoint/2010/main" val="4171307395"/>
+        <p14:creationId xmlns:p14="http://schemas.microsoft.com/office/powerpoint/2010/main" val="1786565788"/>
       </p:ext>
     </p:extLst>
   </p:cSld>
@@ -3360,7 +3365,7 @@
         <p:spPr>
           <a:xfrm>
             <a:off x="838200" y="0"/>
-            <a:ext cx="10515600" cy="531690"/>
+            <a:ext cx="10515600" cy="865798"/>
           </a:xfrm>
         </p:spPr>
         <p:txBody>
@@ -3372,14 +3377,15 @@
             <a:pPr algn="ctr"/>
             <a:r>
               <a:rPr lang="fr-FR" sz="2400" dirty="0"/>
-              <a:t>c) Association Coureur Dossard</a:t>
-            </a:r>
+              <a:t>b) Inscription à une course</a:t>
+            </a:r>
+            <a:endParaRPr lang="fr-FR" sz="2800" dirty="0"/>
           </a:p>
         </p:txBody>
       </p:sp>
       <p:pic>
         <p:nvPicPr>
-          <p:cNvPr id="4" name="Image 3"/>
+          <p:cNvPr id="5" name="Image 4"/>
           <p:cNvPicPr/>
           <p:nvPr/>
         </p:nvPicPr>
@@ -3397,8 +3403,8 @@
         </p:blipFill>
         <p:spPr bwMode="auto">
           <a:xfrm>
-            <a:off x="598086" y="531690"/>
-            <a:ext cx="10995827" cy="6062629"/>
+            <a:off x="898049" y="865798"/>
+            <a:ext cx="10395902" cy="5577306"/>
           </a:xfrm>
           <a:prstGeom prst="rect">
             <a:avLst/>
@@ -3412,7 +3418,7 @@
     </p:spTree>
     <p:extLst>
       <p:ext uri="{BB962C8B-B14F-4D97-AF65-F5344CB8AC3E}">
-        <p14:creationId xmlns:p14="http://schemas.microsoft.com/office/powerpoint/2010/main" val="646397262"/>
+        <p14:creationId xmlns:p14="http://schemas.microsoft.com/office/powerpoint/2010/main" val="4171307395"/>
       </p:ext>
     </p:extLst>
   </p:cSld>
@@ -3475,17 +3481,15 @@
             <a:pPr algn="ctr"/>
             <a:r>
               <a:rPr lang="fr-FR" sz="2400" dirty="0"/>
-              <a:t>d) Création d’une course</a:t>
+              <a:t>c) Association Coureur Dossard</a:t>
             </a:r>
           </a:p>
         </p:txBody>
       </p:sp>
       <p:pic>
         <p:nvPicPr>
-          <p:cNvPr id="3" name="Image 2"/>
-          <p:cNvPicPr>
-            <a:picLocks noChangeAspect="1"/>
-          </p:cNvPicPr>
+          <p:cNvPr id="4" name="Image 3"/>
+          <p:cNvPicPr/>
           <p:nvPr/>
         </p:nvPicPr>
         <p:blipFill>
@@ -3500,20 +3504,24 @@
             <a:fillRect/>
           </a:stretch>
         </p:blipFill>
-        <p:spPr>
-          <a:xfrm>
-            <a:off x="2037679" y="976777"/>
-            <a:ext cx="8116642" cy="5200710"/>
+        <p:spPr bwMode="auto">
+          <a:xfrm>
+            <a:off x="598086" y="531690"/>
+            <a:ext cx="10995827" cy="6062629"/>
           </a:xfrm>
           <a:prstGeom prst="rect">
             <a:avLst/>
           </a:prstGeom>
+          <a:noFill/>
+          <a:ln>
+            <a:noFill/>
+          </a:ln>
         </p:spPr>
       </p:pic>
     </p:spTree>
     <p:extLst>
       <p:ext uri="{BB962C8B-B14F-4D97-AF65-F5344CB8AC3E}">
-        <p14:creationId xmlns:p14="http://schemas.microsoft.com/office/powerpoint/2010/main" val="1650611633"/>
+        <p14:creationId xmlns:p14="http://schemas.microsoft.com/office/powerpoint/2010/main" val="646397262"/>
       </p:ext>
     </p:extLst>
   </p:cSld>
@@ -3576,7 +3584,7 @@
             <a:pPr algn="ctr"/>
             <a:r>
               <a:rPr lang="fr-FR" sz="2400" dirty="0"/>
-              <a:t>e) Gérer les inscriptions à une course</a:t>
+              <a:t>d) Création d’une course</a:t>
             </a:r>
           </a:p>
         </p:txBody>
@@ -3603,8 +3611,8 @@
         </p:blipFill>
         <p:spPr>
           <a:xfrm>
-            <a:off x="1394758" y="1068765"/>
-            <a:ext cx="9402484" cy="4886154"/>
+            <a:off x="2037679" y="976777"/>
+            <a:ext cx="8116642" cy="5200710"/>
           </a:xfrm>
           <a:prstGeom prst="rect">
             <a:avLst/>
@@ -3614,7 +3622,7 @@
     </p:spTree>
     <p:extLst>
       <p:ext uri="{BB962C8B-B14F-4D97-AF65-F5344CB8AC3E}">
-        <p14:creationId xmlns:p14="http://schemas.microsoft.com/office/powerpoint/2010/main" val="667980498"/>
+        <p14:creationId xmlns:p14="http://schemas.microsoft.com/office/powerpoint/2010/main" val="1650611633"/>
       </p:ext>
     </p:extLst>
   </p:cSld>
@@ -3664,6 +3672,107 @@
         </p:nvSpPr>
         <p:spPr>
           <a:xfrm>
+            <a:off x="838200" y="0"/>
+            <a:ext cx="10515600" cy="531690"/>
+          </a:xfrm>
+        </p:spPr>
+        <p:txBody>
+          <a:bodyPr>
+            <a:normAutofit/>
+          </a:bodyPr>
+          <a:lstStyle/>
+          <a:p>
+            <a:pPr algn="ctr"/>
+            <a:r>
+              <a:rPr lang="fr-FR" sz="2400" dirty="0"/>
+              <a:t>e) Gérer les inscriptions à une course</a:t>
+            </a:r>
+          </a:p>
+        </p:txBody>
+      </p:sp>
+      <p:pic>
+        <p:nvPicPr>
+          <p:cNvPr id="3" name="Image 2"/>
+          <p:cNvPicPr>
+            <a:picLocks noChangeAspect="1"/>
+          </p:cNvPicPr>
+          <p:nvPr/>
+        </p:nvPicPr>
+        <p:blipFill>
+          <a:blip r:embed="rId2">
+            <a:extLst>
+              <a:ext uri="{28A0092B-C50C-407E-A947-70E740481C1C}">
+                <a14:useLocalDpi xmlns:a14="http://schemas.microsoft.com/office/drawing/2010/main" val="0"/>
+              </a:ext>
+            </a:extLst>
+          </a:blip>
+          <a:stretch>
+            <a:fillRect/>
+          </a:stretch>
+        </p:blipFill>
+        <p:spPr>
+          <a:xfrm>
+            <a:off x="1394758" y="1068765"/>
+            <a:ext cx="9402484" cy="4886154"/>
+          </a:xfrm>
+          <a:prstGeom prst="rect">
+            <a:avLst/>
+          </a:prstGeom>
+        </p:spPr>
+      </p:pic>
+    </p:spTree>
+    <p:extLst>
+      <p:ext uri="{BB962C8B-B14F-4D97-AF65-F5344CB8AC3E}">
+        <p14:creationId xmlns:p14="http://schemas.microsoft.com/office/powerpoint/2010/main" val="667980498"/>
+      </p:ext>
+    </p:extLst>
+  </p:cSld>
+  <p:clrMapOvr>
+    <a:masterClrMapping/>
+  </p:clrMapOvr>
+</p:sld>
+</file>
+
+<file path=ppt/slides/slide16.xml><?xml version="1.0" encoding="utf-8"?>
+<p:sld xmlns:a="http://schemas.openxmlformats.org/drawingml/2006/main" xmlns:r="http://schemas.openxmlformats.org/officeDocument/2006/relationships" xmlns:p="http://schemas.openxmlformats.org/presentationml/2006/main">
+  <p:cSld>
+    <p:bg>
+      <p:bgPr>
+        <a:solidFill>
+          <a:schemeClr val="accent1">
+            <a:lumMod val="20000"/>
+            <a:lumOff val="80000"/>
+          </a:schemeClr>
+        </a:solidFill>
+        <a:effectLst/>
+      </p:bgPr>
+    </p:bg>
+    <p:spTree>
+      <p:nvGrpSpPr>
+        <p:cNvPr id="1" name=""/>
+        <p:cNvGrpSpPr/>
+        <p:nvPr/>
+      </p:nvGrpSpPr>
+      <p:grpSpPr>
+        <a:xfrm>
+          <a:off x="0" y="0"/>
+          <a:ext cx="0" cy="0"/>
+          <a:chOff x="0" y="0"/>
+          <a:chExt cx="0" cy="0"/>
+        </a:xfrm>
+      </p:grpSpPr>
+      <p:sp>
+        <p:nvSpPr>
+          <p:cNvPr id="2" name="Titre 1"/>
+          <p:cNvSpPr>
+            <a:spLocks noGrp="1"/>
+          </p:cNvSpPr>
+          <p:nvPr>
+            <p:ph type="title"/>
+          </p:nvPr>
+        </p:nvSpPr>
+        <p:spPr>
+          <a:xfrm>
             <a:off x="838200" y="1"/>
             <a:ext cx="10515600" cy="1690688"/>
           </a:xfrm>
@@ -3978,7 +4087,7 @@
 </p:sld>
 </file>
 
-<file path=ppt/slides/slide16.xml><?xml version="1.0" encoding="utf-8"?>
+<file path=ppt/slides/slide17.xml><?xml version="1.0" encoding="utf-8"?>
 <p:sld xmlns:a="http://schemas.openxmlformats.org/drawingml/2006/main" xmlns:r="http://schemas.openxmlformats.org/officeDocument/2006/relationships" xmlns:p="http://schemas.openxmlformats.org/presentationml/2006/main">
   <p:cSld>
     <p:bg>
@@ -5175,7 +5284,7 @@
 </p:sld>
 </file>
 
-<file path=ppt/slides/slide17.xml><?xml version="1.0" encoding="utf-8"?>
+<file path=ppt/slides/slide18.xml><?xml version="1.0" encoding="utf-8"?>
 <p:sld xmlns:a="http://schemas.openxmlformats.org/drawingml/2006/main" xmlns:r="http://schemas.openxmlformats.org/officeDocument/2006/relationships" xmlns:p="http://schemas.openxmlformats.org/presentationml/2006/main">
   <p:cSld>
     <p:bg>
@@ -5373,222 +5482,6 @@
     <p:extLst>
       <p:ext uri="{BB962C8B-B14F-4D97-AF65-F5344CB8AC3E}">
         <p14:creationId xmlns:p14="http://schemas.microsoft.com/office/powerpoint/2010/main" val="4149026334"/>
-      </p:ext>
-    </p:extLst>
-  </p:cSld>
-  <p:clrMapOvr>
-    <a:masterClrMapping/>
-  </p:clrMapOvr>
-</p:sld>
-</file>
-
-<file path=ppt/slides/slide18.xml><?xml version="1.0" encoding="utf-8"?>
-<p:sld xmlns:a="http://schemas.openxmlformats.org/drawingml/2006/main" xmlns:r="http://schemas.openxmlformats.org/officeDocument/2006/relationships" xmlns:p="http://schemas.openxmlformats.org/presentationml/2006/main">
-  <p:cSld>
-    <p:bg>
-      <p:bgPr>
-        <a:solidFill>
-          <a:schemeClr val="accent2">
-            <a:lumMod val="40000"/>
-            <a:lumOff val="60000"/>
-          </a:schemeClr>
-        </a:solidFill>
-        <a:effectLst/>
-      </p:bgPr>
-    </p:bg>
-    <p:spTree>
-      <p:nvGrpSpPr>
-        <p:cNvPr id="1" name=""/>
-        <p:cNvGrpSpPr/>
-        <p:nvPr/>
-      </p:nvGrpSpPr>
-      <p:grpSpPr>
-        <a:xfrm>
-          <a:off x="0" y="0"/>
-          <a:ext cx="0" cy="0"/>
-          <a:chOff x="0" y="0"/>
-          <a:chExt cx="0" cy="0"/>
-        </a:xfrm>
-      </p:grpSpPr>
-      <p:sp>
-        <p:nvSpPr>
-          <p:cNvPr id="2" name="Titre 1"/>
-          <p:cNvSpPr>
-            <a:spLocks noGrp="1"/>
-          </p:cNvSpPr>
-          <p:nvPr>
-            <p:ph type="title"/>
-          </p:nvPr>
-        </p:nvSpPr>
-        <p:spPr>
-          <a:xfrm>
-            <a:off x="334108" y="218708"/>
-            <a:ext cx="10515600" cy="1325563"/>
-          </a:xfrm>
-        </p:spPr>
-        <p:txBody>
-          <a:bodyPr/>
-          <a:lstStyle/>
-          <a:p>
-            <a:r>
-              <a:rPr lang="fr-FR" dirty="0">
-                <a:solidFill>
-                  <a:srgbClr val="FF0000"/>
-                </a:solidFill>
-              </a:rPr>
-              <a:t>Etudiant 2 : Jouen Matthias</a:t>
-            </a:r>
-          </a:p>
-        </p:txBody>
-      </p:sp>
-      <p:sp>
-        <p:nvSpPr>
-          <p:cNvPr id="3" name="Espace réservé du contenu 2"/>
-          <p:cNvSpPr>
-            <a:spLocks noGrp="1"/>
-          </p:cNvSpPr>
-          <p:nvPr>
-            <p:ph idx="1"/>
-          </p:nvPr>
-        </p:nvSpPr>
-        <p:spPr>
-          <a:xfrm>
-            <a:off x="334108" y="1544271"/>
-            <a:ext cx="11019692" cy="5129090"/>
-          </a:xfrm>
-        </p:spPr>
-        <p:txBody>
-          <a:bodyPr>
-            <a:normAutofit fontScale="92500" lnSpcReduction="20000"/>
-          </a:bodyPr>
-          <a:lstStyle/>
-          <a:p>
-            <a:r>
-              <a:rPr lang="fr-FR" dirty="0"/>
-              <a:t>I) Analyse complète du système</a:t>
-            </a:r>
-          </a:p>
-          <a:p>
-            <a:pPr lvl="1"/>
-            <a:r>
-              <a:rPr lang="fr-FR" dirty="0"/>
-              <a:t>1) Diagramme de cas d’utilisation</a:t>
-            </a:r>
-          </a:p>
-          <a:p>
-            <a:pPr lvl="1"/>
-            <a:r>
-              <a:rPr lang="fr-FR" dirty="0"/>
-              <a:t>2) Diagrammes de séquence</a:t>
-            </a:r>
-          </a:p>
-          <a:p>
-            <a:pPr lvl="2"/>
-            <a:r>
-              <a:rPr lang="fr-FR" dirty="0"/>
-              <a:t>a) Sélection d’une course</a:t>
-            </a:r>
-          </a:p>
-          <a:p>
-            <a:pPr lvl="2"/>
-            <a:r>
-              <a:rPr lang="fr-FR" dirty="0"/>
-              <a:t>b) Démarrage d’une course</a:t>
-            </a:r>
-          </a:p>
-          <a:p>
-            <a:pPr lvl="2"/>
-            <a:r>
-              <a:rPr lang="fr-FR" dirty="0"/>
-              <a:t>c) Démarrage du chrono</a:t>
-            </a:r>
-          </a:p>
-          <a:p>
-            <a:pPr lvl="2"/>
-            <a:r>
-              <a:rPr lang="fr-FR" dirty="0"/>
-              <a:t>d) Détection d’un coureur</a:t>
-            </a:r>
-          </a:p>
-          <a:p>
-            <a:pPr lvl="2"/>
-            <a:r>
-              <a:rPr lang="fr-FR" dirty="0"/>
-              <a:t>e) Afficheur LED</a:t>
-            </a:r>
-          </a:p>
-          <a:p>
-            <a:pPr lvl="2"/>
-            <a:r>
-              <a:rPr lang="fr-FR" dirty="0"/>
-              <a:t>f) Fin d’une course</a:t>
-            </a:r>
-          </a:p>
-          <a:p>
-            <a:pPr lvl="1"/>
-            <a:r>
-              <a:rPr lang="fr-FR" dirty="0"/>
-              <a:t>3) Scénario</a:t>
-            </a:r>
-          </a:p>
-          <a:p>
-            <a:r>
-              <a:rPr lang="fr-FR" dirty="0"/>
-              <a:t>II) Etude Physique lecteur RFID pour les courses</a:t>
-            </a:r>
-          </a:p>
-          <a:p>
-            <a:pPr lvl="1"/>
-            <a:r>
-              <a:rPr lang="fr-FR" dirty="0"/>
-              <a:t>1) Matériel</a:t>
-            </a:r>
-          </a:p>
-          <a:p>
-            <a:pPr lvl="2"/>
-            <a:r>
-              <a:rPr lang="fr-FR" dirty="0"/>
-              <a:t>a) Antenne</a:t>
-            </a:r>
-          </a:p>
-          <a:p>
-            <a:pPr lvl="2"/>
-            <a:r>
-              <a:rPr lang="fr-FR" dirty="0"/>
-              <a:t>b) Dossards </a:t>
-            </a:r>
-            <a:r>
-              <a:rPr lang="fr-FR" dirty="0" err="1"/>
-              <a:t>DAGs</a:t>
-            </a:r>
-            <a:endParaRPr lang="fr-FR" dirty="0"/>
-          </a:p>
-          <a:p>
-            <a:pPr lvl="1"/>
-            <a:r>
-              <a:rPr lang="fr-FR" dirty="0"/>
-              <a:t>2) Boite noire</a:t>
-            </a:r>
-          </a:p>
-          <a:p>
-            <a:pPr lvl="2"/>
-            <a:r>
-              <a:rPr lang="fr-FR" dirty="0"/>
-              <a:t>a) Principe de fonctionnement</a:t>
-            </a:r>
-          </a:p>
-          <a:p>
-            <a:r>
-              <a:rPr lang="fr-FR" dirty="0"/>
-              <a:t>III) Module de test</a:t>
-            </a:r>
-          </a:p>
-        </p:txBody>
-      </p:sp>
-    </p:spTree>
-    <p:extLst>
-      <p:ext uri="{BB962C8B-B14F-4D97-AF65-F5344CB8AC3E}">
-        <p14:creationId xmlns:p14="http://schemas.microsoft.com/office/powerpoint/2010/main" val="2171075976"/>
       </p:ext>
     </p:extLst>
   </p:cSld>
@@ -5638,69 +5531,173 @@
         </p:nvSpPr>
         <p:spPr>
           <a:xfrm>
-            <a:off x="838199" y="0"/>
+            <a:off x="334108" y="218708"/>
             <a:ext cx="10515600" cy="1325563"/>
           </a:xfrm>
         </p:spPr>
         <p:txBody>
+          <a:bodyPr/>
+          <a:lstStyle/>
+          <a:p>
+            <a:r>
+              <a:rPr lang="fr-FR" dirty="0">
+                <a:solidFill>
+                  <a:srgbClr val="FF0000"/>
+                </a:solidFill>
+              </a:rPr>
+              <a:t>Etudiant 2 : Jouen Matthias</a:t>
+            </a:r>
+          </a:p>
+        </p:txBody>
+      </p:sp>
+      <p:sp>
+        <p:nvSpPr>
+          <p:cNvPr id="3" name="Espace réservé du contenu 2"/>
+          <p:cNvSpPr>
+            <a:spLocks noGrp="1"/>
+          </p:cNvSpPr>
+          <p:nvPr>
+            <p:ph idx="1"/>
+          </p:nvPr>
+        </p:nvSpPr>
+        <p:spPr>
+          <a:xfrm>
+            <a:off x="334108" y="1544271"/>
+            <a:ext cx="11019692" cy="5129090"/>
+          </a:xfrm>
+        </p:spPr>
+        <p:txBody>
           <a:bodyPr>
-            <a:noAutofit/>
+            <a:normAutofit fontScale="92500" lnSpcReduction="20000"/>
           </a:bodyPr>
           <a:lstStyle/>
           <a:p>
-            <a:pPr algn="ctr"/>
-            <a:r>
-              <a:rPr lang="fr-FR" sz="3600" dirty="0"/>
+            <a:r>
+              <a:rPr lang="fr-FR" dirty="0"/>
               <a:t>I) Analyse complète du système</a:t>
             </a:r>
-            <a:br>
+          </a:p>
+          <a:p>
+            <a:pPr lvl="1"/>
+            <a:r>
               <a:rPr lang="fr-FR" dirty="0"/>
-            </a:br>
-            <a:r>
-              <a:rPr lang="fr-FR" sz="4000" dirty="0"/>
-              <a:t>	</a:t>
-            </a:r>
-            <a:r>
-              <a:rPr lang="fr-FR" sz="2800" dirty="0"/>
               <a:t>1) Diagramme de cas d’utilisation</a:t>
             </a:r>
-            <a:endParaRPr lang="fr-FR" sz="3200" dirty="0"/>
-          </a:p>
-        </p:txBody>
-      </p:sp>
-      <p:pic>
-        <p:nvPicPr>
-          <p:cNvPr id="3" name="Image 2"/>
-          <p:cNvPicPr>
-            <a:picLocks noChangeAspect="1"/>
-          </p:cNvPicPr>
-          <p:nvPr/>
-        </p:nvPicPr>
-        <p:blipFill rotWithShape="1">
-          <a:blip r:embed="rId2">
-            <a:extLst>
-              <a:ext uri="{28A0092B-C50C-407E-A947-70E740481C1C}">
-                <a14:useLocalDpi xmlns:a14="http://schemas.microsoft.com/office/drawing/2010/main" val="0"/>
-              </a:ext>
-            </a:extLst>
-          </a:blip>
-          <a:srcRect t="7174" b="2027"/>
-          <a:stretch/>
-        </p:blipFill>
-        <p:spPr>
-          <a:xfrm>
-            <a:off x="905127" y="1139748"/>
-            <a:ext cx="10381743" cy="5644361"/>
-          </a:xfrm>
-          <a:prstGeom prst="rect">
-            <a:avLst/>
-          </a:prstGeom>
-        </p:spPr>
-      </p:pic>
+          </a:p>
+          <a:p>
+            <a:pPr lvl="1"/>
+            <a:r>
+              <a:rPr lang="fr-FR" dirty="0"/>
+              <a:t>2) Diagrammes de séquence</a:t>
+            </a:r>
+          </a:p>
+          <a:p>
+            <a:pPr lvl="2"/>
+            <a:r>
+              <a:rPr lang="fr-FR" dirty="0"/>
+              <a:t>a) Sélection d’une course</a:t>
+            </a:r>
+          </a:p>
+          <a:p>
+            <a:pPr lvl="2"/>
+            <a:r>
+              <a:rPr lang="fr-FR" dirty="0"/>
+              <a:t>b) Démarrage d’une course</a:t>
+            </a:r>
+          </a:p>
+          <a:p>
+            <a:pPr lvl="2"/>
+            <a:r>
+              <a:rPr lang="fr-FR" dirty="0"/>
+              <a:t>c) Démarrage du chrono</a:t>
+            </a:r>
+          </a:p>
+          <a:p>
+            <a:pPr lvl="2"/>
+            <a:r>
+              <a:rPr lang="fr-FR" dirty="0"/>
+              <a:t>d) Détection d’un coureur</a:t>
+            </a:r>
+          </a:p>
+          <a:p>
+            <a:pPr lvl="2"/>
+            <a:r>
+              <a:rPr lang="fr-FR" dirty="0"/>
+              <a:t>e) Afficheur LED</a:t>
+            </a:r>
+          </a:p>
+          <a:p>
+            <a:pPr lvl="2"/>
+            <a:r>
+              <a:rPr lang="fr-FR" dirty="0"/>
+              <a:t>f) Fin d’une course</a:t>
+            </a:r>
+          </a:p>
+          <a:p>
+            <a:pPr lvl="1"/>
+            <a:r>
+              <a:rPr lang="fr-FR" dirty="0"/>
+              <a:t>3) Scénario</a:t>
+            </a:r>
+          </a:p>
+          <a:p>
+            <a:r>
+              <a:rPr lang="fr-FR" dirty="0"/>
+              <a:t>II) Etude Physique lecteur RFID pour les courses</a:t>
+            </a:r>
+          </a:p>
+          <a:p>
+            <a:pPr lvl="1"/>
+            <a:r>
+              <a:rPr lang="fr-FR" dirty="0"/>
+              <a:t>1) Matériel</a:t>
+            </a:r>
+          </a:p>
+          <a:p>
+            <a:pPr lvl="2"/>
+            <a:r>
+              <a:rPr lang="fr-FR" dirty="0"/>
+              <a:t>a) Antenne</a:t>
+            </a:r>
+          </a:p>
+          <a:p>
+            <a:pPr lvl="2"/>
+            <a:r>
+              <a:rPr lang="fr-FR" dirty="0"/>
+              <a:t>b) Dossards </a:t>
+            </a:r>
+            <a:r>
+              <a:rPr lang="fr-FR" dirty="0" err="1"/>
+              <a:t>DAGs</a:t>
+            </a:r>
+            <a:endParaRPr lang="fr-FR" dirty="0"/>
+          </a:p>
+          <a:p>
+            <a:pPr lvl="1"/>
+            <a:r>
+              <a:rPr lang="fr-FR" dirty="0"/>
+              <a:t>2) Boite noire</a:t>
+            </a:r>
+          </a:p>
+          <a:p>
+            <a:pPr lvl="2"/>
+            <a:r>
+              <a:rPr lang="fr-FR" dirty="0"/>
+              <a:t>a) Principe de fonctionnement</a:t>
+            </a:r>
+          </a:p>
+          <a:p>
+            <a:r>
+              <a:rPr lang="fr-FR" dirty="0"/>
+              <a:t>III) Module de test</a:t>
+            </a:r>
+          </a:p>
+        </p:txBody>
+      </p:sp>
     </p:spTree>
     <p:extLst>
       <p:ext uri="{BB962C8B-B14F-4D97-AF65-F5344CB8AC3E}">
-        <p14:creationId xmlns:p14="http://schemas.microsoft.com/office/powerpoint/2010/main" val="1247061660"/>
+        <p14:creationId xmlns:p14="http://schemas.microsoft.com/office/powerpoint/2010/main" val="2171075976"/>
       </p:ext>
     </p:extLst>
   </p:cSld>
@@ -5745,69 +5742,28 @@
             <p:ph type="title"/>
           </p:nvPr>
         </p:nvSpPr>
-        <p:spPr/>
+        <p:spPr>
+          <a:xfrm>
+            <a:off x="838200" y="74179"/>
+            <a:ext cx="10515600" cy="850611"/>
+          </a:xfrm>
+        </p:spPr>
         <p:txBody>
           <a:bodyPr/>
           <a:lstStyle/>
           <a:p>
             <a:r>
-              <a:rPr lang="fr-FR" dirty="0"/>
-              <a:t>Partie Commune</a:t>
-            </a:r>
-          </a:p>
-        </p:txBody>
-      </p:sp>
-      <p:sp>
-        <p:nvSpPr>
-          <p:cNvPr id="3" name="Espace réservé du contenu 2"/>
-          <p:cNvSpPr>
-            <a:spLocks noGrp="1"/>
-          </p:cNvSpPr>
-          <p:nvPr>
-            <p:ph idx="1"/>
-          </p:nvPr>
-        </p:nvSpPr>
-        <p:spPr>
-          <a:xfrm>
-            <a:off x="838200" y="1825625"/>
-            <a:ext cx="7039708" cy="1779221"/>
-          </a:xfrm>
-        </p:spPr>
-        <p:txBody>
-          <a:bodyPr>
-            <a:normAutofit fontScale="92500" lnSpcReduction="10000"/>
-          </a:bodyPr>
-          <a:lstStyle/>
-          <a:p>
-            <a:r>
-              <a:rPr lang="fr-FR" dirty="0"/>
-              <a:t>I) Diagramme de cas d’utilisation commun</a:t>
-            </a:r>
-          </a:p>
-          <a:p>
-            <a:r>
-              <a:rPr lang="fr-FR" dirty="0"/>
-              <a:t>II) Modèle Conceptuel de Données</a:t>
-            </a:r>
-          </a:p>
-          <a:p>
-            <a:r>
-              <a:rPr lang="fr-FR" dirty="0"/>
-              <a:t>III) Diagramme de classes</a:t>
-            </a:r>
-          </a:p>
-          <a:p>
-            <a:r>
-              <a:rPr lang="fr-FR" dirty="0"/>
-              <a:t>IV) Gantt Actuel</a:t>
-            </a:r>
+              <a:rPr lang="fr-FR" dirty="0" smtClean="0"/>
+              <a:t>Synopsis :</a:t>
+            </a:r>
+            <a:endParaRPr lang="fr-FR" dirty="0"/>
           </a:p>
         </p:txBody>
       </p:sp>
     </p:spTree>
     <p:extLst>
       <p:ext uri="{BB962C8B-B14F-4D97-AF65-F5344CB8AC3E}">
-        <p14:creationId xmlns:p14="http://schemas.microsoft.com/office/powerpoint/2010/main" val="3201059244"/>
+        <p14:creationId xmlns:p14="http://schemas.microsoft.com/office/powerpoint/2010/main" val="2428665106"/>
       </p:ext>
     </p:extLst>
   </p:cSld>
@@ -5857,50 +5813,36 @@
         </p:nvSpPr>
         <p:spPr>
           <a:xfrm>
-            <a:off x="759068" y="0"/>
-            <a:ext cx="10515600" cy="1169377"/>
+            <a:off x="838199" y="0"/>
+            <a:ext cx="10515600" cy="1325563"/>
           </a:xfrm>
         </p:spPr>
         <p:txBody>
           <a:bodyPr>
-            <a:normAutofit fontScale="90000"/>
+            <a:noAutofit/>
           </a:bodyPr>
           <a:lstStyle/>
           <a:p>
-            <a:pPr lvl="2" algn="ctr" rtl="0">
-              <a:lnSpc>
-                <a:spcPct val="90000"/>
-              </a:lnSpc>
-              <a:spcBef>
-                <a:spcPct val="0"/>
-              </a:spcBef>
-            </a:pPr>
-            <a:r>
-              <a:rPr lang="fr-FR" sz="3100" dirty="0">
-                <a:latin typeface="+mj-lt"/>
-              </a:rPr>
-              <a:t>2) Diagrammes de séquence</a:t>
-            </a:r>
-            <a:br>
-              <a:rPr lang="fr-FR" sz="3200" dirty="0">
-                <a:latin typeface="+mj-lt"/>
-              </a:rPr>
-            </a:br>
-            <a:r>
-              <a:rPr lang="fr-FR" sz="3200" dirty="0">
-                <a:latin typeface="+mj-lt"/>
-              </a:rPr>
-              <a:t>	</a:t>
-            </a:r>
-            <a:r>
-              <a:rPr lang="fr-FR" sz="2400" dirty="0">
-                <a:latin typeface="+mj-lt"/>
-              </a:rPr>
-              <a:t>a) Sélection d’une course</a:t>
+            <a:pPr algn="ctr"/>
+            <a:r>
+              <a:rPr lang="fr-FR" sz="3600" dirty="0"/>
+              <a:t>I) Analyse complète du système</a:t>
+            </a:r>
+            <a:r>
+              <a:rPr lang="fr-FR" dirty="0"/>
+              <a:t/>
             </a:r>
             <a:br>
               <a:rPr lang="fr-FR" dirty="0"/>
             </a:br>
+            <a:r>
+              <a:rPr lang="fr-FR" sz="4000" dirty="0"/>
+              <a:t>	</a:t>
+            </a:r>
+            <a:r>
+              <a:rPr lang="fr-FR" sz="2800" dirty="0"/>
+              <a:t>1) Diagramme de cas d’utilisation</a:t>
+            </a:r>
             <a:endParaRPr lang="fr-FR" sz="3200" dirty="0"/>
           </a:p>
         </p:txBody>
@@ -5913,7 +5855,7 @@
           </p:cNvPicPr>
           <p:nvPr/>
         </p:nvPicPr>
-        <p:blipFill>
+        <p:blipFill rotWithShape="1">
           <a:blip r:embed="rId2">
             <a:extLst>
               <a:ext uri="{28A0092B-C50C-407E-A947-70E740481C1C}">
@@ -5921,14 +5863,13 @@
               </a:ext>
             </a:extLst>
           </a:blip>
-          <a:stretch>
-            <a:fillRect/>
-          </a:stretch>
+          <a:srcRect t="7174" b="2027"/>
+          <a:stretch/>
         </p:blipFill>
         <p:spPr>
           <a:xfrm>
-            <a:off x="1614412" y="1346465"/>
-            <a:ext cx="8804911" cy="3530336"/>
+            <a:off x="905127" y="1139748"/>
+            <a:ext cx="10381743" cy="5644361"/>
           </a:xfrm>
           <a:prstGeom prst="rect">
             <a:avLst/>
@@ -5938,7 +5879,7 @@
     </p:spTree>
     <p:extLst>
       <p:ext uri="{BB962C8B-B14F-4D97-AF65-F5344CB8AC3E}">
-        <p14:creationId xmlns:p14="http://schemas.microsoft.com/office/powerpoint/2010/main" val="3709118343"/>
+        <p14:creationId xmlns:p14="http://schemas.microsoft.com/office/powerpoint/2010/main" val="1247061660"/>
       </p:ext>
     </p:extLst>
   </p:cSld>
@@ -5988,27 +5929,67 @@
         </p:nvSpPr>
         <p:spPr>
           <a:xfrm>
-            <a:off x="838200" y="365125"/>
-            <a:ext cx="10515600" cy="660111"/>
+            <a:off x="759068" y="0"/>
+            <a:ext cx="10515600" cy="1169377"/>
           </a:xfrm>
         </p:spPr>
         <p:txBody>
           <a:bodyPr>
-            <a:normAutofit/>
+            <a:normAutofit fontScale="90000"/>
           </a:bodyPr>
           <a:lstStyle/>
           <a:p>
-            <a:pPr algn="ctr"/>
-            <a:r>
-              <a:rPr lang="fr-FR" sz="2200" dirty="0"/>
-              <a:t>b) Démarrage d’une course</a:t>
-            </a:r>
+            <a:pPr lvl="2" algn="ctr" rtl="0">
+              <a:lnSpc>
+                <a:spcPct val="90000"/>
+              </a:lnSpc>
+              <a:spcBef>
+                <a:spcPct val="0"/>
+              </a:spcBef>
+            </a:pPr>
+            <a:r>
+              <a:rPr lang="fr-FR" sz="3100" dirty="0">
+                <a:latin typeface="+mj-lt"/>
+              </a:rPr>
+              <a:t>2) Diagrammes de séquence</a:t>
+            </a:r>
+            <a:r>
+              <a:rPr lang="fr-FR" sz="3200" dirty="0">
+                <a:latin typeface="+mj-lt"/>
+              </a:rPr>
+              <a:t/>
+            </a:r>
+            <a:br>
+              <a:rPr lang="fr-FR" sz="3200" dirty="0">
+                <a:latin typeface="+mj-lt"/>
+              </a:rPr>
+            </a:br>
+            <a:r>
+              <a:rPr lang="fr-FR" sz="3200" dirty="0">
+                <a:latin typeface="+mj-lt"/>
+              </a:rPr>
+              <a:t>	</a:t>
+            </a:r>
+            <a:r>
+              <a:rPr lang="fr-FR" sz="2400" dirty="0">
+                <a:latin typeface="+mj-lt"/>
+              </a:rPr>
+              <a:t>a) Sélection d’une course</a:t>
+            </a:r>
+            <a:r>
+              <a:rPr lang="fr-FR" dirty="0"/>
+              <a:t/>
+            </a:r>
+            <a:br>
+              <a:rPr lang="fr-FR" dirty="0"/>
+            </a:br>
+            <a:endParaRPr lang="fr-FR" sz="3200" dirty="0"/>
           </a:p>
         </p:txBody>
       </p:sp>
       <p:pic>
         <p:nvPicPr>
-          <p:cNvPr id="4" name="Image 3"/>
+          <p:cNvPr id="3" name="Image 2"/>
           <p:cNvPicPr>
             <a:picLocks noChangeAspect="1"/>
           </p:cNvPicPr>
@@ -6028,8 +6009,8 @@
         </p:blipFill>
         <p:spPr>
           <a:xfrm>
-            <a:off x="705276" y="1328158"/>
-            <a:ext cx="10781447" cy="3345441"/>
+            <a:off x="1614412" y="1346465"/>
+            <a:ext cx="8804911" cy="3530336"/>
           </a:xfrm>
           <a:prstGeom prst="rect">
             <a:avLst/>
@@ -6039,7 +6020,7 @@
     </p:spTree>
     <p:extLst>
       <p:ext uri="{BB962C8B-B14F-4D97-AF65-F5344CB8AC3E}">
-        <p14:creationId xmlns:p14="http://schemas.microsoft.com/office/powerpoint/2010/main" val="2766581331"/>
+        <p14:creationId xmlns:p14="http://schemas.microsoft.com/office/powerpoint/2010/main" val="3709118343"/>
       </p:ext>
     </p:extLst>
   </p:cSld>
@@ -6089,8 +6070,8 @@
         </p:nvSpPr>
         <p:spPr>
           <a:xfrm>
-            <a:off x="838200" y="365126"/>
-            <a:ext cx="10515600" cy="826366"/>
+            <a:off x="838200" y="365125"/>
+            <a:ext cx="10515600" cy="660111"/>
           </a:xfrm>
         </p:spPr>
         <p:txBody>
@@ -6102,7 +6083,7 @@
             <a:pPr algn="ctr"/>
             <a:r>
               <a:rPr lang="fr-FR" sz="2200" dirty="0"/>
-              <a:t>c) Démarrage du Chronomètre </a:t>
+              <a:t>b) Démarrage d’une course</a:t>
             </a:r>
           </a:p>
         </p:txBody>
@@ -6129,8 +6110,8 @@
         </p:blipFill>
         <p:spPr>
           <a:xfrm>
-            <a:off x="2101806" y="1690688"/>
-            <a:ext cx="7988388" cy="3923626"/>
+            <a:off x="705276" y="1328158"/>
+            <a:ext cx="10781447" cy="3345441"/>
           </a:xfrm>
           <a:prstGeom prst="rect">
             <a:avLst/>
@@ -6140,7 +6121,7 @@
     </p:spTree>
     <p:extLst>
       <p:ext uri="{BB962C8B-B14F-4D97-AF65-F5344CB8AC3E}">
-        <p14:creationId xmlns:p14="http://schemas.microsoft.com/office/powerpoint/2010/main" val="231148054"/>
+        <p14:creationId xmlns:p14="http://schemas.microsoft.com/office/powerpoint/2010/main" val="2766581331"/>
       </p:ext>
     </p:extLst>
   </p:cSld>
@@ -6190,8 +6171,8 @@
         </p:nvSpPr>
         <p:spPr>
           <a:xfrm>
-            <a:off x="736600" y="69561"/>
-            <a:ext cx="10515600" cy="540039"/>
+            <a:off x="838200" y="365126"/>
+            <a:ext cx="10515600" cy="826366"/>
           </a:xfrm>
         </p:spPr>
         <p:txBody>
@@ -6203,7 +6184,7 @@
             <a:pPr algn="ctr"/>
             <a:r>
               <a:rPr lang="fr-FR" sz="2200" dirty="0"/>
-              <a:t>d) Détection d’un coureur</a:t>
+              <a:t>c) Démarrage du Chronomètre </a:t>
             </a:r>
           </a:p>
         </p:txBody>
@@ -6230,8 +6211,8 @@
         </p:blipFill>
         <p:spPr>
           <a:xfrm>
-            <a:off x="323273" y="701963"/>
-            <a:ext cx="11342253" cy="5671127"/>
+            <a:off x="2101806" y="1690688"/>
+            <a:ext cx="7988388" cy="3923626"/>
           </a:xfrm>
           <a:prstGeom prst="rect">
             <a:avLst/>
@@ -6241,7 +6222,7 @@
     </p:spTree>
     <p:extLst>
       <p:ext uri="{BB962C8B-B14F-4D97-AF65-F5344CB8AC3E}">
-        <p14:creationId xmlns:p14="http://schemas.microsoft.com/office/powerpoint/2010/main" val="1076197477"/>
+        <p14:creationId xmlns:p14="http://schemas.microsoft.com/office/powerpoint/2010/main" val="231148054"/>
       </p:ext>
     </p:extLst>
   </p:cSld>
@@ -6291,8 +6272,8 @@
         </p:nvSpPr>
         <p:spPr>
           <a:xfrm>
-            <a:off x="838200" y="365125"/>
-            <a:ext cx="10515600" cy="493857"/>
+            <a:off x="736600" y="69561"/>
+            <a:ext cx="10515600" cy="540039"/>
           </a:xfrm>
         </p:spPr>
         <p:txBody>
@@ -6304,7 +6285,7 @@
             <a:pPr algn="ctr"/>
             <a:r>
               <a:rPr lang="fr-FR" sz="2200" dirty="0"/>
-              <a:t>e) Afficheur LED </a:t>
+              <a:t>d) Détection d’un coureur</a:t>
             </a:r>
           </a:p>
         </p:txBody>
@@ -6331,8 +6312,8 @@
         </p:blipFill>
         <p:spPr>
           <a:xfrm>
-            <a:off x="1484415" y="1035614"/>
-            <a:ext cx="9223170" cy="4949550"/>
+            <a:off x="323273" y="701963"/>
+            <a:ext cx="11342253" cy="5671127"/>
           </a:xfrm>
           <a:prstGeom prst="rect">
             <a:avLst/>
@@ -6342,7 +6323,7 @@
     </p:spTree>
     <p:extLst>
       <p:ext uri="{BB962C8B-B14F-4D97-AF65-F5344CB8AC3E}">
-        <p14:creationId xmlns:p14="http://schemas.microsoft.com/office/powerpoint/2010/main" val="3354628274"/>
+        <p14:creationId xmlns:p14="http://schemas.microsoft.com/office/powerpoint/2010/main" val="1076197477"/>
       </p:ext>
     </p:extLst>
   </p:cSld>
@@ -6405,14 +6386,14 @@
             <a:pPr algn="ctr"/>
             <a:r>
               <a:rPr lang="fr-FR" sz="2200" dirty="0"/>
-              <a:t>f) Mettre fin à une course </a:t>
+              <a:t>e) Afficheur LED </a:t>
             </a:r>
           </a:p>
         </p:txBody>
       </p:sp>
       <p:pic>
         <p:nvPicPr>
-          <p:cNvPr id="3" name="Image 2"/>
+          <p:cNvPr id="4" name="Image 3"/>
           <p:cNvPicPr>
             <a:picLocks noChangeAspect="1"/>
           </p:cNvPicPr>
@@ -6432,8 +6413,8 @@
         </p:blipFill>
         <p:spPr>
           <a:xfrm>
-            <a:off x="1918312" y="1387468"/>
-            <a:ext cx="8355376" cy="3443149"/>
+            <a:off x="1484415" y="1035614"/>
+            <a:ext cx="9223170" cy="4949550"/>
           </a:xfrm>
           <a:prstGeom prst="rect">
             <a:avLst/>
@@ -6443,7 +6424,7 @@
     </p:spTree>
     <p:extLst>
       <p:ext uri="{BB962C8B-B14F-4D97-AF65-F5344CB8AC3E}">
-        <p14:creationId xmlns:p14="http://schemas.microsoft.com/office/powerpoint/2010/main" val="3054975187"/>
+        <p14:creationId xmlns:p14="http://schemas.microsoft.com/office/powerpoint/2010/main" val="3354628274"/>
       </p:ext>
     </p:extLst>
   </p:cSld>
@@ -6493,8 +6474,8 @@
         </p:nvSpPr>
         <p:spPr>
           <a:xfrm>
-            <a:off x="838200" y="0"/>
-            <a:ext cx="10515600" cy="487729"/>
+            <a:off x="838200" y="365125"/>
+            <a:ext cx="10515600" cy="493857"/>
           </a:xfrm>
         </p:spPr>
         <p:txBody>
@@ -6505,130 +6486,46 @@
           <a:p>
             <a:pPr algn="ctr"/>
             <a:r>
-              <a:rPr lang="fr-FR" sz="2800" dirty="0"/>
-              <a:t>3) Scénario</a:t>
-            </a:r>
-          </a:p>
-        </p:txBody>
-      </p:sp>
-      <p:sp>
-        <p:nvSpPr>
-          <p:cNvPr id="3" name="Espace réservé du contenu 2"/>
-          <p:cNvSpPr>
-            <a:spLocks noGrp="1"/>
-          </p:cNvSpPr>
-          <p:nvPr>
-            <p:ph idx="1"/>
-          </p:nvPr>
-        </p:nvSpPr>
-        <p:spPr>
-          <a:xfrm>
-            <a:off x="838200" y="805717"/>
-            <a:ext cx="10515600" cy="5217014"/>
-          </a:xfrm>
-        </p:spPr>
-        <p:txBody>
-          <a:bodyPr>
-            <a:normAutofit fontScale="92500" lnSpcReduction="20000"/>
-          </a:bodyPr>
-          <a:lstStyle/>
-          <a:p>
-            <a:pPr lvl="0"/>
-            <a:r>
-              <a:rPr lang="fr-FR" sz="2400" dirty="0"/>
-              <a:t>Le commissaire de course lance l’application C++.</a:t>
-            </a:r>
-          </a:p>
-          <a:p>
-            <a:pPr marL="0" lvl="0" indent="0">
-              <a:buNone/>
-            </a:pPr>
-            <a:r>
-              <a:rPr lang="fr-FR" sz="2400" dirty="0"/>
-              <a:t> </a:t>
-            </a:r>
-          </a:p>
-          <a:p>
-            <a:pPr lvl="0"/>
-            <a:r>
-              <a:rPr lang="fr-FR" sz="2400" dirty="0"/>
-              <a:t>Il va sélectionner la course qu’il voudra démarrer.</a:t>
-            </a:r>
-          </a:p>
-          <a:p>
-            <a:pPr marL="0" lvl="0" indent="0">
-              <a:buNone/>
-            </a:pPr>
-            <a:endParaRPr lang="fr-FR" sz="2400" dirty="0"/>
-          </a:p>
-          <a:p>
-            <a:pPr lvl="0"/>
-            <a:r>
-              <a:rPr lang="fr-FR" sz="2400" dirty="0"/>
-              <a:t>Il va ensuite cliquer sur le bouton de démarrage de la course.</a:t>
-            </a:r>
-          </a:p>
-          <a:p>
-            <a:pPr marL="0" lvl="0" indent="0">
-              <a:buNone/>
-            </a:pPr>
-            <a:endParaRPr lang="fr-FR" sz="2400" dirty="0"/>
-          </a:p>
-          <a:p>
-            <a:pPr lvl="0"/>
-            <a:r>
-              <a:rPr lang="fr-FR" sz="2400" dirty="0"/>
-              <a:t>Une fois la course démarrée, il pourra cliquer sur « afficheur LED » s’il y en a un. </a:t>
-            </a:r>
-          </a:p>
-          <a:p>
-            <a:pPr marL="0" lvl="0" indent="0">
-              <a:buNone/>
-            </a:pPr>
-            <a:endParaRPr lang="fr-FR" sz="2400" dirty="0"/>
-          </a:p>
-          <a:p>
-            <a:pPr lvl="0"/>
-            <a:r>
-              <a:rPr lang="fr-FR" sz="2400" dirty="0"/>
-              <a:t>L’afficheur LED va afficher le temps du premier ou/et le temps moyen des coureurs.</a:t>
-            </a:r>
-          </a:p>
-          <a:p>
-            <a:pPr marL="0" lvl="0" indent="0">
-              <a:buNone/>
-            </a:pPr>
-            <a:endParaRPr lang="fr-FR" sz="2400" dirty="0"/>
-          </a:p>
-          <a:p>
-            <a:pPr lvl="0"/>
-            <a:r>
-              <a:rPr lang="fr-FR" sz="2400" dirty="0"/>
-              <a:t> Quand le lecteur RFID aura détecté un coureur, il enverra ses informations à la base de données.</a:t>
-            </a:r>
-          </a:p>
-          <a:p>
-            <a:pPr marL="0" lvl="0" indent="0">
-              <a:buNone/>
-            </a:pPr>
-            <a:endParaRPr lang="fr-FR" sz="2400" dirty="0"/>
-          </a:p>
-          <a:p>
-            <a:pPr lvl="0"/>
-            <a:r>
-              <a:rPr lang="fr-FR" sz="2400" dirty="0"/>
-              <a:t>Les informations pourront être ensuite traitées.</a:t>
-            </a:r>
-          </a:p>
-          <a:p>
-            <a:endParaRPr lang="fr-FR" dirty="0"/>
-          </a:p>
-        </p:txBody>
-      </p:sp>
+              <a:rPr lang="fr-FR" sz="2200" dirty="0"/>
+              <a:t>f) Mettre fin à une course </a:t>
+            </a:r>
+          </a:p>
+        </p:txBody>
+      </p:sp>
+      <p:pic>
+        <p:nvPicPr>
+          <p:cNvPr id="3" name="Image 2"/>
+          <p:cNvPicPr>
+            <a:picLocks noChangeAspect="1"/>
+          </p:cNvPicPr>
+          <p:nvPr/>
+        </p:nvPicPr>
+        <p:blipFill>
+          <a:blip r:embed="rId2">
+            <a:extLst>
+              <a:ext uri="{28A0092B-C50C-407E-A947-70E740481C1C}">
+                <a14:useLocalDpi xmlns:a14="http://schemas.microsoft.com/office/drawing/2010/main" val="0"/>
+              </a:ext>
+            </a:extLst>
+          </a:blip>
+          <a:stretch>
+            <a:fillRect/>
+          </a:stretch>
+        </p:blipFill>
+        <p:spPr>
+          <a:xfrm>
+            <a:off x="1918312" y="1387468"/>
+            <a:ext cx="8355376" cy="3443149"/>
+          </a:xfrm>
+          <a:prstGeom prst="rect">
+            <a:avLst/>
+          </a:prstGeom>
+        </p:spPr>
+      </p:pic>
     </p:spTree>
     <p:extLst>
       <p:ext uri="{BB962C8B-B14F-4D97-AF65-F5344CB8AC3E}">
-        <p14:creationId xmlns:p14="http://schemas.microsoft.com/office/powerpoint/2010/main" val="1024622025"/>
+        <p14:creationId xmlns:p14="http://schemas.microsoft.com/office/powerpoint/2010/main" val="3054975187"/>
       </p:ext>
     </p:extLst>
   </p:cSld>
@@ -6678,558 +6575,133 @@
         </p:nvSpPr>
         <p:spPr>
           <a:xfrm>
-            <a:off x="838200" y="-1"/>
-            <a:ext cx="10515600" cy="1512277"/>
+            <a:off x="838200" y="0"/>
+            <a:ext cx="10515600" cy="487729"/>
           </a:xfrm>
         </p:spPr>
         <p:txBody>
           <a:bodyPr>
-            <a:normAutofit fontScale="90000"/>
+            <a:normAutofit/>
           </a:bodyPr>
           <a:lstStyle/>
           <a:p>
-            <a:r>
-              <a:rPr lang="fr-FR" sz="3600" dirty="0"/>
-              <a:t>II) Etude physique lecteur RFID pour les courses</a:t>
-            </a:r>
-            <a:br>
-              <a:rPr lang="fr-FR" sz="3600" dirty="0"/>
-            </a:br>
-            <a:r>
-              <a:rPr lang="fr-FR" sz="3600" dirty="0"/>
-              <a:t>	</a:t>
-            </a:r>
-            <a:r>
-              <a:rPr lang="fr-FR" sz="3100" dirty="0"/>
-              <a:t>1) Matériel</a:t>
-            </a:r>
-            <a:br>
+            <a:pPr algn="ctr"/>
+            <a:r>
               <a:rPr lang="fr-FR" sz="2800" dirty="0"/>
-            </a:br>
-            <a:r>
-              <a:rPr lang="fr-FR" sz="2800" dirty="0"/>
-              <a:t>		</a:t>
-            </a:r>
+              <a:t>3) Scénario</a:t>
+            </a:r>
+          </a:p>
+        </p:txBody>
+      </p:sp>
+      <p:sp>
+        <p:nvSpPr>
+          <p:cNvPr id="3" name="Espace réservé du contenu 2"/>
+          <p:cNvSpPr>
+            <a:spLocks noGrp="1"/>
+          </p:cNvSpPr>
+          <p:nvPr>
+            <p:ph idx="1"/>
+          </p:nvPr>
+        </p:nvSpPr>
+        <p:spPr>
+          <a:xfrm>
+            <a:off x="838200" y="805717"/>
+            <a:ext cx="10515600" cy="5217014"/>
+          </a:xfrm>
+        </p:spPr>
+        <p:txBody>
+          <a:bodyPr>
+            <a:normAutofit fontScale="92500" lnSpcReduction="20000"/>
+          </a:bodyPr>
+          <a:lstStyle/>
+          <a:p>
+            <a:pPr lvl="0"/>
             <a:r>
               <a:rPr lang="fr-FR" sz="2400" dirty="0"/>
-              <a:t>a) Antenne</a:t>
-            </a:r>
-            <a:br>
-              <a:rPr lang="fr-FR" sz="2400" dirty="0"/>
-            </a:br>
-            <a:r>
-              <a:rPr lang="fr-FR" sz="2400" dirty="0"/>
-              <a:t>		b) Dossard </a:t>
-            </a:r>
-            <a:r>
-              <a:rPr lang="fr-FR" sz="2400" dirty="0" err="1"/>
-              <a:t>DAGs</a:t>
-            </a:r>
-            <a:endParaRPr lang="fr-FR" sz="3600" dirty="0"/>
-          </a:p>
-        </p:txBody>
-      </p:sp>
-      <p:sp>
-        <p:nvSpPr>
-          <p:cNvPr id="3" name="Espace réservé du contenu 2"/>
-          <p:cNvSpPr>
-            <a:spLocks noGrp="1"/>
-          </p:cNvSpPr>
-          <p:nvPr>
-            <p:ph idx="1"/>
-          </p:nvPr>
-        </p:nvSpPr>
-        <p:spPr>
-          <a:xfrm>
-            <a:off x="838200" y="1864072"/>
-            <a:ext cx="7391400" cy="2007466"/>
-          </a:xfrm>
-        </p:spPr>
-        <p:txBody>
-          <a:bodyPr/>
-          <a:lstStyle/>
-          <a:p>
-            <a:r>
-              <a:rPr lang="fr-FR" sz="1600" dirty="0"/>
-              <a:t>Le DAG est une puce passive (13,56 Mhz) de haute fréquence. </a:t>
-            </a:r>
-          </a:p>
-          <a:p>
-            <a:r>
-              <a:rPr lang="fr-FR" sz="1600" dirty="0"/>
-              <a:t>Il doit être activé pour communiquer. </a:t>
-            </a:r>
-          </a:p>
-          <a:p>
-            <a:r>
-              <a:rPr lang="fr-FR" sz="1600" dirty="0"/>
-              <a:t>Le boitier d’interface + l’antenne créent un </a:t>
-            </a:r>
-          </a:p>
-          <a:p>
-            <a:pPr marL="0" indent="0">
+              <a:t>Le commissaire de course lance l’application C++.</a:t>
+            </a:r>
+          </a:p>
+          <a:p>
+            <a:pPr marL="0" lvl="0" indent="0">
               <a:buNone/>
             </a:pPr>
             <a:r>
-              <a:rPr lang="fr-FR" sz="1600" dirty="0"/>
-              <a:t>champ magnétique pour activer la puce. </a:t>
-            </a:r>
-          </a:p>
-          <a:p>
-            <a:r>
-              <a:rPr lang="fr-FR" sz="1600" dirty="0"/>
-              <a:t>Le lecteur communique avec la puce. </a:t>
-            </a:r>
-          </a:p>
-          <a:p>
-            <a:endParaRPr lang="fr-FR" dirty="0"/>
-          </a:p>
-        </p:txBody>
-      </p:sp>
-      <p:pic>
-        <p:nvPicPr>
-          <p:cNvPr id="4" name="Image 3"/>
-          <p:cNvPicPr/>
-          <p:nvPr/>
-        </p:nvPicPr>
-        <p:blipFill rotWithShape="1">
-          <a:blip r:embed="rId2">
-            <a:extLst>
-              <a:ext uri="{28A0092B-C50C-407E-A947-70E740481C1C}">
-                <a14:useLocalDpi xmlns:a14="http://schemas.microsoft.com/office/drawing/2010/main" val="0"/>
-              </a:ext>
-            </a:extLst>
-          </a:blip>
-          <a:srcRect l="7607" t="2145" r="4196" b="5927"/>
-          <a:stretch/>
-        </p:blipFill>
-        <p:spPr>
-          <a:xfrm>
-            <a:off x="5318991" y="2202048"/>
-            <a:ext cx="1923473" cy="1669490"/>
-          </a:xfrm>
-          <a:prstGeom prst="rect">
-            <a:avLst/>
-          </a:prstGeom>
-        </p:spPr>
-      </p:pic>
-      <p:sp>
-        <p:nvSpPr>
-          <p:cNvPr id="5" name="Rectangle 4"/>
-          <p:cNvSpPr/>
-          <p:nvPr/>
-        </p:nvSpPr>
-        <p:spPr>
-          <a:xfrm>
-            <a:off x="7506854" y="4328964"/>
-            <a:ext cx="4479637" cy="2244397"/>
-          </a:xfrm>
-          <a:prstGeom prst="rect">
-            <a:avLst/>
-          </a:prstGeom>
-        </p:spPr>
-        <p:txBody>
-          <a:bodyPr wrap="square">
-            <a:spAutoFit/>
-          </a:bodyPr>
-          <a:lstStyle/>
-          <a:p>
-            <a:pPr algn="r">
-              <a:lnSpc>
-                <a:spcPct val="107000"/>
-              </a:lnSpc>
-              <a:spcAft>
-                <a:spcPts val="800"/>
-              </a:spcAft>
+              <a:rPr lang="fr-FR" sz="2400" dirty="0"/>
+              <a:t> </a:t>
+            </a:r>
+          </a:p>
+          <a:p>
+            <a:pPr lvl="0"/>
+            <a:r>
+              <a:rPr lang="fr-FR" sz="2400" dirty="0"/>
+              <a:t>Il va sélectionner la course qu’il voudra démarrer.</a:t>
+            </a:r>
+          </a:p>
+          <a:p>
+            <a:pPr marL="0" lvl="0" indent="0">
+              <a:buNone/>
             </a:pPr>
-            <a:r>
-              <a:rPr lang="fr-FR" sz="1600" dirty="0">
-                <a:latin typeface="Calibri" panose="020F0502020204030204" pitchFamily="34" charset="0"/>
-                <a:ea typeface="SimSun" panose="02010600030101010101" pitchFamily="2" charset="-122"/>
-                <a:cs typeface="Times New Roman" panose="02020603050405020304" pitchFamily="18" charset="0"/>
-              </a:rPr>
-              <a:t>La détection se produit lorsque le participant entre dans le champ magnétique. </a:t>
-            </a:r>
-            <a:endParaRPr lang="fr-FR" sz="1400" dirty="0">
-              <a:latin typeface="Calibri" panose="020F0502020204030204" pitchFamily="34" charset="0"/>
-              <a:ea typeface="SimSun" panose="02010600030101010101" pitchFamily="2" charset="-122"/>
-              <a:cs typeface="Times New Roman" panose="02020603050405020304" pitchFamily="18" charset="0"/>
-            </a:endParaRPr>
-          </a:p>
-          <a:p>
-            <a:pPr algn="r">
-              <a:lnSpc>
-                <a:spcPct val="107000"/>
-              </a:lnSpc>
-              <a:spcAft>
-                <a:spcPts val="800"/>
-              </a:spcAft>
+            <a:endParaRPr lang="fr-FR" sz="2400" dirty="0"/>
+          </a:p>
+          <a:p>
+            <a:pPr lvl="0"/>
+            <a:r>
+              <a:rPr lang="fr-FR" sz="2400" dirty="0"/>
+              <a:t>Il va ensuite cliquer sur le bouton de démarrage de la course.</a:t>
+            </a:r>
+          </a:p>
+          <a:p>
+            <a:pPr marL="0" lvl="0" indent="0">
+              <a:buNone/>
             </a:pPr>
-            <a:r>
-              <a:rPr lang="fr-FR" sz="1600" dirty="0">
-                <a:latin typeface="Calibri" panose="020F0502020204030204" pitchFamily="34" charset="0"/>
-                <a:ea typeface="SimSun" panose="02010600030101010101" pitchFamily="2" charset="-122"/>
-                <a:cs typeface="Times New Roman" panose="02020603050405020304" pitchFamily="18" charset="0"/>
-              </a:rPr>
-              <a:t>Précision = 1/10 secondes. </a:t>
-            </a:r>
-            <a:endParaRPr lang="fr-FR" sz="1400" dirty="0">
-              <a:latin typeface="Calibri" panose="020F0502020204030204" pitchFamily="34" charset="0"/>
-              <a:ea typeface="SimSun" panose="02010600030101010101" pitchFamily="2" charset="-122"/>
-              <a:cs typeface="Times New Roman" panose="02020603050405020304" pitchFamily="18" charset="0"/>
-            </a:endParaRPr>
-          </a:p>
-          <a:p>
-            <a:pPr algn="r">
-              <a:lnSpc>
-                <a:spcPct val="107000"/>
-              </a:lnSpc>
-              <a:spcAft>
-                <a:spcPts val="800"/>
-              </a:spcAft>
+            <a:endParaRPr lang="fr-FR" sz="2400" dirty="0"/>
+          </a:p>
+          <a:p>
+            <a:pPr lvl="0"/>
+            <a:r>
+              <a:rPr lang="fr-FR" sz="2400" dirty="0"/>
+              <a:t>Une fois la course démarrée, il pourra cliquer sur « afficheur LED » s’il y en a un. </a:t>
+            </a:r>
+          </a:p>
+          <a:p>
+            <a:pPr marL="0" lvl="0" indent="0">
+              <a:buNone/>
             </a:pPr>
-            <a:r>
-              <a:rPr lang="fr-FR" sz="1600" dirty="0">
-                <a:latin typeface="Calibri" panose="020F0502020204030204" pitchFamily="34" charset="0"/>
-                <a:ea typeface="SimSun" panose="02010600030101010101" pitchFamily="2" charset="-122"/>
-                <a:cs typeface="Times New Roman" panose="02020603050405020304" pitchFamily="18" charset="0"/>
-              </a:rPr>
-              <a:t>Un DAG ne peut pas fonctionner correctement si : </a:t>
-            </a:r>
-            <a:endParaRPr lang="fr-FR" sz="1400" dirty="0">
-              <a:latin typeface="Calibri" panose="020F0502020204030204" pitchFamily="34" charset="0"/>
-              <a:ea typeface="SimSun" panose="02010600030101010101" pitchFamily="2" charset="-122"/>
-              <a:cs typeface="Times New Roman" panose="02020603050405020304" pitchFamily="18" charset="0"/>
-            </a:endParaRPr>
-          </a:p>
-          <a:p>
-            <a:pPr marL="342900" lvl="0" indent="-342900" algn="r">
-              <a:lnSpc>
-                <a:spcPct val="107000"/>
-              </a:lnSpc>
-              <a:spcAft>
-                <a:spcPts val="0"/>
-              </a:spcAft>
-              <a:buFont typeface="Wingdings" panose="05000000000000000000" pitchFamily="2" charset="2"/>
-              <a:buChar char=""/>
+            <a:endParaRPr lang="fr-FR" sz="2400" dirty="0"/>
+          </a:p>
+          <a:p>
+            <a:pPr lvl="0"/>
+            <a:r>
+              <a:rPr lang="fr-FR" sz="2400" dirty="0"/>
+              <a:t>L’afficheur LED va afficher le temps du premier ou/et le temps moyen des coureurs.</a:t>
+            </a:r>
+          </a:p>
+          <a:p>
+            <a:pPr marL="0" lvl="0" indent="0">
+              <a:buNone/>
             </a:pPr>
-            <a:r>
-              <a:rPr lang="fr-FR" sz="1600" dirty="0">
-                <a:latin typeface="Calibri" panose="020F0502020204030204" pitchFamily="34" charset="0"/>
-                <a:ea typeface="Calibri" panose="020F0502020204030204" pitchFamily="34" charset="0"/>
-                <a:cs typeface="Times New Roman" panose="02020603050405020304" pitchFamily="18" charset="0"/>
-              </a:rPr>
-              <a:t> Il est collé sur du métal </a:t>
-            </a:r>
-            <a:endParaRPr lang="fr-FR" sz="1400" dirty="0">
-              <a:latin typeface="Calibri" panose="020F0502020204030204" pitchFamily="34" charset="0"/>
-              <a:ea typeface="Calibri" panose="020F0502020204030204" pitchFamily="34" charset="0"/>
-              <a:cs typeface="Times New Roman" panose="02020603050405020304" pitchFamily="18" charset="0"/>
-            </a:endParaRPr>
-          </a:p>
-          <a:p>
-            <a:pPr marL="342900" lvl="0" indent="-342900" algn="r">
-              <a:lnSpc>
-                <a:spcPct val="107000"/>
-              </a:lnSpc>
-              <a:spcAft>
-                <a:spcPts val="0"/>
-              </a:spcAft>
-              <a:buFont typeface="Wingdings" panose="05000000000000000000" pitchFamily="2" charset="2"/>
-              <a:buChar char=""/>
+            <a:endParaRPr lang="fr-FR" sz="2400" dirty="0"/>
+          </a:p>
+          <a:p>
+            <a:pPr lvl="0"/>
+            <a:r>
+              <a:rPr lang="fr-FR" sz="2400" dirty="0"/>
+              <a:t> Quand le lecteur RFID aura détecté un coureur, il enverra ses informations à la base de données.</a:t>
+            </a:r>
+          </a:p>
+          <a:p>
+            <a:pPr marL="0" lvl="0" indent="0">
+              <a:buNone/>
             </a:pPr>
-            <a:r>
-              <a:rPr lang="fr-FR" sz="1600" dirty="0">
-                <a:latin typeface="Calibri" panose="020F0502020204030204" pitchFamily="34" charset="0"/>
-                <a:ea typeface="Calibri" panose="020F0502020204030204" pitchFamily="34" charset="0"/>
-                <a:cs typeface="Times New Roman" panose="02020603050405020304" pitchFamily="18" charset="0"/>
-              </a:rPr>
-              <a:t> Il est plié</a:t>
-            </a:r>
-            <a:endParaRPr lang="fr-FR" sz="1400" dirty="0">
-              <a:latin typeface="Calibri" panose="020F0502020204030204" pitchFamily="34" charset="0"/>
-              <a:ea typeface="Calibri" panose="020F0502020204030204" pitchFamily="34" charset="0"/>
-              <a:cs typeface="Times New Roman" panose="02020603050405020304" pitchFamily="18" charset="0"/>
-            </a:endParaRPr>
-          </a:p>
-          <a:p>
-            <a:pPr marL="342900" lvl="0" indent="-342900" algn="r">
-              <a:lnSpc>
-                <a:spcPct val="107000"/>
-              </a:lnSpc>
-              <a:spcAft>
-                <a:spcPts val="800"/>
-              </a:spcAft>
-              <a:buFont typeface="Wingdings" panose="05000000000000000000" pitchFamily="2" charset="2"/>
-              <a:buChar char=""/>
-            </a:pPr>
-            <a:r>
-              <a:rPr lang="fr-FR" sz="1600" dirty="0">
-                <a:latin typeface="Calibri" panose="020F0502020204030204" pitchFamily="34" charset="0"/>
-                <a:ea typeface="Calibri" panose="020F0502020204030204" pitchFamily="34" charset="0"/>
-                <a:cs typeface="Times New Roman" panose="02020603050405020304" pitchFamily="18" charset="0"/>
-              </a:rPr>
-              <a:t> Il est déchiré. </a:t>
-            </a:r>
-            <a:endParaRPr lang="fr-FR" sz="1400" dirty="0">
-              <a:effectLst/>
-              <a:latin typeface="Calibri" panose="020F0502020204030204" pitchFamily="34" charset="0"/>
-              <a:ea typeface="Calibri" panose="020F0502020204030204" pitchFamily="34" charset="0"/>
-              <a:cs typeface="Times New Roman" panose="02020603050405020304" pitchFamily="18" charset="0"/>
-            </a:endParaRPr>
-          </a:p>
-        </p:txBody>
-      </p:sp>
-      <p:pic>
-        <p:nvPicPr>
-          <p:cNvPr id="6" name="Image 5"/>
-          <p:cNvPicPr/>
-          <p:nvPr/>
-        </p:nvPicPr>
-        <p:blipFill rotWithShape="1">
-          <a:blip r:embed="rId3">
-            <a:extLst>
-              <a:ext uri="{28A0092B-C50C-407E-A947-70E740481C1C}">
-                <a14:useLocalDpi xmlns:a14="http://schemas.microsoft.com/office/drawing/2010/main" val="0"/>
-              </a:ext>
-            </a:extLst>
-          </a:blip>
-          <a:srcRect l="4497" t="3529" r="4497" b="5459"/>
-          <a:stretch/>
-        </p:blipFill>
-        <p:spPr>
-          <a:xfrm>
-            <a:off x="10388598" y="2867805"/>
-            <a:ext cx="1505527" cy="1426797"/>
-          </a:xfrm>
-          <a:prstGeom prst="rect">
-            <a:avLst/>
-          </a:prstGeom>
-        </p:spPr>
-      </p:pic>
-      <p:sp>
-        <p:nvSpPr>
-          <p:cNvPr id="7" name="Rectangle 6"/>
-          <p:cNvSpPr/>
-          <p:nvPr/>
-        </p:nvSpPr>
-        <p:spPr>
-          <a:xfrm>
-            <a:off x="838200" y="4328554"/>
-            <a:ext cx="3474027" cy="1878335"/>
-          </a:xfrm>
-          <a:prstGeom prst="rect">
-            <a:avLst/>
-          </a:prstGeom>
-        </p:spPr>
-        <p:txBody>
-          <a:bodyPr wrap="square">
-            <a:spAutoFit/>
-          </a:bodyPr>
-          <a:lstStyle/>
-          <a:p>
-            <a:pPr>
-              <a:lnSpc>
-                <a:spcPct val="107000"/>
-              </a:lnSpc>
-              <a:spcAft>
-                <a:spcPts val="800"/>
-              </a:spcAft>
-            </a:pPr>
-            <a:r>
-              <a:rPr lang="fr-FR" sz="1600" dirty="0">
-                <a:latin typeface="Calibri" panose="020F0502020204030204" pitchFamily="34" charset="0"/>
-                <a:ea typeface="SimSun" panose="02010600030101010101" pitchFamily="2" charset="-122"/>
-                <a:cs typeface="Times New Roman" panose="02020603050405020304" pitchFamily="18" charset="0"/>
-              </a:rPr>
-              <a:t>Un lecteur peut détecter 120 DAG / seconde.  </a:t>
-            </a:r>
-            <a:endParaRPr lang="fr-FR" sz="1400" dirty="0">
-              <a:latin typeface="Calibri" panose="020F0502020204030204" pitchFamily="34" charset="0"/>
-              <a:ea typeface="SimSun" panose="02010600030101010101" pitchFamily="2" charset="-122"/>
-              <a:cs typeface="Times New Roman" panose="02020603050405020304" pitchFamily="18" charset="0"/>
-            </a:endParaRPr>
-          </a:p>
-          <a:p>
-            <a:pPr>
-              <a:lnSpc>
-                <a:spcPct val="107000"/>
-              </a:lnSpc>
-              <a:spcAft>
-                <a:spcPts val="800"/>
-              </a:spcAft>
-            </a:pPr>
-            <a:r>
-              <a:rPr lang="fr-FR" sz="1600" dirty="0">
-                <a:latin typeface="Calibri" panose="020F0502020204030204" pitchFamily="34" charset="0"/>
-                <a:ea typeface="SimSun" panose="02010600030101010101" pitchFamily="2" charset="-122"/>
-                <a:cs typeface="Times New Roman" panose="02020603050405020304" pitchFamily="18" charset="0"/>
-              </a:rPr>
-              <a:t>Un lecteur peut être branché sur tous les types d’antennes. </a:t>
-            </a:r>
-            <a:endParaRPr lang="fr-FR" sz="1400" dirty="0">
-              <a:latin typeface="Calibri" panose="020F0502020204030204" pitchFamily="34" charset="0"/>
-              <a:ea typeface="SimSun" panose="02010600030101010101" pitchFamily="2" charset="-122"/>
-              <a:cs typeface="Times New Roman" panose="02020603050405020304" pitchFamily="18" charset="0"/>
-            </a:endParaRPr>
-          </a:p>
-          <a:p>
-            <a:pPr>
-              <a:lnSpc>
-                <a:spcPct val="107000"/>
-              </a:lnSpc>
-              <a:spcAft>
-                <a:spcPts val="800"/>
-              </a:spcAft>
-            </a:pPr>
-            <a:r>
-              <a:rPr lang="fr-FR" sz="1600" dirty="0">
-                <a:latin typeface="Calibri" panose="020F0502020204030204" pitchFamily="34" charset="0"/>
-                <a:ea typeface="SimSun" panose="02010600030101010101" pitchFamily="2" charset="-122"/>
-                <a:cs typeface="Times New Roman" panose="02020603050405020304" pitchFamily="18" charset="0"/>
-              </a:rPr>
-              <a:t>Les lecteurs DAG System sont conçu pour lire uniquement les </a:t>
-            </a:r>
-            <a:r>
-              <a:rPr lang="fr-FR" sz="1600" dirty="0" err="1">
-                <a:latin typeface="Calibri" panose="020F0502020204030204" pitchFamily="34" charset="0"/>
-                <a:ea typeface="SimSun" panose="02010600030101010101" pitchFamily="2" charset="-122"/>
-                <a:cs typeface="Times New Roman" panose="02020603050405020304" pitchFamily="18" charset="0"/>
-              </a:rPr>
-              <a:t>DAGs</a:t>
-            </a:r>
-            <a:r>
-              <a:rPr lang="fr-FR" sz="1600" dirty="0">
-                <a:latin typeface="Calibri" panose="020F0502020204030204" pitchFamily="34" charset="0"/>
-                <a:ea typeface="SimSun" panose="02010600030101010101" pitchFamily="2" charset="-122"/>
-                <a:cs typeface="Times New Roman" panose="02020603050405020304" pitchFamily="18" charset="0"/>
-              </a:rPr>
-              <a:t>.</a:t>
-            </a:r>
-            <a:endParaRPr lang="fr-FR" sz="1400" dirty="0">
-              <a:effectLst/>
-              <a:latin typeface="Calibri" panose="020F0502020204030204" pitchFamily="34" charset="0"/>
-              <a:ea typeface="SimSun" panose="02010600030101010101" pitchFamily="2" charset="-122"/>
-              <a:cs typeface="Times New Roman" panose="02020603050405020304" pitchFamily="18" charset="0"/>
-            </a:endParaRPr>
-          </a:p>
-        </p:txBody>
-      </p:sp>
-      <p:pic>
-        <p:nvPicPr>
-          <p:cNvPr id="8" name="Image 7"/>
-          <p:cNvPicPr/>
-          <p:nvPr/>
-        </p:nvPicPr>
-        <p:blipFill rotWithShape="1">
-          <a:blip r:embed="rId4">
-            <a:extLst>
-              <a:ext uri="{28A0092B-C50C-407E-A947-70E740481C1C}">
-                <a14:useLocalDpi xmlns:a14="http://schemas.microsoft.com/office/drawing/2010/main" val="0"/>
-              </a:ext>
-            </a:extLst>
-          </a:blip>
-          <a:srcRect l="2692" t="1251" r="5783" b="5113"/>
-          <a:stretch/>
-        </p:blipFill>
-        <p:spPr>
-          <a:xfrm>
-            <a:off x="4533900" y="4649113"/>
-            <a:ext cx="1570183" cy="1382423"/>
-          </a:xfrm>
-          <a:prstGeom prst="rect">
-            <a:avLst/>
-          </a:prstGeom>
-        </p:spPr>
-      </p:pic>
-      <p:sp>
-        <p:nvSpPr>
-          <p:cNvPr id="9" name="ZoneTexte 8"/>
-          <p:cNvSpPr txBox="1"/>
-          <p:nvPr/>
-        </p:nvSpPr>
-        <p:spPr>
-          <a:xfrm>
-            <a:off x="7620000" y="2336800"/>
-            <a:ext cx="4451927" cy="4350327"/>
-          </a:xfrm>
-          <a:prstGeom prst="rect">
-            <a:avLst/>
-          </a:prstGeom>
-          <a:noFill/>
-          <a:ln>
-            <a:solidFill>
-              <a:schemeClr val="tx1"/>
-            </a:solidFill>
-          </a:ln>
-        </p:spPr>
-        <p:txBody>
-          <a:bodyPr wrap="square" rtlCol="0">
-            <a:spAutoFit/>
-          </a:bodyPr>
-          <a:lstStyle/>
-          <a:p>
-            <a:endParaRPr lang="fr-FR" dirty="0"/>
-          </a:p>
-        </p:txBody>
-      </p:sp>
-      <p:sp>
-        <p:nvSpPr>
-          <p:cNvPr id="10" name="ZoneTexte 9"/>
-          <p:cNvSpPr txBox="1"/>
-          <p:nvPr/>
-        </p:nvSpPr>
-        <p:spPr>
-          <a:xfrm>
-            <a:off x="711200" y="1764145"/>
-            <a:ext cx="6659418" cy="2355273"/>
-          </a:xfrm>
-          <a:prstGeom prst="rect">
-            <a:avLst/>
-          </a:prstGeom>
-          <a:noFill/>
-          <a:ln>
-            <a:solidFill>
-              <a:schemeClr val="tx1"/>
-            </a:solidFill>
-          </a:ln>
-        </p:spPr>
-        <p:txBody>
-          <a:bodyPr wrap="square" rtlCol="0">
-            <a:spAutoFit/>
-          </a:bodyPr>
-          <a:lstStyle/>
-          <a:p>
-            <a:endParaRPr lang="fr-FR" dirty="0"/>
-          </a:p>
-        </p:txBody>
-      </p:sp>
-      <p:sp>
-        <p:nvSpPr>
-          <p:cNvPr id="11" name="ZoneTexte 10"/>
-          <p:cNvSpPr txBox="1"/>
-          <p:nvPr/>
-        </p:nvSpPr>
-        <p:spPr>
-          <a:xfrm>
-            <a:off x="711200" y="4328554"/>
-            <a:ext cx="5800436" cy="2090719"/>
-          </a:xfrm>
-          <a:prstGeom prst="rect">
-            <a:avLst/>
-          </a:prstGeom>
-          <a:noFill/>
-          <a:ln>
-            <a:solidFill>
-              <a:schemeClr val="tx1"/>
-            </a:solidFill>
-          </a:ln>
-        </p:spPr>
-        <p:txBody>
-          <a:bodyPr wrap="square" rtlCol="0">
-            <a:spAutoFit/>
-          </a:bodyPr>
-          <a:lstStyle/>
+            <a:endParaRPr lang="fr-FR" sz="2400" dirty="0"/>
+          </a:p>
+          <a:p>
+            <a:pPr lvl="0"/>
+            <a:r>
+              <a:rPr lang="fr-FR" sz="2400" dirty="0"/>
+              <a:t>Les informations pourront être ensuite traitées.</a:t>
+            </a:r>
+          </a:p>
           <a:p>
             <a:endParaRPr lang="fr-FR" dirty="0"/>
           </a:p>
@@ -7238,7 +6710,7 @@
     </p:spTree>
     <p:extLst>
       <p:ext uri="{BB962C8B-B14F-4D97-AF65-F5344CB8AC3E}">
-        <p14:creationId xmlns:p14="http://schemas.microsoft.com/office/powerpoint/2010/main" val="2600805086"/>
+        <p14:creationId xmlns:p14="http://schemas.microsoft.com/office/powerpoint/2010/main" val="1024622025"/>
       </p:ext>
     </p:extLst>
   </p:cSld>
@@ -7288,6 +6760,620 @@
         </p:nvSpPr>
         <p:spPr>
           <a:xfrm>
+            <a:off x="838200" y="-1"/>
+            <a:ext cx="10515600" cy="1512277"/>
+          </a:xfrm>
+        </p:spPr>
+        <p:txBody>
+          <a:bodyPr>
+            <a:normAutofit fontScale="90000"/>
+          </a:bodyPr>
+          <a:lstStyle/>
+          <a:p>
+            <a:r>
+              <a:rPr lang="fr-FR" sz="3600" dirty="0"/>
+              <a:t>II) Etude physique lecteur RFID pour les courses</a:t>
+            </a:r>
+            <a:br>
+              <a:rPr lang="fr-FR" sz="3600" dirty="0"/>
+            </a:br>
+            <a:r>
+              <a:rPr lang="fr-FR" sz="3600" dirty="0"/>
+              <a:t>	</a:t>
+            </a:r>
+            <a:r>
+              <a:rPr lang="fr-FR" sz="3100" dirty="0"/>
+              <a:t>1) Matériel</a:t>
+            </a:r>
+            <a:r>
+              <a:rPr lang="fr-FR" sz="2800" dirty="0"/>
+              <a:t/>
+            </a:r>
+            <a:br>
+              <a:rPr lang="fr-FR" sz="2800" dirty="0"/>
+            </a:br>
+            <a:r>
+              <a:rPr lang="fr-FR" sz="2800" dirty="0"/>
+              <a:t>		</a:t>
+            </a:r>
+            <a:r>
+              <a:rPr lang="fr-FR" sz="2400" dirty="0"/>
+              <a:t>a) Antenne</a:t>
+            </a:r>
+            <a:br>
+              <a:rPr lang="fr-FR" sz="2400" dirty="0"/>
+            </a:br>
+            <a:r>
+              <a:rPr lang="fr-FR" sz="2400" dirty="0"/>
+              <a:t>		b) Dossard </a:t>
+            </a:r>
+            <a:r>
+              <a:rPr lang="fr-FR" sz="2400" dirty="0" err="1"/>
+              <a:t>DAGs</a:t>
+            </a:r>
+            <a:endParaRPr lang="fr-FR" sz="3600" dirty="0"/>
+          </a:p>
+        </p:txBody>
+      </p:sp>
+      <p:sp>
+        <p:nvSpPr>
+          <p:cNvPr id="3" name="Espace réservé du contenu 2"/>
+          <p:cNvSpPr>
+            <a:spLocks noGrp="1"/>
+          </p:cNvSpPr>
+          <p:nvPr>
+            <p:ph idx="1"/>
+          </p:nvPr>
+        </p:nvSpPr>
+        <p:spPr>
+          <a:xfrm>
+            <a:off x="838200" y="1864072"/>
+            <a:ext cx="7391400" cy="2007466"/>
+          </a:xfrm>
+        </p:spPr>
+        <p:txBody>
+          <a:bodyPr/>
+          <a:lstStyle/>
+          <a:p>
+            <a:r>
+              <a:rPr lang="fr-FR" sz="1600" dirty="0"/>
+              <a:t>Le DAG est une puce passive (13,56 Mhz) de haute fréquence. </a:t>
+            </a:r>
+          </a:p>
+          <a:p>
+            <a:r>
+              <a:rPr lang="fr-FR" sz="1600" dirty="0"/>
+              <a:t>Il doit être activé pour communiquer. </a:t>
+            </a:r>
+          </a:p>
+          <a:p>
+            <a:r>
+              <a:rPr lang="fr-FR" sz="1600" dirty="0"/>
+              <a:t>Le boitier d’interface + l’antenne créent un </a:t>
+            </a:r>
+          </a:p>
+          <a:p>
+            <a:pPr marL="0" indent="0">
+              <a:buNone/>
+            </a:pPr>
+            <a:r>
+              <a:rPr lang="fr-FR" sz="1600" dirty="0"/>
+              <a:t>champ magnétique pour activer la puce. </a:t>
+            </a:r>
+          </a:p>
+          <a:p>
+            <a:r>
+              <a:rPr lang="fr-FR" sz="1600" dirty="0"/>
+              <a:t>Le lecteur communique avec la puce. </a:t>
+            </a:r>
+          </a:p>
+          <a:p>
+            <a:endParaRPr lang="fr-FR" dirty="0"/>
+          </a:p>
+        </p:txBody>
+      </p:sp>
+      <p:pic>
+        <p:nvPicPr>
+          <p:cNvPr id="4" name="Image 3"/>
+          <p:cNvPicPr/>
+          <p:nvPr/>
+        </p:nvPicPr>
+        <p:blipFill rotWithShape="1">
+          <a:blip r:embed="rId2">
+            <a:extLst>
+              <a:ext uri="{28A0092B-C50C-407E-A947-70E740481C1C}">
+                <a14:useLocalDpi xmlns:a14="http://schemas.microsoft.com/office/drawing/2010/main" val="0"/>
+              </a:ext>
+            </a:extLst>
+          </a:blip>
+          <a:srcRect l="7607" t="2145" r="4196" b="5927"/>
+          <a:stretch/>
+        </p:blipFill>
+        <p:spPr>
+          <a:xfrm>
+            <a:off x="5318991" y="2202048"/>
+            <a:ext cx="1923473" cy="1669490"/>
+          </a:xfrm>
+          <a:prstGeom prst="rect">
+            <a:avLst/>
+          </a:prstGeom>
+        </p:spPr>
+      </p:pic>
+      <p:sp>
+        <p:nvSpPr>
+          <p:cNvPr id="5" name="Rectangle 4"/>
+          <p:cNvSpPr/>
+          <p:nvPr/>
+        </p:nvSpPr>
+        <p:spPr>
+          <a:xfrm>
+            <a:off x="7506854" y="4328964"/>
+            <a:ext cx="4479637" cy="2244397"/>
+          </a:xfrm>
+          <a:prstGeom prst="rect">
+            <a:avLst/>
+          </a:prstGeom>
+        </p:spPr>
+        <p:txBody>
+          <a:bodyPr wrap="square">
+            <a:spAutoFit/>
+          </a:bodyPr>
+          <a:lstStyle/>
+          <a:p>
+            <a:pPr algn="r">
+              <a:lnSpc>
+                <a:spcPct val="107000"/>
+              </a:lnSpc>
+              <a:spcAft>
+                <a:spcPts val="800"/>
+              </a:spcAft>
+            </a:pPr>
+            <a:r>
+              <a:rPr lang="fr-FR" sz="1600" dirty="0">
+                <a:latin typeface="Calibri" panose="020F0502020204030204" pitchFamily="34" charset="0"/>
+                <a:ea typeface="SimSun" panose="02010600030101010101" pitchFamily="2" charset="-122"/>
+                <a:cs typeface="Times New Roman" panose="02020603050405020304" pitchFamily="18" charset="0"/>
+              </a:rPr>
+              <a:t>La détection se produit lorsque le participant entre dans le champ magnétique. </a:t>
+            </a:r>
+            <a:endParaRPr lang="fr-FR" sz="1400" dirty="0">
+              <a:latin typeface="Calibri" panose="020F0502020204030204" pitchFamily="34" charset="0"/>
+              <a:ea typeface="SimSun" panose="02010600030101010101" pitchFamily="2" charset="-122"/>
+              <a:cs typeface="Times New Roman" panose="02020603050405020304" pitchFamily="18" charset="0"/>
+            </a:endParaRPr>
+          </a:p>
+          <a:p>
+            <a:pPr algn="r">
+              <a:lnSpc>
+                <a:spcPct val="107000"/>
+              </a:lnSpc>
+              <a:spcAft>
+                <a:spcPts val="800"/>
+              </a:spcAft>
+            </a:pPr>
+            <a:r>
+              <a:rPr lang="fr-FR" sz="1600" dirty="0">
+                <a:latin typeface="Calibri" panose="020F0502020204030204" pitchFamily="34" charset="0"/>
+                <a:ea typeface="SimSun" panose="02010600030101010101" pitchFamily="2" charset="-122"/>
+                <a:cs typeface="Times New Roman" panose="02020603050405020304" pitchFamily="18" charset="0"/>
+              </a:rPr>
+              <a:t>Précision = 1/10 secondes. </a:t>
+            </a:r>
+            <a:endParaRPr lang="fr-FR" sz="1400" dirty="0">
+              <a:latin typeface="Calibri" panose="020F0502020204030204" pitchFamily="34" charset="0"/>
+              <a:ea typeface="SimSun" panose="02010600030101010101" pitchFamily="2" charset="-122"/>
+              <a:cs typeface="Times New Roman" panose="02020603050405020304" pitchFamily="18" charset="0"/>
+            </a:endParaRPr>
+          </a:p>
+          <a:p>
+            <a:pPr algn="r">
+              <a:lnSpc>
+                <a:spcPct val="107000"/>
+              </a:lnSpc>
+              <a:spcAft>
+                <a:spcPts val="800"/>
+              </a:spcAft>
+            </a:pPr>
+            <a:r>
+              <a:rPr lang="fr-FR" sz="1600" dirty="0">
+                <a:latin typeface="Calibri" panose="020F0502020204030204" pitchFamily="34" charset="0"/>
+                <a:ea typeface="SimSun" panose="02010600030101010101" pitchFamily="2" charset="-122"/>
+                <a:cs typeface="Times New Roman" panose="02020603050405020304" pitchFamily="18" charset="0"/>
+              </a:rPr>
+              <a:t>Un DAG ne peut pas fonctionner correctement si : </a:t>
+            </a:r>
+            <a:endParaRPr lang="fr-FR" sz="1400" dirty="0">
+              <a:latin typeface="Calibri" panose="020F0502020204030204" pitchFamily="34" charset="0"/>
+              <a:ea typeface="SimSun" panose="02010600030101010101" pitchFamily="2" charset="-122"/>
+              <a:cs typeface="Times New Roman" panose="02020603050405020304" pitchFamily="18" charset="0"/>
+            </a:endParaRPr>
+          </a:p>
+          <a:p>
+            <a:pPr marL="342900" lvl="0" indent="-342900" algn="r">
+              <a:lnSpc>
+                <a:spcPct val="107000"/>
+              </a:lnSpc>
+              <a:spcAft>
+                <a:spcPts val="0"/>
+              </a:spcAft>
+              <a:buFont typeface="Wingdings" panose="05000000000000000000" pitchFamily="2" charset="2"/>
+              <a:buChar char=""/>
+            </a:pPr>
+            <a:r>
+              <a:rPr lang="fr-FR" sz="1600" dirty="0">
+                <a:latin typeface="Calibri" panose="020F0502020204030204" pitchFamily="34" charset="0"/>
+                <a:ea typeface="Calibri" panose="020F0502020204030204" pitchFamily="34" charset="0"/>
+                <a:cs typeface="Times New Roman" panose="02020603050405020304" pitchFamily="18" charset="0"/>
+              </a:rPr>
+              <a:t> Il est collé sur du métal </a:t>
+            </a:r>
+            <a:endParaRPr lang="fr-FR" sz="1400" dirty="0">
+              <a:latin typeface="Calibri" panose="020F0502020204030204" pitchFamily="34" charset="0"/>
+              <a:ea typeface="Calibri" panose="020F0502020204030204" pitchFamily="34" charset="0"/>
+              <a:cs typeface="Times New Roman" panose="02020603050405020304" pitchFamily="18" charset="0"/>
+            </a:endParaRPr>
+          </a:p>
+          <a:p>
+            <a:pPr marL="342900" lvl="0" indent="-342900" algn="r">
+              <a:lnSpc>
+                <a:spcPct val="107000"/>
+              </a:lnSpc>
+              <a:spcAft>
+                <a:spcPts val="0"/>
+              </a:spcAft>
+              <a:buFont typeface="Wingdings" panose="05000000000000000000" pitchFamily="2" charset="2"/>
+              <a:buChar char=""/>
+            </a:pPr>
+            <a:r>
+              <a:rPr lang="fr-FR" sz="1600" dirty="0">
+                <a:latin typeface="Calibri" panose="020F0502020204030204" pitchFamily="34" charset="0"/>
+                <a:ea typeface="Calibri" panose="020F0502020204030204" pitchFamily="34" charset="0"/>
+                <a:cs typeface="Times New Roman" panose="02020603050405020304" pitchFamily="18" charset="0"/>
+              </a:rPr>
+              <a:t> Il est plié</a:t>
+            </a:r>
+            <a:endParaRPr lang="fr-FR" sz="1400" dirty="0">
+              <a:latin typeface="Calibri" panose="020F0502020204030204" pitchFamily="34" charset="0"/>
+              <a:ea typeface="Calibri" panose="020F0502020204030204" pitchFamily="34" charset="0"/>
+              <a:cs typeface="Times New Roman" panose="02020603050405020304" pitchFamily="18" charset="0"/>
+            </a:endParaRPr>
+          </a:p>
+          <a:p>
+            <a:pPr marL="342900" lvl="0" indent="-342900" algn="r">
+              <a:lnSpc>
+                <a:spcPct val="107000"/>
+              </a:lnSpc>
+              <a:spcAft>
+                <a:spcPts val="800"/>
+              </a:spcAft>
+              <a:buFont typeface="Wingdings" panose="05000000000000000000" pitchFamily="2" charset="2"/>
+              <a:buChar char=""/>
+            </a:pPr>
+            <a:r>
+              <a:rPr lang="fr-FR" sz="1600" dirty="0">
+                <a:latin typeface="Calibri" panose="020F0502020204030204" pitchFamily="34" charset="0"/>
+                <a:ea typeface="Calibri" panose="020F0502020204030204" pitchFamily="34" charset="0"/>
+                <a:cs typeface="Times New Roman" panose="02020603050405020304" pitchFamily="18" charset="0"/>
+              </a:rPr>
+              <a:t> Il est déchiré. </a:t>
+            </a:r>
+            <a:endParaRPr lang="fr-FR" sz="1400" dirty="0">
+              <a:effectLst/>
+              <a:latin typeface="Calibri" panose="020F0502020204030204" pitchFamily="34" charset="0"/>
+              <a:ea typeface="Calibri" panose="020F0502020204030204" pitchFamily="34" charset="0"/>
+              <a:cs typeface="Times New Roman" panose="02020603050405020304" pitchFamily="18" charset="0"/>
+            </a:endParaRPr>
+          </a:p>
+        </p:txBody>
+      </p:sp>
+      <p:pic>
+        <p:nvPicPr>
+          <p:cNvPr id="6" name="Image 5"/>
+          <p:cNvPicPr/>
+          <p:nvPr/>
+        </p:nvPicPr>
+        <p:blipFill rotWithShape="1">
+          <a:blip r:embed="rId3">
+            <a:extLst>
+              <a:ext uri="{28A0092B-C50C-407E-A947-70E740481C1C}">
+                <a14:useLocalDpi xmlns:a14="http://schemas.microsoft.com/office/drawing/2010/main" val="0"/>
+              </a:ext>
+            </a:extLst>
+          </a:blip>
+          <a:srcRect l="4497" t="3529" r="4497" b="5459"/>
+          <a:stretch/>
+        </p:blipFill>
+        <p:spPr>
+          <a:xfrm>
+            <a:off x="10388598" y="2867805"/>
+            <a:ext cx="1505527" cy="1426797"/>
+          </a:xfrm>
+          <a:prstGeom prst="rect">
+            <a:avLst/>
+          </a:prstGeom>
+        </p:spPr>
+      </p:pic>
+      <p:sp>
+        <p:nvSpPr>
+          <p:cNvPr id="7" name="Rectangle 6"/>
+          <p:cNvSpPr/>
+          <p:nvPr/>
+        </p:nvSpPr>
+        <p:spPr>
+          <a:xfrm>
+            <a:off x="838200" y="4328554"/>
+            <a:ext cx="3474027" cy="1878335"/>
+          </a:xfrm>
+          <a:prstGeom prst="rect">
+            <a:avLst/>
+          </a:prstGeom>
+        </p:spPr>
+        <p:txBody>
+          <a:bodyPr wrap="square">
+            <a:spAutoFit/>
+          </a:bodyPr>
+          <a:lstStyle/>
+          <a:p>
+            <a:pPr>
+              <a:lnSpc>
+                <a:spcPct val="107000"/>
+              </a:lnSpc>
+              <a:spcAft>
+                <a:spcPts val="800"/>
+              </a:spcAft>
+            </a:pPr>
+            <a:r>
+              <a:rPr lang="fr-FR" sz="1600" dirty="0">
+                <a:latin typeface="Calibri" panose="020F0502020204030204" pitchFamily="34" charset="0"/>
+                <a:ea typeface="SimSun" panose="02010600030101010101" pitchFamily="2" charset="-122"/>
+                <a:cs typeface="Times New Roman" panose="02020603050405020304" pitchFamily="18" charset="0"/>
+              </a:rPr>
+              <a:t>Un lecteur peut détecter 120 DAG / seconde.  </a:t>
+            </a:r>
+            <a:endParaRPr lang="fr-FR" sz="1400" dirty="0">
+              <a:latin typeface="Calibri" panose="020F0502020204030204" pitchFamily="34" charset="0"/>
+              <a:ea typeface="SimSun" panose="02010600030101010101" pitchFamily="2" charset="-122"/>
+              <a:cs typeface="Times New Roman" panose="02020603050405020304" pitchFamily="18" charset="0"/>
+            </a:endParaRPr>
+          </a:p>
+          <a:p>
+            <a:pPr>
+              <a:lnSpc>
+                <a:spcPct val="107000"/>
+              </a:lnSpc>
+              <a:spcAft>
+                <a:spcPts val="800"/>
+              </a:spcAft>
+            </a:pPr>
+            <a:r>
+              <a:rPr lang="fr-FR" sz="1600" dirty="0">
+                <a:latin typeface="Calibri" panose="020F0502020204030204" pitchFamily="34" charset="0"/>
+                <a:ea typeface="SimSun" panose="02010600030101010101" pitchFamily="2" charset="-122"/>
+                <a:cs typeface="Times New Roman" panose="02020603050405020304" pitchFamily="18" charset="0"/>
+              </a:rPr>
+              <a:t>Un lecteur peut être branché sur tous les types d’antennes. </a:t>
+            </a:r>
+            <a:endParaRPr lang="fr-FR" sz="1400" dirty="0">
+              <a:latin typeface="Calibri" panose="020F0502020204030204" pitchFamily="34" charset="0"/>
+              <a:ea typeface="SimSun" panose="02010600030101010101" pitchFamily="2" charset="-122"/>
+              <a:cs typeface="Times New Roman" panose="02020603050405020304" pitchFamily="18" charset="0"/>
+            </a:endParaRPr>
+          </a:p>
+          <a:p>
+            <a:pPr>
+              <a:lnSpc>
+                <a:spcPct val="107000"/>
+              </a:lnSpc>
+              <a:spcAft>
+                <a:spcPts val="800"/>
+              </a:spcAft>
+            </a:pPr>
+            <a:r>
+              <a:rPr lang="fr-FR" sz="1600" dirty="0">
+                <a:latin typeface="Calibri" panose="020F0502020204030204" pitchFamily="34" charset="0"/>
+                <a:ea typeface="SimSun" panose="02010600030101010101" pitchFamily="2" charset="-122"/>
+                <a:cs typeface="Times New Roman" panose="02020603050405020304" pitchFamily="18" charset="0"/>
+              </a:rPr>
+              <a:t>Les lecteurs DAG System sont conçu pour lire uniquement les </a:t>
+            </a:r>
+            <a:r>
+              <a:rPr lang="fr-FR" sz="1600" dirty="0" err="1">
+                <a:latin typeface="Calibri" panose="020F0502020204030204" pitchFamily="34" charset="0"/>
+                <a:ea typeface="SimSun" panose="02010600030101010101" pitchFamily="2" charset="-122"/>
+                <a:cs typeface="Times New Roman" panose="02020603050405020304" pitchFamily="18" charset="0"/>
+              </a:rPr>
+              <a:t>DAGs</a:t>
+            </a:r>
+            <a:r>
+              <a:rPr lang="fr-FR" sz="1600" dirty="0">
+                <a:latin typeface="Calibri" panose="020F0502020204030204" pitchFamily="34" charset="0"/>
+                <a:ea typeface="SimSun" panose="02010600030101010101" pitchFamily="2" charset="-122"/>
+                <a:cs typeface="Times New Roman" panose="02020603050405020304" pitchFamily="18" charset="0"/>
+              </a:rPr>
+              <a:t>.</a:t>
+            </a:r>
+            <a:endParaRPr lang="fr-FR" sz="1400" dirty="0">
+              <a:effectLst/>
+              <a:latin typeface="Calibri" panose="020F0502020204030204" pitchFamily="34" charset="0"/>
+              <a:ea typeface="SimSun" panose="02010600030101010101" pitchFamily="2" charset="-122"/>
+              <a:cs typeface="Times New Roman" panose="02020603050405020304" pitchFamily="18" charset="0"/>
+            </a:endParaRPr>
+          </a:p>
+        </p:txBody>
+      </p:sp>
+      <p:pic>
+        <p:nvPicPr>
+          <p:cNvPr id="8" name="Image 7"/>
+          <p:cNvPicPr/>
+          <p:nvPr/>
+        </p:nvPicPr>
+        <p:blipFill rotWithShape="1">
+          <a:blip r:embed="rId4">
+            <a:extLst>
+              <a:ext uri="{28A0092B-C50C-407E-A947-70E740481C1C}">
+                <a14:useLocalDpi xmlns:a14="http://schemas.microsoft.com/office/drawing/2010/main" val="0"/>
+              </a:ext>
+            </a:extLst>
+          </a:blip>
+          <a:srcRect l="2692" t="1251" r="5783" b="5113"/>
+          <a:stretch/>
+        </p:blipFill>
+        <p:spPr>
+          <a:xfrm>
+            <a:off x="4533900" y="4649113"/>
+            <a:ext cx="1570183" cy="1382423"/>
+          </a:xfrm>
+          <a:prstGeom prst="rect">
+            <a:avLst/>
+          </a:prstGeom>
+        </p:spPr>
+      </p:pic>
+      <p:sp>
+        <p:nvSpPr>
+          <p:cNvPr id="9" name="ZoneTexte 8"/>
+          <p:cNvSpPr txBox="1"/>
+          <p:nvPr/>
+        </p:nvSpPr>
+        <p:spPr>
+          <a:xfrm>
+            <a:off x="7620000" y="2336800"/>
+            <a:ext cx="4451927" cy="4350327"/>
+          </a:xfrm>
+          <a:prstGeom prst="rect">
+            <a:avLst/>
+          </a:prstGeom>
+          <a:noFill/>
+          <a:ln>
+            <a:solidFill>
+              <a:schemeClr val="tx1"/>
+            </a:solidFill>
+          </a:ln>
+        </p:spPr>
+        <p:txBody>
+          <a:bodyPr wrap="square" rtlCol="0">
+            <a:spAutoFit/>
+          </a:bodyPr>
+          <a:lstStyle/>
+          <a:p>
+            <a:endParaRPr lang="fr-FR" dirty="0"/>
+          </a:p>
+        </p:txBody>
+      </p:sp>
+      <p:sp>
+        <p:nvSpPr>
+          <p:cNvPr id="10" name="ZoneTexte 9"/>
+          <p:cNvSpPr txBox="1"/>
+          <p:nvPr/>
+        </p:nvSpPr>
+        <p:spPr>
+          <a:xfrm>
+            <a:off x="711200" y="1764145"/>
+            <a:ext cx="6659418" cy="2355273"/>
+          </a:xfrm>
+          <a:prstGeom prst="rect">
+            <a:avLst/>
+          </a:prstGeom>
+          <a:noFill/>
+          <a:ln>
+            <a:solidFill>
+              <a:schemeClr val="tx1"/>
+            </a:solidFill>
+          </a:ln>
+        </p:spPr>
+        <p:txBody>
+          <a:bodyPr wrap="square" rtlCol="0">
+            <a:spAutoFit/>
+          </a:bodyPr>
+          <a:lstStyle/>
+          <a:p>
+            <a:endParaRPr lang="fr-FR" dirty="0"/>
+          </a:p>
+        </p:txBody>
+      </p:sp>
+      <p:sp>
+        <p:nvSpPr>
+          <p:cNvPr id="11" name="ZoneTexte 10"/>
+          <p:cNvSpPr txBox="1"/>
+          <p:nvPr/>
+        </p:nvSpPr>
+        <p:spPr>
+          <a:xfrm>
+            <a:off x="711200" y="4328554"/>
+            <a:ext cx="5800436" cy="2090719"/>
+          </a:xfrm>
+          <a:prstGeom prst="rect">
+            <a:avLst/>
+          </a:prstGeom>
+          <a:noFill/>
+          <a:ln>
+            <a:solidFill>
+              <a:schemeClr val="tx1"/>
+            </a:solidFill>
+          </a:ln>
+        </p:spPr>
+        <p:txBody>
+          <a:bodyPr wrap="square" rtlCol="0">
+            <a:spAutoFit/>
+          </a:bodyPr>
+          <a:lstStyle/>
+          <a:p>
+            <a:endParaRPr lang="fr-FR" dirty="0"/>
+          </a:p>
+        </p:txBody>
+      </p:sp>
+    </p:spTree>
+    <p:extLst>
+      <p:ext uri="{BB962C8B-B14F-4D97-AF65-F5344CB8AC3E}">
+        <p14:creationId xmlns:p14="http://schemas.microsoft.com/office/powerpoint/2010/main" val="2600805086"/>
+      </p:ext>
+    </p:extLst>
+  </p:cSld>
+  <p:clrMapOvr>
+    <a:masterClrMapping/>
+  </p:clrMapOvr>
+</p:sld>
+</file>
+
+<file path=ppt/slides/slide29.xml><?xml version="1.0" encoding="utf-8"?>
+<p:sld xmlns:a="http://schemas.openxmlformats.org/drawingml/2006/main" xmlns:r="http://schemas.openxmlformats.org/officeDocument/2006/relationships" xmlns:p="http://schemas.openxmlformats.org/presentationml/2006/main">
+  <p:cSld>
+    <p:bg>
+      <p:bgPr>
+        <a:solidFill>
+          <a:schemeClr val="accent2">
+            <a:lumMod val="40000"/>
+            <a:lumOff val="60000"/>
+          </a:schemeClr>
+        </a:solidFill>
+        <a:effectLst/>
+      </p:bgPr>
+    </p:bg>
+    <p:spTree>
+      <p:nvGrpSpPr>
+        <p:cNvPr id="1" name=""/>
+        <p:cNvGrpSpPr/>
+        <p:nvPr/>
+      </p:nvGrpSpPr>
+      <p:grpSpPr>
+        <a:xfrm>
+          <a:off x="0" y="0"/>
+          <a:ext cx="0" cy="0"/>
+          <a:chOff x="0" y="0"/>
+          <a:chExt cx="0" cy="0"/>
+        </a:xfrm>
+      </p:grpSpPr>
+      <p:sp>
+        <p:nvSpPr>
+          <p:cNvPr id="2" name="Titre 1"/>
+          <p:cNvSpPr>
+            <a:spLocks noGrp="1"/>
+          </p:cNvSpPr>
+          <p:nvPr>
+            <p:ph type="title"/>
+          </p:nvPr>
+        </p:nvSpPr>
+        <p:spPr>
+          <a:xfrm>
             <a:off x="838200" y="0"/>
             <a:ext cx="10515600" cy="864211"/>
           </a:xfrm>
@@ -7712,209 +7798,6 @@
     <p:extLst>
       <p:ext uri="{BB962C8B-B14F-4D97-AF65-F5344CB8AC3E}">
         <p14:creationId xmlns:p14="http://schemas.microsoft.com/office/powerpoint/2010/main" val="4282450701"/>
-      </p:ext>
-    </p:extLst>
-  </p:cSld>
-  <p:clrMapOvr>
-    <a:masterClrMapping/>
-  </p:clrMapOvr>
-</p:sld>
-</file>
-
-<file path=ppt/slides/slide29.xml><?xml version="1.0" encoding="utf-8"?>
-<p:sld xmlns:a="http://schemas.openxmlformats.org/drawingml/2006/main" xmlns:r="http://schemas.openxmlformats.org/officeDocument/2006/relationships" xmlns:p="http://schemas.openxmlformats.org/presentationml/2006/main">
-  <p:cSld>
-    <p:bg>
-      <p:bgPr>
-        <a:solidFill>
-          <a:schemeClr val="accent6">
-            <a:lumMod val="20000"/>
-            <a:lumOff val="80000"/>
-          </a:schemeClr>
-        </a:solidFill>
-        <a:effectLst/>
-      </p:bgPr>
-    </p:bg>
-    <p:spTree>
-      <p:nvGrpSpPr>
-        <p:cNvPr id="1" name=""/>
-        <p:cNvGrpSpPr/>
-        <p:nvPr/>
-      </p:nvGrpSpPr>
-      <p:grpSpPr>
-        <a:xfrm>
-          <a:off x="0" y="0"/>
-          <a:ext cx="0" cy="0"/>
-          <a:chOff x="0" y="0"/>
-          <a:chExt cx="0" cy="0"/>
-        </a:xfrm>
-      </p:grpSpPr>
-      <p:sp>
-        <p:nvSpPr>
-          <p:cNvPr id="2" name="Titre 1"/>
-          <p:cNvSpPr>
-            <a:spLocks noGrp="1"/>
-          </p:cNvSpPr>
-          <p:nvPr>
-            <p:ph type="title"/>
-          </p:nvPr>
-        </p:nvSpPr>
-        <p:spPr/>
-        <p:txBody>
-          <a:bodyPr/>
-          <a:lstStyle/>
-          <a:p>
-            <a:r>
-              <a:rPr lang="fr-FR" dirty="0">
-                <a:solidFill>
-                  <a:schemeClr val="accent6">
-                    <a:lumMod val="75000"/>
-                  </a:schemeClr>
-                </a:solidFill>
-              </a:rPr>
-              <a:t>Etudiant 3 : </a:t>
-            </a:r>
-            <a:r>
-              <a:rPr lang="fr-FR" dirty="0" err="1">
-                <a:solidFill>
-                  <a:schemeClr val="accent6">
-                    <a:lumMod val="75000"/>
-                  </a:schemeClr>
-                </a:solidFill>
-              </a:rPr>
-              <a:t>Lapraye</a:t>
-            </a:r>
-            <a:r>
-              <a:rPr lang="fr-FR" dirty="0">
-                <a:solidFill>
-                  <a:schemeClr val="accent6">
-                    <a:lumMod val="75000"/>
-                  </a:schemeClr>
-                </a:solidFill>
-              </a:rPr>
-              <a:t> Serge</a:t>
-            </a:r>
-          </a:p>
-        </p:txBody>
-      </p:sp>
-      <p:sp>
-        <p:nvSpPr>
-          <p:cNvPr id="3" name="Espace réservé du contenu 2"/>
-          <p:cNvSpPr>
-            <a:spLocks noGrp="1"/>
-          </p:cNvSpPr>
-          <p:nvPr>
-            <p:ph idx="1"/>
-          </p:nvPr>
-        </p:nvSpPr>
-        <p:spPr/>
-        <p:txBody>
-          <a:bodyPr>
-            <a:normAutofit fontScale="92500" lnSpcReduction="20000"/>
-          </a:bodyPr>
-          <a:lstStyle/>
-          <a:p>
-            <a:r>
-              <a:rPr lang="fr-FR" dirty="0"/>
-              <a:t>I) Analyse complète du système</a:t>
-            </a:r>
-          </a:p>
-          <a:p>
-            <a:pPr lvl="1"/>
-            <a:r>
-              <a:rPr lang="fr-FR" dirty="0"/>
-              <a:t>1) Diagramme de cas d’utilisation</a:t>
-            </a:r>
-          </a:p>
-          <a:p>
-            <a:pPr lvl="1"/>
-            <a:r>
-              <a:rPr lang="fr-FR" dirty="0"/>
-              <a:t>2) Scénario</a:t>
-            </a:r>
-          </a:p>
-          <a:p>
-            <a:pPr lvl="1"/>
-            <a:r>
-              <a:rPr lang="fr-FR" dirty="0"/>
-              <a:t>3) Diagramme de séquence</a:t>
-            </a:r>
-          </a:p>
-          <a:p>
-            <a:pPr lvl="2"/>
-            <a:r>
-              <a:rPr lang="fr-FR" dirty="0"/>
-              <a:t>a) Affichage des infos en temps réels</a:t>
-            </a:r>
-          </a:p>
-          <a:p>
-            <a:pPr lvl="2"/>
-            <a:r>
-              <a:rPr lang="fr-FR" dirty="0"/>
-              <a:t>b) Switch de page de par le C++</a:t>
-            </a:r>
-          </a:p>
-          <a:p>
-            <a:r>
-              <a:rPr lang="fr-FR" dirty="0"/>
-              <a:t>II) Etude physique du WI-FI</a:t>
-            </a:r>
-          </a:p>
-          <a:p>
-            <a:pPr lvl="1"/>
-            <a:r>
-              <a:rPr lang="fr-FR" dirty="0"/>
-              <a:t>1) Fonctionnement</a:t>
-            </a:r>
-          </a:p>
-          <a:p>
-            <a:pPr lvl="2"/>
-            <a:r>
-              <a:rPr lang="fr-FR" dirty="0"/>
-              <a:t>a) Introduction du wifi</a:t>
-            </a:r>
-          </a:p>
-          <a:p>
-            <a:pPr lvl="2"/>
-            <a:r>
-              <a:rPr lang="fr-FR" dirty="0"/>
-              <a:t>b) Principe du wifi</a:t>
-            </a:r>
-          </a:p>
-          <a:p>
-            <a:pPr lvl="2"/>
-            <a:r>
-              <a:rPr lang="fr-FR" dirty="0"/>
-              <a:t>c) Principes de fonctionnements</a:t>
-            </a:r>
-          </a:p>
-          <a:p>
-            <a:pPr lvl="1"/>
-            <a:r>
-              <a:rPr lang="fr-FR" dirty="0"/>
-              <a:t>2) Utilisation et choix du WI-FI</a:t>
-            </a:r>
-          </a:p>
-          <a:p>
-            <a:pPr lvl="2"/>
-            <a:r>
-              <a:rPr lang="fr-FR" dirty="0"/>
-              <a:t>a) Utilisation précise du wifi</a:t>
-            </a:r>
-          </a:p>
-          <a:p>
-            <a:pPr lvl="2"/>
-            <a:r>
-              <a:rPr lang="fr-FR" dirty="0"/>
-              <a:t>b) Le choix du wifi</a:t>
-            </a:r>
-          </a:p>
-        </p:txBody>
-      </p:sp>
-    </p:spTree>
-    <p:extLst>
-      <p:ext uri="{BB962C8B-B14F-4D97-AF65-F5344CB8AC3E}">
-        <p14:creationId xmlns:p14="http://schemas.microsoft.com/office/powerpoint/2010/main" val="1010092771"/>
       </p:ext>
     </p:extLst>
   </p:cSld>
@@ -7959,14 +7842,38 @@
             <p:ph type="title"/>
           </p:nvPr>
         </p:nvSpPr>
-        <p:spPr>
-          <a:xfrm>
-            <a:off x="838200" y="1"/>
-            <a:ext cx="10515600" cy="747346"/>
-          </a:xfrm>
-        </p:spPr>
+        <p:spPr/>
         <p:txBody>
           <a:bodyPr/>
+          <a:lstStyle/>
+          <a:p>
+            <a:r>
+              <a:rPr lang="fr-FR" u="sng" dirty="0"/>
+              <a:t>Partie Commune</a:t>
+            </a:r>
+          </a:p>
+        </p:txBody>
+      </p:sp>
+      <p:sp>
+        <p:nvSpPr>
+          <p:cNvPr id="3" name="Espace réservé du contenu 2"/>
+          <p:cNvSpPr>
+            <a:spLocks noGrp="1"/>
+          </p:cNvSpPr>
+          <p:nvPr>
+            <p:ph idx="1"/>
+          </p:nvPr>
+        </p:nvSpPr>
+        <p:spPr>
+          <a:xfrm>
+            <a:off x="429828" y="1690688"/>
+            <a:ext cx="7039708" cy="1779221"/>
+          </a:xfrm>
+        </p:spPr>
+        <p:txBody>
+          <a:bodyPr>
+            <a:normAutofit fontScale="92500" lnSpcReduction="10000"/>
+          </a:bodyPr>
           <a:lstStyle/>
           <a:p>
             <a:r>
@@ -7974,19 +7881,35 @@
               <a:t>I) Diagramme de cas d’utilisation commun</a:t>
             </a:r>
           </a:p>
+          <a:p>
+            <a:r>
+              <a:rPr lang="fr-FR" dirty="0"/>
+              <a:t>II) Modèle Conceptuel de Données</a:t>
+            </a:r>
+          </a:p>
+          <a:p>
+            <a:r>
+              <a:rPr lang="fr-FR" dirty="0"/>
+              <a:t>III) Diagramme de classes</a:t>
+            </a:r>
+          </a:p>
+          <a:p>
+            <a:r>
+              <a:rPr lang="fr-FR" dirty="0"/>
+              <a:t>IV) Gantt Actuel</a:t>
+            </a:r>
+          </a:p>
         </p:txBody>
       </p:sp>
       <p:pic>
         <p:nvPicPr>
-          <p:cNvPr id="4" name="Espace réservé du contenu 3" descr="C:\Users\Victor\Documents\GitHub\Projet_Cross\Diagrammes Communs\UseCase_Commun.PNG"/>
+          <p:cNvPr id="4" name="Image 3"/>
           <p:cNvPicPr>
-            <a:picLocks noGrp="1"/>
+            <a:picLocks noChangeAspect="1"/>
           </p:cNvPicPr>
-          <p:nvPr>
-            <p:ph idx="1"/>
-          </p:nvPr>
+          <p:nvPr/>
         </p:nvPicPr>
-        <p:blipFill rotWithShape="1">
+        <p:blipFill>
           <a:blip r:embed="rId2">
             <a:extLst>
               <a:ext uri="{28A0092B-C50C-407E-A947-70E740481C1C}">
@@ -7994,38 +7917,69 @@
               </a:ext>
             </a:extLst>
           </a:blip>
-          <a:srcRect t="3080" b="2096"/>
-          <a:stretch/>
+          <a:stretch>
+            <a:fillRect/>
+          </a:stretch>
         </p:blipFill>
-        <p:spPr bwMode="auto">
-          <a:xfrm>
-            <a:off x="630568" y="685800"/>
-            <a:ext cx="10930864" cy="6172200"/>
+        <p:spPr>
+          <a:xfrm>
+            <a:off x="5761617" y="2482640"/>
+            <a:ext cx="6294268" cy="4059802"/>
+          </a:xfrm>
+          <a:prstGeom prst="rect">
+            <a:avLst/>
+          </a:prstGeom>
+        </p:spPr>
+      </p:pic>
+      <p:sp>
+        <p:nvSpPr>
+          <p:cNvPr id="5" name="ZoneTexte 4"/>
+          <p:cNvSpPr txBox="1"/>
+          <p:nvPr/>
+        </p:nvSpPr>
+        <p:spPr>
+          <a:xfrm>
+            <a:off x="5681715" y="6533565"/>
+            <a:ext cx="3080552" cy="338554"/>
           </a:xfrm>
           <a:prstGeom prst="rect">
             <a:avLst/>
           </a:prstGeom>
           <a:noFill/>
-          <a:ln>
-            <a:noFill/>
-          </a:ln>
-          <a:extLst>
-            <a:ext uri="{53640926-AAD7-44D8-BBD7-CCE9431645EC}">
-              <a14:shadowObscured xmlns:a14="http://schemas.microsoft.com/office/drawing/2010/main"/>
-            </a:ext>
-          </a:extLst>
-        </p:spPr>
-      </p:pic>
+        </p:spPr>
+        <p:txBody>
+          <a:bodyPr wrap="square" rtlCol="0">
+            <a:spAutoFit/>
+          </a:bodyPr>
+          <a:lstStyle/>
+          <a:p>
+            <a:r>
+              <a:rPr lang="fr-FR" sz="800" dirty="0">
+                <a:hlinkClick r:id="rId3"/>
+              </a:rPr>
+              <a:t>https://www.letelegramme.fr/finistere/quimper/kerfeunteun/college-saint-yves-un-cross-solidaire-07-10-2019-12402331.php</a:t>
+            </a:r>
+            <a:endParaRPr lang="fr-FR" sz="700" dirty="0"/>
+          </a:p>
+        </p:txBody>
+      </p:sp>
     </p:spTree>
     <p:extLst>
       <p:ext uri="{BB962C8B-B14F-4D97-AF65-F5344CB8AC3E}">
-        <p14:creationId xmlns:p14="http://schemas.microsoft.com/office/powerpoint/2010/main" val="3252436179"/>
+        <p14:creationId xmlns:p14="http://schemas.microsoft.com/office/powerpoint/2010/main" val="3201059244"/>
       </p:ext>
     </p:extLst>
   </p:cSld>
   <p:clrMapOvr>
     <a:masterClrMapping/>
   </p:clrMapOvr>
+  <p:timing>
+    <p:tnLst>
+      <p:par>
+        <p:cTn id="1" dur="indefinite" restart="never" nodeType="tmRoot"/>
+      </p:par>
+    </p:tnLst>
+  </p:timing>
 </p:sld>
 </file>
 
@@ -8067,72 +8021,162 @@
             <p:ph type="title"/>
           </p:nvPr>
         </p:nvSpPr>
-        <p:spPr>
-          <a:xfrm>
-            <a:off x="838199" y="1"/>
-            <a:ext cx="10515600" cy="923192"/>
-          </a:xfrm>
-        </p:spPr>
+        <p:spPr/>
+        <p:txBody>
+          <a:bodyPr/>
+          <a:lstStyle/>
+          <a:p>
+            <a:r>
+              <a:rPr lang="fr-FR" dirty="0">
+                <a:solidFill>
+                  <a:schemeClr val="accent6">
+                    <a:lumMod val="75000"/>
+                  </a:schemeClr>
+                </a:solidFill>
+              </a:rPr>
+              <a:t>Etudiant 3 : </a:t>
+            </a:r>
+            <a:r>
+              <a:rPr lang="fr-FR" dirty="0" err="1">
+                <a:solidFill>
+                  <a:schemeClr val="accent6">
+                    <a:lumMod val="75000"/>
+                  </a:schemeClr>
+                </a:solidFill>
+              </a:rPr>
+              <a:t>Lapraye</a:t>
+            </a:r>
+            <a:r>
+              <a:rPr lang="fr-FR" dirty="0">
+                <a:solidFill>
+                  <a:schemeClr val="accent6">
+                    <a:lumMod val="75000"/>
+                  </a:schemeClr>
+                </a:solidFill>
+              </a:rPr>
+              <a:t> Serge</a:t>
+            </a:r>
+          </a:p>
+        </p:txBody>
+      </p:sp>
+      <p:sp>
+        <p:nvSpPr>
+          <p:cNvPr id="3" name="Espace réservé du contenu 2"/>
+          <p:cNvSpPr>
+            <a:spLocks noGrp="1"/>
+          </p:cNvSpPr>
+          <p:nvPr>
+            <p:ph idx="1"/>
+          </p:nvPr>
+        </p:nvSpPr>
+        <p:spPr/>
         <p:txBody>
           <a:bodyPr>
-            <a:noAutofit/>
+            <a:normAutofit fontScale="92500" lnSpcReduction="20000"/>
           </a:bodyPr>
           <a:lstStyle/>
           <a:p>
-            <a:pPr algn="ctr"/>
-            <a:r>
-              <a:rPr lang="fr-FR" sz="3200" dirty="0"/>
+            <a:r>
+              <a:rPr lang="fr-FR" dirty="0"/>
               <a:t>I) Analyse complète du système</a:t>
             </a:r>
-            <a:br>
-              <a:rPr lang="fr-FR" sz="4000" dirty="0"/>
-            </a:br>
-            <a:r>
-              <a:rPr lang="fr-FR" sz="3600" dirty="0"/>
-              <a:t>	</a:t>
-            </a:r>
-            <a:r>
-              <a:rPr lang="fr-FR" sz="2400" dirty="0"/>
+          </a:p>
+          <a:p>
+            <a:pPr lvl="1"/>
+            <a:r>
+              <a:rPr lang="fr-FR" dirty="0"/>
               <a:t>1) Diagramme de cas d’utilisation</a:t>
             </a:r>
-            <a:endParaRPr lang="fr-FR" sz="2800" dirty="0"/>
-          </a:p>
-        </p:txBody>
-      </p:sp>
-      <p:pic>
-        <p:nvPicPr>
-          <p:cNvPr id="3" name="Image 2"/>
-          <p:cNvPicPr>
-            <a:picLocks noChangeAspect="1"/>
-          </p:cNvPicPr>
-          <p:nvPr/>
-        </p:nvPicPr>
-        <p:blipFill>
-          <a:blip r:embed="rId2">
-            <a:extLst>
-              <a:ext uri="{28A0092B-C50C-407E-A947-70E740481C1C}">
-                <a14:useLocalDpi xmlns:a14="http://schemas.microsoft.com/office/drawing/2010/main" val="0"/>
-              </a:ext>
-            </a:extLst>
-          </a:blip>
-          <a:stretch>
-            <a:fillRect/>
-          </a:stretch>
-        </p:blipFill>
-        <p:spPr>
-          <a:xfrm>
-            <a:off x="2747662" y="1071418"/>
-            <a:ext cx="7569356" cy="5703455"/>
-          </a:xfrm>
-          <a:prstGeom prst="rect">
-            <a:avLst/>
-          </a:prstGeom>
-        </p:spPr>
-      </p:pic>
+          </a:p>
+          <a:p>
+            <a:pPr lvl="1"/>
+            <a:r>
+              <a:rPr lang="fr-FR" dirty="0"/>
+              <a:t>2) Scénario</a:t>
+            </a:r>
+          </a:p>
+          <a:p>
+            <a:pPr lvl="1"/>
+            <a:r>
+              <a:rPr lang="fr-FR" dirty="0"/>
+              <a:t>3) Diagramme de séquence</a:t>
+            </a:r>
+          </a:p>
+          <a:p>
+            <a:pPr lvl="2"/>
+            <a:r>
+              <a:rPr lang="fr-FR" dirty="0"/>
+              <a:t>a) Affichage des infos en temps réels</a:t>
+            </a:r>
+          </a:p>
+          <a:p>
+            <a:pPr lvl="2"/>
+            <a:r>
+              <a:rPr lang="fr-FR" dirty="0"/>
+              <a:t>b) Switch de page de par le C++</a:t>
+            </a:r>
+          </a:p>
+          <a:p>
+            <a:r>
+              <a:rPr lang="fr-FR" dirty="0"/>
+              <a:t>II) Etude physique du WI-FI</a:t>
+            </a:r>
+          </a:p>
+          <a:p>
+            <a:pPr lvl="1"/>
+            <a:r>
+              <a:rPr lang="fr-FR" dirty="0"/>
+              <a:t>1) Fonctionnement</a:t>
+            </a:r>
+          </a:p>
+          <a:p>
+            <a:pPr lvl="2"/>
+            <a:r>
+              <a:rPr lang="fr-FR" dirty="0"/>
+              <a:t>a) Introduction du wifi</a:t>
+            </a:r>
+          </a:p>
+          <a:p>
+            <a:pPr lvl="2"/>
+            <a:r>
+              <a:rPr lang="fr-FR" dirty="0"/>
+              <a:t>b) Principe du wifi</a:t>
+            </a:r>
+          </a:p>
+          <a:p>
+            <a:pPr lvl="2"/>
+            <a:r>
+              <a:rPr lang="fr-FR" dirty="0"/>
+              <a:t>c) Principes de fonctionnements</a:t>
+            </a:r>
+          </a:p>
+          <a:p>
+            <a:pPr lvl="1"/>
+            <a:r>
+              <a:rPr lang="fr-FR" dirty="0"/>
+              <a:t>2) Utilisation et choix du WI-FI</a:t>
+            </a:r>
+          </a:p>
+          <a:p>
+            <a:pPr lvl="2"/>
+            <a:r>
+              <a:rPr lang="fr-FR" dirty="0"/>
+              <a:t>a) Utilisation précise du wifi</a:t>
+            </a:r>
+          </a:p>
+          <a:p>
+            <a:pPr lvl="2"/>
+            <a:r>
+              <a:rPr lang="fr-FR" dirty="0"/>
+              <a:t>b) Le choix du wifi</a:t>
+            </a:r>
+          </a:p>
+        </p:txBody>
+      </p:sp>
     </p:spTree>
     <p:extLst>
       <p:ext uri="{BB962C8B-B14F-4D97-AF65-F5344CB8AC3E}">
-        <p14:creationId xmlns:p14="http://schemas.microsoft.com/office/powerpoint/2010/main" val="2859212620"/>
+        <p14:creationId xmlns:p14="http://schemas.microsoft.com/office/powerpoint/2010/main" val="1010092771"/>
       </p:ext>
     </p:extLst>
   </p:cSld>
@@ -8143,85 +8187,6 @@
 </file>
 
 <file path=ppt/slides/slide31.xml><?xml version="1.0" encoding="utf-8"?>
-<p:sld xmlns:a="http://schemas.openxmlformats.org/drawingml/2006/main" xmlns:r="http://schemas.openxmlformats.org/officeDocument/2006/relationships" xmlns:p="http://schemas.openxmlformats.org/presentationml/2006/main">
-  <p:cSld>
-    <p:spTree>
-      <p:nvGrpSpPr>
-        <p:cNvPr id="1" name=""/>
-        <p:cNvGrpSpPr/>
-        <p:nvPr/>
-      </p:nvGrpSpPr>
-      <p:grpSpPr>
-        <a:xfrm>
-          <a:off x="0" y="0"/>
-          <a:ext cx="0" cy="0"/>
-          <a:chOff x="0" y="0"/>
-          <a:chExt cx="0" cy="0"/>
-        </a:xfrm>
-      </p:grpSpPr>
-      <p:sp>
-        <p:nvSpPr>
-          <p:cNvPr id="2" name="Titre 1"/>
-          <p:cNvSpPr>
-            <a:spLocks noGrp="1"/>
-          </p:cNvSpPr>
-          <p:nvPr>
-            <p:ph type="title"/>
-          </p:nvPr>
-        </p:nvSpPr>
-        <p:spPr>
-          <a:xfrm>
-            <a:off x="838200" y="0"/>
-            <a:ext cx="10515600" cy="487729"/>
-          </a:xfrm>
-        </p:spPr>
-        <p:txBody>
-          <a:bodyPr>
-            <a:normAutofit/>
-          </a:bodyPr>
-          <a:lstStyle/>
-          <a:p>
-            <a:pPr algn="ctr"/>
-            <a:r>
-              <a:rPr lang="fr-FR" sz="2800" dirty="0"/>
-              <a:t>2) Scénario</a:t>
-            </a:r>
-          </a:p>
-        </p:txBody>
-      </p:sp>
-      <p:sp>
-        <p:nvSpPr>
-          <p:cNvPr id="4" name="Espace réservé du contenu 3"/>
-          <p:cNvSpPr>
-            <a:spLocks noGrp="1"/>
-          </p:cNvSpPr>
-          <p:nvPr>
-            <p:ph idx="1"/>
-          </p:nvPr>
-        </p:nvSpPr>
-        <p:spPr/>
-        <p:txBody>
-          <a:bodyPr/>
-          <a:lstStyle/>
-          <a:p>
-            <a:endParaRPr lang="fr-FR"/>
-          </a:p>
-        </p:txBody>
-      </p:sp>
-    </p:spTree>
-    <p:extLst>
-      <p:ext uri="{BB962C8B-B14F-4D97-AF65-F5344CB8AC3E}">
-        <p14:creationId xmlns:p14="http://schemas.microsoft.com/office/powerpoint/2010/main" val="266929531"/>
-      </p:ext>
-    </p:extLst>
-  </p:cSld>
-  <p:clrMapOvr>
-    <a:masterClrMapping/>
-  </p:clrMapOvr>
-</p:sld>
-</file>
-
-<file path=ppt/slides/slide32.xml><?xml version="1.0" encoding="utf-8"?>
 <p:sld xmlns:a="http://schemas.openxmlformats.org/drawingml/2006/main" xmlns:r="http://schemas.openxmlformats.org/officeDocument/2006/relationships" xmlns:p="http://schemas.openxmlformats.org/presentationml/2006/main">
   <p:cSld>
     <p:bg>
@@ -8261,57 +8226,43 @@
         </p:nvSpPr>
         <p:spPr>
           <a:xfrm>
-            <a:off x="759068" y="0"/>
-            <a:ext cx="10515600" cy="1169377"/>
+            <a:off x="838199" y="1"/>
+            <a:ext cx="10515600" cy="923192"/>
           </a:xfrm>
         </p:spPr>
         <p:txBody>
           <a:bodyPr>
-            <a:normAutofit fontScale="90000"/>
+            <a:noAutofit/>
           </a:bodyPr>
           <a:lstStyle/>
           <a:p>
-            <a:pPr lvl="2" algn="ctr" rtl="0">
-              <a:lnSpc>
-                <a:spcPct val="90000"/>
-              </a:lnSpc>
-              <a:spcBef>
-                <a:spcPct val="0"/>
-              </a:spcBef>
-            </a:pPr>
-            <a:r>
-              <a:rPr lang="fr-FR" sz="3100" dirty="0">
-                <a:latin typeface="+mj-lt"/>
-              </a:rPr>
-              <a:t>3) Diagramme de séquence</a:t>
+            <a:pPr algn="ctr"/>
+            <a:r>
+              <a:rPr lang="fr-FR" sz="3200" dirty="0"/>
+              <a:t>I) Analyse complète du système</a:t>
+            </a:r>
+            <a:r>
+              <a:rPr lang="fr-FR" sz="4000" dirty="0"/>
+              <a:t/>
             </a:r>
             <a:br>
-              <a:rPr lang="fr-FR" sz="3200" dirty="0">
-                <a:latin typeface="+mj-lt"/>
-              </a:rPr>
+              <a:rPr lang="fr-FR" sz="4000" dirty="0"/>
             </a:br>
             <a:r>
-              <a:rPr lang="fr-FR" sz="3200" dirty="0">
-                <a:latin typeface="+mj-lt"/>
-              </a:rPr>
+              <a:rPr lang="fr-FR" sz="3600" dirty="0"/>
               <a:t>	</a:t>
             </a:r>
             <a:r>
-              <a:rPr lang="fr-FR" sz="2400" dirty="0">
-                <a:latin typeface="+mj-lt"/>
-              </a:rPr>
-              <a:t>a) Affichage des infos en temps réels</a:t>
-            </a:r>
-            <a:br>
-              <a:rPr lang="fr-FR" dirty="0"/>
-            </a:br>
-            <a:endParaRPr lang="fr-FR" sz="3200" dirty="0"/>
+              <a:rPr lang="fr-FR" sz="2400" dirty="0"/>
+              <a:t>1) Diagramme de cas d’utilisation</a:t>
+            </a:r>
+            <a:endParaRPr lang="fr-FR" sz="2800" dirty="0"/>
           </a:p>
         </p:txBody>
       </p:sp>
       <p:pic>
         <p:nvPicPr>
-          <p:cNvPr id="4" name="Image 3"/>
+          <p:cNvPr id="3" name="Image 2"/>
           <p:cNvPicPr>
             <a:picLocks noChangeAspect="1"/>
           </p:cNvPicPr>
@@ -8331,8 +8282,8 @@
         </p:blipFill>
         <p:spPr>
           <a:xfrm>
-            <a:off x="230909" y="895928"/>
-            <a:ext cx="11790088" cy="5661890"/>
+            <a:off x="2747662" y="1071418"/>
+            <a:ext cx="7569356" cy="5703455"/>
           </a:xfrm>
           <a:prstGeom prst="rect">
             <a:avLst/>
@@ -8342,7 +8293,86 @@
     </p:spTree>
     <p:extLst>
       <p:ext uri="{BB962C8B-B14F-4D97-AF65-F5344CB8AC3E}">
-        <p14:creationId xmlns:p14="http://schemas.microsoft.com/office/powerpoint/2010/main" val="2445017002"/>
+        <p14:creationId xmlns:p14="http://schemas.microsoft.com/office/powerpoint/2010/main" val="2859212620"/>
+      </p:ext>
+    </p:extLst>
+  </p:cSld>
+  <p:clrMapOvr>
+    <a:masterClrMapping/>
+  </p:clrMapOvr>
+</p:sld>
+</file>
+
+<file path=ppt/slides/slide32.xml><?xml version="1.0" encoding="utf-8"?>
+<p:sld xmlns:a="http://schemas.openxmlformats.org/drawingml/2006/main" xmlns:r="http://schemas.openxmlformats.org/officeDocument/2006/relationships" xmlns:p="http://schemas.openxmlformats.org/presentationml/2006/main">
+  <p:cSld>
+    <p:spTree>
+      <p:nvGrpSpPr>
+        <p:cNvPr id="1" name=""/>
+        <p:cNvGrpSpPr/>
+        <p:nvPr/>
+      </p:nvGrpSpPr>
+      <p:grpSpPr>
+        <a:xfrm>
+          <a:off x="0" y="0"/>
+          <a:ext cx="0" cy="0"/>
+          <a:chOff x="0" y="0"/>
+          <a:chExt cx="0" cy="0"/>
+        </a:xfrm>
+      </p:grpSpPr>
+      <p:sp>
+        <p:nvSpPr>
+          <p:cNvPr id="2" name="Titre 1"/>
+          <p:cNvSpPr>
+            <a:spLocks noGrp="1"/>
+          </p:cNvSpPr>
+          <p:nvPr>
+            <p:ph type="title"/>
+          </p:nvPr>
+        </p:nvSpPr>
+        <p:spPr>
+          <a:xfrm>
+            <a:off x="838200" y="0"/>
+            <a:ext cx="10515600" cy="487729"/>
+          </a:xfrm>
+        </p:spPr>
+        <p:txBody>
+          <a:bodyPr>
+            <a:normAutofit/>
+          </a:bodyPr>
+          <a:lstStyle/>
+          <a:p>
+            <a:pPr algn="ctr"/>
+            <a:r>
+              <a:rPr lang="fr-FR" sz="2800" dirty="0"/>
+              <a:t>2) Scénario</a:t>
+            </a:r>
+          </a:p>
+        </p:txBody>
+      </p:sp>
+      <p:sp>
+        <p:nvSpPr>
+          <p:cNvPr id="4" name="Espace réservé du contenu 3"/>
+          <p:cNvSpPr>
+            <a:spLocks noGrp="1"/>
+          </p:cNvSpPr>
+          <p:nvPr>
+            <p:ph idx="1"/>
+          </p:nvPr>
+        </p:nvSpPr>
+        <p:spPr/>
+        <p:txBody>
+          <a:bodyPr/>
+          <a:lstStyle/>
+          <a:p>
+            <a:endParaRPr lang="fr-FR"/>
+          </a:p>
+        </p:txBody>
+      </p:sp>
+    </p:spTree>
+    <p:extLst>
+      <p:ext uri="{BB962C8B-B14F-4D97-AF65-F5344CB8AC3E}">
+        <p14:creationId xmlns:p14="http://schemas.microsoft.com/office/powerpoint/2010/main" val="266929531"/>
       </p:ext>
     </p:extLst>
   </p:cSld>
@@ -8392,33 +8422,71 @@
         </p:nvSpPr>
         <p:spPr>
           <a:xfrm>
-            <a:off x="838200" y="365125"/>
-            <a:ext cx="10515600" cy="496521"/>
+            <a:off x="759068" y="0"/>
+            <a:ext cx="10515600" cy="1169377"/>
           </a:xfrm>
         </p:spPr>
         <p:txBody>
           <a:bodyPr>
-            <a:normAutofit/>
+            <a:normAutofit fontScale="90000"/>
           </a:bodyPr>
           <a:lstStyle/>
           <a:p>
-            <a:pPr algn="ctr"/>
-            <a:r>
-              <a:rPr lang="fr-FR" sz="2400" dirty="0"/>
-              <a:t>b) Switch de page de par le C++</a:t>
-            </a:r>
+            <a:pPr lvl="2" algn="ctr" rtl="0">
+              <a:lnSpc>
+                <a:spcPct val="90000"/>
+              </a:lnSpc>
+              <a:spcBef>
+                <a:spcPct val="0"/>
+              </a:spcBef>
+            </a:pPr>
+            <a:r>
+              <a:rPr lang="fr-FR" sz="3100" dirty="0">
+                <a:latin typeface="+mj-lt"/>
+              </a:rPr>
+              <a:t>3) Diagramme de séquence</a:t>
+            </a:r>
+            <a:r>
+              <a:rPr lang="fr-FR" sz="3200" dirty="0">
+                <a:latin typeface="+mj-lt"/>
+              </a:rPr>
+              <a:t/>
+            </a:r>
+            <a:br>
+              <a:rPr lang="fr-FR" sz="3200" dirty="0">
+                <a:latin typeface="+mj-lt"/>
+              </a:rPr>
+            </a:br>
+            <a:r>
+              <a:rPr lang="fr-FR" sz="3200" dirty="0">
+                <a:latin typeface="+mj-lt"/>
+              </a:rPr>
+              <a:t>	</a:t>
+            </a:r>
+            <a:r>
+              <a:rPr lang="fr-FR" sz="2400" dirty="0">
+                <a:latin typeface="+mj-lt"/>
+              </a:rPr>
+              <a:t>a) Affichage des infos en temps réels</a:t>
+            </a:r>
+            <a:r>
+              <a:rPr lang="fr-FR" dirty="0"/>
+              <a:t/>
+            </a:r>
+            <a:br>
+              <a:rPr lang="fr-FR" dirty="0"/>
+            </a:br>
+            <a:endParaRPr lang="fr-FR" sz="3200" dirty="0"/>
           </a:p>
         </p:txBody>
       </p:sp>
       <p:pic>
         <p:nvPicPr>
-          <p:cNvPr id="4" name="Espace réservé du contenu 3"/>
+          <p:cNvPr id="4" name="Image 3"/>
           <p:cNvPicPr>
-            <a:picLocks noGrp="1" noChangeAspect="1"/>
+            <a:picLocks noChangeAspect="1"/>
           </p:cNvPicPr>
-          <p:nvPr>
-            <p:ph idx="1"/>
-          </p:nvPr>
+          <p:nvPr/>
         </p:nvPicPr>
         <p:blipFill>
           <a:blip r:embed="rId2">
@@ -8434,15 +8502,18 @@
         </p:blipFill>
         <p:spPr>
           <a:xfrm>
-            <a:off x="595551" y="1195754"/>
-            <a:ext cx="11000897" cy="5077338"/>
-          </a:xfrm>
+            <a:off x="230909" y="895928"/>
+            <a:ext cx="11790088" cy="5661890"/>
+          </a:xfrm>
+          <a:prstGeom prst="rect">
+            <a:avLst/>
+          </a:prstGeom>
         </p:spPr>
       </p:pic>
     </p:spTree>
     <p:extLst>
       <p:ext uri="{BB962C8B-B14F-4D97-AF65-F5344CB8AC3E}">
-        <p14:creationId xmlns:p14="http://schemas.microsoft.com/office/powerpoint/2010/main" val="1431005910"/>
+        <p14:creationId xmlns:p14="http://schemas.microsoft.com/office/powerpoint/2010/main" val="2445017002"/>
       </p:ext>
     </p:extLst>
   </p:cSld>
@@ -8490,121 +8561,35 @@
             <p:ph type="title"/>
           </p:nvPr>
         </p:nvSpPr>
-        <p:spPr/>
-        <p:txBody>
-          <a:bodyPr/>
-          <a:lstStyle/>
-          <a:p>
-            <a:r>
-              <a:rPr lang="fr-FR" dirty="0"/>
-              <a:t>II) Etude physique du WI-FI</a:t>
-            </a:r>
-            <a:br>
-              <a:rPr lang="fr-FR" dirty="0"/>
-            </a:br>
-            <a:endParaRPr lang="fr-FR" dirty="0"/>
-          </a:p>
-        </p:txBody>
-      </p:sp>
-      <p:sp>
-        <p:nvSpPr>
-          <p:cNvPr id="4" name="ZoneTexte 3"/>
-          <p:cNvSpPr txBox="1"/>
-          <p:nvPr/>
-        </p:nvSpPr>
-        <p:spPr>
-          <a:xfrm>
-            <a:off x="838200" y="1283854"/>
-            <a:ext cx="4574309" cy="5078313"/>
-          </a:xfrm>
-          <a:prstGeom prst="rect">
-            <a:avLst/>
-          </a:prstGeom>
-          <a:noFill/>
-        </p:spPr>
-        <p:txBody>
-          <a:bodyPr wrap="square" rtlCol="0">
-            <a:spAutoFit/>
+        <p:spPr>
+          <a:xfrm>
+            <a:off x="838200" y="365125"/>
+            <a:ext cx="10515600" cy="496521"/>
+          </a:xfrm>
+        </p:spPr>
+        <p:txBody>
+          <a:bodyPr>
+            <a:normAutofit/>
           </a:bodyPr>
           <a:lstStyle/>
           <a:p>
-            <a:r>
-              <a:rPr lang="fr-FR" dirty="0">
-                <a:effectLst>
-                  <a:outerShdw blurRad="38100" dist="25400" dir="5400000" algn="ctr">
-                    <a:srgbClr val="6E747A">
-                      <a:alpha val="43000"/>
-                    </a:srgbClr>
-                  </a:outerShdw>
-                </a:effectLst>
-              </a:rPr>
-              <a:t>1.1 Introduction du WIFI</a:t>
-            </a:r>
-            <a:endParaRPr lang="fr-FR" dirty="0"/>
-          </a:p>
-          <a:p>
-            <a:r>
-              <a:rPr lang="fr-FR" dirty="0">
-                <a:effectLst>
-                  <a:outerShdw blurRad="38100" dist="25400" dir="5400000" algn="ctr">
-                    <a:srgbClr val="6E747A">
-                      <a:alpha val="43000"/>
-                    </a:srgbClr>
-                  </a:outerShdw>
-                </a:effectLst>
-              </a:rPr>
-              <a:t> </a:t>
-            </a:r>
-            <a:endParaRPr lang="fr-FR" dirty="0"/>
-          </a:p>
-          <a:p>
-            <a:r>
-              <a:rPr lang="fr-FR" dirty="0"/>
-              <a:t>Le WIFI est une norme de transmission de données qui se fait par des ondes électromagnétiques qui permet de relier entre elles plusieurs appareils informatiques de type ordinateur ,téléphone mobile </a:t>
-            </a:r>
-            <a:r>
-              <a:rPr lang="fr-FR" dirty="0" err="1"/>
-              <a:t>etc</a:t>
-            </a:r>
-            <a:r>
-              <a:rPr lang="fr-FR" dirty="0"/>
-              <a:t> .., le débit change selon la norme IEEE  . Ce sont les protocoles de wifi qui sont soumis à des règles physiques.</a:t>
-            </a:r>
-          </a:p>
-          <a:p>
-            <a:r>
-              <a:rPr lang="fr-FR" dirty="0"/>
-              <a:t>La portée du WIFI peut s’étendre jusqu’à plusieurs dizaines de mètres si il n’y a aucun obstacle de gêne qui perturbe la propagation des ondes .</a:t>
-            </a:r>
-          </a:p>
-          <a:p>
-            <a:endParaRPr lang="fr-FR" dirty="0"/>
-          </a:p>
-          <a:p>
-            <a:r>
-              <a:rPr lang="fr-FR" dirty="0"/>
-              <a:t>1 FT </a:t>
-            </a:r>
-            <a:r>
-              <a:rPr lang="fr-FR" b="1" dirty="0"/>
-              <a:t>≃ 30.48 cm</a:t>
-            </a:r>
-          </a:p>
-          <a:p>
-            <a:endParaRPr lang="fr-FR" dirty="0"/>
-          </a:p>
-          <a:p>
-            <a:endParaRPr lang="fr-FR" dirty="0"/>
+            <a:pPr algn="ctr"/>
+            <a:r>
+              <a:rPr lang="fr-FR" sz="2400" dirty="0"/>
+              <a:t>b) Switch de page de par le C++</a:t>
+            </a:r>
           </a:p>
         </p:txBody>
       </p:sp>
       <p:pic>
         <p:nvPicPr>
-          <p:cNvPr id="1026" name="Picture 2" descr="Résultat de recherche d'images pour &quot;802.11 wifi&quot;&quot;"/>
+          <p:cNvPr id="4" name="Espace réservé du contenu 3"/>
           <p:cNvPicPr>
-            <a:picLocks noChangeAspect="1" noChangeArrowheads="1"/>
+            <a:picLocks noGrp="1" noChangeAspect="1"/>
           </p:cNvPicPr>
-          <p:nvPr/>
+          <p:nvPr>
+            <p:ph idx="1"/>
+          </p:nvPr>
         </p:nvPicPr>
         <p:blipFill>
           <a:blip r:embed="rId2">
@@ -8614,64 +8599,21 @@
               </a:ext>
             </a:extLst>
           </a:blip>
-          <a:srcRect/>
           <a:stretch>
             <a:fillRect/>
           </a:stretch>
         </p:blipFill>
-        <p:spPr bwMode="auto">
-          <a:xfrm>
-            <a:off x="5723081" y="1150476"/>
-            <a:ext cx="5813136" cy="5622067"/>
-          </a:xfrm>
-          <a:prstGeom prst="rect">
-            <a:avLst/>
-          </a:prstGeom>
-          <a:noFill/>
-          <a:extLst>
-            <a:ext uri="{909E8E84-426E-40DD-AFC4-6F175D3DCCD1}">
-              <a14:hiddenFill xmlns:a14="http://schemas.microsoft.com/office/drawing/2010/main">
-                <a:solidFill>
-                  <a:srgbClr val="FFFFFF"/>
-                </a:solidFill>
-              </a14:hiddenFill>
-            </a:ext>
-          </a:extLst>
+        <p:spPr>
+          <a:xfrm>
+            <a:off x="595551" y="1195754"/>
+            <a:ext cx="11000897" cy="5077338"/>
+          </a:xfrm>
         </p:spPr>
       </p:pic>
-      <p:sp>
-        <p:nvSpPr>
-          <p:cNvPr id="5" name="ZoneTexte 4"/>
-          <p:cNvSpPr txBox="1"/>
-          <p:nvPr/>
-        </p:nvSpPr>
-        <p:spPr>
-          <a:xfrm>
-            <a:off x="7897091" y="874017"/>
-            <a:ext cx="2604654" cy="307777"/>
-          </a:xfrm>
-          <a:prstGeom prst="rect">
-            <a:avLst/>
-          </a:prstGeom>
-          <a:noFill/>
-        </p:spPr>
-        <p:txBody>
-          <a:bodyPr wrap="square" rtlCol="0">
-            <a:spAutoFit/>
-          </a:bodyPr>
-          <a:lstStyle/>
-          <a:p>
-            <a:r>
-              <a:rPr lang="fr-FR" sz="1400" dirty="0"/>
-              <a:t>Source www.cnx.software.com</a:t>
-            </a:r>
-          </a:p>
-        </p:txBody>
-      </p:sp>
     </p:spTree>
     <p:extLst>
       <p:ext uri="{BB962C8B-B14F-4D97-AF65-F5344CB8AC3E}">
-        <p14:creationId xmlns:p14="http://schemas.microsoft.com/office/powerpoint/2010/main" val="700170699"/>
+        <p14:creationId xmlns:p14="http://schemas.microsoft.com/office/powerpoint/2010/main" val="1431005910"/>
       </p:ext>
     </p:extLst>
   </p:cSld>
@@ -8711,28 +8653,54 @@
       </p:grpSpPr>
       <p:sp>
         <p:nvSpPr>
-          <p:cNvPr id="3" name="Espace réservé du contenu 2"/>
-          <p:cNvSpPr>
-            <a:spLocks noGrp="1"/>
-          </p:cNvSpPr>
-          <p:nvPr>
-            <p:ph idx="1"/>
-          </p:nvPr>
-        </p:nvSpPr>
-        <p:spPr>
-          <a:xfrm>
-            <a:off x="394854" y="646545"/>
-            <a:ext cx="5728855" cy="5308745"/>
-          </a:xfrm>
-        </p:spPr>
-        <p:txBody>
-          <a:bodyPr>
-            <a:normAutofit lnSpcReduction="10000"/>
+          <p:cNvPr id="2" name="Titre 1"/>
+          <p:cNvSpPr>
+            <a:spLocks noGrp="1"/>
+          </p:cNvSpPr>
+          <p:nvPr>
+            <p:ph type="title"/>
+          </p:nvPr>
+        </p:nvSpPr>
+        <p:spPr/>
+        <p:txBody>
+          <a:bodyPr/>
+          <a:lstStyle/>
+          <a:p>
+            <a:r>
+              <a:rPr lang="fr-FR" dirty="0"/>
+              <a:t>II) Etude physique du WI-FI</a:t>
+            </a:r>
+            <a:br>
+              <a:rPr lang="fr-FR" dirty="0"/>
+            </a:br>
+            <a:endParaRPr lang="fr-FR" dirty="0"/>
+          </a:p>
+        </p:txBody>
+      </p:sp>
+      <p:sp>
+        <p:nvSpPr>
+          <p:cNvPr id="4" name="ZoneTexte 3"/>
+          <p:cNvSpPr txBox="1"/>
+          <p:nvPr/>
+        </p:nvSpPr>
+        <p:spPr>
+          <a:xfrm>
+            <a:off x="838200" y="1283854"/>
+            <a:ext cx="4574309" cy="5078313"/>
+          </a:xfrm>
+          <a:prstGeom prst="rect">
+            <a:avLst/>
+          </a:prstGeom>
+          <a:noFill/>
+        </p:spPr>
+        <p:txBody>
+          <a:bodyPr wrap="square" rtlCol="0">
+            <a:spAutoFit/>
           </a:bodyPr>
           <a:lstStyle/>
           <a:p>
             <a:r>
-              <a:rPr lang="fr-FR" sz="2600" dirty="0">
+              <a:rPr lang="fr-FR" dirty="0">
                 <a:effectLst>
                   <a:outerShdw blurRad="38100" dist="25400" dir="5400000" algn="ctr">
                     <a:srgbClr val="6E747A">
@@ -8741,18 +8709,60 @@
                   </a:outerShdw>
                 </a:effectLst>
               </a:rPr>
-              <a:t>1.2 Principe du fonctionnement</a:t>
-            </a:r>
-            <a:endParaRPr lang="fr-FR" sz="2600" dirty="0"/>
-          </a:p>
-          <a:p>
-            <a:pPr marL="0" indent="0">
-              <a:buNone/>
-            </a:pPr>
-            <a:r>
-              <a:rPr lang="fr-FR" sz="2600" dirty="0"/>
-              <a:t>   Tout d’abord pour que la connexion WIFI fonctionne il faut avoir un objet équipé d’un adaptateur réseau qui va convertir les informations en un signal radio . Ces information seront communiqué au routeur (décodeur) ,une fois décodées elles peuvent être transmises sur internet.  Le réseau sans fil (le wifi ) se repose sur un trafic bidirectionnel c’est-à-dire que à l’inverse les données envoyées d’internet sont envoyées vers le routeur pour être transformes dans un signal radio qui seront ensuite réceptionnées par l’objet équipé d’un adaptateur réseau .</a:t>
-            </a:r>
+              <a:t>1.1 Introduction du WIFI</a:t>
+            </a:r>
+            <a:endParaRPr lang="fr-FR" dirty="0"/>
+          </a:p>
+          <a:p>
+            <a:r>
+              <a:rPr lang="fr-FR" dirty="0">
+                <a:effectLst>
+                  <a:outerShdw blurRad="38100" dist="25400" dir="5400000" algn="ctr">
+                    <a:srgbClr val="6E747A">
+                      <a:alpha val="43000"/>
+                    </a:srgbClr>
+                  </a:outerShdw>
+                </a:effectLst>
+              </a:rPr>
+              <a:t> </a:t>
+            </a:r>
+            <a:endParaRPr lang="fr-FR" dirty="0"/>
+          </a:p>
+          <a:p>
+            <a:r>
+              <a:rPr lang="fr-FR" dirty="0"/>
+              <a:t>Le WIFI est une norme de transmission de données qui se fait par des ondes électromagnétiques qui permet de relier entre elles plusieurs appareils informatiques de type ordinateur ,téléphone mobile </a:t>
+            </a:r>
+            <a:r>
+              <a:rPr lang="fr-FR" dirty="0" err="1"/>
+              <a:t>etc</a:t>
+            </a:r>
+            <a:r>
+              <a:rPr lang="fr-FR" dirty="0"/>
+              <a:t> .., le débit change selon la norme IEEE  . Ce sont les protocoles de wifi qui sont soumis à des règles physiques.</a:t>
+            </a:r>
+          </a:p>
+          <a:p>
+            <a:r>
+              <a:rPr lang="fr-FR" dirty="0"/>
+              <a:t>La portée du WIFI peut s’étendre jusqu’à plusieurs dizaines de mètres si il n’y a aucun obstacle de gêne qui perturbe la propagation des ondes .</a:t>
+            </a:r>
+          </a:p>
+          <a:p>
+            <a:endParaRPr lang="fr-FR" dirty="0"/>
+          </a:p>
+          <a:p>
+            <a:r>
+              <a:rPr lang="fr-FR" dirty="0"/>
+              <a:t>1 FT </a:t>
+            </a:r>
+            <a:r>
+              <a:rPr lang="fr-FR" b="1" dirty="0"/>
+              <a:t>≃ 30.48 cm</a:t>
+            </a:r>
+          </a:p>
+          <a:p>
+            <a:endParaRPr lang="fr-FR" dirty="0"/>
           </a:p>
           <a:p>
             <a:endParaRPr lang="fr-FR" dirty="0"/>
@@ -8761,7 +8771,7 @@
       </p:sp>
       <p:pic>
         <p:nvPicPr>
-          <p:cNvPr id="2052" name="Picture 4" descr="Modem routeur"/>
+          <p:cNvPr id="1026" name="Picture 2" descr="Résultat de recherche d'images pour &quot;802.11 wifi&quot;&quot;"/>
           <p:cNvPicPr>
             <a:picLocks noChangeAspect="1" noChangeArrowheads="1"/>
           </p:cNvPicPr>
@@ -8782,8 +8792,8 @@
         </p:blipFill>
         <p:spPr bwMode="auto">
           <a:xfrm>
-            <a:off x="6510194" y="1107858"/>
-            <a:ext cx="5012706" cy="4386118"/>
+            <a:off x="5723081" y="1150476"/>
+            <a:ext cx="5813136" cy="5622067"/>
           </a:xfrm>
           <a:prstGeom prst="rect">
             <a:avLst/>
@@ -8802,14 +8812,14 @@
       </p:pic>
       <p:sp>
         <p:nvSpPr>
-          <p:cNvPr id="4" name="ZoneTexte 3"/>
+          <p:cNvPr id="5" name="ZoneTexte 4"/>
           <p:cNvSpPr txBox="1"/>
           <p:nvPr/>
         </p:nvSpPr>
         <p:spPr>
           <a:xfrm>
-            <a:off x="7453745" y="800081"/>
-            <a:ext cx="4069155" cy="307777"/>
+            <a:off x="7897091" y="874017"/>
+            <a:ext cx="2604654" cy="307777"/>
           </a:xfrm>
           <a:prstGeom prst="rect">
             <a:avLst/>
@@ -8824,7 +8834,7 @@
           <a:p>
             <a:r>
               <a:rPr lang="fr-FR" sz="1400" dirty="0"/>
-              <a:t>Source : questions.heffge.fr</a:t>
+              <a:t>Source www.cnx.software.com</a:t>
             </a:r>
           </a:p>
         </p:txBody>
@@ -8832,7 +8842,7 @@
     </p:spTree>
     <p:extLst>
       <p:ext uri="{BB962C8B-B14F-4D97-AF65-F5344CB8AC3E}">
-        <p14:creationId xmlns:p14="http://schemas.microsoft.com/office/powerpoint/2010/main" val="1919668917"/>
+        <p14:creationId xmlns:p14="http://schemas.microsoft.com/office/powerpoint/2010/main" val="700170699"/>
       </p:ext>
     </p:extLst>
   </p:cSld>
@@ -8882,16 +8892,18 @@
         </p:nvSpPr>
         <p:spPr>
           <a:xfrm>
-            <a:off x="293255" y="606425"/>
-            <a:ext cx="6680200" cy="4351338"/>
-          </a:xfrm>
-        </p:spPr>
-        <p:txBody>
-          <a:bodyPr/>
-          <a:lstStyle/>
-          <a:p>
-            <a:r>
-              <a:rPr lang="fr-FR" sz="2400" dirty="0">
+            <a:off x="394854" y="646545"/>
+            <a:ext cx="5728855" cy="5308745"/>
+          </a:xfrm>
+        </p:spPr>
+        <p:txBody>
+          <a:bodyPr>
+            <a:normAutofit lnSpcReduction="10000"/>
+          </a:bodyPr>
+          <a:lstStyle/>
+          <a:p>
+            <a:r>
+              <a:rPr lang="fr-FR" sz="2600" dirty="0">
                 <a:effectLst>
                   <a:outerShdw blurRad="38100" dist="25400" dir="5400000" algn="ctr">
                     <a:srgbClr val="6E747A">
@@ -8900,63 +8912,18 @@
                   </a:outerShdw>
                 </a:effectLst>
               </a:rPr>
-              <a:t>1.3 Principe du fonctionnement physique</a:t>
-            </a:r>
-            <a:endParaRPr lang="fr-FR" sz="2400" dirty="0"/>
+              <a:t>1.2 Principe du fonctionnement</a:t>
+            </a:r>
+            <a:endParaRPr lang="fr-FR" sz="2600" dirty="0"/>
           </a:p>
           <a:p>
             <a:pPr marL="0" indent="0">
               <a:buNone/>
             </a:pPr>
             <a:r>
-              <a:rPr lang="fr-FR" sz="2400" dirty="0">
-                <a:effectLst>
-                  <a:outerShdw blurRad="38100" dist="25400" dir="5400000" algn="ctr">
-                    <a:srgbClr val="6E747A">
-                      <a:alpha val="43000"/>
-                    </a:srgbClr>
-                  </a:outerShdw>
-                </a:effectLst>
-              </a:rPr>
-              <a:t> </a:t>
-            </a:r>
-            <a:endParaRPr lang="fr-FR" sz="2400" dirty="0"/>
-          </a:p>
-          <a:p>
-            <a:pPr marL="0" indent="0">
-              <a:buNone/>
-            </a:pPr>
-            <a:r>
-              <a:rPr lang="fr-FR" sz="2400" dirty="0"/>
-              <a:t>L’onde électromagnétique est formée par le couplage de l’onde électrique E et l’onde magnétique B . La fréquence à son tour est déterminée par la célérité (c)</a:t>
-            </a:r>
-          </a:p>
-          <a:p>
-            <a:pPr marL="0" indent="0">
-              <a:buNone/>
-            </a:pPr>
-            <a:r>
-              <a:rPr lang="fr-FR" sz="2400" dirty="0"/>
-              <a:t>et la longueur d’one  (l) .</a:t>
-            </a:r>
-          </a:p>
-          <a:p>
-            <a:pPr marL="0" indent="0">
-              <a:buNone/>
-            </a:pPr>
-            <a:r>
-              <a:rPr lang="fr-FR" sz="2400" dirty="0">
-                <a:effectLst>
-                  <a:outerShdw blurRad="38100" dist="25400" dir="5400000" algn="ctr">
-                    <a:srgbClr val="6E747A">
-                      <a:alpha val="43000"/>
-                    </a:srgbClr>
-                  </a:outerShdw>
-                </a:effectLst>
-              </a:rPr>
-              <a:t> </a:t>
-            </a:r>
-            <a:endParaRPr lang="fr-FR" sz="2400" dirty="0"/>
+              <a:rPr lang="fr-FR" sz="2600" dirty="0"/>
+              <a:t>   Tout d’abord pour que la connexion WIFI fonctionne il faut avoir un objet équipé d’un adaptateur réseau qui va convertir les informations en un signal radio . Ces information seront communiqué au routeur (décodeur) ,une fois décodées elles peuvent être transmises sur internet.  Le réseau sans fil (le wifi ) se repose sur un trafic bidirectionnel c’est-à-dire que à l’inverse les données envoyées d’internet sont envoyées vers le routeur pour être transformes dans un signal radio qui seront ensuite réceptionnées par l’objet équipé d’un adaptateur réseau .</a:t>
+            </a:r>
           </a:p>
           <a:p>
             <a:endParaRPr lang="fr-FR" dirty="0"/>
@@ -8965,8 +8932,10 @@
       </p:sp>
       <p:pic>
         <p:nvPicPr>
-          <p:cNvPr id="4" name="Picture 34"/>
-          <p:cNvPicPr/>
+          <p:cNvPr id="2052" name="Picture 4" descr="Modem routeur"/>
+          <p:cNvPicPr>
+            <a:picLocks noChangeAspect="1" noChangeArrowheads="1"/>
+          </p:cNvPicPr>
           <p:nvPr/>
         </p:nvPicPr>
         <p:blipFill>
@@ -8984,28 +8953,34 @@
         </p:blipFill>
         <p:spPr bwMode="auto">
           <a:xfrm>
-            <a:off x="7277823" y="1939636"/>
-            <a:ext cx="4101378" cy="3528291"/>
+            <a:off x="6510194" y="1107858"/>
+            <a:ext cx="5012706" cy="4386118"/>
           </a:xfrm>
           <a:prstGeom prst="rect">
             <a:avLst/>
           </a:prstGeom>
           <a:noFill/>
-          <a:ln>
-            <a:noFill/>
-          </a:ln>
+          <a:extLst>
+            <a:ext uri="{909E8E84-426E-40DD-AFC4-6F175D3DCCD1}">
+              <a14:hiddenFill xmlns:a14="http://schemas.microsoft.com/office/drawing/2010/main">
+                <a:solidFill>
+                  <a:srgbClr val="FFFFFF"/>
+                </a:solidFill>
+              </a14:hiddenFill>
+            </a:ext>
+          </a:extLst>
         </p:spPr>
       </p:pic>
       <p:sp>
         <p:nvSpPr>
-          <p:cNvPr id="5" name="ZoneTexte 4"/>
+          <p:cNvPr id="4" name="ZoneTexte 3"/>
           <p:cNvSpPr txBox="1"/>
           <p:nvPr/>
         </p:nvSpPr>
         <p:spPr>
           <a:xfrm>
-            <a:off x="7924800" y="1542473"/>
-            <a:ext cx="3158836" cy="307777"/>
+            <a:off x="7453745" y="800081"/>
+            <a:ext cx="4069155" cy="307777"/>
           </a:xfrm>
           <a:prstGeom prst="rect">
             <a:avLst/>
@@ -9020,7 +8995,7 @@
           <a:p>
             <a:r>
               <a:rPr lang="fr-FR" sz="1400" dirty="0"/>
-              <a:t>Source : www.radiomateur.org</a:t>
+              <a:t>Source : questions.heffge.fr</a:t>
             </a:r>
           </a:p>
         </p:txBody>
@@ -9028,7 +9003,7 @@
     </p:spTree>
     <p:extLst>
       <p:ext uri="{BB962C8B-B14F-4D97-AF65-F5344CB8AC3E}">
-        <p14:creationId xmlns:p14="http://schemas.microsoft.com/office/powerpoint/2010/main" val="1617756300"/>
+        <p14:creationId xmlns:p14="http://schemas.microsoft.com/office/powerpoint/2010/main" val="1919668917"/>
       </p:ext>
     </p:extLst>
   </p:cSld>
@@ -9078,47 +9053,14 @@
         </p:nvSpPr>
         <p:spPr>
           <a:xfrm>
-            <a:off x="311728" y="495588"/>
-            <a:ext cx="6366163" cy="6459393"/>
+            <a:off x="293255" y="606425"/>
+            <a:ext cx="6680200" cy="4351338"/>
           </a:xfrm>
         </p:spPr>
         <p:txBody>
           <a:bodyPr/>
           <a:lstStyle/>
           <a:p>
-            <a:pPr marL="0" indent="0">
-              <a:buNone/>
-            </a:pPr>
-            <a:r>
-              <a:rPr lang="fr-FR" b="1" dirty="0">
-                <a:effectLst>
-                  <a:outerShdw blurRad="38100" dist="25400" dir="5400000" algn="ctr">
-                    <a:srgbClr val="6E747A">
-                      <a:alpha val="43000"/>
-                    </a:srgbClr>
-                  </a:outerShdw>
-                </a:effectLst>
-              </a:rPr>
-              <a:t>2</a:t>
-            </a:r>
-            <a:r>
-              <a:rPr lang="fr-FR" sz="2400" b="1" dirty="0">
-                <a:effectLst>
-                  <a:outerShdw blurRad="38100" dist="25400" dir="5400000" algn="ctr">
-                    <a:srgbClr val="6E747A">
-                      <a:alpha val="43000"/>
-                    </a:srgbClr>
-                  </a:outerShdw>
-                </a:effectLst>
-              </a:rPr>
-              <a:t>.) Utilisation et choix du Wifi .</a:t>
-            </a:r>
-            <a:endParaRPr lang="fr-FR" sz="2400" dirty="0"/>
-          </a:p>
-          <a:p>
-            <a:pPr marL="0" indent="0">
-              <a:buNone/>
-            </a:pPr>
             <a:r>
               <a:rPr lang="fr-FR" sz="2400" dirty="0">
                 <a:effectLst>
@@ -9129,7 +9071,7 @@
                   </a:outerShdw>
                 </a:effectLst>
               </a:rPr>
-              <a:t>2.1 Utilisation précise du Wifi</a:t>
+              <a:t>1.3 Principe du fonctionnement physique</a:t>
             </a:r>
             <a:endParaRPr lang="fr-FR" sz="2400" dirty="0"/>
           </a:p>
@@ -9152,31 +9094,112 @@
             <a:endParaRPr lang="fr-FR" sz="2400" dirty="0"/>
           </a:p>
           <a:p>
+            <a:pPr marL="0" indent="0">
+              <a:buNone/>
+            </a:pPr>
             <a:r>
               <a:rPr lang="fr-FR" sz="2400" dirty="0"/>
-              <a:t>Dans notre cas , l’utilisation du wifi va nous être utile car les courses seront lancés à l’extérieur donc il faudrait que les requêtes </a:t>
-            </a:r>
-            <a:r>
-              <a:rPr lang="fr-FR" sz="2400" dirty="0" err="1"/>
-              <a:t>sql</a:t>
-            </a:r>
+              <a:t>L’onde électromagnétique est formée par le couplage de l’onde électrique E et l’onde magnétique B . La fréquence à son tour est déterminée par la célérité (c)</a:t>
+            </a:r>
+          </a:p>
+          <a:p>
+            <a:pPr marL="0" indent="0">
+              <a:buNone/>
+            </a:pPr>
             <a:r>
               <a:rPr lang="fr-FR" sz="2400" dirty="0"/>
-              <a:t> s’envoient sur la BDD rapidement tout en ayant cette sureté d’arriver et la rapidité d’affichage sur les écrans. </a:t>
-            </a:r>
+              <a:t>et la longueur d’one  (l) .</a:t>
+            </a:r>
+          </a:p>
+          <a:p>
+            <a:pPr marL="0" indent="0">
+              <a:buNone/>
+            </a:pPr>
+            <a:r>
+              <a:rPr lang="fr-FR" sz="2400" dirty="0">
+                <a:effectLst>
+                  <a:outerShdw blurRad="38100" dist="25400" dir="5400000" algn="ctr">
+                    <a:srgbClr val="6E747A">
+                      <a:alpha val="43000"/>
+                    </a:srgbClr>
+                  </a:outerShdw>
+                </a:effectLst>
+              </a:rPr>
+              <a:t> </a:t>
+            </a:r>
+            <a:endParaRPr lang="fr-FR" sz="2400" dirty="0"/>
           </a:p>
           <a:p>
             <a:endParaRPr lang="fr-FR" dirty="0"/>
           </a:p>
-          <a:p>
-            <a:endParaRPr lang="fr-FR" dirty="0"/>
+        </p:txBody>
+      </p:sp>
+      <p:pic>
+        <p:nvPicPr>
+          <p:cNvPr id="4" name="Picture 34"/>
+          <p:cNvPicPr/>
+          <p:nvPr/>
+        </p:nvPicPr>
+        <p:blipFill>
+          <a:blip r:embed="rId2">
+            <a:extLst>
+              <a:ext uri="{28A0092B-C50C-407E-A947-70E740481C1C}">
+                <a14:useLocalDpi xmlns:a14="http://schemas.microsoft.com/office/drawing/2010/main" val="0"/>
+              </a:ext>
+            </a:extLst>
+          </a:blip>
+          <a:srcRect/>
+          <a:stretch>
+            <a:fillRect/>
+          </a:stretch>
+        </p:blipFill>
+        <p:spPr bwMode="auto">
+          <a:xfrm>
+            <a:off x="7277823" y="1939636"/>
+            <a:ext cx="4101378" cy="3528291"/>
+          </a:xfrm>
+          <a:prstGeom prst="rect">
+            <a:avLst/>
+          </a:prstGeom>
+          <a:noFill/>
+          <a:ln>
+            <a:noFill/>
+          </a:ln>
+        </p:spPr>
+      </p:pic>
+      <p:sp>
+        <p:nvSpPr>
+          <p:cNvPr id="5" name="ZoneTexte 4"/>
+          <p:cNvSpPr txBox="1"/>
+          <p:nvPr/>
+        </p:nvSpPr>
+        <p:spPr>
+          <a:xfrm>
+            <a:off x="7924800" y="1542473"/>
+            <a:ext cx="3158836" cy="307777"/>
+          </a:xfrm>
+          <a:prstGeom prst="rect">
+            <a:avLst/>
+          </a:prstGeom>
+          <a:noFill/>
+        </p:spPr>
+        <p:txBody>
+          <a:bodyPr wrap="square" rtlCol="0">
+            <a:spAutoFit/>
+          </a:bodyPr>
+          <a:lstStyle/>
+          <a:p>
+            <a:r>
+              <a:rPr lang="fr-FR" sz="1400" dirty="0"/>
+              <a:t>Source : www.radiomateur.org</a:t>
+            </a:r>
           </a:p>
         </p:txBody>
       </p:sp>
     </p:spTree>
     <p:extLst>
       <p:ext uri="{BB962C8B-B14F-4D97-AF65-F5344CB8AC3E}">
-        <p14:creationId xmlns:p14="http://schemas.microsoft.com/office/powerpoint/2010/main" val="3736197052"/>
+        <p14:creationId xmlns:p14="http://schemas.microsoft.com/office/powerpoint/2010/main" val="1617756300"/>
       </p:ext>
     </p:extLst>
   </p:cSld>
@@ -9216,6 +9239,154 @@
       </p:grpSpPr>
       <p:sp>
         <p:nvSpPr>
+          <p:cNvPr id="3" name="Espace réservé du contenu 2"/>
+          <p:cNvSpPr>
+            <a:spLocks noGrp="1"/>
+          </p:cNvSpPr>
+          <p:nvPr>
+            <p:ph idx="1"/>
+          </p:nvPr>
+        </p:nvSpPr>
+        <p:spPr>
+          <a:xfrm>
+            <a:off x="311728" y="495588"/>
+            <a:ext cx="6366163" cy="6459393"/>
+          </a:xfrm>
+        </p:spPr>
+        <p:txBody>
+          <a:bodyPr/>
+          <a:lstStyle/>
+          <a:p>
+            <a:pPr marL="0" indent="0">
+              <a:buNone/>
+            </a:pPr>
+            <a:r>
+              <a:rPr lang="fr-FR" b="1" dirty="0">
+                <a:effectLst>
+                  <a:outerShdw blurRad="38100" dist="25400" dir="5400000" algn="ctr">
+                    <a:srgbClr val="6E747A">
+                      <a:alpha val="43000"/>
+                    </a:srgbClr>
+                  </a:outerShdw>
+                </a:effectLst>
+              </a:rPr>
+              <a:t>2</a:t>
+            </a:r>
+            <a:r>
+              <a:rPr lang="fr-FR" sz="2400" b="1" dirty="0">
+                <a:effectLst>
+                  <a:outerShdw blurRad="38100" dist="25400" dir="5400000" algn="ctr">
+                    <a:srgbClr val="6E747A">
+                      <a:alpha val="43000"/>
+                    </a:srgbClr>
+                  </a:outerShdw>
+                </a:effectLst>
+              </a:rPr>
+              <a:t>.) Utilisation et choix du Wifi .</a:t>
+            </a:r>
+            <a:endParaRPr lang="fr-FR" sz="2400" dirty="0"/>
+          </a:p>
+          <a:p>
+            <a:pPr marL="0" indent="0">
+              <a:buNone/>
+            </a:pPr>
+            <a:r>
+              <a:rPr lang="fr-FR" sz="2400" dirty="0">
+                <a:effectLst>
+                  <a:outerShdw blurRad="38100" dist="25400" dir="5400000" algn="ctr">
+                    <a:srgbClr val="6E747A">
+                      <a:alpha val="43000"/>
+                    </a:srgbClr>
+                  </a:outerShdw>
+                </a:effectLst>
+              </a:rPr>
+              <a:t>2.1 Utilisation précise du Wifi</a:t>
+            </a:r>
+            <a:endParaRPr lang="fr-FR" sz="2400" dirty="0"/>
+          </a:p>
+          <a:p>
+            <a:pPr marL="0" indent="0">
+              <a:buNone/>
+            </a:pPr>
+            <a:r>
+              <a:rPr lang="fr-FR" sz="2400" dirty="0">
+                <a:effectLst>
+                  <a:outerShdw blurRad="38100" dist="25400" dir="5400000" algn="ctr">
+                    <a:srgbClr val="6E747A">
+                      <a:alpha val="43000"/>
+                    </a:srgbClr>
+                  </a:outerShdw>
+                </a:effectLst>
+              </a:rPr>
+              <a:t> </a:t>
+            </a:r>
+            <a:endParaRPr lang="fr-FR" sz="2400" dirty="0"/>
+          </a:p>
+          <a:p>
+            <a:r>
+              <a:rPr lang="fr-FR" sz="2400" dirty="0"/>
+              <a:t>Dans notre cas , l’utilisation du wifi va nous être utile car les courses seront lancés à l’extérieur donc il faudrait que les requêtes </a:t>
+            </a:r>
+            <a:r>
+              <a:rPr lang="fr-FR" sz="2400" dirty="0" err="1"/>
+              <a:t>sql</a:t>
+            </a:r>
+            <a:r>
+              <a:rPr lang="fr-FR" sz="2400" dirty="0"/>
+              <a:t> s’envoient sur la BDD rapidement tout en ayant cette sureté d’arriver et la rapidité d’affichage sur les écrans. </a:t>
+            </a:r>
+          </a:p>
+          <a:p>
+            <a:endParaRPr lang="fr-FR" dirty="0"/>
+          </a:p>
+          <a:p>
+            <a:endParaRPr lang="fr-FR" dirty="0"/>
+          </a:p>
+        </p:txBody>
+      </p:sp>
+    </p:spTree>
+    <p:extLst>
+      <p:ext uri="{BB962C8B-B14F-4D97-AF65-F5344CB8AC3E}">
+        <p14:creationId xmlns:p14="http://schemas.microsoft.com/office/powerpoint/2010/main" val="3736197052"/>
+      </p:ext>
+    </p:extLst>
+  </p:cSld>
+  <p:clrMapOvr>
+    <a:masterClrMapping/>
+  </p:clrMapOvr>
+</p:sld>
+</file>
+
+<file path=ppt/slides/slide39.xml><?xml version="1.0" encoding="utf-8"?>
+<p:sld xmlns:a="http://schemas.openxmlformats.org/drawingml/2006/main" xmlns:r="http://schemas.openxmlformats.org/officeDocument/2006/relationships" xmlns:p="http://schemas.openxmlformats.org/presentationml/2006/main">
+  <p:cSld>
+    <p:bg>
+      <p:bgPr>
+        <a:solidFill>
+          <a:schemeClr val="accent6">
+            <a:lumMod val="20000"/>
+            <a:lumOff val="80000"/>
+          </a:schemeClr>
+        </a:solidFill>
+        <a:effectLst/>
+      </p:bgPr>
+    </p:bg>
+    <p:spTree>
+      <p:nvGrpSpPr>
+        <p:cNvPr id="1" name=""/>
+        <p:cNvGrpSpPr/>
+        <p:nvPr/>
+      </p:nvGrpSpPr>
+      <p:grpSpPr>
+        <a:xfrm>
+          <a:off x="0" y="0"/>
+          <a:ext cx="0" cy="0"/>
+          <a:chOff x="0" y="0"/>
+          <a:chExt cx="0" cy="0"/>
+        </a:xfrm>
+      </p:grpSpPr>
+      <p:sp>
+        <p:nvSpPr>
           <p:cNvPr id="2" name="Titre 1"/>
           <p:cNvSpPr>
             <a:spLocks noGrp="1"/>
@@ -9243,6 +9414,12 @@
                 <a:latin typeface="+mn-lt"/>
               </a:rPr>
               <a:t>2. 3 Comparaison du Wifi</a:t>
+            </a:r>
+            <a:r>
+              <a:rPr lang="fr-FR" sz="2400" dirty="0">
+                <a:latin typeface="+mn-lt"/>
+              </a:rPr>
+              <a:t/>
             </a:r>
             <a:br>
               <a:rPr lang="fr-FR" sz="2400" dirty="0">
@@ -9365,8 +9542,8 @@
         </p:nvSpPr>
         <p:spPr>
           <a:xfrm>
-            <a:off x="838199" y="0"/>
-            <a:ext cx="10515600" cy="703385"/>
+            <a:off x="838200" y="1"/>
+            <a:ext cx="10515600" cy="747346"/>
           </a:xfrm>
         </p:spPr>
         <p:txBody>
@@ -9375,16 +9552,16 @@
           <a:p>
             <a:r>
               <a:rPr lang="fr-FR" dirty="0"/>
-              <a:t>II) Modèle Conceptuel de Données </a:t>
+              <a:t>I) Diagramme de cas d’utilisation commun</a:t>
             </a:r>
           </a:p>
         </p:txBody>
       </p:sp>
       <p:pic>
         <p:nvPicPr>
-          <p:cNvPr id="4" name="Espace réservé du contenu 3" descr="E:\GitHub\Projet_Cross\Diagrammes Communs\MCD.PNG"/>
+          <p:cNvPr id="5" name="Espace réservé du contenu 4"/>
           <p:cNvPicPr>
-            <a:picLocks noGrp="1"/>
+            <a:picLocks noGrp="1" noChangeAspect="1"/>
           </p:cNvPicPr>
           <p:nvPr>
             <p:ph idx="1"/>
@@ -9398,33 +9575,33 @@
               </a:ext>
             </a:extLst>
           </a:blip>
-          <a:srcRect l="3609" t="4834" r="3937" b="4697"/>
+          <a:srcRect l="2830" t="1271" r="-32" b="3949"/>
           <a:stretch/>
         </p:blipFill>
-        <p:spPr bwMode="auto">
-          <a:xfrm>
-            <a:off x="323848" y="703385"/>
-            <a:ext cx="11544301" cy="6075486"/>
-          </a:xfrm>
-          <a:prstGeom prst="rect">
-            <a:avLst/>
-          </a:prstGeom>
-          <a:noFill/>
-          <a:ln>
-            <a:noFill/>
-          </a:ln>
+        <p:spPr>
+          <a:xfrm>
+            <a:off x="1191087" y="644483"/>
+            <a:ext cx="9809826" cy="6213517"/>
+          </a:xfrm>
         </p:spPr>
       </p:pic>
     </p:spTree>
     <p:extLst>
       <p:ext uri="{BB962C8B-B14F-4D97-AF65-F5344CB8AC3E}">
-        <p14:creationId xmlns:p14="http://schemas.microsoft.com/office/powerpoint/2010/main" val="4128117823"/>
+        <p14:creationId xmlns:p14="http://schemas.microsoft.com/office/powerpoint/2010/main" val="3252436179"/>
       </p:ext>
     </p:extLst>
   </p:cSld>
   <p:clrMapOvr>
     <a:masterClrMapping/>
   </p:clrMapOvr>
+  <p:timing>
+    <p:tnLst>
+      <p:par>
+        <p:cTn id="1" dur="indefinite" restart="never" nodeType="tmRoot"/>
+      </p:par>
+    </p:tnLst>
+  </p:timing>
 </p:sld>
 </file>
 
@@ -9465,8 +9642,8 @@
         </p:nvSpPr>
         <p:spPr>
           <a:xfrm>
-            <a:off x="838200" y="0"/>
-            <a:ext cx="10515600" cy="773723"/>
+            <a:off x="838199" y="0"/>
+            <a:ext cx="10515600" cy="703385"/>
           </a:xfrm>
         </p:spPr>
         <p:txBody>
@@ -9475,40 +9652,57 @@
           <a:p>
             <a:r>
               <a:rPr lang="fr-FR" dirty="0"/>
-              <a:t>III) Diagramme de classes</a:t>
-            </a:r>
-          </a:p>
-        </p:txBody>
-      </p:sp>
-      <p:sp>
-        <p:nvSpPr>
-          <p:cNvPr id="3" name="Espace réservé du contenu 2"/>
-          <p:cNvSpPr>
-            <a:spLocks noGrp="1"/>
-          </p:cNvSpPr>
+              <a:t>II) Modèle Conceptuel de Données </a:t>
+            </a:r>
+          </a:p>
+        </p:txBody>
+      </p:sp>
+      <p:pic>
+        <p:nvPicPr>
+          <p:cNvPr id="5" name="Espace réservé du contenu 4"/>
+          <p:cNvPicPr>
+            <a:picLocks noGrp="1" noChangeAspect="1"/>
+          </p:cNvPicPr>
           <p:nvPr>
             <p:ph idx="1"/>
           </p:nvPr>
-        </p:nvSpPr>
-        <p:spPr/>
-        <p:txBody>
-          <a:bodyPr/>
-          <a:lstStyle/>
-          <a:p>
-            <a:endParaRPr lang="fr-FR" dirty="0"/>
-          </a:p>
-        </p:txBody>
-      </p:sp>
+        </p:nvPicPr>
+        <p:blipFill>
+          <a:blip r:embed="rId2">
+            <a:extLst>
+              <a:ext uri="{28A0092B-C50C-407E-A947-70E740481C1C}">
+                <a14:useLocalDpi xmlns:a14="http://schemas.microsoft.com/office/drawing/2010/main" val="0"/>
+              </a:ext>
+            </a:extLst>
+          </a:blip>
+          <a:stretch>
+            <a:fillRect/>
+          </a:stretch>
+        </p:blipFill>
+        <p:spPr>
+          <a:xfrm>
+            <a:off x="666197" y="960836"/>
+            <a:ext cx="10859604" cy="5706293"/>
+          </a:xfrm>
+        </p:spPr>
+      </p:pic>
     </p:spTree>
     <p:extLst>
       <p:ext uri="{BB962C8B-B14F-4D97-AF65-F5344CB8AC3E}">
-        <p14:creationId xmlns:p14="http://schemas.microsoft.com/office/powerpoint/2010/main" val="3975237173"/>
+        <p14:creationId xmlns:p14="http://schemas.microsoft.com/office/powerpoint/2010/main" val="4128117823"/>
       </p:ext>
     </p:extLst>
   </p:cSld>
   <p:clrMapOvr>
     <a:masterClrMapping/>
   </p:clrMapOvr>
+  <p:timing>
+    <p:tnLst>
+      <p:par>
+        <p:cTn id="1" dur="indefinite" restart="never" nodeType="tmRoot"/>
+      </p:par>
+    </p:tnLst>
+  </p:timing>
 </p:sld>
 </file>
 
@@ -9550,7 +9744,7 @@
         <p:spPr>
           <a:xfrm>
             <a:off x="838200" y="0"/>
-            <a:ext cx="10515600" cy="826477"/>
+            <a:ext cx="10515600" cy="773723"/>
           </a:xfrm>
         </p:spPr>
         <p:txBody>
@@ -9559,7 +9753,7 @@
           <a:p>
             <a:r>
               <a:rPr lang="fr-FR" dirty="0"/>
-              <a:t>IV) Gantt actuel</a:t>
+              <a:t>III) Diagramme de classes</a:t>
             </a:r>
           </a:p>
         </p:txBody>
@@ -9588,21 +9782,28 @@
         </p:blipFill>
         <p:spPr>
           <a:xfrm>
-            <a:off x="63992" y="1433146"/>
-            <a:ext cx="12128008" cy="3447085"/>
+            <a:off x="1355324" y="624732"/>
+            <a:ext cx="9481351" cy="6233268"/>
           </a:xfrm>
         </p:spPr>
       </p:pic>
     </p:spTree>
     <p:extLst>
       <p:ext uri="{BB962C8B-B14F-4D97-AF65-F5344CB8AC3E}">
-        <p14:creationId xmlns:p14="http://schemas.microsoft.com/office/powerpoint/2010/main" val="3183417355"/>
+        <p14:creationId xmlns:p14="http://schemas.microsoft.com/office/powerpoint/2010/main" val="3975237173"/>
       </p:ext>
     </p:extLst>
   </p:cSld>
   <p:clrMapOvr>
     <a:masterClrMapping/>
   </p:clrMapOvr>
+  <p:timing>
+    <p:tnLst>
+      <p:par>
+        <p:cTn id="1" dur="indefinite" restart="never" nodeType="tmRoot"/>
+      </p:par>
+    </p:tnLst>
+  </p:timing>
 </p:sld>
 </file>
 
@@ -9612,10 +9813,7 @@
     <p:bg>
       <p:bgPr>
         <a:solidFill>
-          <a:schemeClr val="accent1">
-            <a:lumMod val="20000"/>
-            <a:lumOff val="80000"/>
-          </a:schemeClr>
+          <a:schemeClr val="bg2"/>
         </a:solidFill>
         <a:effectLst/>
       </p:bgPr>
@@ -9646,8 +9844,8 @@
         </p:nvSpPr>
         <p:spPr>
           <a:xfrm>
-            <a:off x="334108" y="218708"/>
-            <a:ext cx="10515600" cy="1325563"/>
+            <a:off x="838200" y="0"/>
+            <a:ext cx="10515600" cy="826477"/>
           </a:xfrm>
         </p:spPr>
         <p:txBody>
@@ -9655,281 +9853,45 @@
           <a:lstStyle/>
           <a:p>
             <a:r>
-              <a:rPr lang="fr-FR" b="1" dirty="0">
-                <a:solidFill>
-                  <a:srgbClr val="00B0F0"/>
-                </a:solidFill>
-              </a:rPr>
-              <a:t>Etudiant 1 : Gosselin Victor</a:t>
-            </a:r>
-          </a:p>
-        </p:txBody>
-      </p:sp>
-      <p:sp>
-        <p:nvSpPr>
-          <p:cNvPr id="3" name="Espace réservé du contenu 2"/>
-          <p:cNvSpPr>
-            <a:spLocks noGrp="1"/>
-          </p:cNvSpPr>
+              <a:rPr lang="fr-FR" dirty="0"/>
+              <a:t>IV) Gantt actuel</a:t>
+            </a:r>
+          </a:p>
+        </p:txBody>
+      </p:sp>
+      <p:pic>
+        <p:nvPicPr>
+          <p:cNvPr id="4" name="Espace réservé du contenu 3"/>
+          <p:cNvPicPr>
+            <a:picLocks noGrp="1" noChangeAspect="1"/>
+          </p:cNvPicPr>
           <p:nvPr>
             <p:ph idx="1"/>
           </p:nvPr>
-        </p:nvSpPr>
-        <p:spPr>
-          <a:xfrm>
-            <a:off x="334108" y="1544270"/>
-            <a:ext cx="5257800" cy="3323986"/>
-          </a:xfrm>
-        </p:spPr>
-        <p:txBody>
-          <a:bodyPr>
-            <a:normAutofit/>
-          </a:bodyPr>
-          <a:lstStyle/>
-          <a:p>
-            <a:pPr marL="0" indent="0">
-              <a:buNone/>
-            </a:pPr>
-            <a:r>
-              <a:rPr lang="fr-FR" sz="2400" b="1" dirty="0"/>
-              <a:t>I) Analyse complète du système</a:t>
-            </a:r>
-          </a:p>
-          <a:p>
-            <a:pPr marL="0" indent="0">
-              <a:buNone/>
-            </a:pPr>
-            <a:endParaRPr lang="fr-FR" sz="1500" u="sng" dirty="0"/>
-          </a:p>
-          <a:p>
-            <a:pPr marL="457200" lvl="1" indent="0">
-              <a:buNone/>
-            </a:pPr>
-            <a:r>
-              <a:rPr lang="fr-FR" sz="2000" u="sng" dirty="0"/>
-              <a:t>1) Diagramme de cas d’utilisation</a:t>
-            </a:r>
-          </a:p>
-          <a:p>
-            <a:pPr marL="457200" lvl="1" indent="0">
-              <a:buNone/>
-            </a:pPr>
-            <a:r>
-              <a:rPr lang="fr-FR" sz="2000" u="sng" dirty="0"/>
-              <a:t>2) Scénario</a:t>
-            </a:r>
-          </a:p>
-          <a:p>
-            <a:pPr marL="457200" lvl="1" indent="0">
-              <a:buNone/>
-            </a:pPr>
-            <a:r>
-              <a:rPr lang="fr-FR" sz="2000" u="sng" dirty="0"/>
-              <a:t>3) Diagrammes de séquence</a:t>
-            </a:r>
-          </a:p>
-          <a:p>
-            <a:pPr marL="914400" lvl="2" indent="0">
-              <a:buNone/>
-            </a:pPr>
-            <a:r>
-              <a:rPr lang="fr-FR" sz="1800" dirty="0"/>
-              <a:t>a) Connexion au site</a:t>
-            </a:r>
-          </a:p>
-          <a:p>
-            <a:pPr marL="914400" lvl="2" indent="0">
-              <a:buNone/>
-            </a:pPr>
-            <a:r>
-              <a:rPr lang="fr-FR" sz="1800" dirty="0"/>
-              <a:t>b) Inscription à une course</a:t>
-            </a:r>
-          </a:p>
-          <a:p>
-            <a:pPr marL="914400" lvl="2" indent="0">
-              <a:buNone/>
-            </a:pPr>
-            <a:r>
-              <a:rPr lang="fr-FR" sz="1800" dirty="0"/>
-              <a:t>c) Association coureur dossard</a:t>
-            </a:r>
-          </a:p>
-          <a:p>
-            <a:pPr marL="914400" lvl="2" indent="0">
-              <a:buNone/>
-            </a:pPr>
-            <a:r>
-              <a:rPr lang="fr-FR" sz="1800" dirty="0"/>
-              <a:t>d) Création d’une course</a:t>
-            </a:r>
-          </a:p>
-          <a:p>
-            <a:pPr marL="914400" lvl="2" indent="0">
-              <a:buNone/>
-            </a:pPr>
-            <a:r>
-              <a:rPr lang="fr-FR" sz="1800" dirty="0"/>
-              <a:t>e) Gérer les inscriptions à une course</a:t>
-            </a:r>
-          </a:p>
-        </p:txBody>
-      </p:sp>
-      <p:sp>
-        <p:nvSpPr>
-          <p:cNvPr id="4" name="Rectangle 3">
+        </p:nvPicPr>
+        <p:blipFill>
+          <a:blip r:embed="rId2">
             <a:extLst>
-              <a:ext uri="{FF2B5EF4-FFF2-40B4-BE49-F238E27FC236}">
-                <a16:creationId xmlns:a16="http://schemas.microsoft.com/office/drawing/2014/main" id="{3617E2B9-047E-DB41-AC36-E66B93D80B2E}"/>
+              <a:ext uri="{28A0092B-C50C-407E-A947-70E740481C1C}">
+                <a14:useLocalDpi xmlns:a14="http://schemas.microsoft.com/office/drawing/2010/main" val="0"/>
               </a:ext>
             </a:extLst>
-          </p:cNvPr>
-          <p:cNvSpPr/>
-          <p:nvPr/>
-        </p:nvSpPr>
-        <p:spPr>
-          <a:xfrm>
-            <a:off x="5591908" y="1544270"/>
-            <a:ext cx="6096000" cy="3293209"/>
-          </a:xfrm>
-          <a:prstGeom prst="rect">
-            <a:avLst/>
-          </a:prstGeom>
-        </p:spPr>
-        <p:txBody>
-          <a:bodyPr>
-            <a:spAutoFit/>
-          </a:bodyPr>
-          <a:lstStyle/>
-          <a:p>
-            <a:r>
-              <a:rPr lang="fr-FR" sz="2400" b="1" dirty="0"/>
-              <a:t>II) Etude Physique lecteur RFID</a:t>
-            </a:r>
-          </a:p>
-          <a:p>
-            <a:endParaRPr lang="fr-FR" sz="2000" u="sng" dirty="0"/>
-          </a:p>
-          <a:p>
-            <a:pPr lvl="1"/>
-            <a:r>
-              <a:rPr lang="fr-FR" sz="2000" dirty="0"/>
-              <a:t>1) </a:t>
-            </a:r>
-            <a:r>
-              <a:rPr lang="fr-FR" sz="2000" u="sng" dirty="0"/>
-              <a:t>Présentation et fonctionnement</a:t>
-            </a:r>
-          </a:p>
-          <a:p>
-            <a:pPr lvl="2"/>
-            <a:r>
-              <a:rPr lang="fr-FR" dirty="0"/>
-              <a:t>a) Introduction</a:t>
-            </a:r>
-          </a:p>
-          <a:p>
-            <a:pPr lvl="2"/>
-            <a:r>
-              <a:rPr lang="fr-FR" dirty="0"/>
-              <a:t>b) Principe du lecteur RFID</a:t>
-            </a:r>
-          </a:p>
-          <a:p>
-            <a:pPr lvl="2"/>
-            <a:endParaRPr lang="fr-FR" dirty="0"/>
-          </a:p>
-          <a:p>
-            <a:pPr lvl="1"/>
-            <a:r>
-              <a:rPr lang="fr-FR" sz="2000" dirty="0"/>
-              <a:t>2) </a:t>
-            </a:r>
-            <a:r>
-              <a:rPr lang="fr-FR" sz="2000" u="sng" dirty="0"/>
-              <a:t>Utilisation et choix du RFID</a:t>
-            </a:r>
-          </a:p>
-          <a:p>
-            <a:pPr lvl="2"/>
-            <a:r>
-              <a:rPr lang="fr-FR" dirty="0"/>
-              <a:t>a) Les différents supports</a:t>
-            </a:r>
-          </a:p>
-          <a:p>
-            <a:pPr lvl="2"/>
-            <a:r>
-              <a:rPr lang="fr-FR" dirty="0"/>
-              <a:t>b) La communication par la puce</a:t>
-            </a:r>
-          </a:p>
-          <a:p>
-            <a:pPr lvl="2"/>
-            <a:r>
-              <a:rPr lang="fr-FR" dirty="0"/>
-              <a:t>c) Les capacités de la puce RFID</a:t>
-            </a:r>
-          </a:p>
-          <a:p>
-            <a:pPr lvl="2"/>
-            <a:r>
-              <a:rPr lang="fr-FR" dirty="0"/>
-              <a:t>d) Choix du RFID</a:t>
-            </a:r>
-          </a:p>
-        </p:txBody>
-      </p:sp>
-      <p:sp>
-        <p:nvSpPr>
-          <p:cNvPr id="5" name="Rectangle 4">
-            <a:extLst>
-              <a:ext uri="{FF2B5EF4-FFF2-40B4-BE49-F238E27FC236}">
-                <a16:creationId xmlns:a16="http://schemas.microsoft.com/office/drawing/2014/main" id="{DE135914-0B19-8546-824F-92BD04E90778}"/>
-              </a:ext>
-            </a:extLst>
-          </p:cNvPr>
-          <p:cNvSpPr/>
-          <p:nvPr/>
-        </p:nvSpPr>
-        <p:spPr>
-          <a:xfrm>
-            <a:off x="334108" y="5299809"/>
-            <a:ext cx="4923692" cy="1938992"/>
-          </a:xfrm>
-          <a:prstGeom prst="rect">
-            <a:avLst/>
-          </a:prstGeom>
-        </p:spPr>
-        <p:txBody>
-          <a:bodyPr wrap="square">
-            <a:spAutoFit/>
-          </a:bodyPr>
-          <a:lstStyle/>
-          <a:p>
-            <a:r>
-              <a:rPr lang="fr-FR" sz="2400" b="1" dirty="0"/>
-              <a:t>III) Module de test</a:t>
-            </a:r>
-          </a:p>
-          <a:p>
-            <a:endParaRPr lang="fr-FR" sz="2400" dirty="0"/>
-          </a:p>
-          <a:p>
-            <a:endParaRPr lang="fr-FR" sz="2400" dirty="0"/>
-          </a:p>
-          <a:p>
-            <a:endParaRPr lang="fr-FR" sz="2400" dirty="0"/>
-          </a:p>
-          <a:p>
-            <a:endParaRPr lang="fr-FR" sz="2400" dirty="0"/>
-          </a:p>
-        </p:txBody>
-      </p:sp>
+          </a:blip>
+          <a:stretch>
+            <a:fillRect/>
+          </a:stretch>
+        </p:blipFill>
+        <p:spPr>
+          <a:xfrm>
+            <a:off x="63992" y="1433146"/>
+            <a:ext cx="12128008" cy="3447085"/>
+          </a:xfrm>
+        </p:spPr>
+      </p:pic>
     </p:spTree>
     <p:extLst>
       <p:ext uri="{BB962C8B-B14F-4D97-AF65-F5344CB8AC3E}">
-        <p14:creationId xmlns:p14="http://schemas.microsoft.com/office/powerpoint/2010/main" val="795661874"/>
+        <p14:creationId xmlns:p14="http://schemas.microsoft.com/office/powerpoint/2010/main" val="3183417355"/>
       </p:ext>
     </p:extLst>
   </p:cSld>
@@ -9979,8 +9941,39 @@
         </p:nvSpPr>
         <p:spPr>
           <a:xfrm>
-            <a:off x="0" y="0"/>
-            <a:ext cx="10515600" cy="1178169"/>
+            <a:off x="334108" y="218708"/>
+            <a:ext cx="10515600" cy="1325563"/>
+          </a:xfrm>
+        </p:spPr>
+        <p:txBody>
+          <a:bodyPr/>
+          <a:lstStyle/>
+          <a:p>
+            <a:r>
+              <a:rPr lang="fr-FR" b="1" dirty="0">
+                <a:solidFill>
+                  <a:srgbClr val="00B0F0"/>
+                </a:solidFill>
+              </a:rPr>
+              <a:t>Etudiant 1 : Gosselin Victor</a:t>
+            </a:r>
+          </a:p>
+        </p:txBody>
+      </p:sp>
+      <p:sp>
+        <p:nvSpPr>
+          <p:cNvPr id="3" name="Espace réservé du contenu 2"/>
+          <p:cNvSpPr>
+            <a:spLocks noGrp="1"/>
+          </p:cNvSpPr>
+          <p:nvPr>
+            <p:ph idx="1"/>
+          </p:nvPr>
+        </p:nvSpPr>
+        <p:spPr>
+          <a:xfrm>
+            <a:off x="334108" y="1544270"/>
+            <a:ext cx="5257800" cy="3323986"/>
           </a:xfrm>
         </p:spPr>
         <p:txBody>
@@ -9989,62 +9982,249 @@
           </a:bodyPr>
           <a:lstStyle/>
           <a:p>
-            <a:pPr algn="ctr"/>
-            <a:r>
-              <a:rPr lang="fr-FR" sz="3600" b="1" dirty="0"/>
+            <a:pPr marL="0" indent="0">
+              <a:buNone/>
+            </a:pPr>
+            <a:r>
+              <a:rPr lang="fr-FR" sz="2400" b="1" dirty="0"/>
               <a:t>I) Analyse complète du système</a:t>
             </a:r>
-            <a:br>
-              <a:rPr lang="fr-FR" sz="3600" dirty="0"/>
-            </a:br>
-            <a:r>
-              <a:rPr lang="fr-FR" sz="3600" dirty="0"/>
-              <a:t>	</a:t>
-            </a:r>
-            <a:r>
-              <a:rPr lang="fr-FR" sz="2800" dirty="0"/>
-              <a:t>1) </a:t>
-            </a:r>
-            <a:r>
-              <a:rPr lang="fr-FR" sz="2800" u="sng" dirty="0"/>
-              <a:t>Diagramme de cas d’utilisation</a:t>
-            </a:r>
-          </a:p>
-        </p:txBody>
-      </p:sp>
-      <p:pic>
-        <p:nvPicPr>
-          <p:cNvPr id="5" name="Espace réservé du contenu 4"/>
-          <p:cNvPicPr>
-            <a:picLocks noGrp="1" noChangeAspect="1"/>
-          </p:cNvPicPr>
-          <p:nvPr>
-            <p:ph idx="1"/>
-          </p:nvPr>
-        </p:nvPicPr>
-        <p:blipFill>
-          <a:blip r:embed="rId2">
+          </a:p>
+          <a:p>
+            <a:pPr marL="0" indent="0">
+              <a:buNone/>
+            </a:pPr>
+            <a:endParaRPr lang="fr-FR" sz="1500" u="sng" dirty="0"/>
+          </a:p>
+          <a:p>
+            <a:pPr marL="457200" lvl="1" indent="0">
+              <a:buNone/>
+            </a:pPr>
+            <a:r>
+              <a:rPr lang="fr-FR" sz="2000" u="sng" dirty="0"/>
+              <a:t>1) Diagramme de cas d’utilisation</a:t>
+            </a:r>
+          </a:p>
+          <a:p>
+            <a:pPr marL="457200" lvl="1" indent="0">
+              <a:buNone/>
+            </a:pPr>
+            <a:r>
+              <a:rPr lang="fr-FR" sz="2000" u="sng" dirty="0"/>
+              <a:t>2) Scénario</a:t>
+            </a:r>
+          </a:p>
+          <a:p>
+            <a:pPr marL="457200" lvl="1" indent="0">
+              <a:buNone/>
+            </a:pPr>
+            <a:r>
+              <a:rPr lang="fr-FR" sz="2000" u="sng" dirty="0"/>
+              <a:t>3) Diagrammes de séquence</a:t>
+            </a:r>
+          </a:p>
+          <a:p>
+            <a:pPr marL="914400" lvl="2" indent="0">
+              <a:buNone/>
+            </a:pPr>
+            <a:r>
+              <a:rPr lang="fr-FR" sz="1800" dirty="0"/>
+              <a:t>a) Connexion au site</a:t>
+            </a:r>
+          </a:p>
+          <a:p>
+            <a:pPr marL="914400" lvl="2" indent="0">
+              <a:buNone/>
+            </a:pPr>
+            <a:r>
+              <a:rPr lang="fr-FR" sz="1800" dirty="0"/>
+              <a:t>b) Inscription à une course</a:t>
+            </a:r>
+          </a:p>
+          <a:p>
+            <a:pPr marL="914400" lvl="2" indent="0">
+              <a:buNone/>
+            </a:pPr>
+            <a:r>
+              <a:rPr lang="fr-FR" sz="1800" dirty="0"/>
+              <a:t>c) Association coureur dossard</a:t>
+            </a:r>
+          </a:p>
+          <a:p>
+            <a:pPr marL="914400" lvl="2" indent="0">
+              <a:buNone/>
+            </a:pPr>
+            <a:r>
+              <a:rPr lang="fr-FR" sz="1800" dirty="0"/>
+              <a:t>d) Création d’une course</a:t>
+            </a:r>
+          </a:p>
+          <a:p>
+            <a:pPr marL="914400" lvl="2" indent="0">
+              <a:buNone/>
+            </a:pPr>
+            <a:r>
+              <a:rPr lang="fr-FR" sz="1800" dirty="0"/>
+              <a:t>e) Gérer les inscriptions à une course</a:t>
+            </a:r>
+          </a:p>
+        </p:txBody>
+      </p:sp>
+      <p:sp>
+        <p:nvSpPr>
+          <p:cNvPr id="4" name="Rectangle 3">
             <a:extLst>
-              <a:ext uri="{28A0092B-C50C-407E-A947-70E740481C1C}">
-                <a14:useLocalDpi xmlns:a14="http://schemas.microsoft.com/office/drawing/2010/main" val="0"/>
+              <a:ext uri="{FF2B5EF4-FFF2-40B4-BE49-F238E27FC236}">
+                <a16:creationId xmlns:a16="http://schemas.microsoft.com/office/drawing/2014/main" id="{3617E2B9-047E-DB41-AC36-E66B93D80B2E}"/>
               </a:ext>
             </a:extLst>
-          </a:blip>
-          <a:stretch>
-            <a:fillRect/>
-          </a:stretch>
-        </p:blipFill>
-        <p:spPr>
-          <a:xfrm>
-            <a:off x="2026914" y="1178169"/>
-            <a:ext cx="7398440" cy="5517633"/>
-          </a:xfrm>
-        </p:spPr>
-      </p:pic>
+          </p:cNvPr>
+          <p:cNvSpPr/>
+          <p:nvPr/>
+        </p:nvSpPr>
+        <p:spPr>
+          <a:xfrm>
+            <a:off x="5591908" y="1544270"/>
+            <a:ext cx="6096000" cy="3293209"/>
+          </a:xfrm>
+          <a:prstGeom prst="rect">
+            <a:avLst/>
+          </a:prstGeom>
+        </p:spPr>
+        <p:txBody>
+          <a:bodyPr>
+            <a:spAutoFit/>
+          </a:bodyPr>
+          <a:lstStyle/>
+          <a:p>
+            <a:r>
+              <a:rPr lang="fr-FR" sz="2400" b="1" dirty="0"/>
+              <a:t>II) Etude Physique lecteur RFID</a:t>
+            </a:r>
+          </a:p>
+          <a:p>
+            <a:endParaRPr lang="fr-FR" sz="2000" u="sng" dirty="0"/>
+          </a:p>
+          <a:p>
+            <a:pPr lvl="1"/>
+            <a:r>
+              <a:rPr lang="fr-FR" sz="2000" dirty="0"/>
+              <a:t>1) </a:t>
+            </a:r>
+            <a:r>
+              <a:rPr lang="fr-FR" sz="2000" u="sng" dirty="0"/>
+              <a:t>Présentation et fonctionnement</a:t>
+            </a:r>
+          </a:p>
+          <a:p>
+            <a:pPr lvl="2"/>
+            <a:r>
+              <a:rPr lang="fr-FR" dirty="0"/>
+              <a:t>a) Introduction</a:t>
+            </a:r>
+          </a:p>
+          <a:p>
+            <a:pPr lvl="2"/>
+            <a:r>
+              <a:rPr lang="fr-FR" dirty="0"/>
+              <a:t>b) Principe du lecteur RFID</a:t>
+            </a:r>
+          </a:p>
+          <a:p>
+            <a:pPr lvl="2"/>
+            <a:endParaRPr lang="fr-FR" dirty="0"/>
+          </a:p>
+          <a:p>
+            <a:pPr lvl="1"/>
+            <a:r>
+              <a:rPr lang="fr-FR" sz="2000" dirty="0"/>
+              <a:t>2) </a:t>
+            </a:r>
+            <a:r>
+              <a:rPr lang="fr-FR" sz="2000" u="sng" dirty="0"/>
+              <a:t>Utilisation et choix du RFID</a:t>
+            </a:r>
+          </a:p>
+          <a:p>
+            <a:pPr lvl="2"/>
+            <a:r>
+              <a:rPr lang="fr-FR" dirty="0"/>
+              <a:t>a) Les différents supports</a:t>
+            </a:r>
+          </a:p>
+          <a:p>
+            <a:pPr lvl="2"/>
+            <a:r>
+              <a:rPr lang="fr-FR" dirty="0"/>
+              <a:t>b) La communication par la puce</a:t>
+            </a:r>
+          </a:p>
+          <a:p>
+            <a:pPr lvl="2"/>
+            <a:r>
+              <a:rPr lang="fr-FR" dirty="0"/>
+              <a:t>c) Les capacités de la puce RFID</a:t>
+            </a:r>
+          </a:p>
+          <a:p>
+            <a:pPr lvl="2"/>
+            <a:r>
+              <a:rPr lang="fr-FR" dirty="0"/>
+              <a:t>d) Choix du RFID</a:t>
+            </a:r>
+          </a:p>
+        </p:txBody>
+      </p:sp>
+      <p:sp>
+        <p:nvSpPr>
+          <p:cNvPr id="5" name="Rectangle 4">
+            <a:extLst>
+              <a:ext uri="{FF2B5EF4-FFF2-40B4-BE49-F238E27FC236}">
+                <a16:creationId xmlns:a16="http://schemas.microsoft.com/office/drawing/2014/main" id="{DE135914-0B19-8546-824F-92BD04E90778}"/>
+              </a:ext>
+            </a:extLst>
+          </p:cNvPr>
+          <p:cNvSpPr/>
+          <p:nvPr/>
+        </p:nvSpPr>
+        <p:spPr>
+          <a:xfrm>
+            <a:off x="334108" y="5299809"/>
+            <a:ext cx="4923692" cy="1938992"/>
+          </a:xfrm>
+          <a:prstGeom prst="rect">
+            <a:avLst/>
+          </a:prstGeom>
+        </p:spPr>
+        <p:txBody>
+          <a:bodyPr wrap="square">
+            <a:spAutoFit/>
+          </a:bodyPr>
+          <a:lstStyle/>
+          <a:p>
+            <a:r>
+              <a:rPr lang="fr-FR" sz="2400" b="1" dirty="0"/>
+              <a:t>III) Module de test</a:t>
+            </a:r>
+          </a:p>
+          <a:p>
+            <a:endParaRPr lang="fr-FR" sz="2400" dirty="0"/>
+          </a:p>
+          <a:p>
+            <a:endParaRPr lang="fr-FR" sz="2400" dirty="0"/>
+          </a:p>
+          <a:p>
+            <a:endParaRPr lang="fr-FR" sz="2400" dirty="0"/>
+          </a:p>
+          <a:p>
+            <a:endParaRPr lang="fr-FR" sz="2400" dirty="0"/>
+          </a:p>
+        </p:txBody>
+      </p:sp>
     </p:spTree>
     <p:extLst>
       <p:ext uri="{BB962C8B-B14F-4D97-AF65-F5344CB8AC3E}">
-        <p14:creationId xmlns:p14="http://schemas.microsoft.com/office/powerpoint/2010/main" val="321459908"/>
+        <p14:creationId xmlns:p14="http://schemas.microsoft.com/office/powerpoint/2010/main" val="795661874"/>
       </p:ext>
     </p:extLst>
   </p:cSld>
@@ -10094,8 +10274,8 @@
         </p:nvSpPr>
         <p:spPr>
           <a:xfrm>
-            <a:off x="838200" y="1"/>
-            <a:ext cx="10515600" cy="633046"/>
+            <a:off x="0" y="0"/>
+            <a:ext cx="10515600" cy="1178169"/>
           </a:xfrm>
         </p:spPr>
         <p:txBody>
@@ -10106,46 +10286,64 @@
           <a:p>
             <a:pPr algn="ctr"/>
             <a:r>
+              <a:rPr lang="fr-FR" sz="3600" b="1" dirty="0"/>
+              <a:t>I) Analyse complète du système</a:t>
+            </a:r>
+            <a:r>
+              <a:rPr lang="fr-FR" sz="3600" dirty="0"/>
+              <a:t/>
+            </a:r>
+            <a:br>
+              <a:rPr lang="fr-FR" sz="3600" dirty="0"/>
+            </a:br>
+            <a:r>
+              <a:rPr lang="fr-FR" sz="3600" dirty="0"/>
+              <a:t>	</a:t>
+            </a:r>
+            <a:r>
               <a:rPr lang="fr-FR" sz="2800" dirty="0"/>
-              <a:t>2) </a:t>
+              <a:t>1) </a:t>
             </a:r>
             <a:r>
               <a:rPr lang="fr-FR" sz="2800" u="sng" dirty="0"/>
-              <a:t>Scénario</a:t>
-            </a:r>
-          </a:p>
-        </p:txBody>
-      </p:sp>
-      <p:sp>
-        <p:nvSpPr>
-          <p:cNvPr id="3" name="Espace réservé du contenu 2"/>
-          <p:cNvSpPr>
-            <a:spLocks noGrp="1"/>
-          </p:cNvSpPr>
+              <a:t>Diagramme de cas d’utilisation</a:t>
+            </a:r>
+          </a:p>
+        </p:txBody>
+      </p:sp>
+      <p:pic>
+        <p:nvPicPr>
+          <p:cNvPr id="5" name="Espace réservé du contenu 4"/>
+          <p:cNvPicPr>
+            <a:picLocks noGrp="1" noChangeAspect="1"/>
+          </p:cNvPicPr>
           <p:nvPr>
             <p:ph idx="1"/>
           </p:nvPr>
-        </p:nvSpPr>
-        <p:spPr>
-          <a:xfrm>
-            <a:off x="553916" y="791308"/>
-            <a:ext cx="10717823" cy="6137031"/>
-          </a:xfrm>
-        </p:spPr>
-        <p:txBody>
-          <a:bodyPr>
-            <a:normAutofit/>
-          </a:bodyPr>
-          <a:lstStyle/>
-          <a:p>
-            <a:endParaRPr lang="fr-FR" dirty="0"/>
-          </a:p>
-        </p:txBody>
-      </p:sp>
+        </p:nvPicPr>
+        <p:blipFill>
+          <a:blip r:embed="rId2">
+            <a:extLst>
+              <a:ext uri="{28A0092B-C50C-407E-A947-70E740481C1C}">
+                <a14:useLocalDpi xmlns:a14="http://schemas.microsoft.com/office/drawing/2010/main" val="0"/>
+              </a:ext>
+            </a:extLst>
+          </a:blip>
+          <a:stretch>
+            <a:fillRect/>
+          </a:stretch>
+        </p:blipFill>
+        <p:spPr>
+          <a:xfrm>
+            <a:off x="2026914" y="1178169"/>
+            <a:ext cx="7398440" cy="5517633"/>
+          </a:xfrm>
+        </p:spPr>
+      </p:pic>
     </p:spTree>
     <p:extLst>
       <p:ext uri="{BB962C8B-B14F-4D97-AF65-F5344CB8AC3E}">
-        <p14:creationId xmlns:p14="http://schemas.microsoft.com/office/powerpoint/2010/main" val="1312171906"/>
+        <p14:creationId xmlns:p14="http://schemas.microsoft.com/office/powerpoint/2010/main" val="321459908"/>
       </p:ext>
     </p:extLst>
   </p:cSld>

--- a/Diagrammes Communs/Presentation_Revue0.pptx
+++ b/Diagrammes Communs/Presentation_Revue0.pptx
@@ -29,21 +29,22 @@
     <p:sldId id="291" r:id="rId23"/>
     <p:sldId id="292" r:id="rId24"/>
     <p:sldId id="293" r:id="rId25"/>
-    <p:sldId id="294" r:id="rId26"/>
-    <p:sldId id="295" r:id="rId27"/>
-    <p:sldId id="274" r:id="rId28"/>
-    <p:sldId id="275" r:id="rId29"/>
-    <p:sldId id="276" r:id="rId30"/>
-    <p:sldId id="278" r:id="rId31"/>
-    <p:sldId id="280" r:id="rId32"/>
-    <p:sldId id="283" r:id="rId33"/>
-    <p:sldId id="281" r:id="rId34"/>
-    <p:sldId id="284" r:id="rId35"/>
-    <p:sldId id="296" r:id="rId36"/>
-    <p:sldId id="297" r:id="rId37"/>
-    <p:sldId id="298" r:id="rId38"/>
-    <p:sldId id="299" r:id="rId39"/>
-    <p:sldId id="300" r:id="rId40"/>
+    <p:sldId id="302" r:id="rId26"/>
+    <p:sldId id="294" r:id="rId27"/>
+    <p:sldId id="295" r:id="rId28"/>
+    <p:sldId id="274" r:id="rId29"/>
+    <p:sldId id="275" r:id="rId30"/>
+    <p:sldId id="276" r:id="rId31"/>
+    <p:sldId id="278" r:id="rId32"/>
+    <p:sldId id="280" r:id="rId33"/>
+    <p:sldId id="283" r:id="rId34"/>
+    <p:sldId id="281" r:id="rId35"/>
+    <p:sldId id="284" r:id="rId36"/>
+    <p:sldId id="296" r:id="rId37"/>
+    <p:sldId id="297" r:id="rId38"/>
+    <p:sldId id="298" r:id="rId39"/>
+    <p:sldId id="299" r:id="rId40"/>
+    <p:sldId id="300" r:id="rId41"/>
   </p:sldIdLst>
   <p:sldSz cx="12192000" cy="6858000"/>
   <p:notesSz cx="6858000" cy="9144000"/>
@@ -5568,7 +5569,7 @@
         </p:spPr>
         <p:txBody>
           <a:bodyPr>
-            <a:normAutofit fontScale="92500" lnSpcReduction="20000"/>
+            <a:normAutofit fontScale="85000" lnSpcReduction="20000"/>
           </a:bodyPr>
           <a:lstStyle/>
           <a:p>
@@ -5623,15 +5624,43 @@
             <a:pPr lvl="2"/>
             <a:r>
               <a:rPr lang="fr-FR" dirty="0"/>
-              <a:t>e) Afficheur LED</a:t>
+              <a:t>e) </a:t>
+            </a:r>
+            <a:r>
+              <a:rPr lang="fr-FR" dirty="0" smtClean="0"/>
+              <a:t>Enregistrer le temps par coureur</a:t>
             </a:r>
           </a:p>
           <a:p>
             <a:pPr lvl="2"/>
             <a:r>
+              <a:rPr lang="fr-FR" dirty="0" smtClean="0"/>
+              <a:t>f</a:t>
+            </a:r>
+            <a:r>
               <a:rPr lang="fr-FR" dirty="0"/>
-              <a:t>f) Fin d’une course</a:t>
-            </a:r>
+              <a:t>) </a:t>
+            </a:r>
+            <a:r>
+              <a:rPr lang="fr-FR" dirty="0"/>
+              <a:t>Afficheur LED</a:t>
+            </a:r>
+          </a:p>
+          <a:p>
+            <a:pPr lvl="2"/>
+            <a:r>
+              <a:rPr lang="fr-FR" dirty="0" smtClean="0"/>
+              <a:t>g) </a:t>
+            </a:r>
+            <a:r>
+              <a:rPr lang="fr-FR" dirty="0"/>
+              <a:t>Fin d’une </a:t>
+            </a:r>
+            <a:r>
+              <a:rPr lang="fr-FR" dirty="0" smtClean="0"/>
+              <a:t>course</a:t>
+            </a:r>
+            <a:endParaRPr lang="fr-FR" dirty="0"/>
           </a:p>
           <a:p>
             <a:pPr lvl="1"/>
@@ -5664,13 +5693,8 @@
             <a:pPr lvl="2"/>
             <a:r>
               <a:rPr lang="fr-FR" dirty="0"/>
-              <a:t>b) Dossards </a:t>
-            </a:r>
-            <a:r>
-              <a:rPr lang="fr-FR" dirty="0" err="1"/>
-              <a:t>DAGs</a:t>
-            </a:r>
-            <a:endParaRPr lang="fr-FR" dirty="0"/>
+              <a:t>b) Dossards DAGs</a:t>
+            </a:r>
           </a:p>
           <a:p>
             <a:pPr lvl="1"/>
@@ -5744,7 +5768,7 @@
         </p:nvSpPr>
         <p:spPr>
           <a:xfrm>
-            <a:off x="838200" y="74179"/>
+            <a:off x="436317" y="-20176"/>
             <a:ext cx="10515600" cy="850611"/>
           </a:xfrm>
         </p:spPr>
@@ -5760,6 +5784,847 @@
           </a:p>
         </p:txBody>
       </p:sp>
+      <p:sp>
+        <p:nvSpPr>
+          <p:cNvPr id="3" name="ZoneTexte 2"/>
+          <p:cNvSpPr txBox="1"/>
+          <p:nvPr/>
+        </p:nvSpPr>
+        <p:spPr>
+          <a:xfrm>
+            <a:off x="436317" y="779316"/>
+            <a:ext cx="9126245" cy="2862322"/>
+          </a:xfrm>
+          <a:prstGeom prst="rect">
+            <a:avLst/>
+          </a:prstGeom>
+          <a:noFill/>
+        </p:spPr>
+        <p:txBody>
+          <a:bodyPr wrap="square" rtlCol="0">
+            <a:spAutoFit/>
+          </a:bodyPr>
+          <a:lstStyle/>
+          <a:p>
+            <a:r>
+              <a:rPr lang="fr-FR" dirty="0" smtClean="0"/>
+              <a:t>Ce projet a pour but d’aider un établissement, en l’occurrence La Providence, d’automatiser un système de courses. Ce système permettra aux professeurs de sports de créer en avance des courses sur un site Web. Ces courses auront des paramètres prédéfinies. Les élèves pourront ensuite consulter les courses à venir et s’y inscrire si ils ont l’autorisation. Une fois inscrit, le professeur pourra ajouter ou retirer un(des) élève(s).</a:t>
+            </a:r>
+          </a:p>
+          <a:p>
+            <a:r>
+              <a:rPr lang="fr-FR" dirty="0" smtClean="0"/>
+              <a:t>Le jour de la course les élèves inscrits viendront récupérer un dossard qui leur sera associé.</a:t>
+            </a:r>
+          </a:p>
+          <a:p>
+            <a:r>
+              <a:rPr lang="fr-FR" dirty="0" smtClean="0"/>
+              <a:t>Une fois la course démarrée, un utilisateur lambda du site pourra voir en temps réel les résultats de la course qui s’afficheront sur une page du site.</a:t>
+            </a:r>
+          </a:p>
+          <a:p>
+            <a:r>
+              <a:rPr lang="fr-FR" dirty="0" smtClean="0"/>
+              <a:t>D’autres pages seront dédiées à la lecture d’anciens temps, de records etc.</a:t>
+            </a:r>
+          </a:p>
+          <a:p>
+            <a:endParaRPr lang="fr-FR" dirty="0" smtClean="0"/>
+          </a:p>
+        </p:txBody>
+      </p:sp>
+      <p:pic>
+        <p:nvPicPr>
+          <p:cNvPr id="1028" name="Picture 4" descr="Résultat de recherche d'images pour &quot;ordinateur portable dessin&quot;"/>
+          <p:cNvPicPr>
+            <a:picLocks noChangeAspect="1" noChangeArrowheads="1"/>
+          </p:cNvPicPr>
+          <p:nvPr/>
+        </p:nvPicPr>
+        <p:blipFill>
+          <a:blip r:embed="rId2">
+            <a:extLst>
+              <a:ext uri="{28A0092B-C50C-407E-A947-70E740481C1C}">
+                <a14:useLocalDpi xmlns:a14="http://schemas.microsoft.com/office/drawing/2010/main" val="0"/>
+              </a:ext>
+            </a:extLst>
+          </a:blip>
+          <a:srcRect/>
+          <a:stretch>
+            <a:fillRect/>
+          </a:stretch>
+        </p:blipFill>
+        <p:spPr bwMode="auto">
+          <a:xfrm>
+            <a:off x="4160231" y="3586418"/>
+            <a:ext cx="1496747" cy="1496747"/>
+          </a:xfrm>
+          <a:prstGeom prst="rect">
+            <a:avLst/>
+          </a:prstGeom>
+          <a:noFill/>
+          <a:extLst>
+            <a:ext uri="{909E8E84-426E-40DD-AFC4-6F175D3DCCD1}">
+              <a14:hiddenFill xmlns:a14="http://schemas.microsoft.com/office/drawing/2010/main">
+                <a:solidFill>
+                  <a:srgbClr val="FFFFFF"/>
+                </a:solidFill>
+              </a14:hiddenFill>
+            </a:ext>
+          </a:extLst>
+        </p:spPr>
+      </p:pic>
+      <p:pic>
+        <p:nvPicPr>
+          <p:cNvPr id="1032" name="Picture 8" descr="Résultat de recherche d'images pour &quot;capteur rfid dessin&quot;"/>
+          <p:cNvPicPr>
+            <a:picLocks noChangeAspect="1" noChangeArrowheads="1"/>
+          </p:cNvPicPr>
+          <p:nvPr/>
+        </p:nvPicPr>
+        <p:blipFill>
+          <a:blip r:embed="rId3" cstate="print">
+            <a:extLst>
+              <a:ext uri="{28A0092B-C50C-407E-A947-70E740481C1C}">
+                <a14:useLocalDpi xmlns:a14="http://schemas.microsoft.com/office/drawing/2010/main" val="0"/>
+              </a:ext>
+            </a:extLst>
+          </a:blip>
+          <a:srcRect/>
+          <a:stretch>
+            <a:fillRect/>
+          </a:stretch>
+        </p:blipFill>
+        <p:spPr bwMode="auto">
+          <a:xfrm>
+            <a:off x="1819356" y="5606957"/>
+            <a:ext cx="705317" cy="705317"/>
+          </a:xfrm>
+          <a:prstGeom prst="rect">
+            <a:avLst/>
+          </a:prstGeom>
+          <a:noFill/>
+          <a:extLst>
+            <a:ext uri="{909E8E84-426E-40DD-AFC4-6F175D3DCCD1}">
+              <a14:hiddenFill xmlns:a14="http://schemas.microsoft.com/office/drawing/2010/main">
+                <a:solidFill>
+                  <a:srgbClr val="FFFFFF"/>
+                </a:solidFill>
+              </a14:hiddenFill>
+            </a:ext>
+          </a:extLst>
+        </p:spPr>
+      </p:pic>
+      <p:sp>
+        <p:nvSpPr>
+          <p:cNvPr id="5" name="Cadre 4"/>
+          <p:cNvSpPr/>
+          <p:nvPr/>
+        </p:nvSpPr>
+        <p:spPr>
+          <a:xfrm>
+            <a:off x="789391" y="3630508"/>
+            <a:ext cx="1735282" cy="1668853"/>
+          </a:xfrm>
+          <a:prstGeom prst="frame">
+            <a:avLst/>
+          </a:prstGeom>
+        </p:spPr>
+        <p:style>
+          <a:lnRef idx="2">
+            <a:schemeClr val="dk1">
+              <a:shade val="50000"/>
+            </a:schemeClr>
+          </a:lnRef>
+          <a:fillRef idx="1">
+            <a:schemeClr val="dk1"/>
+          </a:fillRef>
+          <a:effectRef idx="0">
+            <a:schemeClr val="dk1"/>
+          </a:effectRef>
+          <a:fontRef idx="minor">
+            <a:schemeClr val="lt1"/>
+          </a:fontRef>
+        </p:style>
+        <p:txBody>
+          <a:bodyPr rtlCol="0" anchor="ctr"/>
+          <a:lstStyle/>
+          <a:p>
+            <a:pPr algn="ctr"/>
+            <a:endParaRPr lang="fr-FR">
+              <a:solidFill>
+                <a:schemeClr val="tx1"/>
+              </a:solidFill>
+            </a:endParaRPr>
+          </a:p>
+        </p:txBody>
+      </p:sp>
+      <p:sp>
+        <p:nvSpPr>
+          <p:cNvPr id="6" name="Rectangle 5"/>
+          <p:cNvSpPr/>
+          <p:nvPr/>
+        </p:nvSpPr>
+        <p:spPr>
+          <a:xfrm>
+            <a:off x="664700" y="5060370"/>
+            <a:ext cx="1995054" cy="394855"/>
+          </a:xfrm>
+          <a:prstGeom prst="rect">
+            <a:avLst/>
+          </a:prstGeom>
+          <a:solidFill>
+            <a:schemeClr val="bg2"/>
+          </a:solidFill>
+          <a:ln>
+            <a:noFill/>
+          </a:ln>
+        </p:spPr>
+        <p:style>
+          <a:lnRef idx="2">
+            <a:schemeClr val="accent3">
+              <a:shade val="50000"/>
+            </a:schemeClr>
+          </a:lnRef>
+          <a:fillRef idx="1">
+            <a:schemeClr val="accent3"/>
+          </a:fillRef>
+          <a:effectRef idx="0">
+            <a:schemeClr val="accent3"/>
+          </a:effectRef>
+          <a:fontRef idx="minor">
+            <a:schemeClr val="lt1"/>
+          </a:fontRef>
+        </p:style>
+        <p:txBody>
+          <a:bodyPr rtlCol="0" anchor="ctr"/>
+          <a:lstStyle/>
+          <a:p>
+            <a:pPr algn="ctr"/>
+            <a:endParaRPr lang="fr-FR"/>
+          </a:p>
+        </p:txBody>
+      </p:sp>
+      <p:pic>
+        <p:nvPicPr>
+          <p:cNvPr id="10" name="Picture 8" descr="Résultat de recherche d'images pour &quot;capteur rfid dessin&quot;"/>
+          <p:cNvPicPr>
+            <a:picLocks noChangeAspect="1" noChangeArrowheads="1"/>
+          </p:cNvPicPr>
+          <p:nvPr/>
+        </p:nvPicPr>
+        <p:blipFill>
+          <a:blip r:embed="rId4" cstate="print">
+            <a:extLst>
+              <a:ext uri="{28A0092B-C50C-407E-A947-70E740481C1C}">
+                <a14:useLocalDpi xmlns:a14="http://schemas.microsoft.com/office/drawing/2010/main" val="0"/>
+              </a:ext>
+            </a:extLst>
+          </a:blip>
+          <a:srcRect/>
+          <a:stretch>
+            <a:fillRect/>
+          </a:stretch>
+        </p:blipFill>
+        <p:spPr bwMode="auto">
+          <a:xfrm>
+            <a:off x="1018193" y="3853564"/>
+            <a:ext cx="241715" cy="241715"/>
+          </a:xfrm>
+          <a:prstGeom prst="rect">
+            <a:avLst/>
+          </a:prstGeom>
+          <a:noFill/>
+          <a:extLst>
+            <a:ext uri="{909E8E84-426E-40DD-AFC4-6F175D3DCCD1}">
+              <a14:hiddenFill xmlns:a14="http://schemas.microsoft.com/office/drawing/2010/main">
+                <a:solidFill>
+                  <a:srgbClr val="FFFFFF"/>
+                </a:solidFill>
+              </a14:hiddenFill>
+            </a:ext>
+          </a:extLst>
+        </p:spPr>
+      </p:pic>
+      <p:sp>
+        <p:nvSpPr>
+          <p:cNvPr id="7" name="Cylindre 6"/>
+          <p:cNvSpPr/>
+          <p:nvPr/>
+        </p:nvSpPr>
+        <p:spPr>
+          <a:xfrm>
+            <a:off x="2677074" y="4767792"/>
+            <a:ext cx="214745" cy="287680"/>
+          </a:xfrm>
+          <a:prstGeom prst="can">
+            <a:avLst/>
+          </a:prstGeom>
+        </p:spPr>
+        <p:style>
+          <a:lnRef idx="2">
+            <a:schemeClr val="dk1">
+              <a:shade val="50000"/>
+            </a:schemeClr>
+          </a:lnRef>
+          <a:fillRef idx="1">
+            <a:schemeClr val="dk1"/>
+          </a:fillRef>
+          <a:effectRef idx="0">
+            <a:schemeClr val="dk1"/>
+          </a:effectRef>
+          <a:fontRef idx="minor">
+            <a:schemeClr val="lt1"/>
+          </a:fontRef>
+        </p:style>
+        <p:txBody>
+          <a:bodyPr rtlCol="0" anchor="ctr"/>
+          <a:lstStyle/>
+          <a:p>
+            <a:pPr algn="ctr"/>
+            <a:endParaRPr lang="fr-FR"/>
+          </a:p>
+        </p:txBody>
+      </p:sp>
+      <p:cxnSp>
+        <p:nvCxnSpPr>
+          <p:cNvPr id="9" name="Connecteur droit avec flèche 8"/>
+          <p:cNvCxnSpPr>
+            <a:endCxn id="1028" idx="1"/>
+          </p:cNvCxnSpPr>
+          <p:nvPr/>
+        </p:nvCxnSpPr>
+        <p:spPr>
+          <a:xfrm flipV="1">
+            <a:off x="2909139" y="4334792"/>
+            <a:ext cx="1251092" cy="592172"/>
+          </a:xfrm>
+          <a:prstGeom prst="straightConnector1">
+            <a:avLst/>
+          </a:prstGeom>
+          <a:ln>
+            <a:tailEnd type="triangle"/>
+          </a:ln>
+        </p:spPr>
+        <p:style>
+          <a:lnRef idx="1">
+            <a:schemeClr val="dk1"/>
+          </a:lnRef>
+          <a:fillRef idx="0">
+            <a:schemeClr val="dk1"/>
+          </a:fillRef>
+          <a:effectRef idx="0">
+            <a:schemeClr val="dk1"/>
+          </a:effectRef>
+          <a:fontRef idx="minor">
+            <a:schemeClr val="tx1"/>
+          </a:fontRef>
+        </p:style>
+      </p:cxnSp>
+      <p:cxnSp>
+        <p:nvCxnSpPr>
+          <p:cNvPr id="12" name="Connecteur droit avec flèche 11"/>
+          <p:cNvCxnSpPr/>
+          <p:nvPr/>
+        </p:nvCxnSpPr>
+        <p:spPr>
+          <a:xfrm flipV="1">
+            <a:off x="2557215" y="4911632"/>
+            <a:ext cx="1955923" cy="991263"/>
+          </a:xfrm>
+          <a:prstGeom prst="straightConnector1">
+            <a:avLst/>
+          </a:prstGeom>
+          <a:ln>
+            <a:tailEnd type="triangle"/>
+          </a:ln>
+        </p:spPr>
+        <p:style>
+          <a:lnRef idx="1">
+            <a:schemeClr val="dk1"/>
+          </a:lnRef>
+          <a:fillRef idx="0">
+            <a:schemeClr val="dk1"/>
+          </a:fillRef>
+          <a:effectRef idx="0">
+            <a:schemeClr val="dk1"/>
+          </a:effectRef>
+          <a:fontRef idx="minor">
+            <a:schemeClr val="tx1"/>
+          </a:fontRef>
+        </p:style>
+      </p:cxnSp>
+      <p:pic>
+        <p:nvPicPr>
+          <p:cNvPr id="16" name="Picture 6" descr="Résultat de recherche d'images pour &quot;ordinateur dessin&quot;"/>
+          <p:cNvPicPr>
+            <a:picLocks noChangeAspect="1" noChangeArrowheads="1"/>
+          </p:cNvPicPr>
+          <p:nvPr/>
+        </p:nvPicPr>
+        <p:blipFill>
+          <a:blip r:embed="rId5" cstate="print">
+            <a:extLst>
+              <a:ext uri="{28A0092B-C50C-407E-A947-70E740481C1C}">
+                <a14:useLocalDpi xmlns:a14="http://schemas.microsoft.com/office/drawing/2010/main" val="0"/>
+              </a:ext>
+            </a:extLst>
+          </a:blip>
+          <a:srcRect/>
+          <a:stretch>
+            <a:fillRect/>
+          </a:stretch>
+        </p:blipFill>
+        <p:spPr bwMode="auto">
+          <a:xfrm>
+            <a:off x="10230477" y="3786000"/>
+            <a:ext cx="1563618" cy="1129714"/>
+          </a:xfrm>
+          <a:prstGeom prst="rect">
+            <a:avLst/>
+          </a:prstGeom>
+          <a:noFill/>
+          <a:extLst>
+            <a:ext uri="{909E8E84-426E-40DD-AFC4-6F175D3DCCD1}">
+              <a14:hiddenFill xmlns:a14="http://schemas.microsoft.com/office/drawing/2010/main">
+                <a:solidFill>
+                  <a:srgbClr val="FFFFFF"/>
+                </a:solidFill>
+              </a14:hiddenFill>
+            </a:ext>
+          </a:extLst>
+        </p:spPr>
+      </p:pic>
+      <p:pic>
+        <p:nvPicPr>
+          <p:cNvPr id="1034" name="Picture 10" descr="Résultat de recherche d'images pour &quot;base de données&quot;"/>
+          <p:cNvPicPr>
+            <a:picLocks noChangeAspect="1" noChangeArrowheads="1"/>
+          </p:cNvPicPr>
+          <p:nvPr/>
+        </p:nvPicPr>
+        <p:blipFill>
+          <a:blip r:embed="rId6" cstate="print">
+            <a:extLst>
+              <a:ext uri="{28A0092B-C50C-407E-A947-70E740481C1C}">
+                <a14:useLocalDpi xmlns:a14="http://schemas.microsoft.com/office/drawing/2010/main" val="0"/>
+              </a:ext>
+            </a:extLst>
+          </a:blip>
+          <a:srcRect/>
+          <a:stretch>
+            <a:fillRect/>
+          </a:stretch>
+        </p:blipFill>
+        <p:spPr bwMode="auto">
+          <a:xfrm>
+            <a:off x="7557287" y="3681283"/>
+            <a:ext cx="1091973" cy="1343458"/>
+          </a:xfrm>
+          <a:prstGeom prst="rect">
+            <a:avLst/>
+          </a:prstGeom>
+          <a:noFill/>
+          <a:extLst>
+            <a:ext uri="{909E8E84-426E-40DD-AFC4-6F175D3DCCD1}">
+              <a14:hiddenFill xmlns:a14="http://schemas.microsoft.com/office/drawing/2010/main">
+                <a:solidFill>
+                  <a:srgbClr val="FFFFFF"/>
+                </a:solidFill>
+              </a14:hiddenFill>
+            </a:ext>
+          </a:extLst>
+        </p:spPr>
+      </p:pic>
+      <p:cxnSp>
+        <p:nvCxnSpPr>
+          <p:cNvPr id="14" name="Connecteur droit avec flèche 13"/>
+          <p:cNvCxnSpPr>
+            <a:stCxn id="1028" idx="3"/>
+          </p:cNvCxnSpPr>
+          <p:nvPr/>
+        </p:nvCxnSpPr>
+        <p:spPr>
+          <a:xfrm>
+            <a:off x="5656978" y="4334792"/>
+            <a:ext cx="1867972" cy="6512"/>
+          </a:xfrm>
+          <a:prstGeom prst="straightConnector1">
+            <a:avLst/>
+          </a:prstGeom>
+          <a:ln>
+            <a:tailEnd type="triangle"/>
+          </a:ln>
+        </p:spPr>
+        <p:style>
+          <a:lnRef idx="1">
+            <a:schemeClr val="dk1"/>
+          </a:lnRef>
+          <a:fillRef idx="0">
+            <a:schemeClr val="dk1"/>
+          </a:fillRef>
+          <a:effectRef idx="0">
+            <a:schemeClr val="dk1"/>
+          </a:effectRef>
+          <a:fontRef idx="minor">
+            <a:schemeClr val="tx1"/>
+          </a:fontRef>
+        </p:style>
+      </p:cxnSp>
+      <p:cxnSp>
+        <p:nvCxnSpPr>
+          <p:cNvPr id="17" name="Connecteur droit avec flèche 16"/>
+          <p:cNvCxnSpPr>
+            <a:stCxn id="1034" idx="3"/>
+            <a:endCxn id="16" idx="1"/>
+          </p:cNvCxnSpPr>
+          <p:nvPr/>
+        </p:nvCxnSpPr>
+        <p:spPr>
+          <a:xfrm flipV="1">
+            <a:off x="8649260" y="4350857"/>
+            <a:ext cx="1581217" cy="2155"/>
+          </a:xfrm>
+          <a:prstGeom prst="straightConnector1">
+            <a:avLst/>
+          </a:prstGeom>
+          <a:ln>
+            <a:tailEnd type="triangle"/>
+          </a:ln>
+        </p:spPr>
+        <p:style>
+          <a:lnRef idx="1">
+            <a:schemeClr val="dk1"/>
+          </a:lnRef>
+          <a:fillRef idx="0">
+            <a:schemeClr val="dk1"/>
+          </a:fillRef>
+          <a:effectRef idx="0">
+            <a:schemeClr val="dk1"/>
+          </a:effectRef>
+          <a:fontRef idx="minor">
+            <a:schemeClr val="tx1"/>
+          </a:fontRef>
+        </p:style>
+      </p:cxnSp>
+      <p:sp>
+        <p:nvSpPr>
+          <p:cNvPr id="28" name="ZoneTexte 27"/>
+          <p:cNvSpPr txBox="1"/>
+          <p:nvPr/>
+        </p:nvSpPr>
+        <p:spPr>
+          <a:xfrm>
+            <a:off x="705837" y="5018806"/>
+            <a:ext cx="1600200" cy="338554"/>
+          </a:xfrm>
+          <a:prstGeom prst="rect">
+            <a:avLst/>
+          </a:prstGeom>
+          <a:noFill/>
+        </p:spPr>
+        <p:txBody>
+          <a:bodyPr wrap="square" rtlCol="0">
+            <a:spAutoFit/>
+          </a:bodyPr>
+          <a:lstStyle/>
+          <a:p>
+            <a:r>
+              <a:rPr lang="fr-FR" sz="1600" dirty="0" smtClean="0"/>
+              <a:t>RFID Arche</a:t>
+            </a:r>
+            <a:endParaRPr lang="fr-FR" sz="1600" dirty="0"/>
+          </a:p>
+        </p:txBody>
+      </p:sp>
+      <p:sp>
+        <p:nvSpPr>
+          <p:cNvPr id="34" name="ZoneTexte 33"/>
+          <p:cNvSpPr txBox="1"/>
+          <p:nvPr/>
+        </p:nvSpPr>
+        <p:spPr>
+          <a:xfrm>
+            <a:off x="1558317" y="6281762"/>
+            <a:ext cx="1600200" cy="307777"/>
+          </a:xfrm>
+          <a:prstGeom prst="rect">
+            <a:avLst/>
+          </a:prstGeom>
+          <a:noFill/>
+        </p:spPr>
+        <p:txBody>
+          <a:bodyPr wrap="square" rtlCol="0">
+            <a:spAutoFit/>
+          </a:bodyPr>
+          <a:lstStyle/>
+          <a:p>
+            <a:r>
+              <a:rPr lang="fr-FR" sz="1400" dirty="0" smtClean="0"/>
+              <a:t>Capteur RFID Mini</a:t>
+            </a:r>
+            <a:endParaRPr lang="fr-FR" sz="1600" dirty="0"/>
+          </a:p>
+        </p:txBody>
+      </p:sp>
+      <p:sp>
+        <p:nvSpPr>
+          <p:cNvPr id="35" name="ZoneTexte 34"/>
+          <p:cNvSpPr txBox="1"/>
+          <p:nvPr/>
+        </p:nvSpPr>
+        <p:spPr>
+          <a:xfrm>
+            <a:off x="4306045" y="4974482"/>
+            <a:ext cx="1600200" cy="338554"/>
+          </a:xfrm>
+          <a:prstGeom prst="rect">
+            <a:avLst/>
+          </a:prstGeom>
+          <a:noFill/>
+        </p:spPr>
+        <p:txBody>
+          <a:bodyPr wrap="square" rtlCol="0">
+            <a:spAutoFit/>
+          </a:bodyPr>
+          <a:lstStyle/>
+          <a:p>
+            <a:r>
+              <a:rPr lang="fr-FR" sz="1600" dirty="0" smtClean="0"/>
+              <a:t>Admin de course</a:t>
+            </a:r>
+            <a:endParaRPr lang="fr-FR" sz="1600" dirty="0"/>
+          </a:p>
+        </p:txBody>
+      </p:sp>
+      <p:sp>
+        <p:nvSpPr>
+          <p:cNvPr id="36" name="ZoneTexte 35"/>
+          <p:cNvSpPr txBox="1"/>
+          <p:nvPr/>
+        </p:nvSpPr>
+        <p:spPr>
+          <a:xfrm>
+            <a:off x="7200900" y="5015341"/>
+            <a:ext cx="1600200" cy="338554"/>
+          </a:xfrm>
+          <a:prstGeom prst="rect">
+            <a:avLst/>
+          </a:prstGeom>
+          <a:noFill/>
+        </p:spPr>
+        <p:txBody>
+          <a:bodyPr wrap="square" rtlCol="0">
+            <a:spAutoFit/>
+          </a:bodyPr>
+          <a:lstStyle/>
+          <a:p>
+            <a:r>
+              <a:rPr lang="fr-FR" sz="1600" dirty="0" smtClean="0"/>
+              <a:t>Base de données</a:t>
+            </a:r>
+            <a:endParaRPr lang="fr-FR" sz="1600" dirty="0"/>
+          </a:p>
+        </p:txBody>
+      </p:sp>
+      <p:sp>
+        <p:nvSpPr>
+          <p:cNvPr id="37" name="ZoneTexte 36"/>
+          <p:cNvSpPr txBox="1"/>
+          <p:nvPr/>
+        </p:nvSpPr>
+        <p:spPr>
+          <a:xfrm>
+            <a:off x="10230477" y="4937282"/>
+            <a:ext cx="1744104" cy="338554"/>
+          </a:xfrm>
+          <a:prstGeom prst="rect">
+            <a:avLst/>
+          </a:prstGeom>
+          <a:noFill/>
+        </p:spPr>
+        <p:txBody>
+          <a:bodyPr wrap="square" rtlCol="0">
+            <a:spAutoFit/>
+          </a:bodyPr>
+          <a:lstStyle/>
+          <a:p>
+            <a:r>
+              <a:rPr lang="fr-FR" sz="1600" dirty="0" smtClean="0"/>
+              <a:t>Utilisateur du site</a:t>
+            </a:r>
+            <a:endParaRPr lang="fr-FR" sz="1600" dirty="0"/>
+          </a:p>
+        </p:txBody>
+      </p:sp>
+      <p:sp>
+        <p:nvSpPr>
+          <p:cNvPr id="38" name="ZoneTexte 37"/>
+          <p:cNvSpPr txBox="1"/>
+          <p:nvPr/>
+        </p:nvSpPr>
+        <p:spPr>
+          <a:xfrm>
+            <a:off x="2510395" y="5015341"/>
+            <a:ext cx="1152991" cy="338554"/>
+          </a:xfrm>
+          <a:prstGeom prst="rect">
+            <a:avLst/>
+          </a:prstGeom>
+          <a:noFill/>
+        </p:spPr>
+        <p:txBody>
+          <a:bodyPr wrap="square" rtlCol="0">
+            <a:spAutoFit/>
+          </a:bodyPr>
+          <a:lstStyle/>
+          <a:p>
+            <a:r>
+              <a:rPr lang="fr-FR" sz="1600" dirty="0" smtClean="0"/>
+              <a:t>Boite noire</a:t>
+            </a:r>
+            <a:endParaRPr lang="fr-FR" sz="1600" dirty="0"/>
+          </a:p>
+        </p:txBody>
+      </p:sp>
+      <p:cxnSp>
+        <p:nvCxnSpPr>
+          <p:cNvPr id="30" name="Connecteur droit 29"/>
+          <p:cNvCxnSpPr>
+            <a:endCxn id="7" idx="2"/>
+          </p:cNvCxnSpPr>
+          <p:nvPr/>
+        </p:nvCxnSpPr>
+        <p:spPr>
+          <a:xfrm>
+            <a:off x="2510395" y="4911632"/>
+            <a:ext cx="166679" cy="0"/>
+          </a:xfrm>
+          <a:prstGeom prst="line">
+            <a:avLst/>
+          </a:prstGeom>
+        </p:spPr>
+        <p:style>
+          <a:lnRef idx="1">
+            <a:schemeClr val="dk1"/>
+          </a:lnRef>
+          <a:fillRef idx="0">
+            <a:schemeClr val="dk1"/>
+          </a:fillRef>
+          <a:effectRef idx="0">
+            <a:schemeClr val="dk1"/>
+          </a:effectRef>
+          <a:fontRef idx="minor">
+            <a:schemeClr val="tx1"/>
+          </a:fontRef>
+        </p:style>
+      </p:cxnSp>
+      <p:pic>
+        <p:nvPicPr>
+          <p:cNvPr id="1038" name="Picture 14" descr="Résultat de recherche d'images pour &quot;afficheur led&quot;"/>
+          <p:cNvPicPr>
+            <a:picLocks noChangeAspect="1" noChangeArrowheads="1"/>
+          </p:cNvPicPr>
+          <p:nvPr/>
+        </p:nvPicPr>
+        <p:blipFill rotWithShape="1">
+          <a:blip r:embed="rId7" cstate="print">
+            <a:extLst>
+              <a:ext uri="{28A0092B-C50C-407E-A947-70E740481C1C}">
+                <a14:useLocalDpi xmlns:a14="http://schemas.microsoft.com/office/drawing/2010/main" val="0"/>
+              </a:ext>
+            </a:extLst>
+          </a:blip>
+          <a:srcRect l="-669" r="669" b="31207"/>
+          <a:stretch/>
+        </p:blipFill>
+        <p:spPr bwMode="auto">
+          <a:xfrm>
+            <a:off x="7200900" y="5762724"/>
+            <a:ext cx="1552218" cy="606903"/>
+          </a:xfrm>
+          <a:prstGeom prst="rect">
+            <a:avLst/>
+          </a:prstGeom>
+          <a:noFill/>
+          <a:extLst>
+            <a:ext uri="{909E8E84-426E-40DD-AFC4-6F175D3DCCD1}">
+              <a14:hiddenFill xmlns:a14="http://schemas.microsoft.com/office/drawing/2010/main">
+                <a:solidFill>
+                  <a:srgbClr val="FFFFFF"/>
+                </a:solidFill>
+              </a14:hiddenFill>
+            </a:ext>
+          </a:extLst>
+        </p:spPr>
+      </p:pic>
+      <p:sp>
+        <p:nvSpPr>
+          <p:cNvPr id="46" name="ZoneTexte 45"/>
+          <p:cNvSpPr txBox="1"/>
+          <p:nvPr/>
+        </p:nvSpPr>
+        <p:spPr>
+          <a:xfrm>
+            <a:off x="7200900" y="6281762"/>
+            <a:ext cx="1600200" cy="338554"/>
+          </a:xfrm>
+          <a:prstGeom prst="rect">
+            <a:avLst/>
+          </a:prstGeom>
+          <a:noFill/>
+        </p:spPr>
+        <p:txBody>
+          <a:bodyPr wrap="square" rtlCol="0">
+            <a:spAutoFit/>
+          </a:bodyPr>
+          <a:lstStyle/>
+          <a:p>
+            <a:r>
+              <a:rPr lang="fr-FR" sz="1600" dirty="0" smtClean="0"/>
+              <a:t>Afficheur LED</a:t>
+            </a:r>
+            <a:endParaRPr lang="fr-FR" sz="1600" dirty="0"/>
+          </a:p>
+        </p:txBody>
+      </p:sp>
+      <p:cxnSp>
+        <p:nvCxnSpPr>
+          <p:cNvPr id="41" name="Connecteur droit avec flèche 40"/>
+          <p:cNvCxnSpPr>
+            <a:stCxn id="1028" idx="3"/>
+            <a:endCxn id="1038" idx="1"/>
+          </p:cNvCxnSpPr>
+          <p:nvPr/>
+        </p:nvCxnSpPr>
+        <p:spPr>
+          <a:xfrm>
+            <a:off x="5656978" y="4334792"/>
+            <a:ext cx="1543922" cy="1731384"/>
+          </a:xfrm>
+          <a:prstGeom prst="straightConnector1">
+            <a:avLst/>
+          </a:prstGeom>
+          <a:ln>
+            <a:tailEnd type="triangle"/>
+          </a:ln>
+        </p:spPr>
+        <p:style>
+          <a:lnRef idx="1">
+            <a:schemeClr val="dk1"/>
+          </a:lnRef>
+          <a:fillRef idx="0">
+            <a:schemeClr val="dk1"/>
+          </a:fillRef>
+          <a:effectRef idx="0">
+            <a:schemeClr val="dk1"/>
+          </a:effectRef>
+          <a:fontRef idx="minor">
+            <a:schemeClr val="tx1"/>
+          </a:fontRef>
+        </p:style>
+      </p:cxnSp>
     </p:spTree>
     <p:extLst>
       <p:ext uri="{BB962C8B-B14F-4D97-AF65-F5344CB8AC3E}">
@@ -6373,8 +7238,8 @@
         </p:nvSpPr>
         <p:spPr>
           <a:xfrm>
-            <a:off x="838200" y="365125"/>
-            <a:ext cx="10515600" cy="493857"/>
+            <a:off x="838200" y="0"/>
+            <a:ext cx="10515600" cy="460498"/>
           </a:xfrm>
         </p:spPr>
         <p:txBody>
@@ -6385,46 +7250,17 @@
           <a:p>
             <a:pPr algn="ctr"/>
             <a:r>
-              <a:rPr lang="fr-FR" sz="2200" dirty="0"/>
-              <a:t>e) Afficheur LED </a:t>
-            </a:r>
-          </a:p>
-        </p:txBody>
-      </p:sp>
-      <p:pic>
-        <p:nvPicPr>
-          <p:cNvPr id="4" name="Image 3"/>
-          <p:cNvPicPr>
-            <a:picLocks noChangeAspect="1"/>
-          </p:cNvPicPr>
-          <p:nvPr/>
-        </p:nvPicPr>
-        <p:blipFill>
-          <a:blip r:embed="rId2">
-            <a:extLst>
-              <a:ext uri="{28A0092B-C50C-407E-A947-70E740481C1C}">
-                <a14:useLocalDpi xmlns:a14="http://schemas.microsoft.com/office/drawing/2010/main" val="0"/>
-              </a:ext>
-            </a:extLst>
-          </a:blip>
-          <a:stretch>
-            <a:fillRect/>
-          </a:stretch>
-        </p:blipFill>
-        <p:spPr>
-          <a:xfrm>
-            <a:off x="1484415" y="1035614"/>
-            <a:ext cx="9223170" cy="4949550"/>
-          </a:xfrm>
-          <a:prstGeom prst="rect">
-            <a:avLst/>
-          </a:prstGeom>
-        </p:spPr>
-      </p:pic>
+              <a:rPr lang="fr-FR" sz="2200" dirty="0" smtClean="0"/>
+              <a:t>e) Enregistrer le temps par coureur</a:t>
+            </a:r>
+            <a:endParaRPr lang="fr-FR" sz="2200" dirty="0"/>
+          </a:p>
+        </p:txBody>
+      </p:sp>
     </p:spTree>
     <p:extLst>
       <p:ext uri="{BB962C8B-B14F-4D97-AF65-F5344CB8AC3E}">
-        <p14:creationId xmlns:p14="http://schemas.microsoft.com/office/powerpoint/2010/main" val="3354628274"/>
+        <p14:creationId xmlns:p14="http://schemas.microsoft.com/office/powerpoint/2010/main" val="3120054303"/>
       </p:ext>
     </p:extLst>
   </p:cSld>
@@ -6487,14 +7323,22 @@
             <a:pPr algn="ctr"/>
             <a:r>
               <a:rPr lang="fr-FR" sz="2200" dirty="0"/>
-              <a:t>f) Mettre fin à une course </a:t>
+              <a:t>f</a:t>
+            </a:r>
+            <a:r>
+              <a:rPr lang="fr-FR" sz="2200" dirty="0" smtClean="0"/>
+              <a:t>) </a:t>
+            </a:r>
+            <a:r>
+              <a:rPr lang="fr-FR" sz="2200" dirty="0"/>
+              <a:t>Afficheur LED </a:t>
             </a:r>
           </a:p>
         </p:txBody>
       </p:sp>
       <p:pic>
         <p:nvPicPr>
-          <p:cNvPr id="3" name="Image 2"/>
+          <p:cNvPr id="4" name="Image 3"/>
           <p:cNvPicPr>
             <a:picLocks noChangeAspect="1"/>
           </p:cNvPicPr>
@@ -6514,8 +7358,8 @@
         </p:blipFill>
         <p:spPr>
           <a:xfrm>
-            <a:off x="1918312" y="1387468"/>
-            <a:ext cx="8355376" cy="3443149"/>
+            <a:off x="1484415" y="1035614"/>
+            <a:ext cx="9223170" cy="4949550"/>
           </a:xfrm>
           <a:prstGeom prst="rect">
             <a:avLst/>
@@ -6525,7 +7369,7 @@
     </p:spTree>
     <p:extLst>
       <p:ext uri="{BB962C8B-B14F-4D97-AF65-F5344CB8AC3E}">
-        <p14:creationId xmlns:p14="http://schemas.microsoft.com/office/powerpoint/2010/main" val="3054975187"/>
+        <p14:creationId xmlns:p14="http://schemas.microsoft.com/office/powerpoint/2010/main" val="3354628274"/>
       </p:ext>
     </p:extLst>
   </p:cSld>
@@ -6575,8 +7419,8 @@
         </p:nvSpPr>
         <p:spPr>
           <a:xfrm>
-            <a:off x="838200" y="0"/>
-            <a:ext cx="10515600" cy="487729"/>
+            <a:off x="838200" y="365125"/>
+            <a:ext cx="10515600" cy="493857"/>
           </a:xfrm>
         </p:spPr>
         <p:txBody>
@@ -6587,130 +7431,54 @@
           <a:p>
             <a:pPr algn="ctr"/>
             <a:r>
-              <a:rPr lang="fr-FR" sz="2800" dirty="0"/>
-              <a:t>3) Scénario</a:t>
-            </a:r>
-          </a:p>
-        </p:txBody>
-      </p:sp>
-      <p:sp>
-        <p:nvSpPr>
-          <p:cNvPr id="3" name="Espace réservé du contenu 2"/>
-          <p:cNvSpPr>
-            <a:spLocks noGrp="1"/>
-          </p:cNvSpPr>
-          <p:nvPr>
-            <p:ph idx="1"/>
-          </p:nvPr>
-        </p:nvSpPr>
-        <p:spPr>
-          <a:xfrm>
-            <a:off x="838200" y="805717"/>
-            <a:ext cx="10515600" cy="5217014"/>
-          </a:xfrm>
-        </p:spPr>
-        <p:txBody>
-          <a:bodyPr>
-            <a:normAutofit fontScale="92500" lnSpcReduction="20000"/>
-          </a:bodyPr>
-          <a:lstStyle/>
-          <a:p>
-            <a:pPr lvl="0"/>
-            <a:r>
-              <a:rPr lang="fr-FR" sz="2400" dirty="0"/>
-              <a:t>Le commissaire de course lance l’application C++.</a:t>
-            </a:r>
-          </a:p>
-          <a:p>
-            <a:pPr marL="0" lvl="0" indent="0">
-              <a:buNone/>
-            </a:pPr>
-            <a:r>
-              <a:rPr lang="fr-FR" sz="2400" dirty="0"/>
-              <a:t> </a:t>
-            </a:r>
-          </a:p>
-          <a:p>
-            <a:pPr lvl="0"/>
-            <a:r>
-              <a:rPr lang="fr-FR" sz="2400" dirty="0"/>
-              <a:t>Il va sélectionner la course qu’il voudra démarrer.</a:t>
-            </a:r>
-          </a:p>
-          <a:p>
-            <a:pPr marL="0" lvl="0" indent="0">
-              <a:buNone/>
-            </a:pPr>
-            <a:endParaRPr lang="fr-FR" sz="2400" dirty="0"/>
-          </a:p>
-          <a:p>
-            <a:pPr lvl="0"/>
-            <a:r>
-              <a:rPr lang="fr-FR" sz="2400" dirty="0"/>
-              <a:t>Il va ensuite cliquer sur le bouton de démarrage de la course.</a:t>
-            </a:r>
-          </a:p>
-          <a:p>
-            <a:pPr marL="0" lvl="0" indent="0">
-              <a:buNone/>
-            </a:pPr>
-            <a:endParaRPr lang="fr-FR" sz="2400" dirty="0"/>
-          </a:p>
-          <a:p>
-            <a:pPr lvl="0"/>
-            <a:r>
-              <a:rPr lang="fr-FR" sz="2400" dirty="0"/>
-              <a:t>Une fois la course démarrée, il pourra cliquer sur « afficheur LED » s’il y en a un. </a:t>
-            </a:r>
-          </a:p>
-          <a:p>
-            <a:pPr marL="0" lvl="0" indent="0">
-              <a:buNone/>
-            </a:pPr>
-            <a:endParaRPr lang="fr-FR" sz="2400" dirty="0"/>
-          </a:p>
-          <a:p>
-            <a:pPr lvl="0"/>
-            <a:r>
-              <a:rPr lang="fr-FR" sz="2400" dirty="0"/>
-              <a:t>L’afficheur LED va afficher le temps du premier ou/et le temps moyen des coureurs.</a:t>
-            </a:r>
-          </a:p>
-          <a:p>
-            <a:pPr marL="0" lvl="0" indent="0">
-              <a:buNone/>
-            </a:pPr>
-            <a:endParaRPr lang="fr-FR" sz="2400" dirty="0"/>
-          </a:p>
-          <a:p>
-            <a:pPr lvl="0"/>
-            <a:r>
-              <a:rPr lang="fr-FR" sz="2400" dirty="0"/>
-              <a:t> Quand le lecteur RFID aura détecté un coureur, il enverra ses informations à la base de données.</a:t>
-            </a:r>
-          </a:p>
-          <a:p>
-            <a:pPr marL="0" lvl="0" indent="0">
-              <a:buNone/>
-            </a:pPr>
-            <a:endParaRPr lang="fr-FR" sz="2400" dirty="0"/>
-          </a:p>
-          <a:p>
-            <a:pPr lvl="0"/>
-            <a:r>
-              <a:rPr lang="fr-FR" sz="2400" dirty="0"/>
-              <a:t>Les informations pourront être ensuite traitées.</a:t>
-            </a:r>
-          </a:p>
-          <a:p>
-            <a:endParaRPr lang="fr-FR" dirty="0"/>
-          </a:p>
-        </p:txBody>
-      </p:sp>
+              <a:rPr lang="fr-FR" sz="2200" dirty="0"/>
+              <a:t>g</a:t>
+            </a:r>
+            <a:r>
+              <a:rPr lang="fr-FR" sz="2200" dirty="0" smtClean="0"/>
+              <a:t>) </a:t>
+            </a:r>
+            <a:r>
+              <a:rPr lang="fr-FR" sz="2200" dirty="0"/>
+              <a:t>Mettre fin à une course </a:t>
+            </a:r>
+          </a:p>
+        </p:txBody>
+      </p:sp>
+      <p:pic>
+        <p:nvPicPr>
+          <p:cNvPr id="3" name="Image 2"/>
+          <p:cNvPicPr>
+            <a:picLocks noChangeAspect="1"/>
+          </p:cNvPicPr>
+          <p:nvPr/>
+        </p:nvPicPr>
+        <p:blipFill>
+          <a:blip r:embed="rId2">
+            <a:extLst>
+              <a:ext uri="{28A0092B-C50C-407E-A947-70E740481C1C}">
+                <a14:useLocalDpi xmlns:a14="http://schemas.microsoft.com/office/drawing/2010/main" val="0"/>
+              </a:ext>
+            </a:extLst>
+          </a:blip>
+          <a:stretch>
+            <a:fillRect/>
+          </a:stretch>
+        </p:blipFill>
+        <p:spPr>
+          <a:xfrm>
+            <a:off x="1918312" y="1387468"/>
+            <a:ext cx="8355376" cy="3443149"/>
+          </a:xfrm>
+          <a:prstGeom prst="rect">
+            <a:avLst/>
+          </a:prstGeom>
+        </p:spPr>
+      </p:pic>
     </p:spTree>
     <p:extLst>
       <p:ext uri="{BB962C8B-B14F-4D97-AF65-F5344CB8AC3E}">
-        <p14:creationId xmlns:p14="http://schemas.microsoft.com/office/powerpoint/2010/main" val="1024622025"/>
+        <p14:creationId xmlns:p14="http://schemas.microsoft.com/office/powerpoint/2010/main" val="3054975187"/>
       </p:ext>
     </p:extLst>
   </p:cSld>
@@ -6760,58 +7528,21 @@
         </p:nvSpPr>
         <p:spPr>
           <a:xfrm>
-            <a:off x="838200" y="-1"/>
-            <a:ext cx="10515600" cy="1512277"/>
+            <a:off x="838200" y="0"/>
+            <a:ext cx="10515600" cy="487729"/>
           </a:xfrm>
         </p:spPr>
         <p:txBody>
           <a:bodyPr>
-            <a:normAutofit fontScale="90000"/>
+            <a:normAutofit/>
           </a:bodyPr>
           <a:lstStyle/>
           <a:p>
-            <a:r>
-              <a:rPr lang="fr-FR" sz="3600" dirty="0"/>
-              <a:t>II) Etude physique lecteur RFID pour les courses</a:t>
-            </a:r>
-            <a:br>
-              <a:rPr lang="fr-FR" sz="3600" dirty="0"/>
-            </a:br>
-            <a:r>
-              <a:rPr lang="fr-FR" sz="3600" dirty="0"/>
-              <a:t>	</a:t>
-            </a:r>
-            <a:r>
-              <a:rPr lang="fr-FR" sz="3100" dirty="0"/>
-              <a:t>1) Matériel</a:t>
-            </a:r>
+            <a:pPr algn="ctr"/>
             <a:r>
               <a:rPr lang="fr-FR" sz="2800" dirty="0"/>
-              <a:t/>
-            </a:r>
-            <a:br>
-              <a:rPr lang="fr-FR" sz="2800" dirty="0"/>
-            </a:br>
-            <a:r>
-              <a:rPr lang="fr-FR" sz="2800" dirty="0"/>
-              <a:t>		</a:t>
-            </a:r>
-            <a:r>
-              <a:rPr lang="fr-FR" sz="2400" dirty="0"/>
-              <a:t>a) Antenne</a:t>
-            </a:r>
-            <a:br>
-              <a:rPr lang="fr-FR" sz="2400" dirty="0"/>
-            </a:br>
-            <a:r>
-              <a:rPr lang="fr-FR" sz="2400" dirty="0"/>
-              <a:t>		b) Dossard </a:t>
-            </a:r>
-            <a:r>
-              <a:rPr lang="fr-FR" sz="2400" dirty="0" err="1"/>
-              <a:t>DAGs</a:t>
-            </a:r>
-            <a:endParaRPr lang="fr-FR" sz="3600" dirty="0"/>
+              <a:t>3) Scénario</a:t>
+            </a:r>
           </a:p>
         </p:txBody>
       </p:sp>
@@ -6827,495 +7558,103 @@
         </p:nvSpPr>
         <p:spPr>
           <a:xfrm>
-            <a:off x="838200" y="1864072"/>
-            <a:ext cx="7391400" cy="2007466"/>
-          </a:xfrm>
-        </p:spPr>
-        <p:txBody>
-          <a:bodyPr/>
-          <a:lstStyle/>
-          <a:p>
-            <a:r>
-              <a:rPr lang="fr-FR" sz="1600" dirty="0"/>
-              <a:t>Le DAG est une puce passive (13,56 Mhz) de haute fréquence. </a:t>
-            </a:r>
-          </a:p>
-          <a:p>
-            <a:r>
-              <a:rPr lang="fr-FR" sz="1600" dirty="0"/>
-              <a:t>Il doit être activé pour communiquer. </a:t>
-            </a:r>
-          </a:p>
-          <a:p>
-            <a:r>
-              <a:rPr lang="fr-FR" sz="1600" dirty="0"/>
-              <a:t>Le boitier d’interface + l’antenne créent un </a:t>
-            </a:r>
-          </a:p>
-          <a:p>
-            <a:pPr marL="0" indent="0">
+            <a:off x="838200" y="805717"/>
+            <a:ext cx="10515600" cy="5217014"/>
+          </a:xfrm>
+        </p:spPr>
+        <p:txBody>
+          <a:bodyPr>
+            <a:normAutofit fontScale="92500" lnSpcReduction="20000"/>
+          </a:bodyPr>
+          <a:lstStyle/>
+          <a:p>
+            <a:pPr lvl="0"/>
+            <a:r>
+              <a:rPr lang="fr-FR" sz="2400" dirty="0"/>
+              <a:t>Le commissaire de course lance l’application C++.</a:t>
+            </a:r>
+          </a:p>
+          <a:p>
+            <a:pPr marL="0" lvl="0" indent="0">
               <a:buNone/>
             </a:pPr>
             <a:r>
-              <a:rPr lang="fr-FR" sz="1600" dirty="0"/>
-              <a:t>champ magnétique pour activer la puce. </a:t>
-            </a:r>
-          </a:p>
-          <a:p>
-            <a:r>
-              <a:rPr lang="fr-FR" sz="1600" dirty="0"/>
-              <a:t>Le lecteur communique avec la puce. </a:t>
-            </a:r>
-          </a:p>
-          <a:p>
-            <a:endParaRPr lang="fr-FR" dirty="0"/>
-          </a:p>
-        </p:txBody>
-      </p:sp>
-      <p:pic>
-        <p:nvPicPr>
-          <p:cNvPr id="4" name="Image 3"/>
-          <p:cNvPicPr/>
-          <p:nvPr/>
-        </p:nvPicPr>
-        <p:blipFill rotWithShape="1">
-          <a:blip r:embed="rId2">
-            <a:extLst>
-              <a:ext uri="{28A0092B-C50C-407E-A947-70E740481C1C}">
-                <a14:useLocalDpi xmlns:a14="http://schemas.microsoft.com/office/drawing/2010/main" val="0"/>
-              </a:ext>
-            </a:extLst>
-          </a:blip>
-          <a:srcRect l="7607" t="2145" r="4196" b="5927"/>
-          <a:stretch/>
-        </p:blipFill>
-        <p:spPr>
-          <a:xfrm>
-            <a:off x="5318991" y="2202048"/>
-            <a:ext cx="1923473" cy="1669490"/>
-          </a:xfrm>
-          <a:prstGeom prst="rect">
-            <a:avLst/>
-          </a:prstGeom>
-        </p:spPr>
-      </p:pic>
-      <p:sp>
-        <p:nvSpPr>
-          <p:cNvPr id="5" name="Rectangle 4"/>
-          <p:cNvSpPr/>
-          <p:nvPr/>
-        </p:nvSpPr>
-        <p:spPr>
-          <a:xfrm>
-            <a:off x="7506854" y="4328964"/>
-            <a:ext cx="4479637" cy="2244397"/>
-          </a:xfrm>
-          <a:prstGeom prst="rect">
-            <a:avLst/>
-          </a:prstGeom>
-        </p:spPr>
-        <p:txBody>
-          <a:bodyPr wrap="square">
-            <a:spAutoFit/>
-          </a:bodyPr>
-          <a:lstStyle/>
-          <a:p>
-            <a:pPr algn="r">
-              <a:lnSpc>
-                <a:spcPct val="107000"/>
-              </a:lnSpc>
-              <a:spcAft>
-                <a:spcPts val="800"/>
-              </a:spcAft>
+              <a:rPr lang="fr-FR" sz="2400" dirty="0"/>
+              <a:t> </a:t>
+            </a:r>
+          </a:p>
+          <a:p>
+            <a:pPr lvl="0"/>
+            <a:r>
+              <a:rPr lang="fr-FR" sz="2400" dirty="0"/>
+              <a:t>Il va sélectionner la course qu’il voudra démarrer.</a:t>
+            </a:r>
+          </a:p>
+          <a:p>
+            <a:pPr marL="0" lvl="0" indent="0">
+              <a:buNone/>
             </a:pPr>
-            <a:r>
-              <a:rPr lang="fr-FR" sz="1600" dirty="0">
-                <a:latin typeface="Calibri" panose="020F0502020204030204" pitchFamily="34" charset="0"/>
-                <a:ea typeface="SimSun" panose="02010600030101010101" pitchFamily="2" charset="-122"/>
-                <a:cs typeface="Times New Roman" panose="02020603050405020304" pitchFamily="18" charset="0"/>
-              </a:rPr>
-              <a:t>La détection se produit lorsque le participant entre dans le champ magnétique. </a:t>
-            </a:r>
-            <a:endParaRPr lang="fr-FR" sz="1400" dirty="0">
-              <a:latin typeface="Calibri" panose="020F0502020204030204" pitchFamily="34" charset="0"/>
-              <a:ea typeface="SimSun" panose="02010600030101010101" pitchFamily="2" charset="-122"/>
-              <a:cs typeface="Times New Roman" panose="02020603050405020304" pitchFamily="18" charset="0"/>
-            </a:endParaRPr>
-          </a:p>
-          <a:p>
-            <a:pPr algn="r">
-              <a:lnSpc>
-                <a:spcPct val="107000"/>
-              </a:lnSpc>
-              <a:spcAft>
-                <a:spcPts val="800"/>
-              </a:spcAft>
+            <a:endParaRPr lang="fr-FR" sz="2400" dirty="0"/>
+          </a:p>
+          <a:p>
+            <a:pPr lvl="0"/>
+            <a:r>
+              <a:rPr lang="fr-FR" sz="2400" dirty="0"/>
+              <a:t>Il va ensuite cliquer sur le bouton de démarrage de la course.</a:t>
+            </a:r>
+          </a:p>
+          <a:p>
+            <a:pPr marL="0" lvl="0" indent="0">
+              <a:buNone/>
             </a:pPr>
-            <a:r>
-              <a:rPr lang="fr-FR" sz="1600" dirty="0">
-                <a:latin typeface="Calibri" panose="020F0502020204030204" pitchFamily="34" charset="0"/>
-                <a:ea typeface="SimSun" panose="02010600030101010101" pitchFamily="2" charset="-122"/>
-                <a:cs typeface="Times New Roman" panose="02020603050405020304" pitchFamily="18" charset="0"/>
-              </a:rPr>
-              <a:t>Précision = 1/10 secondes. </a:t>
-            </a:r>
-            <a:endParaRPr lang="fr-FR" sz="1400" dirty="0">
-              <a:latin typeface="Calibri" panose="020F0502020204030204" pitchFamily="34" charset="0"/>
-              <a:ea typeface="SimSun" panose="02010600030101010101" pitchFamily="2" charset="-122"/>
-              <a:cs typeface="Times New Roman" panose="02020603050405020304" pitchFamily="18" charset="0"/>
-            </a:endParaRPr>
-          </a:p>
-          <a:p>
-            <a:pPr algn="r">
-              <a:lnSpc>
-                <a:spcPct val="107000"/>
-              </a:lnSpc>
-              <a:spcAft>
-                <a:spcPts val="800"/>
-              </a:spcAft>
+            <a:endParaRPr lang="fr-FR" sz="2400" dirty="0"/>
+          </a:p>
+          <a:p>
+            <a:pPr lvl="0"/>
+            <a:r>
+              <a:rPr lang="fr-FR" sz="2400" dirty="0"/>
+              <a:t>Une fois la course démarrée, il pourra cliquer sur « afficheur LED » s’il y en a un. </a:t>
+            </a:r>
+          </a:p>
+          <a:p>
+            <a:pPr marL="0" lvl="0" indent="0">
+              <a:buNone/>
             </a:pPr>
-            <a:r>
-              <a:rPr lang="fr-FR" sz="1600" dirty="0">
-                <a:latin typeface="Calibri" panose="020F0502020204030204" pitchFamily="34" charset="0"/>
-                <a:ea typeface="SimSun" panose="02010600030101010101" pitchFamily="2" charset="-122"/>
-                <a:cs typeface="Times New Roman" panose="02020603050405020304" pitchFamily="18" charset="0"/>
-              </a:rPr>
-              <a:t>Un DAG ne peut pas fonctionner correctement si : </a:t>
-            </a:r>
-            <a:endParaRPr lang="fr-FR" sz="1400" dirty="0">
-              <a:latin typeface="Calibri" panose="020F0502020204030204" pitchFamily="34" charset="0"/>
-              <a:ea typeface="SimSun" panose="02010600030101010101" pitchFamily="2" charset="-122"/>
-              <a:cs typeface="Times New Roman" panose="02020603050405020304" pitchFamily="18" charset="0"/>
-            </a:endParaRPr>
-          </a:p>
-          <a:p>
-            <a:pPr marL="342900" lvl="0" indent="-342900" algn="r">
-              <a:lnSpc>
-                <a:spcPct val="107000"/>
-              </a:lnSpc>
-              <a:spcAft>
-                <a:spcPts val="0"/>
-              </a:spcAft>
-              <a:buFont typeface="Wingdings" panose="05000000000000000000" pitchFamily="2" charset="2"/>
-              <a:buChar char=""/>
+            <a:endParaRPr lang="fr-FR" sz="2400" dirty="0"/>
+          </a:p>
+          <a:p>
+            <a:pPr lvl="0"/>
+            <a:r>
+              <a:rPr lang="fr-FR" sz="2400" dirty="0"/>
+              <a:t>L’afficheur LED va afficher le temps du premier ou/et le temps moyen des coureurs.</a:t>
+            </a:r>
+          </a:p>
+          <a:p>
+            <a:pPr marL="0" lvl="0" indent="0">
+              <a:buNone/>
             </a:pPr>
-            <a:r>
-              <a:rPr lang="fr-FR" sz="1600" dirty="0">
-                <a:latin typeface="Calibri" panose="020F0502020204030204" pitchFamily="34" charset="0"/>
-                <a:ea typeface="Calibri" panose="020F0502020204030204" pitchFamily="34" charset="0"/>
-                <a:cs typeface="Times New Roman" panose="02020603050405020304" pitchFamily="18" charset="0"/>
-              </a:rPr>
-              <a:t> Il est collé sur du métal </a:t>
-            </a:r>
-            <a:endParaRPr lang="fr-FR" sz="1400" dirty="0">
-              <a:latin typeface="Calibri" panose="020F0502020204030204" pitchFamily="34" charset="0"/>
-              <a:ea typeface="Calibri" panose="020F0502020204030204" pitchFamily="34" charset="0"/>
-              <a:cs typeface="Times New Roman" panose="02020603050405020304" pitchFamily="18" charset="0"/>
-            </a:endParaRPr>
-          </a:p>
-          <a:p>
-            <a:pPr marL="342900" lvl="0" indent="-342900" algn="r">
-              <a:lnSpc>
-                <a:spcPct val="107000"/>
-              </a:lnSpc>
-              <a:spcAft>
-                <a:spcPts val="0"/>
-              </a:spcAft>
-              <a:buFont typeface="Wingdings" panose="05000000000000000000" pitchFamily="2" charset="2"/>
-              <a:buChar char=""/>
+            <a:endParaRPr lang="fr-FR" sz="2400" dirty="0"/>
+          </a:p>
+          <a:p>
+            <a:pPr lvl="0"/>
+            <a:r>
+              <a:rPr lang="fr-FR" sz="2400" dirty="0"/>
+              <a:t> Quand le lecteur RFID aura détecté un coureur, il enverra ses informations à la base de données.</a:t>
+            </a:r>
+          </a:p>
+          <a:p>
+            <a:pPr marL="0" lvl="0" indent="0">
+              <a:buNone/>
             </a:pPr>
-            <a:r>
-              <a:rPr lang="fr-FR" sz="1600" dirty="0">
-                <a:latin typeface="Calibri" panose="020F0502020204030204" pitchFamily="34" charset="0"/>
-                <a:ea typeface="Calibri" panose="020F0502020204030204" pitchFamily="34" charset="0"/>
-                <a:cs typeface="Times New Roman" panose="02020603050405020304" pitchFamily="18" charset="0"/>
-              </a:rPr>
-              <a:t> Il est plié</a:t>
-            </a:r>
-            <a:endParaRPr lang="fr-FR" sz="1400" dirty="0">
-              <a:latin typeface="Calibri" panose="020F0502020204030204" pitchFamily="34" charset="0"/>
-              <a:ea typeface="Calibri" panose="020F0502020204030204" pitchFamily="34" charset="0"/>
-              <a:cs typeface="Times New Roman" panose="02020603050405020304" pitchFamily="18" charset="0"/>
-            </a:endParaRPr>
-          </a:p>
-          <a:p>
-            <a:pPr marL="342900" lvl="0" indent="-342900" algn="r">
-              <a:lnSpc>
-                <a:spcPct val="107000"/>
-              </a:lnSpc>
-              <a:spcAft>
-                <a:spcPts val="800"/>
-              </a:spcAft>
-              <a:buFont typeface="Wingdings" panose="05000000000000000000" pitchFamily="2" charset="2"/>
-              <a:buChar char=""/>
-            </a:pPr>
-            <a:r>
-              <a:rPr lang="fr-FR" sz="1600" dirty="0">
-                <a:latin typeface="Calibri" panose="020F0502020204030204" pitchFamily="34" charset="0"/>
-                <a:ea typeface="Calibri" panose="020F0502020204030204" pitchFamily="34" charset="0"/>
-                <a:cs typeface="Times New Roman" panose="02020603050405020304" pitchFamily="18" charset="0"/>
-              </a:rPr>
-              <a:t> Il est déchiré. </a:t>
-            </a:r>
-            <a:endParaRPr lang="fr-FR" sz="1400" dirty="0">
-              <a:effectLst/>
-              <a:latin typeface="Calibri" panose="020F0502020204030204" pitchFamily="34" charset="0"/>
-              <a:ea typeface="Calibri" panose="020F0502020204030204" pitchFamily="34" charset="0"/>
-              <a:cs typeface="Times New Roman" panose="02020603050405020304" pitchFamily="18" charset="0"/>
-            </a:endParaRPr>
-          </a:p>
-        </p:txBody>
-      </p:sp>
-      <p:pic>
-        <p:nvPicPr>
-          <p:cNvPr id="6" name="Image 5"/>
-          <p:cNvPicPr/>
-          <p:nvPr/>
-        </p:nvPicPr>
-        <p:blipFill rotWithShape="1">
-          <a:blip r:embed="rId3">
-            <a:extLst>
-              <a:ext uri="{28A0092B-C50C-407E-A947-70E740481C1C}">
-                <a14:useLocalDpi xmlns:a14="http://schemas.microsoft.com/office/drawing/2010/main" val="0"/>
-              </a:ext>
-            </a:extLst>
-          </a:blip>
-          <a:srcRect l="4497" t="3529" r="4497" b="5459"/>
-          <a:stretch/>
-        </p:blipFill>
-        <p:spPr>
-          <a:xfrm>
-            <a:off x="10388598" y="2867805"/>
-            <a:ext cx="1505527" cy="1426797"/>
-          </a:xfrm>
-          <a:prstGeom prst="rect">
-            <a:avLst/>
-          </a:prstGeom>
-        </p:spPr>
-      </p:pic>
-      <p:sp>
-        <p:nvSpPr>
-          <p:cNvPr id="7" name="Rectangle 6"/>
-          <p:cNvSpPr/>
-          <p:nvPr/>
-        </p:nvSpPr>
-        <p:spPr>
-          <a:xfrm>
-            <a:off x="838200" y="4328554"/>
-            <a:ext cx="3474027" cy="1878335"/>
-          </a:xfrm>
-          <a:prstGeom prst="rect">
-            <a:avLst/>
-          </a:prstGeom>
-        </p:spPr>
-        <p:txBody>
-          <a:bodyPr wrap="square">
-            <a:spAutoFit/>
-          </a:bodyPr>
-          <a:lstStyle/>
-          <a:p>
-            <a:pPr>
-              <a:lnSpc>
-                <a:spcPct val="107000"/>
-              </a:lnSpc>
-              <a:spcAft>
-                <a:spcPts val="800"/>
-              </a:spcAft>
-            </a:pPr>
-            <a:r>
-              <a:rPr lang="fr-FR" sz="1600" dirty="0">
-                <a:latin typeface="Calibri" panose="020F0502020204030204" pitchFamily="34" charset="0"/>
-                <a:ea typeface="SimSun" panose="02010600030101010101" pitchFamily="2" charset="-122"/>
-                <a:cs typeface="Times New Roman" panose="02020603050405020304" pitchFamily="18" charset="0"/>
-              </a:rPr>
-              <a:t>Un lecteur peut détecter 120 DAG / seconde.  </a:t>
-            </a:r>
-            <a:endParaRPr lang="fr-FR" sz="1400" dirty="0">
-              <a:latin typeface="Calibri" panose="020F0502020204030204" pitchFamily="34" charset="0"/>
-              <a:ea typeface="SimSun" panose="02010600030101010101" pitchFamily="2" charset="-122"/>
-              <a:cs typeface="Times New Roman" panose="02020603050405020304" pitchFamily="18" charset="0"/>
-            </a:endParaRPr>
-          </a:p>
-          <a:p>
-            <a:pPr>
-              <a:lnSpc>
-                <a:spcPct val="107000"/>
-              </a:lnSpc>
-              <a:spcAft>
-                <a:spcPts val="800"/>
-              </a:spcAft>
-            </a:pPr>
-            <a:r>
-              <a:rPr lang="fr-FR" sz="1600" dirty="0">
-                <a:latin typeface="Calibri" panose="020F0502020204030204" pitchFamily="34" charset="0"/>
-                <a:ea typeface="SimSun" panose="02010600030101010101" pitchFamily="2" charset="-122"/>
-                <a:cs typeface="Times New Roman" panose="02020603050405020304" pitchFamily="18" charset="0"/>
-              </a:rPr>
-              <a:t>Un lecteur peut être branché sur tous les types d’antennes. </a:t>
-            </a:r>
-            <a:endParaRPr lang="fr-FR" sz="1400" dirty="0">
-              <a:latin typeface="Calibri" panose="020F0502020204030204" pitchFamily="34" charset="0"/>
-              <a:ea typeface="SimSun" panose="02010600030101010101" pitchFamily="2" charset="-122"/>
-              <a:cs typeface="Times New Roman" panose="02020603050405020304" pitchFamily="18" charset="0"/>
-            </a:endParaRPr>
-          </a:p>
-          <a:p>
-            <a:pPr>
-              <a:lnSpc>
-                <a:spcPct val="107000"/>
-              </a:lnSpc>
-              <a:spcAft>
-                <a:spcPts val="800"/>
-              </a:spcAft>
-            </a:pPr>
-            <a:r>
-              <a:rPr lang="fr-FR" sz="1600" dirty="0">
-                <a:latin typeface="Calibri" panose="020F0502020204030204" pitchFamily="34" charset="0"/>
-                <a:ea typeface="SimSun" panose="02010600030101010101" pitchFamily="2" charset="-122"/>
-                <a:cs typeface="Times New Roman" panose="02020603050405020304" pitchFamily="18" charset="0"/>
-              </a:rPr>
-              <a:t>Les lecteurs DAG System sont conçu pour lire uniquement les </a:t>
-            </a:r>
-            <a:r>
-              <a:rPr lang="fr-FR" sz="1600" dirty="0" err="1">
-                <a:latin typeface="Calibri" panose="020F0502020204030204" pitchFamily="34" charset="0"/>
-                <a:ea typeface="SimSun" panose="02010600030101010101" pitchFamily="2" charset="-122"/>
-                <a:cs typeface="Times New Roman" panose="02020603050405020304" pitchFamily="18" charset="0"/>
-              </a:rPr>
-              <a:t>DAGs</a:t>
-            </a:r>
-            <a:r>
-              <a:rPr lang="fr-FR" sz="1600" dirty="0">
-                <a:latin typeface="Calibri" panose="020F0502020204030204" pitchFamily="34" charset="0"/>
-                <a:ea typeface="SimSun" panose="02010600030101010101" pitchFamily="2" charset="-122"/>
-                <a:cs typeface="Times New Roman" panose="02020603050405020304" pitchFamily="18" charset="0"/>
-              </a:rPr>
-              <a:t>.</a:t>
-            </a:r>
-            <a:endParaRPr lang="fr-FR" sz="1400" dirty="0">
-              <a:effectLst/>
-              <a:latin typeface="Calibri" panose="020F0502020204030204" pitchFamily="34" charset="0"/>
-              <a:ea typeface="SimSun" panose="02010600030101010101" pitchFamily="2" charset="-122"/>
-              <a:cs typeface="Times New Roman" panose="02020603050405020304" pitchFamily="18" charset="0"/>
-            </a:endParaRPr>
-          </a:p>
-        </p:txBody>
-      </p:sp>
-      <p:pic>
-        <p:nvPicPr>
-          <p:cNvPr id="8" name="Image 7"/>
-          <p:cNvPicPr/>
-          <p:nvPr/>
-        </p:nvPicPr>
-        <p:blipFill rotWithShape="1">
-          <a:blip r:embed="rId4">
-            <a:extLst>
-              <a:ext uri="{28A0092B-C50C-407E-A947-70E740481C1C}">
-                <a14:useLocalDpi xmlns:a14="http://schemas.microsoft.com/office/drawing/2010/main" val="0"/>
-              </a:ext>
-            </a:extLst>
-          </a:blip>
-          <a:srcRect l="2692" t="1251" r="5783" b="5113"/>
-          <a:stretch/>
-        </p:blipFill>
-        <p:spPr>
-          <a:xfrm>
-            <a:off x="4533900" y="4649113"/>
-            <a:ext cx="1570183" cy="1382423"/>
-          </a:xfrm>
-          <a:prstGeom prst="rect">
-            <a:avLst/>
-          </a:prstGeom>
-        </p:spPr>
-      </p:pic>
-      <p:sp>
-        <p:nvSpPr>
-          <p:cNvPr id="9" name="ZoneTexte 8"/>
-          <p:cNvSpPr txBox="1"/>
-          <p:nvPr/>
-        </p:nvSpPr>
-        <p:spPr>
-          <a:xfrm>
-            <a:off x="7620000" y="2336800"/>
-            <a:ext cx="4451927" cy="4350327"/>
-          </a:xfrm>
-          <a:prstGeom prst="rect">
-            <a:avLst/>
-          </a:prstGeom>
-          <a:noFill/>
-          <a:ln>
-            <a:solidFill>
-              <a:schemeClr val="tx1"/>
-            </a:solidFill>
-          </a:ln>
-        </p:spPr>
-        <p:txBody>
-          <a:bodyPr wrap="square" rtlCol="0">
-            <a:spAutoFit/>
-          </a:bodyPr>
-          <a:lstStyle/>
-          <a:p>
-            <a:endParaRPr lang="fr-FR" dirty="0"/>
-          </a:p>
-        </p:txBody>
-      </p:sp>
-      <p:sp>
-        <p:nvSpPr>
-          <p:cNvPr id="10" name="ZoneTexte 9"/>
-          <p:cNvSpPr txBox="1"/>
-          <p:nvPr/>
-        </p:nvSpPr>
-        <p:spPr>
-          <a:xfrm>
-            <a:off x="711200" y="1764145"/>
-            <a:ext cx="6659418" cy="2355273"/>
-          </a:xfrm>
-          <a:prstGeom prst="rect">
-            <a:avLst/>
-          </a:prstGeom>
-          <a:noFill/>
-          <a:ln>
-            <a:solidFill>
-              <a:schemeClr val="tx1"/>
-            </a:solidFill>
-          </a:ln>
-        </p:spPr>
-        <p:txBody>
-          <a:bodyPr wrap="square" rtlCol="0">
-            <a:spAutoFit/>
-          </a:bodyPr>
-          <a:lstStyle/>
-          <a:p>
-            <a:endParaRPr lang="fr-FR" dirty="0"/>
-          </a:p>
-        </p:txBody>
-      </p:sp>
-      <p:sp>
-        <p:nvSpPr>
-          <p:cNvPr id="11" name="ZoneTexte 10"/>
-          <p:cNvSpPr txBox="1"/>
-          <p:nvPr/>
-        </p:nvSpPr>
-        <p:spPr>
-          <a:xfrm>
-            <a:off x="711200" y="4328554"/>
-            <a:ext cx="5800436" cy="2090719"/>
-          </a:xfrm>
-          <a:prstGeom prst="rect">
-            <a:avLst/>
-          </a:prstGeom>
-          <a:noFill/>
-          <a:ln>
-            <a:solidFill>
-              <a:schemeClr val="tx1"/>
-            </a:solidFill>
-          </a:ln>
-        </p:spPr>
-        <p:txBody>
-          <a:bodyPr wrap="square" rtlCol="0">
-            <a:spAutoFit/>
-          </a:bodyPr>
-          <a:lstStyle/>
+            <a:endParaRPr lang="fr-FR" sz="2400" dirty="0"/>
+          </a:p>
+          <a:p>
+            <a:pPr lvl="0"/>
+            <a:r>
+              <a:rPr lang="fr-FR" sz="2400" dirty="0"/>
+              <a:t>Les informations pourront être ensuite traitées.</a:t>
+            </a:r>
+          </a:p>
           <a:p>
             <a:endParaRPr lang="fr-FR" dirty="0"/>
           </a:p>
@@ -7324,7 +7663,7 @@
     </p:spTree>
     <p:extLst>
       <p:ext uri="{BB962C8B-B14F-4D97-AF65-F5344CB8AC3E}">
-        <p14:creationId xmlns:p14="http://schemas.microsoft.com/office/powerpoint/2010/main" val="2600805086"/>
+        <p14:creationId xmlns:p14="http://schemas.microsoft.com/office/powerpoint/2010/main" val="1024622025"/>
       </p:ext>
     </p:extLst>
   </p:cSld>
@@ -7364,6 +7703,99 @@
       </p:grpSpPr>
       <p:sp>
         <p:nvSpPr>
+          <p:cNvPr id="9" name="ZoneTexte 8"/>
+          <p:cNvSpPr txBox="1"/>
+          <p:nvPr/>
+        </p:nvSpPr>
+        <p:spPr>
+          <a:xfrm>
+            <a:off x="7584208" y="2226127"/>
+            <a:ext cx="4451927" cy="4350327"/>
+          </a:xfrm>
+          <a:prstGeom prst="rect">
+            <a:avLst/>
+          </a:prstGeom>
+          <a:noFill/>
+          <a:ln>
+            <a:solidFill>
+              <a:schemeClr val="tx1"/>
+            </a:solidFill>
+          </a:ln>
+        </p:spPr>
+        <p:txBody>
+          <a:bodyPr wrap="square" rtlCol="0">
+            <a:spAutoFit/>
+          </a:bodyPr>
+          <a:lstStyle/>
+          <a:p>
+            <a:endParaRPr lang="fr-FR" dirty="0"/>
+          </a:p>
+        </p:txBody>
+      </p:sp>
+      <p:sp>
+        <p:nvSpPr>
+          <p:cNvPr id="11" name="ZoneTexte 10"/>
+          <p:cNvSpPr txBox="1"/>
+          <p:nvPr/>
+        </p:nvSpPr>
+        <p:spPr>
+          <a:xfrm>
+            <a:off x="711200" y="4328554"/>
+            <a:ext cx="5800436" cy="2090719"/>
+          </a:xfrm>
+          <a:prstGeom prst="rect">
+            <a:avLst/>
+          </a:prstGeom>
+          <a:noFill/>
+          <a:ln>
+            <a:solidFill>
+              <a:schemeClr val="tx1"/>
+            </a:solidFill>
+          </a:ln>
+        </p:spPr>
+        <p:txBody>
+          <a:bodyPr wrap="square" rtlCol="0">
+            <a:spAutoFit/>
+          </a:bodyPr>
+          <a:lstStyle/>
+          <a:p>
+            <a:endParaRPr lang="fr-FR" dirty="0"/>
+          </a:p>
+        </p:txBody>
+      </p:sp>
+      <p:sp>
+        <p:nvSpPr>
+          <p:cNvPr id="10" name="ZoneTexte 9"/>
+          <p:cNvSpPr txBox="1"/>
+          <p:nvPr/>
+        </p:nvSpPr>
+        <p:spPr>
+          <a:xfrm>
+            <a:off x="711200" y="1764145"/>
+            <a:ext cx="6659418" cy="2355273"/>
+          </a:xfrm>
+          <a:prstGeom prst="rect">
+            <a:avLst/>
+          </a:prstGeom>
+          <a:noFill/>
+          <a:ln>
+            <a:solidFill>
+              <a:schemeClr val="tx1"/>
+            </a:solidFill>
+          </a:ln>
+        </p:spPr>
+        <p:txBody>
+          <a:bodyPr wrap="square" rtlCol="0">
+            <a:spAutoFit/>
+          </a:bodyPr>
+          <a:lstStyle/>
+          <a:p>
+            <a:endParaRPr lang="fr-FR" dirty="0"/>
+          </a:p>
+        </p:txBody>
+      </p:sp>
+      <p:sp>
+        <p:nvSpPr>
           <p:cNvPr id="2" name="Titre 1"/>
           <p:cNvSpPr>
             <a:spLocks noGrp="1"/>
@@ -7374,32 +7806,96 @@
         </p:nvSpPr>
         <p:spPr>
           <a:xfrm>
-            <a:off x="838200" y="0"/>
-            <a:ext cx="10515600" cy="864211"/>
+            <a:off x="838200" y="-1"/>
+            <a:ext cx="10515600" cy="1512277"/>
           </a:xfrm>
         </p:spPr>
         <p:txBody>
           <a:bodyPr>
-            <a:normAutofit/>
+            <a:normAutofit fontScale="90000"/>
           </a:bodyPr>
           <a:lstStyle/>
           <a:p>
             <a:r>
+              <a:rPr lang="fr-FR" sz="3600" dirty="0"/>
+              <a:t>II) Etude physique lecteur RFID pour les courses</a:t>
+            </a:r>
+            <a:br>
+              <a:rPr lang="fr-FR" sz="3600" dirty="0"/>
+            </a:br>
+            <a:r>
+              <a:rPr lang="fr-FR" sz="3600" dirty="0"/>
+              <a:t>	</a:t>
+            </a:r>
+            <a:r>
+              <a:rPr lang="fr-FR" sz="3100" dirty="0"/>
+              <a:t>1) Matériel</a:t>
+            </a:r>
+            <a:r>
               <a:rPr lang="fr-FR" sz="2800" dirty="0"/>
-              <a:t>2) Boite noire</a:t>
+              <a:t/>
             </a:r>
             <a:br>
               <a:rPr lang="fr-FR" sz="2800" dirty="0"/>
             </a:br>
             <a:r>
               <a:rPr lang="fr-FR" sz="2800" dirty="0"/>
-              <a:t>	</a:t>
+              <a:t>		</a:t>
             </a:r>
             <a:r>
               <a:rPr lang="fr-FR" sz="2400" dirty="0"/>
-              <a:t>a) Principe de fonctionnement</a:t>
-            </a:r>
-            <a:endParaRPr lang="fr-FR" sz="2800" dirty="0"/>
+              <a:t>a) Antenne</a:t>
+            </a:r>
+            <a:br>
+              <a:rPr lang="fr-FR" sz="2400" dirty="0"/>
+            </a:br>
+            <a:r>
+              <a:rPr lang="fr-FR" sz="2400" dirty="0"/>
+              <a:t>		b) Dossard DAGs</a:t>
+            </a:r>
+            <a:endParaRPr lang="fr-FR" sz="3600" dirty="0"/>
+          </a:p>
+        </p:txBody>
+      </p:sp>
+      <p:sp>
+        <p:nvSpPr>
+          <p:cNvPr id="3" name="Espace réservé du contenu 2"/>
+          <p:cNvSpPr>
+            <a:spLocks noGrp="1"/>
+          </p:cNvSpPr>
+          <p:nvPr>
+            <p:ph idx="1"/>
+          </p:nvPr>
+        </p:nvSpPr>
+        <p:spPr>
+          <a:xfrm>
+            <a:off x="838200" y="1864072"/>
+            <a:ext cx="7391400" cy="2007466"/>
+          </a:xfrm>
+        </p:spPr>
+        <p:txBody>
+          <a:bodyPr/>
+          <a:lstStyle/>
+          <a:p>
+            <a:r>
+              <a:rPr lang="fr-FR" sz="1600" dirty="0"/>
+              <a:t>Le DAG est une puce passive (13,56 Mhz) de haute fréquence. </a:t>
+            </a:r>
+          </a:p>
+          <a:p>
+            <a:r>
+              <a:rPr lang="fr-FR" sz="1600" dirty="0"/>
+              <a:t>Le boitier d’interface + l’antenne créent un </a:t>
+            </a:r>
+          </a:p>
+          <a:p>
+            <a:pPr marL="0" indent="0">
+              <a:buNone/>
+            </a:pPr>
+            <a:r>
+              <a:rPr lang="fr-FR" sz="1600" dirty="0"/>
+              <a:t>champ magnétique pour activer la puce. </a:t>
+            </a:r>
           </a:p>
         </p:txBody>
       </p:sp>
@@ -7409,170 +7905,21 @@
           <p:cNvPicPr/>
           <p:nvPr/>
         </p:nvPicPr>
-        <p:blipFill>
-          <a:blip r:embed="rId2"/>
-          <a:stretch>
-            <a:fillRect/>
-          </a:stretch>
-        </p:blipFill>
-        <p:spPr>
-          <a:xfrm>
-            <a:off x="90076" y="864211"/>
-            <a:ext cx="6426489" cy="5703367"/>
-          </a:xfrm>
-          <a:prstGeom prst="rect">
-            <a:avLst/>
-          </a:prstGeom>
-        </p:spPr>
-      </p:pic>
-      <p:sp>
-        <p:nvSpPr>
-          <p:cNvPr id="5" name="Rectangle 4"/>
-          <p:cNvSpPr/>
-          <p:nvPr/>
-        </p:nvSpPr>
-        <p:spPr>
-          <a:xfrm>
-            <a:off x="90076" y="4119418"/>
-            <a:ext cx="1415473" cy="1431637"/>
-          </a:xfrm>
-          <a:prstGeom prst="rect">
-            <a:avLst/>
-          </a:prstGeom>
-          <a:solidFill>
-            <a:schemeClr val="bg1"/>
-          </a:solidFill>
-          <a:ln>
-            <a:solidFill>
-              <a:schemeClr val="bg1"/>
-            </a:solidFill>
-          </a:ln>
-        </p:spPr>
-        <p:style>
-          <a:lnRef idx="2">
-            <a:schemeClr val="accent1">
-              <a:shade val="50000"/>
-            </a:schemeClr>
-          </a:lnRef>
-          <a:fillRef idx="1">
-            <a:schemeClr val="accent1"/>
-          </a:fillRef>
-          <a:effectRef idx="0">
-            <a:schemeClr val="accent1"/>
-          </a:effectRef>
-          <a:fontRef idx="minor">
-            <a:schemeClr val="lt1"/>
-          </a:fontRef>
-        </p:style>
-        <p:txBody>
-          <a:bodyPr rtlCol="0" anchor="ctr"/>
-          <a:lstStyle/>
-          <a:p>
-            <a:pPr algn="ctr"/>
-            <a:endParaRPr lang="fr-FR"/>
-          </a:p>
-        </p:txBody>
-      </p:sp>
-      <p:sp>
-        <p:nvSpPr>
-          <p:cNvPr id="6" name="Rectangle 5"/>
-          <p:cNvSpPr/>
-          <p:nvPr/>
-        </p:nvSpPr>
-        <p:spPr>
-          <a:xfrm>
-            <a:off x="1505549" y="4424218"/>
-            <a:ext cx="323272" cy="203200"/>
-          </a:xfrm>
-          <a:prstGeom prst="rect">
-            <a:avLst/>
-          </a:prstGeom>
-          <a:solidFill>
-            <a:schemeClr val="bg1"/>
-          </a:solidFill>
-          <a:ln>
-            <a:solidFill>
-              <a:schemeClr val="bg1"/>
-            </a:solidFill>
-          </a:ln>
-        </p:spPr>
-        <p:style>
-          <a:lnRef idx="2">
-            <a:schemeClr val="accent1">
-              <a:shade val="50000"/>
-            </a:schemeClr>
-          </a:lnRef>
-          <a:fillRef idx="1">
-            <a:schemeClr val="accent1"/>
-          </a:fillRef>
-          <a:effectRef idx="0">
-            <a:schemeClr val="accent1"/>
-          </a:effectRef>
-          <a:fontRef idx="minor">
-            <a:schemeClr val="lt1"/>
-          </a:fontRef>
-        </p:style>
-        <p:txBody>
-          <a:bodyPr rtlCol="0" anchor="ctr"/>
-          <a:lstStyle/>
-          <a:p>
-            <a:pPr algn="ctr"/>
-            <a:endParaRPr lang="fr-FR"/>
-          </a:p>
-        </p:txBody>
-      </p:sp>
-      <p:sp>
-        <p:nvSpPr>
-          <p:cNvPr id="7" name="ZoneTexte 6"/>
-          <p:cNvSpPr txBox="1"/>
-          <p:nvPr/>
-        </p:nvSpPr>
-        <p:spPr>
-          <a:xfrm>
-            <a:off x="6680200" y="843720"/>
-            <a:ext cx="3814619" cy="1200329"/>
-          </a:xfrm>
-          <a:prstGeom prst="rect">
-            <a:avLst/>
-          </a:prstGeom>
-          <a:noFill/>
-        </p:spPr>
-        <p:txBody>
-          <a:bodyPr wrap="square" rtlCol="0">
-            <a:spAutoFit/>
-          </a:bodyPr>
-          <a:lstStyle/>
-          <a:p>
-            <a:r>
-              <a:rPr lang="fr-FR" dirty="0"/>
-              <a:t>La boite noire possède ses propres méthodes qui renvoient des valeurs en hexadécimal. Voici un morceau de la documentation :</a:t>
-            </a:r>
-          </a:p>
-        </p:txBody>
-      </p:sp>
-      <p:pic>
-        <p:nvPicPr>
-          <p:cNvPr id="8" name="Image 7"/>
-          <p:cNvPicPr>
-            <a:picLocks noChangeAspect="1"/>
-          </p:cNvPicPr>
-          <p:nvPr/>
-        </p:nvPicPr>
         <p:blipFill rotWithShape="1">
-          <a:blip r:embed="rId3" cstate="print">
+          <a:blip r:embed="rId2">
             <a:extLst>
               <a:ext uri="{28A0092B-C50C-407E-A947-70E740481C1C}">
                 <a14:useLocalDpi xmlns:a14="http://schemas.microsoft.com/office/drawing/2010/main" val="0"/>
               </a:ext>
             </a:extLst>
           </a:blip>
-          <a:srcRect t="15623" r="48923" b="8687"/>
+          <a:srcRect l="7607" t="2145" r="4196" b="5927"/>
           <a:stretch/>
         </p:blipFill>
         <p:spPr>
-          <a:xfrm rot="16200000">
-            <a:off x="8020766" y="703484"/>
-            <a:ext cx="2747540" cy="5428672"/>
+          <a:xfrm>
+            <a:off x="5318991" y="2202048"/>
+            <a:ext cx="1923473" cy="1669490"/>
           </a:xfrm>
           <a:prstGeom prst="rect">
             <a:avLst/>
@@ -7581,223 +7928,309 @@
       </p:pic>
       <p:sp>
         <p:nvSpPr>
-          <p:cNvPr id="9" name="ZoneTexte 8"/>
-          <p:cNvSpPr txBox="1"/>
+          <p:cNvPr id="5" name="Rectangle 4"/>
+          <p:cNvSpPr/>
           <p:nvPr/>
         </p:nvSpPr>
         <p:spPr>
           <a:xfrm>
-            <a:off x="6720608" y="4950890"/>
-            <a:ext cx="1715655" cy="1200329"/>
+            <a:off x="7506854" y="4328964"/>
+            <a:ext cx="4479637" cy="2244397"/>
           </a:xfrm>
           <a:prstGeom prst="rect">
             <a:avLst/>
           </a:prstGeom>
-          <a:noFill/>
-        </p:spPr>
-        <p:txBody>
-          <a:bodyPr wrap="square" rtlCol="0">
+        </p:spPr>
+        <p:txBody>
+          <a:bodyPr wrap="square">
             <a:spAutoFit/>
           </a:bodyPr>
           <a:lstStyle/>
           <a:p>
-            <a:pPr algn="r"/>
-            <a:r>
-              <a:rPr lang="fr-FR" dirty="0"/>
-              <a:t>STX : 0x00</a:t>
-            </a:r>
-          </a:p>
-          <a:p>
-            <a:pPr algn="r"/>
-            <a:r>
-              <a:rPr lang="fr-FR" dirty="0"/>
-              <a:t>TAB : 0x09</a:t>
-            </a:r>
-          </a:p>
-          <a:p>
-            <a:pPr algn="r"/>
-            <a:r>
-              <a:rPr lang="fr-FR" dirty="0"/>
-              <a:t>CR : 0x00</a:t>
-            </a:r>
-          </a:p>
-          <a:p>
-            <a:pPr algn="r"/>
-            <a:r>
-              <a:rPr lang="fr-FR" dirty="0"/>
-              <a:t>SPACE : 0x20</a:t>
-            </a:r>
-          </a:p>
-        </p:txBody>
-      </p:sp>
-      <p:sp>
-        <p:nvSpPr>
-          <p:cNvPr id="10" name="Flèche à angle droit 9"/>
+            <a:pPr algn="r">
+              <a:lnSpc>
+                <a:spcPct val="107000"/>
+              </a:lnSpc>
+              <a:spcAft>
+                <a:spcPts val="800"/>
+              </a:spcAft>
+            </a:pPr>
+            <a:r>
+              <a:rPr lang="fr-FR" sz="1600" dirty="0">
+                <a:latin typeface="Calibri" panose="020F0502020204030204" pitchFamily="34" charset="0"/>
+                <a:ea typeface="SimSun" panose="02010600030101010101" pitchFamily="2" charset="-122"/>
+                <a:cs typeface="Times New Roman" panose="02020603050405020304" pitchFamily="18" charset="0"/>
+              </a:rPr>
+              <a:t>La détection se produit lorsque le participant entre dans le champ magnétique. </a:t>
+            </a:r>
+            <a:endParaRPr lang="fr-FR" sz="1400" dirty="0">
+              <a:latin typeface="Calibri" panose="020F0502020204030204" pitchFamily="34" charset="0"/>
+              <a:ea typeface="SimSun" panose="02010600030101010101" pitchFamily="2" charset="-122"/>
+              <a:cs typeface="Times New Roman" panose="02020603050405020304" pitchFamily="18" charset="0"/>
+            </a:endParaRPr>
+          </a:p>
+          <a:p>
+            <a:pPr algn="r">
+              <a:lnSpc>
+                <a:spcPct val="107000"/>
+              </a:lnSpc>
+              <a:spcAft>
+                <a:spcPts val="800"/>
+              </a:spcAft>
+            </a:pPr>
+            <a:r>
+              <a:rPr lang="fr-FR" sz="1600" dirty="0">
+                <a:latin typeface="Calibri" panose="020F0502020204030204" pitchFamily="34" charset="0"/>
+                <a:ea typeface="SimSun" panose="02010600030101010101" pitchFamily="2" charset="-122"/>
+                <a:cs typeface="Times New Roman" panose="02020603050405020304" pitchFamily="18" charset="0"/>
+              </a:rPr>
+              <a:t>Précision = 1/10 secondes. </a:t>
+            </a:r>
+            <a:endParaRPr lang="fr-FR" sz="1400" dirty="0">
+              <a:latin typeface="Calibri" panose="020F0502020204030204" pitchFamily="34" charset="0"/>
+              <a:ea typeface="SimSun" panose="02010600030101010101" pitchFamily="2" charset="-122"/>
+              <a:cs typeface="Times New Roman" panose="02020603050405020304" pitchFamily="18" charset="0"/>
+            </a:endParaRPr>
+          </a:p>
+          <a:p>
+            <a:pPr algn="r">
+              <a:lnSpc>
+                <a:spcPct val="107000"/>
+              </a:lnSpc>
+              <a:spcAft>
+                <a:spcPts val="800"/>
+              </a:spcAft>
+            </a:pPr>
+            <a:r>
+              <a:rPr lang="fr-FR" sz="1600" dirty="0">
+                <a:latin typeface="Calibri" panose="020F0502020204030204" pitchFamily="34" charset="0"/>
+                <a:ea typeface="SimSun" panose="02010600030101010101" pitchFamily="2" charset="-122"/>
+                <a:cs typeface="Times New Roman" panose="02020603050405020304" pitchFamily="18" charset="0"/>
+              </a:rPr>
+              <a:t>Un DAG ne peut pas fonctionner correctement si : </a:t>
+            </a:r>
+            <a:endParaRPr lang="fr-FR" sz="1400" dirty="0">
+              <a:latin typeface="Calibri" panose="020F0502020204030204" pitchFamily="34" charset="0"/>
+              <a:ea typeface="SimSun" panose="02010600030101010101" pitchFamily="2" charset="-122"/>
+              <a:cs typeface="Times New Roman" panose="02020603050405020304" pitchFamily="18" charset="0"/>
+            </a:endParaRPr>
+          </a:p>
+          <a:p>
+            <a:pPr marL="342900" lvl="0" indent="-342900" algn="r">
+              <a:lnSpc>
+                <a:spcPct val="107000"/>
+              </a:lnSpc>
+              <a:spcAft>
+                <a:spcPts val="0"/>
+              </a:spcAft>
+              <a:buFont typeface="Wingdings" panose="05000000000000000000" pitchFamily="2" charset="2"/>
+              <a:buChar char=""/>
+            </a:pPr>
+            <a:r>
+              <a:rPr lang="fr-FR" sz="1600" dirty="0">
+                <a:latin typeface="Calibri" panose="020F0502020204030204" pitchFamily="34" charset="0"/>
+                <a:ea typeface="Calibri" panose="020F0502020204030204" pitchFamily="34" charset="0"/>
+                <a:cs typeface="Times New Roman" panose="02020603050405020304" pitchFamily="18" charset="0"/>
+              </a:rPr>
+              <a:t> Il est collé sur du métal </a:t>
+            </a:r>
+            <a:endParaRPr lang="fr-FR" sz="1400" dirty="0">
+              <a:latin typeface="Calibri" panose="020F0502020204030204" pitchFamily="34" charset="0"/>
+              <a:ea typeface="Calibri" panose="020F0502020204030204" pitchFamily="34" charset="0"/>
+              <a:cs typeface="Times New Roman" panose="02020603050405020304" pitchFamily="18" charset="0"/>
+            </a:endParaRPr>
+          </a:p>
+          <a:p>
+            <a:pPr marL="342900" lvl="0" indent="-342900" algn="r">
+              <a:lnSpc>
+                <a:spcPct val="107000"/>
+              </a:lnSpc>
+              <a:spcAft>
+                <a:spcPts val="0"/>
+              </a:spcAft>
+              <a:buFont typeface="Wingdings" panose="05000000000000000000" pitchFamily="2" charset="2"/>
+              <a:buChar char=""/>
+            </a:pPr>
+            <a:r>
+              <a:rPr lang="fr-FR" sz="1600" dirty="0">
+                <a:latin typeface="Calibri" panose="020F0502020204030204" pitchFamily="34" charset="0"/>
+                <a:ea typeface="Calibri" panose="020F0502020204030204" pitchFamily="34" charset="0"/>
+                <a:cs typeface="Times New Roman" panose="02020603050405020304" pitchFamily="18" charset="0"/>
+              </a:rPr>
+              <a:t> Il est plié</a:t>
+            </a:r>
+            <a:endParaRPr lang="fr-FR" sz="1400" dirty="0">
+              <a:latin typeface="Calibri" panose="020F0502020204030204" pitchFamily="34" charset="0"/>
+              <a:ea typeface="Calibri" panose="020F0502020204030204" pitchFamily="34" charset="0"/>
+              <a:cs typeface="Times New Roman" panose="02020603050405020304" pitchFamily="18" charset="0"/>
+            </a:endParaRPr>
+          </a:p>
+          <a:p>
+            <a:pPr marL="342900" lvl="0" indent="-342900" algn="r">
+              <a:lnSpc>
+                <a:spcPct val="107000"/>
+              </a:lnSpc>
+              <a:spcAft>
+                <a:spcPts val="800"/>
+              </a:spcAft>
+              <a:buFont typeface="Wingdings" panose="05000000000000000000" pitchFamily="2" charset="2"/>
+              <a:buChar char=""/>
+            </a:pPr>
+            <a:r>
+              <a:rPr lang="fr-FR" sz="1600" dirty="0">
+                <a:latin typeface="Calibri" panose="020F0502020204030204" pitchFamily="34" charset="0"/>
+                <a:ea typeface="Calibri" panose="020F0502020204030204" pitchFamily="34" charset="0"/>
+                <a:cs typeface="Times New Roman" panose="02020603050405020304" pitchFamily="18" charset="0"/>
+              </a:rPr>
+              <a:t> Il est déchiré. </a:t>
+            </a:r>
+            <a:endParaRPr lang="fr-FR" sz="1400" dirty="0">
+              <a:effectLst/>
+              <a:latin typeface="Calibri" panose="020F0502020204030204" pitchFamily="34" charset="0"/>
+              <a:ea typeface="Calibri" panose="020F0502020204030204" pitchFamily="34" charset="0"/>
+              <a:cs typeface="Times New Roman" panose="02020603050405020304" pitchFamily="18" charset="0"/>
+            </a:endParaRPr>
+          </a:p>
+        </p:txBody>
+      </p:sp>
+      <p:pic>
+        <p:nvPicPr>
+          <p:cNvPr id="6" name="Image 5"/>
+          <p:cNvPicPr/>
+          <p:nvPr/>
+        </p:nvPicPr>
+        <p:blipFill rotWithShape="1">
+          <a:blip r:embed="rId3">
+            <a:extLst>
+              <a:ext uri="{28A0092B-C50C-407E-A947-70E740481C1C}">
+                <a14:useLocalDpi xmlns:a14="http://schemas.microsoft.com/office/drawing/2010/main" val="0"/>
+              </a:ext>
+            </a:extLst>
+          </a:blip>
+          <a:srcRect l="4497" t="3529" r="4497" b="5459"/>
+          <a:stretch/>
+        </p:blipFill>
+        <p:spPr>
+          <a:xfrm>
+            <a:off x="10345882" y="2554681"/>
+            <a:ext cx="1505527" cy="1426797"/>
+          </a:xfrm>
+          <a:prstGeom prst="rect">
+            <a:avLst/>
+          </a:prstGeom>
+        </p:spPr>
+      </p:pic>
+      <p:sp>
+        <p:nvSpPr>
+          <p:cNvPr id="7" name="Rectangle 6"/>
           <p:cNvSpPr/>
           <p:nvPr/>
         </p:nvSpPr>
         <p:spPr>
-          <a:xfrm rot="5400000" flipV="1">
-            <a:off x="7027424" y="5581366"/>
-            <a:ext cx="225138" cy="202622"/>
-          </a:xfrm>
-          <a:prstGeom prst="bentUpArrow">
-            <a:avLst>
-              <a:gd name="adj1" fmla="val 20897"/>
-              <a:gd name="adj2" fmla="val 29103"/>
-              <a:gd name="adj3" fmla="val 29103"/>
-            </a:avLst>
-          </a:prstGeom>
-        </p:spPr>
-        <p:style>
-          <a:lnRef idx="2">
-            <a:schemeClr val="dk1">
-              <a:shade val="50000"/>
-            </a:schemeClr>
-          </a:lnRef>
-          <a:fillRef idx="1">
-            <a:schemeClr val="dk1"/>
-          </a:fillRef>
-          <a:effectRef idx="0">
-            <a:schemeClr val="dk1"/>
-          </a:effectRef>
-          <a:fontRef idx="minor">
-            <a:schemeClr val="lt1"/>
-          </a:fontRef>
-        </p:style>
-        <p:txBody>
-          <a:bodyPr rtlCol="0" anchor="ctr"/>
-          <a:lstStyle/>
-          <a:p>
-            <a:pPr algn="ctr"/>
-            <a:endParaRPr lang="fr-FR"/>
-          </a:p>
-        </p:txBody>
-      </p:sp>
-      <p:sp>
-        <p:nvSpPr>
-          <p:cNvPr id="11" name="Flèche droite 10"/>
-          <p:cNvSpPr/>
-          <p:nvPr/>
-        </p:nvSpPr>
-        <p:spPr>
-          <a:xfrm>
-            <a:off x="7038112" y="5340703"/>
-            <a:ext cx="237837" cy="127224"/>
-          </a:xfrm>
-          <a:prstGeom prst="rightArrow">
+          <a:xfrm>
+            <a:off x="838200" y="4328554"/>
+            <a:ext cx="3474027" cy="1775743"/>
+          </a:xfrm>
+          <a:prstGeom prst="rect">
             <a:avLst/>
           </a:prstGeom>
         </p:spPr>
-        <p:style>
-          <a:lnRef idx="2">
-            <a:schemeClr val="dk1">
-              <a:shade val="50000"/>
-            </a:schemeClr>
-          </a:lnRef>
-          <a:fillRef idx="1">
-            <a:schemeClr val="dk1"/>
-          </a:fillRef>
-          <a:effectRef idx="0">
-            <a:schemeClr val="dk1"/>
-          </a:effectRef>
-          <a:fontRef idx="minor">
-            <a:schemeClr val="lt1"/>
-          </a:fontRef>
-        </p:style>
-        <p:txBody>
-          <a:bodyPr rtlCol="0" anchor="ctr"/>
-          <a:lstStyle/>
-          <a:p>
-            <a:pPr algn="ctr"/>
-            <a:endParaRPr lang="fr-FR"/>
-          </a:p>
-        </p:txBody>
-      </p:sp>
-      <p:sp>
-        <p:nvSpPr>
-          <p:cNvPr id="12" name="Flèche à angle droit 11"/>
-          <p:cNvSpPr/>
+        <p:txBody>
+          <a:bodyPr wrap="square">
+            <a:spAutoFit/>
+          </a:bodyPr>
+          <a:lstStyle/>
+          <a:p>
+            <a:pPr marL="285750" indent="-285750">
+              <a:lnSpc>
+                <a:spcPct val="107000"/>
+              </a:lnSpc>
+              <a:spcAft>
+                <a:spcPts val="800"/>
+              </a:spcAft>
+              <a:buFontTx/>
+              <a:buChar char="-"/>
+            </a:pPr>
+            <a:r>
+              <a:rPr lang="fr-FR" sz="1600" dirty="0" smtClean="0">
+                <a:latin typeface="Calibri" panose="020F0502020204030204" pitchFamily="34" charset="0"/>
+                <a:ea typeface="SimSun" panose="02010600030101010101" pitchFamily="2" charset="-122"/>
+                <a:cs typeface="Times New Roman" panose="02020603050405020304" pitchFamily="18" charset="0"/>
+              </a:rPr>
+              <a:t>Un </a:t>
+            </a:r>
+            <a:r>
+              <a:rPr lang="fr-FR" sz="1600" dirty="0">
+                <a:latin typeface="Calibri" panose="020F0502020204030204" pitchFamily="34" charset="0"/>
+                <a:ea typeface="SimSun" panose="02010600030101010101" pitchFamily="2" charset="-122"/>
+                <a:cs typeface="Times New Roman" panose="02020603050405020304" pitchFamily="18" charset="0"/>
+              </a:rPr>
+              <a:t>lecteur peut détecter 120 DAG / seconde.  </a:t>
+            </a:r>
+            <a:endParaRPr lang="fr-FR" sz="1600" dirty="0" smtClean="0">
+              <a:latin typeface="Calibri" panose="020F0502020204030204" pitchFamily="34" charset="0"/>
+              <a:ea typeface="SimSun" panose="02010600030101010101" pitchFamily="2" charset="-122"/>
+              <a:cs typeface="Times New Roman" panose="02020603050405020304" pitchFamily="18" charset="0"/>
+            </a:endParaRPr>
+          </a:p>
+          <a:p>
+            <a:pPr marL="285750" indent="-285750">
+              <a:lnSpc>
+                <a:spcPct val="107000"/>
+              </a:lnSpc>
+              <a:spcAft>
+                <a:spcPts val="800"/>
+              </a:spcAft>
+              <a:buFontTx/>
+              <a:buChar char="-"/>
+            </a:pPr>
+            <a:r>
+              <a:rPr lang="fr-FR" sz="1600" dirty="0" smtClean="0">
+                <a:latin typeface="Calibri" panose="020F0502020204030204" pitchFamily="34" charset="0"/>
+                <a:ea typeface="SimSun" panose="02010600030101010101" pitchFamily="2" charset="-122"/>
+                <a:cs typeface="Times New Roman" panose="02020603050405020304" pitchFamily="18" charset="0"/>
+              </a:rPr>
+              <a:t>La différence avec un lecteur RFID lambda : Les lecteurs DAG System sont conçu pour lire uniquement les DAGs (dossard)</a:t>
+            </a:r>
+            <a:endParaRPr lang="fr-FR" sz="1400" dirty="0">
+              <a:latin typeface="Calibri" panose="020F0502020204030204" pitchFamily="34" charset="0"/>
+              <a:ea typeface="SimSun" panose="02010600030101010101" pitchFamily="2" charset="-122"/>
+              <a:cs typeface="Times New Roman" panose="02020603050405020304" pitchFamily="18" charset="0"/>
+            </a:endParaRPr>
+          </a:p>
+        </p:txBody>
+      </p:sp>
+      <p:pic>
+        <p:nvPicPr>
+          <p:cNvPr id="8" name="Image 7"/>
+          <p:cNvPicPr/>
           <p:nvPr/>
-        </p:nvSpPr>
-        <p:spPr>
-          <a:xfrm rot="5400000">
-            <a:off x="7056583" y="5039594"/>
-            <a:ext cx="192807" cy="192809"/>
-          </a:xfrm>
-          <a:prstGeom prst="bentUpArrow">
+        </p:nvPicPr>
+        <p:blipFill rotWithShape="1">
+          <a:blip r:embed="rId4">
+            <a:extLst>
+              <a:ext uri="{28A0092B-C50C-407E-A947-70E740481C1C}">
+                <a14:useLocalDpi xmlns:a14="http://schemas.microsoft.com/office/drawing/2010/main" val="0"/>
+              </a:ext>
+            </a:extLst>
+          </a:blip>
+          <a:srcRect l="2692" t="1251" r="5783" b="5113"/>
+          <a:stretch/>
+        </p:blipFill>
+        <p:spPr>
+          <a:xfrm>
+            <a:off x="4533900" y="4649113"/>
+            <a:ext cx="1570183" cy="1382423"/>
+          </a:xfrm>
+          <a:prstGeom prst="rect">
             <a:avLst/>
           </a:prstGeom>
         </p:spPr>
-        <p:style>
-          <a:lnRef idx="2">
-            <a:schemeClr val="dk1">
-              <a:shade val="50000"/>
-            </a:schemeClr>
-          </a:lnRef>
-          <a:fillRef idx="1">
-            <a:schemeClr val="dk1"/>
-          </a:fillRef>
-          <a:effectRef idx="0">
-            <a:schemeClr val="dk1"/>
-          </a:effectRef>
-          <a:fontRef idx="minor">
-            <a:schemeClr val="lt1"/>
-          </a:fontRef>
-        </p:style>
-        <p:txBody>
-          <a:bodyPr rtlCol="0" anchor="ctr"/>
-          <a:lstStyle/>
-          <a:p>
-            <a:pPr algn="ctr"/>
-            <a:endParaRPr lang="fr-FR"/>
-          </a:p>
-        </p:txBody>
-      </p:sp>
-      <p:sp>
-        <p:nvSpPr>
-          <p:cNvPr id="13" name="Flèche vers le bas 12"/>
-          <p:cNvSpPr/>
-          <p:nvPr/>
-        </p:nvSpPr>
-        <p:spPr>
-          <a:xfrm>
-            <a:off x="6987308" y="5883377"/>
-            <a:ext cx="80819" cy="179711"/>
-          </a:xfrm>
-          <a:prstGeom prst="downArrow">
-            <a:avLst/>
-          </a:prstGeom>
-        </p:spPr>
-        <p:style>
-          <a:lnRef idx="2">
-            <a:schemeClr val="dk1">
-              <a:shade val="50000"/>
-            </a:schemeClr>
-          </a:lnRef>
-          <a:fillRef idx="1">
-            <a:schemeClr val="dk1"/>
-          </a:fillRef>
-          <a:effectRef idx="0">
-            <a:schemeClr val="dk1"/>
-          </a:effectRef>
-          <a:fontRef idx="minor">
-            <a:schemeClr val="lt1"/>
-          </a:fontRef>
-        </p:style>
-        <p:txBody>
-          <a:bodyPr rtlCol="0" anchor="ctr"/>
-          <a:lstStyle/>
-          <a:p>
-            <a:pPr algn="ctr"/>
-            <a:endParaRPr lang="fr-FR"/>
-          </a:p>
-        </p:txBody>
-      </p:sp>
+      </p:pic>
     </p:spTree>
     <p:extLst>
       <p:ext uri="{BB962C8B-B14F-4D97-AF65-F5344CB8AC3E}">
-        <p14:creationId xmlns:p14="http://schemas.microsoft.com/office/powerpoint/2010/main" val="4282450701"/>
+        <p14:creationId xmlns:p14="http://schemas.microsoft.com/office/powerpoint/2010/main" val="2600805086"/>
       </p:ext>
     </p:extLst>
   </p:cSld>
@@ -7989,9 +8422,9 @@
     <p:bg>
       <p:bgPr>
         <a:solidFill>
-          <a:schemeClr val="accent6">
-            <a:lumMod val="20000"/>
-            <a:lumOff val="80000"/>
+          <a:schemeClr val="accent2">
+            <a:lumMod val="40000"/>
+            <a:lumOff val="60000"/>
           </a:schemeClr>
         </a:solidFill>
         <a:effectLst/>
@@ -8021,162 +8454,432 @@
             <p:ph type="title"/>
           </p:nvPr>
         </p:nvSpPr>
-        <p:spPr/>
-        <p:txBody>
-          <a:bodyPr/>
-          <a:lstStyle/>
-          <a:p>
-            <a:r>
-              <a:rPr lang="fr-FR" dirty="0">
-                <a:solidFill>
-                  <a:schemeClr val="accent6">
-                    <a:lumMod val="75000"/>
-                  </a:schemeClr>
-                </a:solidFill>
-              </a:rPr>
-              <a:t>Etudiant 3 : </a:t>
-            </a:r>
-            <a:r>
-              <a:rPr lang="fr-FR" dirty="0" err="1">
-                <a:solidFill>
-                  <a:schemeClr val="accent6">
-                    <a:lumMod val="75000"/>
-                  </a:schemeClr>
-                </a:solidFill>
-              </a:rPr>
-              <a:t>Lapraye</a:t>
-            </a:r>
-            <a:r>
-              <a:rPr lang="fr-FR" dirty="0">
-                <a:solidFill>
-                  <a:schemeClr val="accent6">
-                    <a:lumMod val="75000"/>
-                  </a:schemeClr>
-                </a:solidFill>
-              </a:rPr>
-              <a:t> Serge</a:t>
-            </a:r>
-          </a:p>
-        </p:txBody>
-      </p:sp>
-      <p:sp>
-        <p:nvSpPr>
-          <p:cNvPr id="3" name="Espace réservé du contenu 2"/>
-          <p:cNvSpPr>
-            <a:spLocks noGrp="1"/>
-          </p:cNvSpPr>
-          <p:nvPr>
-            <p:ph idx="1"/>
-          </p:nvPr>
-        </p:nvSpPr>
-        <p:spPr/>
+        <p:spPr>
+          <a:xfrm>
+            <a:off x="838200" y="0"/>
+            <a:ext cx="10515600" cy="864211"/>
+          </a:xfrm>
+        </p:spPr>
         <p:txBody>
           <a:bodyPr>
-            <a:normAutofit fontScale="92500" lnSpcReduction="20000"/>
+            <a:normAutofit/>
           </a:bodyPr>
           <a:lstStyle/>
           <a:p>
             <a:r>
+              <a:rPr lang="fr-FR" sz="2800" dirty="0"/>
+              <a:t>2) Boite noire</a:t>
+            </a:r>
+            <a:br>
+              <a:rPr lang="fr-FR" sz="2800" dirty="0"/>
+            </a:br>
+            <a:r>
+              <a:rPr lang="fr-FR" sz="2800" dirty="0"/>
+              <a:t>	</a:t>
+            </a:r>
+            <a:r>
+              <a:rPr lang="fr-FR" sz="2400" dirty="0"/>
+              <a:t>a) Principe de fonctionnement</a:t>
+            </a:r>
+            <a:endParaRPr lang="fr-FR" sz="2800" dirty="0"/>
+          </a:p>
+        </p:txBody>
+      </p:sp>
+      <p:pic>
+        <p:nvPicPr>
+          <p:cNvPr id="4" name="Image 3"/>
+          <p:cNvPicPr/>
+          <p:nvPr/>
+        </p:nvPicPr>
+        <p:blipFill>
+          <a:blip r:embed="rId2"/>
+          <a:stretch>
+            <a:fillRect/>
+          </a:stretch>
+        </p:blipFill>
+        <p:spPr>
+          <a:xfrm>
+            <a:off x="90076" y="864211"/>
+            <a:ext cx="6426489" cy="5703367"/>
+          </a:xfrm>
+          <a:prstGeom prst="rect">
+            <a:avLst/>
+          </a:prstGeom>
+        </p:spPr>
+      </p:pic>
+      <p:sp>
+        <p:nvSpPr>
+          <p:cNvPr id="5" name="Rectangle 4"/>
+          <p:cNvSpPr/>
+          <p:nvPr/>
+        </p:nvSpPr>
+        <p:spPr>
+          <a:xfrm>
+            <a:off x="90076" y="4119418"/>
+            <a:ext cx="1415473" cy="1431637"/>
+          </a:xfrm>
+          <a:prstGeom prst="rect">
+            <a:avLst/>
+          </a:prstGeom>
+          <a:solidFill>
+            <a:schemeClr val="bg1"/>
+          </a:solidFill>
+          <a:ln>
+            <a:solidFill>
+              <a:schemeClr val="bg1"/>
+            </a:solidFill>
+          </a:ln>
+        </p:spPr>
+        <p:style>
+          <a:lnRef idx="2">
+            <a:schemeClr val="accent1">
+              <a:shade val="50000"/>
+            </a:schemeClr>
+          </a:lnRef>
+          <a:fillRef idx="1">
+            <a:schemeClr val="accent1"/>
+          </a:fillRef>
+          <a:effectRef idx="0">
+            <a:schemeClr val="accent1"/>
+          </a:effectRef>
+          <a:fontRef idx="minor">
+            <a:schemeClr val="lt1"/>
+          </a:fontRef>
+        </p:style>
+        <p:txBody>
+          <a:bodyPr rtlCol="0" anchor="ctr"/>
+          <a:lstStyle/>
+          <a:p>
+            <a:pPr algn="ctr"/>
+            <a:endParaRPr lang="fr-FR"/>
+          </a:p>
+        </p:txBody>
+      </p:sp>
+      <p:sp>
+        <p:nvSpPr>
+          <p:cNvPr id="6" name="Rectangle 5"/>
+          <p:cNvSpPr/>
+          <p:nvPr/>
+        </p:nvSpPr>
+        <p:spPr>
+          <a:xfrm>
+            <a:off x="1505549" y="4424218"/>
+            <a:ext cx="323272" cy="203200"/>
+          </a:xfrm>
+          <a:prstGeom prst="rect">
+            <a:avLst/>
+          </a:prstGeom>
+          <a:solidFill>
+            <a:schemeClr val="bg1"/>
+          </a:solidFill>
+          <a:ln>
+            <a:solidFill>
+              <a:schemeClr val="bg1"/>
+            </a:solidFill>
+          </a:ln>
+        </p:spPr>
+        <p:style>
+          <a:lnRef idx="2">
+            <a:schemeClr val="accent1">
+              <a:shade val="50000"/>
+            </a:schemeClr>
+          </a:lnRef>
+          <a:fillRef idx="1">
+            <a:schemeClr val="accent1"/>
+          </a:fillRef>
+          <a:effectRef idx="0">
+            <a:schemeClr val="accent1"/>
+          </a:effectRef>
+          <a:fontRef idx="minor">
+            <a:schemeClr val="lt1"/>
+          </a:fontRef>
+        </p:style>
+        <p:txBody>
+          <a:bodyPr rtlCol="0" anchor="ctr"/>
+          <a:lstStyle/>
+          <a:p>
+            <a:pPr algn="ctr"/>
+            <a:endParaRPr lang="fr-FR"/>
+          </a:p>
+        </p:txBody>
+      </p:sp>
+      <p:sp>
+        <p:nvSpPr>
+          <p:cNvPr id="7" name="ZoneTexte 6"/>
+          <p:cNvSpPr txBox="1"/>
+          <p:nvPr/>
+        </p:nvSpPr>
+        <p:spPr>
+          <a:xfrm>
+            <a:off x="6680200" y="843720"/>
+            <a:ext cx="3814619" cy="1200329"/>
+          </a:xfrm>
+          <a:prstGeom prst="rect">
+            <a:avLst/>
+          </a:prstGeom>
+          <a:noFill/>
+        </p:spPr>
+        <p:txBody>
+          <a:bodyPr wrap="square" rtlCol="0">
+            <a:spAutoFit/>
+          </a:bodyPr>
+          <a:lstStyle/>
+          <a:p>
+            <a:r>
               <a:rPr lang="fr-FR" dirty="0"/>
-              <a:t>I) Analyse complète du système</a:t>
-            </a:r>
-          </a:p>
-          <a:p>
-            <a:pPr lvl="1"/>
+              <a:t>La boite noire possède ses propres méthodes qui renvoient des valeurs en hexadécimal. Voici un morceau de la documentation :</a:t>
+            </a:r>
+          </a:p>
+        </p:txBody>
+      </p:sp>
+      <p:pic>
+        <p:nvPicPr>
+          <p:cNvPr id="8" name="Image 7"/>
+          <p:cNvPicPr>
+            <a:picLocks noChangeAspect="1"/>
+          </p:cNvPicPr>
+          <p:nvPr/>
+        </p:nvPicPr>
+        <p:blipFill rotWithShape="1">
+          <a:blip r:embed="rId3" cstate="print">
+            <a:extLst>
+              <a:ext uri="{28A0092B-C50C-407E-A947-70E740481C1C}">
+                <a14:useLocalDpi xmlns:a14="http://schemas.microsoft.com/office/drawing/2010/main" val="0"/>
+              </a:ext>
+            </a:extLst>
+          </a:blip>
+          <a:srcRect t="15623" r="48923" b="8687"/>
+          <a:stretch/>
+        </p:blipFill>
+        <p:spPr>
+          <a:xfrm rot="16200000">
+            <a:off x="8020766" y="703484"/>
+            <a:ext cx="2747540" cy="5428672"/>
+          </a:xfrm>
+          <a:prstGeom prst="rect">
+            <a:avLst/>
+          </a:prstGeom>
+        </p:spPr>
+      </p:pic>
+      <p:sp>
+        <p:nvSpPr>
+          <p:cNvPr id="9" name="ZoneTexte 8"/>
+          <p:cNvSpPr txBox="1"/>
+          <p:nvPr/>
+        </p:nvSpPr>
+        <p:spPr>
+          <a:xfrm>
+            <a:off x="6720608" y="4950890"/>
+            <a:ext cx="1715655" cy="1200329"/>
+          </a:xfrm>
+          <a:prstGeom prst="rect">
+            <a:avLst/>
+          </a:prstGeom>
+          <a:noFill/>
+        </p:spPr>
+        <p:txBody>
+          <a:bodyPr wrap="square" rtlCol="0">
+            <a:spAutoFit/>
+          </a:bodyPr>
+          <a:lstStyle/>
+          <a:p>
+            <a:pPr algn="r"/>
             <a:r>
               <a:rPr lang="fr-FR" dirty="0"/>
-              <a:t>1) Diagramme de cas d’utilisation</a:t>
-            </a:r>
-          </a:p>
-          <a:p>
-            <a:pPr lvl="1"/>
+              <a:t>STX : 0x00</a:t>
+            </a:r>
+          </a:p>
+          <a:p>
+            <a:pPr algn="r"/>
             <a:r>
               <a:rPr lang="fr-FR" dirty="0"/>
-              <a:t>2) Scénario</a:t>
-            </a:r>
-          </a:p>
-          <a:p>
-            <a:pPr lvl="1"/>
+              <a:t>TAB : 0x09</a:t>
+            </a:r>
+          </a:p>
+          <a:p>
+            <a:pPr algn="r"/>
             <a:r>
               <a:rPr lang="fr-FR" dirty="0"/>
-              <a:t>3) Diagramme de séquence</a:t>
-            </a:r>
-          </a:p>
-          <a:p>
-            <a:pPr lvl="2"/>
+              <a:t>CR : 0x00</a:t>
+            </a:r>
+          </a:p>
+          <a:p>
+            <a:pPr algn="r"/>
             <a:r>
               <a:rPr lang="fr-FR" dirty="0"/>
-              <a:t>a) Affichage des infos en temps réels</a:t>
-            </a:r>
-          </a:p>
-          <a:p>
-            <a:pPr lvl="2"/>
-            <a:r>
-              <a:rPr lang="fr-FR" dirty="0"/>
-              <a:t>b) Switch de page de par le C++</a:t>
-            </a:r>
-          </a:p>
-          <a:p>
-            <a:r>
-              <a:rPr lang="fr-FR" dirty="0"/>
-              <a:t>II) Etude physique du WI-FI</a:t>
-            </a:r>
-          </a:p>
-          <a:p>
-            <a:pPr lvl="1"/>
-            <a:r>
-              <a:rPr lang="fr-FR" dirty="0"/>
-              <a:t>1) Fonctionnement</a:t>
-            </a:r>
-          </a:p>
-          <a:p>
-            <a:pPr lvl="2"/>
-            <a:r>
-              <a:rPr lang="fr-FR" dirty="0"/>
-              <a:t>a) Introduction du wifi</a:t>
-            </a:r>
-          </a:p>
-          <a:p>
-            <a:pPr lvl="2"/>
-            <a:r>
-              <a:rPr lang="fr-FR" dirty="0"/>
-              <a:t>b) Principe du wifi</a:t>
-            </a:r>
-          </a:p>
-          <a:p>
-            <a:pPr lvl="2"/>
-            <a:r>
-              <a:rPr lang="fr-FR" dirty="0"/>
-              <a:t>c) Principes de fonctionnements</a:t>
-            </a:r>
-          </a:p>
-          <a:p>
-            <a:pPr lvl="1"/>
-            <a:r>
-              <a:rPr lang="fr-FR" dirty="0"/>
-              <a:t>2) Utilisation et choix du WI-FI</a:t>
-            </a:r>
-          </a:p>
-          <a:p>
-            <a:pPr lvl="2"/>
-            <a:r>
-              <a:rPr lang="fr-FR" dirty="0"/>
-              <a:t>a) Utilisation précise du wifi</a:t>
-            </a:r>
-          </a:p>
-          <a:p>
-            <a:pPr lvl="2"/>
-            <a:r>
-              <a:rPr lang="fr-FR" dirty="0"/>
-              <a:t>b) Le choix du wifi</a:t>
-            </a:r>
+              <a:t>SPACE : 0x20</a:t>
+            </a:r>
+          </a:p>
+        </p:txBody>
+      </p:sp>
+      <p:sp>
+        <p:nvSpPr>
+          <p:cNvPr id="10" name="Flèche à angle droit 9"/>
+          <p:cNvSpPr/>
+          <p:nvPr/>
+        </p:nvSpPr>
+        <p:spPr>
+          <a:xfrm rot="5400000" flipV="1">
+            <a:off x="7027424" y="5581366"/>
+            <a:ext cx="225138" cy="202622"/>
+          </a:xfrm>
+          <a:prstGeom prst="bentUpArrow">
+            <a:avLst>
+              <a:gd name="adj1" fmla="val 20897"/>
+              <a:gd name="adj2" fmla="val 29103"/>
+              <a:gd name="adj3" fmla="val 29103"/>
+            </a:avLst>
+          </a:prstGeom>
+        </p:spPr>
+        <p:style>
+          <a:lnRef idx="2">
+            <a:schemeClr val="dk1">
+              <a:shade val="50000"/>
+            </a:schemeClr>
+          </a:lnRef>
+          <a:fillRef idx="1">
+            <a:schemeClr val="dk1"/>
+          </a:fillRef>
+          <a:effectRef idx="0">
+            <a:schemeClr val="dk1"/>
+          </a:effectRef>
+          <a:fontRef idx="minor">
+            <a:schemeClr val="lt1"/>
+          </a:fontRef>
+        </p:style>
+        <p:txBody>
+          <a:bodyPr rtlCol="0" anchor="ctr"/>
+          <a:lstStyle/>
+          <a:p>
+            <a:pPr algn="ctr"/>
+            <a:endParaRPr lang="fr-FR"/>
+          </a:p>
+        </p:txBody>
+      </p:sp>
+      <p:sp>
+        <p:nvSpPr>
+          <p:cNvPr id="11" name="Flèche droite 10"/>
+          <p:cNvSpPr/>
+          <p:nvPr/>
+        </p:nvSpPr>
+        <p:spPr>
+          <a:xfrm>
+            <a:off x="7038112" y="5340703"/>
+            <a:ext cx="237837" cy="127224"/>
+          </a:xfrm>
+          <a:prstGeom prst="rightArrow">
+            <a:avLst/>
+          </a:prstGeom>
+        </p:spPr>
+        <p:style>
+          <a:lnRef idx="2">
+            <a:schemeClr val="dk1">
+              <a:shade val="50000"/>
+            </a:schemeClr>
+          </a:lnRef>
+          <a:fillRef idx="1">
+            <a:schemeClr val="dk1"/>
+          </a:fillRef>
+          <a:effectRef idx="0">
+            <a:schemeClr val="dk1"/>
+          </a:effectRef>
+          <a:fontRef idx="minor">
+            <a:schemeClr val="lt1"/>
+          </a:fontRef>
+        </p:style>
+        <p:txBody>
+          <a:bodyPr rtlCol="0" anchor="ctr"/>
+          <a:lstStyle/>
+          <a:p>
+            <a:pPr algn="ctr"/>
+            <a:endParaRPr lang="fr-FR"/>
+          </a:p>
+        </p:txBody>
+      </p:sp>
+      <p:sp>
+        <p:nvSpPr>
+          <p:cNvPr id="12" name="Flèche à angle droit 11"/>
+          <p:cNvSpPr/>
+          <p:nvPr/>
+        </p:nvSpPr>
+        <p:spPr>
+          <a:xfrm rot="5400000">
+            <a:off x="7056583" y="5039594"/>
+            <a:ext cx="192807" cy="192809"/>
+          </a:xfrm>
+          <a:prstGeom prst="bentUpArrow">
+            <a:avLst/>
+          </a:prstGeom>
+        </p:spPr>
+        <p:style>
+          <a:lnRef idx="2">
+            <a:schemeClr val="dk1">
+              <a:shade val="50000"/>
+            </a:schemeClr>
+          </a:lnRef>
+          <a:fillRef idx="1">
+            <a:schemeClr val="dk1"/>
+          </a:fillRef>
+          <a:effectRef idx="0">
+            <a:schemeClr val="dk1"/>
+          </a:effectRef>
+          <a:fontRef idx="minor">
+            <a:schemeClr val="lt1"/>
+          </a:fontRef>
+        </p:style>
+        <p:txBody>
+          <a:bodyPr rtlCol="0" anchor="ctr"/>
+          <a:lstStyle/>
+          <a:p>
+            <a:pPr algn="ctr"/>
+            <a:endParaRPr lang="fr-FR"/>
+          </a:p>
+        </p:txBody>
+      </p:sp>
+      <p:sp>
+        <p:nvSpPr>
+          <p:cNvPr id="13" name="Flèche vers le bas 12"/>
+          <p:cNvSpPr/>
+          <p:nvPr/>
+        </p:nvSpPr>
+        <p:spPr>
+          <a:xfrm>
+            <a:off x="6987308" y="5883377"/>
+            <a:ext cx="80819" cy="179711"/>
+          </a:xfrm>
+          <a:prstGeom prst="downArrow">
+            <a:avLst/>
+          </a:prstGeom>
+        </p:spPr>
+        <p:style>
+          <a:lnRef idx="2">
+            <a:schemeClr val="dk1">
+              <a:shade val="50000"/>
+            </a:schemeClr>
+          </a:lnRef>
+          <a:fillRef idx="1">
+            <a:schemeClr val="dk1"/>
+          </a:fillRef>
+          <a:effectRef idx="0">
+            <a:schemeClr val="dk1"/>
+          </a:effectRef>
+          <a:fontRef idx="minor">
+            <a:schemeClr val="lt1"/>
+          </a:fontRef>
+        </p:style>
+        <p:txBody>
+          <a:bodyPr rtlCol="0" anchor="ctr"/>
+          <a:lstStyle/>
+          <a:p>
+            <a:pPr algn="ctr"/>
+            <a:endParaRPr lang="fr-FR"/>
           </a:p>
         </p:txBody>
       </p:sp>
     </p:spTree>
     <p:extLst>
       <p:ext uri="{BB962C8B-B14F-4D97-AF65-F5344CB8AC3E}">
-        <p14:creationId xmlns:p14="http://schemas.microsoft.com/office/powerpoint/2010/main" val="1010092771"/>
+        <p14:creationId xmlns:p14="http://schemas.microsoft.com/office/powerpoint/2010/main" val="4282450701"/>
       </p:ext>
     </p:extLst>
   </p:cSld>
@@ -8224,76 +8927,162 @@
             <p:ph type="title"/>
           </p:nvPr>
         </p:nvSpPr>
-        <p:spPr>
-          <a:xfrm>
-            <a:off x="838199" y="1"/>
-            <a:ext cx="10515600" cy="923192"/>
-          </a:xfrm>
-        </p:spPr>
+        <p:spPr/>
+        <p:txBody>
+          <a:bodyPr/>
+          <a:lstStyle/>
+          <a:p>
+            <a:r>
+              <a:rPr lang="fr-FR" dirty="0">
+                <a:solidFill>
+                  <a:schemeClr val="accent6">
+                    <a:lumMod val="75000"/>
+                  </a:schemeClr>
+                </a:solidFill>
+              </a:rPr>
+              <a:t>Etudiant 3 : </a:t>
+            </a:r>
+            <a:r>
+              <a:rPr lang="fr-FR" dirty="0" err="1">
+                <a:solidFill>
+                  <a:schemeClr val="accent6">
+                    <a:lumMod val="75000"/>
+                  </a:schemeClr>
+                </a:solidFill>
+              </a:rPr>
+              <a:t>Lapraye</a:t>
+            </a:r>
+            <a:r>
+              <a:rPr lang="fr-FR" dirty="0">
+                <a:solidFill>
+                  <a:schemeClr val="accent6">
+                    <a:lumMod val="75000"/>
+                  </a:schemeClr>
+                </a:solidFill>
+              </a:rPr>
+              <a:t> Serge</a:t>
+            </a:r>
+          </a:p>
+        </p:txBody>
+      </p:sp>
+      <p:sp>
+        <p:nvSpPr>
+          <p:cNvPr id="3" name="Espace réservé du contenu 2"/>
+          <p:cNvSpPr>
+            <a:spLocks noGrp="1"/>
+          </p:cNvSpPr>
+          <p:nvPr>
+            <p:ph idx="1"/>
+          </p:nvPr>
+        </p:nvSpPr>
+        <p:spPr/>
         <p:txBody>
           <a:bodyPr>
-            <a:noAutofit/>
+            <a:normAutofit fontScale="92500" lnSpcReduction="20000"/>
           </a:bodyPr>
           <a:lstStyle/>
           <a:p>
-            <a:pPr algn="ctr"/>
-            <a:r>
-              <a:rPr lang="fr-FR" sz="3200" dirty="0"/>
+            <a:r>
+              <a:rPr lang="fr-FR" dirty="0"/>
               <a:t>I) Analyse complète du système</a:t>
             </a:r>
-            <a:r>
-              <a:rPr lang="fr-FR" sz="4000" dirty="0"/>
-              <a:t/>
-            </a:r>
-            <a:br>
-              <a:rPr lang="fr-FR" sz="4000" dirty="0"/>
-            </a:br>
-            <a:r>
-              <a:rPr lang="fr-FR" sz="3600" dirty="0"/>
-              <a:t>	</a:t>
-            </a:r>
-            <a:r>
-              <a:rPr lang="fr-FR" sz="2400" dirty="0"/>
+          </a:p>
+          <a:p>
+            <a:pPr lvl="1"/>
+            <a:r>
+              <a:rPr lang="fr-FR" dirty="0"/>
               <a:t>1) Diagramme de cas d’utilisation</a:t>
             </a:r>
-            <a:endParaRPr lang="fr-FR" sz="2800" dirty="0"/>
-          </a:p>
-        </p:txBody>
-      </p:sp>
-      <p:pic>
-        <p:nvPicPr>
-          <p:cNvPr id="3" name="Image 2"/>
-          <p:cNvPicPr>
-            <a:picLocks noChangeAspect="1"/>
-          </p:cNvPicPr>
-          <p:nvPr/>
-        </p:nvPicPr>
-        <p:blipFill>
-          <a:blip r:embed="rId2">
-            <a:extLst>
-              <a:ext uri="{28A0092B-C50C-407E-A947-70E740481C1C}">
-                <a14:useLocalDpi xmlns:a14="http://schemas.microsoft.com/office/drawing/2010/main" val="0"/>
-              </a:ext>
-            </a:extLst>
-          </a:blip>
-          <a:stretch>
-            <a:fillRect/>
-          </a:stretch>
-        </p:blipFill>
-        <p:spPr>
-          <a:xfrm>
-            <a:off x="2747662" y="1071418"/>
-            <a:ext cx="7569356" cy="5703455"/>
-          </a:xfrm>
-          <a:prstGeom prst="rect">
-            <a:avLst/>
-          </a:prstGeom>
-        </p:spPr>
-      </p:pic>
+          </a:p>
+          <a:p>
+            <a:pPr lvl="1"/>
+            <a:r>
+              <a:rPr lang="fr-FR" dirty="0"/>
+              <a:t>2) Scénario</a:t>
+            </a:r>
+          </a:p>
+          <a:p>
+            <a:pPr lvl="1"/>
+            <a:r>
+              <a:rPr lang="fr-FR" dirty="0"/>
+              <a:t>3) Diagramme de séquence</a:t>
+            </a:r>
+          </a:p>
+          <a:p>
+            <a:pPr lvl="2"/>
+            <a:r>
+              <a:rPr lang="fr-FR" dirty="0"/>
+              <a:t>a) Affichage des infos en temps réels</a:t>
+            </a:r>
+          </a:p>
+          <a:p>
+            <a:pPr lvl="2"/>
+            <a:r>
+              <a:rPr lang="fr-FR" dirty="0"/>
+              <a:t>b) Switch de page de par le C++</a:t>
+            </a:r>
+          </a:p>
+          <a:p>
+            <a:r>
+              <a:rPr lang="fr-FR" dirty="0"/>
+              <a:t>II) Etude physique du WI-FI</a:t>
+            </a:r>
+          </a:p>
+          <a:p>
+            <a:pPr lvl="1"/>
+            <a:r>
+              <a:rPr lang="fr-FR" dirty="0"/>
+              <a:t>1) Fonctionnement</a:t>
+            </a:r>
+          </a:p>
+          <a:p>
+            <a:pPr lvl="2"/>
+            <a:r>
+              <a:rPr lang="fr-FR" dirty="0"/>
+              <a:t>a) Introduction du wifi</a:t>
+            </a:r>
+          </a:p>
+          <a:p>
+            <a:pPr lvl="2"/>
+            <a:r>
+              <a:rPr lang="fr-FR" dirty="0"/>
+              <a:t>b) Principe du wifi</a:t>
+            </a:r>
+          </a:p>
+          <a:p>
+            <a:pPr lvl="2"/>
+            <a:r>
+              <a:rPr lang="fr-FR" dirty="0"/>
+              <a:t>c) Principes de fonctionnements</a:t>
+            </a:r>
+          </a:p>
+          <a:p>
+            <a:pPr lvl="1"/>
+            <a:r>
+              <a:rPr lang="fr-FR" dirty="0"/>
+              <a:t>2) Utilisation et choix du WI-FI</a:t>
+            </a:r>
+          </a:p>
+          <a:p>
+            <a:pPr lvl="2"/>
+            <a:r>
+              <a:rPr lang="fr-FR" dirty="0"/>
+              <a:t>a) Utilisation précise du wifi</a:t>
+            </a:r>
+          </a:p>
+          <a:p>
+            <a:pPr lvl="2"/>
+            <a:r>
+              <a:rPr lang="fr-FR" dirty="0"/>
+              <a:t>b) Le choix du wifi</a:t>
+            </a:r>
+          </a:p>
+        </p:txBody>
+      </p:sp>
     </p:spTree>
     <p:extLst>
       <p:ext uri="{BB962C8B-B14F-4D97-AF65-F5344CB8AC3E}">
-        <p14:creationId xmlns:p14="http://schemas.microsoft.com/office/powerpoint/2010/main" val="2859212620"/>
+        <p14:creationId xmlns:p14="http://schemas.microsoft.com/office/powerpoint/2010/main" val="1010092771"/>
       </p:ext>
     </p:extLst>
   </p:cSld>
@@ -8304,85 +9093,6 @@
 </file>
 
 <file path=ppt/slides/slide32.xml><?xml version="1.0" encoding="utf-8"?>
-<p:sld xmlns:a="http://schemas.openxmlformats.org/drawingml/2006/main" xmlns:r="http://schemas.openxmlformats.org/officeDocument/2006/relationships" xmlns:p="http://schemas.openxmlformats.org/presentationml/2006/main">
-  <p:cSld>
-    <p:spTree>
-      <p:nvGrpSpPr>
-        <p:cNvPr id="1" name=""/>
-        <p:cNvGrpSpPr/>
-        <p:nvPr/>
-      </p:nvGrpSpPr>
-      <p:grpSpPr>
-        <a:xfrm>
-          <a:off x="0" y="0"/>
-          <a:ext cx="0" cy="0"/>
-          <a:chOff x="0" y="0"/>
-          <a:chExt cx="0" cy="0"/>
-        </a:xfrm>
-      </p:grpSpPr>
-      <p:sp>
-        <p:nvSpPr>
-          <p:cNvPr id="2" name="Titre 1"/>
-          <p:cNvSpPr>
-            <a:spLocks noGrp="1"/>
-          </p:cNvSpPr>
-          <p:nvPr>
-            <p:ph type="title"/>
-          </p:nvPr>
-        </p:nvSpPr>
-        <p:spPr>
-          <a:xfrm>
-            <a:off x="838200" y="0"/>
-            <a:ext cx="10515600" cy="487729"/>
-          </a:xfrm>
-        </p:spPr>
-        <p:txBody>
-          <a:bodyPr>
-            <a:normAutofit/>
-          </a:bodyPr>
-          <a:lstStyle/>
-          <a:p>
-            <a:pPr algn="ctr"/>
-            <a:r>
-              <a:rPr lang="fr-FR" sz="2800" dirty="0"/>
-              <a:t>2) Scénario</a:t>
-            </a:r>
-          </a:p>
-        </p:txBody>
-      </p:sp>
-      <p:sp>
-        <p:nvSpPr>
-          <p:cNvPr id="4" name="Espace réservé du contenu 3"/>
-          <p:cNvSpPr>
-            <a:spLocks noGrp="1"/>
-          </p:cNvSpPr>
-          <p:nvPr>
-            <p:ph idx="1"/>
-          </p:nvPr>
-        </p:nvSpPr>
-        <p:spPr/>
-        <p:txBody>
-          <a:bodyPr/>
-          <a:lstStyle/>
-          <a:p>
-            <a:endParaRPr lang="fr-FR"/>
-          </a:p>
-        </p:txBody>
-      </p:sp>
-    </p:spTree>
-    <p:extLst>
-      <p:ext uri="{BB962C8B-B14F-4D97-AF65-F5344CB8AC3E}">
-        <p14:creationId xmlns:p14="http://schemas.microsoft.com/office/powerpoint/2010/main" val="266929531"/>
-      </p:ext>
-    </p:extLst>
-  </p:cSld>
-  <p:clrMapOvr>
-    <a:masterClrMapping/>
-  </p:clrMapOvr>
-</p:sld>
-</file>
-
-<file path=ppt/slides/slide33.xml><?xml version="1.0" encoding="utf-8"?>
 <p:sld xmlns:a="http://schemas.openxmlformats.org/drawingml/2006/main" xmlns:r="http://schemas.openxmlformats.org/officeDocument/2006/relationships" xmlns:p="http://schemas.openxmlformats.org/presentationml/2006/main">
   <p:cSld>
     <p:bg>
@@ -8422,67 +9132,43 @@
         </p:nvSpPr>
         <p:spPr>
           <a:xfrm>
-            <a:off x="759068" y="0"/>
-            <a:ext cx="10515600" cy="1169377"/>
+            <a:off x="838199" y="1"/>
+            <a:ext cx="10515600" cy="923192"/>
           </a:xfrm>
         </p:spPr>
         <p:txBody>
           <a:bodyPr>
-            <a:normAutofit fontScale="90000"/>
+            <a:noAutofit/>
           </a:bodyPr>
           <a:lstStyle/>
           <a:p>
-            <a:pPr lvl="2" algn="ctr" rtl="0">
-              <a:lnSpc>
-                <a:spcPct val="90000"/>
-              </a:lnSpc>
-              <a:spcBef>
-                <a:spcPct val="0"/>
-              </a:spcBef>
-            </a:pPr>
-            <a:r>
-              <a:rPr lang="fr-FR" sz="3100" dirty="0">
-                <a:latin typeface="+mj-lt"/>
-              </a:rPr>
-              <a:t>3) Diagramme de séquence</a:t>
-            </a:r>
-            <a:r>
-              <a:rPr lang="fr-FR" sz="3200" dirty="0">
-                <a:latin typeface="+mj-lt"/>
-              </a:rPr>
+            <a:pPr algn="ctr"/>
+            <a:r>
+              <a:rPr lang="fr-FR" sz="3200" dirty="0"/>
+              <a:t>I) Analyse complète du système</a:t>
+            </a:r>
+            <a:r>
+              <a:rPr lang="fr-FR" sz="4000" dirty="0"/>
               <a:t/>
             </a:r>
             <a:br>
-              <a:rPr lang="fr-FR" sz="3200" dirty="0">
-                <a:latin typeface="+mj-lt"/>
-              </a:rPr>
+              <a:rPr lang="fr-FR" sz="4000" dirty="0"/>
             </a:br>
             <a:r>
-              <a:rPr lang="fr-FR" sz="3200" dirty="0">
-                <a:latin typeface="+mj-lt"/>
-              </a:rPr>
+              <a:rPr lang="fr-FR" sz="3600" dirty="0"/>
               <a:t>	</a:t>
             </a:r>
             <a:r>
-              <a:rPr lang="fr-FR" sz="2400" dirty="0">
-                <a:latin typeface="+mj-lt"/>
-              </a:rPr>
-              <a:t>a) Affichage des infos en temps réels</a:t>
-            </a:r>
-            <a:r>
-              <a:rPr lang="fr-FR" dirty="0"/>
-              <a:t/>
-            </a:r>
-            <a:br>
-              <a:rPr lang="fr-FR" dirty="0"/>
-            </a:br>
-            <a:endParaRPr lang="fr-FR" sz="3200" dirty="0"/>
+              <a:rPr lang="fr-FR" sz="2400" dirty="0"/>
+              <a:t>1) Diagramme de cas d’utilisation</a:t>
+            </a:r>
+            <a:endParaRPr lang="fr-FR" sz="2800" dirty="0"/>
           </a:p>
         </p:txBody>
       </p:sp>
       <p:pic>
         <p:nvPicPr>
-          <p:cNvPr id="4" name="Image 3"/>
+          <p:cNvPr id="3" name="Image 2"/>
           <p:cNvPicPr>
             <a:picLocks noChangeAspect="1"/>
           </p:cNvPicPr>
@@ -8502,8 +9188,8 @@
         </p:blipFill>
         <p:spPr>
           <a:xfrm>
-            <a:off x="230909" y="895928"/>
-            <a:ext cx="11790088" cy="5661890"/>
+            <a:off x="2747662" y="1071418"/>
+            <a:ext cx="7569356" cy="5703455"/>
           </a:xfrm>
           <a:prstGeom prst="rect">
             <a:avLst/>
@@ -8513,7 +9199,86 @@
     </p:spTree>
     <p:extLst>
       <p:ext uri="{BB962C8B-B14F-4D97-AF65-F5344CB8AC3E}">
-        <p14:creationId xmlns:p14="http://schemas.microsoft.com/office/powerpoint/2010/main" val="2445017002"/>
+        <p14:creationId xmlns:p14="http://schemas.microsoft.com/office/powerpoint/2010/main" val="2859212620"/>
+      </p:ext>
+    </p:extLst>
+  </p:cSld>
+  <p:clrMapOvr>
+    <a:masterClrMapping/>
+  </p:clrMapOvr>
+</p:sld>
+</file>
+
+<file path=ppt/slides/slide33.xml><?xml version="1.0" encoding="utf-8"?>
+<p:sld xmlns:a="http://schemas.openxmlformats.org/drawingml/2006/main" xmlns:r="http://schemas.openxmlformats.org/officeDocument/2006/relationships" xmlns:p="http://schemas.openxmlformats.org/presentationml/2006/main">
+  <p:cSld>
+    <p:spTree>
+      <p:nvGrpSpPr>
+        <p:cNvPr id="1" name=""/>
+        <p:cNvGrpSpPr/>
+        <p:nvPr/>
+      </p:nvGrpSpPr>
+      <p:grpSpPr>
+        <a:xfrm>
+          <a:off x="0" y="0"/>
+          <a:ext cx="0" cy="0"/>
+          <a:chOff x="0" y="0"/>
+          <a:chExt cx="0" cy="0"/>
+        </a:xfrm>
+      </p:grpSpPr>
+      <p:sp>
+        <p:nvSpPr>
+          <p:cNvPr id="2" name="Titre 1"/>
+          <p:cNvSpPr>
+            <a:spLocks noGrp="1"/>
+          </p:cNvSpPr>
+          <p:nvPr>
+            <p:ph type="title"/>
+          </p:nvPr>
+        </p:nvSpPr>
+        <p:spPr>
+          <a:xfrm>
+            <a:off x="838200" y="0"/>
+            <a:ext cx="10515600" cy="487729"/>
+          </a:xfrm>
+        </p:spPr>
+        <p:txBody>
+          <a:bodyPr>
+            <a:normAutofit/>
+          </a:bodyPr>
+          <a:lstStyle/>
+          <a:p>
+            <a:pPr algn="ctr"/>
+            <a:r>
+              <a:rPr lang="fr-FR" sz="2800" dirty="0"/>
+              <a:t>2) Scénario</a:t>
+            </a:r>
+          </a:p>
+        </p:txBody>
+      </p:sp>
+      <p:sp>
+        <p:nvSpPr>
+          <p:cNvPr id="4" name="Espace réservé du contenu 3"/>
+          <p:cNvSpPr>
+            <a:spLocks noGrp="1"/>
+          </p:cNvSpPr>
+          <p:nvPr>
+            <p:ph idx="1"/>
+          </p:nvPr>
+        </p:nvSpPr>
+        <p:spPr/>
+        <p:txBody>
+          <a:bodyPr/>
+          <a:lstStyle/>
+          <a:p>
+            <a:endParaRPr lang="fr-FR"/>
+          </a:p>
+        </p:txBody>
+      </p:sp>
+    </p:spTree>
+    <p:extLst>
+      <p:ext uri="{BB962C8B-B14F-4D97-AF65-F5344CB8AC3E}">
+        <p14:creationId xmlns:p14="http://schemas.microsoft.com/office/powerpoint/2010/main" val="266929531"/>
       </p:ext>
     </p:extLst>
   </p:cSld>
@@ -8563,33 +9328,71 @@
         </p:nvSpPr>
         <p:spPr>
           <a:xfrm>
-            <a:off x="838200" y="365125"/>
-            <a:ext cx="10515600" cy="496521"/>
+            <a:off x="759068" y="0"/>
+            <a:ext cx="10515600" cy="1169377"/>
           </a:xfrm>
         </p:spPr>
         <p:txBody>
           <a:bodyPr>
-            <a:normAutofit/>
+            <a:normAutofit fontScale="90000"/>
           </a:bodyPr>
           <a:lstStyle/>
           <a:p>
-            <a:pPr algn="ctr"/>
-            <a:r>
-              <a:rPr lang="fr-FR" sz="2400" dirty="0"/>
-              <a:t>b) Switch de page de par le C++</a:t>
-            </a:r>
+            <a:pPr lvl="2" algn="ctr" rtl="0">
+              <a:lnSpc>
+                <a:spcPct val="90000"/>
+              </a:lnSpc>
+              <a:spcBef>
+                <a:spcPct val="0"/>
+              </a:spcBef>
+            </a:pPr>
+            <a:r>
+              <a:rPr lang="fr-FR" sz="3100" dirty="0">
+                <a:latin typeface="+mj-lt"/>
+              </a:rPr>
+              <a:t>3) Diagramme de séquence</a:t>
+            </a:r>
+            <a:r>
+              <a:rPr lang="fr-FR" sz="3200" dirty="0">
+                <a:latin typeface="+mj-lt"/>
+              </a:rPr>
+              <a:t/>
+            </a:r>
+            <a:br>
+              <a:rPr lang="fr-FR" sz="3200" dirty="0">
+                <a:latin typeface="+mj-lt"/>
+              </a:rPr>
+            </a:br>
+            <a:r>
+              <a:rPr lang="fr-FR" sz="3200" dirty="0">
+                <a:latin typeface="+mj-lt"/>
+              </a:rPr>
+              <a:t>	</a:t>
+            </a:r>
+            <a:r>
+              <a:rPr lang="fr-FR" sz="2400" dirty="0">
+                <a:latin typeface="+mj-lt"/>
+              </a:rPr>
+              <a:t>a) Affichage des infos en temps réels</a:t>
+            </a:r>
+            <a:r>
+              <a:rPr lang="fr-FR" dirty="0"/>
+              <a:t/>
+            </a:r>
+            <a:br>
+              <a:rPr lang="fr-FR" dirty="0"/>
+            </a:br>
+            <a:endParaRPr lang="fr-FR" sz="3200" dirty="0"/>
           </a:p>
         </p:txBody>
       </p:sp>
       <p:pic>
         <p:nvPicPr>
-          <p:cNvPr id="4" name="Espace réservé du contenu 3"/>
+          <p:cNvPr id="4" name="Image 3"/>
           <p:cNvPicPr>
-            <a:picLocks noGrp="1" noChangeAspect="1"/>
+            <a:picLocks noChangeAspect="1"/>
           </p:cNvPicPr>
-          <p:nvPr>
-            <p:ph idx="1"/>
-          </p:nvPr>
+          <p:nvPr/>
         </p:nvPicPr>
         <p:blipFill>
           <a:blip r:embed="rId2">
@@ -8605,15 +9408,18 @@
         </p:blipFill>
         <p:spPr>
           <a:xfrm>
-            <a:off x="595551" y="1195754"/>
-            <a:ext cx="11000897" cy="5077338"/>
-          </a:xfrm>
+            <a:off x="230909" y="895928"/>
+            <a:ext cx="11790088" cy="5661890"/>
+          </a:xfrm>
+          <a:prstGeom prst="rect">
+            <a:avLst/>
+          </a:prstGeom>
         </p:spPr>
       </p:pic>
     </p:spTree>
     <p:extLst>
       <p:ext uri="{BB962C8B-B14F-4D97-AF65-F5344CB8AC3E}">
-        <p14:creationId xmlns:p14="http://schemas.microsoft.com/office/powerpoint/2010/main" val="1431005910"/>
+        <p14:creationId xmlns:p14="http://schemas.microsoft.com/office/powerpoint/2010/main" val="2445017002"/>
       </p:ext>
     </p:extLst>
   </p:cSld>
@@ -8661,121 +9467,35 @@
             <p:ph type="title"/>
           </p:nvPr>
         </p:nvSpPr>
-        <p:spPr/>
-        <p:txBody>
-          <a:bodyPr/>
-          <a:lstStyle/>
-          <a:p>
-            <a:r>
-              <a:rPr lang="fr-FR" dirty="0"/>
-              <a:t>II) Etude physique du WI-FI</a:t>
-            </a:r>
-            <a:br>
-              <a:rPr lang="fr-FR" dirty="0"/>
-            </a:br>
-            <a:endParaRPr lang="fr-FR" dirty="0"/>
-          </a:p>
-        </p:txBody>
-      </p:sp>
-      <p:sp>
-        <p:nvSpPr>
-          <p:cNvPr id="4" name="ZoneTexte 3"/>
-          <p:cNvSpPr txBox="1"/>
-          <p:nvPr/>
-        </p:nvSpPr>
-        <p:spPr>
-          <a:xfrm>
-            <a:off x="838200" y="1283854"/>
-            <a:ext cx="4574309" cy="5078313"/>
-          </a:xfrm>
-          <a:prstGeom prst="rect">
-            <a:avLst/>
-          </a:prstGeom>
-          <a:noFill/>
-        </p:spPr>
-        <p:txBody>
-          <a:bodyPr wrap="square" rtlCol="0">
-            <a:spAutoFit/>
+        <p:spPr>
+          <a:xfrm>
+            <a:off x="838200" y="365125"/>
+            <a:ext cx="10515600" cy="496521"/>
+          </a:xfrm>
+        </p:spPr>
+        <p:txBody>
+          <a:bodyPr>
+            <a:normAutofit/>
           </a:bodyPr>
           <a:lstStyle/>
           <a:p>
-            <a:r>
-              <a:rPr lang="fr-FR" dirty="0">
-                <a:effectLst>
-                  <a:outerShdw blurRad="38100" dist="25400" dir="5400000" algn="ctr">
-                    <a:srgbClr val="6E747A">
-                      <a:alpha val="43000"/>
-                    </a:srgbClr>
-                  </a:outerShdw>
-                </a:effectLst>
-              </a:rPr>
-              <a:t>1.1 Introduction du WIFI</a:t>
-            </a:r>
-            <a:endParaRPr lang="fr-FR" dirty="0"/>
-          </a:p>
-          <a:p>
-            <a:r>
-              <a:rPr lang="fr-FR" dirty="0">
-                <a:effectLst>
-                  <a:outerShdw blurRad="38100" dist="25400" dir="5400000" algn="ctr">
-                    <a:srgbClr val="6E747A">
-                      <a:alpha val="43000"/>
-                    </a:srgbClr>
-                  </a:outerShdw>
-                </a:effectLst>
-              </a:rPr>
-              <a:t> </a:t>
-            </a:r>
-            <a:endParaRPr lang="fr-FR" dirty="0"/>
-          </a:p>
-          <a:p>
-            <a:r>
-              <a:rPr lang="fr-FR" dirty="0"/>
-              <a:t>Le WIFI est une norme de transmission de données qui se fait par des ondes électromagnétiques qui permet de relier entre elles plusieurs appareils informatiques de type ordinateur ,téléphone mobile </a:t>
-            </a:r>
-            <a:r>
-              <a:rPr lang="fr-FR" dirty="0" err="1"/>
-              <a:t>etc</a:t>
-            </a:r>
-            <a:r>
-              <a:rPr lang="fr-FR" dirty="0"/>
-              <a:t> .., le débit change selon la norme IEEE  . Ce sont les protocoles de wifi qui sont soumis à des règles physiques.</a:t>
-            </a:r>
-          </a:p>
-          <a:p>
-            <a:r>
-              <a:rPr lang="fr-FR" dirty="0"/>
-              <a:t>La portée du WIFI peut s’étendre jusqu’à plusieurs dizaines de mètres si il n’y a aucun obstacle de gêne qui perturbe la propagation des ondes .</a:t>
-            </a:r>
-          </a:p>
-          <a:p>
-            <a:endParaRPr lang="fr-FR" dirty="0"/>
-          </a:p>
-          <a:p>
-            <a:r>
-              <a:rPr lang="fr-FR" dirty="0"/>
-              <a:t>1 FT </a:t>
-            </a:r>
-            <a:r>
-              <a:rPr lang="fr-FR" b="1" dirty="0"/>
-              <a:t>≃ 30.48 cm</a:t>
-            </a:r>
-          </a:p>
-          <a:p>
-            <a:endParaRPr lang="fr-FR" dirty="0"/>
-          </a:p>
-          <a:p>
-            <a:endParaRPr lang="fr-FR" dirty="0"/>
+            <a:pPr algn="ctr"/>
+            <a:r>
+              <a:rPr lang="fr-FR" sz="2400" dirty="0"/>
+              <a:t>b) Switch de page de par le C++</a:t>
+            </a:r>
           </a:p>
         </p:txBody>
       </p:sp>
       <p:pic>
         <p:nvPicPr>
-          <p:cNvPr id="1026" name="Picture 2" descr="Résultat de recherche d'images pour &quot;802.11 wifi&quot;&quot;"/>
+          <p:cNvPr id="4" name="Espace réservé du contenu 3"/>
           <p:cNvPicPr>
-            <a:picLocks noChangeAspect="1" noChangeArrowheads="1"/>
+            <a:picLocks noGrp="1" noChangeAspect="1"/>
           </p:cNvPicPr>
-          <p:nvPr/>
+          <p:nvPr>
+            <p:ph idx="1"/>
+          </p:nvPr>
         </p:nvPicPr>
         <p:blipFill>
           <a:blip r:embed="rId2">
@@ -8785,64 +9505,21 @@
               </a:ext>
             </a:extLst>
           </a:blip>
-          <a:srcRect/>
           <a:stretch>
             <a:fillRect/>
           </a:stretch>
         </p:blipFill>
-        <p:spPr bwMode="auto">
-          <a:xfrm>
-            <a:off x="5723081" y="1150476"/>
-            <a:ext cx="5813136" cy="5622067"/>
-          </a:xfrm>
-          <a:prstGeom prst="rect">
-            <a:avLst/>
-          </a:prstGeom>
-          <a:noFill/>
-          <a:extLst>
-            <a:ext uri="{909E8E84-426E-40DD-AFC4-6F175D3DCCD1}">
-              <a14:hiddenFill xmlns:a14="http://schemas.microsoft.com/office/drawing/2010/main">
-                <a:solidFill>
-                  <a:srgbClr val="FFFFFF"/>
-                </a:solidFill>
-              </a14:hiddenFill>
-            </a:ext>
-          </a:extLst>
+        <p:spPr>
+          <a:xfrm>
+            <a:off x="595551" y="1195754"/>
+            <a:ext cx="11000897" cy="5077338"/>
+          </a:xfrm>
         </p:spPr>
       </p:pic>
-      <p:sp>
-        <p:nvSpPr>
-          <p:cNvPr id="5" name="ZoneTexte 4"/>
-          <p:cNvSpPr txBox="1"/>
-          <p:nvPr/>
-        </p:nvSpPr>
-        <p:spPr>
-          <a:xfrm>
-            <a:off x="7897091" y="874017"/>
-            <a:ext cx="2604654" cy="307777"/>
-          </a:xfrm>
-          <a:prstGeom prst="rect">
-            <a:avLst/>
-          </a:prstGeom>
-          <a:noFill/>
-        </p:spPr>
-        <p:txBody>
-          <a:bodyPr wrap="square" rtlCol="0">
-            <a:spAutoFit/>
-          </a:bodyPr>
-          <a:lstStyle/>
-          <a:p>
-            <a:r>
-              <a:rPr lang="fr-FR" sz="1400" dirty="0"/>
-              <a:t>Source www.cnx.software.com</a:t>
-            </a:r>
-          </a:p>
-        </p:txBody>
-      </p:sp>
     </p:spTree>
     <p:extLst>
       <p:ext uri="{BB962C8B-B14F-4D97-AF65-F5344CB8AC3E}">
-        <p14:creationId xmlns:p14="http://schemas.microsoft.com/office/powerpoint/2010/main" val="700170699"/>
+        <p14:creationId xmlns:p14="http://schemas.microsoft.com/office/powerpoint/2010/main" val="1431005910"/>
       </p:ext>
     </p:extLst>
   </p:cSld>
@@ -8882,28 +9559,54 @@
       </p:grpSpPr>
       <p:sp>
         <p:nvSpPr>
-          <p:cNvPr id="3" name="Espace réservé du contenu 2"/>
+          <p:cNvPr id="2" name="Titre 1"/>
           <p:cNvSpPr>
             <a:spLocks noGrp="1"/>
           </p:cNvSpPr>
           <p:nvPr>
-            <p:ph idx="1"/>
-          </p:nvPr>
-        </p:nvSpPr>
-        <p:spPr>
-          <a:xfrm>
-            <a:off x="394854" y="646545"/>
-            <a:ext cx="5728855" cy="5308745"/>
-          </a:xfrm>
-        </p:spPr>
-        <p:txBody>
-          <a:bodyPr>
-            <a:normAutofit lnSpcReduction="10000"/>
+            <p:ph type="title"/>
+          </p:nvPr>
+        </p:nvSpPr>
+        <p:spPr/>
+        <p:txBody>
+          <a:bodyPr/>
+          <a:lstStyle/>
+          <a:p>
+            <a:r>
+              <a:rPr lang="fr-FR" dirty="0"/>
+              <a:t>II) Etude physique du WI-FI</a:t>
+            </a:r>
+            <a:br>
+              <a:rPr lang="fr-FR" dirty="0"/>
+            </a:br>
+            <a:endParaRPr lang="fr-FR" dirty="0"/>
+          </a:p>
+        </p:txBody>
+      </p:sp>
+      <p:sp>
+        <p:nvSpPr>
+          <p:cNvPr id="4" name="ZoneTexte 3"/>
+          <p:cNvSpPr txBox="1"/>
+          <p:nvPr/>
+        </p:nvSpPr>
+        <p:spPr>
+          <a:xfrm>
+            <a:off x="838200" y="1283854"/>
+            <a:ext cx="4574309" cy="5078313"/>
+          </a:xfrm>
+          <a:prstGeom prst="rect">
+            <a:avLst/>
+          </a:prstGeom>
+          <a:noFill/>
+        </p:spPr>
+        <p:txBody>
+          <a:bodyPr wrap="square" rtlCol="0">
+            <a:spAutoFit/>
           </a:bodyPr>
           <a:lstStyle/>
           <a:p>
             <a:r>
-              <a:rPr lang="fr-FR" sz="2600" dirty="0">
+              <a:rPr lang="fr-FR" dirty="0">
                 <a:effectLst>
                   <a:outerShdw blurRad="38100" dist="25400" dir="5400000" algn="ctr">
                     <a:srgbClr val="6E747A">
@@ -8912,18 +9615,60 @@
                   </a:outerShdw>
                 </a:effectLst>
               </a:rPr>
-              <a:t>1.2 Principe du fonctionnement</a:t>
-            </a:r>
-            <a:endParaRPr lang="fr-FR" sz="2600" dirty="0"/>
-          </a:p>
-          <a:p>
-            <a:pPr marL="0" indent="0">
-              <a:buNone/>
-            </a:pPr>
-            <a:r>
-              <a:rPr lang="fr-FR" sz="2600" dirty="0"/>
-              <a:t>   Tout d’abord pour que la connexion WIFI fonctionne il faut avoir un objet équipé d’un adaptateur réseau qui va convertir les informations en un signal radio . Ces information seront communiqué au routeur (décodeur) ,une fois décodées elles peuvent être transmises sur internet.  Le réseau sans fil (le wifi ) se repose sur un trafic bidirectionnel c’est-à-dire que à l’inverse les données envoyées d’internet sont envoyées vers le routeur pour être transformes dans un signal radio qui seront ensuite réceptionnées par l’objet équipé d’un adaptateur réseau .</a:t>
-            </a:r>
+              <a:t>1.1 Introduction du WIFI</a:t>
+            </a:r>
+            <a:endParaRPr lang="fr-FR" dirty="0"/>
+          </a:p>
+          <a:p>
+            <a:r>
+              <a:rPr lang="fr-FR" dirty="0">
+                <a:effectLst>
+                  <a:outerShdw blurRad="38100" dist="25400" dir="5400000" algn="ctr">
+                    <a:srgbClr val="6E747A">
+                      <a:alpha val="43000"/>
+                    </a:srgbClr>
+                  </a:outerShdw>
+                </a:effectLst>
+              </a:rPr>
+              <a:t> </a:t>
+            </a:r>
+            <a:endParaRPr lang="fr-FR" dirty="0"/>
+          </a:p>
+          <a:p>
+            <a:r>
+              <a:rPr lang="fr-FR" dirty="0"/>
+              <a:t>Le WIFI est une norme de transmission de données qui se fait par des ondes électromagnétiques qui permet de relier entre elles plusieurs appareils informatiques de type ordinateur ,téléphone mobile </a:t>
+            </a:r>
+            <a:r>
+              <a:rPr lang="fr-FR" dirty="0" err="1"/>
+              <a:t>etc</a:t>
+            </a:r>
+            <a:r>
+              <a:rPr lang="fr-FR" dirty="0"/>
+              <a:t> .., le débit change selon la norme IEEE  . Ce sont les protocoles de wifi qui sont soumis à des règles physiques.</a:t>
+            </a:r>
+          </a:p>
+          <a:p>
+            <a:r>
+              <a:rPr lang="fr-FR" dirty="0"/>
+              <a:t>La portée du WIFI peut s’étendre jusqu’à plusieurs dizaines de mètres si il n’y a aucun obstacle de gêne qui perturbe la propagation des ondes .</a:t>
+            </a:r>
+          </a:p>
+          <a:p>
+            <a:endParaRPr lang="fr-FR" dirty="0"/>
+          </a:p>
+          <a:p>
+            <a:r>
+              <a:rPr lang="fr-FR" dirty="0"/>
+              <a:t>1 FT </a:t>
+            </a:r>
+            <a:r>
+              <a:rPr lang="fr-FR" b="1" dirty="0"/>
+              <a:t>≃ 30.48 cm</a:t>
+            </a:r>
+          </a:p>
+          <a:p>
+            <a:endParaRPr lang="fr-FR" dirty="0"/>
           </a:p>
           <a:p>
             <a:endParaRPr lang="fr-FR" dirty="0"/>
@@ -8932,7 +9677,7 @@
       </p:sp>
       <p:pic>
         <p:nvPicPr>
-          <p:cNvPr id="2052" name="Picture 4" descr="Modem routeur"/>
+          <p:cNvPr id="1026" name="Picture 2" descr="Résultat de recherche d'images pour &quot;802.11 wifi&quot;&quot;"/>
           <p:cNvPicPr>
             <a:picLocks noChangeAspect="1" noChangeArrowheads="1"/>
           </p:cNvPicPr>
@@ -8953,8 +9698,8 @@
         </p:blipFill>
         <p:spPr bwMode="auto">
           <a:xfrm>
-            <a:off x="6510194" y="1107858"/>
-            <a:ext cx="5012706" cy="4386118"/>
+            <a:off x="5723081" y="1150476"/>
+            <a:ext cx="5813136" cy="5622067"/>
           </a:xfrm>
           <a:prstGeom prst="rect">
             <a:avLst/>
@@ -8973,14 +9718,14 @@
       </p:pic>
       <p:sp>
         <p:nvSpPr>
-          <p:cNvPr id="4" name="ZoneTexte 3"/>
+          <p:cNvPr id="5" name="ZoneTexte 4"/>
           <p:cNvSpPr txBox="1"/>
           <p:nvPr/>
         </p:nvSpPr>
         <p:spPr>
           <a:xfrm>
-            <a:off x="7453745" y="800081"/>
-            <a:ext cx="4069155" cy="307777"/>
+            <a:off x="7897091" y="874017"/>
+            <a:ext cx="2604654" cy="307777"/>
           </a:xfrm>
           <a:prstGeom prst="rect">
             <a:avLst/>
@@ -8995,7 +9740,7 @@
           <a:p>
             <a:r>
               <a:rPr lang="fr-FR" sz="1400" dirty="0"/>
-              <a:t>Source : questions.heffge.fr</a:t>
+              <a:t>Source www.cnx.software.com</a:t>
             </a:r>
           </a:p>
         </p:txBody>
@@ -9003,7 +9748,7 @@
     </p:spTree>
     <p:extLst>
       <p:ext uri="{BB962C8B-B14F-4D97-AF65-F5344CB8AC3E}">
-        <p14:creationId xmlns:p14="http://schemas.microsoft.com/office/powerpoint/2010/main" val="1919668917"/>
+        <p14:creationId xmlns:p14="http://schemas.microsoft.com/office/powerpoint/2010/main" val="700170699"/>
       </p:ext>
     </p:extLst>
   </p:cSld>
@@ -9053,16 +9798,18 @@
         </p:nvSpPr>
         <p:spPr>
           <a:xfrm>
-            <a:off x="293255" y="606425"/>
-            <a:ext cx="6680200" cy="4351338"/>
-          </a:xfrm>
-        </p:spPr>
-        <p:txBody>
-          <a:bodyPr/>
-          <a:lstStyle/>
-          <a:p>
-            <a:r>
-              <a:rPr lang="fr-FR" sz="2400" dirty="0">
+            <a:off x="394854" y="646545"/>
+            <a:ext cx="5728855" cy="5308745"/>
+          </a:xfrm>
+        </p:spPr>
+        <p:txBody>
+          <a:bodyPr>
+            <a:normAutofit lnSpcReduction="10000"/>
+          </a:bodyPr>
+          <a:lstStyle/>
+          <a:p>
+            <a:r>
+              <a:rPr lang="fr-FR" sz="2600" dirty="0">
                 <a:effectLst>
                   <a:outerShdw blurRad="38100" dist="25400" dir="5400000" algn="ctr">
                     <a:srgbClr val="6E747A">
@@ -9071,63 +9818,18 @@
                   </a:outerShdw>
                 </a:effectLst>
               </a:rPr>
-              <a:t>1.3 Principe du fonctionnement physique</a:t>
-            </a:r>
-            <a:endParaRPr lang="fr-FR" sz="2400" dirty="0"/>
+              <a:t>1.2 Principe du fonctionnement</a:t>
+            </a:r>
+            <a:endParaRPr lang="fr-FR" sz="2600" dirty="0"/>
           </a:p>
           <a:p>
             <a:pPr marL="0" indent="0">
               <a:buNone/>
             </a:pPr>
             <a:r>
-              <a:rPr lang="fr-FR" sz="2400" dirty="0">
-                <a:effectLst>
-                  <a:outerShdw blurRad="38100" dist="25400" dir="5400000" algn="ctr">
-                    <a:srgbClr val="6E747A">
-                      <a:alpha val="43000"/>
-                    </a:srgbClr>
-                  </a:outerShdw>
-                </a:effectLst>
-              </a:rPr>
-              <a:t> </a:t>
-            </a:r>
-            <a:endParaRPr lang="fr-FR" sz="2400" dirty="0"/>
-          </a:p>
-          <a:p>
-            <a:pPr marL="0" indent="0">
-              <a:buNone/>
-            </a:pPr>
-            <a:r>
-              <a:rPr lang="fr-FR" sz="2400" dirty="0"/>
-              <a:t>L’onde électromagnétique est formée par le couplage de l’onde électrique E et l’onde magnétique B . La fréquence à son tour est déterminée par la célérité (c)</a:t>
-            </a:r>
-          </a:p>
-          <a:p>
-            <a:pPr marL="0" indent="0">
-              <a:buNone/>
-            </a:pPr>
-            <a:r>
-              <a:rPr lang="fr-FR" sz="2400" dirty="0"/>
-              <a:t>et la longueur d’one  (l) .</a:t>
-            </a:r>
-          </a:p>
-          <a:p>
-            <a:pPr marL="0" indent="0">
-              <a:buNone/>
-            </a:pPr>
-            <a:r>
-              <a:rPr lang="fr-FR" sz="2400" dirty="0">
-                <a:effectLst>
-                  <a:outerShdw blurRad="38100" dist="25400" dir="5400000" algn="ctr">
-                    <a:srgbClr val="6E747A">
-                      <a:alpha val="43000"/>
-                    </a:srgbClr>
-                  </a:outerShdw>
-                </a:effectLst>
-              </a:rPr>
-              <a:t> </a:t>
-            </a:r>
-            <a:endParaRPr lang="fr-FR" sz="2400" dirty="0"/>
+              <a:rPr lang="fr-FR" sz="2600" dirty="0"/>
+              <a:t>   Tout d’abord pour que la connexion WIFI fonctionne il faut avoir un objet équipé d’un adaptateur réseau qui va convertir les informations en un signal radio . Ces information seront communiqué au routeur (décodeur) ,une fois décodées elles peuvent être transmises sur internet.  Le réseau sans fil (le wifi ) se repose sur un trafic bidirectionnel c’est-à-dire que à l’inverse les données envoyées d’internet sont envoyées vers le routeur pour être transformes dans un signal radio qui seront ensuite réceptionnées par l’objet équipé d’un adaptateur réseau .</a:t>
+            </a:r>
           </a:p>
           <a:p>
             <a:endParaRPr lang="fr-FR" dirty="0"/>
@@ -9136,8 +9838,10 @@
       </p:sp>
       <p:pic>
         <p:nvPicPr>
-          <p:cNvPr id="4" name="Picture 34"/>
-          <p:cNvPicPr/>
+          <p:cNvPr id="2052" name="Picture 4" descr="Modem routeur"/>
+          <p:cNvPicPr>
+            <a:picLocks noChangeAspect="1" noChangeArrowheads="1"/>
+          </p:cNvPicPr>
           <p:nvPr/>
         </p:nvPicPr>
         <p:blipFill>
@@ -9155,28 +9859,34 @@
         </p:blipFill>
         <p:spPr bwMode="auto">
           <a:xfrm>
-            <a:off x="7277823" y="1939636"/>
-            <a:ext cx="4101378" cy="3528291"/>
+            <a:off x="6510194" y="1107858"/>
+            <a:ext cx="5012706" cy="4386118"/>
           </a:xfrm>
           <a:prstGeom prst="rect">
             <a:avLst/>
           </a:prstGeom>
           <a:noFill/>
-          <a:ln>
-            <a:noFill/>
-          </a:ln>
+          <a:extLst>
+            <a:ext uri="{909E8E84-426E-40DD-AFC4-6F175D3DCCD1}">
+              <a14:hiddenFill xmlns:a14="http://schemas.microsoft.com/office/drawing/2010/main">
+                <a:solidFill>
+                  <a:srgbClr val="FFFFFF"/>
+                </a:solidFill>
+              </a14:hiddenFill>
+            </a:ext>
+          </a:extLst>
         </p:spPr>
       </p:pic>
       <p:sp>
         <p:nvSpPr>
-          <p:cNvPr id="5" name="ZoneTexte 4"/>
+          <p:cNvPr id="4" name="ZoneTexte 3"/>
           <p:cNvSpPr txBox="1"/>
           <p:nvPr/>
         </p:nvSpPr>
         <p:spPr>
           <a:xfrm>
-            <a:off x="7924800" y="1542473"/>
-            <a:ext cx="3158836" cy="307777"/>
+            <a:off x="7453745" y="800081"/>
+            <a:ext cx="4069155" cy="307777"/>
           </a:xfrm>
           <a:prstGeom prst="rect">
             <a:avLst/>
@@ -9191,7 +9901,7 @@
           <a:p>
             <a:r>
               <a:rPr lang="fr-FR" sz="1400" dirty="0"/>
-              <a:t>Source : www.radiomateur.org</a:t>
+              <a:t>Source : questions.heffge.fr</a:t>
             </a:r>
           </a:p>
         </p:txBody>
@@ -9199,7 +9909,7 @@
     </p:spTree>
     <p:extLst>
       <p:ext uri="{BB962C8B-B14F-4D97-AF65-F5344CB8AC3E}">
-        <p14:creationId xmlns:p14="http://schemas.microsoft.com/office/powerpoint/2010/main" val="1617756300"/>
+        <p14:creationId xmlns:p14="http://schemas.microsoft.com/office/powerpoint/2010/main" val="1919668917"/>
       </p:ext>
     </p:extLst>
   </p:cSld>
@@ -9249,47 +9959,14 @@
         </p:nvSpPr>
         <p:spPr>
           <a:xfrm>
-            <a:off x="311728" y="495588"/>
-            <a:ext cx="6366163" cy="6459393"/>
+            <a:off x="293255" y="606425"/>
+            <a:ext cx="6680200" cy="4351338"/>
           </a:xfrm>
         </p:spPr>
         <p:txBody>
           <a:bodyPr/>
           <a:lstStyle/>
           <a:p>
-            <a:pPr marL="0" indent="0">
-              <a:buNone/>
-            </a:pPr>
-            <a:r>
-              <a:rPr lang="fr-FR" b="1" dirty="0">
-                <a:effectLst>
-                  <a:outerShdw blurRad="38100" dist="25400" dir="5400000" algn="ctr">
-                    <a:srgbClr val="6E747A">
-                      <a:alpha val="43000"/>
-                    </a:srgbClr>
-                  </a:outerShdw>
-                </a:effectLst>
-              </a:rPr>
-              <a:t>2</a:t>
-            </a:r>
-            <a:r>
-              <a:rPr lang="fr-FR" sz="2400" b="1" dirty="0">
-                <a:effectLst>
-                  <a:outerShdw blurRad="38100" dist="25400" dir="5400000" algn="ctr">
-                    <a:srgbClr val="6E747A">
-                      <a:alpha val="43000"/>
-                    </a:srgbClr>
-                  </a:outerShdw>
-                </a:effectLst>
-              </a:rPr>
-              <a:t>.) Utilisation et choix du Wifi .</a:t>
-            </a:r>
-            <a:endParaRPr lang="fr-FR" sz="2400" dirty="0"/>
-          </a:p>
-          <a:p>
-            <a:pPr marL="0" indent="0">
-              <a:buNone/>
-            </a:pPr>
             <a:r>
               <a:rPr lang="fr-FR" sz="2400" dirty="0">
                 <a:effectLst>
@@ -9300,7 +9977,7 @@
                   </a:outerShdw>
                 </a:effectLst>
               </a:rPr>
-              <a:t>2.1 Utilisation précise du Wifi</a:t>
+              <a:t>1.3 Principe du fonctionnement physique</a:t>
             </a:r>
             <a:endParaRPr lang="fr-FR" sz="2400" dirty="0"/>
           </a:p>
@@ -9323,31 +10000,112 @@
             <a:endParaRPr lang="fr-FR" sz="2400" dirty="0"/>
           </a:p>
           <a:p>
+            <a:pPr marL="0" indent="0">
+              <a:buNone/>
+            </a:pPr>
             <a:r>
               <a:rPr lang="fr-FR" sz="2400" dirty="0"/>
-              <a:t>Dans notre cas , l’utilisation du wifi va nous être utile car les courses seront lancés à l’extérieur donc il faudrait que les requêtes </a:t>
-            </a:r>
-            <a:r>
-              <a:rPr lang="fr-FR" sz="2400" dirty="0" err="1"/>
-              <a:t>sql</a:t>
-            </a:r>
+              <a:t>L’onde électromagnétique est formée par le couplage de l’onde électrique E et l’onde magnétique B . La fréquence à son tour est déterminée par la célérité (c)</a:t>
+            </a:r>
+          </a:p>
+          <a:p>
+            <a:pPr marL="0" indent="0">
+              <a:buNone/>
+            </a:pPr>
             <a:r>
               <a:rPr lang="fr-FR" sz="2400" dirty="0"/>
-              <a:t> s’envoient sur la BDD rapidement tout en ayant cette sureté d’arriver et la rapidité d’affichage sur les écrans. </a:t>
-            </a:r>
+              <a:t>et la longueur d’one  (l) .</a:t>
+            </a:r>
+          </a:p>
+          <a:p>
+            <a:pPr marL="0" indent="0">
+              <a:buNone/>
+            </a:pPr>
+            <a:r>
+              <a:rPr lang="fr-FR" sz="2400" dirty="0">
+                <a:effectLst>
+                  <a:outerShdw blurRad="38100" dist="25400" dir="5400000" algn="ctr">
+                    <a:srgbClr val="6E747A">
+                      <a:alpha val="43000"/>
+                    </a:srgbClr>
+                  </a:outerShdw>
+                </a:effectLst>
+              </a:rPr>
+              <a:t> </a:t>
+            </a:r>
+            <a:endParaRPr lang="fr-FR" sz="2400" dirty="0"/>
           </a:p>
           <a:p>
             <a:endParaRPr lang="fr-FR" dirty="0"/>
           </a:p>
-          <a:p>
-            <a:endParaRPr lang="fr-FR" dirty="0"/>
+        </p:txBody>
+      </p:sp>
+      <p:pic>
+        <p:nvPicPr>
+          <p:cNvPr id="4" name="Picture 34"/>
+          <p:cNvPicPr/>
+          <p:nvPr/>
+        </p:nvPicPr>
+        <p:blipFill>
+          <a:blip r:embed="rId2">
+            <a:extLst>
+              <a:ext uri="{28A0092B-C50C-407E-A947-70E740481C1C}">
+                <a14:useLocalDpi xmlns:a14="http://schemas.microsoft.com/office/drawing/2010/main" val="0"/>
+              </a:ext>
+            </a:extLst>
+          </a:blip>
+          <a:srcRect/>
+          <a:stretch>
+            <a:fillRect/>
+          </a:stretch>
+        </p:blipFill>
+        <p:spPr bwMode="auto">
+          <a:xfrm>
+            <a:off x="7277823" y="1939636"/>
+            <a:ext cx="4101378" cy="3528291"/>
+          </a:xfrm>
+          <a:prstGeom prst="rect">
+            <a:avLst/>
+          </a:prstGeom>
+          <a:noFill/>
+          <a:ln>
+            <a:noFill/>
+          </a:ln>
+        </p:spPr>
+      </p:pic>
+      <p:sp>
+        <p:nvSpPr>
+          <p:cNvPr id="5" name="ZoneTexte 4"/>
+          <p:cNvSpPr txBox="1"/>
+          <p:nvPr/>
+        </p:nvSpPr>
+        <p:spPr>
+          <a:xfrm>
+            <a:off x="7924800" y="1542473"/>
+            <a:ext cx="3158836" cy="307777"/>
+          </a:xfrm>
+          <a:prstGeom prst="rect">
+            <a:avLst/>
+          </a:prstGeom>
+          <a:noFill/>
+        </p:spPr>
+        <p:txBody>
+          <a:bodyPr wrap="square" rtlCol="0">
+            <a:spAutoFit/>
+          </a:bodyPr>
+          <a:lstStyle/>
+          <a:p>
+            <a:r>
+              <a:rPr lang="fr-FR" sz="1400" dirty="0"/>
+              <a:t>Source : www.radiomateur.org</a:t>
+            </a:r>
           </a:p>
         </p:txBody>
       </p:sp>
     </p:spTree>
     <p:extLst>
       <p:ext uri="{BB962C8B-B14F-4D97-AF65-F5344CB8AC3E}">
-        <p14:creationId xmlns:p14="http://schemas.microsoft.com/office/powerpoint/2010/main" val="3736197052"/>
+        <p14:creationId xmlns:p14="http://schemas.microsoft.com/office/powerpoint/2010/main" val="1617756300"/>
       </p:ext>
     </p:extLst>
   </p:cSld>
@@ -9387,21 +10145,57 @@
       </p:grpSpPr>
       <p:sp>
         <p:nvSpPr>
-          <p:cNvPr id="2" name="Titre 1"/>
+          <p:cNvPr id="3" name="Espace réservé du contenu 2"/>
           <p:cNvSpPr>
             <a:spLocks noGrp="1"/>
           </p:cNvSpPr>
           <p:nvPr>
-            <p:ph type="title"/>
-          </p:nvPr>
-        </p:nvSpPr>
-        <p:spPr/>
-        <p:txBody>
-          <a:bodyPr>
-            <a:normAutofit/>
-          </a:bodyPr>
-          <a:lstStyle/>
-          <a:p>
+            <p:ph idx="1"/>
+          </p:nvPr>
+        </p:nvSpPr>
+        <p:spPr>
+          <a:xfrm>
+            <a:off x="311728" y="495588"/>
+            <a:ext cx="6366163" cy="6459393"/>
+          </a:xfrm>
+        </p:spPr>
+        <p:txBody>
+          <a:bodyPr/>
+          <a:lstStyle/>
+          <a:p>
+            <a:pPr marL="0" indent="0">
+              <a:buNone/>
+            </a:pPr>
+            <a:r>
+              <a:rPr lang="fr-FR" b="1" dirty="0">
+                <a:effectLst>
+                  <a:outerShdw blurRad="38100" dist="25400" dir="5400000" algn="ctr">
+                    <a:srgbClr val="6E747A">
+                      <a:alpha val="43000"/>
+                    </a:srgbClr>
+                  </a:outerShdw>
+                </a:effectLst>
+              </a:rPr>
+              <a:t>2</a:t>
+            </a:r>
+            <a:r>
+              <a:rPr lang="fr-FR" sz="2400" b="1" dirty="0">
+                <a:effectLst>
+                  <a:outerShdw blurRad="38100" dist="25400" dir="5400000" algn="ctr">
+                    <a:srgbClr val="6E747A">
+                      <a:alpha val="43000"/>
+                    </a:srgbClr>
+                  </a:outerShdw>
+                </a:effectLst>
+              </a:rPr>
+              <a:t>.) Utilisation et choix du Wifi .</a:t>
+            </a:r>
+            <a:endParaRPr lang="fr-FR" sz="2400" dirty="0"/>
+          </a:p>
+          <a:p>
+            <a:pPr marL="0" indent="0">
+              <a:buNone/>
+            </a:pPr>
             <a:r>
               <a:rPr lang="fr-FR" sz="2400" dirty="0">
                 <a:effectLst>
@@ -9411,81 +10205,45 @@
                     </a:srgbClr>
                   </a:outerShdw>
                 </a:effectLst>
-                <a:latin typeface="+mn-lt"/>
               </a:rPr>
-              <a:t>2. 3 Comparaison du Wifi</a:t>
-            </a:r>
+              <a:t>2.1 Utilisation précise du Wifi</a:t>
+            </a:r>
+            <a:endParaRPr lang="fr-FR" sz="2400" dirty="0"/>
+          </a:p>
+          <a:p>
+            <a:pPr marL="0" indent="0">
+              <a:buNone/>
+            </a:pPr>
             <a:r>
               <a:rPr lang="fr-FR" sz="2400" dirty="0">
-                <a:latin typeface="+mn-lt"/>
+                <a:effectLst>
+                  <a:outerShdw blurRad="38100" dist="25400" dir="5400000" algn="ctr">
+                    <a:srgbClr val="6E747A">
+                      <a:alpha val="43000"/>
+                    </a:srgbClr>
+                  </a:outerShdw>
+                </a:effectLst>
               </a:rPr>
-              <a:t/>
-            </a:r>
-            <a:br>
-              <a:rPr lang="fr-FR" sz="2400" dirty="0">
-                <a:latin typeface="+mn-lt"/>
-              </a:rPr>
-            </a:br>
-            <a:endParaRPr lang="fr-FR" sz="2400" dirty="0">
-              <a:latin typeface="+mn-lt"/>
-            </a:endParaRPr>
-          </a:p>
-        </p:txBody>
-      </p:sp>
-      <p:pic>
-        <p:nvPicPr>
-          <p:cNvPr id="4" name="Image 3"/>
-          <p:cNvPicPr/>
-          <p:nvPr/>
-        </p:nvPicPr>
-        <p:blipFill>
-          <a:blip r:embed="rId2">
-            <a:extLst>
-              <a:ext uri="{28A0092B-C50C-407E-A947-70E740481C1C}">
-                <a14:useLocalDpi xmlns:a14="http://schemas.microsoft.com/office/drawing/2010/main" val="0"/>
-              </a:ext>
-            </a:extLst>
-          </a:blip>
-          <a:stretch>
-            <a:fillRect/>
-          </a:stretch>
-        </p:blipFill>
-        <p:spPr>
-          <a:xfrm>
-            <a:off x="2931795" y="1456026"/>
-            <a:ext cx="6328410" cy="2617210"/>
-          </a:xfrm>
-          <a:prstGeom prst="rect">
-            <a:avLst/>
-          </a:prstGeom>
-        </p:spPr>
-      </p:pic>
-      <p:sp>
-        <p:nvSpPr>
-          <p:cNvPr id="5" name="ZoneTexte 4"/>
-          <p:cNvSpPr txBox="1"/>
-          <p:nvPr/>
-        </p:nvSpPr>
-        <p:spPr>
-          <a:xfrm>
-            <a:off x="838200" y="4425473"/>
-            <a:ext cx="5227782" cy="1477328"/>
-          </a:xfrm>
-          <a:prstGeom prst="rect">
-            <a:avLst/>
-          </a:prstGeom>
-          <a:noFill/>
-        </p:spPr>
-        <p:txBody>
-          <a:bodyPr wrap="square" rtlCol="0">
-            <a:spAutoFit/>
-          </a:bodyPr>
-          <a:lstStyle/>
-          <a:p>
-            <a:r>
-              <a:rPr lang="fr-FR" dirty="0"/>
-              <a:t>Dans notre cas l’utilisation du wifi en 5GHz est plus intéressante car la portée est plus élevé tout en ayant un gros débit nécessaire à la transmission des requêtes SQL.</a:t>
-            </a:r>
+              <a:t> </a:t>
+            </a:r>
+            <a:endParaRPr lang="fr-FR" sz="2400" dirty="0"/>
+          </a:p>
+          <a:p>
+            <a:r>
+              <a:rPr lang="fr-FR" sz="2400" dirty="0"/>
+              <a:t>Dans notre cas , l’utilisation du wifi va nous être utile car les courses seront lancés à l’extérieur donc il faudrait que les requêtes </a:t>
+            </a:r>
+            <a:r>
+              <a:rPr lang="fr-FR" sz="2400" dirty="0" err="1"/>
+              <a:t>sql</a:t>
+            </a:r>
+            <a:r>
+              <a:rPr lang="fr-FR" sz="2400" dirty="0"/>
+              <a:t> s’envoient sur la BDD rapidement tout en ayant cette sureté d’arriver et la rapidité d’affichage sur les écrans. </a:t>
+            </a:r>
+          </a:p>
+          <a:p>
+            <a:endParaRPr lang="fr-FR" dirty="0"/>
           </a:p>
           <a:p>
             <a:endParaRPr lang="fr-FR" dirty="0"/>
@@ -9495,7 +10253,7 @@
     </p:spTree>
     <p:extLst>
       <p:ext uri="{BB962C8B-B14F-4D97-AF65-F5344CB8AC3E}">
-        <p14:creationId xmlns:p14="http://schemas.microsoft.com/office/powerpoint/2010/main" val="2605194467"/>
+        <p14:creationId xmlns:p14="http://schemas.microsoft.com/office/powerpoint/2010/main" val="3736197052"/>
       </p:ext>
     </p:extLst>
   </p:cSld>
@@ -9602,6 +10360,154 @@
       </p:par>
     </p:tnLst>
   </p:timing>
+</p:sld>
+</file>
+
+<file path=ppt/slides/slide40.xml><?xml version="1.0" encoding="utf-8"?>
+<p:sld xmlns:a="http://schemas.openxmlformats.org/drawingml/2006/main" xmlns:r="http://schemas.openxmlformats.org/officeDocument/2006/relationships" xmlns:p="http://schemas.openxmlformats.org/presentationml/2006/main">
+  <p:cSld>
+    <p:bg>
+      <p:bgPr>
+        <a:solidFill>
+          <a:schemeClr val="accent6">
+            <a:lumMod val="20000"/>
+            <a:lumOff val="80000"/>
+          </a:schemeClr>
+        </a:solidFill>
+        <a:effectLst/>
+      </p:bgPr>
+    </p:bg>
+    <p:spTree>
+      <p:nvGrpSpPr>
+        <p:cNvPr id="1" name=""/>
+        <p:cNvGrpSpPr/>
+        <p:nvPr/>
+      </p:nvGrpSpPr>
+      <p:grpSpPr>
+        <a:xfrm>
+          <a:off x="0" y="0"/>
+          <a:ext cx="0" cy="0"/>
+          <a:chOff x="0" y="0"/>
+          <a:chExt cx="0" cy="0"/>
+        </a:xfrm>
+      </p:grpSpPr>
+      <p:sp>
+        <p:nvSpPr>
+          <p:cNvPr id="2" name="Titre 1"/>
+          <p:cNvSpPr>
+            <a:spLocks noGrp="1"/>
+          </p:cNvSpPr>
+          <p:nvPr>
+            <p:ph type="title"/>
+          </p:nvPr>
+        </p:nvSpPr>
+        <p:spPr/>
+        <p:txBody>
+          <a:bodyPr>
+            <a:normAutofit/>
+          </a:bodyPr>
+          <a:lstStyle/>
+          <a:p>
+            <a:r>
+              <a:rPr lang="fr-FR" sz="2400" dirty="0">
+                <a:effectLst>
+                  <a:outerShdw blurRad="38100" dist="25400" dir="5400000" algn="ctr">
+                    <a:srgbClr val="6E747A">
+                      <a:alpha val="43000"/>
+                    </a:srgbClr>
+                  </a:outerShdw>
+                </a:effectLst>
+                <a:latin typeface="+mn-lt"/>
+              </a:rPr>
+              <a:t>2. 3 Comparaison du Wifi</a:t>
+            </a:r>
+            <a:r>
+              <a:rPr lang="fr-FR" sz="2400" dirty="0">
+                <a:latin typeface="+mn-lt"/>
+              </a:rPr>
+              <a:t/>
+            </a:r>
+            <a:br>
+              <a:rPr lang="fr-FR" sz="2400" dirty="0">
+                <a:latin typeface="+mn-lt"/>
+              </a:rPr>
+            </a:br>
+            <a:endParaRPr lang="fr-FR" sz="2400" dirty="0">
+              <a:latin typeface="+mn-lt"/>
+            </a:endParaRPr>
+          </a:p>
+        </p:txBody>
+      </p:sp>
+      <p:pic>
+        <p:nvPicPr>
+          <p:cNvPr id="4" name="Image 3"/>
+          <p:cNvPicPr/>
+          <p:nvPr/>
+        </p:nvPicPr>
+        <p:blipFill>
+          <a:blip r:embed="rId2">
+            <a:extLst>
+              <a:ext uri="{28A0092B-C50C-407E-A947-70E740481C1C}">
+                <a14:useLocalDpi xmlns:a14="http://schemas.microsoft.com/office/drawing/2010/main" val="0"/>
+              </a:ext>
+            </a:extLst>
+          </a:blip>
+          <a:stretch>
+            <a:fillRect/>
+          </a:stretch>
+        </p:blipFill>
+        <p:spPr>
+          <a:xfrm>
+            <a:off x="2931795" y="1456026"/>
+            <a:ext cx="6328410" cy="2617210"/>
+          </a:xfrm>
+          <a:prstGeom prst="rect">
+            <a:avLst/>
+          </a:prstGeom>
+        </p:spPr>
+      </p:pic>
+      <p:sp>
+        <p:nvSpPr>
+          <p:cNvPr id="5" name="ZoneTexte 4"/>
+          <p:cNvSpPr txBox="1"/>
+          <p:nvPr/>
+        </p:nvSpPr>
+        <p:spPr>
+          <a:xfrm>
+            <a:off x="838200" y="4425473"/>
+            <a:ext cx="5227782" cy="1477328"/>
+          </a:xfrm>
+          <a:prstGeom prst="rect">
+            <a:avLst/>
+          </a:prstGeom>
+          <a:noFill/>
+        </p:spPr>
+        <p:txBody>
+          <a:bodyPr wrap="square" rtlCol="0">
+            <a:spAutoFit/>
+          </a:bodyPr>
+          <a:lstStyle/>
+          <a:p>
+            <a:r>
+              <a:rPr lang="fr-FR" dirty="0"/>
+              <a:t>Dans notre cas l’utilisation du wifi en 5GHz est plus intéressante car la portée est plus élevé tout en ayant un gros débit nécessaire à la transmission des requêtes SQL.</a:t>
+            </a:r>
+          </a:p>
+          <a:p>
+            <a:endParaRPr lang="fr-FR" dirty="0"/>
+          </a:p>
+        </p:txBody>
+      </p:sp>
+    </p:spTree>
+    <p:extLst>
+      <p:ext uri="{BB962C8B-B14F-4D97-AF65-F5344CB8AC3E}">
+        <p14:creationId xmlns:p14="http://schemas.microsoft.com/office/powerpoint/2010/main" val="2605194467"/>
+      </p:ext>
+    </p:extLst>
+  </p:cSld>
+  <p:clrMapOvr>
+    <a:masterClrMapping/>
+  </p:clrMapOvr>
 </p:sld>
 </file>
 
